--- a/relazione.pptx
+++ b/relazione.pptx
@@ -1,23 +1,23 @@
 
 <file path=ppt/presentation.xml><?xml version="1.0" encoding="utf-8"?>
-<p:presentation xmlns:a="http://schemas.openxmlformats.org/drawingml/2006/main" xmlns:r="http://schemas.openxmlformats.org/officeDocument/2006/relationships" xmlns:p="http://schemas.openxmlformats.org/presentationml/2006/main" saveSubsetFonts="1">
+<p:presentation xmlns:a="http://schemas.openxmlformats.org/drawingml/2006/main" xmlns:r="http://schemas.openxmlformats.org/officeDocument/2006/relationships" xmlns:p="http://schemas.openxmlformats.org/presentationml/2006/main" saveSubsetFonts="1" autoCompressPictures="0">
   <p:sldMasterIdLst>
     <p:sldMasterId id="2147483648" r:id="rId1"/>
   </p:sldMasterIdLst>
   <p:sldIdLst>
     <p:sldId id="256" r:id="rId2"/>
-    <p:sldId id="257" r:id="rId3"/>
-    <p:sldId id="258" r:id="rId4"/>
-    <p:sldId id="259" r:id="rId5"/>
-    <p:sldId id="260" r:id="rId6"/>
+    <p:sldId id="258" r:id="rId3"/>
+    <p:sldId id="259" r:id="rId4"/>
+    <p:sldId id="260" r:id="rId5"/>
+    <p:sldId id="261" r:id="rId6"/>
   </p:sldIdLst>
-  <p:sldSz cx="12192000" cy="6858000"/>
+  <p:sldSz cx="9144000" cy="6858000" type="screen4x3"/>
   <p:notesSz cx="6858000" cy="9144000"/>
   <p:defaultTextStyle>
     <a:defPPr>
       <a:defRPr lang="it-IT"/>
     </a:defPPr>
-    <a:lvl1pPr marL="0" algn="l" defTabSz="914400" rtl="0" eaLnBrk="1" latinLnBrk="0" hangingPunct="1">
+    <a:lvl1pPr marL="0" algn="l" defTabSz="457200" rtl="0" eaLnBrk="1" latinLnBrk="0" hangingPunct="1">
       <a:defRPr sz="1800" kern="1200">
         <a:solidFill>
           <a:schemeClr val="tx1"/>
@@ -27,7 +27,7 @@
         <a:cs typeface="+mn-cs"/>
       </a:defRPr>
     </a:lvl1pPr>
-    <a:lvl2pPr marL="457200" algn="l" defTabSz="914400" rtl="0" eaLnBrk="1" latinLnBrk="0" hangingPunct="1">
+    <a:lvl2pPr marL="457200" algn="l" defTabSz="457200" rtl="0" eaLnBrk="1" latinLnBrk="0" hangingPunct="1">
       <a:defRPr sz="1800" kern="1200">
         <a:solidFill>
           <a:schemeClr val="tx1"/>
@@ -37,7 +37,7 @@
         <a:cs typeface="+mn-cs"/>
       </a:defRPr>
     </a:lvl2pPr>
-    <a:lvl3pPr marL="914400" algn="l" defTabSz="914400" rtl="0" eaLnBrk="1" latinLnBrk="0" hangingPunct="1">
+    <a:lvl3pPr marL="914400" algn="l" defTabSz="457200" rtl="0" eaLnBrk="1" latinLnBrk="0" hangingPunct="1">
       <a:defRPr sz="1800" kern="1200">
         <a:solidFill>
           <a:schemeClr val="tx1"/>
@@ -47,7 +47,7 @@
         <a:cs typeface="+mn-cs"/>
       </a:defRPr>
     </a:lvl3pPr>
-    <a:lvl4pPr marL="1371600" algn="l" defTabSz="914400" rtl="0" eaLnBrk="1" latinLnBrk="0" hangingPunct="1">
+    <a:lvl4pPr marL="1371600" algn="l" defTabSz="457200" rtl="0" eaLnBrk="1" latinLnBrk="0" hangingPunct="1">
       <a:defRPr sz="1800" kern="1200">
         <a:solidFill>
           <a:schemeClr val="tx1"/>
@@ -57,7 +57,7 @@
         <a:cs typeface="+mn-cs"/>
       </a:defRPr>
     </a:lvl4pPr>
-    <a:lvl5pPr marL="1828800" algn="l" defTabSz="914400" rtl="0" eaLnBrk="1" latinLnBrk="0" hangingPunct="1">
+    <a:lvl5pPr marL="1828800" algn="l" defTabSz="457200" rtl="0" eaLnBrk="1" latinLnBrk="0" hangingPunct="1">
       <a:defRPr sz="1800" kern="1200">
         <a:solidFill>
           <a:schemeClr val="tx1"/>
@@ -67,7 +67,7 @@
         <a:cs typeface="+mn-cs"/>
       </a:defRPr>
     </a:lvl5pPr>
-    <a:lvl6pPr marL="2286000" algn="l" defTabSz="914400" rtl="0" eaLnBrk="1" latinLnBrk="0" hangingPunct="1">
+    <a:lvl6pPr marL="2286000" algn="l" defTabSz="457200" rtl="0" eaLnBrk="1" latinLnBrk="0" hangingPunct="1">
       <a:defRPr sz="1800" kern="1200">
         <a:solidFill>
           <a:schemeClr val="tx1"/>
@@ -77,7 +77,7 @@
         <a:cs typeface="+mn-cs"/>
       </a:defRPr>
     </a:lvl6pPr>
-    <a:lvl7pPr marL="2743200" algn="l" defTabSz="914400" rtl="0" eaLnBrk="1" latinLnBrk="0" hangingPunct="1">
+    <a:lvl7pPr marL="2743200" algn="l" defTabSz="457200" rtl="0" eaLnBrk="1" latinLnBrk="0" hangingPunct="1">
       <a:defRPr sz="1800" kern="1200">
         <a:solidFill>
           <a:schemeClr val="tx1"/>
@@ -87,7 +87,7 @@
         <a:cs typeface="+mn-cs"/>
       </a:defRPr>
     </a:lvl7pPr>
-    <a:lvl8pPr marL="3200400" algn="l" defTabSz="914400" rtl="0" eaLnBrk="1" latinLnBrk="0" hangingPunct="1">
+    <a:lvl8pPr marL="3200400" algn="l" defTabSz="457200" rtl="0" eaLnBrk="1" latinLnBrk="0" hangingPunct="1">
       <a:defRPr sz="1800" kern="1200">
         <a:solidFill>
           <a:schemeClr val="tx1"/>
@@ -97,7 +97,7 @@
         <a:cs typeface="+mn-cs"/>
       </a:defRPr>
     </a:lvl8pPr>
-    <a:lvl9pPr marL="3657600" algn="l" defTabSz="914400" rtl="0" eaLnBrk="1" latinLnBrk="0" hangingPunct="1">
+    <a:lvl9pPr marL="3657600" algn="l" defTabSz="457200" rtl="0" eaLnBrk="1" latinLnBrk="0" hangingPunct="1">
       <a:defRPr sz="1800" kern="1200">
         <a:solidFill>
           <a:schemeClr val="tx1"/>
@@ -110,10 +110,25 @@
   </p:defaultTextStyle>
   <p:extLst>
     <p:ext uri="{EFAFB233-063F-42B5-8137-9DF3F51BA10A}">
-      <p15:sldGuideLst xmlns:p15="http://schemas.microsoft.com/office/powerpoint/2012/main"/>
+      <p15:sldGuideLst xmlns:p15="http://schemas.microsoft.com/office/powerpoint/2012/main">
+        <p15:guide id="1" orient="horz" pos="2160" userDrawn="1">
+          <p15:clr>
+            <a:srgbClr val="A4A3A4"/>
+          </p15:clr>
+        </p15:guide>
+        <p15:guide id="2" pos="2880" userDrawn="1">
+          <p15:clr>
+            <a:srgbClr val="A4A3A4"/>
+          </p15:clr>
+        </p15:guide>
+      </p15:sldGuideLst>
     </p:ext>
   </p:extLst>
 </p:presentation>
+</file>
+
+<file path=ppt/revisionInfo.xml><?xml version="1.0" encoding="utf-8"?>
+<p1510:revInfo xmlns:a="http://schemas.openxmlformats.org/drawingml/2006/main" xmlns:r="http://schemas.openxmlformats.org/officeDocument/2006/relationships" xmlns:p1510="http://schemas.microsoft.com/office/powerpoint/2015/10/main"/>
 </file>
 
 <file path=ppt/slideLayouts/slideLayout1.xml><?xml version="1.0" encoding="utf-8"?>
@@ -145,23 +160,18 @@
         </p:nvSpPr>
         <p:spPr>
           <a:xfrm>
-            <a:off x="1524000" y="1122363"/>
-            <a:ext cx="9144000" cy="2387600"/>
+            <a:off x="685800" y="2130429"/>
+            <a:ext cx="7772400" cy="1470025"/>
           </a:xfrm>
         </p:spPr>
         <p:txBody>
-          <a:bodyPr anchor="b"/>
-          <a:lstStyle>
-            <a:lvl1pPr algn="ctr">
-              <a:defRPr sz="6000"/>
-            </a:lvl1pPr>
-          </a:lstStyle>
-          <a:p>
-            <a:r>
-              <a:rPr lang="it-IT" smtClean="0"/>
-              <a:t>Fare clic per modificare lo stile del titolo</a:t>
-            </a:r>
-            <a:endParaRPr lang="it-IT"/>
+          <a:bodyPr/>
+          <a:lstStyle/>
+          <a:p>
+            <a:r>
+              <a:rPr lang="it-IT"/>
+              <a:t>Fare clic per modificare lo stile del titolo dello schema</a:t>
+            </a:r>
           </a:p>
         </p:txBody>
       </p:sp>
@@ -177,8 +187,8 @@
         </p:nvSpPr>
         <p:spPr>
           <a:xfrm>
-            <a:off x="1524000" y="3602038"/>
-            <a:ext cx="9144000" cy="1655762"/>
+            <a:off x="1371600" y="3886200"/>
+            <a:ext cx="6400800" cy="1752600"/>
           </a:xfrm>
         </p:spPr>
         <p:txBody>
@@ -186,47 +196,100 @@
           <a:lstStyle>
             <a:lvl1pPr marL="0" indent="0" algn="ctr">
               <a:buNone/>
-              <a:defRPr sz="2400"/>
+              <a:defRPr>
+                <a:solidFill>
+                  <a:schemeClr val="tx1">
+                    <a:tint val="75000"/>
+                  </a:schemeClr>
+                </a:solidFill>
+              </a:defRPr>
             </a:lvl1pPr>
-            <a:lvl2pPr marL="457200" indent="0" algn="ctr">
-              <a:buNone/>
-              <a:defRPr sz="2000"/>
+            <a:lvl2pPr marL="342900" indent="0" algn="ctr">
+              <a:buNone/>
+              <a:defRPr>
+                <a:solidFill>
+                  <a:schemeClr val="tx1">
+                    <a:tint val="75000"/>
+                  </a:schemeClr>
+                </a:solidFill>
+              </a:defRPr>
             </a:lvl2pPr>
-            <a:lvl3pPr marL="914400" indent="0" algn="ctr">
-              <a:buNone/>
-              <a:defRPr sz="1800"/>
+            <a:lvl3pPr marL="685800" indent="0" algn="ctr">
+              <a:buNone/>
+              <a:defRPr>
+                <a:solidFill>
+                  <a:schemeClr val="tx1">
+                    <a:tint val="75000"/>
+                  </a:schemeClr>
+                </a:solidFill>
+              </a:defRPr>
             </a:lvl3pPr>
-            <a:lvl4pPr marL="1371600" indent="0" algn="ctr">
-              <a:buNone/>
-              <a:defRPr sz="1600"/>
+            <a:lvl4pPr marL="1028700" indent="0" algn="ctr">
+              <a:buNone/>
+              <a:defRPr>
+                <a:solidFill>
+                  <a:schemeClr val="tx1">
+                    <a:tint val="75000"/>
+                  </a:schemeClr>
+                </a:solidFill>
+              </a:defRPr>
             </a:lvl4pPr>
-            <a:lvl5pPr marL="1828800" indent="0" algn="ctr">
-              <a:buNone/>
-              <a:defRPr sz="1600"/>
+            <a:lvl5pPr marL="1371600" indent="0" algn="ctr">
+              <a:buNone/>
+              <a:defRPr>
+                <a:solidFill>
+                  <a:schemeClr val="tx1">
+                    <a:tint val="75000"/>
+                  </a:schemeClr>
+                </a:solidFill>
+              </a:defRPr>
             </a:lvl5pPr>
-            <a:lvl6pPr marL="2286000" indent="0" algn="ctr">
-              <a:buNone/>
-              <a:defRPr sz="1600"/>
+            <a:lvl6pPr marL="1714500" indent="0" algn="ctr">
+              <a:buNone/>
+              <a:defRPr>
+                <a:solidFill>
+                  <a:schemeClr val="tx1">
+                    <a:tint val="75000"/>
+                  </a:schemeClr>
+                </a:solidFill>
+              </a:defRPr>
             </a:lvl6pPr>
-            <a:lvl7pPr marL="2743200" indent="0" algn="ctr">
-              <a:buNone/>
-              <a:defRPr sz="1600"/>
+            <a:lvl7pPr marL="2057400" indent="0" algn="ctr">
+              <a:buNone/>
+              <a:defRPr>
+                <a:solidFill>
+                  <a:schemeClr val="tx1">
+                    <a:tint val="75000"/>
+                  </a:schemeClr>
+                </a:solidFill>
+              </a:defRPr>
             </a:lvl7pPr>
-            <a:lvl8pPr marL="3200400" indent="0" algn="ctr">
-              <a:buNone/>
-              <a:defRPr sz="1600"/>
+            <a:lvl8pPr marL="2400300" indent="0" algn="ctr">
+              <a:buNone/>
+              <a:defRPr>
+                <a:solidFill>
+                  <a:schemeClr val="tx1">
+                    <a:tint val="75000"/>
+                  </a:schemeClr>
+                </a:solidFill>
+              </a:defRPr>
             </a:lvl8pPr>
-            <a:lvl9pPr marL="3657600" indent="0" algn="ctr">
-              <a:buNone/>
-              <a:defRPr sz="1600"/>
+            <a:lvl9pPr marL="2743200" indent="0" algn="ctr">
+              <a:buNone/>
+              <a:defRPr>
+                <a:solidFill>
+                  <a:schemeClr val="tx1">
+                    <a:tint val="75000"/>
+                  </a:schemeClr>
+                </a:solidFill>
+              </a:defRPr>
             </a:lvl9pPr>
           </a:lstStyle>
           <a:p>
             <a:r>
-              <a:rPr lang="it-IT" smtClean="0"/>
+              <a:rPr lang="it-IT"/>
               <a:t>Fare clic per modificare lo stile del sottotitolo dello schema</a:t>
             </a:r>
-            <a:endParaRPr lang="it-IT"/>
           </a:p>
         </p:txBody>
       </p:sp>
@@ -245,11 +308,12 @@
           <a:bodyPr/>
           <a:lstStyle/>
           <a:p>
-            <a:fld id="{CED56AF8-55D3-47F4-80DB-E559E88D88E0}" type="datetimeFigureOut">
+            <a:fld id="{657198A3-6BD0-1345-BB48-4E51D4346A8E}" type="datetimeFigureOut">
               <a:rPr lang="it-IT" smtClean="0"/>
-              <a:t>06/01/2018</a:t>
+              <a:pPr/>
+              <a:t>08/01/2018</a:t>
             </a:fld>
-            <a:endParaRPr lang="it-IT"/>
+            <a:endParaRPr lang="it-IT" dirty="0"/>
           </a:p>
         </p:txBody>
       </p:sp>
@@ -268,7 +332,7 @@
           <a:bodyPr/>
           <a:lstStyle/>
           <a:p>
-            <a:endParaRPr lang="it-IT"/>
+            <a:endParaRPr lang="it-IT" dirty="0"/>
           </a:p>
         </p:txBody>
       </p:sp>
@@ -287,20 +351,16 @@
           <a:bodyPr/>
           <a:lstStyle/>
           <a:p>
-            <a:fld id="{AB7F5958-6B49-4C6C-B960-981DEFE4062C}" type="slidenum">
+            <a:fld id="{2CB06865-0A5C-4946-9ED1-740E2A2631BD}" type="slidenum">
               <a:rPr lang="it-IT" smtClean="0"/>
+              <a:pPr/>
               <a:t>‹N›</a:t>
             </a:fld>
-            <a:endParaRPr lang="it-IT"/>
+            <a:endParaRPr lang="it-IT" dirty="0"/>
           </a:p>
         </p:txBody>
       </p:sp>
     </p:spTree>
-    <p:extLst>
-      <p:ext uri="{BB962C8B-B14F-4D97-AF65-F5344CB8AC3E}">
-        <p14:creationId xmlns:p14="http://schemas.microsoft.com/office/powerpoint/2010/main" val="1242200312"/>
-      </p:ext>
-    </p:extLst>
   </p:cSld>
   <p:clrMapOvr>
     <a:masterClrMapping/>
@@ -341,10 +401,9 @@
           <a:lstStyle/>
           <a:p>
             <a:r>
-              <a:rPr lang="it-IT" smtClean="0"/>
-              <a:t>Fare clic per modificare lo stile del titolo</a:t>
-            </a:r>
-            <a:endParaRPr lang="it-IT"/>
+              <a:rPr lang="it-IT"/>
+              <a:t>Fare clic per modificare lo stile del titolo dello schema</a:t>
+            </a:r>
           </a:p>
         </p:txBody>
       </p:sp>
@@ -365,38 +424,37 @@
           <a:p>
             <a:pPr lvl="0"/>
             <a:r>
-              <a:rPr lang="it-IT" smtClean="0"/>
+              <a:rPr lang="it-IT"/>
               <a:t>Modifica gli stili del testo dello schema</a:t>
             </a:r>
           </a:p>
           <a:p>
             <a:pPr lvl="1"/>
             <a:r>
-              <a:rPr lang="it-IT" smtClean="0"/>
+              <a:rPr lang="it-IT"/>
               <a:t>Secondo livello</a:t>
             </a:r>
           </a:p>
           <a:p>
             <a:pPr lvl="2"/>
             <a:r>
-              <a:rPr lang="it-IT" smtClean="0"/>
+              <a:rPr lang="it-IT"/>
               <a:t>Terzo livello</a:t>
             </a:r>
           </a:p>
           <a:p>
             <a:pPr lvl="3"/>
             <a:r>
-              <a:rPr lang="it-IT" smtClean="0"/>
+              <a:rPr lang="it-IT"/>
               <a:t>Quarto livello</a:t>
             </a:r>
           </a:p>
           <a:p>
             <a:pPr lvl="4"/>
             <a:r>
-              <a:rPr lang="it-IT" smtClean="0"/>
+              <a:rPr lang="it-IT"/>
               <a:t>Quinto livello</a:t>
             </a:r>
-            <a:endParaRPr lang="it-IT"/>
           </a:p>
         </p:txBody>
       </p:sp>
@@ -415,11 +473,12 @@
           <a:bodyPr/>
           <a:lstStyle/>
           <a:p>
-            <a:fld id="{CED56AF8-55D3-47F4-80DB-E559E88D88E0}" type="datetimeFigureOut">
+            <a:fld id="{657198A3-6BD0-1345-BB48-4E51D4346A8E}" type="datetimeFigureOut">
               <a:rPr lang="it-IT" smtClean="0"/>
-              <a:t>06/01/2018</a:t>
+              <a:pPr/>
+              <a:t>08/01/2018</a:t>
             </a:fld>
-            <a:endParaRPr lang="it-IT"/>
+            <a:endParaRPr lang="it-IT" dirty="0"/>
           </a:p>
         </p:txBody>
       </p:sp>
@@ -438,7 +497,7 @@
           <a:bodyPr/>
           <a:lstStyle/>
           <a:p>
-            <a:endParaRPr lang="it-IT"/>
+            <a:endParaRPr lang="it-IT" dirty="0"/>
           </a:p>
         </p:txBody>
       </p:sp>
@@ -457,20 +516,16 @@
           <a:bodyPr/>
           <a:lstStyle/>
           <a:p>
-            <a:fld id="{AB7F5958-6B49-4C6C-B960-981DEFE4062C}" type="slidenum">
+            <a:fld id="{2CB06865-0A5C-4946-9ED1-740E2A2631BD}" type="slidenum">
               <a:rPr lang="it-IT" smtClean="0"/>
+              <a:pPr/>
               <a:t>‹N›</a:t>
             </a:fld>
-            <a:endParaRPr lang="it-IT"/>
+            <a:endParaRPr lang="it-IT" dirty="0"/>
           </a:p>
         </p:txBody>
       </p:sp>
     </p:spTree>
-    <p:extLst>
-      <p:ext uri="{BB962C8B-B14F-4D97-AF65-F5344CB8AC3E}">
-        <p14:creationId xmlns:p14="http://schemas.microsoft.com/office/powerpoint/2010/main" val="2964678059"/>
-      </p:ext>
-    </p:extLst>
   </p:cSld>
   <p:clrMapOvr>
     <a:masterClrMapping/>
@@ -480,7 +535,7 @@
 
 <file path=ppt/slideLayouts/slideLayout11.xml><?xml version="1.0" encoding="utf-8"?>
 <p:sldLayout xmlns:a="http://schemas.openxmlformats.org/drawingml/2006/main" xmlns:r="http://schemas.openxmlformats.org/officeDocument/2006/relationships" xmlns:p="http://schemas.openxmlformats.org/presentationml/2006/main" type="vertTitleAndTx" preserve="1">
-  <p:cSld name="1_Titolo e testo verticale">
+  <p:cSld name="Titolo verticale e testo">
     <p:spTree>
       <p:nvGrpSpPr>
         <p:cNvPr id="1" name=""/>
@@ -507,8 +562,8 @@
         </p:nvSpPr>
         <p:spPr>
           <a:xfrm>
-            <a:off x="8724900" y="365125"/>
-            <a:ext cx="2628900" cy="5811838"/>
+            <a:off x="6629400" y="274642"/>
+            <a:ext cx="2057400" cy="5851525"/>
           </a:xfrm>
         </p:spPr>
         <p:txBody>
@@ -516,10 +571,9 @@
           <a:lstStyle/>
           <a:p>
             <a:r>
-              <a:rPr lang="it-IT" smtClean="0"/>
-              <a:t>Fare clic per modificare lo stile del titolo</a:t>
-            </a:r>
-            <a:endParaRPr lang="it-IT"/>
+              <a:rPr lang="it-IT"/>
+              <a:t>Fare clic per modificare lo stile del titolo dello schema</a:t>
+            </a:r>
           </a:p>
         </p:txBody>
       </p:sp>
@@ -535,8 +589,8 @@
         </p:nvSpPr>
         <p:spPr>
           <a:xfrm>
-            <a:off x="838200" y="365125"/>
-            <a:ext cx="7734300" cy="5811838"/>
+            <a:off x="457200" y="274642"/>
+            <a:ext cx="6019800" cy="5851525"/>
           </a:xfrm>
         </p:spPr>
         <p:txBody>
@@ -545,38 +599,37 @@
           <a:p>
             <a:pPr lvl="0"/>
             <a:r>
-              <a:rPr lang="it-IT" smtClean="0"/>
+              <a:rPr lang="it-IT"/>
               <a:t>Modifica gli stili del testo dello schema</a:t>
             </a:r>
           </a:p>
           <a:p>
             <a:pPr lvl="1"/>
             <a:r>
-              <a:rPr lang="it-IT" smtClean="0"/>
+              <a:rPr lang="it-IT"/>
               <a:t>Secondo livello</a:t>
             </a:r>
           </a:p>
           <a:p>
             <a:pPr lvl="2"/>
             <a:r>
-              <a:rPr lang="it-IT" smtClean="0"/>
+              <a:rPr lang="it-IT"/>
               <a:t>Terzo livello</a:t>
             </a:r>
           </a:p>
           <a:p>
             <a:pPr lvl="3"/>
             <a:r>
-              <a:rPr lang="it-IT" smtClean="0"/>
+              <a:rPr lang="it-IT"/>
               <a:t>Quarto livello</a:t>
             </a:r>
           </a:p>
           <a:p>
             <a:pPr lvl="4"/>
             <a:r>
-              <a:rPr lang="it-IT" smtClean="0"/>
+              <a:rPr lang="it-IT"/>
               <a:t>Quinto livello</a:t>
             </a:r>
-            <a:endParaRPr lang="it-IT"/>
           </a:p>
         </p:txBody>
       </p:sp>
@@ -595,11 +648,12 @@
           <a:bodyPr/>
           <a:lstStyle/>
           <a:p>
-            <a:fld id="{CED56AF8-55D3-47F4-80DB-E559E88D88E0}" type="datetimeFigureOut">
+            <a:fld id="{657198A3-6BD0-1345-BB48-4E51D4346A8E}" type="datetimeFigureOut">
               <a:rPr lang="it-IT" smtClean="0"/>
-              <a:t>06/01/2018</a:t>
+              <a:pPr/>
+              <a:t>08/01/2018</a:t>
             </a:fld>
-            <a:endParaRPr lang="it-IT"/>
+            <a:endParaRPr lang="it-IT" dirty="0"/>
           </a:p>
         </p:txBody>
       </p:sp>
@@ -618,7 +672,7 @@
           <a:bodyPr/>
           <a:lstStyle/>
           <a:p>
-            <a:endParaRPr lang="it-IT"/>
+            <a:endParaRPr lang="it-IT" dirty="0"/>
           </a:p>
         </p:txBody>
       </p:sp>
@@ -637,20 +691,16 @@
           <a:bodyPr/>
           <a:lstStyle/>
           <a:p>
-            <a:fld id="{AB7F5958-6B49-4C6C-B960-981DEFE4062C}" type="slidenum">
+            <a:fld id="{2CB06865-0A5C-4946-9ED1-740E2A2631BD}" type="slidenum">
               <a:rPr lang="it-IT" smtClean="0"/>
+              <a:pPr/>
               <a:t>‹N›</a:t>
             </a:fld>
-            <a:endParaRPr lang="it-IT"/>
+            <a:endParaRPr lang="it-IT" dirty="0"/>
           </a:p>
         </p:txBody>
       </p:sp>
     </p:spTree>
-    <p:extLst>
-      <p:ext uri="{BB962C8B-B14F-4D97-AF65-F5344CB8AC3E}">
-        <p14:creationId xmlns:p14="http://schemas.microsoft.com/office/powerpoint/2010/main" val="738547975"/>
-      </p:ext>
-    </p:extLst>
   </p:cSld>
   <p:clrMapOvr>
     <a:masterClrMapping/>
@@ -685,16 +735,20 @@
             <p:ph type="title"/>
           </p:nvPr>
         </p:nvSpPr>
-        <p:spPr/>
+        <p:spPr>
+          <a:xfrm>
+            <a:off x="457200" y="685800"/>
+            <a:ext cx="8229600" cy="1143000"/>
+          </a:xfrm>
+        </p:spPr>
         <p:txBody>
           <a:bodyPr/>
           <a:lstStyle/>
           <a:p>
             <a:r>
-              <a:rPr lang="it-IT" smtClean="0"/>
-              <a:t>Fare clic per modificare lo stile del titolo</a:t>
-            </a:r>
-            <a:endParaRPr lang="it-IT"/>
+              <a:rPr lang="it-IT" dirty="0"/>
+              <a:t>Fare clic per modificare lo stile del titolo dello schema</a:t>
+            </a:r>
           </a:p>
         </p:txBody>
       </p:sp>
@@ -708,45 +762,49 @@
             <p:ph idx="1"/>
           </p:nvPr>
         </p:nvSpPr>
-        <p:spPr/>
+        <p:spPr>
+          <a:xfrm>
+            <a:off x="457200" y="2057400"/>
+            <a:ext cx="8229600" cy="4068764"/>
+          </a:xfrm>
+        </p:spPr>
         <p:txBody>
           <a:bodyPr/>
           <a:lstStyle/>
           <a:p>
             <a:pPr lvl="0"/>
             <a:r>
-              <a:rPr lang="it-IT" smtClean="0"/>
+              <a:rPr lang="it-IT" dirty="0"/>
               <a:t>Modifica gli stili del testo dello schema</a:t>
             </a:r>
           </a:p>
           <a:p>
             <a:pPr lvl="1"/>
             <a:r>
-              <a:rPr lang="it-IT" smtClean="0"/>
+              <a:rPr lang="it-IT" dirty="0"/>
               <a:t>Secondo livello</a:t>
             </a:r>
           </a:p>
           <a:p>
             <a:pPr lvl="2"/>
             <a:r>
-              <a:rPr lang="it-IT" smtClean="0"/>
+              <a:rPr lang="it-IT" dirty="0"/>
               <a:t>Terzo livello</a:t>
             </a:r>
           </a:p>
           <a:p>
             <a:pPr lvl="3"/>
             <a:r>
-              <a:rPr lang="it-IT" smtClean="0"/>
+              <a:rPr lang="it-IT" dirty="0"/>
               <a:t>Quarto livello</a:t>
             </a:r>
           </a:p>
           <a:p>
             <a:pPr lvl="4"/>
             <a:r>
-              <a:rPr lang="it-IT" smtClean="0"/>
+              <a:rPr lang="it-IT" dirty="0"/>
               <a:t>Quinto livello</a:t>
             </a:r>
-            <a:endParaRPr lang="it-IT"/>
           </a:p>
         </p:txBody>
       </p:sp>
@@ -765,11 +823,12 @@
           <a:bodyPr/>
           <a:lstStyle/>
           <a:p>
-            <a:fld id="{CED56AF8-55D3-47F4-80DB-E559E88D88E0}" type="datetimeFigureOut">
+            <a:fld id="{657198A3-6BD0-1345-BB48-4E51D4346A8E}" type="datetimeFigureOut">
               <a:rPr lang="it-IT" smtClean="0"/>
-              <a:t>06/01/2018</a:t>
+              <a:pPr/>
+              <a:t>08/01/2018</a:t>
             </a:fld>
-            <a:endParaRPr lang="it-IT"/>
+            <a:endParaRPr lang="it-IT" dirty="0"/>
           </a:p>
         </p:txBody>
       </p:sp>
@@ -788,7 +847,7 @@
           <a:bodyPr/>
           <a:lstStyle/>
           <a:p>
-            <a:endParaRPr lang="it-IT"/>
+            <a:endParaRPr lang="it-IT" dirty="0"/>
           </a:p>
         </p:txBody>
       </p:sp>
@@ -807,20 +866,16 @@
           <a:bodyPr/>
           <a:lstStyle/>
           <a:p>
-            <a:fld id="{AB7F5958-6B49-4C6C-B960-981DEFE4062C}" type="slidenum">
+            <a:fld id="{2CB06865-0A5C-4946-9ED1-740E2A2631BD}" type="slidenum">
               <a:rPr lang="it-IT" smtClean="0"/>
+              <a:pPr/>
               <a:t>‹N›</a:t>
             </a:fld>
-            <a:endParaRPr lang="it-IT"/>
+            <a:endParaRPr lang="it-IT" dirty="0"/>
           </a:p>
         </p:txBody>
       </p:sp>
     </p:spTree>
-    <p:extLst>
-      <p:ext uri="{BB962C8B-B14F-4D97-AF65-F5344CB8AC3E}">
-        <p14:creationId xmlns:p14="http://schemas.microsoft.com/office/powerpoint/2010/main" val="2260830702"/>
-      </p:ext>
-    </p:extLst>
   </p:cSld>
   <p:clrMapOvr>
     <a:masterClrMapping/>
@@ -857,48 +912,47 @@
         </p:nvSpPr>
         <p:spPr>
           <a:xfrm>
-            <a:off x="831850" y="1709738"/>
-            <a:ext cx="10515600" cy="2852737"/>
+            <a:off x="722313" y="4406904"/>
+            <a:ext cx="7772400" cy="1362075"/>
           </a:xfrm>
         </p:spPr>
         <p:txBody>
+          <a:bodyPr anchor="t"/>
+          <a:lstStyle>
+            <a:lvl1pPr algn="l">
+              <a:defRPr sz="3000" b="1" cap="all"/>
+            </a:lvl1pPr>
+          </a:lstStyle>
+          <a:p>
+            <a:r>
+              <a:rPr lang="it-IT"/>
+              <a:t>Fare clic per modificare lo stile del titolo dello schema</a:t>
+            </a:r>
+          </a:p>
+        </p:txBody>
+      </p:sp>
+      <p:sp>
+        <p:nvSpPr>
+          <p:cNvPr id="3" name="Segnaposto testo 2"/>
+          <p:cNvSpPr>
+            <a:spLocks noGrp="1"/>
+          </p:cNvSpPr>
+          <p:nvPr>
+            <p:ph type="body" idx="1"/>
+          </p:nvPr>
+        </p:nvSpPr>
+        <p:spPr>
+          <a:xfrm>
+            <a:off x="722313" y="2906713"/>
+            <a:ext cx="7772400" cy="1500187"/>
+          </a:xfrm>
+        </p:spPr>
+        <p:txBody>
           <a:bodyPr anchor="b"/>
           <a:lstStyle>
-            <a:lvl1pPr>
-              <a:defRPr sz="6000"/>
-            </a:lvl1pPr>
-          </a:lstStyle>
-          <a:p>
-            <a:r>
-              <a:rPr lang="it-IT" smtClean="0"/>
-              <a:t>Fare clic per modificare lo stile del titolo</a:t>
-            </a:r>
-            <a:endParaRPr lang="it-IT"/>
-          </a:p>
-        </p:txBody>
-      </p:sp>
-      <p:sp>
-        <p:nvSpPr>
-          <p:cNvPr id="3" name="Segnaposto testo 2"/>
-          <p:cNvSpPr>
-            <a:spLocks noGrp="1"/>
-          </p:cNvSpPr>
-          <p:nvPr>
-            <p:ph type="body" idx="1"/>
-          </p:nvPr>
-        </p:nvSpPr>
-        <p:spPr>
-          <a:xfrm>
-            <a:off x="831850" y="4589463"/>
-            <a:ext cx="10515600" cy="1500187"/>
-          </a:xfrm>
-        </p:spPr>
-        <p:txBody>
-          <a:bodyPr/>
-          <a:lstStyle>
             <a:lvl1pPr marL="0" indent="0">
               <a:buNone/>
-              <a:defRPr sz="2400">
+              <a:defRPr sz="1500">
                 <a:solidFill>
                   <a:schemeClr val="tx1">
                     <a:tint val="75000"/>
@@ -906,9 +960,9 @@
                 </a:solidFill>
               </a:defRPr>
             </a:lvl1pPr>
-            <a:lvl2pPr marL="457200" indent="0">
-              <a:buNone/>
-              <a:defRPr sz="2000">
+            <a:lvl2pPr marL="342900" indent="0">
+              <a:buNone/>
+              <a:defRPr sz="1350">
                 <a:solidFill>
                   <a:schemeClr val="tx1">
                     <a:tint val="75000"/>
@@ -916,9 +970,9 @@
                 </a:solidFill>
               </a:defRPr>
             </a:lvl2pPr>
-            <a:lvl3pPr marL="914400" indent="0">
-              <a:buNone/>
-              <a:defRPr sz="1800">
+            <a:lvl3pPr marL="685800" indent="0">
+              <a:buNone/>
+              <a:defRPr sz="1200">
                 <a:solidFill>
                   <a:schemeClr val="tx1">
                     <a:tint val="75000"/>
@@ -926,9 +980,9 @@
                 </a:solidFill>
               </a:defRPr>
             </a:lvl3pPr>
-            <a:lvl4pPr marL="1371600" indent="0">
-              <a:buNone/>
-              <a:defRPr sz="1600">
+            <a:lvl4pPr marL="1028700" indent="0">
+              <a:buNone/>
+              <a:defRPr sz="1050">
                 <a:solidFill>
                   <a:schemeClr val="tx1">
                     <a:tint val="75000"/>
@@ -936,9 +990,9 @@
                 </a:solidFill>
               </a:defRPr>
             </a:lvl4pPr>
-            <a:lvl5pPr marL="1828800" indent="0">
-              <a:buNone/>
-              <a:defRPr sz="1600">
+            <a:lvl5pPr marL="1371600" indent="0">
+              <a:buNone/>
+              <a:defRPr sz="1050">
                 <a:solidFill>
                   <a:schemeClr val="tx1">
                     <a:tint val="75000"/>
@@ -946,9 +1000,9 @@
                 </a:solidFill>
               </a:defRPr>
             </a:lvl5pPr>
-            <a:lvl6pPr marL="2286000" indent="0">
-              <a:buNone/>
-              <a:defRPr sz="1600">
+            <a:lvl6pPr marL="1714500" indent="0">
+              <a:buNone/>
+              <a:defRPr sz="1050">
                 <a:solidFill>
                   <a:schemeClr val="tx1">
                     <a:tint val="75000"/>
@@ -956,9 +1010,9 @@
                 </a:solidFill>
               </a:defRPr>
             </a:lvl6pPr>
-            <a:lvl7pPr marL="2743200" indent="0">
-              <a:buNone/>
-              <a:defRPr sz="1600">
+            <a:lvl7pPr marL="2057400" indent="0">
+              <a:buNone/>
+              <a:defRPr sz="1050">
                 <a:solidFill>
                   <a:schemeClr val="tx1">
                     <a:tint val="75000"/>
@@ -966,9 +1020,9 @@
                 </a:solidFill>
               </a:defRPr>
             </a:lvl7pPr>
-            <a:lvl8pPr marL="3200400" indent="0">
-              <a:buNone/>
-              <a:defRPr sz="1600">
+            <a:lvl8pPr marL="2400300" indent="0">
+              <a:buNone/>
+              <a:defRPr sz="1050">
                 <a:solidFill>
                   <a:schemeClr val="tx1">
                     <a:tint val="75000"/>
@@ -976,9 +1030,9 @@
                 </a:solidFill>
               </a:defRPr>
             </a:lvl8pPr>
-            <a:lvl9pPr marL="3657600" indent="0">
-              <a:buNone/>
-              <a:defRPr sz="1600">
+            <a:lvl9pPr marL="2743200" indent="0">
+              <a:buNone/>
+              <a:defRPr sz="1050">
                 <a:solidFill>
                   <a:schemeClr val="tx1">
                     <a:tint val="75000"/>
@@ -990,7 +1044,7 @@
           <a:p>
             <a:pPr lvl="0"/>
             <a:r>
-              <a:rPr lang="it-IT" smtClean="0"/>
+              <a:rPr lang="it-IT"/>
               <a:t>Modifica gli stili del testo dello schema</a:t>
             </a:r>
           </a:p>
@@ -1011,11 +1065,12 @@
           <a:bodyPr/>
           <a:lstStyle/>
           <a:p>
-            <a:fld id="{CED56AF8-55D3-47F4-80DB-E559E88D88E0}" type="datetimeFigureOut">
+            <a:fld id="{657198A3-6BD0-1345-BB48-4E51D4346A8E}" type="datetimeFigureOut">
               <a:rPr lang="it-IT" smtClean="0"/>
-              <a:t>06/01/2018</a:t>
+              <a:pPr/>
+              <a:t>08/01/2018</a:t>
             </a:fld>
-            <a:endParaRPr lang="it-IT"/>
+            <a:endParaRPr lang="it-IT" dirty="0"/>
           </a:p>
         </p:txBody>
       </p:sp>
@@ -1034,7 +1089,7 @@
           <a:bodyPr/>
           <a:lstStyle/>
           <a:p>
-            <a:endParaRPr lang="it-IT"/>
+            <a:endParaRPr lang="it-IT" dirty="0"/>
           </a:p>
         </p:txBody>
       </p:sp>
@@ -1053,20 +1108,16 @@
           <a:bodyPr/>
           <a:lstStyle/>
           <a:p>
-            <a:fld id="{AB7F5958-6B49-4C6C-B960-981DEFE4062C}" type="slidenum">
+            <a:fld id="{2CB06865-0A5C-4946-9ED1-740E2A2631BD}" type="slidenum">
               <a:rPr lang="it-IT" smtClean="0"/>
+              <a:pPr/>
               <a:t>‹N›</a:t>
             </a:fld>
-            <a:endParaRPr lang="it-IT"/>
+            <a:endParaRPr lang="it-IT" dirty="0"/>
           </a:p>
         </p:txBody>
       </p:sp>
     </p:spTree>
-    <p:extLst>
-      <p:ext uri="{BB962C8B-B14F-4D97-AF65-F5344CB8AC3E}">
-        <p14:creationId xmlns:p14="http://schemas.microsoft.com/office/powerpoint/2010/main" val="3255720539"/>
-      </p:ext>
-    </p:extLst>
   </p:cSld>
   <p:clrMapOvr>
     <a:masterClrMapping/>
@@ -1076,7 +1127,7 @@
 
 <file path=ppt/slideLayouts/slideLayout4.xml><?xml version="1.0" encoding="utf-8"?>
 <p:sldLayout xmlns:a="http://schemas.openxmlformats.org/drawingml/2006/main" xmlns:r="http://schemas.openxmlformats.org/officeDocument/2006/relationships" xmlns:p="http://schemas.openxmlformats.org/presentationml/2006/main" type="twoObj" preserve="1">
-  <p:cSld name="Due contenuti">
+  <p:cSld name="Contenuto 2">
     <p:spTree>
       <p:nvGrpSpPr>
         <p:cNvPr id="1" name=""/>
@@ -1107,10 +1158,9 @@
           <a:lstStyle/>
           <a:p>
             <a:r>
-              <a:rPr lang="it-IT" smtClean="0"/>
-              <a:t>Fare clic per modificare lo stile del titolo</a:t>
-            </a:r>
-            <a:endParaRPr lang="it-IT"/>
+              <a:rPr lang="it-IT"/>
+              <a:t>Fare clic per modificare lo stile del titolo dello schema</a:t>
+            </a:r>
           </a:p>
         </p:txBody>
       </p:sp>
@@ -1126,48 +1176,75 @@
         </p:nvSpPr>
         <p:spPr>
           <a:xfrm>
-            <a:off x="838200" y="1825625"/>
-            <a:ext cx="5181600" cy="4351338"/>
+            <a:off x="457200" y="1600204"/>
+            <a:ext cx="4038600" cy="4525963"/>
           </a:xfrm>
         </p:spPr>
         <p:txBody>
           <a:bodyPr/>
-          <a:lstStyle/>
+          <a:lstStyle>
+            <a:lvl1pPr>
+              <a:defRPr sz="2100"/>
+            </a:lvl1pPr>
+            <a:lvl2pPr>
+              <a:defRPr sz="1800"/>
+            </a:lvl2pPr>
+            <a:lvl3pPr>
+              <a:defRPr sz="1500"/>
+            </a:lvl3pPr>
+            <a:lvl4pPr>
+              <a:defRPr sz="1350"/>
+            </a:lvl4pPr>
+            <a:lvl5pPr>
+              <a:defRPr sz="1350"/>
+            </a:lvl5pPr>
+            <a:lvl6pPr>
+              <a:defRPr sz="1350"/>
+            </a:lvl6pPr>
+            <a:lvl7pPr>
+              <a:defRPr sz="1350"/>
+            </a:lvl7pPr>
+            <a:lvl8pPr>
+              <a:defRPr sz="1350"/>
+            </a:lvl8pPr>
+            <a:lvl9pPr>
+              <a:defRPr sz="1350"/>
+            </a:lvl9pPr>
+          </a:lstStyle>
           <a:p>
             <a:pPr lvl="0"/>
             <a:r>
-              <a:rPr lang="it-IT" smtClean="0"/>
+              <a:rPr lang="it-IT"/>
               <a:t>Modifica gli stili del testo dello schema</a:t>
             </a:r>
           </a:p>
           <a:p>
             <a:pPr lvl="1"/>
             <a:r>
-              <a:rPr lang="it-IT" smtClean="0"/>
+              <a:rPr lang="it-IT"/>
               <a:t>Secondo livello</a:t>
             </a:r>
           </a:p>
           <a:p>
             <a:pPr lvl="2"/>
             <a:r>
-              <a:rPr lang="it-IT" smtClean="0"/>
+              <a:rPr lang="it-IT"/>
               <a:t>Terzo livello</a:t>
             </a:r>
           </a:p>
           <a:p>
             <a:pPr lvl="3"/>
             <a:r>
-              <a:rPr lang="it-IT" smtClean="0"/>
+              <a:rPr lang="it-IT"/>
               <a:t>Quarto livello</a:t>
             </a:r>
           </a:p>
           <a:p>
             <a:pPr lvl="4"/>
             <a:r>
-              <a:rPr lang="it-IT" smtClean="0"/>
+              <a:rPr lang="it-IT"/>
               <a:t>Quinto livello</a:t>
             </a:r>
-            <a:endParaRPr lang="it-IT"/>
           </a:p>
         </p:txBody>
       </p:sp>
@@ -1183,48 +1260,75 @@
         </p:nvSpPr>
         <p:spPr>
           <a:xfrm>
-            <a:off x="6172200" y="1825625"/>
-            <a:ext cx="5181600" cy="4351338"/>
+            <a:off x="4648200" y="1600204"/>
+            <a:ext cx="4038600" cy="4525963"/>
           </a:xfrm>
         </p:spPr>
         <p:txBody>
           <a:bodyPr/>
-          <a:lstStyle/>
+          <a:lstStyle>
+            <a:lvl1pPr>
+              <a:defRPr sz="2100"/>
+            </a:lvl1pPr>
+            <a:lvl2pPr>
+              <a:defRPr sz="1800"/>
+            </a:lvl2pPr>
+            <a:lvl3pPr>
+              <a:defRPr sz="1500"/>
+            </a:lvl3pPr>
+            <a:lvl4pPr>
+              <a:defRPr sz="1350"/>
+            </a:lvl4pPr>
+            <a:lvl5pPr>
+              <a:defRPr sz="1350"/>
+            </a:lvl5pPr>
+            <a:lvl6pPr>
+              <a:defRPr sz="1350"/>
+            </a:lvl6pPr>
+            <a:lvl7pPr>
+              <a:defRPr sz="1350"/>
+            </a:lvl7pPr>
+            <a:lvl8pPr>
+              <a:defRPr sz="1350"/>
+            </a:lvl8pPr>
+            <a:lvl9pPr>
+              <a:defRPr sz="1350"/>
+            </a:lvl9pPr>
+          </a:lstStyle>
           <a:p>
             <a:pPr lvl="0"/>
             <a:r>
-              <a:rPr lang="it-IT" smtClean="0"/>
+              <a:rPr lang="it-IT"/>
               <a:t>Modifica gli stili del testo dello schema</a:t>
             </a:r>
           </a:p>
           <a:p>
             <a:pPr lvl="1"/>
             <a:r>
-              <a:rPr lang="it-IT" smtClean="0"/>
+              <a:rPr lang="it-IT"/>
               <a:t>Secondo livello</a:t>
             </a:r>
           </a:p>
           <a:p>
             <a:pPr lvl="2"/>
             <a:r>
-              <a:rPr lang="it-IT" smtClean="0"/>
+              <a:rPr lang="it-IT"/>
               <a:t>Terzo livello</a:t>
             </a:r>
           </a:p>
           <a:p>
             <a:pPr lvl="3"/>
             <a:r>
-              <a:rPr lang="it-IT" smtClean="0"/>
+              <a:rPr lang="it-IT"/>
               <a:t>Quarto livello</a:t>
             </a:r>
           </a:p>
           <a:p>
             <a:pPr lvl="4"/>
             <a:r>
-              <a:rPr lang="it-IT" smtClean="0"/>
+              <a:rPr lang="it-IT"/>
               <a:t>Quinto livello</a:t>
             </a:r>
-            <a:endParaRPr lang="it-IT"/>
           </a:p>
         </p:txBody>
       </p:sp>
@@ -1243,11 +1347,12 @@
           <a:bodyPr/>
           <a:lstStyle/>
           <a:p>
-            <a:fld id="{CED56AF8-55D3-47F4-80DB-E559E88D88E0}" type="datetimeFigureOut">
+            <a:fld id="{657198A3-6BD0-1345-BB48-4E51D4346A8E}" type="datetimeFigureOut">
               <a:rPr lang="it-IT" smtClean="0"/>
-              <a:t>06/01/2018</a:t>
+              <a:pPr/>
+              <a:t>08/01/2018</a:t>
             </a:fld>
-            <a:endParaRPr lang="it-IT"/>
+            <a:endParaRPr lang="it-IT" dirty="0"/>
           </a:p>
         </p:txBody>
       </p:sp>
@@ -1266,7 +1371,7 @@
           <a:bodyPr/>
           <a:lstStyle/>
           <a:p>
-            <a:endParaRPr lang="it-IT"/>
+            <a:endParaRPr lang="it-IT" dirty="0"/>
           </a:p>
         </p:txBody>
       </p:sp>
@@ -1285,20 +1390,16 @@
           <a:bodyPr/>
           <a:lstStyle/>
           <a:p>
-            <a:fld id="{AB7F5958-6B49-4C6C-B960-981DEFE4062C}" type="slidenum">
+            <a:fld id="{2CB06865-0A5C-4946-9ED1-740E2A2631BD}" type="slidenum">
               <a:rPr lang="it-IT" smtClean="0"/>
+              <a:pPr/>
               <a:t>‹N›</a:t>
             </a:fld>
-            <a:endParaRPr lang="it-IT"/>
+            <a:endParaRPr lang="it-IT" dirty="0"/>
           </a:p>
         </p:txBody>
       </p:sp>
     </p:spTree>
-    <p:extLst>
-      <p:ext uri="{BB962C8B-B14F-4D97-AF65-F5344CB8AC3E}">
-        <p14:creationId xmlns:p14="http://schemas.microsoft.com/office/powerpoint/2010/main" val="932770248"/>
-      </p:ext>
-    </p:extLst>
   </p:cSld>
   <p:clrMapOvr>
     <a:masterClrMapping/>
@@ -1333,38 +1434,36 @@
             <p:ph type="title"/>
           </p:nvPr>
         </p:nvSpPr>
+        <p:spPr/>
+        <p:txBody>
+          <a:bodyPr/>
+          <a:lstStyle>
+            <a:lvl1pPr>
+              <a:defRPr/>
+            </a:lvl1pPr>
+          </a:lstStyle>
+          <a:p>
+            <a:r>
+              <a:rPr lang="it-IT"/>
+              <a:t>Fare clic per modificare lo stile del titolo dello schema</a:t>
+            </a:r>
+          </a:p>
+        </p:txBody>
+      </p:sp>
+      <p:sp>
+        <p:nvSpPr>
+          <p:cNvPr id="3" name="Segnaposto testo 2"/>
+          <p:cNvSpPr>
+            <a:spLocks noGrp="1"/>
+          </p:cNvSpPr>
+          <p:nvPr>
+            <p:ph type="body" idx="1"/>
+          </p:nvPr>
+        </p:nvSpPr>
         <p:spPr>
           <a:xfrm>
-            <a:off x="839788" y="365125"/>
-            <a:ext cx="10515600" cy="1325563"/>
-          </a:xfrm>
-        </p:spPr>
-        <p:txBody>
-          <a:bodyPr/>
-          <a:lstStyle/>
-          <a:p>
-            <a:r>
-              <a:rPr lang="it-IT" smtClean="0"/>
-              <a:t>Fare clic per modificare lo stile del titolo</a:t>
-            </a:r>
-            <a:endParaRPr lang="it-IT"/>
-          </a:p>
-        </p:txBody>
-      </p:sp>
-      <p:sp>
-        <p:nvSpPr>
-          <p:cNvPr id="3" name="Segnaposto testo 2"/>
-          <p:cNvSpPr>
-            <a:spLocks noGrp="1"/>
-          </p:cNvSpPr>
-          <p:nvPr>
-            <p:ph type="body" idx="1"/>
-          </p:nvPr>
-        </p:nvSpPr>
-        <p:spPr>
-          <a:xfrm>
-            <a:off x="839788" y="1681163"/>
-            <a:ext cx="5157787" cy="823912"/>
+            <a:off x="457200" y="1535113"/>
+            <a:ext cx="4040188" cy="639762"/>
           </a:xfrm>
         </p:spPr>
         <p:txBody>
@@ -1372,45 +1471,45 @@
           <a:lstStyle>
             <a:lvl1pPr marL="0" indent="0">
               <a:buNone/>
-              <a:defRPr sz="2400" b="1"/>
+              <a:defRPr sz="1800" b="1"/>
             </a:lvl1pPr>
-            <a:lvl2pPr marL="457200" indent="0">
-              <a:buNone/>
-              <a:defRPr sz="2000" b="1"/>
+            <a:lvl2pPr marL="342900" indent="0">
+              <a:buNone/>
+              <a:defRPr sz="1500" b="1"/>
             </a:lvl2pPr>
-            <a:lvl3pPr marL="914400" indent="0">
-              <a:buNone/>
-              <a:defRPr sz="1800" b="1"/>
+            <a:lvl3pPr marL="685800" indent="0">
+              <a:buNone/>
+              <a:defRPr sz="1350" b="1"/>
             </a:lvl3pPr>
-            <a:lvl4pPr marL="1371600" indent="0">
-              <a:buNone/>
-              <a:defRPr sz="1600" b="1"/>
+            <a:lvl4pPr marL="1028700" indent="0">
+              <a:buNone/>
+              <a:defRPr sz="1200" b="1"/>
             </a:lvl4pPr>
-            <a:lvl5pPr marL="1828800" indent="0">
-              <a:buNone/>
-              <a:defRPr sz="1600" b="1"/>
+            <a:lvl5pPr marL="1371600" indent="0">
+              <a:buNone/>
+              <a:defRPr sz="1200" b="1"/>
             </a:lvl5pPr>
-            <a:lvl6pPr marL="2286000" indent="0">
-              <a:buNone/>
-              <a:defRPr sz="1600" b="1"/>
+            <a:lvl6pPr marL="1714500" indent="0">
+              <a:buNone/>
+              <a:defRPr sz="1200" b="1"/>
             </a:lvl6pPr>
-            <a:lvl7pPr marL="2743200" indent="0">
-              <a:buNone/>
-              <a:defRPr sz="1600" b="1"/>
+            <a:lvl7pPr marL="2057400" indent="0">
+              <a:buNone/>
+              <a:defRPr sz="1200" b="1"/>
             </a:lvl7pPr>
-            <a:lvl8pPr marL="3200400" indent="0">
-              <a:buNone/>
-              <a:defRPr sz="1600" b="1"/>
+            <a:lvl8pPr marL="2400300" indent="0">
+              <a:buNone/>
+              <a:defRPr sz="1200" b="1"/>
             </a:lvl8pPr>
-            <a:lvl9pPr marL="3657600" indent="0">
-              <a:buNone/>
-              <a:defRPr sz="1600" b="1"/>
+            <a:lvl9pPr marL="2743200" indent="0">
+              <a:buNone/>
+              <a:defRPr sz="1200" b="1"/>
             </a:lvl9pPr>
           </a:lstStyle>
           <a:p>
             <a:pPr lvl="0"/>
             <a:r>
-              <a:rPr lang="it-IT" smtClean="0"/>
+              <a:rPr lang="it-IT"/>
               <a:t>Modifica gli stili del testo dello schema</a:t>
             </a:r>
           </a:p>
@@ -1428,48 +1527,75 @@
         </p:nvSpPr>
         <p:spPr>
           <a:xfrm>
-            <a:off x="839788" y="2505075"/>
-            <a:ext cx="5157787" cy="3684588"/>
+            <a:off x="457200" y="2174875"/>
+            <a:ext cx="4040188" cy="3951288"/>
           </a:xfrm>
         </p:spPr>
         <p:txBody>
           <a:bodyPr/>
-          <a:lstStyle/>
+          <a:lstStyle>
+            <a:lvl1pPr>
+              <a:defRPr sz="1800"/>
+            </a:lvl1pPr>
+            <a:lvl2pPr>
+              <a:defRPr sz="1500"/>
+            </a:lvl2pPr>
+            <a:lvl3pPr>
+              <a:defRPr sz="1350"/>
+            </a:lvl3pPr>
+            <a:lvl4pPr>
+              <a:defRPr sz="1200"/>
+            </a:lvl4pPr>
+            <a:lvl5pPr>
+              <a:defRPr sz="1200"/>
+            </a:lvl5pPr>
+            <a:lvl6pPr>
+              <a:defRPr sz="1200"/>
+            </a:lvl6pPr>
+            <a:lvl7pPr>
+              <a:defRPr sz="1200"/>
+            </a:lvl7pPr>
+            <a:lvl8pPr>
+              <a:defRPr sz="1200"/>
+            </a:lvl8pPr>
+            <a:lvl9pPr>
+              <a:defRPr sz="1200"/>
+            </a:lvl9pPr>
+          </a:lstStyle>
           <a:p>
             <a:pPr lvl="0"/>
             <a:r>
-              <a:rPr lang="it-IT" smtClean="0"/>
+              <a:rPr lang="it-IT"/>
               <a:t>Modifica gli stili del testo dello schema</a:t>
             </a:r>
           </a:p>
           <a:p>
             <a:pPr lvl="1"/>
             <a:r>
-              <a:rPr lang="it-IT" smtClean="0"/>
+              <a:rPr lang="it-IT"/>
               <a:t>Secondo livello</a:t>
             </a:r>
           </a:p>
           <a:p>
             <a:pPr lvl="2"/>
             <a:r>
-              <a:rPr lang="it-IT" smtClean="0"/>
+              <a:rPr lang="it-IT"/>
               <a:t>Terzo livello</a:t>
             </a:r>
           </a:p>
           <a:p>
             <a:pPr lvl="3"/>
             <a:r>
-              <a:rPr lang="it-IT" smtClean="0"/>
+              <a:rPr lang="it-IT"/>
               <a:t>Quarto livello</a:t>
             </a:r>
           </a:p>
           <a:p>
             <a:pPr lvl="4"/>
             <a:r>
-              <a:rPr lang="it-IT" smtClean="0"/>
+              <a:rPr lang="it-IT"/>
               <a:t>Quinto livello</a:t>
             </a:r>
-            <a:endParaRPr lang="it-IT"/>
           </a:p>
         </p:txBody>
       </p:sp>
@@ -1485,8 +1611,8 @@
         </p:nvSpPr>
         <p:spPr>
           <a:xfrm>
-            <a:off x="6172200" y="1681163"/>
-            <a:ext cx="5183188" cy="823912"/>
+            <a:off x="4645027" y="1535113"/>
+            <a:ext cx="4041775" cy="639762"/>
           </a:xfrm>
         </p:spPr>
         <p:txBody>
@@ -1494,45 +1620,45 @@
           <a:lstStyle>
             <a:lvl1pPr marL="0" indent="0">
               <a:buNone/>
-              <a:defRPr sz="2400" b="1"/>
+              <a:defRPr sz="1800" b="1"/>
             </a:lvl1pPr>
-            <a:lvl2pPr marL="457200" indent="0">
-              <a:buNone/>
-              <a:defRPr sz="2000" b="1"/>
+            <a:lvl2pPr marL="342900" indent="0">
+              <a:buNone/>
+              <a:defRPr sz="1500" b="1"/>
             </a:lvl2pPr>
-            <a:lvl3pPr marL="914400" indent="0">
-              <a:buNone/>
-              <a:defRPr sz="1800" b="1"/>
+            <a:lvl3pPr marL="685800" indent="0">
+              <a:buNone/>
+              <a:defRPr sz="1350" b="1"/>
             </a:lvl3pPr>
-            <a:lvl4pPr marL="1371600" indent="0">
-              <a:buNone/>
-              <a:defRPr sz="1600" b="1"/>
+            <a:lvl4pPr marL="1028700" indent="0">
+              <a:buNone/>
+              <a:defRPr sz="1200" b="1"/>
             </a:lvl4pPr>
-            <a:lvl5pPr marL="1828800" indent="0">
-              <a:buNone/>
-              <a:defRPr sz="1600" b="1"/>
+            <a:lvl5pPr marL="1371600" indent="0">
+              <a:buNone/>
+              <a:defRPr sz="1200" b="1"/>
             </a:lvl5pPr>
-            <a:lvl6pPr marL="2286000" indent="0">
-              <a:buNone/>
-              <a:defRPr sz="1600" b="1"/>
+            <a:lvl6pPr marL="1714500" indent="0">
+              <a:buNone/>
+              <a:defRPr sz="1200" b="1"/>
             </a:lvl6pPr>
-            <a:lvl7pPr marL="2743200" indent="0">
-              <a:buNone/>
-              <a:defRPr sz="1600" b="1"/>
+            <a:lvl7pPr marL="2057400" indent="0">
+              <a:buNone/>
+              <a:defRPr sz="1200" b="1"/>
             </a:lvl7pPr>
-            <a:lvl8pPr marL="3200400" indent="0">
-              <a:buNone/>
-              <a:defRPr sz="1600" b="1"/>
+            <a:lvl8pPr marL="2400300" indent="0">
+              <a:buNone/>
+              <a:defRPr sz="1200" b="1"/>
             </a:lvl8pPr>
-            <a:lvl9pPr marL="3657600" indent="0">
-              <a:buNone/>
-              <a:defRPr sz="1600" b="1"/>
+            <a:lvl9pPr marL="2743200" indent="0">
+              <a:buNone/>
+              <a:defRPr sz="1200" b="1"/>
             </a:lvl9pPr>
           </a:lstStyle>
           <a:p>
             <a:pPr lvl="0"/>
             <a:r>
-              <a:rPr lang="it-IT" smtClean="0"/>
+              <a:rPr lang="it-IT"/>
               <a:t>Modifica gli stili del testo dello schema</a:t>
             </a:r>
           </a:p>
@@ -1550,48 +1676,75 @@
         </p:nvSpPr>
         <p:spPr>
           <a:xfrm>
-            <a:off x="6172200" y="2505075"/>
-            <a:ext cx="5183188" cy="3684588"/>
+            <a:off x="4645027" y="2174875"/>
+            <a:ext cx="4041775" cy="3951288"/>
           </a:xfrm>
         </p:spPr>
         <p:txBody>
           <a:bodyPr/>
-          <a:lstStyle/>
+          <a:lstStyle>
+            <a:lvl1pPr>
+              <a:defRPr sz="1800"/>
+            </a:lvl1pPr>
+            <a:lvl2pPr>
+              <a:defRPr sz="1500"/>
+            </a:lvl2pPr>
+            <a:lvl3pPr>
+              <a:defRPr sz="1350"/>
+            </a:lvl3pPr>
+            <a:lvl4pPr>
+              <a:defRPr sz="1200"/>
+            </a:lvl4pPr>
+            <a:lvl5pPr>
+              <a:defRPr sz="1200"/>
+            </a:lvl5pPr>
+            <a:lvl6pPr>
+              <a:defRPr sz="1200"/>
+            </a:lvl6pPr>
+            <a:lvl7pPr>
+              <a:defRPr sz="1200"/>
+            </a:lvl7pPr>
+            <a:lvl8pPr>
+              <a:defRPr sz="1200"/>
+            </a:lvl8pPr>
+            <a:lvl9pPr>
+              <a:defRPr sz="1200"/>
+            </a:lvl9pPr>
+          </a:lstStyle>
           <a:p>
             <a:pPr lvl="0"/>
             <a:r>
-              <a:rPr lang="it-IT" smtClean="0"/>
+              <a:rPr lang="it-IT"/>
               <a:t>Modifica gli stili del testo dello schema</a:t>
             </a:r>
           </a:p>
           <a:p>
             <a:pPr lvl="1"/>
             <a:r>
-              <a:rPr lang="it-IT" smtClean="0"/>
+              <a:rPr lang="it-IT"/>
               <a:t>Secondo livello</a:t>
             </a:r>
           </a:p>
           <a:p>
             <a:pPr lvl="2"/>
             <a:r>
-              <a:rPr lang="it-IT" smtClean="0"/>
+              <a:rPr lang="it-IT"/>
               <a:t>Terzo livello</a:t>
             </a:r>
           </a:p>
           <a:p>
             <a:pPr lvl="3"/>
             <a:r>
-              <a:rPr lang="it-IT" smtClean="0"/>
+              <a:rPr lang="it-IT"/>
               <a:t>Quarto livello</a:t>
             </a:r>
           </a:p>
           <a:p>
             <a:pPr lvl="4"/>
             <a:r>
-              <a:rPr lang="it-IT" smtClean="0"/>
+              <a:rPr lang="it-IT"/>
               <a:t>Quinto livello</a:t>
             </a:r>
-            <a:endParaRPr lang="it-IT"/>
           </a:p>
         </p:txBody>
       </p:sp>
@@ -1610,11 +1763,12 @@
           <a:bodyPr/>
           <a:lstStyle/>
           <a:p>
-            <a:fld id="{CED56AF8-55D3-47F4-80DB-E559E88D88E0}" type="datetimeFigureOut">
+            <a:fld id="{657198A3-6BD0-1345-BB48-4E51D4346A8E}" type="datetimeFigureOut">
               <a:rPr lang="it-IT" smtClean="0"/>
-              <a:t>06/01/2018</a:t>
+              <a:pPr/>
+              <a:t>08/01/2018</a:t>
             </a:fld>
-            <a:endParaRPr lang="it-IT"/>
+            <a:endParaRPr lang="it-IT" dirty="0"/>
           </a:p>
         </p:txBody>
       </p:sp>
@@ -1633,7 +1787,7 @@
           <a:bodyPr/>
           <a:lstStyle/>
           <a:p>
-            <a:endParaRPr lang="it-IT"/>
+            <a:endParaRPr lang="it-IT" dirty="0"/>
           </a:p>
         </p:txBody>
       </p:sp>
@@ -1652,20 +1806,16 @@
           <a:bodyPr/>
           <a:lstStyle/>
           <a:p>
-            <a:fld id="{AB7F5958-6B49-4C6C-B960-981DEFE4062C}" type="slidenum">
+            <a:fld id="{2CB06865-0A5C-4946-9ED1-740E2A2631BD}" type="slidenum">
               <a:rPr lang="it-IT" smtClean="0"/>
+              <a:pPr/>
               <a:t>‹N›</a:t>
             </a:fld>
-            <a:endParaRPr lang="it-IT"/>
+            <a:endParaRPr lang="it-IT" dirty="0"/>
           </a:p>
         </p:txBody>
       </p:sp>
     </p:spTree>
-    <p:extLst>
-      <p:ext uri="{BB962C8B-B14F-4D97-AF65-F5344CB8AC3E}">
-        <p14:creationId xmlns:p14="http://schemas.microsoft.com/office/powerpoint/2010/main" val="223975614"/>
-      </p:ext>
-    </p:extLst>
   </p:cSld>
   <p:clrMapOvr>
     <a:masterClrMapping/>
@@ -1706,10 +1856,9 @@
           <a:lstStyle/>
           <a:p>
             <a:r>
-              <a:rPr lang="it-IT" smtClean="0"/>
-              <a:t>Fare clic per modificare lo stile del titolo</a:t>
-            </a:r>
-            <a:endParaRPr lang="it-IT"/>
+              <a:rPr lang="it-IT" dirty="0"/>
+              <a:t>Fare clic per modificare lo stile del titolo dello schema</a:t>
+            </a:r>
           </a:p>
         </p:txBody>
       </p:sp>
@@ -1728,11 +1877,12 @@
           <a:bodyPr/>
           <a:lstStyle/>
           <a:p>
-            <a:fld id="{CED56AF8-55D3-47F4-80DB-E559E88D88E0}" type="datetimeFigureOut">
+            <a:fld id="{657198A3-6BD0-1345-BB48-4E51D4346A8E}" type="datetimeFigureOut">
               <a:rPr lang="it-IT" smtClean="0"/>
-              <a:t>06/01/2018</a:t>
+              <a:pPr/>
+              <a:t>08/01/2018</a:t>
             </a:fld>
-            <a:endParaRPr lang="it-IT"/>
+            <a:endParaRPr lang="it-IT" dirty="0"/>
           </a:p>
         </p:txBody>
       </p:sp>
@@ -1751,7 +1901,7 @@
           <a:bodyPr/>
           <a:lstStyle/>
           <a:p>
-            <a:endParaRPr lang="it-IT"/>
+            <a:endParaRPr lang="it-IT" dirty="0"/>
           </a:p>
         </p:txBody>
       </p:sp>
@@ -1770,20 +1920,16 @@
           <a:bodyPr/>
           <a:lstStyle/>
           <a:p>
-            <a:fld id="{AB7F5958-6B49-4C6C-B960-981DEFE4062C}" type="slidenum">
+            <a:fld id="{2CB06865-0A5C-4946-9ED1-740E2A2631BD}" type="slidenum">
               <a:rPr lang="it-IT" smtClean="0"/>
+              <a:pPr/>
               <a:t>‹N›</a:t>
             </a:fld>
-            <a:endParaRPr lang="it-IT"/>
+            <a:endParaRPr lang="it-IT" dirty="0"/>
           </a:p>
         </p:txBody>
       </p:sp>
     </p:spTree>
-    <p:extLst>
-      <p:ext uri="{BB962C8B-B14F-4D97-AF65-F5344CB8AC3E}">
-        <p14:creationId xmlns:p14="http://schemas.microsoft.com/office/powerpoint/2010/main" val="2742641911"/>
-      </p:ext>
-    </p:extLst>
   </p:cSld>
   <p:clrMapOvr>
     <a:masterClrMapping/>
@@ -1793,7 +1939,7 @@
 
 <file path=ppt/slideLayouts/slideLayout7.xml><?xml version="1.0" encoding="utf-8"?>
 <p:sldLayout xmlns:a="http://schemas.openxmlformats.org/drawingml/2006/main" xmlns:r="http://schemas.openxmlformats.org/officeDocument/2006/relationships" xmlns:p="http://schemas.openxmlformats.org/presentationml/2006/main" type="blank" preserve="1">
-  <p:cSld name="Vuota">
+  <p:cSld name="Vuoto">
     <p:spTree>
       <p:nvGrpSpPr>
         <p:cNvPr id="1" name=""/>
@@ -1823,11 +1969,12 @@
           <a:bodyPr/>
           <a:lstStyle/>
           <a:p>
-            <a:fld id="{CED56AF8-55D3-47F4-80DB-E559E88D88E0}" type="datetimeFigureOut">
+            <a:fld id="{657198A3-6BD0-1345-BB48-4E51D4346A8E}" type="datetimeFigureOut">
               <a:rPr lang="it-IT" smtClean="0"/>
-              <a:t>06/01/2018</a:t>
+              <a:pPr/>
+              <a:t>08/01/2018</a:t>
             </a:fld>
-            <a:endParaRPr lang="it-IT"/>
+            <a:endParaRPr lang="it-IT" dirty="0"/>
           </a:p>
         </p:txBody>
       </p:sp>
@@ -1846,7 +1993,7 @@
           <a:bodyPr/>
           <a:lstStyle/>
           <a:p>
-            <a:endParaRPr lang="it-IT"/>
+            <a:endParaRPr lang="it-IT" dirty="0"/>
           </a:p>
         </p:txBody>
       </p:sp>
@@ -1865,20 +2012,16 @@
           <a:bodyPr/>
           <a:lstStyle/>
           <a:p>
-            <a:fld id="{AB7F5958-6B49-4C6C-B960-981DEFE4062C}" type="slidenum">
+            <a:fld id="{2CB06865-0A5C-4946-9ED1-740E2A2631BD}" type="slidenum">
               <a:rPr lang="it-IT" smtClean="0"/>
+              <a:pPr/>
               <a:t>‹N›</a:t>
             </a:fld>
-            <a:endParaRPr lang="it-IT"/>
+            <a:endParaRPr lang="it-IT" dirty="0"/>
           </a:p>
         </p:txBody>
       </p:sp>
     </p:spTree>
-    <p:extLst>
-      <p:ext uri="{BB962C8B-B14F-4D97-AF65-F5344CB8AC3E}">
-        <p14:creationId xmlns:p14="http://schemas.microsoft.com/office/powerpoint/2010/main" val="1094504296"/>
-      </p:ext>
-    </p:extLst>
   </p:cSld>
   <p:clrMapOvr>
     <a:masterClrMapping/>
@@ -1915,23 +2058,22 @@
         </p:nvSpPr>
         <p:spPr>
           <a:xfrm>
-            <a:off x="839788" y="457200"/>
-            <a:ext cx="3932237" cy="1600200"/>
+            <a:off x="457202" y="273050"/>
+            <a:ext cx="3008313" cy="1162050"/>
           </a:xfrm>
         </p:spPr>
         <p:txBody>
           <a:bodyPr anchor="b"/>
           <a:lstStyle>
-            <a:lvl1pPr>
-              <a:defRPr sz="3200"/>
+            <a:lvl1pPr algn="l">
+              <a:defRPr sz="1500" b="1"/>
             </a:lvl1pPr>
           </a:lstStyle>
           <a:p>
             <a:r>
-              <a:rPr lang="it-IT" smtClean="0"/>
-              <a:t>Fare clic per modificare lo stile del titolo</a:t>
-            </a:r>
-            <a:endParaRPr lang="it-IT"/>
+              <a:rPr lang="it-IT"/>
+              <a:t>Fare clic per modificare lo stile del titolo dello schema</a:t>
+            </a:r>
           </a:p>
         </p:txBody>
       </p:sp>
@@ -1947,76 +2089,75 @@
         </p:nvSpPr>
         <p:spPr>
           <a:xfrm>
-            <a:off x="5183188" y="987425"/>
-            <a:ext cx="6172200" cy="4873625"/>
+            <a:off x="3575050" y="273054"/>
+            <a:ext cx="5111750" cy="5853113"/>
           </a:xfrm>
         </p:spPr>
         <p:txBody>
           <a:bodyPr/>
           <a:lstStyle>
             <a:lvl1pPr>
-              <a:defRPr sz="3200"/>
+              <a:defRPr sz="2400"/>
             </a:lvl1pPr>
             <a:lvl2pPr>
-              <a:defRPr sz="2800"/>
+              <a:defRPr sz="2100"/>
             </a:lvl2pPr>
             <a:lvl3pPr>
-              <a:defRPr sz="2400"/>
+              <a:defRPr sz="1800"/>
             </a:lvl3pPr>
             <a:lvl4pPr>
-              <a:defRPr sz="2000"/>
+              <a:defRPr sz="1500"/>
             </a:lvl4pPr>
             <a:lvl5pPr>
-              <a:defRPr sz="2000"/>
+              <a:defRPr sz="1500"/>
             </a:lvl5pPr>
             <a:lvl6pPr>
-              <a:defRPr sz="2000"/>
+              <a:defRPr sz="1500"/>
             </a:lvl6pPr>
             <a:lvl7pPr>
-              <a:defRPr sz="2000"/>
+              <a:defRPr sz="1500"/>
             </a:lvl7pPr>
             <a:lvl8pPr>
-              <a:defRPr sz="2000"/>
+              <a:defRPr sz="1500"/>
             </a:lvl8pPr>
             <a:lvl9pPr>
-              <a:defRPr sz="2000"/>
+              <a:defRPr sz="1500"/>
             </a:lvl9pPr>
           </a:lstStyle>
           <a:p>
             <a:pPr lvl="0"/>
             <a:r>
-              <a:rPr lang="it-IT" smtClean="0"/>
+              <a:rPr lang="it-IT"/>
               <a:t>Modifica gli stili del testo dello schema</a:t>
             </a:r>
           </a:p>
           <a:p>
             <a:pPr lvl="1"/>
             <a:r>
-              <a:rPr lang="it-IT" smtClean="0"/>
+              <a:rPr lang="it-IT"/>
               <a:t>Secondo livello</a:t>
             </a:r>
           </a:p>
           <a:p>
             <a:pPr lvl="2"/>
             <a:r>
-              <a:rPr lang="it-IT" smtClean="0"/>
+              <a:rPr lang="it-IT"/>
               <a:t>Terzo livello</a:t>
             </a:r>
           </a:p>
           <a:p>
             <a:pPr lvl="3"/>
             <a:r>
-              <a:rPr lang="it-IT" smtClean="0"/>
+              <a:rPr lang="it-IT"/>
               <a:t>Quarto livello</a:t>
             </a:r>
           </a:p>
           <a:p>
             <a:pPr lvl="4"/>
             <a:r>
-              <a:rPr lang="it-IT" smtClean="0"/>
+              <a:rPr lang="it-IT"/>
               <a:t>Quinto livello</a:t>
             </a:r>
-            <a:endParaRPr lang="it-IT"/>
           </a:p>
         </p:txBody>
       </p:sp>
@@ -2032,8 +2173,8 @@
         </p:nvSpPr>
         <p:spPr>
           <a:xfrm>
-            <a:off x="839788" y="2057400"/>
-            <a:ext cx="3932237" cy="3811588"/>
+            <a:off x="457202" y="1435103"/>
+            <a:ext cx="3008313" cy="4691063"/>
           </a:xfrm>
         </p:spPr>
         <p:txBody>
@@ -2041,45 +2182,45 @@
           <a:lstStyle>
             <a:lvl1pPr marL="0" indent="0">
               <a:buNone/>
-              <a:defRPr sz="1600"/>
+              <a:defRPr sz="1050"/>
             </a:lvl1pPr>
-            <a:lvl2pPr marL="457200" indent="0">
-              <a:buNone/>
-              <a:defRPr sz="1400"/>
+            <a:lvl2pPr marL="342900" indent="0">
+              <a:buNone/>
+              <a:defRPr sz="900"/>
             </a:lvl2pPr>
-            <a:lvl3pPr marL="914400" indent="0">
-              <a:buNone/>
-              <a:defRPr sz="1200"/>
+            <a:lvl3pPr marL="685800" indent="0">
+              <a:buNone/>
+              <a:defRPr sz="750"/>
             </a:lvl3pPr>
-            <a:lvl4pPr marL="1371600" indent="0">
-              <a:buNone/>
-              <a:defRPr sz="1000"/>
+            <a:lvl4pPr marL="1028700" indent="0">
+              <a:buNone/>
+              <a:defRPr sz="675"/>
             </a:lvl4pPr>
-            <a:lvl5pPr marL="1828800" indent="0">
-              <a:buNone/>
-              <a:defRPr sz="1000"/>
+            <a:lvl5pPr marL="1371600" indent="0">
+              <a:buNone/>
+              <a:defRPr sz="675"/>
             </a:lvl5pPr>
-            <a:lvl6pPr marL="2286000" indent="0">
-              <a:buNone/>
-              <a:defRPr sz="1000"/>
+            <a:lvl6pPr marL="1714500" indent="0">
+              <a:buNone/>
+              <a:defRPr sz="675"/>
             </a:lvl6pPr>
-            <a:lvl7pPr marL="2743200" indent="0">
-              <a:buNone/>
-              <a:defRPr sz="1000"/>
+            <a:lvl7pPr marL="2057400" indent="0">
+              <a:buNone/>
+              <a:defRPr sz="675"/>
             </a:lvl7pPr>
-            <a:lvl8pPr marL="3200400" indent="0">
-              <a:buNone/>
-              <a:defRPr sz="1000"/>
+            <a:lvl8pPr marL="2400300" indent="0">
+              <a:buNone/>
+              <a:defRPr sz="675"/>
             </a:lvl8pPr>
-            <a:lvl9pPr marL="3657600" indent="0">
-              <a:buNone/>
-              <a:defRPr sz="1000"/>
+            <a:lvl9pPr marL="2743200" indent="0">
+              <a:buNone/>
+              <a:defRPr sz="675"/>
             </a:lvl9pPr>
           </a:lstStyle>
           <a:p>
             <a:pPr lvl="0"/>
             <a:r>
-              <a:rPr lang="it-IT" smtClean="0"/>
+              <a:rPr lang="it-IT"/>
               <a:t>Modifica gli stili del testo dello schema</a:t>
             </a:r>
           </a:p>
@@ -2100,11 +2241,12 @@
           <a:bodyPr/>
           <a:lstStyle/>
           <a:p>
-            <a:fld id="{CED56AF8-55D3-47F4-80DB-E559E88D88E0}" type="datetimeFigureOut">
+            <a:fld id="{657198A3-6BD0-1345-BB48-4E51D4346A8E}" type="datetimeFigureOut">
               <a:rPr lang="it-IT" smtClean="0"/>
-              <a:t>06/01/2018</a:t>
+              <a:pPr/>
+              <a:t>08/01/2018</a:t>
             </a:fld>
-            <a:endParaRPr lang="it-IT"/>
+            <a:endParaRPr lang="it-IT" dirty="0"/>
           </a:p>
         </p:txBody>
       </p:sp>
@@ -2123,7 +2265,7 @@
           <a:bodyPr/>
           <a:lstStyle/>
           <a:p>
-            <a:endParaRPr lang="it-IT"/>
+            <a:endParaRPr lang="it-IT" dirty="0"/>
           </a:p>
         </p:txBody>
       </p:sp>
@@ -2142,20 +2284,16 @@
           <a:bodyPr/>
           <a:lstStyle/>
           <a:p>
-            <a:fld id="{AB7F5958-6B49-4C6C-B960-981DEFE4062C}" type="slidenum">
+            <a:fld id="{2CB06865-0A5C-4946-9ED1-740E2A2631BD}" type="slidenum">
               <a:rPr lang="it-IT" smtClean="0"/>
+              <a:pPr/>
               <a:t>‹N›</a:t>
             </a:fld>
-            <a:endParaRPr lang="it-IT"/>
+            <a:endParaRPr lang="it-IT" dirty="0"/>
           </a:p>
         </p:txBody>
       </p:sp>
     </p:spTree>
-    <p:extLst>
-      <p:ext uri="{BB962C8B-B14F-4D97-AF65-F5344CB8AC3E}">
-        <p14:creationId xmlns:p14="http://schemas.microsoft.com/office/powerpoint/2010/main" val="1456611418"/>
-      </p:ext>
-    </p:extLst>
   </p:cSld>
   <p:clrMapOvr>
     <a:masterClrMapping/>
@@ -2192,23 +2330,22 @@
         </p:nvSpPr>
         <p:spPr>
           <a:xfrm>
-            <a:off x="839788" y="457200"/>
-            <a:ext cx="3932237" cy="1600200"/>
+            <a:off x="1792288" y="4800600"/>
+            <a:ext cx="5486400" cy="566738"/>
           </a:xfrm>
         </p:spPr>
         <p:txBody>
           <a:bodyPr anchor="b"/>
           <a:lstStyle>
-            <a:lvl1pPr>
-              <a:defRPr sz="3200"/>
+            <a:lvl1pPr algn="l">
+              <a:defRPr sz="1500" b="1"/>
             </a:lvl1pPr>
           </a:lstStyle>
           <a:p>
             <a:r>
-              <a:rPr lang="it-IT" smtClean="0"/>
-              <a:t>Fare clic per modificare lo stile del titolo</a:t>
-            </a:r>
-            <a:endParaRPr lang="it-IT"/>
+              <a:rPr lang="it-IT"/>
+              <a:t>Fare clic per modificare lo stile del titolo dello schema</a:t>
+            </a:r>
           </a:p>
         </p:txBody>
       </p:sp>
@@ -2224,8 +2361,8 @@
         </p:nvSpPr>
         <p:spPr>
           <a:xfrm>
-            <a:off x="5183188" y="987425"/>
-            <a:ext cx="6172200" cy="4873625"/>
+            <a:off x="1792288" y="612775"/>
+            <a:ext cx="5486400" cy="4114800"/>
           </a:xfrm>
         </p:spPr>
         <p:txBody>
@@ -2233,43 +2370,46 @@
           <a:lstStyle>
             <a:lvl1pPr marL="0" indent="0">
               <a:buNone/>
-              <a:defRPr sz="3200"/>
+              <a:defRPr sz="2400"/>
             </a:lvl1pPr>
-            <a:lvl2pPr marL="457200" indent="0">
-              <a:buNone/>
-              <a:defRPr sz="2800"/>
+            <a:lvl2pPr marL="342900" indent="0">
+              <a:buNone/>
+              <a:defRPr sz="2100"/>
             </a:lvl2pPr>
-            <a:lvl3pPr marL="914400" indent="0">
-              <a:buNone/>
-              <a:defRPr sz="2400"/>
+            <a:lvl3pPr marL="685800" indent="0">
+              <a:buNone/>
+              <a:defRPr sz="1800"/>
             </a:lvl3pPr>
-            <a:lvl4pPr marL="1371600" indent="0">
-              <a:buNone/>
-              <a:defRPr sz="2000"/>
+            <a:lvl4pPr marL="1028700" indent="0">
+              <a:buNone/>
+              <a:defRPr sz="1500"/>
             </a:lvl4pPr>
-            <a:lvl5pPr marL="1828800" indent="0">
-              <a:buNone/>
-              <a:defRPr sz="2000"/>
+            <a:lvl5pPr marL="1371600" indent="0">
+              <a:buNone/>
+              <a:defRPr sz="1500"/>
             </a:lvl5pPr>
-            <a:lvl6pPr marL="2286000" indent="0">
-              <a:buNone/>
-              <a:defRPr sz="2000"/>
+            <a:lvl6pPr marL="1714500" indent="0">
+              <a:buNone/>
+              <a:defRPr sz="1500"/>
             </a:lvl6pPr>
-            <a:lvl7pPr marL="2743200" indent="0">
-              <a:buNone/>
-              <a:defRPr sz="2000"/>
+            <a:lvl7pPr marL="2057400" indent="0">
+              <a:buNone/>
+              <a:defRPr sz="1500"/>
             </a:lvl7pPr>
-            <a:lvl8pPr marL="3200400" indent="0">
-              <a:buNone/>
-              <a:defRPr sz="2000"/>
+            <a:lvl8pPr marL="2400300" indent="0">
+              <a:buNone/>
+              <a:defRPr sz="1500"/>
             </a:lvl8pPr>
-            <a:lvl9pPr marL="3657600" indent="0">
-              <a:buNone/>
-              <a:defRPr sz="2000"/>
+            <a:lvl9pPr marL="2743200" indent="0">
+              <a:buNone/>
+              <a:defRPr sz="1500"/>
             </a:lvl9pPr>
           </a:lstStyle>
           <a:p>
-            <a:endParaRPr lang="it-IT"/>
+            <a:r>
+              <a:rPr lang="it-IT" dirty="0"/>
+              <a:t>Fare clic sull'icona per inserire un'immagine</a:t>
+            </a:r>
           </a:p>
         </p:txBody>
       </p:sp>
@@ -2285,8 +2425,8 @@
         </p:nvSpPr>
         <p:spPr>
           <a:xfrm>
-            <a:off x="839788" y="2057400"/>
-            <a:ext cx="3932237" cy="3811588"/>
+            <a:off x="1792288" y="5367338"/>
+            <a:ext cx="5486400" cy="804862"/>
           </a:xfrm>
         </p:spPr>
         <p:txBody>
@@ -2294,45 +2434,45 @@
           <a:lstStyle>
             <a:lvl1pPr marL="0" indent="0">
               <a:buNone/>
-              <a:defRPr sz="1600"/>
+              <a:defRPr sz="1050"/>
             </a:lvl1pPr>
-            <a:lvl2pPr marL="457200" indent="0">
-              <a:buNone/>
-              <a:defRPr sz="1400"/>
+            <a:lvl2pPr marL="342900" indent="0">
+              <a:buNone/>
+              <a:defRPr sz="900"/>
             </a:lvl2pPr>
-            <a:lvl3pPr marL="914400" indent="0">
-              <a:buNone/>
-              <a:defRPr sz="1200"/>
+            <a:lvl3pPr marL="685800" indent="0">
+              <a:buNone/>
+              <a:defRPr sz="750"/>
             </a:lvl3pPr>
-            <a:lvl4pPr marL="1371600" indent="0">
-              <a:buNone/>
-              <a:defRPr sz="1000"/>
+            <a:lvl4pPr marL="1028700" indent="0">
+              <a:buNone/>
+              <a:defRPr sz="675"/>
             </a:lvl4pPr>
-            <a:lvl5pPr marL="1828800" indent="0">
-              <a:buNone/>
-              <a:defRPr sz="1000"/>
+            <a:lvl5pPr marL="1371600" indent="0">
+              <a:buNone/>
+              <a:defRPr sz="675"/>
             </a:lvl5pPr>
-            <a:lvl6pPr marL="2286000" indent="0">
-              <a:buNone/>
-              <a:defRPr sz="1000"/>
+            <a:lvl6pPr marL="1714500" indent="0">
+              <a:buNone/>
+              <a:defRPr sz="675"/>
             </a:lvl6pPr>
-            <a:lvl7pPr marL="2743200" indent="0">
-              <a:buNone/>
-              <a:defRPr sz="1000"/>
+            <a:lvl7pPr marL="2057400" indent="0">
+              <a:buNone/>
+              <a:defRPr sz="675"/>
             </a:lvl7pPr>
-            <a:lvl8pPr marL="3200400" indent="0">
-              <a:buNone/>
-              <a:defRPr sz="1000"/>
+            <a:lvl8pPr marL="2400300" indent="0">
+              <a:buNone/>
+              <a:defRPr sz="675"/>
             </a:lvl8pPr>
-            <a:lvl9pPr marL="3657600" indent="0">
-              <a:buNone/>
-              <a:defRPr sz="1000"/>
+            <a:lvl9pPr marL="2743200" indent="0">
+              <a:buNone/>
+              <a:defRPr sz="675"/>
             </a:lvl9pPr>
           </a:lstStyle>
           <a:p>
             <a:pPr lvl="0"/>
             <a:r>
-              <a:rPr lang="it-IT" smtClean="0"/>
+              <a:rPr lang="it-IT"/>
               <a:t>Modifica gli stili del testo dello schema</a:t>
             </a:r>
           </a:p>
@@ -2353,11 +2493,12 @@
           <a:bodyPr/>
           <a:lstStyle/>
           <a:p>
-            <a:fld id="{CED56AF8-55D3-47F4-80DB-E559E88D88E0}" type="datetimeFigureOut">
+            <a:fld id="{657198A3-6BD0-1345-BB48-4E51D4346A8E}" type="datetimeFigureOut">
               <a:rPr lang="it-IT" smtClean="0"/>
-              <a:t>06/01/2018</a:t>
+              <a:pPr/>
+              <a:t>08/01/2018</a:t>
             </a:fld>
-            <a:endParaRPr lang="it-IT"/>
+            <a:endParaRPr lang="it-IT" dirty="0"/>
           </a:p>
         </p:txBody>
       </p:sp>
@@ -2376,7 +2517,7 @@
           <a:bodyPr/>
           <a:lstStyle/>
           <a:p>
-            <a:endParaRPr lang="it-IT"/>
+            <a:endParaRPr lang="it-IT" dirty="0"/>
           </a:p>
         </p:txBody>
       </p:sp>
@@ -2395,20 +2536,16 @@
           <a:bodyPr/>
           <a:lstStyle/>
           <a:p>
-            <a:fld id="{AB7F5958-6B49-4C6C-B960-981DEFE4062C}" type="slidenum">
+            <a:fld id="{2CB06865-0A5C-4946-9ED1-740E2A2631BD}" type="slidenum">
               <a:rPr lang="it-IT" smtClean="0"/>
+              <a:pPr/>
               <a:t>‹N›</a:t>
             </a:fld>
-            <a:endParaRPr lang="it-IT"/>
+            <a:endParaRPr lang="it-IT" dirty="0"/>
           </a:p>
         </p:txBody>
       </p:sp>
     </p:spTree>
-    <p:extLst>
-      <p:ext uri="{BB962C8B-B14F-4D97-AF65-F5344CB8AC3E}">
-        <p14:creationId xmlns:p14="http://schemas.microsoft.com/office/powerpoint/2010/main" val="1829259543"/>
-      </p:ext>
-    </p:extLst>
   </p:cSld>
   <p:clrMapOvr>
     <a:masterClrMapping/>
@@ -2450,8 +2587,8 @@
         </p:nvSpPr>
         <p:spPr>
           <a:xfrm>
-            <a:off x="838200" y="365125"/>
-            <a:ext cx="10515600" cy="1325563"/>
+            <a:off x="457200" y="274638"/>
+            <a:ext cx="8229600" cy="1143000"/>
           </a:xfrm>
           <a:prstGeom prst="rect">
             <a:avLst/>
@@ -2464,10 +2601,9 @@
           <a:lstStyle/>
           <a:p>
             <a:r>
-              <a:rPr lang="it-IT" smtClean="0"/>
-              <a:t>Fare clic per modificare lo stile del titolo</a:t>
-            </a:r>
-            <a:endParaRPr lang="it-IT"/>
+              <a:rPr lang="it-IT" dirty="0"/>
+              <a:t>Fare clic per modificare stile</a:t>
+            </a:r>
           </a:p>
         </p:txBody>
       </p:sp>
@@ -2483,8 +2619,8 @@
         </p:nvSpPr>
         <p:spPr>
           <a:xfrm>
-            <a:off x="838200" y="1825625"/>
-            <a:ext cx="10515600" cy="4351338"/>
+            <a:off x="457200" y="1600204"/>
+            <a:ext cx="8229600" cy="4525963"/>
           </a:xfrm>
           <a:prstGeom prst="rect">
             <a:avLst/>
@@ -2498,38 +2634,37 @@
           <a:p>
             <a:pPr lvl="0"/>
             <a:r>
-              <a:rPr lang="it-IT" smtClean="0"/>
-              <a:t>Modifica gli stili del testo dello schema</a:t>
+              <a:rPr lang="it-IT" dirty="0"/>
+              <a:t>Fare clic per modificare gli stili del testo dello schema</a:t>
             </a:r>
           </a:p>
           <a:p>
             <a:pPr lvl="1"/>
             <a:r>
-              <a:rPr lang="it-IT" smtClean="0"/>
+              <a:rPr lang="it-IT" dirty="0"/>
               <a:t>Secondo livello</a:t>
             </a:r>
           </a:p>
           <a:p>
             <a:pPr lvl="2"/>
             <a:r>
-              <a:rPr lang="it-IT" smtClean="0"/>
+              <a:rPr lang="it-IT" dirty="0"/>
               <a:t>Terzo livello</a:t>
             </a:r>
           </a:p>
           <a:p>
             <a:pPr lvl="3"/>
             <a:r>
-              <a:rPr lang="it-IT" smtClean="0"/>
+              <a:rPr lang="it-IT" dirty="0"/>
               <a:t>Quarto livello</a:t>
             </a:r>
           </a:p>
           <a:p>
             <a:pPr lvl="4"/>
             <a:r>
-              <a:rPr lang="it-IT" smtClean="0"/>
+              <a:rPr lang="it-IT" dirty="0"/>
               <a:t>Quinto livello</a:t>
             </a:r>
-            <a:endParaRPr lang="it-IT"/>
           </a:p>
         </p:txBody>
       </p:sp>
@@ -2545,8 +2680,8 @@
         </p:nvSpPr>
         <p:spPr>
           <a:xfrm>
-            <a:off x="838200" y="6356350"/>
-            <a:ext cx="2743200" cy="365125"/>
+            <a:off x="457200" y="6356354"/>
+            <a:ext cx="2133600" cy="365125"/>
           </a:xfrm>
           <a:prstGeom prst="rect">
             <a:avLst/>
@@ -2556,7 +2691,7 @@
           <a:bodyPr vert="horz" lIns="91440" tIns="45720" rIns="91440" bIns="45720" rtlCol="0" anchor="ctr"/>
           <a:lstStyle>
             <a:lvl1pPr algn="l">
-              <a:defRPr sz="1200">
+              <a:defRPr sz="900">
                 <a:solidFill>
                   <a:schemeClr val="tx1">
                     <a:tint val="75000"/>
@@ -2566,11 +2701,12 @@
             </a:lvl1pPr>
           </a:lstStyle>
           <a:p>
-            <a:fld id="{CED56AF8-55D3-47F4-80DB-E559E88D88E0}" type="datetimeFigureOut">
+            <a:fld id="{657198A3-6BD0-1345-BB48-4E51D4346A8E}" type="datetimeFigureOut">
               <a:rPr lang="it-IT" smtClean="0"/>
-              <a:t>06/01/2018</a:t>
+              <a:pPr/>
+              <a:t>08/01/2018</a:t>
             </a:fld>
-            <a:endParaRPr lang="it-IT"/>
+            <a:endParaRPr lang="it-IT" dirty="0"/>
           </a:p>
         </p:txBody>
       </p:sp>
@@ -2586,8 +2722,8 @@
         </p:nvSpPr>
         <p:spPr>
           <a:xfrm>
-            <a:off x="4038600" y="6356350"/>
-            <a:ext cx="4114800" cy="365125"/>
+            <a:off x="3124200" y="6356354"/>
+            <a:ext cx="2895600" cy="365125"/>
           </a:xfrm>
           <a:prstGeom prst="rect">
             <a:avLst/>
@@ -2597,7 +2733,7 @@
           <a:bodyPr vert="horz" lIns="91440" tIns="45720" rIns="91440" bIns="45720" rtlCol="0" anchor="ctr"/>
           <a:lstStyle>
             <a:lvl1pPr algn="ctr">
-              <a:defRPr sz="1200">
+              <a:defRPr sz="900">
                 <a:solidFill>
                   <a:schemeClr val="tx1">
                     <a:tint val="75000"/>
@@ -2607,7 +2743,7 @@
             </a:lvl1pPr>
           </a:lstStyle>
           <a:p>
-            <a:endParaRPr lang="it-IT"/>
+            <a:endParaRPr lang="it-IT" dirty="0"/>
           </a:p>
         </p:txBody>
       </p:sp>
@@ -2623,8 +2759,8 @@
         </p:nvSpPr>
         <p:spPr>
           <a:xfrm>
-            <a:off x="8610600" y="6356350"/>
-            <a:ext cx="2743200" cy="365125"/>
+            <a:off x="6553200" y="6356354"/>
+            <a:ext cx="2133600" cy="365125"/>
           </a:xfrm>
           <a:prstGeom prst="rect">
             <a:avLst/>
@@ -2634,7 +2770,7 @@
           <a:bodyPr vert="horz" lIns="91440" tIns="45720" rIns="91440" bIns="45720" rtlCol="0" anchor="ctr"/>
           <a:lstStyle>
             <a:lvl1pPr algn="r">
-              <a:defRPr sz="1200">
+              <a:defRPr sz="900">
                 <a:solidFill>
                   <a:schemeClr val="tx1">
                     <a:tint val="75000"/>
@@ -2644,20 +2780,64 @@
             </a:lvl1pPr>
           </a:lstStyle>
           <a:p>
-            <a:fld id="{AB7F5958-6B49-4C6C-B960-981DEFE4062C}" type="slidenum">
+            <a:fld id="{2CB06865-0A5C-4946-9ED1-740E2A2631BD}" type="slidenum">
               <a:rPr lang="it-IT" smtClean="0"/>
+              <a:pPr/>
               <a:t>‹N›</a:t>
             </a:fld>
-            <a:endParaRPr lang="it-IT"/>
-          </a:p>
-        </p:txBody>
-      </p:sp>
+            <a:endParaRPr lang="it-IT" dirty="0"/>
+          </a:p>
+        </p:txBody>
+      </p:sp>
+      <p:pic>
+        <p:nvPicPr>
+          <p:cNvPr id="7" name="Immagine 6" descr="header.png"/>
+          <p:cNvPicPr>
+            <a:picLocks noChangeAspect="1"/>
+          </p:cNvPicPr>
+          <p:nvPr userDrawn="1"/>
+        </p:nvPicPr>
+        <p:blipFill>
+          <a:blip r:embed="rId13"/>
+          <a:stretch>
+            <a:fillRect/>
+          </a:stretch>
+        </p:blipFill>
+        <p:spPr>
+          <a:xfrm>
+            <a:off x="0" y="-1"/>
+            <a:ext cx="9144000" cy="797513"/>
+          </a:xfrm>
+          <a:prstGeom prst="rect">
+            <a:avLst/>
+          </a:prstGeom>
+        </p:spPr>
+      </p:pic>
+      <p:pic>
+        <p:nvPicPr>
+          <p:cNvPr id="8" name="Immagine 7" descr="salomon.png"/>
+          <p:cNvPicPr>
+            <a:picLocks noChangeAspect="1"/>
+          </p:cNvPicPr>
+          <p:nvPr userDrawn="1"/>
+        </p:nvPicPr>
+        <p:blipFill>
+          <a:blip r:embed="rId14"/>
+          <a:stretch>
+            <a:fillRect/>
+          </a:stretch>
+        </p:blipFill>
+        <p:spPr>
+          <a:xfrm>
+            <a:off x="0" y="5163429"/>
+            <a:ext cx="2163936" cy="1694575"/>
+          </a:xfrm>
+          <a:prstGeom prst="rect">
+            <a:avLst/>
+          </a:prstGeom>
+        </p:spPr>
+      </p:pic>
     </p:spTree>
-    <p:extLst>
-      <p:ext uri="{BB962C8B-B14F-4D97-AF65-F5344CB8AC3E}">
-        <p14:creationId xmlns:p14="http://schemas.microsoft.com/office/powerpoint/2010/main" val="680440296"/>
-      </p:ext>
-    </p:extLst>
   </p:cSld>
   <p:clrMap bg1="lt1" tx1="dk1" bg2="lt2" tx2="dk2" accent1="accent1" accent2="accent2" accent3="accent3" accent4="accent4" accent5="accent5" accent6="accent6" hlink="hlink" folHlink="folHlink"/>
   <p:sldLayoutIdLst>
@@ -2675,15 +2855,12 @@
   </p:sldLayoutIdLst>
   <p:txStyles>
     <p:titleStyle>
-      <a:lvl1pPr algn="l" defTabSz="914400" rtl="0" eaLnBrk="1" latinLnBrk="0" hangingPunct="1">
-        <a:lnSpc>
-          <a:spcPct val="90000"/>
-        </a:lnSpc>
+      <a:lvl1pPr algn="ctr" defTabSz="342900" rtl="0" eaLnBrk="1" latinLnBrk="0" hangingPunct="1">
         <a:spcBef>
           <a:spcPct val="0"/>
         </a:spcBef>
         <a:buNone/>
-        <a:defRPr sz="4400" kern="1200">
+        <a:defRPr sz="3300" kern="1200">
           <a:solidFill>
             <a:schemeClr val="tx1"/>
           </a:solidFill>
@@ -2694,32 +2871,11 @@
       </a:lvl1pPr>
     </p:titleStyle>
     <p:bodyStyle>
-      <a:lvl1pPr marL="228600" indent="-228600" algn="l" defTabSz="914400" rtl="0" eaLnBrk="1" latinLnBrk="0" hangingPunct="1">
-        <a:lnSpc>
-          <a:spcPct val="90000"/>
-        </a:lnSpc>
+      <a:lvl1pPr marL="257175" indent="-257175" algn="l" defTabSz="342900" rtl="0" eaLnBrk="1" latinLnBrk="0" hangingPunct="1">
         <a:spcBef>
-          <a:spcPts val="1000"/>
+          <a:spcPct val="20000"/>
         </a:spcBef>
-        <a:buFont typeface="Arial" panose="020B0604020202020204" pitchFamily="34" charset="0"/>
-        <a:buChar char="•"/>
-        <a:defRPr sz="2800" kern="1200">
-          <a:solidFill>
-            <a:schemeClr val="tx1"/>
-          </a:solidFill>
-          <a:latin typeface="+mn-lt"/>
-          <a:ea typeface="+mn-ea"/>
-          <a:cs typeface="+mn-cs"/>
-        </a:defRPr>
-      </a:lvl1pPr>
-      <a:lvl2pPr marL="685800" indent="-228600" algn="l" defTabSz="914400" rtl="0" eaLnBrk="1" latinLnBrk="0" hangingPunct="1">
-        <a:lnSpc>
-          <a:spcPct val="90000"/>
-        </a:lnSpc>
-        <a:spcBef>
-          <a:spcPts val="500"/>
-        </a:spcBef>
-        <a:buFont typeface="Arial" panose="020B0604020202020204" pitchFamily="34" charset="0"/>
+        <a:buFont typeface="Arial"/>
         <a:buChar char="•"/>
         <a:defRPr sz="2400" kern="1200">
           <a:solidFill>
@@ -2729,17 +2885,14 @@
           <a:ea typeface="+mn-ea"/>
           <a:cs typeface="+mn-cs"/>
         </a:defRPr>
-      </a:lvl2pPr>
-      <a:lvl3pPr marL="1143000" indent="-228600" algn="l" defTabSz="914400" rtl="0" eaLnBrk="1" latinLnBrk="0" hangingPunct="1">
-        <a:lnSpc>
-          <a:spcPct val="90000"/>
-        </a:lnSpc>
+      </a:lvl1pPr>
+      <a:lvl2pPr marL="557213" indent="-214313" algn="l" defTabSz="342900" rtl="0" eaLnBrk="1" latinLnBrk="0" hangingPunct="1">
         <a:spcBef>
-          <a:spcPts val="500"/>
+          <a:spcPct val="20000"/>
         </a:spcBef>
-        <a:buFont typeface="Arial" panose="020B0604020202020204" pitchFamily="34" charset="0"/>
-        <a:buChar char="•"/>
-        <a:defRPr sz="2000" kern="1200">
+        <a:buFont typeface="Arial"/>
+        <a:buChar char="–"/>
+        <a:defRPr sz="2100" kern="1200">
           <a:solidFill>
             <a:schemeClr val="tx1"/>
           </a:solidFill>
@@ -2747,15 +2900,12 @@
           <a:ea typeface="+mn-ea"/>
           <a:cs typeface="+mn-cs"/>
         </a:defRPr>
-      </a:lvl3pPr>
-      <a:lvl4pPr marL="1600200" indent="-228600" algn="l" defTabSz="914400" rtl="0" eaLnBrk="1" latinLnBrk="0" hangingPunct="1">
-        <a:lnSpc>
-          <a:spcPct val="90000"/>
-        </a:lnSpc>
+      </a:lvl2pPr>
+      <a:lvl3pPr marL="857250" indent="-171450" algn="l" defTabSz="342900" rtl="0" eaLnBrk="1" latinLnBrk="0" hangingPunct="1">
         <a:spcBef>
-          <a:spcPts val="500"/>
+          <a:spcPct val="20000"/>
         </a:spcBef>
-        <a:buFont typeface="Arial" panose="020B0604020202020204" pitchFamily="34" charset="0"/>
+        <a:buFont typeface="Arial"/>
         <a:buChar char="•"/>
         <a:defRPr sz="1800" kern="1200">
           <a:solidFill>
@@ -2765,17 +2915,29 @@
           <a:ea typeface="+mn-ea"/>
           <a:cs typeface="+mn-cs"/>
         </a:defRPr>
+      </a:lvl3pPr>
+      <a:lvl4pPr marL="1200150" indent="-171450" algn="l" defTabSz="342900" rtl="0" eaLnBrk="1" latinLnBrk="0" hangingPunct="1">
+        <a:spcBef>
+          <a:spcPct val="20000"/>
+        </a:spcBef>
+        <a:buFont typeface="Arial"/>
+        <a:buChar char="–"/>
+        <a:defRPr sz="1500" kern="1200">
+          <a:solidFill>
+            <a:schemeClr val="tx1"/>
+          </a:solidFill>
+          <a:latin typeface="+mn-lt"/>
+          <a:ea typeface="+mn-ea"/>
+          <a:cs typeface="+mn-cs"/>
+        </a:defRPr>
       </a:lvl4pPr>
-      <a:lvl5pPr marL="2057400" indent="-228600" algn="l" defTabSz="914400" rtl="0" eaLnBrk="1" latinLnBrk="0" hangingPunct="1">
-        <a:lnSpc>
-          <a:spcPct val="90000"/>
-        </a:lnSpc>
+      <a:lvl5pPr marL="1543050" indent="-171450" algn="l" defTabSz="342900" rtl="0" eaLnBrk="1" latinLnBrk="0" hangingPunct="1">
         <a:spcBef>
-          <a:spcPts val="500"/>
+          <a:spcPct val="20000"/>
         </a:spcBef>
-        <a:buFont typeface="Arial" panose="020B0604020202020204" pitchFamily="34" charset="0"/>
-        <a:buChar char="•"/>
-        <a:defRPr sz="1800" kern="1200">
+        <a:buFont typeface="Arial"/>
+        <a:buChar char="»"/>
+        <a:defRPr sz="1500" kern="1200">
           <a:solidFill>
             <a:schemeClr val="tx1"/>
           </a:solidFill>
@@ -2784,16 +2946,13 @@
           <a:cs typeface="+mn-cs"/>
         </a:defRPr>
       </a:lvl5pPr>
-      <a:lvl6pPr marL="2514600" indent="-228600" algn="l" defTabSz="914400" rtl="0" eaLnBrk="1" latinLnBrk="0" hangingPunct="1">
-        <a:lnSpc>
-          <a:spcPct val="90000"/>
-        </a:lnSpc>
+      <a:lvl6pPr marL="1885950" indent="-171450" algn="l" defTabSz="342900" rtl="0" eaLnBrk="1" latinLnBrk="0" hangingPunct="1">
         <a:spcBef>
-          <a:spcPts val="500"/>
+          <a:spcPct val="20000"/>
         </a:spcBef>
-        <a:buFont typeface="Arial" panose="020B0604020202020204" pitchFamily="34" charset="0"/>
+        <a:buFont typeface="Arial"/>
         <a:buChar char="•"/>
-        <a:defRPr sz="1800" kern="1200">
+        <a:defRPr sz="1500" kern="1200">
           <a:solidFill>
             <a:schemeClr val="tx1"/>
           </a:solidFill>
@@ -2802,16 +2961,13 @@
           <a:cs typeface="+mn-cs"/>
         </a:defRPr>
       </a:lvl6pPr>
-      <a:lvl7pPr marL="2971800" indent="-228600" algn="l" defTabSz="914400" rtl="0" eaLnBrk="1" latinLnBrk="0" hangingPunct="1">
-        <a:lnSpc>
-          <a:spcPct val="90000"/>
-        </a:lnSpc>
+      <a:lvl7pPr marL="2228850" indent="-171450" algn="l" defTabSz="342900" rtl="0" eaLnBrk="1" latinLnBrk="0" hangingPunct="1">
         <a:spcBef>
-          <a:spcPts val="500"/>
+          <a:spcPct val="20000"/>
         </a:spcBef>
-        <a:buFont typeface="Arial" panose="020B0604020202020204" pitchFamily="34" charset="0"/>
+        <a:buFont typeface="Arial"/>
         <a:buChar char="•"/>
-        <a:defRPr sz="1800" kern="1200">
+        <a:defRPr sz="1500" kern="1200">
           <a:solidFill>
             <a:schemeClr val="tx1"/>
           </a:solidFill>
@@ -2820,16 +2976,13 @@
           <a:cs typeface="+mn-cs"/>
         </a:defRPr>
       </a:lvl7pPr>
-      <a:lvl8pPr marL="3429000" indent="-228600" algn="l" defTabSz="914400" rtl="0" eaLnBrk="1" latinLnBrk="0" hangingPunct="1">
-        <a:lnSpc>
-          <a:spcPct val="90000"/>
-        </a:lnSpc>
+      <a:lvl8pPr marL="2571750" indent="-171450" algn="l" defTabSz="342900" rtl="0" eaLnBrk="1" latinLnBrk="0" hangingPunct="1">
         <a:spcBef>
-          <a:spcPts val="500"/>
+          <a:spcPct val="20000"/>
         </a:spcBef>
-        <a:buFont typeface="Arial" panose="020B0604020202020204" pitchFamily="34" charset="0"/>
+        <a:buFont typeface="Arial"/>
         <a:buChar char="•"/>
-        <a:defRPr sz="1800" kern="1200">
+        <a:defRPr sz="1500" kern="1200">
           <a:solidFill>
             <a:schemeClr val="tx1"/>
           </a:solidFill>
@@ -2838,16 +2991,13 @@
           <a:cs typeface="+mn-cs"/>
         </a:defRPr>
       </a:lvl8pPr>
-      <a:lvl9pPr marL="3886200" indent="-228600" algn="l" defTabSz="914400" rtl="0" eaLnBrk="1" latinLnBrk="0" hangingPunct="1">
-        <a:lnSpc>
-          <a:spcPct val="90000"/>
-        </a:lnSpc>
+      <a:lvl9pPr marL="2914650" indent="-171450" algn="l" defTabSz="342900" rtl="0" eaLnBrk="1" latinLnBrk="0" hangingPunct="1">
         <a:spcBef>
-          <a:spcPts val="500"/>
+          <a:spcPct val="20000"/>
         </a:spcBef>
-        <a:buFont typeface="Arial" panose="020B0604020202020204" pitchFamily="34" charset="0"/>
+        <a:buFont typeface="Arial"/>
         <a:buChar char="•"/>
-        <a:defRPr sz="1800" kern="1200">
+        <a:defRPr sz="1500" kern="1200">
           <a:solidFill>
             <a:schemeClr val="tx1"/>
           </a:solidFill>
@@ -2861,8 +3011,8 @@
       <a:defPPr>
         <a:defRPr lang="it-IT"/>
       </a:defPPr>
-      <a:lvl1pPr marL="0" algn="l" defTabSz="914400" rtl="0" eaLnBrk="1" latinLnBrk="0" hangingPunct="1">
-        <a:defRPr sz="1800" kern="1200">
+      <a:lvl1pPr marL="0" algn="l" defTabSz="342900" rtl="0" eaLnBrk="1" latinLnBrk="0" hangingPunct="1">
+        <a:defRPr sz="1350" kern="1200">
           <a:solidFill>
             <a:schemeClr val="tx1"/>
           </a:solidFill>
@@ -2871,8 +3021,8 @@
           <a:cs typeface="+mn-cs"/>
         </a:defRPr>
       </a:lvl1pPr>
-      <a:lvl2pPr marL="457200" algn="l" defTabSz="914400" rtl="0" eaLnBrk="1" latinLnBrk="0" hangingPunct="1">
-        <a:defRPr sz="1800" kern="1200">
+      <a:lvl2pPr marL="342900" algn="l" defTabSz="342900" rtl="0" eaLnBrk="1" latinLnBrk="0" hangingPunct="1">
+        <a:defRPr sz="1350" kern="1200">
           <a:solidFill>
             <a:schemeClr val="tx1"/>
           </a:solidFill>
@@ -2881,8 +3031,8 @@
           <a:cs typeface="+mn-cs"/>
         </a:defRPr>
       </a:lvl2pPr>
-      <a:lvl3pPr marL="914400" algn="l" defTabSz="914400" rtl="0" eaLnBrk="1" latinLnBrk="0" hangingPunct="1">
-        <a:defRPr sz="1800" kern="1200">
+      <a:lvl3pPr marL="685800" algn="l" defTabSz="342900" rtl="0" eaLnBrk="1" latinLnBrk="0" hangingPunct="1">
+        <a:defRPr sz="1350" kern="1200">
           <a:solidFill>
             <a:schemeClr val="tx1"/>
           </a:solidFill>
@@ -2891,8 +3041,8 @@
           <a:cs typeface="+mn-cs"/>
         </a:defRPr>
       </a:lvl3pPr>
-      <a:lvl4pPr marL="1371600" algn="l" defTabSz="914400" rtl="0" eaLnBrk="1" latinLnBrk="0" hangingPunct="1">
-        <a:defRPr sz="1800" kern="1200">
+      <a:lvl4pPr marL="1028700" algn="l" defTabSz="342900" rtl="0" eaLnBrk="1" latinLnBrk="0" hangingPunct="1">
+        <a:defRPr sz="1350" kern="1200">
           <a:solidFill>
             <a:schemeClr val="tx1"/>
           </a:solidFill>
@@ -2901,8 +3051,8 @@
           <a:cs typeface="+mn-cs"/>
         </a:defRPr>
       </a:lvl4pPr>
-      <a:lvl5pPr marL="1828800" algn="l" defTabSz="914400" rtl="0" eaLnBrk="1" latinLnBrk="0" hangingPunct="1">
-        <a:defRPr sz="1800" kern="1200">
+      <a:lvl5pPr marL="1371600" algn="l" defTabSz="342900" rtl="0" eaLnBrk="1" latinLnBrk="0" hangingPunct="1">
+        <a:defRPr sz="1350" kern="1200">
           <a:solidFill>
             <a:schemeClr val="tx1"/>
           </a:solidFill>
@@ -2911,8 +3061,8 @@
           <a:cs typeface="+mn-cs"/>
         </a:defRPr>
       </a:lvl5pPr>
-      <a:lvl6pPr marL="2286000" algn="l" defTabSz="914400" rtl="0" eaLnBrk="1" latinLnBrk="0" hangingPunct="1">
-        <a:defRPr sz="1800" kern="1200">
+      <a:lvl6pPr marL="1714500" algn="l" defTabSz="342900" rtl="0" eaLnBrk="1" latinLnBrk="0" hangingPunct="1">
+        <a:defRPr sz="1350" kern="1200">
           <a:solidFill>
             <a:schemeClr val="tx1"/>
           </a:solidFill>
@@ -2921,8 +3071,8 @@
           <a:cs typeface="+mn-cs"/>
         </a:defRPr>
       </a:lvl6pPr>
-      <a:lvl7pPr marL="2743200" algn="l" defTabSz="914400" rtl="0" eaLnBrk="1" latinLnBrk="0" hangingPunct="1">
-        <a:defRPr sz="1800" kern="1200">
+      <a:lvl7pPr marL="2057400" algn="l" defTabSz="342900" rtl="0" eaLnBrk="1" latinLnBrk="0" hangingPunct="1">
+        <a:defRPr sz="1350" kern="1200">
           <a:solidFill>
             <a:schemeClr val="tx1"/>
           </a:solidFill>
@@ -2931,8 +3081,8 @@
           <a:cs typeface="+mn-cs"/>
         </a:defRPr>
       </a:lvl7pPr>
-      <a:lvl8pPr marL="3200400" algn="l" defTabSz="914400" rtl="0" eaLnBrk="1" latinLnBrk="0" hangingPunct="1">
-        <a:defRPr sz="1800" kern="1200">
+      <a:lvl8pPr marL="2400300" algn="l" defTabSz="342900" rtl="0" eaLnBrk="1" latinLnBrk="0" hangingPunct="1">
+        <a:defRPr sz="1350" kern="1200">
           <a:solidFill>
             <a:schemeClr val="tx1"/>
           </a:solidFill>
@@ -2941,8 +3091,8 @@
           <a:cs typeface="+mn-cs"/>
         </a:defRPr>
       </a:lvl8pPr>
-      <a:lvl9pPr marL="3657600" algn="l" defTabSz="914400" rtl="0" eaLnBrk="1" latinLnBrk="0" hangingPunct="1">
-        <a:defRPr sz="1800" kern="1200">
+      <a:lvl9pPr marL="2743200" algn="l" defTabSz="342900" rtl="0" eaLnBrk="1" latinLnBrk="0" hangingPunct="1">
+        <a:defRPr sz="1350" kern="1200">
           <a:solidFill>
             <a:schemeClr val="tx1"/>
           </a:solidFill>
@@ -2959,40 +3109,6 @@
 <file path=ppt/slides/slide1.xml><?xml version="1.0" encoding="utf-8"?>
 <p:sld xmlns:a="http://schemas.openxmlformats.org/drawingml/2006/main" xmlns:r="http://schemas.openxmlformats.org/officeDocument/2006/relationships" xmlns:p="http://schemas.openxmlformats.org/presentationml/2006/main">
   <p:cSld>
-    <p:bg>
-      <p:bgPr>
-        <a:gradFill>
-          <a:gsLst>
-            <a:gs pos="0">
-              <a:schemeClr val="accent1">
-                <a:lumMod val="5000"/>
-                <a:lumOff val="95000"/>
-              </a:schemeClr>
-            </a:gs>
-            <a:gs pos="74000">
-              <a:schemeClr val="accent1">
-                <a:lumMod val="45000"/>
-                <a:lumOff val="55000"/>
-              </a:schemeClr>
-            </a:gs>
-            <a:gs pos="83000">
-              <a:schemeClr val="accent1">
-                <a:lumMod val="45000"/>
-                <a:lumOff val="55000"/>
-              </a:schemeClr>
-            </a:gs>
-            <a:gs pos="100000">
-              <a:schemeClr val="accent1">
-                <a:lumMod val="30000"/>
-                <a:lumOff val="70000"/>
-              </a:schemeClr>
-            </a:gs>
-          </a:gsLst>
-          <a:lin ang="5400000" scaled="1"/>
-        </a:gradFill>
-        <a:effectLst/>
-      </p:bgPr>
-    </p:bg>
     <p:spTree>
       <p:nvGrpSpPr>
         <p:cNvPr id="1" name=""/>
@@ -3017,41 +3133,31 @@
             <p:ph type="ctrTitle"/>
           </p:nvPr>
         </p:nvSpPr>
-        <p:spPr/>
+        <p:spPr>
+          <a:xfrm>
+            <a:off x="1657350" y="2286003"/>
+            <a:ext cx="5829300" cy="1102519"/>
+          </a:xfrm>
+        </p:spPr>
         <p:txBody>
           <a:bodyPr>
-            <a:normAutofit fontScale="90000"/>
+            <a:normAutofit/>
           </a:bodyPr>
           <a:lstStyle/>
           <a:p>
             <a:r>
-              <a:rPr lang="it-IT" dirty="0" smtClean="0"/>
-              <a:t>Progetto per </a:t>
-            </a:r>
-            <a:r>
-              <a:rPr lang="it-IT" b="1" dirty="0" smtClean="0"/>
+              <a:rPr lang="it-IT" sz="4400" dirty="0"/>
+              <a:t>Progetto di </a:t>
+            </a:r>
+            <a:r>
+              <a:rPr lang="it-IT" sz="4400" b="1" dirty="0"/>
               <a:t>Data </a:t>
             </a:r>
             <a:r>
-              <a:rPr lang="it-IT" b="1" dirty="0" err="1"/>
+              <a:rPr lang="it-IT" sz="4400" b="1" dirty="0" err="1"/>
               <a:t>Mining</a:t>
             </a:r>
-            <a:r>
-              <a:rPr lang="it-IT" b="1" dirty="0"/>
-              <a:t> and </a:t>
-            </a:r>
-            <a:r>
-              <a:rPr lang="it-IT" b="1" dirty="0" smtClean="0"/>
-              <a:t>Organization</a:t>
-            </a:r>
-            <a:r>
-              <a:rPr lang="it-IT" dirty="0"/>
-              <a:t/>
-            </a:r>
-            <a:br>
-              <a:rPr lang="it-IT" dirty="0"/>
-            </a:br>
-            <a:endParaRPr lang="it-IT" dirty="0"/>
+            <a:endParaRPr lang="it-IT" sz="4400" b="1" dirty="0"/>
           </a:p>
         </p:txBody>
       </p:sp>
@@ -3067,16 +3173,18 @@
         </p:nvSpPr>
         <p:spPr>
           <a:xfrm>
-            <a:off x="651165" y="3602038"/>
-            <a:ext cx="11083635" cy="1655762"/>
+            <a:off x="990600" y="3771900"/>
+            <a:ext cx="7391400" cy="1314450"/>
           </a:xfrm>
         </p:spPr>
         <p:txBody>
-          <a:bodyPr/>
+          <a:bodyPr>
+            <a:normAutofit fontScale="92500" lnSpcReduction="20000"/>
+          </a:bodyPr>
           <a:lstStyle/>
           <a:p>
             <a:r>
-              <a:rPr lang="it-IT" sz="2800" dirty="0">
+              <a:rPr lang="it-IT" dirty="0">
                 <a:solidFill>
                   <a:srgbClr val="FF0000"/>
                 </a:solidFill>
@@ -3084,7 +3192,7 @@
               <a:t>Simone Cipriani, </a:t>
             </a:r>
             <a:r>
-              <a:rPr lang="it-IT" sz="2800" b="1" dirty="0" smtClean="0">
+              <a:rPr lang="it-IT" b="1" dirty="0">
                 <a:solidFill>
                   <a:srgbClr val="FF0000"/>
                 </a:solidFill>
@@ -3093,73 +3201,54 @@
             </a:r>
           </a:p>
           <a:p>
-            <a:endParaRPr lang="it-IT" dirty="0"/>
-          </a:p>
-          <a:p>
-            <a:r>
-              <a:rPr lang="it-IT" dirty="0" err="1"/>
-              <a:t>Repository</a:t>
-            </a:r>
-            <a:r>
-              <a:rPr lang="it-IT" dirty="0"/>
-              <a:t> </a:t>
-            </a:r>
-            <a:r>
-              <a:rPr lang="it-IT" b="1" dirty="0" err="1"/>
+            <a:endParaRPr lang="it-IT" sz="2000" dirty="0"/>
+          </a:p>
+          <a:p>
+            <a:r>
+              <a:rPr lang="it-IT" sz="2000" dirty="0"/>
+              <a:t>Repository </a:t>
+            </a:r>
+            <a:r>
+              <a:rPr lang="it-IT" sz="2000" b="1" dirty="0" err="1"/>
               <a:t>git</a:t>
             </a:r>
             <a:r>
-              <a:rPr lang="it-IT" dirty="0"/>
-              <a:t> disponibile su: </a:t>
-            </a:r>
-            <a:r>
-              <a:rPr lang="it-IT" i="1" dirty="0" smtClean="0">
+              <a:rPr lang="it-IT" sz="2000" dirty="0"/>
+              <a:t>: </a:t>
+            </a:r>
+          </a:p>
+          <a:p>
+            <a:r>
+              <a:rPr lang="it-IT" sz="2000" i="1" dirty="0">
                 <a:solidFill>
                   <a:srgbClr val="0070C0"/>
                 </a:solidFill>
               </a:rPr>
-              <a:t>https</a:t>
-            </a:r>
-            <a:r>
-              <a:rPr lang="it-IT" i="1" dirty="0">
-                <a:solidFill>
-                  <a:srgbClr val="0070C0"/>
-                </a:solidFill>
-              </a:rPr>
-              <a:t>://github.com/gesucca/datamining-class-homework</a:t>
-            </a:r>
-            <a:endParaRPr lang="it-IT" dirty="0">
+              <a:t>https://github.com/gesucca/datamining-class-homework</a:t>
+            </a:r>
+            <a:endParaRPr lang="it-IT" sz="2000" dirty="0">
               <a:solidFill>
                 <a:srgbClr val="0070C0"/>
               </a:solidFill>
             </a:endParaRPr>
           </a:p>
           <a:p>
-            <a:endParaRPr lang="it-IT" dirty="0">
+            <a:endParaRPr lang="it-IT" sz="2000" dirty="0">
               <a:solidFill>
                 <a:srgbClr val="0070C0"/>
               </a:solidFill>
             </a:endParaRPr>
           </a:p>
+          <a:p>
+            <a:endParaRPr lang="it-IT" sz="2000" dirty="0"/>
+          </a:p>
         </p:txBody>
       </p:sp>
     </p:spTree>
-    <p:extLst>
-      <p:ext uri="{BB962C8B-B14F-4D97-AF65-F5344CB8AC3E}">
-        <p14:creationId xmlns:p14="http://schemas.microsoft.com/office/powerpoint/2010/main" val="3591937627"/>
-      </p:ext>
-    </p:extLst>
   </p:cSld>
   <p:clrMapOvr>
     <a:masterClrMapping/>
   </p:clrMapOvr>
-  <p:timing>
-    <p:tnLst>
-      <p:par>
-        <p:cTn id="1" dur="indefinite" restart="never" nodeType="tmRoot"/>
-      </p:par>
-    </p:tnLst>
-  </p:timing>
 </p:sld>
 </file>
 
@@ -3182,7 +3271,13 @@
       </p:grpSpPr>
       <p:sp>
         <p:nvSpPr>
-          <p:cNvPr id="2" name="Titolo 1"/>
+          <p:cNvPr id="2" name="Titolo 1">
+            <a:extLst>
+              <a:ext uri="{FF2B5EF4-FFF2-40B4-BE49-F238E27FC236}">
+                <a16:creationId xmlns:a16="http://schemas.microsoft.com/office/drawing/2014/main" id="{27DE7282-AE7E-472D-8672-9E1189329188}"/>
+              </a:ext>
+            </a:extLst>
+          </p:cNvPr>
           <p:cNvSpPr>
             <a:spLocks noGrp="1"/>
           </p:cNvSpPr>
@@ -3190,31 +3285,41 @@
             <p:ph type="title"/>
           </p:nvPr>
         </p:nvSpPr>
-        <p:spPr/>
+        <p:spPr>
+          <a:xfrm>
+            <a:off x="457200" y="1371600"/>
+            <a:ext cx="8229600" cy="857250"/>
+          </a:xfrm>
+        </p:spPr>
         <p:txBody>
           <a:bodyPr/>
           <a:lstStyle/>
           <a:p>
-            <a:pPr algn="ctr"/>
-            <a:r>
-              <a:rPr lang="it-IT" b="1" dirty="0" smtClean="0"/>
+            <a:r>
+              <a:rPr lang="it-IT" b="1" dirty="0"/>
               <a:t>DATA UNDERSTANDING: </a:t>
             </a:r>
             <a:r>
-              <a:rPr lang="it-IT" dirty="0" smtClean="0"/>
+              <a:rPr lang="it-IT" dirty="0"/>
               <a:t>DATASET</a:t>
             </a:r>
             <a:r>
-              <a:rPr lang="it-IT" b="1" dirty="0" smtClean="0"/>
+              <a:rPr lang="it-IT" b="1" dirty="0"/>
               <a:t> </a:t>
             </a:r>
-            <a:endParaRPr lang="it-IT" b="1" dirty="0"/>
-          </a:p>
-        </p:txBody>
-      </p:sp>
-      <p:sp>
-        <p:nvSpPr>
-          <p:cNvPr id="3" name="Segnaposto contenuto 2"/>
+            <a:endParaRPr lang="en-US" dirty="0"/>
+          </a:p>
+        </p:txBody>
+      </p:sp>
+      <p:sp>
+        <p:nvSpPr>
+          <p:cNvPr id="3" name="Segnaposto contenuto 2">
+            <a:extLst>
+              <a:ext uri="{FF2B5EF4-FFF2-40B4-BE49-F238E27FC236}">
+                <a16:creationId xmlns:a16="http://schemas.microsoft.com/office/drawing/2014/main" id="{CFAC3122-428C-490C-856C-A6D8B422D33B}"/>
+              </a:ext>
+            </a:extLst>
+          </p:cNvPr>
           <p:cNvSpPr>
             <a:spLocks noGrp="1"/>
           </p:cNvSpPr>
@@ -3224,20 +3329,20 @@
         </p:nvSpPr>
         <p:spPr>
           <a:xfrm>
-            <a:off x="838200" y="1690689"/>
-            <a:ext cx="10515600" cy="4486274"/>
+            <a:off x="457200" y="2206230"/>
+            <a:ext cx="8229600" cy="3394472"/>
           </a:xfrm>
         </p:spPr>
         <p:txBody>
           <a:bodyPr>
-            <a:normAutofit/>
+            <a:normAutofit fontScale="70000" lnSpcReduction="20000"/>
           </a:bodyPr>
           <a:lstStyle/>
           <a:p>
             <a:pPr marL="0" indent="0">
               <a:buNone/>
             </a:pPr>
-            <a:endParaRPr lang="it-IT" sz="2000" dirty="0" smtClean="0">
+            <a:endParaRPr lang="it-IT" dirty="0">
               <a:cs typeface="Courier New" panose="02070309020205020404" pitchFamily="49" charset="0"/>
             </a:endParaRPr>
           </a:p>
@@ -3246,30 +3351,17 @@
               <a:buNone/>
             </a:pPr>
             <a:r>
-              <a:rPr lang="it-IT" sz="2000" dirty="0" smtClean="0">
+              <a:rPr lang="it-IT" sz="2600" dirty="0">
                 <a:cs typeface="Courier New" panose="02070309020205020404" pitchFamily="49" charset="0"/>
               </a:rPr>
-              <a:t>Il </a:t>
-            </a:r>
-            <a:r>
-              <a:rPr lang="it-IT" sz="2000" dirty="0" err="1" smtClean="0">
-                <a:cs typeface="Courier New" panose="02070309020205020404" pitchFamily="49" charset="0"/>
-              </a:rPr>
-              <a:t>dataset</a:t>
-            </a:r>
-            <a:r>
-              <a:rPr lang="it-IT" sz="2000" dirty="0" smtClean="0">
-                <a:cs typeface="Courier New" panose="02070309020205020404" pitchFamily="49" charset="0"/>
-              </a:rPr>
-              <a:t> fornito comprende dati relativi alle prestazioni degli studenti immatricolati nel CDL Informatica. </a:t>
-            </a:r>
-            <a:r>
-              <a:rPr lang="it-IT" sz="2000" dirty="0">
-                <a:cs typeface="Courier New" panose="02070309020205020404" pitchFamily="49" charset="0"/>
-              </a:rPr>
-              <a:t>Ogni istanza rappresenta uno studente. </a:t>
-            </a:r>
-            <a:endParaRPr lang="it-IT" sz="2000" dirty="0" smtClean="0">
+              <a:t>Il dataset fornito comprende dati relativi alle prestazioni degli studenti immatricolati nel CDL Informatica. Ogni istanza rappresenta uno studente. </a:t>
+            </a:r>
+          </a:p>
+          <a:p>
+            <a:pPr marL="0" indent="0">
+              <a:buNone/>
+            </a:pPr>
+            <a:endParaRPr lang="it-IT" dirty="0">
               <a:cs typeface="Courier New" panose="02070309020205020404" pitchFamily="49" charset="0"/>
             </a:endParaRPr>
           </a:p>
@@ -3277,7 +3369,7 @@
             <a:pPr marL="0" indent="0">
               <a:buNone/>
             </a:pPr>
-            <a:endParaRPr lang="it-IT" sz="2000" dirty="0" smtClean="0">
+            <a:endParaRPr lang="it-IT" dirty="0">
               <a:cs typeface="Courier New" panose="02070309020205020404" pitchFamily="49" charset="0"/>
             </a:endParaRPr>
           </a:p>
@@ -3285,16 +3377,8 @@
             <a:pPr marL="0" indent="0">
               <a:buNone/>
             </a:pPr>
-            <a:endParaRPr lang="it-IT" sz="2000" dirty="0">
-              <a:cs typeface="Courier New" panose="02070309020205020404" pitchFamily="49" charset="0"/>
-            </a:endParaRPr>
-          </a:p>
-          <a:p>
-            <a:pPr marL="0" indent="0">
-              <a:buNone/>
-            </a:pPr>
-            <a:r>
-              <a:rPr lang="it-IT" sz="2000" dirty="0" smtClean="0">
+            <a:r>
+              <a:rPr lang="it-IT" dirty="0">
                 <a:solidFill>
                   <a:schemeClr val="bg1">
                     <a:lumMod val="50000"/>
@@ -3305,20 +3389,8 @@
               </a:rPr>
               <a:t>***************************</a:t>
             </a:r>
-            <a:r>
-              <a:rPr lang="it-IT" sz="2000" dirty="0">
-                <a:solidFill>
-                  <a:schemeClr val="bg1">
-                    <a:lumMod val="50000"/>
-                  </a:schemeClr>
-                </a:solidFill>
-                <a:latin typeface="Courier New" panose="02070309020205020404" pitchFamily="49" charset="0"/>
-                <a:cs typeface="Courier New" panose="02070309020205020404" pitchFamily="49" charset="0"/>
-              </a:rPr>
-              <a:t/>
-            </a:r>
             <a:br>
-              <a:rPr lang="it-IT" sz="2000" dirty="0">
+              <a:rPr lang="it-IT" dirty="0">
                 <a:solidFill>
                   <a:schemeClr val="bg1">
                     <a:lumMod val="50000"/>
@@ -3329,7 +3401,7 @@
               </a:rPr>
             </a:br>
             <a:r>
-              <a:rPr lang="it-IT" sz="2000" dirty="0">
+              <a:rPr lang="it-IT" dirty="0">
                 <a:solidFill>
                   <a:schemeClr val="bg1">
                     <a:lumMod val="50000"/>
@@ -3340,20 +3412,8 @@
               </a:rPr>
               <a:t>Tre Anni Coorti 2010-2013:</a:t>
             </a:r>
-            <a:r>
-              <a:rPr lang="it-IT" sz="2000" dirty="0">
-                <a:solidFill>
-                  <a:schemeClr val="bg1">
-                    <a:lumMod val="50000"/>
-                  </a:schemeClr>
-                </a:solidFill>
-                <a:latin typeface="Courier New" panose="02070309020205020404" pitchFamily="49" charset="0"/>
-                <a:cs typeface="Courier New" panose="02070309020205020404" pitchFamily="49" charset="0"/>
-              </a:rPr>
-              <a:t/>
-            </a:r>
             <a:br>
-              <a:rPr lang="it-IT" sz="2000" dirty="0">
+              <a:rPr lang="it-IT" dirty="0">
                 <a:solidFill>
                   <a:schemeClr val="bg1">
                     <a:lumMod val="50000"/>
@@ -3364,7 +3424,7 @@
               </a:rPr>
             </a:br>
             <a:r>
-              <a:rPr lang="it-IT" sz="2000" dirty="0">
+              <a:rPr lang="it-IT" dirty="0">
                 <a:solidFill>
                   <a:schemeClr val="bg1">
                     <a:lumMod val="50000"/>
@@ -3375,20 +3435,8 @@
               </a:rPr>
               <a:t>***************************</a:t>
             </a:r>
-            <a:r>
-              <a:rPr lang="it-IT" sz="2000" dirty="0">
-                <a:solidFill>
-                  <a:schemeClr val="bg1">
-                    <a:lumMod val="50000"/>
-                  </a:schemeClr>
-                </a:solidFill>
-                <a:latin typeface="Courier New" panose="02070309020205020404" pitchFamily="49" charset="0"/>
-                <a:cs typeface="Courier New" panose="02070309020205020404" pitchFamily="49" charset="0"/>
-              </a:rPr>
-              <a:t/>
-            </a:r>
             <a:br>
-              <a:rPr lang="it-IT" sz="2000" dirty="0">
+              <a:rPr lang="it-IT" dirty="0">
                 <a:solidFill>
                   <a:schemeClr val="bg1">
                     <a:lumMod val="50000"/>
@@ -3399,7 +3447,7 @@
               </a:rPr>
             </a:br>
             <a:r>
-              <a:rPr lang="it-IT" sz="2000" dirty="0">
+              <a:rPr lang="it-IT" dirty="0">
                 <a:solidFill>
                   <a:schemeClr val="bg1">
                     <a:lumMod val="50000"/>
@@ -3410,20 +3458,8 @@
               </a:rPr>
               <a:t>immatricolati coorte 2010 - produttività fino ad aprile 2014</a:t>
             </a:r>
-            <a:r>
-              <a:rPr lang="it-IT" sz="2000" dirty="0">
-                <a:solidFill>
-                  <a:schemeClr val="bg1">
-                    <a:lumMod val="50000"/>
-                  </a:schemeClr>
-                </a:solidFill>
-                <a:latin typeface="Courier New" panose="02070309020205020404" pitchFamily="49" charset="0"/>
-                <a:cs typeface="Courier New" panose="02070309020205020404" pitchFamily="49" charset="0"/>
-              </a:rPr>
-              <a:t/>
-            </a:r>
             <a:br>
-              <a:rPr lang="it-IT" sz="2000" dirty="0">
+              <a:rPr lang="it-IT" dirty="0">
                 <a:solidFill>
                   <a:schemeClr val="bg1">
                     <a:lumMod val="50000"/>
@@ -3434,7 +3470,7 @@
               </a:rPr>
             </a:br>
             <a:r>
-              <a:rPr lang="it-IT" sz="2000" dirty="0">
+              <a:rPr lang="it-IT" dirty="0">
                 <a:solidFill>
                   <a:schemeClr val="bg1">
                     <a:lumMod val="50000"/>
@@ -3445,20 +3481,8 @@
               </a:rPr>
               <a:t>immatricolati coorte 2011 - produttività fino ad aprile 2015</a:t>
             </a:r>
-            <a:r>
-              <a:rPr lang="it-IT" sz="2000" dirty="0">
-                <a:solidFill>
-                  <a:schemeClr val="bg1">
-                    <a:lumMod val="50000"/>
-                  </a:schemeClr>
-                </a:solidFill>
-                <a:latin typeface="Courier New" panose="02070309020205020404" pitchFamily="49" charset="0"/>
-                <a:cs typeface="Courier New" panose="02070309020205020404" pitchFamily="49" charset="0"/>
-              </a:rPr>
-              <a:t/>
-            </a:r>
             <a:br>
-              <a:rPr lang="it-IT" sz="2000" dirty="0">
+              <a:rPr lang="it-IT" dirty="0">
                 <a:solidFill>
                   <a:schemeClr val="bg1">
                     <a:lumMod val="50000"/>
@@ -3469,7 +3493,7 @@
               </a:rPr>
             </a:br>
             <a:r>
-              <a:rPr lang="it-IT" sz="2000" dirty="0">
+              <a:rPr lang="it-IT" dirty="0">
                 <a:solidFill>
                   <a:schemeClr val="bg1">
                     <a:lumMod val="50000"/>
@@ -3480,20 +3504,8 @@
               </a:rPr>
               <a:t>immatricolati coorte 2012 - produttività fino ad aprile 2016</a:t>
             </a:r>
-            <a:r>
-              <a:rPr lang="it-IT" sz="2000" dirty="0">
-                <a:solidFill>
-                  <a:schemeClr val="bg1">
-                    <a:lumMod val="50000"/>
-                  </a:schemeClr>
-                </a:solidFill>
-                <a:latin typeface="Courier New" panose="02070309020205020404" pitchFamily="49" charset="0"/>
-                <a:cs typeface="Courier New" panose="02070309020205020404" pitchFamily="49" charset="0"/>
-              </a:rPr>
-              <a:t/>
-            </a:r>
             <a:br>
-              <a:rPr lang="it-IT" sz="2000" dirty="0">
+              <a:rPr lang="it-IT" dirty="0">
                 <a:solidFill>
                   <a:schemeClr val="bg1">
                     <a:lumMod val="50000"/>
@@ -3504,7 +3516,7 @@
               </a:rPr>
             </a:br>
             <a:r>
-              <a:rPr lang="it-IT" sz="2000" dirty="0">
+              <a:rPr lang="it-IT" dirty="0">
                 <a:solidFill>
                   <a:schemeClr val="bg1">
                     <a:lumMod val="50000"/>
@@ -3515,43 +3527,35 @@
               </a:rPr>
               <a:t>immatricolati coorte 2013 - produttività fino ad aprile 2017</a:t>
             </a:r>
-            <a:r>
-              <a:rPr lang="it-IT" sz="2000" dirty="0">
-                <a:latin typeface="Courier New" panose="02070309020205020404" pitchFamily="49" charset="0"/>
-                <a:cs typeface="Courier New" panose="02070309020205020404" pitchFamily="49" charset="0"/>
-              </a:rPr>
-              <a:t/>
-            </a:r>
             <a:br>
-              <a:rPr lang="it-IT" sz="2000" dirty="0">
+              <a:rPr lang="it-IT" dirty="0">
                 <a:latin typeface="Courier New" panose="02070309020205020404" pitchFamily="49" charset="0"/>
                 <a:cs typeface="Courier New" panose="02070309020205020404" pitchFamily="49" charset="0"/>
               </a:rPr>
             </a:br>
-            <a:endParaRPr lang="it-IT" sz="2000" dirty="0" smtClean="0">
+            <a:endParaRPr lang="it-IT" dirty="0">
               <a:latin typeface="Courier New" panose="02070309020205020404" pitchFamily="49" charset="0"/>
               <a:cs typeface="Courier New" panose="02070309020205020404" pitchFamily="49" charset="0"/>
             </a:endParaRPr>
           </a:p>
+          <a:p>
+            <a:endParaRPr lang="en-US" dirty="0"/>
+          </a:p>
+          <a:p>
+            <a:endParaRPr lang="en-US" dirty="0"/>
+          </a:p>
         </p:txBody>
       </p:sp>
     </p:spTree>
     <p:extLst>
       <p:ext uri="{BB962C8B-B14F-4D97-AF65-F5344CB8AC3E}">
-        <p14:creationId xmlns:p14="http://schemas.microsoft.com/office/powerpoint/2010/main" val="29143255"/>
+        <p14:creationId xmlns:p14="http://schemas.microsoft.com/office/powerpoint/2010/main" val="4194171762"/>
       </p:ext>
     </p:extLst>
   </p:cSld>
   <p:clrMapOvr>
     <a:masterClrMapping/>
   </p:clrMapOvr>
-  <p:timing>
-    <p:tnLst>
-      <p:par>
-        <p:cTn id="1" dur="indefinite" restart="never" nodeType="tmRoot"/>
-      </p:par>
-    </p:tnLst>
-  </p:timing>
 </p:sld>
 </file>
 
@@ -3574,7 +3578,13 @@
       </p:grpSpPr>
       <p:sp>
         <p:nvSpPr>
-          <p:cNvPr id="2" name="Titolo 1"/>
+          <p:cNvPr id="2" name="Titolo 1">
+            <a:extLst>
+              <a:ext uri="{FF2B5EF4-FFF2-40B4-BE49-F238E27FC236}">
+                <a16:creationId xmlns:a16="http://schemas.microsoft.com/office/drawing/2014/main" id="{A9E5E19C-A471-4F4F-AC04-6DE78354DD6C}"/>
+              </a:ext>
+            </a:extLst>
+          </p:cNvPr>
           <p:cNvSpPr>
             <a:spLocks noGrp="1"/>
           </p:cNvSpPr>
@@ -3587,7 +3597,6 @@
           <a:bodyPr/>
           <a:lstStyle/>
           <a:p>
-            <a:pPr algn="ctr"/>
             <a:r>
               <a:rPr lang="it-IT" b="1" dirty="0"/>
               <a:t>DATA UNDERSTANDING: </a:t>
@@ -3600,27 +3609,33 @@
               <a:rPr lang="it-IT" b="1" dirty="0"/>
               <a:t> </a:t>
             </a:r>
+            <a:endParaRPr lang="en-US" dirty="0"/>
           </a:p>
         </p:txBody>
       </p:sp>
       <p:graphicFrame>
         <p:nvGraphicFramePr>
-          <p:cNvPr id="4" name="Segnaposto contenuto 3"/>
+          <p:cNvPr id="4" name="Segnaposto contenuto 3">
+            <a:extLst>
+              <a:ext uri="{FF2B5EF4-FFF2-40B4-BE49-F238E27FC236}">
+                <a16:creationId xmlns:a16="http://schemas.microsoft.com/office/drawing/2014/main" id="{03B2811F-5DE8-42D1-8BA0-DFADE2068770}"/>
+              </a:ext>
+            </a:extLst>
+          </p:cNvPr>
           <p:cNvGraphicFramePr>
-            <a:graphicFrameLocks noGrp="1"/>
+            <a:graphicFrameLocks/>
           </p:cNvGraphicFramePr>
           <p:nvPr>
-            <p:ph idx="1"/>
             <p:extLst>
               <p:ext uri="{D42A27DB-BD31-4B8C-83A1-F6EECF244321}">
-                <p14:modId xmlns:p14="http://schemas.microsoft.com/office/powerpoint/2010/main" val="846571236"/>
+                <p14:modId xmlns:p14="http://schemas.microsoft.com/office/powerpoint/2010/main" val="1233716285"/>
               </p:ext>
             </p:extLst>
           </p:nvPr>
         </p:nvGraphicFramePr>
         <p:xfrm>
-          <a:off x="1847558" y="3545057"/>
-          <a:ext cx="8496883" cy="2391510"/>
+          <a:off x="1385671" y="3516043"/>
+          <a:ext cx="6372663" cy="1793634"/>
         </p:xfrm>
         <a:graphic>
           <a:graphicData uri="http://schemas.openxmlformats.org/drawingml/2006/table">
@@ -3629,70 +3644,70 @@
                 <a:tableStyleId>{5C22544A-7EE6-4342-B048-85BDC9FD1C3A}</a:tableStyleId>
               </a:tblPr>
               <a:tblGrid>
-                <a:gridCol w="830952">
+                <a:gridCol w="623214">
                   <a:extLst>
                     <a:ext uri="{9D8B030D-6E8A-4147-A177-3AD203B41FA5}">
                       <a16:colId xmlns:a16="http://schemas.microsoft.com/office/drawing/2014/main" val="807059028"/>
                     </a:ext>
                   </a:extLst>
                 </a:gridCol>
-                <a:gridCol w="716899">
+                <a:gridCol w="537674">
                   <a:extLst>
                     <a:ext uri="{9D8B030D-6E8A-4147-A177-3AD203B41FA5}">
                       <a16:colId xmlns:a16="http://schemas.microsoft.com/office/drawing/2014/main" val="3957048853"/>
                     </a:ext>
                   </a:extLst>
                 </a:gridCol>
-                <a:gridCol w="1042762">
+                <a:gridCol w="782072">
                   <a:extLst>
                     <a:ext uri="{9D8B030D-6E8A-4147-A177-3AD203B41FA5}">
                       <a16:colId xmlns:a16="http://schemas.microsoft.com/office/drawing/2014/main" val="3530217452"/>
                     </a:ext>
                   </a:extLst>
                 </a:gridCol>
-                <a:gridCol w="1401211">
+                <a:gridCol w="1050908">
                   <a:extLst>
                     <a:ext uri="{9D8B030D-6E8A-4147-A177-3AD203B41FA5}">
                       <a16:colId xmlns:a16="http://schemas.microsoft.com/office/drawing/2014/main" val="2216707341"/>
                     </a:ext>
                   </a:extLst>
                 </a:gridCol>
-                <a:gridCol w="1091641">
+                <a:gridCol w="818731">
                   <a:extLst>
                     <a:ext uri="{9D8B030D-6E8A-4147-A177-3AD203B41FA5}">
                       <a16:colId xmlns:a16="http://schemas.microsoft.com/office/drawing/2014/main" val="958190292"/>
                     </a:ext>
                   </a:extLst>
                 </a:gridCol>
-                <a:gridCol w="488795">
+                <a:gridCol w="366596">
                   <a:extLst>
                     <a:ext uri="{9D8B030D-6E8A-4147-A177-3AD203B41FA5}">
                       <a16:colId xmlns:a16="http://schemas.microsoft.com/office/drawing/2014/main" val="424608249"/>
                     </a:ext>
                   </a:extLst>
                 </a:gridCol>
-                <a:gridCol w="965370">
+                <a:gridCol w="724028">
                   <a:extLst>
                     <a:ext uri="{9D8B030D-6E8A-4147-A177-3AD203B41FA5}">
                       <a16:colId xmlns:a16="http://schemas.microsoft.com/office/drawing/2014/main" val="1424326084"/>
                     </a:ext>
                   </a:extLst>
                 </a:gridCol>
-                <a:gridCol w="488795">
+                <a:gridCol w="366596">
                   <a:extLst>
                     <a:ext uri="{9D8B030D-6E8A-4147-A177-3AD203B41FA5}">
                       <a16:colId xmlns:a16="http://schemas.microsoft.com/office/drawing/2014/main" val="3392580486"/>
                     </a:ext>
                   </a:extLst>
                 </a:gridCol>
-                <a:gridCol w="965370">
+                <a:gridCol w="724028">
                   <a:extLst>
                     <a:ext uri="{9D8B030D-6E8A-4147-A177-3AD203B41FA5}">
                       <a16:colId xmlns:a16="http://schemas.microsoft.com/office/drawing/2014/main" val="1129838862"/>
                     </a:ext>
                   </a:extLst>
                 </a:gridCol>
-                <a:gridCol w="505088">
+                <a:gridCol w="378816">
                   <a:extLst>
                     <a:ext uri="{9D8B030D-6E8A-4147-A177-3AD203B41FA5}">
                       <a16:colId xmlns:a16="http://schemas.microsoft.com/office/drawing/2014/main" val="1356684913"/>
@@ -3700,7 +3715,7 @@
                   </a:extLst>
                 </a:gridCol>
               </a:tblGrid>
-              <a:tr h="398585">
+              <a:tr h="298939">
                 <a:tc>
                   <a:txBody>
                     <a:bodyPr/>
@@ -3708,12 +3723,12 @@
                     <a:p>
                       <a:pPr algn="l" fontAlgn="b"/>
                       <a:r>
-                        <a:rPr lang="it-IT" sz="1100" u="none" strike="noStrike">
+                        <a:rPr lang="it-IT" sz="800" u="none" strike="noStrike">
                           <a:effectLst/>
                         </a:rPr>
                         <a:t>coorte</a:t>
                       </a:r>
-                      <a:endParaRPr lang="it-IT" sz="1100" b="0" i="0" u="none" strike="noStrike">
+                      <a:endParaRPr lang="it-IT" sz="800" b="0" i="0" u="none" strike="noStrike">
                         <a:solidFill>
                           <a:srgbClr val="000000"/>
                         </a:solidFill>
@@ -3722,7 +3737,7 @@
                       </a:endParaRPr>
                     </a:p>
                   </a:txBody>
-                  <a:tcPr marL="9525" marR="9525" marT="9525" marB="0" anchor="b"/>
+                  <a:tcPr marL="7144" marR="7144" marT="7144" marB="0" anchor="b"/>
                 </a:tc>
                 <a:tc>
                   <a:txBody>
@@ -3731,12 +3746,12 @@
                     <a:p>
                       <a:pPr algn="l" fontAlgn="b"/>
                       <a:r>
-                        <a:rPr lang="it-IT" sz="1100" u="none" strike="noStrike">
+                        <a:rPr lang="it-IT" sz="800" u="none" strike="noStrike">
                           <a:effectLst/>
                         </a:rPr>
                         <a:t>test</a:t>
                       </a:r>
-                      <a:endParaRPr lang="it-IT" sz="1100" b="0" i="0" u="none" strike="noStrike">
+                      <a:endParaRPr lang="it-IT" sz="800" b="0" i="0" u="none" strike="noStrike">
                         <a:solidFill>
                           <a:srgbClr val="000000"/>
                         </a:solidFill>
@@ -3745,7 +3760,7 @@
                       </a:endParaRPr>
                     </a:p>
                   </a:txBody>
-                  <a:tcPr marL="9525" marR="9525" marT="9525" marB="0" anchor="b"/>
+                  <a:tcPr marL="7144" marR="7144" marT="7144" marB="0" anchor="b"/>
                 </a:tc>
                 <a:tc>
                   <a:txBody>
@@ -3754,12 +3769,12 @@
                     <a:p>
                       <a:pPr algn="l" fontAlgn="b"/>
                       <a:r>
-                        <a:rPr lang="it-IT" sz="1100" u="none" strike="noStrike">
+                        <a:rPr lang="it-IT" sz="800" u="none" strike="noStrike" dirty="0" err="1">
                           <a:effectLst/>
                         </a:rPr>
                         <a:t>crediti_totali</a:t>
                       </a:r>
-                      <a:endParaRPr lang="it-IT" sz="1100" b="0" i="0" u="none" strike="noStrike">
+                      <a:endParaRPr lang="it-IT" sz="800" b="0" i="0" u="none" strike="noStrike" dirty="0">
                         <a:solidFill>
                           <a:srgbClr val="000000"/>
                         </a:solidFill>
@@ -3768,7 +3783,7 @@
                       </a:endParaRPr>
                     </a:p>
                   </a:txBody>
-                  <a:tcPr marL="9525" marR="9525" marT="9525" marB="0" anchor="b"/>
+                  <a:tcPr marL="7144" marR="7144" marT="7144" marB="0" anchor="b"/>
                 </a:tc>
                 <a:tc>
                   <a:txBody>
@@ -3777,12 +3792,12 @@
                     <a:p>
                       <a:pPr algn="l" fontAlgn="b"/>
                       <a:r>
-                        <a:rPr lang="it-IT" sz="1100" u="none" strike="noStrike">
+                        <a:rPr lang="it-IT" sz="800" u="none" strike="noStrike">
                           <a:effectLst/>
                         </a:rPr>
                         <a:t>crediti_con_voto</a:t>
                       </a:r>
-                      <a:endParaRPr lang="it-IT" sz="1100" b="0" i="0" u="none" strike="noStrike">
+                      <a:endParaRPr lang="it-IT" sz="800" b="0" i="0" u="none" strike="noStrike">
                         <a:solidFill>
                           <a:srgbClr val="000000"/>
                         </a:solidFill>
@@ -3791,7 +3806,7 @@
                       </a:endParaRPr>
                     </a:p>
                   </a:txBody>
-                  <a:tcPr marL="9525" marR="9525" marT="9525" marB="0" anchor="b"/>
+                  <a:tcPr marL="7144" marR="7144" marT="7144" marB="0" anchor="b"/>
                 </a:tc>
                 <a:tc>
                   <a:txBody>
@@ -3800,12 +3815,12 @@
                     <a:p>
                       <a:pPr algn="l" fontAlgn="b"/>
                       <a:r>
-                        <a:rPr lang="it-IT" sz="1100" u="none" strike="noStrike">
+                        <a:rPr lang="it-IT" sz="800" u="none" strike="noStrike">
                           <a:effectLst/>
                         </a:rPr>
                         <a:t>voto_medio</a:t>
                       </a:r>
-                      <a:endParaRPr lang="it-IT" sz="1100" b="0" i="0" u="none" strike="noStrike">
+                      <a:endParaRPr lang="it-IT" sz="800" b="0" i="0" u="none" strike="noStrike">
                         <a:solidFill>
                           <a:srgbClr val="000000"/>
                         </a:solidFill>
@@ -3814,7 +3829,7 @@
                       </a:endParaRPr>
                     </a:p>
                   </a:txBody>
-                  <a:tcPr marL="9525" marR="9525" marT="9525" marB="0" anchor="b"/>
+                  <a:tcPr marL="7144" marR="7144" marT="7144" marB="0" anchor="b"/>
                 </a:tc>
                 <a:tc>
                   <a:txBody>
@@ -3823,12 +3838,12 @@
                     <a:p>
                       <a:pPr algn="l" fontAlgn="b"/>
                       <a:r>
-                        <a:rPr lang="it-IT" sz="1100" u="none" strike="noStrike">
+                        <a:rPr lang="it-IT" sz="800" u="none" strike="noStrike">
                           <a:effectLst/>
                         </a:rPr>
                         <a:t>ASD</a:t>
                       </a:r>
-                      <a:endParaRPr lang="it-IT" sz="1100" b="0" i="0" u="none" strike="noStrike">
+                      <a:endParaRPr lang="it-IT" sz="800" b="0" i="0" u="none" strike="noStrike">
                         <a:solidFill>
                           <a:srgbClr val="000000"/>
                         </a:solidFill>
@@ -3837,7 +3852,7 @@
                       </a:endParaRPr>
                     </a:p>
                   </a:txBody>
-                  <a:tcPr marL="9525" marR="9525" marT="9525" marB="0" anchor="b"/>
+                  <a:tcPr marL="7144" marR="7144" marT="7144" marB="0" anchor="b"/>
                 </a:tc>
                 <a:tc>
                   <a:txBody>
@@ -3846,12 +3861,12 @@
                     <a:p>
                       <a:pPr algn="l" fontAlgn="b"/>
                       <a:r>
-                        <a:rPr lang="it-IT" sz="1100" u="none" strike="noStrike">
+                        <a:rPr lang="it-IT" sz="800" u="none" strike="noStrike">
                           <a:effectLst/>
                         </a:rPr>
                         <a:t>data_ASD</a:t>
                       </a:r>
-                      <a:endParaRPr lang="it-IT" sz="1100" b="0" i="0" u="none" strike="noStrike">
+                      <a:endParaRPr lang="it-IT" sz="800" b="0" i="0" u="none" strike="noStrike">
                         <a:solidFill>
                           <a:srgbClr val="000000"/>
                         </a:solidFill>
@@ -3860,7 +3875,7 @@
                       </a:endParaRPr>
                     </a:p>
                   </a:txBody>
-                  <a:tcPr marL="9525" marR="9525" marT="9525" marB="0" anchor="b"/>
+                  <a:tcPr marL="7144" marR="7144" marT="7144" marB="0" anchor="b"/>
                 </a:tc>
                 <a:tc>
                   <a:txBody>
@@ -3869,12 +3884,12 @@
                     <a:p>
                       <a:pPr algn="l" fontAlgn="b"/>
                       <a:r>
-                        <a:rPr lang="it-IT" sz="1100" u="none" strike="noStrike">
+                        <a:rPr lang="it-IT" sz="800" u="none" strike="noStrike">
                           <a:effectLst/>
                         </a:rPr>
                         <a:t>ARC</a:t>
                       </a:r>
-                      <a:endParaRPr lang="it-IT" sz="1100" b="0" i="0" u="none" strike="noStrike">
+                      <a:endParaRPr lang="it-IT" sz="800" b="0" i="0" u="none" strike="noStrike">
                         <a:solidFill>
                           <a:srgbClr val="000000"/>
                         </a:solidFill>
@@ -3883,7 +3898,7 @@
                       </a:endParaRPr>
                     </a:p>
                   </a:txBody>
-                  <a:tcPr marL="9525" marR="9525" marT="9525" marB="0" anchor="b"/>
+                  <a:tcPr marL="7144" marR="7144" marT="7144" marB="0" anchor="b"/>
                 </a:tc>
                 <a:tc>
                   <a:txBody>
@@ -3892,12 +3907,12 @@
                     <a:p>
                       <a:pPr algn="l" fontAlgn="b"/>
                       <a:r>
-                        <a:rPr lang="it-IT" sz="1100" u="none" strike="noStrike">
+                        <a:rPr lang="it-IT" sz="800" u="none" strike="noStrike">
                           <a:effectLst/>
                         </a:rPr>
                         <a:t>data_ARC</a:t>
                       </a:r>
-                      <a:endParaRPr lang="it-IT" sz="1100" b="0" i="0" u="none" strike="noStrike">
+                      <a:endParaRPr lang="it-IT" sz="800" b="0" i="0" u="none" strike="noStrike">
                         <a:solidFill>
                           <a:srgbClr val="000000"/>
                         </a:solidFill>
@@ -3906,7 +3921,7 @@
                       </a:endParaRPr>
                     </a:p>
                   </a:txBody>
-                  <a:tcPr marL="9525" marR="9525" marT="9525" marB="0" anchor="b"/>
+                  <a:tcPr marL="7144" marR="7144" marT="7144" marB="0" anchor="b"/>
                 </a:tc>
                 <a:tc>
                   <a:txBody>
@@ -3915,7 +3930,7 @@
                     <a:p>
                       <a:pPr algn="ctr" fontAlgn="b"/>
                       <a:r>
-                        <a:rPr lang="it-IT" sz="1100" b="0" i="0" u="none" strike="noStrike" dirty="0" smtClean="0">
+                        <a:rPr lang="it-IT" sz="800" b="0" i="0" u="none" strike="noStrike" dirty="0">
                           <a:solidFill>
                             <a:schemeClr val="dk1"/>
                           </a:solidFill>
@@ -3924,7 +3939,7 @@
                         </a:rPr>
                         <a:t>…</a:t>
                       </a:r>
-                      <a:endParaRPr lang="it-IT" sz="1100" b="0" i="0" u="none" strike="noStrike" dirty="0">
+                      <a:endParaRPr lang="it-IT" sz="800" b="0" i="0" u="none" strike="noStrike" dirty="0">
                         <a:solidFill>
                           <a:srgbClr val="000000"/>
                         </a:solidFill>
@@ -3933,7 +3948,7 @@
                       </a:endParaRPr>
                     </a:p>
                   </a:txBody>
-                  <a:tcPr marL="9525" marR="9525" marT="9525" marB="0" anchor="b"/>
+                  <a:tcPr marL="7144" marR="7144" marT="7144" marB="0" anchor="b"/>
                 </a:tc>
                 <a:extLst>
                   <a:ext uri="{0D108BD9-81ED-4DB2-BD59-A6C34878D82A}">
@@ -3941,7 +3956,7 @@
                   </a:ext>
                 </a:extLst>
               </a:tr>
-              <a:tr h="398585">
+              <a:tr h="298939">
                 <a:tc>
                   <a:txBody>
                     <a:bodyPr/>
@@ -3949,12 +3964,12 @@
                     <a:p>
                       <a:pPr algn="r" fontAlgn="b"/>
                       <a:r>
-                        <a:rPr lang="it-IT" sz="1100" u="none" strike="noStrike">
+                        <a:rPr lang="it-IT" sz="800" u="none" strike="noStrike">
                           <a:effectLst/>
                         </a:rPr>
                         <a:t>2010</a:t>
                       </a:r>
-                      <a:endParaRPr lang="it-IT" sz="1100" b="0" i="0" u="none" strike="noStrike">
+                      <a:endParaRPr lang="it-IT" sz="800" b="0" i="0" u="none" strike="noStrike">
                         <a:solidFill>
                           <a:srgbClr val="000000"/>
                         </a:solidFill>
@@ -3963,7 +3978,7 @@
                       </a:endParaRPr>
                     </a:p>
                   </a:txBody>
-                  <a:tcPr marL="9525" marR="9525" marT="9525" marB="0" anchor="b"/>
+                  <a:tcPr marL="7144" marR="7144" marT="7144" marB="0" anchor="b"/>
                 </a:tc>
                 <a:tc>
                   <a:txBody>
@@ -3972,12 +3987,12 @@
                     <a:p>
                       <a:pPr algn="r" fontAlgn="b"/>
                       <a:r>
-                        <a:rPr lang="it-IT" sz="1100" u="none" strike="noStrike">
+                        <a:rPr lang="it-IT" sz="800" u="none" strike="noStrike">
                           <a:effectLst/>
                         </a:rPr>
                         <a:t>13</a:t>
                       </a:r>
-                      <a:endParaRPr lang="it-IT" sz="1100" b="0" i="0" u="none" strike="noStrike">
+                      <a:endParaRPr lang="it-IT" sz="800" b="0" i="0" u="none" strike="noStrike">
                         <a:solidFill>
                           <a:srgbClr val="000000"/>
                         </a:solidFill>
@@ -3986,7 +4001,7 @@
                       </a:endParaRPr>
                     </a:p>
                   </a:txBody>
-                  <a:tcPr marL="9525" marR="9525" marT="9525" marB="0" anchor="b"/>
+                  <a:tcPr marL="7144" marR="7144" marT="7144" marB="0" anchor="b"/>
                 </a:tc>
                 <a:tc>
                   <a:txBody>
@@ -3995,12 +4010,12 @@
                     <a:p>
                       <a:pPr algn="r" fontAlgn="b"/>
                       <a:r>
-                        <a:rPr lang="it-IT" sz="1100" u="none" strike="noStrike">
+                        <a:rPr lang="it-IT" sz="800" u="none" strike="noStrike">
                           <a:effectLst/>
                         </a:rPr>
                         <a:t>180</a:t>
                       </a:r>
-                      <a:endParaRPr lang="it-IT" sz="1100" b="0" i="0" u="none" strike="noStrike">
+                      <a:endParaRPr lang="it-IT" sz="800" b="0" i="0" u="none" strike="noStrike">
                         <a:solidFill>
                           <a:srgbClr val="000000"/>
                         </a:solidFill>
@@ -4009,7 +4024,7 @@
                       </a:endParaRPr>
                     </a:p>
                   </a:txBody>
-                  <a:tcPr marL="9525" marR="9525" marT="9525" marB="0" anchor="b"/>
+                  <a:tcPr marL="7144" marR="7144" marT="7144" marB="0" anchor="b"/>
                 </a:tc>
                 <a:tc>
                   <a:txBody>
@@ -4018,12 +4033,12 @@
                     <a:p>
                       <a:pPr algn="r" fontAlgn="b"/>
                       <a:r>
-                        <a:rPr lang="it-IT" sz="1100" u="none" strike="noStrike">
+                        <a:rPr lang="it-IT" sz="800" u="none" strike="noStrike">
                           <a:effectLst/>
                         </a:rPr>
                         <a:t>159</a:t>
                       </a:r>
-                      <a:endParaRPr lang="it-IT" sz="1100" b="0" i="0" u="none" strike="noStrike">
+                      <a:endParaRPr lang="it-IT" sz="800" b="0" i="0" u="none" strike="noStrike">
                         <a:solidFill>
                           <a:srgbClr val="000000"/>
                         </a:solidFill>
@@ -4032,7 +4047,7 @@
                       </a:endParaRPr>
                     </a:p>
                   </a:txBody>
-                  <a:tcPr marL="9525" marR="9525" marT="9525" marB="0" anchor="b"/>
+                  <a:tcPr marL="7144" marR="7144" marT="7144" marB="0" anchor="b"/>
                 </a:tc>
                 <a:tc>
                   <a:txBody>
@@ -4041,12 +4056,12 @@
                     <a:p>
                       <a:pPr algn="r" fontAlgn="b"/>
                       <a:r>
-                        <a:rPr lang="it-IT" sz="1100" u="none" strike="noStrike">
+                        <a:rPr lang="it-IT" sz="800" u="none" strike="noStrike">
                           <a:effectLst/>
                         </a:rPr>
                         <a:t>24</a:t>
                       </a:r>
-                      <a:endParaRPr lang="it-IT" sz="1100" b="0" i="0" u="none" strike="noStrike">
+                      <a:endParaRPr lang="it-IT" sz="800" b="0" i="0" u="none" strike="noStrike">
                         <a:solidFill>
                           <a:srgbClr val="000000"/>
                         </a:solidFill>
@@ -4055,7 +4070,7 @@
                       </a:endParaRPr>
                     </a:p>
                   </a:txBody>
-                  <a:tcPr marL="9525" marR="9525" marT="9525" marB="0" anchor="b"/>
+                  <a:tcPr marL="7144" marR="7144" marT="7144" marB="0" anchor="b"/>
                 </a:tc>
                 <a:tc>
                   <a:txBody>
@@ -4064,12 +4079,12 @@
                     <a:p>
                       <a:pPr algn="r" fontAlgn="b"/>
                       <a:r>
-                        <a:rPr lang="it-IT" sz="1100" u="none" strike="noStrike">
+                        <a:rPr lang="it-IT" sz="800" u="none" strike="noStrike">
                           <a:effectLst/>
                         </a:rPr>
                         <a:t>22</a:t>
                       </a:r>
-                      <a:endParaRPr lang="it-IT" sz="1100" b="0" i="0" u="none" strike="noStrike">
+                      <a:endParaRPr lang="it-IT" sz="800" b="0" i="0" u="none" strike="noStrike">
                         <a:solidFill>
                           <a:srgbClr val="000000"/>
                         </a:solidFill>
@@ -4078,7 +4093,7 @@
                       </a:endParaRPr>
                     </a:p>
                   </a:txBody>
-                  <a:tcPr marL="9525" marR="9525" marT="9525" marB="0" anchor="b"/>
+                  <a:tcPr marL="7144" marR="7144" marT="7144" marB="0" anchor="b"/>
                 </a:tc>
                 <a:tc>
                   <a:txBody>
@@ -4087,12 +4102,12 @@
                     <a:p>
                       <a:pPr algn="l" fontAlgn="b"/>
                       <a:r>
-                        <a:rPr lang="it-IT" sz="1100" u="none" strike="noStrike">
+                        <a:rPr lang="it-IT" sz="800" u="none" strike="noStrike">
                           <a:effectLst/>
                         </a:rPr>
                         <a:t>2011-06-15</a:t>
                       </a:r>
-                      <a:endParaRPr lang="it-IT" sz="1100" b="0" i="0" u="none" strike="noStrike">
+                      <a:endParaRPr lang="it-IT" sz="800" b="0" i="0" u="none" strike="noStrike">
                         <a:solidFill>
                           <a:srgbClr val="000000"/>
                         </a:solidFill>
@@ -4101,7 +4116,7 @@
                       </a:endParaRPr>
                     </a:p>
                   </a:txBody>
-                  <a:tcPr marL="9525" marR="9525" marT="9525" marB="0" anchor="b"/>
+                  <a:tcPr marL="7144" marR="7144" marT="7144" marB="0" anchor="b"/>
                 </a:tc>
                 <a:tc>
                   <a:txBody>
@@ -4110,12 +4125,12 @@
                     <a:p>
                       <a:pPr algn="r" fontAlgn="b"/>
                       <a:r>
-                        <a:rPr lang="it-IT" sz="1100" u="none" strike="noStrike">
+                        <a:rPr lang="it-IT" sz="800" u="none" strike="noStrike">
                           <a:effectLst/>
                         </a:rPr>
                         <a:t>24</a:t>
                       </a:r>
-                      <a:endParaRPr lang="it-IT" sz="1100" b="0" i="0" u="none" strike="noStrike">
+                      <a:endParaRPr lang="it-IT" sz="800" b="0" i="0" u="none" strike="noStrike">
                         <a:solidFill>
                           <a:srgbClr val="000000"/>
                         </a:solidFill>
@@ -4124,7 +4139,7 @@
                       </a:endParaRPr>
                     </a:p>
                   </a:txBody>
-                  <a:tcPr marL="9525" marR="9525" marT="9525" marB="0" anchor="b"/>
+                  <a:tcPr marL="7144" marR="7144" marT="7144" marB="0" anchor="b"/>
                 </a:tc>
                 <a:tc>
                   <a:txBody>
@@ -4133,12 +4148,12 @@
                     <a:p>
                       <a:pPr algn="l" fontAlgn="b"/>
                       <a:r>
-                        <a:rPr lang="it-IT" sz="1100" u="none" strike="noStrike">
+                        <a:rPr lang="it-IT" sz="800" u="none" strike="noStrike">
                           <a:effectLst/>
                         </a:rPr>
                         <a:t>2014-01-28</a:t>
                       </a:r>
-                      <a:endParaRPr lang="it-IT" sz="1100" b="0" i="0" u="none" strike="noStrike">
+                      <a:endParaRPr lang="it-IT" sz="800" b="0" i="0" u="none" strike="noStrike">
                         <a:solidFill>
                           <a:srgbClr val="000000"/>
                         </a:solidFill>
@@ -4147,7 +4162,7 @@
                       </a:endParaRPr>
                     </a:p>
                   </a:txBody>
-                  <a:tcPr marL="9525" marR="9525" marT="9525" marB="0" anchor="b"/>
+                  <a:tcPr marL="7144" marR="7144" marT="7144" marB="0" anchor="b"/>
                 </a:tc>
                 <a:tc>
                   <a:txBody>
@@ -4156,7 +4171,7 @@
                     <a:p>
                       <a:pPr algn="ctr" fontAlgn="b"/>
                       <a:r>
-                        <a:rPr lang="it-IT" sz="1100" b="0" i="0" u="none" strike="noStrike" dirty="0" smtClean="0">
+                        <a:rPr lang="it-IT" sz="800" b="0" i="0" u="none" strike="noStrike" dirty="0">
                           <a:solidFill>
                             <a:schemeClr val="dk1"/>
                           </a:solidFill>
@@ -4165,7 +4180,7 @@
                         </a:rPr>
                         <a:t>…</a:t>
                       </a:r>
-                      <a:endParaRPr lang="it-IT" sz="1100" b="0" i="0" u="none" strike="noStrike" dirty="0">
+                      <a:endParaRPr lang="it-IT" sz="800" b="0" i="0" u="none" strike="noStrike" dirty="0">
                         <a:solidFill>
                           <a:srgbClr val="000000"/>
                         </a:solidFill>
@@ -4174,7 +4189,7 @@
                       </a:endParaRPr>
                     </a:p>
                   </a:txBody>
-                  <a:tcPr marL="9525" marR="9525" marT="9525" marB="0" anchor="b"/>
+                  <a:tcPr marL="7144" marR="7144" marT="7144" marB="0" anchor="b"/>
                 </a:tc>
                 <a:extLst>
                   <a:ext uri="{0D108BD9-81ED-4DB2-BD59-A6C34878D82A}">
@@ -4182,7 +4197,7 @@
                   </a:ext>
                 </a:extLst>
               </a:tr>
-              <a:tr h="398585">
+              <a:tr h="298939">
                 <a:tc>
                   <a:txBody>
                     <a:bodyPr/>
@@ -4190,12 +4205,12 @@
                     <a:p>
                       <a:pPr algn="r" fontAlgn="b"/>
                       <a:r>
-                        <a:rPr lang="it-IT" sz="1100" u="none" strike="noStrike">
+                        <a:rPr lang="it-IT" sz="800" u="none" strike="noStrike">
                           <a:effectLst/>
                         </a:rPr>
                         <a:t>2010</a:t>
                       </a:r>
-                      <a:endParaRPr lang="it-IT" sz="1100" b="0" i="0" u="none" strike="noStrike">
+                      <a:endParaRPr lang="it-IT" sz="800" b="0" i="0" u="none" strike="noStrike">
                         <a:solidFill>
                           <a:srgbClr val="000000"/>
                         </a:solidFill>
@@ -4204,7 +4219,7 @@
                       </a:endParaRPr>
                     </a:p>
                   </a:txBody>
-                  <a:tcPr marL="9525" marR="9525" marT="9525" marB="0" anchor="b"/>
+                  <a:tcPr marL="7144" marR="7144" marT="7144" marB="0" anchor="b"/>
                 </a:tc>
                 <a:tc>
                   <a:txBody>
@@ -4213,12 +4228,12 @@
                     <a:p>
                       <a:pPr algn="r" fontAlgn="b"/>
                       <a:r>
-                        <a:rPr lang="it-IT" sz="1100" u="none" strike="noStrike">
+                        <a:rPr lang="it-IT" sz="800" u="none" strike="noStrike">
                           <a:effectLst/>
                         </a:rPr>
                         <a:t>22</a:t>
                       </a:r>
-                      <a:endParaRPr lang="it-IT" sz="1100" b="0" i="0" u="none" strike="noStrike">
+                      <a:endParaRPr lang="it-IT" sz="800" b="0" i="0" u="none" strike="noStrike">
                         <a:solidFill>
                           <a:srgbClr val="000000"/>
                         </a:solidFill>
@@ -4227,7 +4242,7 @@
                       </a:endParaRPr>
                     </a:p>
                   </a:txBody>
-                  <a:tcPr marL="9525" marR="9525" marT="9525" marB="0" anchor="b"/>
+                  <a:tcPr marL="7144" marR="7144" marT="7144" marB="0" anchor="b"/>
                 </a:tc>
                 <a:tc>
                   <a:txBody>
@@ -4236,12 +4251,12 @@
                     <a:p>
                       <a:pPr algn="r" fontAlgn="b"/>
                       <a:r>
-                        <a:rPr lang="it-IT" sz="1100" u="none" strike="noStrike">
+                        <a:rPr lang="it-IT" sz="800" u="none" strike="noStrike">
                           <a:effectLst/>
                         </a:rPr>
                         <a:t>180</a:t>
                       </a:r>
-                      <a:endParaRPr lang="it-IT" sz="1100" b="0" i="0" u="none" strike="noStrike">
+                      <a:endParaRPr lang="it-IT" sz="800" b="0" i="0" u="none" strike="noStrike">
                         <a:solidFill>
                           <a:srgbClr val="000000"/>
                         </a:solidFill>
@@ -4250,7 +4265,7 @@
                       </a:endParaRPr>
                     </a:p>
                   </a:txBody>
-                  <a:tcPr marL="9525" marR="9525" marT="9525" marB="0" anchor="b"/>
+                  <a:tcPr marL="7144" marR="7144" marT="7144" marB="0" anchor="b"/>
                 </a:tc>
                 <a:tc>
                   <a:txBody>
@@ -4259,12 +4274,12 @@
                     <a:p>
                       <a:pPr algn="r" fontAlgn="b"/>
                       <a:r>
-                        <a:rPr lang="it-IT" sz="1100" u="none" strike="noStrike">
+                        <a:rPr lang="it-IT" sz="800" u="none" strike="noStrike">
                           <a:effectLst/>
                         </a:rPr>
                         <a:t>159</a:t>
                       </a:r>
-                      <a:endParaRPr lang="it-IT" sz="1100" b="0" i="0" u="none" strike="noStrike">
+                      <a:endParaRPr lang="it-IT" sz="800" b="0" i="0" u="none" strike="noStrike">
                         <a:solidFill>
                           <a:srgbClr val="000000"/>
                         </a:solidFill>
@@ -4273,7 +4288,7 @@
                       </a:endParaRPr>
                     </a:p>
                   </a:txBody>
-                  <a:tcPr marL="9525" marR="9525" marT="9525" marB="0" anchor="b"/>
+                  <a:tcPr marL="7144" marR="7144" marT="7144" marB="0" anchor="b"/>
                 </a:tc>
                 <a:tc>
                   <a:txBody>
@@ -4282,12 +4297,12 @@
                     <a:p>
                       <a:pPr algn="r" fontAlgn="b"/>
                       <a:r>
-                        <a:rPr lang="it-IT" sz="1100" u="none" strike="noStrike">
+                        <a:rPr lang="it-IT" sz="800" u="none" strike="noStrike">
                           <a:effectLst/>
                         </a:rPr>
                         <a:t>27</a:t>
                       </a:r>
-                      <a:endParaRPr lang="it-IT" sz="1100" b="0" i="0" u="none" strike="noStrike">
+                      <a:endParaRPr lang="it-IT" sz="800" b="0" i="0" u="none" strike="noStrike">
                         <a:solidFill>
                           <a:srgbClr val="000000"/>
                         </a:solidFill>
@@ -4296,7 +4311,7 @@
                       </a:endParaRPr>
                     </a:p>
                   </a:txBody>
-                  <a:tcPr marL="9525" marR="9525" marT="9525" marB="0" anchor="b"/>
+                  <a:tcPr marL="7144" marR="7144" marT="7144" marB="0" anchor="b"/>
                 </a:tc>
                 <a:tc>
                   <a:txBody>
@@ -4305,12 +4320,12 @@
                     <a:p>
                       <a:pPr algn="r" fontAlgn="b"/>
                       <a:r>
-                        <a:rPr lang="it-IT" sz="1100" u="none" strike="noStrike">
+                        <a:rPr lang="it-IT" sz="800" u="none" strike="noStrike">
                           <a:effectLst/>
                         </a:rPr>
                         <a:t>28</a:t>
                       </a:r>
-                      <a:endParaRPr lang="it-IT" sz="1100" b="0" i="0" u="none" strike="noStrike">
+                      <a:endParaRPr lang="it-IT" sz="800" b="0" i="0" u="none" strike="noStrike">
                         <a:solidFill>
                           <a:srgbClr val="000000"/>
                         </a:solidFill>
@@ -4319,7 +4334,7 @@
                       </a:endParaRPr>
                     </a:p>
                   </a:txBody>
-                  <a:tcPr marL="9525" marR="9525" marT="9525" marB="0" anchor="b"/>
+                  <a:tcPr marL="7144" marR="7144" marT="7144" marB="0" anchor="b"/>
                 </a:tc>
                 <a:tc>
                   <a:txBody>
@@ -4328,12 +4343,12 @@
                     <a:p>
                       <a:pPr algn="l" fontAlgn="b"/>
                       <a:r>
-                        <a:rPr lang="it-IT" sz="1100" u="none" strike="noStrike">
+                        <a:rPr lang="it-IT" sz="800" u="none" strike="noStrike">
                           <a:effectLst/>
                         </a:rPr>
                         <a:t>2011-07-06</a:t>
                       </a:r>
-                      <a:endParaRPr lang="it-IT" sz="1100" b="0" i="0" u="none" strike="noStrike">
+                      <a:endParaRPr lang="it-IT" sz="800" b="0" i="0" u="none" strike="noStrike">
                         <a:solidFill>
                           <a:srgbClr val="000000"/>
                         </a:solidFill>
@@ -4342,7 +4357,7 @@
                       </a:endParaRPr>
                     </a:p>
                   </a:txBody>
-                  <a:tcPr marL="9525" marR="9525" marT="9525" marB="0" anchor="b"/>
+                  <a:tcPr marL="7144" marR="7144" marT="7144" marB="0" anchor="b"/>
                 </a:tc>
                 <a:tc>
                   <a:txBody>
@@ -4351,12 +4366,12 @@
                     <a:p>
                       <a:pPr algn="r" fontAlgn="b"/>
                       <a:r>
-                        <a:rPr lang="it-IT" sz="1100" u="none" strike="noStrike">
+                        <a:rPr lang="it-IT" sz="800" u="none" strike="noStrike">
                           <a:effectLst/>
                         </a:rPr>
                         <a:t>26</a:t>
                       </a:r>
-                      <a:endParaRPr lang="it-IT" sz="1100" b="0" i="0" u="none" strike="noStrike">
+                      <a:endParaRPr lang="it-IT" sz="800" b="0" i="0" u="none" strike="noStrike">
                         <a:solidFill>
                           <a:srgbClr val="000000"/>
                         </a:solidFill>
@@ -4365,7 +4380,7 @@
                       </a:endParaRPr>
                     </a:p>
                   </a:txBody>
-                  <a:tcPr marL="9525" marR="9525" marT="9525" marB="0" anchor="b"/>
+                  <a:tcPr marL="7144" marR="7144" marT="7144" marB="0" anchor="b"/>
                 </a:tc>
                 <a:tc>
                   <a:txBody>
@@ -4374,12 +4389,12 @@
                     <a:p>
                       <a:pPr algn="l" fontAlgn="b"/>
                       <a:r>
-                        <a:rPr lang="it-IT" sz="1100" u="none" strike="noStrike" dirty="0">
+                        <a:rPr lang="it-IT" sz="800" u="none" strike="noStrike" dirty="0">
                           <a:effectLst/>
                         </a:rPr>
                         <a:t>2012-09-20</a:t>
                       </a:r>
-                      <a:endParaRPr lang="it-IT" sz="1100" b="0" i="0" u="none" strike="noStrike" dirty="0">
+                      <a:endParaRPr lang="it-IT" sz="800" b="0" i="0" u="none" strike="noStrike" dirty="0">
                         <a:solidFill>
                           <a:srgbClr val="000000"/>
                         </a:solidFill>
@@ -4388,7 +4403,7 @@
                       </a:endParaRPr>
                     </a:p>
                   </a:txBody>
-                  <a:tcPr marL="9525" marR="9525" marT="9525" marB="0" anchor="b"/>
+                  <a:tcPr marL="7144" marR="7144" marT="7144" marB="0" anchor="b"/>
                 </a:tc>
                 <a:tc>
                   <a:txBody>
@@ -4397,7 +4412,7 @@
                     <a:p>
                       <a:pPr algn="ctr" fontAlgn="b"/>
                       <a:r>
-                        <a:rPr lang="it-IT" sz="1100" b="0" i="0" u="none" strike="noStrike" dirty="0" smtClean="0">
+                        <a:rPr lang="it-IT" sz="800" b="0" i="0" u="none" strike="noStrike" dirty="0">
                           <a:solidFill>
                             <a:schemeClr val="dk1"/>
                           </a:solidFill>
@@ -4406,7 +4421,7 @@
                         </a:rPr>
                         <a:t>…</a:t>
                       </a:r>
-                      <a:endParaRPr lang="it-IT" sz="1100" b="0" i="0" u="none" strike="noStrike" dirty="0">
+                      <a:endParaRPr lang="it-IT" sz="800" b="0" i="0" u="none" strike="noStrike" dirty="0">
                         <a:solidFill>
                           <a:srgbClr val="000000"/>
                         </a:solidFill>
@@ -4415,7 +4430,7 @@
                       </a:endParaRPr>
                     </a:p>
                   </a:txBody>
-                  <a:tcPr marL="9525" marR="9525" marT="9525" marB="0" anchor="b"/>
+                  <a:tcPr marL="7144" marR="7144" marT="7144" marB="0" anchor="b"/>
                 </a:tc>
                 <a:extLst>
                   <a:ext uri="{0D108BD9-81ED-4DB2-BD59-A6C34878D82A}">
@@ -4423,7 +4438,7 @@
                   </a:ext>
                 </a:extLst>
               </a:tr>
-              <a:tr h="398585">
+              <a:tr h="298939">
                 <a:tc>
                   <a:txBody>
                     <a:bodyPr/>
@@ -4431,12 +4446,12 @@
                     <a:p>
                       <a:pPr algn="r" fontAlgn="b"/>
                       <a:r>
-                        <a:rPr lang="it-IT" sz="1100" u="none" strike="noStrike">
+                        <a:rPr lang="it-IT" sz="800" u="none" strike="noStrike">
                           <a:effectLst/>
                         </a:rPr>
                         <a:t>2010</a:t>
                       </a:r>
-                      <a:endParaRPr lang="it-IT" sz="1100" b="0" i="0" u="none" strike="noStrike">
+                      <a:endParaRPr lang="it-IT" sz="800" b="0" i="0" u="none" strike="noStrike">
                         <a:solidFill>
                           <a:srgbClr val="000000"/>
                         </a:solidFill>
@@ -4445,7 +4460,7 @@
                       </a:endParaRPr>
                     </a:p>
                   </a:txBody>
-                  <a:tcPr marL="9525" marR="9525" marT="9525" marB="0" anchor="b"/>
+                  <a:tcPr marL="7144" marR="7144" marT="7144" marB="0" anchor="b"/>
                 </a:tc>
                 <a:tc>
                   <a:txBody>
@@ -4454,12 +4469,12 @@
                     <a:p>
                       <a:pPr algn="r" fontAlgn="b"/>
                       <a:r>
-                        <a:rPr lang="it-IT" sz="1100" u="none" strike="noStrike">
+                        <a:rPr lang="it-IT" sz="800" u="none" strike="noStrike">
                           <a:effectLst/>
                         </a:rPr>
                         <a:t>16</a:t>
                       </a:r>
-                      <a:endParaRPr lang="it-IT" sz="1100" b="0" i="0" u="none" strike="noStrike">
+                      <a:endParaRPr lang="it-IT" sz="800" b="0" i="0" u="none" strike="noStrike">
                         <a:solidFill>
                           <a:srgbClr val="000000"/>
                         </a:solidFill>
@@ -4468,7 +4483,7 @@
                       </a:endParaRPr>
                     </a:p>
                   </a:txBody>
-                  <a:tcPr marL="9525" marR="9525" marT="9525" marB="0" anchor="b"/>
+                  <a:tcPr marL="7144" marR="7144" marT="7144" marB="0" anchor="b"/>
                 </a:tc>
                 <a:tc>
                   <a:txBody>
@@ -4477,12 +4492,12 @@
                     <a:p>
                       <a:pPr algn="r" fontAlgn="b"/>
                       <a:r>
-                        <a:rPr lang="it-IT" sz="1100" u="none" strike="noStrike">
+                        <a:rPr lang="it-IT" sz="800" u="none" strike="noStrike">
                           <a:effectLst/>
                         </a:rPr>
                         <a:t>180</a:t>
                       </a:r>
-                      <a:endParaRPr lang="it-IT" sz="1100" b="0" i="0" u="none" strike="noStrike">
+                      <a:endParaRPr lang="it-IT" sz="800" b="0" i="0" u="none" strike="noStrike">
                         <a:solidFill>
                           <a:srgbClr val="000000"/>
                         </a:solidFill>
@@ -4491,7 +4506,7 @@
                       </a:endParaRPr>
                     </a:p>
                   </a:txBody>
-                  <a:tcPr marL="9525" marR="9525" marT="9525" marB="0" anchor="b"/>
+                  <a:tcPr marL="7144" marR="7144" marT="7144" marB="0" anchor="b"/>
                 </a:tc>
                 <a:tc>
                   <a:txBody>
@@ -4500,12 +4515,12 @@
                     <a:p>
                       <a:pPr algn="r" fontAlgn="b"/>
                       <a:r>
-                        <a:rPr lang="it-IT" sz="1100" u="none" strike="noStrike">
+                        <a:rPr lang="it-IT" sz="800" u="none" strike="noStrike">
                           <a:effectLst/>
                         </a:rPr>
                         <a:t>159</a:t>
                       </a:r>
-                      <a:endParaRPr lang="it-IT" sz="1100" b="0" i="0" u="none" strike="noStrike">
+                      <a:endParaRPr lang="it-IT" sz="800" b="0" i="0" u="none" strike="noStrike">
                         <a:solidFill>
                           <a:srgbClr val="000000"/>
                         </a:solidFill>
@@ -4514,7 +4529,7 @@
                       </a:endParaRPr>
                     </a:p>
                   </a:txBody>
-                  <a:tcPr marL="9525" marR="9525" marT="9525" marB="0" anchor="b"/>
+                  <a:tcPr marL="7144" marR="7144" marT="7144" marB="0" anchor="b"/>
                 </a:tc>
                 <a:tc>
                   <a:txBody>
@@ -4523,12 +4538,12 @@
                     <a:p>
                       <a:pPr algn="r" fontAlgn="b"/>
                       <a:r>
-                        <a:rPr lang="it-IT" sz="1100" u="none" strike="noStrike">
+                        <a:rPr lang="it-IT" sz="800" u="none" strike="noStrike">
                           <a:effectLst/>
                         </a:rPr>
                         <a:t>29</a:t>
                       </a:r>
-                      <a:endParaRPr lang="it-IT" sz="1100" b="0" i="0" u="none" strike="noStrike">
+                      <a:endParaRPr lang="it-IT" sz="800" b="0" i="0" u="none" strike="noStrike">
                         <a:solidFill>
                           <a:srgbClr val="000000"/>
                         </a:solidFill>
@@ -4537,7 +4552,7 @@
                       </a:endParaRPr>
                     </a:p>
                   </a:txBody>
-                  <a:tcPr marL="9525" marR="9525" marT="9525" marB="0" anchor="b"/>
+                  <a:tcPr marL="7144" marR="7144" marT="7144" marB="0" anchor="b"/>
                 </a:tc>
                 <a:tc>
                   <a:txBody>
@@ -4546,12 +4561,12 @@
                     <a:p>
                       <a:pPr algn="r" fontAlgn="b"/>
                       <a:r>
-                        <a:rPr lang="it-IT" sz="1100" u="none" strike="noStrike">
+                        <a:rPr lang="it-IT" sz="800" u="none" strike="noStrike">
                           <a:effectLst/>
                         </a:rPr>
                         <a:t>31</a:t>
                       </a:r>
-                      <a:endParaRPr lang="it-IT" sz="1100" b="0" i="0" u="none" strike="noStrike">
+                      <a:endParaRPr lang="it-IT" sz="800" b="0" i="0" u="none" strike="noStrike">
                         <a:solidFill>
                           <a:srgbClr val="000000"/>
                         </a:solidFill>
@@ -4560,7 +4575,7 @@
                       </a:endParaRPr>
                     </a:p>
                   </a:txBody>
-                  <a:tcPr marL="9525" marR="9525" marT="9525" marB="0" anchor="b"/>
+                  <a:tcPr marL="7144" marR="7144" marT="7144" marB="0" anchor="b"/>
                 </a:tc>
                 <a:tc>
                   <a:txBody>
@@ -4569,12 +4584,12 @@
                     <a:p>
                       <a:pPr algn="l" fontAlgn="b"/>
                       <a:r>
-                        <a:rPr lang="it-IT" sz="1100" u="none" strike="noStrike">
+                        <a:rPr lang="it-IT" sz="800" u="none" strike="noStrike">
                           <a:effectLst/>
                         </a:rPr>
                         <a:t>2011-06-15</a:t>
                       </a:r>
-                      <a:endParaRPr lang="it-IT" sz="1100" b="0" i="0" u="none" strike="noStrike">
+                      <a:endParaRPr lang="it-IT" sz="800" b="0" i="0" u="none" strike="noStrike">
                         <a:solidFill>
                           <a:srgbClr val="000000"/>
                         </a:solidFill>
@@ -4583,7 +4598,7 @@
                       </a:endParaRPr>
                     </a:p>
                   </a:txBody>
-                  <a:tcPr marL="9525" marR="9525" marT="9525" marB="0" anchor="b"/>
+                  <a:tcPr marL="7144" marR="7144" marT="7144" marB="0" anchor="b"/>
                 </a:tc>
                 <a:tc>
                   <a:txBody>
@@ -4592,12 +4607,12 @@
                     <a:p>
                       <a:pPr algn="r" fontAlgn="b"/>
                       <a:r>
-                        <a:rPr lang="it-IT" sz="1100" u="none" strike="noStrike">
+                        <a:rPr lang="it-IT" sz="800" u="none" strike="noStrike">
                           <a:effectLst/>
                         </a:rPr>
                         <a:t>30</a:t>
                       </a:r>
-                      <a:endParaRPr lang="it-IT" sz="1100" b="0" i="0" u="none" strike="noStrike">
+                      <a:endParaRPr lang="it-IT" sz="800" b="0" i="0" u="none" strike="noStrike">
                         <a:solidFill>
                           <a:srgbClr val="000000"/>
                         </a:solidFill>
@@ -4606,7 +4621,7 @@
                       </a:endParaRPr>
                     </a:p>
                   </a:txBody>
-                  <a:tcPr marL="9525" marR="9525" marT="9525" marB="0" anchor="b"/>
+                  <a:tcPr marL="7144" marR="7144" marT="7144" marB="0" anchor="b"/>
                 </a:tc>
                 <a:tc>
                   <a:txBody>
@@ -4615,12 +4630,12 @@
                     <a:p>
                       <a:pPr algn="l" fontAlgn="b"/>
                       <a:r>
-                        <a:rPr lang="it-IT" sz="1100" u="none" strike="noStrike">
+                        <a:rPr lang="it-IT" sz="800" u="none" strike="noStrike">
                           <a:effectLst/>
                         </a:rPr>
                         <a:t>2011-08-30</a:t>
                       </a:r>
-                      <a:endParaRPr lang="it-IT" sz="1100" b="0" i="0" u="none" strike="noStrike">
+                      <a:endParaRPr lang="it-IT" sz="800" b="0" i="0" u="none" strike="noStrike">
                         <a:solidFill>
                           <a:srgbClr val="000000"/>
                         </a:solidFill>
@@ -4629,7 +4644,7 @@
                       </a:endParaRPr>
                     </a:p>
                   </a:txBody>
-                  <a:tcPr marL="9525" marR="9525" marT="9525" marB="0" anchor="b"/>
+                  <a:tcPr marL="7144" marR="7144" marT="7144" marB="0" anchor="b"/>
                 </a:tc>
                 <a:tc>
                   <a:txBody>
@@ -4638,7 +4653,7 @@
                     <a:p>
                       <a:pPr algn="ctr" fontAlgn="b"/>
                       <a:r>
-                        <a:rPr lang="it-IT" sz="1100" b="0" i="0" u="none" strike="noStrike" dirty="0" smtClean="0">
+                        <a:rPr lang="it-IT" sz="800" b="0" i="0" u="none" strike="noStrike" dirty="0">
                           <a:solidFill>
                             <a:schemeClr val="dk1"/>
                           </a:solidFill>
@@ -4647,7 +4662,7 @@
                         </a:rPr>
                         <a:t>…</a:t>
                       </a:r>
-                      <a:endParaRPr lang="it-IT" sz="1100" b="0" i="0" u="none" strike="noStrike" dirty="0">
+                      <a:endParaRPr lang="it-IT" sz="800" b="0" i="0" u="none" strike="noStrike" dirty="0">
                         <a:solidFill>
                           <a:srgbClr val="000000"/>
                         </a:solidFill>
@@ -4656,7 +4671,7 @@
                       </a:endParaRPr>
                     </a:p>
                   </a:txBody>
-                  <a:tcPr marL="9525" marR="9525" marT="9525" marB="0" anchor="b"/>
+                  <a:tcPr marL="7144" marR="7144" marT="7144" marB="0" anchor="b"/>
                 </a:tc>
                 <a:extLst>
                   <a:ext uri="{0D108BD9-81ED-4DB2-BD59-A6C34878D82A}">
@@ -4664,7 +4679,7 @@
                   </a:ext>
                 </a:extLst>
               </a:tr>
-              <a:tr h="398585">
+              <a:tr h="298939">
                 <a:tc>
                   <a:txBody>
                     <a:bodyPr/>
@@ -4672,12 +4687,12 @@
                     <a:p>
                       <a:pPr algn="r" fontAlgn="b"/>
                       <a:r>
-                        <a:rPr lang="it-IT" sz="1100" u="none" strike="noStrike">
+                        <a:rPr lang="it-IT" sz="800" u="none" strike="noStrike">
                           <a:effectLst/>
                         </a:rPr>
                         <a:t>2010</a:t>
                       </a:r>
-                      <a:endParaRPr lang="it-IT" sz="1100" b="0" i="0" u="none" strike="noStrike">
+                      <a:endParaRPr lang="it-IT" sz="800" b="0" i="0" u="none" strike="noStrike">
                         <a:solidFill>
                           <a:srgbClr val="000000"/>
                         </a:solidFill>
@@ -4686,7 +4701,7 @@
                       </a:endParaRPr>
                     </a:p>
                   </a:txBody>
-                  <a:tcPr marL="9525" marR="9525" marT="9525" marB="0" anchor="b"/>
+                  <a:tcPr marL="7144" marR="7144" marT="7144" marB="0" anchor="b"/>
                 </a:tc>
                 <a:tc>
                   <a:txBody>
@@ -4695,12 +4710,12 @@
                     <a:p>
                       <a:pPr algn="r" fontAlgn="b"/>
                       <a:r>
-                        <a:rPr lang="it-IT" sz="1100" u="none" strike="noStrike">
+                        <a:rPr lang="it-IT" sz="800" u="none" strike="noStrike">
                           <a:effectLst/>
                         </a:rPr>
                         <a:t>19</a:t>
                       </a:r>
-                      <a:endParaRPr lang="it-IT" sz="1100" b="0" i="0" u="none" strike="noStrike">
+                      <a:endParaRPr lang="it-IT" sz="800" b="0" i="0" u="none" strike="noStrike">
                         <a:solidFill>
                           <a:srgbClr val="000000"/>
                         </a:solidFill>
@@ -4709,7 +4724,7 @@
                       </a:endParaRPr>
                     </a:p>
                   </a:txBody>
-                  <a:tcPr marL="9525" marR="9525" marT="9525" marB="0" anchor="b"/>
+                  <a:tcPr marL="7144" marR="7144" marT="7144" marB="0" anchor="b"/>
                 </a:tc>
                 <a:tc>
                   <a:txBody>
@@ -4718,12 +4733,12 @@
                     <a:p>
                       <a:pPr algn="r" fontAlgn="b"/>
                       <a:r>
-                        <a:rPr lang="it-IT" sz="1100" u="none" strike="noStrike">
+                        <a:rPr lang="it-IT" sz="800" u="none" strike="noStrike">
                           <a:effectLst/>
                         </a:rPr>
                         <a:t>180</a:t>
                       </a:r>
-                      <a:endParaRPr lang="it-IT" sz="1100" b="0" i="0" u="none" strike="noStrike">
+                      <a:endParaRPr lang="it-IT" sz="800" b="0" i="0" u="none" strike="noStrike">
                         <a:solidFill>
                           <a:srgbClr val="000000"/>
                         </a:solidFill>
@@ -4732,7 +4747,7 @@
                       </a:endParaRPr>
                     </a:p>
                   </a:txBody>
-                  <a:tcPr marL="9525" marR="9525" marT="9525" marB="0" anchor="b"/>
+                  <a:tcPr marL="7144" marR="7144" marT="7144" marB="0" anchor="b"/>
                 </a:tc>
                 <a:tc>
                   <a:txBody>
@@ -4741,12 +4756,12 @@
                     <a:p>
                       <a:pPr algn="r" fontAlgn="b"/>
                       <a:r>
-                        <a:rPr lang="it-IT" sz="1100" u="none" strike="noStrike">
+                        <a:rPr lang="it-IT" sz="800" u="none" strike="noStrike">
                           <a:effectLst/>
                         </a:rPr>
                         <a:t>159</a:t>
                       </a:r>
-                      <a:endParaRPr lang="it-IT" sz="1100" b="0" i="0" u="none" strike="noStrike">
+                      <a:endParaRPr lang="it-IT" sz="800" b="0" i="0" u="none" strike="noStrike">
                         <a:solidFill>
                           <a:srgbClr val="000000"/>
                         </a:solidFill>
@@ -4755,7 +4770,7 @@
                       </a:endParaRPr>
                     </a:p>
                   </a:txBody>
-                  <a:tcPr marL="9525" marR="9525" marT="9525" marB="0" anchor="b"/>
+                  <a:tcPr marL="7144" marR="7144" marT="7144" marB="0" anchor="b"/>
                 </a:tc>
                 <a:tc>
                   <a:txBody>
@@ -4764,12 +4779,12 @@
                     <a:p>
                       <a:pPr algn="r" fontAlgn="b"/>
                       <a:r>
-                        <a:rPr lang="it-IT" sz="1100" u="none" strike="noStrike">
+                        <a:rPr lang="it-IT" sz="800" u="none" strike="noStrike">
                           <a:effectLst/>
                         </a:rPr>
                         <a:t>26</a:t>
                       </a:r>
-                      <a:endParaRPr lang="it-IT" sz="1100" b="0" i="0" u="none" strike="noStrike">
+                      <a:endParaRPr lang="it-IT" sz="800" b="0" i="0" u="none" strike="noStrike">
                         <a:solidFill>
                           <a:srgbClr val="000000"/>
                         </a:solidFill>
@@ -4778,7 +4793,7 @@
                       </a:endParaRPr>
                     </a:p>
                   </a:txBody>
-                  <a:tcPr marL="9525" marR="9525" marT="9525" marB="0" anchor="b"/>
+                  <a:tcPr marL="7144" marR="7144" marT="7144" marB="0" anchor="b"/>
                 </a:tc>
                 <a:tc>
                   <a:txBody>
@@ -4787,12 +4802,12 @@
                     <a:p>
                       <a:pPr algn="r" fontAlgn="b"/>
                       <a:r>
-                        <a:rPr lang="it-IT" sz="1100" u="none" strike="noStrike">
+                        <a:rPr lang="it-IT" sz="800" u="none" strike="noStrike">
                           <a:effectLst/>
                         </a:rPr>
                         <a:t>26</a:t>
                       </a:r>
-                      <a:endParaRPr lang="it-IT" sz="1100" b="0" i="0" u="none" strike="noStrike">
+                      <a:endParaRPr lang="it-IT" sz="800" b="0" i="0" u="none" strike="noStrike">
                         <a:solidFill>
                           <a:srgbClr val="000000"/>
                         </a:solidFill>
@@ -4801,7 +4816,7 @@
                       </a:endParaRPr>
                     </a:p>
                   </a:txBody>
-                  <a:tcPr marL="9525" marR="9525" marT="9525" marB="0" anchor="b"/>
+                  <a:tcPr marL="7144" marR="7144" marT="7144" marB="0" anchor="b"/>
                 </a:tc>
                 <a:tc>
                   <a:txBody>
@@ -4810,12 +4825,12 @@
                     <a:p>
                       <a:pPr algn="l" fontAlgn="b"/>
                       <a:r>
-                        <a:rPr lang="it-IT" sz="1100" u="none" strike="noStrike">
+                        <a:rPr lang="it-IT" sz="800" u="none" strike="noStrike">
                           <a:effectLst/>
                         </a:rPr>
                         <a:t>2011-06-15</a:t>
                       </a:r>
-                      <a:endParaRPr lang="it-IT" sz="1100" b="0" i="0" u="none" strike="noStrike">
+                      <a:endParaRPr lang="it-IT" sz="800" b="0" i="0" u="none" strike="noStrike">
                         <a:solidFill>
                           <a:srgbClr val="000000"/>
                         </a:solidFill>
@@ -4824,7 +4839,7 @@
                       </a:endParaRPr>
                     </a:p>
                   </a:txBody>
-                  <a:tcPr marL="9525" marR="9525" marT="9525" marB="0" anchor="b"/>
+                  <a:tcPr marL="7144" marR="7144" marT="7144" marB="0" anchor="b"/>
                 </a:tc>
                 <a:tc>
                   <a:txBody>
@@ -4833,12 +4848,12 @@
                     <a:p>
                       <a:pPr algn="r" fontAlgn="b"/>
                       <a:r>
-                        <a:rPr lang="it-IT" sz="1100" u="none" strike="noStrike">
+                        <a:rPr lang="it-IT" sz="800" u="none" strike="noStrike">
                           <a:effectLst/>
                         </a:rPr>
                         <a:t>24</a:t>
                       </a:r>
-                      <a:endParaRPr lang="it-IT" sz="1100" b="0" i="0" u="none" strike="noStrike">
+                      <a:endParaRPr lang="it-IT" sz="800" b="0" i="0" u="none" strike="noStrike">
                         <a:solidFill>
                           <a:srgbClr val="000000"/>
                         </a:solidFill>
@@ -4847,7 +4862,7 @@
                       </a:endParaRPr>
                     </a:p>
                   </a:txBody>
-                  <a:tcPr marL="9525" marR="9525" marT="9525" marB="0" anchor="b"/>
+                  <a:tcPr marL="7144" marR="7144" marT="7144" marB="0" anchor="b"/>
                 </a:tc>
                 <a:tc>
                   <a:txBody>
@@ -4856,12 +4871,12 @@
                     <a:p>
                       <a:pPr algn="l" fontAlgn="b"/>
                       <a:r>
-                        <a:rPr lang="it-IT" sz="1100" u="none" strike="noStrike">
+                        <a:rPr lang="it-IT" sz="800" u="none" strike="noStrike">
                           <a:effectLst/>
                         </a:rPr>
                         <a:t>2012-09-24</a:t>
                       </a:r>
-                      <a:endParaRPr lang="it-IT" sz="1100" b="0" i="0" u="none" strike="noStrike">
+                      <a:endParaRPr lang="it-IT" sz="800" b="0" i="0" u="none" strike="noStrike">
                         <a:solidFill>
                           <a:srgbClr val="000000"/>
                         </a:solidFill>
@@ -4870,7 +4885,7 @@
                       </a:endParaRPr>
                     </a:p>
                   </a:txBody>
-                  <a:tcPr marL="9525" marR="9525" marT="9525" marB="0" anchor="b"/>
+                  <a:tcPr marL="7144" marR="7144" marT="7144" marB="0" anchor="b"/>
                 </a:tc>
                 <a:tc>
                   <a:txBody>
@@ -4879,7 +4894,7 @@
                     <a:p>
                       <a:pPr algn="ctr" fontAlgn="b"/>
                       <a:r>
-                        <a:rPr lang="it-IT" sz="1100" b="0" i="0" u="none" strike="noStrike" dirty="0" smtClean="0">
+                        <a:rPr lang="it-IT" sz="800" b="0" i="0" u="none" strike="noStrike" dirty="0">
                           <a:solidFill>
                             <a:schemeClr val="dk1"/>
                           </a:solidFill>
@@ -4888,7 +4903,7 @@
                         </a:rPr>
                         <a:t>…</a:t>
                       </a:r>
-                      <a:endParaRPr lang="it-IT" sz="1100" b="0" i="0" u="none" strike="noStrike" dirty="0">
+                      <a:endParaRPr lang="it-IT" sz="800" b="0" i="0" u="none" strike="noStrike" dirty="0">
                         <a:solidFill>
                           <a:srgbClr val="000000"/>
                         </a:solidFill>
@@ -4897,7 +4912,7 @@
                       </a:endParaRPr>
                     </a:p>
                   </a:txBody>
-                  <a:tcPr marL="9525" marR="9525" marT="9525" marB="0" anchor="b"/>
+                  <a:tcPr marL="7144" marR="7144" marT="7144" marB="0" anchor="b"/>
                 </a:tc>
                 <a:extLst>
                   <a:ext uri="{0D108BD9-81ED-4DB2-BD59-A6C34878D82A}">
@@ -4905,7 +4920,7 @@
                   </a:ext>
                 </a:extLst>
               </a:tr>
-              <a:tr h="398585">
+              <a:tr h="298939">
                 <a:tc>
                   <a:txBody>
                     <a:bodyPr/>
@@ -4913,12 +4928,12 @@
                     <a:p>
                       <a:pPr algn="r" fontAlgn="b"/>
                       <a:r>
-                        <a:rPr lang="it-IT" sz="1100" u="none" strike="noStrike">
+                        <a:rPr lang="it-IT" sz="800" u="none" strike="noStrike">
                           <a:effectLst/>
                         </a:rPr>
                         <a:t>2010</a:t>
                       </a:r>
-                      <a:endParaRPr lang="it-IT" sz="1100" b="0" i="0" u="none" strike="noStrike">
+                      <a:endParaRPr lang="it-IT" sz="800" b="0" i="0" u="none" strike="noStrike">
                         <a:solidFill>
                           <a:srgbClr val="000000"/>
                         </a:solidFill>
@@ -4927,7 +4942,7 @@
                       </a:endParaRPr>
                     </a:p>
                   </a:txBody>
-                  <a:tcPr marL="9525" marR="9525" marT="9525" marB="0" anchor="b"/>
+                  <a:tcPr marL="7144" marR="7144" marT="7144" marB="0" anchor="b"/>
                 </a:tc>
                 <a:tc>
                   <a:txBody>
@@ -4936,12 +4951,12 @@
                     <a:p>
                       <a:pPr algn="r" fontAlgn="b"/>
                       <a:r>
-                        <a:rPr lang="it-IT" sz="1100" u="none" strike="noStrike">
+                        <a:rPr lang="it-IT" sz="800" u="none" strike="noStrike">
                           <a:effectLst/>
                         </a:rPr>
                         <a:t>18</a:t>
                       </a:r>
-                      <a:endParaRPr lang="it-IT" sz="1100" b="0" i="0" u="none" strike="noStrike">
+                      <a:endParaRPr lang="it-IT" sz="800" b="0" i="0" u="none" strike="noStrike">
                         <a:solidFill>
                           <a:srgbClr val="000000"/>
                         </a:solidFill>
@@ -4950,7 +4965,7 @@
                       </a:endParaRPr>
                     </a:p>
                   </a:txBody>
-                  <a:tcPr marL="9525" marR="9525" marT="9525" marB="0" anchor="b"/>
+                  <a:tcPr marL="7144" marR="7144" marT="7144" marB="0" anchor="b"/>
                 </a:tc>
                 <a:tc>
                   <a:txBody>
@@ -4959,12 +4974,12 @@
                     <a:p>
                       <a:pPr algn="r" fontAlgn="b"/>
                       <a:r>
-                        <a:rPr lang="it-IT" sz="1100" u="none" strike="noStrike">
+                        <a:rPr lang="it-IT" sz="800" u="none" strike="noStrike">
                           <a:effectLst/>
                         </a:rPr>
                         <a:t>180</a:t>
                       </a:r>
-                      <a:endParaRPr lang="it-IT" sz="1100" b="0" i="0" u="none" strike="noStrike">
+                      <a:endParaRPr lang="it-IT" sz="800" b="0" i="0" u="none" strike="noStrike">
                         <a:solidFill>
                           <a:srgbClr val="000000"/>
                         </a:solidFill>
@@ -4973,7 +4988,7 @@
                       </a:endParaRPr>
                     </a:p>
                   </a:txBody>
-                  <a:tcPr marL="9525" marR="9525" marT="9525" marB="0" anchor="b"/>
+                  <a:tcPr marL="7144" marR="7144" marT="7144" marB="0" anchor="b"/>
                 </a:tc>
                 <a:tc>
                   <a:txBody>
@@ -4982,12 +4997,12 @@
                     <a:p>
                       <a:pPr algn="r" fontAlgn="b"/>
                       <a:r>
-                        <a:rPr lang="it-IT" sz="1100" u="none" strike="noStrike">
+                        <a:rPr lang="it-IT" sz="800" u="none" strike="noStrike">
                           <a:effectLst/>
                         </a:rPr>
                         <a:t>159</a:t>
                       </a:r>
-                      <a:endParaRPr lang="it-IT" sz="1100" b="0" i="0" u="none" strike="noStrike">
+                      <a:endParaRPr lang="it-IT" sz="800" b="0" i="0" u="none" strike="noStrike">
                         <a:solidFill>
                           <a:srgbClr val="000000"/>
                         </a:solidFill>
@@ -4996,7 +5011,7 @@
                       </a:endParaRPr>
                     </a:p>
                   </a:txBody>
-                  <a:tcPr marL="9525" marR="9525" marT="9525" marB="0" anchor="b"/>
+                  <a:tcPr marL="7144" marR="7144" marT="7144" marB="0" anchor="b"/>
                 </a:tc>
                 <a:tc>
                   <a:txBody>
@@ -5005,12 +5020,12 @@
                     <a:p>
                       <a:pPr algn="r" fontAlgn="b"/>
                       <a:r>
-                        <a:rPr lang="it-IT" sz="1100" u="none" strike="noStrike">
+                        <a:rPr lang="it-IT" sz="800" u="none" strike="noStrike">
                           <a:effectLst/>
                         </a:rPr>
                         <a:t>26</a:t>
                       </a:r>
-                      <a:endParaRPr lang="it-IT" sz="1100" b="0" i="0" u="none" strike="noStrike">
+                      <a:endParaRPr lang="it-IT" sz="800" b="0" i="0" u="none" strike="noStrike">
                         <a:solidFill>
                           <a:srgbClr val="000000"/>
                         </a:solidFill>
@@ -5019,7 +5034,7 @@
                       </a:endParaRPr>
                     </a:p>
                   </a:txBody>
-                  <a:tcPr marL="9525" marR="9525" marT="9525" marB="0" anchor="b"/>
+                  <a:tcPr marL="7144" marR="7144" marT="7144" marB="0" anchor="b"/>
                 </a:tc>
                 <a:tc>
                   <a:txBody>
@@ -5028,12 +5043,12 @@
                     <a:p>
                       <a:pPr algn="r" fontAlgn="b"/>
                       <a:r>
-                        <a:rPr lang="it-IT" sz="1100" u="none" strike="noStrike">
+                        <a:rPr lang="it-IT" sz="800" u="none" strike="noStrike">
                           <a:effectLst/>
                         </a:rPr>
                         <a:t>26</a:t>
                       </a:r>
-                      <a:endParaRPr lang="it-IT" sz="1100" b="0" i="0" u="none" strike="noStrike">
+                      <a:endParaRPr lang="it-IT" sz="800" b="0" i="0" u="none" strike="noStrike">
                         <a:solidFill>
                           <a:srgbClr val="000000"/>
                         </a:solidFill>
@@ -5042,7 +5057,7 @@
                       </a:endParaRPr>
                     </a:p>
                   </a:txBody>
-                  <a:tcPr marL="9525" marR="9525" marT="9525" marB="0" anchor="b"/>
+                  <a:tcPr marL="7144" marR="7144" marT="7144" marB="0" anchor="b"/>
                 </a:tc>
                 <a:tc>
                   <a:txBody>
@@ -5051,12 +5066,12 @@
                     <a:p>
                       <a:pPr algn="l" fontAlgn="b"/>
                       <a:r>
-                        <a:rPr lang="it-IT" sz="1100" u="none" strike="noStrike">
+                        <a:rPr lang="it-IT" sz="800" u="none" strike="noStrike">
                           <a:effectLst/>
                         </a:rPr>
                         <a:t>2011-06-15</a:t>
                       </a:r>
-                      <a:endParaRPr lang="it-IT" sz="1100" b="0" i="0" u="none" strike="noStrike">
+                      <a:endParaRPr lang="it-IT" sz="800" b="0" i="0" u="none" strike="noStrike">
                         <a:solidFill>
                           <a:srgbClr val="000000"/>
                         </a:solidFill>
@@ -5065,7 +5080,7 @@
                       </a:endParaRPr>
                     </a:p>
                   </a:txBody>
-                  <a:tcPr marL="9525" marR="9525" marT="9525" marB="0" anchor="b"/>
+                  <a:tcPr marL="7144" marR="7144" marT="7144" marB="0" anchor="b"/>
                 </a:tc>
                 <a:tc>
                   <a:txBody>
@@ -5074,12 +5089,12 @@
                     <a:p>
                       <a:pPr algn="r" fontAlgn="b"/>
                       <a:r>
-                        <a:rPr lang="it-IT" sz="1100" u="none" strike="noStrike">
+                        <a:rPr lang="it-IT" sz="800" u="none" strike="noStrike">
                           <a:effectLst/>
                         </a:rPr>
                         <a:t>30</a:t>
                       </a:r>
-                      <a:endParaRPr lang="it-IT" sz="1100" b="0" i="0" u="none" strike="noStrike">
+                      <a:endParaRPr lang="it-IT" sz="800" b="0" i="0" u="none" strike="noStrike">
                         <a:solidFill>
                           <a:srgbClr val="000000"/>
                         </a:solidFill>
@@ -5088,7 +5103,7 @@
                       </a:endParaRPr>
                     </a:p>
                   </a:txBody>
-                  <a:tcPr marL="9525" marR="9525" marT="9525" marB="0" anchor="b"/>
+                  <a:tcPr marL="7144" marR="7144" marT="7144" marB="0" anchor="b"/>
                 </a:tc>
                 <a:tc>
                   <a:txBody>
@@ -5097,12 +5112,12 @@
                     <a:p>
                       <a:pPr algn="l" fontAlgn="b"/>
                       <a:r>
-                        <a:rPr lang="it-IT" sz="1100" u="none" strike="noStrike">
+                        <a:rPr lang="it-IT" sz="800" u="none" strike="noStrike">
                           <a:effectLst/>
                         </a:rPr>
                         <a:t>2013-07-24</a:t>
                       </a:r>
-                      <a:endParaRPr lang="it-IT" sz="1100" b="0" i="0" u="none" strike="noStrike">
+                      <a:endParaRPr lang="it-IT" sz="800" b="0" i="0" u="none" strike="noStrike">
                         <a:solidFill>
                           <a:srgbClr val="000000"/>
                         </a:solidFill>
@@ -5111,7 +5126,7 @@
                       </a:endParaRPr>
                     </a:p>
                   </a:txBody>
-                  <a:tcPr marL="9525" marR="9525" marT="9525" marB="0" anchor="b"/>
+                  <a:tcPr marL="7144" marR="7144" marT="7144" marB="0" anchor="b"/>
                 </a:tc>
                 <a:tc>
                   <a:txBody>
@@ -5120,7 +5135,7 @@
                     <a:p>
                       <a:pPr algn="ctr" fontAlgn="b"/>
                       <a:r>
-                        <a:rPr lang="it-IT" sz="1100" b="0" i="0" u="none" strike="noStrike" dirty="0" smtClean="0">
+                        <a:rPr lang="it-IT" sz="800" b="0" i="0" u="none" strike="noStrike" dirty="0">
                           <a:solidFill>
                             <a:schemeClr val="dk1"/>
                           </a:solidFill>
@@ -5129,7 +5144,7 @@
                         </a:rPr>
                         <a:t>…</a:t>
                       </a:r>
-                      <a:endParaRPr lang="it-IT" sz="1100" b="0" i="0" u="none" strike="noStrike" dirty="0">
+                      <a:endParaRPr lang="it-IT" sz="800" b="0" i="0" u="none" strike="noStrike" dirty="0">
                         <a:solidFill>
                           <a:srgbClr val="000000"/>
                         </a:solidFill>
@@ -5138,7 +5153,7 @@
                       </a:endParaRPr>
                     </a:p>
                   </a:txBody>
-                  <a:tcPr marL="9525" marR="9525" marT="9525" marB="0" anchor="b"/>
+                  <a:tcPr marL="7144" marR="7144" marT="7144" marB="0" anchor="b"/>
                 </a:tc>
                 <a:extLst>
                   <a:ext uri="{0D108BD9-81ED-4DB2-BD59-A6C34878D82A}">
@@ -5152,14 +5167,20 @@
       </p:graphicFrame>
       <p:sp>
         <p:nvSpPr>
-          <p:cNvPr id="7" name="CasellaDiTesto 6"/>
+          <p:cNvPr id="5" name="CasellaDiTesto 4">
+            <a:extLst>
+              <a:ext uri="{FF2B5EF4-FFF2-40B4-BE49-F238E27FC236}">
+                <a16:creationId xmlns:a16="http://schemas.microsoft.com/office/drawing/2014/main" id="{4839FC3D-5F35-4ED1-80D7-54F621353955}"/>
+              </a:ext>
+            </a:extLst>
+          </p:cNvPr>
           <p:cNvSpPr txBox="1"/>
           <p:nvPr/>
         </p:nvSpPr>
         <p:spPr>
           <a:xfrm>
-            <a:off x="3725007" y="2094793"/>
-            <a:ext cx="2071688" cy="923330"/>
+            <a:off x="2717555" y="2362200"/>
+            <a:ext cx="1854445" cy="830997"/>
           </a:xfrm>
           <a:prstGeom prst="rect">
             <a:avLst/>
@@ -5174,23 +5195,28 @@
           <a:p>
             <a:pPr algn="ctr"/>
             <a:r>
-              <a:rPr lang="it-IT" dirty="0" smtClean="0"/>
+              <a:rPr lang="it-IT" sz="1600" dirty="0"/>
               <a:t>Attributi relativi alle prestazioni generali dello studente</a:t>
             </a:r>
-            <a:endParaRPr lang="it-IT" dirty="0"/>
-          </a:p>
-        </p:txBody>
-      </p:sp>
-      <p:sp>
-        <p:nvSpPr>
-          <p:cNvPr id="8" name="CasellaDiTesto 7"/>
+          </a:p>
+        </p:txBody>
+      </p:sp>
+      <p:sp>
+        <p:nvSpPr>
+          <p:cNvPr id="6" name="CasellaDiTesto 5">
+            <a:extLst>
+              <a:ext uri="{FF2B5EF4-FFF2-40B4-BE49-F238E27FC236}">
+                <a16:creationId xmlns:a16="http://schemas.microsoft.com/office/drawing/2014/main" id="{358BE0C9-56D0-4996-A83C-BA5CB4041A73}"/>
+              </a:ext>
+            </a:extLst>
+          </p:cNvPr>
           <p:cNvSpPr txBox="1"/>
           <p:nvPr/>
         </p:nvSpPr>
         <p:spPr>
           <a:xfrm>
-            <a:off x="7387385" y="2233292"/>
-            <a:ext cx="2071688" cy="646331"/>
+            <a:off x="5510579" y="2362200"/>
+            <a:ext cx="1553766" cy="584775"/>
           </a:xfrm>
           <a:prstGeom prst="rect">
             <a:avLst/>
@@ -5205,23 +5231,28 @@
           <a:p>
             <a:pPr algn="ctr"/>
             <a:r>
-              <a:rPr lang="it-IT" dirty="0" smtClean="0"/>
+              <a:rPr lang="it-IT" sz="1600" dirty="0"/>
               <a:t>Attributi relativi ai singoli esami</a:t>
             </a:r>
-            <a:endParaRPr lang="it-IT" dirty="0"/>
-          </a:p>
-        </p:txBody>
-      </p:sp>
-      <p:sp>
-        <p:nvSpPr>
-          <p:cNvPr id="9" name="Parentesi graffa aperta 8"/>
+          </a:p>
+        </p:txBody>
+      </p:sp>
+      <p:sp>
+        <p:nvSpPr>
+          <p:cNvPr id="7" name="Parentesi graffa aperta 6">
+            <a:extLst>
+              <a:ext uri="{FF2B5EF4-FFF2-40B4-BE49-F238E27FC236}">
+                <a16:creationId xmlns:a16="http://schemas.microsoft.com/office/drawing/2014/main" id="{3812CE3F-F149-44E9-8AF6-22A08F7F5DA5}"/>
+              </a:ext>
+            </a:extLst>
+          </p:cNvPr>
           <p:cNvSpPr/>
           <p:nvPr/>
         </p:nvSpPr>
         <p:spPr>
           <a:xfrm rot="5400000">
-            <a:off x="4570776" y="1208847"/>
-            <a:ext cx="380150" cy="4252913"/>
+            <a:off x="3428082" y="1763887"/>
+            <a:ext cx="285113" cy="3189685"/>
           </a:xfrm>
           <a:prstGeom prst="leftBrace">
             <a:avLst/>
@@ -5246,20 +5277,26 @@
           <a:lstStyle/>
           <a:p>
             <a:pPr algn="ctr"/>
-            <a:endParaRPr lang="it-IT"/>
-          </a:p>
-        </p:txBody>
-      </p:sp>
-      <p:sp>
-        <p:nvSpPr>
-          <p:cNvPr id="10" name="Parentesi graffa aperta 9"/>
+            <a:endParaRPr lang="it-IT" sz="1350"/>
+          </a:p>
+        </p:txBody>
+      </p:sp>
+      <p:sp>
+        <p:nvSpPr>
+          <p:cNvPr id="8" name="Parentesi graffa aperta 7">
+            <a:extLst>
+              <a:ext uri="{FF2B5EF4-FFF2-40B4-BE49-F238E27FC236}">
+                <a16:creationId xmlns:a16="http://schemas.microsoft.com/office/drawing/2014/main" id="{490FED5E-FA7D-48B9-B708-A87236365557}"/>
+              </a:ext>
+            </a:extLst>
+          </p:cNvPr>
           <p:cNvSpPr/>
           <p:nvPr/>
         </p:nvSpPr>
         <p:spPr>
           <a:xfrm rot="5400000">
-            <a:off x="7479409" y="2641186"/>
-            <a:ext cx="473146" cy="1334599"/>
+            <a:off x="5609557" y="2838142"/>
+            <a:ext cx="354860" cy="1000949"/>
           </a:xfrm>
           <a:prstGeom prst="leftBrace">
             <a:avLst>
@@ -5287,20 +5324,26 @@
           <a:lstStyle/>
           <a:p>
             <a:pPr algn="ctr"/>
-            <a:endParaRPr lang="it-IT"/>
-          </a:p>
-        </p:txBody>
-      </p:sp>
-      <p:sp>
-        <p:nvSpPr>
-          <p:cNvPr id="11" name="Parentesi graffa aperta 10"/>
+            <a:endParaRPr lang="it-IT" sz="1350"/>
+          </a:p>
+        </p:txBody>
+      </p:sp>
+      <p:sp>
+        <p:nvSpPr>
+          <p:cNvPr id="9" name="Parentesi graffa aperta 8">
+            <a:extLst>
+              <a:ext uri="{FF2B5EF4-FFF2-40B4-BE49-F238E27FC236}">
+                <a16:creationId xmlns:a16="http://schemas.microsoft.com/office/drawing/2014/main" id="{8AD44BE2-ACD6-4E6D-AC66-F9D3093A6EFF}"/>
+              </a:ext>
+            </a:extLst>
+          </p:cNvPr>
           <p:cNvSpPr/>
           <p:nvPr/>
         </p:nvSpPr>
         <p:spPr>
           <a:xfrm rot="5400000">
-            <a:off x="8853956" y="2641185"/>
-            <a:ext cx="473146" cy="1334599"/>
+            <a:off x="6640467" y="2838141"/>
+            <a:ext cx="354860" cy="1000949"/>
           </a:xfrm>
           <a:prstGeom prst="leftBrace">
             <a:avLst>
@@ -5328,27 +5371,20 @@
           <a:lstStyle/>
           <a:p>
             <a:pPr algn="ctr"/>
-            <a:endParaRPr lang="it-IT"/>
+            <a:endParaRPr lang="it-IT" sz="1350"/>
           </a:p>
         </p:txBody>
       </p:sp>
     </p:spTree>
     <p:extLst>
       <p:ext uri="{BB962C8B-B14F-4D97-AF65-F5344CB8AC3E}">
-        <p14:creationId xmlns:p14="http://schemas.microsoft.com/office/powerpoint/2010/main" val="145956327"/>
+        <p14:creationId xmlns:p14="http://schemas.microsoft.com/office/powerpoint/2010/main" val="352598867"/>
       </p:ext>
     </p:extLst>
   </p:cSld>
   <p:clrMapOvr>
     <a:masterClrMapping/>
   </p:clrMapOvr>
-  <p:timing>
-    <p:tnLst>
-      <p:par>
-        <p:cTn id="1" dur="indefinite" restart="never" nodeType="tmRoot"/>
-      </p:par>
-    </p:tnLst>
-  </p:timing>
 </p:sld>
 </file>
 
@@ -5371,7 +5407,13 @@
       </p:grpSpPr>
       <p:sp>
         <p:nvSpPr>
-          <p:cNvPr id="2" name="Titolo 1"/>
+          <p:cNvPr id="2" name="Titolo 1">
+            <a:extLst>
+              <a:ext uri="{FF2B5EF4-FFF2-40B4-BE49-F238E27FC236}">
+                <a16:creationId xmlns:a16="http://schemas.microsoft.com/office/drawing/2014/main" id="{B9DB8311-28AC-4322-BAB4-1A023048D71F}"/>
+              </a:ext>
+            </a:extLst>
+          </p:cNvPr>
           <p:cNvSpPr>
             <a:spLocks noGrp="1"/>
           </p:cNvSpPr>
@@ -5381,29 +5423,36 @@
         </p:nvSpPr>
         <p:spPr/>
         <p:txBody>
-          <a:bodyPr/>
+          <a:bodyPr>
+            <a:noAutofit/>
+          </a:bodyPr>
           <a:lstStyle/>
           <a:p>
-            <a:pPr algn="ctr"/>
-            <a:r>
-              <a:rPr lang="it-IT" b="1" dirty="0"/>
+            <a:r>
+              <a:rPr lang="it-IT" sz="2700" b="1" dirty="0"/>
               <a:t>DATA UNDERSTANDING: </a:t>
             </a:r>
             <a:r>
-              <a:rPr lang="it-IT" sz="2800" dirty="0" smtClean="0"/>
+              <a:rPr lang="it-IT" sz="2700" dirty="0"/>
               <a:t>TECNICHE DI VISUALIZZAZIONE</a:t>
             </a:r>
             <a:r>
-              <a:rPr lang="it-IT" sz="2800" b="1" dirty="0" smtClean="0"/>
+              <a:rPr lang="it-IT" sz="2700" b="1" dirty="0"/>
               <a:t> </a:t>
             </a:r>
-            <a:endParaRPr lang="it-IT" sz="2800" dirty="0"/>
-          </a:p>
-        </p:txBody>
-      </p:sp>
-      <p:sp>
-        <p:nvSpPr>
-          <p:cNvPr id="3" name="Segnaposto contenuto 2"/>
+            <a:endParaRPr lang="en-US" sz="2700" dirty="0"/>
+          </a:p>
+        </p:txBody>
+      </p:sp>
+      <p:sp>
+        <p:nvSpPr>
+          <p:cNvPr id="3" name="Segnaposto contenuto 2">
+            <a:extLst>
+              <a:ext uri="{FF2B5EF4-FFF2-40B4-BE49-F238E27FC236}">
+                <a16:creationId xmlns:a16="http://schemas.microsoft.com/office/drawing/2014/main" id="{CC238F9E-7369-42B5-8E90-F7EFC93ED268}"/>
+              </a:ext>
+            </a:extLst>
+          </p:cNvPr>
           <p:cNvSpPr>
             <a:spLocks noGrp="1"/>
           </p:cNvSpPr>
@@ -5413,48 +5462,68 @@
         </p:nvSpPr>
         <p:spPr>
           <a:xfrm>
-            <a:off x="838200" y="1825625"/>
-            <a:ext cx="10515600" cy="1389063"/>
+            <a:off x="457200" y="1981200"/>
+            <a:ext cx="8229600" cy="1219200"/>
           </a:xfrm>
         </p:spPr>
         <p:txBody>
-          <a:bodyPr/>
+          <a:bodyPr>
+            <a:normAutofit fontScale="70000" lnSpcReduction="20000"/>
+          </a:bodyPr>
           <a:lstStyle/>
           <a:p>
             <a:pPr algn="just"/>
             <a:r>
-              <a:rPr lang="it-IT" dirty="0" smtClean="0"/>
-              <a:t>Sono stati programmati degli script in linguaggio R per avvalersi di alcune tecniche di visualizzazione.</a:t>
-            </a:r>
+              <a:rPr lang="it-IT" sz="2800" dirty="0"/>
+              <a:t>Sono stati programmati degli script in linguaggio </a:t>
+            </a:r>
+            <a:r>
+              <a:rPr lang="it-IT" sz="2800" b="1" dirty="0">
+                <a:solidFill>
+                  <a:srgbClr val="FF0000"/>
+                </a:solidFill>
+              </a:rPr>
+              <a:t>R</a:t>
+            </a:r>
+            <a:r>
+              <a:rPr lang="it-IT" sz="2800" dirty="0"/>
+              <a:t> per avvalersi di alcune tecniche di visualizzazione.</a:t>
+            </a:r>
+          </a:p>
+          <a:p>
+            <a:pPr marL="0" indent="0" algn="just">
+              <a:buNone/>
+            </a:pPr>
+            <a:endParaRPr lang="it-IT" sz="2800" dirty="0"/>
           </a:p>
           <a:p>
             <a:pPr algn="just"/>
             <a:r>
-              <a:rPr lang="it-IT" dirty="0" smtClean="0"/>
-              <a:t>Preparazione del </a:t>
-            </a:r>
-            <a:r>
-              <a:rPr lang="it-IT" dirty="0" err="1" smtClean="0"/>
-              <a:t>dataset</a:t>
-            </a:r>
-            <a:r>
-              <a:rPr lang="it-IT" dirty="0" smtClean="0"/>
-              <a:t>:</a:t>
-            </a:r>
-            <a:endParaRPr lang="it-IT" dirty="0"/>
-          </a:p>
-        </p:txBody>
-      </p:sp>
-      <p:sp>
-        <p:nvSpPr>
-          <p:cNvPr id="4" name="CasellaDiTesto 3"/>
+              <a:rPr lang="it-IT" sz="2800" dirty="0"/>
+              <a:t>Preparazione del dataset:</a:t>
+            </a:r>
+          </a:p>
+          <a:p>
+            <a:endParaRPr lang="en-US" dirty="0"/>
+          </a:p>
+        </p:txBody>
+      </p:sp>
+      <p:sp>
+        <p:nvSpPr>
+          <p:cNvPr id="4" name="CasellaDiTesto 3">
+            <a:extLst>
+              <a:ext uri="{FF2B5EF4-FFF2-40B4-BE49-F238E27FC236}">
+                <a16:creationId xmlns:a16="http://schemas.microsoft.com/office/drawing/2014/main" id="{4D7DE968-07D5-4816-AE85-8F06E200182B}"/>
+              </a:ext>
+            </a:extLst>
+          </p:cNvPr>
           <p:cNvSpPr txBox="1"/>
           <p:nvPr/>
         </p:nvSpPr>
         <p:spPr>
           <a:xfrm>
-            <a:off x="2424161" y="3214688"/>
-            <a:ext cx="8454559" cy="3508653"/>
+            <a:off x="1371600" y="3268267"/>
+            <a:ext cx="7343677" cy="2816156"/>
           </a:xfrm>
           <a:prstGeom prst="rect">
             <a:avLst/>
@@ -5468,7 +5537,7 @@
           <a:lstStyle/>
           <a:p>
             <a:r>
-              <a:rPr lang="en-US" sz="1400" dirty="0">
+              <a:rPr lang="en-US" sz="1200" dirty="0">
                 <a:solidFill>
                   <a:schemeClr val="bg1">
                     <a:lumMod val="50000"/>
@@ -5477,21 +5546,9 @@
                 <a:latin typeface="Courier New" panose="02070309020205020404" pitchFamily="49" charset="0"/>
                 <a:cs typeface="Courier New" panose="02070309020205020404" pitchFamily="49" charset="0"/>
               </a:rPr>
-              <a:t># set the repo root path before importing data</a:t>
-            </a:r>
-            <a:r>
-              <a:rPr lang="en-US" sz="1400" dirty="0" smtClean="0">
-                <a:solidFill>
-                  <a:schemeClr val="bg1">
-                    <a:lumMod val="50000"/>
-                  </a:schemeClr>
-                </a:solidFill>
-                <a:latin typeface="Courier New" panose="02070309020205020404" pitchFamily="49" charset="0"/>
-                <a:cs typeface="Courier New" panose="02070309020205020404" pitchFamily="49" charset="0"/>
-              </a:rPr>
-              <a:t>!!!</a:t>
-            </a:r>
-            <a:endParaRPr lang="it-IT" sz="1400" dirty="0">
+              <a:t># set the repo root path before importing data!!!</a:t>
+            </a:r>
+            <a:endParaRPr lang="it-IT" sz="1200" dirty="0">
               <a:solidFill>
                 <a:schemeClr val="bg1">
                   <a:lumMod val="50000"/>
@@ -5503,7 +5560,7 @@
           </a:p>
           <a:p>
             <a:r>
-              <a:rPr lang="en-US" sz="1400" dirty="0" err="1">
+              <a:rPr lang="en-US" sz="1200" dirty="0" err="1">
                 <a:solidFill>
                   <a:schemeClr val="tx1">
                     <a:lumMod val="95000"/>
@@ -5516,7 +5573,7 @@
               <a:t>setwd</a:t>
             </a:r>
             <a:r>
-              <a:rPr lang="en-US" sz="1400" dirty="0">
+              <a:rPr lang="en-US" sz="1200" dirty="0">
                 <a:solidFill>
                   <a:schemeClr val="tx1">
                     <a:lumMod val="95000"/>
@@ -5528,7 +5585,7 @@
               </a:rPr>
               <a:t>("C:/simone_robamia/unifi/datamining-class-homework/")</a:t>
             </a:r>
-            <a:endParaRPr lang="it-IT" sz="1400" dirty="0">
+            <a:endParaRPr lang="it-IT" sz="1200" dirty="0">
               <a:solidFill>
                 <a:schemeClr val="tx1">
                   <a:lumMod val="95000"/>
@@ -5541,7 +5598,7 @@
           </a:p>
           <a:p>
             <a:r>
-              <a:rPr lang="it-IT" sz="1400" dirty="0" err="1">
+              <a:rPr lang="it-IT" sz="1200" dirty="0" err="1">
                 <a:solidFill>
                   <a:schemeClr val="tx1">
                     <a:lumMod val="95000"/>
@@ -5554,7 +5611,7 @@
               <a:t>students</a:t>
             </a:r>
             <a:r>
-              <a:rPr lang="it-IT" sz="1400" dirty="0">
+              <a:rPr lang="it-IT" sz="1200" dirty="0">
                 <a:solidFill>
                   <a:schemeClr val="tx1">
                     <a:lumMod val="95000"/>
@@ -5569,7 +5626,7 @@
           </a:p>
           <a:p>
             <a:r>
-              <a:rPr lang="it-IT" sz="1400" dirty="0">
+              <a:rPr lang="it-IT" sz="1200" dirty="0">
                 <a:solidFill>
                   <a:schemeClr val="bg1">
                     <a:lumMod val="50000"/>
@@ -5583,7 +5640,7 @@
           </a:p>
           <a:p>
             <a:r>
-              <a:rPr lang="en-US" sz="1400" dirty="0">
+              <a:rPr lang="en-US" sz="1200" dirty="0">
                 <a:solidFill>
                   <a:schemeClr val="bg1">
                     <a:lumMod val="50000"/>
@@ -5592,21 +5649,9 @@
                 <a:latin typeface="Courier New" panose="02070309020205020404" pitchFamily="49" charset="0"/>
                 <a:cs typeface="Courier New" panose="02070309020205020404" pitchFamily="49" charset="0"/>
               </a:rPr>
-              <a:t># gather some info about the imported </a:t>
-            </a:r>
-            <a:r>
-              <a:rPr lang="en-US" sz="1400" dirty="0" smtClean="0">
-                <a:solidFill>
-                  <a:schemeClr val="bg1">
-                    <a:lumMod val="50000"/>
-                  </a:schemeClr>
-                </a:solidFill>
-                <a:latin typeface="Courier New" panose="02070309020205020404" pitchFamily="49" charset="0"/>
-                <a:cs typeface="Courier New" panose="02070309020205020404" pitchFamily="49" charset="0"/>
-              </a:rPr>
-              <a:t>dataset</a:t>
-            </a:r>
-            <a:endParaRPr lang="it-IT" sz="1400" dirty="0">
+              <a:t># gather some info about the imported dataset</a:t>
+            </a:r>
+            <a:endParaRPr lang="it-IT" sz="1200" dirty="0">
               <a:solidFill>
                 <a:schemeClr val="bg1">
                   <a:lumMod val="50000"/>
@@ -5618,7 +5663,7 @@
           </a:p>
           <a:p>
             <a:r>
-              <a:rPr lang="en-US" sz="1400" dirty="0" err="1">
+              <a:rPr lang="en-US" sz="1200" dirty="0" err="1">
                 <a:solidFill>
                   <a:schemeClr val="tx1">
                     <a:lumMod val="95000"/>
@@ -5631,7 +5676,7 @@
               <a:t>str</a:t>
             </a:r>
             <a:r>
-              <a:rPr lang="en-US" sz="1400" dirty="0">
+              <a:rPr lang="en-US" sz="1200" dirty="0">
                 <a:solidFill>
                   <a:schemeClr val="tx1">
                     <a:lumMod val="95000"/>
@@ -5643,7 +5688,7 @@
               </a:rPr>
               <a:t>(students)</a:t>
             </a:r>
-            <a:endParaRPr lang="it-IT" sz="1400" dirty="0">
+            <a:endParaRPr lang="it-IT" sz="1200" dirty="0">
               <a:solidFill>
                 <a:schemeClr val="tx1">
                   <a:lumMod val="95000"/>
@@ -5656,7 +5701,7 @@
           </a:p>
           <a:p>
             <a:r>
-              <a:rPr lang="en-US" sz="1400" dirty="0">
+              <a:rPr lang="en-US" sz="1200" dirty="0">
                 <a:solidFill>
                   <a:schemeClr val="bg1">
                     <a:lumMod val="50000"/>
@@ -5667,7 +5712,7 @@
               </a:rPr>
               <a:t> </a:t>
             </a:r>
-            <a:endParaRPr lang="it-IT" sz="1400" dirty="0">
+            <a:endParaRPr lang="it-IT" sz="1200" dirty="0">
               <a:solidFill>
                 <a:schemeClr val="bg1">
                   <a:lumMod val="50000"/>
@@ -5679,7 +5724,7 @@
           </a:p>
           <a:p>
             <a:r>
-              <a:rPr lang="en-US" sz="1400" dirty="0">
+              <a:rPr lang="en-US" sz="1200" dirty="0">
                 <a:solidFill>
                   <a:schemeClr val="bg1">
                     <a:lumMod val="50000"/>
@@ -5690,7 +5735,7 @@
               </a:rPr>
               <a:t># ADJUST DATA ATTRIBUTES </a:t>
             </a:r>
-            <a:endParaRPr lang="it-IT" sz="1400" dirty="0">
+            <a:endParaRPr lang="it-IT" sz="1200" dirty="0">
               <a:solidFill>
                 <a:schemeClr val="bg1">
                   <a:lumMod val="50000"/>
@@ -5702,7 +5747,7 @@
           </a:p>
           <a:p>
             <a:r>
-              <a:rPr lang="en-US" sz="1400" dirty="0">
+              <a:rPr lang="en-US" sz="1200" dirty="0">
                 <a:solidFill>
                   <a:schemeClr val="bg1">
                     <a:lumMod val="50000"/>
@@ -5714,7 +5759,7 @@
               <a:t># convert "</a:t>
             </a:r>
             <a:r>
-              <a:rPr lang="en-US" sz="1400" dirty="0" err="1">
+              <a:rPr lang="en-US" sz="1200" dirty="0" err="1">
                 <a:solidFill>
                   <a:schemeClr val="bg1">
                     <a:lumMod val="50000"/>
@@ -5726,7 +5771,7 @@
               <a:t>coorte</a:t>
             </a:r>
             <a:r>
-              <a:rPr lang="en-US" sz="1400" dirty="0">
+              <a:rPr lang="en-US" sz="1200" dirty="0">
                 <a:solidFill>
                   <a:schemeClr val="bg1">
                     <a:lumMod val="50000"/>
@@ -5737,7 +5782,7 @@
               </a:rPr>
               <a:t>" to nominal by making it a factor </a:t>
             </a:r>
-            <a:endParaRPr lang="it-IT" sz="1400" dirty="0">
+            <a:endParaRPr lang="it-IT" sz="1200" dirty="0">
               <a:solidFill>
                 <a:schemeClr val="bg1">
                   <a:lumMod val="50000"/>
@@ -5749,30 +5794,7 @@
           </a:p>
           <a:p>
             <a:r>
-              <a:rPr lang="en-US" sz="1400" dirty="0">
-                <a:solidFill>
-                  <a:schemeClr val="bg1">
-                    <a:lumMod val="50000"/>
-                  </a:schemeClr>
-                </a:solidFill>
-                <a:latin typeface="Courier New" panose="02070309020205020404" pitchFamily="49" charset="0"/>
-                <a:cs typeface="Courier New" panose="02070309020205020404" pitchFamily="49" charset="0"/>
-              </a:rPr>
-              <a:t> </a:t>
-            </a:r>
-            <a:endParaRPr lang="it-IT" sz="1400" dirty="0">
-              <a:solidFill>
-                <a:schemeClr val="bg1">
-                  <a:lumMod val="50000"/>
-                </a:schemeClr>
-              </a:solidFill>
-              <a:latin typeface="Courier New" panose="02070309020205020404" pitchFamily="49" charset="0"/>
-              <a:cs typeface="Courier New" panose="02070309020205020404" pitchFamily="49" charset="0"/>
-            </a:endParaRPr>
-          </a:p>
-          <a:p>
-            <a:r>
-              <a:rPr lang="en-US" sz="1400" dirty="0">
+              <a:rPr lang="en-US" sz="1200" dirty="0">
                 <a:solidFill>
                   <a:schemeClr val="tx1">
                     <a:lumMod val="95000"/>
@@ -5785,7 +5807,7 @@
               <a:t>students[, c(1)] &lt;- </a:t>
             </a:r>
             <a:r>
-              <a:rPr lang="en-US" sz="1400" dirty="0" err="1">
+              <a:rPr lang="en-US" sz="1200" dirty="0" err="1">
                 <a:solidFill>
                   <a:schemeClr val="tx1">
                     <a:lumMod val="95000"/>
@@ -5798,7 +5820,7 @@
               <a:t>sapply</a:t>
             </a:r>
             <a:r>
-              <a:rPr lang="en-US" sz="1400" dirty="0">
+              <a:rPr lang="en-US" sz="1200" dirty="0">
                 <a:solidFill>
                   <a:schemeClr val="tx1">
                     <a:lumMod val="95000"/>
@@ -5810,7 +5832,7 @@
               </a:rPr>
               <a:t>(students[, c(1)], factor)</a:t>
             </a:r>
-            <a:endParaRPr lang="it-IT" sz="1400" dirty="0">
+            <a:endParaRPr lang="it-IT" sz="1200" dirty="0">
               <a:solidFill>
                 <a:schemeClr val="tx1">
                   <a:lumMod val="95000"/>
@@ -5823,7 +5845,7 @@
           </a:p>
           <a:p>
             <a:r>
-              <a:rPr lang="en-US" sz="1400" dirty="0">
+              <a:rPr lang="en-US" sz="1200" dirty="0">
                 <a:solidFill>
                   <a:schemeClr val="bg1">
                     <a:lumMod val="50000"/>
@@ -5834,148 +5856,6 @@
               </a:rPr>
               <a:t> </a:t>
             </a:r>
-            <a:endParaRPr lang="it-IT" sz="1400" dirty="0">
-              <a:solidFill>
-                <a:schemeClr val="bg1">
-                  <a:lumMod val="50000"/>
-                </a:schemeClr>
-              </a:solidFill>
-              <a:latin typeface="Courier New" panose="02070309020205020404" pitchFamily="49" charset="0"/>
-              <a:cs typeface="Courier New" panose="02070309020205020404" pitchFamily="49" charset="0"/>
-            </a:endParaRPr>
-          </a:p>
-          <a:p>
-            <a:r>
-              <a:rPr lang="en-US" sz="1400" dirty="0">
-                <a:solidFill>
-                  <a:schemeClr val="bg1">
-                    <a:lumMod val="50000"/>
-                  </a:schemeClr>
-                </a:solidFill>
-                <a:latin typeface="Courier New" panose="02070309020205020404" pitchFamily="49" charset="0"/>
-                <a:cs typeface="Courier New" panose="02070309020205020404" pitchFamily="49" charset="0"/>
-              </a:rPr>
-              <a:t># ok, let's take a look at it now</a:t>
-            </a:r>
-            <a:endParaRPr lang="it-IT" sz="1400" dirty="0">
-              <a:solidFill>
-                <a:schemeClr val="bg1">
-                  <a:lumMod val="50000"/>
-                </a:schemeClr>
-              </a:solidFill>
-              <a:latin typeface="Courier New" panose="02070309020205020404" pitchFamily="49" charset="0"/>
-              <a:cs typeface="Courier New" panose="02070309020205020404" pitchFamily="49" charset="0"/>
-            </a:endParaRPr>
-          </a:p>
-          <a:p>
-            <a:r>
-              <a:rPr lang="it-IT" sz="1400" dirty="0" err="1">
-                <a:solidFill>
-                  <a:schemeClr val="tx1">
-                    <a:lumMod val="95000"/>
-                    <a:lumOff val="5000"/>
-                  </a:schemeClr>
-                </a:solidFill>
-                <a:latin typeface="Courier New" panose="02070309020205020404" pitchFamily="49" charset="0"/>
-                <a:cs typeface="Courier New" panose="02070309020205020404" pitchFamily="49" charset="0"/>
-              </a:rPr>
-              <a:t>str</a:t>
-            </a:r>
-            <a:r>
-              <a:rPr lang="it-IT" sz="1400" dirty="0">
-                <a:solidFill>
-                  <a:schemeClr val="tx1">
-                    <a:lumMod val="95000"/>
-                    <a:lumOff val="5000"/>
-                  </a:schemeClr>
-                </a:solidFill>
-                <a:latin typeface="Courier New" panose="02070309020205020404" pitchFamily="49" charset="0"/>
-                <a:cs typeface="Courier New" panose="02070309020205020404" pitchFamily="49" charset="0"/>
-              </a:rPr>
-              <a:t>(</a:t>
-            </a:r>
-            <a:r>
-              <a:rPr lang="it-IT" sz="1400" dirty="0" err="1">
-                <a:solidFill>
-                  <a:schemeClr val="tx1">
-                    <a:lumMod val="95000"/>
-                    <a:lumOff val="5000"/>
-                  </a:schemeClr>
-                </a:solidFill>
-                <a:latin typeface="Courier New" panose="02070309020205020404" pitchFamily="49" charset="0"/>
-                <a:cs typeface="Courier New" panose="02070309020205020404" pitchFamily="49" charset="0"/>
-              </a:rPr>
-              <a:t>students</a:t>
-            </a:r>
-            <a:r>
-              <a:rPr lang="it-IT" sz="1400" dirty="0">
-                <a:solidFill>
-                  <a:schemeClr val="tx1">
-                    <a:lumMod val="95000"/>
-                    <a:lumOff val="5000"/>
-                  </a:schemeClr>
-                </a:solidFill>
-                <a:latin typeface="Courier New" panose="02070309020205020404" pitchFamily="49" charset="0"/>
-                <a:cs typeface="Courier New" panose="02070309020205020404" pitchFamily="49" charset="0"/>
-              </a:rPr>
-              <a:t>)</a:t>
-            </a:r>
-          </a:p>
-          <a:p>
-            <a:r>
-              <a:rPr lang="it-IT" sz="1400" dirty="0" err="1">
-                <a:solidFill>
-                  <a:schemeClr val="tx1">
-                    <a:lumMod val="95000"/>
-                    <a:lumOff val="5000"/>
-                  </a:schemeClr>
-                </a:solidFill>
-                <a:latin typeface="Courier New" panose="02070309020205020404" pitchFamily="49" charset="0"/>
-                <a:cs typeface="Courier New" panose="02070309020205020404" pitchFamily="49" charset="0"/>
-              </a:rPr>
-              <a:t>summary</a:t>
-            </a:r>
-            <a:r>
-              <a:rPr lang="it-IT" sz="1400" dirty="0">
-                <a:solidFill>
-                  <a:schemeClr val="tx1">
-                    <a:lumMod val="95000"/>
-                    <a:lumOff val="5000"/>
-                  </a:schemeClr>
-                </a:solidFill>
-                <a:latin typeface="Courier New" panose="02070309020205020404" pitchFamily="49" charset="0"/>
-                <a:cs typeface="Courier New" panose="02070309020205020404" pitchFamily="49" charset="0"/>
-              </a:rPr>
-              <a:t>(</a:t>
-            </a:r>
-            <a:r>
-              <a:rPr lang="it-IT" sz="1400" dirty="0" err="1">
-                <a:solidFill>
-                  <a:schemeClr val="tx1">
-                    <a:lumMod val="95000"/>
-                    <a:lumOff val="5000"/>
-                  </a:schemeClr>
-                </a:solidFill>
-                <a:latin typeface="Courier New" panose="02070309020205020404" pitchFamily="49" charset="0"/>
-                <a:cs typeface="Courier New" panose="02070309020205020404" pitchFamily="49" charset="0"/>
-              </a:rPr>
-              <a:t>students</a:t>
-            </a:r>
-            <a:r>
-              <a:rPr lang="it-IT" sz="1400" dirty="0">
-                <a:solidFill>
-                  <a:schemeClr val="tx1">
-                    <a:lumMod val="95000"/>
-                    <a:lumOff val="5000"/>
-                  </a:schemeClr>
-                </a:solidFill>
-                <a:latin typeface="Courier New" panose="02070309020205020404" pitchFamily="49" charset="0"/>
-                <a:cs typeface="Courier New" panose="02070309020205020404" pitchFamily="49" charset="0"/>
-              </a:rPr>
-              <a:t>)</a:t>
-            </a:r>
-          </a:p>
-          <a:p>
             <a:endParaRPr lang="it-IT" sz="1200" dirty="0">
               <a:solidFill>
                 <a:schemeClr val="bg1">
@@ -5986,25 +5866,160 @@
               <a:cs typeface="Courier New" panose="02070309020205020404" pitchFamily="49" charset="0"/>
             </a:endParaRPr>
           </a:p>
+          <a:p>
+            <a:r>
+              <a:rPr lang="en-US" sz="1200" dirty="0">
+                <a:solidFill>
+                  <a:schemeClr val="bg1">
+                    <a:lumMod val="50000"/>
+                  </a:schemeClr>
+                </a:solidFill>
+                <a:latin typeface="Courier New" panose="02070309020205020404" pitchFamily="49" charset="0"/>
+                <a:cs typeface="Courier New" panose="02070309020205020404" pitchFamily="49" charset="0"/>
+              </a:rPr>
+              <a:t># ok, let's take a look at it now</a:t>
+            </a:r>
+            <a:endParaRPr lang="it-IT" sz="1200" dirty="0">
+              <a:solidFill>
+                <a:schemeClr val="bg1">
+                  <a:lumMod val="50000"/>
+                </a:schemeClr>
+              </a:solidFill>
+              <a:latin typeface="Courier New" panose="02070309020205020404" pitchFamily="49" charset="0"/>
+              <a:cs typeface="Courier New" panose="02070309020205020404" pitchFamily="49" charset="0"/>
+            </a:endParaRPr>
+          </a:p>
+          <a:p>
+            <a:r>
+              <a:rPr lang="it-IT" sz="1200" dirty="0" err="1">
+                <a:solidFill>
+                  <a:schemeClr val="tx1">
+                    <a:lumMod val="95000"/>
+                    <a:lumOff val="5000"/>
+                  </a:schemeClr>
+                </a:solidFill>
+                <a:latin typeface="Courier New" panose="02070309020205020404" pitchFamily="49" charset="0"/>
+                <a:cs typeface="Courier New" panose="02070309020205020404" pitchFamily="49" charset="0"/>
+              </a:rPr>
+              <a:t>str</a:t>
+            </a:r>
+            <a:r>
+              <a:rPr lang="it-IT" sz="1200" dirty="0">
+                <a:solidFill>
+                  <a:schemeClr val="tx1">
+                    <a:lumMod val="95000"/>
+                    <a:lumOff val="5000"/>
+                  </a:schemeClr>
+                </a:solidFill>
+                <a:latin typeface="Courier New" panose="02070309020205020404" pitchFamily="49" charset="0"/>
+                <a:cs typeface="Courier New" panose="02070309020205020404" pitchFamily="49" charset="0"/>
+              </a:rPr>
+              <a:t>(</a:t>
+            </a:r>
+            <a:r>
+              <a:rPr lang="it-IT" sz="1200" dirty="0" err="1">
+                <a:solidFill>
+                  <a:schemeClr val="tx1">
+                    <a:lumMod val="95000"/>
+                    <a:lumOff val="5000"/>
+                  </a:schemeClr>
+                </a:solidFill>
+                <a:latin typeface="Courier New" panose="02070309020205020404" pitchFamily="49" charset="0"/>
+                <a:cs typeface="Courier New" panose="02070309020205020404" pitchFamily="49" charset="0"/>
+              </a:rPr>
+              <a:t>students</a:t>
+            </a:r>
+            <a:r>
+              <a:rPr lang="it-IT" sz="1200" dirty="0">
+                <a:solidFill>
+                  <a:schemeClr val="tx1">
+                    <a:lumMod val="95000"/>
+                    <a:lumOff val="5000"/>
+                  </a:schemeClr>
+                </a:solidFill>
+                <a:latin typeface="Courier New" panose="02070309020205020404" pitchFamily="49" charset="0"/>
+                <a:cs typeface="Courier New" panose="02070309020205020404" pitchFamily="49" charset="0"/>
+              </a:rPr>
+              <a:t>)</a:t>
+            </a:r>
+          </a:p>
+          <a:p>
+            <a:r>
+              <a:rPr lang="it-IT" sz="1200" dirty="0" err="1">
+                <a:solidFill>
+                  <a:schemeClr val="tx1">
+                    <a:lumMod val="95000"/>
+                    <a:lumOff val="5000"/>
+                  </a:schemeClr>
+                </a:solidFill>
+                <a:latin typeface="Courier New" panose="02070309020205020404" pitchFamily="49" charset="0"/>
+                <a:cs typeface="Courier New" panose="02070309020205020404" pitchFamily="49" charset="0"/>
+              </a:rPr>
+              <a:t>summary</a:t>
+            </a:r>
+            <a:r>
+              <a:rPr lang="it-IT" sz="1200" dirty="0">
+                <a:solidFill>
+                  <a:schemeClr val="tx1">
+                    <a:lumMod val="95000"/>
+                    <a:lumOff val="5000"/>
+                  </a:schemeClr>
+                </a:solidFill>
+                <a:latin typeface="Courier New" panose="02070309020205020404" pitchFamily="49" charset="0"/>
+                <a:cs typeface="Courier New" panose="02070309020205020404" pitchFamily="49" charset="0"/>
+              </a:rPr>
+              <a:t>(</a:t>
+            </a:r>
+            <a:r>
+              <a:rPr lang="it-IT" sz="1200" dirty="0" err="1">
+                <a:solidFill>
+                  <a:schemeClr val="tx1">
+                    <a:lumMod val="95000"/>
+                    <a:lumOff val="5000"/>
+                  </a:schemeClr>
+                </a:solidFill>
+                <a:latin typeface="Courier New" panose="02070309020205020404" pitchFamily="49" charset="0"/>
+                <a:cs typeface="Courier New" panose="02070309020205020404" pitchFamily="49" charset="0"/>
+              </a:rPr>
+              <a:t>students</a:t>
+            </a:r>
+            <a:r>
+              <a:rPr lang="it-IT" sz="1200" dirty="0">
+                <a:solidFill>
+                  <a:schemeClr val="tx1">
+                    <a:lumMod val="95000"/>
+                    <a:lumOff val="5000"/>
+                  </a:schemeClr>
+                </a:solidFill>
+                <a:latin typeface="Courier New" panose="02070309020205020404" pitchFamily="49" charset="0"/>
+                <a:cs typeface="Courier New" panose="02070309020205020404" pitchFamily="49" charset="0"/>
+              </a:rPr>
+              <a:t>)</a:t>
+            </a:r>
+          </a:p>
+          <a:p>
+            <a:endParaRPr lang="it-IT" sz="900" dirty="0">
+              <a:solidFill>
+                <a:schemeClr val="bg1">
+                  <a:lumMod val="50000"/>
+                </a:schemeClr>
+              </a:solidFill>
+              <a:latin typeface="Courier New" panose="02070309020205020404" pitchFamily="49" charset="0"/>
+              <a:cs typeface="Courier New" panose="02070309020205020404" pitchFamily="49" charset="0"/>
+            </a:endParaRPr>
+          </a:p>
         </p:txBody>
       </p:sp>
     </p:spTree>
     <p:extLst>
       <p:ext uri="{BB962C8B-B14F-4D97-AF65-F5344CB8AC3E}">
-        <p14:creationId xmlns:p14="http://schemas.microsoft.com/office/powerpoint/2010/main" val="3312464590"/>
+        <p14:creationId xmlns:p14="http://schemas.microsoft.com/office/powerpoint/2010/main" val="2530630329"/>
       </p:ext>
     </p:extLst>
   </p:cSld>
   <p:clrMapOvr>
     <a:masterClrMapping/>
   </p:clrMapOvr>
-  <p:timing>
-    <p:tnLst>
-      <p:par>
-        <p:cTn id="1" dur="indefinite" restart="never" nodeType="tmRoot"/>
-      </p:par>
-    </p:tnLst>
-  </p:timing>
 </p:sld>
 </file>
 
@@ -6027,7 +6042,13 @@
       </p:grpSpPr>
       <p:sp>
         <p:nvSpPr>
-          <p:cNvPr id="2" name="Titolo 1"/>
+          <p:cNvPr id="2" name="Titolo 1">
+            <a:extLst>
+              <a:ext uri="{FF2B5EF4-FFF2-40B4-BE49-F238E27FC236}">
+                <a16:creationId xmlns:a16="http://schemas.microsoft.com/office/drawing/2014/main" id="{A2D4967C-09DD-4EA6-AC32-17512312F7E2}"/>
+              </a:ext>
+            </a:extLst>
+          </p:cNvPr>
           <p:cNvSpPr>
             <a:spLocks noGrp="1"/>
           </p:cNvSpPr>
@@ -6037,29 +6058,36 @@
         </p:nvSpPr>
         <p:spPr/>
         <p:txBody>
-          <a:bodyPr/>
+          <a:bodyPr>
+            <a:noAutofit/>
+          </a:bodyPr>
           <a:lstStyle/>
           <a:p>
-            <a:pPr algn="ctr"/>
-            <a:r>
-              <a:rPr lang="it-IT" b="1" dirty="0"/>
+            <a:r>
+              <a:rPr lang="it-IT" sz="2700" b="1" dirty="0"/>
               <a:t>DATA UNDERSTANDING: </a:t>
             </a:r>
             <a:r>
-              <a:rPr lang="it-IT" sz="2800" dirty="0"/>
+              <a:rPr lang="it-IT" sz="2700" dirty="0"/>
               <a:t>TECNICHE DI VISUALIZZAZIONE</a:t>
             </a:r>
             <a:r>
-              <a:rPr lang="it-IT" sz="2800" b="1" dirty="0"/>
+              <a:rPr lang="it-IT" sz="2700" b="1" dirty="0"/>
               <a:t> </a:t>
             </a:r>
-            <a:endParaRPr lang="it-IT" sz="2800" dirty="0"/>
-          </a:p>
-        </p:txBody>
-      </p:sp>
-      <p:sp>
-        <p:nvSpPr>
-          <p:cNvPr id="3" name="Segnaposto contenuto 2"/>
+            <a:endParaRPr lang="en-US" sz="2700" dirty="0"/>
+          </a:p>
+        </p:txBody>
+      </p:sp>
+      <p:sp>
+        <p:nvSpPr>
+          <p:cNvPr id="3" name="Segnaposto contenuto 2">
+            <a:extLst>
+              <a:ext uri="{FF2B5EF4-FFF2-40B4-BE49-F238E27FC236}">
+                <a16:creationId xmlns:a16="http://schemas.microsoft.com/office/drawing/2014/main" id="{23407BAC-789A-4215-9D0F-526E6C25FC7F}"/>
+              </a:ext>
+            </a:extLst>
+          </p:cNvPr>
           <p:cNvSpPr>
             <a:spLocks noGrp="1"/>
           </p:cNvSpPr>
@@ -6076,92 +6104,84 @@
           <a:p>
             <a:pPr algn="just"/>
             <a:r>
-              <a:rPr lang="it-IT" dirty="0" smtClean="0"/>
-              <a:t>Dato l’elevato numero degli attributi del </a:t>
-            </a:r>
-            <a:r>
-              <a:rPr lang="it-IT" dirty="0" err="1" smtClean="0"/>
-              <a:t>dataset</a:t>
-            </a:r>
-            <a:r>
-              <a:rPr lang="it-IT" dirty="0" smtClean="0"/>
-              <a:t>, è stato necessario fare delle scelte relative a cosa visualizzare – e con quale tecnica.</a:t>
-            </a:r>
+              <a:rPr lang="it-IT" sz="2000" dirty="0"/>
+              <a:t>Dato l’elevato numero degli attributi del dataset, è stato necessario fare delle scelte relative a cosa visualizzare – e con quale tecnica.</a:t>
+            </a:r>
+          </a:p>
+          <a:p>
+            <a:pPr marL="0" indent="0" algn="just">
+              <a:buNone/>
+            </a:pPr>
+            <a:endParaRPr lang="it-IT" sz="2000" dirty="0"/>
           </a:p>
           <a:p>
             <a:pPr algn="just"/>
             <a:r>
-              <a:rPr lang="it-IT" dirty="0" smtClean="0"/>
-              <a:t>Le scelte sono state compiute su base intuitiva a seguito di un’analisi sommaria delle caratteristiche del </a:t>
-            </a:r>
-            <a:r>
-              <a:rPr lang="it-IT" dirty="0" err="1" smtClean="0"/>
-              <a:t>dataset</a:t>
-            </a:r>
-            <a:r>
-              <a:rPr lang="it-IT" dirty="0" smtClean="0"/>
-              <a:t>.</a:t>
-            </a:r>
+              <a:rPr lang="it-IT" sz="2000" dirty="0"/>
+              <a:t>Le scelte sono state compiute su base intuitiva a seguito di un’analisi sommaria delle caratteristiche del dataset.</a:t>
+            </a:r>
+          </a:p>
+          <a:p>
+            <a:pPr marL="0" indent="0" algn="just">
+              <a:buNone/>
+            </a:pPr>
+            <a:endParaRPr lang="it-IT" sz="2000" dirty="0"/>
           </a:p>
           <a:p>
             <a:pPr algn="just"/>
             <a:r>
-              <a:rPr lang="it-IT" dirty="0" smtClean="0"/>
-              <a:t>È stato quindi deciso di effettuare una ricerca visiva di correlazioni fra valori di attributi relativi:</a:t>
+              <a:rPr lang="it-IT" sz="2000" dirty="0"/>
+              <a:t>È stato quindi deciso di effettuare una ricerca visiva di correlazioni fra valori di attributi relativi a:</a:t>
             </a:r>
           </a:p>
           <a:p>
             <a:pPr lvl="1" algn="just"/>
             <a:r>
-              <a:rPr lang="it-IT" dirty="0" smtClean="0">
+              <a:rPr lang="it-IT" sz="2000" dirty="0">
                 <a:solidFill>
                   <a:srgbClr val="0070C0"/>
                 </a:solidFill>
               </a:rPr>
-              <a:t>Alle prestazioni generali degli studenti durante tutto il periodo esaminato</a:t>
+              <a:t>Prestazioni generali degli studenti durante tutto il periodo esaminato</a:t>
             </a:r>
           </a:p>
           <a:p>
             <a:pPr lvl="1" algn="just"/>
             <a:r>
-              <a:rPr lang="it-IT" dirty="0" smtClean="0">
+              <a:rPr lang="it-IT" sz="2000" dirty="0">
                 <a:solidFill>
                   <a:srgbClr val="0070C0"/>
                 </a:solidFill>
               </a:rPr>
-              <a:t>Alle prestazioni nei singoli esami</a:t>
+              <a:t>Prestazioni nei singoli esami</a:t>
             </a:r>
           </a:p>
           <a:p>
             <a:pPr lvl="1" algn="just"/>
             <a:r>
-              <a:rPr lang="it-IT" dirty="0" smtClean="0">
+              <a:rPr lang="it-IT" sz="2000" dirty="0">
                 <a:solidFill>
                   <a:srgbClr val="0070C0"/>
                 </a:solidFill>
               </a:rPr>
-              <a:t>Ai risultati di gruppi di esami</a:t>
-            </a:r>
+              <a:t>Risultati di gruppi di esami</a:t>
+            </a:r>
+          </a:p>
+          <a:p>
+            <a:endParaRPr lang="en-US" sz="2000" dirty="0"/>
           </a:p>
         </p:txBody>
       </p:sp>
     </p:spTree>
     <p:extLst>
       <p:ext uri="{BB962C8B-B14F-4D97-AF65-F5344CB8AC3E}">
-        <p14:creationId xmlns:p14="http://schemas.microsoft.com/office/powerpoint/2010/main" val="1544404110"/>
+        <p14:creationId xmlns:p14="http://schemas.microsoft.com/office/powerpoint/2010/main" val="529427341"/>
       </p:ext>
     </p:extLst>
   </p:cSld>
   <p:clrMapOvr>
     <a:masterClrMapping/>
   </p:clrMapOvr>
-  <p:timing>
-    <p:tnLst>
-      <p:par>
-        <p:cTn id="1" dur="indefinite" restart="never" nodeType="tmRoot"/>
-      </p:par>
-    </p:tnLst>
-  </p:timing>
 </p:sld>
 </file>
 
@@ -6176,44 +6196,44 @@
         <a:sysClr val="window" lastClr="FFFFFF"/>
       </a:lt1>
       <a:dk2>
-        <a:srgbClr val="44546A"/>
+        <a:srgbClr val="1F497D"/>
       </a:dk2>
       <a:lt2>
-        <a:srgbClr val="E7E6E6"/>
+        <a:srgbClr val="EEECE1"/>
       </a:lt2>
       <a:accent1>
-        <a:srgbClr val="5B9BD5"/>
+        <a:srgbClr val="4F81BD"/>
       </a:accent1>
       <a:accent2>
-        <a:srgbClr val="ED7D31"/>
+        <a:srgbClr val="C0504D"/>
       </a:accent2>
       <a:accent3>
-        <a:srgbClr val="A5A5A5"/>
+        <a:srgbClr val="9BBB59"/>
       </a:accent3>
       <a:accent4>
-        <a:srgbClr val="FFC000"/>
+        <a:srgbClr val="8064A2"/>
       </a:accent4>
       <a:accent5>
-        <a:srgbClr val="4472C4"/>
+        <a:srgbClr val="4BACC6"/>
       </a:accent5>
       <a:accent6>
-        <a:srgbClr val="70AD47"/>
+        <a:srgbClr val="F79646"/>
       </a:accent6>
       <a:hlink>
-        <a:srgbClr val="0563C1"/>
+        <a:srgbClr val="0000FF"/>
       </a:hlink>
       <a:folHlink>
-        <a:srgbClr val="954F72"/>
+        <a:srgbClr val="800080"/>
       </a:folHlink>
     </a:clrScheme>
     <a:fontScheme name="Office">
       <a:majorFont>
-        <a:latin typeface="Calibri Light" panose="020F0302020204030204"/>
+        <a:latin typeface="Calibri"/>
         <a:ea typeface=""/>
         <a:cs typeface=""/>
-        <a:font script="Jpan" typeface="游ゴシック Light"/>
+        <a:font script="Jpan" typeface="ＭＳ Ｐゴシック"/>
         <a:font script="Hang" typeface="맑은 고딕"/>
-        <a:font script="Hans" typeface="等线 Light"/>
+        <a:font script="Hans" typeface="宋体"/>
         <a:font script="Hant" typeface="新細明體"/>
         <a:font script="Arab" typeface="Times New Roman"/>
         <a:font script="Hebr" typeface="Times New Roman"/>
@@ -6240,15 +6260,14 @@
         <a:font script="Mong" typeface="Mongolian Baiti"/>
         <a:font script="Viet" typeface="Times New Roman"/>
         <a:font script="Uigh" typeface="Microsoft Uighur"/>
-        <a:font script="Geor" typeface="Sylfaen"/>
       </a:majorFont>
       <a:minorFont>
-        <a:latin typeface="Calibri" panose="020F0502020204030204"/>
+        <a:latin typeface="Calibri"/>
         <a:ea typeface=""/>
         <a:cs typeface=""/>
-        <a:font script="Jpan" typeface="游ゴシック"/>
+        <a:font script="Jpan" typeface="ＭＳ Ｐゴシック"/>
         <a:font script="Hang" typeface="맑은 고딕"/>
-        <a:font script="Hans" typeface="等线"/>
+        <a:font script="Hans" typeface="宋体"/>
         <a:font script="Hant" typeface="新細明體"/>
         <a:font script="Arab" typeface="Arial"/>
         <a:font script="Hebr" typeface="Arial"/>
@@ -6275,7 +6294,6 @@
         <a:font script="Mong" typeface="Mongolian Baiti"/>
         <a:font script="Viet" typeface="Arial"/>
         <a:font script="Uigh" typeface="Microsoft Uighur"/>
-        <a:font script="Geor" typeface="Sylfaen"/>
       </a:minorFont>
     </a:fontScheme>
     <a:fmtScheme name="Office">
@@ -6287,141 +6305,200 @@
           <a:gsLst>
             <a:gs pos="0">
               <a:schemeClr val="phClr">
-                <a:lumMod val="110000"/>
-                <a:satMod val="105000"/>
-                <a:tint val="67000"/>
+                <a:tint val="50000"/>
+                <a:satMod val="300000"/>
               </a:schemeClr>
             </a:gs>
-            <a:gs pos="50000">
+            <a:gs pos="35000">
               <a:schemeClr val="phClr">
-                <a:lumMod val="105000"/>
-                <a:satMod val="103000"/>
-                <a:tint val="73000"/>
+                <a:tint val="37000"/>
+                <a:satMod val="300000"/>
               </a:schemeClr>
             </a:gs>
             <a:gs pos="100000">
               <a:schemeClr val="phClr">
-                <a:lumMod val="105000"/>
-                <a:satMod val="109000"/>
-                <a:tint val="81000"/>
+                <a:tint val="15000"/>
+                <a:satMod val="350000"/>
               </a:schemeClr>
             </a:gs>
           </a:gsLst>
-          <a:lin ang="5400000" scaled="0"/>
+          <a:lin ang="16200000" scaled="1"/>
         </a:gradFill>
         <a:gradFill rotWithShape="1">
           <a:gsLst>
             <a:gs pos="0">
               <a:schemeClr val="phClr">
-                <a:satMod val="103000"/>
-                <a:lumMod val="102000"/>
-                <a:tint val="94000"/>
-              </a:schemeClr>
-            </a:gs>
-            <a:gs pos="50000">
-              <a:schemeClr val="phClr">
-                <a:satMod val="110000"/>
-                <a:lumMod val="100000"/>
+                <a:tint val="100000"/>
                 <a:shade val="100000"/>
+                <a:satMod val="130000"/>
               </a:schemeClr>
             </a:gs>
             <a:gs pos="100000">
               <a:schemeClr val="phClr">
-                <a:lumMod val="99000"/>
-                <a:satMod val="120000"/>
-                <a:shade val="78000"/>
+                <a:tint val="50000"/>
+                <a:shade val="100000"/>
+                <a:satMod val="350000"/>
               </a:schemeClr>
             </a:gs>
           </a:gsLst>
-          <a:lin ang="5400000" scaled="0"/>
+          <a:lin ang="16200000" scaled="0"/>
         </a:gradFill>
       </a:fillStyleLst>
       <a:lnStyleLst>
-        <a:ln w="6350" cap="flat" cmpd="sng" algn="ctr">
+        <a:ln w="9525" cap="flat" cmpd="sng" algn="ctr">
+          <a:solidFill>
+            <a:schemeClr val="phClr">
+              <a:shade val="95000"/>
+              <a:satMod val="105000"/>
+            </a:schemeClr>
+          </a:solidFill>
+          <a:prstDash val="solid"/>
+        </a:ln>
+        <a:ln w="25400" cap="flat" cmpd="sng" algn="ctr">
           <a:solidFill>
             <a:schemeClr val="phClr"/>
           </a:solidFill>
           <a:prstDash val="solid"/>
-          <a:miter lim="800000"/>
         </a:ln>
-        <a:ln w="12700" cap="flat" cmpd="sng" algn="ctr">
+        <a:ln w="38100" cap="flat" cmpd="sng" algn="ctr">
           <a:solidFill>
             <a:schemeClr val="phClr"/>
           </a:solidFill>
           <a:prstDash val="solid"/>
-          <a:miter lim="800000"/>
-        </a:ln>
-        <a:ln w="19050" cap="flat" cmpd="sng" algn="ctr">
-          <a:solidFill>
-            <a:schemeClr val="phClr"/>
-          </a:solidFill>
-          <a:prstDash val="solid"/>
-          <a:miter lim="800000"/>
         </a:ln>
       </a:lnStyleLst>
       <a:effectStyleLst>
         <a:effectStyle>
-          <a:effectLst/>
-        </a:effectStyle>
-        <a:effectStyle>
-          <a:effectLst/>
+          <a:effectLst>
+            <a:outerShdw blurRad="40000" dist="20000" dir="5400000" rotWithShape="0">
+              <a:srgbClr val="000000">
+                <a:alpha val="38000"/>
+              </a:srgbClr>
+            </a:outerShdw>
+          </a:effectLst>
         </a:effectStyle>
         <a:effectStyle>
           <a:effectLst>
-            <a:outerShdw blurRad="57150" dist="19050" dir="5400000" algn="ctr" rotWithShape="0">
+            <a:outerShdw blurRad="40000" dist="23000" dir="5400000" rotWithShape="0">
               <a:srgbClr val="000000">
-                <a:alpha val="63000"/>
+                <a:alpha val="35000"/>
               </a:srgbClr>
             </a:outerShdw>
           </a:effectLst>
+        </a:effectStyle>
+        <a:effectStyle>
+          <a:effectLst>
+            <a:outerShdw blurRad="40000" dist="23000" dir="5400000" rotWithShape="0">
+              <a:srgbClr val="000000">
+                <a:alpha val="35000"/>
+              </a:srgbClr>
+            </a:outerShdw>
+          </a:effectLst>
+          <a:scene3d>
+            <a:camera prst="orthographicFront">
+              <a:rot lat="0" lon="0" rev="0"/>
+            </a:camera>
+            <a:lightRig rig="threePt" dir="t">
+              <a:rot lat="0" lon="0" rev="1200000"/>
+            </a:lightRig>
+          </a:scene3d>
+          <a:sp3d>
+            <a:bevelT w="63500" h="25400"/>
+          </a:sp3d>
         </a:effectStyle>
       </a:effectStyleLst>
       <a:bgFillStyleLst>
         <a:solidFill>
           <a:schemeClr val="phClr"/>
         </a:solidFill>
-        <a:solidFill>
-          <a:schemeClr val="phClr">
-            <a:tint val="95000"/>
-            <a:satMod val="170000"/>
-          </a:schemeClr>
-        </a:solidFill>
         <a:gradFill rotWithShape="1">
           <a:gsLst>
             <a:gs pos="0">
               <a:schemeClr val="phClr">
-                <a:tint val="93000"/>
-                <a:satMod val="150000"/>
-                <a:shade val="98000"/>
-                <a:lumMod val="102000"/>
+                <a:tint val="40000"/>
+                <a:satMod val="350000"/>
               </a:schemeClr>
             </a:gs>
-            <a:gs pos="50000">
+            <a:gs pos="40000">
               <a:schemeClr val="phClr">
-                <a:tint val="98000"/>
-                <a:satMod val="130000"/>
-                <a:shade val="90000"/>
-                <a:lumMod val="103000"/>
+                <a:tint val="45000"/>
+                <a:shade val="99000"/>
+                <a:satMod val="350000"/>
               </a:schemeClr>
             </a:gs>
             <a:gs pos="100000">
               <a:schemeClr val="phClr">
-                <a:shade val="63000"/>
-                <a:satMod val="120000"/>
+                <a:shade val="20000"/>
+                <a:satMod val="255000"/>
               </a:schemeClr>
             </a:gs>
           </a:gsLst>
-          <a:lin ang="5400000" scaled="0"/>
+          <a:path path="circle">
+            <a:fillToRect l="50000" t="-80000" r="50000" b="180000"/>
+          </a:path>
+        </a:gradFill>
+        <a:gradFill rotWithShape="1">
+          <a:gsLst>
+            <a:gs pos="0">
+              <a:schemeClr val="phClr">
+                <a:tint val="80000"/>
+                <a:satMod val="300000"/>
+              </a:schemeClr>
+            </a:gs>
+            <a:gs pos="100000">
+              <a:schemeClr val="phClr">
+                <a:shade val="30000"/>
+                <a:satMod val="200000"/>
+              </a:schemeClr>
+            </a:gs>
+          </a:gsLst>
+          <a:path path="circle">
+            <a:fillToRect l="50000" t="50000" r="50000" b="50000"/>
+          </a:path>
         </a:gradFill>
       </a:bgFillStyleLst>
     </a:fmtScheme>
   </a:themeElements>
-  <a:objectDefaults/>
+  <a:objectDefaults>
+    <a:spDef>
+      <a:spPr/>
+      <a:bodyPr/>
+      <a:lstStyle/>
+      <a:style>
+        <a:lnRef idx="1">
+          <a:schemeClr val="accent1"/>
+        </a:lnRef>
+        <a:fillRef idx="3">
+          <a:schemeClr val="accent1"/>
+        </a:fillRef>
+        <a:effectRef idx="2">
+          <a:schemeClr val="accent1"/>
+        </a:effectRef>
+        <a:fontRef idx="minor">
+          <a:schemeClr val="lt1"/>
+        </a:fontRef>
+      </a:style>
+    </a:spDef>
+    <a:lnDef>
+      <a:spPr/>
+      <a:bodyPr/>
+      <a:lstStyle/>
+      <a:style>
+        <a:lnRef idx="2">
+          <a:schemeClr val="accent1"/>
+        </a:lnRef>
+        <a:fillRef idx="0">
+          <a:schemeClr val="accent1"/>
+        </a:fillRef>
+        <a:effectRef idx="1">
+          <a:schemeClr val="accent1"/>
+        </a:effectRef>
+        <a:fontRef idx="minor">
+          <a:schemeClr val="tx1"/>
+        </a:fontRef>
+      </a:style>
+    </a:lnDef>
+  </a:objectDefaults>
   <a:extraClrSchemeLst/>
-  <a:extLst>
-    <a:ext uri="{05A4C25C-085E-4340-85A3-A5531E510DB2}">
-      <thm15:themeFamily xmlns:thm15="http://schemas.microsoft.com/office/thememl/2012/main" name="Office Theme" id="{62F939B6-93AF-4DB8-9C6B-D6C7DFDC589F}" vid="{4A3C46E8-61CC-4603-A589-7422A47A8E4A}"/>
-    </a:ext>
-  </a:extLst>
 </a:theme>
 </file>
--- a/relazione.pptx
+++ b/relazione.pptx
@@ -10,6 +10,7 @@
     <p:sldId id="259" r:id="rId4"/>
     <p:sldId id="260" r:id="rId5"/>
     <p:sldId id="261" r:id="rId6"/>
+    <p:sldId id="262" r:id="rId7"/>
   </p:sldIdLst>
   <p:sldSz cx="9144000" cy="6858000" type="screen4x3"/>
   <p:notesSz cx="6858000" cy="9144000"/>
@@ -3287,7 +3288,7 @@
         </p:nvSpPr>
         <p:spPr>
           <a:xfrm>
-            <a:off x="457200" y="1371600"/>
+            <a:off x="457200" y="838200"/>
             <a:ext cx="8229600" cy="857250"/>
           </a:xfrm>
         </p:spPr>
@@ -3576,43 +3577,6 @@
           <a:chExt cx="0" cy="0"/>
         </a:xfrm>
       </p:grpSpPr>
-      <p:sp>
-        <p:nvSpPr>
-          <p:cNvPr id="2" name="Titolo 1">
-            <a:extLst>
-              <a:ext uri="{FF2B5EF4-FFF2-40B4-BE49-F238E27FC236}">
-                <a16:creationId xmlns:a16="http://schemas.microsoft.com/office/drawing/2014/main" id="{A9E5E19C-A471-4F4F-AC04-6DE78354DD6C}"/>
-              </a:ext>
-            </a:extLst>
-          </p:cNvPr>
-          <p:cNvSpPr>
-            <a:spLocks noGrp="1"/>
-          </p:cNvSpPr>
-          <p:nvPr>
-            <p:ph type="title"/>
-          </p:nvPr>
-        </p:nvSpPr>
-        <p:spPr/>
-        <p:txBody>
-          <a:bodyPr/>
-          <a:lstStyle/>
-          <a:p>
-            <a:r>
-              <a:rPr lang="it-IT" b="1" dirty="0"/>
-              <a:t>DATA UNDERSTANDING: </a:t>
-            </a:r>
-            <a:r>
-              <a:rPr lang="it-IT" dirty="0"/>
-              <a:t>DATASET</a:t>
-            </a:r>
-            <a:r>
-              <a:rPr lang="it-IT" b="1" dirty="0"/>
-              <a:t> </a:t>
-            </a:r>
-            <a:endParaRPr lang="en-US" dirty="0"/>
-          </a:p>
-        </p:txBody>
-      </p:sp>
       <p:graphicFrame>
         <p:nvGraphicFramePr>
           <p:cNvPr id="4" name="Segnaposto contenuto 3">
@@ -5375,6 +5339,66 @@
           </a:p>
         </p:txBody>
       </p:sp>
+      <p:sp>
+        <p:nvSpPr>
+          <p:cNvPr id="11" name="Titolo 1">
+            <a:extLst>
+              <a:ext uri="{FF2B5EF4-FFF2-40B4-BE49-F238E27FC236}">
+                <a16:creationId xmlns:a16="http://schemas.microsoft.com/office/drawing/2014/main" id="{E4B142F6-989A-44B5-AF67-3A1BB4088781}"/>
+              </a:ext>
+            </a:extLst>
+          </p:cNvPr>
+          <p:cNvSpPr txBox="1">
+            <a:spLocks/>
+          </p:cNvSpPr>
+          <p:nvPr/>
+        </p:nvSpPr>
+        <p:spPr>
+          <a:xfrm>
+            <a:off x="457200" y="838200"/>
+            <a:ext cx="8229600" cy="857250"/>
+          </a:xfrm>
+          <a:prstGeom prst="rect">
+            <a:avLst/>
+          </a:prstGeom>
+        </p:spPr>
+        <p:txBody>
+          <a:bodyPr vert="horz" lIns="91440" tIns="45720" rIns="91440" bIns="45720" rtlCol="0" anchor="ctr">
+            <a:normAutofit/>
+          </a:bodyPr>
+          <a:lstStyle>
+            <a:lvl1pPr algn="ctr" defTabSz="342900" rtl="0" eaLnBrk="1" latinLnBrk="0" hangingPunct="1">
+              <a:spcBef>
+                <a:spcPct val="0"/>
+              </a:spcBef>
+              <a:buNone/>
+              <a:defRPr sz="3300" kern="1200">
+                <a:solidFill>
+                  <a:schemeClr val="tx1"/>
+                </a:solidFill>
+                <a:latin typeface="+mj-lt"/>
+                <a:ea typeface="+mj-ea"/>
+                <a:cs typeface="+mj-cs"/>
+              </a:defRPr>
+            </a:lvl1pPr>
+          </a:lstStyle>
+          <a:p>
+            <a:r>
+              <a:rPr lang="it-IT" b="1"/>
+              <a:t>DATA UNDERSTANDING: </a:t>
+            </a:r>
+            <a:r>
+              <a:rPr lang="it-IT"/>
+              <a:t>DATASET</a:t>
+            </a:r>
+            <a:r>
+              <a:rPr lang="it-IT" b="1"/>
+              <a:t> </a:t>
+            </a:r>
+            <a:endParaRPr lang="en-US" dirty="0"/>
+          </a:p>
+        </p:txBody>
+      </p:sp>
     </p:spTree>
     <p:extLst>
       <p:ext uri="{BB962C8B-B14F-4D97-AF65-F5344CB8AC3E}">
@@ -6176,6 +6200,106 @@
     <p:extLst>
       <p:ext uri="{BB962C8B-B14F-4D97-AF65-F5344CB8AC3E}">
         <p14:creationId xmlns:p14="http://schemas.microsoft.com/office/powerpoint/2010/main" val="529427341"/>
+      </p:ext>
+    </p:extLst>
+  </p:cSld>
+  <p:clrMapOvr>
+    <a:masterClrMapping/>
+  </p:clrMapOvr>
+</p:sld>
+</file>
+
+<file path=ppt/slides/slide6.xml><?xml version="1.0" encoding="utf-8"?>
+<p:sld xmlns:a="http://schemas.openxmlformats.org/drawingml/2006/main" xmlns:r="http://schemas.openxmlformats.org/officeDocument/2006/relationships" xmlns:p="http://schemas.openxmlformats.org/presentationml/2006/main">
+  <p:cSld>
+    <p:spTree>
+      <p:nvGrpSpPr>
+        <p:cNvPr id="1" name=""/>
+        <p:cNvGrpSpPr/>
+        <p:nvPr/>
+      </p:nvGrpSpPr>
+      <p:grpSpPr>
+        <a:xfrm>
+          <a:off x="0" y="0"/>
+          <a:ext cx="0" cy="0"/>
+          <a:chOff x="0" y="0"/>
+          <a:chExt cx="0" cy="0"/>
+        </a:xfrm>
+      </p:grpSpPr>
+      <p:sp>
+        <p:nvSpPr>
+          <p:cNvPr id="2" name="Titolo 1">
+            <a:extLst>
+              <a:ext uri="{FF2B5EF4-FFF2-40B4-BE49-F238E27FC236}">
+                <a16:creationId xmlns:a16="http://schemas.microsoft.com/office/drawing/2014/main" id="{866C4E33-318F-45C6-90C3-7F33D8AF9E45}"/>
+              </a:ext>
+            </a:extLst>
+          </p:cNvPr>
+          <p:cNvSpPr>
+            <a:spLocks noGrp="1"/>
+          </p:cNvSpPr>
+          <p:nvPr>
+            <p:ph type="title"/>
+          </p:nvPr>
+        </p:nvSpPr>
+        <p:spPr/>
+        <p:txBody>
+          <a:bodyPr/>
+          <a:lstStyle/>
+          <a:p>
+            <a:endParaRPr lang="en-US"/>
+          </a:p>
+        </p:txBody>
+      </p:sp>
+      <p:sp>
+        <p:nvSpPr>
+          <p:cNvPr id="3" name="Segnaposto contenuto 2">
+            <a:extLst>
+              <a:ext uri="{FF2B5EF4-FFF2-40B4-BE49-F238E27FC236}">
+                <a16:creationId xmlns:a16="http://schemas.microsoft.com/office/drawing/2014/main" id="{FE7ABC2F-9BF7-4B30-841B-5A6ECB846BB6}"/>
+              </a:ext>
+            </a:extLst>
+          </p:cNvPr>
+          <p:cNvSpPr>
+            <a:spLocks noGrp="1"/>
+          </p:cNvSpPr>
+          <p:nvPr>
+            <p:ph idx="1"/>
+          </p:nvPr>
+        </p:nvSpPr>
+        <p:spPr/>
+        <p:txBody>
+          <a:bodyPr/>
+          <a:lstStyle/>
+          <a:p>
+            <a:r>
+              <a:rPr lang="it-IT" dirty="0" err="1"/>
+              <a:t>Pearson</a:t>
+            </a:r>
+            <a:r>
+              <a:rPr lang="it-IT" dirty="0"/>
+              <a:t> </a:t>
+            </a:r>
+            <a:r>
+              <a:rPr lang="it-IT" dirty="0" err="1"/>
+              <a:t>correlation</a:t>
+            </a:r>
+            <a:r>
+              <a:rPr lang="it-IT" dirty="0"/>
+              <a:t> analizza le </a:t>
+            </a:r>
+            <a:r>
+              <a:rPr lang="it-IT"/>
+              <a:t>relazioni monotone</a:t>
+            </a:r>
+            <a:endParaRPr lang="en-US"/>
+          </a:p>
+        </p:txBody>
+      </p:sp>
+    </p:spTree>
+    <p:extLst>
+      <p:ext uri="{BB962C8B-B14F-4D97-AF65-F5344CB8AC3E}">
+        <p14:creationId xmlns:p14="http://schemas.microsoft.com/office/powerpoint/2010/main" val="1226650102"/>
       </p:ext>
     </p:extLst>
   </p:cSld>

--- a/relazione.pptx
+++ b/relazione.pptx
@@ -3592,7 +3592,7 @@
           <p:nvPr>
             <p:extLst>
               <p:ext uri="{D42A27DB-BD31-4B8C-83A1-F6EECF244321}">
-                <p14:modId xmlns:p14="http://schemas.microsoft.com/office/powerpoint/2010/main" val="1233716285"/>
+                <p14:modId xmlns:p14="http://schemas.microsoft.com/office/powerpoint/2010/main" val="2417831910"/>
               </p:ext>
             </p:extLst>
           </p:nvPr>
@@ -3687,12 +3687,12 @@
                     <a:p>
                       <a:pPr algn="l" fontAlgn="b"/>
                       <a:r>
-                        <a:rPr lang="it-IT" sz="800" u="none" strike="noStrike">
+                        <a:rPr lang="it-IT" sz="1050" b="1" u="none" strike="noStrike">
                           <a:effectLst/>
                         </a:rPr>
                         <a:t>coorte</a:t>
                       </a:r>
-                      <a:endParaRPr lang="it-IT" sz="800" b="0" i="0" u="none" strike="noStrike">
+                      <a:endParaRPr lang="it-IT" sz="1050" b="1" i="0" u="none" strike="noStrike">
                         <a:solidFill>
                           <a:srgbClr val="000000"/>
                         </a:solidFill>
@@ -3710,12 +3710,12 @@
                     <a:p>
                       <a:pPr algn="l" fontAlgn="b"/>
                       <a:r>
-                        <a:rPr lang="it-IT" sz="800" u="none" strike="noStrike">
+                        <a:rPr lang="it-IT" sz="1050" b="1" u="none" strike="noStrike" dirty="0">
                           <a:effectLst/>
                         </a:rPr>
                         <a:t>test</a:t>
                       </a:r>
-                      <a:endParaRPr lang="it-IT" sz="800" b="0" i="0" u="none" strike="noStrike">
+                      <a:endParaRPr lang="it-IT" sz="1050" b="1" i="0" u="none" strike="noStrike" dirty="0">
                         <a:solidFill>
                           <a:srgbClr val="000000"/>
                         </a:solidFill>
@@ -3733,12 +3733,12 @@
                     <a:p>
                       <a:pPr algn="l" fontAlgn="b"/>
                       <a:r>
-                        <a:rPr lang="it-IT" sz="800" u="none" strike="noStrike" dirty="0" err="1">
+                        <a:rPr lang="it-IT" sz="1050" b="1" u="none" strike="noStrike" dirty="0" err="1">
                           <a:effectLst/>
                         </a:rPr>
                         <a:t>crediti_totali</a:t>
                       </a:r>
-                      <a:endParaRPr lang="it-IT" sz="800" b="0" i="0" u="none" strike="noStrike" dirty="0">
+                      <a:endParaRPr lang="it-IT" sz="1050" b="1" i="0" u="none" strike="noStrike" dirty="0">
                         <a:solidFill>
                           <a:srgbClr val="000000"/>
                         </a:solidFill>
@@ -3756,12 +3756,12 @@
                     <a:p>
                       <a:pPr algn="l" fontAlgn="b"/>
                       <a:r>
-                        <a:rPr lang="it-IT" sz="800" u="none" strike="noStrike">
+                        <a:rPr lang="it-IT" sz="1050" b="1" u="none" strike="noStrike">
                           <a:effectLst/>
                         </a:rPr>
                         <a:t>crediti_con_voto</a:t>
                       </a:r>
-                      <a:endParaRPr lang="it-IT" sz="800" b="0" i="0" u="none" strike="noStrike">
+                      <a:endParaRPr lang="it-IT" sz="1050" b="1" i="0" u="none" strike="noStrike">
                         <a:solidFill>
                           <a:srgbClr val="000000"/>
                         </a:solidFill>
@@ -3779,12 +3779,12 @@
                     <a:p>
                       <a:pPr algn="l" fontAlgn="b"/>
                       <a:r>
-                        <a:rPr lang="it-IT" sz="800" u="none" strike="noStrike">
+                        <a:rPr lang="it-IT" sz="1050" b="1" u="none" strike="noStrike">
                           <a:effectLst/>
                         </a:rPr>
                         <a:t>voto_medio</a:t>
                       </a:r>
-                      <a:endParaRPr lang="it-IT" sz="800" b="0" i="0" u="none" strike="noStrike">
+                      <a:endParaRPr lang="it-IT" sz="1050" b="1" i="0" u="none" strike="noStrike">
                         <a:solidFill>
                           <a:srgbClr val="000000"/>
                         </a:solidFill>
@@ -3802,12 +3802,12 @@
                     <a:p>
                       <a:pPr algn="l" fontAlgn="b"/>
                       <a:r>
-                        <a:rPr lang="it-IT" sz="800" u="none" strike="noStrike">
+                        <a:rPr lang="it-IT" sz="1050" b="1" u="none" strike="noStrike">
                           <a:effectLst/>
                         </a:rPr>
                         <a:t>ASD</a:t>
                       </a:r>
-                      <a:endParaRPr lang="it-IT" sz="800" b="0" i="0" u="none" strike="noStrike">
+                      <a:endParaRPr lang="it-IT" sz="1050" b="1" i="0" u="none" strike="noStrike">
                         <a:solidFill>
                           <a:srgbClr val="000000"/>
                         </a:solidFill>
@@ -3825,12 +3825,12 @@
                     <a:p>
                       <a:pPr algn="l" fontAlgn="b"/>
                       <a:r>
-                        <a:rPr lang="it-IT" sz="800" u="none" strike="noStrike">
+                        <a:rPr lang="it-IT" sz="1050" b="1" u="none" strike="noStrike">
                           <a:effectLst/>
                         </a:rPr>
                         <a:t>data_ASD</a:t>
                       </a:r>
-                      <a:endParaRPr lang="it-IT" sz="800" b="0" i="0" u="none" strike="noStrike">
+                      <a:endParaRPr lang="it-IT" sz="1050" b="1" i="0" u="none" strike="noStrike">
                         <a:solidFill>
                           <a:srgbClr val="000000"/>
                         </a:solidFill>
@@ -3848,12 +3848,12 @@
                     <a:p>
                       <a:pPr algn="l" fontAlgn="b"/>
                       <a:r>
-                        <a:rPr lang="it-IT" sz="800" u="none" strike="noStrike">
+                        <a:rPr lang="it-IT" sz="1050" b="1" u="none" strike="noStrike">
                           <a:effectLst/>
                         </a:rPr>
                         <a:t>ARC</a:t>
                       </a:r>
-                      <a:endParaRPr lang="it-IT" sz="800" b="0" i="0" u="none" strike="noStrike">
+                      <a:endParaRPr lang="it-IT" sz="1050" b="1" i="0" u="none" strike="noStrike">
                         <a:solidFill>
                           <a:srgbClr val="000000"/>
                         </a:solidFill>
@@ -3871,12 +3871,12 @@
                     <a:p>
                       <a:pPr algn="l" fontAlgn="b"/>
                       <a:r>
-                        <a:rPr lang="it-IT" sz="800" u="none" strike="noStrike">
+                        <a:rPr lang="it-IT" sz="1050" b="1" u="none" strike="noStrike" dirty="0" err="1">
                           <a:effectLst/>
                         </a:rPr>
                         <a:t>data_ARC</a:t>
                       </a:r>
-                      <a:endParaRPr lang="it-IT" sz="800" b="0" i="0" u="none" strike="noStrike">
+                      <a:endParaRPr lang="it-IT" sz="1050" b="1" i="0" u="none" strike="noStrike" dirty="0">
                         <a:solidFill>
                           <a:srgbClr val="000000"/>
                         </a:solidFill>
@@ -4479,12 +4479,12 @@
                     <a:p>
                       <a:pPr algn="r" fontAlgn="b"/>
                       <a:r>
-                        <a:rPr lang="it-IT" sz="800" u="none" strike="noStrike">
+                        <a:rPr lang="it-IT" sz="800" u="none" strike="noStrike" dirty="0">
                           <a:effectLst/>
                         </a:rPr>
                         <a:t>159</a:t>
                       </a:r>
-                      <a:endParaRPr lang="it-IT" sz="800" b="0" i="0" u="none" strike="noStrike">
+                      <a:endParaRPr lang="it-IT" sz="800" b="0" i="0" u="none" strike="noStrike" dirty="0">
                         <a:solidFill>
                           <a:srgbClr val="000000"/>
                         </a:solidFill>
@@ -5159,7 +5159,11 @@
           <a:p>
             <a:pPr algn="ctr"/>
             <a:r>
-              <a:rPr lang="it-IT" sz="1600" dirty="0"/>
+              <a:rPr lang="it-IT" sz="1600" dirty="0">
+                <a:solidFill>
+                  <a:srgbClr val="00B050"/>
+                </a:solidFill>
+              </a:rPr>
               <a:t>Attributi relativi alle prestazioni generali dello studente</a:t>
             </a:r>
           </a:p>
@@ -5179,8 +5183,8 @@
         </p:nvSpPr>
         <p:spPr>
           <a:xfrm>
-            <a:off x="5510579" y="2362200"/>
-            <a:ext cx="1553766" cy="584775"/>
+            <a:off x="5413525" y="2454532"/>
+            <a:ext cx="1807793" cy="646331"/>
           </a:xfrm>
           <a:prstGeom prst="rect">
             <a:avLst/>
@@ -5195,7 +5199,11 @@
           <a:p>
             <a:pPr algn="ctr"/>
             <a:r>
-              <a:rPr lang="it-IT" sz="1600" dirty="0"/>
+              <a:rPr lang="it-IT" dirty="0">
+                <a:solidFill>
+                  <a:srgbClr val="0070C0"/>
+                </a:solidFill>
+              </a:rPr>
               <a:t>Attributi relativi ai singoli esami</a:t>
             </a:r>
           </a:p>
@@ -5224,13 +5232,13 @@
         </p:spPr>
         <p:style>
           <a:lnRef idx="1">
-            <a:schemeClr val="accent1"/>
+            <a:schemeClr val="accent3"/>
           </a:lnRef>
           <a:fillRef idx="0">
-            <a:schemeClr val="accent1"/>
+            <a:schemeClr val="accent3"/>
           </a:fillRef>
           <a:effectRef idx="0">
-            <a:schemeClr val="accent1"/>
+            <a:schemeClr val="accent3"/>
           </a:effectRef>
           <a:fontRef idx="minor">
             <a:schemeClr val="tx1"/>
@@ -5241,7 +5249,11 @@
           <a:lstStyle/>
           <a:p>
             <a:pPr algn="ctr"/>
-            <a:endParaRPr lang="it-IT" sz="1350"/>
+            <a:endParaRPr lang="it-IT" sz="1350" dirty="0">
+              <a:solidFill>
+                <a:srgbClr val="00B050"/>
+              </a:solidFill>
+            </a:endParaRPr>
           </a:p>
         </p:txBody>
       </p:sp>
@@ -5259,8 +5271,8 @@
         </p:nvSpPr>
         <p:spPr>
           <a:xfrm rot="5400000">
-            <a:off x="5609557" y="2838142"/>
-            <a:ext cx="354860" cy="1000949"/>
+            <a:off x="5581753" y="2810339"/>
+            <a:ext cx="354860" cy="1056556"/>
           </a:xfrm>
           <a:prstGeom prst="leftBrace">
             <a:avLst>

--- a/relazione.pptx
+++ b/relazione.pptx
@@ -10,7 +10,10 @@
     <p:sldId id="259" r:id="rId4"/>
     <p:sldId id="260" r:id="rId5"/>
     <p:sldId id="261" r:id="rId6"/>
-    <p:sldId id="262" r:id="rId7"/>
+    <p:sldId id="264" r:id="rId7"/>
+    <p:sldId id="263" r:id="rId8"/>
+    <p:sldId id="265" r:id="rId9"/>
+    <p:sldId id="262" r:id="rId10"/>
   </p:sldIdLst>
   <p:sldSz cx="9144000" cy="6858000" type="screen4x3"/>
   <p:notesSz cx="6858000" cy="9144000"/>
@@ -5598,10 +5601,7 @@
             <a:r>
               <a:rPr lang="en-US" sz="1200" dirty="0" err="1">
                 <a:solidFill>
-                  <a:schemeClr val="tx1">
-                    <a:lumMod val="95000"/>
-                    <a:lumOff val="5000"/>
-                  </a:schemeClr>
+                  <a:srgbClr val="002060"/>
                 </a:solidFill>
                 <a:latin typeface="Courier New" panose="02070309020205020404" pitchFamily="49" charset="0"/>
                 <a:cs typeface="Courier New" panose="02070309020205020404" pitchFamily="49" charset="0"/>
@@ -5611,10 +5611,7 @@
             <a:r>
               <a:rPr lang="en-US" sz="1200" dirty="0">
                 <a:solidFill>
-                  <a:schemeClr val="tx1">
-                    <a:lumMod val="95000"/>
-                    <a:lumOff val="5000"/>
-                  </a:schemeClr>
+                  <a:srgbClr val="002060"/>
                 </a:solidFill>
                 <a:latin typeface="Courier New" panose="02070309020205020404" pitchFamily="49" charset="0"/>
                 <a:cs typeface="Courier New" panose="02070309020205020404" pitchFamily="49" charset="0"/>
@@ -5623,10 +5620,7 @@
             </a:r>
             <a:endParaRPr lang="it-IT" sz="1200" dirty="0">
               <a:solidFill>
-                <a:schemeClr val="tx1">
-                  <a:lumMod val="95000"/>
-                  <a:lumOff val="5000"/>
-                </a:schemeClr>
+                <a:srgbClr val="002060"/>
               </a:solidFill>
               <a:latin typeface="Courier New" panose="02070309020205020404" pitchFamily="49" charset="0"/>
               <a:cs typeface="Courier New" panose="02070309020205020404" pitchFamily="49" charset="0"/>
@@ -5636,10 +5630,7 @@
             <a:r>
               <a:rPr lang="it-IT" sz="1200" dirty="0" err="1">
                 <a:solidFill>
-                  <a:schemeClr val="tx1">
-                    <a:lumMod val="95000"/>
-                    <a:lumOff val="5000"/>
-                  </a:schemeClr>
+                  <a:srgbClr val="002060"/>
                 </a:solidFill>
                 <a:latin typeface="Courier New" panose="02070309020205020404" pitchFamily="49" charset="0"/>
                 <a:cs typeface="Courier New" panose="02070309020205020404" pitchFamily="49" charset="0"/>
@@ -5649,10 +5640,7 @@
             <a:r>
               <a:rPr lang="it-IT" sz="1200" dirty="0">
                 <a:solidFill>
-                  <a:schemeClr val="tx1">
-                    <a:lumMod val="95000"/>
-                    <a:lumOff val="5000"/>
-                  </a:schemeClr>
+                  <a:srgbClr val="002060"/>
                 </a:solidFill>
                 <a:latin typeface="Courier New" panose="02070309020205020404" pitchFamily="49" charset="0"/>
                 <a:cs typeface="Courier New" panose="02070309020205020404" pitchFamily="49" charset="0"/>
@@ -5701,10 +5689,7 @@
             <a:r>
               <a:rPr lang="en-US" sz="1200" dirty="0" err="1">
                 <a:solidFill>
-                  <a:schemeClr val="tx1">
-                    <a:lumMod val="95000"/>
-                    <a:lumOff val="5000"/>
-                  </a:schemeClr>
+                  <a:srgbClr val="002060"/>
                 </a:solidFill>
                 <a:latin typeface="Courier New" panose="02070309020205020404" pitchFamily="49" charset="0"/>
                 <a:cs typeface="Courier New" panose="02070309020205020404" pitchFamily="49" charset="0"/>
@@ -5714,10 +5699,7 @@
             <a:r>
               <a:rPr lang="en-US" sz="1200" dirty="0">
                 <a:solidFill>
-                  <a:schemeClr val="tx1">
-                    <a:lumMod val="95000"/>
-                    <a:lumOff val="5000"/>
-                  </a:schemeClr>
+                  <a:srgbClr val="002060"/>
                 </a:solidFill>
                 <a:latin typeface="Courier New" panose="02070309020205020404" pitchFamily="49" charset="0"/>
                 <a:cs typeface="Courier New" panose="02070309020205020404" pitchFamily="49" charset="0"/>
@@ -5726,10 +5708,7 @@
             </a:r>
             <a:endParaRPr lang="it-IT" sz="1200" dirty="0">
               <a:solidFill>
-                <a:schemeClr val="tx1">
-                  <a:lumMod val="95000"/>
-                  <a:lumOff val="5000"/>
-                </a:schemeClr>
+                <a:srgbClr val="002060"/>
               </a:solidFill>
               <a:latin typeface="Courier New" panose="02070309020205020404" pitchFamily="49" charset="0"/>
               <a:cs typeface="Courier New" panose="02070309020205020404" pitchFamily="49" charset="0"/>
@@ -5832,10 +5811,7 @@
             <a:r>
               <a:rPr lang="en-US" sz="1200" dirty="0">
                 <a:solidFill>
-                  <a:schemeClr val="tx1">
-                    <a:lumMod val="95000"/>
-                    <a:lumOff val="5000"/>
-                  </a:schemeClr>
+                  <a:srgbClr val="002060"/>
                 </a:solidFill>
                 <a:latin typeface="Courier New" panose="02070309020205020404" pitchFamily="49" charset="0"/>
                 <a:cs typeface="Courier New" panose="02070309020205020404" pitchFamily="49" charset="0"/>
@@ -5845,10 +5821,7 @@
             <a:r>
               <a:rPr lang="en-US" sz="1200" dirty="0" err="1">
                 <a:solidFill>
-                  <a:schemeClr val="tx1">
-                    <a:lumMod val="95000"/>
-                    <a:lumOff val="5000"/>
-                  </a:schemeClr>
+                  <a:srgbClr val="002060"/>
                 </a:solidFill>
                 <a:latin typeface="Courier New" panose="02070309020205020404" pitchFamily="49" charset="0"/>
                 <a:cs typeface="Courier New" panose="02070309020205020404" pitchFamily="49" charset="0"/>
@@ -5858,10 +5831,7 @@
             <a:r>
               <a:rPr lang="en-US" sz="1200" dirty="0">
                 <a:solidFill>
-                  <a:schemeClr val="tx1">
-                    <a:lumMod val="95000"/>
-                    <a:lumOff val="5000"/>
-                  </a:schemeClr>
+                  <a:srgbClr val="002060"/>
                 </a:solidFill>
                 <a:latin typeface="Courier New" panose="02070309020205020404" pitchFamily="49" charset="0"/>
                 <a:cs typeface="Courier New" panose="02070309020205020404" pitchFamily="49" charset="0"/>
@@ -5870,10 +5840,7 @@
             </a:r>
             <a:endParaRPr lang="it-IT" sz="1200" dirty="0">
               <a:solidFill>
-                <a:schemeClr val="tx1">
-                  <a:lumMod val="95000"/>
-                  <a:lumOff val="5000"/>
-                </a:schemeClr>
+                <a:srgbClr val="002060"/>
               </a:solidFill>
               <a:latin typeface="Courier New" panose="02070309020205020404" pitchFamily="49" charset="0"/>
               <a:cs typeface="Courier New" panose="02070309020205020404" pitchFamily="49" charset="0"/>
@@ -5929,10 +5896,7 @@
             <a:r>
               <a:rPr lang="it-IT" sz="1200" dirty="0" err="1">
                 <a:solidFill>
-                  <a:schemeClr val="tx1">
-                    <a:lumMod val="95000"/>
-                    <a:lumOff val="5000"/>
-                  </a:schemeClr>
+                  <a:srgbClr val="002060"/>
                 </a:solidFill>
                 <a:latin typeface="Courier New" panose="02070309020205020404" pitchFamily="49" charset="0"/>
                 <a:cs typeface="Courier New" panose="02070309020205020404" pitchFamily="49" charset="0"/>
@@ -5942,10 +5906,7 @@
             <a:r>
               <a:rPr lang="it-IT" sz="1200" dirty="0">
                 <a:solidFill>
-                  <a:schemeClr val="tx1">
-                    <a:lumMod val="95000"/>
-                    <a:lumOff val="5000"/>
-                  </a:schemeClr>
+                  <a:srgbClr val="002060"/>
                 </a:solidFill>
                 <a:latin typeface="Courier New" panose="02070309020205020404" pitchFamily="49" charset="0"/>
                 <a:cs typeface="Courier New" panose="02070309020205020404" pitchFamily="49" charset="0"/>
@@ -5955,10 +5916,7 @@
             <a:r>
               <a:rPr lang="it-IT" sz="1200" dirty="0" err="1">
                 <a:solidFill>
-                  <a:schemeClr val="tx1">
-                    <a:lumMod val="95000"/>
-                    <a:lumOff val="5000"/>
-                  </a:schemeClr>
+                  <a:srgbClr val="002060"/>
                 </a:solidFill>
                 <a:latin typeface="Courier New" panose="02070309020205020404" pitchFamily="49" charset="0"/>
                 <a:cs typeface="Courier New" panose="02070309020205020404" pitchFamily="49" charset="0"/>
@@ -5968,10 +5926,7 @@
             <a:r>
               <a:rPr lang="it-IT" sz="1200" dirty="0">
                 <a:solidFill>
-                  <a:schemeClr val="tx1">
-                    <a:lumMod val="95000"/>
-                    <a:lumOff val="5000"/>
-                  </a:schemeClr>
+                  <a:srgbClr val="002060"/>
                 </a:solidFill>
                 <a:latin typeface="Courier New" panose="02070309020205020404" pitchFamily="49" charset="0"/>
                 <a:cs typeface="Courier New" panose="02070309020205020404" pitchFamily="49" charset="0"/>
@@ -5983,10 +5938,7 @@
             <a:r>
               <a:rPr lang="it-IT" sz="1200" dirty="0" err="1">
                 <a:solidFill>
-                  <a:schemeClr val="tx1">
-                    <a:lumMod val="95000"/>
-                    <a:lumOff val="5000"/>
-                  </a:schemeClr>
+                  <a:srgbClr val="002060"/>
                 </a:solidFill>
                 <a:latin typeface="Courier New" panose="02070309020205020404" pitchFamily="49" charset="0"/>
                 <a:cs typeface="Courier New" panose="02070309020205020404" pitchFamily="49" charset="0"/>
@@ -5996,10 +5948,7 @@
             <a:r>
               <a:rPr lang="it-IT" sz="1200" dirty="0">
                 <a:solidFill>
-                  <a:schemeClr val="tx1">
-                    <a:lumMod val="95000"/>
-                    <a:lumOff val="5000"/>
-                  </a:schemeClr>
+                  <a:srgbClr val="002060"/>
                 </a:solidFill>
                 <a:latin typeface="Courier New" panose="02070309020205020404" pitchFamily="49" charset="0"/>
                 <a:cs typeface="Courier New" panose="02070309020205020404" pitchFamily="49" charset="0"/>
@@ -6009,10 +5958,7 @@
             <a:r>
               <a:rPr lang="it-IT" sz="1200" dirty="0" err="1">
                 <a:solidFill>
-                  <a:schemeClr val="tx1">
-                    <a:lumMod val="95000"/>
-                    <a:lumOff val="5000"/>
-                  </a:schemeClr>
+                  <a:srgbClr val="002060"/>
                 </a:solidFill>
                 <a:latin typeface="Courier New" panose="02070309020205020404" pitchFamily="49" charset="0"/>
                 <a:cs typeface="Courier New" panose="02070309020205020404" pitchFamily="49" charset="0"/>
@@ -6022,10 +5968,7 @@
             <a:r>
               <a:rPr lang="it-IT" sz="1200" dirty="0">
                 <a:solidFill>
-                  <a:schemeClr val="tx1">
-                    <a:lumMod val="95000"/>
-                    <a:lumOff val="5000"/>
-                  </a:schemeClr>
+                  <a:srgbClr val="002060"/>
                 </a:solidFill>
                 <a:latin typeface="Courier New" panose="02070309020205020404" pitchFamily="49" charset="0"/>
                 <a:cs typeface="Courier New" panose="02070309020205020404" pitchFamily="49" charset="0"/>
@@ -6173,23 +6116,47 @@
           <a:p>
             <a:pPr lvl="1" algn="just"/>
             <a:r>
+              <a:rPr lang="it-IT" sz="2000" b="1" dirty="0">
+                <a:solidFill>
+                  <a:srgbClr val="0070C0"/>
+                </a:solidFill>
+              </a:rPr>
+              <a:t>Prestazioni generali </a:t>
+            </a:r>
+            <a:r>
               <a:rPr lang="it-IT" sz="2000" dirty="0">
                 <a:solidFill>
                   <a:srgbClr val="0070C0"/>
                 </a:solidFill>
               </a:rPr>
-              <a:t>Prestazioni generali degli studenti durante tutto il periodo esaminato</a:t>
+              <a:t>degli studenti durante tutto il periodo esaminato</a:t>
             </a:r>
           </a:p>
           <a:p>
             <a:pPr lvl="1" algn="just"/>
             <a:r>
+              <a:rPr lang="it-IT" sz="2000" b="1" dirty="0">
+                <a:solidFill>
+                  <a:srgbClr val="0070C0"/>
+                </a:solidFill>
+              </a:rPr>
+              <a:t>Prestazioni</a:t>
+            </a:r>
+            <a:r>
               <a:rPr lang="it-IT" sz="2000" dirty="0">
                 <a:solidFill>
                   <a:srgbClr val="0070C0"/>
                 </a:solidFill>
               </a:rPr>
-              <a:t>Prestazioni nei singoli esami</a:t>
+              <a:t> nei </a:t>
+            </a:r>
+            <a:r>
+              <a:rPr lang="it-IT" sz="2000" b="1" dirty="0">
+                <a:solidFill>
+                  <a:srgbClr val="0070C0"/>
+                </a:solidFill>
+              </a:rPr>
+              <a:t>singoli esami</a:t>
             </a:r>
           </a:p>
           <a:p>
@@ -6200,7 +6167,15 @@
                   <a:srgbClr val="0070C0"/>
                 </a:solidFill>
               </a:rPr>
-              <a:t>Risultati di gruppi di esami</a:t>
+              <a:t>Risultati di </a:t>
+            </a:r>
+            <a:r>
+              <a:rPr lang="it-IT" sz="2000" b="1" dirty="0">
+                <a:solidFill>
+                  <a:srgbClr val="0070C0"/>
+                </a:solidFill>
+              </a:rPr>
+              <a:t>gruppi di esami</a:t>
             </a:r>
           </a:p>
           <a:p>
@@ -6222,6 +6197,1558 @@
 </file>
 
 <file path=ppt/slides/slide6.xml><?xml version="1.0" encoding="utf-8"?>
+<p:sld xmlns:a="http://schemas.openxmlformats.org/drawingml/2006/main" xmlns:r="http://schemas.openxmlformats.org/officeDocument/2006/relationships" xmlns:p="http://schemas.openxmlformats.org/presentationml/2006/main">
+  <p:cSld>
+    <p:spTree>
+      <p:nvGrpSpPr>
+        <p:cNvPr id="1" name=""/>
+        <p:cNvGrpSpPr/>
+        <p:nvPr/>
+      </p:nvGrpSpPr>
+      <p:grpSpPr>
+        <a:xfrm>
+          <a:off x="0" y="0"/>
+          <a:ext cx="0" cy="0"/>
+          <a:chOff x="0" y="0"/>
+          <a:chExt cx="0" cy="0"/>
+        </a:xfrm>
+      </p:grpSpPr>
+      <p:sp>
+        <p:nvSpPr>
+          <p:cNvPr id="4" name="CasellaDiTesto 3">
+            <a:extLst>
+              <a:ext uri="{FF2B5EF4-FFF2-40B4-BE49-F238E27FC236}">
+                <a16:creationId xmlns:a16="http://schemas.microsoft.com/office/drawing/2014/main" id="{B948AE74-754E-4EF7-AC16-36C5BC20D8A2}"/>
+              </a:ext>
+            </a:extLst>
+          </p:cNvPr>
+          <p:cNvSpPr txBox="1"/>
+          <p:nvPr/>
+        </p:nvSpPr>
+        <p:spPr>
+          <a:xfrm>
+            <a:off x="1524000" y="2383810"/>
+            <a:ext cx="6705600" cy="2492990"/>
+          </a:xfrm>
+          <a:prstGeom prst="rect">
+            <a:avLst/>
+          </a:prstGeom>
+          <a:noFill/>
+        </p:spPr>
+        <p:txBody>
+          <a:bodyPr wrap="square" rtlCol="0">
+            <a:spAutoFit/>
+          </a:bodyPr>
+          <a:lstStyle/>
+          <a:p>
+            <a:r>
+              <a:rPr lang="en-US" sz="1200" dirty="0">
+                <a:solidFill>
+                  <a:srgbClr val="002060"/>
+                </a:solidFill>
+                <a:latin typeface="Courier New" panose="02070309020205020404" pitchFamily="49" charset="0"/>
+                <a:cs typeface="Courier New" panose="02070309020205020404" pitchFamily="49" charset="0"/>
+              </a:rPr>
+              <a:t>colors &lt;- c("</a:t>
+            </a:r>
+            <a:r>
+              <a:rPr lang="en-US" sz="1200" dirty="0" err="1">
+                <a:solidFill>
+                  <a:srgbClr val="002060"/>
+                </a:solidFill>
+                <a:latin typeface="Courier New" panose="02070309020205020404" pitchFamily="49" charset="0"/>
+                <a:cs typeface="Courier New" panose="02070309020205020404" pitchFamily="49" charset="0"/>
+              </a:rPr>
+              <a:t>blue","red</a:t>
+            </a:r>
+            <a:r>
+              <a:rPr lang="en-US" sz="1200" dirty="0">
+                <a:solidFill>
+                  <a:srgbClr val="002060"/>
+                </a:solidFill>
+                <a:latin typeface="Courier New" panose="02070309020205020404" pitchFamily="49" charset="0"/>
+                <a:cs typeface="Courier New" panose="02070309020205020404" pitchFamily="49" charset="0"/>
+              </a:rPr>
+              <a:t>", "green", "orange")</a:t>
+            </a:r>
+          </a:p>
+          <a:p>
+            <a:r>
+              <a:rPr lang="en-US" sz="1200" dirty="0" err="1">
+                <a:solidFill>
+                  <a:srgbClr val="002060"/>
+                </a:solidFill>
+                <a:latin typeface="Courier New" panose="02070309020205020404" pitchFamily="49" charset="0"/>
+                <a:cs typeface="Courier New" panose="02070309020205020404" pitchFamily="49" charset="0"/>
+              </a:rPr>
+              <a:t>coorte_labels</a:t>
+            </a:r>
+            <a:r>
+              <a:rPr lang="en-US" sz="1200" dirty="0">
+                <a:solidFill>
+                  <a:srgbClr val="002060"/>
+                </a:solidFill>
+                <a:latin typeface="Courier New" panose="02070309020205020404" pitchFamily="49" charset="0"/>
+                <a:cs typeface="Courier New" panose="02070309020205020404" pitchFamily="49" charset="0"/>
+              </a:rPr>
+              <a:t> &lt;- students[,1]</a:t>
+            </a:r>
+          </a:p>
+          <a:p>
+            <a:r>
+              <a:rPr lang="en-US" sz="1200" dirty="0" err="1">
+                <a:solidFill>
+                  <a:srgbClr val="002060"/>
+                </a:solidFill>
+                <a:latin typeface="Courier New" panose="02070309020205020404" pitchFamily="49" charset="0"/>
+                <a:cs typeface="Courier New" panose="02070309020205020404" pitchFamily="49" charset="0"/>
+              </a:rPr>
+              <a:t>coorte_colors</a:t>
+            </a:r>
+            <a:r>
+              <a:rPr lang="en-US" sz="1200" dirty="0">
+                <a:solidFill>
+                  <a:srgbClr val="002060"/>
+                </a:solidFill>
+                <a:latin typeface="Courier New" panose="02070309020205020404" pitchFamily="49" charset="0"/>
+                <a:cs typeface="Courier New" panose="02070309020205020404" pitchFamily="49" charset="0"/>
+              </a:rPr>
+              <a:t> &lt;- colors[</a:t>
+            </a:r>
+            <a:r>
+              <a:rPr lang="en-US" sz="1200" dirty="0" err="1">
+                <a:solidFill>
+                  <a:srgbClr val="002060"/>
+                </a:solidFill>
+                <a:latin typeface="Courier New" panose="02070309020205020404" pitchFamily="49" charset="0"/>
+                <a:cs typeface="Courier New" panose="02070309020205020404" pitchFamily="49" charset="0"/>
+              </a:rPr>
+              <a:t>as.numeric</a:t>
+            </a:r>
+            <a:r>
+              <a:rPr lang="en-US" sz="1200" dirty="0">
+                <a:solidFill>
+                  <a:srgbClr val="002060"/>
+                </a:solidFill>
+                <a:latin typeface="Courier New" panose="02070309020205020404" pitchFamily="49" charset="0"/>
+                <a:cs typeface="Courier New" panose="02070309020205020404" pitchFamily="49" charset="0"/>
+              </a:rPr>
+              <a:t>(</a:t>
+            </a:r>
+            <a:r>
+              <a:rPr lang="en-US" sz="1200" dirty="0" err="1">
+                <a:solidFill>
+                  <a:srgbClr val="002060"/>
+                </a:solidFill>
+                <a:latin typeface="Courier New" panose="02070309020205020404" pitchFamily="49" charset="0"/>
+                <a:cs typeface="Courier New" panose="02070309020205020404" pitchFamily="49" charset="0"/>
+              </a:rPr>
+              <a:t>coorte_labels</a:t>
+            </a:r>
+            <a:r>
+              <a:rPr lang="en-US" sz="1200" dirty="0">
+                <a:solidFill>
+                  <a:srgbClr val="002060"/>
+                </a:solidFill>
+                <a:latin typeface="Courier New" panose="02070309020205020404" pitchFamily="49" charset="0"/>
+                <a:cs typeface="Courier New" panose="02070309020205020404" pitchFamily="49" charset="0"/>
+              </a:rPr>
+              <a:t>)]</a:t>
+            </a:r>
+          </a:p>
+          <a:p>
+            <a:r>
+              <a:rPr lang="en-US" sz="1200" dirty="0">
+                <a:solidFill>
+                  <a:srgbClr val="002060"/>
+                </a:solidFill>
+                <a:latin typeface="Courier New" panose="02070309020205020404" pitchFamily="49" charset="0"/>
+                <a:cs typeface="Courier New" panose="02070309020205020404" pitchFamily="49" charset="0"/>
+              </a:rPr>
+              <a:t>library(seriation)</a:t>
+            </a:r>
+          </a:p>
+          <a:p>
+            <a:endParaRPr lang="en-US" sz="1200" dirty="0">
+              <a:solidFill>
+                <a:schemeClr val="bg1">
+                  <a:lumMod val="50000"/>
+                </a:schemeClr>
+              </a:solidFill>
+              <a:latin typeface="Courier New" panose="02070309020205020404" pitchFamily="49" charset="0"/>
+              <a:cs typeface="Courier New" panose="02070309020205020404" pitchFamily="49" charset="0"/>
+            </a:endParaRPr>
+          </a:p>
+          <a:p>
+            <a:r>
+              <a:rPr lang="en-US" sz="1200" dirty="0">
+                <a:solidFill>
+                  <a:schemeClr val="bg1">
+                    <a:lumMod val="50000"/>
+                  </a:schemeClr>
+                </a:solidFill>
+                <a:latin typeface="Courier New" panose="02070309020205020404" pitchFamily="49" charset="0"/>
+                <a:cs typeface="Courier New" panose="02070309020205020404" pitchFamily="49" charset="0"/>
+              </a:rPr>
+              <a:t># general attributes</a:t>
+            </a:r>
+          </a:p>
+          <a:p>
+            <a:r>
+              <a:rPr lang="en-US" sz="1200" dirty="0">
+                <a:solidFill>
+                  <a:srgbClr val="002060"/>
+                </a:solidFill>
+                <a:latin typeface="Courier New" panose="02070309020205020404" pitchFamily="49" charset="0"/>
+                <a:cs typeface="Courier New" panose="02070309020205020404" pitchFamily="49" charset="0"/>
+              </a:rPr>
+              <a:t>students_subset1 &lt;- students[,-c(1, 6 : 45)]</a:t>
+            </a:r>
+          </a:p>
+          <a:p>
+            <a:r>
+              <a:rPr lang="en-US" sz="1200" dirty="0">
+                <a:solidFill>
+                  <a:srgbClr val="002060"/>
+                </a:solidFill>
+                <a:latin typeface="Courier New" panose="02070309020205020404" pitchFamily="49" charset="0"/>
+                <a:cs typeface="Courier New" panose="02070309020205020404" pitchFamily="49" charset="0"/>
+              </a:rPr>
+              <a:t>pairs(students_subset1, col = </a:t>
+            </a:r>
+            <a:r>
+              <a:rPr lang="en-US" sz="1200" dirty="0" err="1">
+                <a:solidFill>
+                  <a:srgbClr val="002060"/>
+                </a:solidFill>
+                <a:latin typeface="Courier New" panose="02070309020205020404" pitchFamily="49" charset="0"/>
+                <a:cs typeface="Courier New" panose="02070309020205020404" pitchFamily="49" charset="0"/>
+              </a:rPr>
+              <a:t>coorte_colors,lower.panel</a:t>
+            </a:r>
+            <a:r>
+              <a:rPr lang="en-US" sz="1200" dirty="0">
+                <a:solidFill>
+                  <a:srgbClr val="002060"/>
+                </a:solidFill>
+                <a:latin typeface="Courier New" panose="02070309020205020404" pitchFamily="49" charset="0"/>
+                <a:cs typeface="Courier New" panose="02070309020205020404" pitchFamily="49" charset="0"/>
+              </a:rPr>
+              <a:t> = 	</a:t>
+            </a:r>
+            <a:r>
+              <a:rPr lang="en-US" sz="1200" dirty="0" err="1">
+                <a:solidFill>
+                  <a:srgbClr val="002060"/>
+                </a:solidFill>
+                <a:latin typeface="Courier New" panose="02070309020205020404" pitchFamily="49" charset="0"/>
+                <a:cs typeface="Courier New" panose="02070309020205020404" pitchFamily="49" charset="0"/>
+              </a:rPr>
+              <a:t>NULL,cex.labelsiris</a:t>
+            </a:r>
+            <a:r>
+              <a:rPr lang="en-US" sz="1200" dirty="0">
+                <a:solidFill>
+                  <a:srgbClr val="002060"/>
+                </a:solidFill>
+                <a:latin typeface="Courier New" panose="02070309020205020404" pitchFamily="49" charset="0"/>
+                <a:cs typeface="Courier New" panose="02070309020205020404" pitchFamily="49" charset="0"/>
+              </a:rPr>
+              <a:t>=2, </a:t>
+            </a:r>
+            <a:r>
+              <a:rPr lang="en-US" sz="1200" dirty="0" err="1">
+                <a:solidFill>
+                  <a:srgbClr val="002060"/>
+                </a:solidFill>
+                <a:latin typeface="Courier New" panose="02070309020205020404" pitchFamily="49" charset="0"/>
+                <a:cs typeface="Courier New" panose="02070309020205020404" pitchFamily="49" charset="0"/>
+              </a:rPr>
+              <a:t>pch</a:t>
+            </a:r>
+            <a:r>
+              <a:rPr lang="en-US" sz="1200" dirty="0">
+                <a:solidFill>
+                  <a:srgbClr val="002060"/>
+                </a:solidFill>
+                <a:latin typeface="Courier New" panose="02070309020205020404" pitchFamily="49" charset="0"/>
+                <a:cs typeface="Courier New" panose="02070309020205020404" pitchFamily="49" charset="0"/>
+              </a:rPr>
+              <a:t>=19, </a:t>
+            </a:r>
+            <a:r>
+              <a:rPr lang="en-US" sz="1200" dirty="0" err="1">
+                <a:solidFill>
+                  <a:srgbClr val="002060"/>
+                </a:solidFill>
+                <a:latin typeface="Courier New" panose="02070309020205020404" pitchFamily="49" charset="0"/>
+                <a:cs typeface="Courier New" panose="02070309020205020404" pitchFamily="49" charset="0"/>
+              </a:rPr>
+              <a:t>cex</a:t>
+            </a:r>
+            <a:r>
+              <a:rPr lang="en-US" sz="1200" dirty="0">
+                <a:solidFill>
+                  <a:srgbClr val="002060"/>
+                </a:solidFill>
+                <a:latin typeface="Courier New" panose="02070309020205020404" pitchFamily="49" charset="0"/>
+                <a:cs typeface="Courier New" panose="02070309020205020404" pitchFamily="49" charset="0"/>
+              </a:rPr>
+              <a:t> = 1.2)</a:t>
+            </a:r>
+          </a:p>
+          <a:p>
+            <a:r>
+              <a:rPr lang="en-US" sz="1200" dirty="0">
+                <a:solidFill>
+                  <a:srgbClr val="002060"/>
+                </a:solidFill>
+                <a:latin typeface="Courier New" panose="02070309020205020404" pitchFamily="49" charset="0"/>
+                <a:cs typeface="Courier New" panose="02070309020205020404" pitchFamily="49" charset="0"/>
+              </a:rPr>
+              <a:t>par(</a:t>
+            </a:r>
+            <a:r>
+              <a:rPr lang="en-US" sz="1200" dirty="0" err="1">
+                <a:solidFill>
+                  <a:srgbClr val="002060"/>
+                </a:solidFill>
+                <a:latin typeface="Courier New" panose="02070309020205020404" pitchFamily="49" charset="0"/>
+                <a:cs typeface="Courier New" panose="02070309020205020404" pitchFamily="49" charset="0"/>
+              </a:rPr>
+              <a:t>xpd</a:t>
+            </a:r>
+            <a:r>
+              <a:rPr lang="en-US" sz="1200" dirty="0">
+                <a:solidFill>
+                  <a:srgbClr val="002060"/>
+                </a:solidFill>
+                <a:latin typeface="Courier New" panose="02070309020205020404" pitchFamily="49" charset="0"/>
+                <a:cs typeface="Courier New" panose="02070309020205020404" pitchFamily="49" charset="0"/>
+              </a:rPr>
+              <a:t> = TRUE)</a:t>
+            </a:r>
+          </a:p>
+          <a:p>
+            <a:r>
+              <a:rPr lang="en-US" sz="1200" dirty="0">
+                <a:solidFill>
+                  <a:srgbClr val="002060"/>
+                </a:solidFill>
+                <a:latin typeface="Courier New" panose="02070309020205020404" pitchFamily="49" charset="0"/>
+                <a:cs typeface="Courier New" panose="02070309020205020404" pitchFamily="49" charset="0"/>
+              </a:rPr>
+              <a:t>legend(x = 0.05, y = 0.4, </a:t>
+            </a:r>
+            <a:r>
+              <a:rPr lang="en-US" sz="1200" dirty="0" err="1">
+                <a:solidFill>
+                  <a:srgbClr val="002060"/>
+                </a:solidFill>
+                <a:latin typeface="Courier New" panose="02070309020205020404" pitchFamily="49" charset="0"/>
+                <a:cs typeface="Courier New" panose="02070309020205020404" pitchFamily="49" charset="0"/>
+              </a:rPr>
+              <a:t>cex</a:t>
+            </a:r>
+            <a:r>
+              <a:rPr lang="en-US" sz="1200" dirty="0">
+                <a:solidFill>
+                  <a:srgbClr val="002060"/>
+                </a:solidFill>
+                <a:latin typeface="Courier New" panose="02070309020205020404" pitchFamily="49" charset="0"/>
+                <a:cs typeface="Courier New" panose="02070309020205020404" pitchFamily="49" charset="0"/>
+              </a:rPr>
+              <a:t> = 1,legend = 	</a:t>
+            </a:r>
+            <a:r>
+              <a:rPr lang="en-US" sz="1200" dirty="0" err="1">
+                <a:solidFill>
+                  <a:srgbClr val="002060"/>
+                </a:solidFill>
+                <a:latin typeface="Courier New" panose="02070309020205020404" pitchFamily="49" charset="0"/>
+                <a:cs typeface="Courier New" panose="02070309020205020404" pitchFamily="49" charset="0"/>
+              </a:rPr>
+              <a:t>as.character</a:t>
+            </a:r>
+            <a:r>
+              <a:rPr lang="en-US" sz="1200" dirty="0">
+                <a:solidFill>
+                  <a:srgbClr val="002060"/>
+                </a:solidFill>
+                <a:latin typeface="Courier New" panose="02070309020205020404" pitchFamily="49" charset="0"/>
+                <a:cs typeface="Courier New" panose="02070309020205020404" pitchFamily="49" charset="0"/>
+              </a:rPr>
+              <a:t>(levels(</a:t>
+            </a:r>
+            <a:r>
+              <a:rPr lang="en-US" sz="1200" dirty="0" err="1">
+                <a:solidFill>
+                  <a:srgbClr val="002060"/>
+                </a:solidFill>
+                <a:latin typeface="Courier New" panose="02070309020205020404" pitchFamily="49" charset="0"/>
+                <a:cs typeface="Courier New" panose="02070309020205020404" pitchFamily="49" charset="0"/>
+              </a:rPr>
+              <a:t>coorte_labels</a:t>
+            </a:r>
+            <a:r>
+              <a:rPr lang="en-US" sz="1200" dirty="0">
+                <a:solidFill>
+                  <a:srgbClr val="002060"/>
+                </a:solidFill>
+                <a:latin typeface="Courier New" panose="02070309020205020404" pitchFamily="49" charset="0"/>
+                <a:cs typeface="Courier New" panose="02070309020205020404" pitchFamily="49" charset="0"/>
+              </a:rPr>
+              <a:t>)),fill = unique(</a:t>
+            </a:r>
+            <a:r>
+              <a:rPr lang="en-US" sz="1200" dirty="0" err="1">
+                <a:solidFill>
+                  <a:srgbClr val="002060"/>
+                </a:solidFill>
+                <a:latin typeface="Courier New" panose="02070309020205020404" pitchFamily="49" charset="0"/>
+                <a:cs typeface="Courier New" panose="02070309020205020404" pitchFamily="49" charset="0"/>
+              </a:rPr>
+              <a:t>coorte_colors</a:t>
+            </a:r>
+            <a:r>
+              <a:rPr lang="en-US" sz="1200" dirty="0">
+                <a:solidFill>
+                  <a:srgbClr val="002060"/>
+                </a:solidFill>
+                <a:latin typeface="Courier New" panose="02070309020205020404" pitchFamily="49" charset="0"/>
+                <a:cs typeface="Courier New" panose="02070309020205020404" pitchFamily="49" charset="0"/>
+              </a:rPr>
+              <a:t>))</a:t>
+            </a:r>
+          </a:p>
+          <a:p>
+            <a:r>
+              <a:rPr lang="en-US" sz="1200" dirty="0">
+                <a:solidFill>
+                  <a:srgbClr val="002060"/>
+                </a:solidFill>
+                <a:latin typeface="Courier New" panose="02070309020205020404" pitchFamily="49" charset="0"/>
+                <a:cs typeface="Courier New" panose="02070309020205020404" pitchFamily="49" charset="0"/>
+              </a:rPr>
+              <a:t>par(</a:t>
+            </a:r>
+            <a:r>
+              <a:rPr lang="en-US" sz="1200" dirty="0" err="1">
+                <a:solidFill>
+                  <a:srgbClr val="002060"/>
+                </a:solidFill>
+                <a:latin typeface="Courier New" panose="02070309020205020404" pitchFamily="49" charset="0"/>
+                <a:cs typeface="Courier New" panose="02070309020205020404" pitchFamily="49" charset="0"/>
+              </a:rPr>
+              <a:t>xpd</a:t>
+            </a:r>
+            <a:r>
+              <a:rPr lang="en-US" sz="1200" dirty="0">
+                <a:solidFill>
+                  <a:srgbClr val="002060"/>
+                </a:solidFill>
+                <a:latin typeface="Courier New" panose="02070309020205020404" pitchFamily="49" charset="0"/>
+                <a:cs typeface="Courier New" panose="02070309020205020404" pitchFamily="49" charset="0"/>
+              </a:rPr>
+              <a:t> = NA)</a:t>
+            </a:r>
+            <a:endParaRPr lang="it-IT" sz="900" dirty="0">
+              <a:solidFill>
+                <a:srgbClr val="002060"/>
+              </a:solidFill>
+              <a:latin typeface="Courier New" panose="02070309020205020404" pitchFamily="49" charset="0"/>
+              <a:cs typeface="Courier New" panose="02070309020205020404" pitchFamily="49" charset="0"/>
+            </a:endParaRPr>
+          </a:p>
+        </p:txBody>
+      </p:sp>
+      <p:sp>
+        <p:nvSpPr>
+          <p:cNvPr id="5" name="Titolo 1">
+            <a:extLst>
+              <a:ext uri="{FF2B5EF4-FFF2-40B4-BE49-F238E27FC236}">
+                <a16:creationId xmlns:a16="http://schemas.microsoft.com/office/drawing/2014/main" id="{93988BB5-A413-49BA-BC9C-68388EF5A744}"/>
+              </a:ext>
+            </a:extLst>
+          </p:cNvPr>
+          <p:cNvSpPr txBox="1">
+            <a:spLocks/>
+          </p:cNvSpPr>
+          <p:nvPr/>
+        </p:nvSpPr>
+        <p:spPr>
+          <a:xfrm>
+            <a:off x="1447800" y="152400"/>
+            <a:ext cx="8229600" cy="1143000"/>
+          </a:xfrm>
+          <a:prstGeom prst="rect">
+            <a:avLst/>
+          </a:prstGeom>
+        </p:spPr>
+        <p:txBody>
+          <a:bodyPr>
+            <a:noAutofit/>
+          </a:bodyPr>
+          <a:lstStyle>
+            <a:lvl1pPr algn="ctr" defTabSz="342900" rtl="0" eaLnBrk="1" latinLnBrk="0" hangingPunct="1">
+              <a:spcBef>
+                <a:spcPct val="0"/>
+              </a:spcBef>
+              <a:buNone/>
+              <a:defRPr sz="3300" kern="1200">
+                <a:solidFill>
+                  <a:schemeClr val="tx1"/>
+                </a:solidFill>
+                <a:latin typeface="+mj-lt"/>
+                <a:ea typeface="+mj-ea"/>
+                <a:cs typeface="+mj-cs"/>
+              </a:defRPr>
+            </a:lvl1pPr>
+          </a:lstStyle>
+          <a:p>
+            <a:r>
+              <a:rPr lang="it-IT" sz="2400" b="1" dirty="0">
+                <a:solidFill>
+                  <a:schemeClr val="bg1"/>
+                </a:solidFill>
+              </a:rPr>
+              <a:t>DATA UNDERSTANDING: </a:t>
+            </a:r>
+            <a:r>
+              <a:rPr lang="it-IT" sz="2400" dirty="0">
+                <a:solidFill>
+                  <a:schemeClr val="bg1"/>
+                </a:solidFill>
+              </a:rPr>
+              <a:t>PRESTAZIONI GENERALI</a:t>
+            </a:r>
+            <a:endParaRPr lang="en-US" sz="2400" dirty="0">
+              <a:solidFill>
+                <a:schemeClr val="bg1"/>
+              </a:solidFill>
+            </a:endParaRPr>
+          </a:p>
+        </p:txBody>
+      </p:sp>
+      <p:sp>
+        <p:nvSpPr>
+          <p:cNvPr id="8" name="Segnaposto contenuto 2">
+            <a:extLst>
+              <a:ext uri="{FF2B5EF4-FFF2-40B4-BE49-F238E27FC236}">
+                <a16:creationId xmlns:a16="http://schemas.microsoft.com/office/drawing/2014/main" id="{C2E44FE5-CCA1-4E8F-905A-F2F5CDF25092}"/>
+              </a:ext>
+            </a:extLst>
+          </p:cNvPr>
+          <p:cNvSpPr>
+            <a:spLocks noGrp="1"/>
+          </p:cNvSpPr>
+          <p:nvPr>
+            <p:ph idx="1"/>
+          </p:nvPr>
+        </p:nvSpPr>
+        <p:spPr>
+          <a:xfrm>
+            <a:off x="457200" y="990600"/>
+            <a:ext cx="8229600" cy="1219200"/>
+          </a:xfrm>
+        </p:spPr>
+        <p:txBody>
+          <a:bodyPr>
+            <a:normAutofit/>
+          </a:bodyPr>
+          <a:lstStyle/>
+          <a:p>
+            <a:pPr algn="just"/>
+            <a:r>
+              <a:rPr lang="it-IT" dirty="0"/>
+              <a:t>Lo script </a:t>
+            </a:r>
+            <a:r>
+              <a:rPr lang="it-IT" dirty="0">
+                <a:solidFill>
+                  <a:srgbClr val="FF0000"/>
+                </a:solidFill>
+              </a:rPr>
+              <a:t>R</a:t>
+            </a:r>
+            <a:r>
+              <a:rPr lang="it-IT" dirty="0"/>
+              <a:t> che segue plotta dei grafici di dispersione relativi a coppie di attributi relativi alle prestazioni generali degli studenti. </a:t>
+            </a:r>
+          </a:p>
+          <a:p>
+            <a:pPr marL="0" indent="0" algn="just">
+              <a:buNone/>
+            </a:pPr>
+            <a:endParaRPr lang="it-IT" dirty="0"/>
+          </a:p>
+          <a:p>
+            <a:pPr marL="0" indent="0" algn="just">
+              <a:buNone/>
+            </a:pPr>
+            <a:endParaRPr lang="it-IT" dirty="0"/>
+          </a:p>
+          <a:p>
+            <a:endParaRPr lang="en-US" sz="2000" dirty="0"/>
+          </a:p>
+        </p:txBody>
+      </p:sp>
+      <p:sp>
+        <p:nvSpPr>
+          <p:cNvPr id="9" name="Segnaposto contenuto 2">
+            <a:extLst>
+              <a:ext uri="{FF2B5EF4-FFF2-40B4-BE49-F238E27FC236}">
+                <a16:creationId xmlns:a16="http://schemas.microsoft.com/office/drawing/2014/main" id="{89886170-B615-43F8-AA8E-D5565391C42A}"/>
+              </a:ext>
+            </a:extLst>
+          </p:cNvPr>
+          <p:cNvSpPr txBox="1">
+            <a:spLocks/>
+          </p:cNvSpPr>
+          <p:nvPr/>
+        </p:nvSpPr>
+        <p:spPr>
+          <a:xfrm>
+            <a:off x="457200" y="5029199"/>
+            <a:ext cx="8229600" cy="1074753"/>
+          </a:xfrm>
+          <a:prstGeom prst="rect">
+            <a:avLst/>
+          </a:prstGeom>
+        </p:spPr>
+        <p:txBody>
+          <a:bodyPr vert="horz" lIns="91440" tIns="45720" rIns="91440" bIns="45720" rtlCol="0">
+            <a:normAutofit/>
+          </a:bodyPr>
+          <a:lstStyle>
+            <a:lvl1pPr marL="257175" indent="-257175" algn="l" defTabSz="342900" rtl="0" eaLnBrk="1" latinLnBrk="0" hangingPunct="1">
+              <a:spcBef>
+                <a:spcPct val="20000"/>
+              </a:spcBef>
+              <a:buFont typeface="Arial"/>
+              <a:buChar char="•"/>
+              <a:defRPr sz="2400" kern="1200">
+                <a:solidFill>
+                  <a:schemeClr val="tx1"/>
+                </a:solidFill>
+                <a:latin typeface="+mn-lt"/>
+                <a:ea typeface="+mn-ea"/>
+                <a:cs typeface="+mn-cs"/>
+              </a:defRPr>
+            </a:lvl1pPr>
+            <a:lvl2pPr marL="557213" indent="-214313" algn="l" defTabSz="342900" rtl="0" eaLnBrk="1" latinLnBrk="0" hangingPunct="1">
+              <a:spcBef>
+                <a:spcPct val="20000"/>
+              </a:spcBef>
+              <a:buFont typeface="Arial"/>
+              <a:buChar char="–"/>
+              <a:defRPr sz="2100" kern="1200">
+                <a:solidFill>
+                  <a:schemeClr val="tx1"/>
+                </a:solidFill>
+                <a:latin typeface="+mn-lt"/>
+                <a:ea typeface="+mn-ea"/>
+                <a:cs typeface="+mn-cs"/>
+              </a:defRPr>
+            </a:lvl2pPr>
+            <a:lvl3pPr marL="857250" indent="-171450" algn="l" defTabSz="342900" rtl="0" eaLnBrk="1" latinLnBrk="0" hangingPunct="1">
+              <a:spcBef>
+                <a:spcPct val="20000"/>
+              </a:spcBef>
+              <a:buFont typeface="Arial"/>
+              <a:buChar char="•"/>
+              <a:defRPr sz="1800" kern="1200">
+                <a:solidFill>
+                  <a:schemeClr val="tx1"/>
+                </a:solidFill>
+                <a:latin typeface="+mn-lt"/>
+                <a:ea typeface="+mn-ea"/>
+                <a:cs typeface="+mn-cs"/>
+              </a:defRPr>
+            </a:lvl3pPr>
+            <a:lvl4pPr marL="1200150" indent="-171450" algn="l" defTabSz="342900" rtl="0" eaLnBrk="1" latinLnBrk="0" hangingPunct="1">
+              <a:spcBef>
+                <a:spcPct val="20000"/>
+              </a:spcBef>
+              <a:buFont typeface="Arial"/>
+              <a:buChar char="–"/>
+              <a:defRPr sz="1500" kern="1200">
+                <a:solidFill>
+                  <a:schemeClr val="tx1"/>
+                </a:solidFill>
+                <a:latin typeface="+mn-lt"/>
+                <a:ea typeface="+mn-ea"/>
+                <a:cs typeface="+mn-cs"/>
+              </a:defRPr>
+            </a:lvl4pPr>
+            <a:lvl5pPr marL="1543050" indent="-171450" algn="l" defTabSz="342900" rtl="0" eaLnBrk="1" latinLnBrk="0" hangingPunct="1">
+              <a:spcBef>
+                <a:spcPct val="20000"/>
+              </a:spcBef>
+              <a:buFont typeface="Arial"/>
+              <a:buChar char="»"/>
+              <a:defRPr sz="1500" kern="1200">
+                <a:solidFill>
+                  <a:schemeClr val="tx1"/>
+                </a:solidFill>
+                <a:latin typeface="+mn-lt"/>
+                <a:ea typeface="+mn-ea"/>
+                <a:cs typeface="+mn-cs"/>
+              </a:defRPr>
+            </a:lvl5pPr>
+            <a:lvl6pPr marL="1885950" indent="-171450" algn="l" defTabSz="342900" rtl="0" eaLnBrk="1" latinLnBrk="0" hangingPunct="1">
+              <a:spcBef>
+                <a:spcPct val="20000"/>
+              </a:spcBef>
+              <a:buFont typeface="Arial"/>
+              <a:buChar char="•"/>
+              <a:defRPr sz="1500" kern="1200">
+                <a:solidFill>
+                  <a:schemeClr val="tx1"/>
+                </a:solidFill>
+                <a:latin typeface="+mn-lt"/>
+                <a:ea typeface="+mn-ea"/>
+                <a:cs typeface="+mn-cs"/>
+              </a:defRPr>
+            </a:lvl6pPr>
+            <a:lvl7pPr marL="2228850" indent="-171450" algn="l" defTabSz="342900" rtl="0" eaLnBrk="1" latinLnBrk="0" hangingPunct="1">
+              <a:spcBef>
+                <a:spcPct val="20000"/>
+              </a:spcBef>
+              <a:buFont typeface="Arial"/>
+              <a:buChar char="•"/>
+              <a:defRPr sz="1500" kern="1200">
+                <a:solidFill>
+                  <a:schemeClr val="tx1"/>
+                </a:solidFill>
+                <a:latin typeface="+mn-lt"/>
+                <a:ea typeface="+mn-ea"/>
+                <a:cs typeface="+mn-cs"/>
+              </a:defRPr>
+            </a:lvl7pPr>
+            <a:lvl8pPr marL="2571750" indent="-171450" algn="l" defTabSz="342900" rtl="0" eaLnBrk="1" latinLnBrk="0" hangingPunct="1">
+              <a:spcBef>
+                <a:spcPct val="20000"/>
+              </a:spcBef>
+              <a:buFont typeface="Arial"/>
+              <a:buChar char="•"/>
+              <a:defRPr sz="1500" kern="1200">
+                <a:solidFill>
+                  <a:schemeClr val="tx1"/>
+                </a:solidFill>
+                <a:latin typeface="+mn-lt"/>
+                <a:ea typeface="+mn-ea"/>
+                <a:cs typeface="+mn-cs"/>
+              </a:defRPr>
+            </a:lvl8pPr>
+            <a:lvl9pPr marL="2914650" indent="-171450" algn="l" defTabSz="342900" rtl="0" eaLnBrk="1" latinLnBrk="0" hangingPunct="1">
+              <a:spcBef>
+                <a:spcPct val="20000"/>
+              </a:spcBef>
+              <a:buFont typeface="Arial"/>
+              <a:buChar char="•"/>
+              <a:defRPr sz="1500" kern="1200">
+                <a:solidFill>
+                  <a:schemeClr val="tx1"/>
+                </a:solidFill>
+                <a:latin typeface="+mn-lt"/>
+                <a:ea typeface="+mn-ea"/>
+                <a:cs typeface="+mn-cs"/>
+              </a:defRPr>
+            </a:lvl9pPr>
+          </a:lstStyle>
+          <a:p>
+            <a:pPr marL="0" indent="0" algn="just">
+              <a:buFont typeface="Arial"/>
+              <a:buNone/>
+            </a:pPr>
+            <a:endParaRPr lang="it-IT" dirty="0"/>
+          </a:p>
+          <a:p>
+            <a:pPr marL="0" indent="0" algn="just">
+              <a:buFont typeface="Arial"/>
+              <a:buNone/>
+            </a:pPr>
+            <a:endParaRPr lang="it-IT" dirty="0"/>
+          </a:p>
+          <a:p>
+            <a:endParaRPr lang="en-US" sz="2000" dirty="0"/>
+          </a:p>
+        </p:txBody>
+      </p:sp>
+      <p:sp>
+        <p:nvSpPr>
+          <p:cNvPr id="10" name="Segnaposto contenuto 2">
+            <a:extLst>
+              <a:ext uri="{FF2B5EF4-FFF2-40B4-BE49-F238E27FC236}">
+                <a16:creationId xmlns:a16="http://schemas.microsoft.com/office/drawing/2014/main" id="{7D6E6495-424C-4525-948E-C30098166953}"/>
+              </a:ext>
+            </a:extLst>
+          </p:cNvPr>
+          <p:cNvSpPr txBox="1">
+            <a:spLocks/>
+          </p:cNvSpPr>
+          <p:nvPr/>
+        </p:nvSpPr>
+        <p:spPr>
+          <a:xfrm>
+            <a:off x="609600" y="5181600"/>
+            <a:ext cx="8229600" cy="1219200"/>
+          </a:xfrm>
+          <a:prstGeom prst="rect">
+            <a:avLst/>
+          </a:prstGeom>
+        </p:spPr>
+        <p:txBody>
+          <a:bodyPr vert="horz" lIns="91440" tIns="45720" rIns="91440" bIns="45720" rtlCol="0">
+            <a:normAutofit/>
+          </a:bodyPr>
+          <a:lstStyle>
+            <a:lvl1pPr marL="257175" indent="-257175" algn="l" defTabSz="342900" rtl="0" eaLnBrk="1" latinLnBrk="0" hangingPunct="1">
+              <a:spcBef>
+                <a:spcPct val="20000"/>
+              </a:spcBef>
+              <a:buFont typeface="Arial"/>
+              <a:buChar char="•"/>
+              <a:defRPr sz="2400" kern="1200">
+                <a:solidFill>
+                  <a:schemeClr val="tx1"/>
+                </a:solidFill>
+                <a:latin typeface="+mn-lt"/>
+                <a:ea typeface="+mn-ea"/>
+                <a:cs typeface="+mn-cs"/>
+              </a:defRPr>
+            </a:lvl1pPr>
+            <a:lvl2pPr marL="557213" indent="-214313" algn="l" defTabSz="342900" rtl="0" eaLnBrk="1" latinLnBrk="0" hangingPunct="1">
+              <a:spcBef>
+                <a:spcPct val="20000"/>
+              </a:spcBef>
+              <a:buFont typeface="Arial"/>
+              <a:buChar char="–"/>
+              <a:defRPr sz="2100" kern="1200">
+                <a:solidFill>
+                  <a:schemeClr val="tx1"/>
+                </a:solidFill>
+                <a:latin typeface="+mn-lt"/>
+                <a:ea typeface="+mn-ea"/>
+                <a:cs typeface="+mn-cs"/>
+              </a:defRPr>
+            </a:lvl2pPr>
+            <a:lvl3pPr marL="857250" indent="-171450" algn="l" defTabSz="342900" rtl="0" eaLnBrk="1" latinLnBrk="0" hangingPunct="1">
+              <a:spcBef>
+                <a:spcPct val="20000"/>
+              </a:spcBef>
+              <a:buFont typeface="Arial"/>
+              <a:buChar char="•"/>
+              <a:defRPr sz="1800" kern="1200">
+                <a:solidFill>
+                  <a:schemeClr val="tx1"/>
+                </a:solidFill>
+                <a:latin typeface="+mn-lt"/>
+                <a:ea typeface="+mn-ea"/>
+                <a:cs typeface="+mn-cs"/>
+              </a:defRPr>
+            </a:lvl3pPr>
+            <a:lvl4pPr marL="1200150" indent="-171450" algn="l" defTabSz="342900" rtl="0" eaLnBrk="1" latinLnBrk="0" hangingPunct="1">
+              <a:spcBef>
+                <a:spcPct val="20000"/>
+              </a:spcBef>
+              <a:buFont typeface="Arial"/>
+              <a:buChar char="–"/>
+              <a:defRPr sz="1500" kern="1200">
+                <a:solidFill>
+                  <a:schemeClr val="tx1"/>
+                </a:solidFill>
+                <a:latin typeface="+mn-lt"/>
+                <a:ea typeface="+mn-ea"/>
+                <a:cs typeface="+mn-cs"/>
+              </a:defRPr>
+            </a:lvl4pPr>
+            <a:lvl5pPr marL="1543050" indent="-171450" algn="l" defTabSz="342900" rtl="0" eaLnBrk="1" latinLnBrk="0" hangingPunct="1">
+              <a:spcBef>
+                <a:spcPct val="20000"/>
+              </a:spcBef>
+              <a:buFont typeface="Arial"/>
+              <a:buChar char="»"/>
+              <a:defRPr sz="1500" kern="1200">
+                <a:solidFill>
+                  <a:schemeClr val="tx1"/>
+                </a:solidFill>
+                <a:latin typeface="+mn-lt"/>
+                <a:ea typeface="+mn-ea"/>
+                <a:cs typeface="+mn-cs"/>
+              </a:defRPr>
+            </a:lvl5pPr>
+            <a:lvl6pPr marL="1885950" indent="-171450" algn="l" defTabSz="342900" rtl="0" eaLnBrk="1" latinLnBrk="0" hangingPunct="1">
+              <a:spcBef>
+                <a:spcPct val="20000"/>
+              </a:spcBef>
+              <a:buFont typeface="Arial"/>
+              <a:buChar char="•"/>
+              <a:defRPr sz="1500" kern="1200">
+                <a:solidFill>
+                  <a:schemeClr val="tx1"/>
+                </a:solidFill>
+                <a:latin typeface="+mn-lt"/>
+                <a:ea typeface="+mn-ea"/>
+                <a:cs typeface="+mn-cs"/>
+              </a:defRPr>
+            </a:lvl6pPr>
+            <a:lvl7pPr marL="2228850" indent="-171450" algn="l" defTabSz="342900" rtl="0" eaLnBrk="1" latinLnBrk="0" hangingPunct="1">
+              <a:spcBef>
+                <a:spcPct val="20000"/>
+              </a:spcBef>
+              <a:buFont typeface="Arial"/>
+              <a:buChar char="•"/>
+              <a:defRPr sz="1500" kern="1200">
+                <a:solidFill>
+                  <a:schemeClr val="tx1"/>
+                </a:solidFill>
+                <a:latin typeface="+mn-lt"/>
+                <a:ea typeface="+mn-ea"/>
+                <a:cs typeface="+mn-cs"/>
+              </a:defRPr>
+            </a:lvl7pPr>
+            <a:lvl8pPr marL="2571750" indent="-171450" algn="l" defTabSz="342900" rtl="0" eaLnBrk="1" latinLnBrk="0" hangingPunct="1">
+              <a:spcBef>
+                <a:spcPct val="20000"/>
+              </a:spcBef>
+              <a:buFont typeface="Arial"/>
+              <a:buChar char="•"/>
+              <a:defRPr sz="1500" kern="1200">
+                <a:solidFill>
+                  <a:schemeClr val="tx1"/>
+                </a:solidFill>
+                <a:latin typeface="+mn-lt"/>
+                <a:ea typeface="+mn-ea"/>
+                <a:cs typeface="+mn-cs"/>
+              </a:defRPr>
+            </a:lvl8pPr>
+            <a:lvl9pPr marL="2914650" indent="-171450" algn="l" defTabSz="342900" rtl="0" eaLnBrk="1" latinLnBrk="0" hangingPunct="1">
+              <a:spcBef>
+                <a:spcPct val="20000"/>
+              </a:spcBef>
+              <a:buFont typeface="Arial"/>
+              <a:buChar char="•"/>
+              <a:defRPr sz="1500" kern="1200">
+                <a:solidFill>
+                  <a:schemeClr val="tx1"/>
+                </a:solidFill>
+                <a:latin typeface="+mn-lt"/>
+                <a:ea typeface="+mn-ea"/>
+                <a:cs typeface="+mn-cs"/>
+              </a:defRPr>
+            </a:lvl9pPr>
+          </a:lstStyle>
+          <a:p>
+            <a:pPr algn="just"/>
+            <a:r>
+              <a:rPr lang="it-IT" dirty="0"/>
+              <a:t>Lo scopo è quello di individuare visivamente delle correlazioni significative fra questi attributi.</a:t>
+            </a:r>
+          </a:p>
+          <a:p>
+            <a:pPr marL="0" indent="0" algn="just">
+              <a:buFont typeface="Arial"/>
+              <a:buNone/>
+            </a:pPr>
+            <a:endParaRPr lang="it-IT" dirty="0"/>
+          </a:p>
+          <a:p>
+            <a:endParaRPr lang="en-US" sz="2000" dirty="0"/>
+          </a:p>
+        </p:txBody>
+      </p:sp>
+    </p:spTree>
+    <p:extLst>
+      <p:ext uri="{BB962C8B-B14F-4D97-AF65-F5344CB8AC3E}">
+        <p14:creationId xmlns:p14="http://schemas.microsoft.com/office/powerpoint/2010/main" val="2567167341"/>
+      </p:ext>
+    </p:extLst>
+  </p:cSld>
+  <p:clrMapOvr>
+    <a:masterClrMapping/>
+  </p:clrMapOvr>
+</p:sld>
+</file>
+
+<file path=ppt/slides/slide7.xml><?xml version="1.0" encoding="utf-8"?>
+<p:sld xmlns:a="http://schemas.openxmlformats.org/drawingml/2006/main" xmlns:r="http://schemas.openxmlformats.org/officeDocument/2006/relationships" xmlns:p="http://schemas.openxmlformats.org/presentationml/2006/main">
+  <p:cSld>
+    <p:spTree>
+      <p:nvGrpSpPr>
+        <p:cNvPr id="1" name=""/>
+        <p:cNvGrpSpPr/>
+        <p:nvPr/>
+      </p:nvGrpSpPr>
+      <p:grpSpPr>
+        <a:xfrm>
+          <a:off x="0" y="0"/>
+          <a:ext cx="0" cy="0"/>
+          <a:chOff x="0" y="0"/>
+          <a:chExt cx="0" cy="0"/>
+        </a:xfrm>
+      </p:grpSpPr>
+      <p:sp>
+        <p:nvSpPr>
+          <p:cNvPr id="4" name="Titolo 1">
+            <a:extLst>
+              <a:ext uri="{FF2B5EF4-FFF2-40B4-BE49-F238E27FC236}">
+                <a16:creationId xmlns:a16="http://schemas.microsoft.com/office/drawing/2014/main" id="{9E74EE39-EA32-4246-BC63-84D8E46682AC}"/>
+              </a:ext>
+            </a:extLst>
+          </p:cNvPr>
+          <p:cNvSpPr txBox="1">
+            <a:spLocks/>
+          </p:cNvSpPr>
+          <p:nvPr/>
+        </p:nvSpPr>
+        <p:spPr>
+          <a:xfrm>
+            <a:off x="1447800" y="152400"/>
+            <a:ext cx="8229600" cy="1143000"/>
+          </a:xfrm>
+          <a:prstGeom prst="rect">
+            <a:avLst/>
+          </a:prstGeom>
+        </p:spPr>
+        <p:txBody>
+          <a:bodyPr>
+            <a:noAutofit/>
+          </a:bodyPr>
+          <a:lstStyle>
+            <a:lvl1pPr algn="ctr" defTabSz="342900" rtl="0" eaLnBrk="1" latinLnBrk="0" hangingPunct="1">
+              <a:spcBef>
+                <a:spcPct val="0"/>
+              </a:spcBef>
+              <a:buNone/>
+              <a:defRPr sz="3300" kern="1200">
+                <a:solidFill>
+                  <a:schemeClr val="tx1"/>
+                </a:solidFill>
+                <a:latin typeface="+mj-lt"/>
+                <a:ea typeface="+mj-ea"/>
+                <a:cs typeface="+mj-cs"/>
+              </a:defRPr>
+            </a:lvl1pPr>
+          </a:lstStyle>
+          <a:p>
+            <a:r>
+              <a:rPr lang="it-IT" sz="2400" b="1" dirty="0">
+                <a:solidFill>
+                  <a:schemeClr val="bg1"/>
+                </a:solidFill>
+              </a:rPr>
+              <a:t>DATA UNDERSTANDING: </a:t>
+            </a:r>
+            <a:r>
+              <a:rPr lang="it-IT" sz="2400" dirty="0">
+                <a:solidFill>
+                  <a:schemeClr val="bg1"/>
+                </a:solidFill>
+              </a:rPr>
+              <a:t>GRAFICO DI DISPERSIONE</a:t>
+            </a:r>
+            <a:endParaRPr lang="en-US" sz="2400" dirty="0">
+              <a:solidFill>
+                <a:schemeClr val="bg1"/>
+              </a:solidFill>
+            </a:endParaRPr>
+          </a:p>
+        </p:txBody>
+      </p:sp>
+      <p:pic>
+        <p:nvPicPr>
+          <p:cNvPr id="6" name="Immagine 5">
+            <a:extLst>
+              <a:ext uri="{FF2B5EF4-FFF2-40B4-BE49-F238E27FC236}">
+                <a16:creationId xmlns:a16="http://schemas.microsoft.com/office/drawing/2014/main" id="{66350360-19E7-45DE-B04C-AFFD8C1853A5}"/>
+              </a:ext>
+            </a:extLst>
+          </p:cNvPr>
+          <p:cNvPicPr>
+            <a:picLocks noChangeAspect="1"/>
+          </p:cNvPicPr>
+          <p:nvPr/>
+        </p:nvPicPr>
+        <p:blipFill rotWithShape="1">
+          <a:blip r:embed="rId2"/>
+          <a:srcRect t="2898" r="1887" b="1708"/>
+          <a:stretch/>
+        </p:blipFill>
+        <p:spPr>
+          <a:xfrm>
+            <a:off x="838200" y="838199"/>
+            <a:ext cx="8305800" cy="6019801"/>
+          </a:xfrm>
+          <a:prstGeom prst="rect">
+            <a:avLst/>
+          </a:prstGeom>
+        </p:spPr>
+      </p:pic>
+    </p:spTree>
+    <p:extLst>
+      <p:ext uri="{BB962C8B-B14F-4D97-AF65-F5344CB8AC3E}">
+        <p14:creationId xmlns:p14="http://schemas.microsoft.com/office/powerpoint/2010/main" val="665708985"/>
+      </p:ext>
+    </p:extLst>
+  </p:cSld>
+  <p:clrMapOvr>
+    <a:masterClrMapping/>
+  </p:clrMapOvr>
+</p:sld>
+</file>
+
+<file path=ppt/slides/slide8.xml><?xml version="1.0" encoding="utf-8"?>
+<p:sld xmlns:a="http://schemas.openxmlformats.org/drawingml/2006/main" xmlns:r="http://schemas.openxmlformats.org/officeDocument/2006/relationships" xmlns:p="http://schemas.openxmlformats.org/presentationml/2006/main">
+  <p:cSld>
+    <p:spTree>
+      <p:nvGrpSpPr>
+        <p:cNvPr id="1" name=""/>
+        <p:cNvGrpSpPr/>
+        <p:nvPr/>
+      </p:nvGrpSpPr>
+      <p:grpSpPr>
+        <a:xfrm>
+          <a:off x="0" y="0"/>
+          <a:ext cx="0" cy="0"/>
+          <a:chOff x="0" y="0"/>
+          <a:chExt cx="0" cy="0"/>
+        </a:xfrm>
+      </p:grpSpPr>
+      <p:sp>
+        <p:nvSpPr>
+          <p:cNvPr id="5" name="Titolo 1">
+            <a:extLst>
+              <a:ext uri="{FF2B5EF4-FFF2-40B4-BE49-F238E27FC236}">
+                <a16:creationId xmlns:a16="http://schemas.microsoft.com/office/drawing/2014/main" id="{93988BB5-A413-49BA-BC9C-68388EF5A744}"/>
+              </a:ext>
+            </a:extLst>
+          </p:cNvPr>
+          <p:cNvSpPr txBox="1">
+            <a:spLocks/>
+          </p:cNvSpPr>
+          <p:nvPr/>
+        </p:nvSpPr>
+        <p:spPr>
+          <a:xfrm>
+            <a:off x="1447800" y="152400"/>
+            <a:ext cx="8229600" cy="1143000"/>
+          </a:xfrm>
+          <a:prstGeom prst="rect">
+            <a:avLst/>
+          </a:prstGeom>
+        </p:spPr>
+        <p:txBody>
+          <a:bodyPr>
+            <a:noAutofit/>
+          </a:bodyPr>
+          <a:lstStyle>
+            <a:lvl1pPr algn="ctr" defTabSz="342900" rtl="0" eaLnBrk="1" latinLnBrk="0" hangingPunct="1">
+              <a:spcBef>
+                <a:spcPct val="0"/>
+              </a:spcBef>
+              <a:buNone/>
+              <a:defRPr sz="3300" kern="1200">
+                <a:solidFill>
+                  <a:schemeClr val="tx1"/>
+                </a:solidFill>
+                <a:latin typeface="+mj-lt"/>
+                <a:ea typeface="+mj-ea"/>
+                <a:cs typeface="+mj-cs"/>
+              </a:defRPr>
+            </a:lvl1pPr>
+          </a:lstStyle>
+          <a:p>
+            <a:r>
+              <a:rPr lang="it-IT" sz="2400" b="1" dirty="0">
+                <a:solidFill>
+                  <a:schemeClr val="bg1"/>
+                </a:solidFill>
+              </a:rPr>
+              <a:t>DATA UNDERSTANDING: </a:t>
+            </a:r>
+            <a:r>
+              <a:rPr lang="it-IT" sz="2400" dirty="0">
+                <a:solidFill>
+                  <a:schemeClr val="bg1"/>
+                </a:solidFill>
+              </a:rPr>
+              <a:t>PRESTAZIONI GENERALI</a:t>
+            </a:r>
+            <a:endParaRPr lang="en-US" sz="2400" dirty="0">
+              <a:solidFill>
+                <a:schemeClr val="bg1"/>
+              </a:solidFill>
+            </a:endParaRPr>
+          </a:p>
+        </p:txBody>
+      </p:sp>
+      <p:sp>
+        <p:nvSpPr>
+          <p:cNvPr id="8" name="Segnaposto contenuto 2">
+            <a:extLst>
+              <a:ext uri="{FF2B5EF4-FFF2-40B4-BE49-F238E27FC236}">
+                <a16:creationId xmlns:a16="http://schemas.microsoft.com/office/drawing/2014/main" id="{C2E44FE5-CCA1-4E8F-905A-F2F5CDF25092}"/>
+              </a:ext>
+            </a:extLst>
+          </p:cNvPr>
+          <p:cNvSpPr>
+            <a:spLocks noGrp="1"/>
+          </p:cNvSpPr>
+          <p:nvPr>
+            <p:ph idx="1"/>
+          </p:nvPr>
+        </p:nvSpPr>
+        <p:spPr>
+          <a:xfrm>
+            <a:off x="457200" y="1981200"/>
+            <a:ext cx="8229600" cy="4114800"/>
+          </a:xfrm>
+        </p:spPr>
+        <p:txBody>
+          <a:bodyPr>
+            <a:normAutofit/>
+          </a:bodyPr>
+          <a:lstStyle/>
+          <a:p>
+            <a:pPr algn="just"/>
+            <a:r>
+              <a:rPr lang="it-IT" dirty="0"/>
+              <a:t>La correlazione fra la quantità di </a:t>
+            </a:r>
+            <a:r>
+              <a:rPr lang="it-IT" i="1" dirty="0"/>
+              <a:t>crediti totali </a:t>
+            </a:r>
+            <a:r>
+              <a:rPr lang="it-IT" dirty="0"/>
+              <a:t>e quella dei soli </a:t>
+            </a:r>
+            <a:r>
+              <a:rPr lang="it-IT" i="1" dirty="0"/>
+              <a:t>crediti con voto </a:t>
+            </a:r>
+            <a:r>
+              <a:rPr lang="it-IT" dirty="0"/>
+              <a:t>è tanto palese quanto banale: il primo ammontare contiene il secondo, e la loro differenza è minima.</a:t>
+            </a:r>
+          </a:p>
+          <a:p>
+            <a:pPr lvl="1" algn="just"/>
+            <a:r>
+              <a:rPr lang="it-IT" dirty="0"/>
+              <a:t>Non c’è bisogno di analizzare questo aspetto nel dettaglio.</a:t>
+            </a:r>
+          </a:p>
+          <a:p>
+            <a:pPr marL="0" indent="0" algn="just">
+              <a:buNone/>
+            </a:pPr>
+            <a:endParaRPr lang="it-IT" dirty="0"/>
+          </a:p>
+          <a:p>
+            <a:pPr marL="0" indent="0" algn="just">
+              <a:buNone/>
+            </a:pPr>
+            <a:r>
+              <a:rPr lang="it-IT" dirty="0"/>
+              <a:t>Appare invece più interessante quello che accade fra altri attributi:</a:t>
+            </a:r>
+          </a:p>
+          <a:p>
+            <a:pPr algn="just"/>
+            <a:r>
+              <a:rPr lang="it-IT" dirty="0"/>
+              <a:t>punteggio del </a:t>
+            </a:r>
+            <a:r>
+              <a:rPr lang="it-IT" i="1" dirty="0"/>
+              <a:t>test </a:t>
+            </a:r>
+            <a:r>
+              <a:rPr lang="it-IT" dirty="0"/>
+              <a:t>di ingresso il </a:t>
+            </a:r>
+            <a:r>
+              <a:rPr lang="it-IT" i="1" dirty="0"/>
+              <a:t>valore atteso del voto </a:t>
+            </a:r>
+          </a:p>
+          <a:p>
+            <a:pPr algn="just"/>
+            <a:r>
+              <a:rPr lang="it-IT" dirty="0"/>
+              <a:t>quantità di </a:t>
+            </a:r>
+            <a:r>
+              <a:rPr lang="it-IT" i="1" dirty="0"/>
+              <a:t>crediti</a:t>
+            </a:r>
+            <a:r>
+              <a:rPr lang="it-IT" dirty="0"/>
+              <a:t> ottenuti e il </a:t>
+            </a:r>
+            <a:r>
+              <a:rPr lang="it-IT" i="1" dirty="0"/>
+              <a:t>valore atteso del voto </a:t>
+            </a:r>
+            <a:endParaRPr lang="it-IT" dirty="0"/>
+          </a:p>
+          <a:p>
+            <a:pPr algn="just"/>
+            <a:endParaRPr lang="it-IT" dirty="0"/>
+          </a:p>
+          <a:p>
+            <a:pPr marL="0" indent="0" algn="just">
+              <a:buNone/>
+            </a:pPr>
+            <a:endParaRPr lang="it-IT" dirty="0"/>
+          </a:p>
+          <a:p>
+            <a:pPr marL="0" indent="0" algn="just">
+              <a:buNone/>
+            </a:pPr>
+            <a:endParaRPr lang="it-IT" dirty="0"/>
+          </a:p>
+          <a:p>
+            <a:endParaRPr lang="en-US" sz="2000" dirty="0"/>
+          </a:p>
+        </p:txBody>
+      </p:sp>
+      <p:sp>
+        <p:nvSpPr>
+          <p:cNvPr id="9" name="Segnaposto contenuto 2">
+            <a:extLst>
+              <a:ext uri="{FF2B5EF4-FFF2-40B4-BE49-F238E27FC236}">
+                <a16:creationId xmlns:a16="http://schemas.microsoft.com/office/drawing/2014/main" id="{89886170-B615-43F8-AA8E-D5565391C42A}"/>
+              </a:ext>
+            </a:extLst>
+          </p:cNvPr>
+          <p:cNvSpPr txBox="1">
+            <a:spLocks/>
+          </p:cNvSpPr>
+          <p:nvPr/>
+        </p:nvSpPr>
+        <p:spPr>
+          <a:xfrm>
+            <a:off x="457200" y="5029199"/>
+            <a:ext cx="8229600" cy="1074753"/>
+          </a:xfrm>
+          <a:prstGeom prst="rect">
+            <a:avLst/>
+          </a:prstGeom>
+        </p:spPr>
+        <p:txBody>
+          <a:bodyPr vert="horz" lIns="91440" tIns="45720" rIns="91440" bIns="45720" rtlCol="0">
+            <a:normAutofit/>
+          </a:bodyPr>
+          <a:lstStyle>
+            <a:lvl1pPr marL="257175" indent="-257175" algn="l" defTabSz="342900" rtl="0" eaLnBrk="1" latinLnBrk="0" hangingPunct="1">
+              <a:spcBef>
+                <a:spcPct val="20000"/>
+              </a:spcBef>
+              <a:buFont typeface="Arial"/>
+              <a:buChar char="•"/>
+              <a:defRPr sz="2400" kern="1200">
+                <a:solidFill>
+                  <a:schemeClr val="tx1"/>
+                </a:solidFill>
+                <a:latin typeface="+mn-lt"/>
+                <a:ea typeface="+mn-ea"/>
+                <a:cs typeface="+mn-cs"/>
+              </a:defRPr>
+            </a:lvl1pPr>
+            <a:lvl2pPr marL="557213" indent="-214313" algn="l" defTabSz="342900" rtl="0" eaLnBrk="1" latinLnBrk="0" hangingPunct="1">
+              <a:spcBef>
+                <a:spcPct val="20000"/>
+              </a:spcBef>
+              <a:buFont typeface="Arial"/>
+              <a:buChar char="–"/>
+              <a:defRPr sz="2100" kern="1200">
+                <a:solidFill>
+                  <a:schemeClr val="tx1"/>
+                </a:solidFill>
+                <a:latin typeface="+mn-lt"/>
+                <a:ea typeface="+mn-ea"/>
+                <a:cs typeface="+mn-cs"/>
+              </a:defRPr>
+            </a:lvl2pPr>
+            <a:lvl3pPr marL="857250" indent="-171450" algn="l" defTabSz="342900" rtl="0" eaLnBrk="1" latinLnBrk="0" hangingPunct="1">
+              <a:spcBef>
+                <a:spcPct val="20000"/>
+              </a:spcBef>
+              <a:buFont typeface="Arial"/>
+              <a:buChar char="•"/>
+              <a:defRPr sz="1800" kern="1200">
+                <a:solidFill>
+                  <a:schemeClr val="tx1"/>
+                </a:solidFill>
+                <a:latin typeface="+mn-lt"/>
+                <a:ea typeface="+mn-ea"/>
+                <a:cs typeface="+mn-cs"/>
+              </a:defRPr>
+            </a:lvl3pPr>
+            <a:lvl4pPr marL="1200150" indent="-171450" algn="l" defTabSz="342900" rtl="0" eaLnBrk="1" latinLnBrk="0" hangingPunct="1">
+              <a:spcBef>
+                <a:spcPct val="20000"/>
+              </a:spcBef>
+              <a:buFont typeface="Arial"/>
+              <a:buChar char="–"/>
+              <a:defRPr sz="1500" kern="1200">
+                <a:solidFill>
+                  <a:schemeClr val="tx1"/>
+                </a:solidFill>
+                <a:latin typeface="+mn-lt"/>
+                <a:ea typeface="+mn-ea"/>
+                <a:cs typeface="+mn-cs"/>
+              </a:defRPr>
+            </a:lvl4pPr>
+            <a:lvl5pPr marL="1543050" indent="-171450" algn="l" defTabSz="342900" rtl="0" eaLnBrk="1" latinLnBrk="0" hangingPunct="1">
+              <a:spcBef>
+                <a:spcPct val="20000"/>
+              </a:spcBef>
+              <a:buFont typeface="Arial"/>
+              <a:buChar char="»"/>
+              <a:defRPr sz="1500" kern="1200">
+                <a:solidFill>
+                  <a:schemeClr val="tx1"/>
+                </a:solidFill>
+                <a:latin typeface="+mn-lt"/>
+                <a:ea typeface="+mn-ea"/>
+                <a:cs typeface="+mn-cs"/>
+              </a:defRPr>
+            </a:lvl5pPr>
+            <a:lvl6pPr marL="1885950" indent="-171450" algn="l" defTabSz="342900" rtl="0" eaLnBrk="1" latinLnBrk="0" hangingPunct="1">
+              <a:spcBef>
+                <a:spcPct val="20000"/>
+              </a:spcBef>
+              <a:buFont typeface="Arial"/>
+              <a:buChar char="•"/>
+              <a:defRPr sz="1500" kern="1200">
+                <a:solidFill>
+                  <a:schemeClr val="tx1"/>
+                </a:solidFill>
+                <a:latin typeface="+mn-lt"/>
+                <a:ea typeface="+mn-ea"/>
+                <a:cs typeface="+mn-cs"/>
+              </a:defRPr>
+            </a:lvl6pPr>
+            <a:lvl7pPr marL="2228850" indent="-171450" algn="l" defTabSz="342900" rtl="0" eaLnBrk="1" latinLnBrk="0" hangingPunct="1">
+              <a:spcBef>
+                <a:spcPct val="20000"/>
+              </a:spcBef>
+              <a:buFont typeface="Arial"/>
+              <a:buChar char="•"/>
+              <a:defRPr sz="1500" kern="1200">
+                <a:solidFill>
+                  <a:schemeClr val="tx1"/>
+                </a:solidFill>
+                <a:latin typeface="+mn-lt"/>
+                <a:ea typeface="+mn-ea"/>
+                <a:cs typeface="+mn-cs"/>
+              </a:defRPr>
+            </a:lvl7pPr>
+            <a:lvl8pPr marL="2571750" indent="-171450" algn="l" defTabSz="342900" rtl="0" eaLnBrk="1" latinLnBrk="0" hangingPunct="1">
+              <a:spcBef>
+                <a:spcPct val="20000"/>
+              </a:spcBef>
+              <a:buFont typeface="Arial"/>
+              <a:buChar char="•"/>
+              <a:defRPr sz="1500" kern="1200">
+                <a:solidFill>
+                  <a:schemeClr val="tx1"/>
+                </a:solidFill>
+                <a:latin typeface="+mn-lt"/>
+                <a:ea typeface="+mn-ea"/>
+                <a:cs typeface="+mn-cs"/>
+              </a:defRPr>
+            </a:lvl8pPr>
+            <a:lvl9pPr marL="2914650" indent="-171450" algn="l" defTabSz="342900" rtl="0" eaLnBrk="1" latinLnBrk="0" hangingPunct="1">
+              <a:spcBef>
+                <a:spcPct val="20000"/>
+              </a:spcBef>
+              <a:buFont typeface="Arial"/>
+              <a:buChar char="•"/>
+              <a:defRPr sz="1500" kern="1200">
+                <a:solidFill>
+                  <a:schemeClr val="tx1"/>
+                </a:solidFill>
+                <a:latin typeface="+mn-lt"/>
+                <a:ea typeface="+mn-ea"/>
+                <a:cs typeface="+mn-cs"/>
+              </a:defRPr>
+            </a:lvl9pPr>
+          </a:lstStyle>
+          <a:p>
+            <a:pPr marL="0" indent="0" algn="just">
+              <a:buFont typeface="Arial"/>
+              <a:buNone/>
+            </a:pPr>
+            <a:endParaRPr lang="it-IT" dirty="0"/>
+          </a:p>
+          <a:p>
+            <a:pPr marL="0" indent="0" algn="just">
+              <a:buFont typeface="Arial"/>
+              <a:buNone/>
+            </a:pPr>
+            <a:endParaRPr lang="it-IT" dirty="0"/>
+          </a:p>
+          <a:p>
+            <a:endParaRPr lang="en-US" sz="2000" dirty="0"/>
+          </a:p>
+        </p:txBody>
+      </p:sp>
+      <p:sp>
+        <p:nvSpPr>
+          <p:cNvPr id="7" name="Titolo 1">
+            <a:extLst>
+              <a:ext uri="{FF2B5EF4-FFF2-40B4-BE49-F238E27FC236}">
+                <a16:creationId xmlns:a16="http://schemas.microsoft.com/office/drawing/2014/main" id="{588E765D-4A18-43EC-9070-BBB19613F406}"/>
+              </a:ext>
+            </a:extLst>
+          </p:cNvPr>
+          <p:cNvSpPr>
+            <a:spLocks noGrp="1"/>
+          </p:cNvSpPr>
+          <p:nvPr>
+            <p:ph type="title"/>
+          </p:nvPr>
+        </p:nvSpPr>
+        <p:spPr>
+          <a:xfrm>
+            <a:off x="457200" y="762000"/>
+            <a:ext cx="8229600" cy="1143000"/>
+          </a:xfrm>
+        </p:spPr>
+        <p:txBody>
+          <a:bodyPr>
+            <a:noAutofit/>
+          </a:bodyPr>
+          <a:lstStyle/>
+          <a:p>
+            <a:r>
+              <a:rPr lang="it-IT" sz="2700" dirty="0"/>
+              <a:t>CONSIDERAZIONI</a:t>
+            </a:r>
+            <a:endParaRPr lang="en-US" sz="2700" dirty="0"/>
+          </a:p>
+        </p:txBody>
+      </p:sp>
+    </p:spTree>
+    <p:extLst>
+      <p:ext uri="{BB962C8B-B14F-4D97-AF65-F5344CB8AC3E}">
+        <p14:creationId xmlns:p14="http://schemas.microsoft.com/office/powerpoint/2010/main" val="1292023402"/>
+      </p:ext>
+    </p:extLst>
+  </p:cSld>
+  <p:clrMapOvr>
+    <a:masterClrMapping/>
+  </p:clrMapOvr>
+</p:sld>
+</file>
+
+<file path=ppt/slides/slide9.xml><?xml version="1.0" encoding="utf-8"?>
 <p:sld xmlns:a="http://schemas.openxmlformats.org/drawingml/2006/main" xmlns:r="http://schemas.openxmlformats.org/officeDocument/2006/relationships" xmlns:p="http://schemas.openxmlformats.org/presentationml/2006/main">
   <p:cSld>
     <p:spTree>

--- a/relazione.pptx
+++ b/relazione.pptx
@@ -13,7 +13,17 @@
     <p:sldId id="264" r:id="rId7"/>
     <p:sldId id="263" r:id="rId8"/>
     <p:sldId id="265" r:id="rId9"/>
-    <p:sldId id="262" r:id="rId10"/>
+    <p:sldId id="266" r:id="rId10"/>
+    <p:sldId id="267" r:id="rId11"/>
+    <p:sldId id="268" r:id="rId12"/>
+    <p:sldId id="269" r:id="rId13"/>
+    <p:sldId id="270" r:id="rId14"/>
+    <p:sldId id="271" r:id="rId15"/>
+    <p:sldId id="272" r:id="rId16"/>
+    <p:sldId id="273" r:id="rId17"/>
+    <p:sldId id="274" r:id="rId18"/>
+    <p:sldId id="275" r:id="rId19"/>
+    <p:sldId id="262" r:id="rId20"/>
   </p:sldIdLst>
   <p:sldSz cx="9144000" cy="6858000" type="screen4x3"/>
   <p:notesSz cx="6858000" cy="9144000"/>
@@ -114,7 +124,7 @@
   </p:defaultTextStyle>
   <p:extLst>
     <p:ext uri="{EFAFB233-063F-42B5-8137-9DF3F51BA10A}">
-      <p15:sldGuideLst xmlns:p15="http://schemas.microsoft.com/office/powerpoint/2012/main">
+      <p15:sldGuideLst xmlns="" xmlns:p15="http://schemas.microsoft.com/office/powerpoint/2012/main">
         <p15:guide id="1" orient="horz" pos="2160" userDrawn="1">
           <p15:clr>
             <a:srgbClr val="A4A3A4"/>
@@ -3253,6 +3263,3550 @@
   <p:clrMapOvr>
     <a:masterClrMapping/>
   </p:clrMapOvr>
+  <p:timing>
+    <p:tnLst>
+      <p:par>
+        <p:cTn id="1" dur="indefinite" restart="never" nodeType="tmRoot"/>
+      </p:par>
+    </p:tnLst>
+  </p:timing>
+</p:sld>
+</file>
+
+<file path=ppt/slides/slide10.xml><?xml version="1.0" encoding="utf-8"?>
+<p:sld xmlns:a="http://schemas.openxmlformats.org/drawingml/2006/main" xmlns:r="http://schemas.openxmlformats.org/officeDocument/2006/relationships" xmlns:p="http://schemas.openxmlformats.org/presentationml/2006/main">
+  <p:cSld>
+    <p:spTree>
+      <p:nvGrpSpPr>
+        <p:cNvPr id="1" name=""/>
+        <p:cNvGrpSpPr/>
+        <p:nvPr/>
+      </p:nvGrpSpPr>
+      <p:grpSpPr>
+        <a:xfrm>
+          <a:off x="0" y="0"/>
+          <a:ext cx="0" cy="0"/>
+          <a:chOff x="0" y="0"/>
+          <a:chExt cx="0" cy="0"/>
+        </a:xfrm>
+      </p:grpSpPr>
+      <p:pic>
+        <p:nvPicPr>
+          <p:cNvPr id="2050" name="Picture 2" descr="Y:\GOOGLE_DRIVE\PC_SYNC\istruzione\UNIFI_ANNO_3\DMO\datamining-class-homework\img\scatter_plot_3.png"/>
+          <p:cNvPicPr>
+            <a:picLocks noChangeAspect="1" noChangeArrowheads="1"/>
+          </p:cNvPicPr>
+          <p:nvPr/>
+        </p:nvPicPr>
+        <p:blipFill>
+          <a:blip r:embed="rId2"/>
+          <a:srcRect t="8480" r="3253" b="2009"/>
+          <a:stretch>
+            <a:fillRect/>
+          </a:stretch>
+        </p:blipFill>
+        <p:spPr bwMode="auto">
+          <a:xfrm>
+            <a:off x="2571736" y="857232"/>
+            <a:ext cx="6572264" cy="6000768"/>
+          </a:xfrm>
+          <a:prstGeom prst="rect">
+            <a:avLst/>
+          </a:prstGeom>
+          <a:noFill/>
+        </p:spPr>
+      </p:pic>
+      <p:sp>
+        <p:nvSpPr>
+          <p:cNvPr id="3" name="Titolo 1">
+            <a:extLst>
+              <a:ext uri="{FF2B5EF4-FFF2-40B4-BE49-F238E27FC236}">
+                <a16:creationId xmlns="" xmlns:a16="http://schemas.microsoft.com/office/drawing/2014/main" id="{9E74EE39-EA32-4246-BC63-84D8E46682AC}"/>
+              </a:ext>
+            </a:extLst>
+          </p:cNvPr>
+          <p:cNvSpPr txBox="1">
+            <a:spLocks/>
+          </p:cNvSpPr>
+          <p:nvPr/>
+        </p:nvSpPr>
+        <p:spPr>
+          <a:xfrm>
+            <a:off x="1447800" y="152400"/>
+            <a:ext cx="8229600" cy="1143000"/>
+          </a:xfrm>
+          <a:prstGeom prst="rect">
+            <a:avLst/>
+          </a:prstGeom>
+        </p:spPr>
+        <p:txBody>
+          <a:bodyPr>
+            <a:noAutofit/>
+          </a:bodyPr>
+          <a:lstStyle>
+            <a:lvl1pPr algn="ctr" defTabSz="342900" rtl="0" eaLnBrk="1" latinLnBrk="0" hangingPunct="1">
+              <a:spcBef>
+                <a:spcPct val="0"/>
+              </a:spcBef>
+              <a:buNone/>
+              <a:defRPr sz="3300" kern="1200">
+                <a:solidFill>
+                  <a:schemeClr val="tx1"/>
+                </a:solidFill>
+                <a:latin typeface="+mj-lt"/>
+                <a:ea typeface="+mj-ea"/>
+                <a:cs typeface="+mj-cs"/>
+              </a:defRPr>
+            </a:lvl1pPr>
+          </a:lstStyle>
+          <a:p>
+            <a:r>
+              <a:rPr lang="it-IT" sz="2400" b="1" dirty="0">
+                <a:solidFill>
+                  <a:schemeClr val="bg1"/>
+                </a:solidFill>
+              </a:rPr>
+              <a:t>DATA UNDERSTANDING: </a:t>
+            </a:r>
+            <a:r>
+              <a:rPr lang="it-IT" sz="2400" dirty="0" smtClean="0">
+                <a:solidFill>
+                  <a:schemeClr val="bg1"/>
+                </a:solidFill>
+              </a:rPr>
+              <a:t>DETTAGLIO</a:t>
+            </a:r>
+            <a:endParaRPr lang="en-US" sz="2400" dirty="0">
+              <a:solidFill>
+                <a:schemeClr val="bg1"/>
+              </a:solidFill>
+            </a:endParaRPr>
+          </a:p>
+        </p:txBody>
+      </p:sp>
+      <p:sp>
+        <p:nvSpPr>
+          <p:cNvPr id="4" name="CasellaDiTesto 3"/>
+          <p:cNvSpPr txBox="1"/>
+          <p:nvPr/>
+        </p:nvSpPr>
+        <p:spPr>
+          <a:xfrm>
+            <a:off x="172378" y="945668"/>
+            <a:ext cx="2399358" cy="4770537"/>
+          </a:xfrm>
+          <a:prstGeom prst="rect">
+            <a:avLst/>
+          </a:prstGeom>
+          <a:noFill/>
+        </p:spPr>
+        <p:txBody>
+          <a:bodyPr wrap="square" rtlCol="0">
+            <a:spAutoFit/>
+          </a:bodyPr>
+          <a:lstStyle/>
+          <a:p>
+            <a:r>
+              <a:rPr lang="it-IT" sz="1600" dirty="0" smtClean="0"/>
+              <a:t>Fra gli studenti che hanno conseguiti tutti i crediti, si può notare una consistente densità nella fascia che va circa dal 22 al 29. Si può anche notare una assenza di voti medi inferiore al 22 fra coloro che hanno conseguito più di 100 CFU.</a:t>
+            </a:r>
+          </a:p>
+          <a:p>
+            <a:endParaRPr lang="it-IT" sz="1600" dirty="0" smtClean="0"/>
+          </a:p>
+          <a:p>
+            <a:r>
+              <a:rPr lang="it-IT" sz="1600" dirty="0" smtClean="0"/>
+              <a:t>Un altro aspetto che potrebbe rivelarsi interessante è che, fra la coorte di studenti del 2013, vari studenti hanno conseguito un solo esame con un voto superiore al 20. Cosa può implicare?</a:t>
+            </a:r>
+            <a:endParaRPr lang="it-IT" sz="1600" dirty="0"/>
+          </a:p>
+        </p:txBody>
+      </p:sp>
+    </p:spTree>
+  </p:cSld>
+  <p:clrMapOvr>
+    <a:masterClrMapping/>
+  </p:clrMapOvr>
+</p:sld>
+</file>
+
+<file path=ppt/slides/slide11.xml><?xml version="1.0" encoding="utf-8"?>
+<p:sld xmlns:a="http://schemas.openxmlformats.org/drawingml/2006/main" xmlns:r="http://schemas.openxmlformats.org/officeDocument/2006/relationships" xmlns:p="http://schemas.openxmlformats.org/presentationml/2006/main">
+  <p:cSld>
+    <p:spTree>
+      <p:nvGrpSpPr>
+        <p:cNvPr id="1" name=""/>
+        <p:cNvGrpSpPr/>
+        <p:nvPr/>
+      </p:nvGrpSpPr>
+      <p:grpSpPr>
+        <a:xfrm>
+          <a:off x="0" y="0"/>
+          <a:ext cx="0" cy="0"/>
+          <a:chOff x="0" y="0"/>
+          <a:chExt cx="0" cy="0"/>
+        </a:xfrm>
+      </p:grpSpPr>
+      <p:sp>
+        <p:nvSpPr>
+          <p:cNvPr id="7" name="CasellaDiTesto 6">
+            <a:extLst>
+              <a:ext uri="{FF2B5EF4-FFF2-40B4-BE49-F238E27FC236}">
+                <a16:creationId xmlns="" xmlns:a16="http://schemas.microsoft.com/office/drawing/2014/main" id="{B948AE74-754E-4EF7-AC16-36C5BC20D8A2}"/>
+              </a:ext>
+            </a:extLst>
+          </p:cNvPr>
+          <p:cNvSpPr txBox="1"/>
+          <p:nvPr/>
+        </p:nvSpPr>
+        <p:spPr>
+          <a:xfrm>
+            <a:off x="857224" y="4500570"/>
+            <a:ext cx="7572428" cy="954107"/>
+          </a:xfrm>
+          <a:prstGeom prst="rect">
+            <a:avLst/>
+          </a:prstGeom>
+          <a:noFill/>
+        </p:spPr>
+        <p:txBody>
+          <a:bodyPr wrap="square" rtlCol="0">
+            <a:spAutoFit/>
+          </a:bodyPr>
+          <a:lstStyle/>
+          <a:p>
+            <a:r>
+              <a:rPr lang="en-US" sz="1400" dirty="0" err="1" smtClean="0">
+                <a:solidFill>
+                  <a:srgbClr val="002060"/>
+                </a:solidFill>
+                <a:latin typeface="Courier New" panose="02070309020205020404" pitchFamily="49" charset="0"/>
+                <a:cs typeface="Courier New" panose="02070309020205020404" pitchFamily="49" charset="0"/>
+              </a:rPr>
+              <a:t>boxplot</a:t>
+            </a:r>
+            <a:r>
+              <a:rPr lang="en-US" sz="1400" dirty="0" smtClean="0">
+                <a:solidFill>
+                  <a:srgbClr val="002060"/>
+                </a:solidFill>
+                <a:latin typeface="Courier New" panose="02070309020205020404" pitchFamily="49" charset="0"/>
+                <a:cs typeface="Courier New" panose="02070309020205020404" pitchFamily="49" charset="0"/>
+              </a:rPr>
+              <a:t>(students[,4]~students[,1],data = </a:t>
+            </a:r>
+            <a:r>
+              <a:rPr lang="en-US" sz="1400" dirty="0" err="1" smtClean="0">
+                <a:solidFill>
+                  <a:srgbClr val="002060"/>
+                </a:solidFill>
+                <a:latin typeface="Courier New" panose="02070309020205020404" pitchFamily="49" charset="0"/>
+                <a:cs typeface="Courier New" panose="02070309020205020404" pitchFamily="49" charset="0"/>
+              </a:rPr>
+              <a:t>students,xlab</a:t>
+            </a:r>
+            <a:r>
+              <a:rPr lang="en-US" sz="1400" dirty="0" smtClean="0">
+                <a:solidFill>
+                  <a:srgbClr val="002060"/>
+                </a:solidFill>
+                <a:latin typeface="Courier New" panose="02070309020205020404" pitchFamily="49" charset="0"/>
+                <a:cs typeface="Courier New" panose="02070309020205020404" pitchFamily="49" charset="0"/>
+              </a:rPr>
+              <a:t>="Total Marked 	</a:t>
+            </a:r>
+            <a:r>
+              <a:rPr lang="en-US" sz="1400" dirty="0" err="1" smtClean="0">
+                <a:solidFill>
+                  <a:srgbClr val="002060"/>
+                </a:solidFill>
+                <a:latin typeface="Courier New" panose="02070309020205020404" pitchFamily="49" charset="0"/>
+                <a:cs typeface="Courier New" panose="02070309020205020404" pitchFamily="49" charset="0"/>
+              </a:rPr>
+              <a:t>CFU",col</a:t>
+            </a:r>
+            <a:r>
+              <a:rPr lang="en-US" sz="1400" dirty="0" smtClean="0">
+                <a:solidFill>
+                  <a:srgbClr val="002060"/>
+                </a:solidFill>
+                <a:latin typeface="Courier New" panose="02070309020205020404" pitchFamily="49" charset="0"/>
+                <a:cs typeface="Courier New" panose="02070309020205020404" pitchFamily="49" charset="0"/>
+              </a:rPr>
+              <a:t>=colors)</a:t>
+            </a:r>
+          </a:p>
+          <a:p>
+            <a:r>
+              <a:rPr lang="en-US" sz="1400" dirty="0" err="1" smtClean="0">
+                <a:solidFill>
+                  <a:srgbClr val="002060"/>
+                </a:solidFill>
+                <a:latin typeface="Courier New" panose="02070309020205020404" pitchFamily="49" charset="0"/>
+                <a:cs typeface="Courier New" panose="02070309020205020404" pitchFamily="49" charset="0"/>
+              </a:rPr>
+              <a:t>boxplot</a:t>
+            </a:r>
+            <a:r>
+              <a:rPr lang="en-US" sz="1400" dirty="0" smtClean="0">
+                <a:solidFill>
+                  <a:srgbClr val="002060"/>
+                </a:solidFill>
+                <a:latin typeface="Courier New" panose="02070309020205020404" pitchFamily="49" charset="0"/>
+                <a:cs typeface="Courier New" panose="02070309020205020404" pitchFamily="49" charset="0"/>
+              </a:rPr>
+              <a:t>(students[,5]~students[,1],data = </a:t>
+            </a:r>
+            <a:r>
+              <a:rPr lang="en-US" sz="1400" dirty="0" err="1" smtClean="0">
+                <a:solidFill>
+                  <a:srgbClr val="002060"/>
+                </a:solidFill>
+                <a:latin typeface="Courier New" panose="02070309020205020404" pitchFamily="49" charset="0"/>
+                <a:cs typeface="Courier New" panose="02070309020205020404" pitchFamily="49" charset="0"/>
+              </a:rPr>
+              <a:t>students,xlab</a:t>
+            </a:r>
+            <a:r>
+              <a:rPr lang="en-US" sz="1400" dirty="0" smtClean="0">
+                <a:solidFill>
+                  <a:srgbClr val="002060"/>
+                </a:solidFill>
+                <a:latin typeface="Courier New" panose="02070309020205020404" pitchFamily="49" charset="0"/>
+                <a:cs typeface="Courier New" panose="02070309020205020404" pitchFamily="49" charset="0"/>
+              </a:rPr>
+              <a:t>="Avg. Exam 	</a:t>
+            </a:r>
+            <a:r>
+              <a:rPr lang="en-US" sz="1400" dirty="0" err="1" smtClean="0">
+                <a:solidFill>
+                  <a:srgbClr val="002060"/>
+                </a:solidFill>
+                <a:latin typeface="Courier New" panose="02070309020205020404" pitchFamily="49" charset="0"/>
+                <a:cs typeface="Courier New" panose="02070309020205020404" pitchFamily="49" charset="0"/>
+              </a:rPr>
+              <a:t>Score",col</a:t>
+            </a:r>
+            <a:r>
+              <a:rPr lang="en-US" sz="1400" dirty="0" smtClean="0">
+                <a:solidFill>
+                  <a:srgbClr val="002060"/>
+                </a:solidFill>
+                <a:latin typeface="Courier New" panose="02070309020205020404" pitchFamily="49" charset="0"/>
+                <a:cs typeface="Courier New" panose="02070309020205020404" pitchFamily="49" charset="0"/>
+              </a:rPr>
+              <a:t>=colors)</a:t>
+            </a:r>
+            <a:endParaRPr lang="it-IT" sz="1000" dirty="0">
+              <a:solidFill>
+                <a:srgbClr val="002060"/>
+              </a:solidFill>
+              <a:latin typeface="Courier New" panose="02070309020205020404" pitchFamily="49" charset="0"/>
+              <a:cs typeface="Courier New" panose="02070309020205020404" pitchFamily="49" charset="0"/>
+            </a:endParaRPr>
+          </a:p>
+        </p:txBody>
+      </p:sp>
+      <p:sp>
+        <p:nvSpPr>
+          <p:cNvPr id="8" name="Titolo 1">
+            <a:extLst>
+              <a:ext uri="{FF2B5EF4-FFF2-40B4-BE49-F238E27FC236}">
+                <a16:creationId xmlns="" xmlns:a16="http://schemas.microsoft.com/office/drawing/2014/main" id="{93988BB5-A413-49BA-BC9C-68388EF5A744}"/>
+              </a:ext>
+            </a:extLst>
+          </p:cNvPr>
+          <p:cNvSpPr txBox="1">
+            <a:spLocks/>
+          </p:cNvSpPr>
+          <p:nvPr/>
+        </p:nvSpPr>
+        <p:spPr>
+          <a:xfrm>
+            <a:off x="1447800" y="152400"/>
+            <a:ext cx="8229600" cy="1143000"/>
+          </a:xfrm>
+          <a:prstGeom prst="rect">
+            <a:avLst/>
+          </a:prstGeom>
+        </p:spPr>
+        <p:txBody>
+          <a:bodyPr>
+            <a:noAutofit/>
+          </a:bodyPr>
+          <a:lstStyle>
+            <a:lvl1pPr algn="ctr" defTabSz="342900" rtl="0" eaLnBrk="1" latinLnBrk="0" hangingPunct="1">
+              <a:spcBef>
+                <a:spcPct val="0"/>
+              </a:spcBef>
+              <a:buNone/>
+              <a:defRPr sz="3300" kern="1200">
+                <a:solidFill>
+                  <a:schemeClr val="tx1"/>
+                </a:solidFill>
+                <a:latin typeface="+mj-lt"/>
+                <a:ea typeface="+mj-ea"/>
+                <a:cs typeface="+mj-cs"/>
+              </a:defRPr>
+            </a:lvl1pPr>
+          </a:lstStyle>
+          <a:p>
+            <a:r>
+              <a:rPr lang="it-IT" sz="2400" b="1" dirty="0">
+                <a:solidFill>
+                  <a:schemeClr val="bg1"/>
+                </a:solidFill>
+              </a:rPr>
+              <a:t>DATA UNDERSTANDING: </a:t>
+            </a:r>
+            <a:r>
+              <a:rPr lang="it-IT" sz="2400" dirty="0">
+                <a:solidFill>
+                  <a:schemeClr val="bg1"/>
+                </a:solidFill>
+              </a:rPr>
+              <a:t>PRESTAZIONI GENERALI</a:t>
+            </a:r>
+            <a:endParaRPr lang="en-US" sz="2400" dirty="0">
+              <a:solidFill>
+                <a:schemeClr val="bg1"/>
+              </a:solidFill>
+            </a:endParaRPr>
+          </a:p>
+        </p:txBody>
+      </p:sp>
+      <p:sp>
+        <p:nvSpPr>
+          <p:cNvPr id="9" name="Segnaposto contenuto 2">
+            <a:extLst>
+              <a:ext uri="{FF2B5EF4-FFF2-40B4-BE49-F238E27FC236}">
+                <a16:creationId xmlns="" xmlns:a16="http://schemas.microsoft.com/office/drawing/2014/main" id="{C2E44FE5-CCA1-4E8F-905A-F2F5CDF25092}"/>
+              </a:ext>
+            </a:extLst>
+          </p:cNvPr>
+          <p:cNvSpPr txBox="1">
+            <a:spLocks/>
+          </p:cNvSpPr>
+          <p:nvPr/>
+        </p:nvSpPr>
+        <p:spPr>
+          <a:xfrm>
+            <a:off x="457200" y="1600200"/>
+            <a:ext cx="8229600" cy="1219200"/>
+          </a:xfrm>
+          <a:prstGeom prst="rect">
+            <a:avLst/>
+          </a:prstGeom>
+        </p:spPr>
+        <p:txBody>
+          <a:bodyPr>
+            <a:normAutofit/>
+          </a:bodyPr>
+          <a:lstStyle/>
+          <a:p>
+            <a:pPr marL="257175" marR="0" lvl="0" indent="-257175" algn="just" defTabSz="342900" rtl="0" eaLnBrk="1" fontAlgn="auto" latinLnBrk="0" hangingPunct="1">
+              <a:lnSpc>
+                <a:spcPct val="100000"/>
+              </a:lnSpc>
+              <a:spcBef>
+                <a:spcPct val="20000"/>
+              </a:spcBef>
+              <a:spcAft>
+                <a:spcPts val="0"/>
+              </a:spcAft>
+              <a:buClrTx/>
+              <a:buSzTx/>
+              <a:buFont typeface="Arial"/>
+              <a:buChar char="•"/>
+              <a:tabLst/>
+              <a:defRPr/>
+            </a:pPr>
+            <a:r>
+              <a:rPr lang="it-IT" sz="2400" dirty="0" smtClean="0"/>
+              <a:t>Viste le possibili informazioni che sembra possibile estrarre, si è deciso di insistere sull’analisi visiva degli attributi </a:t>
+            </a:r>
+            <a:r>
+              <a:rPr lang="it-IT" sz="2400" i="1" dirty="0" smtClean="0"/>
+              <a:t>voto medio </a:t>
+            </a:r>
+            <a:r>
+              <a:rPr lang="it-IT" sz="2400" dirty="0" smtClean="0"/>
+              <a:t>e </a:t>
+            </a:r>
+            <a:r>
+              <a:rPr lang="it-IT" sz="2400" i="1" dirty="0" smtClean="0"/>
+              <a:t>numero totale di crediti</a:t>
+            </a:r>
+            <a:r>
+              <a:rPr lang="it-IT" sz="2400" dirty="0" smtClean="0"/>
+              <a:t> conseguiti.</a:t>
+            </a:r>
+            <a:endParaRPr kumimoji="0" lang="it-IT" sz="2400" b="0" i="0" u="none" strike="noStrike" kern="1200" cap="none" spc="0" normalizeH="0" baseline="0" noProof="0" dirty="0" smtClean="0">
+              <a:ln>
+                <a:noFill/>
+              </a:ln>
+              <a:solidFill>
+                <a:schemeClr val="tx1"/>
+              </a:solidFill>
+              <a:effectLst/>
+              <a:uLnTx/>
+              <a:uFillTx/>
+              <a:latin typeface="+mn-lt"/>
+              <a:ea typeface="+mn-ea"/>
+              <a:cs typeface="+mn-cs"/>
+            </a:endParaRPr>
+          </a:p>
+          <a:p>
+            <a:pPr marL="0" marR="0" lvl="0" indent="0" algn="just" defTabSz="342900" rtl="0" eaLnBrk="1" fontAlgn="auto" latinLnBrk="0" hangingPunct="1">
+              <a:lnSpc>
+                <a:spcPct val="100000"/>
+              </a:lnSpc>
+              <a:spcBef>
+                <a:spcPct val="20000"/>
+              </a:spcBef>
+              <a:spcAft>
+                <a:spcPts val="0"/>
+              </a:spcAft>
+              <a:buClrTx/>
+              <a:buSzTx/>
+              <a:buFont typeface="Arial"/>
+              <a:buNone/>
+              <a:tabLst/>
+              <a:defRPr/>
+            </a:pPr>
+            <a:endParaRPr kumimoji="0" lang="it-IT" sz="2400" b="0" i="0" u="none" strike="noStrike" kern="1200" cap="none" spc="0" normalizeH="0" baseline="0" noProof="0" dirty="0" smtClean="0">
+              <a:ln>
+                <a:noFill/>
+              </a:ln>
+              <a:solidFill>
+                <a:schemeClr val="tx1"/>
+              </a:solidFill>
+              <a:effectLst/>
+              <a:uLnTx/>
+              <a:uFillTx/>
+              <a:latin typeface="+mn-lt"/>
+              <a:ea typeface="+mn-ea"/>
+              <a:cs typeface="+mn-cs"/>
+            </a:endParaRPr>
+          </a:p>
+          <a:p>
+            <a:pPr marL="0" marR="0" lvl="0" indent="0" algn="just" defTabSz="342900" rtl="0" eaLnBrk="1" fontAlgn="auto" latinLnBrk="0" hangingPunct="1">
+              <a:lnSpc>
+                <a:spcPct val="100000"/>
+              </a:lnSpc>
+              <a:spcBef>
+                <a:spcPct val="20000"/>
+              </a:spcBef>
+              <a:spcAft>
+                <a:spcPts val="0"/>
+              </a:spcAft>
+              <a:buClrTx/>
+              <a:buSzTx/>
+              <a:buFont typeface="Arial"/>
+              <a:buNone/>
+              <a:tabLst/>
+              <a:defRPr/>
+            </a:pPr>
+            <a:endParaRPr kumimoji="0" lang="it-IT" sz="2400" b="0" i="0" u="none" strike="noStrike" kern="1200" cap="none" spc="0" normalizeH="0" baseline="0" noProof="0" dirty="0" smtClean="0">
+              <a:ln>
+                <a:noFill/>
+              </a:ln>
+              <a:solidFill>
+                <a:schemeClr val="tx1"/>
+              </a:solidFill>
+              <a:effectLst/>
+              <a:uLnTx/>
+              <a:uFillTx/>
+              <a:latin typeface="+mn-lt"/>
+              <a:ea typeface="+mn-ea"/>
+              <a:cs typeface="+mn-cs"/>
+            </a:endParaRPr>
+          </a:p>
+          <a:p>
+            <a:pPr marL="257175" marR="0" lvl="0" indent="-257175" algn="l" defTabSz="342900" rtl="0" eaLnBrk="1" fontAlgn="auto" latinLnBrk="0" hangingPunct="1">
+              <a:lnSpc>
+                <a:spcPct val="100000"/>
+              </a:lnSpc>
+              <a:spcBef>
+                <a:spcPct val="20000"/>
+              </a:spcBef>
+              <a:spcAft>
+                <a:spcPts val="0"/>
+              </a:spcAft>
+              <a:buClrTx/>
+              <a:buSzTx/>
+              <a:buFont typeface="Arial"/>
+              <a:buChar char="•"/>
+              <a:tabLst/>
+              <a:defRPr/>
+            </a:pPr>
+            <a:endParaRPr kumimoji="0" lang="en-US" sz="2000" b="0" i="0" u="none" strike="noStrike" kern="1200" cap="none" spc="0" normalizeH="0" baseline="0" noProof="0" dirty="0">
+              <a:ln>
+                <a:noFill/>
+              </a:ln>
+              <a:solidFill>
+                <a:schemeClr val="tx1"/>
+              </a:solidFill>
+              <a:effectLst/>
+              <a:uLnTx/>
+              <a:uFillTx/>
+              <a:latin typeface="+mn-lt"/>
+              <a:ea typeface="+mn-ea"/>
+              <a:cs typeface="+mn-cs"/>
+            </a:endParaRPr>
+          </a:p>
+        </p:txBody>
+      </p:sp>
+      <p:sp>
+        <p:nvSpPr>
+          <p:cNvPr id="10" name="Segnaposto contenuto 2">
+            <a:extLst>
+              <a:ext uri="{FF2B5EF4-FFF2-40B4-BE49-F238E27FC236}">
+                <a16:creationId xmlns="" xmlns:a16="http://schemas.microsoft.com/office/drawing/2014/main" id="{89886170-B615-43F8-AA8E-D5565391C42A}"/>
+              </a:ext>
+            </a:extLst>
+          </p:cNvPr>
+          <p:cNvSpPr txBox="1">
+            <a:spLocks/>
+          </p:cNvSpPr>
+          <p:nvPr/>
+        </p:nvSpPr>
+        <p:spPr>
+          <a:xfrm>
+            <a:off x="457200" y="4613700"/>
+            <a:ext cx="8229600" cy="1074753"/>
+          </a:xfrm>
+          <a:prstGeom prst="rect">
+            <a:avLst/>
+          </a:prstGeom>
+        </p:spPr>
+        <p:txBody>
+          <a:bodyPr vert="horz" lIns="91440" tIns="45720" rIns="91440" bIns="45720" rtlCol="0">
+            <a:normAutofit/>
+          </a:bodyPr>
+          <a:lstStyle>
+            <a:lvl1pPr marL="257175" indent="-257175" algn="l" defTabSz="342900" rtl="0" eaLnBrk="1" latinLnBrk="0" hangingPunct="1">
+              <a:spcBef>
+                <a:spcPct val="20000"/>
+              </a:spcBef>
+              <a:buFont typeface="Arial"/>
+              <a:buChar char="•"/>
+              <a:defRPr sz="2400" kern="1200">
+                <a:solidFill>
+                  <a:schemeClr val="tx1"/>
+                </a:solidFill>
+                <a:latin typeface="+mn-lt"/>
+                <a:ea typeface="+mn-ea"/>
+                <a:cs typeface="+mn-cs"/>
+              </a:defRPr>
+            </a:lvl1pPr>
+            <a:lvl2pPr marL="557213" indent="-214313" algn="l" defTabSz="342900" rtl="0" eaLnBrk="1" latinLnBrk="0" hangingPunct="1">
+              <a:spcBef>
+                <a:spcPct val="20000"/>
+              </a:spcBef>
+              <a:buFont typeface="Arial"/>
+              <a:buChar char="–"/>
+              <a:defRPr sz="2100" kern="1200">
+                <a:solidFill>
+                  <a:schemeClr val="tx1"/>
+                </a:solidFill>
+                <a:latin typeface="+mn-lt"/>
+                <a:ea typeface="+mn-ea"/>
+                <a:cs typeface="+mn-cs"/>
+              </a:defRPr>
+            </a:lvl2pPr>
+            <a:lvl3pPr marL="857250" indent="-171450" algn="l" defTabSz="342900" rtl="0" eaLnBrk="1" latinLnBrk="0" hangingPunct="1">
+              <a:spcBef>
+                <a:spcPct val="20000"/>
+              </a:spcBef>
+              <a:buFont typeface="Arial"/>
+              <a:buChar char="•"/>
+              <a:defRPr sz="1800" kern="1200">
+                <a:solidFill>
+                  <a:schemeClr val="tx1"/>
+                </a:solidFill>
+                <a:latin typeface="+mn-lt"/>
+                <a:ea typeface="+mn-ea"/>
+                <a:cs typeface="+mn-cs"/>
+              </a:defRPr>
+            </a:lvl3pPr>
+            <a:lvl4pPr marL="1200150" indent="-171450" algn="l" defTabSz="342900" rtl="0" eaLnBrk="1" latinLnBrk="0" hangingPunct="1">
+              <a:spcBef>
+                <a:spcPct val="20000"/>
+              </a:spcBef>
+              <a:buFont typeface="Arial"/>
+              <a:buChar char="–"/>
+              <a:defRPr sz="1500" kern="1200">
+                <a:solidFill>
+                  <a:schemeClr val="tx1"/>
+                </a:solidFill>
+                <a:latin typeface="+mn-lt"/>
+                <a:ea typeface="+mn-ea"/>
+                <a:cs typeface="+mn-cs"/>
+              </a:defRPr>
+            </a:lvl4pPr>
+            <a:lvl5pPr marL="1543050" indent="-171450" algn="l" defTabSz="342900" rtl="0" eaLnBrk="1" latinLnBrk="0" hangingPunct="1">
+              <a:spcBef>
+                <a:spcPct val="20000"/>
+              </a:spcBef>
+              <a:buFont typeface="Arial"/>
+              <a:buChar char="»"/>
+              <a:defRPr sz="1500" kern="1200">
+                <a:solidFill>
+                  <a:schemeClr val="tx1"/>
+                </a:solidFill>
+                <a:latin typeface="+mn-lt"/>
+                <a:ea typeface="+mn-ea"/>
+                <a:cs typeface="+mn-cs"/>
+              </a:defRPr>
+            </a:lvl5pPr>
+            <a:lvl6pPr marL="1885950" indent="-171450" algn="l" defTabSz="342900" rtl="0" eaLnBrk="1" latinLnBrk="0" hangingPunct="1">
+              <a:spcBef>
+                <a:spcPct val="20000"/>
+              </a:spcBef>
+              <a:buFont typeface="Arial"/>
+              <a:buChar char="•"/>
+              <a:defRPr sz="1500" kern="1200">
+                <a:solidFill>
+                  <a:schemeClr val="tx1"/>
+                </a:solidFill>
+                <a:latin typeface="+mn-lt"/>
+                <a:ea typeface="+mn-ea"/>
+                <a:cs typeface="+mn-cs"/>
+              </a:defRPr>
+            </a:lvl6pPr>
+            <a:lvl7pPr marL="2228850" indent="-171450" algn="l" defTabSz="342900" rtl="0" eaLnBrk="1" latinLnBrk="0" hangingPunct="1">
+              <a:spcBef>
+                <a:spcPct val="20000"/>
+              </a:spcBef>
+              <a:buFont typeface="Arial"/>
+              <a:buChar char="•"/>
+              <a:defRPr sz="1500" kern="1200">
+                <a:solidFill>
+                  <a:schemeClr val="tx1"/>
+                </a:solidFill>
+                <a:latin typeface="+mn-lt"/>
+                <a:ea typeface="+mn-ea"/>
+                <a:cs typeface="+mn-cs"/>
+              </a:defRPr>
+            </a:lvl7pPr>
+            <a:lvl8pPr marL="2571750" indent="-171450" algn="l" defTabSz="342900" rtl="0" eaLnBrk="1" latinLnBrk="0" hangingPunct="1">
+              <a:spcBef>
+                <a:spcPct val="20000"/>
+              </a:spcBef>
+              <a:buFont typeface="Arial"/>
+              <a:buChar char="•"/>
+              <a:defRPr sz="1500" kern="1200">
+                <a:solidFill>
+                  <a:schemeClr val="tx1"/>
+                </a:solidFill>
+                <a:latin typeface="+mn-lt"/>
+                <a:ea typeface="+mn-ea"/>
+                <a:cs typeface="+mn-cs"/>
+              </a:defRPr>
+            </a:lvl8pPr>
+            <a:lvl9pPr marL="2914650" indent="-171450" algn="l" defTabSz="342900" rtl="0" eaLnBrk="1" latinLnBrk="0" hangingPunct="1">
+              <a:spcBef>
+                <a:spcPct val="20000"/>
+              </a:spcBef>
+              <a:buFont typeface="Arial"/>
+              <a:buChar char="•"/>
+              <a:defRPr sz="1500" kern="1200">
+                <a:solidFill>
+                  <a:schemeClr val="tx1"/>
+                </a:solidFill>
+                <a:latin typeface="+mn-lt"/>
+                <a:ea typeface="+mn-ea"/>
+                <a:cs typeface="+mn-cs"/>
+              </a:defRPr>
+            </a:lvl9pPr>
+          </a:lstStyle>
+          <a:p>
+            <a:pPr marL="0" indent="0" algn="just">
+              <a:buFont typeface="Arial"/>
+              <a:buNone/>
+            </a:pPr>
+            <a:endParaRPr lang="it-IT" dirty="0"/>
+          </a:p>
+          <a:p>
+            <a:pPr marL="0" indent="0" algn="just">
+              <a:buFont typeface="Arial"/>
+              <a:buNone/>
+            </a:pPr>
+            <a:endParaRPr lang="it-IT" dirty="0"/>
+          </a:p>
+          <a:p>
+            <a:endParaRPr lang="en-US" sz="2000" dirty="0"/>
+          </a:p>
+        </p:txBody>
+      </p:sp>
+      <p:sp>
+        <p:nvSpPr>
+          <p:cNvPr id="11" name="Segnaposto contenuto 2">
+            <a:extLst>
+              <a:ext uri="{FF2B5EF4-FFF2-40B4-BE49-F238E27FC236}">
+                <a16:creationId xmlns="" xmlns:a16="http://schemas.microsoft.com/office/drawing/2014/main" id="{7D6E6495-424C-4525-948E-C30098166953}"/>
+              </a:ext>
+            </a:extLst>
+          </p:cNvPr>
+          <p:cNvSpPr txBox="1">
+            <a:spLocks/>
+          </p:cNvSpPr>
+          <p:nvPr/>
+        </p:nvSpPr>
+        <p:spPr>
+          <a:xfrm>
+            <a:off x="457200" y="3424246"/>
+            <a:ext cx="8229600" cy="1219200"/>
+          </a:xfrm>
+          <a:prstGeom prst="rect">
+            <a:avLst/>
+          </a:prstGeom>
+        </p:spPr>
+        <p:txBody>
+          <a:bodyPr vert="horz" lIns="91440" tIns="45720" rIns="91440" bIns="45720" rtlCol="0">
+            <a:normAutofit/>
+          </a:bodyPr>
+          <a:lstStyle>
+            <a:lvl1pPr marL="257175" indent="-257175" algn="l" defTabSz="342900" rtl="0" eaLnBrk="1" latinLnBrk="0" hangingPunct="1">
+              <a:spcBef>
+                <a:spcPct val="20000"/>
+              </a:spcBef>
+              <a:buFont typeface="Arial"/>
+              <a:buChar char="•"/>
+              <a:defRPr sz="2400" kern="1200">
+                <a:solidFill>
+                  <a:schemeClr val="tx1"/>
+                </a:solidFill>
+                <a:latin typeface="+mn-lt"/>
+                <a:ea typeface="+mn-ea"/>
+                <a:cs typeface="+mn-cs"/>
+              </a:defRPr>
+            </a:lvl1pPr>
+            <a:lvl2pPr marL="557213" indent="-214313" algn="l" defTabSz="342900" rtl="0" eaLnBrk="1" latinLnBrk="0" hangingPunct="1">
+              <a:spcBef>
+                <a:spcPct val="20000"/>
+              </a:spcBef>
+              <a:buFont typeface="Arial"/>
+              <a:buChar char="–"/>
+              <a:defRPr sz="2100" kern="1200">
+                <a:solidFill>
+                  <a:schemeClr val="tx1"/>
+                </a:solidFill>
+                <a:latin typeface="+mn-lt"/>
+                <a:ea typeface="+mn-ea"/>
+                <a:cs typeface="+mn-cs"/>
+              </a:defRPr>
+            </a:lvl2pPr>
+            <a:lvl3pPr marL="857250" indent="-171450" algn="l" defTabSz="342900" rtl="0" eaLnBrk="1" latinLnBrk="0" hangingPunct="1">
+              <a:spcBef>
+                <a:spcPct val="20000"/>
+              </a:spcBef>
+              <a:buFont typeface="Arial"/>
+              <a:buChar char="•"/>
+              <a:defRPr sz="1800" kern="1200">
+                <a:solidFill>
+                  <a:schemeClr val="tx1"/>
+                </a:solidFill>
+                <a:latin typeface="+mn-lt"/>
+                <a:ea typeface="+mn-ea"/>
+                <a:cs typeface="+mn-cs"/>
+              </a:defRPr>
+            </a:lvl3pPr>
+            <a:lvl4pPr marL="1200150" indent="-171450" algn="l" defTabSz="342900" rtl="0" eaLnBrk="1" latinLnBrk="0" hangingPunct="1">
+              <a:spcBef>
+                <a:spcPct val="20000"/>
+              </a:spcBef>
+              <a:buFont typeface="Arial"/>
+              <a:buChar char="–"/>
+              <a:defRPr sz="1500" kern="1200">
+                <a:solidFill>
+                  <a:schemeClr val="tx1"/>
+                </a:solidFill>
+                <a:latin typeface="+mn-lt"/>
+                <a:ea typeface="+mn-ea"/>
+                <a:cs typeface="+mn-cs"/>
+              </a:defRPr>
+            </a:lvl4pPr>
+            <a:lvl5pPr marL="1543050" indent="-171450" algn="l" defTabSz="342900" rtl="0" eaLnBrk="1" latinLnBrk="0" hangingPunct="1">
+              <a:spcBef>
+                <a:spcPct val="20000"/>
+              </a:spcBef>
+              <a:buFont typeface="Arial"/>
+              <a:buChar char="»"/>
+              <a:defRPr sz="1500" kern="1200">
+                <a:solidFill>
+                  <a:schemeClr val="tx1"/>
+                </a:solidFill>
+                <a:latin typeface="+mn-lt"/>
+                <a:ea typeface="+mn-ea"/>
+                <a:cs typeface="+mn-cs"/>
+              </a:defRPr>
+            </a:lvl5pPr>
+            <a:lvl6pPr marL="1885950" indent="-171450" algn="l" defTabSz="342900" rtl="0" eaLnBrk="1" latinLnBrk="0" hangingPunct="1">
+              <a:spcBef>
+                <a:spcPct val="20000"/>
+              </a:spcBef>
+              <a:buFont typeface="Arial"/>
+              <a:buChar char="•"/>
+              <a:defRPr sz="1500" kern="1200">
+                <a:solidFill>
+                  <a:schemeClr val="tx1"/>
+                </a:solidFill>
+                <a:latin typeface="+mn-lt"/>
+                <a:ea typeface="+mn-ea"/>
+                <a:cs typeface="+mn-cs"/>
+              </a:defRPr>
+            </a:lvl6pPr>
+            <a:lvl7pPr marL="2228850" indent="-171450" algn="l" defTabSz="342900" rtl="0" eaLnBrk="1" latinLnBrk="0" hangingPunct="1">
+              <a:spcBef>
+                <a:spcPct val="20000"/>
+              </a:spcBef>
+              <a:buFont typeface="Arial"/>
+              <a:buChar char="•"/>
+              <a:defRPr sz="1500" kern="1200">
+                <a:solidFill>
+                  <a:schemeClr val="tx1"/>
+                </a:solidFill>
+                <a:latin typeface="+mn-lt"/>
+                <a:ea typeface="+mn-ea"/>
+                <a:cs typeface="+mn-cs"/>
+              </a:defRPr>
+            </a:lvl7pPr>
+            <a:lvl8pPr marL="2571750" indent="-171450" algn="l" defTabSz="342900" rtl="0" eaLnBrk="1" latinLnBrk="0" hangingPunct="1">
+              <a:spcBef>
+                <a:spcPct val="20000"/>
+              </a:spcBef>
+              <a:buFont typeface="Arial"/>
+              <a:buChar char="•"/>
+              <a:defRPr sz="1500" kern="1200">
+                <a:solidFill>
+                  <a:schemeClr val="tx1"/>
+                </a:solidFill>
+                <a:latin typeface="+mn-lt"/>
+                <a:ea typeface="+mn-ea"/>
+                <a:cs typeface="+mn-cs"/>
+              </a:defRPr>
+            </a:lvl8pPr>
+            <a:lvl9pPr marL="2914650" indent="-171450" algn="l" defTabSz="342900" rtl="0" eaLnBrk="1" latinLnBrk="0" hangingPunct="1">
+              <a:spcBef>
+                <a:spcPct val="20000"/>
+              </a:spcBef>
+              <a:buFont typeface="Arial"/>
+              <a:buChar char="•"/>
+              <a:defRPr sz="1500" kern="1200">
+                <a:solidFill>
+                  <a:schemeClr val="tx1"/>
+                </a:solidFill>
+                <a:latin typeface="+mn-lt"/>
+                <a:ea typeface="+mn-ea"/>
+                <a:cs typeface="+mn-cs"/>
+              </a:defRPr>
+            </a:lvl9pPr>
+          </a:lstStyle>
+          <a:p>
+            <a:pPr algn="just"/>
+            <a:r>
+              <a:rPr lang="it-IT" dirty="0" smtClean="0"/>
+              <a:t>Sono stati quindi realizzati dei diagrammi a scatola e baffi con il seguente script:</a:t>
+            </a:r>
+            <a:endParaRPr lang="it-IT" dirty="0"/>
+          </a:p>
+          <a:p>
+            <a:pPr marL="0" indent="0" algn="just">
+              <a:buFont typeface="Arial"/>
+              <a:buNone/>
+            </a:pPr>
+            <a:endParaRPr lang="it-IT" dirty="0"/>
+          </a:p>
+          <a:p>
+            <a:endParaRPr lang="en-US" sz="2000" dirty="0"/>
+          </a:p>
+        </p:txBody>
+      </p:sp>
+    </p:spTree>
+  </p:cSld>
+  <p:clrMapOvr>
+    <a:masterClrMapping/>
+  </p:clrMapOvr>
+</p:sld>
+</file>
+
+<file path=ppt/slides/slide12.xml><?xml version="1.0" encoding="utf-8"?>
+<p:sld xmlns:a="http://schemas.openxmlformats.org/drawingml/2006/main" xmlns:r="http://schemas.openxmlformats.org/officeDocument/2006/relationships" xmlns:p="http://schemas.openxmlformats.org/presentationml/2006/main">
+  <p:cSld>
+    <p:spTree>
+      <p:nvGrpSpPr>
+        <p:cNvPr id="1" name=""/>
+        <p:cNvGrpSpPr/>
+        <p:nvPr/>
+      </p:nvGrpSpPr>
+      <p:grpSpPr>
+        <a:xfrm>
+          <a:off x="0" y="0"/>
+          <a:ext cx="0" cy="0"/>
+          <a:chOff x="0" y="0"/>
+          <a:chExt cx="0" cy="0"/>
+        </a:xfrm>
+      </p:grpSpPr>
+      <p:pic>
+        <p:nvPicPr>
+          <p:cNvPr id="3074" name="Picture 2" descr="Y:\GOOGLE_DRIVE\PC_SYNC\istruzione\UNIFI_ANNO_3\DMO\datamining-class-homework\img\box_plot_1.png"/>
+          <p:cNvPicPr>
+            <a:picLocks noChangeAspect="1" noChangeArrowheads="1"/>
+          </p:cNvPicPr>
+          <p:nvPr/>
+        </p:nvPicPr>
+        <p:blipFill>
+          <a:blip r:embed="rId2"/>
+          <a:srcRect t="9089" r="4761"/>
+          <a:stretch>
+            <a:fillRect/>
+          </a:stretch>
+        </p:blipFill>
+        <p:spPr bwMode="auto">
+          <a:xfrm>
+            <a:off x="2714613" y="829283"/>
+            <a:ext cx="6429388" cy="6028717"/>
+          </a:xfrm>
+          <a:prstGeom prst="rect">
+            <a:avLst/>
+          </a:prstGeom>
+          <a:noFill/>
+        </p:spPr>
+      </p:pic>
+      <p:sp>
+        <p:nvSpPr>
+          <p:cNvPr id="3" name="CasellaDiTesto 2"/>
+          <p:cNvSpPr txBox="1"/>
+          <p:nvPr/>
+        </p:nvSpPr>
+        <p:spPr>
+          <a:xfrm>
+            <a:off x="142844" y="829283"/>
+            <a:ext cx="2857520" cy="5016758"/>
+          </a:xfrm>
+          <a:prstGeom prst="rect">
+            <a:avLst/>
+          </a:prstGeom>
+          <a:noFill/>
+        </p:spPr>
+        <p:txBody>
+          <a:bodyPr wrap="square" rtlCol="0">
+            <a:spAutoFit/>
+          </a:bodyPr>
+          <a:lstStyle/>
+          <a:p>
+            <a:r>
+              <a:rPr lang="it-IT" dirty="0" smtClean="0"/>
+              <a:t>Si noti come gli immatricolati nelle annate 2010 e 2011 hanno prestazioni molto simili sul fronte dei crediti conseguiti. La coorte 2012 risulta la migliore, avendo addirittura per mediana il massimo ammontare di crediti ottenibili </a:t>
+            </a:r>
+            <a:r>
+              <a:rPr lang="it-IT" sz="1400" dirty="0" smtClean="0"/>
+              <a:t>(non si ignorino però le istanze considerate </a:t>
+            </a:r>
+            <a:r>
+              <a:rPr lang="it-IT" sz="1400" dirty="0" err="1" smtClean="0"/>
+              <a:t>outliers</a:t>
+            </a:r>
+            <a:r>
+              <a:rPr lang="it-IT" sz="1400" dirty="0" smtClean="0"/>
+              <a:t> dall’algoritmo di </a:t>
+            </a:r>
+            <a:r>
+              <a:rPr lang="it-IT" sz="1400" dirty="0" err="1" smtClean="0"/>
+              <a:t>plotting</a:t>
+            </a:r>
+            <a:r>
+              <a:rPr lang="it-IT" sz="1400" dirty="0" smtClean="0"/>
+              <a:t>)</a:t>
+            </a:r>
+            <a:r>
+              <a:rPr lang="it-IT" dirty="0" smtClean="0"/>
+              <a:t>, mentre gli studenti immatricolati nel 2013 sono stati i meno performanti.</a:t>
+            </a:r>
+          </a:p>
+          <a:p>
+            <a:endParaRPr lang="it-IT" dirty="0" smtClean="0"/>
+          </a:p>
+          <a:p>
+            <a:r>
+              <a:rPr lang="it-IT" i="1" dirty="0" smtClean="0"/>
+              <a:t>Perché?  Coincidenza? Cambiamenti nel </a:t>
+            </a:r>
+            <a:r>
+              <a:rPr lang="it-IT" i="1" dirty="0" err="1" smtClean="0"/>
+              <a:t>CDL</a:t>
+            </a:r>
+            <a:r>
+              <a:rPr lang="it-IT" i="1" dirty="0" smtClean="0"/>
+              <a:t>?</a:t>
+            </a:r>
+            <a:endParaRPr lang="it-IT" i="1" dirty="0"/>
+          </a:p>
+        </p:txBody>
+      </p:sp>
+      <p:sp>
+        <p:nvSpPr>
+          <p:cNvPr id="4" name="Titolo 1">
+            <a:extLst>
+              <a:ext uri="{FF2B5EF4-FFF2-40B4-BE49-F238E27FC236}">
+                <a16:creationId xmlns="" xmlns:a16="http://schemas.microsoft.com/office/drawing/2014/main" id="{9E74EE39-EA32-4246-BC63-84D8E46682AC}"/>
+              </a:ext>
+            </a:extLst>
+          </p:cNvPr>
+          <p:cNvSpPr txBox="1">
+            <a:spLocks/>
+          </p:cNvSpPr>
+          <p:nvPr/>
+        </p:nvSpPr>
+        <p:spPr>
+          <a:xfrm>
+            <a:off x="1447800" y="152400"/>
+            <a:ext cx="8229600" cy="1143000"/>
+          </a:xfrm>
+          <a:prstGeom prst="rect">
+            <a:avLst/>
+          </a:prstGeom>
+        </p:spPr>
+        <p:txBody>
+          <a:bodyPr>
+            <a:noAutofit/>
+          </a:bodyPr>
+          <a:lstStyle>
+            <a:lvl1pPr algn="ctr" defTabSz="342900" rtl="0" eaLnBrk="1" latinLnBrk="0" hangingPunct="1">
+              <a:spcBef>
+                <a:spcPct val="0"/>
+              </a:spcBef>
+              <a:buNone/>
+              <a:defRPr sz="3300" kern="1200">
+                <a:solidFill>
+                  <a:schemeClr val="tx1"/>
+                </a:solidFill>
+                <a:latin typeface="+mj-lt"/>
+                <a:ea typeface="+mj-ea"/>
+                <a:cs typeface="+mj-cs"/>
+              </a:defRPr>
+            </a:lvl1pPr>
+          </a:lstStyle>
+          <a:p>
+            <a:r>
+              <a:rPr lang="it-IT" sz="2400" b="1" dirty="0">
+                <a:solidFill>
+                  <a:schemeClr val="bg1"/>
+                </a:solidFill>
+              </a:rPr>
+              <a:t>DATA UNDERSTANDING: </a:t>
+            </a:r>
+            <a:r>
+              <a:rPr lang="it-IT" sz="2400" dirty="0" smtClean="0">
+                <a:solidFill>
+                  <a:schemeClr val="bg1"/>
+                </a:solidFill>
+              </a:rPr>
+              <a:t>PRESTAZIONI GENERALI</a:t>
+            </a:r>
+            <a:endParaRPr lang="en-US" sz="2400" dirty="0">
+              <a:solidFill>
+                <a:schemeClr val="bg1"/>
+              </a:solidFill>
+            </a:endParaRPr>
+          </a:p>
+        </p:txBody>
+      </p:sp>
+    </p:spTree>
+  </p:cSld>
+  <p:clrMapOvr>
+    <a:masterClrMapping/>
+  </p:clrMapOvr>
+</p:sld>
+</file>
+
+<file path=ppt/slides/slide13.xml><?xml version="1.0" encoding="utf-8"?>
+<p:sld xmlns:a="http://schemas.openxmlformats.org/drawingml/2006/main" xmlns:r="http://schemas.openxmlformats.org/officeDocument/2006/relationships" xmlns:p="http://schemas.openxmlformats.org/presentationml/2006/main">
+  <p:cSld>
+    <p:spTree>
+      <p:nvGrpSpPr>
+        <p:cNvPr id="1" name=""/>
+        <p:cNvGrpSpPr/>
+        <p:nvPr/>
+      </p:nvGrpSpPr>
+      <p:grpSpPr>
+        <a:xfrm>
+          <a:off x="0" y="0"/>
+          <a:ext cx="0" cy="0"/>
+          <a:chOff x="0" y="0"/>
+          <a:chExt cx="0" cy="0"/>
+        </a:xfrm>
+      </p:grpSpPr>
+      <p:sp>
+        <p:nvSpPr>
+          <p:cNvPr id="2" name="Titolo 1">
+            <a:extLst>
+              <a:ext uri="{FF2B5EF4-FFF2-40B4-BE49-F238E27FC236}">
+                <a16:creationId xmlns="" xmlns:a16="http://schemas.microsoft.com/office/drawing/2014/main" id="{9E74EE39-EA32-4246-BC63-84D8E46682AC}"/>
+              </a:ext>
+            </a:extLst>
+          </p:cNvPr>
+          <p:cNvSpPr txBox="1">
+            <a:spLocks/>
+          </p:cNvSpPr>
+          <p:nvPr/>
+        </p:nvSpPr>
+        <p:spPr>
+          <a:xfrm>
+            <a:off x="1447800" y="152400"/>
+            <a:ext cx="8229600" cy="1143000"/>
+          </a:xfrm>
+          <a:prstGeom prst="rect">
+            <a:avLst/>
+          </a:prstGeom>
+        </p:spPr>
+        <p:txBody>
+          <a:bodyPr>
+            <a:noAutofit/>
+          </a:bodyPr>
+          <a:lstStyle>
+            <a:lvl1pPr algn="ctr" defTabSz="342900" rtl="0" eaLnBrk="1" latinLnBrk="0" hangingPunct="1">
+              <a:spcBef>
+                <a:spcPct val="0"/>
+              </a:spcBef>
+              <a:buNone/>
+              <a:defRPr sz="3300" kern="1200">
+                <a:solidFill>
+                  <a:schemeClr val="tx1"/>
+                </a:solidFill>
+                <a:latin typeface="+mj-lt"/>
+                <a:ea typeface="+mj-ea"/>
+                <a:cs typeface="+mj-cs"/>
+              </a:defRPr>
+            </a:lvl1pPr>
+          </a:lstStyle>
+          <a:p>
+            <a:r>
+              <a:rPr lang="it-IT" sz="2400" b="1" dirty="0">
+                <a:solidFill>
+                  <a:schemeClr val="bg1"/>
+                </a:solidFill>
+              </a:rPr>
+              <a:t>DATA UNDERSTANDING: </a:t>
+            </a:r>
+            <a:r>
+              <a:rPr lang="it-IT" sz="2400" dirty="0" smtClean="0">
+                <a:solidFill>
+                  <a:schemeClr val="bg1"/>
+                </a:solidFill>
+              </a:rPr>
+              <a:t>PRESTAZIONI GENERALI</a:t>
+            </a:r>
+            <a:endParaRPr lang="en-US" sz="2400" dirty="0">
+              <a:solidFill>
+                <a:schemeClr val="bg1"/>
+              </a:solidFill>
+            </a:endParaRPr>
+          </a:p>
+        </p:txBody>
+      </p:sp>
+      <p:pic>
+        <p:nvPicPr>
+          <p:cNvPr id="4098" name="Picture 2" descr="Y:\GOOGLE_DRIVE\PC_SYNC\istruzione\UNIFI_ANNO_3\DMO\datamining-class-homework\img\box_plot_2.png"/>
+          <p:cNvPicPr>
+            <a:picLocks noChangeAspect="1" noChangeArrowheads="1"/>
+          </p:cNvPicPr>
+          <p:nvPr/>
+        </p:nvPicPr>
+        <p:blipFill>
+          <a:blip r:embed="rId2"/>
+          <a:srcRect l="4286" t="8531" r="4286"/>
+          <a:stretch>
+            <a:fillRect/>
+          </a:stretch>
+        </p:blipFill>
+        <p:spPr bwMode="auto">
+          <a:xfrm>
+            <a:off x="3000364" y="820325"/>
+            <a:ext cx="6143636" cy="6037675"/>
+          </a:xfrm>
+          <a:prstGeom prst="rect">
+            <a:avLst/>
+          </a:prstGeom>
+          <a:noFill/>
+        </p:spPr>
+      </p:pic>
+      <p:sp>
+        <p:nvSpPr>
+          <p:cNvPr id="4" name="CasellaDiTesto 3"/>
+          <p:cNvSpPr txBox="1"/>
+          <p:nvPr/>
+        </p:nvSpPr>
+        <p:spPr>
+          <a:xfrm>
+            <a:off x="142844" y="829283"/>
+            <a:ext cx="2857520" cy="4247317"/>
+          </a:xfrm>
+          <a:prstGeom prst="rect">
+            <a:avLst/>
+          </a:prstGeom>
+          <a:noFill/>
+        </p:spPr>
+        <p:txBody>
+          <a:bodyPr wrap="square" rtlCol="0">
+            <a:spAutoFit/>
+          </a:bodyPr>
+          <a:lstStyle/>
+          <a:p>
+            <a:r>
+              <a:rPr lang="it-IT" sz="2000" dirty="0" smtClean="0"/>
+              <a:t>Nel caso del voto medio, si evidenzia solo un leggero peggioramento negli immatricolati nel 2011 rispetti alle altre coorti di studenti.</a:t>
+            </a:r>
+          </a:p>
+          <a:p>
+            <a:endParaRPr lang="it-IT" sz="2000" dirty="0" smtClean="0"/>
+          </a:p>
+          <a:p>
+            <a:r>
+              <a:rPr lang="it-IT" sz="2000" dirty="0" smtClean="0"/>
+              <a:t>Sono degni di attenzione anche i due </a:t>
+            </a:r>
+            <a:r>
+              <a:rPr lang="it-IT" sz="2000" dirty="0" err="1" smtClean="0"/>
+              <a:t>outliers</a:t>
+            </a:r>
+            <a:r>
+              <a:rPr lang="it-IT" sz="2000" dirty="0" smtClean="0"/>
+              <a:t> nella coorte 2013. </a:t>
+            </a:r>
+          </a:p>
+          <a:p>
+            <a:endParaRPr lang="it-IT" sz="2000" dirty="0" smtClean="0"/>
+          </a:p>
+          <a:p>
+            <a:endParaRPr lang="it-IT" sz="2000" dirty="0" smtClean="0"/>
+          </a:p>
+          <a:p>
+            <a:r>
+              <a:rPr lang="it-IT" sz="1600" i="1" dirty="0" smtClean="0"/>
+              <a:t>Un </a:t>
+            </a:r>
+            <a:r>
+              <a:rPr lang="it-IT" sz="1600" i="1" u="sng" dirty="0" smtClean="0"/>
+              <a:t>voto medio</a:t>
+            </a:r>
+            <a:r>
+              <a:rPr lang="it-IT" sz="1600" i="1" dirty="0" smtClean="0"/>
+              <a:t> di 30 e lode!? </a:t>
+            </a:r>
+          </a:p>
+          <a:p>
+            <a:r>
+              <a:rPr lang="it-IT" sz="1400" i="1" dirty="0" smtClean="0"/>
+              <a:t>I dati sono corretti???</a:t>
+            </a:r>
+            <a:endParaRPr lang="it-IT" sz="1400" i="1" dirty="0"/>
+          </a:p>
+        </p:txBody>
+      </p:sp>
+    </p:spTree>
+  </p:cSld>
+  <p:clrMapOvr>
+    <a:masterClrMapping/>
+  </p:clrMapOvr>
+</p:sld>
+</file>
+
+<file path=ppt/slides/slide14.xml><?xml version="1.0" encoding="utf-8"?>
+<p:sld xmlns:a="http://schemas.openxmlformats.org/drawingml/2006/main" xmlns:r="http://schemas.openxmlformats.org/officeDocument/2006/relationships" xmlns:p="http://schemas.openxmlformats.org/presentationml/2006/main">
+  <p:cSld>
+    <p:spTree>
+      <p:nvGrpSpPr>
+        <p:cNvPr id="1" name=""/>
+        <p:cNvGrpSpPr/>
+        <p:nvPr/>
+      </p:nvGrpSpPr>
+      <p:grpSpPr>
+        <a:xfrm>
+          <a:off x="0" y="0"/>
+          <a:ext cx="0" cy="0"/>
+          <a:chOff x="0" y="0"/>
+          <a:chExt cx="0" cy="0"/>
+        </a:xfrm>
+      </p:grpSpPr>
+      <p:sp>
+        <p:nvSpPr>
+          <p:cNvPr id="5" name="Titolo 1">
+            <a:extLst>
+              <a:ext uri="{FF2B5EF4-FFF2-40B4-BE49-F238E27FC236}">
+                <a16:creationId xmlns="" xmlns:a16="http://schemas.microsoft.com/office/drawing/2014/main" id="{93988BB5-A413-49BA-BC9C-68388EF5A744}"/>
+              </a:ext>
+            </a:extLst>
+          </p:cNvPr>
+          <p:cNvSpPr txBox="1">
+            <a:spLocks/>
+          </p:cNvSpPr>
+          <p:nvPr/>
+        </p:nvSpPr>
+        <p:spPr>
+          <a:xfrm>
+            <a:off x="1447800" y="152400"/>
+            <a:ext cx="8229600" cy="1143000"/>
+          </a:xfrm>
+          <a:prstGeom prst="rect">
+            <a:avLst/>
+          </a:prstGeom>
+        </p:spPr>
+        <p:txBody>
+          <a:bodyPr>
+            <a:noAutofit/>
+          </a:bodyPr>
+          <a:lstStyle>
+            <a:lvl1pPr algn="ctr" defTabSz="342900" rtl="0" eaLnBrk="1" latinLnBrk="0" hangingPunct="1">
+              <a:spcBef>
+                <a:spcPct val="0"/>
+              </a:spcBef>
+              <a:buNone/>
+              <a:defRPr sz="3300" kern="1200">
+                <a:solidFill>
+                  <a:schemeClr val="tx1"/>
+                </a:solidFill>
+                <a:latin typeface="+mj-lt"/>
+                <a:ea typeface="+mj-ea"/>
+                <a:cs typeface="+mj-cs"/>
+              </a:defRPr>
+            </a:lvl1pPr>
+          </a:lstStyle>
+          <a:p>
+            <a:r>
+              <a:rPr lang="it-IT" sz="2400" b="1" dirty="0">
+                <a:solidFill>
+                  <a:schemeClr val="bg1"/>
+                </a:solidFill>
+              </a:rPr>
+              <a:t>DATA UNDERSTANDING: </a:t>
+            </a:r>
+            <a:r>
+              <a:rPr lang="it-IT" sz="2400" dirty="0" smtClean="0">
+                <a:solidFill>
+                  <a:schemeClr val="bg1"/>
+                </a:solidFill>
+              </a:rPr>
+              <a:t>GRUPPI </a:t>
+            </a:r>
+            <a:r>
+              <a:rPr lang="it-IT" sz="2400" dirty="0" err="1" smtClean="0">
+                <a:solidFill>
+                  <a:schemeClr val="bg1"/>
+                </a:solidFill>
+              </a:rPr>
+              <a:t>DI</a:t>
+            </a:r>
+            <a:r>
+              <a:rPr lang="it-IT" sz="2400" dirty="0" smtClean="0">
+                <a:solidFill>
+                  <a:schemeClr val="bg1"/>
+                </a:solidFill>
+              </a:rPr>
+              <a:t> ESAMI</a:t>
+            </a:r>
+            <a:endParaRPr lang="en-US" sz="2400" dirty="0">
+              <a:solidFill>
+                <a:schemeClr val="bg1"/>
+              </a:solidFill>
+            </a:endParaRPr>
+          </a:p>
+        </p:txBody>
+      </p:sp>
+      <p:sp>
+        <p:nvSpPr>
+          <p:cNvPr id="8" name="Segnaposto contenuto 2">
+            <a:extLst>
+              <a:ext uri="{FF2B5EF4-FFF2-40B4-BE49-F238E27FC236}">
+                <a16:creationId xmlns="" xmlns:a16="http://schemas.microsoft.com/office/drawing/2014/main" id="{C2E44FE5-CCA1-4E8F-905A-F2F5CDF25092}"/>
+              </a:ext>
+            </a:extLst>
+          </p:cNvPr>
+          <p:cNvSpPr>
+            <a:spLocks noGrp="1"/>
+          </p:cNvSpPr>
+          <p:nvPr>
+            <p:ph idx="1"/>
+          </p:nvPr>
+        </p:nvSpPr>
+        <p:spPr>
+          <a:xfrm>
+            <a:off x="457200" y="1071546"/>
+            <a:ext cx="8229600" cy="4867292"/>
+          </a:xfrm>
+        </p:spPr>
+        <p:txBody>
+          <a:bodyPr>
+            <a:normAutofit/>
+          </a:bodyPr>
+          <a:lstStyle/>
+          <a:p>
+            <a:pPr algn="just"/>
+            <a:r>
+              <a:rPr lang="it-IT" dirty="0" smtClean="0"/>
+              <a:t>Una scelta significativa nell’ambito di questa analisi è stata la suddivisione degli esami in vari gruppi.</a:t>
+            </a:r>
+          </a:p>
+          <a:p>
+            <a:pPr algn="just">
+              <a:buNone/>
+            </a:pPr>
+            <a:endParaRPr lang="it-IT" dirty="0" smtClean="0"/>
+          </a:p>
+          <a:p>
+            <a:pPr algn="just"/>
+            <a:r>
+              <a:rPr lang="it-IT" dirty="0" smtClean="0"/>
+              <a:t>Si è cercato di raggruppare </a:t>
+            </a:r>
+            <a:r>
+              <a:rPr lang="it-IT" i="1" dirty="0" smtClean="0"/>
+              <a:t>intuitivamente</a:t>
+            </a:r>
+            <a:r>
+              <a:rPr lang="it-IT" dirty="0" smtClean="0"/>
+              <a:t> esami i cui risultati potrebbero essere correlati in qualche modo. L’ovvio rischio che si è scelto di correre è di non notare correlazioni che esistono, ma non sono intuitive.</a:t>
+            </a:r>
+          </a:p>
+          <a:p>
+            <a:pPr algn="just">
+              <a:buNone/>
+            </a:pPr>
+            <a:endParaRPr lang="it-IT" dirty="0" smtClean="0"/>
+          </a:p>
+          <a:p>
+            <a:pPr algn="just"/>
+            <a:r>
+              <a:rPr lang="it-IT" dirty="0" smtClean="0"/>
+              <a:t>La suddivisione più sensata è sembrata essere la seguente:</a:t>
+            </a:r>
+          </a:p>
+          <a:p>
+            <a:pPr lvl="1" algn="just"/>
+            <a:r>
+              <a:rPr lang="it-IT" dirty="0" smtClean="0">
+                <a:solidFill>
+                  <a:srgbClr val="0070C0"/>
+                </a:solidFill>
+              </a:rPr>
+              <a:t>esami del </a:t>
+            </a:r>
+            <a:r>
+              <a:rPr lang="it-IT" b="1" dirty="0" smtClean="0">
+                <a:solidFill>
+                  <a:srgbClr val="0070C0"/>
+                </a:solidFill>
+              </a:rPr>
+              <a:t>primo anno</a:t>
+            </a:r>
+          </a:p>
+          <a:p>
+            <a:pPr lvl="1" algn="just"/>
+            <a:r>
+              <a:rPr lang="it-IT" dirty="0" smtClean="0">
+                <a:solidFill>
+                  <a:srgbClr val="0070C0"/>
+                </a:solidFill>
+              </a:rPr>
+              <a:t>esami su </a:t>
+            </a:r>
+            <a:r>
+              <a:rPr lang="it-IT" b="1" dirty="0" smtClean="0">
+                <a:solidFill>
+                  <a:srgbClr val="0070C0"/>
+                </a:solidFill>
+              </a:rPr>
+              <a:t>argomenti principalmente matematici</a:t>
+            </a:r>
+          </a:p>
+          <a:p>
+            <a:pPr lvl="1" algn="just"/>
+            <a:r>
+              <a:rPr lang="it-IT" dirty="0" smtClean="0">
+                <a:solidFill>
+                  <a:srgbClr val="0070C0"/>
+                </a:solidFill>
+              </a:rPr>
+              <a:t>esami su </a:t>
+            </a:r>
+            <a:r>
+              <a:rPr lang="it-IT" b="1" dirty="0" smtClean="0">
+                <a:solidFill>
+                  <a:srgbClr val="0070C0"/>
+                </a:solidFill>
+              </a:rPr>
+              <a:t>argomenti principalmente informatici</a:t>
+            </a:r>
+          </a:p>
+          <a:p>
+            <a:pPr lvl="1" algn="just"/>
+            <a:endParaRPr lang="it-IT" dirty="0"/>
+          </a:p>
+          <a:p>
+            <a:pPr marL="0" indent="0" algn="just">
+              <a:buNone/>
+            </a:pPr>
+            <a:endParaRPr lang="it-IT" dirty="0"/>
+          </a:p>
+          <a:p>
+            <a:pPr marL="0" indent="0" algn="just">
+              <a:buNone/>
+            </a:pPr>
+            <a:endParaRPr lang="it-IT" dirty="0"/>
+          </a:p>
+          <a:p>
+            <a:endParaRPr lang="en-US" sz="2000" dirty="0"/>
+          </a:p>
+        </p:txBody>
+      </p:sp>
+      <p:sp>
+        <p:nvSpPr>
+          <p:cNvPr id="9" name="Segnaposto contenuto 2">
+            <a:extLst>
+              <a:ext uri="{FF2B5EF4-FFF2-40B4-BE49-F238E27FC236}">
+                <a16:creationId xmlns="" xmlns:a16="http://schemas.microsoft.com/office/drawing/2014/main" id="{89886170-B615-43F8-AA8E-D5565391C42A}"/>
+              </a:ext>
+            </a:extLst>
+          </p:cNvPr>
+          <p:cNvSpPr txBox="1">
+            <a:spLocks/>
+          </p:cNvSpPr>
+          <p:nvPr/>
+        </p:nvSpPr>
+        <p:spPr>
+          <a:xfrm>
+            <a:off x="457200" y="5029199"/>
+            <a:ext cx="8229600" cy="1074753"/>
+          </a:xfrm>
+          <a:prstGeom prst="rect">
+            <a:avLst/>
+          </a:prstGeom>
+        </p:spPr>
+        <p:txBody>
+          <a:bodyPr vert="horz" lIns="91440" tIns="45720" rIns="91440" bIns="45720" rtlCol="0">
+            <a:normAutofit/>
+          </a:bodyPr>
+          <a:lstStyle>
+            <a:lvl1pPr marL="257175" indent="-257175" algn="l" defTabSz="342900" rtl="0" eaLnBrk="1" latinLnBrk="0" hangingPunct="1">
+              <a:spcBef>
+                <a:spcPct val="20000"/>
+              </a:spcBef>
+              <a:buFont typeface="Arial"/>
+              <a:buChar char="•"/>
+              <a:defRPr sz="2400" kern="1200">
+                <a:solidFill>
+                  <a:schemeClr val="tx1"/>
+                </a:solidFill>
+                <a:latin typeface="+mn-lt"/>
+                <a:ea typeface="+mn-ea"/>
+                <a:cs typeface="+mn-cs"/>
+              </a:defRPr>
+            </a:lvl1pPr>
+            <a:lvl2pPr marL="557213" indent="-214313" algn="l" defTabSz="342900" rtl="0" eaLnBrk="1" latinLnBrk="0" hangingPunct="1">
+              <a:spcBef>
+                <a:spcPct val="20000"/>
+              </a:spcBef>
+              <a:buFont typeface="Arial"/>
+              <a:buChar char="–"/>
+              <a:defRPr sz="2100" kern="1200">
+                <a:solidFill>
+                  <a:schemeClr val="tx1"/>
+                </a:solidFill>
+                <a:latin typeface="+mn-lt"/>
+                <a:ea typeface="+mn-ea"/>
+                <a:cs typeface="+mn-cs"/>
+              </a:defRPr>
+            </a:lvl2pPr>
+            <a:lvl3pPr marL="857250" indent="-171450" algn="l" defTabSz="342900" rtl="0" eaLnBrk="1" latinLnBrk="0" hangingPunct="1">
+              <a:spcBef>
+                <a:spcPct val="20000"/>
+              </a:spcBef>
+              <a:buFont typeface="Arial"/>
+              <a:buChar char="•"/>
+              <a:defRPr sz="1800" kern="1200">
+                <a:solidFill>
+                  <a:schemeClr val="tx1"/>
+                </a:solidFill>
+                <a:latin typeface="+mn-lt"/>
+                <a:ea typeface="+mn-ea"/>
+                <a:cs typeface="+mn-cs"/>
+              </a:defRPr>
+            </a:lvl3pPr>
+            <a:lvl4pPr marL="1200150" indent="-171450" algn="l" defTabSz="342900" rtl="0" eaLnBrk="1" latinLnBrk="0" hangingPunct="1">
+              <a:spcBef>
+                <a:spcPct val="20000"/>
+              </a:spcBef>
+              <a:buFont typeface="Arial"/>
+              <a:buChar char="–"/>
+              <a:defRPr sz="1500" kern="1200">
+                <a:solidFill>
+                  <a:schemeClr val="tx1"/>
+                </a:solidFill>
+                <a:latin typeface="+mn-lt"/>
+                <a:ea typeface="+mn-ea"/>
+                <a:cs typeface="+mn-cs"/>
+              </a:defRPr>
+            </a:lvl4pPr>
+            <a:lvl5pPr marL="1543050" indent="-171450" algn="l" defTabSz="342900" rtl="0" eaLnBrk="1" latinLnBrk="0" hangingPunct="1">
+              <a:spcBef>
+                <a:spcPct val="20000"/>
+              </a:spcBef>
+              <a:buFont typeface="Arial"/>
+              <a:buChar char="»"/>
+              <a:defRPr sz="1500" kern="1200">
+                <a:solidFill>
+                  <a:schemeClr val="tx1"/>
+                </a:solidFill>
+                <a:latin typeface="+mn-lt"/>
+                <a:ea typeface="+mn-ea"/>
+                <a:cs typeface="+mn-cs"/>
+              </a:defRPr>
+            </a:lvl5pPr>
+            <a:lvl6pPr marL="1885950" indent="-171450" algn="l" defTabSz="342900" rtl="0" eaLnBrk="1" latinLnBrk="0" hangingPunct="1">
+              <a:spcBef>
+                <a:spcPct val="20000"/>
+              </a:spcBef>
+              <a:buFont typeface="Arial"/>
+              <a:buChar char="•"/>
+              <a:defRPr sz="1500" kern="1200">
+                <a:solidFill>
+                  <a:schemeClr val="tx1"/>
+                </a:solidFill>
+                <a:latin typeface="+mn-lt"/>
+                <a:ea typeface="+mn-ea"/>
+                <a:cs typeface="+mn-cs"/>
+              </a:defRPr>
+            </a:lvl6pPr>
+            <a:lvl7pPr marL="2228850" indent="-171450" algn="l" defTabSz="342900" rtl="0" eaLnBrk="1" latinLnBrk="0" hangingPunct="1">
+              <a:spcBef>
+                <a:spcPct val="20000"/>
+              </a:spcBef>
+              <a:buFont typeface="Arial"/>
+              <a:buChar char="•"/>
+              <a:defRPr sz="1500" kern="1200">
+                <a:solidFill>
+                  <a:schemeClr val="tx1"/>
+                </a:solidFill>
+                <a:latin typeface="+mn-lt"/>
+                <a:ea typeface="+mn-ea"/>
+                <a:cs typeface="+mn-cs"/>
+              </a:defRPr>
+            </a:lvl7pPr>
+            <a:lvl8pPr marL="2571750" indent="-171450" algn="l" defTabSz="342900" rtl="0" eaLnBrk="1" latinLnBrk="0" hangingPunct="1">
+              <a:spcBef>
+                <a:spcPct val="20000"/>
+              </a:spcBef>
+              <a:buFont typeface="Arial"/>
+              <a:buChar char="•"/>
+              <a:defRPr sz="1500" kern="1200">
+                <a:solidFill>
+                  <a:schemeClr val="tx1"/>
+                </a:solidFill>
+                <a:latin typeface="+mn-lt"/>
+                <a:ea typeface="+mn-ea"/>
+                <a:cs typeface="+mn-cs"/>
+              </a:defRPr>
+            </a:lvl8pPr>
+            <a:lvl9pPr marL="2914650" indent="-171450" algn="l" defTabSz="342900" rtl="0" eaLnBrk="1" latinLnBrk="0" hangingPunct="1">
+              <a:spcBef>
+                <a:spcPct val="20000"/>
+              </a:spcBef>
+              <a:buFont typeface="Arial"/>
+              <a:buChar char="•"/>
+              <a:defRPr sz="1500" kern="1200">
+                <a:solidFill>
+                  <a:schemeClr val="tx1"/>
+                </a:solidFill>
+                <a:latin typeface="+mn-lt"/>
+                <a:ea typeface="+mn-ea"/>
+                <a:cs typeface="+mn-cs"/>
+              </a:defRPr>
+            </a:lvl9pPr>
+          </a:lstStyle>
+          <a:p>
+            <a:pPr marL="0" indent="0" algn="just">
+              <a:buFont typeface="Arial"/>
+              <a:buNone/>
+            </a:pPr>
+            <a:endParaRPr lang="it-IT" dirty="0"/>
+          </a:p>
+          <a:p>
+            <a:pPr marL="0" indent="0" algn="just">
+              <a:buFont typeface="Arial"/>
+              <a:buNone/>
+            </a:pPr>
+            <a:endParaRPr lang="it-IT" dirty="0"/>
+          </a:p>
+          <a:p>
+            <a:endParaRPr lang="en-US" sz="2000" dirty="0"/>
+          </a:p>
+        </p:txBody>
+      </p:sp>
+    </p:spTree>
+    <p:extLst>
+      <p:ext uri="{BB962C8B-B14F-4D97-AF65-F5344CB8AC3E}">
+        <p14:creationId xmlns="" xmlns:p14="http://schemas.microsoft.com/office/powerpoint/2010/main" val="2567167341"/>
+      </p:ext>
+    </p:extLst>
+  </p:cSld>
+  <p:clrMapOvr>
+    <a:masterClrMapping/>
+  </p:clrMapOvr>
+  <p:timing>
+    <p:tnLst>
+      <p:par>
+        <p:cTn id="1" dur="indefinite" restart="never" nodeType="tmRoot"/>
+      </p:par>
+    </p:tnLst>
+  </p:timing>
+</p:sld>
+</file>
+
+<file path=ppt/slides/slide15.xml><?xml version="1.0" encoding="utf-8"?>
+<p:sld xmlns:a="http://schemas.openxmlformats.org/drawingml/2006/main" xmlns:r="http://schemas.openxmlformats.org/officeDocument/2006/relationships" xmlns:p="http://schemas.openxmlformats.org/presentationml/2006/main">
+  <p:cSld>
+    <p:spTree>
+      <p:nvGrpSpPr>
+        <p:cNvPr id="1" name=""/>
+        <p:cNvGrpSpPr/>
+        <p:nvPr/>
+      </p:nvGrpSpPr>
+      <p:grpSpPr>
+        <a:xfrm>
+          <a:off x="0" y="0"/>
+          <a:ext cx="0" cy="0"/>
+          <a:chOff x="0" y="0"/>
+          <a:chExt cx="0" cy="0"/>
+        </a:xfrm>
+      </p:grpSpPr>
+      <p:sp>
+        <p:nvSpPr>
+          <p:cNvPr id="2" name="Titolo 1">
+            <a:extLst>
+              <a:ext uri="{FF2B5EF4-FFF2-40B4-BE49-F238E27FC236}">
+                <a16:creationId xmlns="" xmlns:a16="http://schemas.microsoft.com/office/drawing/2014/main" id="{93988BB5-A413-49BA-BC9C-68388EF5A744}"/>
+              </a:ext>
+            </a:extLst>
+          </p:cNvPr>
+          <p:cNvSpPr txBox="1">
+            <a:spLocks/>
+          </p:cNvSpPr>
+          <p:nvPr/>
+        </p:nvSpPr>
+        <p:spPr>
+          <a:xfrm>
+            <a:off x="1447800" y="152400"/>
+            <a:ext cx="8229600" cy="1143000"/>
+          </a:xfrm>
+          <a:prstGeom prst="rect">
+            <a:avLst/>
+          </a:prstGeom>
+        </p:spPr>
+        <p:txBody>
+          <a:bodyPr>
+            <a:noAutofit/>
+          </a:bodyPr>
+          <a:lstStyle>
+            <a:lvl1pPr algn="ctr" defTabSz="342900" rtl="0" eaLnBrk="1" latinLnBrk="0" hangingPunct="1">
+              <a:spcBef>
+                <a:spcPct val="0"/>
+              </a:spcBef>
+              <a:buNone/>
+              <a:defRPr sz="3300" kern="1200">
+                <a:solidFill>
+                  <a:schemeClr val="tx1"/>
+                </a:solidFill>
+                <a:latin typeface="+mj-lt"/>
+                <a:ea typeface="+mj-ea"/>
+                <a:cs typeface="+mj-cs"/>
+              </a:defRPr>
+            </a:lvl1pPr>
+          </a:lstStyle>
+          <a:p>
+            <a:r>
+              <a:rPr lang="it-IT" sz="2400" b="1" dirty="0">
+                <a:solidFill>
+                  <a:schemeClr val="bg1"/>
+                </a:solidFill>
+              </a:rPr>
+              <a:t>DATA UNDERSTANDING: </a:t>
+            </a:r>
+            <a:r>
+              <a:rPr lang="it-IT" sz="2400" dirty="0" smtClean="0">
+                <a:solidFill>
+                  <a:schemeClr val="bg1"/>
+                </a:solidFill>
+              </a:rPr>
+              <a:t>GRUPPI </a:t>
+            </a:r>
+            <a:r>
+              <a:rPr lang="it-IT" sz="2400" dirty="0" err="1" smtClean="0">
+                <a:solidFill>
+                  <a:schemeClr val="bg1"/>
+                </a:solidFill>
+              </a:rPr>
+              <a:t>DI</a:t>
+            </a:r>
+            <a:r>
+              <a:rPr lang="it-IT" sz="2400" dirty="0" smtClean="0">
+                <a:solidFill>
+                  <a:schemeClr val="bg1"/>
+                </a:solidFill>
+              </a:rPr>
+              <a:t> ESAMI</a:t>
+            </a:r>
+            <a:endParaRPr lang="en-US" sz="2400" dirty="0">
+              <a:solidFill>
+                <a:schemeClr val="bg1"/>
+              </a:solidFill>
+            </a:endParaRPr>
+          </a:p>
+        </p:txBody>
+      </p:sp>
+      <p:sp>
+        <p:nvSpPr>
+          <p:cNvPr id="4" name="Segnaposto contenuto 2">
+            <a:extLst>
+              <a:ext uri="{FF2B5EF4-FFF2-40B4-BE49-F238E27FC236}">
+                <a16:creationId xmlns="" xmlns:a16="http://schemas.microsoft.com/office/drawing/2014/main" id="{C2E44FE5-CCA1-4E8F-905A-F2F5CDF25092}"/>
+              </a:ext>
+            </a:extLst>
+          </p:cNvPr>
+          <p:cNvSpPr txBox="1">
+            <a:spLocks/>
+          </p:cNvSpPr>
+          <p:nvPr/>
+        </p:nvSpPr>
+        <p:spPr>
+          <a:xfrm>
+            <a:off x="457200" y="1071546"/>
+            <a:ext cx="8229600" cy="1428760"/>
+          </a:xfrm>
+          <a:prstGeom prst="rect">
+            <a:avLst/>
+          </a:prstGeom>
+        </p:spPr>
+        <p:txBody>
+          <a:bodyPr>
+            <a:normAutofit/>
+          </a:bodyPr>
+          <a:lstStyle/>
+          <a:p>
+            <a:pPr marL="257175" marR="0" lvl="0" indent="-257175" algn="just" defTabSz="342900" rtl="0" eaLnBrk="1" fontAlgn="auto" latinLnBrk="0" hangingPunct="1">
+              <a:lnSpc>
+                <a:spcPct val="100000"/>
+              </a:lnSpc>
+              <a:spcBef>
+                <a:spcPct val="20000"/>
+              </a:spcBef>
+              <a:spcAft>
+                <a:spcPts val="0"/>
+              </a:spcAft>
+              <a:buClrTx/>
+              <a:buSzTx/>
+              <a:buFont typeface="Arial"/>
+              <a:buChar char="•"/>
+              <a:tabLst/>
+              <a:defRPr/>
+            </a:pPr>
+            <a:r>
+              <a:rPr kumimoji="0" lang="it-IT" sz="2000" b="0" i="0" u="none" strike="noStrike" kern="1200" cap="none" spc="0" normalizeH="0" baseline="0" noProof="0" dirty="0" smtClean="0">
+                <a:ln>
+                  <a:noFill/>
+                </a:ln>
+                <a:solidFill>
+                  <a:schemeClr val="tx1"/>
+                </a:solidFill>
+                <a:effectLst/>
+                <a:uLnTx/>
+                <a:uFillTx/>
+                <a:latin typeface="+mn-lt"/>
+                <a:ea typeface="+mn-ea"/>
+                <a:cs typeface="+mn-cs"/>
+              </a:rPr>
+              <a:t>Il seguente script R ha generato i</a:t>
+            </a:r>
+            <a:r>
+              <a:rPr kumimoji="0" lang="it-IT" sz="2000" b="0" i="0" u="none" strike="noStrike" kern="1200" cap="none" spc="0" normalizeH="0" noProof="0" dirty="0" smtClean="0">
+                <a:ln>
+                  <a:noFill/>
+                </a:ln>
+                <a:solidFill>
+                  <a:schemeClr val="tx1"/>
+                </a:solidFill>
+                <a:effectLst/>
+                <a:uLnTx/>
+                <a:uFillTx/>
+                <a:latin typeface="+mn-lt"/>
+                <a:ea typeface="+mn-ea"/>
+                <a:cs typeface="+mn-cs"/>
+              </a:rPr>
+              <a:t> grafici di dispersione, le matrici di correlazione e di deviazione standard utilizzate per l’analisi visiva del gruppo di esami del primo anno.</a:t>
+            </a:r>
+            <a:endParaRPr kumimoji="0" lang="it-IT" sz="2000" b="0" i="0" u="none" strike="noStrike" kern="1200" cap="none" spc="0" normalizeH="0" baseline="0" noProof="0" dirty="0" smtClean="0">
+              <a:ln>
+                <a:noFill/>
+              </a:ln>
+              <a:solidFill>
+                <a:schemeClr val="tx1"/>
+              </a:solidFill>
+              <a:effectLst/>
+              <a:uLnTx/>
+              <a:uFillTx/>
+              <a:latin typeface="+mn-lt"/>
+              <a:ea typeface="+mn-ea"/>
+              <a:cs typeface="+mn-cs"/>
+            </a:endParaRPr>
+          </a:p>
+          <a:p>
+            <a:pPr marL="0" marR="0" lvl="0" indent="0" algn="just" defTabSz="342900" rtl="0" eaLnBrk="1" fontAlgn="auto" latinLnBrk="0" hangingPunct="1">
+              <a:lnSpc>
+                <a:spcPct val="100000"/>
+              </a:lnSpc>
+              <a:spcBef>
+                <a:spcPct val="20000"/>
+              </a:spcBef>
+              <a:spcAft>
+                <a:spcPts val="0"/>
+              </a:spcAft>
+              <a:buClrTx/>
+              <a:buSzTx/>
+              <a:buFont typeface="Arial"/>
+              <a:buNone/>
+              <a:tabLst/>
+              <a:defRPr/>
+            </a:pPr>
+            <a:endParaRPr kumimoji="0" lang="it-IT" sz="2400" b="0" i="0" u="none" strike="noStrike" kern="1200" cap="none" spc="0" normalizeH="0" baseline="0" noProof="0" dirty="0" smtClean="0">
+              <a:ln>
+                <a:noFill/>
+              </a:ln>
+              <a:solidFill>
+                <a:schemeClr val="tx1"/>
+              </a:solidFill>
+              <a:effectLst/>
+              <a:uLnTx/>
+              <a:uFillTx/>
+              <a:latin typeface="+mn-lt"/>
+              <a:ea typeface="+mn-ea"/>
+              <a:cs typeface="+mn-cs"/>
+            </a:endParaRPr>
+          </a:p>
+          <a:p>
+            <a:pPr marL="0" marR="0" lvl="0" indent="0" algn="just" defTabSz="342900" rtl="0" eaLnBrk="1" fontAlgn="auto" latinLnBrk="0" hangingPunct="1">
+              <a:lnSpc>
+                <a:spcPct val="100000"/>
+              </a:lnSpc>
+              <a:spcBef>
+                <a:spcPct val="20000"/>
+              </a:spcBef>
+              <a:spcAft>
+                <a:spcPts val="0"/>
+              </a:spcAft>
+              <a:buClrTx/>
+              <a:buSzTx/>
+              <a:buFont typeface="Arial"/>
+              <a:buNone/>
+              <a:tabLst/>
+              <a:defRPr/>
+            </a:pPr>
+            <a:endParaRPr kumimoji="0" lang="it-IT" sz="2400" b="0" i="0" u="none" strike="noStrike" kern="1200" cap="none" spc="0" normalizeH="0" baseline="0" noProof="0" dirty="0" smtClean="0">
+              <a:ln>
+                <a:noFill/>
+              </a:ln>
+              <a:solidFill>
+                <a:schemeClr val="tx1"/>
+              </a:solidFill>
+              <a:effectLst/>
+              <a:uLnTx/>
+              <a:uFillTx/>
+              <a:latin typeface="+mn-lt"/>
+              <a:ea typeface="+mn-ea"/>
+              <a:cs typeface="+mn-cs"/>
+            </a:endParaRPr>
+          </a:p>
+          <a:p>
+            <a:pPr marL="257175" marR="0" lvl="0" indent="-257175" algn="l" defTabSz="342900" rtl="0" eaLnBrk="1" fontAlgn="auto" latinLnBrk="0" hangingPunct="1">
+              <a:lnSpc>
+                <a:spcPct val="100000"/>
+              </a:lnSpc>
+              <a:spcBef>
+                <a:spcPct val="20000"/>
+              </a:spcBef>
+              <a:spcAft>
+                <a:spcPts val="0"/>
+              </a:spcAft>
+              <a:buClrTx/>
+              <a:buSzTx/>
+              <a:buFont typeface="Arial"/>
+              <a:buChar char="•"/>
+              <a:tabLst/>
+              <a:defRPr/>
+            </a:pPr>
+            <a:endParaRPr kumimoji="0" lang="en-US" sz="2000" b="0" i="0" u="none" strike="noStrike" kern="1200" cap="none" spc="0" normalizeH="0" baseline="0" noProof="0" dirty="0">
+              <a:ln>
+                <a:noFill/>
+              </a:ln>
+              <a:solidFill>
+                <a:schemeClr val="tx1"/>
+              </a:solidFill>
+              <a:effectLst/>
+              <a:uLnTx/>
+              <a:uFillTx/>
+              <a:latin typeface="+mn-lt"/>
+              <a:ea typeface="+mn-ea"/>
+              <a:cs typeface="+mn-cs"/>
+            </a:endParaRPr>
+          </a:p>
+        </p:txBody>
+      </p:sp>
+      <p:sp>
+        <p:nvSpPr>
+          <p:cNvPr id="5" name="CasellaDiTesto 4">
+            <a:extLst>
+              <a:ext uri="{FF2B5EF4-FFF2-40B4-BE49-F238E27FC236}">
+                <a16:creationId xmlns="" xmlns:a16="http://schemas.microsoft.com/office/drawing/2014/main" id="{4D7DE968-07D5-4816-AE85-8F06E200182B}"/>
+              </a:ext>
+            </a:extLst>
+          </p:cNvPr>
+          <p:cNvSpPr txBox="1"/>
+          <p:nvPr/>
+        </p:nvSpPr>
+        <p:spPr>
+          <a:xfrm>
+            <a:off x="1171580" y="2143116"/>
+            <a:ext cx="7972452" cy="3185487"/>
+          </a:xfrm>
+          <a:prstGeom prst="rect">
+            <a:avLst/>
+          </a:prstGeom>
+          <a:noFill/>
+        </p:spPr>
+        <p:txBody>
+          <a:bodyPr wrap="square" rtlCol="0">
+            <a:spAutoFit/>
+          </a:bodyPr>
+          <a:lstStyle/>
+          <a:p>
+            <a:r>
+              <a:rPr lang="en-US" sz="1200" dirty="0" smtClean="0">
+                <a:solidFill>
+                  <a:schemeClr val="bg1">
+                    <a:lumMod val="50000"/>
+                  </a:schemeClr>
+                </a:solidFill>
+                <a:latin typeface="Courier New" panose="02070309020205020404" pitchFamily="49" charset="0"/>
+                <a:cs typeface="Courier New" panose="02070309020205020404" pitchFamily="49" charset="0"/>
+              </a:rPr>
+              <a:t># general first year exams performances</a:t>
+            </a:r>
+          </a:p>
+          <a:p>
+            <a:r>
+              <a:rPr lang="en-US" sz="1200" dirty="0" smtClean="0">
+                <a:solidFill>
+                  <a:srgbClr val="002060"/>
+                </a:solidFill>
+                <a:latin typeface="Courier New" panose="02070309020205020404" pitchFamily="49" charset="0"/>
+                <a:cs typeface="Courier New" panose="02070309020205020404" pitchFamily="49" charset="0"/>
+              </a:rPr>
+              <a:t>students_subset2 &lt;- students[,-c(1 : 5, 7, 9, 11, 13, 15 : 45)]</a:t>
+            </a:r>
+          </a:p>
+          <a:p>
+            <a:r>
+              <a:rPr lang="en-US" sz="1200" dirty="0" smtClean="0">
+                <a:solidFill>
+                  <a:srgbClr val="002060"/>
+                </a:solidFill>
+                <a:latin typeface="Courier New" panose="02070309020205020404" pitchFamily="49" charset="0"/>
+                <a:cs typeface="Courier New" panose="02070309020205020404" pitchFamily="49" charset="0"/>
+              </a:rPr>
+              <a:t>pairs(students_subset2, </a:t>
+            </a:r>
+            <a:r>
+              <a:rPr lang="en-US" sz="1200" dirty="0" err="1" smtClean="0">
+                <a:solidFill>
+                  <a:srgbClr val="002060"/>
+                </a:solidFill>
+                <a:latin typeface="Courier New" panose="02070309020205020404" pitchFamily="49" charset="0"/>
+                <a:cs typeface="Courier New" panose="02070309020205020404" pitchFamily="49" charset="0"/>
+              </a:rPr>
+              <a:t>col</a:t>
+            </a:r>
+            <a:r>
+              <a:rPr lang="en-US" sz="1200" dirty="0" smtClean="0">
+                <a:solidFill>
+                  <a:srgbClr val="002060"/>
+                </a:solidFill>
+                <a:latin typeface="Courier New" panose="02070309020205020404" pitchFamily="49" charset="0"/>
+                <a:cs typeface="Courier New" panose="02070309020205020404" pitchFamily="49" charset="0"/>
+              </a:rPr>
+              <a:t> = </a:t>
+            </a:r>
+            <a:r>
+              <a:rPr lang="en-US" sz="1200" dirty="0" err="1" smtClean="0">
+                <a:solidFill>
+                  <a:srgbClr val="002060"/>
+                </a:solidFill>
+                <a:latin typeface="Courier New" panose="02070309020205020404" pitchFamily="49" charset="0"/>
+                <a:cs typeface="Courier New" panose="02070309020205020404" pitchFamily="49" charset="0"/>
+              </a:rPr>
+              <a:t>coorte_colors,lower.panel</a:t>
+            </a:r>
+            <a:r>
+              <a:rPr lang="en-US" sz="1200" dirty="0" smtClean="0">
+                <a:solidFill>
+                  <a:srgbClr val="002060"/>
+                </a:solidFill>
+                <a:latin typeface="Courier New" panose="02070309020205020404" pitchFamily="49" charset="0"/>
+                <a:cs typeface="Courier New" panose="02070309020205020404" pitchFamily="49" charset="0"/>
+              </a:rPr>
+              <a:t> = </a:t>
+            </a:r>
+            <a:r>
+              <a:rPr lang="en-US" sz="1200" dirty="0" err="1" smtClean="0">
+                <a:solidFill>
+                  <a:srgbClr val="002060"/>
+                </a:solidFill>
+                <a:latin typeface="Courier New" panose="02070309020205020404" pitchFamily="49" charset="0"/>
+                <a:cs typeface="Courier New" panose="02070309020205020404" pitchFamily="49" charset="0"/>
+              </a:rPr>
+              <a:t>NULL,cex.labelsiris</a:t>
+            </a:r>
+            <a:r>
+              <a:rPr lang="en-US" sz="1200" dirty="0" smtClean="0">
+                <a:solidFill>
+                  <a:srgbClr val="002060"/>
+                </a:solidFill>
+                <a:latin typeface="Courier New" panose="02070309020205020404" pitchFamily="49" charset="0"/>
+                <a:cs typeface="Courier New" panose="02070309020205020404" pitchFamily="49" charset="0"/>
+              </a:rPr>
+              <a:t>=2, 	</a:t>
+            </a:r>
+            <a:r>
+              <a:rPr lang="en-US" sz="1200" dirty="0" err="1" smtClean="0">
+                <a:solidFill>
+                  <a:srgbClr val="002060"/>
+                </a:solidFill>
+                <a:latin typeface="Courier New" panose="02070309020205020404" pitchFamily="49" charset="0"/>
+                <a:cs typeface="Courier New" panose="02070309020205020404" pitchFamily="49" charset="0"/>
+              </a:rPr>
+              <a:t>pch</a:t>
+            </a:r>
+            <a:r>
+              <a:rPr lang="en-US" sz="1200" dirty="0" smtClean="0">
+                <a:solidFill>
+                  <a:srgbClr val="002060"/>
+                </a:solidFill>
+                <a:latin typeface="Courier New" panose="02070309020205020404" pitchFamily="49" charset="0"/>
+                <a:cs typeface="Courier New" panose="02070309020205020404" pitchFamily="49" charset="0"/>
+              </a:rPr>
+              <a:t>=19, </a:t>
+            </a:r>
+            <a:r>
+              <a:rPr lang="en-US" sz="1200" dirty="0" err="1" smtClean="0">
+                <a:solidFill>
+                  <a:srgbClr val="002060"/>
+                </a:solidFill>
+                <a:latin typeface="Courier New" panose="02070309020205020404" pitchFamily="49" charset="0"/>
+                <a:cs typeface="Courier New" panose="02070309020205020404" pitchFamily="49" charset="0"/>
+              </a:rPr>
+              <a:t>cex</a:t>
+            </a:r>
+            <a:r>
+              <a:rPr lang="en-US" sz="1200" dirty="0" smtClean="0">
+                <a:solidFill>
+                  <a:srgbClr val="002060"/>
+                </a:solidFill>
+                <a:latin typeface="Courier New" panose="02070309020205020404" pitchFamily="49" charset="0"/>
+                <a:cs typeface="Courier New" panose="02070309020205020404" pitchFamily="49" charset="0"/>
+              </a:rPr>
+              <a:t> = 1.2)</a:t>
+            </a:r>
+          </a:p>
+          <a:p>
+            <a:r>
+              <a:rPr lang="en-US" sz="1200" dirty="0" smtClean="0">
+                <a:solidFill>
+                  <a:srgbClr val="002060"/>
+                </a:solidFill>
+                <a:latin typeface="Courier New" panose="02070309020205020404" pitchFamily="49" charset="0"/>
+                <a:cs typeface="Courier New" panose="02070309020205020404" pitchFamily="49" charset="0"/>
+              </a:rPr>
+              <a:t>par(</a:t>
+            </a:r>
+            <a:r>
+              <a:rPr lang="en-US" sz="1200" dirty="0" err="1" smtClean="0">
+                <a:solidFill>
+                  <a:srgbClr val="002060"/>
+                </a:solidFill>
+                <a:latin typeface="Courier New" panose="02070309020205020404" pitchFamily="49" charset="0"/>
+                <a:cs typeface="Courier New" panose="02070309020205020404" pitchFamily="49" charset="0"/>
+              </a:rPr>
+              <a:t>xpd</a:t>
+            </a:r>
+            <a:r>
+              <a:rPr lang="en-US" sz="1200" dirty="0" smtClean="0">
+                <a:solidFill>
+                  <a:srgbClr val="002060"/>
+                </a:solidFill>
+                <a:latin typeface="Courier New" panose="02070309020205020404" pitchFamily="49" charset="0"/>
+                <a:cs typeface="Courier New" panose="02070309020205020404" pitchFamily="49" charset="0"/>
+              </a:rPr>
+              <a:t> = TRUE)</a:t>
+            </a:r>
+          </a:p>
+          <a:p>
+            <a:r>
+              <a:rPr lang="en-US" sz="1200" dirty="0" smtClean="0">
+                <a:solidFill>
+                  <a:srgbClr val="002060"/>
+                </a:solidFill>
+                <a:latin typeface="Courier New" panose="02070309020205020404" pitchFamily="49" charset="0"/>
+                <a:cs typeface="Courier New" panose="02070309020205020404" pitchFamily="49" charset="0"/>
+              </a:rPr>
+              <a:t>legend(x = 0.05, y = 0.4, </a:t>
+            </a:r>
+            <a:r>
+              <a:rPr lang="en-US" sz="1200" dirty="0" err="1" smtClean="0">
+                <a:solidFill>
+                  <a:srgbClr val="002060"/>
+                </a:solidFill>
+                <a:latin typeface="Courier New" panose="02070309020205020404" pitchFamily="49" charset="0"/>
+                <a:cs typeface="Courier New" panose="02070309020205020404" pitchFamily="49" charset="0"/>
+              </a:rPr>
+              <a:t>cex</a:t>
+            </a:r>
+            <a:r>
+              <a:rPr lang="en-US" sz="1200" dirty="0" smtClean="0">
+                <a:solidFill>
+                  <a:srgbClr val="002060"/>
+                </a:solidFill>
+                <a:latin typeface="Courier New" panose="02070309020205020404" pitchFamily="49" charset="0"/>
+                <a:cs typeface="Courier New" panose="02070309020205020404" pitchFamily="49" charset="0"/>
+              </a:rPr>
+              <a:t> = 1,legend = </a:t>
+            </a:r>
+            <a:r>
+              <a:rPr lang="en-US" sz="1200" dirty="0" err="1" smtClean="0">
+                <a:solidFill>
+                  <a:srgbClr val="002060"/>
+                </a:solidFill>
+                <a:latin typeface="Courier New" panose="02070309020205020404" pitchFamily="49" charset="0"/>
+                <a:cs typeface="Courier New" panose="02070309020205020404" pitchFamily="49" charset="0"/>
+              </a:rPr>
+              <a:t>as.character</a:t>
+            </a:r>
+            <a:r>
+              <a:rPr lang="en-US" sz="1200" dirty="0" smtClean="0">
+                <a:solidFill>
+                  <a:srgbClr val="002060"/>
+                </a:solidFill>
+                <a:latin typeface="Courier New" panose="02070309020205020404" pitchFamily="49" charset="0"/>
+                <a:cs typeface="Courier New" panose="02070309020205020404" pitchFamily="49" charset="0"/>
+              </a:rPr>
+              <a:t>(levels(</a:t>
+            </a:r>
+            <a:r>
+              <a:rPr lang="en-US" sz="1200" dirty="0" err="1" smtClean="0">
+                <a:solidFill>
+                  <a:srgbClr val="002060"/>
+                </a:solidFill>
+                <a:latin typeface="Courier New" panose="02070309020205020404" pitchFamily="49" charset="0"/>
+                <a:cs typeface="Courier New" panose="02070309020205020404" pitchFamily="49" charset="0"/>
+              </a:rPr>
+              <a:t>coorte_labels</a:t>
+            </a:r>
+            <a:r>
+              <a:rPr lang="en-US" sz="1200" dirty="0" smtClean="0">
+                <a:solidFill>
+                  <a:srgbClr val="002060"/>
+                </a:solidFill>
+                <a:latin typeface="Courier New" panose="02070309020205020404" pitchFamily="49" charset="0"/>
+                <a:cs typeface="Courier New" panose="02070309020205020404" pitchFamily="49" charset="0"/>
+              </a:rPr>
+              <a:t>)),fill 	= unique(</a:t>
+            </a:r>
+            <a:r>
+              <a:rPr lang="en-US" sz="1200" dirty="0" err="1" smtClean="0">
+                <a:solidFill>
+                  <a:srgbClr val="002060"/>
+                </a:solidFill>
+                <a:latin typeface="Courier New" panose="02070309020205020404" pitchFamily="49" charset="0"/>
+                <a:cs typeface="Courier New" panose="02070309020205020404" pitchFamily="49" charset="0"/>
+              </a:rPr>
+              <a:t>coorte_colors</a:t>
+            </a:r>
+            <a:r>
+              <a:rPr lang="en-US" sz="1200" dirty="0" smtClean="0">
+                <a:solidFill>
+                  <a:srgbClr val="002060"/>
+                </a:solidFill>
+                <a:latin typeface="Courier New" panose="02070309020205020404" pitchFamily="49" charset="0"/>
+                <a:cs typeface="Courier New" panose="02070309020205020404" pitchFamily="49" charset="0"/>
+              </a:rPr>
+              <a:t>))</a:t>
+            </a:r>
+          </a:p>
+          <a:p>
+            <a:r>
+              <a:rPr lang="en-US" sz="1200" dirty="0" smtClean="0">
+                <a:solidFill>
+                  <a:srgbClr val="002060"/>
+                </a:solidFill>
+                <a:latin typeface="Courier New" panose="02070309020205020404" pitchFamily="49" charset="0"/>
+                <a:cs typeface="Courier New" panose="02070309020205020404" pitchFamily="49" charset="0"/>
+              </a:rPr>
+              <a:t>par(</a:t>
+            </a:r>
+            <a:r>
+              <a:rPr lang="en-US" sz="1200" dirty="0" err="1" smtClean="0">
+                <a:solidFill>
+                  <a:srgbClr val="002060"/>
+                </a:solidFill>
+                <a:latin typeface="Courier New" panose="02070309020205020404" pitchFamily="49" charset="0"/>
+                <a:cs typeface="Courier New" panose="02070309020205020404" pitchFamily="49" charset="0"/>
+              </a:rPr>
+              <a:t>xpd</a:t>
+            </a:r>
+            <a:r>
+              <a:rPr lang="en-US" sz="1200" dirty="0" smtClean="0">
+                <a:solidFill>
+                  <a:srgbClr val="002060"/>
+                </a:solidFill>
+                <a:latin typeface="Courier New" panose="02070309020205020404" pitchFamily="49" charset="0"/>
+                <a:cs typeface="Courier New" panose="02070309020205020404" pitchFamily="49" charset="0"/>
+              </a:rPr>
+              <a:t> = NA)</a:t>
+            </a:r>
+          </a:p>
+          <a:p>
+            <a:endParaRPr lang="en-US" sz="1200" dirty="0" smtClean="0">
+              <a:solidFill>
+                <a:srgbClr val="002060"/>
+              </a:solidFill>
+              <a:latin typeface="Courier New" panose="02070309020205020404" pitchFamily="49" charset="0"/>
+              <a:cs typeface="Courier New" panose="02070309020205020404" pitchFamily="49" charset="0"/>
+            </a:endParaRPr>
+          </a:p>
+          <a:p>
+            <a:r>
+              <a:rPr lang="en-US" sz="1200" dirty="0" err="1" smtClean="0">
+                <a:solidFill>
+                  <a:srgbClr val="002060"/>
+                </a:solidFill>
+                <a:latin typeface="Courier New" panose="02070309020205020404" pitchFamily="49" charset="0"/>
+                <a:cs typeface="Courier New" panose="02070309020205020404" pitchFamily="49" charset="0"/>
+              </a:rPr>
+              <a:t>students_scaled</a:t>
+            </a:r>
+            <a:r>
+              <a:rPr lang="en-US" sz="1200" dirty="0" smtClean="0">
+                <a:solidFill>
+                  <a:srgbClr val="002060"/>
+                </a:solidFill>
+                <a:latin typeface="Courier New" panose="02070309020205020404" pitchFamily="49" charset="0"/>
+                <a:cs typeface="Courier New" panose="02070309020205020404" pitchFamily="49" charset="0"/>
+              </a:rPr>
+              <a:t> &lt;- scale(students_subset2)</a:t>
+            </a:r>
+          </a:p>
+          <a:p>
+            <a:r>
+              <a:rPr lang="en-US" sz="1200" dirty="0" err="1" smtClean="0">
+                <a:solidFill>
+                  <a:srgbClr val="002060"/>
+                </a:solidFill>
+                <a:latin typeface="Courier New" panose="02070309020205020404" pitchFamily="49" charset="0"/>
+                <a:cs typeface="Courier New" panose="02070309020205020404" pitchFamily="49" charset="0"/>
+              </a:rPr>
+              <a:t>pimage</a:t>
+            </a:r>
+            <a:r>
+              <a:rPr lang="en-US" sz="1200" dirty="0" smtClean="0">
+                <a:solidFill>
+                  <a:srgbClr val="002060"/>
+                </a:solidFill>
+                <a:latin typeface="Courier New" panose="02070309020205020404" pitchFamily="49" charset="0"/>
+                <a:cs typeface="Courier New" panose="02070309020205020404" pitchFamily="49" charset="0"/>
+              </a:rPr>
+              <a:t>(</a:t>
+            </a:r>
+            <a:r>
+              <a:rPr lang="en-US" sz="1200" dirty="0" err="1" smtClean="0">
+                <a:solidFill>
+                  <a:srgbClr val="002060"/>
+                </a:solidFill>
+                <a:latin typeface="Courier New" panose="02070309020205020404" pitchFamily="49" charset="0"/>
+                <a:cs typeface="Courier New" panose="02070309020205020404" pitchFamily="49" charset="0"/>
+              </a:rPr>
+              <a:t>students_scaled,ylab</a:t>
+            </a:r>
+            <a:r>
+              <a:rPr lang="en-US" sz="1200" dirty="0" smtClean="0">
+                <a:solidFill>
+                  <a:srgbClr val="002060"/>
+                </a:solidFill>
+                <a:latin typeface="Courier New" panose="02070309020205020404" pitchFamily="49" charset="0"/>
+                <a:cs typeface="Courier New" panose="02070309020205020404" pitchFamily="49" charset="0"/>
+              </a:rPr>
+              <a:t>="</a:t>
+            </a:r>
+            <a:r>
+              <a:rPr lang="en-US" sz="1200" dirty="0" err="1" smtClean="0">
+                <a:solidFill>
+                  <a:srgbClr val="002060"/>
+                </a:solidFill>
+                <a:latin typeface="Courier New" panose="02070309020205020404" pitchFamily="49" charset="0"/>
+                <a:cs typeface="Courier New" panose="02070309020205020404" pitchFamily="49" charset="0"/>
+              </a:rPr>
+              <a:t>Students",main</a:t>
+            </a:r>
+            <a:r>
+              <a:rPr lang="en-US" sz="1200" dirty="0" smtClean="0">
+                <a:solidFill>
+                  <a:srgbClr val="002060"/>
+                </a:solidFill>
+                <a:latin typeface="Courier New" panose="02070309020205020404" pitchFamily="49" charset="0"/>
+                <a:cs typeface="Courier New" panose="02070309020205020404" pitchFamily="49" charset="0"/>
+              </a:rPr>
+              <a:t>="Standard Deviations from Mean Mark")</a:t>
+            </a:r>
+          </a:p>
+          <a:p>
+            <a:endParaRPr lang="en-US" sz="1200" dirty="0" smtClean="0">
+              <a:solidFill>
+                <a:srgbClr val="002060"/>
+              </a:solidFill>
+              <a:latin typeface="Courier New" panose="02070309020205020404" pitchFamily="49" charset="0"/>
+              <a:cs typeface="Courier New" panose="02070309020205020404" pitchFamily="49" charset="0"/>
+            </a:endParaRPr>
+          </a:p>
+          <a:p>
+            <a:r>
+              <a:rPr lang="en-US" sz="1200" dirty="0" smtClean="0">
+                <a:solidFill>
+                  <a:srgbClr val="002060"/>
+                </a:solidFill>
+                <a:latin typeface="Courier New" panose="02070309020205020404" pitchFamily="49" charset="0"/>
+                <a:cs typeface="Courier New" panose="02070309020205020404" pitchFamily="49" charset="0"/>
+              </a:rPr>
+              <a:t>matrix &lt;- </a:t>
+            </a:r>
+            <a:r>
+              <a:rPr lang="en-US" sz="1200" dirty="0" err="1" smtClean="0">
+                <a:solidFill>
+                  <a:srgbClr val="002060"/>
+                </a:solidFill>
+                <a:latin typeface="Courier New" panose="02070309020205020404" pitchFamily="49" charset="0"/>
+                <a:cs typeface="Courier New" panose="02070309020205020404" pitchFamily="49" charset="0"/>
+              </a:rPr>
+              <a:t>as.matrix</a:t>
+            </a:r>
+            <a:r>
+              <a:rPr lang="en-US" sz="1200" dirty="0" smtClean="0">
+                <a:solidFill>
+                  <a:srgbClr val="002060"/>
+                </a:solidFill>
+                <a:latin typeface="Courier New" panose="02070309020205020404" pitchFamily="49" charset="0"/>
+                <a:cs typeface="Courier New" panose="02070309020205020404" pitchFamily="49" charset="0"/>
+              </a:rPr>
+              <a:t>(</a:t>
+            </a:r>
+            <a:r>
+              <a:rPr lang="en-US" sz="1200" dirty="0" err="1" smtClean="0">
+                <a:solidFill>
+                  <a:srgbClr val="002060"/>
+                </a:solidFill>
+                <a:latin typeface="Courier New" panose="02070309020205020404" pitchFamily="49" charset="0"/>
+                <a:cs typeface="Courier New" panose="02070309020205020404" pitchFamily="49" charset="0"/>
+              </a:rPr>
+              <a:t>students_scaled</a:t>
+            </a:r>
+            <a:r>
+              <a:rPr lang="en-US" sz="1200" dirty="0" smtClean="0">
+                <a:solidFill>
+                  <a:srgbClr val="002060"/>
+                </a:solidFill>
+                <a:latin typeface="Courier New" panose="02070309020205020404" pitchFamily="49" charset="0"/>
+                <a:cs typeface="Courier New" panose="02070309020205020404" pitchFamily="49" charset="0"/>
+              </a:rPr>
+              <a:t>)</a:t>
+            </a:r>
+          </a:p>
+          <a:p>
+            <a:r>
+              <a:rPr lang="en-US" sz="1200" dirty="0" smtClean="0">
+                <a:solidFill>
+                  <a:srgbClr val="002060"/>
+                </a:solidFill>
+                <a:latin typeface="Courier New" panose="02070309020205020404" pitchFamily="49" charset="0"/>
+                <a:cs typeface="Courier New" panose="02070309020205020404" pitchFamily="49" charset="0"/>
+              </a:rPr>
+              <a:t>cm &lt;- </a:t>
+            </a:r>
+            <a:r>
+              <a:rPr lang="en-US" sz="1200" dirty="0" err="1" smtClean="0">
+                <a:solidFill>
+                  <a:srgbClr val="002060"/>
+                </a:solidFill>
+                <a:latin typeface="Courier New" panose="02070309020205020404" pitchFamily="49" charset="0"/>
+                <a:cs typeface="Courier New" panose="02070309020205020404" pitchFamily="49" charset="0"/>
+              </a:rPr>
+              <a:t>cor</a:t>
+            </a:r>
+            <a:r>
+              <a:rPr lang="en-US" sz="1200" dirty="0" smtClean="0">
+                <a:solidFill>
+                  <a:srgbClr val="002060"/>
+                </a:solidFill>
+                <a:latin typeface="Courier New" panose="02070309020205020404" pitchFamily="49" charset="0"/>
+                <a:cs typeface="Courier New" panose="02070309020205020404" pitchFamily="49" charset="0"/>
+              </a:rPr>
+              <a:t>(t(matrix), method="</a:t>
+            </a:r>
+            <a:r>
+              <a:rPr lang="en-US" sz="1200" dirty="0" err="1" smtClean="0">
+                <a:solidFill>
+                  <a:srgbClr val="002060"/>
+                </a:solidFill>
+                <a:latin typeface="Courier New" panose="02070309020205020404" pitchFamily="49" charset="0"/>
+                <a:cs typeface="Courier New" panose="02070309020205020404" pitchFamily="49" charset="0"/>
+              </a:rPr>
+              <a:t>pearson</a:t>
+            </a:r>
+            <a:r>
+              <a:rPr lang="en-US" sz="1200" dirty="0" smtClean="0">
+                <a:solidFill>
+                  <a:srgbClr val="002060"/>
+                </a:solidFill>
+                <a:latin typeface="Courier New" panose="02070309020205020404" pitchFamily="49" charset="0"/>
+                <a:cs typeface="Courier New" panose="02070309020205020404" pitchFamily="49" charset="0"/>
+              </a:rPr>
+              <a:t>")</a:t>
+            </a:r>
+          </a:p>
+          <a:p>
+            <a:r>
+              <a:rPr lang="en-US" sz="1200" dirty="0" err="1" smtClean="0">
+                <a:solidFill>
+                  <a:srgbClr val="002060"/>
+                </a:solidFill>
+                <a:latin typeface="Courier New" panose="02070309020205020404" pitchFamily="49" charset="0"/>
+                <a:cs typeface="Courier New" panose="02070309020205020404" pitchFamily="49" charset="0"/>
+              </a:rPr>
+              <a:t>pimage</a:t>
+            </a:r>
+            <a:r>
+              <a:rPr lang="en-US" sz="1200" dirty="0" smtClean="0">
+                <a:solidFill>
+                  <a:srgbClr val="002060"/>
+                </a:solidFill>
+                <a:latin typeface="Courier New" panose="02070309020205020404" pitchFamily="49" charset="0"/>
+                <a:cs typeface="Courier New" panose="02070309020205020404" pitchFamily="49" charset="0"/>
+              </a:rPr>
+              <a:t>(</a:t>
+            </a:r>
+            <a:r>
+              <a:rPr lang="en-US" sz="1200" dirty="0" err="1" smtClean="0">
+                <a:solidFill>
+                  <a:srgbClr val="002060"/>
+                </a:solidFill>
+                <a:latin typeface="Courier New" panose="02070309020205020404" pitchFamily="49" charset="0"/>
+                <a:cs typeface="Courier New" panose="02070309020205020404" pitchFamily="49" charset="0"/>
+              </a:rPr>
+              <a:t>cm,main</a:t>
+            </a:r>
+            <a:r>
+              <a:rPr lang="en-US" sz="1200" dirty="0" smtClean="0">
+                <a:solidFill>
+                  <a:srgbClr val="002060"/>
+                </a:solidFill>
+                <a:latin typeface="Courier New" panose="02070309020205020404" pitchFamily="49" charset="0"/>
+                <a:cs typeface="Courier New" panose="02070309020205020404" pitchFamily="49" charset="0"/>
+              </a:rPr>
+              <a:t>="Correlation Matrix considering 1st Year exams", </a:t>
+            </a:r>
+            <a:r>
+              <a:rPr lang="en-US" sz="1200" dirty="0" err="1" smtClean="0">
+                <a:solidFill>
+                  <a:srgbClr val="002060"/>
+                </a:solidFill>
+                <a:latin typeface="Courier New" panose="02070309020205020404" pitchFamily="49" charset="0"/>
+                <a:cs typeface="Courier New" panose="02070309020205020404" pitchFamily="49" charset="0"/>
+              </a:rPr>
+              <a:t>xlab</a:t>
+            </a:r>
+            <a:r>
+              <a:rPr lang="en-US" sz="1200" dirty="0" smtClean="0">
+                <a:solidFill>
+                  <a:srgbClr val="002060"/>
+                </a:solidFill>
+                <a:latin typeface="Courier New" panose="02070309020205020404" pitchFamily="49" charset="0"/>
+                <a:cs typeface="Courier New" panose="02070309020205020404" pitchFamily="49" charset="0"/>
+              </a:rPr>
+              <a:t>="Students", 	</a:t>
+            </a:r>
+            <a:r>
+              <a:rPr lang="en-US" sz="1200" dirty="0" err="1" smtClean="0">
+                <a:solidFill>
+                  <a:srgbClr val="002060"/>
+                </a:solidFill>
+                <a:latin typeface="Courier New" panose="02070309020205020404" pitchFamily="49" charset="0"/>
+                <a:cs typeface="Courier New" panose="02070309020205020404" pitchFamily="49" charset="0"/>
+              </a:rPr>
+              <a:t>ylab</a:t>
+            </a:r>
+            <a:r>
+              <a:rPr lang="en-US" sz="1200" dirty="0" smtClean="0">
+                <a:solidFill>
+                  <a:srgbClr val="002060"/>
+                </a:solidFill>
+                <a:latin typeface="Courier New" panose="02070309020205020404" pitchFamily="49" charset="0"/>
+                <a:cs typeface="Courier New" panose="02070309020205020404" pitchFamily="49" charset="0"/>
+              </a:rPr>
+              <a:t>="</a:t>
+            </a:r>
+            <a:r>
+              <a:rPr lang="en-US" sz="1200" dirty="0" err="1" smtClean="0">
+                <a:solidFill>
+                  <a:srgbClr val="002060"/>
+                </a:solidFill>
+                <a:latin typeface="Courier New" panose="02070309020205020404" pitchFamily="49" charset="0"/>
+                <a:cs typeface="Courier New" panose="02070309020205020404" pitchFamily="49" charset="0"/>
+              </a:rPr>
+              <a:t>Students",zlim</a:t>
+            </a:r>
+            <a:r>
+              <a:rPr lang="en-US" sz="1200" dirty="0" smtClean="0">
+                <a:solidFill>
+                  <a:srgbClr val="002060"/>
+                </a:solidFill>
+                <a:latin typeface="Courier New" panose="02070309020205020404" pitchFamily="49" charset="0"/>
+                <a:cs typeface="Courier New" panose="02070309020205020404" pitchFamily="49" charset="0"/>
+              </a:rPr>
+              <a:t> = c(-1,1),</a:t>
+            </a:r>
+            <a:r>
+              <a:rPr lang="en-US" sz="1200" dirty="0" err="1" smtClean="0">
+                <a:solidFill>
+                  <a:srgbClr val="002060"/>
+                </a:solidFill>
+                <a:latin typeface="Courier New" panose="02070309020205020404" pitchFamily="49" charset="0"/>
+                <a:cs typeface="Courier New" panose="02070309020205020404" pitchFamily="49" charset="0"/>
+              </a:rPr>
+              <a:t>col</a:t>
+            </a:r>
+            <a:r>
+              <a:rPr lang="en-US" sz="1200" dirty="0" smtClean="0">
+                <a:solidFill>
+                  <a:srgbClr val="002060"/>
+                </a:solidFill>
+                <a:latin typeface="Courier New" panose="02070309020205020404" pitchFamily="49" charset="0"/>
+                <a:cs typeface="Courier New" panose="02070309020205020404" pitchFamily="49" charset="0"/>
+              </a:rPr>
+              <a:t> = </a:t>
+            </a:r>
+            <a:r>
+              <a:rPr lang="en-US" sz="1200" dirty="0" err="1" smtClean="0">
+                <a:solidFill>
+                  <a:srgbClr val="002060"/>
+                </a:solidFill>
+                <a:latin typeface="Courier New" panose="02070309020205020404" pitchFamily="49" charset="0"/>
+                <a:cs typeface="Courier New" panose="02070309020205020404" pitchFamily="49" charset="0"/>
+              </a:rPr>
+              <a:t>bluered</a:t>
+            </a:r>
+            <a:r>
+              <a:rPr lang="en-US" sz="1200" dirty="0" smtClean="0">
+                <a:solidFill>
+                  <a:srgbClr val="002060"/>
+                </a:solidFill>
+                <a:latin typeface="Courier New" panose="02070309020205020404" pitchFamily="49" charset="0"/>
+                <a:cs typeface="Courier New" panose="02070309020205020404" pitchFamily="49" charset="0"/>
+              </a:rPr>
+              <a:t>(50))</a:t>
+            </a:r>
+          </a:p>
+          <a:p>
+            <a:endParaRPr lang="it-IT" sz="900" dirty="0">
+              <a:solidFill>
+                <a:schemeClr val="bg1">
+                  <a:lumMod val="50000"/>
+                </a:schemeClr>
+              </a:solidFill>
+              <a:latin typeface="Courier New" panose="02070309020205020404" pitchFamily="49" charset="0"/>
+              <a:cs typeface="Courier New" panose="02070309020205020404" pitchFamily="49" charset="0"/>
+            </a:endParaRPr>
+          </a:p>
+        </p:txBody>
+      </p:sp>
+      <p:sp>
+        <p:nvSpPr>
+          <p:cNvPr id="6" name="Segnaposto contenuto 2">
+            <a:extLst>
+              <a:ext uri="{FF2B5EF4-FFF2-40B4-BE49-F238E27FC236}">
+                <a16:creationId xmlns="" xmlns:a16="http://schemas.microsoft.com/office/drawing/2014/main" id="{C2E44FE5-CCA1-4E8F-905A-F2F5CDF25092}"/>
+              </a:ext>
+            </a:extLst>
+          </p:cNvPr>
+          <p:cNvSpPr txBox="1">
+            <a:spLocks/>
+          </p:cNvSpPr>
+          <p:nvPr/>
+        </p:nvSpPr>
+        <p:spPr>
+          <a:xfrm>
+            <a:off x="457200" y="5357826"/>
+            <a:ext cx="8229600" cy="1428760"/>
+          </a:xfrm>
+          <a:prstGeom prst="rect">
+            <a:avLst/>
+          </a:prstGeom>
+        </p:spPr>
+        <p:txBody>
+          <a:bodyPr>
+            <a:normAutofit/>
+          </a:bodyPr>
+          <a:lstStyle/>
+          <a:p>
+            <a:pPr marL="257175" marR="0" lvl="0" indent="-257175" algn="just" defTabSz="342900" rtl="0" eaLnBrk="1" fontAlgn="auto" latinLnBrk="0" hangingPunct="1">
+              <a:lnSpc>
+                <a:spcPct val="100000"/>
+              </a:lnSpc>
+              <a:spcBef>
+                <a:spcPct val="20000"/>
+              </a:spcBef>
+              <a:spcAft>
+                <a:spcPts val="0"/>
+              </a:spcAft>
+              <a:buClrTx/>
+              <a:buSzTx/>
+              <a:buFont typeface="Arial"/>
+              <a:buChar char="•"/>
+              <a:tabLst/>
+              <a:defRPr/>
+            </a:pPr>
+            <a:r>
+              <a:rPr kumimoji="0" lang="it-IT" sz="2000" b="0" i="0" u="none" strike="noStrike" kern="1200" cap="none" spc="0" normalizeH="0" baseline="0" noProof="0" dirty="0" smtClean="0">
+                <a:ln>
+                  <a:noFill/>
+                </a:ln>
+                <a:solidFill>
+                  <a:schemeClr val="tx1"/>
+                </a:solidFill>
+                <a:effectLst/>
+                <a:uLnTx/>
+                <a:uFillTx/>
+                <a:latin typeface="+mn-lt"/>
+                <a:ea typeface="+mn-ea"/>
+                <a:cs typeface="+mn-cs"/>
+              </a:rPr>
+              <a:t>Per gli altri gruppi di esami, gli script sono stati</a:t>
+            </a:r>
+            <a:r>
+              <a:rPr kumimoji="0" lang="it-IT" sz="2000" b="0" i="0" u="none" strike="noStrike" kern="1200" cap="none" spc="0" normalizeH="0" noProof="0" dirty="0" smtClean="0">
+                <a:ln>
+                  <a:noFill/>
+                </a:ln>
+                <a:solidFill>
+                  <a:schemeClr val="tx1"/>
+                </a:solidFill>
+                <a:effectLst/>
+                <a:uLnTx/>
+                <a:uFillTx/>
+                <a:latin typeface="+mn-lt"/>
+                <a:ea typeface="+mn-ea"/>
+                <a:cs typeface="+mn-cs"/>
+              </a:rPr>
+              <a:t> molto simili.</a:t>
+            </a:r>
+          </a:p>
+          <a:p>
+            <a:pPr marL="714375" lvl="1" indent="-257175" algn="just" defTabSz="342900">
+              <a:spcBef>
+                <a:spcPct val="20000"/>
+              </a:spcBef>
+              <a:buFont typeface="Arial"/>
+              <a:buChar char="•"/>
+            </a:pPr>
+            <a:r>
+              <a:rPr lang="it-IT" sz="1600" baseline="0" dirty="0" smtClean="0">
+                <a:solidFill>
+                  <a:schemeClr val="bg1">
+                    <a:lumMod val="50000"/>
+                  </a:schemeClr>
+                </a:solidFill>
+              </a:rPr>
+              <a:t>Si</a:t>
+            </a:r>
+            <a:r>
+              <a:rPr lang="it-IT" sz="1600" dirty="0" smtClean="0">
+                <a:solidFill>
+                  <a:schemeClr val="bg1">
+                    <a:lumMod val="50000"/>
+                  </a:schemeClr>
+                </a:solidFill>
+              </a:rPr>
+              <a:t> consulti il file dataset_analysis.R nella </a:t>
+            </a:r>
+            <a:r>
+              <a:rPr lang="it-IT" sz="1600" dirty="0" err="1" smtClean="0">
+                <a:solidFill>
+                  <a:schemeClr val="bg1">
+                    <a:lumMod val="50000"/>
+                  </a:schemeClr>
+                </a:solidFill>
+              </a:rPr>
+              <a:t>root</a:t>
+            </a:r>
+            <a:r>
+              <a:rPr lang="it-IT" sz="1600" dirty="0" smtClean="0">
+                <a:solidFill>
+                  <a:schemeClr val="bg1">
+                    <a:lumMod val="50000"/>
+                  </a:schemeClr>
+                </a:solidFill>
+              </a:rPr>
+              <a:t> della </a:t>
+            </a:r>
+            <a:r>
+              <a:rPr lang="it-IT" sz="1600" dirty="0" err="1" smtClean="0">
+                <a:solidFill>
+                  <a:schemeClr val="bg1">
+                    <a:lumMod val="50000"/>
+                  </a:schemeClr>
+                </a:solidFill>
+              </a:rPr>
+              <a:t>repository</a:t>
+            </a:r>
+            <a:endParaRPr kumimoji="0" lang="it-IT" sz="1600" b="0" i="0" u="none" strike="noStrike" kern="1200" cap="none" spc="0" normalizeH="0" baseline="0" noProof="0" dirty="0" smtClean="0">
+              <a:ln>
+                <a:noFill/>
+              </a:ln>
+              <a:solidFill>
+                <a:schemeClr val="bg1">
+                  <a:lumMod val="50000"/>
+                </a:schemeClr>
+              </a:solidFill>
+              <a:effectLst/>
+              <a:uLnTx/>
+              <a:uFillTx/>
+              <a:latin typeface="+mn-lt"/>
+              <a:ea typeface="+mn-ea"/>
+              <a:cs typeface="+mn-cs"/>
+            </a:endParaRPr>
+          </a:p>
+          <a:p>
+            <a:pPr marL="0" marR="0" lvl="0" indent="0" algn="just" defTabSz="342900" rtl="0" eaLnBrk="1" fontAlgn="auto" latinLnBrk="0" hangingPunct="1">
+              <a:lnSpc>
+                <a:spcPct val="100000"/>
+              </a:lnSpc>
+              <a:spcBef>
+                <a:spcPct val="20000"/>
+              </a:spcBef>
+              <a:spcAft>
+                <a:spcPts val="0"/>
+              </a:spcAft>
+              <a:buClrTx/>
+              <a:buSzTx/>
+              <a:buFont typeface="Arial"/>
+              <a:buNone/>
+              <a:tabLst/>
+              <a:defRPr/>
+            </a:pPr>
+            <a:endParaRPr kumimoji="0" lang="it-IT" sz="2400" b="0" i="0" u="none" strike="noStrike" kern="1200" cap="none" spc="0" normalizeH="0" baseline="0" noProof="0" dirty="0" smtClean="0">
+              <a:ln>
+                <a:noFill/>
+              </a:ln>
+              <a:solidFill>
+                <a:schemeClr val="tx1"/>
+              </a:solidFill>
+              <a:effectLst/>
+              <a:uLnTx/>
+              <a:uFillTx/>
+              <a:latin typeface="+mn-lt"/>
+              <a:ea typeface="+mn-ea"/>
+              <a:cs typeface="+mn-cs"/>
+            </a:endParaRPr>
+          </a:p>
+          <a:p>
+            <a:pPr marL="0" marR="0" lvl="0" indent="0" algn="just" defTabSz="342900" rtl="0" eaLnBrk="1" fontAlgn="auto" latinLnBrk="0" hangingPunct="1">
+              <a:lnSpc>
+                <a:spcPct val="100000"/>
+              </a:lnSpc>
+              <a:spcBef>
+                <a:spcPct val="20000"/>
+              </a:spcBef>
+              <a:spcAft>
+                <a:spcPts val="0"/>
+              </a:spcAft>
+              <a:buClrTx/>
+              <a:buSzTx/>
+              <a:buFont typeface="Arial"/>
+              <a:buNone/>
+              <a:tabLst/>
+              <a:defRPr/>
+            </a:pPr>
+            <a:endParaRPr kumimoji="0" lang="it-IT" sz="2400" b="0" i="0" u="none" strike="noStrike" kern="1200" cap="none" spc="0" normalizeH="0" baseline="0" noProof="0" dirty="0" smtClean="0">
+              <a:ln>
+                <a:noFill/>
+              </a:ln>
+              <a:solidFill>
+                <a:schemeClr val="tx1"/>
+              </a:solidFill>
+              <a:effectLst/>
+              <a:uLnTx/>
+              <a:uFillTx/>
+              <a:latin typeface="+mn-lt"/>
+              <a:ea typeface="+mn-ea"/>
+              <a:cs typeface="+mn-cs"/>
+            </a:endParaRPr>
+          </a:p>
+          <a:p>
+            <a:pPr marL="257175" marR="0" lvl="0" indent="-257175" algn="l" defTabSz="342900" rtl="0" eaLnBrk="1" fontAlgn="auto" latinLnBrk="0" hangingPunct="1">
+              <a:lnSpc>
+                <a:spcPct val="100000"/>
+              </a:lnSpc>
+              <a:spcBef>
+                <a:spcPct val="20000"/>
+              </a:spcBef>
+              <a:spcAft>
+                <a:spcPts val="0"/>
+              </a:spcAft>
+              <a:buClrTx/>
+              <a:buSzTx/>
+              <a:buFont typeface="Arial"/>
+              <a:buChar char="•"/>
+              <a:tabLst/>
+              <a:defRPr/>
+            </a:pPr>
+            <a:endParaRPr kumimoji="0" lang="en-US" sz="2000" b="0" i="0" u="none" strike="noStrike" kern="1200" cap="none" spc="0" normalizeH="0" baseline="0" noProof="0" dirty="0">
+              <a:ln>
+                <a:noFill/>
+              </a:ln>
+              <a:solidFill>
+                <a:schemeClr val="tx1"/>
+              </a:solidFill>
+              <a:effectLst/>
+              <a:uLnTx/>
+              <a:uFillTx/>
+              <a:latin typeface="+mn-lt"/>
+              <a:ea typeface="+mn-ea"/>
+              <a:cs typeface="+mn-cs"/>
+            </a:endParaRPr>
+          </a:p>
+        </p:txBody>
+      </p:sp>
+    </p:spTree>
+  </p:cSld>
+  <p:clrMapOvr>
+    <a:masterClrMapping/>
+  </p:clrMapOvr>
+</p:sld>
+</file>
+
+<file path=ppt/slides/slide16.xml><?xml version="1.0" encoding="utf-8"?>
+<p:sld xmlns:a="http://schemas.openxmlformats.org/drawingml/2006/main" xmlns:r="http://schemas.openxmlformats.org/officeDocument/2006/relationships" xmlns:p="http://schemas.openxmlformats.org/presentationml/2006/main">
+  <p:cSld>
+    <p:spTree>
+      <p:nvGrpSpPr>
+        <p:cNvPr id="1" name=""/>
+        <p:cNvGrpSpPr/>
+        <p:nvPr/>
+      </p:nvGrpSpPr>
+      <p:grpSpPr>
+        <a:xfrm>
+          <a:off x="0" y="0"/>
+          <a:ext cx="0" cy="0"/>
+          <a:chOff x="0" y="0"/>
+          <a:chExt cx="0" cy="0"/>
+        </a:xfrm>
+      </p:grpSpPr>
+      <p:pic>
+        <p:nvPicPr>
+          <p:cNvPr id="1026" name="Picture 2" descr="Y:\GOOGLE_DRIVE\PC_SYNC\istruzione\UNIFI_ANNO_3\DMO\datamining-class-homework\img\scatter_plot_4_gen.png"/>
+          <p:cNvPicPr>
+            <a:picLocks noChangeAspect="1" noChangeArrowheads="1"/>
+          </p:cNvPicPr>
+          <p:nvPr/>
+        </p:nvPicPr>
+        <p:blipFill>
+          <a:blip r:embed="rId2"/>
+          <a:srcRect t="2180" r="1679" b="3491"/>
+          <a:stretch>
+            <a:fillRect/>
+          </a:stretch>
+        </p:blipFill>
+        <p:spPr bwMode="auto">
+          <a:xfrm>
+            <a:off x="1" y="809469"/>
+            <a:ext cx="9144000" cy="6048531"/>
+          </a:xfrm>
+          <a:prstGeom prst="rect">
+            <a:avLst/>
+          </a:prstGeom>
+          <a:noFill/>
+        </p:spPr>
+      </p:pic>
+      <p:sp>
+        <p:nvSpPr>
+          <p:cNvPr id="3" name="Titolo 1">
+            <a:extLst>
+              <a:ext uri="{FF2B5EF4-FFF2-40B4-BE49-F238E27FC236}">
+                <a16:creationId xmlns="" xmlns:a16="http://schemas.microsoft.com/office/drawing/2014/main" id="{9E74EE39-EA32-4246-BC63-84D8E46682AC}"/>
+              </a:ext>
+            </a:extLst>
+          </p:cNvPr>
+          <p:cNvSpPr txBox="1">
+            <a:spLocks/>
+          </p:cNvSpPr>
+          <p:nvPr/>
+        </p:nvSpPr>
+        <p:spPr>
+          <a:xfrm>
+            <a:off x="1447800" y="152400"/>
+            <a:ext cx="8229600" cy="1143000"/>
+          </a:xfrm>
+          <a:prstGeom prst="rect">
+            <a:avLst/>
+          </a:prstGeom>
+        </p:spPr>
+        <p:txBody>
+          <a:bodyPr>
+            <a:noAutofit/>
+          </a:bodyPr>
+          <a:lstStyle>
+            <a:lvl1pPr algn="ctr" defTabSz="342900" rtl="0" eaLnBrk="1" latinLnBrk="0" hangingPunct="1">
+              <a:spcBef>
+                <a:spcPct val="0"/>
+              </a:spcBef>
+              <a:buNone/>
+              <a:defRPr sz="3300" kern="1200">
+                <a:solidFill>
+                  <a:schemeClr val="tx1"/>
+                </a:solidFill>
+                <a:latin typeface="+mj-lt"/>
+                <a:ea typeface="+mj-ea"/>
+                <a:cs typeface="+mj-cs"/>
+              </a:defRPr>
+            </a:lvl1pPr>
+          </a:lstStyle>
+          <a:p>
+            <a:r>
+              <a:rPr lang="it-IT" sz="2400" b="1" dirty="0">
+                <a:solidFill>
+                  <a:schemeClr val="bg1"/>
+                </a:solidFill>
+              </a:rPr>
+              <a:t>DATA UNDERSTANDING: </a:t>
+            </a:r>
+            <a:r>
+              <a:rPr lang="it-IT" sz="2400" dirty="0" smtClean="0">
+                <a:solidFill>
+                  <a:schemeClr val="bg1"/>
+                </a:solidFill>
+              </a:rPr>
+              <a:t>ESAMI DEL PRIMO ANNO</a:t>
+            </a:r>
+            <a:endParaRPr lang="en-US" sz="2400" dirty="0">
+              <a:solidFill>
+                <a:schemeClr val="bg1"/>
+              </a:solidFill>
+            </a:endParaRPr>
+          </a:p>
+        </p:txBody>
+      </p:sp>
+    </p:spTree>
+  </p:cSld>
+  <p:clrMapOvr>
+    <a:masterClrMapping/>
+  </p:clrMapOvr>
+</p:sld>
+</file>
+
+<file path=ppt/slides/slide17.xml><?xml version="1.0" encoding="utf-8"?>
+<p:sld xmlns:a="http://schemas.openxmlformats.org/drawingml/2006/main" xmlns:r="http://schemas.openxmlformats.org/officeDocument/2006/relationships" xmlns:p="http://schemas.openxmlformats.org/presentationml/2006/main">
+  <p:cSld>
+    <p:spTree>
+      <p:nvGrpSpPr>
+        <p:cNvPr id="1" name=""/>
+        <p:cNvGrpSpPr/>
+        <p:nvPr/>
+      </p:nvGrpSpPr>
+      <p:grpSpPr>
+        <a:xfrm>
+          <a:off x="0" y="0"/>
+          <a:ext cx="0" cy="0"/>
+          <a:chOff x="0" y="0"/>
+          <a:chExt cx="0" cy="0"/>
+        </a:xfrm>
+      </p:grpSpPr>
+      <p:sp>
+        <p:nvSpPr>
+          <p:cNvPr id="2" name="Titolo 1">
+            <a:extLst>
+              <a:ext uri="{FF2B5EF4-FFF2-40B4-BE49-F238E27FC236}">
+                <a16:creationId xmlns="" xmlns:a16="http://schemas.microsoft.com/office/drawing/2014/main" id="{9E74EE39-EA32-4246-BC63-84D8E46682AC}"/>
+              </a:ext>
+            </a:extLst>
+          </p:cNvPr>
+          <p:cNvSpPr txBox="1">
+            <a:spLocks/>
+          </p:cNvSpPr>
+          <p:nvPr/>
+        </p:nvSpPr>
+        <p:spPr>
+          <a:xfrm>
+            <a:off x="1447800" y="152400"/>
+            <a:ext cx="8229600" cy="1143000"/>
+          </a:xfrm>
+          <a:prstGeom prst="rect">
+            <a:avLst/>
+          </a:prstGeom>
+        </p:spPr>
+        <p:txBody>
+          <a:bodyPr>
+            <a:noAutofit/>
+          </a:bodyPr>
+          <a:lstStyle>
+            <a:lvl1pPr algn="ctr" defTabSz="342900" rtl="0" eaLnBrk="1" latinLnBrk="0" hangingPunct="1">
+              <a:spcBef>
+                <a:spcPct val="0"/>
+              </a:spcBef>
+              <a:buNone/>
+              <a:defRPr sz="3300" kern="1200">
+                <a:solidFill>
+                  <a:schemeClr val="tx1"/>
+                </a:solidFill>
+                <a:latin typeface="+mj-lt"/>
+                <a:ea typeface="+mj-ea"/>
+                <a:cs typeface="+mj-cs"/>
+              </a:defRPr>
+            </a:lvl1pPr>
+          </a:lstStyle>
+          <a:p>
+            <a:r>
+              <a:rPr lang="it-IT" sz="2400" b="1" dirty="0">
+                <a:solidFill>
+                  <a:schemeClr val="bg1"/>
+                </a:solidFill>
+              </a:rPr>
+              <a:t>DATA UNDERSTANDING: </a:t>
+            </a:r>
+            <a:r>
+              <a:rPr lang="it-IT" sz="2400" dirty="0" smtClean="0">
+                <a:solidFill>
+                  <a:schemeClr val="bg1"/>
+                </a:solidFill>
+              </a:rPr>
+              <a:t>ESAMI DEL PRIMO ANNO</a:t>
+            </a:r>
+            <a:endParaRPr lang="en-US" sz="2400" dirty="0">
+              <a:solidFill>
+                <a:schemeClr val="bg1"/>
+              </a:solidFill>
+            </a:endParaRPr>
+          </a:p>
+        </p:txBody>
+      </p:sp>
+      <p:pic>
+        <p:nvPicPr>
+          <p:cNvPr id="2050" name="Picture 2" descr="Y:\GOOGLE_DRIVE\PC_SYNC\istruzione\UNIFI_ANNO_3\DMO\datamining-class-homework\img\corr_matrix_1.png"/>
+          <p:cNvPicPr>
+            <a:picLocks noChangeAspect="1" noChangeArrowheads="1"/>
+          </p:cNvPicPr>
+          <p:nvPr/>
+        </p:nvPicPr>
+        <p:blipFill>
+          <a:blip r:embed="rId2"/>
+          <a:srcRect l="10160" t="1247" r="7218" b="6914"/>
+          <a:stretch>
+            <a:fillRect/>
+          </a:stretch>
+        </p:blipFill>
+        <p:spPr bwMode="auto">
+          <a:xfrm>
+            <a:off x="1785918" y="808021"/>
+            <a:ext cx="7358082" cy="6049979"/>
+          </a:xfrm>
+          <a:prstGeom prst="rect">
+            <a:avLst/>
+          </a:prstGeom>
+          <a:noFill/>
+        </p:spPr>
+      </p:pic>
+      <p:sp>
+        <p:nvSpPr>
+          <p:cNvPr id="4" name="CasellaDiTesto 3"/>
+          <p:cNvSpPr txBox="1"/>
+          <p:nvPr/>
+        </p:nvSpPr>
+        <p:spPr>
+          <a:xfrm>
+            <a:off x="142844" y="1295400"/>
+            <a:ext cx="1785950" cy="2308324"/>
+          </a:xfrm>
+          <a:prstGeom prst="rect">
+            <a:avLst/>
+          </a:prstGeom>
+          <a:noFill/>
+        </p:spPr>
+        <p:txBody>
+          <a:bodyPr wrap="square" rtlCol="0">
+            <a:spAutoFit/>
+          </a:bodyPr>
+          <a:lstStyle/>
+          <a:p>
+            <a:r>
+              <a:rPr lang="it-IT" dirty="0" smtClean="0"/>
+              <a:t>Come misura di correlazione è stata scelta la correlazione di </a:t>
+            </a:r>
+            <a:r>
+              <a:rPr lang="it-IT" dirty="0" err="1" smtClean="0"/>
+              <a:t>Pearson</a:t>
+            </a:r>
+            <a:r>
+              <a:rPr lang="it-IT" dirty="0" smtClean="0"/>
+              <a:t>, ricercando quindi relazioni monotone.</a:t>
+            </a:r>
+          </a:p>
+        </p:txBody>
+      </p:sp>
+    </p:spTree>
+  </p:cSld>
+  <p:clrMapOvr>
+    <a:masterClrMapping/>
+  </p:clrMapOvr>
+</p:sld>
+</file>
+
+<file path=ppt/slides/slide18.xml><?xml version="1.0" encoding="utf-8"?>
+<p:sld xmlns:a="http://schemas.openxmlformats.org/drawingml/2006/main" xmlns:r="http://schemas.openxmlformats.org/officeDocument/2006/relationships" xmlns:p="http://schemas.openxmlformats.org/presentationml/2006/main">
+  <p:cSld>
+    <p:spTree>
+      <p:nvGrpSpPr>
+        <p:cNvPr id="1" name=""/>
+        <p:cNvGrpSpPr/>
+        <p:nvPr/>
+      </p:nvGrpSpPr>
+      <p:grpSpPr>
+        <a:xfrm>
+          <a:off x="0" y="0"/>
+          <a:ext cx="0" cy="0"/>
+          <a:chOff x="0" y="0"/>
+          <a:chExt cx="0" cy="0"/>
+        </a:xfrm>
+      </p:grpSpPr>
+      <p:pic>
+        <p:nvPicPr>
+          <p:cNvPr id="3074" name="Picture 2" descr="Y:\GOOGLE_DRIVE\PC_SYNC\istruzione\UNIFI_ANNO_3\DMO\datamining-class-homework\img\std_dev_matrix_1.png"/>
+          <p:cNvPicPr>
+            <a:picLocks noChangeAspect="1" noChangeArrowheads="1"/>
+          </p:cNvPicPr>
+          <p:nvPr/>
+        </p:nvPicPr>
+        <p:blipFill>
+          <a:blip r:embed="rId2"/>
+          <a:srcRect l="8206" t="2756" r="12468" b="3924"/>
+          <a:stretch>
+            <a:fillRect/>
+          </a:stretch>
+        </p:blipFill>
+        <p:spPr bwMode="auto">
+          <a:xfrm>
+            <a:off x="1857356" y="835835"/>
+            <a:ext cx="6095606" cy="6022165"/>
+          </a:xfrm>
+          <a:prstGeom prst="rect">
+            <a:avLst/>
+          </a:prstGeom>
+          <a:noFill/>
+        </p:spPr>
+      </p:pic>
+      <p:sp>
+        <p:nvSpPr>
+          <p:cNvPr id="4" name="Titolo 1">
+            <a:extLst>
+              <a:ext uri="{FF2B5EF4-FFF2-40B4-BE49-F238E27FC236}">
+                <a16:creationId xmlns="" xmlns:a16="http://schemas.microsoft.com/office/drawing/2014/main" id="{9E74EE39-EA32-4246-BC63-84D8E46682AC}"/>
+              </a:ext>
+            </a:extLst>
+          </p:cNvPr>
+          <p:cNvSpPr txBox="1">
+            <a:spLocks/>
+          </p:cNvSpPr>
+          <p:nvPr/>
+        </p:nvSpPr>
+        <p:spPr>
+          <a:xfrm>
+            <a:off x="1447800" y="152400"/>
+            <a:ext cx="8229600" cy="1143000"/>
+          </a:xfrm>
+          <a:prstGeom prst="rect">
+            <a:avLst/>
+          </a:prstGeom>
+        </p:spPr>
+        <p:txBody>
+          <a:bodyPr>
+            <a:noAutofit/>
+          </a:bodyPr>
+          <a:lstStyle>
+            <a:lvl1pPr algn="ctr" defTabSz="342900" rtl="0" eaLnBrk="1" latinLnBrk="0" hangingPunct="1">
+              <a:spcBef>
+                <a:spcPct val="0"/>
+              </a:spcBef>
+              <a:buNone/>
+              <a:defRPr sz="3300" kern="1200">
+                <a:solidFill>
+                  <a:schemeClr val="tx1"/>
+                </a:solidFill>
+                <a:latin typeface="+mj-lt"/>
+                <a:ea typeface="+mj-ea"/>
+                <a:cs typeface="+mj-cs"/>
+              </a:defRPr>
+            </a:lvl1pPr>
+          </a:lstStyle>
+          <a:p>
+            <a:r>
+              <a:rPr lang="it-IT" sz="2400" b="1" dirty="0">
+                <a:solidFill>
+                  <a:schemeClr val="bg1"/>
+                </a:solidFill>
+              </a:rPr>
+              <a:t>DATA UNDERSTANDING: </a:t>
+            </a:r>
+            <a:r>
+              <a:rPr lang="it-IT" sz="2400" dirty="0" smtClean="0">
+                <a:solidFill>
+                  <a:schemeClr val="bg1"/>
+                </a:solidFill>
+              </a:rPr>
+              <a:t>ESAMI DEL PRIMO ANNO</a:t>
+            </a:r>
+            <a:endParaRPr lang="en-US" sz="2400" dirty="0">
+              <a:solidFill>
+                <a:schemeClr val="bg1"/>
+              </a:solidFill>
+            </a:endParaRPr>
+          </a:p>
+        </p:txBody>
+      </p:sp>
+    </p:spTree>
+  </p:cSld>
+  <p:clrMapOvr>
+    <a:masterClrMapping/>
+  </p:clrMapOvr>
+</p:sld>
+</file>
+
+<file path=ppt/slides/slide19.xml><?xml version="1.0" encoding="utf-8"?>
+<p:sld xmlns:a="http://schemas.openxmlformats.org/drawingml/2006/main" xmlns:r="http://schemas.openxmlformats.org/officeDocument/2006/relationships" xmlns:p="http://schemas.openxmlformats.org/presentationml/2006/main">
+  <p:cSld>
+    <p:spTree>
+      <p:nvGrpSpPr>
+        <p:cNvPr id="1" name=""/>
+        <p:cNvGrpSpPr/>
+        <p:nvPr/>
+      </p:nvGrpSpPr>
+      <p:grpSpPr>
+        <a:xfrm>
+          <a:off x="0" y="0"/>
+          <a:ext cx="0" cy="0"/>
+          <a:chOff x="0" y="0"/>
+          <a:chExt cx="0" cy="0"/>
+        </a:xfrm>
+      </p:grpSpPr>
+      <p:sp>
+        <p:nvSpPr>
+          <p:cNvPr id="2" name="Titolo 1">
+            <a:extLst>
+              <a:ext uri="{FF2B5EF4-FFF2-40B4-BE49-F238E27FC236}">
+                <a16:creationId xmlns="" xmlns:a16="http://schemas.microsoft.com/office/drawing/2014/main" id="{866C4E33-318F-45C6-90C3-7F33D8AF9E45}"/>
+              </a:ext>
+            </a:extLst>
+          </p:cNvPr>
+          <p:cNvSpPr>
+            <a:spLocks noGrp="1"/>
+          </p:cNvSpPr>
+          <p:nvPr>
+            <p:ph type="title"/>
+          </p:nvPr>
+        </p:nvSpPr>
+        <p:spPr/>
+        <p:txBody>
+          <a:bodyPr/>
+          <a:lstStyle/>
+          <a:p>
+            <a:endParaRPr lang="en-US"/>
+          </a:p>
+        </p:txBody>
+      </p:sp>
+      <p:sp>
+        <p:nvSpPr>
+          <p:cNvPr id="3" name="Segnaposto contenuto 2">
+            <a:extLst>
+              <a:ext uri="{FF2B5EF4-FFF2-40B4-BE49-F238E27FC236}">
+                <a16:creationId xmlns="" xmlns:a16="http://schemas.microsoft.com/office/drawing/2014/main" id="{FE7ABC2F-9BF7-4B30-841B-5A6ECB846BB6}"/>
+              </a:ext>
+            </a:extLst>
+          </p:cNvPr>
+          <p:cNvSpPr>
+            <a:spLocks noGrp="1"/>
+          </p:cNvSpPr>
+          <p:nvPr>
+            <p:ph idx="1"/>
+          </p:nvPr>
+        </p:nvSpPr>
+        <p:spPr/>
+        <p:txBody>
+          <a:bodyPr/>
+          <a:lstStyle/>
+          <a:p>
+            <a:r>
+              <a:rPr lang="it-IT" dirty="0" err="1"/>
+              <a:t>Pearson</a:t>
+            </a:r>
+            <a:r>
+              <a:rPr lang="it-IT" dirty="0"/>
+              <a:t> </a:t>
+            </a:r>
+            <a:r>
+              <a:rPr lang="it-IT" dirty="0" err="1"/>
+              <a:t>correlation</a:t>
+            </a:r>
+            <a:r>
+              <a:rPr lang="it-IT" dirty="0"/>
+              <a:t> analizza le </a:t>
+            </a:r>
+            <a:r>
+              <a:rPr lang="it-IT"/>
+              <a:t>relazioni monotone</a:t>
+            </a:r>
+            <a:endParaRPr lang="en-US"/>
+          </a:p>
+        </p:txBody>
+      </p:sp>
+    </p:spTree>
+    <p:extLst>
+      <p:ext uri="{BB962C8B-B14F-4D97-AF65-F5344CB8AC3E}">
+        <p14:creationId xmlns="" xmlns:p14="http://schemas.microsoft.com/office/powerpoint/2010/main" val="1226650102"/>
+      </p:ext>
+    </p:extLst>
+  </p:cSld>
+  <p:clrMapOvr>
+    <a:masterClrMapping/>
+  </p:clrMapOvr>
+  <p:timing>
+    <p:tnLst>
+      <p:par>
+        <p:cTn id="1" dur="indefinite" restart="never" nodeType="tmRoot"/>
+      </p:par>
+    </p:tnLst>
+  </p:timing>
 </p:sld>
 </file>
 
@@ -3278,7 +6832,7 @@
           <p:cNvPr id="2" name="Titolo 1">
             <a:extLst>
               <a:ext uri="{FF2B5EF4-FFF2-40B4-BE49-F238E27FC236}">
-                <a16:creationId xmlns:a16="http://schemas.microsoft.com/office/drawing/2014/main" id="{27DE7282-AE7E-472D-8672-9E1189329188}"/>
+                <a16:creationId xmlns="" xmlns:a16="http://schemas.microsoft.com/office/drawing/2014/main" id="{27DE7282-AE7E-472D-8672-9E1189329188}"/>
               </a:ext>
             </a:extLst>
           </p:cNvPr>
@@ -3320,7 +6874,7 @@
           <p:cNvPr id="3" name="Segnaposto contenuto 2">
             <a:extLst>
               <a:ext uri="{FF2B5EF4-FFF2-40B4-BE49-F238E27FC236}">
-                <a16:creationId xmlns:a16="http://schemas.microsoft.com/office/drawing/2014/main" id="{CFAC3122-428C-490C-856C-A6D8B422D33B}"/>
+                <a16:creationId xmlns="" xmlns:a16="http://schemas.microsoft.com/office/drawing/2014/main" id="{CFAC3122-428C-490C-856C-A6D8B422D33B}"/>
               </a:ext>
             </a:extLst>
           </p:cNvPr>
@@ -3531,6 +7085,13 @@
               </a:rPr>
               <a:t>immatricolati coorte 2013 - produttività fino ad aprile 2017</a:t>
             </a:r>
+            <a:r>
+              <a:rPr lang="it-IT" dirty="0">
+                <a:latin typeface="Courier New" panose="02070309020205020404" pitchFamily="49" charset="0"/>
+                <a:cs typeface="Courier New" panose="02070309020205020404" pitchFamily="49" charset="0"/>
+              </a:rPr>
+              <a:t/>
+            </a:r>
             <a:br>
               <a:rPr lang="it-IT" dirty="0">
                 <a:latin typeface="Courier New" panose="02070309020205020404" pitchFamily="49" charset="0"/>
@@ -3553,13 +7114,20 @@
     </p:spTree>
     <p:extLst>
       <p:ext uri="{BB962C8B-B14F-4D97-AF65-F5344CB8AC3E}">
-        <p14:creationId xmlns:p14="http://schemas.microsoft.com/office/powerpoint/2010/main" val="4194171762"/>
+        <p14:creationId xmlns="" xmlns:p14="http://schemas.microsoft.com/office/powerpoint/2010/main" val="4194171762"/>
       </p:ext>
     </p:extLst>
   </p:cSld>
   <p:clrMapOvr>
     <a:masterClrMapping/>
   </p:clrMapOvr>
+  <p:timing>
+    <p:tnLst>
+      <p:par>
+        <p:cTn id="1" dur="indefinite" restart="never" nodeType="tmRoot"/>
+      </p:par>
+    </p:tnLst>
+  </p:timing>
 </p:sld>
 </file>
 
@@ -3585,7 +7153,7 @@
           <p:cNvPr id="4" name="Segnaposto contenuto 3">
             <a:extLst>
               <a:ext uri="{FF2B5EF4-FFF2-40B4-BE49-F238E27FC236}">
-                <a16:creationId xmlns:a16="http://schemas.microsoft.com/office/drawing/2014/main" id="{03B2811F-5DE8-42D1-8BA0-DFADE2068770}"/>
+                <a16:creationId xmlns="" xmlns:a16="http://schemas.microsoft.com/office/drawing/2014/main" id="{03B2811F-5DE8-42D1-8BA0-DFADE2068770}"/>
               </a:ext>
             </a:extLst>
           </p:cNvPr>
@@ -3595,7 +7163,7 @@
           <p:nvPr>
             <p:extLst>
               <p:ext uri="{D42A27DB-BD31-4B8C-83A1-F6EECF244321}">
-                <p14:modId xmlns:p14="http://schemas.microsoft.com/office/powerpoint/2010/main" val="2417831910"/>
+                <p14:modId xmlns="" xmlns:p14="http://schemas.microsoft.com/office/powerpoint/2010/main" val="2417831910"/>
               </p:ext>
             </p:extLst>
           </p:nvPr>
@@ -3614,70 +7182,70 @@
                 <a:gridCol w="623214">
                   <a:extLst>
                     <a:ext uri="{9D8B030D-6E8A-4147-A177-3AD203B41FA5}">
-                      <a16:colId xmlns:a16="http://schemas.microsoft.com/office/drawing/2014/main" val="807059028"/>
+                      <a16:colId xmlns="" xmlns:a16="http://schemas.microsoft.com/office/drawing/2014/main" val="807059028"/>
                     </a:ext>
                   </a:extLst>
                 </a:gridCol>
                 <a:gridCol w="537674">
                   <a:extLst>
                     <a:ext uri="{9D8B030D-6E8A-4147-A177-3AD203B41FA5}">
-                      <a16:colId xmlns:a16="http://schemas.microsoft.com/office/drawing/2014/main" val="3957048853"/>
+                      <a16:colId xmlns="" xmlns:a16="http://schemas.microsoft.com/office/drawing/2014/main" val="3957048853"/>
                     </a:ext>
                   </a:extLst>
                 </a:gridCol>
                 <a:gridCol w="782072">
                   <a:extLst>
                     <a:ext uri="{9D8B030D-6E8A-4147-A177-3AD203B41FA5}">
-                      <a16:colId xmlns:a16="http://schemas.microsoft.com/office/drawing/2014/main" val="3530217452"/>
+                      <a16:colId xmlns="" xmlns:a16="http://schemas.microsoft.com/office/drawing/2014/main" val="3530217452"/>
                     </a:ext>
                   </a:extLst>
                 </a:gridCol>
                 <a:gridCol w="1050908">
                   <a:extLst>
                     <a:ext uri="{9D8B030D-6E8A-4147-A177-3AD203B41FA5}">
-                      <a16:colId xmlns:a16="http://schemas.microsoft.com/office/drawing/2014/main" val="2216707341"/>
+                      <a16:colId xmlns="" xmlns:a16="http://schemas.microsoft.com/office/drawing/2014/main" val="2216707341"/>
                     </a:ext>
                   </a:extLst>
                 </a:gridCol>
                 <a:gridCol w="818731">
                   <a:extLst>
                     <a:ext uri="{9D8B030D-6E8A-4147-A177-3AD203B41FA5}">
-                      <a16:colId xmlns:a16="http://schemas.microsoft.com/office/drawing/2014/main" val="958190292"/>
+                      <a16:colId xmlns="" xmlns:a16="http://schemas.microsoft.com/office/drawing/2014/main" val="958190292"/>
                     </a:ext>
                   </a:extLst>
                 </a:gridCol>
                 <a:gridCol w="366596">
                   <a:extLst>
                     <a:ext uri="{9D8B030D-6E8A-4147-A177-3AD203B41FA5}">
-                      <a16:colId xmlns:a16="http://schemas.microsoft.com/office/drawing/2014/main" val="424608249"/>
+                      <a16:colId xmlns="" xmlns:a16="http://schemas.microsoft.com/office/drawing/2014/main" val="424608249"/>
                     </a:ext>
                   </a:extLst>
                 </a:gridCol>
                 <a:gridCol w="724028">
                   <a:extLst>
                     <a:ext uri="{9D8B030D-6E8A-4147-A177-3AD203B41FA5}">
-                      <a16:colId xmlns:a16="http://schemas.microsoft.com/office/drawing/2014/main" val="1424326084"/>
+                      <a16:colId xmlns="" xmlns:a16="http://schemas.microsoft.com/office/drawing/2014/main" val="1424326084"/>
                     </a:ext>
                   </a:extLst>
                 </a:gridCol>
                 <a:gridCol w="366596">
                   <a:extLst>
                     <a:ext uri="{9D8B030D-6E8A-4147-A177-3AD203B41FA5}">
-                      <a16:colId xmlns:a16="http://schemas.microsoft.com/office/drawing/2014/main" val="3392580486"/>
+                      <a16:colId xmlns="" xmlns:a16="http://schemas.microsoft.com/office/drawing/2014/main" val="3392580486"/>
                     </a:ext>
                   </a:extLst>
                 </a:gridCol>
                 <a:gridCol w="724028">
                   <a:extLst>
                     <a:ext uri="{9D8B030D-6E8A-4147-A177-3AD203B41FA5}">
-                      <a16:colId xmlns:a16="http://schemas.microsoft.com/office/drawing/2014/main" val="1129838862"/>
+                      <a16:colId xmlns="" xmlns:a16="http://schemas.microsoft.com/office/drawing/2014/main" val="1129838862"/>
                     </a:ext>
                   </a:extLst>
                 </a:gridCol>
                 <a:gridCol w="378816">
                   <a:extLst>
                     <a:ext uri="{9D8B030D-6E8A-4147-A177-3AD203B41FA5}">
-                      <a16:colId xmlns:a16="http://schemas.microsoft.com/office/drawing/2014/main" val="1356684913"/>
+                      <a16:colId xmlns="" xmlns:a16="http://schemas.microsoft.com/office/drawing/2014/main" val="1356684913"/>
                     </a:ext>
                   </a:extLst>
                 </a:gridCol>
@@ -3919,7 +7487,7 @@
                 </a:tc>
                 <a:extLst>
                   <a:ext uri="{0D108BD9-81ED-4DB2-BD59-A6C34878D82A}">
-                    <a16:rowId xmlns:a16="http://schemas.microsoft.com/office/drawing/2014/main" val="237637119"/>
+                    <a16:rowId xmlns="" xmlns:a16="http://schemas.microsoft.com/office/drawing/2014/main" val="237637119"/>
                   </a:ext>
                 </a:extLst>
               </a:tr>
@@ -4160,7 +7728,7 @@
                 </a:tc>
                 <a:extLst>
                   <a:ext uri="{0D108BD9-81ED-4DB2-BD59-A6C34878D82A}">
-                    <a16:rowId xmlns:a16="http://schemas.microsoft.com/office/drawing/2014/main" val="178595908"/>
+                    <a16:rowId xmlns="" xmlns:a16="http://schemas.microsoft.com/office/drawing/2014/main" val="178595908"/>
                   </a:ext>
                 </a:extLst>
               </a:tr>
@@ -4401,7 +7969,7 @@
                 </a:tc>
                 <a:extLst>
                   <a:ext uri="{0D108BD9-81ED-4DB2-BD59-A6C34878D82A}">
-                    <a16:rowId xmlns:a16="http://schemas.microsoft.com/office/drawing/2014/main" val="3483033991"/>
+                    <a16:rowId xmlns="" xmlns:a16="http://schemas.microsoft.com/office/drawing/2014/main" val="3483033991"/>
                   </a:ext>
                 </a:extLst>
               </a:tr>
@@ -4642,7 +8210,7 @@
                 </a:tc>
                 <a:extLst>
                   <a:ext uri="{0D108BD9-81ED-4DB2-BD59-A6C34878D82A}">
-                    <a16:rowId xmlns:a16="http://schemas.microsoft.com/office/drawing/2014/main" val="3226898549"/>
+                    <a16:rowId xmlns="" xmlns:a16="http://schemas.microsoft.com/office/drawing/2014/main" val="3226898549"/>
                   </a:ext>
                 </a:extLst>
               </a:tr>
@@ -4883,7 +8451,7 @@
                 </a:tc>
                 <a:extLst>
                   <a:ext uri="{0D108BD9-81ED-4DB2-BD59-A6C34878D82A}">
-                    <a16:rowId xmlns:a16="http://schemas.microsoft.com/office/drawing/2014/main" val="4100195534"/>
+                    <a16:rowId xmlns="" xmlns:a16="http://schemas.microsoft.com/office/drawing/2014/main" val="4100195534"/>
                   </a:ext>
                 </a:extLst>
               </a:tr>
@@ -5124,7 +8692,7 @@
                 </a:tc>
                 <a:extLst>
                   <a:ext uri="{0D108BD9-81ED-4DB2-BD59-A6C34878D82A}">
-                    <a16:rowId xmlns:a16="http://schemas.microsoft.com/office/drawing/2014/main" val="873627976"/>
+                    <a16:rowId xmlns="" xmlns:a16="http://schemas.microsoft.com/office/drawing/2014/main" val="873627976"/>
                   </a:ext>
                 </a:extLst>
               </a:tr>
@@ -5137,7 +8705,7 @@
           <p:cNvPr id="5" name="CasellaDiTesto 4">
             <a:extLst>
               <a:ext uri="{FF2B5EF4-FFF2-40B4-BE49-F238E27FC236}">
-                <a16:creationId xmlns:a16="http://schemas.microsoft.com/office/drawing/2014/main" id="{4839FC3D-5F35-4ED1-80D7-54F621353955}"/>
+                <a16:creationId xmlns="" xmlns:a16="http://schemas.microsoft.com/office/drawing/2014/main" id="{4839FC3D-5F35-4ED1-80D7-54F621353955}"/>
               </a:ext>
             </a:extLst>
           </p:cNvPr>
@@ -5177,7 +8745,7 @@
           <p:cNvPr id="6" name="CasellaDiTesto 5">
             <a:extLst>
               <a:ext uri="{FF2B5EF4-FFF2-40B4-BE49-F238E27FC236}">
-                <a16:creationId xmlns:a16="http://schemas.microsoft.com/office/drawing/2014/main" id="{358BE0C9-56D0-4996-A83C-BA5CB4041A73}"/>
+                <a16:creationId xmlns="" xmlns:a16="http://schemas.microsoft.com/office/drawing/2014/main" id="{358BE0C9-56D0-4996-A83C-BA5CB4041A73}"/>
               </a:ext>
             </a:extLst>
           </p:cNvPr>
@@ -5217,7 +8785,7 @@
           <p:cNvPr id="7" name="Parentesi graffa aperta 6">
             <a:extLst>
               <a:ext uri="{FF2B5EF4-FFF2-40B4-BE49-F238E27FC236}">
-                <a16:creationId xmlns:a16="http://schemas.microsoft.com/office/drawing/2014/main" id="{3812CE3F-F149-44E9-8AF6-22A08F7F5DA5}"/>
+                <a16:creationId xmlns="" xmlns:a16="http://schemas.microsoft.com/office/drawing/2014/main" id="{3812CE3F-F149-44E9-8AF6-22A08F7F5DA5}"/>
               </a:ext>
             </a:extLst>
           </p:cNvPr>
@@ -5265,7 +8833,7 @@
           <p:cNvPr id="8" name="Parentesi graffa aperta 7">
             <a:extLst>
               <a:ext uri="{FF2B5EF4-FFF2-40B4-BE49-F238E27FC236}">
-                <a16:creationId xmlns:a16="http://schemas.microsoft.com/office/drawing/2014/main" id="{490FED5E-FA7D-48B9-B708-A87236365557}"/>
+                <a16:creationId xmlns="" xmlns:a16="http://schemas.microsoft.com/office/drawing/2014/main" id="{490FED5E-FA7D-48B9-B708-A87236365557}"/>
               </a:ext>
             </a:extLst>
           </p:cNvPr>
@@ -5312,7 +8880,7 @@
           <p:cNvPr id="9" name="Parentesi graffa aperta 8">
             <a:extLst>
               <a:ext uri="{FF2B5EF4-FFF2-40B4-BE49-F238E27FC236}">
-                <a16:creationId xmlns:a16="http://schemas.microsoft.com/office/drawing/2014/main" id="{8AD44BE2-ACD6-4E6D-AC66-F9D3093A6EFF}"/>
+                <a16:creationId xmlns="" xmlns:a16="http://schemas.microsoft.com/office/drawing/2014/main" id="{8AD44BE2-ACD6-4E6D-AC66-F9D3093A6EFF}"/>
               </a:ext>
             </a:extLst>
           </p:cNvPr>
@@ -5359,7 +8927,7 @@
           <p:cNvPr id="11" name="Titolo 1">
             <a:extLst>
               <a:ext uri="{FF2B5EF4-FFF2-40B4-BE49-F238E27FC236}">
-                <a16:creationId xmlns:a16="http://schemas.microsoft.com/office/drawing/2014/main" id="{E4B142F6-989A-44B5-AF67-3A1BB4088781}"/>
+                <a16:creationId xmlns="" xmlns:a16="http://schemas.microsoft.com/office/drawing/2014/main" id="{E4B142F6-989A-44B5-AF67-3A1BB4088781}"/>
               </a:ext>
             </a:extLst>
           </p:cNvPr>
@@ -5417,13 +8985,20 @@
     </p:spTree>
     <p:extLst>
       <p:ext uri="{BB962C8B-B14F-4D97-AF65-F5344CB8AC3E}">
-        <p14:creationId xmlns:p14="http://schemas.microsoft.com/office/powerpoint/2010/main" val="352598867"/>
+        <p14:creationId xmlns="" xmlns:p14="http://schemas.microsoft.com/office/powerpoint/2010/main" val="352598867"/>
       </p:ext>
     </p:extLst>
   </p:cSld>
   <p:clrMapOvr>
     <a:masterClrMapping/>
   </p:clrMapOvr>
+  <p:timing>
+    <p:tnLst>
+      <p:par>
+        <p:cTn id="1" dur="indefinite" restart="never" nodeType="tmRoot"/>
+      </p:par>
+    </p:tnLst>
+  </p:timing>
 </p:sld>
 </file>
 
@@ -5449,7 +9024,7 @@
           <p:cNvPr id="2" name="Titolo 1">
             <a:extLst>
               <a:ext uri="{FF2B5EF4-FFF2-40B4-BE49-F238E27FC236}">
-                <a16:creationId xmlns:a16="http://schemas.microsoft.com/office/drawing/2014/main" id="{B9DB8311-28AC-4322-BAB4-1A023048D71F}"/>
+                <a16:creationId xmlns="" xmlns:a16="http://schemas.microsoft.com/office/drawing/2014/main" id="{B9DB8311-28AC-4322-BAB4-1A023048D71F}"/>
               </a:ext>
             </a:extLst>
           </p:cNvPr>
@@ -5473,7 +9048,15 @@
             </a:r>
             <a:r>
               <a:rPr lang="it-IT" sz="2700" dirty="0"/>
-              <a:t>TECNICHE DI VISUALIZZAZIONE</a:t>
+              <a:t>TECNICHE </a:t>
+            </a:r>
+            <a:r>
+              <a:rPr lang="it-IT" sz="2700" dirty="0" err="1"/>
+              <a:t>DI</a:t>
+            </a:r>
+            <a:r>
+              <a:rPr lang="it-IT" sz="2700" dirty="0"/>
+              <a:t> VISUALIZZAZIONE</a:t>
             </a:r>
             <a:r>
               <a:rPr lang="it-IT" sz="2700" b="1" dirty="0"/>
@@ -5488,7 +9071,7 @@
           <p:cNvPr id="3" name="Segnaposto contenuto 2">
             <a:extLst>
               <a:ext uri="{FF2B5EF4-FFF2-40B4-BE49-F238E27FC236}">
-                <a16:creationId xmlns:a16="http://schemas.microsoft.com/office/drawing/2014/main" id="{CC238F9E-7369-42B5-8E90-F7EFC93ED268}"/>
+                <a16:creationId xmlns="" xmlns:a16="http://schemas.microsoft.com/office/drawing/2014/main" id="{CC238F9E-7369-42B5-8E90-F7EFC93ED268}"/>
               </a:ext>
             </a:extLst>
           </p:cNvPr>
@@ -5552,7 +9135,7 @@
           <p:cNvPr id="4" name="CasellaDiTesto 3">
             <a:extLst>
               <a:ext uri="{FF2B5EF4-FFF2-40B4-BE49-F238E27FC236}">
-                <a16:creationId xmlns:a16="http://schemas.microsoft.com/office/drawing/2014/main" id="{4D7DE968-07D5-4816-AE85-8F06E200182B}"/>
+                <a16:creationId xmlns="" xmlns:a16="http://schemas.microsoft.com/office/drawing/2014/main" id="{4D7DE968-07D5-4816-AE85-8F06E200182B}"/>
               </a:ext>
             </a:extLst>
           </p:cNvPr>
@@ -5992,13 +9575,20 @@
     </p:spTree>
     <p:extLst>
       <p:ext uri="{BB962C8B-B14F-4D97-AF65-F5344CB8AC3E}">
-        <p14:creationId xmlns:p14="http://schemas.microsoft.com/office/powerpoint/2010/main" val="2530630329"/>
+        <p14:creationId xmlns="" xmlns:p14="http://schemas.microsoft.com/office/powerpoint/2010/main" val="2530630329"/>
       </p:ext>
     </p:extLst>
   </p:cSld>
   <p:clrMapOvr>
     <a:masterClrMapping/>
   </p:clrMapOvr>
+  <p:timing>
+    <p:tnLst>
+      <p:par>
+        <p:cTn id="1" dur="indefinite" restart="never" nodeType="tmRoot"/>
+      </p:par>
+    </p:tnLst>
+  </p:timing>
 </p:sld>
 </file>
 
@@ -6024,7 +9614,7 @@
           <p:cNvPr id="2" name="Titolo 1">
             <a:extLst>
               <a:ext uri="{FF2B5EF4-FFF2-40B4-BE49-F238E27FC236}">
-                <a16:creationId xmlns:a16="http://schemas.microsoft.com/office/drawing/2014/main" id="{A2D4967C-09DD-4EA6-AC32-17512312F7E2}"/>
+                <a16:creationId xmlns="" xmlns:a16="http://schemas.microsoft.com/office/drawing/2014/main" id="{A2D4967C-09DD-4EA6-AC32-17512312F7E2}"/>
               </a:ext>
             </a:extLst>
           </p:cNvPr>
@@ -6048,7 +9638,15 @@
             </a:r>
             <a:r>
               <a:rPr lang="it-IT" sz="2700" dirty="0"/>
-              <a:t>TECNICHE DI VISUALIZZAZIONE</a:t>
+              <a:t>TECNICHE </a:t>
+            </a:r>
+            <a:r>
+              <a:rPr lang="it-IT" sz="2700" dirty="0" err="1"/>
+              <a:t>DI</a:t>
+            </a:r>
+            <a:r>
+              <a:rPr lang="it-IT" sz="2700" dirty="0"/>
+              <a:t> VISUALIZZAZIONE</a:t>
             </a:r>
             <a:r>
               <a:rPr lang="it-IT" sz="2700" b="1" dirty="0"/>
@@ -6063,7 +9661,7 @@
           <p:cNvPr id="3" name="Segnaposto contenuto 2">
             <a:extLst>
               <a:ext uri="{FF2B5EF4-FFF2-40B4-BE49-F238E27FC236}">
-                <a16:creationId xmlns:a16="http://schemas.microsoft.com/office/drawing/2014/main" id="{23407BAC-789A-4215-9D0F-526E6C25FC7F}"/>
+                <a16:creationId xmlns="" xmlns:a16="http://schemas.microsoft.com/office/drawing/2014/main" id="{23407BAC-789A-4215-9D0F-526E6C25FC7F}"/>
               </a:ext>
             </a:extLst>
           </p:cNvPr>
@@ -6186,13 +9784,20 @@
     </p:spTree>
     <p:extLst>
       <p:ext uri="{BB962C8B-B14F-4D97-AF65-F5344CB8AC3E}">
-        <p14:creationId xmlns:p14="http://schemas.microsoft.com/office/powerpoint/2010/main" val="529427341"/>
+        <p14:creationId xmlns="" xmlns:p14="http://schemas.microsoft.com/office/powerpoint/2010/main" val="529427341"/>
       </p:ext>
     </p:extLst>
   </p:cSld>
   <p:clrMapOvr>
     <a:masterClrMapping/>
   </p:clrMapOvr>
+  <p:timing>
+    <p:tnLst>
+      <p:par>
+        <p:cTn id="1" dur="indefinite" restart="never" nodeType="tmRoot"/>
+      </p:par>
+    </p:tnLst>
+  </p:timing>
 </p:sld>
 </file>
 
@@ -6218,7 +9823,7 @@
           <p:cNvPr id="4" name="CasellaDiTesto 3">
             <a:extLst>
               <a:ext uri="{FF2B5EF4-FFF2-40B4-BE49-F238E27FC236}">
-                <a16:creationId xmlns:a16="http://schemas.microsoft.com/office/drawing/2014/main" id="{B948AE74-754E-4EF7-AC16-36C5BC20D8A2}"/>
+                <a16:creationId xmlns="" xmlns:a16="http://schemas.microsoft.com/office/drawing/2014/main" id="{B948AE74-754E-4EF7-AC16-36C5BC20D8A2}"/>
               </a:ext>
             </a:extLst>
           </p:cNvPr>
@@ -6667,7 +10272,7 @@
           <p:cNvPr id="5" name="Titolo 1">
             <a:extLst>
               <a:ext uri="{FF2B5EF4-FFF2-40B4-BE49-F238E27FC236}">
-                <a16:creationId xmlns:a16="http://schemas.microsoft.com/office/drawing/2014/main" id="{93988BB5-A413-49BA-BC9C-68388EF5A744}"/>
+                <a16:creationId xmlns="" xmlns:a16="http://schemas.microsoft.com/office/drawing/2014/main" id="{93988BB5-A413-49BA-BC9C-68388EF5A744}"/>
               </a:ext>
             </a:extLst>
           </p:cNvPr>
@@ -6735,7 +10340,7 @@
           <p:cNvPr id="8" name="Segnaposto contenuto 2">
             <a:extLst>
               <a:ext uri="{FF2B5EF4-FFF2-40B4-BE49-F238E27FC236}">
-                <a16:creationId xmlns:a16="http://schemas.microsoft.com/office/drawing/2014/main" id="{C2E44FE5-CCA1-4E8F-905A-F2F5CDF25092}"/>
+                <a16:creationId xmlns="" xmlns:a16="http://schemas.microsoft.com/office/drawing/2014/main" id="{C2E44FE5-CCA1-4E8F-905A-F2F5CDF25092}"/>
               </a:ext>
             </a:extLst>
           </p:cNvPr>
@@ -6798,7 +10403,7 @@
           <p:cNvPr id="9" name="Segnaposto contenuto 2">
             <a:extLst>
               <a:ext uri="{FF2B5EF4-FFF2-40B4-BE49-F238E27FC236}">
-                <a16:creationId xmlns:a16="http://schemas.microsoft.com/office/drawing/2014/main" id="{89886170-B615-43F8-AA8E-D5565391C42A}"/>
+                <a16:creationId xmlns="" xmlns:a16="http://schemas.microsoft.com/office/drawing/2014/main" id="{89886170-B615-43F8-AA8E-D5565391C42A}"/>
               </a:ext>
             </a:extLst>
           </p:cNvPr>
@@ -6981,7 +10586,7 @@
           <p:cNvPr id="10" name="Segnaposto contenuto 2">
             <a:extLst>
               <a:ext uri="{FF2B5EF4-FFF2-40B4-BE49-F238E27FC236}">
-                <a16:creationId xmlns:a16="http://schemas.microsoft.com/office/drawing/2014/main" id="{7D6E6495-424C-4525-948E-C30098166953}"/>
+                <a16:creationId xmlns="" xmlns:a16="http://schemas.microsoft.com/office/drawing/2014/main" id="{7D6E6495-424C-4525-948E-C30098166953}"/>
               </a:ext>
             </a:extLst>
           </p:cNvPr>
@@ -7162,13 +10767,20 @@
     </p:spTree>
     <p:extLst>
       <p:ext uri="{BB962C8B-B14F-4D97-AF65-F5344CB8AC3E}">
-        <p14:creationId xmlns:p14="http://schemas.microsoft.com/office/powerpoint/2010/main" val="2567167341"/>
+        <p14:creationId xmlns="" xmlns:p14="http://schemas.microsoft.com/office/powerpoint/2010/main" val="2567167341"/>
       </p:ext>
     </p:extLst>
   </p:cSld>
   <p:clrMapOvr>
     <a:masterClrMapping/>
   </p:clrMapOvr>
+  <p:timing>
+    <p:tnLst>
+      <p:par>
+        <p:cTn id="1" dur="indefinite" restart="never" nodeType="tmRoot"/>
+      </p:par>
+    </p:tnLst>
+  </p:timing>
 </p:sld>
 </file>
 
@@ -7194,7 +10806,7 @@
           <p:cNvPr id="4" name="Titolo 1">
             <a:extLst>
               <a:ext uri="{FF2B5EF4-FFF2-40B4-BE49-F238E27FC236}">
-                <a16:creationId xmlns:a16="http://schemas.microsoft.com/office/drawing/2014/main" id="{9E74EE39-EA32-4246-BC63-84D8E46682AC}"/>
+                <a16:creationId xmlns="" xmlns:a16="http://schemas.microsoft.com/office/drawing/2014/main" id="{9E74EE39-EA32-4246-BC63-84D8E46682AC}"/>
               </a:ext>
             </a:extLst>
           </p:cNvPr>
@@ -7242,12 +10854,12 @@
               <a:t>DATA UNDERSTANDING: </a:t>
             </a:r>
             <a:r>
-              <a:rPr lang="it-IT" sz="2400" dirty="0">
+              <a:rPr lang="it-IT" sz="2400" dirty="0" smtClean="0">
                 <a:solidFill>
                   <a:schemeClr val="bg1"/>
                 </a:solidFill>
               </a:rPr>
-              <a:t>GRAFICO DI DISPERSIONE</a:t>
+              <a:t>PRESTAZIONI GENERALI</a:t>
             </a:r>
             <a:endParaRPr lang="en-US" sz="2400" dirty="0">
               <a:solidFill>
@@ -7262,7 +10874,7 @@
           <p:cNvPr id="6" name="Immagine 5">
             <a:extLst>
               <a:ext uri="{FF2B5EF4-FFF2-40B4-BE49-F238E27FC236}">
-                <a16:creationId xmlns:a16="http://schemas.microsoft.com/office/drawing/2014/main" id="{66350360-19E7-45DE-B04C-AFFD8C1853A5}"/>
+                <a16:creationId xmlns="" xmlns:a16="http://schemas.microsoft.com/office/drawing/2014/main" id="{66350360-19E7-45DE-B04C-AFFD8C1853A5}"/>
               </a:ext>
             </a:extLst>
           </p:cNvPr>
@@ -7278,8 +10890,8 @@
         </p:blipFill>
         <p:spPr>
           <a:xfrm>
-            <a:off x="838200" y="838199"/>
-            <a:ext cx="8305800" cy="6019801"/>
+            <a:off x="0" y="838199"/>
+            <a:ext cx="9144000" cy="6019801"/>
           </a:xfrm>
           <a:prstGeom prst="rect">
             <a:avLst/>
@@ -7289,13 +10901,20 @@
     </p:spTree>
     <p:extLst>
       <p:ext uri="{BB962C8B-B14F-4D97-AF65-F5344CB8AC3E}">
-        <p14:creationId xmlns:p14="http://schemas.microsoft.com/office/powerpoint/2010/main" val="665708985"/>
+        <p14:creationId xmlns="" xmlns:p14="http://schemas.microsoft.com/office/powerpoint/2010/main" val="665708985"/>
       </p:ext>
     </p:extLst>
   </p:cSld>
   <p:clrMapOvr>
     <a:masterClrMapping/>
   </p:clrMapOvr>
+  <p:timing>
+    <p:tnLst>
+      <p:par>
+        <p:cTn id="1" dur="indefinite" restart="never" nodeType="tmRoot"/>
+      </p:par>
+    </p:tnLst>
+  </p:timing>
 </p:sld>
 </file>
 
@@ -7321,7 +10940,7 @@
           <p:cNvPr id="5" name="Titolo 1">
             <a:extLst>
               <a:ext uri="{FF2B5EF4-FFF2-40B4-BE49-F238E27FC236}">
-                <a16:creationId xmlns:a16="http://schemas.microsoft.com/office/drawing/2014/main" id="{93988BB5-A413-49BA-BC9C-68388EF5A744}"/>
+                <a16:creationId xmlns="" xmlns:a16="http://schemas.microsoft.com/office/drawing/2014/main" id="{93988BB5-A413-49BA-BC9C-68388EF5A744}"/>
               </a:ext>
             </a:extLst>
           </p:cNvPr>
@@ -7389,7 +11008,7 @@
           <p:cNvPr id="8" name="Segnaposto contenuto 2">
             <a:extLst>
               <a:ext uri="{FF2B5EF4-FFF2-40B4-BE49-F238E27FC236}">
-                <a16:creationId xmlns:a16="http://schemas.microsoft.com/office/drawing/2014/main" id="{C2E44FE5-CCA1-4E8F-905A-F2F5CDF25092}"/>
+                <a16:creationId xmlns="" xmlns:a16="http://schemas.microsoft.com/office/drawing/2014/main" id="{C2E44FE5-CCA1-4E8F-905A-F2F5CDF25092}"/>
               </a:ext>
             </a:extLst>
           </p:cNvPr>
@@ -7402,7 +11021,7 @@
         </p:nvSpPr>
         <p:spPr>
           <a:xfrm>
-            <a:off x="457200" y="1981200"/>
+            <a:off x="457200" y="2028844"/>
             <a:ext cx="8229600" cy="4114800"/>
           </a:xfrm>
         </p:spPr>
@@ -7438,8 +11057,13 @@
             <a:pPr lvl="1" algn="just"/>
             <a:r>
               <a:rPr lang="it-IT" dirty="0"/>
-              <a:t>Non c’è bisogno di analizzare questo aspetto nel dettaglio.</a:t>
-            </a:r>
+              <a:t>Non c’è bisogno di analizzare questo aspetto nel </a:t>
+            </a:r>
+            <a:r>
+              <a:rPr lang="it-IT" dirty="0" smtClean="0"/>
+              <a:t>dettaglio.</a:t>
+            </a:r>
+            <a:endParaRPr lang="it-IT" dirty="0"/>
           </a:p>
           <a:p>
             <a:pPr marL="0" indent="0" algn="just">
@@ -7459,50 +11083,72 @@
           <a:p>
             <a:pPr algn="just"/>
             <a:r>
-              <a:rPr lang="it-IT" dirty="0"/>
+              <a:rPr lang="it-IT" dirty="0">
+                <a:solidFill>
+                  <a:srgbClr val="0070C0"/>
+                </a:solidFill>
+              </a:rPr>
               <a:t>punteggio del </a:t>
             </a:r>
             <a:r>
-              <a:rPr lang="it-IT" i="1" dirty="0"/>
+              <a:rPr lang="it-IT" i="1" dirty="0">
+                <a:solidFill>
+                  <a:srgbClr val="0070C0"/>
+                </a:solidFill>
+              </a:rPr>
               <a:t>test </a:t>
             </a:r>
             <a:r>
-              <a:rPr lang="it-IT" dirty="0"/>
+              <a:rPr lang="it-IT" dirty="0">
+                <a:solidFill>
+                  <a:srgbClr val="0070C0"/>
+                </a:solidFill>
+              </a:rPr>
               <a:t>di ingresso il </a:t>
             </a:r>
             <a:r>
-              <a:rPr lang="it-IT" i="1" dirty="0"/>
+              <a:rPr lang="it-IT" i="1" dirty="0">
+                <a:solidFill>
+                  <a:srgbClr val="0070C0"/>
+                </a:solidFill>
+              </a:rPr>
               <a:t>valore atteso del voto </a:t>
             </a:r>
           </a:p>
           <a:p>
             <a:pPr algn="just"/>
             <a:r>
-              <a:rPr lang="it-IT" dirty="0"/>
+              <a:rPr lang="it-IT" dirty="0">
+                <a:solidFill>
+                  <a:srgbClr val="0070C0"/>
+                </a:solidFill>
+              </a:rPr>
               <a:t>quantità di </a:t>
             </a:r>
             <a:r>
-              <a:rPr lang="it-IT" i="1" dirty="0"/>
+              <a:rPr lang="it-IT" i="1" dirty="0">
+                <a:solidFill>
+                  <a:srgbClr val="0070C0"/>
+                </a:solidFill>
+              </a:rPr>
               <a:t>crediti</a:t>
             </a:r>
             <a:r>
-              <a:rPr lang="it-IT" dirty="0"/>
+              <a:rPr lang="it-IT" dirty="0">
+                <a:solidFill>
+                  <a:srgbClr val="0070C0"/>
+                </a:solidFill>
+              </a:rPr>
               <a:t> ottenuti e il </a:t>
             </a:r>
             <a:r>
-              <a:rPr lang="it-IT" i="1" dirty="0"/>
+              <a:rPr lang="it-IT" i="1" dirty="0">
+                <a:solidFill>
+                  <a:srgbClr val="0070C0"/>
+                </a:solidFill>
+              </a:rPr>
               <a:t>valore atteso del voto </a:t>
             </a:r>
-            <a:endParaRPr lang="it-IT" dirty="0"/>
-          </a:p>
-          <a:p>
-            <a:pPr algn="just"/>
-            <a:endParaRPr lang="it-IT" dirty="0"/>
-          </a:p>
-          <a:p>
-            <a:pPr marL="0" indent="0" algn="just">
-              <a:buNone/>
-            </a:pPr>
             <a:endParaRPr lang="it-IT" dirty="0"/>
           </a:p>
           <a:p>
@@ -7521,7 +11167,7 @@
           <p:cNvPr id="9" name="Segnaposto contenuto 2">
             <a:extLst>
               <a:ext uri="{FF2B5EF4-FFF2-40B4-BE49-F238E27FC236}">
-                <a16:creationId xmlns:a16="http://schemas.microsoft.com/office/drawing/2014/main" id="{89886170-B615-43F8-AA8E-D5565391C42A}"/>
+                <a16:creationId xmlns="" xmlns:a16="http://schemas.microsoft.com/office/drawing/2014/main" id="{89886170-B615-43F8-AA8E-D5565391C42A}"/>
               </a:ext>
             </a:extLst>
           </p:cNvPr>
@@ -7704,7 +11350,7 @@
           <p:cNvPr id="7" name="Titolo 1">
             <a:extLst>
               <a:ext uri="{FF2B5EF4-FFF2-40B4-BE49-F238E27FC236}">
-                <a16:creationId xmlns:a16="http://schemas.microsoft.com/office/drawing/2014/main" id="{588E765D-4A18-43EC-9070-BBB19613F406}"/>
+                <a16:creationId xmlns="" xmlns:a16="http://schemas.microsoft.com/office/drawing/2014/main" id="{588E765D-4A18-43EC-9070-BBB19613F406}"/>
               </a:ext>
             </a:extLst>
           </p:cNvPr>
@@ -7717,7 +11363,7 @@
         </p:nvSpPr>
         <p:spPr>
           <a:xfrm>
-            <a:off x="457200" y="762000"/>
+            <a:off x="457200" y="857240"/>
             <a:ext cx="8229600" cy="1143000"/>
           </a:xfrm>
         </p:spPr>
@@ -7738,13 +11384,20 @@
     </p:spTree>
     <p:extLst>
       <p:ext uri="{BB962C8B-B14F-4D97-AF65-F5344CB8AC3E}">
-        <p14:creationId xmlns:p14="http://schemas.microsoft.com/office/powerpoint/2010/main" val="1292023402"/>
+        <p14:creationId xmlns="" xmlns:p14="http://schemas.microsoft.com/office/powerpoint/2010/main" val="1292023402"/>
       </p:ext>
     </p:extLst>
   </p:cSld>
   <p:clrMapOvr>
     <a:masterClrMapping/>
   </p:clrMapOvr>
+  <p:timing>
+    <p:tnLst>
+      <p:par>
+        <p:cTn id="1" dur="indefinite" restart="never" nodeType="tmRoot"/>
+      </p:par>
+    </p:tnLst>
+  </p:timing>
 </p:sld>
 </file>
 
@@ -7765,82 +11418,138 @@
           <a:chExt cx="0" cy="0"/>
         </a:xfrm>
       </p:grpSpPr>
+      <p:pic>
+        <p:nvPicPr>
+          <p:cNvPr id="1026" name="Picture 2" descr="Y:\GOOGLE_DRIVE\PC_SYNC\istruzione\UNIFI_ANNO_3\DMO\datamining-class-homework\img\scatter_plot_2.png"/>
+          <p:cNvPicPr>
+            <a:picLocks noChangeAspect="1" noChangeArrowheads="1"/>
+          </p:cNvPicPr>
+          <p:nvPr/>
+        </p:nvPicPr>
+        <p:blipFill>
+          <a:blip r:embed="rId2"/>
+          <a:srcRect t="10060" r="4017"/>
+          <a:stretch>
+            <a:fillRect/>
+          </a:stretch>
+        </p:blipFill>
+        <p:spPr bwMode="auto">
+          <a:xfrm>
+            <a:off x="2428860" y="842303"/>
+            <a:ext cx="6429420" cy="6015697"/>
+          </a:xfrm>
+          <a:prstGeom prst="rect">
+            <a:avLst/>
+          </a:prstGeom>
+          <a:noFill/>
+        </p:spPr>
+      </p:pic>
       <p:sp>
         <p:nvSpPr>
-          <p:cNvPr id="2" name="Titolo 1">
+          <p:cNvPr id="3" name="Titolo 1">
             <a:extLst>
               <a:ext uri="{FF2B5EF4-FFF2-40B4-BE49-F238E27FC236}">
-                <a16:creationId xmlns:a16="http://schemas.microsoft.com/office/drawing/2014/main" id="{866C4E33-318F-45C6-90C3-7F33D8AF9E45}"/>
+                <a16:creationId xmlns="" xmlns:a16="http://schemas.microsoft.com/office/drawing/2014/main" id="{9E74EE39-EA32-4246-BC63-84D8E46682AC}"/>
               </a:ext>
             </a:extLst>
           </p:cNvPr>
-          <p:cNvSpPr>
-            <a:spLocks noGrp="1"/>
+          <p:cNvSpPr txBox="1">
+            <a:spLocks/>
           </p:cNvSpPr>
-          <p:nvPr>
-            <p:ph type="title"/>
-          </p:nvPr>
+          <p:nvPr/>
         </p:nvSpPr>
-        <p:spPr/>
+        <p:spPr>
+          <a:xfrm>
+            <a:off x="1447800" y="152400"/>
+            <a:ext cx="8229600" cy="1143000"/>
+          </a:xfrm>
+          <a:prstGeom prst="rect">
+            <a:avLst/>
+          </a:prstGeom>
+        </p:spPr>
         <p:txBody>
-          <a:bodyPr/>
-          <a:lstStyle/>
-          <a:p>
-            <a:endParaRPr lang="en-US"/>
+          <a:bodyPr>
+            <a:noAutofit/>
+          </a:bodyPr>
+          <a:lstStyle>
+            <a:lvl1pPr algn="ctr" defTabSz="342900" rtl="0" eaLnBrk="1" latinLnBrk="0" hangingPunct="1">
+              <a:spcBef>
+                <a:spcPct val="0"/>
+              </a:spcBef>
+              <a:buNone/>
+              <a:defRPr sz="3300" kern="1200">
+                <a:solidFill>
+                  <a:schemeClr val="tx1"/>
+                </a:solidFill>
+                <a:latin typeface="+mj-lt"/>
+                <a:ea typeface="+mj-ea"/>
+                <a:cs typeface="+mj-cs"/>
+              </a:defRPr>
+            </a:lvl1pPr>
+          </a:lstStyle>
+          <a:p>
+            <a:r>
+              <a:rPr lang="it-IT" sz="2400" b="1" dirty="0">
+                <a:solidFill>
+                  <a:schemeClr val="bg1"/>
+                </a:solidFill>
+              </a:rPr>
+              <a:t>DATA UNDERSTANDING: </a:t>
+            </a:r>
+            <a:r>
+              <a:rPr lang="it-IT" sz="2400" dirty="0" smtClean="0">
+                <a:solidFill>
+                  <a:schemeClr val="bg1"/>
+                </a:solidFill>
+              </a:rPr>
+              <a:t>DETTAGLIO</a:t>
+            </a:r>
+            <a:endParaRPr lang="en-US" sz="2400" dirty="0">
+              <a:solidFill>
+                <a:schemeClr val="bg1"/>
+              </a:solidFill>
+            </a:endParaRPr>
           </a:p>
         </p:txBody>
       </p:sp>
       <p:sp>
         <p:nvSpPr>
-          <p:cNvPr id="3" name="Segnaposto contenuto 2">
-            <a:extLst>
-              <a:ext uri="{FF2B5EF4-FFF2-40B4-BE49-F238E27FC236}">
-                <a16:creationId xmlns:a16="http://schemas.microsoft.com/office/drawing/2014/main" id="{FE7ABC2F-9BF7-4B30-841B-5A6ECB846BB6}"/>
-              </a:ext>
-            </a:extLst>
-          </p:cNvPr>
-          <p:cNvSpPr>
-            <a:spLocks noGrp="1"/>
-          </p:cNvSpPr>
-          <p:nvPr>
-            <p:ph idx="1"/>
-          </p:nvPr>
+          <p:cNvPr id="5" name="CasellaDiTesto 4"/>
+          <p:cNvSpPr txBox="1"/>
+          <p:nvPr/>
         </p:nvSpPr>
-        <p:spPr/>
+        <p:spPr>
+          <a:xfrm>
+            <a:off x="214282" y="1000108"/>
+            <a:ext cx="2214578" cy="3693319"/>
+          </a:xfrm>
+          <a:prstGeom prst="rect">
+            <a:avLst/>
+          </a:prstGeom>
+          <a:noFill/>
+        </p:spPr>
         <p:txBody>
-          <a:bodyPr/>
+          <a:bodyPr wrap="square" rtlCol="0">
+            <a:spAutoFit/>
+          </a:bodyPr>
           <a:lstStyle/>
           <a:p>
             <a:r>
-              <a:rPr lang="it-IT" dirty="0" err="1"/>
-              <a:t>Pearson</a:t>
-            </a:r>
-            <a:r>
-              <a:rPr lang="it-IT" dirty="0"/>
-              <a:t> </a:t>
-            </a:r>
-            <a:r>
-              <a:rPr lang="it-IT" dirty="0" err="1"/>
-              <a:t>correlation</a:t>
-            </a:r>
-            <a:r>
-              <a:rPr lang="it-IT" dirty="0"/>
-              <a:t> analizza le </a:t>
-            </a:r>
-            <a:r>
-              <a:rPr lang="it-IT"/>
-              <a:t>relazioni monotone</a:t>
-            </a:r>
-            <a:endParaRPr lang="en-US"/>
+              <a:rPr lang="it-IT" dirty="0" smtClean="0"/>
+              <a:t>A seguito di una analisi visiva, si potrebbe </a:t>
+            </a:r>
+            <a:r>
+              <a:rPr lang="it-IT" u="sng" dirty="0" smtClean="0"/>
+              <a:t>speculare</a:t>
+            </a:r>
+            <a:r>
+              <a:rPr lang="it-IT" dirty="0" smtClean="0"/>
+              <a:t> che esista una correlazione lineare fra i due attributi: gli studenti che conseguono un punteggio alto nel test di ingresso sono più propensi ad ottenere voti alti negli esami.</a:t>
+            </a:r>
           </a:p>
         </p:txBody>
       </p:sp>
     </p:spTree>
-    <p:extLst>
-      <p:ext uri="{BB962C8B-B14F-4D97-AF65-F5344CB8AC3E}">
-        <p14:creationId xmlns:p14="http://schemas.microsoft.com/office/powerpoint/2010/main" val="1226650102"/>
-      </p:ext>
-    </p:extLst>
   </p:cSld>
   <p:clrMapOvr>
     <a:masterClrMapping/>

--- a/relazione.pptx
+++ b/relazione.pptx
@@ -23,7 +23,10 @@
     <p:sldId id="273" r:id="rId17"/>
     <p:sldId id="274" r:id="rId18"/>
     <p:sldId id="275" r:id="rId19"/>
-    <p:sldId id="262" r:id="rId20"/>
+    <p:sldId id="276" r:id="rId20"/>
+    <p:sldId id="277" r:id="rId21"/>
+    <p:sldId id="279" r:id="rId22"/>
+    <p:sldId id="278" r:id="rId23"/>
   </p:sldIdLst>
   <p:sldSz cx="9144000" cy="6858000" type="screen4x3"/>
   <p:notesSz cx="6858000" cy="9144000"/>
@@ -124,7 +127,7 @@
   </p:defaultTextStyle>
   <p:extLst>
     <p:ext uri="{EFAFB233-063F-42B5-8137-9DF3F51BA10A}">
-      <p15:sldGuideLst xmlns="" xmlns:p15="http://schemas.microsoft.com/office/powerpoint/2012/main">
+      <p15:sldGuideLst xmlns:p15="http://schemas.microsoft.com/office/powerpoint/2012/main">
         <p15:guide id="1" orient="horz" pos="2160" userDrawn="1">
           <p15:clr>
             <a:srgbClr val="A4A3A4"/>
@@ -325,7 +328,7 @@
             <a:fld id="{657198A3-6BD0-1345-BB48-4E51D4346A8E}" type="datetimeFigureOut">
               <a:rPr lang="it-IT" smtClean="0"/>
               <a:pPr/>
-              <a:t>08/01/2018</a:t>
+              <a:t>09/01/2018</a:t>
             </a:fld>
             <a:endParaRPr lang="it-IT" dirty="0"/>
           </a:p>
@@ -490,7 +493,7 @@
             <a:fld id="{657198A3-6BD0-1345-BB48-4E51D4346A8E}" type="datetimeFigureOut">
               <a:rPr lang="it-IT" smtClean="0"/>
               <a:pPr/>
-              <a:t>08/01/2018</a:t>
+              <a:t>09/01/2018</a:t>
             </a:fld>
             <a:endParaRPr lang="it-IT" dirty="0"/>
           </a:p>
@@ -665,7 +668,7 @@
             <a:fld id="{657198A3-6BD0-1345-BB48-4E51D4346A8E}" type="datetimeFigureOut">
               <a:rPr lang="it-IT" smtClean="0"/>
               <a:pPr/>
-              <a:t>08/01/2018</a:t>
+              <a:t>09/01/2018</a:t>
             </a:fld>
             <a:endParaRPr lang="it-IT" dirty="0"/>
           </a:p>
@@ -840,7 +843,7 @@
             <a:fld id="{657198A3-6BD0-1345-BB48-4E51D4346A8E}" type="datetimeFigureOut">
               <a:rPr lang="it-IT" smtClean="0"/>
               <a:pPr/>
-              <a:t>08/01/2018</a:t>
+              <a:t>09/01/2018</a:t>
             </a:fld>
             <a:endParaRPr lang="it-IT" dirty="0"/>
           </a:p>
@@ -1082,7 +1085,7 @@
             <a:fld id="{657198A3-6BD0-1345-BB48-4E51D4346A8E}" type="datetimeFigureOut">
               <a:rPr lang="it-IT" smtClean="0"/>
               <a:pPr/>
-              <a:t>08/01/2018</a:t>
+              <a:t>09/01/2018</a:t>
             </a:fld>
             <a:endParaRPr lang="it-IT" dirty="0"/>
           </a:p>
@@ -1364,7 +1367,7 @@
             <a:fld id="{657198A3-6BD0-1345-BB48-4E51D4346A8E}" type="datetimeFigureOut">
               <a:rPr lang="it-IT" smtClean="0"/>
               <a:pPr/>
-              <a:t>08/01/2018</a:t>
+              <a:t>09/01/2018</a:t>
             </a:fld>
             <a:endParaRPr lang="it-IT" dirty="0"/>
           </a:p>
@@ -1780,7 +1783,7 @@
             <a:fld id="{657198A3-6BD0-1345-BB48-4E51D4346A8E}" type="datetimeFigureOut">
               <a:rPr lang="it-IT" smtClean="0"/>
               <a:pPr/>
-              <a:t>08/01/2018</a:t>
+              <a:t>09/01/2018</a:t>
             </a:fld>
             <a:endParaRPr lang="it-IT" dirty="0"/>
           </a:p>
@@ -1894,7 +1897,7 @@
             <a:fld id="{657198A3-6BD0-1345-BB48-4E51D4346A8E}" type="datetimeFigureOut">
               <a:rPr lang="it-IT" smtClean="0"/>
               <a:pPr/>
-              <a:t>08/01/2018</a:t>
+              <a:t>09/01/2018</a:t>
             </a:fld>
             <a:endParaRPr lang="it-IT" dirty="0"/>
           </a:p>
@@ -1986,7 +1989,7 @@
             <a:fld id="{657198A3-6BD0-1345-BB48-4E51D4346A8E}" type="datetimeFigureOut">
               <a:rPr lang="it-IT" smtClean="0"/>
               <a:pPr/>
-              <a:t>08/01/2018</a:t>
+              <a:t>09/01/2018</a:t>
             </a:fld>
             <a:endParaRPr lang="it-IT" dirty="0"/>
           </a:p>
@@ -2258,7 +2261,7 @@
             <a:fld id="{657198A3-6BD0-1345-BB48-4E51D4346A8E}" type="datetimeFigureOut">
               <a:rPr lang="it-IT" smtClean="0"/>
               <a:pPr/>
-              <a:t>08/01/2018</a:t>
+              <a:t>09/01/2018</a:t>
             </a:fld>
             <a:endParaRPr lang="it-IT" dirty="0"/>
           </a:p>
@@ -2510,7 +2513,7 @@
             <a:fld id="{657198A3-6BD0-1345-BB48-4E51D4346A8E}" type="datetimeFigureOut">
               <a:rPr lang="it-IT" smtClean="0"/>
               <a:pPr/>
-              <a:t>08/01/2018</a:t>
+              <a:t>09/01/2018</a:t>
             </a:fld>
             <a:endParaRPr lang="it-IT" dirty="0"/>
           </a:p>
@@ -2718,7 +2721,7 @@
             <a:fld id="{657198A3-6BD0-1345-BB48-4E51D4346A8E}" type="datetimeFigureOut">
               <a:rPr lang="it-IT" smtClean="0"/>
               <a:pPr/>
-              <a:t>08/01/2018</a:t>
+              <a:t>09/01/2018</a:t>
             </a:fld>
             <a:endParaRPr lang="it-IT" dirty="0"/>
           </a:p>
@@ -3263,13 +3266,6 @@
   <p:clrMapOvr>
     <a:masterClrMapping/>
   </p:clrMapOvr>
-  <p:timing>
-    <p:tnLst>
-      <p:par>
-        <p:cTn id="1" dur="indefinite" restart="never" nodeType="tmRoot"/>
-      </p:par>
-    </p:tnLst>
-  </p:timing>
 </p:sld>
 </file>
 
@@ -3321,7 +3317,7 @@
           <p:cNvPr id="3" name="Titolo 1">
             <a:extLst>
               <a:ext uri="{FF2B5EF4-FFF2-40B4-BE49-F238E27FC236}">
-                <a16:creationId xmlns="" xmlns:a16="http://schemas.microsoft.com/office/drawing/2014/main" id="{9E74EE39-EA32-4246-BC63-84D8E46682AC}"/>
+                <a16:creationId xmlns:a16="http://schemas.microsoft.com/office/drawing/2014/main" id="{9E74EE39-EA32-4246-BC63-84D8E46682AC}"/>
               </a:ext>
             </a:extLst>
           </p:cNvPr>
@@ -3369,7 +3365,7 @@
               <a:t>DATA UNDERSTANDING: </a:t>
             </a:r>
             <a:r>
-              <a:rPr lang="it-IT" sz="2400" dirty="0" smtClean="0">
+              <a:rPr lang="it-IT" sz="2400" dirty="0">
                 <a:solidFill>
                   <a:schemeClr val="bg1"/>
                 </a:solidFill>
@@ -3407,19 +3403,18 @@
           <a:lstStyle/>
           <a:p>
             <a:r>
-              <a:rPr lang="it-IT" sz="1600" dirty="0" smtClean="0"/>
+              <a:rPr lang="it-IT" sz="1600" dirty="0"/>
               <a:t>Fra gli studenti che hanno conseguiti tutti i crediti, si può notare una consistente densità nella fascia che va circa dal 22 al 29. Si può anche notare una assenza di voti medi inferiore al 22 fra coloro che hanno conseguito più di 100 CFU.</a:t>
             </a:r>
           </a:p>
           <a:p>
-            <a:endParaRPr lang="it-IT" sz="1600" dirty="0" smtClean="0"/>
-          </a:p>
-          <a:p>
-            <a:r>
-              <a:rPr lang="it-IT" sz="1600" dirty="0" smtClean="0"/>
+            <a:endParaRPr lang="it-IT" sz="1600" dirty="0"/>
+          </a:p>
+          <a:p>
+            <a:r>
+              <a:rPr lang="it-IT" sz="1600" dirty="0"/>
               <a:t>Un altro aspetto che potrebbe rivelarsi interessante è che, fra la coorte di studenti del 2013, vari studenti hanno conseguito un solo esame con un voto superiore al 20. Cosa può implicare?</a:t>
             </a:r>
-            <a:endParaRPr lang="it-IT" sz="1600" dirty="0"/>
           </a:p>
         </p:txBody>
       </p:sp>
@@ -3453,7 +3448,7 @@
           <p:cNvPr id="7" name="CasellaDiTesto 6">
             <a:extLst>
               <a:ext uri="{FF2B5EF4-FFF2-40B4-BE49-F238E27FC236}">
-                <a16:creationId xmlns="" xmlns:a16="http://schemas.microsoft.com/office/drawing/2014/main" id="{B948AE74-754E-4EF7-AC16-36C5BC20D8A2}"/>
+                <a16:creationId xmlns:a16="http://schemas.microsoft.com/office/drawing/2014/main" id="{B948AE74-754E-4EF7-AC16-36C5BC20D8A2}"/>
               </a:ext>
             </a:extLst>
           </p:cNvPr>
@@ -3477,7 +3472,7 @@
           <a:lstStyle/>
           <a:p>
             <a:r>
-              <a:rPr lang="en-US" sz="1400" dirty="0" err="1" smtClean="0">
+              <a:rPr lang="en-US" sz="1400" dirty="0" err="1">
                 <a:solidFill>
                   <a:srgbClr val="002060"/>
                 </a:solidFill>
@@ -3487,7 +3482,7 @@
               <a:t>boxplot</a:t>
             </a:r>
             <a:r>
-              <a:rPr lang="en-US" sz="1400" dirty="0" smtClean="0">
+              <a:rPr lang="en-US" sz="1400" dirty="0">
                 <a:solidFill>
                   <a:srgbClr val="002060"/>
                 </a:solidFill>
@@ -3497,7 +3492,7 @@
               <a:t>(students[,4]~students[,1],data = </a:t>
             </a:r>
             <a:r>
-              <a:rPr lang="en-US" sz="1400" dirty="0" err="1" smtClean="0">
+              <a:rPr lang="en-US" sz="1400" dirty="0" err="1">
                 <a:solidFill>
                   <a:srgbClr val="002060"/>
                 </a:solidFill>
@@ -3507,7 +3502,7 @@
               <a:t>students,xlab</a:t>
             </a:r>
             <a:r>
-              <a:rPr lang="en-US" sz="1400" dirty="0" smtClean="0">
+              <a:rPr lang="en-US" sz="1400" dirty="0">
                 <a:solidFill>
                   <a:srgbClr val="002060"/>
                 </a:solidFill>
@@ -3517,7 +3512,7 @@
               <a:t>="Total Marked 	</a:t>
             </a:r>
             <a:r>
-              <a:rPr lang="en-US" sz="1400" dirty="0" err="1" smtClean="0">
+              <a:rPr lang="en-US" sz="1400" dirty="0" err="1">
                 <a:solidFill>
                   <a:srgbClr val="002060"/>
                 </a:solidFill>
@@ -3527,7 +3522,7 @@
               <a:t>CFU",col</a:t>
             </a:r>
             <a:r>
-              <a:rPr lang="en-US" sz="1400" dirty="0" smtClean="0">
+              <a:rPr lang="en-US" sz="1400" dirty="0">
                 <a:solidFill>
                   <a:srgbClr val="002060"/>
                 </a:solidFill>
@@ -3539,7 +3534,7 @@
           </a:p>
           <a:p>
             <a:r>
-              <a:rPr lang="en-US" sz="1400" dirty="0" err="1" smtClean="0">
+              <a:rPr lang="en-US" sz="1400" dirty="0" err="1">
                 <a:solidFill>
                   <a:srgbClr val="002060"/>
                 </a:solidFill>
@@ -3549,7 +3544,7 @@
               <a:t>boxplot</a:t>
             </a:r>
             <a:r>
-              <a:rPr lang="en-US" sz="1400" dirty="0" smtClean="0">
+              <a:rPr lang="en-US" sz="1400" dirty="0">
                 <a:solidFill>
                   <a:srgbClr val="002060"/>
                 </a:solidFill>
@@ -3559,7 +3554,7 @@
               <a:t>(students[,5]~students[,1],data = </a:t>
             </a:r>
             <a:r>
-              <a:rPr lang="en-US" sz="1400" dirty="0" err="1" smtClean="0">
+              <a:rPr lang="en-US" sz="1400" dirty="0" err="1">
                 <a:solidFill>
                   <a:srgbClr val="002060"/>
                 </a:solidFill>
@@ -3569,7 +3564,7 @@
               <a:t>students,xlab</a:t>
             </a:r>
             <a:r>
-              <a:rPr lang="en-US" sz="1400" dirty="0" smtClean="0">
+              <a:rPr lang="en-US" sz="1400" dirty="0">
                 <a:solidFill>
                   <a:srgbClr val="002060"/>
                 </a:solidFill>
@@ -3579,7 +3574,7 @@
               <a:t>="Avg. Exam 	</a:t>
             </a:r>
             <a:r>
-              <a:rPr lang="en-US" sz="1400" dirty="0" err="1" smtClean="0">
+              <a:rPr lang="en-US" sz="1400" dirty="0" err="1">
                 <a:solidFill>
                   <a:srgbClr val="002060"/>
                 </a:solidFill>
@@ -3589,7 +3584,7 @@
               <a:t>Score",col</a:t>
             </a:r>
             <a:r>
-              <a:rPr lang="en-US" sz="1400" dirty="0" smtClean="0">
+              <a:rPr lang="en-US" sz="1400" dirty="0">
                 <a:solidFill>
                   <a:srgbClr val="002060"/>
                 </a:solidFill>
@@ -3613,7 +3608,7 @@
           <p:cNvPr id="8" name="Titolo 1">
             <a:extLst>
               <a:ext uri="{FF2B5EF4-FFF2-40B4-BE49-F238E27FC236}">
-                <a16:creationId xmlns="" xmlns:a16="http://schemas.microsoft.com/office/drawing/2014/main" id="{93988BB5-A413-49BA-BC9C-68388EF5A744}"/>
+                <a16:creationId xmlns:a16="http://schemas.microsoft.com/office/drawing/2014/main" id="{93988BB5-A413-49BA-BC9C-68388EF5A744}"/>
               </a:ext>
             </a:extLst>
           </p:cNvPr>
@@ -3681,7 +3676,7 @@
           <p:cNvPr id="9" name="Segnaposto contenuto 2">
             <a:extLst>
               <a:ext uri="{FF2B5EF4-FFF2-40B4-BE49-F238E27FC236}">
-                <a16:creationId xmlns="" xmlns:a16="http://schemas.microsoft.com/office/drawing/2014/main" id="{C2E44FE5-CCA1-4E8F-905A-F2F5CDF25092}"/>
+                <a16:creationId xmlns:a16="http://schemas.microsoft.com/office/drawing/2014/main" id="{C2E44FE5-CCA1-4E8F-905A-F2F5CDF25092}"/>
               </a:ext>
             </a:extLst>
           </p:cNvPr>
@@ -3723,26 +3718,26 @@
               <a:defRPr/>
             </a:pPr>
             <a:r>
-              <a:rPr lang="it-IT" sz="2400" dirty="0" smtClean="0"/>
+              <a:rPr lang="it-IT" sz="2400" dirty="0"/>
               <a:t>Viste le possibili informazioni che sembra possibile estrarre, si è deciso di insistere sull’analisi visiva degli attributi </a:t>
             </a:r>
             <a:r>
-              <a:rPr lang="it-IT" sz="2400" i="1" dirty="0" smtClean="0"/>
+              <a:rPr lang="it-IT" sz="2400" i="1" dirty="0"/>
               <a:t>voto medio </a:t>
             </a:r>
             <a:r>
-              <a:rPr lang="it-IT" sz="2400" dirty="0" smtClean="0"/>
+              <a:rPr lang="it-IT" sz="2400" dirty="0"/>
               <a:t>e </a:t>
             </a:r>
             <a:r>
-              <a:rPr lang="it-IT" sz="2400" i="1" dirty="0" smtClean="0"/>
+              <a:rPr lang="it-IT" sz="2400" i="1" dirty="0"/>
               <a:t>numero totale di crediti</a:t>
             </a:r>
             <a:r>
-              <a:rPr lang="it-IT" sz="2400" dirty="0" smtClean="0"/>
+              <a:rPr lang="it-IT" sz="2400" dirty="0"/>
               <a:t> conseguiti.</a:t>
             </a:r>
-            <a:endParaRPr kumimoji="0" lang="it-IT" sz="2400" b="0" i="0" u="none" strike="noStrike" kern="1200" cap="none" spc="0" normalizeH="0" baseline="0" noProof="0" dirty="0" smtClean="0">
+            <a:endParaRPr kumimoji="0" lang="it-IT" sz="2400" b="0" i="0" u="none" strike="noStrike" kern="1200" cap="none" spc="0" normalizeH="0" baseline="0" noProof="0" dirty="0">
               <a:ln>
                 <a:noFill/>
               </a:ln>
@@ -3775,7 +3770,7 @@
               <a:tabLst/>
               <a:defRPr/>
             </a:pPr>
-            <a:endParaRPr kumimoji="0" lang="it-IT" sz="2400" b="0" i="0" u="none" strike="noStrike" kern="1200" cap="none" spc="0" normalizeH="0" baseline="0" noProof="0" dirty="0" smtClean="0">
+            <a:endParaRPr kumimoji="0" lang="it-IT" sz="2400" b="0" i="0" u="none" strike="noStrike" kern="1200" cap="none" spc="0" normalizeH="0" baseline="0" noProof="0" dirty="0">
               <a:ln>
                 <a:noFill/>
               </a:ln>
@@ -3808,7 +3803,7 @@
               <a:tabLst/>
               <a:defRPr/>
             </a:pPr>
-            <a:endParaRPr kumimoji="0" lang="it-IT" sz="2400" b="0" i="0" u="none" strike="noStrike" kern="1200" cap="none" spc="0" normalizeH="0" baseline="0" noProof="0" dirty="0" smtClean="0">
+            <a:endParaRPr kumimoji="0" lang="it-IT" sz="2400" b="0" i="0" u="none" strike="noStrike" kern="1200" cap="none" spc="0" normalizeH="0" baseline="0" noProof="0" dirty="0">
               <a:ln>
                 <a:noFill/>
               </a:ln>
@@ -3863,7 +3858,7 @@
           <p:cNvPr id="10" name="Segnaposto contenuto 2">
             <a:extLst>
               <a:ext uri="{FF2B5EF4-FFF2-40B4-BE49-F238E27FC236}">
-                <a16:creationId xmlns="" xmlns:a16="http://schemas.microsoft.com/office/drawing/2014/main" id="{89886170-B615-43F8-AA8E-D5565391C42A}"/>
+                <a16:creationId xmlns:a16="http://schemas.microsoft.com/office/drawing/2014/main" id="{89886170-B615-43F8-AA8E-D5565391C42A}"/>
               </a:ext>
             </a:extLst>
           </p:cNvPr>
@@ -4046,7 +4041,7 @@
           <p:cNvPr id="11" name="Segnaposto contenuto 2">
             <a:extLst>
               <a:ext uri="{FF2B5EF4-FFF2-40B4-BE49-F238E27FC236}">
-                <a16:creationId xmlns="" xmlns:a16="http://schemas.microsoft.com/office/drawing/2014/main" id="{7D6E6495-424C-4525-948E-C30098166953}"/>
+                <a16:creationId xmlns:a16="http://schemas.microsoft.com/office/drawing/2014/main" id="{7D6E6495-424C-4525-948E-C30098166953}"/>
               </a:ext>
             </a:extLst>
           </p:cNvPr>
@@ -4208,10 +4203,9 @@
           <a:p>
             <a:pPr algn="just"/>
             <a:r>
-              <a:rPr lang="it-IT" dirty="0" smtClean="0"/>
+              <a:rPr lang="it-IT" dirty="0"/>
               <a:t>Sono stati quindi realizzati dei diagrammi a scatola e baffi con il seguente script:</a:t>
             </a:r>
-            <a:endParaRPr lang="it-IT" dirty="0"/>
           </a:p>
           <a:p>
             <a:pPr marL="0" indent="0" algn="just">
@@ -4299,51 +4293,50 @@
           <a:lstStyle/>
           <a:p>
             <a:r>
-              <a:rPr lang="it-IT" dirty="0" smtClean="0"/>
+              <a:rPr lang="it-IT" dirty="0"/>
               <a:t>Si noti come gli immatricolati nelle annate 2010 e 2011 hanno prestazioni molto simili sul fronte dei crediti conseguiti. La coorte 2012 risulta la migliore, avendo addirittura per mediana il massimo ammontare di crediti ottenibili </a:t>
             </a:r>
             <a:r>
-              <a:rPr lang="it-IT" sz="1400" dirty="0" smtClean="0"/>
+              <a:rPr lang="it-IT" sz="1400" dirty="0"/>
               <a:t>(non si ignorino però le istanze considerate </a:t>
             </a:r>
             <a:r>
-              <a:rPr lang="it-IT" sz="1400" dirty="0" err="1" smtClean="0"/>
+              <a:rPr lang="it-IT" sz="1400" dirty="0" err="1"/>
               <a:t>outliers</a:t>
             </a:r>
             <a:r>
-              <a:rPr lang="it-IT" sz="1400" dirty="0" smtClean="0"/>
+              <a:rPr lang="it-IT" sz="1400" dirty="0"/>
               <a:t> dall’algoritmo di </a:t>
             </a:r>
             <a:r>
-              <a:rPr lang="it-IT" sz="1400" dirty="0" err="1" smtClean="0"/>
+              <a:rPr lang="it-IT" sz="1400" dirty="0" err="1"/>
               <a:t>plotting</a:t>
             </a:r>
             <a:r>
-              <a:rPr lang="it-IT" sz="1400" dirty="0" smtClean="0"/>
+              <a:rPr lang="it-IT" sz="1400" dirty="0"/>
               <a:t>)</a:t>
             </a:r>
             <a:r>
-              <a:rPr lang="it-IT" dirty="0" smtClean="0"/>
+              <a:rPr lang="it-IT" dirty="0"/>
               <a:t>, mentre gli studenti immatricolati nel 2013 sono stati i meno performanti.</a:t>
             </a:r>
           </a:p>
           <a:p>
-            <a:endParaRPr lang="it-IT" dirty="0" smtClean="0"/>
-          </a:p>
-          <a:p>
-            <a:r>
-              <a:rPr lang="it-IT" i="1" dirty="0" smtClean="0"/>
+            <a:endParaRPr lang="it-IT" dirty="0"/>
+          </a:p>
+          <a:p>
+            <a:r>
+              <a:rPr lang="it-IT" i="1" dirty="0"/>
               <a:t>Perché?  Coincidenza? Cambiamenti nel </a:t>
             </a:r>
             <a:r>
-              <a:rPr lang="it-IT" i="1" dirty="0" err="1" smtClean="0"/>
+              <a:rPr lang="it-IT" i="1" dirty="0" err="1"/>
               <a:t>CDL</a:t>
             </a:r>
             <a:r>
-              <a:rPr lang="it-IT" i="1" dirty="0" smtClean="0"/>
+              <a:rPr lang="it-IT" i="1" dirty="0"/>
               <a:t>?</a:t>
             </a:r>
-            <a:endParaRPr lang="it-IT" i="1" dirty="0"/>
           </a:p>
         </p:txBody>
       </p:sp>
@@ -4352,7 +4345,7 @@
           <p:cNvPr id="4" name="Titolo 1">
             <a:extLst>
               <a:ext uri="{FF2B5EF4-FFF2-40B4-BE49-F238E27FC236}">
-                <a16:creationId xmlns="" xmlns:a16="http://schemas.microsoft.com/office/drawing/2014/main" id="{9E74EE39-EA32-4246-BC63-84D8E46682AC}"/>
+                <a16:creationId xmlns:a16="http://schemas.microsoft.com/office/drawing/2014/main" id="{9E74EE39-EA32-4246-BC63-84D8E46682AC}"/>
               </a:ext>
             </a:extLst>
           </p:cNvPr>
@@ -4400,7 +4393,7 @@
               <a:t>DATA UNDERSTANDING: </a:t>
             </a:r>
             <a:r>
-              <a:rPr lang="it-IT" sz="2400" dirty="0" smtClean="0">
+              <a:rPr lang="it-IT" sz="2400" dirty="0">
                 <a:solidFill>
                   <a:schemeClr val="bg1"/>
                 </a:solidFill>
@@ -4445,7 +4438,7 @@
           <p:cNvPr id="2" name="Titolo 1">
             <a:extLst>
               <a:ext uri="{FF2B5EF4-FFF2-40B4-BE49-F238E27FC236}">
-                <a16:creationId xmlns="" xmlns:a16="http://schemas.microsoft.com/office/drawing/2014/main" id="{9E74EE39-EA32-4246-BC63-84D8E46682AC}"/>
+                <a16:creationId xmlns:a16="http://schemas.microsoft.com/office/drawing/2014/main" id="{9E74EE39-EA32-4246-BC63-84D8E46682AC}"/>
               </a:ext>
             </a:extLst>
           </p:cNvPr>
@@ -4493,7 +4486,7 @@
               <a:t>DATA UNDERSTANDING: </a:t>
             </a:r>
             <a:r>
-              <a:rPr lang="it-IT" sz="2400" dirty="0" smtClean="0">
+              <a:rPr lang="it-IT" sz="2400" dirty="0">
                 <a:solidFill>
                   <a:schemeClr val="bg1"/>
                 </a:solidFill>
@@ -4557,53 +4550,52 @@
           <a:lstStyle/>
           <a:p>
             <a:r>
-              <a:rPr lang="it-IT" sz="2000" dirty="0" smtClean="0"/>
+              <a:rPr lang="it-IT" sz="2000" dirty="0"/>
               <a:t>Nel caso del voto medio, si evidenzia solo un leggero peggioramento negli immatricolati nel 2011 rispetti alle altre coorti di studenti.</a:t>
             </a:r>
           </a:p>
           <a:p>
-            <a:endParaRPr lang="it-IT" sz="2000" dirty="0" smtClean="0"/>
-          </a:p>
-          <a:p>
-            <a:r>
-              <a:rPr lang="it-IT" sz="2000" dirty="0" smtClean="0"/>
+            <a:endParaRPr lang="it-IT" sz="2000" dirty="0"/>
+          </a:p>
+          <a:p>
+            <a:r>
+              <a:rPr lang="it-IT" sz="2000" dirty="0"/>
               <a:t>Sono degni di attenzione anche i due </a:t>
             </a:r>
             <a:r>
-              <a:rPr lang="it-IT" sz="2000" dirty="0" err="1" smtClean="0"/>
+              <a:rPr lang="it-IT" sz="2000" dirty="0" err="1"/>
               <a:t>outliers</a:t>
             </a:r>
             <a:r>
-              <a:rPr lang="it-IT" sz="2000" dirty="0" smtClean="0"/>
+              <a:rPr lang="it-IT" sz="2000" dirty="0"/>
               <a:t> nella coorte 2013. </a:t>
             </a:r>
           </a:p>
           <a:p>
-            <a:endParaRPr lang="it-IT" sz="2000" dirty="0" smtClean="0"/>
-          </a:p>
-          <a:p>
-            <a:endParaRPr lang="it-IT" sz="2000" dirty="0" smtClean="0"/>
-          </a:p>
-          <a:p>
-            <a:r>
-              <a:rPr lang="it-IT" sz="1600" i="1" dirty="0" smtClean="0"/>
+            <a:endParaRPr lang="it-IT" sz="2000" dirty="0"/>
+          </a:p>
+          <a:p>
+            <a:endParaRPr lang="it-IT" sz="2000" dirty="0"/>
+          </a:p>
+          <a:p>
+            <a:r>
+              <a:rPr lang="it-IT" sz="1600" i="1" dirty="0"/>
               <a:t>Un </a:t>
             </a:r>
             <a:r>
-              <a:rPr lang="it-IT" sz="1600" i="1" u="sng" dirty="0" smtClean="0"/>
+              <a:rPr lang="it-IT" sz="1600" i="1" u="sng" dirty="0"/>
               <a:t>voto medio</a:t>
             </a:r>
             <a:r>
-              <a:rPr lang="it-IT" sz="1600" i="1" dirty="0" smtClean="0"/>
+              <a:rPr lang="it-IT" sz="1600" i="1" dirty="0"/>
               <a:t> di 30 e lode!? </a:t>
             </a:r>
           </a:p>
           <a:p>
             <a:r>
-              <a:rPr lang="it-IT" sz="1400" i="1" dirty="0" smtClean="0"/>
+              <a:rPr lang="it-IT" sz="1400" i="1" dirty="0"/>
               <a:t>I dati sono corretti???</a:t>
             </a:r>
-            <a:endParaRPr lang="it-IT" sz="1400" i="1" dirty="0"/>
           </a:p>
         </p:txBody>
       </p:sp>
@@ -4637,7 +4629,7 @@
           <p:cNvPr id="5" name="Titolo 1">
             <a:extLst>
               <a:ext uri="{FF2B5EF4-FFF2-40B4-BE49-F238E27FC236}">
-                <a16:creationId xmlns="" xmlns:a16="http://schemas.microsoft.com/office/drawing/2014/main" id="{93988BB5-A413-49BA-BC9C-68388EF5A744}"/>
+                <a16:creationId xmlns:a16="http://schemas.microsoft.com/office/drawing/2014/main" id="{93988BB5-A413-49BA-BC9C-68388EF5A744}"/>
               </a:ext>
             </a:extLst>
           </p:cNvPr>
@@ -4685,7 +4677,7 @@
               <a:t>DATA UNDERSTANDING: </a:t>
             </a:r>
             <a:r>
-              <a:rPr lang="it-IT" sz="2400" dirty="0" smtClean="0">
+              <a:rPr lang="it-IT" sz="2400" dirty="0">
                 <a:solidFill>
                   <a:schemeClr val="bg1"/>
                 </a:solidFill>
@@ -4693,7 +4685,7 @@
               <a:t>GRUPPI </a:t>
             </a:r>
             <a:r>
-              <a:rPr lang="it-IT" sz="2400" dirty="0" err="1" smtClean="0">
+              <a:rPr lang="it-IT" sz="2400" dirty="0" err="1">
                 <a:solidFill>
                   <a:schemeClr val="bg1"/>
                 </a:solidFill>
@@ -4701,7 +4693,7 @@
               <a:t>DI</a:t>
             </a:r>
             <a:r>
-              <a:rPr lang="it-IT" sz="2400" dirty="0" smtClean="0">
+              <a:rPr lang="it-IT" sz="2400" dirty="0">
                 <a:solidFill>
                   <a:schemeClr val="bg1"/>
                 </a:solidFill>
@@ -4721,7 +4713,7 @@
           <p:cNvPr id="8" name="Segnaposto contenuto 2">
             <a:extLst>
               <a:ext uri="{FF2B5EF4-FFF2-40B4-BE49-F238E27FC236}">
-                <a16:creationId xmlns="" xmlns:a16="http://schemas.microsoft.com/office/drawing/2014/main" id="{C2E44FE5-CCA1-4E8F-905A-F2F5CDF25092}"/>
+                <a16:creationId xmlns:a16="http://schemas.microsoft.com/office/drawing/2014/main" id="{C2E44FE5-CCA1-4E8F-905A-F2F5CDF25092}"/>
               </a:ext>
             </a:extLst>
           </p:cNvPr>
@@ -4746,7 +4738,7 @@
           <a:p>
             <a:pPr algn="just"/>
             <a:r>
-              <a:rPr lang="it-IT" dirty="0" smtClean="0"/>
+              <a:rPr lang="it-IT" dirty="0"/>
               <a:t>Una scelta significativa nell’ambito di questa analisi è stata la suddivisione degli esami in vari gruppi.</a:t>
             </a:r>
           </a:p>
@@ -4754,20 +4746,20 @@
             <a:pPr algn="just">
               <a:buNone/>
             </a:pPr>
-            <a:endParaRPr lang="it-IT" dirty="0" smtClean="0"/>
+            <a:endParaRPr lang="it-IT" dirty="0"/>
           </a:p>
           <a:p>
             <a:pPr algn="just"/>
             <a:r>
-              <a:rPr lang="it-IT" dirty="0" smtClean="0"/>
+              <a:rPr lang="it-IT" dirty="0"/>
               <a:t>Si è cercato di raggruppare </a:t>
             </a:r>
             <a:r>
-              <a:rPr lang="it-IT" i="1" dirty="0" smtClean="0"/>
+              <a:rPr lang="it-IT" i="1" dirty="0"/>
               <a:t>intuitivamente</a:t>
             </a:r>
             <a:r>
-              <a:rPr lang="it-IT" dirty="0" smtClean="0"/>
+              <a:rPr lang="it-IT" dirty="0"/>
               <a:t> esami i cui risultati potrebbero essere correlati in qualche modo. L’ovvio rischio che si è scelto di correre è di non notare correlazioni che esistono, ma non sono intuitive.</a:t>
             </a:r>
           </a:p>
@@ -4775,19 +4767,19 @@
             <a:pPr algn="just">
               <a:buNone/>
             </a:pPr>
-            <a:endParaRPr lang="it-IT" dirty="0" smtClean="0"/>
+            <a:endParaRPr lang="it-IT" dirty="0"/>
           </a:p>
           <a:p>
             <a:pPr algn="just"/>
             <a:r>
-              <a:rPr lang="it-IT" dirty="0" smtClean="0"/>
+              <a:rPr lang="it-IT" dirty="0"/>
               <a:t>La suddivisione più sensata è sembrata essere la seguente:</a:t>
             </a:r>
           </a:p>
           <a:p>
             <a:pPr lvl="1" algn="just"/>
             <a:r>
-              <a:rPr lang="it-IT" dirty="0" smtClean="0">
+              <a:rPr lang="it-IT" dirty="0">
                 <a:solidFill>
                   <a:srgbClr val="0070C0"/>
                 </a:solidFill>
@@ -4795,7 +4787,7 @@
               <a:t>esami del </a:t>
             </a:r>
             <a:r>
-              <a:rPr lang="it-IT" b="1" dirty="0" smtClean="0">
+              <a:rPr lang="it-IT" b="1" dirty="0">
                 <a:solidFill>
                   <a:srgbClr val="0070C0"/>
                 </a:solidFill>
@@ -4806,7 +4798,7 @@
           <a:p>
             <a:pPr lvl="1" algn="just"/>
             <a:r>
-              <a:rPr lang="it-IT" dirty="0" smtClean="0">
+              <a:rPr lang="it-IT" dirty="0">
                 <a:solidFill>
                   <a:srgbClr val="0070C0"/>
                 </a:solidFill>
@@ -4814,7 +4806,7 @@
               <a:t>esami su </a:t>
             </a:r>
             <a:r>
-              <a:rPr lang="it-IT" b="1" dirty="0" smtClean="0">
+              <a:rPr lang="it-IT" b="1" dirty="0">
                 <a:solidFill>
                   <a:srgbClr val="0070C0"/>
                 </a:solidFill>
@@ -4825,7 +4817,7 @@
           <a:p>
             <a:pPr lvl="1" algn="just"/>
             <a:r>
-              <a:rPr lang="it-IT" dirty="0" smtClean="0">
+              <a:rPr lang="it-IT" dirty="0">
                 <a:solidFill>
                   <a:srgbClr val="0070C0"/>
                 </a:solidFill>
@@ -4833,7 +4825,7 @@
               <a:t>esami su </a:t>
             </a:r>
             <a:r>
-              <a:rPr lang="it-IT" b="1" dirty="0" smtClean="0">
+              <a:rPr lang="it-IT" b="1" dirty="0">
                 <a:solidFill>
                   <a:srgbClr val="0070C0"/>
                 </a:solidFill>
@@ -4867,7 +4859,7 @@
           <p:cNvPr id="9" name="Segnaposto contenuto 2">
             <a:extLst>
               <a:ext uri="{FF2B5EF4-FFF2-40B4-BE49-F238E27FC236}">
-                <a16:creationId xmlns="" xmlns:a16="http://schemas.microsoft.com/office/drawing/2014/main" id="{89886170-B615-43F8-AA8E-D5565391C42A}"/>
+                <a16:creationId xmlns:a16="http://schemas.microsoft.com/office/drawing/2014/main" id="{89886170-B615-43F8-AA8E-D5565391C42A}"/>
               </a:ext>
             </a:extLst>
           </p:cNvPr>
@@ -5048,20 +5040,13 @@
     </p:spTree>
     <p:extLst>
       <p:ext uri="{BB962C8B-B14F-4D97-AF65-F5344CB8AC3E}">
-        <p14:creationId xmlns="" xmlns:p14="http://schemas.microsoft.com/office/powerpoint/2010/main" val="2567167341"/>
+        <p14:creationId xmlns:p14="http://schemas.microsoft.com/office/powerpoint/2010/main" val="2567167341"/>
       </p:ext>
     </p:extLst>
   </p:cSld>
   <p:clrMapOvr>
     <a:masterClrMapping/>
   </p:clrMapOvr>
-  <p:timing>
-    <p:tnLst>
-      <p:par>
-        <p:cTn id="1" dur="indefinite" restart="never" nodeType="tmRoot"/>
-      </p:par>
-    </p:tnLst>
-  </p:timing>
 </p:sld>
 </file>
 
@@ -5087,7 +5072,7 @@
           <p:cNvPr id="2" name="Titolo 1">
             <a:extLst>
               <a:ext uri="{FF2B5EF4-FFF2-40B4-BE49-F238E27FC236}">
-                <a16:creationId xmlns="" xmlns:a16="http://schemas.microsoft.com/office/drawing/2014/main" id="{93988BB5-A413-49BA-BC9C-68388EF5A744}"/>
+                <a16:creationId xmlns:a16="http://schemas.microsoft.com/office/drawing/2014/main" id="{93988BB5-A413-49BA-BC9C-68388EF5A744}"/>
               </a:ext>
             </a:extLst>
           </p:cNvPr>
@@ -5135,7 +5120,7 @@
               <a:t>DATA UNDERSTANDING: </a:t>
             </a:r>
             <a:r>
-              <a:rPr lang="it-IT" sz="2400" dirty="0" smtClean="0">
+              <a:rPr lang="it-IT" sz="2400" dirty="0">
                 <a:solidFill>
                   <a:schemeClr val="bg1"/>
                 </a:solidFill>
@@ -5143,7 +5128,7 @@
               <a:t>GRUPPI </a:t>
             </a:r>
             <a:r>
-              <a:rPr lang="it-IT" sz="2400" dirty="0" err="1" smtClean="0">
+              <a:rPr lang="it-IT" sz="2400" dirty="0" err="1">
                 <a:solidFill>
                   <a:schemeClr val="bg1"/>
                 </a:solidFill>
@@ -5151,7 +5136,7 @@
               <a:t>DI</a:t>
             </a:r>
             <a:r>
-              <a:rPr lang="it-IT" sz="2400" dirty="0" smtClean="0">
+              <a:rPr lang="it-IT" sz="2400" dirty="0">
                 <a:solidFill>
                   <a:schemeClr val="bg1"/>
                 </a:solidFill>
@@ -5171,7 +5156,7 @@
           <p:cNvPr id="4" name="Segnaposto contenuto 2">
             <a:extLst>
               <a:ext uri="{FF2B5EF4-FFF2-40B4-BE49-F238E27FC236}">
-                <a16:creationId xmlns="" xmlns:a16="http://schemas.microsoft.com/office/drawing/2014/main" id="{C2E44FE5-CCA1-4E8F-905A-F2F5CDF25092}"/>
+                <a16:creationId xmlns:a16="http://schemas.microsoft.com/office/drawing/2014/main" id="{C2E44FE5-CCA1-4E8F-905A-F2F5CDF25092}"/>
               </a:ext>
             </a:extLst>
           </p:cNvPr>
@@ -5213,7 +5198,7 @@
               <a:defRPr/>
             </a:pPr>
             <a:r>
-              <a:rPr kumimoji="0" lang="it-IT" sz="2000" b="0" i="0" u="none" strike="noStrike" kern="1200" cap="none" spc="0" normalizeH="0" baseline="0" noProof="0" dirty="0" smtClean="0">
+              <a:rPr kumimoji="0" lang="it-IT" sz="2000" b="0" i="0" u="none" strike="noStrike" kern="1200" cap="none" spc="0" normalizeH="0" baseline="0" noProof="0" dirty="0">
                 <a:ln>
                   <a:noFill/>
                 </a:ln>
@@ -5230,7 +5215,7 @@
               <a:t>Il seguente script R ha generato i</a:t>
             </a:r>
             <a:r>
-              <a:rPr kumimoji="0" lang="it-IT" sz="2000" b="0" i="0" u="none" strike="noStrike" kern="1200" cap="none" spc="0" normalizeH="0" noProof="0" dirty="0" smtClean="0">
+              <a:rPr kumimoji="0" lang="it-IT" sz="2000" b="0" i="0" u="none" strike="noStrike" kern="1200" cap="none" spc="0" normalizeH="0" noProof="0" dirty="0">
                 <a:ln>
                   <a:noFill/>
                 </a:ln>
@@ -5246,7 +5231,7 @@
               </a:rPr>
               <a:t> grafici di dispersione, le matrici di correlazione e di deviazione standard utilizzate per l’analisi visiva del gruppo di esami del primo anno.</a:t>
             </a:r>
-            <a:endParaRPr kumimoji="0" lang="it-IT" sz="2000" b="0" i="0" u="none" strike="noStrike" kern="1200" cap="none" spc="0" normalizeH="0" baseline="0" noProof="0" dirty="0" smtClean="0">
+            <a:endParaRPr kumimoji="0" lang="it-IT" sz="2000" b="0" i="0" u="none" strike="noStrike" kern="1200" cap="none" spc="0" normalizeH="0" baseline="0" noProof="0" dirty="0">
               <a:ln>
                 <a:noFill/>
               </a:ln>
@@ -5279,7 +5264,7 @@
               <a:tabLst/>
               <a:defRPr/>
             </a:pPr>
-            <a:endParaRPr kumimoji="0" lang="it-IT" sz="2400" b="0" i="0" u="none" strike="noStrike" kern="1200" cap="none" spc="0" normalizeH="0" baseline="0" noProof="0" dirty="0" smtClean="0">
+            <a:endParaRPr kumimoji="0" lang="it-IT" sz="2400" b="0" i="0" u="none" strike="noStrike" kern="1200" cap="none" spc="0" normalizeH="0" baseline="0" noProof="0" dirty="0">
               <a:ln>
                 <a:noFill/>
               </a:ln>
@@ -5312,7 +5297,7 @@
               <a:tabLst/>
               <a:defRPr/>
             </a:pPr>
-            <a:endParaRPr kumimoji="0" lang="it-IT" sz="2400" b="0" i="0" u="none" strike="noStrike" kern="1200" cap="none" spc="0" normalizeH="0" baseline="0" noProof="0" dirty="0" smtClean="0">
+            <a:endParaRPr kumimoji="0" lang="it-IT" sz="2400" b="0" i="0" u="none" strike="noStrike" kern="1200" cap="none" spc="0" normalizeH="0" baseline="0" noProof="0" dirty="0">
               <a:ln>
                 <a:noFill/>
               </a:ln>
@@ -5367,7 +5352,7 @@
           <p:cNvPr id="5" name="CasellaDiTesto 4">
             <a:extLst>
               <a:ext uri="{FF2B5EF4-FFF2-40B4-BE49-F238E27FC236}">
-                <a16:creationId xmlns="" xmlns:a16="http://schemas.microsoft.com/office/drawing/2014/main" id="{4D7DE968-07D5-4816-AE85-8F06E200182B}"/>
+                <a16:creationId xmlns:a16="http://schemas.microsoft.com/office/drawing/2014/main" id="{4D7DE968-07D5-4816-AE85-8F06E200182B}"/>
               </a:ext>
             </a:extLst>
           </p:cNvPr>
@@ -5391,7 +5376,7 @@
           <a:lstStyle/>
           <a:p>
             <a:r>
-              <a:rPr lang="en-US" sz="1200" dirty="0" smtClean="0">
+              <a:rPr lang="en-US" sz="1200" dirty="0">
                 <a:solidFill>
                   <a:schemeClr val="bg1">
                     <a:lumMod val="50000"/>
@@ -5405,7 +5390,7 @@
           </a:p>
           <a:p>
             <a:r>
-              <a:rPr lang="en-US" sz="1200" dirty="0" smtClean="0">
+              <a:rPr lang="en-US" sz="1200" dirty="0">
                 <a:solidFill>
                   <a:srgbClr val="002060"/>
                 </a:solidFill>
@@ -5417,7 +5402,7 @@
           </a:p>
           <a:p>
             <a:r>
-              <a:rPr lang="en-US" sz="1200" dirty="0" smtClean="0">
+              <a:rPr lang="en-US" sz="1200" dirty="0">
                 <a:solidFill>
                   <a:srgbClr val="002060"/>
                 </a:solidFill>
@@ -5427,7 +5412,7 @@
               <a:t>pairs(students_subset2, </a:t>
             </a:r>
             <a:r>
-              <a:rPr lang="en-US" sz="1200" dirty="0" err="1" smtClean="0">
+              <a:rPr lang="en-US" sz="1200" dirty="0" err="1">
                 <a:solidFill>
                   <a:srgbClr val="002060"/>
                 </a:solidFill>
@@ -5437,7 +5422,7 @@
               <a:t>col</a:t>
             </a:r>
             <a:r>
-              <a:rPr lang="en-US" sz="1200" dirty="0" smtClean="0">
+              <a:rPr lang="en-US" sz="1200" dirty="0">
                 <a:solidFill>
                   <a:srgbClr val="002060"/>
                 </a:solidFill>
@@ -5447,7 +5432,7 @@
               <a:t> = </a:t>
             </a:r>
             <a:r>
-              <a:rPr lang="en-US" sz="1200" dirty="0" err="1" smtClean="0">
+              <a:rPr lang="en-US" sz="1200" dirty="0" err="1">
                 <a:solidFill>
                   <a:srgbClr val="002060"/>
                 </a:solidFill>
@@ -5457,7 +5442,7 @@
               <a:t>coorte_colors,lower.panel</a:t>
             </a:r>
             <a:r>
-              <a:rPr lang="en-US" sz="1200" dirty="0" smtClean="0">
+              <a:rPr lang="en-US" sz="1200" dirty="0">
                 <a:solidFill>
                   <a:srgbClr val="002060"/>
                 </a:solidFill>
@@ -5467,7 +5452,7 @@
               <a:t> = </a:t>
             </a:r>
             <a:r>
-              <a:rPr lang="en-US" sz="1200" dirty="0" err="1" smtClean="0">
+              <a:rPr lang="en-US" sz="1200" dirty="0" err="1">
                 <a:solidFill>
                   <a:srgbClr val="002060"/>
                 </a:solidFill>
@@ -5477,7 +5462,7 @@
               <a:t>NULL,cex.labelsiris</a:t>
             </a:r>
             <a:r>
-              <a:rPr lang="en-US" sz="1200" dirty="0" smtClean="0">
+              <a:rPr lang="en-US" sz="1200" dirty="0">
                 <a:solidFill>
                   <a:srgbClr val="002060"/>
                 </a:solidFill>
@@ -5487,7 +5472,7 @@
               <a:t>=2, 	</a:t>
             </a:r>
             <a:r>
-              <a:rPr lang="en-US" sz="1200" dirty="0" err="1" smtClean="0">
+              <a:rPr lang="en-US" sz="1200" dirty="0" err="1">
                 <a:solidFill>
                   <a:srgbClr val="002060"/>
                 </a:solidFill>
@@ -5497,7 +5482,7 @@
               <a:t>pch</a:t>
             </a:r>
             <a:r>
-              <a:rPr lang="en-US" sz="1200" dirty="0" smtClean="0">
+              <a:rPr lang="en-US" sz="1200" dirty="0">
                 <a:solidFill>
                   <a:srgbClr val="002060"/>
                 </a:solidFill>
@@ -5507,7 +5492,7 @@
               <a:t>=19, </a:t>
             </a:r>
             <a:r>
-              <a:rPr lang="en-US" sz="1200" dirty="0" err="1" smtClean="0">
+              <a:rPr lang="en-US" sz="1200" dirty="0" err="1">
                 <a:solidFill>
                   <a:srgbClr val="002060"/>
                 </a:solidFill>
@@ -5517,7 +5502,7 @@
               <a:t>cex</a:t>
             </a:r>
             <a:r>
-              <a:rPr lang="en-US" sz="1200" dirty="0" smtClean="0">
+              <a:rPr lang="en-US" sz="1200" dirty="0">
                 <a:solidFill>
                   <a:srgbClr val="002060"/>
                 </a:solidFill>
@@ -5529,7 +5514,7 @@
           </a:p>
           <a:p>
             <a:r>
-              <a:rPr lang="en-US" sz="1200" dirty="0" smtClean="0">
+              <a:rPr lang="en-US" sz="1200" dirty="0">
                 <a:solidFill>
                   <a:srgbClr val="002060"/>
                 </a:solidFill>
@@ -5539,7 +5524,7 @@
               <a:t>par(</a:t>
             </a:r>
             <a:r>
-              <a:rPr lang="en-US" sz="1200" dirty="0" err="1" smtClean="0">
+              <a:rPr lang="en-US" sz="1200" dirty="0" err="1">
                 <a:solidFill>
                   <a:srgbClr val="002060"/>
                 </a:solidFill>
@@ -5549,7 +5534,7 @@
               <a:t>xpd</a:t>
             </a:r>
             <a:r>
-              <a:rPr lang="en-US" sz="1200" dirty="0" smtClean="0">
+              <a:rPr lang="en-US" sz="1200" dirty="0">
                 <a:solidFill>
                   <a:srgbClr val="002060"/>
                 </a:solidFill>
@@ -5561,7 +5546,7 @@
           </a:p>
           <a:p>
             <a:r>
-              <a:rPr lang="en-US" sz="1200" dirty="0" smtClean="0">
+              <a:rPr lang="en-US" sz="1200" dirty="0">
                 <a:solidFill>
                   <a:srgbClr val="002060"/>
                 </a:solidFill>
@@ -5571,7 +5556,7 @@
               <a:t>legend(x = 0.05, y = 0.4, </a:t>
             </a:r>
             <a:r>
-              <a:rPr lang="en-US" sz="1200" dirty="0" err="1" smtClean="0">
+              <a:rPr lang="en-US" sz="1200" dirty="0" err="1">
                 <a:solidFill>
                   <a:srgbClr val="002060"/>
                 </a:solidFill>
@@ -5581,7 +5566,7 @@
               <a:t>cex</a:t>
             </a:r>
             <a:r>
-              <a:rPr lang="en-US" sz="1200" dirty="0" smtClean="0">
+              <a:rPr lang="en-US" sz="1200" dirty="0">
                 <a:solidFill>
                   <a:srgbClr val="002060"/>
                 </a:solidFill>
@@ -5591,7 +5576,7 @@
               <a:t> = 1,legend = </a:t>
             </a:r>
             <a:r>
-              <a:rPr lang="en-US" sz="1200" dirty="0" err="1" smtClean="0">
+              <a:rPr lang="en-US" sz="1200" dirty="0" err="1">
                 <a:solidFill>
                   <a:srgbClr val="002060"/>
                 </a:solidFill>
@@ -5601,7 +5586,7 @@
               <a:t>as.character</a:t>
             </a:r>
             <a:r>
-              <a:rPr lang="en-US" sz="1200" dirty="0" smtClean="0">
+              <a:rPr lang="en-US" sz="1200" dirty="0">
                 <a:solidFill>
                   <a:srgbClr val="002060"/>
                 </a:solidFill>
@@ -5611,7 +5596,7 @@
               <a:t>(levels(</a:t>
             </a:r>
             <a:r>
-              <a:rPr lang="en-US" sz="1200" dirty="0" err="1" smtClean="0">
+              <a:rPr lang="en-US" sz="1200" dirty="0" err="1">
                 <a:solidFill>
                   <a:srgbClr val="002060"/>
                 </a:solidFill>
@@ -5621,7 +5606,7 @@
               <a:t>coorte_labels</a:t>
             </a:r>
             <a:r>
-              <a:rPr lang="en-US" sz="1200" dirty="0" smtClean="0">
+              <a:rPr lang="en-US" sz="1200" dirty="0">
                 <a:solidFill>
                   <a:srgbClr val="002060"/>
                 </a:solidFill>
@@ -5631,7 +5616,7 @@
               <a:t>)),fill 	= unique(</a:t>
             </a:r>
             <a:r>
-              <a:rPr lang="en-US" sz="1200" dirty="0" err="1" smtClean="0">
+              <a:rPr lang="en-US" sz="1200" dirty="0" err="1">
                 <a:solidFill>
                   <a:srgbClr val="002060"/>
                 </a:solidFill>
@@ -5641,7 +5626,7 @@
               <a:t>coorte_colors</a:t>
             </a:r>
             <a:r>
-              <a:rPr lang="en-US" sz="1200" dirty="0" smtClean="0">
+              <a:rPr lang="en-US" sz="1200" dirty="0">
                 <a:solidFill>
                   <a:srgbClr val="002060"/>
                 </a:solidFill>
@@ -5653,7 +5638,7 @@
           </a:p>
           <a:p>
             <a:r>
-              <a:rPr lang="en-US" sz="1200" dirty="0" smtClean="0">
+              <a:rPr lang="en-US" sz="1200" dirty="0">
                 <a:solidFill>
                   <a:srgbClr val="002060"/>
                 </a:solidFill>
@@ -5663,7 +5648,7 @@
               <a:t>par(</a:t>
             </a:r>
             <a:r>
-              <a:rPr lang="en-US" sz="1200" dirty="0" err="1" smtClean="0">
+              <a:rPr lang="en-US" sz="1200" dirty="0" err="1">
                 <a:solidFill>
                   <a:srgbClr val="002060"/>
                 </a:solidFill>
@@ -5673,7 +5658,7 @@
               <a:t>xpd</a:t>
             </a:r>
             <a:r>
-              <a:rPr lang="en-US" sz="1200" dirty="0" smtClean="0">
+              <a:rPr lang="en-US" sz="1200" dirty="0">
                 <a:solidFill>
                   <a:srgbClr val="002060"/>
                 </a:solidFill>
@@ -5684,7 +5669,7 @@
             </a:r>
           </a:p>
           <a:p>
-            <a:endParaRPr lang="en-US" sz="1200" dirty="0" smtClean="0">
+            <a:endParaRPr lang="en-US" sz="1200" dirty="0">
               <a:solidFill>
                 <a:srgbClr val="002060"/>
               </a:solidFill>
@@ -5694,7 +5679,7 @@
           </a:p>
           <a:p>
             <a:r>
-              <a:rPr lang="en-US" sz="1200" dirty="0" err="1" smtClean="0">
+              <a:rPr lang="en-US" sz="1200" dirty="0" err="1">
                 <a:solidFill>
                   <a:srgbClr val="002060"/>
                 </a:solidFill>
@@ -5704,7 +5689,7 @@
               <a:t>students_scaled</a:t>
             </a:r>
             <a:r>
-              <a:rPr lang="en-US" sz="1200" dirty="0" smtClean="0">
+              <a:rPr lang="en-US" sz="1200" dirty="0">
                 <a:solidFill>
                   <a:srgbClr val="002060"/>
                 </a:solidFill>
@@ -5716,7 +5701,7 @@
           </a:p>
           <a:p>
             <a:r>
-              <a:rPr lang="en-US" sz="1200" dirty="0" err="1" smtClean="0">
+              <a:rPr lang="en-US" sz="1200" dirty="0" err="1">
                 <a:solidFill>
                   <a:srgbClr val="002060"/>
                 </a:solidFill>
@@ -5726,7 +5711,7 @@
               <a:t>pimage</a:t>
             </a:r>
             <a:r>
-              <a:rPr lang="en-US" sz="1200" dirty="0" smtClean="0">
+              <a:rPr lang="en-US" sz="1200" dirty="0">
                 <a:solidFill>
                   <a:srgbClr val="002060"/>
                 </a:solidFill>
@@ -5736,7 +5721,7 @@
               <a:t>(</a:t>
             </a:r>
             <a:r>
-              <a:rPr lang="en-US" sz="1200" dirty="0" err="1" smtClean="0">
+              <a:rPr lang="en-US" sz="1200" dirty="0" err="1">
                 <a:solidFill>
                   <a:srgbClr val="002060"/>
                 </a:solidFill>
@@ -5746,7 +5731,7 @@
               <a:t>students_scaled,ylab</a:t>
             </a:r>
             <a:r>
-              <a:rPr lang="en-US" sz="1200" dirty="0" smtClean="0">
+              <a:rPr lang="en-US" sz="1200" dirty="0">
                 <a:solidFill>
                   <a:srgbClr val="002060"/>
                 </a:solidFill>
@@ -5756,7 +5741,7 @@
               <a:t>="</a:t>
             </a:r>
             <a:r>
-              <a:rPr lang="en-US" sz="1200" dirty="0" err="1" smtClean="0">
+              <a:rPr lang="en-US" sz="1200" dirty="0" err="1">
                 <a:solidFill>
                   <a:srgbClr val="002060"/>
                 </a:solidFill>
@@ -5766,7 +5751,7 @@
               <a:t>Students",main</a:t>
             </a:r>
             <a:r>
-              <a:rPr lang="en-US" sz="1200" dirty="0" smtClean="0">
+              <a:rPr lang="en-US" sz="1200" dirty="0">
                 <a:solidFill>
                   <a:srgbClr val="002060"/>
                 </a:solidFill>
@@ -5777,7 +5762,7 @@
             </a:r>
           </a:p>
           <a:p>
-            <a:endParaRPr lang="en-US" sz="1200" dirty="0" smtClean="0">
+            <a:endParaRPr lang="en-US" sz="1200" dirty="0">
               <a:solidFill>
                 <a:srgbClr val="002060"/>
               </a:solidFill>
@@ -5787,7 +5772,7 @@
           </a:p>
           <a:p>
             <a:r>
-              <a:rPr lang="en-US" sz="1200" dirty="0" smtClean="0">
+              <a:rPr lang="en-US" sz="1200" dirty="0">
                 <a:solidFill>
                   <a:srgbClr val="002060"/>
                 </a:solidFill>
@@ -5797,7 +5782,7 @@
               <a:t>matrix &lt;- </a:t>
             </a:r>
             <a:r>
-              <a:rPr lang="en-US" sz="1200" dirty="0" err="1" smtClean="0">
+              <a:rPr lang="en-US" sz="1200" dirty="0" err="1">
                 <a:solidFill>
                   <a:srgbClr val="002060"/>
                 </a:solidFill>
@@ -5807,7 +5792,7 @@
               <a:t>as.matrix</a:t>
             </a:r>
             <a:r>
-              <a:rPr lang="en-US" sz="1200" dirty="0" smtClean="0">
+              <a:rPr lang="en-US" sz="1200" dirty="0">
                 <a:solidFill>
                   <a:srgbClr val="002060"/>
                 </a:solidFill>
@@ -5817,7 +5802,7 @@
               <a:t>(</a:t>
             </a:r>
             <a:r>
-              <a:rPr lang="en-US" sz="1200" dirty="0" err="1" smtClean="0">
+              <a:rPr lang="en-US" sz="1200" dirty="0" err="1">
                 <a:solidFill>
                   <a:srgbClr val="002060"/>
                 </a:solidFill>
@@ -5827,7 +5812,7 @@
               <a:t>students_scaled</a:t>
             </a:r>
             <a:r>
-              <a:rPr lang="en-US" sz="1200" dirty="0" smtClean="0">
+              <a:rPr lang="en-US" sz="1200" dirty="0">
                 <a:solidFill>
                   <a:srgbClr val="002060"/>
                 </a:solidFill>
@@ -5839,7 +5824,7 @@
           </a:p>
           <a:p>
             <a:r>
-              <a:rPr lang="en-US" sz="1200" dirty="0" smtClean="0">
+              <a:rPr lang="en-US" sz="1200" dirty="0">
                 <a:solidFill>
                   <a:srgbClr val="002060"/>
                 </a:solidFill>
@@ -5849,7 +5834,7 @@
               <a:t>cm &lt;- </a:t>
             </a:r>
             <a:r>
-              <a:rPr lang="en-US" sz="1200" dirty="0" err="1" smtClean="0">
+              <a:rPr lang="en-US" sz="1200" dirty="0" err="1">
                 <a:solidFill>
                   <a:srgbClr val="002060"/>
                 </a:solidFill>
@@ -5859,7 +5844,7 @@
               <a:t>cor</a:t>
             </a:r>
             <a:r>
-              <a:rPr lang="en-US" sz="1200" dirty="0" smtClean="0">
+              <a:rPr lang="en-US" sz="1200" dirty="0">
                 <a:solidFill>
                   <a:srgbClr val="002060"/>
                 </a:solidFill>
@@ -5869,7 +5854,7 @@
               <a:t>(t(matrix), method="</a:t>
             </a:r>
             <a:r>
-              <a:rPr lang="en-US" sz="1200" dirty="0" err="1" smtClean="0">
+              <a:rPr lang="en-US" sz="1200" dirty="0" err="1">
                 <a:solidFill>
                   <a:srgbClr val="002060"/>
                 </a:solidFill>
@@ -5879,7 +5864,7 @@
               <a:t>pearson</a:t>
             </a:r>
             <a:r>
-              <a:rPr lang="en-US" sz="1200" dirty="0" smtClean="0">
+              <a:rPr lang="en-US" sz="1200" dirty="0">
                 <a:solidFill>
                   <a:srgbClr val="002060"/>
                 </a:solidFill>
@@ -5891,7 +5876,7 @@
           </a:p>
           <a:p>
             <a:r>
-              <a:rPr lang="en-US" sz="1200" dirty="0" err="1" smtClean="0">
+              <a:rPr lang="en-US" sz="1200" dirty="0" err="1">
                 <a:solidFill>
                   <a:srgbClr val="002060"/>
                 </a:solidFill>
@@ -5901,7 +5886,7 @@
               <a:t>pimage</a:t>
             </a:r>
             <a:r>
-              <a:rPr lang="en-US" sz="1200" dirty="0" smtClean="0">
+              <a:rPr lang="en-US" sz="1200" dirty="0">
                 <a:solidFill>
                   <a:srgbClr val="002060"/>
                 </a:solidFill>
@@ -5911,7 +5896,7 @@
               <a:t>(</a:t>
             </a:r>
             <a:r>
-              <a:rPr lang="en-US" sz="1200" dirty="0" err="1" smtClean="0">
+              <a:rPr lang="en-US" sz="1200" dirty="0" err="1">
                 <a:solidFill>
                   <a:srgbClr val="002060"/>
                 </a:solidFill>
@@ -5921,7 +5906,7 @@
               <a:t>cm,main</a:t>
             </a:r>
             <a:r>
-              <a:rPr lang="en-US" sz="1200" dirty="0" smtClean="0">
+              <a:rPr lang="en-US" sz="1200" dirty="0">
                 <a:solidFill>
                   <a:srgbClr val="002060"/>
                 </a:solidFill>
@@ -5931,7 +5916,7 @@
               <a:t>="Correlation Matrix considering 1st Year exams", </a:t>
             </a:r>
             <a:r>
-              <a:rPr lang="en-US" sz="1200" dirty="0" err="1" smtClean="0">
+              <a:rPr lang="en-US" sz="1200" dirty="0" err="1">
                 <a:solidFill>
                   <a:srgbClr val="002060"/>
                 </a:solidFill>
@@ -5941,7 +5926,7 @@
               <a:t>xlab</a:t>
             </a:r>
             <a:r>
-              <a:rPr lang="en-US" sz="1200" dirty="0" smtClean="0">
+              <a:rPr lang="en-US" sz="1200" dirty="0">
                 <a:solidFill>
                   <a:srgbClr val="002060"/>
                 </a:solidFill>
@@ -5951,7 +5936,7 @@
               <a:t>="Students", 	</a:t>
             </a:r>
             <a:r>
-              <a:rPr lang="en-US" sz="1200" dirty="0" err="1" smtClean="0">
+              <a:rPr lang="en-US" sz="1200" dirty="0" err="1">
                 <a:solidFill>
                   <a:srgbClr val="002060"/>
                 </a:solidFill>
@@ -5961,7 +5946,7 @@
               <a:t>ylab</a:t>
             </a:r>
             <a:r>
-              <a:rPr lang="en-US" sz="1200" dirty="0" smtClean="0">
+              <a:rPr lang="en-US" sz="1200" dirty="0">
                 <a:solidFill>
                   <a:srgbClr val="002060"/>
                 </a:solidFill>
@@ -5971,7 +5956,7 @@
               <a:t>="</a:t>
             </a:r>
             <a:r>
-              <a:rPr lang="en-US" sz="1200" dirty="0" err="1" smtClean="0">
+              <a:rPr lang="en-US" sz="1200" dirty="0" err="1">
                 <a:solidFill>
                   <a:srgbClr val="002060"/>
                 </a:solidFill>
@@ -5981,7 +5966,7 @@
               <a:t>Students",zlim</a:t>
             </a:r>
             <a:r>
-              <a:rPr lang="en-US" sz="1200" dirty="0" smtClean="0">
+              <a:rPr lang="en-US" sz="1200" dirty="0">
                 <a:solidFill>
                   <a:srgbClr val="002060"/>
                 </a:solidFill>
@@ -5991,7 +5976,7 @@
               <a:t> = c(-1,1),</a:t>
             </a:r>
             <a:r>
-              <a:rPr lang="en-US" sz="1200" dirty="0" err="1" smtClean="0">
+              <a:rPr lang="en-US" sz="1200" dirty="0" err="1">
                 <a:solidFill>
                   <a:srgbClr val="002060"/>
                 </a:solidFill>
@@ -6001,7 +5986,7 @@
               <a:t>col</a:t>
             </a:r>
             <a:r>
-              <a:rPr lang="en-US" sz="1200" dirty="0" smtClean="0">
+              <a:rPr lang="en-US" sz="1200" dirty="0">
                 <a:solidFill>
                   <a:srgbClr val="002060"/>
                 </a:solidFill>
@@ -6011,7 +5996,7 @@
               <a:t> = </a:t>
             </a:r>
             <a:r>
-              <a:rPr lang="en-US" sz="1200" dirty="0" err="1" smtClean="0">
+              <a:rPr lang="en-US" sz="1200" dirty="0" err="1">
                 <a:solidFill>
                   <a:srgbClr val="002060"/>
                 </a:solidFill>
@@ -6021,7 +6006,7 @@
               <a:t>bluered</a:t>
             </a:r>
             <a:r>
-              <a:rPr lang="en-US" sz="1200" dirty="0" smtClean="0">
+              <a:rPr lang="en-US" sz="1200" dirty="0">
                 <a:solidFill>
                   <a:srgbClr val="002060"/>
                 </a:solidFill>
@@ -6049,7 +6034,7 @@
           <p:cNvPr id="6" name="Segnaposto contenuto 2">
             <a:extLst>
               <a:ext uri="{FF2B5EF4-FFF2-40B4-BE49-F238E27FC236}">
-                <a16:creationId xmlns="" xmlns:a16="http://schemas.microsoft.com/office/drawing/2014/main" id="{C2E44FE5-CCA1-4E8F-905A-F2F5CDF25092}"/>
+                <a16:creationId xmlns:a16="http://schemas.microsoft.com/office/drawing/2014/main" id="{C2E44FE5-CCA1-4E8F-905A-F2F5CDF25092}"/>
               </a:ext>
             </a:extLst>
           </p:cNvPr>
@@ -6091,7 +6076,7 @@
               <a:defRPr/>
             </a:pPr>
             <a:r>
-              <a:rPr kumimoji="0" lang="it-IT" sz="2000" b="0" i="0" u="none" strike="noStrike" kern="1200" cap="none" spc="0" normalizeH="0" baseline="0" noProof="0" dirty="0" smtClean="0">
+              <a:rPr kumimoji="0" lang="it-IT" sz="2000" b="0" i="0" u="none" strike="noStrike" kern="1200" cap="none" spc="0" normalizeH="0" baseline="0" noProof="0" dirty="0">
                 <a:ln>
                   <a:noFill/>
                 </a:ln>
@@ -6108,7 +6093,7 @@
               <a:t>Per gli altri gruppi di esami, gli script sono stati</a:t>
             </a:r>
             <a:r>
-              <a:rPr kumimoji="0" lang="it-IT" sz="2000" b="0" i="0" u="none" strike="noStrike" kern="1200" cap="none" spc="0" normalizeH="0" noProof="0" dirty="0" smtClean="0">
+              <a:rPr kumimoji="0" lang="it-IT" sz="2000" b="0" i="0" u="none" strike="noStrike" kern="1200" cap="none" spc="0" normalizeH="0" noProof="0" dirty="0">
                 <a:ln>
                   <a:noFill/>
                 </a:ln>
@@ -6134,7 +6119,7 @@
               <a:buChar char="•"/>
             </a:pPr>
             <a:r>
-              <a:rPr lang="it-IT" sz="1600" baseline="0" dirty="0" smtClean="0">
+              <a:rPr lang="it-IT" sz="1600" baseline="0" dirty="0">
                 <a:solidFill>
                   <a:schemeClr val="bg1">
                     <a:lumMod val="50000"/>
@@ -6144,7 +6129,7 @@
               <a:t>Si</a:t>
             </a:r>
             <a:r>
-              <a:rPr lang="it-IT" sz="1600" dirty="0" smtClean="0">
+              <a:rPr lang="it-IT" sz="1600" dirty="0">
                 <a:solidFill>
                   <a:schemeClr val="bg1">
                     <a:lumMod val="50000"/>
@@ -6154,7 +6139,7 @@
               <a:t> consulti il file dataset_analysis.R nella </a:t>
             </a:r>
             <a:r>
-              <a:rPr lang="it-IT" sz="1600" dirty="0" err="1" smtClean="0">
+              <a:rPr lang="it-IT" sz="1600" dirty="0" err="1">
                 <a:solidFill>
                   <a:schemeClr val="bg1">
                     <a:lumMod val="50000"/>
@@ -6164,7 +6149,7 @@
               <a:t>root</a:t>
             </a:r>
             <a:r>
-              <a:rPr lang="it-IT" sz="1600" dirty="0" smtClean="0">
+              <a:rPr lang="it-IT" sz="1600" dirty="0">
                 <a:solidFill>
                   <a:schemeClr val="bg1">
                     <a:lumMod val="50000"/>
@@ -6174,7 +6159,7 @@
               <a:t> della </a:t>
             </a:r>
             <a:r>
-              <a:rPr lang="it-IT" sz="1600" dirty="0" err="1" smtClean="0">
+              <a:rPr lang="it-IT" sz="1600" dirty="0" err="1">
                 <a:solidFill>
                   <a:schemeClr val="bg1">
                     <a:lumMod val="50000"/>
@@ -6183,7 +6168,7 @@
               </a:rPr>
               <a:t>repository</a:t>
             </a:r>
-            <a:endParaRPr kumimoji="0" lang="it-IT" sz="1600" b="0" i="0" u="none" strike="noStrike" kern="1200" cap="none" spc="0" normalizeH="0" baseline="0" noProof="0" dirty="0" smtClean="0">
+            <a:endParaRPr kumimoji="0" lang="it-IT" sz="1600" b="0" i="0" u="none" strike="noStrike" kern="1200" cap="none" spc="0" normalizeH="0" baseline="0" noProof="0" dirty="0">
               <a:ln>
                 <a:noFill/>
               </a:ln>
@@ -6218,7 +6203,7 @@
               <a:tabLst/>
               <a:defRPr/>
             </a:pPr>
-            <a:endParaRPr kumimoji="0" lang="it-IT" sz="2400" b="0" i="0" u="none" strike="noStrike" kern="1200" cap="none" spc="0" normalizeH="0" baseline="0" noProof="0" dirty="0" smtClean="0">
+            <a:endParaRPr kumimoji="0" lang="it-IT" sz="2400" b="0" i="0" u="none" strike="noStrike" kern="1200" cap="none" spc="0" normalizeH="0" baseline="0" noProof="0" dirty="0">
               <a:ln>
                 <a:noFill/>
               </a:ln>
@@ -6251,7 +6236,7 @@
               <a:tabLst/>
               <a:defRPr/>
             </a:pPr>
-            <a:endParaRPr kumimoji="0" lang="it-IT" sz="2400" b="0" i="0" u="none" strike="noStrike" kern="1200" cap="none" spc="0" normalizeH="0" baseline="0" noProof="0" dirty="0" smtClean="0">
+            <a:endParaRPr kumimoji="0" lang="it-IT" sz="2400" b="0" i="0" u="none" strike="noStrike" kern="1200" cap="none" spc="0" normalizeH="0" baseline="0" noProof="0" dirty="0">
               <a:ln>
                 <a:noFill/>
               </a:ln>
@@ -6357,7 +6342,7 @@
           <p:cNvPr id="3" name="Titolo 1">
             <a:extLst>
               <a:ext uri="{FF2B5EF4-FFF2-40B4-BE49-F238E27FC236}">
-                <a16:creationId xmlns="" xmlns:a16="http://schemas.microsoft.com/office/drawing/2014/main" id="{9E74EE39-EA32-4246-BC63-84D8E46682AC}"/>
+                <a16:creationId xmlns:a16="http://schemas.microsoft.com/office/drawing/2014/main" id="{9E74EE39-EA32-4246-BC63-84D8E46682AC}"/>
               </a:ext>
             </a:extLst>
           </p:cNvPr>
@@ -6405,7 +6390,7 @@
               <a:t>DATA UNDERSTANDING: </a:t>
             </a:r>
             <a:r>
-              <a:rPr lang="it-IT" sz="2400" dirty="0" smtClean="0">
+              <a:rPr lang="it-IT" sz="2400" dirty="0">
                 <a:solidFill>
                   <a:schemeClr val="bg1"/>
                 </a:solidFill>
@@ -6450,7 +6435,7 @@
           <p:cNvPr id="2" name="Titolo 1">
             <a:extLst>
               <a:ext uri="{FF2B5EF4-FFF2-40B4-BE49-F238E27FC236}">
-                <a16:creationId xmlns="" xmlns:a16="http://schemas.microsoft.com/office/drawing/2014/main" id="{9E74EE39-EA32-4246-BC63-84D8E46682AC}"/>
+                <a16:creationId xmlns:a16="http://schemas.microsoft.com/office/drawing/2014/main" id="{9E74EE39-EA32-4246-BC63-84D8E46682AC}"/>
               </a:ext>
             </a:extLst>
           </p:cNvPr>
@@ -6498,7 +6483,7 @@
               <a:t>DATA UNDERSTANDING: </a:t>
             </a:r>
             <a:r>
-              <a:rPr lang="it-IT" sz="2400" dirty="0" smtClean="0">
+              <a:rPr lang="it-IT" sz="2400" dirty="0">
                 <a:solidFill>
                   <a:schemeClr val="bg1"/>
                 </a:solidFill>
@@ -6547,8 +6532,8 @@
         </p:nvSpPr>
         <p:spPr>
           <a:xfrm>
-            <a:off x="142844" y="1295400"/>
-            <a:ext cx="1785950" cy="2308324"/>
+            <a:off x="107504" y="836712"/>
+            <a:ext cx="1785950" cy="5909310"/>
           </a:xfrm>
           <a:prstGeom prst="rect">
             <a:avLst/>
@@ -6562,16 +6547,33 @@
           <a:lstStyle/>
           <a:p>
             <a:r>
-              <a:rPr lang="it-IT" dirty="0" smtClean="0"/>
+              <a:rPr lang="it-IT" dirty="0"/>
               <a:t>Come misura di correlazione è stata scelta la correlazione di </a:t>
             </a:r>
             <a:r>
-              <a:rPr lang="it-IT" dirty="0" err="1" smtClean="0"/>
+              <a:rPr lang="it-IT" dirty="0" err="1"/>
               <a:t>Pearson</a:t>
             </a:r>
             <a:r>
-              <a:rPr lang="it-IT" dirty="0" smtClean="0"/>
+              <a:rPr lang="it-IT" dirty="0"/>
               <a:t>, ricercando quindi relazioni monotone.</a:t>
+            </a:r>
+          </a:p>
+          <a:p>
+            <a:endParaRPr lang="it-IT" dirty="0"/>
+          </a:p>
+          <a:p>
+            <a:r>
+              <a:rPr lang="it-IT" dirty="0"/>
+              <a:t>Si nota un accenno di trama in due punti, sintomo di similarità fra due «fasce» di studenti. Si cercherà di individuarle in seguito con le tecniche di </a:t>
+            </a:r>
+            <a:r>
+              <a:rPr lang="it-IT" dirty="0" err="1"/>
+              <a:t>clustering</a:t>
+            </a:r>
+            <a:r>
+              <a:rPr lang="it-IT" dirty="0"/>
+              <a:t>.</a:t>
             </a:r>
           </a:p>
         </p:txBody>
@@ -6609,17 +6611,15 @@
           </p:cNvPicPr>
           <p:nvPr/>
         </p:nvPicPr>
-        <p:blipFill>
+        <p:blipFill rotWithShape="1">
           <a:blip r:embed="rId2"/>
-          <a:srcRect l="8206" t="2756" r="12468" b="3924"/>
-          <a:stretch>
-            <a:fillRect/>
-          </a:stretch>
+          <a:srcRect l="8206" t="9877" r="12468" b="3924"/>
+          <a:stretch/>
         </p:blipFill>
         <p:spPr bwMode="auto">
           <a:xfrm>
-            <a:off x="1857356" y="835835"/>
-            <a:ext cx="6095606" cy="6022165"/>
+            <a:off x="2483768" y="812538"/>
+            <a:ext cx="6624736" cy="6045462"/>
           </a:xfrm>
           <a:prstGeom prst="rect">
             <a:avLst/>
@@ -6632,7 +6632,7 @@
           <p:cNvPr id="4" name="Titolo 1">
             <a:extLst>
               <a:ext uri="{FF2B5EF4-FFF2-40B4-BE49-F238E27FC236}">
-                <a16:creationId xmlns="" xmlns:a16="http://schemas.microsoft.com/office/drawing/2014/main" id="{9E74EE39-EA32-4246-BC63-84D8E46682AC}"/>
+                <a16:creationId xmlns:a16="http://schemas.microsoft.com/office/drawing/2014/main" id="{9E74EE39-EA32-4246-BC63-84D8E46682AC}"/>
               </a:ext>
             </a:extLst>
           </p:cNvPr>
@@ -6680,7 +6680,7 @@
               <a:t>DATA UNDERSTANDING: </a:t>
             </a:r>
             <a:r>
-              <a:rPr lang="it-IT" sz="2400" dirty="0" smtClean="0">
+              <a:rPr lang="it-IT" sz="2400" dirty="0">
                 <a:solidFill>
                   <a:schemeClr val="bg1"/>
                 </a:solidFill>
@@ -6692,6 +6692,67 @@
                 <a:schemeClr val="bg1"/>
               </a:solidFill>
             </a:endParaRPr>
+          </a:p>
+        </p:txBody>
+      </p:sp>
+      <p:sp>
+        <p:nvSpPr>
+          <p:cNvPr id="2" name="CasellaDiTesto 1">
+            <a:extLst>
+              <a:ext uri="{FF2B5EF4-FFF2-40B4-BE49-F238E27FC236}">
+                <a16:creationId xmlns:a16="http://schemas.microsoft.com/office/drawing/2014/main" id="{C6A91D90-B7CB-4D25-8EF0-BC7014B8AA3B}"/>
+              </a:ext>
+            </a:extLst>
+          </p:cNvPr>
+          <p:cNvSpPr txBox="1"/>
+          <p:nvPr/>
+        </p:nvSpPr>
+        <p:spPr>
+          <a:xfrm>
+            <a:off x="179512" y="1052736"/>
+            <a:ext cx="2304256" cy="4801314"/>
+          </a:xfrm>
+          <a:prstGeom prst="rect">
+            <a:avLst/>
+          </a:prstGeom>
+          <a:noFill/>
+        </p:spPr>
+        <p:txBody>
+          <a:bodyPr wrap="square" rtlCol="0">
+            <a:spAutoFit/>
+          </a:bodyPr>
+          <a:lstStyle/>
+          <a:p>
+            <a:r>
+              <a:rPr lang="it-IT" dirty="0"/>
+              <a:t>Si può evidenziare che i colori più «tiepidi» della deviazione standard per gli esami di </a:t>
+            </a:r>
+            <a:r>
+              <a:rPr lang="it-IT" i="1" dirty="0"/>
+              <a:t>‘Matematica Discreta e Logica’</a:t>
+            </a:r>
+            <a:r>
+              <a:rPr lang="it-IT" dirty="0"/>
+              <a:t> e </a:t>
+            </a:r>
+            <a:r>
+              <a:rPr lang="it-IT" i="1" dirty="0"/>
+              <a:t>‘Architetture degli Elaboratori’ </a:t>
+            </a:r>
+            <a:r>
+              <a:rPr lang="it-IT" dirty="0"/>
+              <a:t>stanno ad indicare una minore tendenza a discostarsi dal voto medio.</a:t>
+            </a:r>
+          </a:p>
+          <a:p>
+            <a:endParaRPr lang="it-IT" dirty="0"/>
+          </a:p>
+          <a:p>
+            <a:r>
+              <a:rPr lang="it-IT" dirty="0"/>
+              <a:t>Perché studenti di vari anni tendono a convergere verso lo stesso voto in quei due esami?</a:t>
+            </a:r>
+            <a:endParaRPr lang="en-US" dirty="0"/>
           </a:p>
         </p:txBody>
       </p:sp>
@@ -6722,10 +6783,251 @@
       </p:grpSpPr>
       <p:sp>
         <p:nvSpPr>
-          <p:cNvPr id="2" name="Titolo 1">
+          <p:cNvPr id="8" name="Segnaposto contenuto 2">
             <a:extLst>
               <a:ext uri="{FF2B5EF4-FFF2-40B4-BE49-F238E27FC236}">
-                <a16:creationId xmlns="" xmlns:a16="http://schemas.microsoft.com/office/drawing/2014/main" id="{866C4E33-318F-45C6-90C3-7F33D8AF9E45}"/>
+                <a16:creationId xmlns:a16="http://schemas.microsoft.com/office/drawing/2014/main" id="{C2E44FE5-CCA1-4E8F-905A-F2F5CDF25092}"/>
+              </a:ext>
+            </a:extLst>
+          </p:cNvPr>
+          <p:cNvSpPr>
+            <a:spLocks noGrp="1"/>
+          </p:cNvSpPr>
+          <p:nvPr>
+            <p:ph idx="1"/>
+          </p:nvPr>
+        </p:nvSpPr>
+        <p:spPr>
+          <a:xfrm>
+            <a:off x="457200" y="1700808"/>
+            <a:ext cx="8229600" cy="4114800"/>
+          </a:xfrm>
+        </p:spPr>
+        <p:txBody>
+          <a:bodyPr>
+            <a:normAutofit/>
+          </a:bodyPr>
+          <a:lstStyle/>
+          <a:p>
+            <a:pPr algn="just"/>
+            <a:r>
+              <a:rPr lang="it-IT" dirty="0"/>
+              <a:t>Dall’analisi visiva dei vari grafici prodotti non si è stati in grado di concludere molto di concreto. Eppure si ritiene possibile che qualche informazione interessante si possa nascondere dentro l’insieme di dati degli esami del primo anno; occorre </a:t>
+            </a:r>
+            <a:r>
+              <a:rPr lang="it-IT" dirty="0">
+                <a:solidFill>
+                  <a:srgbClr val="00B050"/>
+                </a:solidFill>
+              </a:rPr>
+              <a:t>scendere nel dettaglio</a:t>
+            </a:r>
+            <a:r>
+              <a:rPr lang="it-IT" dirty="0"/>
+              <a:t>.</a:t>
+            </a:r>
+          </a:p>
+          <a:p>
+            <a:pPr algn="just"/>
+            <a:r>
+              <a:rPr lang="it-IT" dirty="0"/>
+              <a:t>Si veda un sommario dei seguenti attributi:</a:t>
+            </a:r>
+          </a:p>
+          <a:p>
+            <a:endParaRPr lang="en-US" sz="2000" dirty="0"/>
+          </a:p>
+        </p:txBody>
+      </p:sp>
+      <p:sp>
+        <p:nvSpPr>
+          <p:cNvPr id="9" name="Segnaposto contenuto 2">
+            <a:extLst>
+              <a:ext uri="{FF2B5EF4-FFF2-40B4-BE49-F238E27FC236}">
+                <a16:creationId xmlns:a16="http://schemas.microsoft.com/office/drawing/2014/main" id="{89886170-B615-43F8-AA8E-D5565391C42A}"/>
+              </a:ext>
+            </a:extLst>
+          </p:cNvPr>
+          <p:cNvSpPr txBox="1">
+            <a:spLocks/>
+          </p:cNvSpPr>
+          <p:nvPr/>
+        </p:nvSpPr>
+        <p:spPr>
+          <a:xfrm>
+            <a:off x="457200" y="5029199"/>
+            <a:ext cx="8229600" cy="1074753"/>
+          </a:xfrm>
+          <a:prstGeom prst="rect">
+            <a:avLst/>
+          </a:prstGeom>
+        </p:spPr>
+        <p:txBody>
+          <a:bodyPr vert="horz" lIns="91440" tIns="45720" rIns="91440" bIns="45720" rtlCol="0">
+            <a:normAutofit/>
+          </a:bodyPr>
+          <a:lstStyle>
+            <a:lvl1pPr marL="257175" indent="-257175" algn="l" defTabSz="342900" rtl="0" eaLnBrk="1" latinLnBrk="0" hangingPunct="1">
+              <a:spcBef>
+                <a:spcPct val="20000"/>
+              </a:spcBef>
+              <a:buFont typeface="Arial"/>
+              <a:buChar char="•"/>
+              <a:defRPr sz="2400" kern="1200">
+                <a:solidFill>
+                  <a:schemeClr val="tx1"/>
+                </a:solidFill>
+                <a:latin typeface="+mn-lt"/>
+                <a:ea typeface="+mn-ea"/>
+                <a:cs typeface="+mn-cs"/>
+              </a:defRPr>
+            </a:lvl1pPr>
+            <a:lvl2pPr marL="557213" indent="-214313" algn="l" defTabSz="342900" rtl="0" eaLnBrk="1" latinLnBrk="0" hangingPunct="1">
+              <a:spcBef>
+                <a:spcPct val="20000"/>
+              </a:spcBef>
+              <a:buFont typeface="Arial"/>
+              <a:buChar char="–"/>
+              <a:defRPr sz="2100" kern="1200">
+                <a:solidFill>
+                  <a:schemeClr val="tx1"/>
+                </a:solidFill>
+                <a:latin typeface="+mn-lt"/>
+                <a:ea typeface="+mn-ea"/>
+                <a:cs typeface="+mn-cs"/>
+              </a:defRPr>
+            </a:lvl2pPr>
+            <a:lvl3pPr marL="857250" indent="-171450" algn="l" defTabSz="342900" rtl="0" eaLnBrk="1" latinLnBrk="0" hangingPunct="1">
+              <a:spcBef>
+                <a:spcPct val="20000"/>
+              </a:spcBef>
+              <a:buFont typeface="Arial"/>
+              <a:buChar char="•"/>
+              <a:defRPr sz="1800" kern="1200">
+                <a:solidFill>
+                  <a:schemeClr val="tx1"/>
+                </a:solidFill>
+                <a:latin typeface="+mn-lt"/>
+                <a:ea typeface="+mn-ea"/>
+                <a:cs typeface="+mn-cs"/>
+              </a:defRPr>
+            </a:lvl3pPr>
+            <a:lvl4pPr marL="1200150" indent="-171450" algn="l" defTabSz="342900" rtl="0" eaLnBrk="1" latinLnBrk="0" hangingPunct="1">
+              <a:spcBef>
+                <a:spcPct val="20000"/>
+              </a:spcBef>
+              <a:buFont typeface="Arial"/>
+              <a:buChar char="–"/>
+              <a:defRPr sz="1500" kern="1200">
+                <a:solidFill>
+                  <a:schemeClr val="tx1"/>
+                </a:solidFill>
+                <a:latin typeface="+mn-lt"/>
+                <a:ea typeface="+mn-ea"/>
+                <a:cs typeface="+mn-cs"/>
+              </a:defRPr>
+            </a:lvl4pPr>
+            <a:lvl5pPr marL="1543050" indent="-171450" algn="l" defTabSz="342900" rtl="0" eaLnBrk="1" latinLnBrk="0" hangingPunct="1">
+              <a:spcBef>
+                <a:spcPct val="20000"/>
+              </a:spcBef>
+              <a:buFont typeface="Arial"/>
+              <a:buChar char="»"/>
+              <a:defRPr sz="1500" kern="1200">
+                <a:solidFill>
+                  <a:schemeClr val="tx1"/>
+                </a:solidFill>
+                <a:latin typeface="+mn-lt"/>
+                <a:ea typeface="+mn-ea"/>
+                <a:cs typeface="+mn-cs"/>
+              </a:defRPr>
+            </a:lvl5pPr>
+            <a:lvl6pPr marL="1885950" indent="-171450" algn="l" defTabSz="342900" rtl="0" eaLnBrk="1" latinLnBrk="0" hangingPunct="1">
+              <a:spcBef>
+                <a:spcPct val="20000"/>
+              </a:spcBef>
+              <a:buFont typeface="Arial"/>
+              <a:buChar char="•"/>
+              <a:defRPr sz="1500" kern="1200">
+                <a:solidFill>
+                  <a:schemeClr val="tx1"/>
+                </a:solidFill>
+                <a:latin typeface="+mn-lt"/>
+                <a:ea typeface="+mn-ea"/>
+                <a:cs typeface="+mn-cs"/>
+              </a:defRPr>
+            </a:lvl6pPr>
+            <a:lvl7pPr marL="2228850" indent="-171450" algn="l" defTabSz="342900" rtl="0" eaLnBrk="1" latinLnBrk="0" hangingPunct="1">
+              <a:spcBef>
+                <a:spcPct val="20000"/>
+              </a:spcBef>
+              <a:buFont typeface="Arial"/>
+              <a:buChar char="•"/>
+              <a:defRPr sz="1500" kern="1200">
+                <a:solidFill>
+                  <a:schemeClr val="tx1"/>
+                </a:solidFill>
+                <a:latin typeface="+mn-lt"/>
+                <a:ea typeface="+mn-ea"/>
+                <a:cs typeface="+mn-cs"/>
+              </a:defRPr>
+            </a:lvl7pPr>
+            <a:lvl8pPr marL="2571750" indent="-171450" algn="l" defTabSz="342900" rtl="0" eaLnBrk="1" latinLnBrk="0" hangingPunct="1">
+              <a:spcBef>
+                <a:spcPct val="20000"/>
+              </a:spcBef>
+              <a:buFont typeface="Arial"/>
+              <a:buChar char="•"/>
+              <a:defRPr sz="1500" kern="1200">
+                <a:solidFill>
+                  <a:schemeClr val="tx1"/>
+                </a:solidFill>
+                <a:latin typeface="+mn-lt"/>
+                <a:ea typeface="+mn-ea"/>
+                <a:cs typeface="+mn-cs"/>
+              </a:defRPr>
+            </a:lvl8pPr>
+            <a:lvl9pPr marL="2914650" indent="-171450" algn="l" defTabSz="342900" rtl="0" eaLnBrk="1" latinLnBrk="0" hangingPunct="1">
+              <a:spcBef>
+                <a:spcPct val="20000"/>
+              </a:spcBef>
+              <a:buFont typeface="Arial"/>
+              <a:buChar char="•"/>
+              <a:defRPr sz="1500" kern="1200">
+                <a:solidFill>
+                  <a:schemeClr val="tx1"/>
+                </a:solidFill>
+                <a:latin typeface="+mn-lt"/>
+                <a:ea typeface="+mn-ea"/>
+                <a:cs typeface="+mn-cs"/>
+              </a:defRPr>
+            </a:lvl9pPr>
+          </a:lstStyle>
+          <a:p>
+            <a:pPr marL="0" indent="0" algn="just">
+              <a:buFont typeface="Arial"/>
+              <a:buNone/>
+            </a:pPr>
+            <a:endParaRPr lang="it-IT" dirty="0"/>
+          </a:p>
+          <a:p>
+            <a:pPr marL="0" indent="0" algn="just">
+              <a:buFont typeface="Arial"/>
+              <a:buNone/>
+            </a:pPr>
+            <a:endParaRPr lang="it-IT" dirty="0"/>
+          </a:p>
+          <a:p>
+            <a:endParaRPr lang="en-US" sz="2000" dirty="0"/>
+          </a:p>
+        </p:txBody>
+      </p:sp>
+      <p:sp>
+        <p:nvSpPr>
+          <p:cNvPr id="7" name="Titolo 1">
+            <a:extLst>
+              <a:ext uri="{FF2B5EF4-FFF2-40B4-BE49-F238E27FC236}">
+                <a16:creationId xmlns:a16="http://schemas.microsoft.com/office/drawing/2014/main" id="{588E765D-4A18-43EC-9070-BBB19613F406}"/>
               </a:ext>
             </a:extLst>
           </p:cNvPr>
@@ -6736,77 +7038,844 @@
             <p:ph type="title"/>
           </p:nvPr>
         </p:nvSpPr>
-        <p:spPr/>
+        <p:spPr>
+          <a:xfrm>
+            <a:off x="457200" y="692696"/>
+            <a:ext cx="8229600" cy="1143000"/>
+          </a:xfrm>
+        </p:spPr>
         <p:txBody>
-          <a:bodyPr/>
+          <a:bodyPr>
+            <a:noAutofit/>
+          </a:bodyPr>
           <a:lstStyle/>
           <a:p>
-            <a:endParaRPr lang="en-US"/>
+            <a:r>
+              <a:rPr lang="it-IT" sz="2700" dirty="0"/>
+              <a:t>CONSIDERAZIONI</a:t>
+            </a:r>
+            <a:endParaRPr lang="en-US" sz="2700" dirty="0"/>
           </a:p>
         </p:txBody>
       </p:sp>
       <p:sp>
         <p:nvSpPr>
-          <p:cNvPr id="3" name="Segnaposto contenuto 2">
+          <p:cNvPr id="6" name="Titolo 1">
             <a:extLst>
               <a:ext uri="{FF2B5EF4-FFF2-40B4-BE49-F238E27FC236}">
-                <a16:creationId xmlns="" xmlns:a16="http://schemas.microsoft.com/office/drawing/2014/main" id="{FE7ABC2F-9BF7-4B30-841B-5A6ECB846BB6}"/>
+                <a16:creationId xmlns:a16="http://schemas.microsoft.com/office/drawing/2014/main" id="{32602169-0966-4893-B032-33CFCD986CA0}"/>
+              </a:ext>
+            </a:extLst>
+          </p:cNvPr>
+          <p:cNvSpPr txBox="1">
+            <a:spLocks/>
+          </p:cNvSpPr>
+          <p:nvPr/>
+        </p:nvSpPr>
+        <p:spPr>
+          <a:xfrm>
+            <a:off x="1447800" y="152400"/>
+            <a:ext cx="8229600" cy="1143000"/>
+          </a:xfrm>
+          <a:prstGeom prst="rect">
+            <a:avLst/>
+          </a:prstGeom>
+        </p:spPr>
+        <p:txBody>
+          <a:bodyPr>
+            <a:noAutofit/>
+          </a:bodyPr>
+          <a:lstStyle>
+            <a:lvl1pPr algn="ctr" defTabSz="342900" rtl="0" eaLnBrk="1" latinLnBrk="0" hangingPunct="1">
+              <a:spcBef>
+                <a:spcPct val="0"/>
+              </a:spcBef>
+              <a:buNone/>
+              <a:defRPr sz="3300" kern="1200">
+                <a:solidFill>
+                  <a:schemeClr val="tx1"/>
+                </a:solidFill>
+                <a:latin typeface="+mj-lt"/>
+                <a:ea typeface="+mj-ea"/>
+                <a:cs typeface="+mj-cs"/>
+              </a:defRPr>
+            </a:lvl1pPr>
+          </a:lstStyle>
+          <a:p>
+            <a:r>
+              <a:rPr lang="it-IT" sz="2400" b="1" dirty="0">
+                <a:solidFill>
+                  <a:schemeClr val="bg1"/>
+                </a:solidFill>
+              </a:rPr>
+              <a:t>DATA UNDERSTANDING: </a:t>
+            </a:r>
+            <a:r>
+              <a:rPr lang="it-IT" sz="2400" dirty="0">
+                <a:solidFill>
+                  <a:schemeClr val="bg1"/>
+                </a:solidFill>
+              </a:rPr>
+              <a:t>ESAMI DEL PRIMO ANNO</a:t>
+            </a:r>
+            <a:endParaRPr lang="en-US" sz="2400" dirty="0">
+              <a:solidFill>
+                <a:schemeClr val="bg1"/>
+              </a:solidFill>
+            </a:endParaRPr>
+          </a:p>
+        </p:txBody>
+      </p:sp>
+      <p:pic>
+        <p:nvPicPr>
+          <p:cNvPr id="1029" name="Immagine 1">
+            <a:extLst>
+              <a:ext uri="{FF2B5EF4-FFF2-40B4-BE49-F238E27FC236}">
+                <a16:creationId xmlns:a16="http://schemas.microsoft.com/office/drawing/2014/main" id="{FF70ADEF-A2E9-4C5E-8EBB-4FBF208344FE}"/>
+              </a:ext>
+            </a:extLst>
+          </p:cNvPr>
+          <p:cNvPicPr>
+            <a:picLocks noChangeAspect="1" noChangeArrowheads="1"/>
+          </p:cNvPicPr>
+          <p:nvPr/>
+        </p:nvPicPr>
+        <p:blipFill>
+          <a:blip r:embed="rId2">
+            <a:extLst>
+              <a:ext uri="{28A0092B-C50C-407E-A947-70E740481C1C}">
+                <a14:useLocalDpi xmlns:a14="http://schemas.microsoft.com/office/drawing/2010/main" val="0"/>
+              </a:ext>
+            </a:extLst>
+          </a:blip>
+          <a:srcRect l="7503" r="4819"/>
+          <a:stretch>
+            <a:fillRect/>
+          </a:stretch>
+        </p:blipFill>
+        <p:spPr bwMode="auto">
+          <a:xfrm>
+            <a:off x="1043608" y="4185450"/>
+            <a:ext cx="1368137" cy="1612844"/>
+          </a:xfrm>
+          <a:prstGeom prst="rect">
+            <a:avLst/>
+          </a:prstGeom>
+          <a:noFill/>
+          <a:extLst>
+            <a:ext uri="{909E8E84-426E-40DD-AFC4-6F175D3DCCD1}">
+              <a14:hiddenFill xmlns:a14="http://schemas.microsoft.com/office/drawing/2010/main">
+                <a:solidFill>
+                  <a:srgbClr val="FFFFFF"/>
+                </a:solidFill>
+              </a14:hiddenFill>
+            </a:ext>
+          </a:extLst>
+        </p:spPr>
+      </p:pic>
+      <p:pic>
+        <p:nvPicPr>
+          <p:cNvPr id="1028" name="Immagine 2">
+            <a:extLst>
+              <a:ext uri="{FF2B5EF4-FFF2-40B4-BE49-F238E27FC236}">
+                <a16:creationId xmlns:a16="http://schemas.microsoft.com/office/drawing/2014/main" id="{ABB1ACCA-6BB7-4698-9D8F-83EBBEEBB439}"/>
+              </a:ext>
+            </a:extLst>
+          </p:cNvPr>
+          <p:cNvPicPr>
+            <a:picLocks noChangeAspect="1" noChangeArrowheads="1"/>
+          </p:cNvPicPr>
+          <p:nvPr/>
+        </p:nvPicPr>
+        <p:blipFill>
+          <a:blip r:embed="rId3">
+            <a:extLst>
+              <a:ext uri="{28A0092B-C50C-407E-A947-70E740481C1C}">
+                <a14:useLocalDpi xmlns:a14="http://schemas.microsoft.com/office/drawing/2010/main" val="0"/>
+              </a:ext>
+            </a:extLst>
+          </a:blip>
+          <a:srcRect t="2184" b="-2"/>
+          <a:stretch>
+            <a:fillRect/>
+          </a:stretch>
+        </p:blipFill>
+        <p:spPr bwMode="auto">
+          <a:xfrm>
+            <a:off x="2483768" y="4185450"/>
+            <a:ext cx="1368137" cy="1612844"/>
+          </a:xfrm>
+          <a:prstGeom prst="rect">
+            <a:avLst/>
+          </a:prstGeom>
+          <a:noFill/>
+          <a:extLst>
+            <a:ext uri="{909E8E84-426E-40DD-AFC4-6F175D3DCCD1}">
+              <a14:hiddenFill xmlns:a14="http://schemas.microsoft.com/office/drawing/2010/main">
+                <a:solidFill>
+                  <a:srgbClr val="FFFFFF"/>
+                </a:solidFill>
+              </a14:hiddenFill>
+            </a:ext>
+          </a:extLst>
+        </p:spPr>
+      </p:pic>
+      <p:pic>
+        <p:nvPicPr>
+          <p:cNvPr id="1027" name="Immagine 3">
+            <a:extLst>
+              <a:ext uri="{FF2B5EF4-FFF2-40B4-BE49-F238E27FC236}">
+                <a16:creationId xmlns:a16="http://schemas.microsoft.com/office/drawing/2014/main" id="{F26E6F2B-58E7-47FC-929F-0A5F434D487F}"/>
+              </a:ext>
+            </a:extLst>
+          </p:cNvPr>
+          <p:cNvPicPr>
+            <a:picLocks noChangeAspect="1" noChangeArrowheads="1"/>
+          </p:cNvPicPr>
+          <p:nvPr/>
+        </p:nvPicPr>
+        <p:blipFill>
+          <a:blip r:embed="rId4">
+            <a:extLst>
+              <a:ext uri="{28A0092B-C50C-407E-A947-70E740481C1C}">
+                <a14:useLocalDpi xmlns:a14="http://schemas.microsoft.com/office/drawing/2010/main" val="0"/>
+              </a:ext>
+            </a:extLst>
+          </a:blip>
+          <a:srcRect/>
+          <a:stretch>
+            <a:fillRect/>
+          </a:stretch>
+        </p:blipFill>
+        <p:spPr bwMode="auto">
+          <a:xfrm>
+            <a:off x="3923928" y="4185450"/>
+            <a:ext cx="1345891" cy="1612844"/>
+          </a:xfrm>
+          <a:prstGeom prst="rect">
+            <a:avLst/>
+          </a:prstGeom>
+          <a:noFill/>
+          <a:extLst>
+            <a:ext uri="{909E8E84-426E-40DD-AFC4-6F175D3DCCD1}">
+              <a14:hiddenFill xmlns:a14="http://schemas.microsoft.com/office/drawing/2010/main">
+                <a:solidFill>
+                  <a:srgbClr val="FFFFFF"/>
+                </a:solidFill>
+              </a14:hiddenFill>
+            </a:ext>
+          </a:extLst>
+        </p:spPr>
+      </p:pic>
+      <p:pic>
+        <p:nvPicPr>
+          <p:cNvPr id="1026" name="Immagine 4">
+            <a:extLst>
+              <a:ext uri="{FF2B5EF4-FFF2-40B4-BE49-F238E27FC236}">
+                <a16:creationId xmlns:a16="http://schemas.microsoft.com/office/drawing/2014/main" id="{B209195C-077D-4451-AEBF-025EFF64395E}"/>
+              </a:ext>
+            </a:extLst>
+          </p:cNvPr>
+          <p:cNvPicPr>
+            <a:picLocks noChangeAspect="1" noChangeArrowheads="1"/>
+          </p:cNvPicPr>
+          <p:nvPr/>
+        </p:nvPicPr>
+        <p:blipFill>
+          <a:blip r:embed="rId5">
+            <a:extLst>
+              <a:ext uri="{28A0092B-C50C-407E-A947-70E740481C1C}">
+                <a14:useLocalDpi xmlns:a14="http://schemas.microsoft.com/office/drawing/2010/main" val="0"/>
+              </a:ext>
+            </a:extLst>
+          </a:blip>
+          <a:srcRect/>
+          <a:stretch>
+            <a:fillRect/>
+          </a:stretch>
+        </p:blipFill>
+        <p:spPr bwMode="auto">
+          <a:xfrm>
+            <a:off x="5331175" y="4185451"/>
+            <a:ext cx="1404381" cy="1612844"/>
+          </a:xfrm>
+          <a:prstGeom prst="rect">
+            <a:avLst/>
+          </a:prstGeom>
+          <a:noFill/>
+          <a:extLst>
+            <a:ext uri="{909E8E84-426E-40DD-AFC4-6F175D3DCCD1}">
+              <a14:hiddenFill xmlns:a14="http://schemas.microsoft.com/office/drawing/2010/main">
+                <a:solidFill>
+                  <a:srgbClr val="FFFFFF"/>
+                </a:solidFill>
+              </a14:hiddenFill>
+            </a:ext>
+          </a:extLst>
+        </p:spPr>
+      </p:pic>
+      <p:pic>
+        <p:nvPicPr>
+          <p:cNvPr id="1025" name="Immagine 5">
+            <a:extLst>
+              <a:ext uri="{FF2B5EF4-FFF2-40B4-BE49-F238E27FC236}">
+                <a16:creationId xmlns:a16="http://schemas.microsoft.com/office/drawing/2014/main" id="{0BE8FA7A-9877-4E8C-AD1E-B6DB161AD2FC}"/>
+              </a:ext>
+            </a:extLst>
+          </p:cNvPr>
+          <p:cNvPicPr>
+            <a:picLocks noChangeAspect="1" noChangeArrowheads="1"/>
+          </p:cNvPicPr>
+          <p:nvPr/>
+        </p:nvPicPr>
+        <p:blipFill>
+          <a:blip r:embed="rId6">
+            <a:extLst>
+              <a:ext uri="{28A0092B-C50C-407E-A947-70E740481C1C}">
+                <a14:useLocalDpi xmlns:a14="http://schemas.microsoft.com/office/drawing/2010/main" val="0"/>
+              </a:ext>
+            </a:extLst>
+          </a:blip>
+          <a:srcRect/>
+          <a:stretch>
+            <a:fillRect/>
+          </a:stretch>
+        </p:blipFill>
+        <p:spPr bwMode="auto">
+          <a:xfrm>
+            <a:off x="6804248" y="4189259"/>
+            <a:ext cx="1329056" cy="1601404"/>
+          </a:xfrm>
+          <a:prstGeom prst="rect">
+            <a:avLst/>
+          </a:prstGeom>
+          <a:noFill/>
+          <a:extLst>
+            <a:ext uri="{909E8E84-426E-40DD-AFC4-6F175D3DCCD1}">
+              <a14:hiddenFill xmlns:a14="http://schemas.microsoft.com/office/drawing/2010/main">
+                <a:solidFill>
+                  <a:srgbClr val="FFFFFF"/>
+                </a:solidFill>
+              </a14:hiddenFill>
+            </a:ext>
+          </a:extLst>
+        </p:spPr>
+      </p:pic>
+      <p:sp>
+        <p:nvSpPr>
+          <p:cNvPr id="2" name="Rectangle 6">
+            <a:extLst>
+              <a:ext uri="{FF2B5EF4-FFF2-40B4-BE49-F238E27FC236}">
+                <a16:creationId xmlns:a16="http://schemas.microsoft.com/office/drawing/2014/main" id="{FC5724C9-24A0-4B40-9A3A-FE717EF7AA55}"/>
               </a:ext>
             </a:extLst>
           </p:cNvPr>
           <p:cNvSpPr>
-            <a:spLocks noGrp="1"/>
+            <a:spLocks noChangeArrowheads="1"/>
           </p:cNvSpPr>
-          <p:nvPr>
-            <p:ph idx="1"/>
-          </p:nvPr>
+          <p:nvPr/>
         </p:nvSpPr>
-        <p:spPr/>
+        <p:spPr bwMode="auto">
+          <a:xfrm>
+            <a:off x="0" y="0"/>
+            <a:ext cx="9144000" cy="457200"/>
+          </a:xfrm>
+          <a:prstGeom prst="rect">
+            <a:avLst/>
+          </a:prstGeom>
+          <a:noFill/>
+          <a:ln>
+            <a:noFill/>
+          </a:ln>
+          <a:effectLst/>
+          <a:extLst>
+            <a:ext uri="{909E8E84-426E-40DD-AFC4-6F175D3DCCD1}">
+              <a14:hiddenFill xmlns:a14="http://schemas.microsoft.com/office/drawing/2010/main">
+                <a:solidFill>
+                  <a:schemeClr val="accent1"/>
+                </a:solidFill>
+              </a14:hiddenFill>
+            </a:ext>
+            <a:ext uri="{91240B29-F687-4F45-9708-019B960494DF}">
+              <a14:hiddenLine xmlns:a14="http://schemas.microsoft.com/office/drawing/2010/main" w="9525">
+                <a:solidFill>
+                  <a:schemeClr val="tx1"/>
+                </a:solidFill>
+                <a:miter lim="800000"/>
+                <a:headEnd/>
+                <a:tailEnd/>
+              </a14:hiddenLine>
+            </a:ext>
+            <a:ext uri="{AF507438-7753-43E0-B8FC-AC1667EBCBE1}">
+              <a14:hiddenEffects xmlns:a14="http://schemas.microsoft.com/office/drawing/2010/main">
+                <a:effectLst>
+                  <a:outerShdw dist="35921" dir="2700000" algn="ctr" rotWithShape="0">
+                    <a:schemeClr val="bg2"/>
+                  </a:outerShdw>
+                </a:effectLst>
+              </a14:hiddenEffects>
+            </a:ext>
+          </a:extLst>
+        </p:spPr>
         <p:txBody>
-          <a:bodyPr/>
+          <a:bodyPr vert="horz" wrap="none" lIns="91440" tIns="45720" rIns="91440" bIns="45720" numCol="1" anchor="ctr" anchorCtr="0" compatLnSpc="1">
+            <a:prstTxWarp prst="textNoShape">
+              <a:avLst/>
+            </a:prstTxWarp>
+            <a:spAutoFit/>
+          </a:bodyPr>
           <a:lstStyle/>
           <a:p>
-            <a:r>
-              <a:rPr lang="it-IT" dirty="0" err="1"/>
-              <a:t>Pearson</a:t>
-            </a:r>
-            <a:r>
-              <a:rPr lang="it-IT" dirty="0"/>
+            <a:endParaRPr lang="en-US"/>
+          </a:p>
+        </p:txBody>
+      </p:sp>
+      <p:sp>
+        <p:nvSpPr>
+          <p:cNvPr id="3" name="Rectangle 7">
+            <a:extLst>
+              <a:ext uri="{FF2B5EF4-FFF2-40B4-BE49-F238E27FC236}">
+                <a16:creationId xmlns:a16="http://schemas.microsoft.com/office/drawing/2014/main" id="{C08042F5-96DB-4FE6-B699-C1DFAB71C0C5}"/>
+              </a:ext>
+            </a:extLst>
+          </p:cNvPr>
+          <p:cNvSpPr>
+            <a:spLocks noChangeArrowheads="1"/>
+          </p:cNvSpPr>
+          <p:nvPr/>
+        </p:nvSpPr>
+        <p:spPr bwMode="auto">
+          <a:xfrm>
+            <a:off x="0" y="1838325"/>
+            <a:ext cx="9144000" cy="0"/>
+          </a:xfrm>
+          <a:prstGeom prst="rect">
+            <a:avLst/>
+          </a:prstGeom>
+          <a:noFill/>
+          <a:ln>
+            <a:noFill/>
+          </a:ln>
+          <a:effectLst/>
+          <a:extLst>
+            <a:ext uri="{909E8E84-426E-40DD-AFC4-6F175D3DCCD1}">
+              <a14:hiddenFill xmlns:a14="http://schemas.microsoft.com/office/drawing/2010/main">
+                <a:solidFill>
+                  <a:schemeClr val="accent1"/>
+                </a:solidFill>
+              </a14:hiddenFill>
+            </a:ext>
+            <a:ext uri="{91240B29-F687-4F45-9708-019B960494DF}">
+              <a14:hiddenLine xmlns:a14="http://schemas.microsoft.com/office/drawing/2010/main" w="9525">
+                <a:solidFill>
+                  <a:schemeClr val="tx1"/>
+                </a:solidFill>
+                <a:miter lim="800000"/>
+                <a:headEnd/>
+                <a:tailEnd/>
+              </a14:hiddenLine>
+            </a:ext>
+            <a:ext uri="{AF507438-7753-43E0-B8FC-AC1667EBCBE1}">
+              <a14:hiddenEffects xmlns:a14="http://schemas.microsoft.com/office/drawing/2010/main">
+                <a:effectLst>
+                  <a:outerShdw dist="35921" dir="2700000" algn="ctr" rotWithShape="0">
+                    <a:schemeClr val="bg2"/>
+                  </a:outerShdw>
+                </a:effectLst>
+              </a14:hiddenEffects>
+            </a:ext>
+          </a:extLst>
+        </p:spPr>
+        <p:txBody>
+          <a:bodyPr vert="horz" wrap="none" lIns="91440" tIns="45720" rIns="91440" bIns="45720" numCol="1" anchor="ctr" anchorCtr="0" compatLnSpc="1">
+            <a:prstTxWarp prst="textNoShape">
+              <a:avLst/>
+            </a:prstTxWarp>
+            <a:spAutoFit/>
+          </a:bodyPr>
+          <a:lstStyle/>
+          <a:p>
+            <a:pPr marL="0" marR="0" lvl="0" indent="0" algn="l" defTabSz="914400" rtl="0" eaLnBrk="0" fontAlgn="base" latinLnBrk="0" hangingPunct="0">
+              <a:lnSpc>
+                <a:spcPct val="100000"/>
+              </a:lnSpc>
+              <a:spcBef>
+                <a:spcPct val="0"/>
+              </a:spcBef>
+              <a:spcAft>
+                <a:spcPct val="0"/>
+              </a:spcAft>
+              <a:buClrTx/>
+              <a:buSzTx/>
+              <a:buFontTx/>
+              <a:buNone/>
+              <a:tabLst/>
+            </a:pPr>
+            <a:r>
+              <a:rPr kumimoji="0" lang="it-IT" altLang="en-US" sz="1100" b="0" i="0" u="none" strike="noStrike" cap="none" normalizeH="0" baseline="0">
+                <a:ln>
+                  <a:noFill/>
+                </a:ln>
+                <a:solidFill>
+                  <a:schemeClr val="tx1"/>
+                </a:solidFill>
+                <a:effectLst/>
+                <a:latin typeface="Calibri" panose="020F0502020204030204" pitchFamily="34" charset="0"/>
+                <a:ea typeface="Times New Roman" panose="02020603050405020304" pitchFamily="18" charset="0"/>
+                <a:cs typeface="Times New Roman" panose="02020603050405020304" pitchFamily="18" charset="0"/>
+              </a:rPr>
               <a:t> </a:t>
             </a:r>
-            <a:r>
-              <a:rPr lang="it-IT" dirty="0" err="1"/>
-              <a:t>correlation</a:t>
-            </a:r>
-            <a:r>
-              <a:rPr lang="it-IT" dirty="0"/>
-              <a:t> analizza le </a:t>
-            </a:r>
-            <a:r>
-              <a:rPr lang="it-IT"/>
-              <a:t>relazioni monotone</a:t>
-            </a:r>
-            <a:endParaRPr lang="en-US"/>
+            <a:endParaRPr kumimoji="0" lang="it-IT" altLang="en-US" sz="1800" b="0" i="0" u="none" strike="noStrike" cap="none" normalizeH="0" baseline="0">
+              <a:ln>
+                <a:noFill/>
+              </a:ln>
+              <a:solidFill>
+                <a:schemeClr val="tx1"/>
+              </a:solidFill>
+              <a:effectLst/>
+              <a:latin typeface="Arial" panose="020B0604020202020204" pitchFamily="34" charset="0"/>
+            </a:endParaRPr>
+          </a:p>
+        </p:txBody>
+      </p:sp>
+      <p:sp>
+        <p:nvSpPr>
+          <p:cNvPr id="4" name="Rectangle 8">
+            <a:extLst>
+              <a:ext uri="{FF2B5EF4-FFF2-40B4-BE49-F238E27FC236}">
+                <a16:creationId xmlns:a16="http://schemas.microsoft.com/office/drawing/2014/main" id="{E0CBE371-8058-4503-A250-42442AAE21EC}"/>
+              </a:ext>
+            </a:extLst>
+          </p:cNvPr>
+          <p:cNvSpPr>
+            <a:spLocks noChangeArrowheads="1"/>
+          </p:cNvSpPr>
+          <p:nvPr/>
+        </p:nvSpPr>
+        <p:spPr bwMode="auto">
+          <a:xfrm>
+            <a:off x="0" y="3219450"/>
+            <a:ext cx="9144000" cy="0"/>
+          </a:xfrm>
+          <a:prstGeom prst="rect">
+            <a:avLst/>
+          </a:prstGeom>
+          <a:noFill/>
+          <a:ln>
+            <a:noFill/>
+          </a:ln>
+          <a:effectLst/>
+          <a:extLst>
+            <a:ext uri="{909E8E84-426E-40DD-AFC4-6F175D3DCCD1}">
+              <a14:hiddenFill xmlns:a14="http://schemas.microsoft.com/office/drawing/2010/main">
+                <a:solidFill>
+                  <a:schemeClr val="accent1"/>
+                </a:solidFill>
+              </a14:hiddenFill>
+            </a:ext>
+            <a:ext uri="{91240B29-F687-4F45-9708-019B960494DF}">
+              <a14:hiddenLine xmlns:a14="http://schemas.microsoft.com/office/drawing/2010/main" w="9525">
+                <a:solidFill>
+                  <a:schemeClr val="tx1"/>
+                </a:solidFill>
+                <a:miter lim="800000"/>
+                <a:headEnd/>
+                <a:tailEnd/>
+              </a14:hiddenLine>
+            </a:ext>
+            <a:ext uri="{AF507438-7753-43E0-B8FC-AC1667EBCBE1}">
+              <a14:hiddenEffects xmlns:a14="http://schemas.microsoft.com/office/drawing/2010/main">
+                <a:effectLst>
+                  <a:outerShdw dist="35921" dir="2700000" algn="ctr" rotWithShape="0">
+                    <a:schemeClr val="bg2"/>
+                  </a:outerShdw>
+                </a:effectLst>
+              </a14:hiddenEffects>
+            </a:ext>
+          </a:extLst>
+        </p:spPr>
+        <p:txBody>
+          <a:bodyPr vert="horz" wrap="none" lIns="91440" tIns="45720" rIns="91440" bIns="45720" numCol="1" anchor="ctr" anchorCtr="0" compatLnSpc="1">
+            <a:prstTxWarp prst="textNoShape">
+              <a:avLst/>
+            </a:prstTxWarp>
+            <a:spAutoFit/>
+          </a:bodyPr>
+          <a:lstStyle/>
+          <a:p>
+            <a:pPr marL="0" marR="0" lvl="0" indent="0" algn="l" defTabSz="914400" rtl="0" eaLnBrk="0" fontAlgn="base" latinLnBrk="0" hangingPunct="0">
+              <a:lnSpc>
+                <a:spcPct val="100000"/>
+              </a:lnSpc>
+              <a:spcBef>
+                <a:spcPct val="0"/>
+              </a:spcBef>
+              <a:spcAft>
+                <a:spcPct val="0"/>
+              </a:spcAft>
+              <a:buClrTx/>
+              <a:buSzTx/>
+              <a:buFontTx/>
+              <a:buNone/>
+              <a:tabLst/>
+            </a:pPr>
+            <a:r>
+              <a:rPr kumimoji="0" lang="it-IT" altLang="en-US" sz="1100" b="0" i="0" u="none" strike="noStrike" cap="none" normalizeH="0" baseline="0">
+                <a:ln>
+                  <a:noFill/>
+                </a:ln>
+                <a:solidFill>
+                  <a:schemeClr val="tx1"/>
+                </a:solidFill>
+                <a:effectLst/>
+                <a:latin typeface="Calibri" panose="020F0502020204030204" pitchFamily="34" charset="0"/>
+                <a:ea typeface="Times New Roman" panose="02020603050405020304" pitchFamily="18" charset="0"/>
+                <a:cs typeface="Times New Roman" panose="02020603050405020304" pitchFamily="18" charset="0"/>
+              </a:rPr>
+              <a:t> </a:t>
+            </a:r>
+            <a:endParaRPr kumimoji="0" lang="it-IT" altLang="en-US" sz="1800" b="0" i="0" u="none" strike="noStrike" cap="none" normalizeH="0" baseline="0">
+              <a:ln>
+                <a:noFill/>
+              </a:ln>
+              <a:solidFill>
+                <a:schemeClr val="tx1"/>
+              </a:solidFill>
+              <a:effectLst/>
+              <a:latin typeface="Arial" panose="020B0604020202020204" pitchFamily="34" charset="0"/>
+            </a:endParaRPr>
+          </a:p>
+        </p:txBody>
+      </p:sp>
+      <p:sp>
+        <p:nvSpPr>
+          <p:cNvPr id="10" name="Rectangle 9">
+            <a:extLst>
+              <a:ext uri="{FF2B5EF4-FFF2-40B4-BE49-F238E27FC236}">
+                <a16:creationId xmlns:a16="http://schemas.microsoft.com/office/drawing/2014/main" id="{99468FB6-6461-4A91-9E0B-2B3FC25F715E}"/>
+              </a:ext>
+            </a:extLst>
+          </p:cNvPr>
+          <p:cNvSpPr>
+            <a:spLocks noChangeArrowheads="1"/>
+          </p:cNvSpPr>
+          <p:nvPr/>
+        </p:nvSpPr>
+        <p:spPr bwMode="auto">
+          <a:xfrm>
+            <a:off x="0" y="4600575"/>
+            <a:ext cx="9144000" cy="0"/>
+          </a:xfrm>
+          <a:prstGeom prst="rect">
+            <a:avLst/>
+          </a:prstGeom>
+          <a:noFill/>
+          <a:ln>
+            <a:noFill/>
+          </a:ln>
+          <a:effectLst/>
+          <a:extLst>
+            <a:ext uri="{909E8E84-426E-40DD-AFC4-6F175D3DCCD1}">
+              <a14:hiddenFill xmlns:a14="http://schemas.microsoft.com/office/drawing/2010/main">
+                <a:solidFill>
+                  <a:schemeClr val="accent1"/>
+                </a:solidFill>
+              </a14:hiddenFill>
+            </a:ext>
+            <a:ext uri="{91240B29-F687-4F45-9708-019B960494DF}">
+              <a14:hiddenLine xmlns:a14="http://schemas.microsoft.com/office/drawing/2010/main" w="9525">
+                <a:solidFill>
+                  <a:schemeClr val="tx1"/>
+                </a:solidFill>
+                <a:miter lim="800000"/>
+                <a:headEnd/>
+                <a:tailEnd/>
+              </a14:hiddenLine>
+            </a:ext>
+            <a:ext uri="{AF507438-7753-43E0-B8FC-AC1667EBCBE1}">
+              <a14:hiddenEffects xmlns:a14="http://schemas.microsoft.com/office/drawing/2010/main">
+                <a:effectLst>
+                  <a:outerShdw dist="35921" dir="2700000" algn="ctr" rotWithShape="0">
+                    <a:schemeClr val="bg2"/>
+                  </a:outerShdw>
+                </a:effectLst>
+              </a14:hiddenEffects>
+            </a:ext>
+          </a:extLst>
+        </p:spPr>
+        <p:txBody>
+          <a:bodyPr vert="horz" wrap="none" lIns="91440" tIns="45720" rIns="91440" bIns="45720" numCol="1" anchor="ctr" anchorCtr="0" compatLnSpc="1">
+            <a:prstTxWarp prst="textNoShape">
+              <a:avLst/>
+            </a:prstTxWarp>
+            <a:spAutoFit/>
+          </a:bodyPr>
+          <a:lstStyle/>
+          <a:p>
+            <a:pPr marL="0" marR="0" lvl="0" indent="0" algn="l" defTabSz="914400" rtl="0" eaLnBrk="0" fontAlgn="base" latinLnBrk="0" hangingPunct="0">
+              <a:lnSpc>
+                <a:spcPct val="100000"/>
+              </a:lnSpc>
+              <a:spcBef>
+                <a:spcPct val="0"/>
+              </a:spcBef>
+              <a:spcAft>
+                <a:spcPct val="0"/>
+              </a:spcAft>
+              <a:buClrTx/>
+              <a:buSzTx/>
+              <a:buFontTx/>
+              <a:buNone/>
+              <a:tabLst/>
+            </a:pPr>
+            <a:r>
+              <a:rPr kumimoji="0" lang="it-IT" altLang="en-US" sz="1100" b="0" i="0" u="none" strike="noStrike" cap="none" normalizeH="0" baseline="0">
+                <a:ln>
+                  <a:noFill/>
+                </a:ln>
+                <a:solidFill>
+                  <a:schemeClr val="tx1"/>
+                </a:solidFill>
+                <a:effectLst/>
+                <a:latin typeface="Calibri" panose="020F0502020204030204" pitchFamily="34" charset="0"/>
+                <a:ea typeface="Times New Roman" panose="02020603050405020304" pitchFamily="18" charset="0"/>
+                <a:cs typeface="Times New Roman" panose="02020603050405020304" pitchFamily="18" charset="0"/>
+              </a:rPr>
+              <a:t> </a:t>
+            </a:r>
+            <a:endParaRPr kumimoji="0" lang="it-IT" altLang="en-US" sz="1800" b="0" i="0" u="none" strike="noStrike" cap="none" normalizeH="0" baseline="0">
+              <a:ln>
+                <a:noFill/>
+              </a:ln>
+              <a:solidFill>
+                <a:schemeClr val="tx1"/>
+              </a:solidFill>
+              <a:effectLst/>
+              <a:latin typeface="Arial" panose="020B0604020202020204" pitchFamily="34" charset="0"/>
+            </a:endParaRPr>
+          </a:p>
+        </p:txBody>
+      </p:sp>
+      <p:sp>
+        <p:nvSpPr>
+          <p:cNvPr id="11" name="Rectangle 10">
+            <a:extLst>
+              <a:ext uri="{FF2B5EF4-FFF2-40B4-BE49-F238E27FC236}">
+                <a16:creationId xmlns:a16="http://schemas.microsoft.com/office/drawing/2014/main" id="{E4D9815E-FC57-48D4-9710-C34FDAE236EF}"/>
+              </a:ext>
+            </a:extLst>
+          </p:cNvPr>
+          <p:cNvSpPr>
+            <a:spLocks noChangeArrowheads="1"/>
+          </p:cNvSpPr>
+          <p:nvPr/>
+        </p:nvSpPr>
+        <p:spPr bwMode="auto">
+          <a:xfrm>
+            <a:off x="0" y="6000750"/>
+            <a:ext cx="9144000" cy="0"/>
+          </a:xfrm>
+          <a:prstGeom prst="rect">
+            <a:avLst/>
+          </a:prstGeom>
+          <a:noFill/>
+          <a:ln>
+            <a:noFill/>
+          </a:ln>
+          <a:effectLst/>
+          <a:extLst>
+            <a:ext uri="{909E8E84-426E-40DD-AFC4-6F175D3DCCD1}">
+              <a14:hiddenFill xmlns:a14="http://schemas.microsoft.com/office/drawing/2010/main">
+                <a:solidFill>
+                  <a:schemeClr val="accent1"/>
+                </a:solidFill>
+              </a14:hiddenFill>
+            </a:ext>
+            <a:ext uri="{91240B29-F687-4F45-9708-019B960494DF}">
+              <a14:hiddenLine xmlns:a14="http://schemas.microsoft.com/office/drawing/2010/main" w="9525">
+                <a:solidFill>
+                  <a:schemeClr val="tx1"/>
+                </a:solidFill>
+                <a:miter lim="800000"/>
+                <a:headEnd/>
+                <a:tailEnd/>
+              </a14:hiddenLine>
+            </a:ext>
+            <a:ext uri="{AF507438-7753-43E0-B8FC-AC1667EBCBE1}">
+              <a14:hiddenEffects xmlns:a14="http://schemas.microsoft.com/office/drawing/2010/main">
+                <a:effectLst>
+                  <a:outerShdw dist="35921" dir="2700000" algn="ctr" rotWithShape="0">
+                    <a:schemeClr val="bg2"/>
+                  </a:outerShdw>
+                </a:effectLst>
+              </a14:hiddenEffects>
+            </a:ext>
+          </a:extLst>
+        </p:spPr>
+        <p:txBody>
+          <a:bodyPr vert="horz" wrap="none" lIns="91440" tIns="45720" rIns="91440" bIns="45720" numCol="1" anchor="ctr" anchorCtr="0" compatLnSpc="1">
+            <a:prstTxWarp prst="textNoShape">
+              <a:avLst/>
+            </a:prstTxWarp>
+            <a:spAutoFit/>
+          </a:bodyPr>
+          <a:lstStyle/>
+          <a:p>
+            <a:pPr marL="0" marR="0" lvl="0" indent="0" algn="l" defTabSz="914400" rtl="0" eaLnBrk="0" fontAlgn="base" latinLnBrk="0" hangingPunct="0">
+              <a:lnSpc>
+                <a:spcPct val="100000"/>
+              </a:lnSpc>
+              <a:spcBef>
+                <a:spcPct val="0"/>
+              </a:spcBef>
+              <a:spcAft>
+                <a:spcPct val="0"/>
+              </a:spcAft>
+              <a:buClrTx/>
+              <a:buSzTx/>
+              <a:buFontTx/>
+              <a:buNone/>
+              <a:tabLst/>
+            </a:pPr>
+            <a:r>
+              <a:rPr kumimoji="0" lang="it-IT" altLang="en-US" sz="1100" b="0" i="0" u="none" strike="noStrike" cap="none" normalizeH="0" baseline="0">
+                <a:ln>
+                  <a:noFill/>
+                </a:ln>
+                <a:solidFill>
+                  <a:schemeClr val="tx1"/>
+                </a:solidFill>
+                <a:effectLst/>
+                <a:latin typeface="Calibri" panose="020F0502020204030204" pitchFamily="34" charset="0"/>
+                <a:ea typeface="Times New Roman" panose="02020603050405020304" pitchFamily="18" charset="0"/>
+                <a:cs typeface="Times New Roman" panose="02020603050405020304" pitchFamily="18" charset="0"/>
+              </a:rPr>
+              <a:t> </a:t>
+            </a:r>
+            <a:endParaRPr kumimoji="0" lang="it-IT" altLang="en-US" sz="1800" b="0" i="0" u="none" strike="noStrike" cap="none" normalizeH="0" baseline="0">
+              <a:ln>
+                <a:noFill/>
+              </a:ln>
+              <a:solidFill>
+                <a:schemeClr val="tx1"/>
+              </a:solidFill>
+              <a:effectLst/>
+              <a:latin typeface="Arial" panose="020B0604020202020204" pitchFamily="34" charset="0"/>
+            </a:endParaRPr>
           </a:p>
         </p:txBody>
       </p:sp>
     </p:spTree>
     <p:extLst>
       <p:ext uri="{BB962C8B-B14F-4D97-AF65-F5344CB8AC3E}">
-        <p14:creationId xmlns="" xmlns:p14="http://schemas.microsoft.com/office/powerpoint/2010/main" val="1226650102"/>
+        <p14:creationId xmlns:p14="http://schemas.microsoft.com/office/powerpoint/2010/main" val="3496225061"/>
       </p:ext>
     </p:extLst>
   </p:cSld>
   <p:clrMapOvr>
     <a:masterClrMapping/>
   </p:clrMapOvr>
-  <p:timing>
-    <p:tnLst>
-      <p:par>
-        <p:cTn id="1" dur="indefinite" restart="never" nodeType="tmRoot"/>
-      </p:par>
-    </p:tnLst>
-  </p:timing>
 </p:sld>
 </file>
 
@@ -6832,7 +7901,7 @@
           <p:cNvPr id="2" name="Titolo 1">
             <a:extLst>
               <a:ext uri="{FF2B5EF4-FFF2-40B4-BE49-F238E27FC236}">
-                <a16:creationId xmlns="" xmlns:a16="http://schemas.microsoft.com/office/drawing/2014/main" id="{27DE7282-AE7E-472D-8672-9E1189329188}"/>
+                <a16:creationId xmlns:a16="http://schemas.microsoft.com/office/drawing/2014/main" id="{27DE7282-AE7E-472D-8672-9E1189329188}"/>
               </a:ext>
             </a:extLst>
           </p:cNvPr>
@@ -6874,7 +7943,7 @@
           <p:cNvPr id="3" name="Segnaposto contenuto 2">
             <a:extLst>
               <a:ext uri="{FF2B5EF4-FFF2-40B4-BE49-F238E27FC236}">
-                <a16:creationId xmlns="" xmlns:a16="http://schemas.microsoft.com/office/drawing/2014/main" id="{CFAC3122-428C-490C-856C-A6D8B422D33B}"/>
+                <a16:creationId xmlns:a16="http://schemas.microsoft.com/office/drawing/2014/main" id="{CFAC3122-428C-490C-856C-A6D8B422D33B}"/>
               </a:ext>
             </a:extLst>
           </p:cNvPr>
@@ -7085,13 +8154,6 @@
               </a:rPr>
               <a:t>immatricolati coorte 2013 - produttività fino ad aprile 2017</a:t>
             </a:r>
-            <a:r>
-              <a:rPr lang="it-IT" dirty="0">
-                <a:latin typeface="Courier New" panose="02070309020205020404" pitchFamily="49" charset="0"/>
-                <a:cs typeface="Courier New" panose="02070309020205020404" pitchFamily="49" charset="0"/>
-              </a:rPr>
-              <a:t/>
-            </a:r>
             <a:br>
               <a:rPr lang="it-IT" dirty="0">
                 <a:latin typeface="Courier New" panose="02070309020205020404" pitchFamily="49" charset="0"/>
@@ -7114,20 +8176,2045 @@
     </p:spTree>
     <p:extLst>
       <p:ext uri="{BB962C8B-B14F-4D97-AF65-F5344CB8AC3E}">
-        <p14:creationId xmlns="" xmlns:p14="http://schemas.microsoft.com/office/powerpoint/2010/main" val="4194171762"/>
+        <p14:creationId xmlns:p14="http://schemas.microsoft.com/office/powerpoint/2010/main" val="4194171762"/>
       </p:ext>
     </p:extLst>
   </p:cSld>
   <p:clrMapOvr>
     <a:masterClrMapping/>
   </p:clrMapOvr>
-  <p:timing>
-    <p:tnLst>
-      <p:par>
-        <p:cTn id="1" dur="indefinite" restart="never" nodeType="tmRoot"/>
-      </p:par>
-    </p:tnLst>
-  </p:timing>
+</p:sld>
+</file>
+
+<file path=ppt/slides/slide20.xml><?xml version="1.0" encoding="utf-8"?>
+<p:sld xmlns:a="http://schemas.openxmlformats.org/drawingml/2006/main" xmlns:r="http://schemas.openxmlformats.org/officeDocument/2006/relationships" xmlns:p="http://schemas.openxmlformats.org/presentationml/2006/main">
+  <p:cSld>
+    <p:spTree>
+      <p:nvGrpSpPr>
+        <p:cNvPr id="1" name=""/>
+        <p:cNvGrpSpPr/>
+        <p:nvPr/>
+      </p:nvGrpSpPr>
+      <p:grpSpPr>
+        <a:xfrm>
+          <a:off x="0" y="0"/>
+          <a:ext cx="0" cy="0"/>
+          <a:chOff x="0" y="0"/>
+          <a:chExt cx="0" cy="0"/>
+        </a:xfrm>
+      </p:grpSpPr>
+      <p:sp>
+        <p:nvSpPr>
+          <p:cNvPr id="8" name="Segnaposto contenuto 2">
+            <a:extLst>
+              <a:ext uri="{FF2B5EF4-FFF2-40B4-BE49-F238E27FC236}">
+                <a16:creationId xmlns:a16="http://schemas.microsoft.com/office/drawing/2014/main" id="{C2E44FE5-CCA1-4E8F-905A-F2F5CDF25092}"/>
+              </a:ext>
+            </a:extLst>
+          </p:cNvPr>
+          <p:cNvSpPr>
+            <a:spLocks noGrp="1"/>
+          </p:cNvSpPr>
+          <p:nvPr>
+            <p:ph idx="1"/>
+          </p:nvPr>
+        </p:nvSpPr>
+        <p:spPr>
+          <a:xfrm>
+            <a:off x="457200" y="1700808"/>
+            <a:ext cx="8229600" cy="4114800"/>
+          </a:xfrm>
+        </p:spPr>
+        <p:txBody>
+          <a:bodyPr>
+            <a:normAutofit/>
+          </a:bodyPr>
+          <a:lstStyle/>
+          <a:p>
+            <a:r>
+              <a:rPr lang="it-IT" dirty="0"/>
+              <a:t>Gli esami che non sono stati superati dal maggior numero di istanze dell’intero dataset e che quindi hanno creato maggiore difficoltà agli studenti sono, piuttosto comprensibilmente, </a:t>
+            </a:r>
+            <a:r>
+              <a:rPr lang="it-IT" i="1" dirty="0"/>
+              <a:t>Matematica Discreta e Logica</a:t>
+            </a:r>
+            <a:r>
+              <a:rPr lang="it-IT" dirty="0"/>
+              <a:t> e </a:t>
+            </a:r>
+            <a:r>
+              <a:rPr lang="it-IT" i="1" dirty="0"/>
+              <a:t>Architetture degli Elaboratori</a:t>
+            </a:r>
+            <a:r>
+              <a:rPr lang="it-IT" dirty="0"/>
+              <a:t>.</a:t>
+            </a:r>
+          </a:p>
+          <a:p>
+            <a:pPr marL="0" indent="0">
+              <a:buNone/>
+            </a:pPr>
+            <a:endParaRPr lang="it-IT" dirty="0"/>
+          </a:p>
+          <a:p>
+            <a:r>
+              <a:rPr lang="it-IT" dirty="0"/>
+              <a:t>Si è inoltre notato nella matrice della derivazione standard che quei due esami presentano una differenza rispetto agli altri.</a:t>
+            </a:r>
+          </a:p>
+          <a:p>
+            <a:pPr marL="0" indent="0">
+              <a:buNone/>
+            </a:pPr>
+            <a:endParaRPr lang="it-IT" dirty="0"/>
+          </a:p>
+          <a:p>
+            <a:r>
+              <a:rPr lang="it-IT" dirty="0"/>
+              <a:t>Vale la pena indagare oltre.</a:t>
+            </a:r>
+            <a:endParaRPr lang="en-US" dirty="0"/>
+          </a:p>
+        </p:txBody>
+      </p:sp>
+      <p:sp>
+        <p:nvSpPr>
+          <p:cNvPr id="9" name="Segnaposto contenuto 2">
+            <a:extLst>
+              <a:ext uri="{FF2B5EF4-FFF2-40B4-BE49-F238E27FC236}">
+                <a16:creationId xmlns:a16="http://schemas.microsoft.com/office/drawing/2014/main" id="{89886170-B615-43F8-AA8E-D5565391C42A}"/>
+              </a:ext>
+            </a:extLst>
+          </p:cNvPr>
+          <p:cNvSpPr txBox="1">
+            <a:spLocks/>
+          </p:cNvSpPr>
+          <p:nvPr/>
+        </p:nvSpPr>
+        <p:spPr>
+          <a:xfrm>
+            <a:off x="457200" y="5029199"/>
+            <a:ext cx="8229600" cy="1074753"/>
+          </a:xfrm>
+          <a:prstGeom prst="rect">
+            <a:avLst/>
+          </a:prstGeom>
+        </p:spPr>
+        <p:txBody>
+          <a:bodyPr vert="horz" lIns="91440" tIns="45720" rIns="91440" bIns="45720" rtlCol="0">
+            <a:normAutofit/>
+          </a:bodyPr>
+          <a:lstStyle>
+            <a:lvl1pPr marL="257175" indent="-257175" algn="l" defTabSz="342900" rtl="0" eaLnBrk="1" latinLnBrk="0" hangingPunct="1">
+              <a:spcBef>
+                <a:spcPct val="20000"/>
+              </a:spcBef>
+              <a:buFont typeface="Arial"/>
+              <a:buChar char="•"/>
+              <a:defRPr sz="2400" kern="1200">
+                <a:solidFill>
+                  <a:schemeClr val="tx1"/>
+                </a:solidFill>
+                <a:latin typeface="+mn-lt"/>
+                <a:ea typeface="+mn-ea"/>
+                <a:cs typeface="+mn-cs"/>
+              </a:defRPr>
+            </a:lvl1pPr>
+            <a:lvl2pPr marL="557213" indent="-214313" algn="l" defTabSz="342900" rtl="0" eaLnBrk="1" latinLnBrk="0" hangingPunct="1">
+              <a:spcBef>
+                <a:spcPct val="20000"/>
+              </a:spcBef>
+              <a:buFont typeface="Arial"/>
+              <a:buChar char="–"/>
+              <a:defRPr sz="2100" kern="1200">
+                <a:solidFill>
+                  <a:schemeClr val="tx1"/>
+                </a:solidFill>
+                <a:latin typeface="+mn-lt"/>
+                <a:ea typeface="+mn-ea"/>
+                <a:cs typeface="+mn-cs"/>
+              </a:defRPr>
+            </a:lvl2pPr>
+            <a:lvl3pPr marL="857250" indent="-171450" algn="l" defTabSz="342900" rtl="0" eaLnBrk="1" latinLnBrk="0" hangingPunct="1">
+              <a:spcBef>
+                <a:spcPct val="20000"/>
+              </a:spcBef>
+              <a:buFont typeface="Arial"/>
+              <a:buChar char="•"/>
+              <a:defRPr sz="1800" kern="1200">
+                <a:solidFill>
+                  <a:schemeClr val="tx1"/>
+                </a:solidFill>
+                <a:latin typeface="+mn-lt"/>
+                <a:ea typeface="+mn-ea"/>
+                <a:cs typeface="+mn-cs"/>
+              </a:defRPr>
+            </a:lvl3pPr>
+            <a:lvl4pPr marL="1200150" indent="-171450" algn="l" defTabSz="342900" rtl="0" eaLnBrk="1" latinLnBrk="0" hangingPunct="1">
+              <a:spcBef>
+                <a:spcPct val="20000"/>
+              </a:spcBef>
+              <a:buFont typeface="Arial"/>
+              <a:buChar char="–"/>
+              <a:defRPr sz="1500" kern="1200">
+                <a:solidFill>
+                  <a:schemeClr val="tx1"/>
+                </a:solidFill>
+                <a:latin typeface="+mn-lt"/>
+                <a:ea typeface="+mn-ea"/>
+                <a:cs typeface="+mn-cs"/>
+              </a:defRPr>
+            </a:lvl4pPr>
+            <a:lvl5pPr marL="1543050" indent="-171450" algn="l" defTabSz="342900" rtl="0" eaLnBrk="1" latinLnBrk="0" hangingPunct="1">
+              <a:spcBef>
+                <a:spcPct val="20000"/>
+              </a:spcBef>
+              <a:buFont typeface="Arial"/>
+              <a:buChar char="»"/>
+              <a:defRPr sz="1500" kern="1200">
+                <a:solidFill>
+                  <a:schemeClr val="tx1"/>
+                </a:solidFill>
+                <a:latin typeface="+mn-lt"/>
+                <a:ea typeface="+mn-ea"/>
+                <a:cs typeface="+mn-cs"/>
+              </a:defRPr>
+            </a:lvl5pPr>
+            <a:lvl6pPr marL="1885950" indent="-171450" algn="l" defTabSz="342900" rtl="0" eaLnBrk="1" latinLnBrk="0" hangingPunct="1">
+              <a:spcBef>
+                <a:spcPct val="20000"/>
+              </a:spcBef>
+              <a:buFont typeface="Arial"/>
+              <a:buChar char="•"/>
+              <a:defRPr sz="1500" kern="1200">
+                <a:solidFill>
+                  <a:schemeClr val="tx1"/>
+                </a:solidFill>
+                <a:latin typeface="+mn-lt"/>
+                <a:ea typeface="+mn-ea"/>
+                <a:cs typeface="+mn-cs"/>
+              </a:defRPr>
+            </a:lvl6pPr>
+            <a:lvl7pPr marL="2228850" indent="-171450" algn="l" defTabSz="342900" rtl="0" eaLnBrk="1" latinLnBrk="0" hangingPunct="1">
+              <a:spcBef>
+                <a:spcPct val="20000"/>
+              </a:spcBef>
+              <a:buFont typeface="Arial"/>
+              <a:buChar char="•"/>
+              <a:defRPr sz="1500" kern="1200">
+                <a:solidFill>
+                  <a:schemeClr val="tx1"/>
+                </a:solidFill>
+                <a:latin typeface="+mn-lt"/>
+                <a:ea typeface="+mn-ea"/>
+                <a:cs typeface="+mn-cs"/>
+              </a:defRPr>
+            </a:lvl7pPr>
+            <a:lvl8pPr marL="2571750" indent="-171450" algn="l" defTabSz="342900" rtl="0" eaLnBrk="1" latinLnBrk="0" hangingPunct="1">
+              <a:spcBef>
+                <a:spcPct val="20000"/>
+              </a:spcBef>
+              <a:buFont typeface="Arial"/>
+              <a:buChar char="•"/>
+              <a:defRPr sz="1500" kern="1200">
+                <a:solidFill>
+                  <a:schemeClr val="tx1"/>
+                </a:solidFill>
+                <a:latin typeface="+mn-lt"/>
+                <a:ea typeface="+mn-ea"/>
+                <a:cs typeface="+mn-cs"/>
+              </a:defRPr>
+            </a:lvl8pPr>
+            <a:lvl9pPr marL="2914650" indent="-171450" algn="l" defTabSz="342900" rtl="0" eaLnBrk="1" latinLnBrk="0" hangingPunct="1">
+              <a:spcBef>
+                <a:spcPct val="20000"/>
+              </a:spcBef>
+              <a:buFont typeface="Arial"/>
+              <a:buChar char="•"/>
+              <a:defRPr sz="1500" kern="1200">
+                <a:solidFill>
+                  <a:schemeClr val="tx1"/>
+                </a:solidFill>
+                <a:latin typeface="+mn-lt"/>
+                <a:ea typeface="+mn-ea"/>
+                <a:cs typeface="+mn-cs"/>
+              </a:defRPr>
+            </a:lvl9pPr>
+          </a:lstStyle>
+          <a:p>
+            <a:pPr marL="0" indent="0" algn="just">
+              <a:buFont typeface="Arial"/>
+              <a:buNone/>
+            </a:pPr>
+            <a:endParaRPr lang="it-IT" dirty="0"/>
+          </a:p>
+          <a:p>
+            <a:pPr marL="0" indent="0" algn="just">
+              <a:buFont typeface="Arial"/>
+              <a:buNone/>
+            </a:pPr>
+            <a:endParaRPr lang="it-IT" dirty="0"/>
+          </a:p>
+          <a:p>
+            <a:endParaRPr lang="en-US" sz="2000" dirty="0"/>
+          </a:p>
+        </p:txBody>
+      </p:sp>
+      <p:sp>
+        <p:nvSpPr>
+          <p:cNvPr id="7" name="Titolo 1">
+            <a:extLst>
+              <a:ext uri="{FF2B5EF4-FFF2-40B4-BE49-F238E27FC236}">
+                <a16:creationId xmlns:a16="http://schemas.microsoft.com/office/drawing/2014/main" id="{588E765D-4A18-43EC-9070-BBB19613F406}"/>
+              </a:ext>
+            </a:extLst>
+          </p:cNvPr>
+          <p:cNvSpPr>
+            <a:spLocks noGrp="1"/>
+          </p:cNvSpPr>
+          <p:nvPr>
+            <p:ph type="title"/>
+          </p:nvPr>
+        </p:nvSpPr>
+        <p:spPr>
+          <a:xfrm>
+            <a:off x="457200" y="692696"/>
+            <a:ext cx="8229600" cy="1143000"/>
+          </a:xfrm>
+        </p:spPr>
+        <p:txBody>
+          <a:bodyPr>
+            <a:noAutofit/>
+          </a:bodyPr>
+          <a:lstStyle/>
+          <a:p>
+            <a:r>
+              <a:rPr lang="it-IT" sz="2700" dirty="0"/>
+              <a:t>CONSIDERAZIONI</a:t>
+            </a:r>
+            <a:endParaRPr lang="en-US" sz="2700" dirty="0"/>
+          </a:p>
+        </p:txBody>
+      </p:sp>
+      <p:sp>
+        <p:nvSpPr>
+          <p:cNvPr id="6" name="Titolo 1">
+            <a:extLst>
+              <a:ext uri="{FF2B5EF4-FFF2-40B4-BE49-F238E27FC236}">
+                <a16:creationId xmlns:a16="http://schemas.microsoft.com/office/drawing/2014/main" id="{32602169-0966-4893-B032-33CFCD986CA0}"/>
+              </a:ext>
+            </a:extLst>
+          </p:cNvPr>
+          <p:cNvSpPr txBox="1">
+            <a:spLocks/>
+          </p:cNvSpPr>
+          <p:nvPr/>
+        </p:nvSpPr>
+        <p:spPr>
+          <a:xfrm>
+            <a:off x="1447800" y="152400"/>
+            <a:ext cx="8229600" cy="1143000"/>
+          </a:xfrm>
+          <a:prstGeom prst="rect">
+            <a:avLst/>
+          </a:prstGeom>
+        </p:spPr>
+        <p:txBody>
+          <a:bodyPr>
+            <a:noAutofit/>
+          </a:bodyPr>
+          <a:lstStyle>
+            <a:lvl1pPr algn="ctr" defTabSz="342900" rtl="0" eaLnBrk="1" latinLnBrk="0" hangingPunct="1">
+              <a:spcBef>
+                <a:spcPct val="0"/>
+              </a:spcBef>
+              <a:buNone/>
+              <a:defRPr sz="3300" kern="1200">
+                <a:solidFill>
+                  <a:schemeClr val="tx1"/>
+                </a:solidFill>
+                <a:latin typeface="+mj-lt"/>
+                <a:ea typeface="+mj-ea"/>
+                <a:cs typeface="+mj-cs"/>
+              </a:defRPr>
+            </a:lvl1pPr>
+          </a:lstStyle>
+          <a:p>
+            <a:r>
+              <a:rPr lang="it-IT" sz="2400" b="1" dirty="0">
+                <a:solidFill>
+                  <a:schemeClr val="bg1"/>
+                </a:solidFill>
+              </a:rPr>
+              <a:t>DATA UNDERSTANDING: </a:t>
+            </a:r>
+            <a:r>
+              <a:rPr lang="it-IT" sz="2400" dirty="0">
+                <a:solidFill>
+                  <a:schemeClr val="bg1"/>
+                </a:solidFill>
+              </a:rPr>
+              <a:t>ESAMI DEL PRIMO ANNO</a:t>
+            </a:r>
+            <a:endParaRPr lang="en-US" sz="2400" dirty="0">
+              <a:solidFill>
+                <a:schemeClr val="bg1"/>
+              </a:solidFill>
+            </a:endParaRPr>
+          </a:p>
+        </p:txBody>
+      </p:sp>
+      <p:sp>
+        <p:nvSpPr>
+          <p:cNvPr id="2" name="Rectangle 6">
+            <a:extLst>
+              <a:ext uri="{FF2B5EF4-FFF2-40B4-BE49-F238E27FC236}">
+                <a16:creationId xmlns:a16="http://schemas.microsoft.com/office/drawing/2014/main" id="{FC5724C9-24A0-4B40-9A3A-FE717EF7AA55}"/>
+              </a:ext>
+            </a:extLst>
+          </p:cNvPr>
+          <p:cNvSpPr>
+            <a:spLocks noChangeArrowheads="1"/>
+          </p:cNvSpPr>
+          <p:nvPr/>
+        </p:nvSpPr>
+        <p:spPr bwMode="auto">
+          <a:xfrm>
+            <a:off x="0" y="0"/>
+            <a:ext cx="9144000" cy="457200"/>
+          </a:xfrm>
+          <a:prstGeom prst="rect">
+            <a:avLst/>
+          </a:prstGeom>
+          <a:noFill/>
+          <a:ln>
+            <a:noFill/>
+          </a:ln>
+          <a:effectLst/>
+          <a:extLst>
+            <a:ext uri="{909E8E84-426E-40DD-AFC4-6F175D3DCCD1}">
+              <a14:hiddenFill xmlns:a14="http://schemas.microsoft.com/office/drawing/2010/main">
+                <a:solidFill>
+                  <a:schemeClr val="accent1"/>
+                </a:solidFill>
+              </a14:hiddenFill>
+            </a:ext>
+            <a:ext uri="{91240B29-F687-4F45-9708-019B960494DF}">
+              <a14:hiddenLine xmlns:a14="http://schemas.microsoft.com/office/drawing/2010/main" w="9525">
+                <a:solidFill>
+                  <a:schemeClr val="tx1"/>
+                </a:solidFill>
+                <a:miter lim="800000"/>
+                <a:headEnd/>
+                <a:tailEnd/>
+              </a14:hiddenLine>
+            </a:ext>
+            <a:ext uri="{AF507438-7753-43E0-B8FC-AC1667EBCBE1}">
+              <a14:hiddenEffects xmlns:a14="http://schemas.microsoft.com/office/drawing/2010/main">
+                <a:effectLst>
+                  <a:outerShdw dist="35921" dir="2700000" algn="ctr" rotWithShape="0">
+                    <a:schemeClr val="bg2"/>
+                  </a:outerShdw>
+                </a:effectLst>
+              </a14:hiddenEffects>
+            </a:ext>
+          </a:extLst>
+        </p:spPr>
+        <p:txBody>
+          <a:bodyPr vert="horz" wrap="none" lIns="91440" tIns="45720" rIns="91440" bIns="45720" numCol="1" anchor="ctr" anchorCtr="0" compatLnSpc="1">
+            <a:prstTxWarp prst="textNoShape">
+              <a:avLst/>
+            </a:prstTxWarp>
+            <a:spAutoFit/>
+          </a:bodyPr>
+          <a:lstStyle/>
+          <a:p>
+            <a:endParaRPr lang="en-US"/>
+          </a:p>
+        </p:txBody>
+      </p:sp>
+      <p:sp>
+        <p:nvSpPr>
+          <p:cNvPr id="3" name="Rectangle 7">
+            <a:extLst>
+              <a:ext uri="{FF2B5EF4-FFF2-40B4-BE49-F238E27FC236}">
+                <a16:creationId xmlns:a16="http://schemas.microsoft.com/office/drawing/2014/main" id="{C08042F5-96DB-4FE6-B699-C1DFAB71C0C5}"/>
+              </a:ext>
+            </a:extLst>
+          </p:cNvPr>
+          <p:cNvSpPr>
+            <a:spLocks noChangeArrowheads="1"/>
+          </p:cNvSpPr>
+          <p:nvPr/>
+        </p:nvSpPr>
+        <p:spPr bwMode="auto">
+          <a:xfrm>
+            <a:off x="0" y="1838325"/>
+            <a:ext cx="9144000" cy="0"/>
+          </a:xfrm>
+          <a:prstGeom prst="rect">
+            <a:avLst/>
+          </a:prstGeom>
+          <a:noFill/>
+          <a:ln>
+            <a:noFill/>
+          </a:ln>
+          <a:effectLst/>
+          <a:extLst>
+            <a:ext uri="{909E8E84-426E-40DD-AFC4-6F175D3DCCD1}">
+              <a14:hiddenFill xmlns:a14="http://schemas.microsoft.com/office/drawing/2010/main">
+                <a:solidFill>
+                  <a:schemeClr val="accent1"/>
+                </a:solidFill>
+              </a14:hiddenFill>
+            </a:ext>
+            <a:ext uri="{91240B29-F687-4F45-9708-019B960494DF}">
+              <a14:hiddenLine xmlns:a14="http://schemas.microsoft.com/office/drawing/2010/main" w="9525">
+                <a:solidFill>
+                  <a:schemeClr val="tx1"/>
+                </a:solidFill>
+                <a:miter lim="800000"/>
+                <a:headEnd/>
+                <a:tailEnd/>
+              </a14:hiddenLine>
+            </a:ext>
+            <a:ext uri="{AF507438-7753-43E0-B8FC-AC1667EBCBE1}">
+              <a14:hiddenEffects xmlns:a14="http://schemas.microsoft.com/office/drawing/2010/main">
+                <a:effectLst>
+                  <a:outerShdw dist="35921" dir="2700000" algn="ctr" rotWithShape="0">
+                    <a:schemeClr val="bg2"/>
+                  </a:outerShdw>
+                </a:effectLst>
+              </a14:hiddenEffects>
+            </a:ext>
+          </a:extLst>
+        </p:spPr>
+        <p:txBody>
+          <a:bodyPr vert="horz" wrap="none" lIns="91440" tIns="45720" rIns="91440" bIns="45720" numCol="1" anchor="ctr" anchorCtr="0" compatLnSpc="1">
+            <a:prstTxWarp prst="textNoShape">
+              <a:avLst/>
+            </a:prstTxWarp>
+            <a:spAutoFit/>
+          </a:bodyPr>
+          <a:lstStyle/>
+          <a:p>
+            <a:pPr marL="0" marR="0" lvl="0" indent="0" algn="l" defTabSz="914400" rtl="0" eaLnBrk="0" fontAlgn="base" latinLnBrk="0" hangingPunct="0">
+              <a:lnSpc>
+                <a:spcPct val="100000"/>
+              </a:lnSpc>
+              <a:spcBef>
+                <a:spcPct val="0"/>
+              </a:spcBef>
+              <a:spcAft>
+                <a:spcPct val="0"/>
+              </a:spcAft>
+              <a:buClrTx/>
+              <a:buSzTx/>
+              <a:buFontTx/>
+              <a:buNone/>
+              <a:tabLst/>
+            </a:pPr>
+            <a:r>
+              <a:rPr kumimoji="0" lang="it-IT" altLang="en-US" sz="1100" b="0" i="0" u="none" strike="noStrike" cap="none" normalizeH="0" baseline="0">
+                <a:ln>
+                  <a:noFill/>
+                </a:ln>
+                <a:solidFill>
+                  <a:schemeClr val="tx1"/>
+                </a:solidFill>
+                <a:effectLst/>
+                <a:latin typeface="Calibri" panose="020F0502020204030204" pitchFamily="34" charset="0"/>
+                <a:ea typeface="Times New Roman" panose="02020603050405020304" pitchFamily="18" charset="0"/>
+                <a:cs typeface="Times New Roman" panose="02020603050405020304" pitchFamily="18" charset="0"/>
+              </a:rPr>
+              <a:t> </a:t>
+            </a:r>
+            <a:endParaRPr kumimoji="0" lang="it-IT" altLang="en-US" sz="1800" b="0" i="0" u="none" strike="noStrike" cap="none" normalizeH="0" baseline="0">
+              <a:ln>
+                <a:noFill/>
+              </a:ln>
+              <a:solidFill>
+                <a:schemeClr val="tx1"/>
+              </a:solidFill>
+              <a:effectLst/>
+              <a:latin typeface="Arial" panose="020B0604020202020204" pitchFamily="34" charset="0"/>
+            </a:endParaRPr>
+          </a:p>
+        </p:txBody>
+      </p:sp>
+      <p:sp>
+        <p:nvSpPr>
+          <p:cNvPr id="4" name="Rectangle 8">
+            <a:extLst>
+              <a:ext uri="{FF2B5EF4-FFF2-40B4-BE49-F238E27FC236}">
+                <a16:creationId xmlns:a16="http://schemas.microsoft.com/office/drawing/2014/main" id="{E0CBE371-8058-4503-A250-42442AAE21EC}"/>
+              </a:ext>
+            </a:extLst>
+          </p:cNvPr>
+          <p:cNvSpPr>
+            <a:spLocks noChangeArrowheads="1"/>
+          </p:cNvSpPr>
+          <p:nvPr/>
+        </p:nvSpPr>
+        <p:spPr bwMode="auto">
+          <a:xfrm>
+            <a:off x="0" y="3219450"/>
+            <a:ext cx="9144000" cy="0"/>
+          </a:xfrm>
+          <a:prstGeom prst="rect">
+            <a:avLst/>
+          </a:prstGeom>
+          <a:noFill/>
+          <a:ln>
+            <a:noFill/>
+          </a:ln>
+          <a:effectLst/>
+          <a:extLst>
+            <a:ext uri="{909E8E84-426E-40DD-AFC4-6F175D3DCCD1}">
+              <a14:hiddenFill xmlns:a14="http://schemas.microsoft.com/office/drawing/2010/main">
+                <a:solidFill>
+                  <a:schemeClr val="accent1"/>
+                </a:solidFill>
+              </a14:hiddenFill>
+            </a:ext>
+            <a:ext uri="{91240B29-F687-4F45-9708-019B960494DF}">
+              <a14:hiddenLine xmlns:a14="http://schemas.microsoft.com/office/drawing/2010/main" w="9525">
+                <a:solidFill>
+                  <a:schemeClr val="tx1"/>
+                </a:solidFill>
+                <a:miter lim="800000"/>
+                <a:headEnd/>
+                <a:tailEnd/>
+              </a14:hiddenLine>
+            </a:ext>
+            <a:ext uri="{AF507438-7753-43E0-B8FC-AC1667EBCBE1}">
+              <a14:hiddenEffects xmlns:a14="http://schemas.microsoft.com/office/drawing/2010/main">
+                <a:effectLst>
+                  <a:outerShdw dist="35921" dir="2700000" algn="ctr" rotWithShape="0">
+                    <a:schemeClr val="bg2"/>
+                  </a:outerShdw>
+                </a:effectLst>
+              </a14:hiddenEffects>
+            </a:ext>
+          </a:extLst>
+        </p:spPr>
+        <p:txBody>
+          <a:bodyPr vert="horz" wrap="none" lIns="91440" tIns="45720" rIns="91440" bIns="45720" numCol="1" anchor="ctr" anchorCtr="0" compatLnSpc="1">
+            <a:prstTxWarp prst="textNoShape">
+              <a:avLst/>
+            </a:prstTxWarp>
+            <a:spAutoFit/>
+          </a:bodyPr>
+          <a:lstStyle/>
+          <a:p>
+            <a:pPr marL="0" marR="0" lvl="0" indent="0" algn="l" defTabSz="914400" rtl="0" eaLnBrk="0" fontAlgn="base" latinLnBrk="0" hangingPunct="0">
+              <a:lnSpc>
+                <a:spcPct val="100000"/>
+              </a:lnSpc>
+              <a:spcBef>
+                <a:spcPct val="0"/>
+              </a:spcBef>
+              <a:spcAft>
+                <a:spcPct val="0"/>
+              </a:spcAft>
+              <a:buClrTx/>
+              <a:buSzTx/>
+              <a:buFontTx/>
+              <a:buNone/>
+              <a:tabLst/>
+            </a:pPr>
+            <a:r>
+              <a:rPr kumimoji="0" lang="it-IT" altLang="en-US" sz="1100" b="0" i="0" u="none" strike="noStrike" cap="none" normalizeH="0" baseline="0">
+                <a:ln>
+                  <a:noFill/>
+                </a:ln>
+                <a:solidFill>
+                  <a:schemeClr val="tx1"/>
+                </a:solidFill>
+                <a:effectLst/>
+                <a:latin typeface="Calibri" panose="020F0502020204030204" pitchFamily="34" charset="0"/>
+                <a:ea typeface="Times New Roman" panose="02020603050405020304" pitchFamily="18" charset="0"/>
+                <a:cs typeface="Times New Roman" panose="02020603050405020304" pitchFamily="18" charset="0"/>
+              </a:rPr>
+              <a:t> </a:t>
+            </a:r>
+            <a:endParaRPr kumimoji="0" lang="it-IT" altLang="en-US" sz="1800" b="0" i="0" u="none" strike="noStrike" cap="none" normalizeH="0" baseline="0">
+              <a:ln>
+                <a:noFill/>
+              </a:ln>
+              <a:solidFill>
+                <a:schemeClr val="tx1"/>
+              </a:solidFill>
+              <a:effectLst/>
+              <a:latin typeface="Arial" panose="020B0604020202020204" pitchFamily="34" charset="0"/>
+            </a:endParaRPr>
+          </a:p>
+        </p:txBody>
+      </p:sp>
+      <p:sp>
+        <p:nvSpPr>
+          <p:cNvPr id="10" name="Rectangle 9">
+            <a:extLst>
+              <a:ext uri="{FF2B5EF4-FFF2-40B4-BE49-F238E27FC236}">
+                <a16:creationId xmlns:a16="http://schemas.microsoft.com/office/drawing/2014/main" id="{99468FB6-6461-4A91-9E0B-2B3FC25F715E}"/>
+              </a:ext>
+            </a:extLst>
+          </p:cNvPr>
+          <p:cNvSpPr>
+            <a:spLocks noChangeArrowheads="1"/>
+          </p:cNvSpPr>
+          <p:nvPr/>
+        </p:nvSpPr>
+        <p:spPr bwMode="auto">
+          <a:xfrm>
+            <a:off x="0" y="4600575"/>
+            <a:ext cx="9144000" cy="0"/>
+          </a:xfrm>
+          <a:prstGeom prst="rect">
+            <a:avLst/>
+          </a:prstGeom>
+          <a:noFill/>
+          <a:ln>
+            <a:noFill/>
+          </a:ln>
+          <a:effectLst/>
+          <a:extLst>
+            <a:ext uri="{909E8E84-426E-40DD-AFC4-6F175D3DCCD1}">
+              <a14:hiddenFill xmlns:a14="http://schemas.microsoft.com/office/drawing/2010/main">
+                <a:solidFill>
+                  <a:schemeClr val="accent1"/>
+                </a:solidFill>
+              </a14:hiddenFill>
+            </a:ext>
+            <a:ext uri="{91240B29-F687-4F45-9708-019B960494DF}">
+              <a14:hiddenLine xmlns:a14="http://schemas.microsoft.com/office/drawing/2010/main" w="9525">
+                <a:solidFill>
+                  <a:schemeClr val="tx1"/>
+                </a:solidFill>
+                <a:miter lim="800000"/>
+                <a:headEnd/>
+                <a:tailEnd/>
+              </a14:hiddenLine>
+            </a:ext>
+            <a:ext uri="{AF507438-7753-43E0-B8FC-AC1667EBCBE1}">
+              <a14:hiddenEffects xmlns:a14="http://schemas.microsoft.com/office/drawing/2010/main">
+                <a:effectLst>
+                  <a:outerShdw dist="35921" dir="2700000" algn="ctr" rotWithShape="0">
+                    <a:schemeClr val="bg2"/>
+                  </a:outerShdw>
+                </a:effectLst>
+              </a14:hiddenEffects>
+            </a:ext>
+          </a:extLst>
+        </p:spPr>
+        <p:txBody>
+          <a:bodyPr vert="horz" wrap="none" lIns="91440" tIns="45720" rIns="91440" bIns="45720" numCol="1" anchor="ctr" anchorCtr="0" compatLnSpc="1">
+            <a:prstTxWarp prst="textNoShape">
+              <a:avLst/>
+            </a:prstTxWarp>
+            <a:spAutoFit/>
+          </a:bodyPr>
+          <a:lstStyle/>
+          <a:p>
+            <a:pPr marL="0" marR="0" lvl="0" indent="0" algn="l" defTabSz="914400" rtl="0" eaLnBrk="0" fontAlgn="base" latinLnBrk="0" hangingPunct="0">
+              <a:lnSpc>
+                <a:spcPct val="100000"/>
+              </a:lnSpc>
+              <a:spcBef>
+                <a:spcPct val="0"/>
+              </a:spcBef>
+              <a:spcAft>
+                <a:spcPct val="0"/>
+              </a:spcAft>
+              <a:buClrTx/>
+              <a:buSzTx/>
+              <a:buFontTx/>
+              <a:buNone/>
+              <a:tabLst/>
+            </a:pPr>
+            <a:r>
+              <a:rPr kumimoji="0" lang="it-IT" altLang="en-US" sz="1100" b="0" i="0" u="none" strike="noStrike" cap="none" normalizeH="0" baseline="0">
+                <a:ln>
+                  <a:noFill/>
+                </a:ln>
+                <a:solidFill>
+                  <a:schemeClr val="tx1"/>
+                </a:solidFill>
+                <a:effectLst/>
+                <a:latin typeface="Calibri" panose="020F0502020204030204" pitchFamily="34" charset="0"/>
+                <a:ea typeface="Times New Roman" panose="02020603050405020304" pitchFamily="18" charset="0"/>
+                <a:cs typeface="Times New Roman" panose="02020603050405020304" pitchFamily="18" charset="0"/>
+              </a:rPr>
+              <a:t> </a:t>
+            </a:r>
+            <a:endParaRPr kumimoji="0" lang="it-IT" altLang="en-US" sz="1800" b="0" i="0" u="none" strike="noStrike" cap="none" normalizeH="0" baseline="0">
+              <a:ln>
+                <a:noFill/>
+              </a:ln>
+              <a:solidFill>
+                <a:schemeClr val="tx1"/>
+              </a:solidFill>
+              <a:effectLst/>
+              <a:latin typeface="Arial" panose="020B0604020202020204" pitchFamily="34" charset="0"/>
+            </a:endParaRPr>
+          </a:p>
+        </p:txBody>
+      </p:sp>
+      <p:sp>
+        <p:nvSpPr>
+          <p:cNvPr id="11" name="Rectangle 10">
+            <a:extLst>
+              <a:ext uri="{FF2B5EF4-FFF2-40B4-BE49-F238E27FC236}">
+                <a16:creationId xmlns:a16="http://schemas.microsoft.com/office/drawing/2014/main" id="{E4D9815E-FC57-48D4-9710-C34FDAE236EF}"/>
+              </a:ext>
+            </a:extLst>
+          </p:cNvPr>
+          <p:cNvSpPr>
+            <a:spLocks noChangeArrowheads="1"/>
+          </p:cNvSpPr>
+          <p:nvPr/>
+        </p:nvSpPr>
+        <p:spPr bwMode="auto">
+          <a:xfrm>
+            <a:off x="0" y="6000750"/>
+            <a:ext cx="9144000" cy="0"/>
+          </a:xfrm>
+          <a:prstGeom prst="rect">
+            <a:avLst/>
+          </a:prstGeom>
+          <a:noFill/>
+          <a:ln>
+            <a:noFill/>
+          </a:ln>
+          <a:effectLst/>
+          <a:extLst>
+            <a:ext uri="{909E8E84-426E-40DD-AFC4-6F175D3DCCD1}">
+              <a14:hiddenFill xmlns:a14="http://schemas.microsoft.com/office/drawing/2010/main">
+                <a:solidFill>
+                  <a:schemeClr val="accent1"/>
+                </a:solidFill>
+              </a14:hiddenFill>
+            </a:ext>
+            <a:ext uri="{91240B29-F687-4F45-9708-019B960494DF}">
+              <a14:hiddenLine xmlns:a14="http://schemas.microsoft.com/office/drawing/2010/main" w="9525">
+                <a:solidFill>
+                  <a:schemeClr val="tx1"/>
+                </a:solidFill>
+                <a:miter lim="800000"/>
+                <a:headEnd/>
+                <a:tailEnd/>
+              </a14:hiddenLine>
+            </a:ext>
+            <a:ext uri="{AF507438-7753-43E0-B8FC-AC1667EBCBE1}">
+              <a14:hiddenEffects xmlns:a14="http://schemas.microsoft.com/office/drawing/2010/main">
+                <a:effectLst>
+                  <a:outerShdw dist="35921" dir="2700000" algn="ctr" rotWithShape="0">
+                    <a:schemeClr val="bg2"/>
+                  </a:outerShdw>
+                </a:effectLst>
+              </a14:hiddenEffects>
+            </a:ext>
+          </a:extLst>
+        </p:spPr>
+        <p:txBody>
+          <a:bodyPr vert="horz" wrap="none" lIns="91440" tIns="45720" rIns="91440" bIns="45720" numCol="1" anchor="ctr" anchorCtr="0" compatLnSpc="1">
+            <a:prstTxWarp prst="textNoShape">
+              <a:avLst/>
+            </a:prstTxWarp>
+            <a:spAutoFit/>
+          </a:bodyPr>
+          <a:lstStyle/>
+          <a:p>
+            <a:pPr marL="0" marR="0" lvl="0" indent="0" algn="l" defTabSz="914400" rtl="0" eaLnBrk="0" fontAlgn="base" latinLnBrk="0" hangingPunct="0">
+              <a:lnSpc>
+                <a:spcPct val="100000"/>
+              </a:lnSpc>
+              <a:spcBef>
+                <a:spcPct val="0"/>
+              </a:spcBef>
+              <a:spcAft>
+                <a:spcPct val="0"/>
+              </a:spcAft>
+              <a:buClrTx/>
+              <a:buSzTx/>
+              <a:buFontTx/>
+              <a:buNone/>
+              <a:tabLst/>
+            </a:pPr>
+            <a:r>
+              <a:rPr kumimoji="0" lang="it-IT" altLang="en-US" sz="1100" b="0" i="0" u="none" strike="noStrike" cap="none" normalizeH="0" baseline="0">
+                <a:ln>
+                  <a:noFill/>
+                </a:ln>
+                <a:solidFill>
+                  <a:schemeClr val="tx1"/>
+                </a:solidFill>
+                <a:effectLst/>
+                <a:latin typeface="Calibri" panose="020F0502020204030204" pitchFamily="34" charset="0"/>
+                <a:ea typeface="Times New Roman" panose="02020603050405020304" pitchFamily="18" charset="0"/>
+                <a:cs typeface="Times New Roman" panose="02020603050405020304" pitchFamily="18" charset="0"/>
+              </a:rPr>
+              <a:t> </a:t>
+            </a:r>
+            <a:endParaRPr kumimoji="0" lang="it-IT" altLang="en-US" sz="1800" b="0" i="0" u="none" strike="noStrike" cap="none" normalizeH="0" baseline="0">
+              <a:ln>
+                <a:noFill/>
+              </a:ln>
+              <a:solidFill>
+                <a:schemeClr val="tx1"/>
+              </a:solidFill>
+              <a:effectLst/>
+              <a:latin typeface="Arial" panose="020B0604020202020204" pitchFamily="34" charset="0"/>
+            </a:endParaRPr>
+          </a:p>
+        </p:txBody>
+      </p:sp>
+    </p:spTree>
+    <p:extLst>
+      <p:ext uri="{BB962C8B-B14F-4D97-AF65-F5344CB8AC3E}">
+        <p14:creationId xmlns:p14="http://schemas.microsoft.com/office/powerpoint/2010/main" val="661209224"/>
+      </p:ext>
+    </p:extLst>
+  </p:cSld>
+  <p:clrMapOvr>
+    <a:masterClrMapping/>
+  </p:clrMapOvr>
+</p:sld>
+</file>
+
+<file path=ppt/slides/slide21.xml><?xml version="1.0" encoding="utf-8"?>
+<p:sld xmlns:a="http://schemas.openxmlformats.org/drawingml/2006/main" xmlns:r="http://schemas.openxmlformats.org/officeDocument/2006/relationships" xmlns:p="http://schemas.openxmlformats.org/presentationml/2006/main">
+  <p:cSld>
+    <p:spTree>
+      <p:nvGrpSpPr>
+        <p:cNvPr id="1" name=""/>
+        <p:cNvGrpSpPr/>
+        <p:nvPr/>
+      </p:nvGrpSpPr>
+      <p:grpSpPr>
+        <a:xfrm>
+          <a:off x="0" y="0"/>
+          <a:ext cx="0" cy="0"/>
+          <a:chOff x="0" y="0"/>
+          <a:chExt cx="0" cy="0"/>
+        </a:xfrm>
+      </p:grpSpPr>
+      <p:sp>
+        <p:nvSpPr>
+          <p:cNvPr id="2" name="Titolo 1">
+            <a:extLst>
+              <a:ext uri="{FF2B5EF4-FFF2-40B4-BE49-F238E27FC236}">
+                <a16:creationId xmlns:a16="http://schemas.microsoft.com/office/drawing/2014/main" id="{C344F19F-376F-4BFE-8DCC-729DB34448C6}"/>
+              </a:ext>
+            </a:extLst>
+          </p:cNvPr>
+          <p:cNvSpPr txBox="1">
+            <a:spLocks/>
+          </p:cNvSpPr>
+          <p:nvPr/>
+        </p:nvSpPr>
+        <p:spPr>
+          <a:xfrm>
+            <a:off x="1447800" y="152400"/>
+            <a:ext cx="8229600" cy="1143000"/>
+          </a:xfrm>
+          <a:prstGeom prst="rect">
+            <a:avLst/>
+          </a:prstGeom>
+        </p:spPr>
+        <p:txBody>
+          <a:bodyPr>
+            <a:noAutofit/>
+          </a:bodyPr>
+          <a:lstStyle>
+            <a:lvl1pPr algn="ctr" defTabSz="342900" rtl="0" eaLnBrk="1" latinLnBrk="0" hangingPunct="1">
+              <a:spcBef>
+                <a:spcPct val="0"/>
+              </a:spcBef>
+              <a:buNone/>
+              <a:defRPr sz="3300" kern="1200">
+                <a:solidFill>
+                  <a:schemeClr val="tx1"/>
+                </a:solidFill>
+                <a:latin typeface="+mj-lt"/>
+                <a:ea typeface="+mj-ea"/>
+                <a:cs typeface="+mj-cs"/>
+              </a:defRPr>
+            </a:lvl1pPr>
+          </a:lstStyle>
+          <a:p>
+            <a:r>
+              <a:rPr lang="it-IT" sz="2400" b="1" dirty="0">
+                <a:solidFill>
+                  <a:schemeClr val="bg1"/>
+                </a:solidFill>
+              </a:rPr>
+              <a:t>DATA UNDERSTANDING: </a:t>
+            </a:r>
+            <a:r>
+              <a:rPr lang="it-IT" sz="2400" dirty="0">
+                <a:solidFill>
+                  <a:schemeClr val="bg1"/>
+                </a:solidFill>
+              </a:rPr>
+              <a:t>DETTAGLIO M.D.L.</a:t>
+            </a:r>
+            <a:endParaRPr lang="en-US" sz="2400" dirty="0">
+              <a:solidFill>
+                <a:schemeClr val="bg1"/>
+              </a:solidFill>
+            </a:endParaRPr>
+          </a:p>
+        </p:txBody>
+      </p:sp>
+      <p:pic>
+        <p:nvPicPr>
+          <p:cNvPr id="4" name="Immagine 3">
+            <a:extLst>
+              <a:ext uri="{FF2B5EF4-FFF2-40B4-BE49-F238E27FC236}">
+                <a16:creationId xmlns:a16="http://schemas.microsoft.com/office/drawing/2014/main" id="{F4900E39-D326-4961-A676-A7CB1548AA48}"/>
+              </a:ext>
+            </a:extLst>
+          </p:cNvPr>
+          <p:cNvPicPr>
+            <a:picLocks noChangeAspect="1"/>
+          </p:cNvPicPr>
+          <p:nvPr/>
+        </p:nvPicPr>
+        <p:blipFill rotWithShape="1">
+          <a:blip r:embed="rId2"/>
+          <a:srcRect t="10568" r="5001" b="2274"/>
+          <a:stretch/>
+        </p:blipFill>
+        <p:spPr>
+          <a:xfrm>
+            <a:off x="2555776" y="830474"/>
+            <a:ext cx="6588224" cy="6035498"/>
+          </a:xfrm>
+          <a:prstGeom prst="rect">
+            <a:avLst/>
+          </a:prstGeom>
+        </p:spPr>
+      </p:pic>
+      <p:sp>
+        <p:nvSpPr>
+          <p:cNvPr id="5" name="CasellaDiTesto 4">
+            <a:extLst>
+              <a:ext uri="{FF2B5EF4-FFF2-40B4-BE49-F238E27FC236}">
+                <a16:creationId xmlns:a16="http://schemas.microsoft.com/office/drawing/2014/main" id="{7874969C-F4FA-477B-8991-D590C8411ED4}"/>
+              </a:ext>
+            </a:extLst>
+          </p:cNvPr>
+          <p:cNvSpPr txBox="1"/>
+          <p:nvPr/>
+        </p:nvSpPr>
+        <p:spPr>
+          <a:xfrm>
+            <a:off x="179512" y="830474"/>
+            <a:ext cx="2376264" cy="6063198"/>
+          </a:xfrm>
+          <a:prstGeom prst="rect">
+            <a:avLst/>
+          </a:prstGeom>
+          <a:noFill/>
+        </p:spPr>
+        <p:txBody>
+          <a:bodyPr wrap="square" rtlCol="0">
+            <a:spAutoFit/>
+          </a:bodyPr>
+          <a:lstStyle/>
+          <a:p>
+            <a:r>
+              <a:rPr lang="it-IT" dirty="0"/>
+              <a:t>Si riesce a notare una blanda tendenza ad aumentare dei CFU all’aumentare del voto ottenuto in M.D.L. (dal 25 in poi).</a:t>
+            </a:r>
+          </a:p>
+          <a:p>
+            <a:endParaRPr lang="it-IT" dirty="0"/>
+          </a:p>
+          <a:p>
+            <a:r>
+              <a:rPr lang="it-IT" dirty="0"/>
+              <a:t>C’è inoltre una chiara indicazione che molti studenti – con quelli della coorte 2012 ad estremizzare questa caratteristica – ad ignorare totalmente questo esame ottenendo comunque altri CFU.</a:t>
+            </a:r>
+          </a:p>
+          <a:p>
+            <a:endParaRPr lang="it-IT" dirty="0"/>
+          </a:p>
+          <a:p>
+            <a:r>
+              <a:rPr lang="it-IT" sz="1400" dirty="0">
+                <a:solidFill>
+                  <a:srgbClr val="FF0000"/>
+                </a:solidFill>
+              </a:rPr>
+              <a:t>Come è possibile ottenere 150 CFU senza dare MDL? Propedeuticità?? I dati </a:t>
+            </a:r>
+            <a:r>
+              <a:rPr lang="it-IT" sz="1400" u="sng" dirty="0">
+                <a:solidFill>
+                  <a:srgbClr val="FF0000"/>
+                </a:solidFill>
+              </a:rPr>
+              <a:t>sono</a:t>
+            </a:r>
+            <a:r>
+              <a:rPr lang="it-IT" sz="1400" dirty="0">
+                <a:solidFill>
+                  <a:srgbClr val="FF0000"/>
+                </a:solidFill>
+              </a:rPr>
+              <a:t> corretti???</a:t>
+            </a:r>
+            <a:endParaRPr lang="en-US" sz="1400" dirty="0">
+              <a:solidFill>
+                <a:srgbClr val="FF0000"/>
+              </a:solidFill>
+            </a:endParaRPr>
+          </a:p>
+        </p:txBody>
+      </p:sp>
+    </p:spTree>
+    <p:extLst>
+      <p:ext uri="{BB962C8B-B14F-4D97-AF65-F5344CB8AC3E}">
+        <p14:creationId xmlns:p14="http://schemas.microsoft.com/office/powerpoint/2010/main" val="900000085"/>
+      </p:ext>
+    </p:extLst>
+  </p:cSld>
+  <p:clrMapOvr>
+    <a:masterClrMapping/>
+  </p:clrMapOvr>
+</p:sld>
+</file>
+
+<file path=ppt/slides/slide22.xml><?xml version="1.0" encoding="utf-8"?>
+<p:sld xmlns:a="http://schemas.openxmlformats.org/drawingml/2006/main" xmlns:r="http://schemas.openxmlformats.org/officeDocument/2006/relationships" xmlns:p="http://schemas.openxmlformats.org/presentationml/2006/main">
+  <p:cSld>
+    <p:spTree>
+      <p:nvGrpSpPr>
+        <p:cNvPr id="1" name=""/>
+        <p:cNvGrpSpPr/>
+        <p:nvPr/>
+      </p:nvGrpSpPr>
+      <p:grpSpPr>
+        <a:xfrm>
+          <a:off x="0" y="0"/>
+          <a:ext cx="0" cy="0"/>
+          <a:chOff x="0" y="0"/>
+          <a:chExt cx="0" cy="0"/>
+        </a:xfrm>
+      </p:grpSpPr>
+      <p:sp>
+        <p:nvSpPr>
+          <p:cNvPr id="8" name="Segnaposto contenuto 2">
+            <a:extLst>
+              <a:ext uri="{FF2B5EF4-FFF2-40B4-BE49-F238E27FC236}">
+                <a16:creationId xmlns:a16="http://schemas.microsoft.com/office/drawing/2014/main" id="{C2E44FE5-CCA1-4E8F-905A-F2F5CDF25092}"/>
+              </a:ext>
+            </a:extLst>
+          </p:cNvPr>
+          <p:cNvSpPr>
+            <a:spLocks noGrp="1"/>
+          </p:cNvSpPr>
+          <p:nvPr>
+            <p:ph idx="1"/>
+          </p:nvPr>
+        </p:nvSpPr>
+        <p:spPr>
+          <a:xfrm>
+            <a:off x="457200" y="1700808"/>
+            <a:ext cx="8229600" cy="4114800"/>
+          </a:xfrm>
+        </p:spPr>
+        <p:txBody>
+          <a:bodyPr>
+            <a:normAutofit/>
+          </a:bodyPr>
+          <a:lstStyle/>
+          <a:p>
+            <a:pPr marL="0" indent="0" algn="just">
+              <a:buNone/>
+            </a:pPr>
+            <a:r>
+              <a:rPr lang="it-IT" dirty="0"/>
+              <a:t>A seguito di questa lunga fase di data </a:t>
+            </a:r>
+            <a:r>
+              <a:rPr lang="it-IT" dirty="0" err="1"/>
+              <a:t>understanding</a:t>
+            </a:r>
+            <a:r>
+              <a:rPr lang="it-IT" dirty="0"/>
+              <a:t>, si è in grado di rispondere alla domanda fondamentale di questo intero progetto:</a:t>
+            </a:r>
+          </a:p>
+          <a:p>
+            <a:pPr algn="just"/>
+            <a:r>
+              <a:rPr lang="it-IT" dirty="0">
+                <a:solidFill>
+                  <a:srgbClr val="FF0000"/>
+                </a:solidFill>
+              </a:rPr>
+              <a:t>Quale aspetto del dataset vale la pena analizzare con le tecniche di </a:t>
+            </a:r>
+            <a:r>
+              <a:rPr lang="it-IT" dirty="0" err="1">
+                <a:solidFill>
+                  <a:srgbClr val="FF0000"/>
+                </a:solidFill>
+              </a:rPr>
+              <a:t>clustering</a:t>
+            </a:r>
+            <a:r>
+              <a:rPr lang="it-IT" dirty="0">
+                <a:solidFill>
+                  <a:srgbClr val="FF0000"/>
+                </a:solidFill>
+              </a:rPr>
+              <a:t>?</a:t>
+            </a:r>
+          </a:p>
+          <a:p>
+            <a:pPr lvl="1" algn="just"/>
+            <a:r>
+              <a:rPr lang="it-IT" dirty="0">
+                <a:solidFill>
+                  <a:srgbClr val="00B0F0"/>
+                </a:solidFill>
+              </a:rPr>
+              <a:t>Risultati degli esami del primo anno</a:t>
+            </a:r>
+          </a:p>
+          <a:p>
+            <a:pPr lvl="1" algn="just"/>
+            <a:r>
+              <a:rPr lang="it-IT" dirty="0">
+                <a:solidFill>
+                  <a:srgbClr val="00B0F0"/>
+                </a:solidFill>
+              </a:rPr>
+              <a:t>…</a:t>
+            </a:r>
+          </a:p>
+          <a:p>
+            <a:pPr marL="0" indent="0" algn="just">
+              <a:buNone/>
+            </a:pPr>
+            <a:endParaRPr lang="it-IT" sz="2000" dirty="0"/>
+          </a:p>
+          <a:p>
+            <a:pPr marL="0" indent="0" algn="just">
+              <a:buNone/>
+            </a:pPr>
+            <a:endParaRPr lang="it-IT" dirty="0"/>
+          </a:p>
+        </p:txBody>
+      </p:sp>
+      <p:sp>
+        <p:nvSpPr>
+          <p:cNvPr id="9" name="Segnaposto contenuto 2">
+            <a:extLst>
+              <a:ext uri="{FF2B5EF4-FFF2-40B4-BE49-F238E27FC236}">
+                <a16:creationId xmlns:a16="http://schemas.microsoft.com/office/drawing/2014/main" id="{89886170-B615-43F8-AA8E-D5565391C42A}"/>
+              </a:ext>
+            </a:extLst>
+          </p:cNvPr>
+          <p:cNvSpPr txBox="1">
+            <a:spLocks/>
+          </p:cNvSpPr>
+          <p:nvPr/>
+        </p:nvSpPr>
+        <p:spPr>
+          <a:xfrm>
+            <a:off x="457200" y="5029199"/>
+            <a:ext cx="8229600" cy="1074753"/>
+          </a:xfrm>
+          <a:prstGeom prst="rect">
+            <a:avLst/>
+          </a:prstGeom>
+        </p:spPr>
+        <p:txBody>
+          <a:bodyPr vert="horz" lIns="91440" tIns="45720" rIns="91440" bIns="45720" rtlCol="0">
+            <a:normAutofit/>
+          </a:bodyPr>
+          <a:lstStyle>
+            <a:lvl1pPr marL="257175" indent="-257175" algn="l" defTabSz="342900" rtl="0" eaLnBrk="1" latinLnBrk="0" hangingPunct="1">
+              <a:spcBef>
+                <a:spcPct val="20000"/>
+              </a:spcBef>
+              <a:buFont typeface="Arial"/>
+              <a:buChar char="•"/>
+              <a:defRPr sz="2400" kern="1200">
+                <a:solidFill>
+                  <a:schemeClr val="tx1"/>
+                </a:solidFill>
+                <a:latin typeface="+mn-lt"/>
+                <a:ea typeface="+mn-ea"/>
+                <a:cs typeface="+mn-cs"/>
+              </a:defRPr>
+            </a:lvl1pPr>
+            <a:lvl2pPr marL="557213" indent="-214313" algn="l" defTabSz="342900" rtl="0" eaLnBrk="1" latinLnBrk="0" hangingPunct="1">
+              <a:spcBef>
+                <a:spcPct val="20000"/>
+              </a:spcBef>
+              <a:buFont typeface="Arial"/>
+              <a:buChar char="–"/>
+              <a:defRPr sz="2100" kern="1200">
+                <a:solidFill>
+                  <a:schemeClr val="tx1"/>
+                </a:solidFill>
+                <a:latin typeface="+mn-lt"/>
+                <a:ea typeface="+mn-ea"/>
+                <a:cs typeface="+mn-cs"/>
+              </a:defRPr>
+            </a:lvl2pPr>
+            <a:lvl3pPr marL="857250" indent="-171450" algn="l" defTabSz="342900" rtl="0" eaLnBrk="1" latinLnBrk="0" hangingPunct="1">
+              <a:spcBef>
+                <a:spcPct val="20000"/>
+              </a:spcBef>
+              <a:buFont typeface="Arial"/>
+              <a:buChar char="•"/>
+              <a:defRPr sz="1800" kern="1200">
+                <a:solidFill>
+                  <a:schemeClr val="tx1"/>
+                </a:solidFill>
+                <a:latin typeface="+mn-lt"/>
+                <a:ea typeface="+mn-ea"/>
+                <a:cs typeface="+mn-cs"/>
+              </a:defRPr>
+            </a:lvl3pPr>
+            <a:lvl4pPr marL="1200150" indent="-171450" algn="l" defTabSz="342900" rtl="0" eaLnBrk="1" latinLnBrk="0" hangingPunct="1">
+              <a:spcBef>
+                <a:spcPct val="20000"/>
+              </a:spcBef>
+              <a:buFont typeface="Arial"/>
+              <a:buChar char="–"/>
+              <a:defRPr sz="1500" kern="1200">
+                <a:solidFill>
+                  <a:schemeClr val="tx1"/>
+                </a:solidFill>
+                <a:latin typeface="+mn-lt"/>
+                <a:ea typeface="+mn-ea"/>
+                <a:cs typeface="+mn-cs"/>
+              </a:defRPr>
+            </a:lvl4pPr>
+            <a:lvl5pPr marL="1543050" indent="-171450" algn="l" defTabSz="342900" rtl="0" eaLnBrk="1" latinLnBrk="0" hangingPunct="1">
+              <a:spcBef>
+                <a:spcPct val="20000"/>
+              </a:spcBef>
+              <a:buFont typeface="Arial"/>
+              <a:buChar char="»"/>
+              <a:defRPr sz="1500" kern="1200">
+                <a:solidFill>
+                  <a:schemeClr val="tx1"/>
+                </a:solidFill>
+                <a:latin typeface="+mn-lt"/>
+                <a:ea typeface="+mn-ea"/>
+                <a:cs typeface="+mn-cs"/>
+              </a:defRPr>
+            </a:lvl5pPr>
+            <a:lvl6pPr marL="1885950" indent="-171450" algn="l" defTabSz="342900" rtl="0" eaLnBrk="1" latinLnBrk="0" hangingPunct="1">
+              <a:spcBef>
+                <a:spcPct val="20000"/>
+              </a:spcBef>
+              <a:buFont typeface="Arial"/>
+              <a:buChar char="•"/>
+              <a:defRPr sz="1500" kern="1200">
+                <a:solidFill>
+                  <a:schemeClr val="tx1"/>
+                </a:solidFill>
+                <a:latin typeface="+mn-lt"/>
+                <a:ea typeface="+mn-ea"/>
+                <a:cs typeface="+mn-cs"/>
+              </a:defRPr>
+            </a:lvl6pPr>
+            <a:lvl7pPr marL="2228850" indent="-171450" algn="l" defTabSz="342900" rtl="0" eaLnBrk="1" latinLnBrk="0" hangingPunct="1">
+              <a:spcBef>
+                <a:spcPct val="20000"/>
+              </a:spcBef>
+              <a:buFont typeface="Arial"/>
+              <a:buChar char="•"/>
+              <a:defRPr sz="1500" kern="1200">
+                <a:solidFill>
+                  <a:schemeClr val="tx1"/>
+                </a:solidFill>
+                <a:latin typeface="+mn-lt"/>
+                <a:ea typeface="+mn-ea"/>
+                <a:cs typeface="+mn-cs"/>
+              </a:defRPr>
+            </a:lvl7pPr>
+            <a:lvl8pPr marL="2571750" indent="-171450" algn="l" defTabSz="342900" rtl="0" eaLnBrk="1" latinLnBrk="0" hangingPunct="1">
+              <a:spcBef>
+                <a:spcPct val="20000"/>
+              </a:spcBef>
+              <a:buFont typeface="Arial"/>
+              <a:buChar char="•"/>
+              <a:defRPr sz="1500" kern="1200">
+                <a:solidFill>
+                  <a:schemeClr val="tx1"/>
+                </a:solidFill>
+                <a:latin typeface="+mn-lt"/>
+                <a:ea typeface="+mn-ea"/>
+                <a:cs typeface="+mn-cs"/>
+              </a:defRPr>
+            </a:lvl8pPr>
+            <a:lvl9pPr marL="2914650" indent="-171450" algn="l" defTabSz="342900" rtl="0" eaLnBrk="1" latinLnBrk="0" hangingPunct="1">
+              <a:spcBef>
+                <a:spcPct val="20000"/>
+              </a:spcBef>
+              <a:buFont typeface="Arial"/>
+              <a:buChar char="•"/>
+              <a:defRPr sz="1500" kern="1200">
+                <a:solidFill>
+                  <a:schemeClr val="tx1"/>
+                </a:solidFill>
+                <a:latin typeface="+mn-lt"/>
+                <a:ea typeface="+mn-ea"/>
+                <a:cs typeface="+mn-cs"/>
+              </a:defRPr>
+            </a:lvl9pPr>
+          </a:lstStyle>
+          <a:p>
+            <a:pPr marL="0" indent="0" algn="just">
+              <a:buFont typeface="Arial"/>
+              <a:buNone/>
+            </a:pPr>
+            <a:endParaRPr lang="it-IT" dirty="0"/>
+          </a:p>
+          <a:p>
+            <a:pPr marL="0" indent="0" algn="just">
+              <a:buFont typeface="Arial"/>
+              <a:buNone/>
+            </a:pPr>
+            <a:endParaRPr lang="it-IT" dirty="0"/>
+          </a:p>
+          <a:p>
+            <a:endParaRPr lang="en-US" sz="2000" dirty="0"/>
+          </a:p>
+        </p:txBody>
+      </p:sp>
+      <p:sp>
+        <p:nvSpPr>
+          <p:cNvPr id="7" name="Titolo 1">
+            <a:extLst>
+              <a:ext uri="{FF2B5EF4-FFF2-40B4-BE49-F238E27FC236}">
+                <a16:creationId xmlns:a16="http://schemas.microsoft.com/office/drawing/2014/main" id="{588E765D-4A18-43EC-9070-BBB19613F406}"/>
+              </a:ext>
+            </a:extLst>
+          </p:cNvPr>
+          <p:cNvSpPr>
+            <a:spLocks noGrp="1"/>
+          </p:cNvSpPr>
+          <p:nvPr>
+            <p:ph type="title"/>
+          </p:nvPr>
+        </p:nvSpPr>
+        <p:spPr>
+          <a:xfrm>
+            <a:off x="457200" y="692696"/>
+            <a:ext cx="8229600" cy="1143000"/>
+          </a:xfrm>
+        </p:spPr>
+        <p:txBody>
+          <a:bodyPr>
+            <a:noAutofit/>
+          </a:bodyPr>
+          <a:lstStyle/>
+          <a:p>
+            <a:r>
+              <a:rPr lang="it-IT" sz="2700" dirty="0"/>
+              <a:t>CONCLUSIONI</a:t>
+            </a:r>
+            <a:endParaRPr lang="en-US" sz="2700" dirty="0"/>
+          </a:p>
+        </p:txBody>
+      </p:sp>
+      <p:sp>
+        <p:nvSpPr>
+          <p:cNvPr id="6" name="Titolo 1">
+            <a:extLst>
+              <a:ext uri="{FF2B5EF4-FFF2-40B4-BE49-F238E27FC236}">
+                <a16:creationId xmlns:a16="http://schemas.microsoft.com/office/drawing/2014/main" id="{32602169-0966-4893-B032-33CFCD986CA0}"/>
+              </a:ext>
+            </a:extLst>
+          </p:cNvPr>
+          <p:cNvSpPr txBox="1">
+            <a:spLocks/>
+          </p:cNvSpPr>
+          <p:nvPr/>
+        </p:nvSpPr>
+        <p:spPr>
+          <a:xfrm>
+            <a:off x="1447800" y="152400"/>
+            <a:ext cx="8229600" cy="1143000"/>
+          </a:xfrm>
+          <a:prstGeom prst="rect">
+            <a:avLst/>
+          </a:prstGeom>
+        </p:spPr>
+        <p:txBody>
+          <a:bodyPr>
+            <a:noAutofit/>
+          </a:bodyPr>
+          <a:lstStyle>
+            <a:lvl1pPr algn="ctr" defTabSz="342900" rtl="0" eaLnBrk="1" latinLnBrk="0" hangingPunct="1">
+              <a:spcBef>
+                <a:spcPct val="0"/>
+              </a:spcBef>
+              <a:buNone/>
+              <a:defRPr sz="3300" kern="1200">
+                <a:solidFill>
+                  <a:schemeClr val="tx1"/>
+                </a:solidFill>
+                <a:latin typeface="+mj-lt"/>
+                <a:ea typeface="+mj-ea"/>
+                <a:cs typeface="+mj-cs"/>
+              </a:defRPr>
+            </a:lvl1pPr>
+          </a:lstStyle>
+          <a:p>
+            <a:r>
+              <a:rPr lang="it-IT" sz="2400" b="1" dirty="0">
+                <a:solidFill>
+                  <a:schemeClr val="bg1"/>
+                </a:solidFill>
+              </a:rPr>
+              <a:t>DATA UNDERSTANDING: </a:t>
+            </a:r>
+            <a:r>
+              <a:rPr lang="it-IT" sz="2400" dirty="0">
+                <a:solidFill>
+                  <a:schemeClr val="bg1"/>
+                </a:solidFill>
+              </a:rPr>
+              <a:t>CONCLUSIONI</a:t>
+            </a:r>
+            <a:endParaRPr lang="en-US" sz="2400" dirty="0">
+              <a:solidFill>
+                <a:schemeClr val="bg1"/>
+              </a:solidFill>
+            </a:endParaRPr>
+          </a:p>
+        </p:txBody>
+      </p:sp>
+      <p:sp>
+        <p:nvSpPr>
+          <p:cNvPr id="2" name="Rectangle 6">
+            <a:extLst>
+              <a:ext uri="{FF2B5EF4-FFF2-40B4-BE49-F238E27FC236}">
+                <a16:creationId xmlns:a16="http://schemas.microsoft.com/office/drawing/2014/main" id="{FC5724C9-24A0-4B40-9A3A-FE717EF7AA55}"/>
+              </a:ext>
+            </a:extLst>
+          </p:cNvPr>
+          <p:cNvSpPr>
+            <a:spLocks noChangeArrowheads="1"/>
+          </p:cNvSpPr>
+          <p:nvPr/>
+        </p:nvSpPr>
+        <p:spPr bwMode="auto">
+          <a:xfrm>
+            <a:off x="0" y="0"/>
+            <a:ext cx="9144000" cy="457200"/>
+          </a:xfrm>
+          <a:prstGeom prst="rect">
+            <a:avLst/>
+          </a:prstGeom>
+          <a:noFill/>
+          <a:ln>
+            <a:noFill/>
+          </a:ln>
+          <a:effectLst/>
+          <a:extLst>
+            <a:ext uri="{909E8E84-426E-40DD-AFC4-6F175D3DCCD1}">
+              <a14:hiddenFill xmlns:a14="http://schemas.microsoft.com/office/drawing/2010/main">
+                <a:solidFill>
+                  <a:schemeClr val="accent1"/>
+                </a:solidFill>
+              </a14:hiddenFill>
+            </a:ext>
+            <a:ext uri="{91240B29-F687-4F45-9708-019B960494DF}">
+              <a14:hiddenLine xmlns:a14="http://schemas.microsoft.com/office/drawing/2010/main" w="9525">
+                <a:solidFill>
+                  <a:schemeClr val="tx1"/>
+                </a:solidFill>
+                <a:miter lim="800000"/>
+                <a:headEnd/>
+                <a:tailEnd/>
+              </a14:hiddenLine>
+            </a:ext>
+            <a:ext uri="{AF507438-7753-43E0-B8FC-AC1667EBCBE1}">
+              <a14:hiddenEffects xmlns:a14="http://schemas.microsoft.com/office/drawing/2010/main">
+                <a:effectLst>
+                  <a:outerShdw dist="35921" dir="2700000" algn="ctr" rotWithShape="0">
+                    <a:schemeClr val="bg2"/>
+                  </a:outerShdw>
+                </a:effectLst>
+              </a14:hiddenEffects>
+            </a:ext>
+          </a:extLst>
+        </p:spPr>
+        <p:txBody>
+          <a:bodyPr vert="horz" wrap="none" lIns="91440" tIns="45720" rIns="91440" bIns="45720" numCol="1" anchor="ctr" anchorCtr="0" compatLnSpc="1">
+            <a:prstTxWarp prst="textNoShape">
+              <a:avLst/>
+            </a:prstTxWarp>
+            <a:spAutoFit/>
+          </a:bodyPr>
+          <a:lstStyle/>
+          <a:p>
+            <a:endParaRPr lang="en-US"/>
+          </a:p>
+        </p:txBody>
+      </p:sp>
+      <p:sp>
+        <p:nvSpPr>
+          <p:cNvPr id="3" name="Rectangle 7">
+            <a:extLst>
+              <a:ext uri="{FF2B5EF4-FFF2-40B4-BE49-F238E27FC236}">
+                <a16:creationId xmlns:a16="http://schemas.microsoft.com/office/drawing/2014/main" id="{C08042F5-96DB-4FE6-B699-C1DFAB71C0C5}"/>
+              </a:ext>
+            </a:extLst>
+          </p:cNvPr>
+          <p:cNvSpPr>
+            <a:spLocks noChangeArrowheads="1"/>
+          </p:cNvSpPr>
+          <p:nvPr/>
+        </p:nvSpPr>
+        <p:spPr bwMode="auto">
+          <a:xfrm>
+            <a:off x="0" y="1838325"/>
+            <a:ext cx="9144000" cy="0"/>
+          </a:xfrm>
+          <a:prstGeom prst="rect">
+            <a:avLst/>
+          </a:prstGeom>
+          <a:noFill/>
+          <a:ln>
+            <a:noFill/>
+          </a:ln>
+          <a:effectLst/>
+          <a:extLst>
+            <a:ext uri="{909E8E84-426E-40DD-AFC4-6F175D3DCCD1}">
+              <a14:hiddenFill xmlns:a14="http://schemas.microsoft.com/office/drawing/2010/main">
+                <a:solidFill>
+                  <a:schemeClr val="accent1"/>
+                </a:solidFill>
+              </a14:hiddenFill>
+            </a:ext>
+            <a:ext uri="{91240B29-F687-4F45-9708-019B960494DF}">
+              <a14:hiddenLine xmlns:a14="http://schemas.microsoft.com/office/drawing/2010/main" w="9525">
+                <a:solidFill>
+                  <a:schemeClr val="tx1"/>
+                </a:solidFill>
+                <a:miter lim="800000"/>
+                <a:headEnd/>
+                <a:tailEnd/>
+              </a14:hiddenLine>
+            </a:ext>
+            <a:ext uri="{AF507438-7753-43E0-B8FC-AC1667EBCBE1}">
+              <a14:hiddenEffects xmlns:a14="http://schemas.microsoft.com/office/drawing/2010/main">
+                <a:effectLst>
+                  <a:outerShdw dist="35921" dir="2700000" algn="ctr" rotWithShape="0">
+                    <a:schemeClr val="bg2"/>
+                  </a:outerShdw>
+                </a:effectLst>
+              </a14:hiddenEffects>
+            </a:ext>
+          </a:extLst>
+        </p:spPr>
+        <p:txBody>
+          <a:bodyPr vert="horz" wrap="none" lIns="91440" tIns="45720" rIns="91440" bIns="45720" numCol="1" anchor="ctr" anchorCtr="0" compatLnSpc="1">
+            <a:prstTxWarp prst="textNoShape">
+              <a:avLst/>
+            </a:prstTxWarp>
+            <a:spAutoFit/>
+          </a:bodyPr>
+          <a:lstStyle/>
+          <a:p>
+            <a:pPr marL="0" marR="0" lvl="0" indent="0" algn="l" defTabSz="914400" rtl="0" eaLnBrk="0" fontAlgn="base" latinLnBrk="0" hangingPunct="0">
+              <a:lnSpc>
+                <a:spcPct val="100000"/>
+              </a:lnSpc>
+              <a:spcBef>
+                <a:spcPct val="0"/>
+              </a:spcBef>
+              <a:spcAft>
+                <a:spcPct val="0"/>
+              </a:spcAft>
+              <a:buClrTx/>
+              <a:buSzTx/>
+              <a:buFontTx/>
+              <a:buNone/>
+              <a:tabLst/>
+            </a:pPr>
+            <a:r>
+              <a:rPr kumimoji="0" lang="it-IT" altLang="en-US" sz="1100" b="0" i="0" u="none" strike="noStrike" cap="none" normalizeH="0" baseline="0">
+                <a:ln>
+                  <a:noFill/>
+                </a:ln>
+                <a:solidFill>
+                  <a:schemeClr val="tx1"/>
+                </a:solidFill>
+                <a:effectLst/>
+                <a:latin typeface="Calibri" panose="020F0502020204030204" pitchFamily="34" charset="0"/>
+                <a:ea typeface="Times New Roman" panose="02020603050405020304" pitchFamily="18" charset="0"/>
+                <a:cs typeface="Times New Roman" panose="02020603050405020304" pitchFamily="18" charset="0"/>
+              </a:rPr>
+              <a:t> </a:t>
+            </a:r>
+            <a:endParaRPr kumimoji="0" lang="it-IT" altLang="en-US" sz="1800" b="0" i="0" u="none" strike="noStrike" cap="none" normalizeH="0" baseline="0">
+              <a:ln>
+                <a:noFill/>
+              </a:ln>
+              <a:solidFill>
+                <a:schemeClr val="tx1"/>
+              </a:solidFill>
+              <a:effectLst/>
+              <a:latin typeface="Arial" panose="020B0604020202020204" pitchFamily="34" charset="0"/>
+            </a:endParaRPr>
+          </a:p>
+        </p:txBody>
+      </p:sp>
+      <p:sp>
+        <p:nvSpPr>
+          <p:cNvPr id="4" name="Rectangle 8">
+            <a:extLst>
+              <a:ext uri="{FF2B5EF4-FFF2-40B4-BE49-F238E27FC236}">
+                <a16:creationId xmlns:a16="http://schemas.microsoft.com/office/drawing/2014/main" id="{E0CBE371-8058-4503-A250-42442AAE21EC}"/>
+              </a:ext>
+            </a:extLst>
+          </p:cNvPr>
+          <p:cNvSpPr>
+            <a:spLocks noChangeArrowheads="1"/>
+          </p:cNvSpPr>
+          <p:nvPr/>
+        </p:nvSpPr>
+        <p:spPr bwMode="auto">
+          <a:xfrm>
+            <a:off x="0" y="3219450"/>
+            <a:ext cx="9144000" cy="0"/>
+          </a:xfrm>
+          <a:prstGeom prst="rect">
+            <a:avLst/>
+          </a:prstGeom>
+          <a:noFill/>
+          <a:ln>
+            <a:noFill/>
+          </a:ln>
+          <a:effectLst/>
+          <a:extLst>
+            <a:ext uri="{909E8E84-426E-40DD-AFC4-6F175D3DCCD1}">
+              <a14:hiddenFill xmlns:a14="http://schemas.microsoft.com/office/drawing/2010/main">
+                <a:solidFill>
+                  <a:schemeClr val="accent1"/>
+                </a:solidFill>
+              </a14:hiddenFill>
+            </a:ext>
+            <a:ext uri="{91240B29-F687-4F45-9708-019B960494DF}">
+              <a14:hiddenLine xmlns:a14="http://schemas.microsoft.com/office/drawing/2010/main" w="9525">
+                <a:solidFill>
+                  <a:schemeClr val="tx1"/>
+                </a:solidFill>
+                <a:miter lim="800000"/>
+                <a:headEnd/>
+                <a:tailEnd/>
+              </a14:hiddenLine>
+            </a:ext>
+            <a:ext uri="{AF507438-7753-43E0-B8FC-AC1667EBCBE1}">
+              <a14:hiddenEffects xmlns:a14="http://schemas.microsoft.com/office/drawing/2010/main">
+                <a:effectLst>
+                  <a:outerShdw dist="35921" dir="2700000" algn="ctr" rotWithShape="0">
+                    <a:schemeClr val="bg2"/>
+                  </a:outerShdw>
+                </a:effectLst>
+              </a14:hiddenEffects>
+            </a:ext>
+          </a:extLst>
+        </p:spPr>
+        <p:txBody>
+          <a:bodyPr vert="horz" wrap="none" lIns="91440" tIns="45720" rIns="91440" bIns="45720" numCol="1" anchor="ctr" anchorCtr="0" compatLnSpc="1">
+            <a:prstTxWarp prst="textNoShape">
+              <a:avLst/>
+            </a:prstTxWarp>
+            <a:spAutoFit/>
+          </a:bodyPr>
+          <a:lstStyle/>
+          <a:p>
+            <a:pPr marL="0" marR="0" lvl="0" indent="0" algn="l" defTabSz="914400" rtl="0" eaLnBrk="0" fontAlgn="base" latinLnBrk="0" hangingPunct="0">
+              <a:lnSpc>
+                <a:spcPct val="100000"/>
+              </a:lnSpc>
+              <a:spcBef>
+                <a:spcPct val="0"/>
+              </a:spcBef>
+              <a:spcAft>
+                <a:spcPct val="0"/>
+              </a:spcAft>
+              <a:buClrTx/>
+              <a:buSzTx/>
+              <a:buFontTx/>
+              <a:buNone/>
+              <a:tabLst/>
+            </a:pPr>
+            <a:r>
+              <a:rPr kumimoji="0" lang="it-IT" altLang="en-US" sz="1100" b="0" i="0" u="none" strike="noStrike" cap="none" normalizeH="0" baseline="0">
+                <a:ln>
+                  <a:noFill/>
+                </a:ln>
+                <a:solidFill>
+                  <a:schemeClr val="tx1"/>
+                </a:solidFill>
+                <a:effectLst/>
+                <a:latin typeface="Calibri" panose="020F0502020204030204" pitchFamily="34" charset="0"/>
+                <a:ea typeface="Times New Roman" panose="02020603050405020304" pitchFamily="18" charset="0"/>
+                <a:cs typeface="Times New Roman" panose="02020603050405020304" pitchFamily="18" charset="0"/>
+              </a:rPr>
+              <a:t> </a:t>
+            </a:r>
+            <a:endParaRPr kumimoji="0" lang="it-IT" altLang="en-US" sz="1800" b="0" i="0" u="none" strike="noStrike" cap="none" normalizeH="0" baseline="0">
+              <a:ln>
+                <a:noFill/>
+              </a:ln>
+              <a:solidFill>
+                <a:schemeClr val="tx1"/>
+              </a:solidFill>
+              <a:effectLst/>
+              <a:latin typeface="Arial" panose="020B0604020202020204" pitchFamily="34" charset="0"/>
+            </a:endParaRPr>
+          </a:p>
+        </p:txBody>
+      </p:sp>
+      <p:sp>
+        <p:nvSpPr>
+          <p:cNvPr id="10" name="Rectangle 9">
+            <a:extLst>
+              <a:ext uri="{FF2B5EF4-FFF2-40B4-BE49-F238E27FC236}">
+                <a16:creationId xmlns:a16="http://schemas.microsoft.com/office/drawing/2014/main" id="{99468FB6-6461-4A91-9E0B-2B3FC25F715E}"/>
+              </a:ext>
+            </a:extLst>
+          </p:cNvPr>
+          <p:cNvSpPr>
+            <a:spLocks noChangeArrowheads="1"/>
+          </p:cNvSpPr>
+          <p:nvPr/>
+        </p:nvSpPr>
+        <p:spPr bwMode="auto">
+          <a:xfrm>
+            <a:off x="0" y="4600575"/>
+            <a:ext cx="9144000" cy="0"/>
+          </a:xfrm>
+          <a:prstGeom prst="rect">
+            <a:avLst/>
+          </a:prstGeom>
+          <a:noFill/>
+          <a:ln>
+            <a:noFill/>
+          </a:ln>
+          <a:effectLst/>
+          <a:extLst>
+            <a:ext uri="{909E8E84-426E-40DD-AFC4-6F175D3DCCD1}">
+              <a14:hiddenFill xmlns:a14="http://schemas.microsoft.com/office/drawing/2010/main">
+                <a:solidFill>
+                  <a:schemeClr val="accent1"/>
+                </a:solidFill>
+              </a14:hiddenFill>
+            </a:ext>
+            <a:ext uri="{91240B29-F687-4F45-9708-019B960494DF}">
+              <a14:hiddenLine xmlns:a14="http://schemas.microsoft.com/office/drawing/2010/main" w="9525">
+                <a:solidFill>
+                  <a:schemeClr val="tx1"/>
+                </a:solidFill>
+                <a:miter lim="800000"/>
+                <a:headEnd/>
+                <a:tailEnd/>
+              </a14:hiddenLine>
+            </a:ext>
+            <a:ext uri="{AF507438-7753-43E0-B8FC-AC1667EBCBE1}">
+              <a14:hiddenEffects xmlns:a14="http://schemas.microsoft.com/office/drawing/2010/main">
+                <a:effectLst>
+                  <a:outerShdw dist="35921" dir="2700000" algn="ctr" rotWithShape="0">
+                    <a:schemeClr val="bg2"/>
+                  </a:outerShdw>
+                </a:effectLst>
+              </a14:hiddenEffects>
+            </a:ext>
+          </a:extLst>
+        </p:spPr>
+        <p:txBody>
+          <a:bodyPr vert="horz" wrap="none" lIns="91440" tIns="45720" rIns="91440" bIns="45720" numCol="1" anchor="ctr" anchorCtr="0" compatLnSpc="1">
+            <a:prstTxWarp prst="textNoShape">
+              <a:avLst/>
+            </a:prstTxWarp>
+            <a:spAutoFit/>
+          </a:bodyPr>
+          <a:lstStyle/>
+          <a:p>
+            <a:pPr marL="0" marR="0" lvl="0" indent="0" algn="l" defTabSz="914400" rtl="0" eaLnBrk="0" fontAlgn="base" latinLnBrk="0" hangingPunct="0">
+              <a:lnSpc>
+                <a:spcPct val="100000"/>
+              </a:lnSpc>
+              <a:spcBef>
+                <a:spcPct val="0"/>
+              </a:spcBef>
+              <a:spcAft>
+                <a:spcPct val="0"/>
+              </a:spcAft>
+              <a:buClrTx/>
+              <a:buSzTx/>
+              <a:buFontTx/>
+              <a:buNone/>
+              <a:tabLst/>
+            </a:pPr>
+            <a:r>
+              <a:rPr kumimoji="0" lang="it-IT" altLang="en-US" sz="1100" b="0" i="0" u="none" strike="noStrike" cap="none" normalizeH="0" baseline="0">
+                <a:ln>
+                  <a:noFill/>
+                </a:ln>
+                <a:solidFill>
+                  <a:schemeClr val="tx1"/>
+                </a:solidFill>
+                <a:effectLst/>
+                <a:latin typeface="Calibri" panose="020F0502020204030204" pitchFamily="34" charset="0"/>
+                <a:ea typeface="Times New Roman" panose="02020603050405020304" pitchFamily="18" charset="0"/>
+                <a:cs typeface="Times New Roman" panose="02020603050405020304" pitchFamily="18" charset="0"/>
+              </a:rPr>
+              <a:t> </a:t>
+            </a:r>
+            <a:endParaRPr kumimoji="0" lang="it-IT" altLang="en-US" sz="1800" b="0" i="0" u="none" strike="noStrike" cap="none" normalizeH="0" baseline="0">
+              <a:ln>
+                <a:noFill/>
+              </a:ln>
+              <a:solidFill>
+                <a:schemeClr val="tx1"/>
+              </a:solidFill>
+              <a:effectLst/>
+              <a:latin typeface="Arial" panose="020B0604020202020204" pitchFamily="34" charset="0"/>
+            </a:endParaRPr>
+          </a:p>
+        </p:txBody>
+      </p:sp>
+      <p:sp>
+        <p:nvSpPr>
+          <p:cNvPr id="11" name="Rectangle 10">
+            <a:extLst>
+              <a:ext uri="{FF2B5EF4-FFF2-40B4-BE49-F238E27FC236}">
+                <a16:creationId xmlns:a16="http://schemas.microsoft.com/office/drawing/2014/main" id="{E4D9815E-FC57-48D4-9710-C34FDAE236EF}"/>
+              </a:ext>
+            </a:extLst>
+          </p:cNvPr>
+          <p:cNvSpPr>
+            <a:spLocks noChangeArrowheads="1"/>
+          </p:cNvSpPr>
+          <p:nvPr/>
+        </p:nvSpPr>
+        <p:spPr bwMode="auto">
+          <a:xfrm>
+            <a:off x="0" y="6000750"/>
+            <a:ext cx="9144000" cy="0"/>
+          </a:xfrm>
+          <a:prstGeom prst="rect">
+            <a:avLst/>
+          </a:prstGeom>
+          <a:noFill/>
+          <a:ln>
+            <a:noFill/>
+          </a:ln>
+          <a:effectLst/>
+          <a:extLst>
+            <a:ext uri="{909E8E84-426E-40DD-AFC4-6F175D3DCCD1}">
+              <a14:hiddenFill xmlns:a14="http://schemas.microsoft.com/office/drawing/2010/main">
+                <a:solidFill>
+                  <a:schemeClr val="accent1"/>
+                </a:solidFill>
+              </a14:hiddenFill>
+            </a:ext>
+            <a:ext uri="{91240B29-F687-4F45-9708-019B960494DF}">
+              <a14:hiddenLine xmlns:a14="http://schemas.microsoft.com/office/drawing/2010/main" w="9525">
+                <a:solidFill>
+                  <a:schemeClr val="tx1"/>
+                </a:solidFill>
+                <a:miter lim="800000"/>
+                <a:headEnd/>
+                <a:tailEnd/>
+              </a14:hiddenLine>
+            </a:ext>
+            <a:ext uri="{AF507438-7753-43E0-B8FC-AC1667EBCBE1}">
+              <a14:hiddenEffects xmlns:a14="http://schemas.microsoft.com/office/drawing/2010/main">
+                <a:effectLst>
+                  <a:outerShdw dist="35921" dir="2700000" algn="ctr" rotWithShape="0">
+                    <a:schemeClr val="bg2"/>
+                  </a:outerShdw>
+                </a:effectLst>
+              </a14:hiddenEffects>
+            </a:ext>
+          </a:extLst>
+        </p:spPr>
+        <p:txBody>
+          <a:bodyPr vert="horz" wrap="none" lIns="91440" tIns="45720" rIns="91440" bIns="45720" numCol="1" anchor="ctr" anchorCtr="0" compatLnSpc="1">
+            <a:prstTxWarp prst="textNoShape">
+              <a:avLst/>
+            </a:prstTxWarp>
+            <a:spAutoFit/>
+          </a:bodyPr>
+          <a:lstStyle/>
+          <a:p>
+            <a:pPr marL="0" marR="0" lvl="0" indent="0" algn="l" defTabSz="914400" rtl="0" eaLnBrk="0" fontAlgn="base" latinLnBrk="0" hangingPunct="0">
+              <a:lnSpc>
+                <a:spcPct val="100000"/>
+              </a:lnSpc>
+              <a:spcBef>
+                <a:spcPct val="0"/>
+              </a:spcBef>
+              <a:spcAft>
+                <a:spcPct val="0"/>
+              </a:spcAft>
+              <a:buClrTx/>
+              <a:buSzTx/>
+              <a:buFontTx/>
+              <a:buNone/>
+              <a:tabLst/>
+            </a:pPr>
+            <a:r>
+              <a:rPr kumimoji="0" lang="it-IT" altLang="en-US" sz="1100" b="0" i="0" u="none" strike="noStrike" cap="none" normalizeH="0" baseline="0">
+                <a:ln>
+                  <a:noFill/>
+                </a:ln>
+                <a:solidFill>
+                  <a:schemeClr val="tx1"/>
+                </a:solidFill>
+                <a:effectLst/>
+                <a:latin typeface="Calibri" panose="020F0502020204030204" pitchFamily="34" charset="0"/>
+                <a:ea typeface="Times New Roman" panose="02020603050405020304" pitchFamily="18" charset="0"/>
+                <a:cs typeface="Times New Roman" panose="02020603050405020304" pitchFamily="18" charset="0"/>
+              </a:rPr>
+              <a:t> </a:t>
+            </a:r>
+            <a:endParaRPr kumimoji="0" lang="it-IT" altLang="en-US" sz="1800" b="0" i="0" u="none" strike="noStrike" cap="none" normalizeH="0" baseline="0">
+              <a:ln>
+                <a:noFill/>
+              </a:ln>
+              <a:solidFill>
+                <a:schemeClr val="tx1"/>
+              </a:solidFill>
+              <a:effectLst/>
+              <a:latin typeface="Arial" panose="020B0604020202020204" pitchFamily="34" charset="0"/>
+            </a:endParaRPr>
+          </a:p>
+        </p:txBody>
+      </p:sp>
+    </p:spTree>
+    <p:extLst>
+      <p:ext uri="{BB962C8B-B14F-4D97-AF65-F5344CB8AC3E}">
+        <p14:creationId xmlns:p14="http://schemas.microsoft.com/office/powerpoint/2010/main" val="1056726952"/>
+      </p:ext>
+    </p:extLst>
+  </p:cSld>
+  <p:clrMapOvr>
+    <a:masterClrMapping/>
+  </p:clrMapOvr>
 </p:sld>
 </file>
 
@@ -7153,7 +10240,7 @@
           <p:cNvPr id="4" name="Segnaposto contenuto 3">
             <a:extLst>
               <a:ext uri="{FF2B5EF4-FFF2-40B4-BE49-F238E27FC236}">
-                <a16:creationId xmlns="" xmlns:a16="http://schemas.microsoft.com/office/drawing/2014/main" id="{03B2811F-5DE8-42D1-8BA0-DFADE2068770}"/>
+                <a16:creationId xmlns:a16="http://schemas.microsoft.com/office/drawing/2014/main" id="{03B2811F-5DE8-42D1-8BA0-DFADE2068770}"/>
               </a:ext>
             </a:extLst>
           </p:cNvPr>
@@ -7163,7 +10250,7 @@
           <p:nvPr>
             <p:extLst>
               <p:ext uri="{D42A27DB-BD31-4B8C-83A1-F6EECF244321}">
-                <p14:modId xmlns="" xmlns:p14="http://schemas.microsoft.com/office/powerpoint/2010/main" val="2417831910"/>
+                <p14:modId xmlns:p14="http://schemas.microsoft.com/office/powerpoint/2010/main" val="2417831910"/>
               </p:ext>
             </p:extLst>
           </p:nvPr>
@@ -7182,70 +10269,70 @@
                 <a:gridCol w="623214">
                   <a:extLst>
                     <a:ext uri="{9D8B030D-6E8A-4147-A177-3AD203B41FA5}">
-                      <a16:colId xmlns="" xmlns:a16="http://schemas.microsoft.com/office/drawing/2014/main" val="807059028"/>
+                      <a16:colId xmlns:a16="http://schemas.microsoft.com/office/drawing/2014/main" val="807059028"/>
                     </a:ext>
                   </a:extLst>
                 </a:gridCol>
                 <a:gridCol w="537674">
                   <a:extLst>
                     <a:ext uri="{9D8B030D-6E8A-4147-A177-3AD203B41FA5}">
-                      <a16:colId xmlns="" xmlns:a16="http://schemas.microsoft.com/office/drawing/2014/main" val="3957048853"/>
+                      <a16:colId xmlns:a16="http://schemas.microsoft.com/office/drawing/2014/main" val="3957048853"/>
                     </a:ext>
                   </a:extLst>
                 </a:gridCol>
                 <a:gridCol w="782072">
                   <a:extLst>
                     <a:ext uri="{9D8B030D-6E8A-4147-A177-3AD203B41FA5}">
-                      <a16:colId xmlns="" xmlns:a16="http://schemas.microsoft.com/office/drawing/2014/main" val="3530217452"/>
+                      <a16:colId xmlns:a16="http://schemas.microsoft.com/office/drawing/2014/main" val="3530217452"/>
                     </a:ext>
                   </a:extLst>
                 </a:gridCol>
                 <a:gridCol w="1050908">
                   <a:extLst>
                     <a:ext uri="{9D8B030D-6E8A-4147-A177-3AD203B41FA5}">
-                      <a16:colId xmlns="" xmlns:a16="http://schemas.microsoft.com/office/drawing/2014/main" val="2216707341"/>
+                      <a16:colId xmlns:a16="http://schemas.microsoft.com/office/drawing/2014/main" val="2216707341"/>
                     </a:ext>
                   </a:extLst>
                 </a:gridCol>
                 <a:gridCol w="818731">
                   <a:extLst>
                     <a:ext uri="{9D8B030D-6E8A-4147-A177-3AD203B41FA5}">
-                      <a16:colId xmlns="" xmlns:a16="http://schemas.microsoft.com/office/drawing/2014/main" val="958190292"/>
+                      <a16:colId xmlns:a16="http://schemas.microsoft.com/office/drawing/2014/main" val="958190292"/>
                     </a:ext>
                   </a:extLst>
                 </a:gridCol>
                 <a:gridCol w="366596">
                   <a:extLst>
                     <a:ext uri="{9D8B030D-6E8A-4147-A177-3AD203B41FA5}">
-                      <a16:colId xmlns="" xmlns:a16="http://schemas.microsoft.com/office/drawing/2014/main" val="424608249"/>
+                      <a16:colId xmlns:a16="http://schemas.microsoft.com/office/drawing/2014/main" val="424608249"/>
                     </a:ext>
                   </a:extLst>
                 </a:gridCol>
                 <a:gridCol w="724028">
                   <a:extLst>
                     <a:ext uri="{9D8B030D-6E8A-4147-A177-3AD203B41FA5}">
-                      <a16:colId xmlns="" xmlns:a16="http://schemas.microsoft.com/office/drawing/2014/main" val="1424326084"/>
+                      <a16:colId xmlns:a16="http://schemas.microsoft.com/office/drawing/2014/main" val="1424326084"/>
                     </a:ext>
                   </a:extLst>
                 </a:gridCol>
                 <a:gridCol w="366596">
                   <a:extLst>
                     <a:ext uri="{9D8B030D-6E8A-4147-A177-3AD203B41FA5}">
-                      <a16:colId xmlns="" xmlns:a16="http://schemas.microsoft.com/office/drawing/2014/main" val="3392580486"/>
+                      <a16:colId xmlns:a16="http://schemas.microsoft.com/office/drawing/2014/main" val="3392580486"/>
                     </a:ext>
                   </a:extLst>
                 </a:gridCol>
                 <a:gridCol w="724028">
                   <a:extLst>
                     <a:ext uri="{9D8B030D-6E8A-4147-A177-3AD203B41FA5}">
-                      <a16:colId xmlns="" xmlns:a16="http://schemas.microsoft.com/office/drawing/2014/main" val="1129838862"/>
+                      <a16:colId xmlns:a16="http://schemas.microsoft.com/office/drawing/2014/main" val="1129838862"/>
                     </a:ext>
                   </a:extLst>
                 </a:gridCol>
                 <a:gridCol w="378816">
                   <a:extLst>
                     <a:ext uri="{9D8B030D-6E8A-4147-A177-3AD203B41FA5}">
-                      <a16:colId xmlns="" xmlns:a16="http://schemas.microsoft.com/office/drawing/2014/main" val="1356684913"/>
+                      <a16:colId xmlns:a16="http://schemas.microsoft.com/office/drawing/2014/main" val="1356684913"/>
                     </a:ext>
                   </a:extLst>
                 </a:gridCol>
@@ -7487,7 +10574,7 @@
                 </a:tc>
                 <a:extLst>
                   <a:ext uri="{0D108BD9-81ED-4DB2-BD59-A6C34878D82A}">
-                    <a16:rowId xmlns="" xmlns:a16="http://schemas.microsoft.com/office/drawing/2014/main" val="237637119"/>
+                    <a16:rowId xmlns:a16="http://schemas.microsoft.com/office/drawing/2014/main" val="237637119"/>
                   </a:ext>
                 </a:extLst>
               </a:tr>
@@ -7728,7 +10815,7 @@
                 </a:tc>
                 <a:extLst>
                   <a:ext uri="{0D108BD9-81ED-4DB2-BD59-A6C34878D82A}">
-                    <a16:rowId xmlns="" xmlns:a16="http://schemas.microsoft.com/office/drawing/2014/main" val="178595908"/>
+                    <a16:rowId xmlns:a16="http://schemas.microsoft.com/office/drawing/2014/main" val="178595908"/>
                   </a:ext>
                 </a:extLst>
               </a:tr>
@@ -7969,7 +11056,7 @@
                 </a:tc>
                 <a:extLst>
                   <a:ext uri="{0D108BD9-81ED-4DB2-BD59-A6C34878D82A}">
-                    <a16:rowId xmlns="" xmlns:a16="http://schemas.microsoft.com/office/drawing/2014/main" val="3483033991"/>
+                    <a16:rowId xmlns:a16="http://schemas.microsoft.com/office/drawing/2014/main" val="3483033991"/>
                   </a:ext>
                 </a:extLst>
               </a:tr>
@@ -8210,7 +11297,7 @@
                 </a:tc>
                 <a:extLst>
                   <a:ext uri="{0D108BD9-81ED-4DB2-BD59-A6C34878D82A}">
-                    <a16:rowId xmlns="" xmlns:a16="http://schemas.microsoft.com/office/drawing/2014/main" val="3226898549"/>
+                    <a16:rowId xmlns:a16="http://schemas.microsoft.com/office/drawing/2014/main" val="3226898549"/>
                   </a:ext>
                 </a:extLst>
               </a:tr>
@@ -8451,7 +11538,7 @@
                 </a:tc>
                 <a:extLst>
                   <a:ext uri="{0D108BD9-81ED-4DB2-BD59-A6C34878D82A}">
-                    <a16:rowId xmlns="" xmlns:a16="http://schemas.microsoft.com/office/drawing/2014/main" val="4100195534"/>
+                    <a16:rowId xmlns:a16="http://schemas.microsoft.com/office/drawing/2014/main" val="4100195534"/>
                   </a:ext>
                 </a:extLst>
               </a:tr>
@@ -8692,7 +11779,7 @@
                 </a:tc>
                 <a:extLst>
                   <a:ext uri="{0D108BD9-81ED-4DB2-BD59-A6C34878D82A}">
-                    <a16:rowId xmlns="" xmlns:a16="http://schemas.microsoft.com/office/drawing/2014/main" val="873627976"/>
+                    <a16:rowId xmlns:a16="http://schemas.microsoft.com/office/drawing/2014/main" val="873627976"/>
                   </a:ext>
                 </a:extLst>
               </a:tr>
@@ -8705,7 +11792,7 @@
           <p:cNvPr id="5" name="CasellaDiTesto 4">
             <a:extLst>
               <a:ext uri="{FF2B5EF4-FFF2-40B4-BE49-F238E27FC236}">
-                <a16:creationId xmlns="" xmlns:a16="http://schemas.microsoft.com/office/drawing/2014/main" id="{4839FC3D-5F35-4ED1-80D7-54F621353955}"/>
+                <a16:creationId xmlns:a16="http://schemas.microsoft.com/office/drawing/2014/main" id="{4839FC3D-5F35-4ED1-80D7-54F621353955}"/>
               </a:ext>
             </a:extLst>
           </p:cNvPr>
@@ -8745,7 +11832,7 @@
           <p:cNvPr id="6" name="CasellaDiTesto 5">
             <a:extLst>
               <a:ext uri="{FF2B5EF4-FFF2-40B4-BE49-F238E27FC236}">
-                <a16:creationId xmlns="" xmlns:a16="http://schemas.microsoft.com/office/drawing/2014/main" id="{358BE0C9-56D0-4996-A83C-BA5CB4041A73}"/>
+                <a16:creationId xmlns:a16="http://schemas.microsoft.com/office/drawing/2014/main" id="{358BE0C9-56D0-4996-A83C-BA5CB4041A73}"/>
               </a:ext>
             </a:extLst>
           </p:cNvPr>
@@ -8785,7 +11872,7 @@
           <p:cNvPr id="7" name="Parentesi graffa aperta 6">
             <a:extLst>
               <a:ext uri="{FF2B5EF4-FFF2-40B4-BE49-F238E27FC236}">
-                <a16:creationId xmlns="" xmlns:a16="http://schemas.microsoft.com/office/drawing/2014/main" id="{3812CE3F-F149-44E9-8AF6-22A08F7F5DA5}"/>
+                <a16:creationId xmlns:a16="http://schemas.microsoft.com/office/drawing/2014/main" id="{3812CE3F-F149-44E9-8AF6-22A08F7F5DA5}"/>
               </a:ext>
             </a:extLst>
           </p:cNvPr>
@@ -8833,7 +11920,7 @@
           <p:cNvPr id="8" name="Parentesi graffa aperta 7">
             <a:extLst>
               <a:ext uri="{FF2B5EF4-FFF2-40B4-BE49-F238E27FC236}">
-                <a16:creationId xmlns="" xmlns:a16="http://schemas.microsoft.com/office/drawing/2014/main" id="{490FED5E-FA7D-48B9-B708-A87236365557}"/>
+                <a16:creationId xmlns:a16="http://schemas.microsoft.com/office/drawing/2014/main" id="{490FED5E-FA7D-48B9-B708-A87236365557}"/>
               </a:ext>
             </a:extLst>
           </p:cNvPr>
@@ -8880,7 +11967,7 @@
           <p:cNvPr id="9" name="Parentesi graffa aperta 8">
             <a:extLst>
               <a:ext uri="{FF2B5EF4-FFF2-40B4-BE49-F238E27FC236}">
-                <a16:creationId xmlns="" xmlns:a16="http://schemas.microsoft.com/office/drawing/2014/main" id="{8AD44BE2-ACD6-4E6D-AC66-F9D3093A6EFF}"/>
+                <a16:creationId xmlns:a16="http://schemas.microsoft.com/office/drawing/2014/main" id="{8AD44BE2-ACD6-4E6D-AC66-F9D3093A6EFF}"/>
               </a:ext>
             </a:extLst>
           </p:cNvPr>
@@ -8927,7 +12014,7 @@
           <p:cNvPr id="11" name="Titolo 1">
             <a:extLst>
               <a:ext uri="{FF2B5EF4-FFF2-40B4-BE49-F238E27FC236}">
-                <a16:creationId xmlns="" xmlns:a16="http://schemas.microsoft.com/office/drawing/2014/main" id="{E4B142F6-989A-44B5-AF67-3A1BB4088781}"/>
+                <a16:creationId xmlns:a16="http://schemas.microsoft.com/office/drawing/2014/main" id="{E4B142F6-989A-44B5-AF67-3A1BB4088781}"/>
               </a:ext>
             </a:extLst>
           </p:cNvPr>
@@ -8985,20 +12072,13 @@
     </p:spTree>
     <p:extLst>
       <p:ext uri="{BB962C8B-B14F-4D97-AF65-F5344CB8AC3E}">
-        <p14:creationId xmlns="" xmlns:p14="http://schemas.microsoft.com/office/powerpoint/2010/main" val="352598867"/>
+        <p14:creationId xmlns:p14="http://schemas.microsoft.com/office/powerpoint/2010/main" val="352598867"/>
       </p:ext>
     </p:extLst>
   </p:cSld>
   <p:clrMapOvr>
     <a:masterClrMapping/>
   </p:clrMapOvr>
-  <p:timing>
-    <p:tnLst>
-      <p:par>
-        <p:cTn id="1" dur="indefinite" restart="never" nodeType="tmRoot"/>
-      </p:par>
-    </p:tnLst>
-  </p:timing>
 </p:sld>
 </file>
 
@@ -9024,7 +12104,7 @@
           <p:cNvPr id="2" name="Titolo 1">
             <a:extLst>
               <a:ext uri="{FF2B5EF4-FFF2-40B4-BE49-F238E27FC236}">
-                <a16:creationId xmlns="" xmlns:a16="http://schemas.microsoft.com/office/drawing/2014/main" id="{B9DB8311-28AC-4322-BAB4-1A023048D71F}"/>
+                <a16:creationId xmlns:a16="http://schemas.microsoft.com/office/drawing/2014/main" id="{B9DB8311-28AC-4322-BAB4-1A023048D71F}"/>
               </a:ext>
             </a:extLst>
           </p:cNvPr>
@@ -9071,7 +12151,7 @@
           <p:cNvPr id="3" name="Segnaposto contenuto 2">
             <a:extLst>
               <a:ext uri="{FF2B5EF4-FFF2-40B4-BE49-F238E27FC236}">
-                <a16:creationId xmlns="" xmlns:a16="http://schemas.microsoft.com/office/drawing/2014/main" id="{CC238F9E-7369-42B5-8E90-F7EFC93ED268}"/>
+                <a16:creationId xmlns:a16="http://schemas.microsoft.com/office/drawing/2014/main" id="{CC238F9E-7369-42B5-8E90-F7EFC93ED268}"/>
               </a:ext>
             </a:extLst>
           </p:cNvPr>
@@ -9135,7 +12215,7 @@
           <p:cNvPr id="4" name="CasellaDiTesto 3">
             <a:extLst>
               <a:ext uri="{FF2B5EF4-FFF2-40B4-BE49-F238E27FC236}">
-                <a16:creationId xmlns="" xmlns:a16="http://schemas.microsoft.com/office/drawing/2014/main" id="{4D7DE968-07D5-4816-AE85-8F06E200182B}"/>
+                <a16:creationId xmlns:a16="http://schemas.microsoft.com/office/drawing/2014/main" id="{4D7DE968-07D5-4816-AE85-8F06E200182B}"/>
               </a:ext>
             </a:extLst>
           </p:cNvPr>
@@ -9575,20 +12655,13 @@
     </p:spTree>
     <p:extLst>
       <p:ext uri="{BB962C8B-B14F-4D97-AF65-F5344CB8AC3E}">
-        <p14:creationId xmlns="" xmlns:p14="http://schemas.microsoft.com/office/powerpoint/2010/main" val="2530630329"/>
+        <p14:creationId xmlns:p14="http://schemas.microsoft.com/office/powerpoint/2010/main" val="2530630329"/>
       </p:ext>
     </p:extLst>
   </p:cSld>
   <p:clrMapOvr>
     <a:masterClrMapping/>
   </p:clrMapOvr>
-  <p:timing>
-    <p:tnLst>
-      <p:par>
-        <p:cTn id="1" dur="indefinite" restart="never" nodeType="tmRoot"/>
-      </p:par>
-    </p:tnLst>
-  </p:timing>
 </p:sld>
 </file>
 
@@ -9614,7 +12687,7 @@
           <p:cNvPr id="2" name="Titolo 1">
             <a:extLst>
               <a:ext uri="{FF2B5EF4-FFF2-40B4-BE49-F238E27FC236}">
-                <a16:creationId xmlns="" xmlns:a16="http://schemas.microsoft.com/office/drawing/2014/main" id="{A2D4967C-09DD-4EA6-AC32-17512312F7E2}"/>
+                <a16:creationId xmlns:a16="http://schemas.microsoft.com/office/drawing/2014/main" id="{A2D4967C-09DD-4EA6-AC32-17512312F7E2}"/>
               </a:ext>
             </a:extLst>
           </p:cNvPr>
@@ -9661,7 +12734,7 @@
           <p:cNvPr id="3" name="Segnaposto contenuto 2">
             <a:extLst>
               <a:ext uri="{FF2B5EF4-FFF2-40B4-BE49-F238E27FC236}">
-                <a16:creationId xmlns="" xmlns:a16="http://schemas.microsoft.com/office/drawing/2014/main" id="{23407BAC-789A-4215-9D0F-526E6C25FC7F}"/>
+                <a16:creationId xmlns:a16="http://schemas.microsoft.com/office/drawing/2014/main" id="{23407BAC-789A-4215-9D0F-526E6C25FC7F}"/>
               </a:ext>
             </a:extLst>
           </p:cNvPr>
@@ -9784,20 +12857,13 @@
     </p:spTree>
     <p:extLst>
       <p:ext uri="{BB962C8B-B14F-4D97-AF65-F5344CB8AC3E}">
-        <p14:creationId xmlns="" xmlns:p14="http://schemas.microsoft.com/office/powerpoint/2010/main" val="529427341"/>
+        <p14:creationId xmlns:p14="http://schemas.microsoft.com/office/powerpoint/2010/main" val="529427341"/>
       </p:ext>
     </p:extLst>
   </p:cSld>
   <p:clrMapOvr>
     <a:masterClrMapping/>
   </p:clrMapOvr>
-  <p:timing>
-    <p:tnLst>
-      <p:par>
-        <p:cTn id="1" dur="indefinite" restart="never" nodeType="tmRoot"/>
-      </p:par>
-    </p:tnLst>
-  </p:timing>
 </p:sld>
 </file>
 
@@ -9823,7 +12889,7 @@
           <p:cNvPr id="4" name="CasellaDiTesto 3">
             <a:extLst>
               <a:ext uri="{FF2B5EF4-FFF2-40B4-BE49-F238E27FC236}">
-                <a16:creationId xmlns="" xmlns:a16="http://schemas.microsoft.com/office/drawing/2014/main" id="{B948AE74-754E-4EF7-AC16-36C5BC20D8A2}"/>
+                <a16:creationId xmlns:a16="http://schemas.microsoft.com/office/drawing/2014/main" id="{B948AE74-754E-4EF7-AC16-36C5BC20D8A2}"/>
               </a:ext>
             </a:extLst>
           </p:cNvPr>
@@ -10272,7 +13338,7 @@
           <p:cNvPr id="5" name="Titolo 1">
             <a:extLst>
               <a:ext uri="{FF2B5EF4-FFF2-40B4-BE49-F238E27FC236}">
-                <a16:creationId xmlns="" xmlns:a16="http://schemas.microsoft.com/office/drawing/2014/main" id="{93988BB5-A413-49BA-BC9C-68388EF5A744}"/>
+                <a16:creationId xmlns:a16="http://schemas.microsoft.com/office/drawing/2014/main" id="{93988BB5-A413-49BA-BC9C-68388EF5A744}"/>
               </a:ext>
             </a:extLst>
           </p:cNvPr>
@@ -10340,7 +13406,7 @@
           <p:cNvPr id="8" name="Segnaposto contenuto 2">
             <a:extLst>
               <a:ext uri="{FF2B5EF4-FFF2-40B4-BE49-F238E27FC236}">
-                <a16:creationId xmlns="" xmlns:a16="http://schemas.microsoft.com/office/drawing/2014/main" id="{C2E44FE5-CCA1-4E8F-905A-F2F5CDF25092}"/>
+                <a16:creationId xmlns:a16="http://schemas.microsoft.com/office/drawing/2014/main" id="{C2E44FE5-CCA1-4E8F-905A-F2F5CDF25092}"/>
               </a:ext>
             </a:extLst>
           </p:cNvPr>
@@ -10403,7 +13469,7 @@
           <p:cNvPr id="9" name="Segnaposto contenuto 2">
             <a:extLst>
               <a:ext uri="{FF2B5EF4-FFF2-40B4-BE49-F238E27FC236}">
-                <a16:creationId xmlns="" xmlns:a16="http://schemas.microsoft.com/office/drawing/2014/main" id="{89886170-B615-43F8-AA8E-D5565391C42A}"/>
+                <a16:creationId xmlns:a16="http://schemas.microsoft.com/office/drawing/2014/main" id="{89886170-B615-43F8-AA8E-D5565391C42A}"/>
               </a:ext>
             </a:extLst>
           </p:cNvPr>
@@ -10586,7 +13652,7 @@
           <p:cNvPr id="10" name="Segnaposto contenuto 2">
             <a:extLst>
               <a:ext uri="{FF2B5EF4-FFF2-40B4-BE49-F238E27FC236}">
-                <a16:creationId xmlns="" xmlns:a16="http://schemas.microsoft.com/office/drawing/2014/main" id="{7D6E6495-424C-4525-948E-C30098166953}"/>
+                <a16:creationId xmlns:a16="http://schemas.microsoft.com/office/drawing/2014/main" id="{7D6E6495-424C-4525-948E-C30098166953}"/>
               </a:ext>
             </a:extLst>
           </p:cNvPr>
@@ -10767,20 +13833,13 @@
     </p:spTree>
     <p:extLst>
       <p:ext uri="{BB962C8B-B14F-4D97-AF65-F5344CB8AC3E}">
-        <p14:creationId xmlns="" xmlns:p14="http://schemas.microsoft.com/office/powerpoint/2010/main" val="2567167341"/>
+        <p14:creationId xmlns:p14="http://schemas.microsoft.com/office/powerpoint/2010/main" val="2567167341"/>
       </p:ext>
     </p:extLst>
   </p:cSld>
   <p:clrMapOvr>
     <a:masterClrMapping/>
   </p:clrMapOvr>
-  <p:timing>
-    <p:tnLst>
-      <p:par>
-        <p:cTn id="1" dur="indefinite" restart="never" nodeType="tmRoot"/>
-      </p:par>
-    </p:tnLst>
-  </p:timing>
 </p:sld>
 </file>
 
@@ -10806,7 +13865,7 @@
           <p:cNvPr id="4" name="Titolo 1">
             <a:extLst>
               <a:ext uri="{FF2B5EF4-FFF2-40B4-BE49-F238E27FC236}">
-                <a16:creationId xmlns="" xmlns:a16="http://schemas.microsoft.com/office/drawing/2014/main" id="{9E74EE39-EA32-4246-BC63-84D8E46682AC}"/>
+                <a16:creationId xmlns:a16="http://schemas.microsoft.com/office/drawing/2014/main" id="{9E74EE39-EA32-4246-BC63-84D8E46682AC}"/>
               </a:ext>
             </a:extLst>
           </p:cNvPr>
@@ -10854,7 +13913,7 @@
               <a:t>DATA UNDERSTANDING: </a:t>
             </a:r>
             <a:r>
-              <a:rPr lang="it-IT" sz="2400" dirty="0" smtClean="0">
+              <a:rPr lang="it-IT" sz="2400" dirty="0">
                 <a:solidFill>
                   <a:schemeClr val="bg1"/>
                 </a:solidFill>
@@ -10874,7 +13933,7 @@
           <p:cNvPr id="6" name="Immagine 5">
             <a:extLst>
               <a:ext uri="{FF2B5EF4-FFF2-40B4-BE49-F238E27FC236}">
-                <a16:creationId xmlns="" xmlns:a16="http://schemas.microsoft.com/office/drawing/2014/main" id="{66350360-19E7-45DE-B04C-AFFD8C1853A5}"/>
+                <a16:creationId xmlns:a16="http://schemas.microsoft.com/office/drawing/2014/main" id="{66350360-19E7-45DE-B04C-AFFD8C1853A5}"/>
               </a:ext>
             </a:extLst>
           </p:cNvPr>
@@ -10901,20 +13960,13 @@
     </p:spTree>
     <p:extLst>
       <p:ext uri="{BB962C8B-B14F-4D97-AF65-F5344CB8AC3E}">
-        <p14:creationId xmlns="" xmlns:p14="http://schemas.microsoft.com/office/powerpoint/2010/main" val="665708985"/>
+        <p14:creationId xmlns:p14="http://schemas.microsoft.com/office/powerpoint/2010/main" val="665708985"/>
       </p:ext>
     </p:extLst>
   </p:cSld>
   <p:clrMapOvr>
     <a:masterClrMapping/>
   </p:clrMapOvr>
-  <p:timing>
-    <p:tnLst>
-      <p:par>
-        <p:cTn id="1" dur="indefinite" restart="never" nodeType="tmRoot"/>
-      </p:par>
-    </p:tnLst>
-  </p:timing>
 </p:sld>
 </file>
 
@@ -10940,7 +13992,7 @@
           <p:cNvPr id="5" name="Titolo 1">
             <a:extLst>
               <a:ext uri="{FF2B5EF4-FFF2-40B4-BE49-F238E27FC236}">
-                <a16:creationId xmlns="" xmlns:a16="http://schemas.microsoft.com/office/drawing/2014/main" id="{93988BB5-A413-49BA-BC9C-68388EF5A744}"/>
+                <a16:creationId xmlns:a16="http://schemas.microsoft.com/office/drawing/2014/main" id="{93988BB5-A413-49BA-BC9C-68388EF5A744}"/>
               </a:ext>
             </a:extLst>
           </p:cNvPr>
@@ -11008,7 +14060,7 @@
           <p:cNvPr id="8" name="Segnaposto contenuto 2">
             <a:extLst>
               <a:ext uri="{FF2B5EF4-FFF2-40B4-BE49-F238E27FC236}">
-                <a16:creationId xmlns="" xmlns:a16="http://schemas.microsoft.com/office/drawing/2014/main" id="{C2E44FE5-CCA1-4E8F-905A-F2F5CDF25092}"/>
+                <a16:creationId xmlns:a16="http://schemas.microsoft.com/office/drawing/2014/main" id="{C2E44FE5-CCA1-4E8F-905A-F2F5CDF25092}"/>
               </a:ext>
             </a:extLst>
           </p:cNvPr>
@@ -11057,13 +14109,8 @@
             <a:pPr lvl="1" algn="just"/>
             <a:r>
               <a:rPr lang="it-IT" dirty="0"/>
-              <a:t>Non c’è bisogno di analizzare questo aspetto nel </a:t>
-            </a:r>
-            <a:r>
-              <a:rPr lang="it-IT" dirty="0" smtClean="0"/>
-              <a:t>dettaglio.</a:t>
-            </a:r>
-            <a:endParaRPr lang="it-IT" dirty="0"/>
+              <a:t>Non c’è bisogno di analizzare questo aspetto nel dettaglio.</a:t>
+            </a:r>
           </a:p>
           <a:p>
             <a:pPr marL="0" indent="0" algn="just">
@@ -11167,7 +14214,7 @@
           <p:cNvPr id="9" name="Segnaposto contenuto 2">
             <a:extLst>
               <a:ext uri="{FF2B5EF4-FFF2-40B4-BE49-F238E27FC236}">
-                <a16:creationId xmlns="" xmlns:a16="http://schemas.microsoft.com/office/drawing/2014/main" id="{89886170-B615-43F8-AA8E-D5565391C42A}"/>
+                <a16:creationId xmlns:a16="http://schemas.microsoft.com/office/drawing/2014/main" id="{89886170-B615-43F8-AA8E-D5565391C42A}"/>
               </a:ext>
             </a:extLst>
           </p:cNvPr>
@@ -11350,7 +14397,7 @@
           <p:cNvPr id="7" name="Titolo 1">
             <a:extLst>
               <a:ext uri="{FF2B5EF4-FFF2-40B4-BE49-F238E27FC236}">
-                <a16:creationId xmlns="" xmlns:a16="http://schemas.microsoft.com/office/drawing/2014/main" id="{588E765D-4A18-43EC-9070-BBB19613F406}"/>
+                <a16:creationId xmlns:a16="http://schemas.microsoft.com/office/drawing/2014/main" id="{588E765D-4A18-43EC-9070-BBB19613F406}"/>
               </a:ext>
             </a:extLst>
           </p:cNvPr>
@@ -11384,20 +14431,13 @@
     </p:spTree>
     <p:extLst>
       <p:ext uri="{BB962C8B-B14F-4D97-AF65-F5344CB8AC3E}">
-        <p14:creationId xmlns="" xmlns:p14="http://schemas.microsoft.com/office/powerpoint/2010/main" val="1292023402"/>
+        <p14:creationId xmlns:p14="http://schemas.microsoft.com/office/powerpoint/2010/main" val="1292023402"/>
       </p:ext>
     </p:extLst>
   </p:cSld>
   <p:clrMapOvr>
     <a:masterClrMapping/>
   </p:clrMapOvr>
-  <p:timing>
-    <p:tnLst>
-      <p:par>
-        <p:cTn id="1" dur="indefinite" restart="never" nodeType="tmRoot"/>
-      </p:par>
-    </p:tnLst>
-  </p:timing>
 </p:sld>
 </file>
 
@@ -11449,7 +14489,7 @@
           <p:cNvPr id="3" name="Titolo 1">
             <a:extLst>
               <a:ext uri="{FF2B5EF4-FFF2-40B4-BE49-F238E27FC236}">
-                <a16:creationId xmlns="" xmlns:a16="http://schemas.microsoft.com/office/drawing/2014/main" id="{9E74EE39-EA32-4246-BC63-84D8E46682AC}"/>
+                <a16:creationId xmlns:a16="http://schemas.microsoft.com/office/drawing/2014/main" id="{9E74EE39-EA32-4246-BC63-84D8E46682AC}"/>
               </a:ext>
             </a:extLst>
           </p:cNvPr>
@@ -11497,7 +14537,7 @@
               <a:t>DATA UNDERSTANDING: </a:t>
             </a:r>
             <a:r>
-              <a:rPr lang="it-IT" sz="2400" dirty="0" smtClean="0">
+              <a:rPr lang="it-IT" sz="2400" dirty="0">
                 <a:solidFill>
                   <a:schemeClr val="bg1"/>
                 </a:solidFill>
@@ -11535,15 +14575,15 @@
           <a:lstStyle/>
           <a:p>
             <a:r>
-              <a:rPr lang="it-IT" dirty="0" smtClean="0"/>
+              <a:rPr lang="it-IT" dirty="0"/>
               <a:t>A seguito di una analisi visiva, si potrebbe </a:t>
             </a:r>
             <a:r>
-              <a:rPr lang="it-IT" u="sng" dirty="0" smtClean="0"/>
+              <a:rPr lang="it-IT" u="sng" dirty="0"/>
               <a:t>speculare</a:t>
             </a:r>
             <a:r>
-              <a:rPr lang="it-IT" dirty="0" smtClean="0"/>
+              <a:rPr lang="it-IT" dirty="0"/>
               <a:t> che esista una correlazione lineare fra i due attributi: gli studenti che conseguono un punteggio alto nel test di ingresso sono più propensi ad ottenere voti alti negli esami.</a:t>
             </a:r>
           </a:p>

--- a/relazione.pptx
+++ b/relazione.pptx
@@ -26,7 +26,13 @@
     <p:sldId id="276" r:id="rId20"/>
     <p:sldId id="277" r:id="rId21"/>
     <p:sldId id="279" r:id="rId22"/>
-    <p:sldId id="278" r:id="rId23"/>
+    <p:sldId id="284" r:id="rId23"/>
+    <p:sldId id="280" r:id="rId24"/>
+    <p:sldId id="281" r:id="rId25"/>
+    <p:sldId id="282" r:id="rId26"/>
+    <p:sldId id="283" r:id="rId27"/>
+    <p:sldId id="285" r:id="rId28"/>
+    <p:sldId id="278" r:id="rId29"/>
   </p:sldIdLst>
   <p:sldSz cx="9144000" cy="6858000" type="screen4x3"/>
   <p:notesSz cx="6858000" cy="9144000"/>
@@ -328,7 +334,7 @@
             <a:fld id="{657198A3-6BD0-1345-BB48-4E51D4346A8E}" type="datetimeFigureOut">
               <a:rPr lang="it-IT" smtClean="0"/>
               <a:pPr/>
-              <a:t>09/01/2018</a:t>
+              <a:t>11/01/2018</a:t>
             </a:fld>
             <a:endParaRPr lang="it-IT" dirty="0"/>
           </a:p>
@@ -493,7 +499,7 @@
             <a:fld id="{657198A3-6BD0-1345-BB48-4E51D4346A8E}" type="datetimeFigureOut">
               <a:rPr lang="it-IT" smtClean="0"/>
               <a:pPr/>
-              <a:t>09/01/2018</a:t>
+              <a:t>11/01/2018</a:t>
             </a:fld>
             <a:endParaRPr lang="it-IT" dirty="0"/>
           </a:p>
@@ -668,7 +674,7 @@
             <a:fld id="{657198A3-6BD0-1345-BB48-4E51D4346A8E}" type="datetimeFigureOut">
               <a:rPr lang="it-IT" smtClean="0"/>
               <a:pPr/>
-              <a:t>09/01/2018</a:t>
+              <a:t>11/01/2018</a:t>
             </a:fld>
             <a:endParaRPr lang="it-IT" dirty="0"/>
           </a:p>
@@ -843,7 +849,7 @@
             <a:fld id="{657198A3-6BD0-1345-BB48-4E51D4346A8E}" type="datetimeFigureOut">
               <a:rPr lang="it-IT" smtClean="0"/>
               <a:pPr/>
-              <a:t>09/01/2018</a:t>
+              <a:t>11/01/2018</a:t>
             </a:fld>
             <a:endParaRPr lang="it-IT" dirty="0"/>
           </a:p>
@@ -1085,7 +1091,7 @@
             <a:fld id="{657198A3-6BD0-1345-BB48-4E51D4346A8E}" type="datetimeFigureOut">
               <a:rPr lang="it-IT" smtClean="0"/>
               <a:pPr/>
-              <a:t>09/01/2018</a:t>
+              <a:t>11/01/2018</a:t>
             </a:fld>
             <a:endParaRPr lang="it-IT" dirty="0"/>
           </a:p>
@@ -1367,7 +1373,7 @@
             <a:fld id="{657198A3-6BD0-1345-BB48-4E51D4346A8E}" type="datetimeFigureOut">
               <a:rPr lang="it-IT" smtClean="0"/>
               <a:pPr/>
-              <a:t>09/01/2018</a:t>
+              <a:t>11/01/2018</a:t>
             </a:fld>
             <a:endParaRPr lang="it-IT" dirty="0"/>
           </a:p>
@@ -1783,7 +1789,7 @@
             <a:fld id="{657198A3-6BD0-1345-BB48-4E51D4346A8E}" type="datetimeFigureOut">
               <a:rPr lang="it-IT" smtClean="0"/>
               <a:pPr/>
-              <a:t>09/01/2018</a:t>
+              <a:t>11/01/2018</a:t>
             </a:fld>
             <a:endParaRPr lang="it-IT" dirty="0"/>
           </a:p>
@@ -1897,7 +1903,7 @@
             <a:fld id="{657198A3-6BD0-1345-BB48-4E51D4346A8E}" type="datetimeFigureOut">
               <a:rPr lang="it-IT" smtClean="0"/>
               <a:pPr/>
-              <a:t>09/01/2018</a:t>
+              <a:t>11/01/2018</a:t>
             </a:fld>
             <a:endParaRPr lang="it-IT" dirty="0"/>
           </a:p>
@@ -1989,7 +1995,7 @@
             <a:fld id="{657198A3-6BD0-1345-BB48-4E51D4346A8E}" type="datetimeFigureOut">
               <a:rPr lang="it-IT" smtClean="0"/>
               <a:pPr/>
-              <a:t>09/01/2018</a:t>
+              <a:t>11/01/2018</a:t>
             </a:fld>
             <a:endParaRPr lang="it-IT" dirty="0"/>
           </a:p>
@@ -2261,7 +2267,7 @@
             <a:fld id="{657198A3-6BD0-1345-BB48-4E51D4346A8E}" type="datetimeFigureOut">
               <a:rPr lang="it-IT" smtClean="0"/>
               <a:pPr/>
-              <a:t>09/01/2018</a:t>
+              <a:t>11/01/2018</a:t>
             </a:fld>
             <a:endParaRPr lang="it-IT" dirty="0"/>
           </a:p>
@@ -2513,7 +2519,7 @@
             <a:fld id="{657198A3-6BD0-1345-BB48-4E51D4346A8E}" type="datetimeFigureOut">
               <a:rPr lang="it-IT" smtClean="0"/>
               <a:pPr/>
-              <a:t>09/01/2018</a:t>
+              <a:t>11/01/2018</a:t>
             </a:fld>
             <a:endParaRPr lang="it-IT" dirty="0"/>
           </a:p>
@@ -2721,7 +2727,7 @@
             <a:fld id="{657198A3-6BD0-1345-BB48-4E51D4346A8E}" type="datetimeFigureOut">
               <a:rPr lang="it-IT" smtClean="0"/>
               <a:pPr/>
-              <a:t>09/01/2018</a:t>
+              <a:t>11/01/2018</a:t>
             </a:fld>
             <a:endParaRPr lang="it-IT" dirty="0"/>
           </a:p>
@@ -4536,7 +4542,7 @@
         <p:spPr>
           <a:xfrm>
             <a:off x="142844" y="829283"/>
-            <a:ext cx="2857520" cy="4247317"/>
+            <a:ext cx="2857520" cy="4031873"/>
           </a:xfrm>
           <a:prstGeom prst="rect">
             <a:avLst/>
@@ -4579,22 +4585,16 @@
           </a:p>
           <a:p>
             <a:r>
-              <a:rPr lang="it-IT" sz="1600" i="1" dirty="0"/>
+              <a:rPr lang="it-IT" sz="1400" i="1" dirty="0"/>
               <a:t>Un </a:t>
             </a:r>
             <a:r>
-              <a:rPr lang="it-IT" sz="1600" i="1" u="sng" dirty="0"/>
+              <a:rPr lang="it-IT" sz="1400" i="1" u="sng" dirty="0"/>
               <a:t>voto medio</a:t>
             </a:r>
             <a:r>
-              <a:rPr lang="it-IT" sz="1600" i="1" dirty="0"/>
+              <a:rPr lang="it-IT" sz="1400" i="1" dirty="0"/>
               <a:t> di 30 e lode!? </a:t>
-            </a:r>
-          </a:p>
-          <a:p>
-            <a:r>
-              <a:rPr lang="it-IT" sz="1400" i="1" dirty="0"/>
-              <a:t>I dati sono corretti???</a:t>
             </a:r>
           </a:p>
         </p:txBody>
@@ -4811,26 +4811,26 @@
                   <a:srgbClr val="0070C0"/>
                 </a:solidFill>
               </a:rPr>
+              <a:t>argomenti principalmente informatici</a:t>
+            </a:r>
+          </a:p>
+          <a:p>
+            <a:pPr lvl="1" algn="just"/>
+            <a:r>
+              <a:rPr lang="it-IT" dirty="0">
+                <a:solidFill>
+                  <a:srgbClr val="0070C0"/>
+                </a:solidFill>
+              </a:rPr>
+              <a:t>esami su </a:t>
+            </a:r>
+            <a:r>
+              <a:rPr lang="it-IT" b="1" dirty="0">
+                <a:solidFill>
+                  <a:srgbClr val="0070C0"/>
+                </a:solidFill>
+              </a:rPr>
               <a:t>argomenti principalmente matematici</a:t>
-            </a:r>
-          </a:p>
-          <a:p>
-            <a:pPr lvl="1" algn="just"/>
-            <a:r>
-              <a:rPr lang="it-IT" dirty="0">
-                <a:solidFill>
-                  <a:srgbClr val="0070C0"/>
-                </a:solidFill>
-              </a:rPr>
-              <a:t>esami su </a:t>
-            </a:r>
-            <a:r>
-              <a:rPr lang="it-IT" b="1" dirty="0">
-                <a:solidFill>
-                  <a:srgbClr val="0070C0"/>
-                </a:solidFill>
-              </a:rPr>
-              <a:t>argomenti principalmente informatici</a:t>
             </a:r>
           </a:p>
           <a:p>
@@ -9213,7 +9213,7 @@
         <p:spPr>
           <a:xfrm>
             <a:off x="179512" y="830474"/>
-            <a:ext cx="2376264" cy="6063198"/>
+            <a:ext cx="2376264" cy="5632311"/>
           </a:xfrm>
           <a:prstGeom prst="rect">
             <a:avLst/>
@@ -9245,7 +9245,7 @@
           </a:p>
           <a:p>
             <a:r>
-              <a:rPr lang="it-IT" sz="1400" dirty="0">
+              <a:rPr lang="it-IT" sz="1200" dirty="0">
                 <a:solidFill>
                   <a:srgbClr val="FF0000"/>
                 </a:solidFill>
@@ -9253,7 +9253,7 @@
               <a:t>Come è possibile ottenere 150 CFU senza dare MDL? Propedeuticità?? I dati </a:t>
             </a:r>
             <a:r>
-              <a:rPr lang="it-IT" sz="1400" u="sng" dirty="0">
+              <a:rPr lang="it-IT" sz="1200" u="sng" dirty="0">
                 <a:solidFill>
                   <a:srgbClr val="FF0000"/>
                 </a:solidFill>
@@ -9261,14 +9261,14 @@
               <a:t>sono</a:t>
             </a:r>
             <a:r>
-              <a:rPr lang="it-IT" sz="1400" dirty="0">
+              <a:rPr lang="it-IT" sz="1200" dirty="0">
                 <a:solidFill>
                   <a:srgbClr val="FF0000"/>
                 </a:solidFill>
               </a:rPr>
               <a:t> corretti???</a:t>
             </a:r>
-            <a:endParaRPr lang="en-US" sz="1400" dirty="0">
+            <a:endParaRPr lang="en-US" sz="1200" dirty="0">
               <a:solidFill>
                 <a:srgbClr val="FF0000"/>
               </a:solidFill>
@@ -9290,6 +9290,1194 @@
 </file>
 
 <file path=ppt/slides/slide22.xml><?xml version="1.0" encoding="utf-8"?>
+<p:sld xmlns:a="http://schemas.openxmlformats.org/drawingml/2006/main" xmlns:r="http://schemas.openxmlformats.org/officeDocument/2006/relationships" xmlns:p="http://schemas.openxmlformats.org/presentationml/2006/main">
+  <p:cSld>
+    <p:spTree>
+      <p:nvGrpSpPr>
+        <p:cNvPr id="1" name=""/>
+        <p:cNvGrpSpPr/>
+        <p:nvPr/>
+      </p:nvGrpSpPr>
+      <p:grpSpPr>
+        <a:xfrm>
+          <a:off x="0" y="0"/>
+          <a:ext cx="0" cy="0"/>
+          <a:chOff x="0" y="0"/>
+          <a:chExt cx="0" cy="0"/>
+        </a:xfrm>
+      </p:grpSpPr>
+      <p:sp>
+        <p:nvSpPr>
+          <p:cNvPr id="2" name="Titolo 1">
+            <a:extLst>
+              <a:ext uri="{FF2B5EF4-FFF2-40B4-BE49-F238E27FC236}">
+                <a16:creationId xmlns:a16="http://schemas.microsoft.com/office/drawing/2014/main" id="{C344F19F-376F-4BFE-8DCC-729DB34448C6}"/>
+              </a:ext>
+            </a:extLst>
+          </p:cNvPr>
+          <p:cNvSpPr txBox="1">
+            <a:spLocks/>
+          </p:cNvSpPr>
+          <p:nvPr/>
+        </p:nvSpPr>
+        <p:spPr>
+          <a:xfrm>
+            <a:off x="1447800" y="152400"/>
+            <a:ext cx="8229600" cy="1143000"/>
+          </a:xfrm>
+          <a:prstGeom prst="rect">
+            <a:avLst/>
+          </a:prstGeom>
+        </p:spPr>
+        <p:txBody>
+          <a:bodyPr>
+            <a:noAutofit/>
+          </a:bodyPr>
+          <a:lstStyle>
+            <a:lvl1pPr algn="ctr" defTabSz="342900" rtl="0" eaLnBrk="1" latinLnBrk="0" hangingPunct="1">
+              <a:spcBef>
+                <a:spcPct val="0"/>
+              </a:spcBef>
+              <a:buNone/>
+              <a:defRPr sz="3300" kern="1200">
+                <a:solidFill>
+                  <a:schemeClr val="tx1"/>
+                </a:solidFill>
+                <a:latin typeface="+mj-lt"/>
+                <a:ea typeface="+mj-ea"/>
+                <a:cs typeface="+mj-cs"/>
+              </a:defRPr>
+            </a:lvl1pPr>
+          </a:lstStyle>
+          <a:p>
+            <a:r>
+              <a:rPr lang="it-IT" sz="2400" b="1" dirty="0">
+                <a:solidFill>
+                  <a:schemeClr val="bg1"/>
+                </a:solidFill>
+              </a:rPr>
+              <a:t>DATA UNDERSTANDING: </a:t>
+            </a:r>
+            <a:r>
+              <a:rPr lang="it-IT" sz="2400" dirty="0">
+                <a:solidFill>
+                  <a:schemeClr val="bg1"/>
+                </a:solidFill>
+              </a:rPr>
+              <a:t>DETTAGLIO M.D.L.</a:t>
+            </a:r>
+            <a:endParaRPr lang="en-US" sz="2400" dirty="0">
+              <a:solidFill>
+                <a:schemeClr val="bg1"/>
+              </a:solidFill>
+            </a:endParaRPr>
+          </a:p>
+        </p:txBody>
+      </p:sp>
+      <p:sp>
+        <p:nvSpPr>
+          <p:cNvPr id="5" name="CasellaDiTesto 4">
+            <a:extLst>
+              <a:ext uri="{FF2B5EF4-FFF2-40B4-BE49-F238E27FC236}">
+                <a16:creationId xmlns:a16="http://schemas.microsoft.com/office/drawing/2014/main" id="{7874969C-F4FA-477B-8991-D590C8411ED4}"/>
+              </a:ext>
+            </a:extLst>
+          </p:cNvPr>
+          <p:cNvSpPr txBox="1"/>
+          <p:nvPr/>
+        </p:nvSpPr>
+        <p:spPr>
+          <a:xfrm>
+            <a:off x="107504" y="860519"/>
+            <a:ext cx="2376264" cy="4862870"/>
+          </a:xfrm>
+          <a:prstGeom prst="rect">
+            <a:avLst/>
+          </a:prstGeom>
+          <a:noFill/>
+        </p:spPr>
+        <p:txBody>
+          <a:bodyPr wrap="square" rtlCol="0">
+            <a:spAutoFit/>
+          </a:bodyPr>
+          <a:lstStyle/>
+          <a:p>
+            <a:r>
+              <a:rPr lang="it-IT" sz="1600" dirty="0"/>
+              <a:t>Incrociando il voto conseguito in M.D.L. e la data in cui l’esame è stato superato, si riescono a notare due aspetti:</a:t>
+            </a:r>
+          </a:p>
+          <a:p>
+            <a:endParaRPr lang="it-IT" sz="1600" dirty="0"/>
+          </a:p>
+          <a:p>
+            <a:pPr marL="285750" indent="-285750">
+              <a:buFont typeface="Arial" panose="020B0604020202020204" pitchFamily="34" charset="0"/>
+              <a:buChar char="•"/>
+            </a:pPr>
+            <a:r>
+              <a:rPr lang="it-IT" sz="1600" dirty="0"/>
+              <a:t>Chi ha dato </a:t>
+            </a:r>
+            <a:r>
+              <a:rPr lang="it-IT" sz="1600" dirty="0">
+                <a:solidFill>
+                  <a:srgbClr val="00B050"/>
+                </a:solidFill>
+              </a:rPr>
+              <a:t>l’esame al primo appello </a:t>
+            </a:r>
+            <a:r>
+              <a:rPr lang="it-IT" sz="1600" dirty="0"/>
+              <a:t>del suo anno, ha conseguito </a:t>
+            </a:r>
+            <a:r>
+              <a:rPr lang="it-IT" sz="1600" dirty="0">
+                <a:solidFill>
+                  <a:srgbClr val="00B050"/>
+                </a:solidFill>
+              </a:rPr>
+              <a:t>un voto alto </a:t>
+            </a:r>
+            <a:r>
+              <a:rPr lang="it-IT" sz="1400" dirty="0"/>
+              <a:t>(si vedano ad esempio gli studenti dell’annata 2010)</a:t>
+            </a:r>
+            <a:endParaRPr lang="it-IT" sz="1600" dirty="0"/>
+          </a:p>
+          <a:p>
+            <a:pPr marL="285750" indent="-285750">
+              <a:buFont typeface="Arial" panose="020B0604020202020204" pitchFamily="34" charset="0"/>
+              <a:buChar char="•"/>
+            </a:pPr>
+            <a:r>
+              <a:rPr lang="it-IT" sz="1600" dirty="0"/>
+              <a:t>La maggioranza degli studenti ha </a:t>
+            </a:r>
+            <a:r>
+              <a:rPr lang="it-IT" sz="1600" dirty="0">
+                <a:solidFill>
+                  <a:srgbClr val="00B050"/>
+                </a:solidFill>
+              </a:rPr>
+              <a:t>superato M.D.L. qualche anno dopo </a:t>
+            </a:r>
+            <a:r>
+              <a:rPr lang="it-IT" sz="1600" dirty="0"/>
+              <a:t>il suo anno di immatricolazione </a:t>
+            </a:r>
+            <a:r>
+              <a:rPr lang="it-IT" sz="1400" dirty="0"/>
+              <a:t>(comportamento estremizzato dagli studenti di coorte 2012)</a:t>
+            </a:r>
+            <a:endParaRPr lang="en-US" sz="1600" dirty="0"/>
+          </a:p>
+        </p:txBody>
+      </p:sp>
+      <p:pic>
+        <p:nvPicPr>
+          <p:cNvPr id="6" name="Immagine 5">
+            <a:extLst>
+              <a:ext uri="{FF2B5EF4-FFF2-40B4-BE49-F238E27FC236}">
+                <a16:creationId xmlns:a16="http://schemas.microsoft.com/office/drawing/2014/main" id="{9458EE13-47D6-4D9A-8717-496F591F06B8}"/>
+              </a:ext>
+            </a:extLst>
+          </p:cNvPr>
+          <p:cNvPicPr>
+            <a:picLocks noChangeAspect="1"/>
+          </p:cNvPicPr>
+          <p:nvPr/>
+        </p:nvPicPr>
+        <p:blipFill rotWithShape="1">
+          <a:blip r:embed="rId2"/>
+          <a:srcRect l="5001" t="10567" r="5001" b="8314"/>
+          <a:stretch/>
+        </p:blipFill>
+        <p:spPr>
+          <a:xfrm>
+            <a:off x="2411760" y="795082"/>
+            <a:ext cx="6732240" cy="6059016"/>
+          </a:xfrm>
+          <a:prstGeom prst="rect">
+            <a:avLst/>
+          </a:prstGeom>
+        </p:spPr>
+      </p:pic>
+    </p:spTree>
+    <p:extLst>
+      <p:ext uri="{BB962C8B-B14F-4D97-AF65-F5344CB8AC3E}">
+        <p14:creationId xmlns:p14="http://schemas.microsoft.com/office/powerpoint/2010/main" val="3744216129"/>
+      </p:ext>
+    </p:extLst>
+  </p:cSld>
+  <p:clrMapOvr>
+    <a:masterClrMapping/>
+  </p:clrMapOvr>
+</p:sld>
+</file>
+
+<file path=ppt/slides/slide23.xml><?xml version="1.0" encoding="utf-8"?>
+<p:sld xmlns:a="http://schemas.openxmlformats.org/drawingml/2006/main" xmlns:r="http://schemas.openxmlformats.org/officeDocument/2006/relationships" xmlns:p="http://schemas.openxmlformats.org/presentationml/2006/main">
+  <p:cSld>
+    <p:spTree>
+      <p:nvGrpSpPr>
+        <p:cNvPr id="1" name=""/>
+        <p:cNvGrpSpPr/>
+        <p:nvPr/>
+      </p:nvGrpSpPr>
+      <p:grpSpPr>
+        <a:xfrm>
+          <a:off x="0" y="0"/>
+          <a:ext cx="0" cy="0"/>
+          <a:chOff x="0" y="0"/>
+          <a:chExt cx="0" cy="0"/>
+        </a:xfrm>
+      </p:grpSpPr>
+      <p:sp>
+        <p:nvSpPr>
+          <p:cNvPr id="2" name="Titolo 1">
+            <a:extLst>
+              <a:ext uri="{FF2B5EF4-FFF2-40B4-BE49-F238E27FC236}">
+                <a16:creationId xmlns:a16="http://schemas.microsoft.com/office/drawing/2014/main" id="{C344F19F-376F-4BFE-8DCC-729DB34448C6}"/>
+              </a:ext>
+            </a:extLst>
+          </p:cNvPr>
+          <p:cNvSpPr txBox="1">
+            <a:spLocks/>
+          </p:cNvSpPr>
+          <p:nvPr/>
+        </p:nvSpPr>
+        <p:spPr>
+          <a:xfrm>
+            <a:off x="1447800" y="152400"/>
+            <a:ext cx="8229600" cy="1143000"/>
+          </a:xfrm>
+          <a:prstGeom prst="rect">
+            <a:avLst/>
+          </a:prstGeom>
+        </p:spPr>
+        <p:txBody>
+          <a:bodyPr>
+            <a:noAutofit/>
+          </a:bodyPr>
+          <a:lstStyle>
+            <a:lvl1pPr algn="ctr" defTabSz="342900" rtl="0" eaLnBrk="1" latinLnBrk="0" hangingPunct="1">
+              <a:spcBef>
+                <a:spcPct val="0"/>
+              </a:spcBef>
+              <a:buNone/>
+              <a:defRPr sz="3300" kern="1200">
+                <a:solidFill>
+                  <a:schemeClr val="tx1"/>
+                </a:solidFill>
+                <a:latin typeface="+mj-lt"/>
+                <a:ea typeface="+mj-ea"/>
+                <a:cs typeface="+mj-cs"/>
+              </a:defRPr>
+            </a:lvl1pPr>
+          </a:lstStyle>
+          <a:p>
+            <a:r>
+              <a:rPr lang="it-IT" sz="2400" b="1" dirty="0">
+                <a:solidFill>
+                  <a:schemeClr val="bg1"/>
+                </a:solidFill>
+              </a:rPr>
+              <a:t>DATA UNDERSTANDING: </a:t>
+            </a:r>
+            <a:r>
+              <a:rPr lang="it-IT" sz="2400" dirty="0">
+                <a:solidFill>
+                  <a:schemeClr val="bg1"/>
+                </a:solidFill>
+              </a:rPr>
+              <a:t>DETTAGLIO A.D.E.</a:t>
+            </a:r>
+            <a:endParaRPr lang="en-US" sz="2400" dirty="0">
+              <a:solidFill>
+                <a:schemeClr val="bg1"/>
+              </a:solidFill>
+            </a:endParaRPr>
+          </a:p>
+        </p:txBody>
+      </p:sp>
+      <p:sp>
+        <p:nvSpPr>
+          <p:cNvPr id="5" name="CasellaDiTesto 4">
+            <a:extLst>
+              <a:ext uri="{FF2B5EF4-FFF2-40B4-BE49-F238E27FC236}">
+                <a16:creationId xmlns:a16="http://schemas.microsoft.com/office/drawing/2014/main" id="{7874969C-F4FA-477B-8991-D590C8411ED4}"/>
+              </a:ext>
+            </a:extLst>
+          </p:cNvPr>
+          <p:cNvSpPr txBox="1"/>
+          <p:nvPr/>
+        </p:nvSpPr>
+        <p:spPr>
+          <a:xfrm>
+            <a:off x="179512" y="1000467"/>
+            <a:ext cx="2376264" cy="5170646"/>
+          </a:xfrm>
+          <a:prstGeom prst="rect">
+            <a:avLst/>
+          </a:prstGeom>
+          <a:noFill/>
+        </p:spPr>
+        <p:txBody>
+          <a:bodyPr wrap="square" rtlCol="0">
+            <a:spAutoFit/>
+          </a:bodyPr>
+          <a:lstStyle/>
+          <a:p>
+            <a:r>
+              <a:rPr lang="it-IT" dirty="0"/>
+              <a:t>Nel caso di </a:t>
+            </a:r>
+            <a:r>
+              <a:rPr lang="it-IT" i="1" dirty="0"/>
+              <a:t>Architetture degli Elaboratori</a:t>
+            </a:r>
+            <a:r>
+              <a:rPr lang="it-IT" dirty="0"/>
+              <a:t>, le tendenze evidenziate prima sono mitigate.</a:t>
+            </a:r>
+          </a:p>
+          <a:p>
+            <a:endParaRPr lang="it-IT" dirty="0"/>
+          </a:p>
+          <a:p>
+            <a:r>
+              <a:rPr lang="it-IT" dirty="0"/>
+              <a:t>Rimane comunque importante la quantità di studenti che hanno conseguito molti crediti senza superare l’esame di </a:t>
+            </a:r>
+            <a:r>
+              <a:rPr lang="it-IT" dirty="0" err="1"/>
+              <a:t>A.d.E</a:t>
+            </a:r>
+            <a:r>
+              <a:rPr lang="it-IT" dirty="0"/>
+              <a:t>: si potrebbe speculare che l’ignorare esami difficili sia una pratica comune nel pool di studenti descritti dal dataset.</a:t>
+            </a:r>
+          </a:p>
+          <a:p>
+            <a:endParaRPr lang="it-IT" sz="1200" dirty="0">
+              <a:solidFill>
+                <a:srgbClr val="FF0000"/>
+              </a:solidFill>
+            </a:endParaRPr>
+          </a:p>
+          <a:p>
+            <a:endParaRPr lang="it-IT" sz="1200" dirty="0">
+              <a:solidFill>
+                <a:srgbClr val="FF0000"/>
+              </a:solidFill>
+            </a:endParaRPr>
+          </a:p>
+        </p:txBody>
+      </p:sp>
+      <p:pic>
+        <p:nvPicPr>
+          <p:cNvPr id="7" name="Immagine 6">
+            <a:extLst>
+              <a:ext uri="{FF2B5EF4-FFF2-40B4-BE49-F238E27FC236}">
+                <a16:creationId xmlns:a16="http://schemas.microsoft.com/office/drawing/2014/main" id="{620D3825-6CEE-4DC3-80C0-2B4DE9BAFB11}"/>
+              </a:ext>
+            </a:extLst>
+          </p:cNvPr>
+          <p:cNvPicPr>
+            <a:picLocks noChangeAspect="1"/>
+          </p:cNvPicPr>
+          <p:nvPr/>
+        </p:nvPicPr>
+        <p:blipFill rotWithShape="1">
+          <a:blip r:embed="rId2"/>
+          <a:srcRect t="10567" r="5001" b="2532"/>
+          <a:stretch/>
+        </p:blipFill>
+        <p:spPr>
+          <a:xfrm>
+            <a:off x="2555776" y="862748"/>
+            <a:ext cx="6554398" cy="5986717"/>
+          </a:xfrm>
+          <a:prstGeom prst="rect">
+            <a:avLst/>
+          </a:prstGeom>
+        </p:spPr>
+      </p:pic>
+    </p:spTree>
+    <p:extLst>
+      <p:ext uri="{BB962C8B-B14F-4D97-AF65-F5344CB8AC3E}">
+        <p14:creationId xmlns:p14="http://schemas.microsoft.com/office/powerpoint/2010/main" val="610790509"/>
+      </p:ext>
+    </p:extLst>
+  </p:cSld>
+  <p:clrMapOvr>
+    <a:masterClrMapping/>
+  </p:clrMapOvr>
+</p:sld>
+</file>
+
+<file path=ppt/slides/slide24.xml><?xml version="1.0" encoding="utf-8"?>
+<p:sld xmlns:a="http://schemas.openxmlformats.org/drawingml/2006/main" xmlns:r="http://schemas.openxmlformats.org/officeDocument/2006/relationships" xmlns:p="http://schemas.openxmlformats.org/presentationml/2006/main">
+  <p:cSld>
+    <p:spTree>
+      <p:nvGrpSpPr>
+        <p:cNvPr id="1" name=""/>
+        <p:cNvGrpSpPr/>
+        <p:nvPr/>
+      </p:nvGrpSpPr>
+      <p:grpSpPr>
+        <a:xfrm>
+          <a:off x="0" y="0"/>
+          <a:ext cx="0" cy="0"/>
+          <a:chOff x="0" y="0"/>
+          <a:chExt cx="0" cy="0"/>
+        </a:xfrm>
+      </p:grpSpPr>
+      <p:sp>
+        <p:nvSpPr>
+          <p:cNvPr id="3" name="Titolo 1">
+            <a:extLst>
+              <a:ext uri="{FF2B5EF4-FFF2-40B4-BE49-F238E27FC236}">
+                <a16:creationId xmlns:a16="http://schemas.microsoft.com/office/drawing/2014/main" id="{9E74EE39-EA32-4246-BC63-84D8E46682AC}"/>
+              </a:ext>
+            </a:extLst>
+          </p:cNvPr>
+          <p:cNvSpPr txBox="1">
+            <a:spLocks/>
+          </p:cNvSpPr>
+          <p:nvPr/>
+        </p:nvSpPr>
+        <p:spPr>
+          <a:xfrm>
+            <a:off x="1447800" y="152400"/>
+            <a:ext cx="8229600" cy="1143000"/>
+          </a:xfrm>
+          <a:prstGeom prst="rect">
+            <a:avLst/>
+          </a:prstGeom>
+        </p:spPr>
+        <p:txBody>
+          <a:bodyPr>
+            <a:noAutofit/>
+          </a:bodyPr>
+          <a:lstStyle>
+            <a:lvl1pPr algn="ctr" defTabSz="342900" rtl="0" eaLnBrk="1" latinLnBrk="0" hangingPunct="1">
+              <a:spcBef>
+                <a:spcPct val="0"/>
+              </a:spcBef>
+              <a:buNone/>
+              <a:defRPr sz="3300" kern="1200">
+                <a:solidFill>
+                  <a:schemeClr val="tx1"/>
+                </a:solidFill>
+                <a:latin typeface="+mj-lt"/>
+                <a:ea typeface="+mj-ea"/>
+                <a:cs typeface="+mj-cs"/>
+              </a:defRPr>
+            </a:lvl1pPr>
+          </a:lstStyle>
+          <a:p>
+            <a:r>
+              <a:rPr lang="it-IT" sz="2400" b="1" dirty="0">
+                <a:solidFill>
+                  <a:schemeClr val="bg1"/>
+                </a:solidFill>
+              </a:rPr>
+              <a:t>DATA UNDERSTANDING: </a:t>
+            </a:r>
+            <a:r>
+              <a:rPr lang="it-IT" sz="2400" dirty="0">
+                <a:solidFill>
+                  <a:schemeClr val="bg1"/>
+                </a:solidFill>
+              </a:rPr>
+              <a:t>ESAMI DI INFORAMTICA</a:t>
+            </a:r>
+            <a:endParaRPr lang="en-US" sz="2400" dirty="0">
+              <a:solidFill>
+                <a:schemeClr val="bg1"/>
+              </a:solidFill>
+            </a:endParaRPr>
+          </a:p>
+        </p:txBody>
+      </p:sp>
+      <p:pic>
+        <p:nvPicPr>
+          <p:cNvPr id="4" name="Immagine 3">
+            <a:extLst>
+              <a:ext uri="{FF2B5EF4-FFF2-40B4-BE49-F238E27FC236}">
+                <a16:creationId xmlns:a16="http://schemas.microsoft.com/office/drawing/2014/main" id="{DDAB6CB2-835E-4883-A81D-1C56D77A1786}"/>
+              </a:ext>
+            </a:extLst>
+          </p:cNvPr>
+          <p:cNvPicPr>
+            <a:picLocks noChangeAspect="1"/>
+          </p:cNvPicPr>
+          <p:nvPr/>
+        </p:nvPicPr>
+        <p:blipFill rotWithShape="1">
+          <a:blip r:embed="rId2"/>
+          <a:srcRect l="1963" t="1928" r="1963" b="2461"/>
+          <a:stretch/>
+        </p:blipFill>
+        <p:spPr>
+          <a:xfrm>
+            <a:off x="0" y="797096"/>
+            <a:ext cx="9141804" cy="6060904"/>
+          </a:xfrm>
+          <a:prstGeom prst="rect">
+            <a:avLst/>
+          </a:prstGeom>
+        </p:spPr>
+      </p:pic>
+    </p:spTree>
+    <p:extLst>
+      <p:ext uri="{BB962C8B-B14F-4D97-AF65-F5344CB8AC3E}">
+        <p14:creationId xmlns:p14="http://schemas.microsoft.com/office/powerpoint/2010/main" val="2780798289"/>
+      </p:ext>
+    </p:extLst>
+  </p:cSld>
+  <p:clrMapOvr>
+    <a:masterClrMapping/>
+  </p:clrMapOvr>
+</p:sld>
+</file>
+
+<file path=ppt/slides/slide25.xml><?xml version="1.0" encoding="utf-8"?>
+<p:sld xmlns:a="http://schemas.openxmlformats.org/drawingml/2006/main" xmlns:r="http://schemas.openxmlformats.org/officeDocument/2006/relationships" xmlns:p="http://schemas.openxmlformats.org/presentationml/2006/main">
+  <p:cSld>
+    <p:spTree>
+      <p:nvGrpSpPr>
+        <p:cNvPr id="1" name=""/>
+        <p:cNvGrpSpPr/>
+        <p:nvPr/>
+      </p:nvGrpSpPr>
+      <p:grpSpPr>
+        <a:xfrm>
+          <a:off x="0" y="0"/>
+          <a:ext cx="0" cy="0"/>
+          <a:chOff x="0" y="0"/>
+          <a:chExt cx="0" cy="0"/>
+        </a:xfrm>
+      </p:grpSpPr>
+      <p:sp>
+        <p:nvSpPr>
+          <p:cNvPr id="5" name="Titolo 1">
+            <a:extLst>
+              <a:ext uri="{FF2B5EF4-FFF2-40B4-BE49-F238E27FC236}">
+                <a16:creationId xmlns:a16="http://schemas.microsoft.com/office/drawing/2014/main" id="{C10C2703-479C-4CF4-AAB8-5A2255C45AF9}"/>
+              </a:ext>
+            </a:extLst>
+          </p:cNvPr>
+          <p:cNvSpPr txBox="1">
+            <a:spLocks/>
+          </p:cNvSpPr>
+          <p:nvPr/>
+        </p:nvSpPr>
+        <p:spPr>
+          <a:xfrm>
+            <a:off x="1447800" y="152400"/>
+            <a:ext cx="8229600" cy="1143000"/>
+          </a:xfrm>
+          <a:prstGeom prst="rect">
+            <a:avLst/>
+          </a:prstGeom>
+        </p:spPr>
+        <p:txBody>
+          <a:bodyPr>
+            <a:noAutofit/>
+          </a:bodyPr>
+          <a:lstStyle>
+            <a:lvl1pPr algn="ctr" defTabSz="342900" rtl="0" eaLnBrk="1" latinLnBrk="0" hangingPunct="1">
+              <a:spcBef>
+                <a:spcPct val="0"/>
+              </a:spcBef>
+              <a:buNone/>
+              <a:defRPr sz="3300" kern="1200">
+                <a:solidFill>
+                  <a:schemeClr val="tx1"/>
+                </a:solidFill>
+                <a:latin typeface="+mj-lt"/>
+                <a:ea typeface="+mj-ea"/>
+                <a:cs typeface="+mj-cs"/>
+              </a:defRPr>
+            </a:lvl1pPr>
+          </a:lstStyle>
+          <a:p>
+            <a:r>
+              <a:rPr lang="it-IT" sz="2400" b="1" dirty="0">
+                <a:solidFill>
+                  <a:schemeClr val="bg1"/>
+                </a:solidFill>
+              </a:rPr>
+              <a:t>DATA UNDERSTANDING: </a:t>
+            </a:r>
+            <a:r>
+              <a:rPr lang="it-IT" sz="2400" dirty="0">
+                <a:solidFill>
+                  <a:schemeClr val="bg1"/>
+                </a:solidFill>
+              </a:rPr>
+              <a:t>ESAMI DI INFORAMTICA</a:t>
+            </a:r>
+            <a:endParaRPr lang="en-US" sz="2400" dirty="0">
+              <a:solidFill>
+                <a:schemeClr val="bg1"/>
+              </a:solidFill>
+            </a:endParaRPr>
+          </a:p>
+        </p:txBody>
+      </p:sp>
+      <p:pic>
+        <p:nvPicPr>
+          <p:cNvPr id="6" name="Immagine 5">
+            <a:extLst>
+              <a:ext uri="{FF2B5EF4-FFF2-40B4-BE49-F238E27FC236}">
+                <a16:creationId xmlns:a16="http://schemas.microsoft.com/office/drawing/2014/main" id="{7B230C2C-FFE4-446A-9950-E9347D7D05AB}"/>
+              </a:ext>
+            </a:extLst>
+          </p:cNvPr>
+          <p:cNvPicPr>
+            <a:picLocks noChangeAspect="1"/>
+          </p:cNvPicPr>
+          <p:nvPr/>
+        </p:nvPicPr>
+        <p:blipFill rotWithShape="1">
+          <a:blip r:embed="rId2"/>
+          <a:srcRect l="9838" t="1567" r="5901" b="6360"/>
+          <a:stretch/>
+        </p:blipFill>
+        <p:spPr>
+          <a:xfrm>
+            <a:off x="1809564" y="836712"/>
+            <a:ext cx="7344816" cy="5937857"/>
+          </a:xfrm>
+          <a:prstGeom prst="rect">
+            <a:avLst/>
+          </a:prstGeom>
+        </p:spPr>
+      </p:pic>
+      <p:sp>
+        <p:nvSpPr>
+          <p:cNvPr id="8" name="CasellaDiTesto 7">
+            <a:extLst>
+              <a:ext uri="{FF2B5EF4-FFF2-40B4-BE49-F238E27FC236}">
+                <a16:creationId xmlns:a16="http://schemas.microsoft.com/office/drawing/2014/main" id="{8834E3B8-21D8-45DE-8FE9-9B887BB61C46}"/>
+              </a:ext>
+            </a:extLst>
+          </p:cNvPr>
+          <p:cNvSpPr txBox="1"/>
+          <p:nvPr/>
+        </p:nvSpPr>
+        <p:spPr>
+          <a:xfrm>
+            <a:off x="35496" y="980728"/>
+            <a:ext cx="1863198" cy="4247317"/>
+          </a:xfrm>
+          <a:prstGeom prst="rect">
+            <a:avLst/>
+          </a:prstGeom>
+          <a:noFill/>
+        </p:spPr>
+        <p:txBody>
+          <a:bodyPr wrap="square" rtlCol="0">
+            <a:spAutoFit/>
+          </a:bodyPr>
+          <a:lstStyle/>
+          <a:p>
+            <a:r>
+              <a:rPr lang="it-IT" dirty="0"/>
+              <a:t>Si nota che le correlazioni sono meno spostate verso valori estremi dello spettro di analisi: gli item del dataset, rispetto a questo gruppo di esami, sono più «sparsi» rispetto a quelli presenti nell’insieme di esami del primo anno.</a:t>
+            </a:r>
+            <a:endParaRPr lang="en-US" dirty="0"/>
+          </a:p>
+        </p:txBody>
+      </p:sp>
+    </p:spTree>
+    <p:extLst>
+      <p:ext uri="{BB962C8B-B14F-4D97-AF65-F5344CB8AC3E}">
+        <p14:creationId xmlns:p14="http://schemas.microsoft.com/office/powerpoint/2010/main" val="3418713670"/>
+      </p:ext>
+    </p:extLst>
+  </p:cSld>
+  <p:clrMapOvr>
+    <a:masterClrMapping/>
+  </p:clrMapOvr>
+</p:sld>
+</file>
+
+<file path=ppt/slides/slide26.xml><?xml version="1.0" encoding="utf-8"?>
+<p:sld xmlns:a="http://schemas.openxmlformats.org/drawingml/2006/main" xmlns:r="http://schemas.openxmlformats.org/officeDocument/2006/relationships" xmlns:p="http://schemas.openxmlformats.org/presentationml/2006/main">
+  <p:cSld>
+    <p:spTree>
+      <p:nvGrpSpPr>
+        <p:cNvPr id="1" name=""/>
+        <p:cNvGrpSpPr/>
+        <p:nvPr/>
+      </p:nvGrpSpPr>
+      <p:grpSpPr>
+        <a:xfrm>
+          <a:off x="0" y="0"/>
+          <a:ext cx="0" cy="0"/>
+          <a:chOff x="0" y="0"/>
+          <a:chExt cx="0" cy="0"/>
+        </a:xfrm>
+      </p:grpSpPr>
+      <p:sp>
+        <p:nvSpPr>
+          <p:cNvPr id="5" name="Titolo 1">
+            <a:extLst>
+              <a:ext uri="{FF2B5EF4-FFF2-40B4-BE49-F238E27FC236}">
+                <a16:creationId xmlns:a16="http://schemas.microsoft.com/office/drawing/2014/main" id="{C10C2703-479C-4CF4-AAB8-5A2255C45AF9}"/>
+              </a:ext>
+            </a:extLst>
+          </p:cNvPr>
+          <p:cNvSpPr txBox="1">
+            <a:spLocks/>
+          </p:cNvSpPr>
+          <p:nvPr/>
+        </p:nvSpPr>
+        <p:spPr>
+          <a:xfrm>
+            <a:off x="1447800" y="152400"/>
+            <a:ext cx="8229600" cy="1143000"/>
+          </a:xfrm>
+          <a:prstGeom prst="rect">
+            <a:avLst/>
+          </a:prstGeom>
+        </p:spPr>
+        <p:txBody>
+          <a:bodyPr>
+            <a:noAutofit/>
+          </a:bodyPr>
+          <a:lstStyle>
+            <a:lvl1pPr algn="ctr" defTabSz="342900" rtl="0" eaLnBrk="1" latinLnBrk="0" hangingPunct="1">
+              <a:spcBef>
+                <a:spcPct val="0"/>
+              </a:spcBef>
+              <a:buNone/>
+              <a:defRPr sz="3300" kern="1200">
+                <a:solidFill>
+                  <a:schemeClr val="tx1"/>
+                </a:solidFill>
+                <a:latin typeface="+mj-lt"/>
+                <a:ea typeface="+mj-ea"/>
+                <a:cs typeface="+mj-cs"/>
+              </a:defRPr>
+            </a:lvl1pPr>
+          </a:lstStyle>
+          <a:p>
+            <a:r>
+              <a:rPr lang="it-IT" sz="2400" b="1" dirty="0">
+                <a:solidFill>
+                  <a:schemeClr val="bg1"/>
+                </a:solidFill>
+              </a:rPr>
+              <a:t>DATA UNDERSTANDING: </a:t>
+            </a:r>
+            <a:r>
+              <a:rPr lang="it-IT" sz="2400" dirty="0">
+                <a:solidFill>
+                  <a:schemeClr val="bg1"/>
+                </a:solidFill>
+              </a:rPr>
+              <a:t>ESAMI DI INFORAMTICA</a:t>
+            </a:r>
+            <a:endParaRPr lang="en-US" sz="2400" dirty="0">
+              <a:solidFill>
+                <a:schemeClr val="bg1"/>
+              </a:solidFill>
+            </a:endParaRPr>
+          </a:p>
+        </p:txBody>
+      </p:sp>
+      <p:sp>
+        <p:nvSpPr>
+          <p:cNvPr id="8" name="CasellaDiTesto 7">
+            <a:extLst>
+              <a:ext uri="{FF2B5EF4-FFF2-40B4-BE49-F238E27FC236}">
+                <a16:creationId xmlns:a16="http://schemas.microsoft.com/office/drawing/2014/main" id="{8834E3B8-21D8-45DE-8FE9-9B887BB61C46}"/>
+              </a:ext>
+            </a:extLst>
+          </p:cNvPr>
+          <p:cNvSpPr txBox="1"/>
+          <p:nvPr/>
+        </p:nvSpPr>
+        <p:spPr>
+          <a:xfrm>
+            <a:off x="251518" y="908720"/>
+            <a:ext cx="2736306" cy="3539430"/>
+          </a:xfrm>
+          <a:prstGeom prst="rect">
+            <a:avLst/>
+          </a:prstGeom>
+          <a:noFill/>
+        </p:spPr>
+        <p:txBody>
+          <a:bodyPr wrap="square" rtlCol="0">
+            <a:spAutoFit/>
+          </a:bodyPr>
+          <a:lstStyle/>
+          <a:p>
+            <a:r>
+              <a:rPr lang="it-IT" sz="1600" dirty="0"/>
+              <a:t>Con l’avvicinarsi agli esami del terzo anno – eccezione fatta per </a:t>
+            </a:r>
+            <a:r>
+              <a:rPr lang="it-IT" sz="1600" i="1" dirty="0"/>
+              <a:t>Architetture degli Elaboratori </a:t>
+            </a:r>
+            <a:r>
+              <a:rPr lang="it-IT" sz="1600" dirty="0"/>
+              <a:t>– si nota che il voto  conseguito da ogni studente tende a discostarsi sempre meno dalla media.</a:t>
+            </a:r>
+          </a:p>
+          <a:p>
+            <a:endParaRPr lang="it-IT" sz="1600" dirty="0"/>
+          </a:p>
+          <a:p>
+            <a:r>
+              <a:rPr lang="it-IT" sz="1600" dirty="0"/>
+              <a:t>Si noti come per </a:t>
+            </a:r>
+            <a:r>
+              <a:rPr lang="it-IT" sz="1600" i="1" dirty="0"/>
+              <a:t>Informatica Teorica</a:t>
+            </a:r>
+            <a:r>
+              <a:rPr lang="it-IT" sz="1600" dirty="0"/>
+              <a:t>, notoriamente l’esame più ostico dell’intero </a:t>
+            </a:r>
+            <a:r>
+              <a:rPr lang="it-IT" sz="1600" dirty="0" err="1"/>
+              <a:t>CdL</a:t>
+            </a:r>
+            <a:r>
+              <a:rPr lang="it-IT" sz="1600" dirty="0"/>
+              <a:t>, i pochi studenti che lo superano risultano ampiamente </a:t>
+            </a:r>
+            <a:r>
+              <a:rPr lang="it-IT" sz="1600" u="sng" dirty="0"/>
+              <a:t>sopra la media</a:t>
+            </a:r>
+            <a:r>
+              <a:rPr lang="it-IT" sz="1600" b="1" u="sng" dirty="0"/>
+              <a:t>*</a:t>
+            </a:r>
+            <a:r>
+              <a:rPr lang="it-IT" sz="1600" dirty="0"/>
+              <a:t>:</a:t>
+            </a:r>
+            <a:endParaRPr lang="en-US" sz="1600" dirty="0"/>
+          </a:p>
+        </p:txBody>
+      </p:sp>
+      <p:pic>
+        <p:nvPicPr>
+          <p:cNvPr id="3" name="Immagine 2">
+            <a:extLst>
+              <a:ext uri="{FF2B5EF4-FFF2-40B4-BE49-F238E27FC236}">
+                <a16:creationId xmlns:a16="http://schemas.microsoft.com/office/drawing/2014/main" id="{46AE51FB-8A1D-4822-A152-48C2F3ACE934}"/>
+              </a:ext>
+            </a:extLst>
+          </p:cNvPr>
+          <p:cNvPicPr>
+            <a:picLocks noChangeAspect="1"/>
+          </p:cNvPicPr>
+          <p:nvPr/>
+        </p:nvPicPr>
+        <p:blipFill rotWithShape="1">
+          <a:blip r:embed="rId2"/>
+          <a:srcRect l="14873" t="9187" r="11207" b="3806"/>
+          <a:stretch/>
+        </p:blipFill>
+        <p:spPr>
+          <a:xfrm>
+            <a:off x="3059833" y="842147"/>
+            <a:ext cx="6084168" cy="6014111"/>
+          </a:xfrm>
+          <a:prstGeom prst="rect">
+            <a:avLst/>
+          </a:prstGeom>
+        </p:spPr>
+      </p:pic>
+      <p:pic>
+        <p:nvPicPr>
+          <p:cNvPr id="4" name="Immagine 3">
+            <a:extLst>
+              <a:ext uri="{FF2B5EF4-FFF2-40B4-BE49-F238E27FC236}">
+                <a16:creationId xmlns:a16="http://schemas.microsoft.com/office/drawing/2014/main" id="{385FEB4C-BBD5-48F4-848A-17A28F5B1A67}"/>
+              </a:ext>
+            </a:extLst>
+          </p:cNvPr>
+          <p:cNvPicPr>
+            <a:picLocks noChangeAspect="1"/>
+          </p:cNvPicPr>
+          <p:nvPr/>
+        </p:nvPicPr>
+        <p:blipFill>
+          <a:blip r:embed="rId3"/>
+          <a:stretch>
+            <a:fillRect/>
+          </a:stretch>
+        </p:blipFill>
+        <p:spPr>
+          <a:xfrm>
+            <a:off x="792562" y="4448150"/>
+            <a:ext cx="1789784" cy="1827332"/>
+          </a:xfrm>
+          <a:prstGeom prst="rect">
+            <a:avLst/>
+          </a:prstGeom>
+        </p:spPr>
+      </p:pic>
+      <p:sp>
+        <p:nvSpPr>
+          <p:cNvPr id="7" name="CasellaDiTesto 6">
+            <a:extLst>
+              <a:ext uri="{FF2B5EF4-FFF2-40B4-BE49-F238E27FC236}">
+                <a16:creationId xmlns:a16="http://schemas.microsoft.com/office/drawing/2014/main" id="{326F753B-F4BC-49D8-A98B-ADE5E730E776}"/>
+              </a:ext>
+            </a:extLst>
+          </p:cNvPr>
+          <p:cNvSpPr txBox="1"/>
+          <p:nvPr/>
+        </p:nvSpPr>
+        <p:spPr>
+          <a:xfrm>
+            <a:off x="156792" y="6396335"/>
+            <a:ext cx="2664297" cy="461665"/>
+          </a:xfrm>
+          <a:prstGeom prst="rect">
+            <a:avLst/>
+          </a:prstGeom>
+          <a:noFill/>
+        </p:spPr>
+        <p:txBody>
+          <a:bodyPr wrap="square" rtlCol="0">
+            <a:spAutoFit/>
+          </a:bodyPr>
+          <a:lstStyle/>
+          <a:p>
+            <a:r>
+              <a:rPr lang="it-IT" sz="1200" b="1" dirty="0">
+                <a:solidFill>
+                  <a:srgbClr val="FF0000"/>
+                </a:solidFill>
+              </a:rPr>
+              <a:t>*</a:t>
+            </a:r>
+            <a:r>
+              <a:rPr lang="it-IT" sz="1200" dirty="0">
+                <a:solidFill>
+                  <a:srgbClr val="FF0000"/>
+                </a:solidFill>
+              </a:rPr>
+              <a:t> calcolata considerando pari a 0 il voto di chi non ha dato/superato l’esame!</a:t>
+            </a:r>
+            <a:endParaRPr lang="en-US" sz="1200" dirty="0">
+              <a:solidFill>
+                <a:srgbClr val="FF0000"/>
+              </a:solidFill>
+            </a:endParaRPr>
+          </a:p>
+        </p:txBody>
+      </p:sp>
+    </p:spTree>
+    <p:extLst>
+      <p:ext uri="{BB962C8B-B14F-4D97-AF65-F5344CB8AC3E}">
+        <p14:creationId xmlns:p14="http://schemas.microsoft.com/office/powerpoint/2010/main" val="230562184"/>
+      </p:ext>
+    </p:extLst>
+  </p:cSld>
+  <p:clrMapOvr>
+    <a:masterClrMapping/>
+  </p:clrMapOvr>
+</p:sld>
+</file>
+
+<file path=ppt/slides/slide27.xml><?xml version="1.0" encoding="utf-8"?>
+<p:sld xmlns:a="http://schemas.openxmlformats.org/drawingml/2006/main" xmlns:r="http://schemas.openxmlformats.org/officeDocument/2006/relationships" xmlns:p="http://schemas.openxmlformats.org/presentationml/2006/main">
+  <p:cSld>
+    <p:spTree>
+      <p:nvGrpSpPr>
+        <p:cNvPr id="1" name=""/>
+        <p:cNvGrpSpPr/>
+        <p:nvPr/>
+      </p:nvGrpSpPr>
+      <p:grpSpPr>
+        <a:xfrm>
+          <a:off x="0" y="0"/>
+          <a:ext cx="0" cy="0"/>
+          <a:chOff x="0" y="0"/>
+          <a:chExt cx="0" cy="0"/>
+        </a:xfrm>
+      </p:grpSpPr>
+      <p:sp>
+        <p:nvSpPr>
+          <p:cNvPr id="3" name="Titolo 1">
+            <a:extLst>
+              <a:ext uri="{FF2B5EF4-FFF2-40B4-BE49-F238E27FC236}">
+                <a16:creationId xmlns:a16="http://schemas.microsoft.com/office/drawing/2014/main" id="{9E74EE39-EA32-4246-BC63-84D8E46682AC}"/>
+              </a:ext>
+            </a:extLst>
+          </p:cNvPr>
+          <p:cNvSpPr txBox="1">
+            <a:spLocks/>
+          </p:cNvSpPr>
+          <p:nvPr/>
+        </p:nvSpPr>
+        <p:spPr>
+          <a:xfrm>
+            <a:off x="1447800" y="152400"/>
+            <a:ext cx="8229600" cy="1143000"/>
+          </a:xfrm>
+          <a:prstGeom prst="rect">
+            <a:avLst/>
+          </a:prstGeom>
+        </p:spPr>
+        <p:txBody>
+          <a:bodyPr>
+            <a:noAutofit/>
+          </a:bodyPr>
+          <a:lstStyle>
+            <a:lvl1pPr algn="ctr" defTabSz="342900" rtl="0" eaLnBrk="1" latinLnBrk="0" hangingPunct="1">
+              <a:spcBef>
+                <a:spcPct val="0"/>
+              </a:spcBef>
+              <a:buNone/>
+              <a:defRPr sz="3300" kern="1200">
+                <a:solidFill>
+                  <a:schemeClr val="tx1"/>
+                </a:solidFill>
+                <a:latin typeface="+mj-lt"/>
+                <a:ea typeface="+mj-ea"/>
+                <a:cs typeface="+mj-cs"/>
+              </a:defRPr>
+            </a:lvl1pPr>
+          </a:lstStyle>
+          <a:p>
+            <a:r>
+              <a:rPr lang="it-IT" sz="2400" b="1" dirty="0">
+                <a:solidFill>
+                  <a:schemeClr val="bg1"/>
+                </a:solidFill>
+              </a:rPr>
+              <a:t>DATA UNDERSTANDING: </a:t>
+            </a:r>
+            <a:r>
+              <a:rPr lang="it-IT" sz="2400" dirty="0">
+                <a:solidFill>
+                  <a:schemeClr val="bg1"/>
+                </a:solidFill>
+              </a:rPr>
+              <a:t>ESAMI DI MATEMATICA</a:t>
+            </a:r>
+            <a:endParaRPr lang="en-US" sz="2400" dirty="0">
+              <a:solidFill>
+                <a:schemeClr val="bg1"/>
+              </a:solidFill>
+            </a:endParaRPr>
+          </a:p>
+        </p:txBody>
+      </p:sp>
+      <p:pic>
+        <p:nvPicPr>
+          <p:cNvPr id="5" name="Immagine 4">
+            <a:extLst>
+              <a:ext uri="{FF2B5EF4-FFF2-40B4-BE49-F238E27FC236}">
+                <a16:creationId xmlns:a16="http://schemas.microsoft.com/office/drawing/2014/main" id="{B4B3C881-0701-4521-8412-982149D31A0D}"/>
+              </a:ext>
+            </a:extLst>
+          </p:cNvPr>
+          <p:cNvPicPr>
+            <a:picLocks noChangeAspect="1"/>
+          </p:cNvPicPr>
+          <p:nvPr/>
+        </p:nvPicPr>
+        <p:blipFill rotWithShape="1">
+          <a:blip r:embed="rId2"/>
+          <a:srcRect l="2750" t="3343" r="1963" b="3343"/>
+          <a:stretch/>
+        </p:blipFill>
+        <p:spPr>
+          <a:xfrm>
+            <a:off x="1288" y="764704"/>
+            <a:ext cx="9144000" cy="6093296"/>
+          </a:xfrm>
+          <a:prstGeom prst="rect">
+            <a:avLst/>
+          </a:prstGeom>
+        </p:spPr>
+      </p:pic>
+      <p:sp>
+        <p:nvSpPr>
+          <p:cNvPr id="6" name="CasellaDiTesto 5">
+            <a:extLst>
+              <a:ext uri="{FF2B5EF4-FFF2-40B4-BE49-F238E27FC236}">
+                <a16:creationId xmlns:a16="http://schemas.microsoft.com/office/drawing/2014/main" id="{08DE6B2F-C638-43AA-B074-2F2BE8803629}"/>
+              </a:ext>
+            </a:extLst>
+          </p:cNvPr>
+          <p:cNvSpPr txBox="1"/>
+          <p:nvPr/>
+        </p:nvSpPr>
+        <p:spPr>
+          <a:xfrm>
+            <a:off x="35496" y="5517232"/>
+            <a:ext cx="5904656" cy="1354217"/>
+          </a:xfrm>
+          <a:prstGeom prst="rect">
+            <a:avLst/>
+          </a:prstGeom>
+          <a:noFill/>
+        </p:spPr>
+        <p:txBody>
+          <a:bodyPr wrap="square" rtlCol="0">
+            <a:spAutoFit/>
+          </a:bodyPr>
+          <a:lstStyle/>
+          <a:p>
+            <a:r>
+              <a:rPr lang="it-IT" dirty="0"/>
+              <a:t>Un aspetto che balza immediatamente alla vista è l’enorme quantità di studenti che ha conseguito 18 ad </a:t>
+            </a:r>
+            <a:r>
+              <a:rPr lang="it-IT" i="1" dirty="0"/>
+              <a:t>Analisi 2</a:t>
+            </a:r>
+            <a:r>
+              <a:rPr lang="it-IT" dirty="0"/>
+              <a:t>.</a:t>
+            </a:r>
+          </a:p>
+          <a:p>
+            <a:endParaRPr lang="it-IT" dirty="0"/>
+          </a:p>
+          <a:p>
+            <a:r>
+              <a:rPr lang="it-IT" sz="1400" i="1" dirty="0"/>
+              <a:t>N.d.A. : se il dataset comprendesse dati della coorte 2015, anche l’autore sarebbe fra quei 18.</a:t>
+            </a:r>
+            <a:endParaRPr lang="en-US" sz="1400" i="1" dirty="0"/>
+          </a:p>
+        </p:txBody>
+      </p:sp>
+    </p:spTree>
+    <p:extLst>
+      <p:ext uri="{BB962C8B-B14F-4D97-AF65-F5344CB8AC3E}">
+        <p14:creationId xmlns:p14="http://schemas.microsoft.com/office/powerpoint/2010/main" val="1638393315"/>
+      </p:ext>
+    </p:extLst>
+  </p:cSld>
+  <p:clrMapOvr>
+    <a:masterClrMapping/>
+  </p:clrMapOvr>
+</p:sld>
+</file>
+
+<file path=ppt/slides/slide28.xml><?xml version="1.0" encoding="utf-8"?>
 <p:sld xmlns:a="http://schemas.openxmlformats.org/drawingml/2006/main" xmlns:r="http://schemas.openxmlformats.org/officeDocument/2006/relationships" xmlns:p="http://schemas.openxmlformats.org/presentationml/2006/main">
   <p:cSld>
     <p:spTree>
@@ -9378,26 +10566,14 @@
             </a:r>
           </a:p>
           <a:p>
-            <a:pPr lvl="1" algn="just"/>
-            <a:r>
-              <a:rPr lang="it-IT" dirty="0">
-                <a:solidFill>
-                  <a:srgbClr val="00B0F0"/>
-                </a:solidFill>
-              </a:rPr>
-              <a:t>Risultati degli esami del primo anno</a:t>
-            </a:r>
-          </a:p>
-          <a:p>
-            <a:pPr lvl="1" algn="just"/>
-            <a:r>
-              <a:rPr lang="it-IT" dirty="0">
-                <a:solidFill>
-                  <a:srgbClr val="00B0F0"/>
-                </a:solidFill>
-              </a:rPr>
-              <a:t>…</a:t>
-            </a:r>
+            <a:pPr marL="342900" lvl="1" indent="0" algn="just">
+              <a:buNone/>
+            </a:pPr>
+            <a:endParaRPr lang="it-IT" dirty="0">
+              <a:solidFill>
+                <a:srgbClr val="00B0F0"/>
+              </a:solidFill>
+            </a:endParaRPr>
           </a:p>
           <a:p>
             <a:pPr marL="0" indent="0" algn="just">

--- a/relazione.pptx
+++ b/relazione.pptx
@@ -32,7 +32,10 @@
     <p:sldId id="282" r:id="rId26"/>
     <p:sldId id="283" r:id="rId27"/>
     <p:sldId id="285" r:id="rId28"/>
-    <p:sldId id="278" r:id="rId29"/>
+    <p:sldId id="286" r:id="rId29"/>
+    <p:sldId id="287" r:id="rId30"/>
+    <p:sldId id="278" r:id="rId31"/>
+    <p:sldId id="288" r:id="rId32"/>
   </p:sldIdLst>
   <p:sldSz cx="9144000" cy="6858000" type="screen4x3"/>
   <p:notesSz cx="6858000" cy="9144000"/>
@@ -334,7 +337,7 @@
             <a:fld id="{657198A3-6BD0-1345-BB48-4E51D4346A8E}" type="datetimeFigureOut">
               <a:rPr lang="it-IT" smtClean="0"/>
               <a:pPr/>
-              <a:t>11/01/2018</a:t>
+              <a:t>14/01/2018</a:t>
             </a:fld>
             <a:endParaRPr lang="it-IT" dirty="0"/>
           </a:p>
@@ -499,7 +502,7 @@
             <a:fld id="{657198A3-6BD0-1345-BB48-4E51D4346A8E}" type="datetimeFigureOut">
               <a:rPr lang="it-IT" smtClean="0"/>
               <a:pPr/>
-              <a:t>11/01/2018</a:t>
+              <a:t>14/01/2018</a:t>
             </a:fld>
             <a:endParaRPr lang="it-IT" dirty="0"/>
           </a:p>
@@ -674,7 +677,7 @@
             <a:fld id="{657198A3-6BD0-1345-BB48-4E51D4346A8E}" type="datetimeFigureOut">
               <a:rPr lang="it-IT" smtClean="0"/>
               <a:pPr/>
-              <a:t>11/01/2018</a:t>
+              <a:t>14/01/2018</a:t>
             </a:fld>
             <a:endParaRPr lang="it-IT" dirty="0"/>
           </a:p>
@@ -849,7 +852,7 @@
             <a:fld id="{657198A3-6BD0-1345-BB48-4E51D4346A8E}" type="datetimeFigureOut">
               <a:rPr lang="it-IT" smtClean="0"/>
               <a:pPr/>
-              <a:t>11/01/2018</a:t>
+              <a:t>14/01/2018</a:t>
             </a:fld>
             <a:endParaRPr lang="it-IT" dirty="0"/>
           </a:p>
@@ -1091,7 +1094,7 @@
             <a:fld id="{657198A3-6BD0-1345-BB48-4E51D4346A8E}" type="datetimeFigureOut">
               <a:rPr lang="it-IT" smtClean="0"/>
               <a:pPr/>
-              <a:t>11/01/2018</a:t>
+              <a:t>14/01/2018</a:t>
             </a:fld>
             <a:endParaRPr lang="it-IT" dirty="0"/>
           </a:p>
@@ -1373,7 +1376,7 @@
             <a:fld id="{657198A3-6BD0-1345-BB48-4E51D4346A8E}" type="datetimeFigureOut">
               <a:rPr lang="it-IT" smtClean="0"/>
               <a:pPr/>
-              <a:t>11/01/2018</a:t>
+              <a:t>14/01/2018</a:t>
             </a:fld>
             <a:endParaRPr lang="it-IT" dirty="0"/>
           </a:p>
@@ -1789,7 +1792,7 @@
             <a:fld id="{657198A3-6BD0-1345-BB48-4E51D4346A8E}" type="datetimeFigureOut">
               <a:rPr lang="it-IT" smtClean="0"/>
               <a:pPr/>
-              <a:t>11/01/2018</a:t>
+              <a:t>14/01/2018</a:t>
             </a:fld>
             <a:endParaRPr lang="it-IT" dirty="0"/>
           </a:p>
@@ -1903,7 +1906,7 @@
             <a:fld id="{657198A3-6BD0-1345-BB48-4E51D4346A8E}" type="datetimeFigureOut">
               <a:rPr lang="it-IT" smtClean="0"/>
               <a:pPr/>
-              <a:t>11/01/2018</a:t>
+              <a:t>14/01/2018</a:t>
             </a:fld>
             <a:endParaRPr lang="it-IT" dirty="0"/>
           </a:p>
@@ -1995,7 +1998,7 @@
             <a:fld id="{657198A3-6BD0-1345-BB48-4E51D4346A8E}" type="datetimeFigureOut">
               <a:rPr lang="it-IT" smtClean="0"/>
               <a:pPr/>
-              <a:t>11/01/2018</a:t>
+              <a:t>14/01/2018</a:t>
             </a:fld>
             <a:endParaRPr lang="it-IT" dirty="0"/>
           </a:p>
@@ -2267,7 +2270,7 @@
             <a:fld id="{657198A3-6BD0-1345-BB48-4E51D4346A8E}" type="datetimeFigureOut">
               <a:rPr lang="it-IT" smtClean="0"/>
               <a:pPr/>
-              <a:t>11/01/2018</a:t>
+              <a:t>14/01/2018</a:t>
             </a:fld>
             <a:endParaRPr lang="it-IT" dirty="0"/>
           </a:p>
@@ -2519,7 +2522,7 @@
             <a:fld id="{657198A3-6BD0-1345-BB48-4E51D4346A8E}" type="datetimeFigureOut">
               <a:rPr lang="it-IT" smtClean="0"/>
               <a:pPr/>
-              <a:t>11/01/2018</a:t>
+              <a:t>14/01/2018</a:t>
             </a:fld>
             <a:endParaRPr lang="it-IT" dirty="0"/>
           </a:p>
@@ -2727,7 +2730,7 @@
             <a:fld id="{657198A3-6BD0-1345-BB48-4E51D4346A8E}" type="datetimeFigureOut">
               <a:rPr lang="it-IT" smtClean="0"/>
               <a:pPr/>
-              <a:t>11/01/2018</a:t>
+              <a:t>14/01/2018</a:t>
             </a:fld>
             <a:endParaRPr lang="it-IT" dirty="0"/>
           </a:p>
@@ -4738,8 +4741,12 @@
           <a:p>
             <a:pPr algn="just"/>
             <a:r>
+              <a:rPr lang="it-IT" dirty="0" smtClean="0"/>
+              <a:t>Una </a:t>
+            </a:r>
+            <a:r>
               <a:rPr lang="it-IT" dirty="0"/>
-              <a:t>Una scelta significativa nell’ambito di questa analisi è stata la suddivisione degli esami in vari gruppi.</a:t>
+              <a:t>scelta significativa nell’ambito di questa analisi è stata la suddivisione degli esami in vari gruppi.</a:t>
             </a:r>
           </a:p>
           <a:p>
@@ -6613,13 +6620,13 @@
         </p:nvPicPr>
         <p:blipFill rotWithShape="1">
           <a:blip r:embed="rId2"/>
-          <a:srcRect l="8206" t="9877" r="12468" b="3924"/>
+          <a:srcRect l="15104" t="9877" r="12468" b="3924"/>
           <a:stretch/>
         </p:blipFill>
         <p:spPr bwMode="auto">
           <a:xfrm>
-            <a:off x="2483768" y="812538"/>
-            <a:ext cx="6624736" cy="6045462"/>
+            <a:off x="2771800" y="812538"/>
+            <a:ext cx="6048672" cy="6045462"/>
           </a:xfrm>
           <a:prstGeom prst="rect">
             <a:avLst/>
@@ -6753,6 +6760,36 @@
               <a:t>Perché studenti di vari anni tendono a convergere verso lo stesso voto in quei due esami?</a:t>
             </a:r>
             <a:endParaRPr lang="en-US" dirty="0"/>
+          </a:p>
+        </p:txBody>
+      </p:sp>
+      <p:sp>
+        <p:nvSpPr>
+          <p:cNvPr id="3" name="CasellaDiTesto 2"/>
+          <p:cNvSpPr txBox="1"/>
+          <p:nvPr/>
+        </p:nvSpPr>
+        <p:spPr>
+          <a:xfrm rot="16200000">
+            <a:off x="7853010" y="3268727"/>
+            <a:ext cx="2160240" cy="369332"/>
+          </a:xfrm>
+          <a:prstGeom prst="rect">
+            <a:avLst/>
+          </a:prstGeom>
+          <a:noFill/>
+        </p:spPr>
+        <p:txBody>
+          <a:bodyPr wrap="square" rtlCol="0">
+            <a:spAutoFit/>
+          </a:bodyPr>
+          <a:lstStyle/>
+          <a:p>
+            <a:r>
+              <a:rPr lang="it-IT" dirty="0" smtClean="0"/>
+              <a:t>Deviazione Standard</a:t>
+            </a:r>
+            <a:endParaRPr lang="it-IT" dirty="0"/>
           </a:p>
         </p:txBody>
       </p:sp>
@@ -7343,8 +7380,8 @@
         </p:blipFill>
         <p:spPr bwMode="auto">
           <a:xfrm>
-            <a:off x="6804248" y="4189259"/>
-            <a:ext cx="1329056" cy="1601404"/>
+            <a:off x="6804247" y="4185450"/>
+            <a:ext cx="1332217" cy="1605213"/>
           </a:xfrm>
           <a:prstGeom prst="rect">
             <a:avLst/>
@@ -8153,6 +8190,13 @@
                 <a:cs typeface="Courier New" panose="02070309020205020404" pitchFamily="49" charset="0"/>
               </a:rPr>
               <a:t>immatricolati coorte 2013 - produttività fino ad aprile 2017</a:t>
+            </a:r>
+            <a:r>
+              <a:rPr lang="it-IT" dirty="0">
+                <a:latin typeface="Courier New" panose="02070309020205020404" pitchFamily="49" charset="0"/>
+                <a:cs typeface="Courier New" panose="02070309020205020404" pitchFamily="49" charset="0"/>
+              </a:rPr>
+              <a:t/>
             </a:r>
             <a:br>
               <a:rPr lang="it-IT" dirty="0">
@@ -10106,7 +10150,7 @@
         </p:nvSpPr>
         <p:spPr>
           <a:xfrm>
-            <a:off x="251518" y="908720"/>
+            <a:off x="179512" y="908720"/>
             <a:ext cx="2736306" cy="3539430"/>
           </a:xfrm>
           <a:prstGeom prst="rect">
@@ -10194,7 +10238,7 @@
         </p:blipFill>
         <p:spPr>
           <a:xfrm>
-            <a:off x="3059833" y="842147"/>
+            <a:off x="2843808" y="842147"/>
             <a:ext cx="6084168" cy="6014111"/>
           </a:xfrm>
           <a:prstGeom prst="rect">
@@ -10281,6 +10325,36 @@
                 <a:srgbClr val="FF0000"/>
               </a:solidFill>
             </a:endParaRPr>
+          </a:p>
+        </p:txBody>
+      </p:sp>
+      <p:sp>
+        <p:nvSpPr>
+          <p:cNvPr id="9" name="CasellaDiTesto 8"/>
+          <p:cNvSpPr txBox="1"/>
+          <p:nvPr/>
+        </p:nvSpPr>
+        <p:spPr>
+          <a:xfrm rot="16200000">
+            <a:off x="7853010" y="3268727"/>
+            <a:ext cx="2160240" cy="369332"/>
+          </a:xfrm>
+          <a:prstGeom prst="rect">
+            <a:avLst/>
+          </a:prstGeom>
+          <a:noFill/>
+        </p:spPr>
+        <p:txBody>
+          <a:bodyPr wrap="square" rtlCol="0">
+            <a:spAutoFit/>
+          </a:bodyPr>
+          <a:lstStyle/>
+          <a:p>
+            <a:r>
+              <a:rPr lang="it-IT" dirty="0" smtClean="0"/>
+              <a:t>Deviazione Standard</a:t>
+            </a:r>
+            <a:endParaRPr lang="it-IT" dirty="0"/>
           </a:p>
         </p:txBody>
       </p:sp>
@@ -10496,324 +10570,10 @@
       </p:grpSpPr>
       <p:sp>
         <p:nvSpPr>
-          <p:cNvPr id="8" name="Segnaposto contenuto 2">
+          <p:cNvPr id="3" name="Titolo 1">
             <a:extLst>
               <a:ext uri="{FF2B5EF4-FFF2-40B4-BE49-F238E27FC236}">
-                <a16:creationId xmlns:a16="http://schemas.microsoft.com/office/drawing/2014/main" id="{C2E44FE5-CCA1-4E8F-905A-F2F5CDF25092}"/>
-              </a:ext>
-            </a:extLst>
-          </p:cNvPr>
-          <p:cNvSpPr>
-            <a:spLocks noGrp="1"/>
-          </p:cNvSpPr>
-          <p:nvPr>
-            <p:ph idx="1"/>
-          </p:nvPr>
-        </p:nvSpPr>
-        <p:spPr>
-          <a:xfrm>
-            <a:off x="457200" y="1700808"/>
-            <a:ext cx="8229600" cy="4114800"/>
-          </a:xfrm>
-        </p:spPr>
-        <p:txBody>
-          <a:bodyPr>
-            <a:normAutofit/>
-          </a:bodyPr>
-          <a:lstStyle/>
-          <a:p>
-            <a:pPr marL="0" indent="0" algn="just">
-              <a:buNone/>
-            </a:pPr>
-            <a:r>
-              <a:rPr lang="it-IT" dirty="0"/>
-              <a:t>A seguito di questa lunga fase di data </a:t>
-            </a:r>
-            <a:r>
-              <a:rPr lang="it-IT" dirty="0" err="1"/>
-              <a:t>understanding</a:t>
-            </a:r>
-            <a:r>
-              <a:rPr lang="it-IT" dirty="0"/>
-              <a:t>, si è in grado di rispondere alla domanda fondamentale di questo intero progetto:</a:t>
-            </a:r>
-          </a:p>
-          <a:p>
-            <a:pPr algn="just"/>
-            <a:r>
-              <a:rPr lang="it-IT" dirty="0">
-                <a:solidFill>
-                  <a:srgbClr val="FF0000"/>
-                </a:solidFill>
-              </a:rPr>
-              <a:t>Quale aspetto del dataset vale la pena analizzare con le tecniche di </a:t>
-            </a:r>
-            <a:r>
-              <a:rPr lang="it-IT" dirty="0" err="1">
-                <a:solidFill>
-                  <a:srgbClr val="FF0000"/>
-                </a:solidFill>
-              </a:rPr>
-              <a:t>clustering</a:t>
-            </a:r>
-            <a:r>
-              <a:rPr lang="it-IT" dirty="0">
-                <a:solidFill>
-                  <a:srgbClr val="FF0000"/>
-                </a:solidFill>
-              </a:rPr>
-              <a:t>?</a:t>
-            </a:r>
-          </a:p>
-          <a:p>
-            <a:pPr marL="342900" lvl="1" indent="0" algn="just">
-              <a:buNone/>
-            </a:pPr>
-            <a:endParaRPr lang="it-IT" dirty="0">
-              <a:solidFill>
-                <a:srgbClr val="00B0F0"/>
-              </a:solidFill>
-            </a:endParaRPr>
-          </a:p>
-          <a:p>
-            <a:pPr marL="0" indent="0" algn="just">
-              <a:buNone/>
-            </a:pPr>
-            <a:endParaRPr lang="it-IT" sz="2000" dirty="0"/>
-          </a:p>
-          <a:p>
-            <a:pPr marL="0" indent="0" algn="just">
-              <a:buNone/>
-            </a:pPr>
-            <a:endParaRPr lang="it-IT" dirty="0"/>
-          </a:p>
-        </p:txBody>
-      </p:sp>
-      <p:sp>
-        <p:nvSpPr>
-          <p:cNvPr id="9" name="Segnaposto contenuto 2">
-            <a:extLst>
-              <a:ext uri="{FF2B5EF4-FFF2-40B4-BE49-F238E27FC236}">
-                <a16:creationId xmlns:a16="http://schemas.microsoft.com/office/drawing/2014/main" id="{89886170-B615-43F8-AA8E-D5565391C42A}"/>
-              </a:ext>
-            </a:extLst>
-          </p:cNvPr>
-          <p:cNvSpPr txBox="1">
-            <a:spLocks/>
-          </p:cNvSpPr>
-          <p:nvPr/>
-        </p:nvSpPr>
-        <p:spPr>
-          <a:xfrm>
-            <a:off x="457200" y="5029199"/>
-            <a:ext cx="8229600" cy="1074753"/>
-          </a:xfrm>
-          <a:prstGeom prst="rect">
-            <a:avLst/>
-          </a:prstGeom>
-        </p:spPr>
-        <p:txBody>
-          <a:bodyPr vert="horz" lIns="91440" tIns="45720" rIns="91440" bIns="45720" rtlCol="0">
-            <a:normAutofit/>
-          </a:bodyPr>
-          <a:lstStyle>
-            <a:lvl1pPr marL="257175" indent="-257175" algn="l" defTabSz="342900" rtl="0" eaLnBrk="1" latinLnBrk="0" hangingPunct="1">
-              <a:spcBef>
-                <a:spcPct val="20000"/>
-              </a:spcBef>
-              <a:buFont typeface="Arial"/>
-              <a:buChar char="•"/>
-              <a:defRPr sz="2400" kern="1200">
-                <a:solidFill>
-                  <a:schemeClr val="tx1"/>
-                </a:solidFill>
-                <a:latin typeface="+mn-lt"/>
-                <a:ea typeface="+mn-ea"/>
-                <a:cs typeface="+mn-cs"/>
-              </a:defRPr>
-            </a:lvl1pPr>
-            <a:lvl2pPr marL="557213" indent="-214313" algn="l" defTabSz="342900" rtl="0" eaLnBrk="1" latinLnBrk="0" hangingPunct="1">
-              <a:spcBef>
-                <a:spcPct val="20000"/>
-              </a:spcBef>
-              <a:buFont typeface="Arial"/>
-              <a:buChar char="–"/>
-              <a:defRPr sz="2100" kern="1200">
-                <a:solidFill>
-                  <a:schemeClr val="tx1"/>
-                </a:solidFill>
-                <a:latin typeface="+mn-lt"/>
-                <a:ea typeface="+mn-ea"/>
-                <a:cs typeface="+mn-cs"/>
-              </a:defRPr>
-            </a:lvl2pPr>
-            <a:lvl3pPr marL="857250" indent="-171450" algn="l" defTabSz="342900" rtl="0" eaLnBrk="1" latinLnBrk="0" hangingPunct="1">
-              <a:spcBef>
-                <a:spcPct val="20000"/>
-              </a:spcBef>
-              <a:buFont typeface="Arial"/>
-              <a:buChar char="•"/>
-              <a:defRPr sz="1800" kern="1200">
-                <a:solidFill>
-                  <a:schemeClr val="tx1"/>
-                </a:solidFill>
-                <a:latin typeface="+mn-lt"/>
-                <a:ea typeface="+mn-ea"/>
-                <a:cs typeface="+mn-cs"/>
-              </a:defRPr>
-            </a:lvl3pPr>
-            <a:lvl4pPr marL="1200150" indent="-171450" algn="l" defTabSz="342900" rtl="0" eaLnBrk="1" latinLnBrk="0" hangingPunct="1">
-              <a:spcBef>
-                <a:spcPct val="20000"/>
-              </a:spcBef>
-              <a:buFont typeface="Arial"/>
-              <a:buChar char="–"/>
-              <a:defRPr sz="1500" kern="1200">
-                <a:solidFill>
-                  <a:schemeClr val="tx1"/>
-                </a:solidFill>
-                <a:latin typeface="+mn-lt"/>
-                <a:ea typeface="+mn-ea"/>
-                <a:cs typeface="+mn-cs"/>
-              </a:defRPr>
-            </a:lvl4pPr>
-            <a:lvl5pPr marL="1543050" indent="-171450" algn="l" defTabSz="342900" rtl="0" eaLnBrk="1" latinLnBrk="0" hangingPunct="1">
-              <a:spcBef>
-                <a:spcPct val="20000"/>
-              </a:spcBef>
-              <a:buFont typeface="Arial"/>
-              <a:buChar char="»"/>
-              <a:defRPr sz="1500" kern="1200">
-                <a:solidFill>
-                  <a:schemeClr val="tx1"/>
-                </a:solidFill>
-                <a:latin typeface="+mn-lt"/>
-                <a:ea typeface="+mn-ea"/>
-                <a:cs typeface="+mn-cs"/>
-              </a:defRPr>
-            </a:lvl5pPr>
-            <a:lvl6pPr marL="1885950" indent="-171450" algn="l" defTabSz="342900" rtl="0" eaLnBrk="1" latinLnBrk="0" hangingPunct="1">
-              <a:spcBef>
-                <a:spcPct val="20000"/>
-              </a:spcBef>
-              <a:buFont typeface="Arial"/>
-              <a:buChar char="•"/>
-              <a:defRPr sz="1500" kern="1200">
-                <a:solidFill>
-                  <a:schemeClr val="tx1"/>
-                </a:solidFill>
-                <a:latin typeface="+mn-lt"/>
-                <a:ea typeface="+mn-ea"/>
-                <a:cs typeface="+mn-cs"/>
-              </a:defRPr>
-            </a:lvl6pPr>
-            <a:lvl7pPr marL="2228850" indent="-171450" algn="l" defTabSz="342900" rtl="0" eaLnBrk="1" latinLnBrk="0" hangingPunct="1">
-              <a:spcBef>
-                <a:spcPct val="20000"/>
-              </a:spcBef>
-              <a:buFont typeface="Arial"/>
-              <a:buChar char="•"/>
-              <a:defRPr sz="1500" kern="1200">
-                <a:solidFill>
-                  <a:schemeClr val="tx1"/>
-                </a:solidFill>
-                <a:latin typeface="+mn-lt"/>
-                <a:ea typeface="+mn-ea"/>
-                <a:cs typeface="+mn-cs"/>
-              </a:defRPr>
-            </a:lvl7pPr>
-            <a:lvl8pPr marL="2571750" indent="-171450" algn="l" defTabSz="342900" rtl="0" eaLnBrk="1" latinLnBrk="0" hangingPunct="1">
-              <a:spcBef>
-                <a:spcPct val="20000"/>
-              </a:spcBef>
-              <a:buFont typeface="Arial"/>
-              <a:buChar char="•"/>
-              <a:defRPr sz="1500" kern="1200">
-                <a:solidFill>
-                  <a:schemeClr val="tx1"/>
-                </a:solidFill>
-                <a:latin typeface="+mn-lt"/>
-                <a:ea typeface="+mn-ea"/>
-                <a:cs typeface="+mn-cs"/>
-              </a:defRPr>
-            </a:lvl8pPr>
-            <a:lvl9pPr marL="2914650" indent="-171450" algn="l" defTabSz="342900" rtl="0" eaLnBrk="1" latinLnBrk="0" hangingPunct="1">
-              <a:spcBef>
-                <a:spcPct val="20000"/>
-              </a:spcBef>
-              <a:buFont typeface="Arial"/>
-              <a:buChar char="•"/>
-              <a:defRPr sz="1500" kern="1200">
-                <a:solidFill>
-                  <a:schemeClr val="tx1"/>
-                </a:solidFill>
-                <a:latin typeface="+mn-lt"/>
-                <a:ea typeface="+mn-ea"/>
-                <a:cs typeface="+mn-cs"/>
-              </a:defRPr>
-            </a:lvl9pPr>
-          </a:lstStyle>
-          <a:p>
-            <a:pPr marL="0" indent="0" algn="just">
-              <a:buFont typeface="Arial"/>
-              <a:buNone/>
-            </a:pPr>
-            <a:endParaRPr lang="it-IT" dirty="0"/>
-          </a:p>
-          <a:p>
-            <a:pPr marL="0" indent="0" algn="just">
-              <a:buFont typeface="Arial"/>
-              <a:buNone/>
-            </a:pPr>
-            <a:endParaRPr lang="it-IT" dirty="0"/>
-          </a:p>
-          <a:p>
-            <a:endParaRPr lang="en-US" sz="2000" dirty="0"/>
-          </a:p>
-        </p:txBody>
-      </p:sp>
-      <p:sp>
-        <p:nvSpPr>
-          <p:cNvPr id="7" name="Titolo 1">
-            <a:extLst>
-              <a:ext uri="{FF2B5EF4-FFF2-40B4-BE49-F238E27FC236}">
-                <a16:creationId xmlns:a16="http://schemas.microsoft.com/office/drawing/2014/main" id="{588E765D-4A18-43EC-9070-BBB19613F406}"/>
-              </a:ext>
-            </a:extLst>
-          </p:cNvPr>
-          <p:cNvSpPr>
-            <a:spLocks noGrp="1"/>
-          </p:cNvSpPr>
-          <p:nvPr>
-            <p:ph type="title"/>
-          </p:nvPr>
-        </p:nvSpPr>
-        <p:spPr>
-          <a:xfrm>
-            <a:off x="457200" y="692696"/>
-            <a:ext cx="8229600" cy="1143000"/>
-          </a:xfrm>
-        </p:spPr>
-        <p:txBody>
-          <a:bodyPr>
-            <a:noAutofit/>
-          </a:bodyPr>
-          <a:lstStyle/>
-          <a:p>
-            <a:r>
-              <a:rPr lang="it-IT" sz="2700" dirty="0"/>
-              <a:t>CONCLUSIONI</a:t>
-            </a:r>
-            <a:endParaRPr lang="en-US" sz="2700" dirty="0"/>
-          </a:p>
-        </p:txBody>
-      </p:sp>
-      <p:sp>
-        <p:nvSpPr>
-          <p:cNvPr id="6" name="Titolo 1">
-            <a:extLst>
-              <a:ext uri="{FF2B5EF4-FFF2-40B4-BE49-F238E27FC236}">
-                <a16:creationId xmlns:a16="http://schemas.microsoft.com/office/drawing/2014/main" id="{32602169-0966-4893-B032-33CFCD986CA0}"/>
+                <a16:creationId xmlns:a16="http://schemas.microsoft.com/office/drawing/2014/main" id="{9E74EE39-EA32-4246-BC63-84D8E46682AC}"/>
               </a:ext>
             </a:extLst>
           </p:cNvPr>
@@ -10866,7 +10626,7 @@
                   <a:schemeClr val="bg1"/>
                 </a:solidFill>
               </a:rPr>
-              <a:t>CONCLUSIONI</a:t>
+              <a:t>ESAMI DI MATEMATICA</a:t>
             </a:r>
             <a:endParaRPr lang="en-US" sz="2400" dirty="0">
               <a:solidFill>
@@ -10876,515 +10636,304 @@
           </a:p>
         </p:txBody>
       </p:sp>
+      <p:pic>
+        <p:nvPicPr>
+          <p:cNvPr id="2" name="Immagine 1"/>
+          <p:cNvPicPr>
+            <a:picLocks noChangeAspect="1"/>
+          </p:cNvPicPr>
+          <p:nvPr/>
+        </p:nvPicPr>
+        <p:blipFill rotWithShape="1">
+          <a:blip r:embed="rId2">
+            <a:extLst>
+              <a:ext uri="{28A0092B-C50C-407E-A947-70E740481C1C}">
+                <a14:useLocalDpi xmlns:a14="http://schemas.microsoft.com/office/drawing/2010/main" val="0"/>
+              </a:ext>
+            </a:extLst>
+          </a:blip>
+          <a:srcRect l="9051" t="1130" r="6688" b="6360"/>
+          <a:stretch/>
+        </p:blipFill>
+        <p:spPr>
+          <a:xfrm>
+            <a:off x="1691680" y="818784"/>
+            <a:ext cx="7460976" cy="6060353"/>
+          </a:xfrm>
+          <a:prstGeom prst="rect">
+            <a:avLst/>
+          </a:prstGeom>
+        </p:spPr>
+      </p:pic>
       <p:sp>
         <p:nvSpPr>
-          <p:cNvPr id="2" name="Rectangle 6">
+          <p:cNvPr id="7" name="CasellaDiTesto 6">
             <a:extLst>
               <a:ext uri="{FF2B5EF4-FFF2-40B4-BE49-F238E27FC236}">
-                <a16:creationId xmlns:a16="http://schemas.microsoft.com/office/drawing/2014/main" id="{FC5724C9-24A0-4B40-9A3A-FE717EF7AA55}"/>
+                <a16:creationId xmlns:a16="http://schemas.microsoft.com/office/drawing/2014/main" id="{8834E3B8-21D8-45DE-8FE9-9B887BB61C46}"/>
               </a:ext>
             </a:extLst>
           </p:cNvPr>
-          <p:cNvSpPr>
-            <a:spLocks noChangeArrowheads="1"/>
-          </p:cNvSpPr>
+          <p:cNvSpPr txBox="1"/>
           <p:nvPr/>
         </p:nvSpPr>
-        <p:spPr bwMode="auto">
+        <p:spPr>
           <a:xfrm>
-            <a:off x="0" y="0"/>
-            <a:ext cx="9144000" cy="457200"/>
+            <a:off x="35496" y="1037049"/>
+            <a:ext cx="1863198" cy="5632311"/>
           </a:xfrm>
           <a:prstGeom prst="rect">
             <a:avLst/>
           </a:prstGeom>
           <a:noFill/>
-          <a:ln>
-            <a:noFill/>
-          </a:ln>
-          <a:effectLst/>
-          <a:extLst>
-            <a:ext uri="{909E8E84-426E-40DD-AFC4-6F175D3DCCD1}">
-              <a14:hiddenFill xmlns:a14="http://schemas.microsoft.com/office/drawing/2010/main">
-                <a:solidFill>
-                  <a:schemeClr val="accent1"/>
-                </a:solidFill>
-              </a14:hiddenFill>
-            </a:ext>
-            <a:ext uri="{91240B29-F687-4F45-9708-019B960494DF}">
-              <a14:hiddenLine xmlns:a14="http://schemas.microsoft.com/office/drawing/2010/main" w="9525">
-                <a:solidFill>
-                  <a:schemeClr val="tx1"/>
-                </a:solidFill>
-                <a:miter lim="800000"/>
-                <a:headEnd/>
-                <a:tailEnd/>
-              </a14:hiddenLine>
-            </a:ext>
-            <a:ext uri="{AF507438-7753-43E0-B8FC-AC1667EBCBE1}">
-              <a14:hiddenEffects xmlns:a14="http://schemas.microsoft.com/office/drawing/2010/main">
-                <a:effectLst>
-                  <a:outerShdw dist="35921" dir="2700000" algn="ctr" rotWithShape="0">
-                    <a:schemeClr val="bg2"/>
-                  </a:outerShdw>
-                </a:effectLst>
-              </a14:hiddenEffects>
-            </a:ext>
-          </a:extLst>
         </p:spPr>
         <p:txBody>
-          <a:bodyPr vert="horz" wrap="none" lIns="91440" tIns="45720" rIns="91440" bIns="45720" numCol="1" anchor="ctr" anchorCtr="0" compatLnSpc="1">
-            <a:prstTxWarp prst="textNoShape">
-              <a:avLst/>
-            </a:prstTxWarp>
+          <a:bodyPr wrap="square" rtlCol="0">
             <a:spAutoFit/>
           </a:bodyPr>
           <a:lstStyle/>
           <a:p>
-            <a:endParaRPr lang="en-US"/>
+            <a:r>
+              <a:rPr lang="it-IT" dirty="0" smtClean="0"/>
+              <a:t>Due aspetti interessanti: una fascia di studenti con correlazione nulla ed una «casella» di forti correlazioni all’incirca nel centro della matrice.</a:t>
+            </a:r>
+          </a:p>
+          <a:p>
+            <a:endParaRPr lang="it-IT" dirty="0"/>
+          </a:p>
+          <a:p>
+            <a:r>
+              <a:rPr lang="it-IT" dirty="0" smtClean="0"/>
+              <a:t>Dei </a:t>
+            </a:r>
+            <a:r>
+              <a:rPr lang="it-IT" dirty="0" smtClean="0"/>
+              <a:t>due, il primo è sicuramente il più inusuale. </a:t>
+            </a:r>
+            <a:r>
+              <a:rPr lang="it-IT" dirty="0" smtClean="0"/>
+              <a:t>Quale aspetto reale può generare una osservazione come questa?</a:t>
+            </a:r>
+            <a:endParaRPr lang="it-IT" dirty="0"/>
+          </a:p>
+          <a:p>
+            <a:r>
+              <a:rPr lang="it-IT" dirty="0" smtClean="0"/>
+              <a:t> </a:t>
+            </a:r>
+            <a:endParaRPr lang="en-US" dirty="0"/>
           </a:p>
         </p:txBody>
       </p:sp>
+    </p:spTree>
+    <p:extLst>
+      <p:ext uri="{BB962C8B-B14F-4D97-AF65-F5344CB8AC3E}">
+        <p14:creationId xmlns:p14="http://schemas.microsoft.com/office/powerpoint/2010/main" val="82586595"/>
+      </p:ext>
+    </p:extLst>
+  </p:cSld>
+  <p:clrMapOvr>
+    <a:masterClrMapping/>
+  </p:clrMapOvr>
+</p:sld>
+</file>
+
+<file path=ppt/slides/slide29.xml><?xml version="1.0" encoding="utf-8"?>
+<p:sld xmlns:a="http://schemas.openxmlformats.org/drawingml/2006/main" xmlns:r="http://schemas.openxmlformats.org/officeDocument/2006/relationships" xmlns:p="http://schemas.openxmlformats.org/presentationml/2006/main">
+  <p:cSld>
+    <p:spTree>
+      <p:nvGrpSpPr>
+        <p:cNvPr id="1" name=""/>
+        <p:cNvGrpSpPr/>
+        <p:nvPr/>
+      </p:nvGrpSpPr>
+      <p:grpSpPr>
+        <a:xfrm>
+          <a:off x="0" y="0"/>
+          <a:ext cx="0" cy="0"/>
+          <a:chOff x="0" y="0"/>
+          <a:chExt cx="0" cy="0"/>
+        </a:xfrm>
+      </p:grpSpPr>
       <p:sp>
         <p:nvSpPr>
-          <p:cNvPr id="3" name="Rectangle 7">
+          <p:cNvPr id="3" name="Titolo 1">
             <a:extLst>
               <a:ext uri="{FF2B5EF4-FFF2-40B4-BE49-F238E27FC236}">
-                <a16:creationId xmlns:a16="http://schemas.microsoft.com/office/drawing/2014/main" id="{C08042F5-96DB-4FE6-B699-C1DFAB71C0C5}"/>
+                <a16:creationId xmlns:a16="http://schemas.microsoft.com/office/drawing/2014/main" id="{9E74EE39-EA32-4246-BC63-84D8E46682AC}"/>
               </a:ext>
             </a:extLst>
           </p:cNvPr>
-          <p:cNvSpPr>
-            <a:spLocks noChangeArrowheads="1"/>
+          <p:cNvSpPr txBox="1">
+            <a:spLocks/>
           </p:cNvSpPr>
           <p:nvPr/>
         </p:nvSpPr>
-        <p:spPr bwMode="auto">
+        <p:spPr>
           <a:xfrm>
-            <a:off x="0" y="1838325"/>
-            <a:ext cx="9144000" cy="0"/>
+            <a:off x="1447800" y="152400"/>
+            <a:ext cx="8229600" cy="1143000"/>
+          </a:xfrm>
+          <a:prstGeom prst="rect">
+            <a:avLst/>
+          </a:prstGeom>
+        </p:spPr>
+        <p:txBody>
+          <a:bodyPr>
+            <a:noAutofit/>
+          </a:bodyPr>
+          <a:lstStyle>
+            <a:lvl1pPr algn="ctr" defTabSz="342900" rtl="0" eaLnBrk="1" latinLnBrk="0" hangingPunct="1">
+              <a:spcBef>
+                <a:spcPct val="0"/>
+              </a:spcBef>
+              <a:buNone/>
+              <a:defRPr sz="3300" kern="1200">
+                <a:solidFill>
+                  <a:schemeClr val="tx1"/>
+                </a:solidFill>
+                <a:latin typeface="+mj-lt"/>
+                <a:ea typeface="+mj-ea"/>
+                <a:cs typeface="+mj-cs"/>
+              </a:defRPr>
+            </a:lvl1pPr>
+          </a:lstStyle>
+          <a:p>
+            <a:r>
+              <a:rPr lang="it-IT" sz="2400" b="1" dirty="0">
+                <a:solidFill>
+                  <a:schemeClr val="bg1"/>
+                </a:solidFill>
+              </a:rPr>
+              <a:t>DATA UNDERSTANDING: </a:t>
+            </a:r>
+            <a:r>
+              <a:rPr lang="it-IT" sz="2400" dirty="0">
+                <a:solidFill>
+                  <a:schemeClr val="bg1"/>
+                </a:solidFill>
+              </a:rPr>
+              <a:t>ESAMI DI MATEMATICA</a:t>
+            </a:r>
+            <a:endParaRPr lang="en-US" sz="2400" dirty="0">
+              <a:solidFill>
+                <a:schemeClr val="bg1"/>
+              </a:solidFill>
+            </a:endParaRPr>
+          </a:p>
+        </p:txBody>
+      </p:sp>
+      <p:pic>
+        <p:nvPicPr>
+          <p:cNvPr id="4" name="Immagine 3"/>
+          <p:cNvPicPr>
+            <a:picLocks noChangeAspect="1"/>
+          </p:cNvPicPr>
+          <p:nvPr/>
+        </p:nvPicPr>
+        <p:blipFill rotWithShape="1">
+          <a:blip r:embed="rId2">
+            <a:extLst>
+              <a:ext uri="{28A0092B-C50C-407E-A947-70E740481C1C}">
+                <a14:useLocalDpi xmlns:a14="http://schemas.microsoft.com/office/drawing/2010/main" val="0"/>
+              </a:ext>
+            </a:extLst>
+          </a:blip>
+          <a:srcRect l="15938" t="10567" r="12153" b="4933"/>
+          <a:stretch/>
+        </p:blipFill>
+        <p:spPr>
+          <a:xfrm>
+            <a:off x="2771800" y="836712"/>
+            <a:ext cx="6094372" cy="6014183"/>
+          </a:xfrm>
+          <a:prstGeom prst="rect">
+            <a:avLst/>
+          </a:prstGeom>
+        </p:spPr>
+      </p:pic>
+      <p:sp>
+        <p:nvSpPr>
+          <p:cNvPr id="5" name="CasellaDiTesto 4"/>
+          <p:cNvSpPr txBox="1"/>
+          <p:nvPr/>
+        </p:nvSpPr>
+        <p:spPr>
+          <a:xfrm>
+            <a:off x="215112" y="908720"/>
+            <a:ext cx="2412672" cy="5724644"/>
           </a:xfrm>
           <a:prstGeom prst="rect">
             <a:avLst/>
           </a:prstGeom>
           <a:noFill/>
-          <a:ln>
-            <a:noFill/>
-          </a:ln>
-          <a:effectLst/>
-          <a:extLst>
-            <a:ext uri="{909E8E84-426E-40DD-AFC4-6F175D3DCCD1}">
-              <a14:hiddenFill xmlns:a14="http://schemas.microsoft.com/office/drawing/2010/main">
-                <a:solidFill>
-                  <a:schemeClr val="accent1"/>
-                </a:solidFill>
-              </a14:hiddenFill>
-            </a:ext>
-            <a:ext uri="{91240B29-F687-4F45-9708-019B960494DF}">
-              <a14:hiddenLine xmlns:a14="http://schemas.microsoft.com/office/drawing/2010/main" w="9525">
-                <a:solidFill>
-                  <a:schemeClr val="tx1"/>
-                </a:solidFill>
-                <a:miter lim="800000"/>
-                <a:headEnd/>
-                <a:tailEnd/>
-              </a14:hiddenLine>
-            </a:ext>
-            <a:ext uri="{AF507438-7753-43E0-B8FC-AC1667EBCBE1}">
-              <a14:hiddenEffects xmlns:a14="http://schemas.microsoft.com/office/drawing/2010/main">
-                <a:effectLst>
-                  <a:outerShdw dist="35921" dir="2700000" algn="ctr" rotWithShape="0">
-                    <a:schemeClr val="bg2"/>
-                  </a:outerShdw>
-                </a:effectLst>
-              </a14:hiddenEffects>
-            </a:ext>
-          </a:extLst>
         </p:spPr>
         <p:txBody>
-          <a:bodyPr vert="horz" wrap="none" lIns="91440" tIns="45720" rIns="91440" bIns="45720" numCol="1" anchor="ctr" anchorCtr="0" compatLnSpc="1">
-            <a:prstTxWarp prst="textNoShape">
-              <a:avLst/>
-            </a:prstTxWarp>
+          <a:bodyPr wrap="square" rtlCol="0">
             <a:spAutoFit/>
           </a:bodyPr>
           <a:lstStyle/>
           <a:p>
-            <a:pPr marL="0" marR="0" lvl="0" indent="0" algn="l" defTabSz="914400" rtl="0" eaLnBrk="0" fontAlgn="base" latinLnBrk="0" hangingPunct="0">
-              <a:lnSpc>
-                <a:spcPct val="100000"/>
-              </a:lnSpc>
-              <a:spcBef>
-                <a:spcPct val="0"/>
-              </a:spcBef>
-              <a:spcAft>
-                <a:spcPct val="0"/>
-              </a:spcAft>
-              <a:buClrTx/>
-              <a:buSzTx/>
-              <a:buFontTx/>
-              <a:buNone/>
-              <a:tabLst/>
-            </a:pPr>
-            <a:r>
-              <a:rPr kumimoji="0" lang="it-IT" altLang="en-US" sz="1100" b="0" i="0" u="none" strike="noStrike" cap="none" normalizeH="0" baseline="0">
-                <a:ln>
-                  <a:noFill/>
-                </a:ln>
-                <a:solidFill>
-                  <a:schemeClr val="tx1"/>
-                </a:solidFill>
-                <a:effectLst/>
-                <a:latin typeface="Calibri" panose="020F0502020204030204" pitchFamily="34" charset="0"/>
-                <a:ea typeface="Times New Roman" panose="02020603050405020304" pitchFamily="18" charset="0"/>
-                <a:cs typeface="Times New Roman" panose="02020603050405020304" pitchFamily="18" charset="0"/>
-              </a:rPr>
-              <a:t> </a:t>
-            </a:r>
-            <a:endParaRPr kumimoji="0" lang="it-IT" altLang="en-US" sz="1800" b="0" i="0" u="none" strike="noStrike" cap="none" normalizeH="0" baseline="0">
-              <a:ln>
-                <a:noFill/>
-              </a:ln>
-              <a:solidFill>
-                <a:schemeClr val="tx1"/>
-              </a:solidFill>
-              <a:effectLst/>
-              <a:latin typeface="Arial" panose="020B0604020202020204" pitchFamily="34" charset="0"/>
-            </a:endParaRPr>
+            <a:r>
+              <a:rPr lang="it-IT" dirty="0" smtClean="0"/>
+              <a:t>Si possono notare le stesse caratteristiche evidenziate per quanto riguarda gli esami a tema principalmente informatico. </a:t>
+            </a:r>
+          </a:p>
+          <a:p>
+            <a:endParaRPr lang="it-IT" dirty="0"/>
+          </a:p>
+          <a:p>
+            <a:r>
+              <a:rPr lang="it-IT" dirty="0" smtClean="0"/>
+              <a:t>In questo caso, il ruolo del «cattivo» non lo interpreta più Informatica Teorica ma è condiviso da Fisica Generale e Calcolo Numerico.</a:t>
+            </a:r>
+          </a:p>
+          <a:p>
+            <a:endParaRPr lang="it-IT" dirty="0"/>
+          </a:p>
+          <a:p>
+            <a:r>
+              <a:rPr lang="it-IT" sz="1600" dirty="0" smtClean="0"/>
+              <a:t>N.B. – Calcolo Numerico tratta argomenti che trascendono i confini fra l’informatica e la matematica: è saggio inserirlo in questo gruppo?</a:t>
+            </a:r>
+            <a:endParaRPr lang="it-IT" sz="1600" dirty="0"/>
           </a:p>
         </p:txBody>
       </p:sp>
       <p:sp>
         <p:nvSpPr>
-          <p:cNvPr id="4" name="Rectangle 8">
-            <a:extLst>
-              <a:ext uri="{FF2B5EF4-FFF2-40B4-BE49-F238E27FC236}">
-                <a16:creationId xmlns:a16="http://schemas.microsoft.com/office/drawing/2014/main" id="{E0CBE371-8058-4503-A250-42442AAE21EC}"/>
-              </a:ext>
-            </a:extLst>
-          </p:cNvPr>
-          <p:cNvSpPr>
-            <a:spLocks noChangeArrowheads="1"/>
-          </p:cNvSpPr>
+          <p:cNvPr id="8" name="CasellaDiTesto 7"/>
+          <p:cNvSpPr txBox="1"/>
           <p:nvPr/>
         </p:nvSpPr>
-        <p:spPr bwMode="auto">
-          <a:xfrm>
-            <a:off x="0" y="3219450"/>
-            <a:ext cx="9144000" cy="0"/>
+        <p:spPr>
+          <a:xfrm rot="16200000">
+            <a:off x="7853010" y="3268727"/>
+            <a:ext cx="2160240" cy="369332"/>
           </a:xfrm>
           <a:prstGeom prst="rect">
             <a:avLst/>
           </a:prstGeom>
           <a:noFill/>
-          <a:ln>
-            <a:noFill/>
-          </a:ln>
-          <a:effectLst/>
-          <a:extLst>
-            <a:ext uri="{909E8E84-426E-40DD-AFC4-6F175D3DCCD1}">
-              <a14:hiddenFill xmlns:a14="http://schemas.microsoft.com/office/drawing/2010/main">
-                <a:solidFill>
-                  <a:schemeClr val="accent1"/>
-                </a:solidFill>
-              </a14:hiddenFill>
-            </a:ext>
-            <a:ext uri="{91240B29-F687-4F45-9708-019B960494DF}">
-              <a14:hiddenLine xmlns:a14="http://schemas.microsoft.com/office/drawing/2010/main" w="9525">
-                <a:solidFill>
-                  <a:schemeClr val="tx1"/>
-                </a:solidFill>
-                <a:miter lim="800000"/>
-                <a:headEnd/>
-                <a:tailEnd/>
-              </a14:hiddenLine>
-            </a:ext>
-            <a:ext uri="{AF507438-7753-43E0-B8FC-AC1667EBCBE1}">
-              <a14:hiddenEffects xmlns:a14="http://schemas.microsoft.com/office/drawing/2010/main">
-                <a:effectLst>
-                  <a:outerShdw dist="35921" dir="2700000" algn="ctr" rotWithShape="0">
-                    <a:schemeClr val="bg2"/>
-                  </a:outerShdw>
-                </a:effectLst>
-              </a14:hiddenEffects>
-            </a:ext>
-          </a:extLst>
         </p:spPr>
         <p:txBody>
-          <a:bodyPr vert="horz" wrap="none" lIns="91440" tIns="45720" rIns="91440" bIns="45720" numCol="1" anchor="ctr" anchorCtr="0" compatLnSpc="1">
-            <a:prstTxWarp prst="textNoShape">
-              <a:avLst/>
-            </a:prstTxWarp>
+          <a:bodyPr wrap="square" rtlCol="0">
             <a:spAutoFit/>
           </a:bodyPr>
           <a:lstStyle/>
           <a:p>
-            <a:pPr marL="0" marR="0" lvl="0" indent="0" algn="l" defTabSz="914400" rtl="0" eaLnBrk="0" fontAlgn="base" latinLnBrk="0" hangingPunct="0">
-              <a:lnSpc>
-                <a:spcPct val="100000"/>
-              </a:lnSpc>
-              <a:spcBef>
-                <a:spcPct val="0"/>
-              </a:spcBef>
-              <a:spcAft>
-                <a:spcPct val="0"/>
-              </a:spcAft>
-              <a:buClrTx/>
-              <a:buSzTx/>
-              <a:buFontTx/>
-              <a:buNone/>
-              <a:tabLst/>
-            </a:pPr>
-            <a:r>
-              <a:rPr kumimoji="0" lang="it-IT" altLang="en-US" sz="1100" b="0" i="0" u="none" strike="noStrike" cap="none" normalizeH="0" baseline="0">
-                <a:ln>
-                  <a:noFill/>
-                </a:ln>
-                <a:solidFill>
-                  <a:schemeClr val="tx1"/>
-                </a:solidFill>
-                <a:effectLst/>
-                <a:latin typeface="Calibri" panose="020F0502020204030204" pitchFamily="34" charset="0"/>
-                <a:ea typeface="Times New Roman" panose="02020603050405020304" pitchFamily="18" charset="0"/>
-                <a:cs typeface="Times New Roman" panose="02020603050405020304" pitchFamily="18" charset="0"/>
-              </a:rPr>
-              <a:t> </a:t>
-            </a:r>
-            <a:endParaRPr kumimoji="0" lang="it-IT" altLang="en-US" sz="1800" b="0" i="0" u="none" strike="noStrike" cap="none" normalizeH="0" baseline="0">
-              <a:ln>
-                <a:noFill/>
-              </a:ln>
-              <a:solidFill>
-                <a:schemeClr val="tx1"/>
-              </a:solidFill>
-              <a:effectLst/>
-              <a:latin typeface="Arial" panose="020B0604020202020204" pitchFamily="34" charset="0"/>
-            </a:endParaRPr>
-          </a:p>
-        </p:txBody>
-      </p:sp>
-      <p:sp>
-        <p:nvSpPr>
-          <p:cNvPr id="10" name="Rectangle 9">
-            <a:extLst>
-              <a:ext uri="{FF2B5EF4-FFF2-40B4-BE49-F238E27FC236}">
-                <a16:creationId xmlns:a16="http://schemas.microsoft.com/office/drawing/2014/main" id="{99468FB6-6461-4A91-9E0B-2B3FC25F715E}"/>
-              </a:ext>
-            </a:extLst>
-          </p:cNvPr>
-          <p:cNvSpPr>
-            <a:spLocks noChangeArrowheads="1"/>
-          </p:cNvSpPr>
-          <p:nvPr/>
-        </p:nvSpPr>
-        <p:spPr bwMode="auto">
-          <a:xfrm>
-            <a:off x="0" y="4600575"/>
-            <a:ext cx="9144000" cy="0"/>
-          </a:xfrm>
-          <a:prstGeom prst="rect">
-            <a:avLst/>
-          </a:prstGeom>
-          <a:noFill/>
-          <a:ln>
-            <a:noFill/>
-          </a:ln>
-          <a:effectLst/>
-          <a:extLst>
-            <a:ext uri="{909E8E84-426E-40DD-AFC4-6F175D3DCCD1}">
-              <a14:hiddenFill xmlns:a14="http://schemas.microsoft.com/office/drawing/2010/main">
-                <a:solidFill>
-                  <a:schemeClr val="accent1"/>
-                </a:solidFill>
-              </a14:hiddenFill>
-            </a:ext>
-            <a:ext uri="{91240B29-F687-4F45-9708-019B960494DF}">
-              <a14:hiddenLine xmlns:a14="http://schemas.microsoft.com/office/drawing/2010/main" w="9525">
-                <a:solidFill>
-                  <a:schemeClr val="tx1"/>
-                </a:solidFill>
-                <a:miter lim="800000"/>
-                <a:headEnd/>
-                <a:tailEnd/>
-              </a14:hiddenLine>
-            </a:ext>
-            <a:ext uri="{AF507438-7753-43E0-B8FC-AC1667EBCBE1}">
-              <a14:hiddenEffects xmlns:a14="http://schemas.microsoft.com/office/drawing/2010/main">
-                <a:effectLst>
-                  <a:outerShdw dist="35921" dir="2700000" algn="ctr" rotWithShape="0">
-                    <a:schemeClr val="bg2"/>
-                  </a:outerShdw>
-                </a:effectLst>
-              </a14:hiddenEffects>
-            </a:ext>
-          </a:extLst>
-        </p:spPr>
-        <p:txBody>
-          <a:bodyPr vert="horz" wrap="none" lIns="91440" tIns="45720" rIns="91440" bIns="45720" numCol="1" anchor="ctr" anchorCtr="0" compatLnSpc="1">
-            <a:prstTxWarp prst="textNoShape">
-              <a:avLst/>
-            </a:prstTxWarp>
-            <a:spAutoFit/>
-          </a:bodyPr>
-          <a:lstStyle/>
-          <a:p>
-            <a:pPr marL="0" marR="0" lvl="0" indent="0" algn="l" defTabSz="914400" rtl="0" eaLnBrk="0" fontAlgn="base" latinLnBrk="0" hangingPunct="0">
-              <a:lnSpc>
-                <a:spcPct val="100000"/>
-              </a:lnSpc>
-              <a:spcBef>
-                <a:spcPct val="0"/>
-              </a:spcBef>
-              <a:spcAft>
-                <a:spcPct val="0"/>
-              </a:spcAft>
-              <a:buClrTx/>
-              <a:buSzTx/>
-              <a:buFontTx/>
-              <a:buNone/>
-              <a:tabLst/>
-            </a:pPr>
-            <a:r>
-              <a:rPr kumimoji="0" lang="it-IT" altLang="en-US" sz="1100" b="0" i="0" u="none" strike="noStrike" cap="none" normalizeH="0" baseline="0">
-                <a:ln>
-                  <a:noFill/>
-                </a:ln>
-                <a:solidFill>
-                  <a:schemeClr val="tx1"/>
-                </a:solidFill>
-                <a:effectLst/>
-                <a:latin typeface="Calibri" panose="020F0502020204030204" pitchFamily="34" charset="0"/>
-                <a:ea typeface="Times New Roman" panose="02020603050405020304" pitchFamily="18" charset="0"/>
-                <a:cs typeface="Times New Roman" panose="02020603050405020304" pitchFamily="18" charset="0"/>
-              </a:rPr>
-              <a:t> </a:t>
-            </a:r>
-            <a:endParaRPr kumimoji="0" lang="it-IT" altLang="en-US" sz="1800" b="0" i="0" u="none" strike="noStrike" cap="none" normalizeH="0" baseline="0">
-              <a:ln>
-                <a:noFill/>
-              </a:ln>
-              <a:solidFill>
-                <a:schemeClr val="tx1"/>
-              </a:solidFill>
-              <a:effectLst/>
-              <a:latin typeface="Arial" panose="020B0604020202020204" pitchFamily="34" charset="0"/>
-            </a:endParaRPr>
-          </a:p>
-        </p:txBody>
-      </p:sp>
-      <p:sp>
-        <p:nvSpPr>
-          <p:cNvPr id="11" name="Rectangle 10">
-            <a:extLst>
-              <a:ext uri="{FF2B5EF4-FFF2-40B4-BE49-F238E27FC236}">
-                <a16:creationId xmlns:a16="http://schemas.microsoft.com/office/drawing/2014/main" id="{E4D9815E-FC57-48D4-9710-C34FDAE236EF}"/>
-              </a:ext>
-            </a:extLst>
-          </p:cNvPr>
-          <p:cNvSpPr>
-            <a:spLocks noChangeArrowheads="1"/>
-          </p:cNvSpPr>
-          <p:nvPr/>
-        </p:nvSpPr>
-        <p:spPr bwMode="auto">
-          <a:xfrm>
-            <a:off x="0" y="6000750"/>
-            <a:ext cx="9144000" cy="0"/>
-          </a:xfrm>
-          <a:prstGeom prst="rect">
-            <a:avLst/>
-          </a:prstGeom>
-          <a:noFill/>
-          <a:ln>
-            <a:noFill/>
-          </a:ln>
-          <a:effectLst/>
-          <a:extLst>
-            <a:ext uri="{909E8E84-426E-40DD-AFC4-6F175D3DCCD1}">
-              <a14:hiddenFill xmlns:a14="http://schemas.microsoft.com/office/drawing/2010/main">
-                <a:solidFill>
-                  <a:schemeClr val="accent1"/>
-                </a:solidFill>
-              </a14:hiddenFill>
-            </a:ext>
-            <a:ext uri="{91240B29-F687-4F45-9708-019B960494DF}">
-              <a14:hiddenLine xmlns:a14="http://schemas.microsoft.com/office/drawing/2010/main" w="9525">
-                <a:solidFill>
-                  <a:schemeClr val="tx1"/>
-                </a:solidFill>
-                <a:miter lim="800000"/>
-                <a:headEnd/>
-                <a:tailEnd/>
-              </a14:hiddenLine>
-            </a:ext>
-            <a:ext uri="{AF507438-7753-43E0-B8FC-AC1667EBCBE1}">
-              <a14:hiddenEffects xmlns:a14="http://schemas.microsoft.com/office/drawing/2010/main">
-                <a:effectLst>
-                  <a:outerShdw dist="35921" dir="2700000" algn="ctr" rotWithShape="0">
-                    <a:schemeClr val="bg2"/>
-                  </a:outerShdw>
-                </a:effectLst>
-              </a14:hiddenEffects>
-            </a:ext>
-          </a:extLst>
-        </p:spPr>
-        <p:txBody>
-          <a:bodyPr vert="horz" wrap="none" lIns="91440" tIns="45720" rIns="91440" bIns="45720" numCol="1" anchor="ctr" anchorCtr="0" compatLnSpc="1">
-            <a:prstTxWarp prst="textNoShape">
-              <a:avLst/>
-            </a:prstTxWarp>
-            <a:spAutoFit/>
-          </a:bodyPr>
-          <a:lstStyle/>
-          <a:p>
-            <a:pPr marL="0" marR="0" lvl="0" indent="0" algn="l" defTabSz="914400" rtl="0" eaLnBrk="0" fontAlgn="base" latinLnBrk="0" hangingPunct="0">
-              <a:lnSpc>
-                <a:spcPct val="100000"/>
-              </a:lnSpc>
-              <a:spcBef>
-                <a:spcPct val="0"/>
-              </a:spcBef>
-              <a:spcAft>
-                <a:spcPct val="0"/>
-              </a:spcAft>
-              <a:buClrTx/>
-              <a:buSzTx/>
-              <a:buFontTx/>
-              <a:buNone/>
-              <a:tabLst/>
-            </a:pPr>
-            <a:r>
-              <a:rPr kumimoji="0" lang="it-IT" altLang="en-US" sz="1100" b="0" i="0" u="none" strike="noStrike" cap="none" normalizeH="0" baseline="0">
-                <a:ln>
-                  <a:noFill/>
-                </a:ln>
-                <a:solidFill>
-                  <a:schemeClr val="tx1"/>
-                </a:solidFill>
-                <a:effectLst/>
-                <a:latin typeface="Calibri" panose="020F0502020204030204" pitchFamily="34" charset="0"/>
-                <a:ea typeface="Times New Roman" panose="02020603050405020304" pitchFamily="18" charset="0"/>
-                <a:cs typeface="Times New Roman" panose="02020603050405020304" pitchFamily="18" charset="0"/>
-              </a:rPr>
-              <a:t> </a:t>
-            </a:r>
-            <a:endParaRPr kumimoji="0" lang="it-IT" altLang="en-US" sz="1800" b="0" i="0" u="none" strike="noStrike" cap="none" normalizeH="0" baseline="0">
-              <a:ln>
-                <a:noFill/>
-              </a:ln>
-              <a:solidFill>
-                <a:schemeClr val="tx1"/>
-              </a:solidFill>
-              <a:effectLst/>
-              <a:latin typeface="Arial" panose="020B0604020202020204" pitchFamily="34" charset="0"/>
-            </a:endParaRPr>
+            <a:r>
+              <a:rPr lang="it-IT" dirty="0" smtClean="0"/>
+              <a:t>Deviazione Standard</a:t>
+            </a:r>
+            <a:endParaRPr lang="it-IT" dirty="0"/>
           </a:p>
         </p:txBody>
       </p:sp>
     </p:spTree>
     <p:extLst>
       <p:ext uri="{BB962C8B-B14F-4D97-AF65-F5344CB8AC3E}">
-        <p14:creationId xmlns:p14="http://schemas.microsoft.com/office/powerpoint/2010/main" val="1056726952"/>
+        <p14:creationId xmlns:p14="http://schemas.microsoft.com/office/powerpoint/2010/main" val="2219589939"/>
       </p:ext>
     </p:extLst>
   </p:cSld>
@@ -13258,6 +12807,1899 @@
 </p:sld>
 </file>
 
+<file path=ppt/slides/slide30.xml><?xml version="1.0" encoding="utf-8"?>
+<p:sld xmlns:a="http://schemas.openxmlformats.org/drawingml/2006/main" xmlns:r="http://schemas.openxmlformats.org/officeDocument/2006/relationships" xmlns:p="http://schemas.openxmlformats.org/presentationml/2006/main">
+  <p:cSld>
+    <p:spTree>
+      <p:nvGrpSpPr>
+        <p:cNvPr id="1" name=""/>
+        <p:cNvGrpSpPr/>
+        <p:nvPr/>
+      </p:nvGrpSpPr>
+      <p:grpSpPr>
+        <a:xfrm>
+          <a:off x="0" y="0"/>
+          <a:ext cx="0" cy="0"/>
+          <a:chOff x="0" y="0"/>
+          <a:chExt cx="0" cy="0"/>
+        </a:xfrm>
+      </p:grpSpPr>
+      <p:sp>
+        <p:nvSpPr>
+          <p:cNvPr id="8" name="Segnaposto contenuto 2">
+            <a:extLst>
+              <a:ext uri="{FF2B5EF4-FFF2-40B4-BE49-F238E27FC236}">
+                <a16:creationId xmlns:a16="http://schemas.microsoft.com/office/drawing/2014/main" id="{C2E44FE5-CCA1-4E8F-905A-F2F5CDF25092}"/>
+              </a:ext>
+            </a:extLst>
+          </p:cNvPr>
+          <p:cNvSpPr>
+            <a:spLocks noGrp="1"/>
+          </p:cNvSpPr>
+          <p:nvPr>
+            <p:ph idx="1"/>
+          </p:nvPr>
+        </p:nvSpPr>
+        <p:spPr>
+          <a:xfrm>
+            <a:off x="457200" y="1618456"/>
+            <a:ext cx="8229600" cy="4114800"/>
+          </a:xfrm>
+        </p:spPr>
+        <p:txBody>
+          <a:bodyPr>
+            <a:normAutofit fontScale="92500" lnSpcReduction="20000"/>
+          </a:bodyPr>
+          <a:lstStyle/>
+          <a:p>
+            <a:pPr marL="0" indent="0" algn="just">
+              <a:buNone/>
+            </a:pPr>
+            <a:r>
+              <a:rPr lang="it-IT" dirty="0"/>
+              <a:t>A seguito di questa lunga fase di data </a:t>
+            </a:r>
+            <a:r>
+              <a:rPr lang="it-IT" dirty="0" err="1"/>
+              <a:t>understanding</a:t>
+            </a:r>
+            <a:r>
+              <a:rPr lang="it-IT" dirty="0"/>
+              <a:t>, si è in grado di rispondere alla domanda fondamentale di questo intero progetto</a:t>
+            </a:r>
+            <a:r>
+              <a:rPr lang="it-IT" dirty="0" smtClean="0"/>
+              <a:t>:</a:t>
+            </a:r>
+          </a:p>
+          <a:p>
+            <a:pPr marL="0" indent="0" algn="just">
+              <a:buNone/>
+            </a:pPr>
+            <a:endParaRPr lang="it-IT" dirty="0" smtClean="0"/>
+          </a:p>
+          <a:p>
+            <a:pPr algn="just"/>
+            <a:r>
+              <a:rPr lang="it-IT" dirty="0" smtClean="0">
+                <a:solidFill>
+                  <a:srgbClr val="FF0000"/>
+                </a:solidFill>
+              </a:rPr>
+              <a:t>Quale </a:t>
+            </a:r>
+            <a:r>
+              <a:rPr lang="it-IT" dirty="0">
+                <a:solidFill>
+                  <a:srgbClr val="FF0000"/>
+                </a:solidFill>
+              </a:rPr>
+              <a:t>aspetto del dataset vale la pena analizzare con le tecniche di </a:t>
+            </a:r>
+            <a:r>
+              <a:rPr lang="it-IT" dirty="0" err="1">
+                <a:solidFill>
+                  <a:srgbClr val="FF0000"/>
+                </a:solidFill>
+              </a:rPr>
+              <a:t>clustering</a:t>
+            </a:r>
+            <a:r>
+              <a:rPr lang="it-IT" dirty="0" smtClean="0">
+                <a:solidFill>
+                  <a:srgbClr val="FF0000"/>
+                </a:solidFill>
+              </a:rPr>
+              <a:t>?</a:t>
+            </a:r>
+          </a:p>
+          <a:p>
+            <a:pPr marL="0" indent="0" algn="just">
+              <a:buNone/>
+            </a:pPr>
+            <a:endParaRPr lang="it-IT" dirty="0" smtClean="0">
+              <a:solidFill>
+                <a:srgbClr val="FF0000"/>
+              </a:solidFill>
+            </a:endParaRPr>
+          </a:p>
+          <a:p>
+            <a:pPr marL="0" indent="0" algn="just">
+              <a:buNone/>
+            </a:pPr>
+            <a:r>
+              <a:rPr lang="it-IT" dirty="0" smtClean="0"/>
+              <a:t>Fra quelli esaminati con le tecniche di visualizzazione, è stato scelto non considerare la suddivisione degli esami riguardo all’argomento, ma di concentrarsi su:</a:t>
+            </a:r>
+          </a:p>
+          <a:p>
+            <a:pPr marL="0" indent="0" algn="just">
+              <a:buNone/>
+            </a:pPr>
+            <a:endParaRPr lang="it-IT" dirty="0" smtClean="0"/>
+          </a:p>
+          <a:p>
+            <a:r>
+              <a:rPr lang="it-IT" dirty="0" smtClean="0">
+                <a:solidFill>
+                  <a:srgbClr val="00B050"/>
+                </a:solidFill>
+              </a:rPr>
+              <a:t>Prestazioni generali</a:t>
+            </a:r>
+          </a:p>
+          <a:p>
+            <a:r>
+              <a:rPr lang="it-IT" dirty="0" smtClean="0">
+                <a:solidFill>
+                  <a:srgbClr val="00B050"/>
+                </a:solidFill>
+              </a:rPr>
+              <a:t>Esami del primo anno</a:t>
+            </a:r>
+          </a:p>
+          <a:p>
+            <a:r>
+              <a:rPr lang="it-IT" dirty="0" smtClean="0">
+                <a:solidFill>
+                  <a:srgbClr val="00B050"/>
+                </a:solidFill>
+              </a:rPr>
+              <a:t>Totalità degli esami con voto</a:t>
+            </a:r>
+            <a:endParaRPr lang="it-IT" dirty="0" smtClean="0">
+              <a:solidFill>
+                <a:srgbClr val="00B050"/>
+              </a:solidFill>
+            </a:endParaRPr>
+          </a:p>
+        </p:txBody>
+      </p:sp>
+      <p:sp>
+        <p:nvSpPr>
+          <p:cNvPr id="9" name="Segnaposto contenuto 2">
+            <a:extLst>
+              <a:ext uri="{FF2B5EF4-FFF2-40B4-BE49-F238E27FC236}">
+                <a16:creationId xmlns:a16="http://schemas.microsoft.com/office/drawing/2014/main" id="{89886170-B615-43F8-AA8E-D5565391C42A}"/>
+              </a:ext>
+            </a:extLst>
+          </p:cNvPr>
+          <p:cNvSpPr txBox="1">
+            <a:spLocks/>
+          </p:cNvSpPr>
+          <p:nvPr/>
+        </p:nvSpPr>
+        <p:spPr>
+          <a:xfrm>
+            <a:off x="457200" y="5029199"/>
+            <a:ext cx="8229600" cy="1074753"/>
+          </a:xfrm>
+          <a:prstGeom prst="rect">
+            <a:avLst/>
+          </a:prstGeom>
+        </p:spPr>
+        <p:txBody>
+          <a:bodyPr vert="horz" lIns="91440" tIns="45720" rIns="91440" bIns="45720" rtlCol="0">
+            <a:normAutofit/>
+          </a:bodyPr>
+          <a:lstStyle>
+            <a:lvl1pPr marL="257175" indent="-257175" algn="l" defTabSz="342900" rtl="0" eaLnBrk="1" latinLnBrk="0" hangingPunct="1">
+              <a:spcBef>
+                <a:spcPct val="20000"/>
+              </a:spcBef>
+              <a:buFont typeface="Arial"/>
+              <a:buChar char="•"/>
+              <a:defRPr sz="2400" kern="1200">
+                <a:solidFill>
+                  <a:schemeClr val="tx1"/>
+                </a:solidFill>
+                <a:latin typeface="+mn-lt"/>
+                <a:ea typeface="+mn-ea"/>
+                <a:cs typeface="+mn-cs"/>
+              </a:defRPr>
+            </a:lvl1pPr>
+            <a:lvl2pPr marL="557213" indent="-214313" algn="l" defTabSz="342900" rtl="0" eaLnBrk="1" latinLnBrk="0" hangingPunct="1">
+              <a:spcBef>
+                <a:spcPct val="20000"/>
+              </a:spcBef>
+              <a:buFont typeface="Arial"/>
+              <a:buChar char="–"/>
+              <a:defRPr sz="2100" kern="1200">
+                <a:solidFill>
+                  <a:schemeClr val="tx1"/>
+                </a:solidFill>
+                <a:latin typeface="+mn-lt"/>
+                <a:ea typeface="+mn-ea"/>
+                <a:cs typeface="+mn-cs"/>
+              </a:defRPr>
+            </a:lvl2pPr>
+            <a:lvl3pPr marL="857250" indent="-171450" algn="l" defTabSz="342900" rtl="0" eaLnBrk="1" latinLnBrk="0" hangingPunct="1">
+              <a:spcBef>
+                <a:spcPct val="20000"/>
+              </a:spcBef>
+              <a:buFont typeface="Arial"/>
+              <a:buChar char="•"/>
+              <a:defRPr sz="1800" kern="1200">
+                <a:solidFill>
+                  <a:schemeClr val="tx1"/>
+                </a:solidFill>
+                <a:latin typeface="+mn-lt"/>
+                <a:ea typeface="+mn-ea"/>
+                <a:cs typeface="+mn-cs"/>
+              </a:defRPr>
+            </a:lvl3pPr>
+            <a:lvl4pPr marL="1200150" indent="-171450" algn="l" defTabSz="342900" rtl="0" eaLnBrk="1" latinLnBrk="0" hangingPunct="1">
+              <a:spcBef>
+                <a:spcPct val="20000"/>
+              </a:spcBef>
+              <a:buFont typeface="Arial"/>
+              <a:buChar char="–"/>
+              <a:defRPr sz="1500" kern="1200">
+                <a:solidFill>
+                  <a:schemeClr val="tx1"/>
+                </a:solidFill>
+                <a:latin typeface="+mn-lt"/>
+                <a:ea typeface="+mn-ea"/>
+                <a:cs typeface="+mn-cs"/>
+              </a:defRPr>
+            </a:lvl4pPr>
+            <a:lvl5pPr marL="1543050" indent="-171450" algn="l" defTabSz="342900" rtl="0" eaLnBrk="1" latinLnBrk="0" hangingPunct="1">
+              <a:spcBef>
+                <a:spcPct val="20000"/>
+              </a:spcBef>
+              <a:buFont typeface="Arial"/>
+              <a:buChar char="»"/>
+              <a:defRPr sz="1500" kern="1200">
+                <a:solidFill>
+                  <a:schemeClr val="tx1"/>
+                </a:solidFill>
+                <a:latin typeface="+mn-lt"/>
+                <a:ea typeface="+mn-ea"/>
+                <a:cs typeface="+mn-cs"/>
+              </a:defRPr>
+            </a:lvl5pPr>
+            <a:lvl6pPr marL="1885950" indent="-171450" algn="l" defTabSz="342900" rtl="0" eaLnBrk="1" latinLnBrk="0" hangingPunct="1">
+              <a:spcBef>
+                <a:spcPct val="20000"/>
+              </a:spcBef>
+              <a:buFont typeface="Arial"/>
+              <a:buChar char="•"/>
+              <a:defRPr sz="1500" kern="1200">
+                <a:solidFill>
+                  <a:schemeClr val="tx1"/>
+                </a:solidFill>
+                <a:latin typeface="+mn-lt"/>
+                <a:ea typeface="+mn-ea"/>
+                <a:cs typeface="+mn-cs"/>
+              </a:defRPr>
+            </a:lvl6pPr>
+            <a:lvl7pPr marL="2228850" indent="-171450" algn="l" defTabSz="342900" rtl="0" eaLnBrk="1" latinLnBrk="0" hangingPunct="1">
+              <a:spcBef>
+                <a:spcPct val="20000"/>
+              </a:spcBef>
+              <a:buFont typeface="Arial"/>
+              <a:buChar char="•"/>
+              <a:defRPr sz="1500" kern="1200">
+                <a:solidFill>
+                  <a:schemeClr val="tx1"/>
+                </a:solidFill>
+                <a:latin typeface="+mn-lt"/>
+                <a:ea typeface="+mn-ea"/>
+                <a:cs typeface="+mn-cs"/>
+              </a:defRPr>
+            </a:lvl7pPr>
+            <a:lvl8pPr marL="2571750" indent="-171450" algn="l" defTabSz="342900" rtl="0" eaLnBrk="1" latinLnBrk="0" hangingPunct="1">
+              <a:spcBef>
+                <a:spcPct val="20000"/>
+              </a:spcBef>
+              <a:buFont typeface="Arial"/>
+              <a:buChar char="•"/>
+              <a:defRPr sz="1500" kern="1200">
+                <a:solidFill>
+                  <a:schemeClr val="tx1"/>
+                </a:solidFill>
+                <a:latin typeface="+mn-lt"/>
+                <a:ea typeface="+mn-ea"/>
+                <a:cs typeface="+mn-cs"/>
+              </a:defRPr>
+            </a:lvl8pPr>
+            <a:lvl9pPr marL="2914650" indent="-171450" algn="l" defTabSz="342900" rtl="0" eaLnBrk="1" latinLnBrk="0" hangingPunct="1">
+              <a:spcBef>
+                <a:spcPct val="20000"/>
+              </a:spcBef>
+              <a:buFont typeface="Arial"/>
+              <a:buChar char="•"/>
+              <a:defRPr sz="1500" kern="1200">
+                <a:solidFill>
+                  <a:schemeClr val="tx1"/>
+                </a:solidFill>
+                <a:latin typeface="+mn-lt"/>
+                <a:ea typeface="+mn-ea"/>
+                <a:cs typeface="+mn-cs"/>
+              </a:defRPr>
+            </a:lvl9pPr>
+          </a:lstStyle>
+          <a:p>
+            <a:pPr marL="0" indent="0" algn="just">
+              <a:buFont typeface="Arial"/>
+              <a:buNone/>
+            </a:pPr>
+            <a:endParaRPr lang="it-IT" dirty="0"/>
+          </a:p>
+          <a:p>
+            <a:pPr marL="0" indent="0" algn="just">
+              <a:buFont typeface="Arial"/>
+              <a:buNone/>
+            </a:pPr>
+            <a:endParaRPr lang="it-IT" dirty="0"/>
+          </a:p>
+          <a:p>
+            <a:endParaRPr lang="en-US" sz="2000" dirty="0"/>
+          </a:p>
+        </p:txBody>
+      </p:sp>
+      <p:sp>
+        <p:nvSpPr>
+          <p:cNvPr id="7" name="Titolo 1">
+            <a:extLst>
+              <a:ext uri="{FF2B5EF4-FFF2-40B4-BE49-F238E27FC236}">
+                <a16:creationId xmlns:a16="http://schemas.microsoft.com/office/drawing/2014/main" id="{588E765D-4A18-43EC-9070-BBB19613F406}"/>
+              </a:ext>
+            </a:extLst>
+          </p:cNvPr>
+          <p:cNvSpPr>
+            <a:spLocks noGrp="1"/>
+          </p:cNvSpPr>
+          <p:nvPr>
+            <p:ph type="title"/>
+          </p:nvPr>
+        </p:nvSpPr>
+        <p:spPr>
+          <a:xfrm>
+            <a:off x="457200" y="548680"/>
+            <a:ext cx="8229600" cy="1143000"/>
+          </a:xfrm>
+        </p:spPr>
+        <p:txBody>
+          <a:bodyPr>
+            <a:noAutofit/>
+          </a:bodyPr>
+          <a:lstStyle/>
+          <a:p>
+            <a:r>
+              <a:rPr lang="it-IT" sz="2700" dirty="0"/>
+              <a:t>CONCLUSIONI</a:t>
+            </a:r>
+            <a:endParaRPr lang="en-US" sz="2700" dirty="0"/>
+          </a:p>
+        </p:txBody>
+      </p:sp>
+      <p:sp>
+        <p:nvSpPr>
+          <p:cNvPr id="6" name="Titolo 1">
+            <a:extLst>
+              <a:ext uri="{FF2B5EF4-FFF2-40B4-BE49-F238E27FC236}">
+                <a16:creationId xmlns:a16="http://schemas.microsoft.com/office/drawing/2014/main" id="{32602169-0966-4893-B032-33CFCD986CA0}"/>
+              </a:ext>
+            </a:extLst>
+          </p:cNvPr>
+          <p:cNvSpPr txBox="1">
+            <a:spLocks/>
+          </p:cNvSpPr>
+          <p:nvPr/>
+        </p:nvSpPr>
+        <p:spPr>
+          <a:xfrm>
+            <a:off x="1447800" y="152400"/>
+            <a:ext cx="8229600" cy="1143000"/>
+          </a:xfrm>
+          <a:prstGeom prst="rect">
+            <a:avLst/>
+          </a:prstGeom>
+        </p:spPr>
+        <p:txBody>
+          <a:bodyPr>
+            <a:noAutofit/>
+          </a:bodyPr>
+          <a:lstStyle>
+            <a:lvl1pPr algn="ctr" defTabSz="342900" rtl="0" eaLnBrk="1" latinLnBrk="0" hangingPunct="1">
+              <a:spcBef>
+                <a:spcPct val="0"/>
+              </a:spcBef>
+              <a:buNone/>
+              <a:defRPr sz="3300" kern="1200">
+                <a:solidFill>
+                  <a:schemeClr val="tx1"/>
+                </a:solidFill>
+                <a:latin typeface="+mj-lt"/>
+                <a:ea typeface="+mj-ea"/>
+                <a:cs typeface="+mj-cs"/>
+              </a:defRPr>
+            </a:lvl1pPr>
+          </a:lstStyle>
+          <a:p>
+            <a:r>
+              <a:rPr lang="it-IT" sz="2400" b="1" dirty="0">
+                <a:solidFill>
+                  <a:schemeClr val="bg1"/>
+                </a:solidFill>
+              </a:rPr>
+              <a:t>DATA UNDERSTANDING: </a:t>
+            </a:r>
+            <a:r>
+              <a:rPr lang="it-IT" sz="2400" dirty="0">
+                <a:solidFill>
+                  <a:schemeClr val="bg1"/>
+                </a:solidFill>
+              </a:rPr>
+              <a:t>CONCLUSIONI</a:t>
+            </a:r>
+            <a:endParaRPr lang="en-US" sz="2400" dirty="0">
+              <a:solidFill>
+                <a:schemeClr val="bg1"/>
+              </a:solidFill>
+            </a:endParaRPr>
+          </a:p>
+        </p:txBody>
+      </p:sp>
+      <p:sp>
+        <p:nvSpPr>
+          <p:cNvPr id="2" name="Rectangle 6">
+            <a:extLst>
+              <a:ext uri="{FF2B5EF4-FFF2-40B4-BE49-F238E27FC236}">
+                <a16:creationId xmlns:a16="http://schemas.microsoft.com/office/drawing/2014/main" id="{FC5724C9-24A0-4B40-9A3A-FE717EF7AA55}"/>
+              </a:ext>
+            </a:extLst>
+          </p:cNvPr>
+          <p:cNvSpPr>
+            <a:spLocks noChangeArrowheads="1"/>
+          </p:cNvSpPr>
+          <p:nvPr/>
+        </p:nvSpPr>
+        <p:spPr bwMode="auto">
+          <a:xfrm>
+            <a:off x="0" y="0"/>
+            <a:ext cx="9144000" cy="457200"/>
+          </a:xfrm>
+          <a:prstGeom prst="rect">
+            <a:avLst/>
+          </a:prstGeom>
+          <a:noFill/>
+          <a:ln>
+            <a:noFill/>
+          </a:ln>
+          <a:effectLst/>
+          <a:extLst>
+            <a:ext uri="{909E8E84-426E-40DD-AFC4-6F175D3DCCD1}">
+              <a14:hiddenFill xmlns:a14="http://schemas.microsoft.com/office/drawing/2010/main">
+                <a:solidFill>
+                  <a:schemeClr val="accent1"/>
+                </a:solidFill>
+              </a14:hiddenFill>
+            </a:ext>
+            <a:ext uri="{91240B29-F687-4F45-9708-019B960494DF}">
+              <a14:hiddenLine xmlns:a14="http://schemas.microsoft.com/office/drawing/2010/main" w="9525">
+                <a:solidFill>
+                  <a:schemeClr val="tx1"/>
+                </a:solidFill>
+                <a:miter lim="800000"/>
+                <a:headEnd/>
+                <a:tailEnd/>
+              </a14:hiddenLine>
+            </a:ext>
+            <a:ext uri="{AF507438-7753-43E0-B8FC-AC1667EBCBE1}">
+              <a14:hiddenEffects xmlns:a14="http://schemas.microsoft.com/office/drawing/2010/main">
+                <a:effectLst>
+                  <a:outerShdw dist="35921" dir="2700000" algn="ctr" rotWithShape="0">
+                    <a:schemeClr val="bg2"/>
+                  </a:outerShdw>
+                </a:effectLst>
+              </a14:hiddenEffects>
+            </a:ext>
+          </a:extLst>
+        </p:spPr>
+        <p:txBody>
+          <a:bodyPr vert="horz" wrap="none" lIns="91440" tIns="45720" rIns="91440" bIns="45720" numCol="1" anchor="ctr" anchorCtr="0" compatLnSpc="1">
+            <a:prstTxWarp prst="textNoShape">
+              <a:avLst/>
+            </a:prstTxWarp>
+            <a:spAutoFit/>
+          </a:bodyPr>
+          <a:lstStyle/>
+          <a:p>
+            <a:endParaRPr lang="en-US"/>
+          </a:p>
+        </p:txBody>
+      </p:sp>
+      <p:sp>
+        <p:nvSpPr>
+          <p:cNvPr id="3" name="Rectangle 7">
+            <a:extLst>
+              <a:ext uri="{FF2B5EF4-FFF2-40B4-BE49-F238E27FC236}">
+                <a16:creationId xmlns:a16="http://schemas.microsoft.com/office/drawing/2014/main" id="{C08042F5-96DB-4FE6-B699-C1DFAB71C0C5}"/>
+              </a:ext>
+            </a:extLst>
+          </p:cNvPr>
+          <p:cNvSpPr>
+            <a:spLocks noChangeArrowheads="1"/>
+          </p:cNvSpPr>
+          <p:nvPr/>
+        </p:nvSpPr>
+        <p:spPr bwMode="auto">
+          <a:xfrm>
+            <a:off x="0" y="1838325"/>
+            <a:ext cx="9144000" cy="0"/>
+          </a:xfrm>
+          <a:prstGeom prst="rect">
+            <a:avLst/>
+          </a:prstGeom>
+          <a:noFill/>
+          <a:ln>
+            <a:noFill/>
+          </a:ln>
+          <a:effectLst/>
+          <a:extLst>
+            <a:ext uri="{909E8E84-426E-40DD-AFC4-6F175D3DCCD1}">
+              <a14:hiddenFill xmlns:a14="http://schemas.microsoft.com/office/drawing/2010/main">
+                <a:solidFill>
+                  <a:schemeClr val="accent1"/>
+                </a:solidFill>
+              </a14:hiddenFill>
+            </a:ext>
+            <a:ext uri="{91240B29-F687-4F45-9708-019B960494DF}">
+              <a14:hiddenLine xmlns:a14="http://schemas.microsoft.com/office/drawing/2010/main" w="9525">
+                <a:solidFill>
+                  <a:schemeClr val="tx1"/>
+                </a:solidFill>
+                <a:miter lim="800000"/>
+                <a:headEnd/>
+                <a:tailEnd/>
+              </a14:hiddenLine>
+            </a:ext>
+            <a:ext uri="{AF507438-7753-43E0-B8FC-AC1667EBCBE1}">
+              <a14:hiddenEffects xmlns:a14="http://schemas.microsoft.com/office/drawing/2010/main">
+                <a:effectLst>
+                  <a:outerShdw dist="35921" dir="2700000" algn="ctr" rotWithShape="0">
+                    <a:schemeClr val="bg2"/>
+                  </a:outerShdw>
+                </a:effectLst>
+              </a14:hiddenEffects>
+            </a:ext>
+          </a:extLst>
+        </p:spPr>
+        <p:txBody>
+          <a:bodyPr vert="horz" wrap="none" lIns="91440" tIns="45720" rIns="91440" bIns="45720" numCol="1" anchor="ctr" anchorCtr="0" compatLnSpc="1">
+            <a:prstTxWarp prst="textNoShape">
+              <a:avLst/>
+            </a:prstTxWarp>
+            <a:spAutoFit/>
+          </a:bodyPr>
+          <a:lstStyle/>
+          <a:p>
+            <a:pPr marL="0" marR="0" lvl="0" indent="0" algn="l" defTabSz="914400" rtl="0" eaLnBrk="0" fontAlgn="base" latinLnBrk="0" hangingPunct="0">
+              <a:lnSpc>
+                <a:spcPct val="100000"/>
+              </a:lnSpc>
+              <a:spcBef>
+                <a:spcPct val="0"/>
+              </a:spcBef>
+              <a:spcAft>
+                <a:spcPct val="0"/>
+              </a:spcAft>
+              <a:buClrTx/>
+              <a:buSzTx/>
+              <a:buFontTx/>
+              <a:buNone/>
+              <a:tabLst/>
+            </a:pPr>
+            <a:r>
+              <a:rPr kumimoji="0" lang="it-IT" altLang="en-US" sz="1100" b="0" i="0" u="none" strike="noStrike" cap="none" normalizeH="0" baseline="0">
+                <a:ln>
+                  <a:noFill/>
+                </a:ln>
+                <a:solidFill>
+                  <a:schemeClr val="tx1"/>
+                </a:solidFill>
+                <a:effectLst/>
+                <a:latin typeface="Calibri" panose="020F0502020204030204" pitchFamily="34" charset="0"/>
+                <a:ea typeface="Times New Roman" panose="02020603050405020304" pitchFamily="18" charset="0"/>
+                <a:cs typeface="Times New Roman" panose="02020603050405020304" pitchFamily="18" charset="0"/>
+              </a:rPr>
+              <a:t> </a:t>
+            </a:r>
+            <a:endParaRPr kumimoji="0" lang="it-IT" altLang="en-US" sz="1800" b="0" i="0" u="none" strike="noStrike" cap="none" normalizeH="0" baseline="0">
+              <a:ln>
+                <a:noFill/>
+              </a:ln>
+              <a:solidFill>
+                <a:schemeClr val="tx1"/>
+              </a:solidFill>
+              <a:effectLst/>
+              <a:latin typeface="Arial" panose="020B0604020202020204" pitchFamily="34" charset="0"/>
+            </a:endParaRPr>
+          </a:p>
+        </p:txBody>
+      </p:sp>
+      <p:sp>
+        <p:nvSpPr>
+          <p:cNvPr id="4" name="Rectangle 8">
+            <a:extLst>
+              <a:ext uri="{FF2B5EF4-FFF2-40B4-BE49-F238E27FC236}">
+                <a16:creationId xmlns:a16="http://schemas.microsoft.com/office/drawing/2014/main" id="{E0CBE371-8058-4503-A250-42442AAE21EC}"/>
+              </a:ext>
+            </a:extLst>
+          </p:cNvPr>
+          <p:cNvSpPr>
+            <a:spLocks noChangeArrowheads="1"/>
+          </p:cNvSpPr>
+          <p:nvPr/>
+        </p:nvSpPr>
+        <p:spPr bwMode="auto">
+          <a:xfrm>
+            <a:off x="0" y="3219450"/>
+            <a:ext cx="9144000" cy="0"/>
+          </a:xfrm>
+          <a:prstGeom prst="rect">
+            <a:avLst/>
+          </a:prstGeom>
+          <a:noFill/>
+          <a:ln>
+            <a:noFill/>
+          </a:ln>
+          <a:effectLst/>
+          <a:extLst>
+            <a:ext uri="{909E8E84-426E-40DD-AFC4-6F175D3DCCD1}">
+              <a14:hiddenFill xmlns:a14="http://schemas.microsoft.com/office/drawing/2010/main">
+                <a:solidFill>
+                  <a:schemeClr val="accent1"/>
+                </a:solidFill>
+              </a14:hiddenFill>
+            </a:ext>
+            <a:ext uri="{91240B29-F687-4F45-9708-019B960494DF}">
+              <a14:hiddenLine xmlns:a14="http://schemas.microsoft.com/office/drawing/2010/main" w="9525">
+                <a:solidFill>
+                  <a:schemeClr val="tx1"/>
+                </a:solidFill>
+                <a:miter lim="800000"/>
+                <a:headEnd/>
+                <a:tailEnd/>
+              </a14:hiddenLine>
+            </a:ext>
+            <a:ext uri="{AF507438-7753-43E0-B8FC-AC1667EBCBE1}">
+              <a14:hiddenEffects xmlns:a14="http://schemas.microsoft.com/office/drawing/2010/main">
+                <a:effectLst>
+                  <a:outerShdw dist="35921" dir="2700000" algn="ctr" rotWithShape="0">
+                    <a:schemeClr val="bg2"/>
+                  </a:outerShdw>
+                </a:effectLst>
+              </a14:hiddenEffects>
+            </a:ext>
+          </a:extLst>
+        </p:spPr>
+        <p:txBody>
+          <a:bodyPr vert="horz" wrap="none" lIns="91440" tIns="45720" rIns="91440" bIns="45720" numCol="1" anchor="ctr" anchorCtr="0" compatLnSpc="1">
+            <a:prstTxWarp prst="textNoShape">
+              <a:avLst/>
+            </a:prstTxWarp>
+            <a:spAutoFit/>
+          </a:bodyPr>
+          <a:lstStyle/>
+          <a:p>
+            <a:pPr marL="0" marR="0" lvl="0" indent="0" algn="l" defTabSz="914400" rtl="0" eaLnBrk="0" fontAlgn="base" latinLnBrk="0" hangingPunct="0">
+              <a:lnSpc>
+                <a:spcPct val="100000"/>
+              </a:lnSpc>
+              <a:spcBef>
+                <a:spcPct val="0"/>
+              </a:spcBef>
+              <a:spcAft>
+                <a:spcPct val="0"/>
+              </a:spcAft>
+              <a:buClrTx/>
+              <a:buSzTx/>
+              <a:buFontTx/>
+              <a:buNone/>
+              <a:tabLst/>
+            </a:pPr>
+            <a:r>
+              <a:rPr kumimoji="0" lang="it-IT" altLang="en-US" sz="1100" b="0" i="0" u="none" strike="noStrike" cap="none" normalizeH="0" baseline="0">
+                <a:ln>
+                  <a:noFill/>
+                </a:ln>
+                <a:solidFill>
+                  <a:schemeClr val="tx1"/>
+                </a:solidFill>
+                <a:effectLst/>
+                <a:latin typeface="Calibri" panose="020F0502020204030204" pitchFamily="34" charset="0"/>
+                <a:ea typeface="Times New Roman" panose="02020603050405020304" pitchFamily="18" charset="0"/>
+                <a:cs typeface="Times New Roman" panose="02020603050405020304" pitchFamily="18" charset="0"/>
+              </a:rPr>
+              <a:t> </a:t>
+            </a:r>
+            <a:endParaRPr kumimoji="0" lang="it-IT" altLang="en-US" sz="1800" b="0" i="0" u="none" strike="noStrike" cap="none" normalizeH="0" baseline="0">
+              <a:ln>
+                <a:noFill/>
+              </a:ln>
+              <a:solidFill>
+                <a:schemeClr val="tx1"/>
+              </a:solidFill>
+              <a:effectLst/>
+              <a:latin typeface="Arial" panose="020B0604020202020204" pitchFamily="34" charset="0"/>
+            </a:endParaRPr>
+          </a:p>
+        </p:txBody>
+      </p:sp>
+      <p:sp>
+        <p:nvSpPr>
+          <p:cNvPr id="10" name="Rectangle 9">
+            <a:extLst>
+              <a:ext uri="{FF2B5EF4-FFF2-40B4-BE49-F238E27FC236}">
+                <a16:creationId xmlns:a16="http://schemas.microsoft.com/office/drawing/2014/main" id="{99468FB6-6461-4A91-9E0B-2B3FC25F715E}"/>
+              </a:ext>
+            </a:extLst>
+          </p:cNvPr>
+          <p:cNvSpPr>
+            <a:spLocks noChangeArrowheads="1"/>
+          </p:cNvSpPr>
+          <p:nvPr/>
+        </p:nvSpPr>
+        <p:spPr bwMode="auto">
+          <a:xfrm>
+            <a:off x="0" y="4600575"/>
+            <a:ext cx="9144000" cy="0"/>
+          </a:xfrm>
+          <a:prstGeom prst="rect">
+            <a:avLst/>
+          </a:prstGeom>
+          <a:noFill/>
+          <a:ln>
+            <a:noFill/>
+          </a:ln>
+          <a:effectLst/>
+          <a:extLst>
+            <a:ext uri="{909E8E84-426E-40DD-AFC4-6F175D3DCCD1}">
+              <a14:hiddenFill xmlns:a14="http://schemas.microsoft.com/office/drawing/2010/main">
+                <a:solidFill>
+                  <a:schemeClr val="accent1"/>
+                </a:solidFill>
+              </a14:hiddenFill>
+            </a:ext>
+            <a:ext uri="{91240B29-F687-4F45-9708-019B960494DF}">
+              <a14:hiddenLine xmlns:a14="http://schemas.microsoft.com/office/drawing/2010/main" w="9525">
+                <a:solidFill>
+                  <a:schemeClr val="tx1"/>
+                </a:solidFill>
+                <a:miter lim="800000"/>
+                <a:headEnd/>
+                <a:tailEnd/>
+              </a14:hiddenLine>
+            </a:ext>
+            <a:ext uri="{AF507438-7753-43E0-B8FC-AC1667EBCBE1}">
+              <a14:hiddenEffects xmlns:a14="http://schemas.microsoft.com/office/drawing/2010/main">
+                <a:effectLst>
+                  <a:outerShdw dist="35921" dir="2700000" algn="ctr" rotWithShape="0">
+                    <a:schemeClr val="bg2"/>
+                  </a:outerShdw>
+                </a:effectLst>
+              </a14:hiddenEffects>
+            </a:ext>
+          </a:extLst>
+        </p:spPr>
+        <p:txBody>
+          <a:bodyPr vert="horz" wrap="none" lIns="91440" tIns="45720" rIns="91440" bIns="45720" numCol="1" anchor="ctr" anchorCtr="0" compatLnSpc="1">
+            <a:prstTxWarp prst="textNoShape">
+              <a:avLst/>
+            </a:prstTxWarp>
+            <a:spAutoFit/>
+          </a:bodyPr>
+          <a:lstStyle/>
+          <a:p>
+            <a:pPr marL="0" marR="0" lvl="0" indent="0" algn="l" defTabSz="914400" rtl="0" eaLnBrk="0" fontAlgn="base" latinLnBrk="0" hangingPunct="0">
+              <a:lnSpc>
+                <a:spcPct val="100000"/>
+              </a:lnSpc>
+              <a:spcBef>
+                <a:spcPct val="0"/>
+              </a:spcBef>
+              <a:spcAft>
+                <a:spcPct val="0"/>
+              </a:spcAft>
+              <a:buClrTx/>
+              <a:buSzTx/>
+              <a:buFontTx/>
+              <a:buNone/>
+              <a:tabLst/>
+            </a:pPr>
+            <a:r>
+              <a:rPr kumimoji="0" lang="it-IT" altLang="en-US" sz="1100" b="0" i="0" u="none" strike="noStrike" cap="none" normalizeH="0" baseline="0">
+                <a:ln>
+                  <a:noFill/>
+                </a:ln>
+                <a:solidFill>
+                  <a:schemeClr val="tx1"/>
+                </a:solidFill>
+                <a:effectLst/>
+                <a:latin typeface="Calibri" panose="020F0502020204030204" pitchFamily="34" charset="0"/>
+                <a:ea typeface="Times New Roman" panose="02020603050405020304" pitchFamily="18" charset="0"/>
+                <a:cs typeface="Times New Roman" panose="02020603050405020304" pitchFamily="18" charset="0"/>
+              </a:rPr>
+              <a:t> </a:t>
+            </a:r>
+            <a:endParaRPr kumimoji="0" lang="it-IT" altLang="en-US" sz="1800" b="0" i="0" u="none" strike="noStrike" cap="none" normalizeH="0" baseline="0">
+              <a:ln>
+                <a:noFill/>
+              </a:ln>
+              <a:solidFill>
+                <a:schemeClr val="tx1"/>
+              </a:solidFill>
+              <a:effectLst/>
+              <a:latin typeface="Arial" panose="020B0604020202020204" pitchFamily="34" charset="0"/>
+            </a:endParaRPr>
+          </a:p>
+        </p:txBody>
+      </p:sp>
+      <p:sp>
+        <p:nvSpPr>
+          <p:cNvPr id="11" name="Rectangle 10">
+            <a:extLst>
+              <a:ext uri="{FF2B5EF4-FFF2-40B4-BE49-F238E27FC236}">
+                <a16:creationId xmlns:a16="http://schemas.microsoft.com/office/drawing/2014/main" id="{E4D9815E-FC57-48D4-9710-C34FDAE236EF}"/>
+              </a:ext>
+            </a:extLst>
+          </p:cNvPr>
+          <p:cNvSpPr>
+            <a:spLocks noChangeArrowheads="1"/>
+          </p:cNvSpPr>
+          <p:nvPr/>
+        </p:nvSpPr>
+        <p:spPr bwMode="auto">
+          <a:xfrm>
+            <a:off x="0" y="6000750"/>
+            <a:ext cx="9144000" cy="0"/>
+          </a:xfrm>
+          <a:prstGeom prst="rect">
+            <a:avLst/>
+          </a:prstGeom>
+          <a:noFill/>
+          <a:ln>
+            <a:noFill/>
+          </a:ln>
+          <a:effectLst/>
+          <a:extLst>
+            <a:ext uri="{909E8E84-426E-40DD-AFC4-6F175D3DCCD1}">
+              <a14:hiddenFill xmlns:a14="http://schemas.microsoft.com/office/drawing/2010/main">
+                <a:solidFill>
+                  <a:schemeClr val="accent1"/>
+                </a:solidFill>
+              </a14:hiddenFill>
+            </a:ext>
+            <a:ext uri="{91240B29-F687-4F45-9708-019B960494DF}">
+              <a14:hiddenLine xmlns:a14="http://schemas.microsoft.com/office/drawing/2010/main" w="9525">
+                <a:solidFill>
+                  <a:schemeClr val="tx1"/>
+                </a:solidFill>
+                <a:miter lim="800000"/>
+                <a:headEnd/>
+                <a:tailEnd/>
+              </a14:hiddenLine>
+            </a:ext>
+            <a:ext uri="{AF507438-7753-43E0-B8FC-AC1667EBCBE1}">
+              <a14:hiddenEffects xmlns:a14="http://schemas.microsoft.com/office/drawing/2010/main">
+                <a:effectLst>
+                  <a:outerShdw dist="35921" dir="2700000" algn="ctr" rotWithShape="0">
+                    <a:schemeClr val="bg2"/>
+                  </a:outerShdw>
+                </a:effectLst>
+              </a14:hiddenEffects>
+            </a:ext>
+          </a:extLst>
+        </p:spPr>
+        <p:txBody>
+          <a:bodyPr vert="horz" wrap="none" lIns="91440" tIns="45720" rIns="91440" bIns="45720" numCol="1" anchor="ctr" anchorCtr="0" compatLnSpc="1">
+            <a:prstTxWarp prst="textNoShape">
+              <a:avLst/>
+            </a:prstTxWarp>
+            <a:spAutoFit/>
+          </a:bodyPr>
+          <a:lstStyle/>
+          <a:p>
+            <a:pPr marL="0" marR="0" lvl="0" indent="0" algn="l" defTabSz="914400" rtl="0" eaLnBrk="0" fontAlgn="base" latinLnBrk="0" hangingPunct="0">
+              <a:lnSpc>
+                <a:spcPct val="100000"/>
+              </a:lnSpc>
+              <a:spcBef>
+                <a:spcPct val="0"/>
+              </a:spcBef>
+              <a:spcAft>
+                <a:spcPct val="0"/>
+              </a:spcAft>
+              <a:buClrTx/>
+              <a:buSzTx/>
+              <a:buFontTx/>
+              <a:buNone/>
+              <a:tabLst/>
+            </a:pPr>
+            <a:r>
+              <a:rPr kumimoji="0" lang="it-IT" altLang="en-US" sz="1100" b="0" i="0" u="none" strike="noStrike" cap="none" normalizeH="0" baseline="0">
+                <a:ln>
+                  <a:noFill/>
+                </a:ln>
+                <a:solidFill>
+                  <a:schemeClr val="tx1"/>
+                </a:solidFill>
+                <a:effectLst/>
+                <a:latin typeface="Calibri" panose="020F0502020204030204" pitchFamily="34" charset="0"/>
+                <a:ea typeface="Times New Roman" panose="02020603050405020304" pitchFamily="18" charset="0"/>
+                <a:cs typeface="Times New Roman" panose="02020603050405020304" pitchFamily="18" charset="0"/>
+              </a:rPr>
+              <a:t> </a:t>
+            </a:r>
+            <a:endParaRPr kumimoji="0" lang="it-IT" altLang="en-US" sz="1800" b="0" i="0" u="none" strike="noStrike" cap="none" normalizeH="0" baseline="0">
+              <a:ln>
+                <a:noFill/>
+              </a:ln>
+              <a:solidFill>
+                <a:schemeClr val="tx1"/>
+              </a:solidFill>
+              <a:effectLst/>
+              <a:latin typeface="Arial" panose="020B0604020202020204" pitchFamily="34" charset="0"/>
+            </a:endParaRPr>
+          </a:p>
+        </p:txBody>
+      </p:sp>
+    </p:spTree>
+    <p:extLst>
+      <p:ext uri="{BB962C8B-B14F-4D97-AF65-F5344CB8AC3E}">
+        <p14:creationId xmlns:p14="http://schemas.microsoft.com/office/powerpoint/2010/main" val="1056726952"/>
+      </p:ext>
+    </p:extLst>
+  </p:cSld>
+  <p:clrMapOvr>
+    <a:masterClrMapping/>
+  </p:clrMapOvr>
+</p:sld>
+</file>
+
+<file path=ppt/slides/slide31.xml><?xml version="1.0" encoding="utf-8"?>
+<p:sld xmlns:a="http://schemas.openxmlformats.org/drawingml/2006/main" xmlns:r="http://schemas.openxmlformats.org/officeDocument/2006/relationships" xmlns:p="http://schemas.openxmlformats.org/presentationml/2006/main">
+  <p:cSld>
+    <p:spTree>
+      <p:nvGrpSpPr>
+        <p:cNvPr id="1" name=""/>
+        <p:cNvGrpSpPr/>
+        <p:nvPr/>
+      </p:nvGrpSpPr>
+      <p:grpSpPr>
+        <a:xfrm>
+          <a:off x="0" y="0"/>
+          <a:ext cx="0" cy="0"/>
+          <a:chOff x="0" y="0"/>
+          <a:chExt cx="0" cy="0"/>
+        </a:xfrm>
+      </p:grpSpPr>
+      <p:sp>
+        <p:nvSpPr>
+          <p:cNvPr id="8" name="Segnaposto contenuto 2">
+            <a:extLst>
+              <a:ext uri="{FF2B5EF4-FFF2-40B4-BE49-F238E27FC236}">
+                <a16:creationId xmlns:a16="http://schemas.microsoft.com/office/drawing/2014/main" id="{C2E44FE5-CCA1-4E8F-905A-F2F5CDF25092}"/>
+              </a:ext>
+            </a:extLst>
+          </p:cNvPr>
+          <p:cNvSpPr>
+            <a:spLocks noGrp="1"/>
+          </p:cNvSpPr>
+          <p:nvPr>
+            <p:ph idx="1"/>
+          </p:nvPr>
+        </p:nvSpPr>
+        <p:spPr>
+          <a:xfrm>
+            <a:off x="457200" y="1700808"/>
+            <a:ext cx="8229600" cy="4114800"/>
+          </a:xfrm>
+        </p:spPr>
+        <p:txBody>
+          <a:bodyPr>
+            <a:normAutofit/>
+          </a:bodyPr>
+          <a:lstStyle/>
+          <a:p>
+            <a:pPr algn="just"/>
+            <a:r>
+              <a:rPr lang="it-IT" dirty="0" smtClean="0"/>
+              <a:t>Nel valutare gli esami si </a:t>
+            </a:r>
+            <a:r>
+              <a:rPr lang="it-IT" dirty="0"/>
+              <a:t>è considerato come risultato </a:t>
+            </a:r>
+            <a:r>
+              <a:rPr lang="it-IT" dirty="0" smtClean="0"/>
+              <a:t>– a parte nel singolo caso di M.D.L</a:t>
+            </a:r>
+            <a:r>
+              <a:rPr lang="it-IT" dirty="0"/>
+              <a:t>. </a:t>
+            </a:r>
+            <a:r>
+              <a:rPr lang="it-IT" dirty="0" smtClean="0"/>
+              <a:t>– </a:t>
+            </a:r>
+            <a:r>
+              <a:rPr lang="it-IT" dirty="0" smtClean="0"/>
+              <a:t>soltanto il voto conseguito, ignorando la data in cui è stato superato. Questo per evitare di raddoppiare il numero di </a:t>
+            </a:r>
+            <a:r>
+              <a:rPr lang="it-IT" dirty="0" err="1" smtClean="0"/>
+              <a:t>scatter</a:t>
+            </a:r>
+            <a:r>
+              <a:rPr lang="it-IT" dirty="0" smtClean="0"/>
+              <a:t> plot necessari a descrivere le varie situazioni che si sono analizzate visivamente.</a:t>
+            </a:r>
+          </a:p>
+          <a:p>
+            <a:pPr algn="just"/>
+            <a:r>
+              <a:rPr lang="it-IT" dirty="0" smtClean="0"/>
+              <a:t>Nell’analisi con tecniche di </a:t>
+            </a:r>
+            <a:r>
+              <a:rPr lang="it-IT" dirty="0" err="1" smtClean="0"/>
+              <a:t>clustering</a:t>
+            </a:r>
+            <a:r>
+              <a:rPr lang="it-IT" dirty="0" smtClean="0"/>
+              <a:t>, potrebbe rivelarsi utile </a:t>
+            </a:r>
+            <a:endParaRPr lang="it-IT" dirty="0" smtClean="0"/>
+          </a:p>
+          <a:p>
+            <a:pPr marL="342900" lvl="1" indent="0" algn="just">
+              <a:buNone/>
+            </a:pPr>
+            <a:endParaRPr lang="it-IT" dirty="0"/>
+          </a:p>
+          <a:p>
+            <a:pPr marL="0" indent="0" algn="just">
+              <a:buNone/>
+            </a:pPr>
+            <a:endParaRPr lang="it-IT" sz="2000" dirty="0"/>
+          </a:p>
+          <a:p>
+            <a:pPr marL="0" indent="0" algn="just">
+              <a:buNone/>
+            </a:pPr>
+            <a:endParaRPr lang="it-IT" dirty="0"/>
+          </a:p>
+        </p:txBody>
+      </p:sp>
+      <p:sp>
+        <p:nvSpPr>
+          <p:cNvPr id="9" name="Segnaposto contenuto 2">
+            <a:extLst>
+              <a:ext uri="{FF2B5EF4-FFF2-40B4-BE49-F238E27FC236}">
+                <a16:creationId xmlns:a16="http://schemas.microsoft.com/office/drawing/2014/main" id="{89886170-B615-43F8-AA8E-D5565391C42A}"/>
+              </a:ext>
+            </a:extLst>
+          </p:cNvPr>
+          <p:cNvSpPr txBox="1">
+            <a:spLocks/>
+          </p:cNvSpPr>
+          <p:nvPr/>
+        </p:nvSpPr>
+        <p:spPr>
+          <a:xfrm>
+            <a:off x="457200" y="5029199"/>
+            <a:ext cx="8229600" cy="1074753"/>
+          </a:xfrm>
+          <a:prstGeom prst="rect">
+            <a:avLst/>
+          </a:prstGeom>
+        </p:spPr>
+        <p:txBody>
+          <a:bodyPr vert="horz" lIns="91440" tIns="45720" rIns="91440" bIns="45720" rtlCol="0">
+            <a:normAutofit/>
+          </a:bodyPr>
+          <a:lstStyle>
+            <a:lvl1pPr marL="257175" indent="-257175" algn="l" defTabSz="342900" rtl="0" eaLnBrk="1" latinLnBrk="0" hangingPunct="1">
+              <a:spcBef>
+                <a:spcPct val="20000"/>
+              </a:spcBef>
+              <a:buFont typeface="Arial"/>
+              <a:buChar char="•"/>
+              <a:defRPr sz="2400" kern="1200">
+                <a:solidFill>
+                  <a:schemeClr val="tx1"/>
+                </a:solidFill>
+                <a:latin typeface="+mn-lt"/>
+                <a:ea typeface="+mn-ea"/>
+                <a:cs typeface="+mn-cs"/>
+              </a:defRPr>
+            </a:lvl1pPr>
+            <a:lvl2pPr marL="557213" indent="-214313" algn="l" defTabSz="342900" rtl="0" eaLnBrk="1" latinLnBrk="0" hangingPunct="1">
+              <a:spcBef>
+                <a:spcPct val="20000"/>
+              </a:spcBef>
+              <a:buFont typeface="Arial"/>
+              <a:buChar char="–"/>
+              <a:defRPr sz="2100" kern="1200">
+                <a:solidFill>
+                  <a:schemeClr val="tx1"/>
+                </a:solidFill>
+                <a:latin typeface="+mn-lt"/>
+                <a:ea typeface="+mn-ea"/>
+                <a:cs typeface="+mn-cs"/>
+              </a:defRPr>
+            </a:lvl2pPr>
+            <a:lvl3pPr marL="857250" indent="-171450" algn="l" defTabSz="342900" rtl="0" eaLnBrk="1" latinLnBrk="0" hangingPunct="1">
+              <a:spcBef>
+                <a:spcPct val="20000"/>
+              </a:spcBef>
+              <a:buFont typeface="Arial"/>
+              <a:buChar char="•"/>
+              <a:defRPr sz="1800" kern="1200">
+                <a:solidFill>
+                  <a:schemeClr val="tx1"/>
+                </a:solidFill>
+                <a:latin typeface="+mn-lt"/>
+                <a:ea typeface="+mn-ea"/>
+                <a:cs typeface="+mn-cs"/>
+              </a:defRPr>
+            </a:lvl3pPr>
+            <a:lvl4pPr marL="1200150" indent="-171450" algn="l" defTabSz="342900" rtl="0" eaLnBrk="1" latinLnBrk="0" hangingPunct="1">
+              <a:spcBef>
+                <a:spcPct val="20000"/>
+              </a:spcBef>
+              <a:buFont typeface="Arial"/>
+              <a:buChar char="–"/>
+              <a:defRPr sz="1500" kern="1200">
+                <a:solidFill>
+                  <a:schemeClr val="tx1"/>
+                </a:solidFill>
+                <a:latin typeface="+mn-lt"/>
+                <a:ea typeface="+mn-ea"/>
+                <a:cs typeface="+mn-cs"/>
+              </a:defRPr>
+            </a:lvl4pPr>
+            <a:lvl5pPr marL="1543050" indent="-171450" algn="l" defTabSz="342900" rtl="0" eaLnBrk="1" latinLnBrk="0" hangingPunct="1">
+              <a:spcBef>
+                <a:spcPct val="20000"/>
+              </a:spcBef>
+              <a:buFont typeface="Arial"/>
+              <a:buChar char="»"/>
+              <a:defRPr sz="1500" kern="1200">
+                <a:solidFill>
+                  <a:schemeClr val="tx1"/>
+                </a:solidFill>
+                <a:latin typeface="+mn-lt"/>
+                <a:ea typeface="+mn-ea"/>
+                <a:cs typeface="+mn-cs"/>
+              </a:defRPr>
+            </a:lvl5pPr>
+            <a:lvl6pPr marL="1885950" indent="-171450" algn="l" defTabSz="342900" rtl="0" eaLnBrk="1" latinLnBrk="0" hangingPunct="1">
+              <a:spcBef>
+                <a:spcPct val="20000"/>
+              </a:spcBef>
+              <a:buFont typeface="Arial"/>
+              <a:buChar char="•"/>
+              <a:defRPr sz="1500" kern="1200">
+                <a:solidFill>
+                  <a:schemeClr val="tx1"/>
+                </a:solidFill>
+                <a:latin typeface="+mn-lt"/>
+                <a:ea typeface="+mn-ea"/>
+                <a:cs typeface="+mn-cs"/>
+              </a:defRPr>
+            </a:lvl6pPr>
+            <a:lvl7pPr marL="2228850" indent="-171450" algn="l" defTabSz="342900" rtl="0" eaLnBrk="1" latinLnBrk="0" hangingPunct="1">
+              <a:spcBef>
+                <a:spcPct val="20000"/>
+              </a:spcBef>
+              <a:buFont typeface="Arial"/>
+              <a:buChar char="•"/>
+              <a:defRPr sz="1500" kern="1200">
+                <a:solidFill>
+                  <a:schemeClr val="tx1"/>
+                </a:solidFill>
+                <a:latin typeface="+mn-lt"/>
+                <a:ea typeface="+mn-ea"/>
+                <a:cs typeface="+mn-cs"/>
+              </a:defRPr>
+            </a:lvl7pPr>
+            <a:lvl8pPr marL="2571750" indent="-171450" algn="l" defTabSz="342900" rtl="0" eaLnBrk="1" latinLnBrk="0" hangingPunct="1">
+              <a:spcBef>
+                <a:spcPct val="20000"/>
+              </a:spcBef>
+              <a:buFont typeface="Arial"/>
+              <a:buChar char="•"/>
+              <a:defRPr sz="1500" kern="1200">
+                <a:solidFill>
+                  <a:schemeClr val="tx1"/>
+                </a:solidFill>
+                <a:latin typeface="+mn-lt"/>
+                <a:ea typeface="+mn-ea"/>
+                <a:cs typeface="+mn-cs"/>
+              </a:defRPr>
+            </a:lvl8pPr>
+            <a:lvl9pPr marL="2914650" indent="-171450" algn="l" defTabSz="342900" rtl="0" eaLnBrk="1" latinLnBrk="0" hangingPunct="1">
+              <a:spcBef>
+                <a:spcPct val="20000"/>
+              </a:spcBef>
+              <a:buFont typeface="Arial"/>
+              <a:buChar char="•"/>
+              <a:defRPr sz="1500" kern="1200">
+                <a:solidFill>
+                  <a:schemeClr val="tx1"/>
+                </a:solidFill>
+                <a:latin typeface="+mn-lt"/>
+                <a:ea typeface="+mn-ea"/>
+                <a:cs typeface="+mn-cs"/>
+              </a:defRPr>
+            </a:lvl9pPr>
+          </a:lstStyle>
+          <a:p>
+            <a:pPr marL="0" indent="0" algn="just">
+              <a:buFont typeface="Arial"/>
+              <a:buNone/>
+            </a:pPr>
+            <a:endParaRPr lang="it-IT" dirty="0"/>
+          </a:p>
+          <a:p>
+            <a:pPr marL="0" indent="0" algn="just">
+              <a:buFont typeface="Arial"/>
+              <a:buNone/>
+            </a:pPr>
+            <a:endParaRPr lang="it-IT" dirty="0"/>
+          </a:p>
+          <a:p>
+            <a:endParaRPr lang="en-US" sz="2000" dirty="0"/>
+          </a:p>
+        </p:txBody>
+      </p:sp>
+      <p:sp>
+        <p:nvSpPr>
+          <p:cNvPr id="7" name="Titolo 1">
+            <a:extLst>
+              <a:ext uri="{FF2B5EF4-FFF2-40B4-BE49-F238E27FC236}">
+                <a16:creationId xmlns:a16="http://schemas.microsoft.com/office/drawing/2014/main" id="{588E765D-4A18-43EC-9070-BBB19613F406}"/>
+              </a:ext>
+            </a:extLst>
+          </p:cNvPr>
+          <p:cNvSpPr>
+            <a:spLocks noGrp="1"/>
+          </p:cNvSpPr>
+          <p:nvPr>
+            <p:ph type="title"/>
+          </p:nvPr>
+        </p:nvSpPr>
+        <p:spPr>
+          <a:xfrm>
+            <a:off x="457200" y="692696"/>
+            <a:ext cx="8229600" cy="1143000"/>
+          </a:xfrm>
+        </p:spPr>
+        <p:txBody>
+          <a:bodyPr>
+            <a:noAutofit/>
+          </a:bodyPr>
+          <a:lstStyle/>
+          <a:p>
+            <a:r>
+              <a:rPr lang="it-IT" sz="2700" dirty="0" err="1" smtClean="0"/>
+              <a:t>aaaa</a:t>
+            </a:r>
+            <a:endParaRPr lang="en-US" sz="2700" dirty="0"/>
+          </a:p>
+        </p:txBody>
+      </p:sp>
+      <p:sp>
+        <p:nvSpPr>
+          <p:cNvPr id="6" name="Titolo 1">
+            <a:extLst>
+              <a:ext uri="{FF2B5EF4-FFF2-40B4-BE49-F238E27FC236}">
+                <a16:creationId xmlns:a16="http://schemas.microsoft.com/office/drawing/2014/main" id="{32602169-0966-4893-B032-33CFCD986CA0}"/>
+              </a:ext>
+            </a:extLst>
+          </p:cNvPr>
+          <p:cNvSpPr txBox="1">
+            <a:spLocks/>
+          </p:cNvSpPr>
+          <p:nvPr/>
+        </p:nvSpPr>
+        <p:spPr>
+          <a:xfrm>
+            <a:off x="1447800" y="152400"/>
+            <a:ext cx="8229600" cy="1143000"/>
+          </a:xfrm>
+          <a:prstGeom prst="rect">
+            <a:avLst/>
+          </a:prstGeom>
+        </p:spPr>
+        <p:txBody>
+          <a:bodyPr>
+            <a:noAutofit/>
+          </a:bodyPr>
+          <a:lstStyle>
+            <a:lvl1pPr algn="ctr" defTabSz="342900" rtl="0" eaLnBrk="1" latinLnBrk="0" hangingPunct="1">
+              <a:spcBef>
+                <a:spcPct val="0"/>
+              </a:spcBef>
+              <a:buNone/>
+              <a:defRPr sz="3300" kern="1200">
+                <a:solidFill>
+                  <a:schemeClr val="tx1"/>
+                </a:solidFill>
+                <a:latin typeface="+mj-lt"/>
+                <a:ea typeface="+mj-ea"/>
+                <a:cs typeface="+mj-cs"/>
+              </a:defRPr>
+            </a:lvl1pPr>
+          </a:lstStyle>
+          <a:p>
+            <a:r>
+              <a:rPr lang="it-IT" sz="2400" b="1" dirty="0">
+                <a:solidFill>
+                  <a:schemeClr val="bg1"/>
+                </a:solidFill>
+              </a:rPr>
+              <a:t>DATA UNDERSTANDING: </a:t>
+            </a:r>
+            <a:r>
+              <a:rPr lang="it-IT" sz="2400" dirty="0" smtClean="0">
+                <a:solidFill>
+                  <a:schemeClr val="bg1"/>
+                </a:solidFill>
+              </a:rPr>
+              <a:t>PREPROCESSING</a:t>
+            </a:r>
+            <a:endParaRPr lang="en-US" sz="2400" dirty="0">
+              <a:solidFill>
+                <a:schemeClr val="bg1"/>
+              </a:solidFill>
+            </a:endParaRPr>
+          </a:p>
+        </p:txBody>
+      </p:sp>
+      <p:sp>
+        <p:nvSpPr>
+          <p:cNvPr id="2" name="Rectangle 6">
+            <a:extLst>
+              <a:ext uri="{FF2B5EF4-FFF2-40B4-BE49-F238E27FC236}">
+                <a16:creationId xmlns:a16="http://schemas.microsoft.com/office/drawing/2014/main" id="{FC5724C9-24A0-4B40-9A3A-FE717EF7AA55}"/>
+              </a:ext>
+            </a:extLst>
+          </p:cNvPr>
+          <p:cNvSpPr>
+            <a:spLocks noChangeArrowheads="1"/>
+          </p:cNvSpPr>
+          <p:nvPr/>
+        </p:nvSpPr>
+        <p:spPr bwMode="auto">
+          <a:xfrm>
+            <a:off x="0" y="0"/>
+            <a:ext cx="9144000" cy="457200"/>
+          </a:xfrm>
+          <a:prstGeom prst="rect">
+            <a:avLst/>
+          </a:prstGeom>
+          <a:noFill/>
+          <a:ln>
+            <a:noFill/>
+          </a:ln>
+          <a:effectLst/>
+          <a:extLst>
+            <a:ext uri="{909E8E84-426E-40DD-AFC4-6F175D3DCCD1}">
+              <a14:hiddenFill xmlns:a14="http://schemas.microsoft.com/office/drawing/2010/main">
+                <a:solidFill>
+                  <a:schemeClr val="accent1"/>
+                </a:solidFill>
+              </a14:hiddenFill>
+            </a:ext>
+            <a:ext uri="{91240B29-F687-4F45-9708-019B960494DF}">
+              <a14:hiddenLine xmlns:a14="http://schemas.microsoft.com/office/drawing/2010/main" w="9525">
+                <a:solidFill>
+                  <a:schemeClr val="tx1"/>
+                </a:solidFill>
+                <a:miter lim="800000"/>
+                <a:headEnd/>
+                <a:tailEnd/>
+              </a14:hiddenLine>
+            </a:ext>
+            <a:ext uri="{AF507438-7753-43E0-B8FC-AC1667EBCBE1}">
+              <a14:hiddenEffects xmlns:a14="http://schemas.microsoft.com/office/drawing/2010/main">
+                <a:effectLst>
+                  <a:outerShdw dist="35921" dir="2700000" algn="ctr" rotWithShape="0">
+                    <a:schemeClr val="bg2"/>
+                  </a:outerShdw>
+                </a:effectLst>
+              </a14:hiddenEffects>
+            </a:ext>
+          </a:extLst>
+        </p:spPr>
+        <p:txBody>
+          <a:bodyPr vert="horz" wrap="none" lIns="91440" tIns="45720" rIns="91440" bIns="45720" numCol="1" anchor="ctr" anchorCtr="0" compatLnSpc="1">
+            <a:prstTxWarp prst="textNoShape">
+              <a:avLst/>
+            </a:prstTxWarp>
+            <a:spAutoFit/>
+          </a:bodyPr>
+          <a:lstStyle/>
+          <a:p>
+            <a:endParaRPr lang="en-US"/>
+          </a:p>
+        </p:txBody>
+      </p:sp>
+      <p:sp>
+        <p:nvSpPr>
+          <p:cNvPr id="3" name="Rectangle 7">
+            <a:extLst>
+              <a:ext uri="{FF2B5EF4-FFF2-40B4-BE49-F238E27FC236}">
+                <a16:creationId xmlns:a16="http://schemas.microsoft.com/office/drawing/2014/main" id="{C08042F5-96DB-4FE6-B699-C1DFAB71C0C5}"/>
+              </a:ext>
+            </a:extLst>
+          </p:cNvPr>
+          <p:cNvSpPr>
+            <a:spLocks noChangeArrowheads="1"/>
+          </p:cNvSpPr>
+          <p:nvPr/>
+        </p:nvSpPr>
+        <p:spPr bwMode="auto">
+          <a:xfrm>
+            <a:off x="0" y="1838325"/>
+            <a:ext cx="9144000" cy="0"/>
+          </a:xfrm>
+          <a:prstGeom prst="rect">
+            <a:avLst/>
+          </a:prstGeom>
+          <a:noFill/>
+          <a:ln>
+            <a:noFill/>
+          </a:ln>
+          <a:effectLst/>
+          <a:extLst>
+            <a:ext uri="{909E8E84-426E-40DD-AFC4-6F175D3DCCD1}">
+              <a14:hiddenFill xmlns:a14="http://schemas.microsoft.com/office/drawing/2010/main">
+                <a:solidFill>
+                  <a:schemeClr val="accent1"/>
+                </a:solidFill>
+              </a14:hiddenFill>
+            </a:ext>
+            <a:ext uri="{91240B29-F687-4F45-9708-019B960494DF}">
+              <a14:hiddenLine xmlns:a14="http://schemas.microsoft.com/office/drawing/2010/main" w="9525">
+                <a:solidFill>
+                  <a:schemeClr val="tx1"/>
+                </a:solidFill>
+                <a:miter lim="800000"/>
+                <a:headEnd/>
+                <a:tailEnd/>
+              </a14:hiddenLine>
+            </a:ext>
+            <a:ext uri="{AF507438-7753-43E0-B8FC-AC1667EBCBE1}">
+              <a14:hiddenEffects xmlns:a14="http://schemas.microsoft.com/office/drawing/2010/main">
+                <a:effectLst>
+                  <a:outerShdw dist="35921" dir="2700000" algn="ctr" rotWithShape="0">
+                    <a:schemeClr val="bg2"/>
+                  </a:outerShdw>
+                </a:effectLst>
+              </a14:hiddenEffects>
+            </a:ext>
+          </a:extLst>
+        </p:spPr>
+        <p:txBody>
+          <a:bodyPr vert="horz" wrap="none" lIns="91440" tIns="45720" rIns="91440" bIns="45720" numCol="1" anchor="ctr" anchorCtr="0" compatLnSpc="1">
+            <a:prstTxWarp prst="textNoShape">
+              <a:avLst/>
+            </a:prstTxWarp>
+            <a:spAutoFit/>
+          </a:bodyPr>
+          <a:lstStyle/>
+          <a:p>
+            <a:pPr marL="0" marR="0" lvl="0" indent="0" algn="l" defTabSz="914400" rtl="0" eaLnBrk="0" fontAlgn="base" latinLnBrk="0" hangingPunct="0">
+              <a:lnSpc>
+                <a:spcPct val="100000"/>
+              </a:lnSpc>
+              <a:spcBef>
+                <a:spcPct val="0"/>
+              </a:spcBef>
+              <a:spcAft>
+                <a:spcPct val="0"/>
+              </a:spcAft>
+              <a:buClrTx/>
+              <a:buSzTx/>
+              <a:buFontTx/>
+              <a:buNone/>
+              <a:tabLst/>
+            </a:pPr>
+            <a:r>
+              <a:rPr kumimoji="0" lang="it-IT" altLang="en-US" sz="1100" b="0" i="0" u="none" strike="noStrike" cap="none" normalizeH="0" baseline="0">
+                <a:ln>
+                  <a:noFill/>
+                </a:ln>
+                <a:solidFill>
+                  <a:schemeClr val="tx1"/>
+                </a:solidFill>
+                <a:effectLst/>
+                <a:latin typeface="Calibri" panose="020F0502020204030204" pitchFamily="34" charset="0"/>
+                <a:ea typeface="Times New Roman" panose="02020603050405020304" pitchFamily="18" charset="0"/>
+                <a:cs typeface="Times New Roman" panose="02020603050405020304" pitchFamily="18" charset="0"/>
+              </a:rPr>
+              <a:t> </a:t>
+            </a:r>
+            <a:endParaRPr kumimoji="0" lang="it-IT" altLang="en-US" sz="1800" b="0" i="0" u="none" strike="noStrike" cap="none" normalizeH="0" baseline="0">
+              <a:ln>
+                <a:noFill/>
+              </a:ln>
+              <a:solidFill>
+                <a:schemeClr val="tx1"/>
+              </a:solidFill>
+              <a:effectLst/>
+              <a:latin typeface="Arial" panose="020B0604020202020204" pitchFamily="34" charset="0"/>
+            </a:endParaRPr>
+          </a:p>
+        </p:txBody>
+      </p:sp>
+      <p:sp>
+        <p:nvSpPr>
+          <p:cNvPr id="4" name="Rectangle 8">
+            <a:extLst>
+              <a:ext uri="{FF2B5EF4-FFF2-40B4-BE49-F238E27FC236}">
+                <a16:creationId xmlns:a16="http://schemas.microsoft.com/office/drawing/2014/main" id="{E0CBE371-8058-4503-A250-42442AAE21EC}"/>
+              </a:ext>
+            </a:extLst>
+          </p:cNvPr>
+          <p:cNvSpPr>
+            <a:spLocks noChangeArrowheads="1"/>
+          </p:cNvSpPr>
+          <p:nvPr/>
+        </p:nvSpPr>
+        <p:spPr bwMode="auto">
+          <a:xfrm>
+            <a:off x="0" y="3219450"/>
+            <a:ext cx="9144000" cy="0"/>
+          </a:xfrm>
+          <a:prstGeom prst="rect">
+            <a:avLst/>
+          </a:prstGeom>
+          <a:noFill/>
+          <a:ln>
+            <a:noFill/>
+          </a:ln>
+          <a:effectLst/>
+          <a:extLst>
+            <a:ext uri="{909E8E84-426E-40DD-AFC4-6F175D3DCCD1}">
+              <a14:hiddenFill xmlns:a14="http://schemas.microsoft.com/office/drawing/2010/main">
+                <a:solidFill>
+                  <a:schemeClr val="accent1"/>
+                </a:solidFill>
+              </a14:hiddenFill>
+            </a:ext>
+            <a:ext uri="{91240B29-F687-4F45-9708-019B960494DF}">
+              <a14:hiddenLine xmlns:a14="http://schemas.microsoft.com/office/drawing/2010/main" w="9525">
+                <a:solidFill>
+                  <a:schemeClr val="tx1"/>
+                </a:solidFill>
+                <a:miter lim="800000"/>
+                <a:headEnd/>
+                <a:tailEnd/>
+              </a14:hiddenLine>
+            </a:ext>
+            <a:ext uri="{AF507438-7753-43E0-B8FC-AC1667EBCBE1}">
+              <a14:hiddenEffects xmlns:a14="http://schemas.microsoft.com/office/drawing/2010/main">
+                <a:effectLst>
+                  <a:outerShdw dist="35921" dir="2700000" algn="ctr" rotWithShape="0">
+                    <a:schemeClr val="bg2"/>
+                  </a:outerShdw>
+                </a:effectLst>
+              </a14:hiddenEffects>
+            </a:ext>
+          </a:extLst>
+        </p:spPr>
+        <p:txBody>
+          <a:bodyPr vert="horz" wrap="none" lIns="91440" tIns="45720" rIns="91440" bIns="45720" numCol="1" anchor="ctr" anchorCtr="0" compatLnSpc="1">
+            <a:prstTxWarp prst="textNoShape">
+              <a:avLst/>
+            </a:prstTxWarp>
+            <a:spAutoFit/>
+          </a:bodyPr>
+          <a:lstStyle/>
+          <a:p>
+            <a:pPr marL="0" marR="0" lvl="0" indent="0" algn="l" defTabSz="914400" rtl="0" eaLnBrk="0" fontAlgn="base" latinLnBrk="0" hangingPunct="0">
+              <a:lnSpc>
+                <a:spcPct val="100000"/>
+              </a:lnSpc>
+              <a:spcBef>
+                <a:spcPct val="0"/>
+              </a:spcBef>
+              <a:spcAft>
+                <a:spcPct val="0"/>
+              </a:spcAft>
+              <a:buClrTx/>
+              <a:buSzTx/>
+              <a:buFontTx/>
+              <a:buNone/>
+              <a:tabLst/>
+            </a:pPr>
+            <a:r>
+              <a:rPr kumimoji="0" lang="it-IT" altLang="en-US" sz="1100" b="0" i="0" u="none" strike="noStrike" cap="none" normalizeH="0" baseline="0">
+                <a:ln>
+                  <a:noFill/>
+                </a:ln>
+                <a:solidFill>
+                  <a:schemeClr val="tx1"/>
+                </a:solidFill>
+                <a:effectLst/>
+                <a:latin typeface="Calibri" panose="020F0502020204030204" pitchFamily="34" charset="0"/>
+                <a:ea typeface="Times New Roman" panose="02020603050405020304" pitchFamily="18" charset="0"/>
+                <a:cs typeface="Times New Roman" panose="02020603050405020304" pitchFamily="18" charset="0"/>
+              </a:rPr>
+              <a:t> </a:t>
+            </a:r>
+            <a:endParaRPr kumimoji="0" lang="it-IT" altLang="en-US" sz="1800" b="0" i="0" u="none" strike="noStrike" cap="none" normalizeH="0" baseline="0">
+              <a:ln>
+                <a:noFill/>
+              </a:ln>
+              <a:solidFill>
+                <a:schemeClr val="tx1"/>
+              </a:solidFill>
+              <a:effectLst/>
+              <a:latin typeface="Arial" panose="020B0604020202020204" pitchFamily="34" charset="0"/>
+            </a:endParaRPr>
+          </a:p>
+        </p:txBody>
+      </p:sp>
+      <p:sp>
+        <p:nvSpPr>
+          <p:cNvPr id="10" name="Rectangle 9">
+            <a:extLst>
+              <a:ext uri="{FF2B5EF4-FFF2-40B4-BE49-F238E27FC236}">
+                <a16:creationId xmlns:a16="http://schemas.microsoft.com/office/drawing/2014/main" id="{99468FB6-6461-4A91-9E0B-2B3FC25F715E}"/>
+              </a:ext>
+            </a:extLst>
+          </p:cNvPr>
+          <p:cNvSpPr>
+            <a:spLocks noChangeArrowheads="1"/>
+          </p:cNvSpPr>
+          <p:nvPr/>
+        </p:nvSpPr>
+        <p:spPr bwMode="auto">
+          <a:xfrm>
+            <a:off x="0" y="4600575"/>
+            <a:ext cx="9144000" cy="0"/>
+          </a:xfrm>
+          <a:prstGeom prst="rect">
+            <a:avLst/>
+          </a:prstGeom>
+          <a:noFill/>
+          <a:ln>
+            <a:noFill/>
+          </a:ln>
+          <a:effectLst/>
+          <a:extLst>
+            <a:ext uri="{909E8E84-426E-40DD-AFC4-6F175D3DCCD1}">
+              <a14:hiddenFill xmlns:a14="http://schemas.microsoft.com/office/drawing/2010/main">
+                <a:solidFill>
+                  <a:schemeClr val="accent1"/>
+                </a:solidFill>
+              </a14:hiddenFill>
+            </a:ext>
+            <a:ext uri="{91240B29-F687-4F45-9708-019B960494DF}">
+              <a14:hiddenLine xmlns:a14="http://schemas.microsoft.com/office/drawing/2010/main" w="9525">
+                <a:solidFill>
+                  <a:schemeClr val="tx1"/>
+                </a:solidFill>
+                <a:miter lim="800000"/>
+                <a:headEnd/>
+                <a:tailEnd/>
+              </a14:hiddenLine>
+            </a:ext>
+            <a:ext uri="{AF507438-7753-43E0-B8FC-AC1667EBCBE1}">
+              <a14:hiddenEffects xmlns:a14="http://schemas.microsoft.com/office/drawing/2010/main">
+                <a:effectLst>
+                  <a:outerShdw dist="35921" dir="2700000" algn="ctr" rotWithShape="0">
+                    <a:schemeClr val="bg2"/>
+                  </a:outerShdw>
+                </a:effectLst>
+              </a14:hiddenEffects>
+            </a:ext>
+          </a:extLst>
+        </p:spPr>
+        <p:txBody>
+          <a:bodyPr vert="horz" wrap="none" lIns="91440" tIns="45720" rIns="91440" bIns="45720" numCol="1" anchor="ctr" anchorCtr="0" compatLnSpc="1">
+            <a:prstTxWarp prst="textNoShape">
+              <a:avLst/>
+            </a:prstTxWarp>
+            <a:spAutoFit/>
+          </a:bodyPr>
+          <a:lstStyle/>
+          <a:p>
+            <a:pPr marL="0" marR="0" lvl="0" indent="0" algn="l" defTabSz="914400" rtl="0" eaLnBrk="0" fontAlgn="base" latinLnBrk="0" hangingPunct="0">
+              <a:lnSpc>
+                <a:spcPct val="100000"/>
+              </a:lnSpc>
+              <a:spcBef>
+                <a:spcPct val="0"/>
+              </a:spcBef>
+              <a:spcAft>
+                <a:spcPct val="0"/>
+              </a:spcAft>
+              <a:buClrTx/>
+              <a:buSzTx/>
+              <a:buFontTx/>
+              <a:buNone/>
+              <a:tabLst/>
+            </a:pPr>
+            <a:r>
+              <a:rPr kumimoji="0" lang="it-IT" altLang="en-US" sz="1100" b="0" i="0" u="none" strike="noStrike" cap="none" normalizeH="0" baseline="0">
+                <a:ln>
+                  <a:noFill/>
+                </a:ln>
+                <a:solidFill>
+                  <a:schemeClr val="tx1"/>
+                </a:solidFill>
+                <a:effectLst/>
+                <a:latin typeface="Calibri" panose="020F0502020204030204" pitchFamily="34" charset="0"/>
+                <a:ea typeface="Times New Roman" panose="02020603050405020304" pitchFamily="18" charset="0"/>
+                <a:cs typeface="Times New Roman" panose="02020603050405020304" pitchFamily="18" charset="0"/>
+              </a:rPr>
+              <a:t> </a:t>
+            </a:r>
+            <a:endParaRPr kumimoji="0" lang="it-IT" altLang="en-US" sz="1800" b="0" i="0" u="none" strike="noStrike" cap="none" normalizeH="0" baseline="0">
+              <a:ln>
+                <a:noFill/>
+              </a:ln>
+              <a:solidFill>
+                <a:schemeClr val="tx1"/>
+              </a:solidFill>
+              <a:effectLst/>
+              <a:latin typeface="Arial" panose="020B0604020202020204" pitchFamily="34" charset="0"/>
+            </a:endParaRPr>
+          </a:p>
+        </p:txBody>
+      </p:sp>
+      <p:sp>
+        <p:nvSpPr>
+          <p:cNvPr id="11" name="Rectangle 10">
+            <a:extLst>
+              <a:ext uri="{FF2B5EF4-FFF2-40B4-BE49-F238E27FC236}">
+                <a16:creationId xmlns:a16="http://schemas.microsoft.com/office/drawing/2014/main" id="{E4D9815E-FC57-48D4-9710-C34FDAE236EF}"/>
+              </a:ext>
+            </a:extLst>
+          </p:cNvPr>
+          <p:cNvSpPr>
+            <a:spLocks noChangeArrowheads="1"/>
+          </p:cNvSpPr>
+          <p:nvPr/>
+        </p:nvSpPr>
+        <p:spPr bwMode="auto">
+          <a:xfrm>
+            <a:off x="0" y="6000750"/>
+            <a:ext cx="9144000" cy="0"/>
+          </a:xfrm>
+          <a:prstGeom prst="rect">
+            <a:avLst/>
+          </a:prstGeom>
+          <a:noFill/>
+          <a:ln>
+            <a:noFill/>
+          </a:ln>
+          <a:effectLst/>
+          <a:extLst>
+            <a:ext uri="{909E8E84-426E-40DD-AFC4-6F175D3DCCD1}">
+              <a14:hiddenFill xmlns:a14="http://schemas.microsoft.com/office/drawing/2010/main">
+                <a:solidFill>
+                  <a:schemeClr val="accent1"/>
+                </a:solidFill>
+              </a14:hiddenFill>
+            </a:ext>
+            <a:ext uri="{91240B29-F687-4F45-9708-019B960494DF}">
+              <a14:hiddenLine xmlns:a14="http://schemas.microsoft.com/office/drawing/2010/main" w="9525">
+                <a:solidFill>
+                  <a:schemeClr val="tx1"/>
+                </a:solidFill>
+                <a:miter lim="800000"/>
+                <a:headEnd/>
+                <a:tailEnd/>
+              </a14:hiddenLine>
+            </a:ext>
+            <a:ext uri="{AF507438-7753-43E0-B8FC-AC1667EBCBE1}">
+              <a14:hiddenEffects xmlns:a14="http://schemas.microsoft.com/office/drawing/2010/main">
+                <a:effectLst>
+                  <a:outerShdw dist="35921" dir="2700000" algn="ctr" rotWithShape="0">
+                    <a:schemeClr val="bg2"/>
+                  </a:outerShdw>
+                </a:effectLst>
+              </a14:hiddenEffects>
+            </a:ext>
+          </a:extLst>
+        </p:spPr>
+        <p:txBody>
+          <a:bodyPr vert="horz" wrap="none" lIns="91440" tIns="45720" rIns="91440" bIns="45720" numCol="1" anchor="ctr" anchorCtr="0" compatLnSpc="1">
+            <a:prstTxWarp prst="textNoShape">
+              <a:avLst/>
+            </a:prstTxWarp>
+            <a:spAutoFit/>
+          </a:bodyPr>
+          <a:lstStyle/>
+          <a:p>
+            <a:pPr marL="0" marR="0" lvl="0" indent="0" algn="l" defTabSz="914400" rtl="0" eaLnBrk="0" fontAlgn="base" latinLnBrk="0" hangingPunct="0">
+              <a:lnSpc>
+                <a:spcPct val="100000"/>
+              </a:lnSpc>
+              <a:spcBef>
+                <a:spcPct val="0"/>
+              </a:spcBef>
+              <a:spcAft>
+                <a:spcPct val="0"/>
+              </a:spcAft>
+              <a:buClrTx/>
+              <a:buSzTx/>
+              <a:buFontTx/>
+              <a:buNone/>
+              <a:tabLst/>
+            </a:pPr>
+            <a:r>
+              <a:rPr kumimoji="0" lang="it-IT" altLang="en-US" sz="1100" b="0" i="0" u="none" strike="noStrike" cap="none" normalizeH="0" baseline="0">
+                <a:ln>
+                  <a:noFill/>
+                </a:ln>
+                <a:solidFill>
+                  <a:schemeClr val="tx1"/>
+                </a:solidFill>
+                <a:effectLst/>
+                <a:latin typeface="Calibri" panose="020F0502020204030204" pitchFamily="34" charset="0"/>
+                <a:ea typeface="Times New Roman" panose="02020603050405020304" pitchFamily="18" charset="0"/>
+                <a:cs typeface="Times New Roman" panose="02020603050405020304" pitchFamily="18" charset="0"/>
+              </a:rPr>
+              <a:t> </a:t>
+            </a:r>
+            <a:endParaRPr kumimoji="0" lang="it-IT" altLang="en-US" sz="1800" b="0" i="0" u="none" strike="noStrike" cap="none" normalizeH="0" baseline="0">
+              <a:ln>
+                <a:noFill/>
+              </a:ln>
+              <a:solidFill>
+                <a:schemeClr val="tx1"/>
+              </a:solidFill>
+              <a:effectLst/>
+              <a:latin typeface="Arial" panose="020B0604020202020204" pitchFamily="34" charset="0"/>
+            </a:endParaRPr>
+          </a:p>
+        </p:txBody>
+      </p:sp>
+    </p:spTree>
+    <p:extLst>
+      <p:ext uri="{BB962C8B-B14F-4D97-AF65-F5344CB8AC3E}">
+        <p14:creationId xmlns:p14="http://schemas.microsoft.com/office/powerpoint/2010/main" val="1180049712"/>
+      </p:ext>
+    </p:extLst>
+  </p:cSld>
+  <p:clrMapOvr>
+    <a:masterClrMapping/>
+  </p:clrMapOvr>
+</p:sld>
+</file>
+
 <file path=ppt/slides/slide4.xml><?xml version="1.0" encoding="utf-8"?>
 <p:sld xmlns:a="http://schemas.openxmlformats.org/drawingml/2006/main" xmlns:r="http://schemas.openxmlformats.org/officeDocument/2006/relationships" xmlns:p="http://schemas.openxmlformats.org/presentationml/2006/main">
   <p:cSld>

--- a/relazione.pptx
+++ b/relazione.pptx
@@ -35,7 +35,12 @@
     <p:sldId id="286" r:id="rId29"/>
     <p:sldId id="287" r:id="rId30"/>
     <p:sldId id="278" r:id="rId31"/>
-    <p:sldId id="288" r:id="rId32"/>
+    <p:sldId id="290" r:id="rId32"/>
+    <p:sldId id="288" r:id="rId33"/>
+    <p:sldId id="291" r:id="rId34"/>
+    <p:sldId id="292" r:id="rId35"/>
+    <p:sldId id="289" r:id="rId36"/>
+    <p:sldId id="293" r:id="rId37"/>
   </p:sldIdLst>
   <p:sldSz cx="9144000" cy="6858000" type="screen4x3"/>
   <p:notesSz cx="6858000" cy="9144000"/>
@@ -337,7 +342,7 @@
             <a:fld id="{657198A3-6BD0-1345-BB48-4E51D4346A8E}" type="datetimeFigureOut">
               <a:rPr lang="it-IT" smtClean="0"/>
               <a:pPr/>
-              <a:t>14/01/2018</a:t>
+              <a:t>15/01/2018</a:t>
             </a:fld>
             <a:endParaRPr lang="it-IT" dirty="0"/>
           </a:p>
@@ -502,7 +507,7 @@
             <a:fld id="{657198A3-6BD0-1345-BB48-4E51D4346A8E}" type="datetimeFigureOut">
               <a:rPr lang="it-IT" smtClean="0"/>
               <a:pPr/>
-              <a:t>14/01/2018</a:t>
+              <a:t>15/01/2018</a:t>
             </a:fld>
             <a:endParaRPr lang="it-IT" dirty="0"/>
           </a:p>
@@ -677,7 +682,7 @@
             <a:fld id="{657198A3-6BD0-1345-BB48-4E51D4346A8E}" type="datetimeFigureOut">
               <a:rPr lang="it-IT" smtClean="0"/>
               <a:pPr/>
-              <a:t>14/01/2018</a:t>
+              <a:t>15/01/2018</a:t>
             </a:fld>
             <a:endParaRPr lang="it-IT" dirty="0"/>
           </a:p>
@@ -852,7 +857,7 @@
             <a:fld id="{657198A3-6BD0-1345-BB48-4E51D4346A8E}" type="datetimeFigureOut">
               <a:rPr lang="it-IT" smtClean="0"/>
               <a:pPr/>
-              <a:t>14/01/2018</a:t>
+              <a:t>15/01/2018</a:t>
             </a:fld>
             <a:endParaRPr lang="it-IT" dirty="0"/>
           </a:p>
@@ -1094,7 +1099,7 @@
             <a:fld id="{657198A3-6BD0-1345-BB48-4E51D4346A8E}" type="datetimeFigureOut">
               <a:rPr lang="it-IT" smtClean="0"/>
               <a:pPr/>
-              <a:t>14/01/2018</a:t>
+              <a:t>15/01/2018</a:t>
             </a:fld>
             <a:endParaRPr lang="it-IT" dirty="0"/>
           </a:p>
@@ -1376,7 +1381,7 @@
             <a:fld id="{657198A3-6BD0-1345-BB48-4E51D4346A8E}" type="datetimeFigureOut">
               <a:rPr lang="it-IT" smtClean="0"/>
               <a:pPr/>
-              <a:t>14/01/2018</a:t>
+              <a:t>15/01/2018</a:t>
             </a:fld>
             <a:endParaRPr lang="it-IT" dirty="0"/>
           </a:p>
@@ -1792,7 +1797,7 @@
             <a:fld id="{657198A3-6BD0-1345-BB48-4E51D4346A8E}" type="datetimeFigureOut">
               <a:rPr lang="it-IT" smtClean="0"/>
               <a:pPr/>
-              <a:t>14/01/2018</a:t>
+              <a:t>15/01/2018</a:t>
             </a:fld>
             <a:endParaRPr lang="it-IT" dirty="0"/>
           </a:p>
@@ -1906,7 +1911,7 @@
             <a:fld id="{657198A3-6BD0-1345-BB48-4E51D4346A8E}" type="datetimeFigureOut">
               <a:rPr lang="it-IT" smtClean="0"/>
               <a:pPr/>
-              <a:t>14/01/2018</a:t>
+              <a:t>15/01/2018</a:t>
             </a:fld>
             <a:endParaRPr lang="it-IT" dirty="0"/>
           </a:p>
@@ -1998,7 +2003,7 @@
             <a:fld id="{657198A3-6BD0-1345-BB48-4E51D4346A8E}" type="datetimeFigureOut">
               <a:rPr lang="it-IT" smtClean="0"/>
               <a:pPr/>
-              <a:t>14/01/2018</a:t>
+              <a:t>15/01/2018</a:t>
             </a:fld>
             <a:endParaRPr lang="it-IT" dirty="0"/>
           </a:p>
@@ -2270,7 +2275,7 @@
             <a:fld id="{657198A3-6BD0-1345-BB48-4E51D4346A8E}" type="datetimeFigureOut">
               <a:rPr lang="it-IT" smtClean="0"/>
               <a:pPr/>
-              <a:t>14/01/2018</a:t>
+              <a:t>15/01/2018</a:t>
             </a:fld>
             <a:endParaRPr lang="it-IT" dirty="0"/>
           </a:p>
@@ -2522,7 +2527,7 @@
             <a:fld id="{657198A3-6BD0-1345-BB48-4E51D4346A8E}" type="datetimeFigureOut">
               <a:rPr lang="it-IT" smtClean="0"/>
               <a:pPr/>
-              <a:t>14/01/2018</a:t>
+              <a:t>15/01/2018</a:t>
             </a:fld>
             <a:endParaRPr lang="it-IT" dirty="0"/>
           </a:p>
@@ -2730,7 +2735,7 @@
             <a:fld id="{657198A3-6BD0-1345-BB48-4E51D4346A8E}" type="datetimeFigureOut">
               <a:rPr lang="it-IT" smtClean="0"/>
               <a:pPr/>
-              <a:t>14/01/2018</a:t>
+              <a:t>15/01/2018</a:t>
             </a:fld>
             <a:endParaRPr lang="it-IT" dirty="0"/>
           </a:p>
@@ -4741,12 +4746,8 @@
           <a:p>
             <a:pPr algn="just"/>
             <a:r>
-              <a:rPr lang="it-IT" dirty="0" smtClean="0"/>
-              <a:t>Una </a:t>
-            </a:r>
-            <a:r>
               <a:rPr lang="it-IT" dirty="0"/>
-              <a:t>scelta significativa nell’ambito di questa analisi è stata la suddivisione degli esami in vari gruppi.</a:t>
+              <a:t>Una scelta significativa nell’ambito di questa analisi è stata la suddivisione degli esami in vari gruppi.</a:t>
             </a:r>
           </a:p>
           <a:p>
@@ -6786,10 +6787,9 @@
           <a:lstStyle/>
           <a:p>
             <a:r>
-              <a:rPr lang="it-IT" dirty="0" smtClean="0"/>
+              <a:rPr lang="it-IT" dirty="0"/>
               <a:t>Deviazione Standard</a:t>
             </a:r>
-            <a:endParaRPr lang="it-IT" dirty="0"/>
           </a:p>
         </p:txBody>
       </p:sp>
@@ -8190,13 +8190,6 @@
                 <a:cs typeface="Courier New" panose="02070309020205020404" pitchFamily="49" charset="0"/>
               </a:rPr>
               <a:t>immatricolati coorte 2013 - produttività fino ad aprile 2017</a:t>
-            </a:r>
-            <a:r>
-              <a:rPr lang="it-IT" dirty="0">
-                <a:latin typeface="Courier New" panose="02070309020205020404" pitchFamily="49" charset="0"/>
-                <a:cs typeface="Courier New" panose="02070309020205020404" pitchFamily="49" charset="0"/>
-              </a:rPr>
-              <a:t/>
             </a:r>
             <a:br>
               <a:rPr lang="it-IT" dirty="0">
@@ -10351,10 +10344,9 @@
           <a:lstStyle/>
           <a:p>
             <a:r>
-              <a:rPr lang="it-IT" dirty="0" smtClean="0"/>
+              <a:rPr lang="it-IT" dirty="0"/>
               <a:t>Deviazione Standard</a:t>
             </a:r>
-            <a:endParaRPr lang="it-IT" dirty="0"/>
           </a:p>
         </p:txBody>
       </p:sp>
@@ -10694,7 +10686,7 @@
           <a:lstStyle/>
           <a:p>
             <a:r>
-              <a:rPr lang="it-IT" dirty="0" smtClean="0"/>
+              <a:rPr lang="it-IT" dirty="0"/>
               <a:t>Due aspetti interessanti: una fascia di studenti con correlazione nulla ed una «casella» di forti correlazioni all’incirca nel centro della matrice.</a:t>
             </a:r>
           </a:p>
@@ -10703,22 +10695,13 @@
           </a:p>
           <a:p>
             <a:r>
-              <a:rPr lang="it-IT" dirty="0" smtClean="0"/>
-              <a:t>Dei </a:t>
-            </a:r>
-            <a:r>
-              <a:rPr lang="it-IT" dirty="0" smtClean="0"/>
-              <a:t>due, il primo è sicuramente il più inusuale. </a:t>
-            </a:r>
-            <a:r>
-              <a:rPr lang="it-IT" dirty="0" smtClean="0"/>
-              <a:t>Quale aspetto reale può generare una osservazione come questa?</a:t>
-            </a:r>
-            <a:endParaRPr lang="it-IT" dirty="0"/>
-          </a:p>
-          <a:p>
-            <a:r>
-              <a:rPr lang="it-IT" dirty="0" smtClean="0"/>
+              <a:rPr lang="it-IT" dirty="0"/>
+              <a:t>Dei due, il primo è sicuramente il più inusuale. Quale aspetto reale può generare una osservazione come questa?</a:t>
+            </a:r>
+          </a:p>
+          <a:p>
+            <a:r>
+              <a:rPr lang="it-IT" dirty="0"/>
               <a:t> </a:t>
             </a:r>
             <a:endParaRPr lang="en-US" dirty="0"/>
@@ -10875,7 +10858,7 @@
           <a:lstStyle/>
           <a:p>
             <a:r>
-              <a:rPr lang="it-IT" dirty="0" smtClean="0"/>
+              <a:rPr lang="it-IT" dirty="0"/>
               <a:t>Si possono notare le stesse caratteristiche evidenziate per quanto riguarda gli esami a tema principalmente informatico. </a:t>
             </a:r>
           </a:p>
@@ -10884,7 +10867,7 @@
           </a:p>
           <a:p>
             <a:r>
-              <a:rPr lang="it-IT" dirty="0" smtClean="0"/>
+              <a:rPr lang="it-IT" dirty="0"/>
               <a:t>In questo caso, il ruolo del «cattivo» non lo interpreta più Informatica Teorica ma è condiviso da Fisica Generale e Calcolo Numerico.</a:t>
             </a:r>
           </a:p>
@@ -10893,10 +10876,9 @@
           </a:p>
           <a:p>
             <a:r>
-              <a:rPr lang="it-IT" sz="1600" dirty="0" smtClean="0"/>
+              <a:rPr lang="it-IT" sz="1600" dirty="0"/>
               <a:t>N.B. – Calcolo Numerico tratta argomenti che trascendono i confini fra l’informatica e la matematica: è saggio inserirlo in questo gruppo?</a:t>
             </a:r>
-            <a:endParaRPr lang="it-IT" sz="1600" dirty="0"/>
           </a:p>
         </p:txBody>
       </p:sp>
@@ -10923,10 +10905,9 @@
           <a:lstStyle/>
           <a:p>
             <a:r>
-              <a:rPr lang="it-IT" dirty="0" smtClean="0"/>
+              <a:rPr lang="it-IT" dirty="0"/>
               <a:t>Deviazione Standard</a:t>
             </a:r>
-            <a:endParaRPr lang="it-IT" dirty="0"/>
           </a:p>
         </p:txBody>
       </p:sp>
@@ -12865,47 +12846,35 @@
             </a:r>
             <a:r>
               <a:rPr lang="it-IT" dirty="0"/>
-              <a:t>, si è in grado di rispondere alla domanda fondamentale di questo intero progetto</a:t>
-            </a:r>
-            <a:r>
-              <a:rPr lang="it-IT" dirty="0" smtClean="0"/>
-              <a:t>:</a:t>
+              <a:t>, si è in grado di rispondere alla domanda fondamentale di questo intero progetto:</a:t>
             </a:r>
           </a:p>
           <a:p>
             <a:pPr marL="0" indent="0" algn="just">
               <a:buNone/>
             </a:pPr>
-            <a:endParaRPr lang="it-IT" dirty="0" smtClean="0"/>
+            <a:endParaRPr lang="it-IT" dirty="0"/>
           </a:p>
           <a:p>
             <a:pPr algn="just"/>
             <a:r>
-              <a:rPr lang="it-IT" dirty="0" smtClean="0">
+              <a:rPr lang="it-IT" dirty="0">
                 <a:solidFill>
                   <a:srgbClr val="FF0000"/>
                 </a:solidFill>
               </a:rPr>
-              <a:t>Quale </a:t>
+              <a:t>Quale aspetto del dataset vale la pena analizzare con le tecniche di </a:t>
+            </a:r>
+            <a:r>
+              <a:rPr lang="it-IT" dirty="0" err="1">
+                <a:solidFill>
+                  <a:srgbClr val="FF0000"/>
+                </a:solidFill>
+              </a:rPr>
+              <a:t>clustering</a:t>
             </a:r>
             <a:r>
               <a:rPr lang="it-IT" dirty="0">
-                <a:solidFill>
-                  <a:srgbClr val="FF0000"/>
-                </a:solidFill>
-              </a:rPr>
-              <a:t>aspetto del dataset vale la pena analizzare con le tecniche di </a:t>
-            </a:r>
-            <a:r>
-              <a:rPr lang="it-IT" dirty="0" err="1">
-                <a:solidFill>
-                  <a:srgbClr val="FF0000"/>
-                </a:solidFill>
-              </a:rPr>
-              <a:t>clustering</a:t>
-            </a:r>
-            <a:r>
-              <a:rPr lang="it-IT" dirty="0" smtClean="0">
                 <a:solidFill>
                   <a:srgbClr val="FF0000"/>
                 </a:solidFill>
@@ -12917,7 +12886,7 @@
             <a:pPr marL="0" indent="0" algn="just">
               <a:buNone/>
             </a:pPr>
-            <a:endParaRPr lang="it-IT" dirty="0" smtClean="0">
+            <a:endParaRPr lang="it-IT" dirty="0">
               <a:solidFill>
                 <a:srgbClr val="FF0000"/>
               </a:solidFill>
@@ -12928,7 +12897,7 @@
               <a:buNone/>
             </a:pPr>
             <a:r>
-              <a:rPr lang="it-IT" dirty="0" smtClean="0"/>
+              <a:rPr lang="it-IT" dirty="0"/>
               <a:t>Fra quelli esaminati con le tecniche di visualizzazione, è stato scelto non considerare la suddivisione degli esami riguardo all’argomento, ma di concentrarsi su:</a:t>
             </a:r>
           </a:p>
@@ -12936,11 +12905,11 @@
             <a:pPr marL="0" indent="0" algn="just">
               <a:buNone/>
             </a:pPr>
-            <a:endParaRPr lang="it-IT" dirty="0" smtClean="0"/>
-          </a:p>
-          <a:p>
-            <a:r>
-              <a:rPr lang="it-IT" dirty="0" smtClean="0">
+            <a:endParaRPr lang="it-IT" dirty="0"/>
+          </a:p>
+          <a:p>
+            <a:r>
+              <a:rPr lang="it-IT" dirty="0">
                 <a:solidFill>
                   <a:srgbClr val="00B050"/>
                 </a:solidFill>
@@ -12950,7 +12919,7 @@
           </a:p>
           <a:p>
             <a:r>
-              <a:rPr lang="it-IT" dirty="0" smtClean="0">
+              <a:rPr lang="it-IT" dirty="0">
                 <a:solidFill>
                   <a:srgbClr val="00B050"/>
                 </a:solidFill>
@@ -12960,14 +12929,38 @@
           </a:p>
           <a:p>
             <a:r>
-              <a:rPr lang="it-IT" dirty="0" smtClean="0">
+              <a:rPr lang="it-IT" dirty="0">
                 <a:solidFill>
                   <a:srgbClr val="00B050"/>
                 </a:solidFill>
               </a:rPr>
-              <a:t>Totalità degli esami con voto</a:t>
-            </a:r>
-            <a:endParaRPr lang="it-IT" dirty="0" smtClean="0">
+              <a:t>Totalità degli esami con voto </a:t>
+            </a:r>
+            <a:r>
+              <a:rPr lang="it-IT" sz="1900" dirty="0">
+                <a:solidFill>
+                  <a:srgbClr val="00B050"/>
+                </a:solidFill>
+              </a:rPr>
+              <a:t>(è un </a:t>
+            </a:r>
+            <a:r>
+              <a:rPr lang="it-IT" sz="1900" dirty="0" err="1">
+                <a:solidFill>
+                  <a:srgbClr val="00B050"/>
+                </a:solidFill>
+              </a:rPr>
+              <a:t>superset</a:t>
+            </a:r>
+            <a:r>
+              <a:rPr lang="it-IT" sz="1900" dirty="0">
+                <a:solidFill>
+                  <a:srgbClr val="00B050"/>
+                </a:solidFill>
+              </a:rPr>
+              <a:t> del precedente)</a:t>
+            </a:r>
+            <a:endParaRPr lang="it-IT" dirty="0">
               <a:solidFill>
                 <a:srgbClr val="00B050"/>
               </a:solidFill>
@@ -13781,6 +13774,1143 @@
 </file>
 
 <file path=ppt/slides/slide31.xml><?xml version="1.0" encoding="utf-8"?>
+<p:sld xmlns:a="http://schemas.openxmlformats.org/drawingml/2006/main" xmlns:r="http://schemas.openxmlformats.org/officeDocument/2006/relationships" xmlns:p="http://schemas.openxmlformats.org/presentationml/2006/main">
+  <p:cSld>
+    <p:spTree>
+      <p:nvGrpSpPr>
+        <p:cNvPr id="1" name=""/>
+        <p:cNvGrpSpPr/>
+        <p:nvPr/>
+      </p:nvGrpSpPr>
+      <p:grpSpPr>
+        <a:xfrm>
+          <a:off x="0" y="0"/>
+          <a:ext cx="0" cy="0"/>
+          <a:chOff x="0" y="0"/>
+          <a:chExt cx="0" cy="0"/>
+        </a:xfrm>
+      </p:grpSpPr>
+      <p:sp>
+        <p:nvSpPr>
+          <p:cNvPr id="9" name="Segnaposto contenuto 2">
+            <a:extLst>
+              <a:ext uri="{FF2B5EF4-FFF2-40B4-BE49-F238E27FC236}">
+                <a16:creationId xmlns:a16="http://schemas.microsoft.com/office/drawing/2014/main" id="{89886170-B615-43F8-AA8E-D5565391C42A}"/>
+              </a:ext>
+            </a:extLst>
+          </p:cNvPr>
+          <p:cNvSpPr txBox="1">
+            <a:spLocks/>
+          </p:cNvSpPr>
+          <p:nvPr/>
+        </p:nvSpPr>
+        <p:spPr>
+          <a:xfrm>
+            <a:off x="457200" y="5029199"/>
+            <a:ext cx="8229600" cy="1074753"/>
+          </a:xfrm>
+          <a:prstGeom prst="rect">
+            <a:avLst/>
+          </a:prstGeom>
+        </p:spPr>
+        <p:txBody>
+          <a:bodyPr vert="horz" lIns="91440" tIns="45720" rIns="91440" bIns="45720" rtlCol="0">
+            <a:normAutofit/>
+          </a:bodyPr>
+          <a:lstStyle>
+            <a:lvl1pPr marL="257175" indent="-257175" algn="l" defTabSz="342900" rtl="0" eaLnBrk="1" latinLnBrk="0" hangingPunct="1">
+              <a:spcBef>
+                <a:spcPct val="20000"/>
+              </a:spcBef>
+              <a:buFont typeface="Arial"/>
+              <a:buChar char="•"/>
+              <a:defRPr sz="2400" kern="1200">
+                <a:solidFill>
+                  <a:schemeClr val="tx1"/>
+                </a:solidFill>
+                <a:latin typeface="+mn-lt"/>
+                <a:ea typeface="+mn-ea"/>
+                <a:cs typeface="+mn-cs"/>
+              </a:defRPr>
+            </a:lvl1pPr>
+            <a:lvl2pPr marL="557213" indent="-214313" algn="l" defTabSz="342900" rtl="0" eaLnBrk="1" latinLnBrk="0" hangingPunct="1">
+              <a:spcBef>
+                <a:spcPct val="20000"/>
+              </a:spcBef>
+              <a:buFont typeface="Arial"/>
+              <a:buChar char="–"/>
+              <a:defRPr sz="2100" kern="1200">
+                <a:solidFill>
+                  <a:schemeClr val="tx1"/>
+                </a:solidFill>
+                <a:latin typeface="+mn-lt"/>
+                <a:ea typeface="+mn-ea"/>
+                <a:cs typeface="+mn-cs"/>
+              </a:defRPr>
+            </a:lvl2pPr>
+            <a:lvl3pPr marL="857250" indent="-171450" algn="l" defTabSz="342900" rtl="0" eaLnBrk="1" latinLnBrk="0" hangingPunct="1">
+              <a:spcBef>
+                <a:spcPct val="20000"/>
+              </a:spcBef>
+              <a:buFont typeface="Arial"/>
+              <a:buChar char="•"/>
+              <a:defRPr sz="1800" kern="1200">
+                <a:solidFill>
+                  <a:schemeClr val="tx1"/>
+                </a:solidFill>
+                <a:latin typeface="+mn-lt"/>
+                <a:ea typeface="+mn-ea"/>
+                <a:cs typeface="+mn-cs"/>
+              </a:defRPr>
+            </a:lvl3pPr>
+            <a:lvl4pPr marL="1200150" indent="-171450" algn="l" defTabSz="342900" rtl="0" eaLnBrk="1" latinLnBrk="0" hangingPunct="1">
+              <a:spcBef>
+                <a:spcPct val="20000"/>
+              </a:spcBef>
+              <a:buFont typeface="Arial"/>
+              <a:buChar char="–"/>
+              <a:defRPr sz="1500" kern="1200">
+                <a:solidFill>
+                  <a:schemeClr val="tx1"/>
+                </a:solidFill>
+                <a:latin typeface="+mn-lt"/>
+                <a:ea typeface="+mn-ea"/>
+                <a:cs typeface="+mn-cs"/>
+              </a:defRPr>
+            </a:lvl4pPr>
+            <a:lvl5pPr marL="1543050" indent="-171450" algn="l" defTabSz="342900" rtl="0" eaLnBrk="1" latinLnBrk="0" hangingPunct="1">
+              <a:spcBef>
+                <a:spcPct val="20000"/>
+              </a:spcBef>
+              <a:buFont typeface="Arial"/>
+              <a:buChar char="»"/>
+              <a:defRPr sz="1500" kern="1200">
+                <a:solidFill>
+                  <a:schemeClr val="tx1"/>
+                </a:solidFill>
+                <a:latin typeface="+mn-lt"/>
+                <a:ea typeface="+mn-ea"/>
+                <a:cs typeface="+mn-cs"/>
+              </a:defRPr>
+            </a:lvl5pPr>
+            <a:lvl6pPr marL="1885950" indent="-171450" algn="l" defTabSz="342900" rtl="0" eaLnBrk="1" latinLnBrk="0" hangingPunct="1">
+              <a:spcBef>
+                <a:spcPct val="20000"/>
+              </a:spcBef>
+              <a:buFont typeface="Arial"/>
+              <a:buChar char="•"/>
+              <a:defRPr sz="1500" kern="1200">
+                <a:solidFill>
+                  <a:schemeClr val="tx1"/>
+                </a:solidFill>
+                <a:latin typeface="+mn-lt"/>
+                <a:ea typeface="+mn-ea"/>
+                <a:cs typeface="+mn-cs"/>
+              </a:defRPr>
+            </a:lvl6pPr>
+            <a:lvl7pPr marL="2228850" indent="-171450" algn="l" defTabSz="342900" rtl="0" eaLnBrk="1" latinLnBrk="0" hangingPunct="1">
+              <a:spcBef>
+                <a:spcPct val="20000"/>
+              </a:spcBef>
+              <a:buFont typeface="Arial"/>
+              <a:buChar char="•"/>
+              <a:defRPr sz="1500" kern="1200">
+                <a:solidFill>
+                  <a:schemeClr val="tx1"/>
+                </a:solidFill>
+                <a:latin typeface="+mn-lt"/>
+                <a:ea typeface="+mn-ea"/>
+                <a:cs typeface="+mn-cs"/>
+              </a:defRPr>
+            </a:lvl7pPr>
+            <a:lvl8pPr marL="2571750" indent="-171450" algn="l" defTabSz="342900" rtl="0" eaLnBrk="1" latinLnBrk="0" hangingPunct="1">
+              <a:spcBef>
+                <a:spcPct val="20000"/>
+              </a:spcBef>
+              <a:buFont typeface="Arial"/>
+              <a:buChar char="•"/>
+              <a:defRPr sz="1500" kern="1200">
+                <a:solidFill>
+                  <a:schemeClr val="tx1"/>
+                </a:solidFill>
+                <a:latin typeface="+mn-lt"/>
+                <a:ea typeface="+mn-ea"/>
+                <a:cs typeface="+mn-cs"/>
+              </a:defRPr>
+            </a:lvl8pPr>
+            <a:lvl9pPr marL="2914650" indent="-171450" algn="l" defTabSz="342900" rtl="0" eaLnBrk="1" latinLnBrk="0" hangingPunct="1">
+              <a:spcBef>
+                <a:spcPct val="20000"/>
+              </a:spcBef>
+              <a:buFont typeface="Arial"/>
+              <a:buChar char="•"/>
+              <a:defRPr sz="1500" kern="1200">
+                <a:solidFill>
+                  <a:schemeClr val="tx1"/>
+                </a:solidFill>
+                <a:latin typeface="+mn-lt"/>
+                <a:ea typeface="+mn-ea"/>
+                <a:cs typeface="+mn-cs"/>
+              </a:defRPr>
+            </a:lvl9pPr>
+          </a:lstStyle>
+          <a:p>
+            <a:pPr marL="0" indent="0" algn="just">
+              <a:buFont typeface="Arial"/>
+              <a:buNone/>
+            </a:pPr>
+            <a:endParaRPr lang="it-IT" dirty="0"/>
+          </a:p>
+          <a:p>
+            <a:pPr marL="0" indent="0" algn="just">
+              <a:buFont typeface="Arial"/>
+              <a:buNone/>
+            </a:pPr>
+            <a:endParaRPr lang="it-IT" dirty="0"/>
+          </a:p>
+          <a:p>
+            <a:endParaRPr lang="en-US" sz="2000" dirty="0"/>
+          </a:p>
+        </p:txBody>
+      </p:sp>
+      <p:sp>
+        <p:nvSpPr>
+          <p:cNvPr id="7" name="Titolo 1">
+            <a:extLst>
+              <a:ext uri="{FF2B5EF4-FFF2-40B4-BE49-F238E27FC236}">
+                <a16:creationId xmlns:a16="http://schemas.microsoft.com/office/drawing/2014/main" id="{588E765D-4A18-43EC-9070-BBB19613F406}"/>
+              </a:ext>
+            </a:extLst>
+          </p:cNvPr>
+          <p:cNvSpPr>
+            <a:spLocks noGrp="1"/>
+          </p:cNvSpPr>
+          <p:nvPr>
+            <p:ph type="title"/>
+          </p:nvPr>
+        </p:nvSpPr>
+        <p:spPr>
+          <a:xfrm>
+            <a:off x="457200" y="836712"/>
+            <a:ext cx="8229600" cy="1143000"/>
+          </a:xfrm>
+        </p:spPr>
+        <p:txBody>
+          <a:bodyPr>
+            <a:noAutofit/>
+          </a:bodyPr>
+          <a:lstStyle/>
+          <a:p>
+            <a:r>
+              <a:rPr lang="it-IT" sz="2700" dirty="0"/>
+              <a:t>PREPROCESSING</a:t>
+            </a:r>
+            <a:endParaRPr lang="en-US" sz="2700" dirty="0"/>
+          </a:p>
+        </p:txBody>
+      </p:sp>
+      <p:sp>
+        <p:nvSpPr>
+          <p:cNvPr id="6" name="Titolo 1">
+            <a:extLst>
+              <a:ext uri="{FF2B5EF4-FFF2-40B4-BE49-F238E27FC236}">
+                <a16:creationId xmlns:a16="http://schemas.microsoft.com/office/drawing/2014/main" id="{32602169-0966-4893-B032-33CFCD986CA0}"/>
+              </a:ext>
+            </a:extLst>
+          </p:cNvPr>
+          <p:cNvSpPr txBox="1">
+            <a:spLocks/>
+          </p:cNvSpPr>
+          <p:nvPr/>
+        </p:nvSpPr>
+        <p:spPr>
+          <a:xfrm>
+            <a:off x="1447800" y="152400"/>
+            <a:ext cx="8229600" cy="1143000"/>
+          </a:xfrm>
+          <a:prstGeom prst="rect">
+            <a:avLst/>
+          </a:prstGeom>
+        </p:spPr>
+        <p:txBody>
+          <a:bodyPr>
+            <a:noAutofit/>
+          </a:bodyPr>
+          <a:lstStyle>
+            <a:lvl1pPr algn="ctr" defTabSz="342900" rtl="0" eaLnBrk="1" latinLnBrk="0" hangingPunct="1">
+              <a:spcBef>
+                <a:spcPct val="0"/>
+              </a:spcBef>
+              <a:buNone/>
+              <a:defRPr sz="3300" kern="1200">
+                <a:solidFill>
+                  <a:schemeClr val="tx1"/>
+                </a:solidFill>
+                <a:latin typeface="+mj-lt"/>
+                <a:ea typeface="+mj-ea"/>
+                <a:cs typeface="+mj-cs"/>
+              </a:defRPr>
+            </a:lvl1pPr>
+          </a:lstStyle>
+          <a:p>
+            <a:r>
+              <a:rPr lang="it-IT" sz="2400" b="1" dirty="0">
+                <a:solidFill>
+                  <a:schemeClr val="bg1"/>
+                </a:solidFill>
+              </a:rPr>
+              <a:t>DATA UNDERSTANDING: </a:t>
+            </a:r>
+            <a:r>
+              <a:rPr lang="it-IT" sz="2400" dirty="0">
+                <a:solidFill>
+                  <a:schemeClr val="bg1"/>
+                </a:solidFill>
+              </a:rPr>
+              <a:t>PREPROCESSING</a:t>
+            </a:r>
+            <a:endParaRPr lang="en-US" sz="2400" dirty="0">
+              <a:solidFill>
+                <a:schemeClr val="bg1"/>
+              </a:solidFill>
+            </a:endParaRPr>
+          </a:p>
+        </p:txBody>
+      </p:sp>
+      <p:sp>
+        <p:nvSpPr>
+          <p:cNvPr id="2" name="Rectangle 6">
+            <a:extLst>
+              <a:ext uri="{FF2B5EF4-FFF2-40B4-BE49-F238E27FC236}">
+                <a16:creationId xmlns:a16="http://schemas.microsoft.com/office/drawing/2014/main" id="{FC5724C9-24A0-4B40-9A3A-FE717EF7AA55}"/>
+              </a:ext>
+            </a:extLst>
+          </p:cNvPr>
+          <p:cNvSpPr>
+            <a:spLocks noChangeArrowheads="1"/>
+          </p:cNvSpPr>
+          <p:nvPr/>
+        </p:nvSpPr>
+        <p:spPr bwMode="auto">
+          <a:xfrm>
+            <a:off x="0" y="0"/>
+            <a:ext cx="9144000" cy="457200"/>
+          </a:xfrm>
+          <a:prstGeom prst="rect">
+            <a:avLst/>
+          </a:prstGeom>
+          <a:noFill/>
+          <a:ln>
+            <a:noFill/>
+          </a:ln>
+          <a:effectLst/>
+          <a:extLst>
+            <a:ext uri="{909E8E84-426E-40DD-AFC4-6F175D3DCCD1}">
+              <a14:hiddenFill xmlns:a14="http://schemas.microsoft.com/office/drawing/2010/main">
+                <a:solidFill>
+                  <a:schemeClr val="accent1"/>
+                </a:solidFill>
+              </a14:hiddenFill>
+            </a:ext>
+            <a:ext uri="{91240B29-F687-4F45-9708-019B960494DF}">
+              <a14:hiddenLine xmlns:a14="http://schemas.microsoft.com/office/drawing/2010/main" w="9525">
+                <a:solidFill>
+                  <a:schemeClr val="tx1"/>
+                </a:solidFill>
+                <a:miter lim="800000"/>
+                <a:headEnd/>
+                <a:tailEnd/>
+              </a14:hiddenLine>
+            </a:ext>
+            <a:ext uri="{AF507438-7753-43E0-B8FC-AC1667EBCBE1}">
+              <a14:hiddenEffects xmlns:a14="http://schemas.microsoft.com/office/drawing/2010/main">
+                <a:effectLst>
+                  <a:outerShdw dist="35921" dir="2700000" algn="ctr" rotWithShape="0">
+                    <a:schemeClr val="bg2"/>
+                  </a:outerShdw>
+                </a:effectLst>
+              </a14:hiddenEffects>
+            </a:ext>
+          </a:extLst>
+        </p:spPr>
+        <p:txBody>
+          <a:bodyPr vert="horz" wrap="none" lIns="91440" tIns="45720" rIns="91440" bIns="45720" numCol="1" anchor="ctr" anchorCtr="0" compatLnSpc="1">
+            <a:prstTxWarp prst="textNoShape">
+              <a:avLst/>
+            </a:prstTxWarp>
+            <a:spAutoFit/>
+          </a:bodyPr>
+          <a:lstStyle/>
+          <a:p>
+            <a:endParaRPr lang="en-US"/>
+          </a:p>
+        </p:txBody>
+      </p:sp>
+      <p:sp>
+        <p:nvSpPr>
+          <p:cNvPr id="3" name="Rectangle 7">
+            <a:extLst>
+              <a:ext uri="{FF2B5EF4-FFF2-40B4-BE49-F238E27FC236}">
+                <a16:creationId xmlns:a16="http://schemas.microsoft.com/office/drawing/2014/main" id="{C08042F5-96DB-4FE6-B699-C1DFAB71C0C5}"/>
+              </a:ext>
+            </a:extLst>
+          </p:cNvPr>
+          <p:cNvSpPr>
+            <a:spLocks noChangeArrowheads="1"/>
+          </p:cNvSpPr>
+          <p:nvPr/>
+        </p:nvSpPr>
+        <p:spPr bwMode="auto">
+          <a:xfrm>
+            <a:off x="0" y="1838325"/>
+            <a:ext cx="9144000" cy="0"/>
+          </a:xfrm>
+          <a:prstGeom prst="rect">
+            <a:avLst/>
+          </a:prstGeom>
+          <a:noFill/>
+          <a:ln>
+            <a:noFill/>
+          </a:ln>
+          <a:effectLst/>
+          <a:extLst>
+            <a:ext uri="{909E8E84-426E-40DD-AFC4-6F175D3DCCD1}">
+              <a14:hiddenFill xmlns:a14="http://schemas.microsoft.com/office/drawing/2010/main">
+                <a:solidFill>
+                  <a:schemeClr val="accent1"/>
+                </a:solidFill>
+              </a14:hiddenFill>
+            </a:ext>
+            <a:ext uri="{91240B29-F687-4F45-9708-019B960494DF}">
+              <a14:hiddenLine xmlns:a14="http://schemas.microsoft.com/office/drawing/2010/main" w="9525">
+                <a:solidFill>
+                  <a:schemeClr val="tx1"/>
+                </a:solidFill>
+                <a:miter lim="800000"/>
+                <a:headEnd/>
+                <a:tailEnd/>
+              </a14:hiddenLine>
+            </a:ext>
+            <a:ext uri="{AF507438-7753-43E0-B8FC-AC1667EBCBE1}">
+              <a14:hiddenEffects xmlns:a14="http://schemas.microsoft.com/office/drawing/2010/main">
+                <a:effectLst>
+                  <a:outerShdw dist="35921" dir="2700000" algn="ctr" rotWithShape="0">
+                    <a:schemeClr val="bg2"/>
+                  </a:outerShdw>
+                </a:effectLst>
+              </a14:hiddenEffects>
+            </a:ext>
+          </a:extLst>
+        </p:spPr>
+        <p:txBody>
+          <a:bodyPr vert="horz" wrap="none" lIns="91440" tIns="45720" rIns="91440" bIns="45720" numCol="1" anchor="ctr" anchorCtr="0" compatLnSpc="1">
+            <a:prstTxWarp prst="textNoShape">
+              <a:avLst/>
+            </a:prstTxWarp>
+            <a:spAutoFit/>
+          </a:bodyPr>
+          <a:lstStyle/>
+          <a:p>
+            <a:pPr marL="0" marR="0" lvl="0" indent="0" algn="l" defTabSz="914400" rtl="0" eaLnBrk="0" fontAlgn="base" latinLnBrk="0" hangingPunct="0">
+              <a:lnSpc>
+                <a:spcPct val="100000"/>
+              </a:lnSpc>
+              <a:spcBef>
+                <a:spcPct val="0"/>
+              </a:spcBef>
+              <a:spcAft>
+                <a:spcPct val="0"/>
+              </a:spcAft>
+              <a:buClrTx/>
+              <a:buSzTx/>
+              <a:buFontTx/>
+              <a:buNone/>
+              <a:tabLst/>
+            </a:pPr>
+            <a:r>
+              <a:rPr kumimoji="0" lang="it-IT" altLang="en-US" sz="1100" b="0" i="0" u="none" strike="noStrike" cap="none" normalizeH="0" baseline="0">
+                <a:ln>
+                  <a:noFill/>
+                </a:ln>
+                <a:solidFill>
+                  <a:schemeClr val="tx1"/>
+                </a:solidFill>
+                <a:effectLst/>
+                <a:latin typeface="Calibri" panose="020F0502020204030204" pitchFamily="34" charset="0"/>
+                <a:ea typeface="Times New Roman" panose="02020603050405020304" pitchFamily="18" charset="0"/>
+                <a:cs typeface="Times New Roman" panose="02020603050405020304" pitchFamily="18" charset="0"/>
+              </a:rPr>
+              <a:t> </a:t>
+            </a:r>
+            <a:endParaRPr kumimoji="0" lang="it-IT" altLang="en-US" sz="1800" b="0" i="0" u="none" strike="noStrike" cap="none" normalizeH="0" baseline="0">
+              <a:ln>
+                <a:noFill/>
+              </a:ln>
+              <a:solidFill>
+                <a:schemeClr val="tx1"/>
+              </a:solidFill>
+              <a:effectLst/>
+              <a:latin typeface="Arial" panose="020B0604020202020204" pitchFamily="34" charset="0"/>
+            </a:endParaRPr>
+          </a:p>
+        </p:txBody>
+      </p:sp>
+      <p:sp>
+        <p:nvSpPr>
+          <p:cNvPr id="4" name="Rectangle 8">
+            <a:extLst>
+              <a:ext uri="{FF2B5EF4-FFF2-40B4-BE49-F238E27FC236}">
+                <a16:creationId xmlns:a16="http://schemas.microsoft.com/office/drawing/2014/main" id="{E0CBE371-8058-4503-A250-42442AAE21EC}"/>
+              </a:ext>
+            </a:extLst>
+          </p:cNvPr>
+          <p:cNvSpPr>
+            <a:spLocks noChangeArrowheads="1"/>
+          </p:cNvSpPr>
+          <p:nvPr/>
+        </p:nvSpPr>
+        <p:spPr bwMode="auto">
+          <a:xfrm>
+            <a:off x="0" y="3219450"/>
+            <a:ext cx="9144000" cy="0"/>
+          </a:xfrm>
+          <a:prstGeom prst="rect">
+            <a:avLst/>
+          </a:prstGeom>
+          <a:noFill/>
+          <a:ln>
+            <a:noFill/>
+          </a:ln>
+          <a:effectLst/>
+          <a:extLst>
+            <a:ext uri="{909E8E84-426E-40DD-AFC4-6F175D3DCCD1}">
+              <a14:hiddenFill xmlns:a14="http://schemas.microsoft.com/office/drawing/2010/main">
+                <a:solidFill>
+                  <a:schemeClr val="accent1"/>
+                </a:solidFill>
+              </a14:hiddenFill>
+            </a:ext>
+            <a:ext uri="{91240B29-F687-4F45-9708-019B960494DF}">
+              <a14:hiddenLine xmlns:a14="http://schemas.microsoft.com/office/drawing/2010/main" w="9525">
+                <a:solidFill>
+                  <a:schemeClr val="tx1"/>
+                </a:solidFill>
+                <a:miter lim="800000"/>
+                <a:headEnd/>
+                <a:tailEnd/>
+              </a14:hiddenLine>
+            </a:ext>
+            <a:ext uri="{AF507438-7753-43E0-B8FC-AC1667EBCBE1}">
+              <a14:hiddenEffects xmlns:a14="http://schemas.microsoft.com/office/drawing/2010/main">
+                <a:effectLst>
+                  <a:outerShdw dist="35921" dir="2700000" algn="ctr" rotWithShape="0">
+                    <a:schemeClr val="bg2"/>
+                  </a:outerShdw>
+                </a:effectLst>
+              </a14:hiddenEffects>
+            </a:ext>
+          </a:extLst>
+        </p:spPr>
+        <p:txBody>
+          <a:bodyPr vert="horz" wrap="none" lIns="91440" tIns="45720" rIns="91440" bIns="45720" numCol="1" anchor="ctr" anchorCtr="0" compatLnSpc="1">
+            <a:prstTxWarp prst="textNoShape">
+              <a:avLst/>
+            </a:prstTxWarp>
+            <a:spAutoFit/>
+          </a:bodyPr>
+          <a:lstStyle/>
+          <a:p>
+            <a:pPr marL="0" marR="0" lvl="0" indent="0" algn="l" defTabSz="914400" rtl="0" eaLnBrk="0" fontAlgn="base" latinLnBrk="0" hangingPunct="0">
+              <a:lnSpc>
+                <a:spcPct val="100000"/>
+              </a:lnSpc>
+              <a:spcBef>
+                <a:spcPct val="0"/>
+              </a:spcBef>
+              <a:spcAft>
+                <a:spcPct val="0"/>
+              </a:spcAft>
+              <a:buClrTx/>
+              <a:buSzTx/>
+              <a:buFontTx/>
+              <a:buNone/>
+              <a:tabLst/>
+            </a:pPr>
+            <a:r>
+              <a:rPr kumimoji="0" lang="it-IT" altLang="en-US" sz="1100" b="0" i="0" u="none" strike="noStrike" cap="none" normalizeH="0" baseline="0">
+                <a:ln>
+                  <a:noFill/>
+                </a:ln>
+                <a:solidFill>
+                  <a:schemeClr val="tx1"/>
+                </a:solidFill>
+                <a:effectLst/>
+                <a:latin typeface="Calibri" panose="020F0502020204030204" pitchFamily="34" charset="0"/>
+                <a:ea typeface="Times New Roman" panose="02020603050405020304" pitchFamily="18" charset="0"/>
+                <a:cs typeface="Times New Roman" panose="02020603050405020304" pitchFamily="18" charset="0"/>
+              </a:rPr>
+              <a:t> </a:t>
+            </a:r>
+            <a:endParaRPr kumimoji="0" lang="it-IT" altLang="en-US" sz="1800" b="0" i="0" u="none" strike="noStrike" cap="none" normalizeH="0" baseline="0">
+              <a:ln>
+                <a:noFill/>
+              </a:ln>
+              <a:solidFill>
+                <a:schemeClr val="tx1"/>
+              </a:solidFill>
+              <a:effectLst/>
+              <a:latin typeface="Arial" panose="020B0604020202020204" pitchFamily="34" charset="0"/>
+            </a:endParaRPr>
+          </a:p>
+        </p:txBody>
+      </p:sp>
+      <p:sp>
+        <p:nvSpPr>
+          <p:cNvPr id="10" name="Rectangle 9">
+            <a:extLst>
+              <a:ext uri="{FF2B5EF4-FFF2-40B4-BE49-F238E27FC236}">
+                <a16:creationId xmlns:a16="http://schemas.microsoft.com/office/drawing/2014/main" id="{99468FB6-6461-4A91-9E0B-2B3FC25F715E}"/>
+              </a:ext>
+            </a:extLst>
+          </p:cNvPr>
+          <p:cNvSpPr>
+            <a:spLocks noChangeArrowheads="1"/>
+          </p:cNvSpPr>
+          <p:nvPr/>
+        </p:nvSpPr>
+        <p:spPr bwMode="auto">
+          <a:xfrm>
+            <a:off x="0" y="4600575"/>
+            <a:ext cx="9144000" cy="0"/>
+          </a:xfrm>
+          <a:prstGeom prst="rect">
+            <a:avLst/>
+          </a:prstGeom>
+          <a:noFill/>
+          <a:ln>
+            <a:noFill/>
+          </a:ln>
+          <a:effectLst/>
+          <a:extLst>
+            <a:ext uri="{909E8E84-426E-40DD-AFC4-6F175D3DCCD1}">
+              <a14:hiddenFill xmlns:a14="http://schemas.microsoft.com/office/drawing/2010/main">
+                <a:solidFill>
+                  <a:schemeClr val="accent1"/>
+                </a:solidFill>
+              </a14:hiddenFill>
+            </a:ext>
+            <a:ext uri="{91240B29-F687-4F45-9708-019B960494DF}">
+              <a14:hiddenLine xmlns:a14="http://schemas.microsoft.com/office/drawing/2010/main" w="9525">
+                <a:solidFill>
+                  <a:schemeClr val="tx1"/>
+                </a:solidFill>
+                <a:miter lim="800000"/>
+                <a:headEnd/>
+                <a:tailEnd/>
+              </a14:hiddenLine>
+            </a:ext>
+            <a:ext uri="{AF507438-7753-43E0-B8FC-AC1667EBCBE1}">
+              <a14:hiddenEffects xmlns:a14="http://schemas.microsoft.com/office/drawing/2010/main">
+                <a:effectLst>
+                  <a:outerShdw dist="35921" dir="2700000" algn="ctr" rotWithShape="0">
+                    <a:schemeClr val="bg2"/>
+                  </a:outerShdw>
+                </a:effectLst>
+              </a14:hiddenEffects>
+            </a:ext>
+          </a:extLst>
+        </p:spPr>
+        <p:txBody>
+          <a:bodyPr vert="horz" wrap="none" lIns="91440" tIns="45720" rIns="91440" bIns="45720" numCol="1" anchor="ctr" anchorCtr="0" compatLnSpc="1">
+            <a:prstTxWarp prst="textNoShape">
+              <a:avLst/>
+            </a:prstTxWarp>
+            <a:spAutoFit/>
+          </a:bodyPr>
+          <a:lstStyle/>
+          <a:p>
+            <a:pPr marL="0" marR="0" lvl="0" indent="0" algn="l" defTabSz="914400" rtl="0" eaLnBrk="0" fontAlgn="base" latinLnBrk="0" hangingPunct="0">
+              <a:lnSpc>
+                <a:spcPct val="100000"/>
+              </a:lnSpc>
+              <a:spcBef>
+                <a:spcPct val="0"/>
+              </a:spcBef>
+              <a:spcAft>
+                <a:spcPct val="0"/>
+              </a:spcAft>
+              <a:buClrTx/>
+              <a:buSzTx/>
+              <a:buFontTx/>
+              <a:buNone/>
+              <a:tabLst/>
+            </a:pPr>
+            <a:r>
+              <a:rPr kumimoji="0" lang="it-IT" altLang="en-US" sz="1100" b="0" i="0" u="none" strike="noStrike" cap="none" normalizeH="0" baseline="0">
+                <a:ln>
+                  <a:noFill/>
+                </a:ln>
+                <a:solidFill>
+                  <a:schemeClr val="tx1"/>
+                </a:solidFill>
+                <a:effectLst/>
+                <a:latin typeface="Calibri" panose="020F0502020204030204" pitchFamily="34" charset="0"/>
+                <a:ea typeface="Times New Roman" panose="02020603050405020304" pitchFamily="18" charset="0"/>
+                <a:cs typeface="Times New Roman" panose="02020603050405020304" pitchFamily="18" charset="0"/>
+              </a:rPr>
+              <a:t> </a:t>
+            </a:r>
+            <a:endParaRPr kumimoji="0" lang="it-IT" altLang="en-US" sz="1800" b="0" i="0" u="none" strike="noStrike" cap="none" normalizeH="0" baseline="0">
+              <a:ln>
+                <a:noFill/>
+              </a:ln>
+              <a:solidFill>
+                <a:schemeClr val="tx1"/>
+              </a:solidFill>
+              <a:effectLst/>
+              <a:latin typeface="Arial" panose="020B0604020202020204" pitchFamily="34" charset="0"/>
+            </a:endParaRPr>
+          </a:p>
+        </p:txBody>
+      </p:sp>
+      <p:sp>
+        <p:nvSpPr>
+          <p:cNvPr id="11" name="Rectangle 10">
+            <a:extLst>
+              <a:ext uri="{FF2B5EF4-FFF2-40B4-BE49-F238E27FC236}">
+                <a16:creationId xmlns:a16="http://schemas.microsoft.com/office/drawing/2014/main" id="{E4D9815E-FC57-48D4-9710-C34FDAE236EF}"/>
+              </a:ext>
+            </a:extLst>
+          </p:cNvPr>
+          <p:cNvSpPr>
+            <a:spLocks noChangeArrowheads="1"/>
+          </p:cNvSpPr>
+          <p:nvPr/>
+        </p:nvSpPr>
+        <p:spPr bwMode="auto">
+          <a:xfrm>
+            <a:off x="0" y="6000750"/>
+            <a:ext cx="9144000" cy="0"/>
+          </a:xfrm>
+          <a:prstGeom prst="rect">
+            <a:avLst/>
+          </a:prstGeom>
+          <a:noFill/>
+          <a:ln>
+            <a:noFill/>
+          </a:ln>
+          <a:effectLst/>
+          <a:extLst>
+            <a:ext uri="{909E8E84-426E-40DD-AFC4-6F175D3DCCD1}">
+              <a14:hiddenFill xmlns:a14="http://schemas.microsoft.com/office/drawing/2010/main">
+                <a:solidFill>
+                  <a:schemeClr val="accent1"/>
+                </a:solidFill>
+              </a14:hiddenFill>
+            </a:ext>
+            <a:ext uri="{91240B29-F687-4F45-9708-019B960494DF}">
+              <a14:hiddenLine xmlns:a14="http://schemas.microsoft.com/office/drawing/2010/main" w="9525">
+                <a:solidFill>
+                  <a:schemeClr val="tx1"/>
+                </a:solidFill>
+                <a:miter lim="800000"/>
+                <a:headEnd/>
+                <a:tailEnd/>
+              </a14:hiddenLine>
+            </a:ext>
+            <a:ext uri="{AF507438-7753-43E0-B8FC-AC1667EBCBE1}">
+              <a14:hiddenEffects xmlns:a14="http://schemas.microsoft.com/office/drawing/2010/main">
+                <a:effectLst>
+                  <a:outerShdw dist="35921" dir="2700000" algn="ctr" rotWithShape="0">
+                    <a:schemeClr val="bg2"/>
+                  </a:outerShdw>
+                </a:effectLst>
+              </a14:hiddenEffects>
+            </a:ext>
+          </a:extLst>
+        </p:spPr>
+        <p:txBody>
+          <a:bodyPr vert="horz" wrap="none" lIns="91440" tIns="45720" rIns="91440" bIns="45720" numCol="1" anchor="ctr" anchorCtr="0" compatLnSpc="1">
+            <a:prstTxWarp prst="textNoShape">
+              <a:avLst/>
+            </a:prstTxWarp>
+            <a:spAutoFit/>
+          </a:bodyPr>
+          <a:lstStyle/>
+          <a:p>
+            <a:pPr marL="0" marR="0" lvl="0" indent="0" algn="l" defTabSz="914400" rtl="0" eaLnBrk="0" fontAlgn="base" latinLnBrk="0" hangingPunct="0">
+              <a:lnSpc>
+                <a:spcPct val="100000"/>
+              </a:lnSpc>
+              <a:spcBef>
+                <a:spcPct val="0"/>
+              </a:spcBef>
+              <a:spcAft>
+                <a:spcPct val="0"/>
+              </a:spcAft>
+              <a:buClrTx/>
+              <a:buSzTx/>
+              <a:buFontTx/>
+              <a:buNone/>
+              <a:tabLst/>
+            </a:pPr>
+            <a:r>
+              <a:rPr kumimoji="0" lang="it-IT" altLang="en-US" sz="1100" b="0" i="0" u="none" strike="noStrike" cap="none" normalizeH="0" baseline="0">
+                <a:ln>
+                  <a:noFill/>
+                </a:ln>
+                <a:solidFill>
+                  <a:schemeClr val="tx1"/>
+                </a:solidFill>
+                <a:effectLst/>
+                <a:latin typeface="Calibri" panose="020F0502020204030204" pitchFamily="34" charset="0"/>
+                <a:ea typeface="Times New Roman" panose="02020603050405020304" pitchFamily="18" charset="0"/>
+                <a:cs typeface="Times New Roman" panose="02020603050405020304" pitchFamily="18" charset="0"/>
+              </a:rPr>
+              <a:t> </a:t>
+            </a:r>
+            <a:endParaRPr kumimoji="0" lang="it-IT" altLang="en-US" sz="1800" b="0" i="0" u="none" strike="noStrike" cap="none" normalizeH="0" baseline="0">
+              <a:ln>
+                <a:noFill/>
+              </a:ln>
+              <a:solidFill>
+                <a:schemeClr val="tx1"/>
+              </a:solidFill>
+              <a:effectLst/>
+              <a:latin typeface="Arial" panose="020B0604020202020204" pitchFamily="34" charset="0"/>
+            </a:endParaRPr>
+          </a:p>
+        </p:txBody>
+      </p:sp>
+      <p:sp>
+        <p:nvSpPr>
+          <p:cNvPr id="12" name="Segnaposto contenuto 2">
+            <a:extLst>
+              <a:ext uri="{FF2B5EF4-FFF2-40B4-BE49-F238E27FC236}">
+                <a16:creationId xmlns:a16="http://schemas.microsoft.com/office/drawing/2014/main" id="{6B55346A-7B45-43F0-B6B4-9CFD350F7410}"/>
+              </a:ext>
+            </a:extLst>
+          </p:cNvPr>
+          <p:cNvSpPr txBox="1">
+            <a:spLocks/>
+          </p:cNvSpPr>
+          <p:nvPr/>
+        </p:nvSpPr>
+        <p:spPr>
+          <a:xfrm>
+            <a:off x="518864" y="1772816"/>
+            <a:ext cx="8229600" cy="4114800"/>
+          </a:xfrm>
+          <a:prstGeom prst="rect">
+            <a:avLst/>
+          </a:prstGeom>
+        </p:spPr>
+        <p:txBody>
+          <a:bodyPr vert="horz" lIns="91440" tIns="45720" rIns="91440" bIns="45720" rtlCol="0">
+            <a:normAutofit/>
+          </a:bodyPr>
+          <a:lstStyle>
+            <a:lvl1pPr marL="257175" indent="-257175" algn="l" defTabSz="342900" rtl="0" eaLnBrk="1" latinLnBrk="0" hangingPunct="1">
+              <a:spcBef>
+                <a:spcPct val="20000"/>
+              </a:spcBef>
+              <a:buFont typeface="Arial"/>
+              <a:buChar char="•"/>
+              <a:defRPr sz="2400" kern="1200">
+                <a:solidFill>
+                  <a:schemeClr val="tx1"/>
+                </a:solidFill>
+                <a:latin typeface="+mn-lt"/>
+                <a:ea typeface="+mn-ea"/>
+                <a:cs typeface="+mn-cs"/>
+              </a:defRPr>
+            </a:lvl1pPr>
+            <a:lvl2pPr marL="557213" indent="-214313" algn="l" defTabSz="342900" rtl="0" eaLnBrk="1" latinLnBrk="0" hangingPunct="1">
+              <a:spcBef>
+                <a:spcPct val="20000"/>
+              </a:spcBef>
+              <a:buFont typeface="Arial"/>
+              <a:buChar char="–"/>
+              <a:defRPr sz="2100" kern="1200">
+                <a:solidFill>
+                  <a:schemeClr val="tx1"/>
+                </a:solidFill>
+                <a:latin typeface="+mn-lt"/>
+                <a:ea typeface="+mn-ea"/>
+                <a:cs typeface="+mn-cs"/>
+              </a:defRPr>
+            </a:lvl2pPr>
+            <a:lvl3pPr marL="857250" indent="-171450" algn="l" defTabSz="342900" rtl="0" eaLnBrk="1" latinLnBrk="0" hangingPunct="1">
+              <a:spcBef>
+                <a:spcPct val="20000"/>
+              </a:spcBef>
+              <a:buFont typeface="Arial"/>
+              <a:buChar char="•"/>
+              <a:defRPr sz="1800" kern="1200">
+                <a:solidFill>
+                  <a:schemeClr val="tx1"/>
+                </a:solidFill>
+                <a:latin typeface="+mn-lt"/>
+                <a:ea typeface="+mn-ea"/>
+                <a:cs typeface="+mn-cs"/>
+              </a:defRPr>
+            </a:lvl3pPr>
+            <a:lvl4pPr marL="1200150" indent="-171450" algn="l" defTabSz="342900" rtl="0" eaLnBrk="1" latinLnBrk="0" hangingPunct="1">
+              <a:spcBef>
+                <a:spcPct val="20000"/>
+              </a:spcBef>
+              <a:buFont typeface="Arial"/>
+              <a:buChar char="–"/>
+              <a:defRPr sz="1500" kern="1200">
+                <a:solidFill>
+                  <a:schemeClr val="tx1"/>
+                </a:solidFill>
+                <a:latin typeface="+mn-lt"/>
+                <a:ea typeface="+mn-ea"/>
+                <a:cs typeface="+mn-cs"/>
+              </a:defRPr>
+            </a:lvl4pPr>
+            <a:lvl5pPr marL="1543050" indent="-171450" algn="l" defTabSz="342900" rtl="0" eaLnBrk="1" latinLnBrk="0" hangingPunct="1">
+              <a:spcBef>
+                <a:spcPct val="20000"/>
+              </a:spcBef>
+              <a:buFont typeface="Arial"/>
+              <a:buChar char="»"/>
+              <a:defRPr sz="1500" kern="1200">
+                <a:solidFill>
+                  <a:schemeClr val="tx1"/>
+                </a:solidFill>
+                <a:latin typeface="+mn-lt"/>
+                <a:ea typeface="+mn-ea"/>
+                <a:cs typeface="+mn-cs"/>
+              </a:defRPr>
+            </a:lvl5pPr>
+            <a:lvl6pPr marL="1885950" indent="-171450" algn="l" defTabSz="342900" rtl="0" eaLnBrk="1" latinLnBrk="0" hangingPunct="1">
+              <a:spcBef>
+                <a:spcPct val="20000"/>
+              </a:spcBef>
+              <a:buFont typeface="Arial"/>
+              <a:buChar char="•"/>
+              <a:defRPr sz="1500" kern="1200">
+                <a:solidFill>
+                  <a:schemeClr val="tx1"/>
+                </a:solidFill>
+                <a:latin typeface="+mn-lt"/>
+                <a:ea typeface="+mn-ea"/>
+                <a:cs typeface="+mn-cs"/>
+              </a:defRPr>
+            </a:lvl6pPr>
+            <a:lvl7pPr marL="2228850" indent="-171450" algn="l" defTabSz="342900" rtl="0" eaLnBrk="1" latinLnBrk="0" hangingPunct="1">
+              <a:spcBef>
+                <a:spcPct val="20000"/>
+              </a:spcBef>
+              <a:buFont typeface="Arial"/>
+              <a:buChar char="•"/>
+              <a:defRPr sz="1500" kern="1200">
+                <a:solidFill>
+                  <a:schemeClr val="tx1"/>
+                </a:solidFill>
+                <a:latin typeface="+mn-lt"/>
+                <a:ea typeface="+mn-ea"/>
+                <a:cs typeface="+mn-cs"/>
+              </a:defRPr>
+            </a:lvl7pPr>
+            <a:lvl8pPr marL="2571750" indent="-171450" algn="l" defTabSz="342900" rtl="0" eaLnBrk="1" latinLnBrk="0" hangingPunct="1">
+              <a:spcBef>
+                <a:spcPct val="20000"/>
+              </a:spcBef>
+              <a:buFont typeface="Arial"/>
+              <a:buChar char="•"/>
+              <a:defRPr sz="1500" kern="1200">
+                <a:solidFill>
+                  <a:schemeClr val="tx1"/>
+                </a:solidFill>
+                <a:latin typeface="+mn-lt"/>
+                <a:ea typeface="+mn-ea"/>
+                <a:cs typeface="+mn-cs"/>
+              </a:defRPr>
+            </a:lvl8pPr>
+            <a:lvl9pPr marL="2914650" indent="-171450" algn="l" defTabSz="342900" rtl="0" eaLnBrk="1" latinLnBrk="0" hangingPunct="1">
+              <a:spcBef>
+                <a:spcPct val="20000"/>
+              </a:spcBef>
+              <a:buFont typeface="Arial"/>
+              <a:buChar char="•"/>
+              <a:defRPr sz="1500" kern="1200">
+                <a:solidFill>
+                  <a:schemeClr val="tx1"/>
+                </a:solidFill>
+                <a:latin typeface="+mn-lt"/>
+                <a:ea typeface="+mn-ea"/>
+                <a:cs typeface="+mn-cs"/>
+              </a:defRPr>
+            </a:lvl9pPr>
+          </a:lstStyle>
+          <a:p>
+            <a:pPr marL="342900" lvl="1" indent="0" algn="just">
+              <a:buNone/>
+            </a:pPr>
+            <a:endParaRPr lang="it-IT" dirty="0">
+              <a:solidFill>
+                <a:srgbClr val="00B050"/>
+              </a:solidFill>
+            </a:endParaRPr>
+          </a:p>
+        </p:txBody>
+      </p:sp>
+      <p:sp>
+        <p:nvSpPr>
+          <p:cNvPr id="13" name="Segnaposto contenuto 2">
+            <a:extLst>
+              <a:ext uri="{FF2B5EF4-FFF2-40B4-BE49-F238E27FC236}">
+                <a16:creationId xmlns:a16="http://schemas.microsoft.com/office/drawing/2014/main" id="{980E4580-A772-4A19-8FBB-C5151CC05195}"/>
+              </a:ext>
+            </a:extLst>
+          </p:cNvPr>
+          <p:cNvSpPr>
+            <a:spLocks noGrp="1"/>
+          </p:cNvSpPr>
+          <p:nvPr>
+            <p:ph idx="1"/>
+          </p:nvPr>
+        </p:nvSpPr>
+        <p:spPr>
+          <a:xfrm>
+            <a:off x="457200" y="2132856"/>
+            <a:ext cx="8229600" cy="4114800"/>
+          </a:xfrm>
+        </p:spPr>
+        <p:txBody>
+          <a:bodyPr>
+            <a:normAutofit/>
+          </a:bodyPr>
+          <a:lstStyle/>
+          <a:p>
+            <a:pPr algn="just"/>
+            <a:r>
+              <a:rPr lang="it-IT" dirty="0"/>
+              <a:t>Vista la quantità di attributi del dataset, si è scelto di dividerlo in tre </a:t>
+            </a:r>
+            <a:r>
+              <a:rPr lang="it-IT" dirty="0" err="1"/>
+              <a:t>sottoset</a:t>
+            </a:r>
+            <a:r>
+              <a:rPr lang="it-IT" dirty="0"/>
+              <a:t> ottimizzati per la successiva applicazione degli algoritmi di </a:t>
+            </a:r>
+            <a:r>
+              <a:rPr lang="it-IT" dirty="0" err="1"/>
+              <a:t>clustering</a:t>
+            </a:r>
+            <a:r>
+              <a:rPr lang="it-IT" dirty="0"/>
+              <a:t>.</a:t>
+            </a:r>
+          </a:p>
+          <a:p>
+            <a:pPr algn="just"/>
+            <a:endParaRPr lang="it-IT" dirty="0"/>
+          </a:p>
+          <a:p>
+            <a:pPr algn="just"/>
+            <a:r>
+              <a:rPr lang="it-IT" dirty="0"/>
+              <a:t>I tre set ottenuti dal </a:t>
+            </a:r>
+            <a:r>
+              <a:rPr lang="it-IT" dirty="0" err="1"/>
+              <a:t>preprocessing</a:t>
+            </a:r>
+            <a:r>
+              <a:rPr lang="it-IT" dirty="0"/>
+              <a:t> sono stati esportati dal software </a:t>
+            </a:r>
+            <a:r>
+              <a:rPr lang="it-IT" dirty="0" err="1"/>
+              <a:t>Weka</a:t>
+            </a:r>
+            <a:r>
+              <a:rPr lang="it-IT" dirty="0"/>
+              <a:t> e salvati come segue:</a:t>
+            </a:r>
+          </a:p>
+          <a:p>
+            <a:pPr lvl="1" algn="just"/>
+            <a:r>
+              <a:rPr lang="it-IT" dirty="0" err="1">
+                <a:solidFill>
+                  <a:schemeClr val="bg1">
+                    <a:lumMod val="50000"/>
+                  </a:schemeClr>
+                </a:solidFill>
+              </a:rPr>
+              <a:t>dataset_gen.arff</a:t>
+            </a:r>
+            <a:endParaRPr lang="it-IT" dirty="0">
+              <a:solidFill>
+                <a:schemeClr val="bg1">
+                  <a:lumMod val="50000"/>
+                </a:schemeClr>
+              </a:solidFill>
+            </a:endParaRPr>
+          </a:p>
+          <a:p>
+            <a:pPr lvl="1" algn="just"/>
+            <a:r>
+              <a:rPr lang="it-IT" dirty="0" err="1">
+                <a:solidFill>
+                  <a:schemeClr val="bg1">
+                    <a:lumMod val="50000"/>
+                  </a:schemeClr>
+                </a:solidFill>
+              </a:rPr>
+              <a:t>dataset_fy.arff</a:t>
+            </a:r>
+            <a:endParaRPr lang="it-IT" dirty="0">
+              <a:solidFill>
+                <a:schemeClr val="bg1">
+                  <a:lumMod val="50000"/>
+                </a:schemeClr>
+              </a:solidFill>
+            </a:endParaRPr>
+          </a:p>
+          <a:p>
+            <a:pPr lvl="1" algn="just"/>
+            <a:r>
+              <a:rPr lang="it-IT" dirty="0" err="1">
+                <a:solidFill>
+                  <a:schemeClr val="bg1">
+                    <a:lumMod val="50000"/>
+                  </a:schemeClr>
+                </a:solidFill>
+              </a:rPr>
+              <a:t>dataset_tot.arff</a:t>
+            </a:r>
+            <a:endParaRPr lang="it-IT" dirty="0">
+              <a:solidFill>
+                <a:schemeClr val="bg1">
+                  <a:lumMod val="50000"/>
+                </a:schemeClr>
+              </a:solidFill>
+            </a:endParaRPr>
+          </a:p>
+        </p:txBody>
+      </p:sp>
+    </p:spTree>
+    <p:extLst>
+      <p:ext uri="{BB962C8B-B14F-4D97-AF65-F5344CB8AC3E}">
+        <p14:creationId xmlns:p14="http://schemas.microsoft.com/office/powerpoint/2010/main" val="2423480952"/>
+      </p:ext>
+    </p:extLst>
+  </p:cSld>
+  <p:clrMapOvr>
+    <a:masterClrMapping/>
+  </p:clrMapOvr>
+</p:sld>
+</file>
+
+<file path=ppt/slides/slide32.xml><?xml version="1.0" encoding="utf-8"?>
 <p:sld xmlns:a="http://schemas.openxmlformats.org/drawingml/2006/main" xmlns:r="http://schemas.openxmlformats.org/officeDocument/2006/relationships" xmlns:p="http://schemas.openxmlformats.org/presentationml/2006/main">
   <p:cSld>
     <p:spTree>
@@ -13825,57 +14955,6 @@
           </a:bodyPr>
           <a:lstStyle/>
           <a:p>
-            <a:pPr algn="just"/>
-            <a:r>
-              <a:rPr lang="it-IT" dirty="0" smtClean="0"/>
-              <a:t>Nel valutare gli esami si </a:t>
-            </a:r>
-            <a:r>
-              <a:rPr lang="it-IT" dirty="0"/>
-              <a:t>è considerato come risultato </a:t>
-            </a:r>
-            <a:r>
-              <a:rPr lang="it-IT" dirty="0" smtClean="0"/>
-              <a:t>– a parte nel singolo caso di M.D.L</a:t>
-            </a:r>
-            <a:r>
-              <a:rPr lang="it-IT" dirty="0"/>
-              <a:t>. </a:t>
-            </a:r>
-            <a:r>
-              <a:rPr lang="it-IT" dirty="0" smtClean="0"/>
-              <a:t>– </a:t>
-            </a:r>
-            <a:r>
-              <a:rPr lang="it-IT" dirty="0" smtClean="0"/>
-              <a:t>soltanto il voto conseguito, ignorando la data in cui è stato superato. Questo per evitare di raddoppiare il numero di </a:t>
-            </a:r>
-            <a:r>
-              <a:rPr lang="it-IT" dirty="0" err="1" smtClean="0"/>
-              <a:t>scatter</a:t>
-            </a:r>
-            <a:r>
-              <a:rPr lang="it-IT" dirty="0" smtClean="0"/>
-              <a:t> plot necessari a descrivere le varie situazioni che si sono analizzate visivamente.</a:t>
-            </a:r>
-          </a:p>
-          <a:p>
-            <a:pPr algn="just"/>
-            <a:r>
-              <a:rPr lang="it-IT" dirty="0" smtClean="0"/>
-              <a:t>Nell’analisi con tecniche di </a:t>
-            </a:r>
-            <a:r>
-              <a:rPr lang="it-IT" dirty="0" err="1" smtClean="0"/>
-              <a:t>clustering</a:t>
-            </a:r>
-            <a:r>
-              <a:rPr lang="it-IT" dirty="0" smtClean="0"/>
-              <a:t>, potrebbe rivelarsi utile </a:t>
-            </a:r>
-            <a:endParaRPr lang="it-IT" dirty="0" smtClean="0"/>
-          </a:p>
-          <a:p>
             <a:pPr marL="342900" lvl="1" indent="0" algn="just">
               <a:buNone/>
             </a:pPr>
@@ -14096,7 +15175,7 @@
         </p:nvSpPr>
         <p:spPr>
           <a:xfrm>
-            <a:off x="457200" y="692696"/>
+            <a:off x="457200" y="917848"/>
             <a:ext cx="8229600" cy="1143000"/>
           </a:xfrm>
         </p:spPr>
@@ -14107,8 +15186,18 @@
           <a:lstStyle/>
           <a:p>
             <a:r>
-              <a:rPr lang="it-IT" sz="2700" dirty="0" err="1" smtClean="0"/>
-              <a:t>aaaa</a:t>
+              <a:rPr lang="it-IT" sz="2700" dirty="0"/>
+              <a:t>PRESTAZIONI GENERALI: </a:t>
+            </a:r>
+            <a:r>
+              <a:rPr lang="it-IT" sz="2800" dirty="0" err="1">
+                <a:solidFill>
+                  <a:schemeClr val="bg1">
+                    <a:lumMod val="50000"/>
+                  </a:schemeClr>
+                </a:solidFill>
+              </a:rPr>
+              <a:t>dataset_gen.arff</a:t>
             </a:r>
             <a:endParaRPr lang="en-US" sz="2700" dirty="0"/>
           </a:p>
@@ -14167,7 +15256,7 @@
               <a:t>DATA UNDERSTANDING: </a:t>
             </a:r>
             <a:r>
-              <a:rPr lang="it-IT" sz="2400" dirty="0" smtClean="0">
+              <a:rPr lang="it-IT" sz="2400" dirty="0">
                 <a:solidFill>
                   <a:schemeClr val="bg1"/>
                 </a:solidFill>
@@ -14687,10 +15776,2625 @@
           </a:p>
         </p:txBody>
       </p:sp>
+      <p:sp>
+        <p:nvSpPr>
+          <p:cNvPr id="12" name="Segnaposto contenuto 2">
+            <a:extLst>
+              <a:ext uri="{FF2B5EF4-FFF2-40B4-BE49-F238E27FC236}">
+                <a16:creationId xmlns:a16="http://schemas.microsoft.com/office/drawing/2014/main" id="{6B55346A-7B45-43F0-B6B4-9CFD350F7410}"/>
+              </a:ext>
+            </a:extLst>
+          </p:cNvPr>
+          <p:cNvSpPr txBox="1">
+            <a:spLocks/>
+          </p:cNvSpPr>
+          <p:nvPr/>
+        </p:nvSpPr>
+        <p:spPr>
+          <a:xfrm>
+            <a:off x="518864" y="2060848"/>
+            <a:ext cx="8229600" cy="4114800"/>
+          </a:xfrm>
+          <a:prstGeom prst="rect">
+            <a:avLst/>
+          </a:prstGeom>
+        </p:spPr>
+        <p:txBody>
+          <a:bodyPr vert="horz" lIns="91440" tIns="45720" rIns="91440" bIns="45720" rtlCol="0">
+            <a:normAutofit fontScale="92500" lnSpcReduction="20000"/>
+          </a:bodyPr>
+          <a:lstStyle>
+            <a:lvl1pPr marL="257175" indent="-257175" algn="l" defTabSz="342900" rtl="0" eaLnBrk="1" latinLnBrk="0" hangingPunct="1">
+              <a:spcBef>
+                <a:spcPct val="20000"/>
+              </a:spcBef>
+              <a:buFont typeface="Arial"/>
+              <a:buChar char="•"/>
+              <a:defRPr sz="2400" kern="1200">
+                <a:solidFill>
+                  <a:schemeClr val="tx1"/>
+                </a:solidFill>
+                <a:latin typeface="+mn-lt"/>
+                <a:ea typeface="+mn-ea"/>
+                <a:cs typeface="+mn-cs"/>
+              </a:defRPr>
+            </a:lvl1pPr>
+            <a:lvl2pPr marL="557213" indent="-214313" algn="l" defTabSz="342900" rtl="0" eaLnBrk="1" latinLnBrk="0" hangingPunct="1">
+              <a:spcBef>
+                <a:spcPct val="20000"/>
+              </a:spcBef>
+              <a:buFont typeface="Arial"/>
+              <a:buChar char="–"/>
+              <a:defRPr sz="2100" kern="1200">
+                <a:solidFill>
+                  <a:schemeClr val="tx1"/>
+                </a:solidFill>
+                <a:latin typeface="+mn-lt"/>
+                <a:ea typeface="+mn-ea"/>
+                <a:cs typeface="+mn-cs"/>
+              </a:defRPr>
+            </a:lvl2pPr>
+            <a:lvl3pPr marL="857250" indent="-171450" algn="l" defTabSz="342900" rtl="0" eaLnBrk="1" latinLnBrk="0" hangingPunct="1">
+              <a:spcBef>
+                <a:spcPct val="20000"/>
+              </a:spcBef>
+              <a:buFont typeface="Arial"/>
+              <a:buChar char="•"/>
+              <a:defRPr sz="1800" kern="1200">
+                <a:solidFill>
+                  <a:schemeClr val="tx1"/>
+                </a:solidFill>
+                <a:latin typeface="+mn-lt"/>
+                <a:ea typeface="+mn-ea"/>
+                <a:cs typeface="+mn-cs"/>
+              </a:defRPr>
+            </a:lvl3pPr>
+            <a:lvl4pPr marL="1200150" indent="-171450" algn="l" defTabSz="342900" rtl="0" eaLnBrk="1" latinLnBrk="0" hangingPunct="1">
+              <a:spcBef>
+                <a:spcPct val="20000"/>
+              </a:spcBef>
+              <a:buFont typeface="Arial"/>
+              <a:buChar char="–"/>
+              <a:defRPr sz="1500" kern="1200">
+                <a:solidFill>
+                  <a:schemeClr val="tx1"/>
+                </a:solidFill>
+                <a:latin typeface="+mn-lt"/>
+                <a:ea typeface="+mn-ea"/>
+                <a:cs typeface="+mn-cs"/>
+              </a:defRPr>
+            </a:lvl4pPr>
+            <a:lvl5pPr marL="1543050" indent="-171450" algn="l" defTabSz="342900" rtl="0" eaLnBrk="1" latinLnBrk="0" hangingPunct="1">
+              <a:spcBef>
+                <a:spcPct val="20000"/>
+              </a:spcBef>
+              <a:buFont typeface="Arial"/>
+              <a:buChar char="»"/>
+              <a:defRPr sz="1500" kern="1200">
+                <a:solidFill>
+                  <a:schemeClr val="tx1"/>
+                </a:solidFill>
+                <a:latin typeface="+mn-lt"/>
+                <a:ea typeface="+mn-ea"/>
+                <a:cs typeface="+mn-cs"/>
+              </a:defRPr>
+            </a:lvl5pPr>
+            <a:lvl6pPr marL="1885950" indent="-171450" algn="l" defTabSz="342900" rtl="0" eaLnBrk="1" latinLnBrk="0" hangingPunct="1">
+              <a:spcBef>
+                <a:spcPct val="20000"/>
+              </a:spcBef>
+              <a:buFont typeface="Arial"/>
+              <a:buChar char="•"/>
+              <a:defRPr sz="1500" kern="1200">
+                <a:solidFill>
+                  <a:schemeClr val="tx1"/>
+                </a:solidFill>
+                <a:latin typeface="+mn-lt"/>
+                <a:ea typeface="+mn-ea"/>
+                <a:cs typeface="+mn-cs"/>
+              </a:defRPr>
+            </a:lvl6pPr>
+            <a:lvl7pPr marL="2228850" indent="-171450" algn="l" defTabSz="342900" rtl="0" eaLnBrk="1" latinLnBrk="0" hangingPunct="1">
+              <a:spcBef>
+                <a:spcPct val="20000"/>
+              </a:spcBef>
+              <a:buFont typeface="Arial"/>
+              <a:buChar char="•"/>
+              <a:defRPr sz="1500" kern="1200">
+                <a:solidFill>
+                  <a:schemeClr val="tx1"/>
+                </a:solidFill>
+                <a:latin typeface="+mn-lt"/>
+                <a:ea typeface="+mn-ea"/>
+                <a:cs typeface="+mn-cs"/>
+              </a:defRPr>
+            </a:lvl7pPr>
+            <a:lvl8pPr marL="2571750" indent="-171450" algn="l" defTabSz="342900" rtl="0" eaLnBrk="1" latinLnBrk="0" hangingPunct="1">
+              <a:spcBef>
+                <a:spcPct val="20000"/>
+              </a:spcBef>
+              <a:buFont typeface="Arial"/>
+              <a:buChar char="•"/>
+              <a:defRPr sz="1500" kern="1200">
+                <a:solidFill>
+                  <a:schemeClr val="tx1"/>
+                </a:solidFill>
+                <a:latin typeface="+mn-lt"/>
+                <a:ea typeface="+mn-ea"/>
+                <a:cs typeface="+mn-cs"/>
+              </a:defRPr>
+            </a:lvl8pPr>
+            <a:lvl9pPr marL="2914650" indent="-171450" algn="l" defTabSz="342900" rtl="0" eaLnBrk="1" latinLnBrk="0" hangingPunct="1">
+              <a:spcBef>
+                <a:spcPct val="20000"/>
+              </a:spcBef>
+              <a:buFont typeface="Arial"/>
+              <a:buChar char="•"/>
+              <a:defRPr sz="1500" kern="1200">
+                <a:solidFill>
+                  <a:schemeClr val="tx1"/>
+                </a:solidFill>
+                <a:latin typeface="+mn-lt"/>
+                <a:ea typeface="+mn-ea"/>
+                <a:cs typeface="+mn-cs"/>
+              </a:defRPr>
+            </a:lvl9pPr>
+          </a:lstStyle>
+          <a:p>
+            <a:pPr algn="just"/>
+            <a:r>
+              <a:rPr lang="it-IT" dirty="0"/>
+              <a:t>Come attributo di </a:t>
+            </a:r>
+            <a:r>
+              <a:rPr lang="it-IT" dirty="0">
+                <a:solidFill>
+                  <a:srgbClr val="0070C0"/>
+                </a:solidFill>
+              </a:rPr>
+              <a:t>classe</a:t>
+            </a:r>
+            <a:r>
+              <a:rPr lang="it-IT" dirty="0"/>
+              <a:t> </a:t>
+            </a:r>
+            <a:r>
+              <a:rPr lang="it-IT" sz="1900" dirty="0"/>
+              <a:t>(utile per effettuare valutazioni successive al </a:t>
+            </a:r>
+            <a:r>
+              <a:rPr lang="it-IT" sz="1900" dirty="0" err="1"/>
+              <a:t>clustering</a:t>
+            </a:r>
+            <a:r>
+              <a:rPr lang="it-IT" sz="1900" dirty="0"/>
+              <a:t>) </a:t>
+            </a:r>
+            <a:r>
+              <a:rPr lang="it-IT" dirty="0"/>
+              <a:t>è stato ovviamente scelta la </a:t>
+            </a:r>
+            <a:r>
+              <a:rPr lang="it-IT" dirty="0">
+                <a:solidFill>
+                  <a:srgbClr val="0070C0"/>
+                </a:solidFill>
+              </a:rPr>
+              <a:t>coorte di appartenenza</a:t>
+            </a:r>
+            <a:r>
+              <a:rPr lang="it-IT" dirty="0"/>
+              <a:t>. Il tipo dell’attributo è stato trasformato da numerico a nominale tramite l’apposito filtro del software </a:t>
+            </a:r>
+            <a:r>
+              <a:rPr lang="it-IT" dirty="0" err="1"/>
+              <a:t>Weka</a:t>
+            </a:r>
+            <a:r>
+              <a:rPr lang="it-IT" dirty="0"/>
+              <a:t>.</a:t>
+            </a:r>
+          </a:p>
+          <a:p>
+            <a:pPr algn="just"/>
+            <a:endParaRPr lang="it-IT" dirty="0"/>
+          </a:p>
+          <a:p>
+            <a:pPr algn="just"/>
+            <a:r>
+              <a:rPr lang="it-IT" dirty="0"/>
+              <a:t>Gli altri attributi considerati sono tutti quanti discreti e quantitativi, quindi calcolare una misura di similarità </a:t>
+            </a:r>
+            <a:r>
+              <a:rPr lang="it-IT" sz="1900" dirty="0"/>
+              <a:t>(I.E. distanza euclidea) </a:t>
+            </a:r>
+            <a:r>
+              <a:rPr lang="it-IT" dirty="0"/>
+              <a:t>è già possibile senza ulteriori modifiche. Tuttavia, si è scelto di </a:t>
+            </a:r>
+            <a:r>
+              <a:rPr lang="it-IT" dirty="0">
+                <a:solidFill>
+                  <a:srgbClr val="0070C0"/>
+                </a:solidFill>
+              </a:rPr>
+              <a:t>normalizzare</a:t>
+            </a:r>
+            <a:r>
+              <a:rPr lang="it-IT" dirty="0"/>
+              <a:t> tali attributi in una scala da 0 a 100 al fine di rendere coerente la scala di valutazione.</a:t>
+            </a:r>
+          </a:p>
+          <a:p>
+            <a:pPr algn="just"/>
+            <a:endParaRPr lang="it-IT" dirty="0"/>
+          </a:p>
+          <a:p>
+            <a:pPr algn="just"/>
+            <a:r>
+              <a:rPr lang="it-IT" dirty="0"/>
+              <a:t>Sono inoltre stati </a:t>
+            </a:r>
+            <a:r>
+              <a:rPr lang="it-IT" dirty="0">
+                <a:solidFill>
+                  <a:srgbClr val="0070C0"/>
+                </a:solidFill>
+              </a:rPr>
+              <a:t>rimossi tutti gli altri </a:t>
+            </a:r>
+            <a:r>
+              <a:rPr lang="it-IT" dirty="0"/>
+              <a:t>attributi ai fini di snellire il dataset e renderlo più semplice da utilizzare.</a:t>
+            </a:r>
+          </a:p>
+          <a:p>
+            <a:pPr lvl="1" algn="just"/>
+            <a:endParaRPr lang="it-IT" dirty="0">
+              <a:solidFill>
+                <a:srgbClr val="00B050"/>
+              </a:solidFill>
+            </a:endParaRPr>
+          </a:p>
+        </p:txBody>
+      </p:sp>
     </p:spTree>
     <p:extLst>
       <p:ext uri="{BB962C8B-B14F-4D97-AF65-F5344CB8AC3E}">
         <p14:creationId xmlns:p14="http://schemas.microsoft.com/office/powerpoint/2010/main" val="1180049712"/>
+      </p:ext>
+    </p:extLst>
+  </p:cSld>
+  <p:clrMapOvr>
+    <a:masterClrMapping/>
+  </p:clrMapOvr>
+</p:sld>
+</file>
+
+<file path=ppt/slides/slide33.xml><?xml version="1.0" encoding="utf-8"?>
+<p:sld xmlns:a="http://schemas.openxmlformats.org/drawingml/2006/main" xmlns:r="http://schemas.openxmlformats.org/officeDocument/2006/relationships" xmlns:p="http://schemas.openxmlformats.org/presentationml/2006/main">
+  <p:cSld>
+    <p:spTree>
+      <p:nvGrpSpPr>
+        <p:cNvPr id="1" name=""/>
+        <p:cNvGrpSpPr/>
+        <p:nvPr/>
+      </p:nvGrpSpPr>
+      <p:grpSpPr>
+        <a:xfrm>
+          <a:off x="0" y="0"/>
+          <a:ext cx="0" cy="0"/>
+          <a:chOff x="0" y="0"/>
+          <a:chExt cx="0" cy="0"/>
+        </a:xfrm>
+      </p:grpSpPr>
+      <p:sp>
+        <p:nvSpPr>
+          <p:cNvPr id="2" name="Titolo 1">
+            <a:extLst>
+              <a:ext uri="{FF2B5EF4-FFF2-40B4-BE49-F238E27FC236}">
+                <a16:creationId xmlns:a16="http://schemas.microsoft.com/office/drawing/2014/main" id="{1478970B-D01B-43A2-B8C7-F9541511586C}"/>
+              </a:ext>
+            </a:extLst>
+          </p:cNvPr>
+          <p:cNvSpPr txBox="1">
+            <a:spLocks/>
+          </p:cNvSpPr>
+          <p:nvPr/>
+        </p:nvSpPr>
+        <p:spPr>
+          <a:xfrm>
+            <a:off x="1447800" y="152400"/>
+            <a:ext cx="8229600" cy="1143000"/>
+          </a:xfrm>
+          <a:prstGeom prst="rect">
+            <a:avLst/>
+          </a:prstGeom>
+        </p:spPr>
+        <p:txBody>
+          <a:bodyPr>
+            <a:noAutofit/>
+          </a:bodyPr>
+          <a:lstStyle>
+            <a:lvl1pPr algn="ctr" defTabSz="342900" rtl="0" eaLnBrk="1" latinLnBrk="0" hangingPunct="1">
+              <a:spcBef>
+                <a:spcPct val="0"/>
+              </a:spcBef>
+              <a:buNone/>
+              <a:defRPr sz="3300" kern="1200">
+                <a:solidFill>
+                  <a:schemeClr val="tx1"/>
+                </a:solidFill>
+                <a:latin typeface="+mj-lt"/>
+                <a:ea typeface="+mj-ea"/>
+                <a:cs typeface="+mj-cs"/>
+              </a:defRPr>
+            </a:lvl1pPr>
+          </a:lstStyle>
+          <a:p>
+            <a:r>
+              <a:rPr lang="it-IT" sz="2400" b="1" dirty="0">
+                <a:solidFill>
+                  <a:schemeClr val="bg1"/>
+                </a:solidFill>
+              </a:rPr>
+              <a:t>DATA UNDERSTANDING: </a:t>
+            </a:r>
+            <a:r>
+              <a:rPr lang="it-IT" sz="2400" dirty="0">
+                <a:solidFill>
+                  <a:schemeClr val="bg1"/>
+                </a:solidFill>
+              </a:rPr>
+              <a:t>PREPROCESSING</a:t>
+            </a:r>
+            <a:endParaRPr lang="en-US" sz="2400" dirty="0">
+              <a:solidFill>
+                <a:schemeClr val="bg1"/>
+              </a:solidFill>
+            </a:endParaRPr>
+          </a:p>
+        </p:txBody>
+      </p:sp>
+      <p:pic>
+        <p:nvPicPr>
+          <p:cNvPr id="4" name="Immagine 3">
+            <a:extLst>
+              <a:ext uri="{FF2B5EF4-FFF2-40B4-BE49-F238E27FC236}">
+                <a16:creationId xmlns:a16="http://schemas.microsoft.com/office/drawing/2014/main" id="{3DA46C43-4ACE-4E2E-8825-FE76A70AAF83}"/>
+              </a:ext>
+            </a:extLst>
+          </p:cNvPr>
+          <p:cNvPicPr>
+            <a:picLocks noChangeAspect="1"/>
+          </p:cNvPicPr>
+          <p:nvPr/>
+        </p:nvPicPr>
+        <p:blipFill rotWithShape="1">
+          <a:blip r:embed="rId2"/>
+          <a:srcRect l="697" t="1288" r="697" b="833"/>
+          <a:stretch/>
+        </p:blipFill>
+        <p:spPr>
+          <a:xfrm>
+            <a:off x="395536" y="1340768"/>
+            <a:ext cx="8389440" cy="5313312"/>
+          </a:xfrm>
+          <a:prstGeom prst="rect">
+            <a:avLst/>
+          </a:prstGeom>
+        </p:spPr>
+      </p:pic>
+      <p:sp>
+        <p:nvSpPr>
+          <p:cNvPr id="5" name="CasellaDiTesto 4">
+            <a:extLst>
+              <a:ext uri="{FF2B5EF4-FFF2-40B4-BE49-F238E27FC236}">
+                <a16:creationId xmlns:a16="http://schemas.microsoft.com/office/drawing/2014/main" id="{BECF5BEE-81C1-430F-85B8-7A4B47CC2646}"/>
+              </a:ext>
+            </a:extLst>
+          </p:cNvPr>
+          <p:cNvSpPr txBox="1"/>
+          <p:nvPr/>
+        </p:nvSpPr>
+        <p:spPr>
+          <a:xfrm>
+            <a:off x="179512" y="908720"/>
+            <a:ext cx="4884992" cy="369332"/>
+          </a:xfrm>
+          <a:prstGeom prst="rect">
+            <a:avLst/>
+          </a:prstGeom>
+          <a:noFill/>
+        </p:spPr>
+        <p:txBody>
+          <a:bodyPr wrap="none" rtlCol="0">
+            <a:spAutoFit/>
+          </a:bodyPr>
+          <a:lstStyle/>
+          <a:p>
+            <a:r>
+              <a:rPr lang="it-IT" dirty="0"/>
+              <a:t>Il dataset così trattato si presenta in questo modo:</a:t>
+            </a:r>
+            <a:endParaRPr lang="en-US" dirty="0"/>
+          </a:p>
+        </p:txBody>
+      </p:sp>
+    </p:spTree>
+    <p:extLst>
+      <p:ext uri="{BB962C8B-B14F-4D97-AF65-F5344CB8AC3E}">
+        <p14:creationId xmlns:p14="http://schemas.microsoft.com/office/powerpoint/2010/main" val="1415498825"/>
+      </p:ext>
+    </p:extLst>
+  </p:cSld>
+  <p:clrMapOvr>
+    <a:masterClrMapping/>
+  </p:clrMapOvr>
+</p:sld>
+</file>
+
+<file path=ppt/slides/slide34.xml><?xml version="1.0" encoding="utf-8"?>
+<p:sld xmlns:a="http://schemas.openxmlformats.org/drawingml/2006/main" xmlns:r="http://schemas.openxmlformats.org/officeDocument/2006/relationships" xmlns:p="http://schemas.openxmlformats.org/presentationml/2006/main">
+  <p:cSld>
+    <p:spTree>
+      <p:nvGrpSpPr>
+        <p:cNvPr id="1" name=""/>
+        <p:cNvGrpSpPr/>
+        <p:nvPr/>
+      </p:nvGrpSpPr>
+      <p:grpSpPr>
+        <a:xfrm>
+          <a:off x="0" y="0"/>
+          <a:ext cx="0" cy="0"/>
+          <a:chOff x="0" y="0"/>
+          <a:chExt cx="0" cy="0"/>
+        </a:xfrm>
+      </p:grpSpPr>
+      <p:sp>
+        <p:nvSpPr>
+          <p:cNvPr id="8" name="Segnaposto contenuto 2">
+            <a:extLst>
+              <a:ext uri="{FF2B5EF4-FFF2-40B4-BE49-F238E27FC236}">
+                <a16:creationId xmlns:a16="http://schemas.microsoft.com/office/drawing/2014/main" id="{C2E44FE5-CCA1-4E8F-905A-F2F5CDF25092}"/>
+              </a:ext>
+            </a:extLst>
+          </p:cNvPr>
+          <p:cNvSpPr>
+            <a:spLocks noGrp="1"/>
+          </p:cNvSpPr>
+          <p:nvPr>
+            <p:ph idx="1"/>
+          </p:nvPr>
+        </p:nvSpPr>
+        <p:spPr>
+          <a:xfrm>
+            <a:off x="457200" y="1700808"/>
+            <a:ext cx="8229600" cy="4114800"/>
+          </a:xfrm>
+        </p:spPr>
+        <p:txBody>
+          <a:bodyPr>
+            <a:normAutofit/>
+          </a:bodyPr>
+          <a:lstStyle/>
+          <a:p>
+            <a:pPr marL="342900" lvl="1" indent="0" algn="just">
+              <a:buNone/>
+            </a:pPr>
+            <a:endParaRPr lang="it-IT" dirty="0"/>
+          </a:p>
+          <a:p>
+            <a:pPr marL="0" indent="0" algn="just">
+              <a:buNone/>
+            </a:pPr>
+            <a:endParaRPr lang="it-IT" sz="2000" dirty="0"/>
+          </a:p>
+          <a:p>
+            <a:pPr marL="0" indent="0" algn="just">
+              <a:buNone/>
+            </a:pPr>
+            <a:endParaRPr lang="it-IT" dirty="0"/>
+          </a:p>
+        </p:txBody>
+      </p:sp>
+      <p:sp>
+        <p:nvSpPr>
+          <p:cNvPr id="9" name="Segnaposto contenuto 2">
+            <a:extLst>
+              <a:ext uri="{FF2B5EF4-FFF2-40B4-BE49-F238E27FC236}">
+                <a16:creationId xmlns:a16="http://schemas.microsoft.com/office/drawing/2014/main" id="{89886170-B615-43F8-AA8E-D5565391C42A}"/>
+              </a:ext>
+            </a:extLst>
+          </p:cNvPr>
+          <p:cNvSpPr txBox="1">
+            <a:spLocks/>
+          </p:cNvSpPr>
+          <p:nvPr/>
+        </p:nvSpPr>
+        <p:spPr>
+          <a:xfrm>
+            <a:off x="457200" y="5029199"/>
+            <a:ext cx="8229600" cy="1074753"/>
+          </a:xfrm>
+          <a:prstGeom prst="rect">
+            <a:avLst/>
+          </a:prstGeom>
+        </p:spPr>
+        <p:txBody>
+          <a:bodyPr vert="horz" lIns="91440" tIns="45720" rIns="91440" bIns="45720" rtlCol="0">
+            <a:normAutofit/>
+          </a:bodyPr>
+          <a:lstStyle>
+            <a:lvl1pPr marL="257175" indent="-257175" algn="l" defTabSz="342900" rtl="0" eaLnBrk="1" latinLnBrk="0" hangingPunct="1">
+              <a:spcBef>
+                <a:spcPct val="20000"/>
+              </a:spcBef>
+              <a:buFont typeface="Arial"/>
+              <a:buChar char="•"/>
+              <a:defRPr sz="2400" kern="1200">
+                <a:solidFill>
+                  <a:schemeClr val="tx1"/>
+                </a:solidFill>
+                <a:latin typeface="+mn-lt"/>
+                <a:ea typeface="+mn-ea"/>
+                <a:cs typeface="+mn-cs"/>
+              </a:defRPr>
+            </a:lvl1pPr>
+            <a:lvl2pPr marL="557213" indent="-214313" algn="l" defTabSz="342900" rtl="0" eaLnBrk="1" latinLnBrk="0" hangingPunct="1">
+              <a:spcBef>
+                <a:spcPct val="20000"/>
+              </a:spcBef>
+              <a:buFont typeface="Arial"/>
+              <a:buChar char="–"/>
+              <a:defRPr sz="2100" kern="1200">
+                <a:solidFill>
+                  <a:schemeClr val="tx1"/>
+                </a:solidFill>
+                <a:latin typeface="+mn-lt"/>
+                <a:ea typeface="+mn-ea"/>
+                <a:cs typeface="+mn-cs"/>
+              </a:defRPr>
+            </a:lvl2pPr>
+            <a:lvl3pPr marL="857250" indent="-171450" algn="l" defTabSz="342900" rtl="0" eaLnBrk="1" latinLnBrk="0" hangingPunct="1">
+              <a:spcBef>
+                <a:spcPct val="20000"/>
+              </a:spcBef>
+              <a:buFont typeface="Arial"/>
+              <a:buChar char="•"/>
+              <a:defRPr sz="1800" kern="1200">
+                <a:solidFill>
+                  <a:schemeClr val="tx1"/>
+                </a:solidFill>
+                <a:latin typeface="+mn-lt"/>
+                <a:ea typeface="+mn-ea"/>
+                <a:cs typeface="+mn-cs"/>
+              </a:defRPr>
+            </a:lvl3pPr>
+            <a:lvl4pPr marL="1200150" indent="-171450" algn="l" defTabSz="342900" rtl="0" eaLnBrk="1" latinLnBrk="0" hangingPunct="1">
+              <a:spcBef>
+                <a:spcPct val="20000"/>
+              </a:spcBef>
+              <a:buFont typeface="Arial"/>
+              <a:buChar char="–"/>
+              <a:defRPr sz="1500" kern="1200">
+                <a:solidFill>
+                  <a:schemeClr val="tx1"/>
+                </a:solidFill>
+                <a:latin typeface="+mn-lt"/>
+                <a:ea typeface="+mn-ea"/>
+                <a:cs typeface="+mn-cs"/>
+              </a:defRPr>
+            </a:lvl4pPr>
+            <a:lvl5pPr marL="1543050" indent="-171450" algn="l" defTabSz="342900" rtl="0" eaLnBrk="1" latinLnBrk="0" hangingPunct="1">
+              <a:spcBef>
+                <a:spcPct val="20000"/>
+              </a:spcBef>
+              <a:buFont typeface="Arial"/>
+              <a:buChar char="»"/>
+              <a:defRPr sz="1500" kern="1200">
+                <a:solidFill>
+                  <a:schemeClr val="tx1"/>
+                </a:solidFill>
+                <a:latin typeface="+mn-lt"/>
+                <a:ea typeface="+mn-ea"/>
+                <a:cs typeface="+mn-cs"/>
+              </a:defRPr>
+            </a:lvl5pPr>
+            <a:lvl6pPr marL="1885950" indent="-171450" algn="l" defTabSz="342900" rtl="0" eaLnBrk="1" latinLnBrk="0" hangingPunct="1">
+              <a:spcBef>
+                <a:spcPct val="20000"/>
+              </a:spcBef>
+              <a:buFont typeface="Arial"/>
+              <a:buChar char="•"/>
+              <a:defRPr sz="1500" kern="1200">
+                <a:solidFill>
+                  <a:schemeClr val="tx1"/>
+                </a:solidFill>
+                <a:latin typeface="+mn-lt"/>
+                <a:ea typeface="+mn-ea"/>
+                <a:cs typeface="+mn-cs"/>
+              </a:defRPr>
+            </a:lvl6pPr>
+            <a:lvl7pPr marL="2228850" indent="-171450" algn="l" defTabSz="342900" rtl="0" eaLnBrk="1" latinLnBrk="0" hangingPunct="1">
+              <a:spcBef>
+                <a:spcPct val="20000"/>
+              </a:spcBef>
+              <a:buFont typeface="Arial"/>
+              <a:buChar char="•"/>
+              <a:defRPr sz="1500" kern="1200">
+                <a:solidFill>
+                  <a:schemeClr val="tx1"/>
+                </a:solidFill>
+                <a:latin typeface="+mn-lt"/>
+                <a:ea typeface="+mn-ea"/>
+                <a:cs typeface="+mn-cs"/>
+              </a:defRPr>
+            </a:lvl7pPr>
+            <a:lvl8pPr marL="2571750" indent="-171450" algn="l" defTabSz="342900" rtl="0" eaLnBrk="1" latinLnBrk="0" hangingPunct="1">
+              <a:spcBef>
+                <a:spcPct val="20000"/>
+              </a:spcBef>
+              <a:buFont typeface="Arial"/>
+              <a:buChar char="•"/>
+              <a:defRPr sz="1500" kern="1200">
+                <a:solidFill>
+                  <a:schemeClr val="tx1"/>
+                </a:solidFill>
+                <a:latin typeface="+mn-lt"/>
+                <a:ea typeface="+mn-ea"/>
+                <a:cs typeface="+mn-cs"/>
+              </a:defRPr>
+            </a:lvl8pPr>
+            <a:lvl9pPr marL="2914650" indent="-171450" algn="l" defTabSz="342900" rtl="0" eaLnBrk="1" latinLnBrk="0" hangingPunct="1">
+              <a:spcBef>
+                <a:spcPct val="20000"/>
+              </a:spcBef>
+              <a:buFont typeface="Arial"/>
+              <a:buChar char="•"/>
+              <a:defRPr sz="1500" kern="1200">
+                <a:solidFill>
+                  <a:schemeClr val="tx1"/>
+                </a:solidFill>
+                <a:latin typeface="+mn-lt"/>
+                <a:ea typeface="+mn-ea"/>
+                <a:cs typeface="+mn-cs"/>
+              </a:defRPr>
+            </a:lvl9pPr>
+          </a:lstStyle>
+          <a:p>
+            <a:pPr marL="0" indent="0" algn="just">
+              <a:buFont typeface="Arial"/>
+              <a:buNone/>
+            </a:pPr>
+            <a:endParaRPr lang="it-IT" dirty="0"/>
+          </a:p>
+          <a:p>
+            <a:pPr marL="0" indent="0" algn="just">
+              <a:buFont typeface="Arial"/>
+              <a:buNone/>
+            </a:pPr>
+            <a:endParaRPr lang="it-IT" dirty="0"/>
+          </a:p>
+          <a:p>
+            <a:endParaRPr lang="en-US" sz="2000" dirty="0"/>
+          </a:p>
+        </p:txBody>
+      </p:sp>
+      <p:sp>
+        <p:nvSpPr>
+          <p:cNvPr id="7" name="Titolo 1">
+            <a:extLst>
+              <a:ext uri="{FF2B5EF4-FFF2-40B4-BE49-F238E27FC236}">
+                <a16:creationId xmlns:a16="http://schemas.microsoft.com/office/drawing/2014/main" id="{588E765D-4A18-43EC-9070-BBB19613F406}"/>
+              </a:ext>
+            </a:extLst>
+          </p:cNvPr>
+          <p:cNvSpPr>
+            <a:spLocks noGrp="1"/>
+          </p:cNvSpPr>
+          <p:nvPr>
+            <p:ph type="title"/>
+          </p:nvPr>
+        </p:nvSpPr>
+        <p:spPr>
+          <a:xfrm>
+            <a:off x="457200" y="917848"/>
+            <a:ext cx="8229600" cy="1143000"/>
+          </a:xfrm>
+        </p:spPr>
+        <p:txBody>
+          <a:bodyPr>
+            <a:noAutofit/>
+          </a:bodyPr>
+          <a:lstStyle/>
+          <a:p>
+            <a:r>
+              <a:rPr lang="it-IT" sz="2700" dirty="0"/>
+              <a:t>ESAMI DEL PRIMO ANNO: </a:t>
+            </a:r>
+            <a:r>
+              <a:rPr lang="it-IT" sz="2800" dirty="0" err="1">
+                <a:solidFill>
+                  <a:schemeClr val="bg1">
+                    <a:lumMod val="50000"/>
+                  </a:schemeClr>
+                </a:solidFill>
+              </a:rPr>
+              <a:t>dataset_fy.arff</a:t>
+            </a:r>
+            <a:br>
+              <a:rPr lang="it-IT" sz="2800" dirty="0">
+                <a:solidFill>
+                  <a:schemeClr val="bg1">
+                    <a:lumMod val="50000"/>
+                  </a:schemeClr>
+                </a:solidFill>
+              </a:rPr>
+            </a:br>
+            <a:r>
+              <a:rPr lang="it-IT" sz="2800" dirty="0"/>
+              <a:t>TUTTI GLI ESAMI CON VOTO</a:t>
+            </a:r>
+            <a:r>
+              <a:rPr lang="it-IT" sz="2700" dirty="0"/>
+              <a:t>: </a:t>
+            </a:r>
+            <a:r>
+              <a:rPr lang="it-IT" sz="2800" dirty="0" err="1">
+                <a:solidFill>
+                  <a:schemeClr val="bg1">
+                    <a:lumMod val="50000"/>
+                  </a:schemeClr>
+                </a:solidFill>
+              </a:rPr>
+              <a:t>dataset_tot.arff</a:t>
+            </a:r>
+            <a:endParaRPr lang="en-US" sz="2700" dirty="0"/>
+          </a:p>
+        </p:txBody>
+      </p:sp>
+      <p:sp>
+        <p:nvSpPr>
+          <p:cNvPr id="6" name="Titolo 1">
+            <a:extLst>
+              <a:ext uri="{FF2B5EF4-FFF2-40B4-BE49-F238E27FC236}">
+                <a16:creationId xmlns:a16="http://schemas.microsoft.com/office/drawing/2014/main" id="{32602169-0966-4893-B032-33CFCD986CA0}"/>
+              </a:ext>
+            </a:extLst>
+          </p:cNvPr>
+          <p:cNvSpPr txBox="1">
+            <a:spLocks/>
+          </p:cNvSpPr>
+          <p:nvPr/>
+        </p:nvSpPr>
+        <p:spPr>
+          <a:xfrm>
+            <a:off x="1447800" y="152400"/>
+            <a:ext cx="8229600" cy="1143000"/>
+          </a:xfrm>
+          <a:prstGeom prst="rect">
+            <a:avLst/>
+          </a:prstGeom>
+        </p:spPr>
+        <p:txBody>
+          <a:bodyPr>
+            <a:noAutofit/>
+          </a:bodyPr>
+          <a:lstStyle>
+            <a:lvl1pPr algn="ctr" defTabSz="342900" rtl="0" eaLnBrk="1" latinLnBrk="0" hangingPunct="1">
+              <a:spcBef>
+                <a:spcPct val="0"/>
+              </a:spcBef>
+              <a:buNone/>
+              <a:defRPr sz="3300" kern="1200">
+                <a:solidFill>
+                  <a:schemeClr val="tx1"/>
+                </a:solidFill>
+                <a:latin typeface="+mj-lt"/>
+                <a:ea typeface="+mj-ea"/>
+                <a:cs typeface="+mj-cs"/>
+              </a:defRPr>
+            </a:lvl1pPr>
+          </a:lstStyle>
+          <a:p>
+            <a:r>
+              <a:rPr lang="it-IT" sz="2400" b="1" dirty="0">
+                <a:solidFill>
+                  <a:schemeClr val="bg1"/>
+                </a:solidFill>
+              </a:rPr>
+              <a:t>DATA UNDERSTANDING: </a:t>
+            </a:r>
+            <a:r>
+              <a:rPr lang="it-IT" sz="2400" dirty="0">
+                <a:solidFill>
+                  <a:schemeClr val="bg1"/>
+                </a:solidFill>
+              </a:rPr>
+              <a:t>PREPROCESSING</a:t>
+            </a:r>
+            <a:endParaRPr lang="en-US" sz="2400" dirty="0">
+              <a:solidFill>
+                <a:schemeClr val="bg1"/>
+              </a:solidFill>
+            </a:endParaRPr>
+          </a:p>
+        </p:txBody>
+      </p:sp>
+      <p:sp>
+        <p:nvSpPr>
+          <p:cNvPr id="2" name="Rectangle 6">
+            <a:extLst>
+              <a:ext uri="{FF2B5EF4-FFF2-40B4-BE49-F238E27FC236}">
+                <a16:creationId xmlns:a16="http://schemas.microsoft.com/office/drawing/2014/main" id="{FC5724C9-24A0-4B40-9A3A-FE717EF7AA55}"/>
+              </a:ext>
+            </a:extLst>
+          </p:cNvPr>
+          <p:cNvSpPr>
+            <a:spLocks noChangeArrowheads="1"/>
+          </p:cNvSpPr>
+          <p:nvPr/>
+        </p:nvSpPr>
+        <p:spPr bwMode="auto">
+          <a:xfrm>
+            <a:off x="0" y="0"/>
+            <a:ext cx="9144000" cy="457200"/>
+          </a:xfrm>
+          <a:prstGeom prst="rect">
+            <a:avLst/>
+          </a:prstGeom>
+          <a:noFill/>
+          <a:ln>
+            <a:noFill/>
+          </a:ln>
+          <a:effectLst/>
+          <a:extLst>
+            <a:ext uri="{909E8E84-426E-40DD-AFC4-6F175D3DCCD1}">
+              <a14:hiddenFill xmlns:a14="http://schemas.microsoft.com/office/drawing/2010/main">
+                <a:solidFill>
+                  <a:schemeClr val="accent1"/>
+                </a:solidFill>
+              </a14:hiddenFill>
+            </a:ext>
+            <a:ext uri="{91240B29-F687-4F45-9708-019B960494DF}">
+              <a14:hiddenLine xmlns:a14="http://schemas.microsoft.com/office/drawing/2010/main" w="9525">
+                <a:solidFill>
+                  <a:schemeClr val="tx1"/>
+                </a:solidFill>
+                <a:miter lim="800000"/>
+                <a:headEnd/>
+                <a:tailEnd/>
+              </a14:hiddenLine>
+            </a:ext>
+            <a:ext uri="{AF507438-7753-43E0-B8FC-AC1667EBCBE1}">
+              <a14:hiddenEffects xmlns:a14="http://schemas.microsoft.com/office/drawing/2010/main">
+                <a:effectLst>
+                  <a:outerShdw dist="35921" dir="2700000" algn="ctr" rotWithShape="0">
+                    <a:schemeClr val="bg2"/>
+                  </a:outerShdw>
+                </a:effectLst>
+              </a14:hiddenEffects>
+            </a:ext>
+          </a:extLst>
+        </p:spPr>
+        <p:txBody>
+          <a:bodyPr vert="horz" wrap="none" lIns="91440" tIns="45720" rIns="91440" bIns="45720" numCol="1" anchor="ctr" anchorCtr="0" compatLnSpc="1">
+            <a:prstTxWarp prst="textNoShape">
+              <a:avLst/>
+            </a:prstTxWarp>
+            <a:spAutoFit/>
+          </a:bodyPr>
+          <a:lstStyle/>
+          <a:p>
+            <a:endParaRPr lang="en-US"/>
+          </a:p>
+        </p:txBody>
+      </p:sp>
+      <p:sp>
+        <p:nvSpPr>
+          <p:cNvPr id="3" name="Rectangle 7">
+            <a:extLst>
+              <a:ext uri="{FF2B5EF4-FFF2-40B4-BE49-F238E27FC236}">
+                <a16:creationId xmlns:a16="http://schemas.microsoft.com/office/drawing/2014/main" id="{C08042F5-96DB-4FE6-B699-C1DFAB71C0C5}"/>
+              </a:ext>
+            </a:extLst>
+          </p:cNvPr>
+          <p:cNvSpPr>
+            <a:spLocks noChangeArrowheads="1"/>
+          </p:cNvSpPr>
+          <p:nvPr/>
+        </p:nvSpPr>
+        <p:spPr bwMode="auto">
+          <a:xfrm>
+            <a:off x="0" y="1838325"/>
+            <a:ext cx="9144000" cy="0"/>
+          </a:xfrm>
+          <a:prstGeom prst="rect">
+            <a:avLst/>
+          </a:prstGeom>
+          <a:noFill/>
+          <a:ln>
+            <a:noFill/>
+          </a:ln>
+          <a:effectLst/>
+          <a:extLst>
+            <a:ext uri="{909E8E84-426E-40DD-AFC4-6F175D3DCCD1}">
+              <a14:hiddenFill xmlns:a14="http://schemas.microsoft.com/office/drawing/2010/main">
+                <a:solidFill>
+                  <a:schemeClr val="accent1"/>
+                </a:solidFill>
+              </a14:hiddenFill>
+            </a:ext>
+            <a:ext uri="{91240B29-F687-4F45-9708-019B960494DF}">
+              <a14:hiddenLine xmlns:a14="http://schemas.microsoft.com/office/drawing/2010/main" w="9525">
+                <a:solidFill>
+                  <a:schemeClr val="tx1"/>
+                </a:solidFill>
+                <a:miter lim="800000"/>
+                <a:headEnd/>
+                <a:tailEnd/>
+              </a14:hiddenLine>
+            </a:ext>
+            <a:ext uri="{AF507438-7753-43E0-B8FC-AC1667EBCBE1}">
+              <a14:hiddenEffects xmlns:a14="http://schemas.microsoft.com/office/drawing/2010/main">
+                <a:effectLst>
+                  <a:outerShdw dist="35921" dir="2700000" algn="ctr" rotWithShape="0">
+                    <a:schemeClr val="bg2"/>
+                  </a:outerShdw>
+                </a:effectLst>
+              </a14:hiddenEffects>
+            </a:ext>
+          </a:extLst>
+        </p:spPr>
+        <p:txBody>
+          <a:bodyPr vert="horz" wrap="none" lIns="91440" tIns="45720" rIns="91440" bIns="45720" numCol="1" anchor="ctr" anchorCtr="0" compatLnSpc="1">
+            <a:prstTxWarp prst="textNoShape">
+              <a:avLst/>
+            </a:prstTxWarp>
+            <a:spAutoFit/>
+          </a:bodyPr>
+          <a:lstStyle/>
+          <a:p>
+            <a:pPr marL="0" marR="0" lvl="0" indent="0" algn="l" defTabSz="914400" rtl="0" eaLnBrk="0" fontAlgn="base" latinLnBrk="0" hangingPunct="0">
+              <a:lnSpc>
+                <a:spcPct val="100000"/>
+              </a:lnSpc>
+              <a:spcBef>
+                <a:spcPct val="0"/>
+              </a:spcBef>
+              <a:spcAft>
+                <a:spcPct val="0"/>
+              </a:spcAft>
+              <a:buClrTx/>
+              <a:buSzTx/>
+              <a:buFontTx/>
+              <a:buNone/>
+              <a:tabLst/>
+            </a:pPr>
+            <a:r>
+              <a:rPr kumimoji="0" lang="it-IT" altLang="en-US" sz="1100" b="0" i="0" u="none" strike="noStrike" cap="none" normalizeH="0" baseline="0">
+                <a:ln>
+                  <a:noFill/>
+                </a:ln>
+                <a:solidFill>
+                  <a:schemeClr val="tx1"/>
+                </a:solidFill>
+                <a:effectLst/>
+                <a:latin typeface="Calibri" panose="020F0502020204030204" pitchFamily="34" charset="0"/>
+                <a:ea typeface="Times New Roman" panose="02020603050405020304" pitchFamily="18" charset="0"/>
+                <a:cs typeface="Times New Roman" panose="02020603050405020304" pitchFamily="18" charset="0"/>
+              </a:rPr>
+              <a:t> </a:t>
+            </a:r>
+            <a:endParaRPr kumimoji="0" lang="it-IT" altLang="en-US" sz="1800" b="0" i="0" u="none" strike="noStrike" cap="none" normalizeH="0" baseline="0">
+              <a:ln>
+                <a:noFill/>
+              </a:ln>
+              <a:solidFill>
+                <a:schemeClr val="tx1"/>
+              </a:solidFill>
+              <a:effectLst/>
+              <a:latin typeface="Arial" panose="020B0604020202020204" pitchFamily="34" charset="0"/>
+            </a:endParaRPr>
+          </a:p>
+        </p:txBody>
+      </p:sp>
+      <p:sp>
+        <p:nvSpPr>
+          <p:cNvPr id="4" name="Rectangle 8">
+            <a:extLst>
+              <a:ext uri="{FF2B5EF4-FFF2-40B4-BE49-F238E27FC236}">
+                <a16:creationId xmlns:a16="http://schemas.microsoft.com/office/drawing/2014/main" id="{E0CBE371-8058-4503-A250-42442AAE21EC}"/>
+              </a:ext>
+            </a:extLst>
+          </p:cNvPr>
+          <p:cNvSpPr>
+            <a:spLocks noChangeArrowheads="1"/>
+          </p:cNvSpPr>
+          <p:nvPr/>
+        </p:nvSpPr>
+        <p:spPr bwMode="auto">
+          <a:xfrm>
+            <a:off x="0" y="3219450"/>
+            <a:ext cx="9144000" cy="0"/>
+          </a:xfrm>
+          <a:prstGeom prst="rect">
+            <a:avLst/>
+          </a:prstGeom>
+          <a:noFill/>
+          <a:ln>
+            <a:noFill/>
+          </a:ln>
+          <a:effectLst/>
+          <a:extLst>
+            <a:ext uri="{909E8E84-426E-40DD-AFC4-6F175D3DCCD1}">
+              <a14:hiddenFill xmlns:a14="http://schemas.microsoft.com/office/drawing/2010/main">
+                <a:solidFill>
+                  <a:schemeClr val="accent1"/>
+                </a:solidFill>
+              </a14:hiddenFill>
+            </a:ext>
+            <a:ext uri="{91240B29-F687-4F45-9708-019B960494DF}">
+              <a14:hiddenLine xmlns:a14="http://schemas.microsoft.com/office/drawing/2010/main" w="9525">
+                <a:solidFill>
+                  <a:schemeClr val="tx1"/>
+                </a:solidFill>
+                <a:miter lim="800000"/>
+                <a:headEnd/>
+                <a:tailEnd/>
+              </a14:hiddenLine>
+            </a:ext>
+            <a:ext uri="{AF507438-7753-43E0-B8FC-AC1667EBCBE1}">
+              <a14:hiddenEffects xmlns:a14="http://schemas.microsoft.com/office/drawing/2010/main">
+                <a:effectLst>
+                  <a:outerShdw dist="35921" dir="2700000" algn="ctr" rotWithShape="0">
+                    <a:schemeClr val="bg2"/>
+                  </a:outerShdw>
+                </a:effectLst>
+              </a14:hiddenEffects>
+            </a:ext>
+          </a:extLst>
+        </p:spPr>
+        <p:txBody>
+          <a:bodyPr vert="horz" wrap="none" lIns="91440" tIns="45720" rIns="91440" bIns="45720" numCol="1" anchor="ctr" anchorCtr="0" compatLnSpc="1">
+            <a:prstTxWarp prst="textNoShape">
+              <a:avLst/>
+            </a:prstTxWarp>
+            <a:spAutoFit/>
+          </a:bodyPr>
+          <a:lstStyle/>
+          <a:p>
+            <a:pPr marL="0" marR="0" lvl="0" indent="0" algn="l" defTabSz="914400" rtl="0" eaLnBrk="0" fontAlgn="base" latinLnBrk="0" hangingPunct="0">
+              <a:lnSpc>
+                <a:spcPct val="100000"/>
+              </a:lnSpc>
+              <a:spcBef>
+                <a:spcPct val="0"/>
+              </a:spcBef>
+              <a:spcAft>
+                <a:spcPct val="0"/>
+              </a:spcAft>
+              <a:buClrTx/>
+              <a:buSzTx/>
+              <a:buFontTx/>
+              <a:buNone/>
+              <a:tabLst/>
+            </a:pPr>
+            <a:r>
+              <a:rPr kumimoji="0" lang="it-IT" altLang="en-US" sz="1100" b="0" i="0" u="none" strike="noStrike" cap="none" normalizeH="0" baseline="0" dirty="0">
+                <a:ln>
+                  <a:noFill/>
+                </a:ln>
+                <a:solidFill>
+                  <a:schemeClr val="tx1"/>
+                </a:solidFill>
+                <a:effectLst/>
+                <a:latin typeface="Calibri" panose="020F0502020204030204" pitchFamily="34" charset="0"/>
+                <a:ea typeface="Times New Roman" panose="02020603050405020304" pitchFamily="18" charset="0"/>
+                <a:cs typeface="Times New Roman" panose="02020603050405020304" pitchFamily="18" charset="0"/>
+              </a:rPr>
+              <a:t> </a:t>
+            </a:r>
+            <a:endParaRPr kumimoji="0" lang="it-IT" altLang="en-US" sz="1800" b="0" i="0" u="none" strike="noStrike" cap="none" normalizeH="0" baseline="0" dirty="0">
+              <a:ln>
+                <a:noFill/>
+              </a:ln>
+              <a:solidFill>
+                <a:schemeClr val="tx1"/>
+              </a:solidFill>
+              <a:effectLst/>
+              <a:latin typeface="Arial" panose="020B0604020202020204" pitchFamily="34" charset="0"/>
+            </a:endParaRPr>
+          </a:p>
+        </p:txBody>
+      </p:sp>
+      <p:sp>
+        <p:nvSpPr>
+          <p:cNvPr id="10" name="Rectangle 9">
+            <a:extLst>
+              <a:ext uri="{FF2B5EF4-FFF2-40B4-BE49-F238E27FC236}">
+                <a16:creationId xmlns:a16="http://schemas.microsoft.com/office/drawing/2014/main" id="{99468FB6-6461-4A91-9E0B-2B3FC25F715E}"/>
+              </a:ext>
+            </a:extLst>
+          </p:cNvPr>
+          <p:cNvSpPr>
+            <a:spLocks noChangeArrowheads="1"/>
+          </p:cNvSpPr>
+          <p:nvPr/>
+        </p:nvSpPr>
+        <p:spPr bwMode="auto">
+          <a:xfrm>
+            <a:off x="0" y="4600575"/>
+            <a:ext cx="9144000" cy="0"/>
+          </a:xfrm>
+          <a:prstGeom prst="rect">
+            <a:avLst/>
+          </a:prstGeom>
+          <a:noFill/>
+          <a:ln>
+            <a:noFill/>
+          </a:ln>
+          <a:effectLst/>
+          <a:extLst>
+            <a:ext uri="{909E8E84-426E-40DD-AFC4-6F175D3DCCD1}">
+              <a14:hiddenFill xmlns:a14="http://schemas.microsoft.com/office/drawing/2010/main">
+                <a:solidFill>
+                  <a:schemeClr val="accent1"/>
+                </a:solidFill>
+              </a14:hiddenFill>
+            </a:ext>
+            <a:ext uri="{91240B29-F687-4F45-9708-019B960494DF}">
+              <a14:hiddenLine xmlns:a14="http://schemas.microsoft.com/office/drawing/2010/main" w="9525">
+                <a:solidFill>
+                  <a:schemeClr val="tx1"/>
+                </a:solidFill>
+                <a:miter lim="800000"/>
+                <a:headEnd/>
+                <a:tailEnd/>
+              </a14:hiddenLine>
+            </a:ext>
+            <a:ext uri="{AF507438-7753-43E0-B8FC-AC1667EBCBE1}">
+              <a14:hiddenEffects xmlns:a14="http://schemas.microsoft.com/office/drawing/2010/main">
+                <a:effectLst>
+                  <a:outerShdw dist="35921" dir="2700000" algn="ctr" rotWithShape="0">
+                    <a:schemeClr val="bg2"/>
+                  </a:outerShdw>
+                </a:effectLst>
+              </a14:hiddenEffects>
+            </a:ext>
+          </a:extLst>
+        </p:spPr>
+        <p:txBody>
+          <a:bodyPr vert="horz" wrap="none" lIns="91440" tIns="45720" rIns="91440" bIns="45720" numCol="1" anchor="ctr" anchorCtr="0" compatLnSpc="1">
+            <a:prstTxWarp prst="textNoShape">
+              <a:avLst/>
+            </a:prstTxWarp>
+            <a:spAutoFit/>
+          </a:bodyPr>
+          <a:lstStyle/>
+          <a:p>
+            <a:pPr marL="0" marR="0" lvl="0" indent="0" algn="l" defTabSz="914400" rtl="0" eaLnBrk="0" fontAlgn="base" latinLnBrk="0" hangingPunct="0">
+              <a:lnSpc>
+                <a:spcPct val="100000"/>
+              </a:lnSpc>
+              <a:spcBef>
+                <a:spcPct val="0"/>
+              </a:spcBef>
+              <a:spcAft>
+                <a:spcPct val="0"/>
+              </a:spcAft>
+              <a:buClrTx/>
+              <a:buSzTx/>
+              <a:buFontTx/>
+              <a:buNone/>
+              <a:tabLst/>
+            </a:pPr>
+            <a:r>
+              <a:rPr kumimoji="0" lang="it-IT" altLang="en-US" sz="1100" b="0" i="0" u="none" strike="noStrike" cap="none" normalizeH="0" baseline="0">
+                <a:ln>
+                  <a:noFill/>
+                </a:ln>
+                <a:solidFill>
+                  <a:schemeClr val="tx1"/>
+                </a:solidFill>
+                <a:effectLst/>
+                <a:latin typeface="Calibri" panose="020F0502020204030204" pitchFamily="34" charset="0"/>
+                <a:ea typeface="Times New Roman" panose="02020603050405020304" pitchFamily="18" charset="0"/>
+                <a:cs typeface="Times New Roman" panose="02020603050405020304" pitchFamily="18" charset="0"/>
+              </a:rPr>
+              <a:t> </a:t>
+            </a:r>
+            <a:endParaRPr kumimoji="0" lang="it-IT" altLang="en-US" sz="1800" b="0" i="0" u="none" strike="noStrike" cap="none" normalizeH="0" baseline="0">
+              <a:ln>
+                <a:noFill/>
+              </a:ln>
+              <a:solidFill>
+                <a:schemeClr val="tx1"/>
+              </a:solidFill>
+              <a:effectLst/>
+              <a:latin typeface="Arial" panose="020B0604020202020204" pitchFamily="34" charset="0"/>
+            </a:endParaRPr>
+          </a:p>
+        </p:txBody>
+      </p:sp>
+      <p:sp>
+        <p:nvSpPr>
+          <p:cNvPr id="11" name="Rectangle 10">
+            <a:extLst>
+              <a:ext uri="{FF2B5EF4-FFF2-40B4-BE49-F238E27FC236}">
+                <a16:creationId xmlns:a16="http://schemas.microsoft.com/office/drawing/2014/main" id="{E4D9815E-FC57-48D4-9710-C34FDAE236EF}"/>
+              </a:ext>
+            </a:extLst>
+          </p:cNvPr>
+          <p:cNvSpPr>
+            <a:spLocks noChangeArrowheads="1"/>
+          </p:cNvSpPr>
+          <p:nvPr/>
+        </p:nvSpPr>
+        <p:spPr bwMode="auto">
+          <a:xfrm>
+            <a:off x="0" y="6000750"/>
+            <a:ext cx="9144000" cy="0"/>
+          </a:xfrm>
+          <a:prstGeom prst="rect">
+            <a:avLst/>
+          </a:prstGeom>
+          <a:noFill/>
+          <a:ln>
+            <a:noFill/>
+          </a:ln>
+          <a:effectLst/>
+          <a:extLst>
+            <a:ext uri="{909E8E84-426E-40DD-AFC4-6F175D3DCCD1}">
+              <a14:hiddenFill xmlns:a14="http://schemas.microsoft.com/office/drawing/2010/main">
+                <a:solidFill>
+                  <a:schemeClr val="accent1"/>
+                </a:solidFill>
+              </a14:hiddenFill>
+            </a:ext>
+            <a:ext uri="{91240B29-F687-4F45-9708-019B960494DF}">
+              <a14:hiddenLine xmlns:a14="http://schemas.microsoft.com/office/drawing/2010/main" w="9525">
+                <a:solidFill>
+                  <a:schemeClr val="tx1"/>
+                </a:solidFill>
+                <a:miter lim="800000"/>
+                <a:headEnd/>
+                <a:tailEnd/>
+              </a14:hiddenLine>
+            </a:ext>
+            <a:ext uri="{AF507438-7753-43E0-B8FC-AC1667EBCBE1}">
+              <a14:hiddenEffects xmlns:a14="http://schemas.microsoft.com/office/drawing/2010/main">
+                <a:effectLst>
+                  <a:outerShdw dist="35921" dir="2700000" algn="ctr" rotWithShape="0">
+                    <a:schemeClr val="bg2"/>
+                  </a:outerShdw>
+                </a:effectLst>
+              </a14:hiddenEffects>
+            </a:ext>
+          </a:extLst>
+        </p:spPr>
+        <p:txBody>
+          <a:bodyPr vert="horz" wrap="none" lIns="91440" tIns="45720" rIns="91440" bIns="45720" numCol="1" anchor="ctr" anchorCtr="0" compatLnSpc="1">
+            <a:prstTxWarp prst="textNoShape">
+              <a:avLst/>
+            </a:prstTxWarp>
+            <a:spAutoFit/>
+          </a:bodyPr>
+          <a:lstStyle/>
+          <a:p>
+            <a:pPr marL="0" marR="0" lvl="0" indent="0" algn="l" defTabSz="914400" rtl="0" eaLnBrk="0" fontAlgn="base" latinLnBrk="0" hangingPunct="0">
+              <a:lnSpc>
+                <a:spcPct val="100000"/>
+              </a:lnSpc>
+              <a:spcBef>
+                <a:spcPct val="0"/>
+              </a:spcBef>
+              <a:spcAft>
+                <a:spcPct val="0"/>
+              </a:spcAft>
+              <a:buClrTx/>
+              <a:buSzTx/>
+              <a:buFontTx/>
+              <a:buNone/>
+              <a:tabLst/>
+            </a:pPr>
+            <a:r>
+              <a:rPr kumimoji="0" lang="it-IT" altLang="en-US" sz="1100" b="0" i="0" u="none" strike="noStrike" cap="none" normalizeH="0" baseline="0">
+                <a:ln>
+                  <a:noFill/>
+                </a:ln>
+                <a:solidFill>
+                  <a:schemeClr val="tx1"/>
+                </a:solidFill>
+                <a:effectLst/>
+                <a:latin typeface="Calibri" panose="020F0502020204030204" pitchFamily="34" charset="0"/>
+                <a:ea typeface="Times New Roman" panose="02020603050405020304" pitchFamily="18" charset="0"/>
+                <a:cs typeface="Times New Roman" panose="02020603050405020304" pitchFamily="18" charset="0"/>
+              </a:rPr>
+              <a:t> </a:t>
+            </a:r>
+            <a:endParaRPr kumimoji="0" lang="it-IT" altLang="en-US" sz="1800" b="0" i="0" u="none" strike="noStrike" cap="none" normalizeH="0" baseline="0">
+              <a:ln>
+                <a:noFill/>
+              </a:ln>
+              <a:solidFill>
+                <a:schemeClr val="tx1"/>
+              </a:solidFill>
+              <a:effectLst/>
+              <a:latin typeface="Arial" panose="020B0604020202020204" pitchFamily="34" charset="0"/>
+            </a:endParaRPr>
+          </a:p>
+        </p:txBody>
+      </p:sp>
+      <p:sp>
+        <p:nvSpPr>
+          <p:cNvPr id="12" name="Segnaposto contenuto 2">
+            <a:extLst>
+              <a:ext uri="{FF2B5EF4-FFF2-40B4-BE49-F238E27FC236}">
+                <a16:creationId xmlns:a16="http://schemas.microsoft.com/office/drawing/2014/main" id="{6B55346A-7B45-43F0-B6B4-9CFD350F7410}"/>
+              </a:ext>
+            </a:extLst>
+          </p:cNvPr>
+          <p:cNvSpPr txBox="1">
+            <a:spLocks/>
+          </p:cNvSpPr>
+          <p:nvPr/>
+        </p:nvSpPr>
+        <p:spPr>
+          <a:xfrm>
+            <a:off x="518864" y="2266528"/>
+            <a:ext cx="8229600" cy="4114800"/>
+          </a:xfrm>
+          <a:prstGeom prst="rect">
+            <a:avLst/>
+          </a:prstGeom>
+        </p:spPr>
+        <p:txBody>
+          <a:bodyPr vert="horz" lIns="91440" tIns="45720" rIns="91440" bIns="45720" rtlCol="0">
+            <a:normAutofit fontScale="92500" lnSpcReduction="20000"/>
+          </a:bodyPr>
+          <a:lstStyle>
+            <a:lvl1pPr marL="257175" indent="-257175" algn="l" defTabSz="342900" rtl="0" eaLnBrk="1" latinLnBrk="0" hangingPunct="1">
+              <a:spcBef>
+                <a:spcPct val="20000"/>
+              </a:spcBef>
+              <a:buFont typeface="Arial"/>
+              <a:buChar char="•"/>
+              <a:defRPr sz="2400" kern="1200">
+                <a:solidFill>
+                  <a:schemeClr val="tx1"/>
+                </a:solidFill>
+                <a:latin typeface="+mn-lt"/>
+                <a:ea typeface="+mn-ea"/>
+                <a:cs typeface="+mn-cs"/>
+              </a:defRPr>
+            </a:lvl1pPr>
+            <a:lvl2pPr marL="557213" indent="-214313" algn="l" defTabSz="342900" rtl="0" eaLnBrk="1" latinLnBrk="0" hangingPunct="1">
+              <a:spcBef>
+                <a:spcPct val="20000"/>
+              </a:spcBef>
+              <a:buFont typeface="Arial"/>
+              <a:buChar char="–"/>
+              <a:defRPr sz="2100" kern="1200">
+                <a:solidFill>
+                  <a:schemeClr val="tx1"/>
+                </a:solidFill>
+                <a:latin typeface="+mn-lt"/>
+                <a:ea typeface="+mn-ea"/>
+                <a:cs typeface="+mn-cs"/>
+              </a:defRPr>
+            </a:lvl2pPr>
+            <a:lvl3pPr marL="857250" indent="-171450" algn="l" defTabSz="342900" rtl="0" eaLnBrk="1" latinLnBrk="0" hangingPunct="1">
+              <a:spcBef>
+                <a:spcPct val="20000"/>
+              </a:spcBef>
+              <a:buFont typeface="Arial"/>
+              <a:buChar char="•"/>
+              <a:defRPr sz="1800" kern="1200">
+                <a:solidFill>
+                  <a:schemeClr val="tx1"/>
+                </a:solidFill>
+                <a:latin typeface="+mn-lt"/>
+                <a:ea typeface="+mn-ea"/>
+                <a:cs typeface="+mn-cs"/>
+              </a:defRPr>
+            </a:lvl3pPr>
+            <a:lvl4pPr marL="1200150" indent="-171450" algn="l" defTabSz="342900" rtl="0" eaLnBrk="1" latinLnBrk="0" hangingPunct="1">
+              <a:spcBef>
+                <a:spcPct val="20000"/>
+              </a:spcBef>
+              <a:buFont typeface="Arial"/>
+              <a:buChar char="–"/>
+              <a:defRPr sz="1500" kern="1200">
+                <a:solidFill>
+                  <a:schemeClr val="tx1"/>
+                </a:solidFill>
+                <a:latin typeface="+mn-lt"/>
+                <a:ea typeface="+mn-ea"/>
+                <a:cs typeface="+mn-cs"/>
+              </a:defRPr>
+            </a:lvl4pPr>
+            <a:lvl5pPr marL="1543050" indent="-171450" algn="l" defTabSz="342900" rtl="0" eaLnBrk="1" latinLnBrk="0" hangingPunct="1">
+              <a:spcBef>
+                <a:spcPct val="20000"/>
+              </a:spcBef>
+              <a:buFont typeface="Arial"/>
+              <a:buChar char="»"/>
+              <a:defRPr sz="1500" kern="1200">
+                <a:solidFill>
+                  <a:schemeClr val="tx1"/>
+                </a:solidFill>
+                <a:latin typeface="+mn-lt"/>
+                <a:ea typeface="+mn-ea"/>
+                <a:cs typeface="+mn-cs"/>
+              </a:defRPr>
+            </a:lvl5pPr>
+            <a:lvl6pPr marL="1885950" indent="-171450" algn="l" defTabSz="342900" rtl="0" eaLnBrk="1" latinLnBrk="0" hangingPunct="1">
+              <a:spcBef>
+                <a:spcPct val="20000"/>
+              </a:spcBef>
+              <a:buFont typeface="Arial"/>
+              <a:buChar char="•"/>
+              <a:defRPr sz="1500" kern="1200">
+                <a:solidFill>
+                  <a:schemeClr val="tx1"/>
+                </a:solidFill>
+                <a:latin typeface="+mn-lt"/>
+                <a:ea typeface="+mn-ea"/>
+                <a:cs typeface="+mn-cs"/>
+              </a:defRPr>
+            </a:lvl6pPr>
+            <a:lvl7pPr marL="2228850" indent="-171450" algn="l" defTabSz="342900" rtl="0" eaLnBrk="1" latinLnBrk="0" hangingPunct="1">
+              <a:spcBef>
+                <a:spcPct val="20000"/>
+              </a:spcBef>
+              <a:buFont typeface="Arial"/>
+              <a:buChar char="•"/>
+              <a:defRPr sz="1500" kern="1200">
+                <a:solidFill>
+                  <a:schemeClr val="tx1"/>
+                </a:solidFill>
+                <a:latin typeface="+mn-lt"/>
+                <a:ea typeface="+mn-ea"/>
+                <a:cs typeface="+mn-cs"/>
+              </a:defRPr>
+            </a:lvl7pPr>
+            <a:lvl8pPr marL="2571750" indent="-171450" algn="l" defTabSz="342900" rtl="0" eaLnBrk="1" latinLnBrk="0" hangingPunct="1">
+              <a:spcBef>
+                <a:spcPct val="20000"/>
+              </a:spcBef>
+              <a:buFont typeface="Arial"/>
+              <a:buChar char="•"/>
+              <a:defRPr sz="1500" kern="1200">
+                <a:solidFill>
+                  <a:schemeClr val="tx1"/>
+                </a:solidFill>
+                <a:latin typeface="+mn-lt"/>
+                <a:ea typeface="+mn-ea"/>
+                <a:cs typeface="+mn-cs"/>
+              </a:defRPr>
+            </a:lvl8pPr>
+            <a:lvl9pPr marL="2914650" indent="-171450" algn="l" defTabSz="342900" rtl="0" eaLnBrk="1" latinLnBrk="0" hangingPunct="1">
+              <a:spcBef>
+                <a:spcPct val="20000"/>
+              </a:spcBef>
+              <a:buFont typeface="Arial"/>
+              <a:buChar char="•"/>
+              <a:defRPr sz="1500" kern="1200">
+                <a:solidFill>
+                  <a:schemeClr val="tx1"/>
+                </a:solidFill>
+                <a:latin typeface="+mn-lt"/>
+                <a:ea typeface="+mn-ea"/>
+                <a:cs typeface="+mn-cs"/>
+              </a:defRPr>
+            </a:lvl9pPr>
+          </a:lstStyle>
+          <a:p>
+            <a:pPr algn="just"/>
+            <a:r>
+              <a:rPr lang="it-IT" dirty="0"/>
+              <a:t>Rimangono valide le stesse considerazioni espresse nel caso del </a:t>
+            </a:r>
+            <a:r>
+              <a:rPr lang="it-IT" dirty="0" err="1"/>
+              <a:t>sottoset</a:t>
+            </a:r>
+            <a:r>
+              <a:rPr lang="it-IT" dirty="0"/>
+              <a:t> precedente riguardo all’attributo classe e la rimozione degli attributi non pertinenti all’analisi.</a:t>
+            </a:r>
+          </a:p>
+          <a:p>
+            <a:pPr marL="0" indent="0" algn="just">
+              <a:buNone/>
+            </a:pPr>
+            <a:endParaRPr lang="it-IT" dirty="0"/>
+          </a:p>
+          <a:p>
+            <a:pPr algn="just"/>
+            <a:r>
+              <a:rPr lang="it-IT" dirty="0"/>
+              <a:t>Una scelta significativa che è stata fatta è </a:t>
+            </a:r>
+            <a:r>
+              <a:rPr lang="it-IT" dirty="0">
+                <a:solidFill>
+                  <a:srgbClr val="0070C0"/>
+                </a:solidFill>
+              </a:rPr>
+              <a:t>ignorare i valori mancanti</a:t>
+            </a:r>
+            <a:r>
+              <a:rPr lang="it-IT" dirty="0"/>
+              <a:t>: se si scegliesse di considerarli nulli, appare ovvio che nel </a:t>
+            </a:r>
+            <a:r>
+              <a:rPr lang="it-IT" dirty="0" err="1"/>
+              <a:t>clustering</a:t>
+            </a:r>
+            <a:r>
+              <a:rPr lang="it-IT" dirty="0"/>
+              <a:t> essi verrebbero aggregati tutti insieme, di fatto </a:t>
+            </a:r>
+            <a:r>
+              <a:rPr lang="it-IT" i="1" dirty="0"/>
+              <a:t>sprecando un cluster.</a:t>
+            </a:r>
+          </a:p>
+          <a:p>
+            <a:pPr lvl="1" algn="just"/>
+            <a:r>
+              <a:rPr lang="it-IT" dirty="0">
+                <a:solidFill>
+                  <a:schemeClr val="bg1">
+                    <a:lumMod val="50000"/>
+                  </a:schemeClr>
+                </a:solidFill>
+              </a:rPr>
+              <a:t>Occorre però tenere ben a mente che si sta operando </a:t>
+            </a:r>
+            <a:r>
+              <a:rPr lang="it-IT" u="sng" dirty="0">
+                <a:solidFill>
+                  <a:schemeClr val="bg1">
+                    <a:lumMod val="50000"/>
+                  </a:schemeClr>
+                </a:solidFill>
+              </a:rPr>
+              <a:t>soltanto</a:t>
+            </a:r>
+            <a:r>
+              <a:rPr lang="it-IT" dirty="0">
+                <a:solidFill>
+                  <a:schemeClr val="bg1">
+                    <a:lumMod val="50000"/>
+                  </a:schemeClr>
+                </a:solidFill>
+              </a:rPr>
+              <a:t> sulle istanze che hanno superato l’esame, per evitare di trarre poi conclusioni sbagliate.</a:t>
+            </a:r>
+          </a:p>
+          <a:p>
+            <a:pPr algn="just"/>
+            <a:endParaRPr lang="it-IT" dirty="0"/>
+          </a:p>
+          <a:p>
+            <a:pPr algn="just"/>
+            <a:r>
+              <a:rPr lang="it-IT" dirty="0"/>
+              <a:t>Riguardo agli attributi indicanti il voto di un esame, nessuna operazione è stata compiuta in quanto la scala di valutazione risulta già consistente (da 18 a 31). </a:t>
+            </a:r>
+          </a:p>
+          <a:p>
+            <a:pPr algn="just"/>
+            <a:endParaRPr lang="it-IT" dirty="0"/>
+          </a:p>
+        </p:txBody>
+      </p:sp>
+    </p:spTree>
+    <p:extLst>
+      <p:ext uri="{BB962C8B-B14F-4D97-AF65-F5344CB8AC3E}">
+        <p14:creationId xmlns:p14="http://schemas.microsoft.com/office/powerpoint/2010/main" val="2174579880"/>
+      </p:ext>
+    </p:extLst>
+  </p:cSld>
+  <p:clrMapOvr>
+    <a:masterClrMapping/>
+  </p:clrMapOvr>
+</p:sld>
+</file>
+
+<file path=ppt/slides/slide35.xml><?xml version="1.0" encoding="utf-8"?>
+<p:sld xmlns:a="http://schemas.openxmlformats.org/drawingml/2006/main" xmlns:r="http://schemas.openxmlformats.org/officeDocument/2006/relationships" xmlns:p="http://schemas.openxmlformats.org/presentationml/2006/main">
+  <p:cSld>
+    <p:spTree>
+      <p:nvGrpSpPr>
+        <p:cNvPr id="1" name=""/>
+        <p:cNvGrpSpPr/>
+        <p:nvPr/>
+      </p:nvGrpSpPr>
+      <p:grpSpPr>
+        <a:xfrm>
+          <a:off x="0" y="0"/>
+          <a:ext cx="0" cy="0"/>
+          <a:chOff x="0" y="0"/>
+          <a:chExt cx="0" cy="0"/>
+        </a:xfrm>
+      </p:grpSpPr>
+      <p:sp>
+        <p:nvSpPr>
+          <p:cNvPr id="8" name="Segnaposto contenuto 2">
+            <a:extLst>
+              <a:ext uri="{FF2B5EF4-FFF2-40B4-BE49-F238E27FC236}">
+                <a16:creationId xmlns:a16="http://schemas.microsoft.com/office/drawing/2014/main" id="{C2E44FE5-CCA1-4E8F-905A-F2F5CDF25092}"/>
+              </a:ext>
+            </a:extLst>
+          </p:cNvPr>
+          <p:cNvSpPr>
+            <a:spLocks noGrp="1"/>
+          </p:cNvSpPr>
+          <p:nvPr>
+            <p:ph idx="1"/>
+          </p:nvPr>
+        </p:nvSpPr>
+        <p:spPr>
+          <a:xfrm>
+            <a:off x="457200" y="1700808"/>
+            <a:ext cx="8229600" cy="4114800"/>
+          </a:xfrm>
+        </p:spPr>
+        <p:txBody>
+          <a:bodyPr>
+            <a:normAutofit/>
+          </a:bodyPr>
+          <a:lstStyle/>
+          <a:p>
+            <a:pPr marL="342900" lvl="1" indent="0" algn="just">
+              <a:buNone/>
+            </a:pPr>
+            <a:endParaRPr lang="it-IT" dirty="0"/>
+          </a:p>
+          <a:p>
+            <a:pPr marL="0" indent="0" algn="just">
+              <a:buNone/>
+            </a:pPr>
+            <a:endParaRPr lang="it-IT" sz="2000" dirty="0"/>
+          </a:p>
+          <a:p>
+            <a:pPr marL="0" indent="0" algn="just">
+              <a:buNone/>
+            </a:pPr>
+            <a:endParaRPr lang="it-IT" dirty="0"/>
+          </a:p>
+        </p:txBody>
+      </p:sp>
+      <p:sp>
+        <p:nvSpPr>
+          <p:cNvPr id="9" name="Segnaposto contenuto 2">
+            <a:extLst>
+              <a:ext uri="{FF2B5EF4-FFF2-40B4-BE49-F238E27FC236}">
+                <a16:creationId xmlns:a16="http://schemas.microsoft.com/office/drawing/2014/main" id="{89886170-B615-43F8-AA8E-D5565391C42A}"/>
+              </a:ext>
+            </a:extLst>
+          </p:cNvPr>
+          <p:cNvSpPr txBox="1">
+            <a:spLocks/>
+          </p:cNvSpPr>
+          <p:nvPr/>
+        </p:nvSpPr>
+        <p:spPr>
+          <a:xfrm>
+            <a:off x="457200" y="5029199"/>
+            <a:ext cx="8229600" cy="1074753"/>
+          </a:xfrm>
+          <a:prstGeom prst="rect">
+            <a:avLst/>
+          </a:prstGeom>
+        </p:spPr>
+        <p:txBody>
+          <a:bodyPr vert="horz" lIns="91440" tIns="45720" rIns="91440" bIns="45720" rtlCol="0">
+            <a:normAutofit/>
+          </a:bodyPr>
+          <a:lstStyle>
+            <a:lvl1pPr marL="257175" indent="-257175" algn="l" defTabSz="342900" rtl="0" eaLnBrk="1" latinLnBrk="0" hangingPunct="1">
+              <a:spcBef>
+                <a:spcPct val="20000"/>
+              </a:spcBef>
+              <a:buFont typeface="Arial"/>
+              <a:buChar char="•"/>
+              <a:defRPr sz="2400" kern="1200">
+                <a:solidFill>
+                  <a:schemeClr val="tx1"/>
+                </a:solidFill>
+                <a:latin typeface="+mn-lt"/>
+                <a:ea typeface="+mn-ea"/>
+                <a:cs typeface="+mn-cs"/>
+              </a:defRPr>
+            </a:lvl1pPr>
+            <a:lvl2pPr marL="557213" indent="-214313" algn="l" defTabSz="342900" rtl="0" eaLnBrk="1" latinLnBrk="0" hangingPunct="1">
+              <a:spcBef>
+                <a:spcPct val="20000"/>
+              </a:spcBef>
+              <a:buFont typeface="Arial"/>
+              <a:buChar char="–"/>
+              <a:defRPr sz="2100" kern="1200">
+                <a:solidFill>
+                  <a:schemeClr val="tx1"/>
+                </a:solidFill>
+                <a:latin typeface="+mn-lt"/>
+                <a:ea typeface="+mn-ea"/>
+                <a:cs typeface="+mn-cs"/>
+              </a:defRPr>
+            </a:lvl2pPr>
+            <a:lvl3pPr marL="857250" indent="-171450" algn="l" defTabSz="342900" rtl="0" eaLnBrk="1" latinLnBrk="0" hangingPunct="1">
+              <a:spcBef>
+                <a:spcPct val="20000"/>
+              </a:spcBef>
+              <a:buFont typeface="Arial"/>
+              <a:buChar char="•"/>
+              <a:defRPr sz="1800" kern="1200">
+                <a:solidFill>
+                  <a:schemeClr val="tx1"/>
+                </a:solidFill>
+                <a:latin typeface="+mn-lt"/>
+                <a:ea typeface="+mn-ea"/>
+                <a:cs typeface="+mn-cs"/>
+              </a:defRPr>
+            </a:lvl3pPr>
+            <a:lvl4pPr marL="1200150" indent="-171450" algn="l" defTabSz="342900" rtl="0" eaLnBrk="1" latinLnBrk="0" hangingPunct="1">
+              <a:spcBef>
+                <a:spcPct val="20000"/>
+              </a:spcBef>
+              <a:buFont typeface="Arial"/>
+              <a:buChar char="–"/>
+              <a:defRPr sz="1500" kern="1200">
+                <a:solidFill>
+                  <a:schemeClr val="tx1"/>
+                </a:solidFill>
+                <a:latin typeface="+mn-lt"/>
+                <a:ea typeface="+mn-ea"/>
+                <a:cs typeface="+mn-cs"/>
+              </a:defRPr>
+            </a:lvl4pPr>
+            <a:lvl5pPr marL="1543050" indent="-171450" algn="l" defTabSz="342900" rtl="0" eaLnBrk="1" latinLnBrk="0" hangingPunct="1">
+              <a:spcBef>
+                <a:spcPct val="20000"/>
+              </a:spcBef>
+              <a:buFont typeface="Arial"/>
+              <a:buChar char="»"/>
+              <a:defRPr sz="1500" kern="1200">
+                <a:solidFill>
+                  <a:schemeClr val="tx1"/>
+                </a:solidFill>
+                <a:latin typeface="+mn-lt"/>
+                <a:ea typeface="+mn-ea"/>
+                <a:cs typeface="+mn-cs"/>
+              </a:defRPr>
+            </a:lvl5pPr>
+            <a:lvl6pPr marL="1885950" indent="-171450" algn="l" defTabSz="342900" rtl="0" eaLnBrk="1" latinLnBrk="0" hangingPunct="1">
+              <a:spcBef>
+                <a:spcPct val="20000"/>
+              </a:spcBef>
+              <a:buFont typeface="Arial"/>
+              <a:buChar char="•"/>
+              <a:defRPr sz="1500" kern="1200">
+                <a:solidFill>
+                  <a:schemeClr val="tx1"/>
+                </a:solidFill>
+                <a:latin typeface="+mn-lt"/>
+                <a:ea typeface="+mn-ea"/>
+                <a:cs typeface="+mn-cs"/>
+              </a:defRPr>
+            </a:lvl6pPr>
+            <a:lvl7pPr marL="2228850" indent="-171450" algn="l" defTabSz="342900" rtl="0" eaLnBrk="1" latinLnBrk="0" hangingPunct="1">
+              <a:spcBef>
+                <a:spcPct val="20000"/>
+              </a:spcBef>
+              <a:buFont typeface="Arial"/>
+              <a:buChar char="•"/>
+              <a:defRPr sz="1500" kern="1200">
+                <a:solidFill>
+                  <a:schemeClr val="tx1"/>
+                </a:solidFill>
+                <a:latin typeface="+mn-lt"/>
+                <a:ea typeface="+mn-ea"/>
+                <a:cs typeface="+mn-cs"/>
+              </a:defRPr>
+            </a:lvl7pPr>
+            <a:lvl8pPr marL="2571750" indent="-171450" algn="l" defTabSz="342900" rtl="0" eaLnBrk="1" latinLnBrk="0" hangingPunct="1">
+              <a:spcBef>
+                <a:spcPct val="20000"/>
+              </a:spcBef>
+              <a:buFont typeface="Arial"/>
+              <a:buChar char="•"/>
+              <a:defRPr sz="1500" kern="1200">
+                <a:solidFill>
+                  <a:schemeClr val="tx1"/>
+                </a:solidFill>
+                <a:latin typeface="+mn-lt"/>
+                <a:ea typeface="+mn-ea"/>
+                <a:cs typeface="+mn-cs"/>
+              </a:defRPr>
+            </a:lvl8pPr>
+            <a:lvl9pPr marL="2914650" indent="-171450" algn="l" defTabSz="342900" rtl="0" eaLnBrk="1" latinLnBrk="0" hangingPunct="1">
+              <a:spcBef>
+                <a:spcPct val="20000"/>
+              </a:spcBef>
+              <a:buFont typeface="Arial"/>
+              <a:buChar char="•"/>
+              <a:defRPr sz="1500" kern="1200">
+                <a:solidFill>
+                  <a:schemeClr val="tx1"/>
+                </a:solidFill>
+                <a:latin typeface="+mn-lt"/>
+                <a:ea typeface="+mn-ea"/>
+                <a:cs typeface="+mn-cs"/>
+              </a:defRPr>
+            </a:lvl9pPr>
+          </a:lstStyle>
+          <a:p>
+            <a:pPr marL="0" indent="0" algn="just">
+              <a:buFont typeface="Arial"/>
+              <a:buNone/>
+            </a:pPr>
+            <a:endParaRPr lang="it-IT" dirty="0"/>
+          </a:p>
+          <a:p>
+            <a:pPr marL="0" indent="0" algn="just">
+              <a:buFont typeface="Arial"/>
+              <a:buNone/>
+            </a:pPr>
+            <a:endParaRPr lang="it-IT" dirty="0"/>
+          </a:p>
+          <a:p>
+            <a:endParaRPr lang="en-US" sz="2000" dirty="0"/>
+          </a:p>
+        </p:txBody>
+      </p:sp>
+      <p:sp>
+        <p:nvSpPr>
+          <p:cNvPr id="6" name="Titolo 1">
+            <a:extLst>
+              <a:ext uri="{FF2B5EF4-FFF2-40B4-BE49-F238E27FC236}">
+                <a16:creationId xmlns:a16="http://schemas.microsoft.com/office/drawing/2014/main" id="{32602169-0966-4893-B032-33CFCD986CA0}"/>
+              </a:ext>
+            </a:extLst>
+          </p:cNvPr>
+          <p:cNvSpPr txBox="1">
+            <a:spLocks/>
+          </p:cNvSpPr>
+          <p:nvPr/>
+        </p:nvSpPr>
+        <p:spPr>
+          <a:xfrm>
+            <a:off x="1447800" y="152400"/>
+            <a:ext cx="8229600" cy="1143000"/>
+          </a:xfrm>
+          <a:prstGeom prst="rect">
+            <a:avLst/>
+          </a:prstGeom>
+        </p:spPr>
+        <p:txBody>
+          <a:bodyPr>
+            <a:noAutofit/>
+          </a:bodyPr>
+          <a:lstStyle>
+            <a:lvl1pPr algn="ctr" defTabSz="342900" rtl="0" eaLnBrk="1" latinLnBrk="0" hangingPunct="1">
+              <a:spcBef>
+                <a:spcPct val="0"/>
+              </a:spcBef>
+              <a:buNone/>
+              <a:defRPr sz="3300" kern="1200">
+                <a:solidFill>
+                  <a:schemeClr val="tx1"/>
+                </a:solidFill>
+                <a:latin typeface="+mj-lt"/>
+                <a:ea typeface="+mj-ea"/>
+                <a:cs typeface="+mj-cs"/>
+              </a:defRPr>
+            </a:lvl1pPr>
+          </a:lstStyle>
+          <a:p>
+            <a:r>
+              <a:rPr lang="it-IT" sz="2400" b="1" dirty="0">
+                <a:solidFill>
+                  <a:schemeClr val="bg1"/>
+                </a:solidFill>
+              </a:rPr>
+              <a:t>DATA UNDERSTANDING: </a:t>
+            </a:r>
+            <a:r>
+              <a:rPr lang="it-IT" sz="2400" dirty="0">
+                <a:solidFill>
+                  <a:schemeClr val="bg1"/>
+                </a:solidFill>
+              </a:rPr>
+              <a:t>PREPROCESSING</a:t>
+            </a:r>
+            <a:endParaRPr lang="en-US" sz="2400" dirty="0">
+              <a:solidFill>
+                <a:schemeClr val="bg1"/>
+              </a:solidFill>
+            </a:endParaRPr>
+          </a:p>
+        </p:txBody>
+      </p:sp>
+      <p:sp>
+        <p:nvSpPr>
+          <p:cNvPr id="2" name="Rectangle 6">
+            <a:extLst>
+              <a:ext uri="{FF2B5EF4-FFF2-40B4-BE49-F238E27FC236}">
+                <a16:creationId xmlns:a16="http://schemas.microsoft.com/office/drawing/2014/main" id="{FC5724C9-24A0-4B40-9A3A-FE717EF7AA55}"/>
+              </a:ext>
+            </a:extLst>
+          </p:cNvPr>
+          <p:cNvSpPr>
+            <a:spLocks noChangeArrowheads="1"/>
+          </p:cNvSpPr>
+          <p:nvPr/>
+        </p:nvSpPr>
+        <p:spPr bwMode="auto">
+          <a:xfrm>
+            <a:off x="0" y="0"/>
+            <a:ext cx="9144000" cy="457200"/>
+          </a:xfrm>
+          <a:prstGeom prst="rect">
+            <a:avLst/>
+          </a:prstGeom>
+          <a:noFill/>
+          <a:ln>
+            <a:noFill/>
+          </a:ln>
+          <a:effectLst/>
+          <a:extLst>
+            <a:ext uri="{909E8E84-426E-40DD-AFC4-6F175D3DCCD1}">
+              <a14:hiddenFill xmlns:a14="http://schemas.microsoft.com/office/drawing/2010/main">
+                <a:solidFill>
+                  <a:schemeClr val="accent1"/>
+                </a:solidFill>
+              </a14:hiddenFill>
+            </a:ext>
+            <a:ext uri="{91240B29-F687-4F45-9708-019B960494DF}">
+              <a14:hiddenLine xmlns:a14="http://schemas.microsoft.com/office/drawing/2010/main" w="9525">
+                <a:solidFill>
+                  <a:schemeClr val="tx1"/>
+                </a:solidFill>
+                <a:miter lim="800000"/>
+                <a:headEnd/>
+                <a:tailEnd/>
+              </a14:hiddenLine>
+            </a:ext>
+            <a:ext uri="{AF507438-7753-43E0-B8FC-AC1667EBCBE1}">
+              <a14:hiddenEffects xmlns:a14="http://schemas.microsoft.com/office/drawing/2010/main">
+                <a:effectLst>
+                  <a:outerShdw dist="35921" dir="2700000" algn="ctr" rotWithShape="0">
+                    <a:schemeClr val="bg2"/>
+                  </a:outerShdw>
+                </a:effectLst>
+              </a14:hiddenEffects>
+            </a:ext>
+          </a:extLst>
+        </p:spPr>
+        <p:txBody>
+          <a:bodyPr vert="horz" wrap="none" lIns="91440" tIns="45720" rIns="91440" bIns="45720" numCol="1" anchor="ctr" anchorCtr="0" compatLnSpc="1">
+            <a:prstTxWarp prst="textNoShape">
+              <a:avLst/>
+            </a:prstTxWarp>
+            <a:spAutoFit/>
+          </a:bodyPr>
+          <a:lstStyle/>
+          <a:p>
+            <a:endParaRPr lang="en-US"/>
+          </a:p>
+        </p:txBody>
+      </p:sp>
+      <p:sp>
+        <p:nvSpPr>
+          <p:cNvPr id="3" name="Rectangle 7">
+            <a:extLst>
+              <a:ext uri="{FF2B5EF4-FFF2-40B4-BE49-F238E27FC236}">
+                <a16:creationId xmlns:a16="http://schemas.microsoft.com/office/drawing/2014/main" id="{C08042F5-96DB-4FE6-B699-C1DFAB71C0C5}"/>
+              </a:ext>
+            </a:extLst>
+          </p:cNvPr>
+          <p:cNvSpPr>
+            <a:spLocks noChangeArrowheads="1"/>
+          </p:cNvSpPr>
+          <p:nvPr/>
+        </p:nvSpPr>
+        <p:spPr bwMode="auto">
+          <a:xfrm>
+            <a:off x="0" y="1838325"/>
+            <a:ext cx="9144000" cy="0"/>
+          </a:xfrm>
+          <a:prstGeom prst="rect">
+            <a:avLst/>
+          </a:prstGeom>
+          <a:noFill/>
+          <a:ln>
+            <a:noFill/>
+          </a:ln>
+          <a:effectLst/>
+          <a:extLst>
+            <a:ext uri="{909E8E84-426E-40DD-AFC4-6F175D3DCCD1}">
+              <a14:hiddenFill xmlns:a14="http://schemas.microsoft.com/office/drawing/2010/main">
+                <a:solidFill>
+                  <a:schemeClr val="accent1"/>
+                </a:solidFill>
+              </a14:hiddenFill>
+            </a:ext>
+            <a:ext uri="{91240B29-F687-4F45-9708-019B960494DF}">
+              <a14:hiddenLine xmlns:a14="http://schemas.microsoft.com/office/drawing/2010/main" w="9525">
+                <a:solidFill>
+                  <a:schemeClr val="tx1"/>
+                </a:solidFill>
+                <a:miter lim="800000"/>
+                <a:headEnd/>
+                <a:tailEnd/>
+              </a14:hiddenLine>
+            </a:ext>
+            <a:ext uri="{AF507438-7753-43E0-B8FC-AC1667EBCBE1}">
+              <a14:hiddenEffects xmlns:a14="http://schemas.microsoft.com/office/drawing/2010/main">
+                <a:effectLst>
+                  <a:outerShdw dist="35921" dir="2700000" algn="ctr" rotWithShape="0">
+                    <a:schemeClr val="bg2"/>
+                  </a:outerShdw>
+                </a:effectLst>
+              </a14:hiddenEffects>
+            </a:ext>
+          </a:extLst>
+        </p:spPr>
+        <p:txBody>
+          <a:bodyPr vert="horz" wrap="none" lIns="91440" tIns="45720" rIns="91440" bIns="45720" numCol="1" anchor="ctr" anchorCtr="0" compatLnSpc="1">
+            <a:prstTxWarp prst="textNoShape">
+              <a:avLst/>
+            </a:prstTxWarp>
+            <a:spAutoFit/>
+          </a:bodyPr>
+          <a:lstStyle/>
+          <a:p>
+            <a:pPr marL="0" marR="0" lvl="0" indent="0" algn="l" defTabSz="914400" rtl="0" eaLnBrk="0" fontAlgn="base" latinLnBrk="0" hangingPunct="0">
+              <a:lnSpc>
+                <a:spcPct val="100000"/>
+              </a:lnSpc>
+              <a:spcBef>
+                <a:spcPct val="0"/>
+              </a:spcBef>
+              <a:spcAft>
+                <a:spcPct val="0"/>
+              </a:spcAft>
+              <a:buClrTx/>
+              <a:buSzTx/>
+              <a:buFontTx/>
+              <a:buNone/>
+              <a:tabLst/>
+            </a:pPr>
+            <a:r>
+              <a:rPr kumimoji="0" lang="it-IT" altLang="en-US" sz="1100" b="0" i="0" u="none" strike="noStrike" cap="none" normalizeH="0" baseline="0">
+                <a:ln>
+                  <a:noFill/>
+                </a:ln>
+                <a:solidFill>
+                  <a:schemeClr val="tx1"/>
+                </a:solidFill>
+                <a:effectLst/>
+                <a:latin typeface="Calibri" panose="020F0502020204030204" pitchFamily="34" charset="0"/>
+                <a:ea typeface="Times New Roman" panose="02020603050405020304" pitchFamily="18" charset="0"/>
+                <a:cs typeface="Times New Roman" panose="02020603050405020304" pitchFamily="18" charset="0"/>
+              </a:rPr>
+              <a:t> </a:t>
+            </a:r>
+            <a:endParaRPr kumimoji="0" lang="it-IT" altLang="en-US" sz="1800" b="0" i="0" u="none" strike="noStrike" cap="none" normalizeH="0" baseline="0">
+              <a:ln>
+                <a:noFill/>
+              </a:ln>
+              <a:solidFill>
+                <a:schemeClr val="tx1"/>
+              </a:solidFill>
+              <a:effectLst/>
+              <a:latin typeface="Arial" panose="020B0604020202020204" pitchFamily="34" charset="0"/>
+            </a:endParaRPr>
+          </a:p>
+        </p:txBody>
+      </p:sp>
+      <p:sp>
+        <p:nvSpPr>
+          <p:cNvPr id="4" name="Rectangle 8">
+            <a:extLst>
+              <a:ext uri="{FF2B5EF4-FFF2-40B4-BE49-F238E27FC236}">
+                <a16:creationId xmlns:a16="http://schemas.microsoft.com/office/drawing/2014/main" id="{E0CBE371-8058-4503-A250-42442AAE21EC}"/>
+              </a:ext>
+            </a:extLst>
+          </p:cNvPr>
+          <p:cNvSpPr>
+            <a:spLocks noChangeArrowheads="1"/>
+          </p:cNvSpPr>
+          <p:nvPr/>
+        </p:nvSpPr>
+        <p:spPr bwMode="auto">
+          <a:xfrm>
+            <a:off x="0" y="3219450"/>
+            <a:ext cx="9144000" cy="0"/>
+          </a:xfrm>
+          <a:prstGeom prst="rect">
+            <a:avLst/>
+          </a:prstGeom>
+          <a:noFill/>
+          <a:ln>
+            <a:noFill/>
+          </a:ln>
+          <a:effectLst/>
+          <a:extLst>
+            <a:ext uri="{909E8E84-426E-40DD-AFC4-6F175D3DCCD1}">
+              <a14:hiddenFill xmlns:a14="http://schemas.microsoft.com/office/drawing/2010/main">
+                <a:solidFill>
+                  <a:schemeClr val="accent1"/>
+                </a:solidFill>
+              </a14:hiddenFill>
+            </a:ext>
+            <a:ext uri="{91240B29-F687-4F45-9708-019B960494DF}">
+              <a14:hiddenLine xmlns:a14="http://schemas.microsoft.com/office/drawing/2010/main" w="9525">
+                <a:solidFill>
+                  <a:schemeClr val="tx1"/>
+                </a:solidFill>
+                <a:miter lim="800000"/>
+                <a:headEnd/>
+                <a:tailEnd/>
+              </a14:hiddenLine>
+            </a:ext>
+            <a:ext uri="{AF507438-7753-43E0-B8FC-AC1667EBCBE1}">
+              <a14:hiddenEffects xmlns:a14="http://schemas.microsoft.com/office/drawing/2010/main">
+                <a:effectLst>
+                  <a:outerShdw dist="35921" dir="2700000" algn="ctr" rotWithShape="0">
+                    <a:schemeClr val="bg2"/>
+                  </a:outerShdw>
+                </a:effectLst>
+              </a14:hiddenEffects>
+            </a:ext>
+          </a:extLst>
+        </p:spPr>
+        <p:txBody>
+          <a:bodyPr vert="horz" wrap="none" lIns="91440" tIns="45720" rIns="91440" bIns="45720" numCol="1" anchor="ctr" anchorCtr="0" compatLnSpc="1">
+            <a:prstTxWarp prst="textNoShape">
+              <a:avLst/>
+            </a:prstTxWarp>
+            <a:spAutoFit/>
+          </a:bodyPr>
+          <a:lstStyle/>
+          <a:p>
+            <a:pPr marL="0" marR="0" lvl="0" indent="0" algn="l" defTabSz="914400" rtl="0" eaLnBrk="0" fontAlgn="base" latinLnBrk="0" hangingPunct="0">
+              <a:lnSpc>
+                <a:spcPct val="100000"/>
+              </a:lnSpc>
+              <a:spcBef>
+                <a:spcPct val="0"/>
+              </a:spcBef>
+              <a:spcAft>
+                <a:spcPct val="0"/>
+              </a:spcAft>
+              <a:buClrTx/>
+              <a:buSzTx/>
+              <a:buFontTx/>
+              <a:buNone/>
+              <a:tabLst/>
+            </a:pPr>
+            <a:r>
+              <a:rPr kumimoji="0" lang="it-IT" altLang="en-US" sz="1100" b="0" i="0" u="none" strike="noStrike" cap="none" normalizeH="0" baseline="0">
+                <a:ln>
+                  <a:noFill/>
+                </a:ln>
+                <a:solidFill>
+                  <a:schemeClr val="tx1"/>
+                </a:solidFill>
+                <a:effectLst/>
+                <a:latin typeface="Calibri" panose="020F0502020204030204" pitchFamily="34" charset="0"/>
+                <a:ea typeface="Times New Roman" panose="02020603050405020304" pitchFamily="18" charset="0"/>
+                <a:cs typeface="Times New Roman" panose="02020603050405020304" pitchFamily="18" charset="0"/>
+              </a:rPr>
+              <a:t> </a:t>
+            </a:r>
+            <a:endParaRPr kumimoji="0" lang="it-IT" altLang="en-US" sz="1800" b="0" i="0" u="none" strike="noStrike" cap="none" normalizeH="0" baseline="0">
+              <a:ln>
+                <a:noFill/>
+              </a:ln>
+              <a:solidFill>
+                <a:schemeClr val="tx1"/>
+              </a:solidFill>
+              <a:effectLst/>
+              <a:latin typeface="Arial" panose="020B0604020202020204" pitchFamily="34" charset="0"/>
+            </a:endParaRPr>
+          </a:p>
+        </p:txBody>
+      </p:sp>
+      <p:sp>
+        <p:nvSpPr>
+          <p:cNvPr id="10" name="Rectangle 9">
+            <a:extLst>
+              <a:ext uri="{FF2B5EF4-FFF2-40B4-BE49-F238E27FC236}">
+                <a16:creationId xmlns:a16="http://schemas.microsoft.com/office/drawing/2014/main" id="{99468FB6-6461-4A91-9E0B-2B3FC25F715E}"/>
+              </a:ext>
+            </a:extLst>
+          </p:cNvPr>
+          <p:cNvSpPr>
+            <a:spLocks noChangeArrowheads="1"/>
+          </p:cNvSpPr>
+          <p:nvPr/>
+        </p:nvSpPr>
+        <p:spPr bwMode="auto">
+          <a:xfrm>
+            <a:off x="0" y="4600575"/>
+            <a:ext cx="9144000" cy="0"/>
+          </a:xfrm>
+          <a:prstGeom prst="rect">
+            <a:avLst/>
+          </a:prstGeom>
+          <a:noFill/>
+          <a:ln>
+            <a:noFill/>
+          </a:ln>
+          <a:effectLst/>
+          <a:extLst>
+            <a:ext uri="{909E8E84-426E-40DD-AFC4-6F175D3DCCD1}">
+              <a14:hiddenFill xmlns:a14="http://schemas.microsoft.com/office/drawing/2010/main">
+                <a:solidFill>
+                  <a:schemeClr val="accent1"/>
+                </a:solidFill>
+              </a14:hiddenFill>
+            </a:ext>
+            <a:ext uri="{91240B29-F687-4F45-9708-019B960494DF}">
+              <a14:hiddenLine xmlns:a14="http://schemas.microsoft.com/office/drawing/2010/main" w="9525">
+                <a:solidFill>
+                  <a:schemeClr val="tx1"/>
+                </a:solidFill>
+                <a:miter lim="800000"/>
+                <a:headEnd/>
+                <a:tailEnd/>
+              </a14:hiddenLine>
+            </a:ext>
+            <a:ext uri="{AF507438-7753-43E0-B8FC-AC1667EBCBE1}">
+              <a14:hiddenEffects xmlns:a14="http://schemas.microsoft.com/office/drawing/2010/main">
+                <a:effectLst>
+                  <a:outerShdw dist="35921" dir="2700000" algn="ctr" rotWithShape="0">
+                    <a:schemeClr val="bg2"/>
+                  </a:outerShdw>
+                </a:effectLst>
+              </a14:hiddenEffects>
+            </a:ext>
+          </a:extLst>
+        </p:spPr>
+        <p:txBody>
+          <a:bodyPr vert="horz" wrap="none" lIns="91440" tIns="45720" rIns="91440" bIns="45720" numCol="1" anchor="ctr" anchorCtr="0" compatLnSpc="1">
+            <a:prstTxWarp prst="textNoShape">
+              <a:avLst/>
+            </a:prstTxWarp>
+            <a:spAutoFit/>
+          </a:bodyPr>
+          <a:lstStyle/>
+          <a:p>
+            <a:pPr marL="0" marR="0" lvl="0" indent="0" algn="l" defTabSz="914400" rtl="0" eaLnBrk="0" fontAlgn="base" latinLnBrk="0" hangingPunct="0">
+              <a:lnSpc>
+                <a:spcPct val="100000"/>
+              </a:lnSpc>
+              <a:spcBef>
+                <a:spcPct val="0"/>
+              </a:spcBef>
+              <a:spcAft>
+                <a:spcPct val="0"/>
+              </a:spcAft>
+              <a:buClrTx/>
+              <a:buSzTx/>
+              <a:buFontTx/>
+              <a:buNone/>
+              <a:tabLst/>
+            </a:pPr>
+            <a:r>
+              <a:rPr kumimoji="0" lang="it-IT" altLang="en-US" sz="1100" b="0" i="0" u="none" strike="noStrike" cap="none" normalizeH="0" baseline="0">
+                <a:ln>
+                  <a:noFill/>
+                </a:ln>
+                <a:solidFill>
+                  <a:schemeClr val="tx1"/>
+                </a:solidFill>
+                <a:effectLst/>
+                <a:latin typeface="Calibri" panose="020F0502020204030204" pitchFamily="34" charset="0"/>
+                <a:ea typeface="Times New Roman" panose="02020603050405020304" pitchFamily="18" charset="0"/>
+                <a:cs typeface="Times New Roman" panose="02020603050405020304" pitchFamily="18" charset="0"/>
+              </a:rPr>
+              <a:t> </a:t>
+            </a:r>
+            <a:endParaRPr kumimoji="0" lang="it-IT" altLang="en-US" sz="1800" b="0" i="0" u="none" strike="noStrike" cap="none" normalizeH="0" baseline="0">
+              <a:ln>
+                <a:noFill/>
+              </a:ln>
+              <a:solidFill>
+                <a:schemeClr val="tx1"/>
+              </a:solidFill>
+              <a:effectLst/>
+              <a:latin typeface="Arial" panose="020B0604020202020204" pitchFamily="34" charset="0"/>
+            </a:endParaRPr>
+          </a:p>
+        </p:txBody>
+      </p:sp>
+      <p:sp>
+        <p:nvSpPr>
+          <p:cNvPr id="11" name="Rectangle 10">
+            <a:extLst>
+              <a:ext uri="{FF2B5EF4-FFF2-40B4-BE49-F238E27FC236}">
+                <a16:creationId xmlns:a16="http://schemas.microsoft.com/office/drawing/2014/main" id="{E4D9815E-FC57-48D4-9710-C34FDAE236EF}"/>
+              </a:ext>
+            </a:extLst>
+          </p:cNvPr>
+          <p:cNvSpPr>
+            <a:spLocks noChangeArrowheads="1"/>
+          </p:cNvSpPr>
+          <p:nvPr/>
+        </p:nvSpPr>
+        <p:spPr bwMode="auto">
+          <a:xfrm>
+            <a:off x="0" y="6000750"/>
+            <a:ext cx="9144000" cy="0"/>
+          </a:xfrm>
+          <a:prstGeom prst="rect">
+            <a:avLst/>
+          </a:prstGeom>
+          <a:noFill/>
+          <a:ln>
+            <a:noFill/>
+          </a:ln>
+          <a:effectLst/>
+          <a:extLst>
+            <a:ext uri="{909E8E84-426E-40DD-AFC4-6F175D3DCCD1}">
+              <a14:hiddenFill xmlns:a14="http://schemas.microsoft.com/office/drawing/2010/main">
+                <a:solidFill>
+                  <a:schemeClr val="accent1"/>
+                </a:solidFill>
+              </a14:hiddenFill>
+            </a:ext>
+            <a:ext uri="{91240B29-F687-4F45-9708-019B960494DF}">
+              <a14:hiddenLine xmlns:a14="http://schemas.microsoft.com/office/drawing/2010/main" w="9525">
+                <a:solidFill>
+                  <a:schemeClr val="tx1"/>
+                </a:solidFill>
+                <a:miter lim="800000"/>
+                <a:headEnd/>
+                <a:tailEnd/>
+              </a14:hiddenLine>
+            </a:ext>
+            <a:ext uri="{AF507438-7753-43E0-B8FC-AC1667EBCBE1}">
+              <a14:hiddenEffects xmlns:a14="http://schemas.microsoft.com/office/drawing/2010/main">
+                <a:effectLst>
+                  <a:outerShdw dist="35921" dir="2700000" algn="ctr" rotWithShape="0">
+                    <a:schemeClr val="bg2"/>
+                  </a:outerShdw>
+                </a:effectLst>
+              </a14:hiddenEffects>
+            </a:ext>
+          </a:extLst>
+        </p:spPr>
+        <p:txBody>
+          <a:bodyPr vert="horz" wrap="none" lIns="91440" tIns="45720" rIns="91440" bIns="45720" numCol="1" anchor="ctr" anchorCtr="0" compatLnSpc="1">
+            <a:prstTxWarp prst="textNoShape">
+              <a:avLst/>
+            </a:prstTxWarp>
+            <a:spAutoFit/>
+          </a:bodyPr>
+          <a:lstStyle/>
+          <a:p>
+            <a:pPr marL="0" marR="0" lvl="0" indent="0" algn="l" defTabSz="914400" rtl="0" eaLnBrk="0" fontAlgn="base" latinLnBrk="0" hangingPunct="0">
+              <a:lnSpc>
+                <a:spcPct val="100000"/>
+              </a:lnSpc>
+              <a:spcBef>
+                <a:spcPct val="0"/>
+              </a:spcBef>
+              <a:spcAft>
+                <a:spcPct val="0"/>
+              </a:spcAft>
+              <a:buClrTx/>
+              <a:buSzTx/>
+              <a:buFontTx/>
+              <a:buNone/>
+              <a:tabLst/>
+            </a:pPr>
+            <a:r>
+              <a:rPr kumimoji="0" lang="it-IT" altLang="en-US" sz="1100" b="0" i="0" u="none" strike="noStrike" cap="none" normalizeH="0" baseline="0">
+                <a:ln>
+                  <a:noFill/>
+                </a:ln>
+                <a:solidFill>
+                  <a:schemeClr val="tx1"/>
+                </a:solidFill>
+                <a:effectLst/>
+                <a:latin typeface="Calibri" panose="020F0502020204030204" pitchFamily="34" charset="0"/>
+                <a:ea typeface="Times New Roman" panose="02020603050405020304" pitchFamily="18" charset="0"/>
+                <a:cs typeface="Times New Roman" panose="02020603050405020304" pitchFamily="18" charset="0"/>
+              </a:rPr>
+              <a:t> </a:t>
+            </a:r>
+            <a:endParaRPr kumimoji="0" lang="it-IT" altLang="en-US" sz="1800" b="0" i="0" u="none" strike="noStrike" cap="none" normalizeH="0" baseline="0">
+              <a:ln>
+                <a:noFill/>
+              </a:ln>
+              <a:solidFill>
+                <a:schemeClr val="tx1"/>
+              </a:solidFill>
+              <a:effectLst/>
+              <a:latin typeface="Arial" panose="020B0604020202020204" pitchFamily="34" charset="0"/>
+            </a:endParaRPr>
+          </a:p>
+        </p:txBody>
+      </p:sp>
+      <p:pic>
+        <p:nvPicPr>
+          <p:cNvPr id="20" name="Immagine 19">
+            <a:extLst>
+              <a:ext uri="{FF2B5EF4-FFF2-40B4-BE49-F238E27FC236}">
+                <a16:creationId xmlns:a16="http://schemas.microsoft.com/office/drawing/2014/main" id="{5A1AEA77-36A0-47D9-9519-2A100600EED4}"/>
+              </a:ext>
+            </a:extLst>
+          </p:cNvPr>
+          <p:cNvPicPr>
+            <a:picLocks noChangeAspect="1"/>
+          </p:cNvPicPr>
+          <p:nvPr/>
+        </p:nvPicPr>
+        <p:blipFill>
+          <a:blip r:embed="rId2"/>
+          <a:stretch>
+            <a:fillRect/>
+          </a:stretch>
+        </p:blipFill>
+        <p:spPr>
+          <a:xfrm>
+            <a:off x="0" y="792480"/>
+            <a:ext cx="9144000" cy="6092904"/>
+          </a:xfrm>
+          <a:prstGeom prst="rect">
+            <a:avLst/>
+          </a:prstGeom>
+        </p:spPr>
+      </p:pic>
+      <p:sp>
+        <p:nvSpPr>
+          <p:cNvPr id="21" name="CasellaDiTesto 20">
+            <a:extLst>
+              <a:ext uri="{FF2B5EF4-FFF2-40B4-BE49-F238E27FC236}">
+                <a16:creationId xmlns:a16="http://schemas.microsoft.com/office/drawing/2014/main" id="{96FAB8C7-E2A6-43AA-9925-8FE16F52A84C}"/>
+              </a:ext>
+            </a:extLst>
+          </p:cNvPr>
+          <p:cNvSpPr txBox="1"/>
+          <p:nvPr/>
+        </p:nvSpPr>
+        <p:spPr>
+          <a:xfrm>
+            <a:off x="3059832" y="6237312"/>
+            <a:ext cx="5760640" cy="584775"/>
+          </a:xfrm>
+          <a:prstGeom prst="rect">
+            <a:avLst/>
+          </a:prstGeom>
+          <a:noFill/>
+        </p:spPr>
+        <p:txBody>
+          <a:bodyPr wrap="square" rtlCol="0">
+            <a:spAutoFit/>
+          </a:bodyPr>
+          <a:lstStyle/>
+          <a:p>
+            <a:r>
+              <a:rPr lang="it-IT" sz="1600" dirty="0"/>
+              <a:t>Essendo i due subset in esame a loro volta uno un subset dell’altro, si mostra un sommario dei dati una volta sola.</a:t>
+            </a:r>
+            <a:endParaRPr lang="en-US" sz="1600" dirty="0"/>
+          </a:p>
+        </p:txBody>
+      </p:sp>
+    </p:spTree>
+    <p:extLst>
+      <p:ext uri="{BB962C8B-B14F-4D97-AF65-F5344CB8AC3E}">
+        <p14:creationId xmlns:p14="http://schemas.microsoft.com/office/powerpoint/2010/main" val="1373199532"/>
+      </p:ext>
+    </p:extLst>
+  </p:cSld>
+  <p:clrMapOvr>
+    <a:masterClrMapping/>
+  </p:clrMapOvr>
+</p:sld>
+</file>
+
+<file path=ppt/slides/slide36.xml><?xml version="1.0" encoding="utf-8"?>
+<p:sld xmlns:a="http://schemas.openxmlformats.org/drawingml/2006/main" xmlns:r="http://schemas.openxmlformats.org/officeDocument/2006/relationships" xmlns:p="http://schemas.openxmlformats.org/presentationml/2006/main">
+  <p:cSld>
+    <p:spTree>
+      <p:nvGrpSpPr>
+        <p:cNvPr id="1" name=""/>
+        <p:cNvGrpSpPr/>
+        <p:nvPr/>
+      </p:nvGrpSpPr>
+      <p:grpSpPr>
+        <a:xfrm>
+          <a:off x="0" y="0"/>
+          <a:ext cx="0" cy="0"/>
+          <a:chOff x="0" y="0"/>
+          <a:chExt cx="0" cy="0"/>
+        </a:xfrm>
+      </p:grpSpPr>
+      <p:sp>
+        <p:nvSpPr>
+          <p:cNvPr id="2" name="Titolo 1">
+            <a:extLst>
+              <a:ext uri="{FF2B5EF4-FFF2-40B4-BE49-F238E27FC236}">
+                <a16:creationId xmlns:a16="http://schemas.microsoft.com/office/drawing/2014/main" id="{F4192340-2840-4A2E-8DDB-6F69E2735148}"/>
+              </a:ext>
+            </a:extLst>
+          </p:cNvPr>
+          <p:cNvSpPr txBox="1">
+            <a:spLocks/>
+          </p:cNvSpPr>
+          <p:nvPr/>
+        </p:nvSpPr>
+        <p:spPr>
+          <a:xfrm>
+            <a:off x="1447800" y="152400"/>
+            <a:ext cx="8229600" cy="1143000"/>
+          </a:xfrm>
+          <a:prstGeom prst="rect">
+            <a:avLst/>
+          </a:prstGeom>
+        </p:spPr>
+        <p:txBody>
+          <a:bodyPr>
+            <a:noAutofit/>
+          </a:bodyPr>
+          <a:lstStyle>
+            <a:lvl1pPr algn="ctr" defTabSz="342900" rtl="0" eaLnBrk="1" latinLnBrk="0" hangingPunct="1">
+              <a:spcBef>
+                <a:spcPct val="0"/>
+              </a:spcBef>
+              <a:buNone/>
+              <a:defRPr sz="3300" kern="1200">
+                <a:solidFill>
+                  <a:schemeClr val="tx1"/>
+                </a:solidFill>
+                <a:latin typeface="+mj-lt"/>
+                <a:ea typeface="+mj-ea"/>
+                <a:cs typeface="+mj-cs"/>
+              </a:defRPr>
+            </a:lvl1pPr>
+          </a:lstStyle>
+          <a:p>
+            <a:r>
+              <a:rPr lang="it-IT" sz="2400" b="1" dirty="0">
+                <a:solidFill>
+                  <a:schemeClr val="bg1"/>
+                </a:solidFill>
+              </a:rPr>
+              <a:t>DATA UNDERSTANDING: </a:t>
+            </a:r>
+            <a:r>
+              <a:rPr lang="it-IT" sz="2400" dirty="0">
+                <a:solidFill>
+                  <a:schemeClr val="bg1"/>
+                </a:solidFill>
+              </a:rPr>
+              <a:t>PREPROCESSING</a:t>
+            </a:r>
+            <a:endParaRPr lang="en-US" sz="2400" dirty="0">
+              <a:solidFill>
+                <a:schemeClr val="bg1"/>
+              </a:solidFill>
+            </a:endParaRPr>
+          </a:p>
+        </p:txBody>
+      </p:sp>
+    </p:spTree>
+    <p:extLst>
+      <p:ext uri="{BB962C8B-B14F-4D97-AF65-F5344CB8AC3E}">
+        <p14:creationId xmlns:p14="http://schemas.microsoft.com/office/powerpoint/2010/main" val="2790463972"/>
       </p:ext>
     </p:extLst>
   </p:cSld>

--- a/relazione.pptx
+++ b/relazione.pptx
@@ -39,8 +39,16 @@
     <p:sldId id="288" r:id="rId33"/>
     <p:sldId id="291" r:id="rId34"/>
     <p:sldId id="292" r:id="rId35"/>
-    <p:sldId id="289" r:id="rId36"/>
-    <p:sldId id="293" r:id="rId37"/>
+    <p:sldId id="293" r:id="rId36"/>
+    <p:sldId id="294" r:id="rId37"/>
+    <p:sldId id="295" r:id="rId38"/>
+    <p:sldId id="296" r:id="rId39"/>
+    <p:sldId id="298" r:id="rId40"/>
+    <p:sldId id="300" r:id="rId41"/>
+    <p:sldId id="301" r:id="rId42"/>
+    <p:sldId id="302" r:id="rId43"/>
+    <p:sldId id="297" r:id="rId44"/>
+    <p:sldId id="299" r:id="rId45"/>
   </p:sldIdLst>
   <p:sldSz cx="9144000" cy="6858000" type="screen4x3"/>
   <p:notesSz cx="6858000" cy="9144000"/>
@@ -342,7 +350,7 @@
             <a:fld id="{657198A3-6BD0-1345-BB48-4E51D4346A8E}" type="datetimeFigureOut">
               <a:rPr lang="it-IT" smtClean="0"/>
               <a:pPr/>
-              <a:t>15/01/2018</a:t>
+              <a:t>16/01/2018</a:t>
             </a:fld>
             <a:endParaRPr lang="it-IT" dirty="0"/>
           </a:p>
@@ -507,7 +515,7 @@
             <a:fld id="{657198A3-6BD0-1345-BB48-4E51D4346A8E}" type="datetimeFigureOut">
               <a:rPr lang="it-IT" smtClean="0"/>
               <a:pPr/>
-              <a:t>15/01/2018</a:t>
+              <a:t>16/01/2018</a:t>
             </a:fld>
             <a:endParaRPr lang="it-IT" dirty="0"/>
           </a:p>
@@ -682,7 +690,7 @@
             <a:fld id="{657198A3-6BD0-1345-BB48-4E51D4346A8E}" type="datetimeFigureOut">
               <a:rPr lang="it-IT" smtClean="0"/>
               <a:pPr/>
-              <a:t>15/01/2018</a:t>
+              <a:t>16/01/2018</a:t>
             </a:fld>
             <a:endParaRPr lang="it-IT" dirty="0"/>
           </a:p>
@@ -857,7 +865,7 @@
             <a:fld id="{657198A3-6BD0-1345-BB48-4E51D4346A8E}" type="datetimeFigureOut">
               <a:rPr lang="it-IT" smtClean="0"/>
               <a:pPr/>
-              <a:t>15/01/2018</a:t>
+              <a:t>16/01/2018</a:t>
             </a:fld>
             <a:endParaRPr lang="it-IT" dirty="0"/>
           </a:p>
@@ -1099,7 +1107,7 @@
             <a:fld id="{657198A3-6BD0-1345-BB48-4E51D4346A8E}" type="datetimeFigureOut">
               <a:rPr lang="it-IT" smtClean="0"/>
               <a:pPr/>
-              <a:t>15/01/2018</a:t>
+              <a:t>16/01/2018</a:t>
             </a:fld>
             <a:endParaRPr lang="it-IT" dirty="0"/>
           </a:p>
@@ -1381,7 +1389,7 @@
             <a:fld id="{657198A3-6BD0-1345-BB48-4E51D4346A8E}" type="datetimeFigureOut">
               <a:rPr lang="it-IT" smtClean="0"/>
               <a:pPr/>
-              <a:t>15/01/2018</a:t>
+              <a:t>16/01/2018</a:t>
             </a:fld>
             <a:endParaRPr lang="it-IT" dirty="0"/>
           </a:p>
@@ -1797,7 +1805,7 @@
             <a:fld id="{657198A3-6BD0-1345-BB48-4E51D4346A8E}" type="datetimeFigureOut">
               <a:rPr lang="it-IT" smtClean="0"/>
               <a:pPr/>
-              <a:t>15/01/2018</a:t>
+              <a:t>16/01/2018</a:t>
             </a:fld>
             <a:endParaRPr lang="it-IT" dirty="0"/>
           </a:p>
@@ -1911,7 +1919,7 @@
             <a:fld id="{657198A3-6BD0-1345-BB48-4E51D4346A8E}" type="datetimeFigureOut">
               <a:rPr lang="it-IT" smtClean="0"/>
               <a:pPr/>
-              <a:t>15/01/2018</a:t>
+              <a:t>16/01/2018</a:t>
             </a:fld>
             <a:endParaRPr lang="it-IT" dirty="0"/>
           </a:p>
@@ -2003,7 +2011,7 @@
             <a:fld id="{657198A3-6BD0-1345-BB48-4E51D4346A8E}" type="datetimeFigureOut">
               <a:rPr lang="it-IT" smtClean="0"/>
               <a:pPr/>
-              <a:t>15/01/2018</a:t>
+              <a:t>16/01/2018</a:t>
             </a:fld>
             <a:endParaRPr lang="it-IT" dirty="0"/>
           </a:p>
@@ -2275,7 +2283,7 @@
             <a:fld id="{657198A3-6BD0-1345-BB48-4E51D4346A8E}" type="datetimeFigureOut">
               <a:rPr lang="it-IT" smtClean="0"/>
               <a:pPr/>
-              <a:t>15/01/2018</a:t>
+              <a:t>16/01/2018</a:t>
             </a:fld>
             <a:endParaRPr lang="it-IT" dirty="0"/>
           </a:p>
@@ -2527,7 +2535,7 @@
             <a:fld id="{657198A3-6BD0-1345-BB48-4E51D4346A8E}" type="datetimeFigureOut">
               <a:rPr lang="it-IT" smtClean="0"/>
               <a:pPr/>
-              <a:t>15/01/2018</a:t>
+              <a:t>16/01/2018</a:t>
             </a:fld>
             <a:endParaRPr lang="it-IT" dirty="0"/>
           </a:p>
@@ -2735,7 +2743,7 @@
             <a:fld id="{657198A3-6BD0-1345-BB48-4E51D4346A8E}" type="datetimeFigureOut">
               <a:rPr lang="it-IT" smtClean="0"/>
               <a:pPr/>
-              <a:t>15/01/2018</a:t>
+              <a:t>16/01/2018</a:t>
             </a:fld>
             <a:endParaRPr lang="it-IT" dirty="0"/>
           </a:p>
@@ -12934,37 +12942,8 @@
                   <a:srgbClr val="00B050"/>
                 </a:solidFill>
               </a:rPr>
-              <a:t>Totalità degli esami con voto </a:t>
-            </a:r>
-            <a:r>
-              <a:rPr lang="it-IT" sz="1900" dirty="0">
-                <a:solidFill>
-                  <a:srgbClr val="00B050"/>
-                </a:solidFill>
-              </a:rPr>
-              <a:t>(è un </a:t>
-            </a:r>
-            <a:r>
-              <a:rPr lang="it-IT" sz="1900" dirty="0" err="1">
-                <a:solidFill>
-                  <a:srgbClr val="00B050"/>
-                </a:solidFill>
-              </a:rPr>
-              <a:t>superset</a:t>
-            </a:r>
-            <a:r>
-              <a:rPr lang="it-IT" sz="1900" dirty="0">
-                <a:solidFill>
-                  <a:srgbClr val="00B050"/>
-                </a:solidFill>
-              </a:rPr>
-              <a:t> del precedente)</a:t>
-            </a:r>
-            <a:endParaRPr lang="it-IT" dirty="0">
-              <a:solidFill>
-                <a:srgbClr val="00B050"/>
-              </a:solidFill>
-            </a:endParaRPr>
+              <a:t>Totalità del dataset</a:t>
+            </a:r>
           </a:p>
         </p:txBody>
       </p:sp>
@@ -14025,7 +14004,7 @@
         </p:nvSpPr>
         <p:spPr>
           <a:xfrm>
-            <a:off x="1447800" y="152400"/>
+            <a:off x="755576" y="152400"/>
             <a:ext cx="8229600" cy="1143000"/>
           </a:xfrm>
           <a:prstGeom prst="rect">
@@ -14053,23 +14032,16 @@
             </a:lvl1pPr>
           </a:lstStyle>
           <a:p>
+            <a:pPr algn="r"/>
             <a:r>
               <a:rPr lang="it-IT" sz="2400" b="1" dirty="0">
                 <a:solidFill>
                   <a:schemeClr val="bg1"/>
                 </a:solidFill>
               </a:rPr>
-              <a:t>DATA UNDERSTANDING: </a:t>
-            </a:r>
-            <a:r>
-              <a:rPr lang="it-IT" sz="2400" dirty="0">
-                <a:solidFill>
-                  <a:schemeClr val="bg1"/>
-                </a:solidFill>
-              </a:rPr>
               <a:t>PREPROCESSING</a:t>
             </a:r>
-            <a:endParaRPr lang="en-US" sz="2400" dirty="0">
+            <a:endParaRPr lang="en-US" sz="2400" b="1" dirty="0">
               <a:solidFill>
                 <a:schemeClr val="bg1"/>
               </a:solidFill>
@@ -15175,7 +15147,7 @@
         </p:nvSpPr>
         <p:spPr>
           <a:xfrm>
-            <a:off x="457200" y="917848"/>
+            <a:off x="457200" y="836712"/>
             <a:ext cx="8229600" cy="1143000"/>
           </a:xfrm>
         </p:spPr>
@@ -15200,74 +15172,6 @@
               <a:t>dataset_gen.arff</a:t>
             </a:r>
             <a:endParaRPr lang="en-US" sz="2700" dirty="0"/>
-          </a:p>
-        </p:txBody>
-      </p:sp>
-      <p:sp>
-        <p:nvSpPr>
-          <p:cNvPr id="6" name="Titolo 1">
-            <a:extLst>
-              <a:ext uri="{FF2B5EF4-FFF2-40B4-BE49-F238E27FC236}">
-                <a16:creationId xmlns:a16="http://schemas.microsoft.com/office/drawing/2014/main" id="{32602169-0966-4893-B032-33CFCD986CA0}"/>
-              </a:ext>
-            </a:extLst>
-          </p:cNvPr>
-          <p:cNvSpPr txBox="1">
-            <a:spLocks/>
-          </p:cNvSpPr>
-          <p:nvPr/>
-        </p:nvSpPr>
-        <p:spPr>
-          <a:xfrm>
-            <a:off x="1447800" y="152400"/>
-            <a:ext cx="8229600" cy="1143000"/>
-          </a:xfrm>
-          <a:prstGeom prst="rect">
-            <a:avLst/>
-          </a:prstGeom>
-        </p:spPr>
-        <p:txBody>
-          <a:bodyPr>
-            <a:noAutofit/>
-          </a:bodyPr>
-          <a:lstStyle>
-            <a:lvl1pPr algn="ctr" defTabSz="342900" rtl="0" eaLnBrk="1" latinLnBrk="0" hangingPunct="1">
-              <a:spcBef>
-                <a:spcPct val="0"/>
-              </a:spcBef>
-              <a:buNone/>
-              <a:defRPr sz="3300" kern="1200">
-                <a:solidFill>
-                  <a:schemeClr val="tx1"/>
-                </a:solidFill>
-                <a:latin typeface="+mj-lt"/>
-                <a:ea typeface="+mj-ea"/>
-                <a:cs typeface="+mj-cs"/>
-              </a:defRPr>
-            </a:lvl1pPr>
-          </a:lstStyle>
-          <a:p>
-            <a:r>
-              <a:rPr lang="it-IT" sz="2400" b="1" dirty="0">
-                <a:solidFill>
-                  <a:schemeClr val="bg1"/>
-                </a:solidFill>
-              </a:rPr>
-              <a:t>DATA UNDERSTANDING: </a:t>
-            </a:r>
-            <a:r>
-              <a:rPr lang="it-IT" sz="2400" dirty="0">
-                <a:solidFill>
-                  <a:schemeClr val="bg1"/>
-                </a:solidFill>
-              </a:rPr>
-              <a:t>PREPROCESSING</a:t>
-            </a:r>
-            <a:endParaRPr lang="en-US" sz="2400" dirty="0">
-              <a:solidFill>
-                <a:schemeClr val="bg1"/>
-              </a:solidFill>
-            </a:endParaRPr>
           </a:p>
         </p:txBody>
       </p:sp>
@@ -16059,6 +15963,74 @@
           </a:p>
         </p:txBody>
       </p:sp>
+      <p:sp>
+        <p:nvSpPr>
+          <p:cNvPr id="13" name="Titolo 1">
+            <a:extLst>
+              <a:ext uri="{FF2B5EF4-FFF2-40B4-BE49-F238E27FC236}">
+                <a16:creationId xmlns:a16="http://schemas.microsoft.com/office/drawing/2014/main" id="{99A45114-C156-4F6A-AC08-8D30CDF758E4}"/>
+              </a:ext>
+            </a:extLst>
+          </p:cNvPr>
+          <p:cNvSpPr txBox="1">
+            <a:spLocks/>
+          </p:cNvSpPr>
+          <p:nvPr/>
+        </p:nvSpPr>
+        <p:spPr>
+          <a:xfrm>
+            <a:off x="2175048" y="152400"/>
+            <a:ext cx="8229600" cy="1143000"/>
+          </a:xfrm>
+          <a:prstGeom prst="rect">
+            <a:avLst/>
+          </a:prstGeom>
+        </p:spPr>
+        <p:txBody>
+          <a:bodyPr>
+            <a:noAutofit/>
+          </a:bodyPr>
+          <a:lstStyle>
+            <a:lvl1pPr algn="ctr" defTabSz="342900" rtl="0" eaLnBrk="1" latinLnBrk="0" hangingPunct="1">
+              <a:spcBef>
+                <a:spcPct val="0"/>
+              </a:spcBef>
+              <a:buNone/>
+              <a:defRPr sz="3300" kern="1200">
+                <a:solidFill>
+                  <a:schemeClr val="tx1"/>
+                </a:solidFill>
+                <a:latin typeface="+mj-lt"/>
+                <a:ea typeface="+mj-ea"/>
+                <a:cs typeface="+mj-cs"/>
+              </a:defRPr>
+            </a:lvl1pPr>
+          </a:lstStyle>
+          <a:p>
+            <a:r>
+              <a:rPr lang="it-IT" sz="2400" b="1" dirty="0">
+                <a:solidFill>
+                  <a:schemeClr val="bg1"/>
+                </a:solidFill>
+              </a:rPr>
+              <a:t>PREPROCESSING</a:t>
+            </a:r>
+            <a:r>
+              <a:rPr lang="it-IT" sz="2400" dirty="0">
+                <a:solidFill>
+                  <a:schemeClr val="bg1"/>
+                </a:solidFill>
+              </a:rPr>
+              <a:t>: SUBSET GEN.</a:t>
+            </a:r>
+            <a:endParaRPr lang="en-US" sz="2400" dirty="0">
+              <a:solidFill>
+                <a:schemeClr val="bg1"/>
+              </a:solidFill>
+            </a:endParaRPr>
+          </a:p>
+        </p:txBody>
+      </p:sp>
     </p:spTree>
     <p:extLst>
       <p:ext uri="{BB962C8B-B14F-4D97-AF65-F5344CB8AC3E}">
@@ -16089,74 +16061,6 @@
           <a:chExt cx="0" cy="0"/>
         </a:xfrm>
       </p:grpSpPr>
-      <p:sp>
-        <p:nvSpPr>
-          <p:cNvPr id="2" name="Titolo 1">
-            <a:extLst>
-              <a:ext uri="{FF2B5EF4-FFF2-40B4-BE49-F238E27FC236}">
-                <a16:creationId xmlns:a16="http://schemas.microsoft.com/office/drawing/2014/main" id="{1478970B-D01B-43A2-B8C7-F9541511586C}"/>
-              </a:ext>
-            </a:extLst>
-          </p:cNvPr>
-          <p:cNvSpPr txBox="1">
-            <a:spLocks/>
-          </p:cNvSpPr>
-          <p:nvPr/>
-        </p:nvSpPr>
-        <p:spPr>
-          <a:xfrm>
-            <a:off x="1447800" y="152400"/>
-            <a:ext cx="8229600" cy="1143000"/>
-          </a:xfrm>
-          <a:prstGeom prst="rect">
-            <a:avLst/>
-          </a:prstGeom>
-        </p:spPr>
-        <p:txBody>
-          <a:bodyPr>
-            <a:noAutofit/>
-          </a:bodyPr>
-          <a:lstStyle>
-            <a:lvl1pPr algn="ctr" defTabSz="342900" rtl="0" eaLnBrk="1" latinLnBrk="0" hangingPunct="1">
-              <a:spcBef>
-                <a:spcPct val="0"/>
-              </a:spcBef>
-              <a:buNone/>
-              <a:defRPr sz="3300" kern="1200">
-                <a:solidFill>
-                  <a:schemeClr val="tx1"/>
-                </a:solidFill>
-                <a:latin typeface="+mj-lt"/>
-                <a:ea typeface="+mj-ea"/>
-                <a:cs typeface="+mj-cs"/>
-              </a:defRPr>
-            </a:lvl1pPr>
-          </a:lstStyle>
-          <a:p>
-            <a:r>
-              <a:rPr lang="it-IT" sz="2400" b="1" dirty="0">
-                <a:solidFill>
-                  <a:schemeClr val="bg1"/>
-                </a:solidFill>
-              </a:rPr>
-              <a:t>DATA UNDERSTANDING: </a:t>
-            </a:r>
-            <a:r>
-              <a:rPr lang="it-IT" sz="2400" dirty="0">
-                <a:solidFill>
-                  <a:schemeClr val="bg1"/>
-                </a:solidFill>
-              </a:rPr>
-              <a:t>PREPROCESSING</a:t>
-            </a:r>
-            <a:endParaRPr lang="en-US" sz="2400" dirty="0">
-              <a:solidFill>
-                <a:schemeClr val="bg1"/>
-              </a:solidFill>
-            </a:endParaRPr>
-          </a:p>
-        </p:txBody>
-      </p:sp>
       <p:pic>
         <p:nvPicPr>
           <p:cNvPr id="4" name="Immagine 3">
@@ -16219,6 +16123,74 @@
               <a:t>Il dataset così trattato si presenta in questo modo:</a:t>
             </a:r>
             <a:endParaRPr lang="en-US" dirty="0"/>
+          </a:p>
+        </p:txBody>
+      </p:sp>
+      <p:sp>
+        <p:nvSpPr>
+          <p:cNvPr id="7" name="Titolo 1">
+            <a:extLst>
+              <a:ext uri="{FF2B5EF4-FFF2-40B4-BE49-F238E27FC236}">
+                <a16:creationId xmlns:a16="http://schemas.microsoft.com/office/drawing/2014/main" id="{48F6C17E-28BF-4CE9-B9B7-A318B8C3A351}"/>
+              </a:ext>
+            </a:extLst>
+          </p:cNvPr>
+          <p:cNvSpPr txBox="1">
+            <a:spLocks/>
+          </p:cNvSpPr>
+          <p:nvPr/>
+        </p:nvSpPr>
+        <p:spPr>
+          <a:xfrm>
+            <a:off x="2175048" y="152400"/>
+            <a:ext cx="8229600" cy="1143000"/>
+          </a:xfrm>
+          <a:prstGeom prst="rect">
+            <a:avLst/>
+          </a:prstGeom>
+        </p:spPr>
+        <p:txBody>
+          <a:bodyPr>
+            <a:noAutofit/>
+          </a:bodyPr>
+          <a:lstStyle>
+            <a:lvl1pPr algn="ctr" defTabSz="342900" rtl="0" eaLnBrk="1" latinLnBrk="0" hangingPunct="1">
+              <a:spcBef>
+                <a:spcPct val="0"/>
+              </a:spcBef>
+              <a:buNone/>
+              <a:defRPr sz="3300" kern="1200">
+                <a:solidFill>
+                  <a:schemeClr val="tx1"/>
+                </a:solidFill>
+                <a:latin typeface="+mj-lt"/>
+                <a:ea typeface="+mj-ea"/>
+                <a:cs typeface="+mj-cs"/>
+              </a:defRPr>
+            </a:lvl1pPr>
+          </a:lstStyle>
+          <a:p>
+            <a:r>
+              <a:rPr lang="it-IT" sz="2400" b="1" dirty="0">
+                <a:solidFill>
+                  <a:schemeClr val="bg1"/>
+                </a:solidFill>
+              </a:rPr>
+              <a:t>PREPROCESSING</a:t>
+            </a:r>
+            <a:r>
+              <a:rPr lang="it-IT" sz="2400" dirty="0">
+                <a:solidFill>
+                  <a:schemeClr val="bg1"/>
+                </a:solidFill>
+              </a:rPr>
+              <a:t>: SUBSET GEN.</a:t>
+            </a:r>
+            <a:endParaRPr lang="en-US" sz="2400" dirty="0">
+              <a:solidFill>
+                <a:schemeClr val="bg1"/>
+              </a:solidFill>
+            </a:endParaRPr>
           </a:p>
         </p:txBody>
       </p:sp>
@@ -16500,7 +16472,7 @@
         </p:nvSpPr>
         <p:spPr>
           <a:xfrm>
-            <a:off x="457200" y="917848"/>
+            <a:off x="457200" y="836712"/>
             <a:ext cx="8229600" cy="1143000"/>
           </a:xfrm>
         </p:spPr>
@@ -16524,102 +16496,7 @@
               </a:rPr>
               <a:t>dataset_fy.arff</a:t>
             </a:r>
-            <a:br>
-              <a:rPr lang="it-IT" sz="2800" dirty="0">
-                <a:solidFill>
-                  <a:schemeClr val="bg1">
-                    <a:lumMod val="50000"/>
-                  </a:schemeClr>
-                </a:solidFill>
-              </a:rPr>
-            </a:br>
-            <a:r>
-              <a:rPr lang="it-IT" sz="2800" dirty="0"/>
-              <a:t>TUTTI GLI ESAMI CON VOTO</a:t>
-            </a:r>
-            <a:r>
-              <a:rPr lang="it-IT" sz="2700" dirty="0"/>
-              <a:t>: </a:t>
-            </a:r>
-            <a:r>
-              <a:rPr lang="it-IT" sz="2800" dirty="0" err="1">
-                <a:solidFill>
-                  <a:schemeClr val="bg1">
-                    <a:lumMod val="50000"/>
-                  </a:schemeClr>
-                </a:solidFill>
-              </a:rPr>
-              <a:t>dataset_tot.arff</a:t>
-            </a:r>
             <a:endParaRPr lang="en-US" sz="2700" dirty="0"/>
-          </a:p>
-        </p:txBody>
-      </p:sp>
-      <p:sp>
-        <p:nvSpPr>
-          <p:cNvPr id="6" name="Titolo 1">
-            <a:extLst>
-              <a:ext uri="{FF2B5EF4-FFF2-40B4-BE49-F238E27FC236}">
-                <a16:creationId xmlns:a16="http://schemas.microsoft.com/office/drawing/2014/main" id="{32602169-0966-4893-B032-33CFCD986CA0}"/>
-              </a:ext>
-            </a:extLst>
-          </p:cNvPr>
-          <p:cNvSpPr txBox="1">
-            <a:spLocks/>
-          </p:cNvSpPr>
-          <p:nvPr/>
-        </p:nvSpPr>
-        <p:spPr>
-          <a:xfrm>
-            <a:off x="1447800" y="152400"/>
-            <a:ext cx="8229600" cy="1143000"/>
-          </a:xfrm>
-          <a:prstGeom prst="rect">
-            <a:avLst/>
-          </a:prstGeom>
-        </p:spPr>
-        <p:txBody>
-          <a:bodyPr>
-            <a:noAutofit/>
-          </a:bodyPr>
-          <a:lstStyle>
-            <a:lvl1pPr algn="ctr" defTabSz="342900" rtl="0" eaLnBrk="1" latinLnBrk="0" hangingPunct="1">
-              <a:spcBef>
-                <a:spcPct val="0"/>
-              </a:spcBef>
-              <a:buNone/>
-              <a:defRPr sz="3300" kern="1200">
-                <a:solidFill>
-                  <a:schemeClr val="tx1"/>
-                </a:solidFill>
-                <a:latin typeface="+mj-lt"/>
-                <a:ea typeface="+mj-ea"/>
-                <a:cs typeface="+mj-cs"/>
-              </a:defRPr>
-            </a:lvl1pPr>
-          </a:lstStyle>
-          <a:p>
-            <a:r>
-              <a:rPr lang="it-IT" sz="2400" b="1" dirty="0">
-                <a:solidFill>
-                  <a:schemeClr val="bg1"/>
-                </a:solidFill>
-              </a:rPr>
-              <a:t>DATA UNDERSTANDING: </a:t>
-            </a:r>
-            <a:r>
-              <a:rPr lang="it-IT" sz="2400" dirty="0">
-                <a:solidFill>
-                  <a:schemeClr val="bg1"/>
-                </a:solidFill>
-              </a:rPr>
-              <a:t>PREPROCESSING</a:t>
-            </a:r>
-            <a:endParaRPr lang="en-US" sz="2400" dirty="0">
-              <a:solidFill>
-                <a:schemeClr val="bg1"/>
-              </a:solidFill>
-            </a:endParaRPr>
           </a:p>
         </p:txBody>
       </p:sp>
@@ -17144,7 +17021,7 @@
         </p:nvSpPr>
         <p:spPr>
           <a:xfrm>
-            <a:off x="518864" y="2266528"/>
+            <a:off x="518864" y="2050504"/>
             <a:ext cx="8229600" cy="4114800"/>
           </a:xfrm>
           <a:prstGeom prst="rect">
@@ -17153,7 +17030,7 @@
         </p:spPr>
         <p:txBody>
           <a:bodyPr vert="horz" lIns="91440" tIns="45720" rIns="91440" bIns="45720" rtlCol="0">
-            <a:normAutofit fontScale="92500" lnSpcReduction="20000"/>
+            <a:normAutofit fontScale="92500"/>
           </a:bodyPr>
           <a:lstStyle>
             <a:lvl1pPr marL="257175" indent="-257175" algn="l" defTabSz="342900" rtl="0" eaLnBrk="1" latinLnBrk="0" hangingPunct="1">
@@ -17343,39 +17220,13 @@
               <a:rPr lang="it-IT" i="1" dirty="0"/>
               <a:t>sprecando un cluster.</a:t>
             </a:r>
-          </a:p>
-          <a:p>
-            <a:pPr lvl="1" algn="just"/>
-            <a:r>
-              <a:rPr lang="it-IT" dirty="0">
-                <a:solidFill>
-                  <a:schemeClr val="bg1">
-                    <a:lumMod val="50000"/>
-                  </a:schemeClr>
-                </a:solidFill>
-              </a:rPr>
-              <a:t>Occorre però tenere ben a mente che si sta operando </a:t>
-            </a:r>
-            <a:r>
-              <a:rPr lang="it-IT" u="sng" dirty="0">
-                <a:solidFill>
-                  <a:schemeClr val="bg1">
-                    <a:lumMod val="50000"/>
-                  </a:schemeClr>
-                </a:solidFill>
-              </a:rPr>
-              <a:t>soltanto</a:t>
-            </a:r>
-            <a:r>
-              <a:rPr lang="it-IT" dirty="0">
-                <a:solidFill>
-                  <a:schemeClr val="bg1">
-                    <a:lumMod val="50000"/>
-                  </a:schemeClr>
-                </a:solidFill>
-              </a:rPr>
-              <a:t> sulle istanze che hanno superato l’esame, per evitare di trarre poi conclusioni sbagliate.</a:t>
-            </a:r>
+            <a:endParaRPr lang="it-IT" dirty="0">
+              <a:solidFill>
+                <a:schemeClr val="bg1">
+                  <a:lumMod val="50000"/>
+                </a:schemeClr>
+              </a:solidFill>
+            </a:endParaRPr>
           </a:p>
           <a:p>
             <a:pPr algn="just"/>
@@ -17391,6 +17242,74 @@
           <a:p>
             <a:pPr algn="just"/>
             <a:endParaRPr lang="it-IT" dirty="0"/>
+          </a:p>
+        </p:txBody>
+      </p:sp>
+      <p:sp>
+        <p:nvSpPr>
+          <p:cNvPr id="14" name="Titolo 1">
+            <a:extLst>
+              <a:ext uri="{FF2B5EF4-FFF2-40B4-BE49-F238E27FC236}">
+                <a16:creationId xmlns:a16="http://schemas.microsoft.com/office/drawing/2014/main" id="{74AF2697-5DC0-4CD9-9CF8-8527412089F9}"/>
+              </a:ext>
+            </a:extLst>
+          </p:cNvPr>
+          <p:cNvSpPr txBox="1">
+            <a:spLocks/>
+          </p:cNvSpPr>
+          <p:nvPr/>
+        </p:nvSpPr>
+        <p:spPr>
+          <a:xfrm>
+            <a:off x="2175048" y="152400"/>
+            <a:ext cx="8229600" cy="1143000"/>
+          </a:xfrm>
+          <a:prstGeom prst="rect">
+            <a:avLst/>
+          </a:prstGeom>
+        </p:spPr>
+        <p:txBody>
+          <a:bodyPr>
+            <a:noAutofit/>
+          </a:bodyPr>
+          <a:lstStyle>
+            <a:lvl1pPr algn="ctr" defTabSz="342900" rtl="0" eaLnBrk="1" latinLnBrk="0" hangingPunct="1">
+              <a:spcBef>
+                <a:spcPct val="0"/>
+              </a:spcBef>
+              <a:buNone/>
+              <a:defRPr sz="3300" kern="1200">
+                <a:solidFill>
+                  <a:schemeClr val="tx1"/>
+                </a:solidFill>
+                <a:latin typeface="+mj-lt"/>
+                <a:ea typeface="+mj-ea"/>
+                <a:cs typeface="+mj-cs"/>
+              </a:defRPr>
+            </a:lvl1pPr>
+          </a:lstStyle>
+          <a:p>
+            <a:r>
+              <a:rPr lang="it-IT" sz="2400" b="1" dirty="0">
+                <a:solidFill>
+                  <a:schemeClr val="bg1"/>
+                </a:solidFill>
+              </a:rPr>
+              <a:t>PREPROCESSING</a:t>
+            </a:r>
+            <a:r>
+              <a:rPr lang="it-IT" sz="2400" dirty="0">
+                <a:solidFill>
+                  <a:schemeClr val="bg1"/>
+                </a:solidFill>
+              </a:rPr>
+              <a:t>: SUBSET F.Y.</a:t>
+            </a:r>
+            <a:endParaRPr lang="en-US" sz="2400" dirty="0">
+              <a:solidFill>
+                <a:schemeClr val="bg1"/>
+              </a:solidFill>
+            </a:endParaRPr>
           </a:p>
         </p:txBody>
       </p:sp>
@@ -17408,6 +17327,170 @@
 </file>
 
 <file path=ppt/slides/slide35.xml><?xml version="1.0" encoding="utf-8"?>
+<p:sld xmlns:a="http://schemas.openxmlformats.org/drawingml/2006/main" xmlns:r="http://schemas.openxmlformats.org/officeDocument/2006/relationships" xmlns:p="http://schemas.openxmlformats.org/presentationml/2006/main">
+  <p:cSld>
+    <p:spTree>
+      <p:nvGrpSpPr>
+        <p:cNvPr id="1" name=""/>
+        <p:cNvGrpSpPr/>
+        <p:nvPr/>
+      </p:nvGrpSpPr>
+      <p:grpSpPr>
+        <a:xfrm>
+          <a:off x="0" y="0"/>
+          <a:ext cx="0" cy="0"/>
+          <a:chOff x="0" y="0"/>
+          <a:chExt cx="0" cy="0"/>
+        </a:xfrm>
+      </p:grpSpPr>
+      <p:pic>
+        <p:nvPicPr>
+          <p:cNvPr id="4" name="Immagine 3">
+            <a:extLst>
+              <a:ext uri="{FF2B5EF4-FFF2-40B4-BE49-F238E27FC236}">
+                <a16:creationId xmlns:a16="http://schemas.microsoft.com/office/drawing/2014/main" id="{433DA16F-D536-4619-9DCD-EF2DA640EAA3}"/>
+              </a:ext>
+            </a:extLst>
+          </p:cNvPr>
+          <p:cNvPicPr>
+            <a:picLocks noChangeAspect="1"/>
+          </p:cNvPicPr>
+          <p:nvPr/>
+        </p:nvPicPr>
+        <p:blipFill>
+          <a:blip r:embed="rId2"/>
+          <a:stretch>
+            <a:fillRect/>
+          </a:stretch>
+        </p:blipFill>
+        <p:spPr>
+          <a:xfrm>
+            <a:off x="-2577" y="1123964"/>
+            <a:ext cx="9144000" cy="5734036"/>
+          </a:xfrm>
+          <a:prstGeom prst="rect">
+            <a:avLst/>
+          </a:prstGeom>
+        </p:spPr>
+      </p:pic>
+      <p:sp>
+        <p:nvSpPr>
+          <p:cNvPr id="5" name="CasellaDiTesto 4">
+            <a:extLst>
+              <a:ext uri="{FF2B5EF4-FFF2-40B4-BE49-F238E27FC236}">
+                <a16:creationId xmlns:a16="http://schemas.microsoft.com/office/drawing/2014/main" id="{441C4DC8-3C4D-4FEC-8306-5805693390D0}"/>
+              </a:ext>
+            </a:extLst>
+          </p:cNvPr>
+          <p:cNvSpPr txBox="1"/>
+          <p:nvPr/>
+        </p:nvSpPr>
+        <p:spPr>
+          <a:xfrm>
+            <a:off x="35496" y="764704"/>
+            <a:ext cx="4884992" cy="369332"/>
+          </a:xfrm>
+          <a:prstGeom prst="rect">
+            <a:avLst/>
+          </a:prstGeom>
+          <a:noFill/>
+        </p:spPr>
+        <p:txBody>
+          <a:bodyPr wrap="none" rtlCol="0">
+            <a:spAutoFit/>
+          </a:bodyPr>
+          <a:lstStyle/>
+          <a:p>
+            <a:r>
+              <a:rPr lang="it-IT" dirty="0"/>
+              <a:t>Il dataset così trattato si presenta in questo modo:</a:t>
+            </a:r>
+            <a:endParaRPr lang="en-US" dirty="0"/>
+          </a:p>
+        </p:txBody>
+      </p:sp>
+      <p:sp>
+        <p:nvSpPr>
+          <p:cNvPr id="7" name="Titolo 1">
+            <a:extLst>
+              <a:ext uri="{FF2B5EF4-FFF2-40B4-BE49-F238E27FC236}">
+                <a16:creationId xmlns:a16="http://schemas.microsoft.com/office/drawing/2014/main" id="{A4058E24-A699-4E88-B85B-E8AA30C62C9F}"/>
+              </a:ext>
+            </a:extLst>
+          </p:cNvPr>
+          <p:cNvSpPr txBox="1">
+            <a:spLocks/>
+          </p:cNvSpPr>
+          <p:nvPr/>
+        </p:nvSpPr>
+        <p:spPr>
+          <a:xfrm>
+            <a:off x="2175048" y="152400"/>
+            <a:ext cx="8229600" cy="1143000"/>
+          </a:xfrm>
+          <a:prstGeom prst="rect">
+            <a:avLst/>
+          </a:prstGeom>
+        </p:spPr>
+        <p:txBody>
+          <a:bodyPr>
+            <a:noAutofit/>
+          </a:bodyPr>
+          <a:lstStyle>
+            <a:lvl1pPr algn="ctr" defTabSz="342900" rtl="0" eaLnBrk="1" latinLnBrk="0" hangingPunct="1">
+              <a:spcBef>
+                <a:spcPct val="0"/>
+              </a:spcBef>
+              <a:buNone/>
+              <a:defRPr sz="3300" kern="1200">
+                <a:solidFill>
+                  <a:schemeClr val="tx1"/>
+                </a:solidFill>
+                <a:latin typeface="+mj-lt"/>
+                <a:ea typeface="+mj-ea"/>
+                <a:cs typeface="+mj-cs"/>
+              </a:defRPr>
+            </a:lvl1pPr>
+          </a:lstStyle>
+          <a:p>
+            <a:r>
+              <a:rPr lang="it-IT" sz="2400" b="1" dirty="0">
+                <a:solidFill>
+                  <a:schemeClr val="bg1"/>
+                </a:solidFill>
+              </a:rPr>
+              <a:t>PREPROCESSING</a:t>
+            </a:r>
+            <a:r>
+              <a:rPr lang="it-IT" sz="2400" dirty="0">
+                <a:solidFill>
+                  <a:schemeClr val="bg1"/>
+                </a:solidFill>
+              </a:rPr>
+              <a:t>: SUBSET F.Y.</a:t>
+            </a:r>
+            <a:endParaRPr lang="en-US" sz="2400" dirty="0">
+              <a:solidFill>
+                <a:schemeClr val="bg1"/>
+              </a:solidFill>
+            </a:endParaRPr>
+          </a:p>
+        </p:txBody>
+      </p:sp>
+    </p:spTree>
+    <p:extLst>
+      <p:ext uri="{BB962C8B-B14F-4D97-AF65-F5344CB8AC3E}">
+        <p14:creationId xmlns:p14="http://schemas.microsoft.com/office/powerpoint/2010/main" val="2790463972"/>
+      </p:ext>
+    </p:extLst>
+  </p:cSld>
+  <p:clrMapOvr>
+    <a:masterClrMapping/>
+  </p:clrMapOvr>
+</p:sld>
+</file>
+
+<file path=ppt/slides/slide36.xml><?xml version="1.0" encoding="utf-8"?>
 <p:sld xmlns:a="http://schemas.openxmlformats.org/drawingml/2006/main" xmlns:r="http://schemas.openxmlformats.org/officeDocument/2006/relationships" xmlns:p="http://schemas.openxmlformats.org/presentationml/2006/main">
   <p:cSld>
     <p:spTree>
@@ -17656,69 +17739,47 @@
       </p:sp>
       <p:sp>
         <p:nvSpPr>
-          <p:cNvPr id="6" name="Titolo 1">
+          <p:cNvPr id="7" name="Titolo 1">
             <a:extLst>
               <a:ext uri="{FF2B5EF4-FFF2-40B4-BE49-F238E27FC236}">
-                <a16:creationId xmlns:a16="http://schemas.microsoft.com/office/drawing/2014/main" id="{32602169-0966-4893-B032-33CFCD986CA0}"/>
+                <a16:creationId xmlns:a16="http://schemas.microsoft.com/office/drawing/2014/main" id="{588E765D-4A18-43EC-9070-BBB19613F406}"/>
               </a:ext>
             </a:extLst>
           </p:cNvPr>
-          <p:cNvSpPr txBox="1">
-            <a:spLocks/>
+          <p:cNvSpPr>
+            <a:spLocks noGrp="1"/>
           </p:cNvSpPr>
-          <p:nvPr/>
+          <p:nvPr>
+            <p:ph type="title"/>
+          </p:nvPr>
         </p:nvSpPr>
         <p:spPr>
           <a:xfrm>
-            <a:off x="1447800" y="152400"/>
+            <a:off x="457200" y="917848"/>
             <a:ext cx="8229600" cy="1143000"/>
           </a:xfrm>
-          <a:prstGeom prst="rect">
-            <a:avLst/>
-          </a:prstGeom>
         </p:spPr>
         <p:txBody>
           <a:bodyPr>
             <a:noAutofit/>
           </a:bodyPr>
-          <a:lstStyle>
-            <a:lvl1pPr algn="ctr" defTabSz="342900" rtl="0" eaLnBrk="1" latinLnBrk="0" hangingPunct="1">
-              <a:spcBef>
-                <a:spcPct val="0"/>
-              </a:spcBef>
-              <a:buNone/>
-              <a:defRPr sz="3300" kern="1200">
-                <a:solidFill>
-                  <a:schemeClr val="tx1"/>
-                </a:solidFill>
-                <a:latin typeface="+mj-lt"/>
-                <a:ea typeface="+mj-ea"/>
-                <a:cs typeface="+mj-cs"/>
-              </a:defRPr>
-            </a:lvl1pPr>
-          </a:lstStyle>
-          <a:p>
-            <a:r>
-              <a:rPr lang="it-IT" sz="2400" b="1" dirty="0">
-                <a:solidFill>
-                  <a:schemeClr val="bg1"/>
-                </a:solidFill>
-              </a:rPr>
-              <a:t>DATA UNDERSTANDING: </a:t>
-            </a:r>
-            <a:r>
-              <a:rPr lang="it-IT" sz="2400" dirty="0">
-                <a:solidFill>
-                  <a:schemeClr val="bg1"/>
-                </a:solidFill>
-              </a:rPr>
-              <a:t>PREPROCESSING</a:t>
-            </a:r>
-            <a:endParaRPr lang="en-US" sz="2400" dirty="0">
-              <a:solidFill>
-                <a:schemeClr val="bg1"/>
-              </a:solidFill>
-            </a:endParaRPr>
+          <a:lstStyle/>
+          <a:p>
+            <a:r>
+              <a:rPr lang="it-IT" sz="2700" dirty="0"/>
+              <a:t>TOTALITÀ DEL DATASET: </a:t>
+            </a:r>
+            <a:r>
+              <a:rPr lang="it-IT" sz="2800" dirty="0" err="1">
+                <a:solidFill>
+                  <a:schemeClr val="bg1">
+                    <a:lumMod val="50000"/>
+                  </a:schemeClr>
+                </a:solidFill>
+              </a:rPr>
+              <a:t>dataset_tot.arff</a:t>
+            </a:r>
+            <a:endParaRPr lang="en-US" sz="2700" dirty="0"/>
           </a:p>
         </p:txBody>
       </p:sp>
@@ -17982,7 +18043,7 @@
               <a:tabLst/>
             </a:pPr>
             <a:r>
-              <a:rPr kumimoji="0" lang="it-IT" altLang="en-US" sz="1100" b="0" i="0" u="none" strike="noStrike" cap="none" normalizeH="0" baseline="0">
+              <a:rPr kumimoji="0" lang="it-IT" altLang="en-US" sz="1100" b="0" i="0" u="none" strike="noStrike" cap="none" normalizeH="0" baseline="0" dirty="0">
                 <a:ln>
                   <a:noFill/>
                 </a:ln>
@@ -17996,7 +18057,7 @@
               </a:rPr>
               <a:t> </a:t>
             </a:r>
-            <a:endParaRPr kumimoji="0" lang="it-IT" altLang="en-US" sz="1800" b="0" i="0" u="none" strike="noStrike" cap="none" normalizeH="0" baseline="0">
+            <a:endParaRPr kumimoji="0" lang="it-IT" altLang="en-US" sz="1800" b="0" i="0" u="none" strike="noStrike" cap="none" normalizeH="0" baseline="0" dirty="0">
               <a:ln>
                 <a:noFill/>
               </a:ln>
@@ -18227,12 +18288,381 @@
           </a:p>
         </p:txBody>
       </p:sp>
+      <p:sp>
+        <p:nvSpPr>
+          <p:cNvPr id="12" name="Segnaposto contenuto 2">
+            <a:extLst>
+              <a:ext uri="{FF2B5EF4-FFF2-40B4-BE49-F238E27FC236}">
+                <a16:creationId xmlns:a16="http://schemas.microsoft.com/office/drawing/2014/main" id="{6B55346A-7B45-43F0-B6B4-9CFD350F7410}"/>
+              </a:ext>
+            </a:extLst>
+          </p:cNvPr>
+          <p:cNvSpPr txBox="1">
+            <a:spLocks/>
+          </p:cNvSpPr>
+          <p:nvPr/>
+        </p:nvSpPr>
+        <p:spPr>
+          <a:xfrm>
+            <a:off x="467544" y="2122512"/>
+            <a:ext cx="8229600" cy="4114800"/>
+          </a:xfrm>
+          <a:prstGeom prst="rect">
+            <a:avLst/>
+          </a:prstGeom>
+        </p:spPr>
+        <p:txBody>
+          <a:bodyPr vert="horz" lIns="91440" tIns="45720" rIns="91440" bIns="45720" rtlCol="0">
+            <a:normAutofit lnSpcReduction="10000"/>
+          </a:bodyPr>
+          <a:lstStyle>
+            <a:lvl1pPr marL="257175" indent="-257175" algn="l" defTabSz="342900" rtl="0" eaLnBrk="1" latinLnBrk="0" hangingPunct="1">
+              <a:spcBef>
+                <a:spcPct val="20000"/>
+              </a:spcBef>
+              <a:buFont typeface="Arial"/>
+              <a:buChar char="•"/>
+              <a:defRPr sz="2400" kern="1200">
+                <a:solidFill>
+                  <a:schemeClr val="tx1"/>
+                </a:solidFill>
+                <a:latin typeface="+mn-lt"/>
+                <a:ea typeface="+mn-ea"/>
+                <a:cs typeface="+mn-cs"/>
+              </a:defRPr>
+            </a:lvl1pPr>
+            <a:lvl2pPr marL="557213" indent="-214313" algn="l" defTabSz="342900" rtl="0" eaLnBrk="1" latinLnBrk="0" hangingPunct="1">
+              <a:spcBef>
+                <a:spcPct val="20000"/>
+              </a:spcBef>
+              <a:buFont typeface="Arial"/>
+              <a:buChar char="–"/>
+              <a:defRPr sz="2100" kern="1200">
+                <a:solidFill>
+                  <a:schemeClr val="tx1"/>
+                </a:solidFill>
+                <a:latin typeface="+mn-lt"/>
+                <a:ea typeface="+mn-ea"/>
+                <a:cs typeface="+mn-cs"/>
+              </a:defRPr>
+            </a:lvl2pPr>
+            <a:lvl3pPr marL="857250" indent="-171450" algn="l" defTabSz="342900" rtl="0" eaLnBrk="1" latinLnBrk="0" hangingPunct="1">
+              <a:spcBef>
+                <a:spcPct val="20000"/>
+              </a:spcBef>
+              <a:buFont typeface="Arial"/>
+              <a:buChar char="•"/>
+              <a:defRPr sz="1800" kern="1200">
+                <a:solidFill>
+                  <a:schemeClr val="tx1"/>
+                </a:solidFill>
+                <a:latin typeface="+mn-lt"/>
+                <a:ea typeface="+mn-ea"/>
+                <a:cs typeface="+mn-cs"/>
+              </a:defRPr>
+            </a:lvl3pPr>
+            <a:lvl4pPr marL="1200150" indent="-171450" algn="l" defTabSz="342900" rtl="0" eaLnBrk="1" latinLnBrk="0" hangingPunct="1">
+              <a:spcBef>
+                <a:spcPct val="20000"/>
+              </a:spcBef>
+              <a:buFont typeface="Arial"/>
+              <a:buChar char="–"/>
+              <a:defRPr sz="1500" kern="1200">
+                <a:solidFill>
+                  <a:schemeClr val="tx1"/>
+                </a:solidFill>
+                <a:latin typeface="+mn-lt"/>
+                <a:ea typeface="+mn-ea"/>
+                <a:cs typeface="+mn-cs"/>
+              </a:defRPr>
+            </a:lvl4pPr>
+            <a:lvl5pPr marL="1543050" indent="-171450" algn="l" defTabSz="342900" rtl="0" eaLnBrk="1" latinLnBrk="0" hangingPunct="1">
+              <a:spcBef>
+                <a:spcPct val="20000"/>
+              </a:spcBef>
+              <a:buFont typeface="Arial"/>
+              <a:buChar char="»"/>
+              <a:defRPr sz="1500" kern="1200">
+                <a:solidFill>
+                  <a:schemeClr val="tx1"/>
+                </a:solidFill>
+                <a:latin typeface="+mn-lt"/>
+                <a:ea typeface="+mn-ea"/>
+                <a:cs typeface="+mn-cs"/>
+              </a:defRPr>
+            </a:lvl5pPr>
+            <a:lvl6pPr marL="1885950" indent="-171450" algn="l" defTabSz="342900" rtl="0" eaLnBrk="1" latinLnBrk="0" hangingPunct="1">
+              <a:spcBef>
+                <a:spcPct val="20000"/>
+              </a:spcBef>
+              <a:buFont typeface="Arial"/>
+              <a:buChar char="•"/>
+              <a:defRPr sz="1500" kern="1200">
+                <a:solidFill>
+                  <a:schemeClr val="tx1"/>
+                </a:solidFill>
+                <a:latin typeface="+mn-lt"/>
+                <a:ea typeface="+mn-ea"/>
+                <a:cs typeface="+mn-cs"/>
+              </a:defRPr>
+            </a:lvl6pPr>
+            <a:lvl7pPr marL="2228850" indent="-171450" algn="l" defTabSz="342900" rtl="0" eaLnBrk="1" latinLnBrk="0" hangingPunct="1">
+              <a:spcBef>
+                <a:spcPct val="20000"/>
+              </a:spcBef>
+              <a:buFont typeface="Arial"/>
+              <a:buChar char="•"/>
+              <a:defRPr sz="1500" kern="1200">
+                <a:solidFill>
+                  <a:schemeClr val="tx1"/>
+                </a:solidFill>
+                <a:latin typeface="+mn-lt"/>
+                <a:ea typeface="+mn-ea"/>
+                <a:cs typeface="+mn-cs"/>
+              </a:defRPr>
+            </a:lvl7pPr>
+            <a:lvl8pPr marL="2571750" indent="-171450" algn="l" defTabSz="342900" rtl="0" eaLnBrk="1" latinLnBrk="0" hangingPunct="1">
+              <a:spcBef>
+                <a:spcPct val="20000"/>
+              </a:spcBef>
+              <a:buFont typeface="Arial"/>
+              <a:buChar char="•"/>
+              <a:defRPr sz="1500" kern="1200">
+                <a:solidFill>
+                  <a:schemeClr val="tx1"/>
+                </a:solidFill>
+                <a:latin typeface="+mn-lt"/>
+                <a:ea typeface="+mn-ea"/>
+                <a:cs typeface="+mn-cs"/>
+              </a:defRPr>
+            </a:lvl8pPr>
+            <a:lvl9pPr marL="2914650" indent="-171450" algn="l" defTabSz="342900" rtl="0" eaLnBrk="1" latinLnBrk="0" hangingPunct="1">
+              <a:spcBef>
+                <a:spcPct val="20000"/>
+              </a:spcBef>
+              <a:buFont typeface="Arial"/>
+              <a:buChar char="•"/>
+              <a:defRPr sz="1500" kern="1200">
+                <a:solidFill>
+                  <a:schemeClr val="tx1"/>
+                </a:solidFill>
+                <a:latin typeface="+mn-lt"/>
+                <a:ea typeface="+mn-ea"/>
+                <a:cs typeface="+mn-cs"/>
+              </a:defRPr>
+            </a:lvl9pPr>
+          </a:lstStyle>
+          <a:p>
+            <a:pPr algn="just"/>
+            <a:r>
+              <a:rPr lang="it-IT" dirty="0"/>
+              <a:t>Rimangono valide le considerazioni espresse precedentemente riguardo all’attributo</a:t>
+            </a:r>
+            <a:r>
+              <a:rPr lang="it-IT" dirty="0">
+                <a:solidFill>
+                  <a:srgbClr val="0070C0"/>
+                </a:solidFill>
+              </a:rPr>
+              <a:t> classe</a:t>
+            </a:r>
+            <a:r>
+              <a:rPr lang="it-IT" dirty="0"/>
+              <a:t>, alla </a:t>
+            </a:r>
+            <a:r>
+              <a:rPr lang="it-IT" dirty="0">
+                <a:solidFill>
+                  <a:srgbClr val="0070C0"/>
+                </a:solidFill>
+              </a:rPr>
+              <a:t>normalizzazione</a:t>
+            </a:r>
+            <a:r>
+              <a:rPr lang="it-IT" dirty="0"/>
+              <a:t> degli attributi numerici e alla scelta di </a:t>
+            </a:r>
+            <a:r>
+              <a:rPr lang="it-IT" dirty="0">
+                <a:solidFill>
+                  <a:srgbClr val="0070C0"/>
+                </a:solidFill>
+              </a:rPr>
+              <a:t>ignorare i valori mancanti</a:t>
+            </a:r>
+            <a:r>
+              <a:rPr lang="it-IT" dirty="0"/>
+              <a:t>.</a:t>
+            </a:r>
+          </a:p>
+          <a:p>
+            <a:pPr lvl="1" algn="just"/>
+            <a:r>
+              <a:rPr lang="it-IT" sz="1600" dirty="0">
+                <a:solidFill>
+                  <a:srgbClr val="FF0000"/>
+                </a:solidFill>
+              </a:rPr>
+              <a:t>Dopo la normalizzazione, un attributo voto pari a zero significa che è stato                  conseguito il voto minimo sufficiente per quella materia, non che l’esame non è stato superato!</a:t>
+            </a:r>
+          </a:p>
+          <a:p>
+            <a:pPr algn="just"/>
+            <a:endParaRPr lang="it-IT" dirty="0"/>
+          </a:p>
+          <a:p>
+            <a:pPr algn="just"/>
+            <a:r>
+              <a:rPr lang="it-IT" dirty="0"/>
+              <a:t>Riguardo ad </a:t>
+            </a:r>
+            <a:r>
+              <a:rPr lang="it-IT" i="1" dirty="0"/>
+              <a:t>Inglese</a:t>
+            </a:r>
+            <a:r>
+              <a:rPr lang="it-IT" dirty="0"/>
+              <a:t> e </a:t>
+            </a:r>
+            <a:r>
+              <a:rPr lang="it-IT" i="1" dirty="0"/>
+              <a:t>Competenze</a:t>
+            </a:r>
+            <a:r>
+              <a:rPr lang="it-IT" dirty="0"/>
+              <a:t> </a:t>
+            </a:r>
+            <a:r>
+              <a:rPr lang="it-IT" i="1" dirty="0"/>
+              <a:t>Aziendali,</a:t>
+            </a:r>
+            <a:r>
+              <a:rPr lang="it-IT" dirty="0"/>
+              <a:t> non ci sono ovviamente dati relativi al voto: la presenza di un valore nell’attributo data è indice dell’avvenuta acquisizione dell’idoneità. </a:t>
+            </a:r>
+            <a:r>
+              <a:rPr lang="it-IT" dirty="0">
+                <a:solidFill>
+                  <a:srgbClr val="0070C0"/>
+                </a:solidFill>
+              </a:rPr>
+              <a:t>Gli attributi relativi alla valutazione di questi due corsi sono stati semplicemente eliminati</a:t>
+            </a:r>
+            <a:r>
+              <a:rPr lang="it-IT" dirty="0"/>
+              <a:t>.</a:t>
+            </a:r>
+          </a:p>
+          <a:p>
+            <a:pPr algn="just"/>
+            <a:endParaRPr lang="it-IT" dirty="0"/>
+          </a:p>
+        </p:txBody>
+      </p:sp>
+      <p:sp>
+        <p:nvSpPr>
+          <p:cNvPr id="14" name="Titolo 1">
+            <a:extLst>
+              <a:ext uri="{FF2B5EF4-FFF2-40B4-BE49-F238E27FC236}">
+                <a16:creationId xmlns:a16="http://schemas.microsoft.com/office/drawing/2014/main" id="{42DB3707-21C9-48D1-B7B2-B54324933659}"/>
+              </a:ext>
+            </a:extLst>
+          </p:cNvPr>
+          <p:cNvSpPr txBox="1">
+            <a:spLocks/>
+          </p:cNvSpPr>
+          <p:nvPr/>
+        </p:nvSpPr>
+        <p:spPr>
+          <a:xfrm>
+            <a:off x="2175048" y="152400"/>
+            <a:ext cx="8229600" cy="1143000"/>
+          </a:xfrm>
+          <a:prstGeom prst="rect">
+            <a:avLst/>
+          </a:prstGeom>
+        </p:spPr>
+        <p:txBody>
+          <a:bodyPr>
+            <a:noAutofit/>
+          </a:bodyPr>
+          <a:lstStyle>
+            <a:lvl1pPr algn="ctr" defTabSz="342900" rtl="0" eaLnBrk="1" latinLnBrk="0" hangingPunct="1">
+              <a:spcBef>
+                <a:spcPct val="0"/>
+              </a:spcBef>
+              <a:buNone/>
+              <a:defRPr sz="3300" kern="1200">
+                <a:solidFill>
+                  <a:schemeClr val="tx1"/>
+                </a:solidFill>
+                <a:latin typeface="+mj-lt"/>
+                <a:ea typeface="+mj-ea"/>
+                <a:cs typeface="+mj-cs"/>
+              </a:defRPr>
+            </a:lvl1pPr>
+          </a:lstStyle>
+          <a:p>
+            <a:r>
+              <a:rPr lang="it-IT" sz="2400" b="1" dirty="0">
+                <a:solidFill>
+                  <a:schemeClr val="bg1"/>
+                </a:solidFill>
+              </a:rPr>
+              <a:t>PREPROCESSING</a:t>
+            </a:r>
+            <a:r>
+              <a:rPr lang="it-IT" sz="2400" dirty="0">
+                <a:solidFill>
+                  <a:schemeClr val="bg1"/>
+                </a:solidFill>
+              </a:rPr>
+              <a:t>: TUTTO IL DATASET</a:t>
+            </a:r>
+            <a:endParaRPr lang="en-US" sz="2400" dirty="0">
+              <a:solidFill>
+                <a:schemeClr val="bg1"/>
+              </a:solidFill>
+            </a:endParaRPr>
+          </a:p>
+        </p:txBody>
+      </p:sp>
+    </p:spTree>
+    <p:extLst>
+      <p:ext uri="{BB962C8B-B14F-4D97-AF65-F5344CB8AC3E}">
+        <p14:creationId xmlns:p14="http://schemas.microsoft.com/office/powerpoint/2010/main" val="594740622"/>
+      </p:ext>
+    </p:extLst>
+  </p:cSld>
+  <p:clrMapOvr>
+    <a:masterClrMapping/>
+  </p:clrMapOvr>
+</p:sld>
+</file>
+
+<file path=ppt/slides/slide37.xml><?xml version="1.0" encoding="utf-8"?>
+<p:sld xmlns:a="http://schemas.openxmlformats.org/drawingml/2006/main" xmlns:r="http://schemas.openxmlformats.org/officeDocument/2006/relationships" xmlns:p="http://schemas.openxmlformats.org/presentationml/2006/main">
+  <p:cSld>
+    <p:spTree>
+      <p:nvGrpSpPr>
+        <p:cNvPr id="1" name=""/>
+        <p:cNvGrpSpPr/>
+        <p:nvPr/>
+      </p:nvGrpSpPr>
+      <p:grpSpPr>
+        <a:xfrm>
+          <a:off x="0" y="0"/>
+          <a:ext cx="0" cy="0"/>
+          <a:chOff x="0" y="0"/>
+          <a:chExt cx="0" cy="0"/>
+        </a:xfrm>
+      </p:grpSpPr>
       <p:pic>
         <p:nvPicPr>
-          <p:cNvPr id="20" name="Immagine 19">
+          <p:cNvPr id="4" name="Immagine 3">
             <a:extLst>
               <a:ext uri="{FF2B5EF4-FFF2-40B4-BE49-F238E27FC236}">
-                <a16:creationId xmlns:a16="http://schemas.microsoft.com/office/drawing/2014/main" id="{5A1AEA77-36A0-47D9-9519-2A100600EED4}"/>
+                <a16:creationId xmlns:a16="http://schemas.microsoft.com/office/drawing/2014/main" id="{36645B02-7D19-47DF-AF35-6848CA195F3F}"/>
               </a:ext>
             </a:extLst>
           </p:cNvPr>
@@ -18249,8 +18679,8 @@
         </p:blipFill>
         <p:spPr>
           <a:xfrm>
-            <a:off x="0" y="792480"/>
-            <a:ext cx="9144000" cy="6092904"/>
+            <a:off x="1" y="836713"/>
+            <a:ext cx="9144000" cy="6021288"/>
           </a:xfrm>
           <a:prstGeom prst="rect">
             <a:avLst/>
@@ -18259,44 +18689,76 @@
       </p:pic>
       <p:sp>
         <p:nvSpPr>
-          <p:cNvPr id="21" name="CasellaDiTesto 20">
+          <p:cNvPr id="6" name="Titolo 1">
             <a:extLst>
               <a:ext uri="{FF2B5EF4-FFF2-40B4-BE49-F238E27FC236}">
-                <a16:creationId xmlns:a16="http://schemas.microsoft.com/office/drawing/2014/main" id="{96FAB8C7-E2A6-43AA-9925-8FE16F52A84C}"/>
+                <a16:creationId xmlns:a16="http://schemas.microsoft.com/office/drawing/2014/main" id="{8B558D66-B033-44AA-8FAE-F1A060AFC119}"/>
               </a:ext>
             </a:extLst>
           </p:cNvPr>
-          <p:cNvSpPr txBox="1"/>
+          <p:cNvSpPr txBox="1">
+            <a:spLocks/>
+          </p:cNvSpPr>
           <p:nvPr/>
         </p:nvSpPr>
         <p:spPr>
           <a:xfrm>
-            <a:off x="3059832" y="6237312"/>
-            <a:ext cx="5760640" cy="584775"/>
+            <a:off x="2175048" y="152400"/>
+            <a:ext cx="8229600" cy="1143000"/>
           </a:xfrm>
           <a:prstGeom prst="rect">
             <a:avLst/>
           </a:prstGeom>
-          <a:noFill/>
         </p:spPr>
         <p:txBody>
-          <a:bodyPr wrap="square" rtlCol="0">
-            <a:spAutoFit/>
+          <a:bodyPr>
+            <a:noAutofit/>
           </a:bodyPr>
-          <a:lstStyle/>
-          <a:p>
-            <a:r>
-              <a:rPr lang="it-IT" sz="1600" dirty="0"/>
-              <a:t>Essendo i due subset in esame a loro volta uno un subset dell’altro, si mostra un sommario dei dati una volta sola.</a:t>
-            </a:r>
-            <a:endParaRPr lang="en-US" sz="1600" dirty="0"/>
+          <a:lstStyle>
+            <a:lvl1pPr algn="ctr" defTabSz="342900" rtl="0" eaLnBrk="1" latinLnBrk="0" hangingPunct="1">
+              <a:spcBef>
+                <a:spcPct val="0"/>
+              </a:spcBef>
+              <a:buNone/>
+              <a:defRPr sz="3300" kern="1200">
+                <a:solidFill>
+                  <a:schemeClr val="tx1"/>
+                </a:solidFill>
+                <a:latin typeface="+mj-lt"/>
+                <a:ea typeface="+mj-ea"/>
+                <a:cs typeface="+mj-cs"/>
+              </a:defRPr>
+            </a:lvl1pPr>
+          </a:lstStyle>
+          <a:p>
+            <a:r>
+              <a:rPr lang="it-IT" sz="2400" b="1" dirty="0">
+                <a:solidFill>
+                  <a:schemeClr val="bg1"/>
+                </a:solidFill>
+              </a:rPr>
+              <a:t>PREPROCESSING</a:t>
+            </a:r>
+            <a:r>
+              <a:rPr lang="it-IT" sz="2400" dirty="0">
+                <a:solidFill>
+                  <a:schemeClr val="bg1"/>
+                </a:solidFill>
+              </a:rPr>
+              <a:t>: TUTTO IL DATASET</a:t>
+            </a:r>
+            <a:endParaRPr lang="en-US" sz="2400" dirty="0">
+              <a:solidFill>
+                <a:schemeClr val="bg1"/>
+              </a:solidFill>
+            </a:endParaRPr>
           </a:p>
         </p:txBody>
       </p:sp>
     </p:spTree>
     <p:extLst>
       <p:ext uri="{BB962C8B-B14F-4D97-AF65-F5344CB8AC3E}">
-        <p14:creationId xmlns:p14="http://schemas.microsoft.com/office/powerpoint/2010/main" val="1373199532"/>
+        <p14:creationId xmlns:p14="http://schemas.microsoft.com/office/powerpoint/2010/main" val="1302608364"/>
       </p:ext>
     </p:extLst>
   </p:cSld>
@@ -18306,7 +18768,7 @@
 </p:sld>
 </file>
 
-<file path=ppt/slides/slide36.xml><?xml version="1.0" encoding="utf-8"?>
+<file path=ppt/slides/slide38.xml><?xml version="1.0" encoding="utf-8"?>
 <p:sld xmlns:a="http://schemas.openxmlformats.org/drawingml/2006/main" xmlns:r="http://schemas.openxmlformats.org/officeDocument/2006/relationships" xmlns:p="http://schemas.openxmlformats.org/presentationml/2006/main">
   <p:cSld>
     <p:spTree>
@@ -18325,10 +18787,10 @@
       </p:grpSpPr>
       <p:sp>
         <p:nvSpPr>
-          <p:cNvPr id="2" name="Titolo 1">
+          <p:cNvPr id="9" name="Segnaposto contenuto 2">
             <a:extLst>
               <a:ext uri="{FF2B5EF4-FFF2-40B4-BE49-F238E27FC236}">
-                <a16:creationId xmlns:a16="http://schemas.microsoft.com/office/drawing/2014/main" id="{F4192340-2840-4A2E-8DDB-6F69E2735148}"/>
+                <a16:creationId xmlns:a16="http://schemas.microsoft.com/office/drawing/2014/main" id="{89886170-B615-43F8-AA8E-D5565391C42A}"/>
               </a:ext>
             </a:extLst>
           </p:cNvPr>
@@ -18339,7 +18801,230 @@
         </p:nvSpPr>
         <p:spPr>
           <a:xfrm>
-            <a:off x="1447800" y="152400"/>
+            <a:off x="457200" y="5029199"/>
+            <a:ext cx="8229600" cy="1074753"/>
+          </a:xfrm>
+          <a:prstGeom prst="rect">
+            <a:avLst/>
+          </a:prstGeom>
+        </p:spPr>
+        <p:txBody>
+          <a:bodyPr vert="horz" lIns="91440" tIns="45720" rIns="91440" bIns="45720" rtlCol="0">
+            <a:normAutofit/>
+          </a:bodyPr>
+          <a:lstStyle>
+            <a:lvl1pPr marL="257175" indent="-257175" algn="l" defTabSz="342900" rtl="0" eaLnBrk="1" latinLnBrk="0" hangingPunct="1">
+              <a:spcBef>
+                <a:spcPct val="20000"/>
+              </a:spcBef>
+              <a:buFont typeface="Arial"/>
+              <a:buChar char="•"/>
+              <a:defRPr sz="2400" kern="1200">
+                <a:solidFill>
+                  <a:schemeClr val="tx1"/>
+                </a:solidFill>
+                <a:latin typeface="+mn-lt"/>
+                <a:ea typeface="+mn-ea"/>
+                <a:cs typeface="+mn-cs"/>
+              </a:defRPr>
+            </a:lvl1pPr>
+            <a:lvl2pPr marL="557213" indent="-214313" algn="l" defTabSz="342900" rtl="0" eaLnBrk="1" latinLnBrk="0" hangingPunct="1">
+              <a:spcBef>
+                <a:spcPct val="20000"/>
+              </a:spcBef>
+              <a:buFont typeface="Arial"/>
+              <a:buChar char="–"/>
+              <a:defRPr sz="2100" kern="1200">
+                <a:solidFill>
+                  <a:schemeClr val="tx1"/>
+                </a:solidFill>
+                <a:latin typeface="+mn-lt"/>
+                <a:ea typeface="+mn-ea"/>
+                <a:cs typeface="+mn-cs"/>
+              </a:defRPr>
+            </a:lvl2pPr>
+            <a:lvl3pPr marL="857250" indent="-171450" algn="l" defTabSz="342900" rtl="0" eaLnBrk="1" latinLnBrk="0" hangingPunct="1">
+              <a:spcBef>
+                <a:spcPct val="20000"/>
+              </a:spcBef>
+              <a:buFont typeface="Arial"/>
+              <a:buChar char="•"/>
+              <a:defRPr sz="1800" kern="1200">
+                <a:solidFill>
+                  <a:schemeClr val="tx1"/>
+                </a:solidFill>
+                <a:latin typeface="+mn-lt"/>
+                <a:ea typeface="+mn-ea"/>
+                <a:cs typeface="+mn-cs"/>
+              </a:defRPr>
+            </a:lvl3pPr>
+            <a:lvl4pPr marL="1200150" indent="-171450" algn="l" defTabSz="342900" rtl="0" eaLnBrk="1" latinLnBrk="0" hangingPunct="1">
+              <a:spcBef>
+                <a:spcPct val="20000"/>
+              </a:spcBef>
+              <a:buFont typeface="Arial"/>
+              <a:buChar char="–"/>
+              <a:defRPr sz="1500" kern="1200">
+                <a:solidFill>
+                  <a:schemeClr val="tx1"/>
+                </a:solidFill>
+                <a:latin typeface="+mn-lt"/>
+                <a:ea typeface="+mn-ea"/>
+                <a:cs typeface="+mn-cs"/>
+              </a:defRPr>
+            </a:lvl4pPr>
+            <a:lvl5pPr marL="1543050" indent="-171450" algn="l" defTabSz="342900" rtl="0" eaLnBrk="1" latinLnBrk="0" hangingPunct="1">
+              <a:spcBef>
+                <a:spcPct val="20000"/>
+              </a:spcBef>
+              <a:buFont typeface="Arial"/>
+              <a:buChar char="»"/>
+              <a:defRPr sz="1500" kern="1200">
+                <a:solidFill>
+                  <a:schemeClr val="tx1"/>
+                </a:solidFill>
+                <a:latin typeface="+mn-lt"/>
+                <a:ea typeface="+mn-ea"/>
+                <a:cs typeface="+mn-cs"/>
+              </a:defRPr>
+            </a:lvl5pPr>
+            <a:lvl6pPr marL="1885950" indent="-171450" algn="l" defTabSz="342900" rtl="0" eaLnBrk="1" latinLnBrk="0" hangingPunct="1">
+              <a:spcBef>
+                <a:spcPct val="20000"/>
+              </a:spcBef>
+              <a:buFont typeface="Arial"/>
+              <a:buChar char="•"/>
+              <a:defRPr sz="1500" kern="1200">
+                <a:solidFill>
+                  <a:schemeClr val="tx1"/>
+                </a:solidFill>
+                <a:latin typeface="+mn-lt"/>
+                <a:ea typeface="+mn-ea"/>
+                <a:cs typeface="+mn-cs"/>
+              </a:defRPr>
+            </a:lvl6pPr>
+            <a:lvl7pPr marL="2228850" indent="-171450" algn="l" defTabSz="342900" rtl="0" eaLnBrk="1" latinLnBrk="0" hangingPunct="1">
+              <a:spcBef>
+                <a:spcPct val="20000"/>
+              </a:spcBef>
+              <a:buFont typeface="Arial"/>
+              <a:buChar char="•"/>
+              <a:defRPr sz="1500" kern="1200">
+                <a:solidFill>
+                  <a:schemeClr val="tx1"/>
+                </a:solidFill>
+                <a:latin typeface="+mn-lt"/>
+                <a:ea typeface="+mn-ea"/>
+                <a:cs typeface="+mn-cs"/>
+              </a:defRPr>
+            </a:lvl7pPr>
+            <a:lvl8pPr marL="2571750" indent="-171450" algn="l" defTabSz="342900" rtl="0" eaLnBrk="1" latinLnBrk="0" hangingPunct="1">
+              <a:spcBef>
+                <a:spcPct val="20000"/>
+              </a:spcBef>
+              <a:buFont typeface="Arial"/>
+              <a:buChar char="•"/>
+              <a:defRPr sz="1500" kern="1200">
+                <a:solidFill>
+                  <a:schemeClr val="tx1"/>
+                </a:solidFill>
+                <a:latin typeface="+mn-lt"/>
+                <a:ea typeface="+mn-ea"/>
+                <a:cs typeface="+mn-cs"/>
+              </a:defRPr>
+            </a:lvl8pPr>
+            <a:lvl9pPr marL="2914650" indent="-171450" algn="l" defTabSz="342900" rtl="0" eaLnBrk="1" latinLnBrk="0" hangingPunct="1">
+              <a:spcBef>
+                <a:spcPct val="20000"/>
+              </a:spcBef>
+              <a:buFont typeface="Arial"/>
+              <a:buChar char="•"/>
+              <a:defRPr sz="1500" kern="1200">
+                <a:solidFill>
+                  <a:schemeClr val="tx1"/>
+                </a:solidFill>
+                <a:latin typeface="+mn-lt"/>
+                <a:ea typeface="+mn-ea"/>
+                <a:cs typeface="+mn-cs"/>
+              </a:defRPr>
+            </a:lvl9pPr>
+          </a:lstStyle>
+          <a:p>
+            <a:pPr marL="0" indent="0" algn="just">
+              <a:buFont typeface="Arial"/>
+              <a:buNone/>
+            </a:pPr>
+            <a:endParaRPr lang="it-IT" dirty="0"/>
+          </a:p>
+          <a:p>
+            <a:pPr marL="0" indent="0" algn="just">
+              <a:buFont typeface="Arial"/>
+              <a:buNone/>
+            </a:pPr>
+            <a:endParaRPr lang="it-IT" dirty="0"/>
+          </a:p>
+          <a:p>
+            <a:endParaRPr lang="en-US" sz="2000" dirty="0"/>
+          </a:p>
+        </p:txBody>
+      </p:sp>
+      <p:sp>
+        <p:nvSpPr>
+          <p:cNvPr id="7" name="Titolo 1">
+            <a:extLst>
+              <a:ext uri="{FF2B5EF4-FFF2-40B4-BE49-F238E27FC236}">
+                <a16:creationId xmlns:a16="http://schemas.microsoft.com/office/drawing/2014/main" id="{588E765D-4A18-43EC-9070-BBB19613F406}"/>
+              </a:ext>
+            </a:extLst>
+          </p:cNvPr>
+          <p:cNvSpPr>
+            <a:spLocks noGrp="1"/>
+          </p:cNvSpPr>
+          <p:nvPr>
+            <p:ph type="title"/>
+          </p:nvPr>
+        </p:nvSpPr>
+        <p:spPr>
+          <a:xfrm>
+            <a:off x="457200" y="836712"/>
+            <a:ext cx="8229600" cy="1143000"/>
+          </a:xfrm>
+        </p:spPr>
+        <p:txBody>
+          <a:bodyPr>
+            <a:noAutofit/>
+          </a:bodyPr>
+          <a:lstStyle/>
+          <a:p>
+            <a:r>
+              <a:rPr lang="it-IT" sz="2700" i="1" dirty="0"/>
+              <a:t>ALGORITMO</a:t>
+            </a:r>
+            <a:r>
+              <a:rPr lang="it-IT" sz="2700" dirty="0"/>
+              <a:t> DI CLUSTER ANALYSIS</a:t>
+            </a:r>
+            <a:endParaRPr lang="en-US" sz="2700" dirty="0"/>
+          </a:p>
+        </p:txBody>
+      </p:sp>
+      <p:sp>
+        <p:nvSpPr>
+          <p:cNvPr id="6" name="Titolo 1">
+            <a:extLst>
+              <a:ext uri="{FF2B5EF4-FFF2-40B4-BE49-F238E27FC236}">
+                <a16:creationId xmlns:a16="http://schemas.microsoft.com/office/drawing/2014/main" id="{32602169-0966-4893-B032-33CFCD986CA0}"/>
+              </a:ext>
+            </a:extLst>
+          </p:cNvPr>
+          <p:cNvSpPr txBox="1">
+            <a:spLocks/>
+          </p:cNvSpPr>
+          <p:nvPr/>
+        </p:nvSpPr>
+        <p:spPr>
+          <a:xfrm>
+            <a:off x="755576" y="152400"/>
             <a:ext cx="8229600" cy="1143000"/>
           </a:xfrm>
           <a:prstGeom prst="rect">
@@ -18367,21 +19052,14 @@
             </a:lvl1pPr>
           </a:lstStyle>
           <a:p>
+            <a:pPr algn="r"/>
             <a:r>
               <a:rPr lang="it-IT" sz="2400" b="1" dirty="0">
                 <a:solidFill>
                   <a:schemeClr val="bg1"/>
                 </a:solidFill>
               </a:rPr>
-              <a:t>DATA UNDERSTANDING: </a:t>
-            </a:r>
-            <a:r>
-              <a:rPr lang="it-IT" sz="2400" dirty="0">
-                <a:solidFill>
-                  <a:schemeClr val="bg1"/>
-                </a:solidFill>
-              </a:rPr>
-              <a:t>PREPROCESSING</a:t>
+              <a:t>CLUSTER ANALYSIS</a:t>
             </a:r>
             <a:endParaRPr lang="en-US" sz="2400" dirty="0">
               <a:solidFill>
@@ -18391,10 +19069,1958 @@
           </a:p>
         </p:txBody>
       </p:sp>
+      <p:sp>
+        <p:nvSpPr>
+          <p:cNvPr id="2" name="Rectangle 6">
+            <a:extLst>
+              <a:ext uri="{FF2B5EF4-FFF2-40B4-BE49-F238E27FC236}">
+                <a16:creationId xmlns:a16="http://schemas.microsoft.com/office/drawing/2014/main" id="{FC5724C9-24A0-4B40-9A3A-FE717EF7AA55}"/>
+              </a:ext>
+            </a:extLst>
+          </p:cNvPr>
+          <p:cNvSpPr>
+            <a:spLocks noChangeArrowheads="1"/>
+          </p:cNvSpPr>
+          <p:nvPr/>
+        </p:nvSpPr>
+        <p:spPr bwMode="auto">
+          <a:xfrm>
+            <a:off x="0" y="0"/>
+            <a:ext cx="9144000" cy="457200"/>
+          </a:xfrm>
+          <a:prstGeom prst="rect">
+            <a:avLst/>
+          </a:prstGeom>
+          <a:noFill/>
+          <a:ln>
+            <a:noFill/>
+          </a:ln>
+          <a:effectLst/>
+          <a:extLst>
+            <a:ext uri="{909E8E84-426E-40DD-AFC4-6F175D3DCCD1}">
+              <a14:hiddenFill xmlns:a14="http://schemas.microsoft.com/office/drawing/2010/main">
+                <a:solidFill>
+                  <a:schemeClr val="accent1"/>
+                </a:solidFill>
+              </a14:hiddenFill>
+            </a:ext>
+            <a:ext uri="{91240B29-F687-4F45-9708-019B960494DF}">
+              <a14:hiddenLine xmlns:a14="http://schemas.microsoft.com/office/drawing/2010/main" w="9525">
+                <a:solidFill>
+                  <a:schemeClr val="tx1"/>
+                </a:solidFill>
+                <a:miter lim="800000"/>
+                <a:headEnd/>
+                <a:tailEnd/>
+              </a14:hiddenLine>
+            </a:ext>
+            <a:ext uri="{AF507438-7753-43E0-B8FC-AC1667EBCBE1}">
+              <a14:hiddenEffects xmlns:a14="http://schemas.microsoft.com/office/drawing/2010/main">
+                <a:effectLst>
+                  <a:outerShdw dist="35921" dir="2700000" algn="ctr" rotWithShape="0">
+                    <a:schemeClr val="bg2"/>
+                  </a:outerShdw>
+                </a:effectLst>
+              </a14:hiddenEffects>
+            </a:ext>
+          </a:extLst>
+        </p:spPr>
+        <p:txBody>
+          <a:bodyPr vert="horz" wrap="none" lIns="91440" tIns="45720" rIns="91440" bIns="45720" numCol="1" anchor="ctr" anchorCtr="0" compatLnSpc="1">
+            <a:prstTxWarp prst="textNoShape">
+              <a:avLst/>
+            </a:prstTxWarp>
+            <a:spAutoFit/>
+          </a:bodyPr>
+          <a:lstStyle/>
+          <a:p>
+            <a:endParaRPr lang="en-US"/>
+          </a:p>
+        </p:txBody>
+      </p:sp>
+      <p:sp>
+        <p:nvSpPr>
+          <p:cNvPr id="3" name="Rectangle 7">
+            <a:extLst>
+              <a:ext uri="{FF2B5EF4-FFF2-40B4-BE49-F238E27FC236}">
+                <a16:creationId xmlns:a16="http://schemas.microsoft.com/office/drawing/2014/main" id="{C08042F5-96DB-4FE6-B699-C1DFAB71C0C5}"/>
+              </a:ext>
+            </a:extLst>
+          </p:cNvPr>
+          <p:cNvSpPr>
+            <a:spLocks noChangeArrowheads="1"/>
+          </p:cNvSpPr>
+          <p:nvPr/>
+        </p:nvSpPr>
+        <p:spPr bwMode="auto">
+          <a:xfrm>
+            <a:off x="0" y="1838325"/>
+            <a:ext cx="9144000" cy="0"/>
+          </a:xfrm>
+          <a:prstGeom prst="rect">
+            <a:avLst/>
+          </a:prstGeom>
+          <a:noFill/>
+          <a:ln>
+            <a:noFill/>
+          </a:ln>
+          <a:effectLst/>
+          <a:extLst>
+            <a:ext uri="{909E8E84-426E-40DD-AFC4-6F175D3DCCD1}">
+              <a14:hiddenFill xmlns:a14="http://schemas.microsoft.com/office/drawing/2010/main">
+                <a:solidFill>
+                  <a:schemeClr val="accent1"/>
+                </a:solidFill>
+              </a14:hiddenFill>
+            </a:ext>
+            <a:ext uri="{91240B29-F687-4F45-9708-019B960494DF}">
+              <a14:hiddenLine xmlns:a14="http://schemas.microsoft.com/office/drawing/2010/main" w="9525">
+                <a:solidFill>
+                  <a:schemeClr val="tx1"/>
+                </a:solidFill>
+                <a:miter lim="800000"/>
+                <a:headEnd/>
+                <a:tailEnd/>
+              </a14:hiddenLine>
+            </a:ext>
+            <a:ext uri="{AF507438-7753-43E0-B8FC-AC1667EBCBE1}">
+              <a14:hiddenEffects xmlns:a14="http://schemas.microsoft.com/office/drawing/2010/main">
+                <a:effectLst>
+                  <a:outerShdw dist="35921" dir="2700000" algn="ctr" rotWithShape="0">
+                    <a:schemeClr val="bg2"/>
+                  </a:outerShdw>
+                </a:effectLst>
+              </a14:hiddenEffects>
+            </a:ext>
+          </a:extLst>
+        </p:spPr>
+        <p:txBody>
+          <a:bodyPr vert="horz" wrap="none" lIns="91440" tIns="45720" rIns="91440" bIns="45720" numCol="1" anchor="ctr" anchorCtr="0" compatLnSpc="1">
+            <a:prstTxWarp prst="textNoShape">
+              <a:avLst/>
+            </a:prstTxWarp>
+            <a:spAutoFit/>
+          </a:bodyPr>
+          <a:lstStyle/>
+          <a:p>
+            <a:pPr marL="0" marR="0" lvl="0" indent="0" algn="l" defTabSz="914400" rtl="0" eaLnBrk="0" fontAlgn="base" latinLnBrk="0" hangingPunct="0">
+              <a:lnSpc>
+                <a:spcPct val="100000"/>
+              </a:lnSpc>
+              <a:spcBef>
+                <a:spcPct val="0"/>
+              </a:spcBef>
+              <a:spcAft>
+                <a:spcPct val="0"/>
+              </a:spcAft>
+              <a:buClrTx/>
+              <a:buSzTx/>
+              <a:buFontTx/>
+              <a:buNone/>
+              <a:tabLst/>
+            </a:pPr>
+            <a:r>
+              <a:rPr kumimoji="0" lang="it-IT" altLang="en-US" sz="1100" b="0" i="0" u="none" strike="noStrike" cap="none" normalizeH="0" baseline="0">
+                <a:ln>
+                  <a:noFill/>
+                </a:ln>
+                <a:solidFill>
+                  <a:schemeClr val="tx1"/>
+                </a:solidFill>
+                <a:effectLst/>
+                <a:latin typeface="Calibri" panose="020F0502020204030204" pitchFamily="34" charset="0"/>
+                <a:ea typeface="Times New Roman" panose="02020603050405020304" pitchFamily="18" charset="0"/>
+                <a:cs typeface="Times New Roman" panose="02020603050405020304" pitchFamily="18" charset="0"/>
+              </a:rPr>
+              <a:t> </a:t>
+            </a:r>
+            <a:endParaRPr kumimoji="0" lang="it-IT" altLang="en-US" sz="1800" b="0" i="0" u="none" strike="noStrike" cap="none" normalizeH="0" baseline="0">
+              <a:ln>
+                <a:noFill/>
+              </a:ln>
+              <a:solidFill>
+                <a:schemeClr val="tx1"/>
+              </a:solidFill>
+              <a:effectLst/>
+              <a:latin typeface="Arial" panose="020B0604020202020204" pitchFamily="34" charset="0"/>
+            </a:endParaRPr>
+          </a:p>
+        </p:txBody>
+      </p:sp>
+      <p:sp>
+        <p:nvSpPr>
+          <p:cNvPr id="4" name="Rectangle 8">
+            <a:extLst>
+              <a:ext uri="{FF2B5EF4-FFF2-40B4-BE49-F238E27FC236}">
+                <a16:creationId xmlns:a16="http://schemas.microsoft.com/office/drawing/2014/main" id="{E0CBE371-8058-4503-A250-42442AAE21EC}"/>
+              </a:ext>
+            </a:extLst>
+          </p:cNvPr>
+          <p:cNvSpPr>
+            <a:spLocks noChangeArrowheads="1"/>
+          </p:cNvSpPr>
+          <p:nvPr/>
+        </p:nvSpPr>
+        <p:spPr bwMode="auto">
+          <a:xfrm>
+            <a:off x="0" y="3219450"/>
+            <a:ext cx="9144000" cy="0"/>
+          </a:xfrm>
+          <a:prstGeom prst="rect">
+            <a:avLst/>
+          </a:prstGeom>
+          <a:noFill/>
+          <a:ln>
+            <a:noFill/>
+          </a:ln>
+          <a:effectLst/>
+          <a:extLst>
+            <a:ext uri="{909E8E84-426E-40DD-AFC4-6F175D3DCCD1}">
+              <a14:hiddenFill xmlns:a14="http://schemas.microsoft.com/office/drawing/2010/main">
+                <a:solidFill>
+                  <a:schemeClr val="accent1"/>
+                </a:solidFill>
+              </a14:hiddenFill>
+            </a:ext>
+            <a:ext uri="{91240B29-F687-4F45-9708-019B960494DF}">
+              <a14:hiddenLine xmlns:a14="http://schemas.microsoft.com/office/drawing/2010/main" w="9525">
+                <a:solidFill>
+                  <a:schemeClr val="tx1"/>
+                </a:solidFill>
+                <a:miter lim="800000"/>
+                <a:headEnd/>
+                <a:tailEnd/>
+              </a14:hiddenLine>
+            </a:ext>
+            <a:ext uri="{AF507438-7753-43E0-B8FC-AC1667EBCBE1}">
+              <a14:hiddenEffects xmlns:a14="http://schemas.microsoft.com/office/drawing/2010/main">
+                <a:effectLst>
+                  <a:outerShdw dist="35921" dir="2700000" algn="ctr" rotWithShape="0">
+                    <a:schemeClr val="bg2"/>
+                  </a:outerShdw>
+                </a:effectLst>
+              </a14:hiddenEffects>
+            </a:ext>
+          </a:extLst>
+        </p:spPr>
+        <p:txBody>
+          <a:bodyPr vert="horz" wrap="none" lIns="91440" tIns="45720" rIns="91440" bIns="45720" numCol="1" anchor="ctr" anchorCtr="0" compatLnSpc="1">
+            <a:prstTxWarp prst="textNoShape">
+              <a:avLst/>
+            </a:prstTxWarp>
+            <a:spAutoFit/>
+          </a:bodyPr>
+          <a:lstStyle/>
+          <a:p>
+            <a:pPr marL="0" marR="0" lvl="0" indent="0" algn="l" defTabSz="914400" rtl="0" eaLnBrk="0" fontAlgn="base" latinLnBrk="0" hangingPunct="0">
+              <a:lnSpc>
+                <a:spcPct val="100000"/>
+              </a:lnSpc>
+              <a:spcBef>
+                <a:spcPct val="0"/>
+              </a:spcBef>
+              <a:spcAft>
+                <a:spcPct val="0"/>
+              </a:spcAft>
+              <a:buClrTx/>
+              <a:buSzTx/>
+              <a:buFontTx/>
+              <a:buNone/>
+              <a:tabLst/>
+            </a:pPr>
+            <a:r>
+              <a:rPr kumimoji="0" lang="it-IT" altLang="en-US" sz="1100" b="0" i="0" u="none" strike="noStrike" cap="none" normalizeH="0" baseline="0">
+                <a:ln>
+                  <a:noFill/>
+                </a:ln>
+                <a:solidFill>
+                  <a:schemeClr val="tx1"/>
+                </a:solidFill>
+                <a:effectLst/>
+                <a:latin typeface="Calibri" panose="020F0502020204030204" pitchFamily="34" charset="0"/>
+                <a:ea typeface="Times New Roman" panose="02020603050405020304" pitchFamily="18" charset="0"/>
+                <a:cs typeface="Times New Roman" panose="02020603050405020304" pitchFamily="18" charset="0"/>
+              </a:rPr>
+              <a:t> </a:t>
+            </a:r>
+            <a:endParaRPr kumimoji="0" lang="it-IT" altLang="en-US" sz="1800" b="0" i="0" u="none" strike="noStrike" cap="none" normalizeH="0" baseline="0">
+              <a:ln>
+                <a:noFill/>
+              </a:ln>
+              <a:solidFill>
+                <a:schemeClr val="tx1"/>
+              </a:solidFill>
+              <a:effectLst/>
+              <a:latin typeface="Arial" panose="020B0604020202020204" pitchFamily="34" charset="0"/>
+            </a:endParaRPr>
+          </a:p>
+        </p:txBody>
+      </p:sp>
+      <p:sp>
+        <p:nvSpPr>
+          <p:cNvPr id="10" name="Rectangle 9">
+            <a:extLst>
+              <a:ext uri="{FF2B5EF4-FFF2-40B4-BE49-F238E27FC236}">
+                <a16:creationId xmlns:a16="http://schemas.microsoft.com/office/drawing/2014/main" id="{99468FB6-6461-4A91-9E0B-2B3FC25F715E}"/>
+              </a:ext>
+            </a:extLst>
+          </p:cNvPr>
+          <p:cNvSpPr>
+            <a:spLocks noChangeArrowheads="1"/>
+          </p:cNvSpPr>
+          <p:nvPr/>
+        </p:nvSpPr>
+        <p:spPr bwMode="auto">
+          <a:xfrm>
+            <a:off x="0" y="4600575"/>
+            <a:ext cx="9144000" cy="0"/>
+          </a:xfrm>
+          <a:prstGeom prst="rect">
+            <a:avLst/>
+          </a:prstGeom>
+          <a:noFill/>
+          <a:ln>
+            <a:noFill/>
+          </a:ln>
+          <a:effectLst/>
+          <a:extLst>
+            <a:ext uri="{909E8E84-426E-40DD-AFC4-6F175D3DCCD1}">
+              <a14:hiddenFill xmlns:a14="http://schemas.microsoft.com/office/drawing/2010/main">
+                <a:solidFill>
+                  <a:schemeClr val="accent1"/>
+                </a:solidFill>
+              </a14:hiddenFill>
+            </a:ext>
+            <a:ext uri="{91240B29-F687-4F45-9708-019B960494DF}">
+              <a14:hiddenLine xmlns:a14="http://schemas.microsoft.com/office/drawing/2010/main" w="9525">
+                <a:solidFill>
+                  <a:schemeClr val="tx1"/>
+                </a:solidFill>
+                <a:miter lim="800000"/>
+                <a:headEnd/>
+                <a:tailEnd/>
+              </a14:hiddenLine>
+            </a:ext>
+            <a:ext uri="{AF507438-7753-43E0-B8FC-AC1667EBCBE1}">
+              <a14:hiddenEffects xmlns:a14="http://schemas.microsoft.com/office/drawing/2010/main">
+                <a:effectLst>
+                  <a:outerShdw dist="35921" dir="2700000" algn="ctr" rotWithShape="0">
+                    <a:schemeClr val="bg2"/>
+                  </a:outerShdw>
+                </a:effectLst>
+              </a14:hiddenEffects>
+            </a:ext>
+          </a:extLst>
+        </p:spPr>
+        <p:txBody>
+          <a:bodyPr vert="horz" wrap="none" lIns="91440" tIns="45720" rIns="91440" bIns="45720" numCol="1" anchor="ctr" anchorCtr="0" compatLnSpc="1">
+            <a:prstTxWarp prst="textNoShape">
+              <a:avLst/>
+            </a:prstTxWarp>
+            <a:spAutoFit/>
+          </a:bodyPr>
+          <a:lstStyle/>
+          <a:p>
+            <a:pPr marL="0" marR="0" lvl="0" indent="0" algn="l" defTabSz="914400" rtl="0" eaLnBrk="0" fontAlgn="base" latinLnBrk="0" hangingPunct="0">
+              <a:lnSpc>
+                <a:spcPct val="100000"/>
+              </a:lnSpc>
+              <a:spcBef>
+                <a:spcPct val="0"/>
+              </a:spcBef>
+              <a:spcAft>
+                <a:spcPct val="0"/>
+              </a:spcAft>
+              <a:buClrTx/>
+              <a:buSzTx/>
+              <a:buFontTx/>
+              <a:buNone/>
+              <a:tabLst/>
+            </a:pPr>
+            <a:r>
+              <a:rPr kumimoji="0" lang="it-IT" altLang="en-US" sz="1100" b="0" i="0" u="none" strike="noStrike" cap="none" normalizeH="0" baseline="0">
+                <a:ln>
+                  <a:noFill/>
+                </a:ln>
+                <a:solidFill>
+                  <a:schemeClr val="tx1"/>
+                </a:solidFill>
+                <a:effectLst/>
+                <a:latin typeface="Calibri" panose="020F0502020204030204" pitchFamily="34" charset="0"/>
+                <a:ea typeface="Times New Roman" panose="02020603050405020304" pitchFamily="18" charset="0"/>
+                <a:cs typeface="Times New Roman" panose="02020603050405020304" pitchFamily="18" charset="0"/>
+              </a:rPr>
+              <a:t> </a:t>
+            </a:r>
+            <a:endParaRPr kumimoji="0" lang="it-IT" altLang="en-US" sz="1800" b="0" i="0" u="none" strike="noStrike" cap="none" normalizeH="0" baseline="0">
+              <a:ln>
+                <a:noFill/>
+              </a:ln>
+              <a:solidFill>
+                <a:schemeClr val="tx1"/>
+              </a:solidFill>
+              <a:effectLst/>
+              <a:latin typeface="Arial" panose="020B0604020202020204" pitchFamily="34" charset="0"/>
+            </a:endParaRPr>
+          </a:p>
+        </p:txBody>
+      </p:sp>
+      <p:sp>
+        <p:nvSpPr>
+          <p:cNvPr id="11" name="Rectangle 10">
+            <a:extLst>
+              <a:ext uri="{FF2B5EF4-FFF2-40B4-BE49-F238E27FC236}">
+                <a16:creationId xmlns:a16="http://schemas.microsoft.com/office/drawing/2014/main" id="{E4D9815E-FC57-48D4-9710-C34FDAE236EF}"/>
+              </a:ext>
+            </a:extLst>
+          </p:cNvPr>
+          <p:cNvSpPr>
+            <a:spLocks noChangeArrowheads="1"/>
+          </p:cNvSpPr>
+          <p:nvPr/>
+        </p:nvSpPr>
+        <p:spPr bwMode="auto">
+          <a:xfrm>
+            <a:off x="0" y="6000750"/>
+            <a:ext cx="9144000" cy="0"/>
+          </a:xfrm>
+          <a:prstGeom prst="rect">
+            <a:avLst/>
+          </a:prstGeom>
+          <a:noFill/>
+          <a:ln>
+            <a:noFill/>
+          </a:ln>
+          <a:effectLst/>
+          <a:extLst>
+            <a:ext uri="{909E8E84-426E-40DD-AFC4-6F175D3DCCD1}">
+              <a14:hiddenFill xmlns:a14="http://schemas.microsoft.com/office/drawing/2010/main">
+                <a:solidFill>
+                  <a:schemeClr val="accent1"/>
+                </a:solidFill>
+              </a14:hiddenFill>
+            </a:ext>
+            <a:ext uri="{91240B29-F687-4F45-9708-019B960494DF}">
+              <a14:hiddenLine xmlns:a14="http://schemas.microsoft.com/office/drawing/2010/main" w="9525">
+                <a:solidFill>
+                  <a:schemeClr val="tx1"/>
+                </a:solidFill>
+                <a:miter lim="800000"/>
+                <a:headEnd/>
+                <a:tailEnd/>
+              </a14:hiddenLine>
+            </a:ext>
+            <a:ext uri="{AF507438-7753-43E0-B8FC-AC1667EBCBE1}">
+              <a14:hiddenEffects xmlns:a14="http://schemas.microsoft.com/office/drawing/2010/main">
+                <a:effectLst>
+                  <a:outerShdw dist="35921" dir="2700000" algn="ctr" rotWithShape="0">
+                    <a:schemeClr val="bg2"/>
+                  </a:outerShdw>
+                </a:effectLst>
+              </a14:hiddenEffects>
+            </a:ext>
+          </a:extLst>
+        </p:spPr>
+        <p:txBody>
+          <a:bodyPr vert="horz" wrap="none" lIns="91440" tIns="45720" rIns="91440" bIns="45720" numCol="1" anchor="ctr" anchorCtr="0" compatLnSpc="1">
+            <a:prstTxWarp prst="textNoShape">
+              <a:avLst/>
+            </a:prstTxWarp>
+            <a:spAutoFit/>
+          </a:bodyPr>
+          <a:lstStyle/>
+          <a:p>
+            <a:pPr marL="0" marR="0" lvl="0" indent="0" algn="l" defTabSz="914400" rtl="0" eaLnBrk="0" fontAlgn="base" latinLnBrk="0" hangingPunct="0">
+              <a:lnSpc>
+                <a:spcPct val="100000"/>
+              </a:lnSpc>
+              <a:spcBef>
+                <a:spcPct val="0"/>
+              </a:spcBef>
+              <a:spcAft>
+                <a:spcPct val="0"/>
+              </a:spcAft>
+              <a:buClrTx/>
+              <a:buSzTx/>
+              <a:buFontTx/>
+              <a:buNone/>
+              <a:tabLst/>
+            </a:pPr>
+            <a:r>
+              <a:rPr kumimoji="0" lang="it-IT" altLang="en-US" sz="1100" b="0" i="0" u="none" strike="noStrike" cap="none" normalizeH="0" baseline="0">
+                <a:ln>
+                  <a:noFill/>
+                </a:ln>
+                <a:solidFill>
+                  <a:schemeClr val="tx1"/>
+                </a:solidFill>
+                <a:effectLst/>
+                <a:latin typeface="Calibri" panose="020F0502020204030204" pitchFamily="34" charset="0"/>
+                <a:ea typeface="Times New Roman" panose="02020603050405020304" pitchFamily="18" charset="0"/>
+                <a:cs typeface="Times New Roman" panose="02020603050405020304" pitchFamily="18" charset="0"/>
+              </a:rPr>
+              <a:t> </a:t>
+            </a:r>
+            <a:endParaRPr kumimoji="0" lang="it-IT" altLang="en-US" sz="1800" b="0" i="0" u="none" strike="noStrike" cap="none" normalizeH="0" baseline="0">
+              <a:ln>
+                <a:noFill/>
+              </a:ln>
+              <a:solidFill>
+                <a:schemeClr val="tx1"/>
+              </a:solidFill>
+              <a:effectLst/>
+              <a:latin typeface="Arial" panose="020B0604020202020204" pitchFamily="34" charset="0"/>
+            </a:endParaRPr>
+          </a:p>
+        </p:txBody>
+      </p:sp>
+      <p:sp>
+        <p:nvSpPr>
+          <p:cNvPr id="12" name="Segnaposto contenuto 2">
+            <a:extLst>
+              <a:ext uri="{FF2B5EF4-FFF2-40B4-BE49-F238E27FC236}">
+                <a16:creationId xmlns:a16="http://schemas.microsoft.com/office/drawing/2014/main" id="{6B55346A-7B45-43F0-B6B4-9CFD350F7410}"/>
+              </a:ext>
+            </a:extLst>
+          </p:cNvPr>
+          <p:cNvSpPr txBox="1">
+            <a:spLocks/>
+          </p:cNvSpPr>
+          <p:nvPr/>
+        </p:nvSpPr>
+        <p:spPr>
+          <a:xfrm>
+            <a:off x="518864" y="1772816"/>
+            <a:ext cx="8229600" cy="4114800"/>
+          </a:xfrm>
+          <a:prstGeom prst="rect">
+            <a:avLst/>
+          </a:prstGeom>
+        </p:spPr>
+        <p:txBody>
+          <a:bodyPr vert="horz" lIns="91440" tIns="45720" rIns="91440" bIns="45720" rtlCol="0">
+            <a:normAutofit/>
+          </a:bodyPr>
+          <a:lstStyle>
+            <a:lvl1pPr marL="257175" indent="-257175" algn="l" defTabSz="342900" rtl="0" eaLnBrk="1" latinLnBrk="0" hangingPunct="1">
+              <a:spcBef>
+                <a:spcPct val="20000"/>
+              </a:spcBef>
+              <a:buFont typeface="Arial"/>
+              <a:buChar char="•"/>
+              <a:defRPr sz="2400" kern="1200">
+                <a:solidFill>
+                  <a:schemeClr val="tx1"/>
+                </a:solidFill>
+                <a:latin typeface="+mn-lt"/>
+                <a:ea typeface="+mn-ea"/>
+                <a:cs typeface="+mn-cs"/>
+              </a:defRPr>
+            </a:lvl1pPr>
+            <a:lvl2pPr marL="557213" indent="-214313" algn="l" defTabSz="342900" rtl="0" eaLnBrk="1" latinLnBrk="0" hangingPunct="1">
+              <a:spcBef>
+                <a:spcPct val="20000"/>
+              </a:spcBef>
+              <a:buFont typeface="Arial"/>
+              <a:buChar char="–"/>
+              <a:defRPr sz="2100" kern="1200">
+                <a:solidFill>
+                  <a:schemeClr val="tx1"/>
+                </a:solidFill>
+                <a:latin typeface="+mn-lt"/>
+                <a:ea typeface="+mn-ea"/>
+                <a:cs typeface="+mn-cs"/>
+              </a:defRPr>
+            </a:lvl2pPr>
+            <a:lvl3pPr marL="857250" indent="-171450" algn="l" defTabSz="342900" rtl="0" eaLnBrk="1" latinLnBrk="0" hangingPunct="1">
+              <a:spcBef>
+                <a:spcPct val="20000"/>
+              </a:spcBef>
+              <a:buFont typeface="Arial"/>
+              <a:buChar char="•"/>
+              <a:defRPr sz="1800" kern="1200">
+                <a:solidFill>
+                  <a:schemeClr val="tx1"/>
+                </a:solidFill>
+                <a:latin typeface="+mn-lt"/>
+                <a:ea typeface="+mn-ea"/>
+                <a:cs typeface="+mn-cs"/>
+              </a:defRPr>
+            </a:lvl3pPr>
+            <a:lvl4pPr marL="1200150" indent="-171450" algn="l" defTabSz="342900" rtl="0" eaLnBrk="1" latinLnBrk="0" hangingPunct="1">
+              <a:spcBef>
+                <a:spcPct val="20000"/>
+              </a:spcBef>
+              <a:buFont typeface="Arial"/>
+              <a:buChar char="–"/>
+              <a:defRPr sz="1500" kern="1200">
+                <a:solidFill>
+                  <a:schemeClr val="tx1"/>
+                </a:solidFill>
+                <a:latin typeface="+mn-lt"/>
+                <a:ea typeface="+mn-ea"/>
+                <a:cs typeface="+mn-cs"/>
+              </a:defRPr>
+            </a:lvl4pPr>
+            <a:lvl5pPr marL="1543050" indent="-171450" algn="l" defTabSz="342900" rtl="0" eaLnBrk="1" latinLnBrk="0" hangingPunct="1">
+              <a:spcBef>
+                <a:spcPct val="20000"/>
+              </a:spcBef>
+              <a:buFont typeface="Arial"/>
+              <a:buChar char="»"/>
+              <a:defRPr sz="1500" kern="1200">
+                <a:solidFill>
+                  <a:schemeClr val="tx1"/>
+                </a:solidFill>
+                <a:latin typeface="+mn-lt"/>
+                <a:ea typeface="+mn-ea"/>
+                <a:cs typeface="+mn-cs"/>
+              </a:defRPr>
+            </a:lvl5pPr>
+            <a:lvl6pPr marL="1885950" indent="-171450" algn="l" defTabSz="342900" rtl="0" eaLnBrk="1" latinLnBrk="0" hangingPunct="1">
+              <a:spcBef>
+                <a:spcPct val="20000"/>
+              </a:spcBef>
+              <a:buFont typeface="Arial"/>
+              <a:buChar char="•"/>
+              <a:defRPr sz="1500" kern="1200">
+                <a:solidFill>
+                  <a:schemeClr val="tx1"/>
+                </a:solidFill>
+                <a:latin typeface="+mn-lt"/>
+                <a:ea typeface="+mn-ea"/>
+                <a:cs typeface="+mn-cs"/>
+              </a:defRPr>
+            </a:lvl6pPr>
+            <a:lvl7pPr marL="2228850" indent="-171450" algn="l" defTabSz="342900" rtl="0" eaLnBrk="1" latinLnBrk="0" hangingPunct="1">
+              <a:spcBef>
+                <a:spcPct val="20000"/>
+              </a:spcBef>
+              <a:buFont typeface="Arial"/>
+              <a:buChar char="•"/>
+              <a:defRPr sz="1500" kern="1200">
+                <a:solidFill>
+                  <a:schemeClr val="tx1"/>
+                </a:solidFill>
+                <a:latin typeface="+mn-lt"/>
+                <a:ea typeface="+mn-ea"/>
+                <a:cs typeface="+mn-cs"/>
+              </a:defRPr>
+            </a:lvl7pPr>
+            <a:lvl8pPr marL="2571750" indent="-171450" algn="l" defTabSz="342900" rtl="0" eaLnBrk="1" latinLnBrk="0" hangingPunct="1">
+              <a:spcBef>
+                <a:spcPct val="20000"/>
+              </a:spcBef>
+              <a:buFont typeface="Arial"/>
+              <a:buChar char="•"/>
+              <a:defRPr sz="1500" kern="1200">
+                <a:solidFill>
+                  <a:schemeClr val="tx1"/>
+                </a:solidFill>
+                <a:latin typeface="+mn-lt"/>
+                <a:ea typeface="+mn-ea"/>
+                <a:cs typeface="+mn-cs"/>
+              </a:defRPr>
+            </a:lvl8pPr>
+            <a:lvl9pPr marL="2914650" indent="-171450" algn="l" defTabSz="342900" rtl="0" eaLnBrk="1" latinLnBrk="0" hangingPunct="1">
+              <a:spcBef>
+                <a:spcPct val="20000"/>
+              </a:spcBef>
+              <a:buFont typeface="Arial"/>
+              <a:buChar char="•"/>
+              <a:defRPr sz="1500" kern="1200">
+                <a:solidFill>
+                  <a:schemeClr val="tx1"/>
+                </a:solidFill>
+                <a:latin typeface="+mn-lt"/>
+                <a:ea typeface="+mn-ea"/>
+                <a:cs typeface="+mn-cs"/>
+              </a:defRPr>
+            </a:lvl9pPr>
+          </a:lstStyle>
+          <a:p>
+            <a:pPr marL="342900" lvl="1" indent="0" algn="just">
+              <a:buNone/>
+            </a:pPr>
+            <a:endParaRPr lang="it-IT" dirty="0">
+              <a:solidFill>
+                <a:srgbClr val="00B050"/>
+              </a:solidFill>
+            </a:endParaRPr>
+          </a:p>
+        </p:txBody>
+      </p:sp>
+      <p:sp>
+        <p:nvSpPr>
+          <p:cNvPr id="13" name="Segnaposto contenuto 2">
+            <a:extLst>
+              <a:ext uri="{FF2B5EF4-FFF2-40B4-BE49-F238E27FC236}">
+                <a16:creationId xmlns:a16="http://schemas.microsoft.com/office/drawing/2014/main" id="{980E4580-A772-4A19-8FBB-C5151CC05195}"/>
+              </a:ext>
+            </a:extLst>
+          </p:cNvPr>
+          <p:cNvSpPr>
+            <a:spLocks noGrp="1"/>
+          </p:cNvSpPr>
+          <p:nvPr>
+            <p:ph idx="1"/>
+          </p:nvPr>
+        </p:nvSpPr>
+        <p:spPr>
+          <a:xfrm>
+            <a:off x="457200" y="2060848"/>
+            <a:ext cx="8229600" cy="4114800"/>
+          </a:xfrm>
+        </p:spPr>
+        <p:txBody>
+          <a:bodyPr>
+            <a:normAutofit lnSpcReduction="10000"/>
+          </a:bodyPr>
+          <a:lstStyle/>
+          <a:p>
+            <a:pPr algn="just"/>
+            <a:r>
+              <a:rPr lang="it-IT" dirty="0"/>
+              <a:t>Per ogni dataset </a:t>
+            </a:r>
+            <a:r>
+              <a:rPr lang="it-IT" dirty="0" err="1"/>
+              <a:t>preprocessato</a:t>
+            </a:r>
+            <a:r>
+              <a:rPr lang="it-IT" dirty="0"/>
+              <a:t>, si è applicato ripetutamente un algoritmo di </a:t>
+            </a:r>
+            <a:r>
+              <a:rPr lang="it-IT" dirty="0" err="1"/>
+              <a:t>clustering</a:t>
+            </a:r>
+            <a:r>
+              <a:rPr lang="it-IT" dirty="0"/>
+              <a:t> cambiandone di volta in volta i parametri e valutandone le prestazioni. I risultati che verranno presentati saranno quelli ritenuti migliori o interessanti.</a:t>
+            </a:r>
+          </a:p>
+          <a:p>
+            <a:pPr algn="just"/>
+            <a:endParaRPr lang="it-IT" dirty="0"/>
+          </a:p>
+          <a:p>
+            <a:pPr algn="just"/>
+            <a:r>
+              <a:rPr lang="it-IT" dirty="0"/>
+              <a:t>Si è usato due algoritmi di </a:t>
+            </a:r>
+            <a:r>
+              <a:rPr lang="it-IT" dirty="0" err="1">
+                <a:solidFill>
+                  <a:srgbClr val="FF0000"/>
+                </a:solidFill>
+              </a:rPr>
+              <a:t>clustering</a:t>
+            </a:r>
+            <a:r>
+              <a:rPr lang="it-IT" dirty="0">
+                <a:solidFill>
+                  <a:srgbClr val="FF0000"/>
+                </a:solidFill>
+              </a:rPr>
+              <a:t> partizionale</a:t>
+            </a:r>
+            <a:r>
+              <a:rPr lang="it-IT" dirty="0"/>
+              <a:t>: </a:t>
+            </a:r>
+          </a:p>
+          <a:p>
+            <a:pPr lvl="1" algn="just"/>
+            <a:r>
+              <a:rPr lang="it-IT" dirty="0">
+                <a:solidFill>
+                  <a:srgbClr val="C00000"/>
+                </a:solidFill>
+              </a:rPr>
+              <a:t>K-MEANS</a:t>
+            </a:r>
+          </a:p>
+          <a:p>
+            <a:pPr lvl="1" algn="just"/>
+            <a:r>
+              <a:rPr lang="it-IT" dirty="0">
+                <a:solidFill>
+                  <a:srgbClr val="C00000"/>
+                </a:solidFill>
+              </a:rPr>
+              <a:t>DBSCAN</a:t>
+            </a:r>
+          </a:p>
+          <a:p>
+            <a:pPr marL="0" indent="0" algn="just">
+              <a:buNone/>
+            </a:pPr>
+            <a:endParaRPr lang="it-IT" dirty="0"/>
+          </a:p>
+          <a:p>
+            <a:pPr algn="just"/>
+            <a:r>
+              <a:rPr lang="it-IT" dirty="0"/>
+              <a:t>È stato inoltre applicato anche un algoritmo </a:t>
+            </a:r>
+            <a:r>
+              <a:rPr lang="it-IT" dirty="0" err="1"/>
+              <a:t>agglomerativo</a:t>
+            </a:r>
+            <a:r>
+              <a:rPr lang="it-IT" dirty="0"/>
+              <a:t> per la creazione di </a:t>
+            </a:r>
+            <a:r>
+              <a:rPr lang="it-IT" dirty="0">
+                <a:solidFill>
+                  <a:srgbClr val="FF0000"/>
+                </a:solidFill>
+              </a:rPr>
+              <a:t>cluster gerarchici</a:t>
+            </a:r>
+            <a:r>
+              <a:rPr lang="it-IT" dirty="0"/>
+              <a:t>.</a:t>
+            </a:r>
+          </a:p>
+        </p:txBody>
+      </p:sp>
     </p:spTree>
     <p:extLst>
       <p:ext uri="{BB962C8B-B14F-4D97-AF65-F5344CB8AC3E}">
-        <p14:creationId xmlns:p14="http://schemas.microsoft.com/office/powerpoint/2010/main" val="2790463972"/>
+        <p14:creationId xmlns:p14="http://schemas.microsoft.com/office/powerpoint/2010/main" val="121729049"/>
+      </p:ext>
+    </p:extLst>
+  </p:cSld>
+  <p:clrMapOvr>
+    <a:masterClrMapping/>
+  </p:clrMapOvr>
+</p:sld>
+</file>
+
+<file path=ppt/slides/slide39.xml><?xml version="1.0" encoding="utf-8"?>
+<p:sld xmlns:a="http://schemas.openxmlformats.org/drawingml/2006/main" xmlns:r="http://schemas.openxmlformats.org/officeDocument/2006/relationships" xmlns:p="http://schemas.openxmlformats.org/presentationml/2006/main">
+  <p:cSld>
+    <p:spTree>
+      <p:nvGrpSpPr>
+        <p:cNvPr id="1" name=""/>
+        <p:cNvGrpSpPr/>
+        <p:nvPr/>
+      </p:nvGrpSpPr>
+      <p:grpSpPr>
+        <a:xfrm>
+          <a:off x="0" y="0"/>
+          <a:ext cx="0" cy="0"/>
+          <a:chOff x="0" y="0"/>
+          <a:chExt cx="0" cy="0"/>
+        </a:xfrm>
+      </p:grpSpPr>
+      <p:sp>
+        <p:nvSpPr>
+          <p:cNvPr id="9" name="Segnaposto contenuto 2">
+            <a:extLst>
+              <a:ext uri="{FF2B5EF4-FFF2-40B4-BE49-F238E27FC236}">
+                <a16:creationId xmlns:a16="http://schemas.microsoft.com/office/drawing/2014/main" id="{89886170-B615-43F8-AA8E-D5565391C42A}"/>
+              </a:ext>
+            </a:extLst>
+          </p:cNvPr>
+          <p:cNvSpPr txBox="1">
+            <a:spLocks/>
+          </p:cNvSpPr>
+          <p:nvPr/>
+        </p:nvSpPr>
+        <p:spPr>
+          <a:xfrm>
+            <a:off x="457200" y="5029199"/>
+            <a:ext cx="8229600" cy="1074753"/>
+          </a:xfrm>
+          <a:prstGeom prst="rect">
+            <a:avLst/>
+          </a:prstGeom>
+        </p:spPr>
+        <p:txBody>
+          <a:bodyPr vert="horz" lIns="91440" tIns="45720" rIns="91440" bIns="45720" rtlCol="0">
+            <a:normAutofit/>
+          </a:bodyPr>
+          <a:lstStyle>
+            <a:lvl1pPr marL="257175" indent="-257175" algn="l" defTabSz="342900" rtl="0" eaLnBrk="1" latinLnBrk="0" hangingPunct="1">
+              <a:spcBef>
+                <a:spcPct val="20000"/>
+              </a:spcBef>
+              <a:buFont typeface="Arial"/>
+              <a:buChar char="•"/>
+              <a:defRPr sz="2400" kern="1200">
+                <a:solidFill>
+                  <a:schemeClr val="tx1"/>
+                </a:solidFill>
+                <a:latin typeface="+mn-lt"/>
+                <a:ea typeface="+mn-ea"/>
+                <a:cs typeface="+mn-cs"/>
+              </a:defRPr>
+            </a:lvl1pPr>
+            <a:lvl2pPr marL="557213" indent="-214313" algn="l" defTabSz="342900" rtl="0" eaLnBrk="1" latinLnBrk="0" hangingPunct="1">
+              <a:spcBef>
+                <a:spcPct val="20000"/>
+              </a:spcBef>
+              <a:buFont typeface="Arial"/>
+              <a:buChar char="–"/>
+              <a:defRPr sz="2100" kern="1200">
+                <a:solidFill>
+                  <a:schemeClr val="tx1"/>
+                </a:solidFill>
+                <a:latin typeface="+mn-lt"/>
+                <a:ea typeface="+mn-ea"/>
+                <a:cs typeface="+mn-cs"/>
+              </a:defRPr>
+            </a:lvl2pPr>
+            <a:lvl3pPr marL="857250" indent="-171450" algn="l" defTabSz="342900" rtl="0" eaLnBrk="1" latinLnBrk="0" hangingPunct="1">
+              <a:spcBef>
+                <a:spcPct val="20000"/>
+              </a:spcBef>
+              <a:buFont typeface="Arial"/>
+              <a:buChar char="•"/>
+              <a:defRPr sz="1800" kern="1200">
+                <a:solidFill>
+                  <a:schemeClr val="tx1"/>
+                </a:solidFill>
+                <a:latin typeface="+mn-lt"/>
+                <a:ea typeface="+mn-ea"/>
+                <a:cs typeface="+mn-cs"/>
+              </a:defRPr>
+            </a:lvl3pPr>
+            <a:lvl4pPr marL="1200150" indent="-171450" algn="l" defTabSz="342900" rtl="0" eaLnBrk="1" latinLnBrk="0" hangingPunct="1">
+              <a:spcBef>
+                <a:spcPct val="20000"/>
+              </a:spcBef>
+              <a:buFont typeface="Arial"/>
+              <a:buChar char="–"/>
+              <a:defRPr sz="1500" kern="1200">
+                <a:solidFill>
+                  <a:schemeClr val="tx1"/>
+                </a:solidFill>
+                <a:latin typeface="+mn-lt"/>
+                <a:ea typeface="+mn-ea"/>
+                <a:cs typeface="+mn-cs"/>
+              </a:defRPr>
+            </a:lvl4pPr>
+            <a:lvl5pPr marL="1543050" indent="-171450" algn="l" defTabSz="342900" rtl="0" eaLnBrk="1" latinLnBrk="0" hangingPunct="1">
+              <a:spcBef>
+                <a:spcPct val="20000"/>
+              </a:spcBef>
+              <a:buFont typeface="Arial"/>
+              <a:buChar char="»"/>
+              <a:defRPr sz="1500" kern="1200">
+                <a:solidFill>
+                  <a:schemeClr val="tx1"/>
+                </a:solidFill>
+                <a:latin typeface="+mn-lt"/>
+                <a:ea typeface="+mn-ea"/>
+                <a:cs typeface="+mn-cs"/>
+              </a:defRPr>
+            </a:lvl5pPr>
+            <a:lvl6pPr marL="1885950" indent="-171450" algn="l" defTabSz="342900" rtl="0" eaLnBrk="1" latinLnBrk="0" hangingPunct="1">
+              <a:spcBef>
+                <a:spcPct val="20000"/>
+              </a:spcBef>
+              <a:buFont typeface="Arial"/>
+              <a:buChar char="•"/>
+              <a:defRPr sz="1500" kern="1200">
+                <a:solidFill>
+                  <a:schemeClr val="tx1"/>
+                </a:solidFill>
+                <a:latin typeface="+mn-lt"/>
+                <a:ea typeface="+mn-ea"/>
+                <a:cs typeface="+mn-cs"/>
+              </a:defRPr>
+            </a:lvl6pPr>
+            <a:lvl7pPr marL="2228850" indent="-171450" algn="l" defTabSz="342900" rtl="0" eaLnBrk="1" latinLnBrk="0" hangingPunct="1">
+              <a:spcBef>
+                <a:spcPct val="20000"/>
+              </a:spcBef>
+              <a:buFont typeface="Arial"/>
+              <a:buChar char="•"/>
+              <a:defRPr sz="1500" kern="1200">
+                <a:solidFill>
+                  <a:schemeClr val="tx1"/>
+                </a:solidFill>
+                <a:latin typeface="+mn-lt"/>
+                <a:ea typeface="+mn-ea"/>
+                <a:cs typeface="+mn-cs"/>
+              </a:defRPr>
+            </a:lvl7pPr>
+            <a:lvl8pPr marL="2571750" indent="-171450" algn="l" defTabSz="342900" rtl="0" eaLnBrk="1" latinLnBrk="0" hangingPunct="1">
+              <a:spcBef>
+                <a:spcPct val="20000"/>
+              </a:spcBef>
+              <a:buFont typeface="Arial"/>
+              <a:buChar char="•"/>
+              <a:defRPr sz="1500" kern="1200">
+                <a:solidFill>
+                  <a:schemeClr val="tx1"/>
+                </a:solidFill>
+                <a:latin typeface="+mn-lt"/>
+                <a:ea typeface="+mn-ea"/>
+                <a:cs typeface="+mn-cs"/>
+              </a:defRPr>
+            </a:lvl8pPr>
+            <a:lvl9pPr marL="2914650" indent="-171450" algn="l" defTabSz="342900" rtl="0" eaLnBrk="1" latinLnBrk="0" hangingPunct="1">
+              <a:spcBef>
+                <a:spcPct val="20000"/>
+              </a:spcBef>
+              <a:buFont typeface="Arial"/>
+              <a:buChar char="•"/>
+              <a:defRPr sz="1500" kern="1200">
+                <a:solidFill>
+                  <a:schemeClr val="tx1"/>
+                </a:solidFill>
+                <a:latin typeface="+mn-lt"/>
+                <a:ea typeface="+mn-ea"/>
+                <a:cs typeface="+mn-cs"/>
+              </a:defRPr>
+            </a:lvl9pPr>
+          </a:lstStyle>
+          <a:p>
+            <a:pPr marL="0" indent="0" algn="just">
+              <a:buFont typeface="Arial"/>
+              <a:buNone/>
+            </a:pPr>
+            <a:endParaRPr lang="it-IT" dirty="0"/>
+          </a:p>
+          <a:p>
+            <a:pPr marL="0" indent="0" algn="just">
+              <a:buFont typeface="Arial"/>
+              <a:buNone/>
+            </a:pPr>
+            <a:endParaRPr lang="it-IT" dirty="0"/>
+          </a:p>
+          <a:p>
+            <a:endParaRPr lang="en-US" sz="2000" dirty="0"/>
+          </a:p>
+        </p:txBody>
+      </p:sp>
+      <p:sp>
+        <p:nvSpPr>
+          <p:cNvPr id="6" name="Titolo 1">
+            <a:extLst>
+              <a:ext uri="{FF2B5EF4-FFF2-40B4-BE49-F238E27FC236}">
+                <a16:creationId xmlns:a16="http://schemas.microsoft.com/office/drawing/2014/main" id="{32602169-0966-4893-B032-33CFCD986CA0}"/>
+              </a:ext>
+            </a:extLst>
+          </p:cNvPr>
+          <p:cNvSpPr txBox="1">
+            <a:spLocks/>
+          </p:cNvSpPr>
+          <p:nvPr/>
+        </p:nvSpPr>
+        <p:spPr>
+          <a:xfrm>
+            <a:off x="755576" y="152400"/>
+            <a:ext cx="8229600" cy="1143000"/>
+          </a:xfrm>
+          <a:prstGeom prst="rect">
+            <a:avLst/>
+          </a:prstGeom>
+        </p:spPr>
+        <p:txBody>
+          <a:bodyPr>
+            <a:noAutofit/>
+          </a:bodyPr>
+          <a:lstStyle>
+            <a:lvl1pPr algn="ctr" defTabSz="342900" rtl="0" eaLnBrk="1" latinLnBrk="0" hangingPunct="1">
+              <a:spcBef>
+                <a:spcPct val="0"/>
+              </a:spcBef>
+              <a:buNone/>
+              <a:defRPr sz="3300" kern="1200">
+                <a:solidFill>
+                  <a:schemeClr val="tx1"/>
+                </a:solidFill>
+                <a:latin typeface="+mj-lt"/>
+                <a:ea typeface="+mj-ea"/>
+                <a:cs typeface="+mj-cs"/>
+              </a:defRPr>
+            </a:lvl1pPr>
+          </a:lstStyle>
+          <a:p>
+            <a:pPr algn="r"/>
+            <a:r>
+              <a:rPr lang="it-IT" sz="2400" b="1" dirty="0">
+                <a:solidFill>
+                  <a:schemeClr val="bg1"/>
+                </a:solidFill>
+              </a:rPr>
+              <a:t>CLUSTER ANALYSIS</a:t>
+            </a:r>
+            <a:endParaRPr lang="en-US" sz="2400" dirty="0">
+              <a:solidFill>
+                <a:schemeClr val="bg1"/>
+              </a:solidFill>
+            </a:endParaRPr>
+          </a:p>
+        </p:txBody>
+      </p:sp>
+      <p:sp>
+        <p:nvSpPr>
+          <p:cNvPr id="2" name="Rectangle 6">
+            <a:extLst>
+              <a:ext uri="{FF2B5EF4-FFF2-40B4-BE49-F238E27FC236}">
+                <a16:creationId xmlns:a16="http://schemas.microsoft.com/office/drawing/2014/main" id="{FC5724C9-24A0-4B40-9A3A-FE717EF7AA55}"/>
+              </a:ext>
+            </a:extLst>
+          </p:cNvPr>
+          <p:cNvSpPr>
+            <a:spLocks noChangeArrowheads="1"/>
+          </p:cNvSpPr>
+          <p:nvPr/>
+        </p:nvSpPr>
+        <p:spPr bwMode="auto">
+          <a:xfrm>
+            <a:off x="0" y="0"/>
+            <a:ext cx="9144000" cy="457200"/>
+          </a:xfrm>
+          <a:prstGeom prst="rect">
+            <a:avLst/>
+          </a:prstGeom>
+          <a:noFill/>
+          <a:ln>
+            <a:noFill/>
+          </a:ln>
+          <a:effectLst/>
+          <a:extLst>
+            <a:ext uri="{909E8E84-426E-40DD-AFC4-6F175D3DCCD1}">
+              <a14:hiddenFill xmlns:a14="http://schemas.microsoft.com/office/drawing/2010/main">
+                <a:solidFill>
+                  <a:schemeClr val="accent1"/>
+                </a:solidFill>
+              </a14:hiddenFill>
+            </a:ext>
+            <a:ext uri="{91240B29-F687-4F45-9708-019B960494DF}">
+              <a14:hiddenLine xmlns:a14="http://schemas.microsoft.com/office/drawing/2010/main" w="9525">
+                <a:solidFill>
+                  <a:schemeClr val="tx1"/>
+                </a:solidFill>
+                <a:miter lim="800000"/>
+                <a:headEnd/>
+                <a:tailEnd/>
+              </a14:hiddenLine>
+            </a:ext>
+            <a:ext uri="{AF507438-7753-43E0-B8FC-AC1667EBCBE1}">
+              <a14:hiddenEffects xmlns:a14="http://schemas.microsoft.com/office/drawing/2010/main">
+                <a:effectLst>
+                  <a:outerShdw dist="35921" dir="2700000" algn="ctr" rotWithShape="0">
+                    <a:schemeClr val="bg2"/>
+                  </a:outerShdw>
+                </a:effectLst>
+              </a14:hiddenEffects>
+            </a:ext>
+          </a:extLst>
+        </p:spPr>
+        <p:txBody>
+          <a:bodyPr vert="horz" wrap="none" lIns="91440" tIns="45720" rIns="91440" bIns="45720" numCol="1" anchor="ctr" anchorCtr="0" compatLnSpc="1">
+            <a:prstTxWarp prst="textNoShape">
+              <a:avLst/>
+            </a:prstTxWarp>
+            <a:spAutoFit/>
+          </a:bodyPr>
+          <a:lstStyle/>
+          <a:p>
+            <a:endParaRPr lang="en-US"/>
+          </a:p>
+        </p:txBody>
+      </p:sp>
+      <p:sp>
+        <p:nvSpPr>
+          <p:cNvPr id="3" name="Rectangle 7">
+            <a:extLst>
+              <a:ext uri="{FF2B5EF4-FFF2-40B4-BE49-F238E27FC236}">
+                <a16:creationId xmlns:a16="http://schemas.microsoft.com/office/drawing/2014/main" id="{C08042F5-96DB-4FE6-B699-C1DFAB71C0C5}"/>
+              </a:ext>
+            </a:extLst>
+          </p:cNvPr>
+          <p:cNvSpPr>
+            <a:spLocks noChangeArrowheads="1"/>
+          </p:cNvSpPr>
+          <p:nvPr/>
+        </p:nvSpPr>
+        <p:spPr bwMode="auto">
+          <a:xfrm>
+            <a:off x="0" y="1838325"/>
+            <a:ext cx="9144000" cy="0"/>
+          </a:xfrm>
+          <a:prstGeom prst="rect">
+            <a:avLst/>
+          </a:prstGeom>
+          <a:noFill/>
+          <a:ln>
+            <a:noFill/>
+          </a:ln>
+          <a:effectLst/>
+          <a:extLst>
+            <a:ext uri="{909E8E84-426E-40DD-AFC4-6F175D3DCCD1}">
+              <a14:hiddenFill xmlns:a14="http://schemas.microsoft.com/office/drawing/2010/main">
+                <a:solidFill>
+                  <a:schemeClr val="accent1"/>
+                </a:solidFill>
+              </a14:hiddenFill>
+            </a:ext>
+            <a:ext uri="{91240B29-F687-4F45-9708-019B960494DF}">
+              <a14:hiddenLine xmlns:a14="http://schemas.microsoft.com/office/drawing/2010/main" w="9525">
+                <a:solidFill>
+                  <a:schemeClr val="tx1"/>
+                </a:solidFill>
+                <a:miter lim="800000"/>
+                <a:headEnd/>
+                <a:tailEnd/>
+              </a14:hiddenLine>
+            </a:ext>
+            <a:ext uri="{AF507438-7753-43E0-B8FC-AC1667EBCBE1}">
+              <a14:hiddenEffects xmlns:a14="http://schemas.microsoft.com/office/drawing/2010/main">
+                <a:effectLst>
+                  <a:outerShdw dist="35921" dir="2700000" algn="ctr" rotWithShape="0">
+                    <a:schemeClr val="bg2"/>
+                  </a:outerShdw>
+                </a:effectLst>
+              </a14:hiddenEffects>
+            </a:ext>
+          </a:extLst>
+        </p:spPr>
+        <p:txBody>
+          <a:bodyPr vert="horz" wrap="none" lIns="91440" tIns="45720" rIns="91440" bIns="45720" numCol="1" anchor="ctr" anchorCtr="0" compatLnSpc="1">
+            <a:prstTxWarp prst="textNoShape">
+              <a:avLst/>
+            </a:prstTxWarp>
+            <a:spAutoFit/>
+          </a:bodyPr>
+          <a:lstStyle/>
+          <a:p>
+            <a:pPr marL="0" marR="0" lvl="0" indent="0" algn="l" defTabSz="914400" rtl="0" eaLnBrk="0" fontAlgn="base" latinLnBrk="0" hangingPunct="0">
+              <a:lnSpc>
+                <a:spcPct val="100000"/>
+              </a:lnSpc>
+              <a:spcBef>
+                <a:spcPct val="0"/>
+              </a:spcBef>
+              <a:spcAft>
+                <a:spcPct val="0"/>
+              </a:spcAft>
+              <a:buClrTx/>
+              <a:buSzTx/>
+              <a:buFontTx/>
+              <a:buNone/>
+              <a:tabLst/>
+            </a:pPr>
+            <a:r>
+              <a:rPr kumimoji="0" lang="it-IT" altLang="en-US" sz="1100" b="0" i="0" u="none" strike="noStrike" cap="none" normalizeH="0" baseline="0">
+                <a:ln>
+                  <a:noFill/>
+                </a:ln>
+                <a:solidFill>
+                  <a:schemeClr val="tx1"/>
+                </a:solidFill>
+                <a:effectLst/>
+                <a:latin typeface="Calibri" panose="020F0502020204030204" pitchFamily="34" charset="0"/>
+                <a:ea typeface="Times New Roman" panose="02020603050405020304" pitchFamily="18" charset="0"/>
+                <a:cs typeface="Times New Roman" panose="02020603050405020304" pitchFamily="18" charset="0"/>
+              </a:rPr>
+              <a:t> </a:t>
+            </a:r>
+            <a:endParaRPr kumimoji="0" lang="it-IT" altLang="en-US" sz="1800" b="0" i="0" u="none" strike="noStrike" cap="none" normalizeH="0" baseline="0">
+              <a:ln>
+                <a:noFill/>
+              </a:ln>
+              <a:solidFill>
+                <a:schemeClr val="tx1"/>
+              </a:solidFill>
+              <a:effectLst/>
+              <a:latin typeface="Arial" panose="020B0604020202020204" pitchFamily="34" charset="0"/>
+            </a:endParaRPr>
+          </a:p>
+        </p:txBody>
+      </p:sp>
+      <p:sp>
+        <p:nvSpPr>
+          <p:cNvPr id="4" name="Rectangle 8">
+            <a:extLst>
+              <a:ext uri="{FF2B5EF4-FFF2-40B4-BE49-F238E27FC236}">
+                <a16:creationId xmlns:a16="http://schemas.microsoft.com/office/drawing/2014/main" id="{E0CBE371-8058-4503-A250-42442AAE21EC}"/>
+              </a:ext>
+            </a:extLst>
+          </p:cNvPr>
+          <p:cNvSpPr>
+            <a:spLocks noChangeArrowheads="1"/>
+          </p:cNvSpPr>
+          <p:nvPr/>
+        </p:nvSpPr>
+        <p:spPr bwMode="auto">
+          <a:xfrm>
+            <a:off x="0" y="3219450"/>
+            <a:ext cx="9144000" cy="0"/>
+          </a:xfrm>
+          <a:prstGeom prst="rect">
+            <a:avLst/>
+          </a:prstGeom>
+          <a:noFill/>
+          <a:ln>
+            <a:noFill/>
+          </a:ln>
+          <a:effectLst/>
+          <a:extLst>
+            <a:ext uri="{909E8E84-426E-40DD-AFC4-6F175D3DCCD1}">
+              <a14:hiddenFill xmlns:a14="http://schemas.microsoft.com/office/drawing/2010/main">
+                <a:solidFill>
+                  <a:schemeClr val="accent1"/>
+                </a:solidFill>
+              </a14:hiddenFill>
+            </a:ext>
+            <a:ext uri="{91240B29-F687-4F45-9708-019B960494DF}">
+              <a14:hiddenLine xmlns:a14="http://schemas.microsoft.com/office/drawing/2010/main" w="9525">
+                <a:solidFill>
+                  <a:schemeClr val="tx1"/>
+                </a:solidFill>
+                <a:miter lim="800000"/>
+                <a:headEnd/>
+                <a:tailEnd/>
+              </a14:hiddenLine>
+            </a:ext>
+            <a:ext uri="{AF507438-7753-43E0-B8FC-AC1667EBCBE1}">
+              <a14:hiddenEffects xmlns:a14="http://schemas.microsoft.com/office/drawing/2010/main">
+                <a:effectLst>
+                  <a:outerShdw dist="35921" dir="2700000" algn="ctr" rotWithShape="0">
+                    <a:schemeClr val="bg2"/>
+                  </a:outerShdw>
+                </a:effectLst>
+              </a14:hiddenEffects>
+            </a:ext>
+          </a:extLst>
+        </p:spPr>
+        <p:txBody>
+          <a:bodyPr vert="horz" wrap="none" lIns="91440" tIns="45720" rIns="91440" bIns="45720" numCol="1" anchor="ctr" anchorCtr="0" compatLnSpc="1">
+            <a:prstTxWarp prst="textNoShape">
+              <a:avLst/>
+            </a:prstTxWarp>
+            <a:spAutoFit/>
+          </a:bodyPr>
+          <a:lstStyle/>
+          <a:p>
+            <a:pPr marL="0" marR="0" lvl="0" indent="0" algn="l" defTabSz="914400" rtl="0" eaLnBrk="0" fontAlgn="base" latinLnBrk="0" hangingPunct="0">
+              <a:lnSpc>
+                <a:spcPct val="100000"/>
+              </a:lnSpc>
+              <a:spcBef>
+                <a:spcPct val="0"/>
+              </a:spcBef>
+              <a:spcAft>
+                <a:spcPct val="0"/>
+              </a:spcAft>
+              <a:buClrTx/>
+              <a:buSzTx/>
+              <a:buFontTx/>
+              <a:buNone/>
+              <a:tabLst/>
+            </a:pPr>
+            <a:r>
+              <a:rPr kumimoji="0" lang="it-IT" altLang="en-US" sz="1100" b="0" i="0" u="none" strike="noStrike" cap="none" normalizeH="0" baseline="0">
+                <a:ln>
+                  <a:noFill/>
+                </a:ln>
+                <a:solidFill>
+                  <a:schemeClr val="tx1"/>
+                </a:solidFill>
+                <a:effectLst/>
+                <a:latin typeface="Calibri" panose="020F0502020204030204" pitchFamily="34" charset="0"/>
+                <a:ea typeface="Times New Roman" panose="02020603050405020304" pitchFamily="18" charset="0"/>
+                <a:cs typeface="Times New Roman" panose="02020603050405020304" pitchFamily="18" charset="0"/>
+              </a:rPr>
+              <a:t> </a:t>
+            </a:r>
+            <a:endParaRPr kumimoji="0" lang="it-IT" altLang="en-US" sz="1800" b="0" i="0" u="none" strike="noStrike" cap="none" normalizeH="0" baseline="0">
+              <a:ln>
+                <a:noFill/>
+              </a:ln>
+              <a:solidFill>
+                <a:schemeClr val="tx1"/>
+              </a:solidFill>
+              <a:effectLst/>
+              <a:latin typeface="Arial" panose="020B0604020202020204" pitchFamily="34" charset="0"/>
+            </a:endParaRPr>
+          </a:p>
+        </p:txBody>
+      </p:sp>
+      <p:sp>
+        <p:nvSpPr>
+          <p:cNvPr id="10" name="Rectangle 9">
+            <a:extLst>
+              <a:ext uri="{FF2B5EF4-FFF2-40B4-BE49-F238E27FC236}">
+                <a16:creationId xmlns:a16="http://schemas.microsoft.com/office/drawing/2014/main" id="{99468FB6-6461-4A91-9E0B-2B3FC25F715E}"/>
+              </a:ext>
+            </a:extLst>
+          </p:cNvPr>
+          <p:cNvSpPr>
+            <a:spLocks noChangeArrowheads="1"/>
+          </p:cNvSpPr>
+          <p:nvPr/>
+        </p:nvSpPr>
+        <p:spPr bwMode="auto">
+          <a:xfrm>
+            <a:off x="0" y="4600575"/>
+            <a:ext cx="9144000" cy="0"/>
+          </a:xfrm>
+          <a:prstGeom prst="rect">
+            <a:avLst/>
+          </a:prstGeom>
+          <a:noFill/>
+          <a:ln>
+            <a:noFill/>
+          </a:ln>
+          <a:effectLst/>
+          <a:extLst>
+            <a:ext uri="{909E8E84-426E-40DD-AFC4-6F175D3DCCD1}">
+              <a14:hiddenFill xmlns:a14="http://schemas.microsoft.com/office/drawing/2010/main">
+                <a:solidFill>
+                  <a:schemeClr val="accent1"/>
+                </a:solidFill>
+              </a14:hiddenFill>
+            </a:ext>
+            <a:ext uri="{91240B29-F687-4F45-9708-019B960494DF}">
+              <a14:hiddenLine xmlns:a14="http://schemas.microsoft.com/office/drawing/2010/main" w="9525">
+                <a:solidFill>
+                  <a:schemeClr val="tx1"/>
+                </a:solidFill>
+                <a:miter lim="800000"/>
+                <a:headEnd/>
+                <a:tailEnd/>
+              </a14:hiddenLine>
+            </a:ext>
+            <a:ext uri="{AF507438-7753-43E0-B8FC-AC1667EBCBE1}">
+              <a14:hiddenEffects xmlns:a14="http://schemas.microsoft.com/office/drawing/2010/main">
+                <a:effectLst>
+                  <a:outerShdw dist="35921" dir="2700000" algn="ctr" rotWithShape="0">
+                    <a:schemeClr val="bg2"/>
+                  </a:outerShdw>
+                </a:effectLst>
+              </a14:hiddenEffects>
+            </a:ext>
+          </a:extLst>
+        </p:spPr>
+        <p:txBody>
+          <a:bodyPr vert="horz" wrap="none" lIns="91440" tIns="45720" rIns="91440" bIns="45720" numCol="1" anchor="ctr" anchorCtr="0" compatLnSpc="1">
+            <a:prstTxWarp prst="textNoShape">
+              <a:avLst/>
+            </a:prstTxWarp>
+            <a:spAutoFit/>
+          </a:bodyPr>
+          <a:lstStyle/>
+          <a:p>
+            <a:pPr marL="0" marR="0" lvl="0" indent="0" algn="l" defTabSz="914400" rtl="0" eaLnBrk="0" fontAlgn="base" latinLnBrk="0" hangingPunct="0">
+              <a:lnSpc>
+                <a:spcPct val="100000"/>
+              </a:lnSpc>
+              <a:spcBef>
+                <a:spcPct val="0"/>
+              </a:spcBef>
+              <a:spcAft>
+                <a:spcPct val="0"/>
+              </a:spcAft>
+              <a:buClrTx/>
+              <a:buSzTx/>
+              <a:buFontTx/>
+              <a:buNone/>
+              <a:tabLst/>
+            </a:pPr>
+            <a:r>
+              <a:rPr kumimoji="0" lang="it-IT" altLang="en-US" sz="1100" b="0" i="0" u="none" strike="noStrike" cap="none" normalizeH="0" baseline="0">
+                <a:ln>
+                  <a:noFill/>
+                </a:ln>
+                <a:solidFill>
+                  <a:schemeClr val="tx1"/>
+                </a:solidFill>
+                <a:effectLst/>
+                <a:latin typeface="Calibri" panose="020F0502020204030204" pitchFamily="34" charset="0"/>
+                <a:ea typeface="Times New Roman" panose="02020603050405020304" pitchFamily="18" charset="0"/>
+                <a:cs typeface="Times New Roman" panose="02020603050405020304" pitchFamily="18" charset="0"/>
+              </a:rPr>
+              <a:t> </a:t>
+            </a:r>
+            <a:endParaRPr kumimoji="0" lang="it-IT" altLang="en-US" sz="1800" b="0" i="0" u="none" strike="noStrike" cap="none" normalizeH="0" baseline="0">
+              <a:ln>
+                <a:noFill/>
+              </a:ln>
+              <a:solidFill>
+                <a:schemeClr val="tx1"/>
+              </a:solidFill>
+              <a:effectLst/>
+              <a:latin typeface="Arial" panose="020B0604020202020204" pitchFamily="34" charset="0"/>
+            </a:endParaRPr>
+          </a:p>
+        </p:txBody>
+      </p:sp>
+      <p:sp>
+        <p:nvSpPr>
+          <p:cNvPr id="11" name="Rectangle 10">
+            <a:extLst>
+              <a:ext uri="{FF2B5EF4-FFF2-40B4-BE49-F238E27FC236}">
+                <a16:creationId xmlns:a16="http://schemas.microsoft.com/office/drawing/2014/main" id="{E4D9815E-FC57-48D4-9710-C34FDAE236EF}"/>
+              </a:ext>
+            </a:extLst>
+          </p:cNvPr>
+          <p:cNvSpPr>
+            <a:spLocks noChangeArrowheads="1"/>
+          </p:cNvSpPr>
+          <p:nvPr/>
+        </p:nvSpPr>
+        <p:spPr bwMode="auto">
+          <a:xfrm>
+            <a:off x="0" y="6000750"/>
+            <a:ext cx="9144000" cy="0"/>
+          </a:xfrm>
+          <a:prstGeom prst="rect">
+            <a:avLst/>
+          </a:prstGeom>
+          <a:noFill/>
+          <a:ln>
+            <a:noFill/>
+          </a:ln>
+          <a:effectLst/>
+          <a:extLst>
+            <a:ext uri="{909E8E84-426E-40DD-AFC4-6F175D3DCCD1}">
+              <a14:hiddenFill xmlns:a14="http://schemas.microsoft.com/office/drawing/2010/main">
+                <a:solidFill>
+                  <a:schemeClr val="accent1"/>
+                </a:solidFill>
+              </a14:hiddenFill>
+            </a:ext>
+            <a:ext uri="{91240B29-F687-4F45-9708-019B960494DF}">
+              <a14:hiddenLine xmlns:a14="http://schemas.microsoft.com/office/drawing/2010/main" w="9525">
+                <a:solidFill>
+                  <a:schemeClr val="tx1"/>
+                </a:solidFill>
+                <a:miter lim="800000"/>
+                <a:headEnd/>
+                <a:tailEnd/>
+              </a14:hiddenLine>
+            </a:ext>
+            <a:ext uri="{AF507438-7753-43E0-B8FC-AC1667EBCBE1}">
+              <a14:hiddenEffects xmlns:a14="http://schemas.microsoft.com/office/drawing/2010/main">
+                <a:effectLst>
+                  <a:outerShdw dist="35921" dir="2700000" algn="ctr" rotWithShape="0">
+                    <a:schemeClr val="bg2"/>
+                  </a:outerShdw>
+                </a:effectLst>
+              </a14:hiddenEffects>
+            </a:ext>
+          </a:extLst>
+        </p:spPr>
+        <p:txBody>
+          <a:bodyPr vert="horz" wrap="none" lIns="91440" tIns="45720" rIns="91440" bIns="45720" numCol="1" anchor="ctr" anchorCtr="0" compatLnSpc="1">
+            <a:prstTxWarp prst="textNoShape">
+              <a:avLst/>
+            </a:prstTxWarp>
+            <a:spAutoFit/>
+          </a:bodyPr>
+          <a:lstStyle/>
+          <a:p>
+            <a:pPr marL="0" marR="0" lvl="0" indent="0" algn="l" defTabSz="914400" rtl="0" eaLnBrk="0" fontAlgn="base" latinLnBrk="0" hangingPunct="0">
+              <a:lnSpc>
+                <a:spcPct val="100000"/>
+              </a:lnSpc>
+              <a:spcBef>
+                <a:spcPct val="0"/>
+              </a:spcBef>
+              <a:spcAft>
+                <a:spcPct val="0"/>
+              </a:spcAft>
+              <a:buClrTx/>
+              <a:buSzTx/>
+              <a:buFontTx/>
+              <a:buNone/>
+              <a:tabLst/>
+            </a:pPr>
+            <a:r>
+              <a:rPr kumimoji="0" lang="it-IT" altLang="en-US" sz="1100" b="0" i="0" u="none" strike="noStrike" cap="none" normalizeH="0" baseline="0">
+                <a:ln>
+                  <a:noFill/>
+                </a:ln>
+                <a:solidFill>
+                  <a:schemeClr val="tx1"/>
+                </a:solidFill>
+                <a:effectLst/>
+                <a:latin typeface="Calibri" panose="020F0502020204030204" pitchFamily="34" charset="0"/>
+                <a:ea typeface="Times New Roman" panose="02020603050405020304" pitchFamily="18" charset="0"/>
+                <a:cs typeface="Times New Roman" panose="02020603050405020304" pitchFamily="18" charset="0"/>
+              </a:rPr>
+              <a:t> </a:t>
+            </a:r>
+            <a:endParaRPr kumimoji="0" lang="it-IT" altLang="en-US" sz="1800" b="0" i="0" u="none" strike="noStrike" cap="none" normalizeH="0" baseline="0">
+              <a:ln>
+                <a:noFill/>
+              </a:ln>
+              <a:solidFill>
+                <a:schemeClr val="tx1"/>
+              </a:solidFill>
+              <a:effectLst/>
+              <a:latin typeface="Arial" panose="020B0604020202020204" pitchFamily="34" charset="0"/>
+            </a:endParaRPr>
+          </a:p>
+        </p:txBody>
+      </p:sp>
+      <p:sp>
+        <p:nvSpPr>
+          <p:cNvPr id="12" name="Segnaposto contenuto 2">
+            <a:extLst>
+              <a:ext uri="{FF2B5EF4-FFF2-40B4-BE49-F238E27FC236}">
+                <a16:creationId xmlns:a16="http://schemas.microsoft.com/office/drawing/2014/main" id="{6B55346A-7B45-43F0-B6B4-9CFD350F7410}"/>
+              </a:ext>
+            </a:extLst>
+          </p:cNvPr>
+          <p:cNvSpPr txBox="1">
+            <a:spLocks/>
+          </p:cNvSpPr>
+          <p:nvPr/>
+        </p:nvSpPr>
+        <p:spPr>
+          <a:xfrm>
+            <a:off x="518864" y="1772816"/>
+            <a:ext cx="8229600" cy="4114800"/>
+          </a:xfrm>
+          <a:prstGeom prst="rect">
+            <a:avLst/>
+          </a:prstGeom>
+        </p:spPr>
+        <p:txBody>
+          <a:bodyPr vert="horz" lIns="91440" tIns="45720" rIns="91440" bIns="45720" rtlCol="0">
+            <a:normAutofit/>
+          </a:bodyPr>
+          <a:lstStyle>
+            <a:lvl1pPr marL="257175" indent="-257175" algn="l" defTabSz="342900" rtl="0" eaLnBrk="1" latinLnBrk="0" hangingPunct="1">
+              <a:spcBef>
+                <a:spcPct val="20000"/>
+              </a:spcBef>
+              <a:buFont typeface="Arial"/>
+              <a:buChar char="•"/>
+              <a:defRPr sz="2400" kern="1200">
+                <a:solidFill>
+                  <a:schemeClr val="tx1"/>
+                </a:solidFill>
+                <a:latin typeface="+mn-lt"/>
+                <a:ea typeface="+mn-ea"/>
+                <a:cs typeface="+mn-cs"/>
+              </a:defRPr>
+            </a:lvl1pPr>
+            <a:lvl2pPr marL="557213" indent="-214313" algn="l" defTabSz="342900" rtl="0" eaLnBrk="1" latinLnBrk="0" hangingPunct="1">
+              <a:spcBef>
+                <a:spcPct val="20000"/>
+              </a:spcBef>
+              <a:buFont typeface="Arial"/>
+              <a:buChar char="–"/>
+              <a:defRPr sz="2100" kern="1200">
+                <a:solidFill>
+                  <a:schemeClr val="tx1"/>
+                </a:solidFill>
+                <a:latin typeface="+mn-lt"/>
+                <a:ea typeface="+mn-ea"/>
+                <a:cs typeface="+mn-cs"/>
+              </a:defRPr>
+            </a:lvl2pPr>
+            <a:lvl3pPr marL="857250" indent="-171450" algn="l" defTabSz="342900" rtl="0" eaLnBrk="1" latinLnBrk="0" hangingPunct="1">
+              <a:spcBef>
+                <a:spcPct val="20000"/>
+              </a:spcBef>
+              <a:buFont typeface="Arial"/>
+              <a:buChar char="•"/>
+              <a:defRPr sz="1800" kern="1200">
+                <a:solidFill>
+                  <a:schemeClr val="tx1"/>
+                </a:solidFill>
+                <a:latin typeface="+mn-lt"/>
+                <a:ea typeface="+mn-ea"/>
+                <a:cs typeface="+mn-cs"/>
+              </a:defRPr>
+            </a:lvl3pPr>
+            <a:lvl4pPr marL="1200150" indent="-171450" algn="l" defTabSz="342900" rtl="0" eaLnBrk="1" latinLnBrk="0" hangingPunct="1">
+              <a:spcBef>
+                <a:spcPct val="20000"/>
+              </a:spcBef>
+              <a:buFont typeface="Arial"/>
+              <a:buChar char="–"/>
+              <a:defRPr sz="1500" kern="1200">
+                <a:solidFill>
+                  <a:schemeClr val="tx1"/>
+                </a:solidFill>
+                <a:latin typeface="+mn-lt"/>
+                <a:ea typeface="+mn-ea"/>
+                <a:cs typeface="+mn-cs"/>
+              </a:defRPr>
+            </a:lvl4pPr>
+            <a:lvl5pPr marL="1543050" indent="-171450" algn="l" defTabSz="342900" rtl="0" eaLnBrk="1" latinLnBrk="0" hangingPunct="1">
+              <a:spcBef>
+                <a:spcPct val="20000"/>
+              </a:spcBef>
+              <a:buFont typeface="Arial"/>
+              <a:buChar char="»"/>
+              <a:defRPr sz="1500" kern="1200">
+                <a:solidFill>
+                  <a:schemeClr val="tx1"/>
+                </a:solidFill>
+                <a:latin typeface="+mn-lt"/>
+                <a:ea typeface="+mn-ea"/>
+                <a:cs typeface="+mn-cs"/>
+              </a:defRPr>
+            </a:lvl5pPr>
+            <a:lvl6pPr marL="1885950" indent="-171450" algn="l" defTabSz="342900" rtl="0" eaLnBrk="1" latinLnBrk="0" hangingPunct="1">
+              <a:spcBef>
+                <a:spcPct val="20000"/>
+              </a:spcBef>
+              <a:buFont typeface="Arial"/>
+              <a:buChar char="•"/>
+              <a:defRPr sz="1500" kern="1200">
+                <a:solidFill>
+                  <a:schemeClr val="tx1"/>
+                </a:solidFill>
+                <a:latin typeface="+mn-lt"/>
+                <a:ea typeface="+mn-ea"/>
+                <a:cs typeface="+mn-cs"/>
+              </a:defRPr>
+            </a:lvl6pPr>
+            <a:lvl7pPr marL="2228850" indent="-171450" algn="l" defTabSz="342900" rtl="0" eaLnBrk="1" latinLnBrk="0" hangingPunct="1">
+              <a:spcBef>
+                <a:spcPct val="20000"/>
+              </a:spcBef>
+              <a:buFont typeface="Arial"/>
+              <a:buChar char="•"/>
+              <a:defRPr sz="1500" kern="1200">
+                <a:solidFill>
+                  <a:schemeClr val="tx1"/>
+                </a:solidFill>
+                <a:latin typeface="+mn-lt"/>
+                <a:ea typeface="+mn-ea"/>
+                <a:cs typeface="+mn-cs"/>
+              </a:defRPr>
+            </a:lvl7pPr>
+            <a:lvl8pPr marL="2571750" indent="-171450" algn="l" defTabSz="342900" rtl="0" eaLnBrk="1" latinLnBrk="0" hangingPunct="1">
+              <a:spcBef>
+                <a:spcPct val="20000"/>
+              </a:spcBef>
+              <a:buFont typeface="Arial"/>
+              <a:buChar char="•"/>
+              <a:defRPr sz="1500" kern="1200">
+                <a:solidFill>
+                  <a:schemeClr val="tx1"/>
+                </a:solidFill>
+                <a:latin typeface="+mn-lt"/>
+                <a:ea typeface="+mn-ea"/>
+                <a:cs typeface="+mn-cs"/>
+              </a:defRPr>
+            </a:lvl8pPr>
+            <a:lvl9pPr marL="2914650" indent="-171450" algn="l" defTabSz="342900" rtl="0" eaLnBrk="1" latinLnBrk="0" hangingPunct="1">
+              <a:spcBef>
+                <a:spcPct val="20000"/>
+              </a:spcBef>
+              <a:buFont typeface="Arial"/>
+              <a:buChar char="•"/>
+              <a:defRPr sz="1500" kern="1200">
+                <a:solidFill>
+                  <a:schemeClr val="tx1"/>
+                </a:solidFill>
+                <a:latin typeface="+mn-lt"/>
+                <a:ea typeface="+mn-ea"/>
+                <a:cs typeface="+mn-cs"/>
+              </a:defRPr>
+            </a:lvl9pPr>
+          </a:lstStyle>
+          <a:p>
+            <a:pPr marL="342900" lvl="1" indent="0" algn="just">
+              <a:buNone/>
+            </a:pPr>
+            <a:endParaRPr lang="it-IT" dirty="0">
+              <a:solidFill>
+                <a:srgbClr val="00B050"/>
+              </a:solidFill>
+            </a:endParaRPr>
+          </a:p>
+        </p:txBody>
+      </p:sp>
+      <p:sp>
+        <p:nvSpPr>
+          <p:cNvPr id="13" name="Segnaposto contenuto 2">
+            <a:extLst>
+              <a:ext uri="{FF2B5EF4-FFF2-40B4-BE49-F238E27FC236}">
+                <a16:creationId xmlns:a16="http://schemas.microsoft.com/office/drawing/2014/main" id="{980E4580-A772-4A19-8FBB-C5151CC05195}"/>
+              </a:ext>
+            </a:extLst>
+          </p:cNvPr>
+          <p:cNvSpPr>
+            <a:spLocks noGrp="1"/>
+          </p:cNvSpPr>
+          <p:nvPr>
+            <p:ph idx="1"/>
+          </p:nvPr>
+        </p:nvSpPr>
+        <p:spPr>
+          <a:xfrm>
+            <a:off x="457200" y="980728"/>
+            <a:ext cx="8229600" cy="5688632"/>
+          </a:xfrm>
+        </p:spPr>
+        <p:txBody>
+          <a:bodyPr>
+            <a:normAutofit/>
+          </a:bodyPr>
+          <a:lstStyle/>
+          <a:p>
+            <a:pPr marL="0" indent="0" algn="just">
+              <a:buNone/>
+            </a:pPr>
+            <a:r>
+              <a:rPr lang="it-IT" sz="2200" dirty="0"/>
+              <a:t>Impostazioni comuni ai vari algoritmi di </a:t>
+            </a:r>
+            <a:r>
+              <a:rPr lang="it-IT" sz="2200" dirty="0" err="1"/>
+              <a:t>clustering</a:t>
+            </a:r>
+            <a:r>
+              <a:rPr lang="it-IT" sz="2200" dirty="0"/>
+              <a:t> impiegati:</a:t>
+            </a:r>
+          </a:p>
+          <a:p>
+            <a:pPr algn="just"/>
+            <a:endParaRPr lang="it-IT" sz="1800" dirty="0"/>
+          </a:p>
+          <a:p>
+            <a:pPr algn="just"/>
+            <a:endParaRPr lang="it-IT" sz="1800" dirty="0"/>
+          </a:p>
+          <a:p>
+            <a:pPr marL="0" indent="0" algn="just">
+              <a:buNone/>
+            </a:pPr>
+            <a:endParaRPr lang="it-IT" sz="1800" dirty="0"/>
+          </a:p>
+          <a:p>
+            <a:pPr marL="0" indent="0" algn="just">
+              <a:buNone/>
+            </a:pPr>
+            <a:endParaRPr lang="it-IT" sz="1800" dirty="0"/>
+          </a:p>
+          <a:p>
+            <a:pPr marL="0" indent="0" algn="just">
+              <a:buNone/>
+            </a:pPr>
+            <a:endParaRPr lang="it-IT" sz="1800" dirty="0"/>
+          </a:p>
+          <a:p>
+            <a:pPr algn="just"/>
+            <a:endParaRPr lang="it-IT" sz="1800" dirty="0"/>
+          </a:p>
+          <a:p>
+            <a:pPr algn="just"/>
+            <a:r>
+              <a:rPr lang="it-IT" sz="1800" dirty="0"/>
+              <a:t>La distanza euclidea è una metrica per la distanza lineare piuttosto standard, non si sono viste ragioni per cui non potrebbe essere utilizzata su questo dataset.</a:t>
+            </a:r>
+          </a:p>
+          <a:p>
+            <a:pPr algn="just"/>
+            <a:endParaRPr lang="it-IT" sz="1800" dirty="0"/>
+          </a:p>
+          <a:p>
+            <a:pPr algn="just"/>
+            <a:endParaRPr lang="it-IT" sz="1800" dirty="0"/>
+          </a:p>
+          <a:p>
+            <a:pPr algn="just"/>
+            <a:endParaRPr lang="it-IT" sz="1800" dirty="0"/>
+          </a:p>
+          <a:p>
+            <a:pPr algn="just"/>
+            <a:r>
+              <a:rPr lang="it-IT" sz="1800" dirty="0"/>
+              <a:t>Questo flag impedisce al software </a:t>
+            </a:r>
+            <a:r>
+              <a:rPr lang="it-IT" sz="1800" dirty="0" err="1"/>
+              <a:t>Weka</a:t>
+            </a:r>
+            <a:r>
+              <a:rPr lang="it-IT" sz="1800" dirty="0"/>
+              <a:t> di rimpiazzare i valori mancanti, di fatto ignorandoli come avevamo scelto.</a:t>
+            </a:r>
+          </a:p>
+          <a:p>
+            <a:pPr algn="just"/>
+            <a:endParaRPr lang="it-IT" sz="1800" dirty="0"/>
+          </a:p>
+        </p:txBody>
+      </p:sp>
+      <p:pic>
+        <p:nvPicPr>
+          <p:cNvPr id="14" name="Immagine 13">
+            <a:extLst>
+              <a:ext uri="{FF2B5EF4-FFF2-40B4-BE49-F238E27FC236}">
+                <a16:creationId xmlns:a16="http://schemas.microsoft.com/office/drawing/2014/main" id="{308C74C4-E63C-43CF-8511-DF9D91A0B6EA}"/>
+              </a:ext>
+            </a:extLst>
+          </p:cNvPr>
+          <p:cNvPicPr>
+            <a:picLocks noChangeAspect="1"/>
+          </p:cNvPicPr>
+          <p:nvPr/>
+        </p:nvPicPr>
+        <p:blipFill>
+          <a:blip r:embed="rId2"/>
+          <a:stretch>
+            <a:fillRect/>
+          </a:stretch>
+        </p:blipFill>
+        <p:spPr>
+          <a:xfrm>
+            <a:off x="1560588" y="1988840"/>
+            <a:ext cx="6022824" cy="1142260"/>
+          </a:xfrm>
+          <a:prstGeom prst="rect">
+            <a:avLst/>
+          </a:prstGeom>
+        </p:spPr>
+      </p:pic>
+      <p:pic>
+        <p:nvPicPr>
+          <p:cNvPr id="15" name="Immagine 14">
+            <a:extLst>
+              <a:ext uri="{FF2B5EF4-FFF2-40B4-BE49-F238E27FC236}">
+                <a16:creationId xmlns:a16="http://schemas.microsoft.com/office/drawing/2014/main" id="{B7799BFB-29F3-4C01-8932-E76C3707570B}"/>
+              </a:ext>
+            </a:extLst>
+          </p:cNvPr>
+          <p:cNvPicPr>
+            <a:picLocks noChangeAspect="1"/>
+          </p:cNvPicPr>
+          <p:nvPr/>
+        </p:nvPicPr>
+        <p:blipFill>
+          <a:blip r:embed="rId3"/>
+          <a:stretch>
+            <a:fillRect/>
+          </a:stretch>
+        </p:blipFill>
+        <p:spPr>
+          <a:xfrm>
+            <a:off x="1232983" y="4293096"/>
+            <a:ext cx="6678034" cy="526347"/>
+          </a:xfrm>
+          <a:prstGeom prst="rect">
+            <a:avLst/>
+          </a:prstGeom>
+        </p:spPr>
+      </p:pic>
+    </p:spTree>
+    <p:extLst>
+      <p:ext uri="{BB962C8B-B14F-4D97-AF65-F5344CB8AC3E}">
+        <p14:creationId xmlns:p14="http://schemas.microsoft.com/office/powerpoint/2010/main" val="3066013563"/>
       </p:ext>
     </p:extLst>
   </p:cSld>
@@ -18978,6 +21604,3576 @@
     <p:extLst>
       <p:ext uri="{BB962C8B-B14F-4D97-AF65-F5344CB8AC3E}">
         <p14:creationId xmlns:p14="http://schemas.microsoft.com/office/powerpoint/2010/main" val="2530630329"/>
+      </p:ext>
+    </p:extLst>
+  </p:cSld>
+  <p:clrMapOvr>
+    <a:masterClrMapping/>
+  </p:clrMapOvr>
+</p:sld>
+</file>
+
+<file path=ppt/slides/slide40.xml><?xml version="1.0" encoding="utf-8"?>
+<p:sld xmlns:a="http://schemas.openxmlformats.org/drawingml/2006/main" xmlns:r="http://schemas.openxmlformats.org/officeDocument/2006/relationships" xmlns:p="http://schemas.openxmlformats.org/presentationml/2006/main">
+  <p:cSld>
+    <p:spTree>
+      <p:nvGrpSpPr>
+        <p:cNvPr id="1" name=""/>
+        <p:cNvGrpSpPr/>
+        <p:nvPr/>
+      </p:nvGrpSpPr>
+      <p:grpSpPr>
+        <a:xfrm>
+          <a:off x="0" y="0"/>
+          <a:ext cx="0" cy="0"/>
+          <a:chOff x="0" y="0"/>
+          <a:chExt cx="0" cy="0"/>
+        </a:xfrm>
+      </p:grpSpPr>
+      <p:sp>
+        <p:nvSpPr>
+          <p:cNvPr id="9" name="Segnaposto contenuto 2">
+            <a:extLst>
+              <a:ext uri="{FF2B5EF4-FFF2-40B4-BE49-F238E27FC236}">
+                <a16:creationId xmlns:a16="http://schemas.microsoft.com/office/drawing/2014/main" id="{89886170-B615-43F8-AA8E-D5565391C42A}"/>
+              </a:ext>
+            </a:extLst>
+          </p:cNvPr>
+          <p:cNvSpPr txBox="1">
+            <a:spLocks/>
+          </p:cNvSpPr>
+          <p:nvPr/>
+        </p:nvSpPr>
+        <p:spPr>
+          <a:xfrm>
+            <a:off x="457200" y="5029199"/>
+            <a:ext cx="8229600" cy="1074753"/>
+          </a:xfrm>
+          <a:prstGeom prst="rect">
+            <a:avLst/>
+          </a:prstGeom>
+        </p:spPr>
+        <p:txBody>
+          <a:bodyPr vert="horz" lIns="91440" tIns="45720" rIns="91440" bIns="45720" rtlCol="0">
+            <a:normAutofit/>
+          </a:bodyPr>
+          <a:lstStyle>
+            <a:lvl1pPr marL="257175" indent="-257175" algn="l" defTabSz="342900" rtl="0" eaLnBrk="1" latinLnBrk="0" hangingPunct="1">
+              <a:spcBef>
+                <a:spcPct val="20000"/>
+              </a:spcBef>
+              <a:buFont typeface="Arial"/>
+              <a:buChar char="•"/>
+              <a:defRPr sz="2400" kern="1200">
+                <a:solidFill>
+                  <a:schemeClr val="tx1"/>
+                </a:solidFill>
+                <a:latin typeface="+mn-lt"/>
+                <a:ea typeface="+mn-ea"/>
+                <a:cs typeface="+mn-cs"/>
+              </a:defRPr>
+            </a:lvl1pPr>
+            <a:lvl2pPr marL="557213" indent="-214313" algn="l" defTabSz="342900" rtl="0" eaLnBrk="1" latinLnBrk="0" hangingPunct="1">
+              <a:spcBef>
+                <a:spcPct val="20000"/>
+              </a:spcBef>
+              <a:buFont typeface="Arial"/>
+              <a:buChar char="–"/>
+              <a:defRPr sz="2100" kern="1200">
+                <a:solidFill>
+                  <a:schemeClr val="tx1"/>
+                </a:solidFill>
+                <a:latin typeface="+mn-lt"/>
+                <a:ea typeface="+mn-ea"/>
+                <a:cs typeface="+mn-cs"/>
+              </a:defRPr>
+            </a:lvl2pPr>
+            <a:lvl3pPr marL="857250" indent="-171450" algn="l" defTabSz="342900" rtl="0" eaLnBrk="1" latinLnBrk="0" hangingPunct="1">
+              <a:spcBef>
+                <a:spcPct val="20000"/>
+              </a:spcBef>
+              <a:buFont typeface="Arial"/>
+              <a:buChar char="•"/>
+              <a:defRPr sz="1800" kern="1200">
+                <a:solidFill>
+                  <a:schemeClr val="tx1"/>
+                </a:solidFill>
+                <a:latin typeface="+mn-lt"/>
+                <a:ea typeface="+mn-ea"/>
+                <a:cs typeface="+mn-cs"/>
+              </a:defRPr>
+            </a:lvl3pPr>
+            <a:lvl4pPr marL="1200150" indent="-171450" algn="l" defTabSz="342900" rtl="0" eaLnBrk="1" latinLnBrk="0" hangingPunct="1">
+              <a:spcBef>
+                <a:spcPct val="20000"/>
+              </a:spcBef>
+              <a:buFont typeface="Arial"/>
+              <a:buChar char="–"/>
+              <a:defRPr sz="1500" kern="1200">
+                <a:solidFill>
+                  <a:schemeClr val="tx1"/>
+                </a:solidFill>
+                <a:latin typeface="+mn-lt"/>
+                <a:ea typeface="+mn-ea"/>
+                <a:cs typeface="+mn-cs"/>
+              </a:defRPr>
+            </a:lvl4pPr>
+            <a:lvl5pPr marL="1543050" indent="-171450" algn="l" defTabSz="342900" rtl="0" eaLnBrk="1" latinLnBrk="0" hangingPunct="1">
+              <a:spcBef>
+                <a:spcPct val="20000"/>
+              </a:spcBef>
+              <a:buFont typeface="Arial"/>
+              <a:buChar char="»"/>
+              <a:defRPr sz="1500" kern="1200">
+                <a:solidFill>
+                  <a:schemeClr val="tx1"/>
+                </a:solidFill>
+                <a:latin typeface="+mn-lt"/>
+                <a:ea typeface="+mn-ea"/>
+                <a:cs typeface="+mn-cs"/>
+              </a:defRPr>
+            </a:lvl5pPr>
+            <a:lvl6pPr marL="1885950" indent="-171450" algn="l" defTabSz="342900" rtl="0" eaLnBrk="1" latinLnBrk="0" hangingPunct="1">
+              <a:spcBef>
+                <a:spcPct val="20000"/>
+              </a:spcBef>
+              <a:buFont typeface="Arial"/>
+              <a:buChar char="•"/>
+              <a:defRPr sz="1500" kern="1200">
+                <a:solidFill>
+                  <a:schemeClr val="tx1"/>
+                </a:solidFill>
+                <a:latin typeface="+mn-lt"/>
+                <a:ea typeface="+mn-ea"/>
+                <a:cs typeface="+mn-cs"/>
+              </a:defRPr>
+            </a:lvl6pPr>
+            <a:lvl7pPr marL="2228850" indent="-171450" algn="l" defTabSz="342900" rtl="0" eaLnBrk="1" latinLnBrk="0" hangingPunct="1">
+              <a:spcBef>
+                <a:spcPct val="20000"/>
+              </a:spcBef>
+              <a:buFont typeface="Arial"/>
+              <a:buChar char="•"/>
+              <a:defRPr sz="1500" kern="1200">
+                <a:solidFill>
+                  <a:schemeClr val="tx1"/>
+                </a:solidFill>
+                <a:latin typeface="+mn-lt"/>
+                <a:ea typeface="+mn-ea"/>
+                <a:cs typeface="+mn-cs"/>
+              </a:defRPr>
+            </a:lvl7pPr>
+            <a:lvl8pPr marL="2571750" indent="-171450" algn="l" defTabSz="342900" rtl="0" eaLnBrk="1" latinLnBrk="0" hangingPunct="1">
+              <a:spcBef>
+                <a:spcPct val="20000"/>
+              </a:spcBef>
+              <a:buFont typeface="Arial"/>
+              <a:buChar char="•"/>
+              <a:defRPr sz="1500" kern="1200">
+                <a:solidFill>
+                  <a:schemeClr val="tx1"/>
+                </a:solidFill>
+                <a:latin typeface="+mn-lt"/>
+                <a:ea typeface="+mn-ea"/>
+                <a:cs typeface="+mn-cs"/>
+              </a:defRPr>
+            </a:lvl8pPr>
+            <a:lvl9pPr marL="2914650" indent="-171450" algn="l" defTabSz="342900" rtl="0" eaLnBrk="1" latinLnBrk="0" hangingPunct="1">
+              <a:spcBef>
+                <a:spcPct val="20000"/>
+              </a:spcBef>
+              <a:buFont typeface="Arial"/>
+              <a:buChar char="•"/>
+              <a:defRPr sz="1500" kern="1200">
+                <a:solidFill>
+                  <a:schemeClr val="tx1"/>
+                </a:solidFill>
+                <a:latin typeface="+mn-lt"/>
+                <a:ea typeface="+mn-ea"/>
+                <a:cs typeface="+mn-cs"/>
+              </a:defRPr>
+            </a:lvl9pPr>
+          </a:lstStyle>
+          <a:p>
+            <a:pPr marL="0" indent="0" algn="just">
+              <a:buFont typeface="Arial"/>
+              <a:buNone/>
+            </a:pPr>
+            <a:endParaRPr lang="it-IT" dirty="0"/>
+          </a:p>
+          <a:p>
+            <a:pPr marL="0" indent="0" algn="just">
+              <a:buFont typeface="Arial"/>
+              <a:buNone/>
+            </a:pPr>
+            <a:endParaRPr lang="it-IT" dirty="0"/>
+          </a:p>
+          <a:p>
+            <a:endParaRPr lang="en-US" sz="2000" dirty="0"/>
+          </a:p>
+        </p:txBody>
+      </p:sp>
+      <p:sp>
+        <p:nvSpPr>
+          <p:cNvPr id="6" name="Titolo 1">
+            <a:extLst>
+              <a:ext uri="{FF2B5EF4-FFF2-40B4-BE49-F238E27FC236}">
+                <a16:creationId xmlns:a16="http://schemas.microsoft.com/office/drawing/2014/main" id="{32602169-0966-4893-B032-33CFCD986CA0}"/>
+              </a:ext>
+            </a:extLst>
+          </p:cNvPr>
+          <p:cNvSpPr txBox="1">
+            <a:spLocks/>
+          </p:cNvSpPr>
+          <p:nvPr/>
+        </p:nvSpPr>
+        <p:spPr>
+          <a:xfrm>
+            <a:off x="755576" y="152400"/>
+            <a:ext cx="8229600" cy="1143000"/>
+          </a:xfrm>
+          <a:prstGeom prst="rect">
+            <a:avLst/>
+          </a:prstGeom>
+        </p:spPr>
+        <p:txBody>
+          <a:bodyPr>
+            <a:noAutofit/>
+          </a:bodyPr>
+          <a:lstStyle>
+            <a:lvl1pPr algn="ctr" defTabSz="342900" rtl="0" eaLnBrk="1" latinLnBrk="0" hangingPunct="1">
+              <a:spcBef>
+                <a:spcPct val="0"/>
+              </a:spcBef>
+              <a:buNone/>
+              <a:defRPr sz="3300" kern="1200">
+                <a:solidFill>
+                  <a:schemeClr val="tx1"/>
+                </a:solidFill>
+                <a:latin typeface="+mj-lt"/>
+                <a:ea typeface="+mj-ea"/>
+                <a:cs typeface="+mj-cs"/>
+              </a:defRPr>
+            </a:lvl1pPr>
+          </a:lstStyle>
+          <a:p>
+            <a:pPr algn="r"/>
+            <a:r>
+              <a:rPr lang="it-IT" sz="2400" b="1" dirty="0">
+                <a:solidFill>
+                  <a:schemeClr val="bg1"/>
+                </a:solidFill>
+              </a:rPr>
+              <a:t>CLUSTER ANALYSIS</a:t>
+            </a:r>
+            <a:r>
+              <a:rPr lang="it-IT" sz="2400" dirty="0">
+                <a:solidFill>
+                  <a:schemeClr val="bg1"/>
+                </a:solidFill>
+              </a:rPr>
+              <a:t>: SUBSET GEN </a:t>
+            </a:r>
+            <a:endParaRPr lang="en-US" sz="2400" dirty="0">
+              <a:solidFill>
+                <a:schemeClr val="bg1"/>
+              </a:solidFill>
+            </a:endParaRPr>
+          </a:p>
+        </p:txBody>
+      </p:sp>
+      <p:sp>
+        <p:nvSpPr>
+          <p:cNvPr id="2" name="Rectangle 6">
+            <a:extLst>
+              <a:ext uri="{FF2B5EF4-FFF2-40B4-BE49-F238E27FC236}">
+                <a16:creationId xmlns:a16="http://schemas.microsoft.com/office/drawing/2014/main" id="{FC5724C9-24A0-4B40-9A3A-FE717EF7AA55}"/>
+              </a:ext>
+            </a:extLst>
+          </p:cNvPr>
+          <p:cNvSpPr>
+            <a:spLocks noChangeArrowheads="1"/>
+          </p:cNvSpPr>
+          <p:nvPr/>
+        </p:nvSpPr>
+        <p:spPr bwMode="auto">
+          <a:xfrm>
+            <a:off x="0" y="0"/>
+            <a:ext cx="9144000" cy="457200"/>
+          </a:xfrm>
+          <a:prstGeom prst="rect">
+            <a:avLst/>
+          </a:prstGeom>
+          <a:noFill/>
+          <a:ln>
+            <a:noFill/>
+          </a:ln>
+          <a:effectLst/>
+          <a:extLst>
+            <a:ext uri="{909E8E84-426E-40DD-AFC4-6F175D3DCCD1}">
+              <a14:hiddenFill xmlns:a14="http://schemas.microsoft.com/office/drawing/2010/main">
+                <a:solidFill>
+                  <a:schemeClr val="accent1"/>
+                </a:solidFill>
+              </a14:hiddenFill>
+            </a:ext>
+            <a:ext uri="{91240B29-F687-4F45-9708-019B960494DF}">
+              <a14:hiddenLine xmlns:a14="http://schemas.microsoft.com/office/drawing/2010/main" w="9525">
+                <a:solidFill>
+                  <a:schemeClr val="tx1"/>
+                </a:solidFill>
+                <a:miter lim="800000"/>
+                <a:headEnd/>
+                <a:tailEnd/>
+              </a14:hiddenLine>
+            </a:ext>
+            <a:ext uri="{AF507438-7753-43E0-B8FC-AC1667EBCBE1}">
+              <a14:hiddenEffects xmlns:a14="http://schemas.microsoft.com/office/drawing/2010/main">
+                <a:effectLst>
+                  <a:outerShdw dist="35921" dir="2700000" algn="ctr" rotWithShape="0">
+                    <a:schemeClr val="bg2"/>
+                  </a:outerShdw>
+                </a:effectLst>
+              </a14:hiddenEffects>
+            </a:ext>
+          </a:extLst>
+        </p:spPr>
+        <p:txBody>
+          <a:bodyPr vert="horz" wrap="none" lIns="91440" tIns="45720" rIns="91440" bIns="45720" numCol="1" anchor="ctr" anchorCtr="0" compatLnSpc="1">
+            <a:prstTxWarp prst="textNoShape">
+              <a:avLst/>
+            </a:prstTxWarp>
+            <a:spAutoFit/>
+          </a:bodyPr>
+          <a:lstStyle/>
+          <a:p>
+            <a:endParaRPr lang="en-US"/>
+          </a:p>
+        </p:txBody>
+      </p:sp>
+      <p:sp>
+        <p:nvSpPr>
+          <p:cNvPr id="3" name="Rectangle 7">
+            <a:extLst>
+              <a:ext uri="{FF2B5EF4-FFF2-40B4-BE49-F238E27FC236}">
+                <a16:creationId xmlns:a16="http://schemas.microsoft.com/office/drawing/2014/main" id="{C08042F5-96DB-4FE6-B699-C1DFAB71C0C5}"/>
+              </a:ext>
+            </a:extLst>
+          </p:cNvPr>
+          <p:cNvSpPr>
+            <a:spLocks noChangeArrowheads="1"/>
+          </p:cNvSpPr>
+          <p:nvPr/>
+        </p:nvSpPr>
+        <p:spPr bwMode="auto">
+          <a:xfrm>
+            <a:off x="0" y="1838325"/>
+            <a:ext cx="9144000" cy="0"/>
+          </a:xfrm>
+          <a:prstGeom prst="rect">
+            <a:avLst/>
+          </a:prstGeom>
+          <a:noFill/>
+          <a:ln>
+            <a:noFill/>
+          </a:ln>
+          <a:effectLst/>
+          <a:extLst>
+            <a:ext uri="{909E8E84-426E-40DD-AFC4-6F175D3DCCD1}">
+              <a14:hiddenFill xmlns:a14="http://schemas.microsoft.com/office/drawing/2010/main">
+                <a:solidFill>
+                  <a:schemeClr val="accent1"/>
+                </a:solidFill>
+              </a14:hiddenFill>
+            </a:ext>
+            <a:ext uri="{91240B29-F687-4F45-9708-019B960494DF}">
+              <a14:hiddenLine xmlns:a14="http://schemas.microsoft.com/office/drawing/2010/main" w="9525">
+                <a:solidFill>
+                  <a:schemeClr val="tx1"/>
+                </a:solidFill>
+                <a:miter lim="800000"/>
+                <a:headEnd/>
+                <a:tailEnd/>
+              </a14:hiddenLine>
+            </a:ext>
+            <a:ext uri="{AF507438-7753-43E0-B8FC-AC1667EBCBE1}">
+              <a14:hiddenEffects xmlns:a14="http://schemas.microsoft.com/office/drawing/2010/main">
+                <a:effectLst>
+                  <a:outerShdw dist="35921" dir="2700000" algn="ctr" rotWithShape="0">
+                    <a:schemeClr val="bg2"/>
+                  </a:outerShdw>
+                </a:effectLst>
+              </a14:hiddenEffects>
+            </a:ext>
+          </a:extLst>
+        </p:spPr>
+        <p:txBody>
+          <a:bodyPr vert="horz" wrap="none" lIns="91440" tIns="45720" rIns="91440" bIns="45720" numCol="1" anchor="ctr" anchorCtr="0" compatLnSpc="1">
+            <a:prstTxWarp prst="textNoShape">
+              <a:avLst/>
+            </a:prstTxWarp>
+            <a:spAutoFit/>
+          </a:bodyPr>
+          <a:lstStyle/>
+          <a:p>
+            <a:pPr marL="0" marR="0" lvl="0" indent="0" algn="l" defTabSz="914400" rtl="0" eaLnBrk="0" fontAlgn="base" latinLnBrk="0" hangingPunct="0">
+              <a:lnSpc>
+                <a:spcPct val="100000"/>
+              </a:lnSpc>
+              <a:spcBef>
+                <a:spcPct val="0"/>
+              </a:spcBef>
+              <a:spcAft>
+                <a:spcPct val="0"/>
+              </a:spcAft>
+              <a:buClrTx/>
+              <a:buSzTx/>
+              <a:buFontTx/>
+              <a:buNone/>
+              <a:tabLst/>
+            </a:pPr>
+            <a:r>
+              <a:rPr kumimoji="0" lang="it-IT" altLang="en-US" sz="1100" b="0" i="0" u="none" strike="noStrike" cap="none" normalizeH="0" baseline="0">
+                <a:ln>
+                  <a:noFill/>
+                </a:ln>
+                <a:solidFill>
+                  <a:schemeClr val="tx1"/>
+                </a:solidFill>
+                <a:effectLst/>
+                <a:latin typeface="Calibri" panose="020F0502020204030204" pitchFamily="34" charset="0"/>
+                <a:ea typeface="Times New Roman" panose="02020603050405020304" pitchFamily="18" charset="0"/>
+                <a:cs typeface="Times New Roman" panose="02020603050405020304" pitchFamily="18" charset="0"/>
+              </a:rPr>
+              <a:t> </a:t>
+            </a:r>
+            <a:endParaRPr kumimoji="0" lang="it-IT" altLang="en-US" sz="1800" b="0" i="0" u="none" strike="noStrike" cap="none" normalizeH="0" baseline="0">
+              <a:ln>
+                <a:noFill/>
+              </a:ln>
+              <a:solidFill>
+                <a:schemeClr val="tx1"/>
+              </a:solidFill>
+              <a:effectLst/>
+              <a:latin typeface="Arial" panose="020B0604020202020204" pitchFamily="34" charset="0"/>
+            </a:endParaRPr>
+          </a:p>
+        </p:txBody>
+      </p:sp>
+      <p:sp>
+        <p:nvSpPr>
+          <p:cNvPr id="4" name="Rectangle 8">
+            <a:extLst>
+              <a:ext uri="{FF2B5EF4-FFF2-40B4-BE49-F238E27FC236}">
+                <a16:creationId xmlns:a16="http://schemas.microsoft.com/office/drawing/2014/main" id="{E0CBE371-8058-4503-A250-42442AAE21EC}"/>
+              </a:ext>
+            </a:extLst>
+          </p:cNvPr>
+          <p:cNvSpPr>
+            <a:spLocks noChangeArrowheads="1"/>
+          </p:cNvSpPr>
+          <p:nvPr/>
+        </p:nvSpPr>
+        <p:spPr bwMode="auto">
+          <a:xfrm>
+            <a:off x="0" y="3219450"/>
+            <a:ext cx="9144000" cy="0"/>
+          </a:xfrm>
+          <a:prstGeom prst="rect">
+            <a:avLst/>
+          </a:prstGeom>
+          <a:noFill/>
+          <a:ln>
+            <a:noFill/>
+          </a:ln>
+          <a:effectLst/>
+          <a:extLst>
+            <a:ext uri="{909E8E84-426E-40DD-AFC4-6F175D3DCCD1}">
+              <a14:hiddenFill xmlns:a14="http://schemas.microsoft.com/office/drawing/2010/main">
+                <a:solidFill>
+                  <a:schemeClr val="accent1"/>
+                </a:solidFill>
+              </a14:hiddenFill>
+            </a:ext>
+            <a:ext uri="{91240B29-F687-4F45-9708-019B960494DF}">
+              <a14:hiddenLine xmlns:a14="http://schemas.microsoft.com/office/drawing/2010/main" w="9525">
+                <a:solidFill>
+                  <a:schemeClr val="tx1"/>
+                </a:solidFill>
+                <a:miter lim="800000"/>
+                <a:headEnd/>
+                <a:tailEnd/>
+              </a14:hiddenLine>
+            </a:ext>
+            <a:ext uri="{AF507438-7753-43E0-B8FC-AC1667EBCBE1}">
+              <a14:hiddenEffects xmlns:a14="http://schemas.microsoft.com/office/drawing/2010/main">
+                <a:effectLst>
+                  <a:outerShdw dist="35921" dir="2700000" algn="ctr" rotWithShape="0">
+                    <a:schemeClr val="bg2"/>
+                  </a:outerShdw>
+                </a:effectLst>
+              </a14:hiddenEffects>
+            </a:ext>
+          </a:extLst>
+        </p:spPr>
+        <p:txBody>
+          <a:bodyPr vert="horz" wrap="none" lIns="91440" tIns="45720" rIns="91440" bIns="45720" numCol="1" anchor="ctr" anchorCtr="0" compatLnSpc="1">
+            <a:prstTxWarp prst="textNoShape">
+              <a:avLst/>
+            </a:prstTxWarp>
+            <a:spAutoFit/>
+          </a:bodyPr>
+          <a:lstStyle/>
+          <a:p>
+            <a:pPr marL="0" marR="0" lvl="0" indent="0" algn="l" defTabSz="914400" rtl="0" eaLnBrk="0" fontAlgn="base" latinLnBrk="0" hangingPunct="0">
+              <a:lnSpc>
+                <a:spcPct val="100000"/>
+              </a:lnSpc>
+              <a:spcBef>
+                <a:spcPct val="0"/>
+              </a:spcBef>
+              <a:spcAft>
+                <a:spcPct val="0"/>
+              </a:spcAft>
+              <a:buClrTx/>
+              <a:buSzTx/>
+              <a:buFontTx/>
+              <a:buNone/>
+              <a:tabLst/>
+            </a:pPr>
+            <a:r>
+              <a:rPr kumimoji="0" lang="it-IT" altLang="en-US" sz="1100" b="0" i="0" u="none" strike="noStrike" cap="none" normalizeH="0" baseline="0">
+                <a:ln>
+                  <a:noFill/>
+                </a:ln>
+                <a:solidFill>
+                  <a:schemeClr val="tx1"/>
+                </a:solidFill>
+                <a:effectLst/>
+                <a:latin typeface="Calibri" panose="020F0502020204030204" pitchFamily="34" charset="0"/>
+                <a:ea typeface="Times New Roman" panose="02020603050405020304" pitchFamily="18" charset="0"/>
+                <a:cs typeface="Times New Roman" panose="02020603050405020304" pitchFamily="18" charset="0"/>
+              </a:rPr>
+              <a:t> </a:t>
+            </a:r>
+            <a:endParaRPr kumimoji="0" lang="it-IT" altLang="en-US" sz="1800" b="0" i="0" u="none" strike="noStrike" cap="none" normalizeH="0" baseline="0">
+              <a:ln>
+                <a:noFill/>
+              </a:ln>
+              <a:solidFill>
+                <a:schemeClr val="tx1"/>
+              </a:solidFill>
+              <a:effectLst/>
+              <a:latin typeface="Arial" panose="020B0604020202020204" pitchFamily="34" charset="0"/>
+            </a:endParaRPr>
+          </a:p>
+        </p:txBody>
+      </p:sp>
+      <p:sp>
+        <p:nvSpPr>
+          <p:cNvPr id="10" name="Rectangle 9">
+            <a:extLst>
+              <a:ext uri="{FF2B5EF4-FFF2-40B4-BE49-F238E27FC236}">
+                <a16:creationId xmlns:a16="http://schemas.microsoft.com/office/drawing/2014/main" id="{99468FB6-6461-4A91-9E0B-2B3FC25F715E}"/>
+              </a:ext>
+            </a:extLst>
+          </p:cNvPr>
+          <p:cNvSpPr>
+            <a:spLocks noChangeArrowheads="1"/>
+          </p:cNvSpPr>
+          <p:nvPr/>
+        </p:nvSpPr>
+        <p:spPr bwMode="auto">
+          <a:xfrm>
+            <a:off x="0" y="4600575"/>
+            <a:ext cx="9144000" cy="0"/>
+          </a:xfrm>
+          <a:prstGeom prst="rect">
+            <a:avLst/>
+          </a:prstGeom>
+          <a:noFill/>
+          <a:ln>
+            <a:noFill/>
+          </a:ln>
+          <a:effectLst/>
+          <a:extLst>
+            <a:ext uri="{909E8E84-426E-40DD-AFC4-6F175D3DCCD1}">
+              <a14:hiddenFill xmlns:a14="http://schemas.microsoft.com/office/drawing/2010/main">
+                <a:solidFill>
+                  <a:schemeClr val="accent1"/>
+                </a:solidFill>
+              </a14:hiddenFill>
+            </a:ext>
+            <a:ext uri="{91240B29-F687-4F45-9708-019B960494DF}">
+              <a14:hiddenLine xmlns:a14="http://schemas.microsoft.com/office/drawing/2010/main" w="9525">
+                <a:solidFill>
+                  <a:schemeClr val="tx1"/>
+                </a:solidFill>
+                <a:miter lim="800000"/>
+                <a:headEnd/>
+                <a:tailEnd/>
+              </a14:hiddenLine>
+            </a:ext>
+            <a:ext uri="{AF507438-7753-43E0-B8FC-AC1667EBCBE1}">
+              <a14:hiddenEffects xmlns:a14="http://schemas.microsoft.com/office/drawing/2010/main">
+                <a:effectLst>
+                  <a:outerShdw dist="35921" dir="2700000" algn="ctr" rotWithShape="0">
+                    <a:schemeClr val="bg2"/>
+                  </a:outerShdw>
+                </a:effectLst>
+              </a14:hiddenEffects>
+            </a:ext>
+          </a:extLst>
+        </p:spPr>
+        <p:txBody>
+          <a:bodyPr vert="horz" wrap="none" lIns="91440" tIns="45720" rIns="91440" bIns="45720" numCol="1" anchor="ctr" anchorCtr="0" compatLnSpc="1">
+            <a:prstTxWarp prst="textNoShape">
+              <a:avLst/>
+            </a:prstTxWarp>
+            <a:spAutoFit/>
+          </a:bodyPr>
+          <a:lstStyle/>
+          <a:p>
+            <a:pPr marL="0" marR="0" lvl="0" indent="0" algn="l" defTabSz="914400" rtl="0" eaLnBrk="0" fontAlgn="base" latinLnBrk="0" hangingPunct="0">
+              <a:lnSpc>
+                <a:spcPct val="100000"/>
+              </a:lnSpc>
+              <a:spcBef>
+                <a:spcPct val="0"/>
+              </a:spcBef>
+              <a:spcAft>
+                <a:spcPct val="0"/>
+              </a:spcAft>
+              <a:buClrTx/>
+              <a:buSzTx/>
+              <a:buFontTx/>
+              <a:buNone/>
+              <a:tabLst/>
+            </a:pPr>
+            <a:r>
+              <a:rPr kumimoji="0" lang="it-IT" altLang="en-US" sz="1100" b="0" i="0" u="none" strike="noStrike" cap="none" normalizeH="0" baseline="0">
+                <a:ln>
+                  <a:noFill/>
+                </a:ln>
+                <a:solidFill>
+                  <a:schemeClr val="tx1"/>
+                </a:solidFill>
+                <a:effectLst/>
+                <a:latin typeface="Calibri" panose="020F0502020204030204" pitchFamily="34" charset="0"/>
+                <a:ea typeface="Times New Roman" panose="02020603050405020304" pitchFamily="18" charset="0"/>
+                <a:cs typeface="Times New Roman" panose="02020603050405020304" pitchFamily="18" charset="0"/>
+              </a:rPr>
+              <a:t> </a:t>
+            </a:r>
+            <a:endParaRPr kumimoji="0" lang="it-IT" altLang="en-US" sz="1800" b="0" i="0" u="none" strike="noStrike" cap="none" normalizeH="0" baseline="0">
+              <a:ln>
+                <a:noFill/>
+              </a:ln>
+              <a:solidFill>
+                <a:schemeClr val="tx1"/>
+              </a:solidFill>
+              <a:effectLst/>
+              <a:latin typeface="Arial" panose="020B0604020202020204" pitchFamily="34" charset="0"/>
+            </a:endParaRPr>
+          </a:p>
+        </p:txBody>
+      </p:sp>
+      <p:sp>
+        <p:nvSpPr>
+          <p:cNvPr id="11" name="Rectangle 10">
+            <a:extLst>
+              <a:ext uri="{FF2B5EF4-FFF2-40B4-BE49-F238E27FC236}">
+                <a16:creationId xmlns:a16="http://schemas.microsoft.com/office/drawing/2014/main" id="{E4D9815E-FC57-48D4-9710-C34FDAE236EF}"/>
+              </a:ext>
+            </a:extLst>
+          </p:cNvPr>
+          <p:cNvSpPr>
+            <a:spLocks noChangeArrowheads="1"/>
+          </p:cNvSpPr>
+          <p:nvPr/>
+        </p:nvSpPr>
+        <p:spPr bwMode="auto">
+          <a:xfrm>
+            <a:off x="0" y="6000750"/>
+            <a:ext cx="9144000" cy="0"/>
+          </a:xfrm>
+          <a:prstGeom prst="rect">
+            <a:avLst/>
+          </a:prstGeom>
+          <a:noFill/>
+          <a:ln>
+            <a:noFill/>
+          </a:ln>
+          <a:effectLst/>
+          <a:extLst>
+            <a:ext uri="{909E8E84-426E-40DD-AFC4-6F175D3DCCD1}">
+              <a14:hiddenFill xmlns:a14="http://schemas.microsoft.com/office/drawing/2010/main">
+                <a:solidFill>
+                  <a:schemeClr val="accent1"/>
+                </a:solidFill>
+              </a14:hiddenFill>
+            </a:ext>
+            <a:ext uri="{91240B29-F687-4F45-9708-019B960494DF}">
+              <a14:hiddenLine xmlns:a14="http://schemas.microsoft.com/office/drawing/2010/main" w="9525">
+                <a:solidFill>
+                  <a:schemeClr val="tx1"/>
+                </a:solidFill>
+                <a:miter lim="800000"/>
+                <a:headEnd/>
+                <a:tailEnd/>
+              </a14:hiddenLine>
+            </a:ext>
+            <a:ext uri="{AF507438-7753-43E0-B8FC-AC1667EBCBE1}">
+              <a14:hiddenEffects xmlns:a14="http://schemas.microsoft.com/office/drawing/2010/main">
+                <a:effectLst>
+                  <a:outerShdw dist="35921" dir="2700000" algn="ctr" rotWithShape="0">
+                    <a:schemeClr val="bg2"/>
+                  </a:outerShdw>
+                </a:effectLst>
+              </a14:hiddenEffects>
+            </a:ext>
+          </a:extLst>
+        </p:spPr>
+        <p:txBody>
+          <a:bodyPr vert="horz" wrap="none" lIns="91440" tIns="45720" rIns="91440" bIns="45720" numCol="1" anchor="ctr" anchorCtr="0" compatLnSpc="1">
+            <a:prstTxWarp prst="textNoShape">
+              <a:avLst/>
+            </a:prstTxWarp>
+            <a:spAutoFit/>
+          </a:bodyPr>
+          <a:lstStyle/>
+          <a:p>
+            <a:pPr marL="0" marR="0" lvl="0" indent="0" algn="l" defTabSz="914400" rtl="0" eaLnBrk="0" fontAlgn="base" latinLnBrk="0" hangingPunct="0">
+              <a:lnSpc>
+                <a:spcPct val="100000"/>
+              </a:lnSpc>
+              <a:spcBef>
+                <a:spcPct val="0"/>
+              </a:spcBef>
+              <a:spcAft>
+                <a:spcPct val="0"/>
+              </a:spcAft>
+              <a:buClrTx/>
+              <a:buSzTx/>
+              <a:buFontTx/>
+              <a:buNone/>
+              <a:tabLst/>
+            </a:pPr>
+            <a:r>
+              <a:rPr kumimoji="0" lang="it-IT" altLang="en-US" sz="1100" b="0" i="0" u="none" strike="noStrike" cap="none" normalizeH="0" baseline="0">
+                <a:ln>
+                  <a:noFill/>
+                </a:ln>
+                <a:solidFill>
+                  <a:schemeClr val="tx1"/>
+                </a:solidFill>
+                <a:effectLst/>
+                <a:latin typeface="Calibri" panose="020F0502020204030204" pitchFamily="34" charset="0"/>
+                <a:ea typeface="Times New Roman" panose="02020603050405020304" pitchFamily="18" charset="0"/>
+                <a:cs typeface="Times New Roman" panose="02020603050405020304" pitchFamily="18" charset="0"/>
+              </a:rPr>
+              <a:t> </a:t>
+            </a:r>
+            <a:endParaRPr kumimoji="0" lang="it-IT" altLang="en-US" sz="1800" b="0" i="0" u="none" strike="noStrike" cap="none" normalizeH="0" baseline="0">
+              <a:ln>
+                <a:noFill/>
+              </a:ln>
+              <a:solidFill>
+                <a:schemeClr val="tx1"/>
+              </a:solidFill>
+              <a:effectLst/>
+              <a:latin typeface="Arial" panose="020B0604020202020204" pitchFamily="34" charset="0"/>
+            </a:endParaRPr>
+          </a:p>
+        </p:txBody>
+      </p:sp>
+      <p:sp>
+        <p:nvSpPr>
+          <p:cNvPr id="12" name="Segnaposto contenuto 2">
+            <a:extLst>
+              <a:ext uri="{FF2B5EF4-FFF2-40B4-BE49-F238E27FC236}">
+                <a16:creationId xmlns:a16="http://schemas.microsoft.com/office/drawing/2014/main" id="{6B55346A-7B45-43F0-B6B4-9CFD350F7410}"/>
+              </a:ext>
+            </a:extLst>
+          </p:cNvPr>
+          <p:cNvSpPr txBox="1">
+            <a:spLocks/>
+          </p:cNvSpPr>
+          <p:nvPr/>
+        </p:nvSpPr>
+        <p:spPr>
+          <a:xfrm>
+            <a:off x="518864" y="1772816"/>
+            <a:ext cx="8229600" cy="4114800"/>
+          </a:xfrm>
+          <a:prstGeom prst="rect">
+            <a:avLst/>
+          </a:prstGeom>
+        </p:spPr>
+        <p:txBody>
+          <a:bodyPr vert="horz" lIns="91440" tIns="45720" rIns="91440" bIns="45720" rtlCol="0">
+            <a:normAutofit/>
+          </a:bodyPr>
+          <a:lstStyle>
+            <a:lvl1pPr marL="257175" indent="-257175" algn="l" defTabSz="342900" rtl="0" eaLnBrk="1" latinLnBrk="0" hangingPunct="1">
+              <a:spcBef>
+                <a:spcPct val="20000"/>
+              </a:spcBef>
+              <a:buFont typeface="Arial"/>
+              <a:buChar char="•"/>
+              <a:defRPr sz="2400" kern="1200">
+                <a:solidFill>
+                  <a:schemeClr val="tx1"/>
+                </a:solidFill>
+                <a:latin typeface="+mn-lt"/>
+                <a:ea typeface="+mn-ea"/>
+                <a:cs typeface="+mn-cs"/>
+              </a:defRPr>
+            </a:lvl1pPr>
+            <a:lvl2pPr marL="557213" indent="-214313" algn="l" defTabSz="342900" rtl="0" eaLnBrk="1" latinLnBrk="0" hangingPunct="1">
+              <a:spcBef>
+                <a:spcPct val="20000"/>
+              </a:spcBef>
+              <a:buFont typeface="Arial"/>
+              <a:buChar char="–"/>
+              <a:defRPr sz="2100" kern="1200">
+                <a:solidFill>
+                  <a:schemeClr val="tx1"/>
+                </a:solidFill>
+                <a:latin typeface="+mn-lt"/>
+                <a:ea typeface="+mn-ea"/>
+                <a:cs typeface="+mn-cs"/>
+              </a:defRPr>
+            </a:lvl2pPr>
+            <a:lvl3pPr marL="857250" indent="-171450" algn="l" defTabSz="342900" rtl="0" eaLnBrk="1" latinLnBrk="0" hangingPunct="1">
+              <a:spcBef>
+                <a:spcPct val="20000"/>
+              </a:spcBef>
+              <a:buFont typeface="Arial"/>
+              <a:buChar char="•"/>
+              <a:defRPr sz="1800" kern="1200">
+                <a:solidFill>
+                  <a:schemeClr val="tx1"/>
+                </a:solidFill>
+                <a:latin typeface="+mn-lt"/>
+                <a:ea typeface="+mn-ea"/>
+                <a:cs typeface="+mn-cs"/>
+              </a:defRPr>
+            </a:lvl3pPr>
+            <a:lvl4pPr marL="1200150" indent="-171450" algn="l" defTabSz="342900" rtl="0" eaLnBrk="1" latinLnBrk="0" hangingPunct="1">
+              <a:spcBef>
+                <a:spcPct val="20000"/>
+              </a:spcBef>
+              <a:buFont typeface="Arial"/>
+              <a:buChar char="–"/>
+              <a:defRPr sz="1500" kern="1200">
+                <a:solidFill>
+                  <a:schemeClr val="tx1"/>
+                </a:solidFill>
+                <a:latin typeface="+mn-lt"/>
+                <a:ea typeface="+mn-ea"/>
+                <a:cs typeface="+mn-cs"/>
+              </a:defRPr>
+            </a:lvl4pPr>
+            <a:lvl5pPr marL="1543050" indent="-171450" algn="l" defTabSz="342900" rtl="0" eaLnBrk="1" latinLnBrk="0" hangingPunct="1">
+              <a:spcBef>
+                <a:spcPct val="20000"/>
+              </a:spcBef>
+              <a:buFont typeface="Arial"/>
+              <a:buChar char="»"/>
+              <a:defRPr sz="1500" kern="1200">
+                <a:solidFill>
+                  <a:schemeClr val="tx1"/>
+                </a:solidFill>
+                <a:latin typeface="+mn-lt"/>
+                <a:ea typeface="+mn-ea"/>
+                <a:cs typeface="+mn-cs"/>
+              </a:defRPr>
+            </a:lvl5pPr>
+            <a:lvl6pPr marL="1885950" indent="-171450" algn="l" defTabSz="342900" rtl="0" eaLnBrk="1" latinLnBrk="0" hangingPunct="1">
+              <a:spcBef>
+                <a:spcPct val="20000"/>
+              </a:spcBef>
+              <a:buFont typeface="Arial"/>
+              <a:buChar char="•"/>
+              <a:defRPr sz="1500" kern="1200">
+                <a:solidFill>
+                  <a:schemeClr val="tx1"/>
+                </a:solidFill>
+                <a:latin typeface="+mn-lt"/>
+                <a:ea typeface="+mn-ea"/>
+                <a:cs typeface="+mn-cs"/>
+              </a:defRPr>
+            </a:lvl6pPr>
+            <a:lvl7pPr marL="2228850" indent="-171450" algn="l" defTabSz="342900" rtl="0" eaLnBrk="1" latinLnBrk="0" hangingPunct="1">
+              <a:spcBef>
+                <a:spcPct val="20000"/>
+              </a:spcBef>
+              <a:buFont typeface="Arial"/>
+              <a:buChar char="•"/>
+              <a:defRPr sz="1500" kern="1200">
+                <a:solidFill>
+                  <a:schemeClr val="tx1"/>
+                </a:solidFill>
+                <a:latin typeface="+mn-lt"/>
+                <a:ea typeface="+mn-ea"/>
+                <a:cs typeface="+mn-cs"/>
+              </a:defRPr>
+            </a:lvl7pPr>
+            <a:lvl8pPr marL="2571750" indent="-171450" algn="l" defTabSz="342900" rtl="0" eaLnBrk="1" latinLnBrk="0" hangingPunct="1">
+              <a:spcBef>
+                <a:spcPct val="20000"/>
+              </a:spcBef>
+              <a:buFont typeface="Arial"/>
+              <a:buChar char="•"/>
+              <a:defRPr sz="1500" kern="1200">
+                <a:solidFill>
+                  <a:schemeClr val="tx1"/>
+                </a:solidFill>
+                <a:latin typeface="+mn-lt"/>
+                <a:ea typeface="+mn-ea"/>
+                <a:cs typeface="+mn-cs"/>
+              </a:defRPr>
+            </a:lvl8pPr>
+            <a:lvl9pPr marL="2914650" indent="-171450" algn="l" defTabSz="342900" rtl="0" eaLnBrk="1" latinLnBrk="0" hangingPunct="1">
+              <a:spcBef>
+                <a:spcPct val="20000"/>
+              </a:spcBef>
+              <a:buFont typeface="Arial"/>
+              <a:buChar char="•"/>
+              <a:defRPr sz="1500" kern="1200">
+                <a:solidFill>
+                  <a:schemeClr val="tx1"/>
+                </a:solidFill>
+                <a:latin typeface="+mn-lt"/>
+                <a:ea typeface="+mn-ea"/>
+                <a:cs typeface="+mn-cs"/>
+              </a:defRPr>
+            </a:lvl9pPr>
+          </a:lstStyle>
+          <a:p>
+            <a:pPr marL="342900" lvl="1" indent="0" algn="just">
+              <a:buNone/>
+            </a:pPr>
+            <a:endParaRPr lang="it-IT" dirty="0">
+              <a:solidFill>
+                <a:srgbClr val="00B050"/>
+              </a:solidFill>
+            </a:endParaRPr>
+          </a:p>
+        </p:txBody>
+      </p:sp>
+      <p:sp>
+        <p:nvSpPr>
+          <p:cNvPr id="21" name="CasellaDiTesto 20">
+            <a:extLst>
+              <a:ext uri="{FF2B5EF4-FFF2-40B4-BE49-F238E27FC236}">
+                <a16:creationId xmlns:a16="http://schemas.microsoft.com/office/drawing/2014/main" id="{06404A80-AB25-46AA-AACA-C85B9C0735BB}"/>
+              </a:ext>
+            </a:extLst>
+          </p:cNvPr>
+          <p:cNvSpPr txBox="1"/>
+          <p:nvPr/>
+        </p:nvSpPr>
+        <p:spPr>
+          <a:xfrm>
+            <a:off x="190763" y="908720"/>
+            <a:ext cx="8701717" cy="400110"/>
+          </a:xfrm>
+          <a:prstGeom prst="rect">
+            <a:avLst/>
+          </a:prstGeom>
+          <a:noFill/>
+        </p:spPr>
+        <p:txBody>
+          <a:bodyPr wrap="square" rtlCol="0">
+            <a:spAutoFit/>
+          </a:bodyPr>
+          <a:lstStyle/>
+          <a:p>
+            <a:r>
+              <a:rPr lang="it-IT" sz="2000" dirty="0"/>
+              <a:t>Isolare gli studenti peggiori, medi e migliori: </a:t>
+            </a:r>
+            <a:r>
+              <a:rPr lang="it-IT" sz="2000" b="1" dirty="0"/>
+              <a:t>K-</a:t>
+            </a:r>
+            <a:r>
+              <a:rPr lang="it-IT" sz="2000" b="1" dirty="0" err="1"/>
+              <a:t>means</a:t>
+            </a:r>
+            <a:r>
+              <a:rPr lang="it-IT" sz="2000" b="1" dirty="0"/>
+              <a:t>, 3 cluster</a:t>
+            </a:r>
+            <a:endParaRPr lang="en-US" sz="2000" dirty="0">
+              <a:solidFill>
+                <a:srgbClr val="FF0000"/>
+              </a:solidFill>
+            </a:endParaRPr>
+          </a:p>
+        </p:txBody>
+      </p:sp>
+      <p:sp>
+        <p:nvSpPr>
+          <p:cNvPr id="22" name="CasellaDiTesto 21">
+            <a:extLst>
+              <a:ext uri="{FF2B5EF4-FFF2-40B4-BE49-F238E27FC236}">
+                <a16:creationId xmlns:a16="http://schemas.microsoft.com/office/drawing/2014/main" id="{668096B2-6438-4407-9090-1AC58395B6FF}"/>
+              </a:ext>
+            </a:extLst>
+          </p:cNvPr>
+          <p:cNvSpPr txBox="1"/>
+          <p:nvPr/>
+        </p:nvSpPr>
+        <p:spPr>
+          <a:xfrm>
+            <a:off x="1963025" y="1375603"/>
+            <a:ext cx="7793551" cy="5293757"/>
+          </a:xfrm>
+          <a:prstGeom prst="rect">
+            <a:avLst/>
+          </a:prstGeom>
+          <a:noFill/>
+        </p:spPr>
+        <p:txBody>
+          <a:bodyPr wrap="square" rtlCol="0">
+            <a:spAutoFit/>
+          </a:bodyPr>
+          <a:lstStyle/>
+          <a:p>
+            <a:r>
+              <a:rPr lang="en-US" sz="1300" dirty="0">
+                <a:solidFill>
+                  <a:srgbClr val="7030A0"/>
+                </a:solidFill>
+                <a:latin typeface="Courier New" panose="02070309020205020404" pitchFamily="49" charset="0"/>
+                <a:cs typeface="Courier New" panose="02070309020205020404" pitchFamily="49" charset="0"/>
+              </a:rPr>
+              <a:t>Number of iterations: 20</a:t>
+            </a:r>
+          </a:p>
+          <a:p>
+            <a:r>
+              <a:rPr lang="en-US" sz="1300" b="1" dirty="0">
+                <a:solidFill>
+                  <a:srgbClr val="7030A0"/>
+                </a:solidFill>
+                <a:latin typeface="Courier New" panose="02070309020205020404" pitchFamily="49" charset="0"/>
+                <a:cs typeface="Courier New" panose="02070309020205020404" pitchFamily="49" charset="0"/>
+              </a:rPr>
+              <a:t>Within cluster sum of squared errors: 16.061359541603178</a:t>
+            </a:r>
+          </a:p>
+          <a:p>
+            <a:endParaRPr lang="en-US" sz="1300" dirty="0">
+              <a:solidFill>
+                <a:srgbClr val="7030A0"/>
+              </a:solidFill>
+              <a:latin typeface="Courier New" panose="02070309020205020404" pitchFamily="49" charset="0"/>
+              <a:cs typeface="Courier New" panose="02070309020205020404" pitchFamily="49" charset="0"/>
+            </a:endParaRPr>
+          </a:p>
+          <a:p>
+            <a:r>
+              <a:rPr lang="en-US" sz="1300" dirty="0">
+                <a:solidFill>
+                  <a:srgbClr val="7030A0"/>
+                </a:solidFill>
+                <a:latin typeface="Courier New" panose="02070309020205020404" pitchFamily="49" charset="0"/>
+                <a:cs typeface="Courier New" panose="02070309020205020404" pitchFamily="49" charset="0"/>
+              </a:rPr>
+              <a:t>Initial starting points (random):</a:t>
+            </a:r>
+          </a:p>
+          <a:p>
+            <a:endParaRPr lang="en-US" sz="1300" dirty="0">
+              <a:solidFill>
+                <a:srgbClr val="7030A0"/>
+              </a:solidFill>
+              <a:latin typeface="Courier New" panose="02070309020205020404" pitchFamily="49" charset="0"/>
+              <a:cs typeface="Courier New" panose="02070309020205020404" pitchFamily="49" charset="0"/>
+            </a:endParaRPr>
+          </a:p>
+          <a:p>
+            <a:r>
+              <a:rPr lang="en-US" sz="1300" dirty="0">
+                <a:solidFill>
+                  <a:srgbClr val="7030A0"/>
+                </a:solidFill>
+                <a:latin typeface="Courier New" panose="02070309020205020404" pitchFamily="49" charset="0"/>
+                <a:cs typeface="Courier New" panose="02070309020205020404" pitchFamily="49" charset="0"/>
+              </a:rPr>
+              <a:t>Cluster 0: 72,98.333333,100,76.923077</a:t>
+            </a:r>
+          </a:p>
+          <a:p>
+            <a:r>
+              <a:rPr lang="en-US" sz="1300" dirty="0">
+                <a:solidFill>
+                  <a:srgbClr val="7030A0"/>
+                </a:solidFill>
+                <a:latin typeface="Courier New" panose="02070309020205020404" pitchFamily="49" charset="0"/>
+                <a:cs typeface="Courier New" panose="02070309020205020404" pitchFamily="49" charset="0"/>
+              </a:rPr>
+              <a:t>Cluster 1: 68,98.333333,100,46.153846</a:t>
+            </a:r>
+          </a:p>
+          <a:p>
+            <a:r>
+              <a:rPr lang="en-US" sz="1300" dirty="0">
+                <a:solidFill>
+                  <a:srgbClr val="7030A0"/>
+                </a:solidFill>
+                <a:latin typeface="Courier New" panose="02070309020205020404" pitchFamily="49" charset="0"/>
+                <a:cs typeface="Courier New" panose="02070309020205020404" pitchFamily="49" charset="0"/>
+              </a:rPr>
+              <a:t>Cluster 2: 52,51.666667,55.102041,46.153846</a:t>
+            </a:r>
+          </a:p>
+          <a:p>
+            <a:endParaRPr lang="en-US" sz="1300" dirty="0">
+              <a:solidFill>
+                <a:srgbClr val="7030A0"/>
+              </a:solidFill>
+              <a:latin typeface="Courier New" panose="02070309020205020404" pitchFamily="49" charset="0"/>
+              <a:cs typeface="Courier New" panose="02070309020205020404" pitchFamily="49" charset="0"/>
+            </a:endParaRPr>
+          </a:p>
+          <a:p>
+            <a:endParaRPr lang="en-US" sz="1300" dirty="0">
+              <a:solidFill>
+                <a:srgbClr val="7030A0"/>
+              </a:solidFill>
+              <a:latin typeface="Courier New" panose="02070309020205020404" pitchFamily="49" charset="0"/>
+              <a:cs typeface="Courier New" panose="02070309020205020404" pitchFamily="49" charset="0"/>
+            </a:endParaRPr>
+          </a:p>
+          <a:p>
+            <a:r>
+              <a:rPr lang="en-US" sz="1300" dirty="0">
+                <a:solidFill>
+                  <a:srgbClr val="7030A0"/>
+                </a:solidFill>
+                <a:latin typeface="Courier New" panose="02070309020205020404" pitchFamily="49" charset="0"/>
+                <a:cs typeface="Courier New" panose="02070309020205020404" pitchFamily="49" charset="0"/>
+              </a:rPr>
+              <a:t>Final cluster centroids:</a:t>
+            </a:r>
+          </a:p>
+          <a:p>
+            <a:r>
+              <a:rPr lang="en-US" sz="1300" dirty="0">
+                <a:solidFill>
+                  <a:srgbClr val="7030A0"/>
+                </a:solidFill>
+                <a:latin typeface="Courier New" panose="02070309020205020404" pitchFamily="49" charset="0"/>
+                <a:cs typeface="Courier New" panose="02070309020205020404" pitchFamily="49" charset="0"/>
+              </a:rPr>
+              <a:t>                                Cluster#</a:t>
+            </a:r>
+          </a:p>
+          <a:p>
+            <a:r>
+              <a:rPr lang="en-US" sz="1300" dirty="0">
+                <a:solidFill>
+                  <a:srgbClr val="7030A0"/>
+                </a:solidFill>
+                <a:latin typeface="Courier New" panose="02070309020205020404" pitchFamily="49" charset="0"/>
+                <a:cs typeface="Courier New" panose="02070309020205020404" pitchFamily="49" charset="0"/>
+              </a:rPr>
+              <a:t>Attribute           Full Data          0          1          2</a:t>
+            </a:r>
+          </a:p>
+          <a:p>
+            <a:r>
+              <a:rPr lang="en-US" sz="1300" dirty="0">
+                <a:solidFill>
+                  <a:srgbClr val="7030A0"/>
+                </a:solidFill>
+                <a:latin typeface="Courier New" panose="02070309020205020404" pitchFamily="49" charset="0"/>
+                <a:cs typeface="Courier New" panose="02070309020205020404" pitchFamily="49" charset="0"/>
+              </a:rPr>
+              <a:t>                      (212.0)    (109.0)     (37.0)     (66.0)</a:t>
+            </a:r>
+          </a:p>
+          <a:p>
+            <a:r>
+              <a:rPr lang="en-US" sz="1300" dirty="0">
+                <a:solidFill>
+                  <a:srgbClr val="7030A0"/>
+                </a:solidFill>
+                <a:latin typeface="Courier New" panose="02070309020205020404" pitchFamily="49" charset="0"/>
+                <a:cs typeface="Courier New" panose="02070309020205020404" pitchFamily="49" charset="0"/>
+              </a:rPr>
+              <a:t>==============================================================</a:t>
+            </a:r>
+          </a:p>
+          <a:p>
+            <a:r>
+              <a:rPr lang="en-US" sz="1300" dirty="0">
+                <a:solidFill>
+                  <a:srgbClr val="7030A0"/>
+                </a:solidFill>
+                <a:latin typeface="Courier New" panose="02070309020205020404" pitchFamily="49" charset="0"/>
+                <a:cs typeface="Courier New" panose="02070309020205020404" pitchFamily="49" charset="0"/>
+              </a:rPr>
+              <a:t>test                  57.5849    62.1284    56.8649    50.4848</a:t>
+            </a:r>
+          </a:p>
+          <a:p>
+            <a:r>
+              <a:rPr lang="en-US" sz="1300" dirty="0">
+                <a:solidFill>
+                  <a:srgbClr val="7030A0"/>
+                </a:solidFill>
+                <a:latin typeface="Courier New" panose="02070309020205020404" pitchFamily="49" charset="0"/>
+                <a:cs typeface="Courier New" panose="02070309020205020404" pitchFamily="49" charset="0"/>
+              </a:rPr>
+              <a:t>                   +/-15.9495 +/-13.8197 +/-17.2597 +/-16.0425</a:t>
+            </a:r>
+          </a:p>
+          <a:p>
+            <a:endParaRPr lang="en-US" sz="1300" dirty="0">
+              <a:solidFill>
+                <a:srgbClr val="7030A0"/>
+              </a:solidFill>
+              <a:latin typeface="Courier New" panose="02070309020205020404" pitchFamily="49" charset="0"/>
+              <a:cs typeface="Courier New" panose="02070309020205020404" pitchFamily="49" charset="0"/>
+            </a:endParaRPr>
+          </a:p>
+          <a:p>
+            <a:r>
+              <a:rPr lang="en-US" sz="1300" dirty="0" err="1">
+                <a:solidFill>
+                  <a:srgbClr val="7030A0"/>
+                </a:solidFill>
+                <a:latin typeface="Courier New" panose="02070309020205020404" pitchFamily="49" charset="0"/>
+                <a:cs typeface="Courier New" panose="02070309020205020404" pitchFamily="49" charset="0"/>
+              </a:rPr>
+              <a:t>crediti_totali</a:t>
+            </a:r>
+            <a:r>
+              <a:rPr lang="en-US" sz="1300" dirty="0">
+                <a:solidFill>
+                  <a:srgbClr val="7030A0"/>
+                </a:solidFill>
+                <a:latin typeface="Courier New" panose="02070309020205020404" pitchFamily="49" charset="0"/>
+                <a:cs typeface="Courier New" panose="02070309020205020404" pitchFamily="49" charset="0"/>
+              </a:rPr>
+              <a:t>        58.5404     91.208    47.8979    10.5556</a:t>
+            </a:r>
+          </a:p>
+          <a:p>
+            <a:r>
+              <a:rPr lang="en-US" sz="1300" dirty="0">
+                <a:solidFill>
+                  <a:srgbClr val="7030A0"/>
+                </a:solidFill>
+                <a:latin typeface="Courier New" panose="02070309020205020404" pitchFamily="49" charset="0"/>
+                <a:cs typeface="Courier New" panose="02070309020205020404" pitchFamily="49" charset="0"/>
+              </a:rPr>
+              <a:t>                   +/-37.2117  +/-9.4386 +/-10.7281  +/-9.5512</a:t>
+            </a:r>
+          </a:p>
+          <a:p>
+            <a:endParaRPr lang="en-US" sz="1300" dirty="0">
+              <a:solidFill>
+                <a:srgbClr val="7030A0"/>
+              </a:solidFill>
+              <a:latin typeface="Courier New" panose="02070309020205020404" pitchFamily="49" charset="0"/>
+              <a:cs typeface="Courier New" panose="02070309020205020404" pitchFamily="49" charset="0"/>
+            </a:endParaRPr>
+          </a:p>
+          <a:p>
+            <a:r>
+              <a:rPr lang="en-US" sz="1300" dirty="0" err="1">
+                <a:solidFill>
+                  <a:srgbClr val="7030A0"/>
+                </a:solidFill>
+                <a:latin typeface="Courier New" panose="02070309020205020404" pitchFamily="49" charset="0"/>
+                <a:cs typeface="Courier New" panose="02070309020205020404" pitchFamily="49" charset="0"/>
+              </a:rPr>
+              <a:t>crediti_con_voto</a:t>
+            </a:r>
+            <a:r>
+              <a:rPr lang="en-US" sz="1300" dirty="0">
+                <a:solidFill>
+                  <a:srgbClr val="7030A0"/>
+                </a:solidFill>
+                <a:latin typeface="Courier New" panose="02070309020205020404" pitchFamily="49" charset="0"/>
+                <a:cs typeface="Courier New" panose="02070309020205020404" pitchFamily="49" charset="0"/>
+              </a:rPr>
+              <a:t>      60.0982    95.3941    50.3034     7.2975</a:t>
+            </a:r>
+          </a:p>
+          <a:p>
+            <a:r>
+              <a:rPr lang="en-US" sz="1300" dirty="0">
+                <a:solidFill>
+                  <a:srgbClr val="7030A0"/>
+                </a:solidFill>
+                <a:latin typeface="Courier New" panose="02070309020205020404" pitchFamily="49" charset="0"/>
+                <a:cs typeface="Courier New" panose="02070309020205020404" pitchFamily="49" charset="0"/>
+              </a:rPr>
+              <a:t>                   +/-40.1568  +/-7.2122 +/-13.1235  +/-8.8492</a:t>
+            </a:r>
+          </a:p>
+          <a:p>
+            <a:endParaRPr lang="en-US" sz="1300" dirty="0">
+              <a:solidFill>
+                <a:srgbClr val="7030A0"/>
+              </a:solidFill>
+              <a:latin typeface="Courier New" panose="02070309020205020404" pitchFamily="49" charset="0"/>
+              <a:cs typeface="Courier New" panose="02070309020205020404" pitchFamily="49" charset="0"/>
+            </a:endParaRPr>
+          </a:p>
+          <a:p>
+            <a:r>
+              <a:rPr lang="en-US" sz="1300" dirty="0" err="1">
+                <a:solidFill>
+                  <a:srgbClr val="7030A0"/>
+                </a:solidFill>
+                <a:latin typeface="Courier New" panose="02070309020205020404" pitchFamily="49" charset="0"/>
+                <a:cs typeface="Courier New" panose="02070309020205020404" pitchFamily="49" charset="0"/>
+              </a:rPr>
+              <a:t>voto_medio</a:t>
+            </a:r>
+            <a:r>
+              <a:rPr lang="en-US" sz="1300" dirty="0">
+                <a:solidFill>
+                  <a:srgbClr val="7030A0"/>
+                </a:solidFill>
+                <a:latin typeface="Courier New" panose="02070309020205020404" pitchFamily="49" charset="0"/>
+                <a:cs typeface="Courier New" panose="02070309020205020404" pitchFamily="49" charset="0"/>
+              </a:rPr>
+              <a:t>            46.4078    56.3162    47.6091    29.3706</a:t>
+            </a:r>
+          </a:p>
+          <a:p>
+            <a:r>
+              <a:rPr lang="en-US" sz="1300" dirty="0">
+                <a:solidFill>
+                  <a:srgbClr val="7030A0"/>
+                </a:solidFill>
+                <a:latin typeface="Courier New" panose="02070309020205020404" pitchFamily="49" charset="0"/>
+                <a:cs typeface="Courier New" panose="02070309020205020404" pitchFamily="49" charset="0"/>
+              </a:rPr>
+              <a:t>                   +/-22.3971 +/-15.0199 +/-13.4264 +/-26.3345</a:t>
+            </a:r>
+          </a:p>
+        </p:txBody>
+      </p:sp>
+    </p:spTree>
+    <p:extLst>
+      <p:ext uri="{BB962C8B-B14F-4D97-AF65-F5344CB8AC3E}">
+        <p14:creationId xmlns:p14="http://schemas.microsoft.com/office/powerpoint/2010/main" val="3922649244"/>
+      </p:ext>
+    </p:extLst>
+  </p:cSld>
+  <p:clrMapOvr>
+    <a:masterClrMapping/>
+  </p:clrMapOvr>
+</p:sld>
+</file>
+
+<file path=ppt/slides/slide41.xml><?xml version="1.0" encoding="utf-8"?>
+<p:sld xmlns:a="http://schemas.openxmlformats.org/drawingml/2006/main" xmlns:r="http://schemas.openxmlformats.org/officeDocument/2006/relationships" xmlns:p="http://schemas.openxmlformats.org/presentationml/2006/main">
+  <p:cSld>
+    <p:spTree>
+      <p:nvGrpSpPr>
+        <p:cNvPr id="1" name=""/>
+        <p:cNvGrpSpPr/>
+        <p:nvPr/>
+      </p:nvGrpSpPr>
+      <p:grpSpPr>
+        <a:xfrm>
+          <a:off x="0" y="0"/>
+          <a:ext cx="0" cy="0"/>
+          <a:chOff x="0" y="0"/>
+          <a:chExt cx="0" cy="0"/>
+        </a:xfrm>
+      </p:grpSpPr>
+      <p:sp>
+        <p:nvSpPr>
+          <p:cNvPr id="4" name="Titolo 1">
+            <a:extLst>
+              <a:ext uri="{FF2B5EF4-FFF2-40B4-BE49-F238E27FC236}">
+                <a16:creationId xmlns:a16="http://schemas.microsoft.com/office/drawing/2014/main" id="{9835FFCD-7215-413B-8894-E3C0B40096DE}"/>
+              </a:ext>
+            </a:extLst>
+          </p:cNvPr>
+          <p:cNvSpPr txBox="1">
+            <a:spLocks/>
+          </p:cNvSpPr>
+          <p:nvPr/>
+        </p:nvSpPr>
+        <p:spPr>
+          <a:xfrm>
+            <a:off x="755576" y="152400"/>
+            <a:ext cx="8229600" cy="1143000"/>
+          </a:xfrm>
+          <a:prstGeom prst="rect">
+            <a:avLst/>
+          </a:prstGeom>
+        </p:spPr>
+        <p:txBody>
+          <a:bodyPr>
+            <a:noAutofit/>
+          </a:bodyPr>
+          <a:lstStyle>
+            <a:lvl1pPr algn="ctr" defTabSz="342900" rtl="0" eaLnBrk="1" latinLnBrk="0" hangingPunct="1">
+              <a:spcBef>
+                <a:spcPct val="0"/>
+              </a:spcBef>
+              <a:buNone/>
+              <a:defRPr sz="3300" kern="1200">
+                <a:solidFill>
+                  <a:schemeClr val="tx1"/>
+                </a:solidFill>
+                <a:latin typeface="+mj-lt"/>
+                <a:ea typeface="+mj-ea"/>
+                <a:cs typeface="+mj-cs"/>
+              </a:defRPr>
+            </a:lvl1pPr>
+          </a:lstStyle>
+          <a:p>
+            <a:pPr algn="r"/>
+            <a:r>
+              <a:rPr lang="it-IT" sz="2400" b="1" dirty="0">
+                <a:solidFill>
+                  <a:schemeClr val="bg1"/>
+                </a:solidFill>
+              </a:rPr>
+              <a:t>CLUSTER ANALYSIS</a:t>
+            </a:r>
+            <a:r>
+              <a:rPr lang="it-IT" sz="2400" dirty="0">
+                <a:solidFill>
+                  <a:schemeClr val="bg1"/>
+                </a:solidFill>
+              </a:rPr>
+              <a:t>: SUBSET GEN </a:t>
+            </a:r>
+            <a:endParaRPr lang="en-US" sz="2400" dirty="0">
+              <a:solidFill>
+                <a:schemeClr val="bg1"/>
+              </a:solidFill>
+            </a:endParaRPr>
+          </a:p>
+        </p:txBody>
+      </p:sp>
+      <p:pic>
+        <p:nvPicPr>
+          <p:cNvPr id="9" name="Immagine 8">
+            <a:extLst>
+              <a:ext uri="{FF2B5EF4-FFF2-40B4-BE49-F238E27FC236}">
+                <a16:creationId xmlns:a16="http://schemas.microsoft.com/office/drawing/2014/main" id="{40EB505B-7149-49A2-B454-29193F7D3F6A}"/>
+              </a:ext>
+            </a:extLst>
+          </p:cNvPr>
+          <p:cNvPicPr>
+            <a:picLocks noChangeAspect="1"/>
+          </p:cNvPicPr>
+          <p:nvPr/>
+        </p:nvPicPr>
+        <p:blipFill>
+          <a:blip r:embed="rId2"/>
+          <a:stretch>
+            <a:fillRect/>
+          </a:stretch>
+        </p:blipFill>
+        <p:spPr>
+          <a:xfrm>
+            <a:off x="2411760" y="943223"/>
+            <a:ext cx="6501408" cy="5721644"/>
+          </a:xfrm>
+          <a:prstGeom prst="rect">
+            <a:avLst/>
+          </a:prstGeom>
+        </p:spPr>
+      </p:pic>
+      <p:sp>
+        <p:nvSpPr>
+          <p:cNvPr id="11" name="CasellaDiTesto 10">
+            <a:extLst>
+              <a:ext uri="{FF2B5EF4-FFF2-40B4-BE49-F238E27FC236}">
+                <a16:creationId xmlns:a16="http://schemas.microsoft.com/office/drawing/2014/main" id="{819D419F-5164-4F34-A366-4900F9CF529F}"/>
+              </a:ext>
+            </a:extLst>
+          </p:cNvPr>
+          <p:cNvSpPr txBox="1"/>
+          <p:nvPr/>
+        </p:nvSpPr>
+        <p:spPr>
+          <a:xfrm>
+            <a:off x="251520" y="1052736"/>
+            <a:ext cx="1872208" cy="2308324"/>
+          </a:xfrm>
+          <a:prstGeom prst="rect">
+            <a:avLst/>
+          </a:prstGeom>
+          <a:noFill/>
+        </p:spPr>
+        <p:txBody>
+          <a:bodyPr wrap="square" rtlCol="0">
+            <a:spAutoFit/>
+          </a:bodyPr>
+          <a:lstStyle/>
+          <a:p>
+            <a:r>
+              <a:rPr lang="it-IT" dirty="0"/>
+              <a:t>L’intento sembra essere riuscito.</a:t>
+            </a:r>
+          </a:p>
+          <a:p>
+            <a:endParaRPr lang="it-IT" dirty="0"/>
+          </a:p>
+          <a:p>
+            <a:r>
+              <a:rPr lang="it-IT" dirty="0"/>
+              <a:t>Si cerca adesso di ottenere risultati migliori con un altro algoritmo di </a:t>
+            </a:r>
+            <a:r>
+              <a:rPr lang="it-IT" dirty="0" err="1"/>
+              <a:t>clustering</a:t>
+            </a:r>
+            <a:r>
+              <a:rPr lang="it-IT" dirty="0"/>
+              <a:t>.</a:t>
+            </a:r>
+          </a:p>
+        </p:txBody>
+      </p:sp>
+    </p:spTree>
+    <p:extLst>
+      <p:ext uri="{BB962C8B-B14F-4D97-AF65-F5344CB8AC3E}">
+        <p14:creationId xmlns:p14="http://schemas.microsoft.com/office/powerpoint/2010/main" val="1777676950"/>
+      </p:ext>
+    </p:extLst>
+  </p:cSld>
+  <p:clrMapOvr>
+    <a:masterClrMapping/>
+  </p:clrMapOvr>
+</p:sld>
+</file>
+
+<file path=ppt/slides/slide42.xml><?xml version="1.0" encoding="utf-8"?>
+<p:sld xmlns:a="http://schemas.openxmlformats.org/drawingml/2006/main" xmlns:r="http://schemas.openxmlformats.org/officeDocument/2006/relationships" xmlns:p="http://schemas.openxmlformats.org/presentationml/2006/main">
+  <p:cSld>
+    <p:spTree>
+      <p:nvGrpSpPr>
+        <p:cNvPr id="1" name=""/>
+        <p:cNvGrpSpPr/>
+        <p:nvPr/>
+      </p:nvGrpSpPr>
+      <p:grpSpPr>
+        <a:xfrm>
+          <a:off x="0" y="0"/>
+          <a:ext cx="0" cy="0"/>
+          <a:chOff x="0" y="0"/>
+          <a:chExt cx="0" cy="0"/>
+        </a:xfrm>
+      </p:grpSpPr>
+    </p:spTree>
+    <p:extLst>
+      <p:ext uri="{BB962C8B-B14F-4D97-AF65-F5344CB8AC3E}">
+        <p14:creationId xmlns:p14="http://schemas.microsoft.com/office/powerpoint/2010/main" val="2987197199"/>
+      </p:ext>
+    </p:extLst>
+  </p:cSld>
+  <p:clrMapOvr>
+    <a:masterClrMapping/>
+  </p:clrMapOvr>
+</p:sld>
+</file>
+
+<file path=ppt/slides/slide43.xml><?xml version="1.0" encoding="utf-8"?>
+<p:sld xmlns:a="http://schemas.openxmlformats.org/drawingml/2006/main" xmlns:r="http://schemas.openxmlformats.org/officeDocument/2006/relationships" xmlns:p="http://schemas.openxmlformats.org/presentationml/2006/main">
+  <p:cSld>
+    <p:spTree>
+      <p:nvGrpSpPr>
+        <p:cNvPr id="1" name=""/>
+        <p:cNvGrpSpPr/>
+        <p:nvPr/>
+      </p:nvGrpSpPr>
+      <p:grpSpPr>
+        <a:xfrm>
+          <a:off x="0" y="0"/>
+          <a:ext cx="0" cy="0"/>
+          <a:chOff x="0" y="0"/>
+          <a:chExt cx="0" cy="0"/>
+        </a:xfrm>
+      </p:grpSpPr>
+      <p:sp>
+        <p:nvSpPr>
+          <p:cNvPr id="9" name="Segnaposto contenuto 2">
+            <a:extLst>
+              <a:ext uri="{FF2B5EF4-FFF2-40B4-BE49-F238E27FC236}">
+                <a16:creationId xmlns:a16="http://schemas.microsoft.com/office/drawing/2014/main" id="{89886170-B615-43F8-AA8E-D5565391C42A}"/>
+              </a:ext>
+            </a:extLst>
+          </p:cNvPr>
+          <p:cNvSpPr txBox="1">
+            <a:spLocks/>
+          </p:cNvSpPr>
+          <p:nvPr/>
+        </p:nvSpPr>
+        <p:spPr>
+          <a:xfrm>
+            <a:off x="457200" y="5029199"/>
+            <a:ext cx="8229600" cy="1074753"/>
+          </a:xfrm>
+          <a:prstGeom prst="rect">
+            <a:avLst/>
+          </a:prstGeom>
+        </p:spPr>
+        <p:txBody>
+          <a:bodyPr vert="horz" lIns="91440" tIns="45720" rIns="91440" bIns="45720" rtlCol="0">
+            <a:normAutofit/>
+          </a:bodyPr>
+          <a:lstStyle>
+            <a:lvl1pPr marL="257175" indent="-257175" algn="l" defTabSz="342900" rtl="0" eaLnBrk="1" latinLnBrk="0" hangingPunct="1">
+              <a:spcBef>
+                <a:spcPct val="20000"/>
+              </a:spcBef>
+              <a:buFont typeface="Arial"/>
+              <a:buChar char="•"/>
+              <a:defRPr sz="2400" kern="1200">
+                <a:solidFill>
+                  <a:schemeClr val="tx1"/>
+                </a:solidFill>
+                <a:latin typeface="+mn-lt"/>
+                <a:ea typeface="+mn-ea"/>
+                <a:cs typeface="+mn-cs"/>
+              </a:defRPr>
+            </a:lvl1pPr>
+            <a:lvl2pPr marL="557213" indent="-214313" algn="l" defTabSz="342900" rtl="0" eaLnBrk="1" latinLnBrk="0" hangingPunct="1">
+              <a:spcBef>
+                <a:spcPct val="20000"/>
+              </a:spcBef>
+              <a:buFont typeface="Arial"/>
+              <a:buChar char="–"/>
+              <a:defRPr sz="2100" kern="1200">
+                <a:solidFill>
+                  <a:schemeClr val="tx1"/>
+                </a:solidFill>
+                <a:latin typeface="+mn-lt"/>
+                <a:ea typeface="+mn-ea"/>
+                <a:cs typeface="+mn-cs"/>
+              </a:defRPr>
+            </a:lvl2pPr>
+            <a:lvl3pPr marL="857250" indent="-171450" algn="l" defTabSz="342900" rtl="0" eaLnBrk="1" latinLnBrk="0" hangingPunct="1">
+              <a:spcBef>
+                <a:spcPct val="20000"/>
+              </a:spcBef>
+              <a:buFont typeface="Arial"/>
+              <a:buChar char="•"/>
+              <a:defRPr sz="1800" kern="1200">
+                <a:solidFill>
+                  <a:schemeClr val="tx1"/>
+                </a:solidFill>
+                <a:latin typeface="+mn-lt"/>
+                <a:ea typeface="+mn-ea"/>
+                <a:cs typeface="+mn-cs"/>
+              </a:defRPr>
+            </a:lvl3pPr>
+            <a:lvl4pPr marL="1200150" indent="-171450" algn="l" defTabSz="342900" rtl="0" eaLnBrk="1" latinLnBrk="0" hangingPunct="1">
+              <a:spcBef>
+                <a:spcPct val="20000"/>
+              </a:spcBef>
+              <a:buFont typeface="Arial"/>
+              <a:buChar char="–"/>
+              <a:defRPr sz="1500" kern="1200">
+                <a:solidFill>
+                  <a:schemeClr val="tx1"/>
+                </a:solidFill>
+                <a:latin typeface="+mn-lt"/>
+                <a:ea typeface="+mn-ea"/>
+                <a:cs typeface="+mn-cs"/>
+              </a:defRPr>
+            </a:lvl4pPr>
+            <a:lvl5pPr marL="1543050" indent="-171450" algn="l" defTabSz="342900" rtl="0" eaLnBrk="1" latinLnBrk="0" hangingPunct="1">
+              <a:spcBef>
+                <a:spcPct val="20000"/>
+              </a:spcBef>
+              <a:buFont typeface="Arial"/>
+              <a:buChar char="»"/>
+              <a:defRPr sz="1500" kern="1200">
+                <a:solidFill>
+                  <a:schemeClr val="tx1"/>
+                </a:solidFill>
+                <a:latin typeface="+mn-lt"/>
+                <a:ea typeface="+mn-ea"/>
+                <a:cs typeface="+mn-cs"/>
+              </a:defRPr>
+            </a:lvl5pPr>
+            <a:lvl6pPr marL="1885950" indent="-171450" algn="l" defTabSz="342900" rtl="0" eaLnBrk="1" latinLnBrk="0" hangingPunct="1">
+              <a:spcBef>
+                <a:spcPct val="20000"/>
+              </a:spcBef>
+              <a:buFont typeface="Arial"/>
+              <a:buChar char="•"/>
+              <a:defRPr sz="1500" kern="1200">
+                <a:solidFill>
+                  <a:schemeClr val="tx1"/>
+                </a:solidFill>
+                <a:latin typeface="+mn-lt"/>
+                <a:ea typeface="+mn-ea"/>
+                <a:cs typeface="+mn-cs"/>
+              </a:defRPr>
+            </a:lvl6pPr>
+            <a:lvl7pPr marL="2228850" indent="-171450" algn="l" defTabSz="342900" rtl="0" eaLnBrk="1" latinLnBrk="0" hangingPunct="1">
+              <a:spcBef>
+                <a:spcPct val="20000"/>
+              </a:spcBef>
+              <a:buFont typeface="Arial"/>
+              <a:buChar char="•"/>
+              <a:defRPr sz="1500" kern="1200">
+                <a:solidFill>
+                  <a:schemeClr val="tx1"/>
+                </a:solidFill>
+                <a:latin typeface="+mn-lt"/>
+                <a:ea typeface="+mn-ea"/>
+                <a:cs typeface="+mn-cs"/>
+              </a:defRPr>
+            </a:lvl7pPr>
+            <a:lvl8pPr marL="2571750" indent="-171450" algn="l" defTabSz="342900" rtl="0" eaLnBrk="1" latinLnBrk="0" hangingPunct="1">
+              <a:spcBef>
+                <a:spcPct val="20000"/>
+              </a:spcBef>
+              <a:buFont typeface="Arial"/>
+              <a:buChar char="•"/>
+              <a:defRPr sz="1500" kern="1200">
+                <a:solidFill>
+                  <a:schemeClr val="tx1"/>
+                </a:solidFill>
+                <a:latin typeface="+mn-lt"/>
+                <a:ea typeface="+mn-ea"/>
+                <a:cs typeface="+mn-cs"/>
+              </a:defRPr>
+            </a:lvl8pPr>
+            <a:lvl9pPr marL="2914650" indent="-171450" algn="l" defTabSz="342900" rtl="0" eaLnBrk="1" latinLnBrk="0" hangingPunct="1">
+              <a:spcBef>
+                <a:spcPct val="20000"/>
+              </a:spcBef>
+              <a:buFont typeface="Arial"/>
+              <a:buChar char="•"/>
+              <a:defRPr sz="1500" kern="1200">
+                <a:solidFill>
+                  <a:schemeClr val="tx1"/>
+                </a:solidFill>
+                <a:latin typeface="+mn-lt"/>
+                <a:ea typeface="+mn-ea"/>
+                <a:cs typeface="+mn-cs"/>
+              </a:defRPr>
+            </a:lvl9pPr>
+          </a:lstStyle>
+          <a:p>
+            <a:pPr marL="0" indent="0" algn="just">
+              <a:buFont typeface="Arial"/>
+              <a:buNone/>
+            </a:pPr>
+            <a:endParaRPr lang="it-IT" dirty="0"/>
+          </a:p>
+          <a:p>
+            <a:pPr marL="0" indent="0" algn="just">
+              <a:buFont typeface="Arial"/>
+              <a:buNone/>
+            </a:pPr>
+            <a:endParaRPr lang="it-IT" dirty="0"/>
+          </a:p>
+          <a:p>
+            <a:endParaRPr lang="en-US" sz="2000" dirty="0"/>
+          </a:p>
+        </p:txBody>
+      </p:sp>
+      <p:sp>
+        <p:nvSpPr>
+          <p:cNvPr id="6" name="Titolo 1">
+            <a:extLst>
+              <a:ext uri="{FF2B5EF4-FFF2-40B4-BE49-F238E27FC236}">
+                <a16:creationId xmlns:a16="http://schemas.microsoft.com/office/drawing/2014/main" id="{32602169-0966-4893-B032-33CFCD986CA0}"/>
+              </a:ext>
+            </a:extLst>
+          </p:cNvPr>
+          <p:cNvSpPr txBox="1">
+            <a:spLocks/>
+          </p:cNvSpPr>
+          <p:nvPr/>
+        </p:nvSpPr>
+        <p:spPr>
+          <a:xfrm>
+            <a:off x="755576" y="152400"/>
+            <a:ext cx="8229600" cy="1143000"/>
+          </a:xfrm>
+          <a:prstGeom prst="rect">
+            <a:avLst/>
+          </a:prstGeom>
+        </p:spPr>
+        <p:txBody>
+          <a:bodyPr>
+            <a:noAutofit/>
+          </a:bodyPr>
+          <a:lstStyle>
+            <a:lvl1pPr algn="ctr" defTabSz="342900" rtl="0" eaLnBrk="1" latinLnBrk="0" hangingPunct="1">
+              <a:spcBef>
+                <a:spcPct val="0"/>
+              </a:spcBef>
+              <a:buNone/>
+              <a:defRPr sz="3300" kern="1200">
+                <a:solidFill>
+                  <a:schemeClr val="tx1"/>
+                </a:solidFill>
+                <a:latin typeface="+mj-lt"/>
+                <a:ea typeface="+mj-ea"/>
+                <a:cs typeface="+mj-cs"/>
+              </a:defRPr>
+            </a:lvl1pPr>
+          </a:lstStyle>
+          <a:p>
+            <a:pPr algn="r"/>
+            <a:r>
+              <a:rPr lang="it-IT" sz="2400" b="1" dirty="0">
+                <a:solidFill>
+                  <a:schemeClr val="bg1"/>
+                </a:solidFill>
+              </a:rPr>
+              <a:t>CLUSTER ANALYSIS</a:t>
+            </a:r>
+            <a:r>
+              <a:rPr lang="it-IT" sz="2400" dirty="0">
+                <a:solidFill>
+                  <a:schemeClr val="bg1"/>
+                </a:solidFill>
+              </a:rPr>
+              <a:t>: SUBSET GEN </a:t>
+            </a:r>
+            <a:endParaRPr lang="en-US" sz="2400" dirty="0">
+              <a:solidFill>
+                <a:schemeClr val="bg1"/>
+              </a:solidFill>
+            </a:endParaRPr>
+          </a:p>
+        </p:txBody>
+      </p:sp>
+      <p:sp>
+        <p:nvSpPr>
+          <p:cNvPr id="2" name="Rectangle 6">
+            <a:extLst>
+              <a:ext uri="{FF2B5EF4-FFF2-40B4-BE49-F238E27FC236}">
+                <a16:creationId xmlns:a16="http://schemas.microsoft.com/office/drawing/2014/main" id="{FC5724C9-24A0-4B40-9A3A-FE717EF7AA55}"/>
+              </a:ext>
+            </a:extLst>
+          </p:cNvPr>
+          <p:cNvSpPr>
+            <a:spLocks noChangeArrowheads="1"/>
+          </p:cNvSpPr>
+          <p:nvPr/>
+        </p:nvSpPr>
+        <p:spPr bwMode="auto">
+          <a:xfrm>
+            <a:off x="0" y="0"/>
+            <a:ext cx="9144000" cy="457200"/>
+          </a:xfrm>
+          <a:prstGeom prst="rect">
+            <a:avLst/>
+          </a:prstGeom>
+          <a:noFill/>
+          <a:ln>
+            <a:noFill/>
+          </a:ln>
+          <a:effectLst/>
+          <a:extLst>
+            <a:ext uri="{909E8E84-426E-40DD-AFC4-6F175D3DCCD1}">
+              <a14:hiddenFill xmlns:a14="http://schemas.microsoft.com/office/drawing/2010/main">
+                <a:solidFill>
+                  <a:schemeClr val="accent1"/>
+                </a:solidFill>
+              </a14:hiddenFill>
+            </a:ext>
+            <a:ext uri="{91240B29-F687-4F45-9708-019B960494DF}">
+              <a14:hiddenLine xmlns:a14="http://schemas.microsoft.com/office/drawing/2010/main" w="9525">
+                <a:solidFill>
+                  <a:schemeClr val="tx1"/>
+                </a:solidFill>
+                <a:miter lim="800000"/>
+                <a:headEnd/>
+                <a:tailEnd/>
+              </a14:hiddenLine>
+            </a:ext>
+            <a:ext uri="{AF507438-7753-43E0-B8FC-AC1667EBCBE1}">
+              <a14:hiddenEffects xmlns:a14="http://schemas.microsoft.com/office/drawing/2010/main">
+                <a:effectLst>
+                  <a:outerShdw dist="35921" dir="2700000" algn="ctr" rotWithShape="0">
+                    <a:schemeClr val="bg2"/>
+                  </a:outerShdw>
+                </a:effectLst>
+              </a14:hiddenEffects>
+            </a:ext>
+          </a:extLst>
+        </p:spPr>
+        <p:txBody>
+          <a:bodyPr vert="horz" wrap="none" lIns="91440" tIns="45720" rIns="91440" bIns="45720" numCol="1" anchor="ctr" anchorCtr="0" compatLnSpc="1">
+            <a:prstTxWarp prst="textNoShape">
+              <a:avLst/>
+            </a:prstTxWarp>
+            <a:spAutoFit/>
+          </a:bodyPr>
+          <a:lstStyle/>
+          <a:p>
+            <a:endParaRPr lang="en-US"/>
+          </a:p>
+        </p:txBody>
+      </p:sp>
+      <p:sp>
+        <p:nvSpPr>
+          <p:cNvPr id="3" name="Rectangle 7">
+            <a:extLst>
+              <a:ext uri="{FF2B5EF4-FFF2-40B4-BE49-F238E27FC236}">
+                <a16:creationId xmlns:a16="http://schemas.microsoft.com/office/drawing/2014/main" id="{C08042F5-96DB-4FE6-B699-C1DFAB71C0C5}"/>
+              </a:ext>
+            </a:extLst>
+          </p:cNvPr>
+          <p:cNvSpPr>
+            <a:spLocks noChangeArrowheads="1"/>
+          </p:cNvSpPr>
+          <p:nvPr/>
+        </p:nvSpPr>
+        <p:spPr bwMode="auto">
+          <a:xfrm>
+            <a:off x="0" y="1838325"/>
+            <a:ext cx="9144000" cy="0"/>
+          </a:xfrm>
+          <a:prstGeom prst="rect">
+            <a:avLst/>
+          </a:prstGeom>
+          <a:noFill/>
+          <a:ln>
+            <a:noFill/>
+          </a:ln>
+          <a:effectLst/>
+          <a:extLst>
+            <a:ext uri="{909E8E84-426E-40DD-AFC4-6F175D3DCCD1}">
+              <a14:hiddenFill xmlns:a14="http://schemas.microsoft.com/office/drawing/2010/main">
+                <a:solidFill>
+                  <a:schemeClr val="accent1"/>
+                </a:solidFill>
+              </a14:hiddenFill>
+            </a:ext>
+            <a:ext uri="{91240B29-F687-4F45-9708-019B960494DF}">
+              <a14:hiddenLine xmlns:a14="http://schemas.microsoft.com/office/drawing/2010/main" w="9525">
+                <a:solidFill>
+                  <a:schemeClr val="tx1"/>
+                </a:solidFill>
+                <a:miter lim="800000"/>
+                <a:headEnd/>
+                <a:tailEnd/>
+              </a14:hiddenLine>
+            </a:ext>
+            <a:ext uri="{AF507438-7753-43E0-B8FC-AC1667EBCBE1}">
+              <a14:hiddenEffects xmlns:a14="http://schemas.microsoft.com/office/drawing/2010/main">
+                <a:effectLst>
+                  <a:outerShdw dist="35921" dir="2700000" algn="ctr" rotWithShape="0">
+                    <a:schemeClr val="bg2"/>
+                  </a:outerShdw>
+                </a:effectLst>
+              </a14:hiddenEffects>
+            </a:ext>
+          </a:extLst>
+        </p:spPr>
+        <p:txBody>
+          <a:bodyPr vert="horz" wrap="none" lIns="91440" tIns="45720" rIns="91440" bIns="45720" numCol="1" anchor="ctr" anchorCtr="0" compatLnSpc="1">
+            <a:prstTxWarp prst="textNoShape">
+              <a:avLst/>
+            </a:prstTxWarp>
+            <a:spAutoFit/>
+          </a:bodyPr>
+          <a:lstStyle/>
+          <a:p>
+            <a:pPr marL="0" marR="0" lvl="0" indent="0" algn="l" defTabSz="914400" rtl="0" eaLnBrk="0" fontAlgn="base" latinLnBrk="0" hangingPunct="0">
+              <a:lnSpc>
+                <a:spcPct val="100000"/>
+              </a:lnSpc>
+              <a:spcBef>
+                <a:spcPct val="0"/>
+              </a:spcBef>
+              <a:spcAft>
+                <a:spcPct val="0"/>
+              </a:spcAft>
+              <a:buClrTx/>
+              <a:buSzTx/>
+              <a:buFontTx/>
+              <a:buNone/>
+              <a:tabLst/>
+            </a:pPr>
+            <a:r>
+              <a:rPr kumimoji="0" lang="it-IT" altLang="en-US" sz="1100" b="0" i="0" u="none" strike="noStrike" cap="none" normalizeH="0" baseline="0">
+                <a:ln>
+                  <a:noFill/>
+                </a:ln>
+                <a:solidFill>
+                  <a:schemeClr val="tx1"/>
+                </a:solidFill>
+                <a:effectLst/>
+                <a:latin typeface="Calibri" panose="020F0502020204030204" pitchFamily="34" charset="0"/>
+                <a:ea typeface="Times New Roman" panose="02020603050405020304" pitchFamily="18" charset="0"/>
+                <a:cs typeface="Times New Roman" panose="02020603050405020304" pitchFamily="18" charset="0"/>
+              </a:rPr>
+              <a:t> </a:t>
+            </a:r>
+            <a:endParaRPr kumimoji="0" lang="it-IT" altLang="en-US" sz="1800" b="0" i="0" u="none" strike="noStrike" cap="none" normalizeH="0" baseline="0">
+              <a:ln>
+                <a:noFill/>
+              </a:ln>
+              <a:solidFill>
+                <a:schemeClr val="tx1"/>
+              </a:solidFill>
+              <a:effectLst/>
+              <a:latin typeface="Arial" panose="020B0604020202020204" pitchFamily="34" charset="0"/>
+            </a:endParaRPr>
+          </a:p>
+        </p:txBody>
+      </p:sp>
+      <p:sp>
+        <p:nvSpPr>
+          <p:cNvPr id="4" name="Rectangle 8">
+            <a:extLst>
+              <a:ext uri="{FF2B5EF4-FFF2-40B4-BE49-F238E27FC236}">
+                <a16:creationId xmlns:a16="http://schemas.microsoft.com/office/drawing/2014/main" id="{E0CBE371-8058-4503-A250-42442AAE21EC}"/>
+              </a:ext>
+            </a:extLst>
+          </p:cNvPr>
+          <p:cNvSpPr>
+            <a:spLocks noChangeArrowheads="1"/>
+          </p:cNvSpPr>
+          <p:nvPr/>
+        </p:nvSpPr>
+        <p:spPr bwMode="auto">
+          <a:xfrm>
+            <a:off x="0" y="3219450"/>
+            <a:ext cx="9144000" cy="0"/>
+          </a:xfrm>
+          <a:prstGeom prst="rect">
+            <a:avLst/>
+          </a:prstGeom>
+          <a:noFill/>
+          <a:ln>
+            <a:noFill/>
+          </a:ln>
+          <a:effectLst/>
+          <a:extLst>
+            <a:ext uri="{909E8E84-426E-40DD-AFC4-6F175D3DCCD1}">
+              <a14:hiddenFill xmlns:a14="http://schemas.microsoft.com/office/drawing/2010/main">
+                <a:solidFill>
+                  <a:schemeClr val="accent1"/>
+                </a:solidFill>
+              </a14:hiddenFill>
+            </a:ext>
+            <a:ext uri="{91240B29-F687-4F45-9708-019B960494DF}">
+              <a14:hiddenLine xmlns:a14="http://schemas.microsoft.com/office/drawing/2010/main" w="9525">
+                <a:solidFill>
+                  <a:schemeClr val="tx1"/>
+                </a:solidFill>
+                <a:miter lim="800000"/>
+                <a:headEnd/>
+                <a:tailEnd/>
+              </a14:hiddenLine>
+            </a:ext>
+            <a:ext uri="{AF507438-7753-43E0-B8FC-AC1667EBCBE1}">
+              <a14:hiddenEffects xmlns:a14="http://schemas.microsoft.com/office/drawing/2010/main">
+                <a:effectLst>
+                  <a:outerShdw dist="35921" dir="2700000" algn="ctr" rotWithShape="0">
+                    <a:schemeClr val="bg2"/>
+                  </a:outerShdw>
+                </a:effectLst>
+              </a14:hiddenEffects>
+            </a:ext>
+          </a:extLst>
+        </p:spPr>
+        <p:txBody>
+          <a:bodyPr vert="horz" wrap="none" lIns="91440" tIns="45720" rIns="91440" bIns="45720" numCol="1" anchor="ctr" anchorCtr="0" compatLnSpc="1">
+            <a:prstTxWarp prst="textNoShape">
+              <a:avLst/>
+            </a:prstTxWarp>
+            <a:spAutoFit/>
+          </a:bodyPr>
+          <a:lstStyle/>
+          <a:p>
+            <a:pPr marL="0" marR="0" lvl="0" indent="0" algn="l" defTabSz="914400" rtl="0" eaLnBrk="0" fontAlgn="base" latinLnBrk="0" hangingPunct="0">
+              <a:lnSpc>
+                <a:spcPct val="100000"/>
+              </a:lnSpc>
+              <a:spcBef>
+                <a:spcPct val="0"/>
+              </a:spcBef>
+              <a:spcAft>
+                <a:spcPct val="0"/>
+              </a:spcAft>
+              <a:buClrTx/>
+              <a:buSzTx/>
+              <a:buFontTx/>
+              <a:buNone/>
+              <a:tabLst/>
+            </a:pPr>
+            <a:r>
+              <a:rPr kumimoji="0" lang="it-IT" altLang="en-US" sz="1100" b="0" i="0" u="none" strike="noStrike" cap="none" normalizeH="0" baseline="0">
+                <a:ln>
+                  <a:noFill/>
+                </a:ln>
+                <a:solidFill>
+                  <a:schemeClr val="tx1"/>
+                </a:solidFill>
+                <a:effectLst/>
+                <a:latin typeface="Calibri" panose="020F0502020204030204" pitchFamily="34" charset="0"/>
+                <a:ea typeface="Times New Roman" panose="02020603050405020304" pitchFamily="18" charset="0"/>
+                <a:cs typeface="Times New Roman" panose="02020603050405020304" pitchFamily="18" charset="0"/>
+              </a:rPr>
+              <a:t> </a:t>
+            </a:r>
+            <a:endParaRPr kumimoji="0" lang="it-IT" altLang="en-US" sz="1800" b="0" i="0" u="none" strike="noStrike" cap="none" normalizeH="0" baseline="0">
+              <a:ln>
+                <a:noFill/>
+              </a:ln>
+              <a:solidFill>
+                <a:schemeClr val="tx1"/>
+              </a:solidFill>
+              <a:effectLst/>
+              <a:latin typeface="Arial" panose="020B0604020202020204" pitchFamily="34" charset="0"/>
+            </a:endParaRPr>
+          </a:p>
+        </p:txBody>
+      </p:sp>
+      <p:sp>
+        <p:nvSpPr>
+          <p:cNvPr id="10" name="Rectangle 9">
+            <a:extLst>
+              <a:ext uri="{FF2B5EF4-FFF2-40B4-BE49-F238E27FC236}">
+                <a16:creationId xmlns:a16="http://schemas.microsoft.com/office/drawing/2014/main" id="{99468FB6-6461-4A91-9E0B-2B3FC25F715E}"/>
+              </a:ext>
+            </a:extLst>
+          </p:cNvPr>
+          <p:cNvSpPr>
+            <a:spLocks noChangeArrowheads="1"/>
+          </p:cNvSpPr>
+          <p:nvPr/>
+        </p:nvSpPr>
+        <p:spPr bwMode="auto">
+          <a:xfrm>
+            <a:off x="0" y="4600575"/>
+            <a:ext cx="9144000" cy="0"/>
+          </a:xfrm>
+          <a:prstGeom prst="rect">
+            <a:avLst/>
+          </a:prstGeom>
+          <a:noFill/>
+          <a:ln>
+            <a:noFill/>
+          </a:ln>
+          <a:effectLst/>
+          <a:extLst>
+            <a:ext uri="{909E8E84-426E-40DD-AFC4-6F175D3DCCD1}">
+              <a14:hiddenFill xmlns:a14="http://schemas.microsoft.com/office/drawing/2010/main">
+                <a:solidFill>
+                  <a:schemeClr val="accent1"/>
+                </a:solidFill>
+              </a14:hiddenFill>
+            </a:ext>
+            <a:ext uri="{91240B29-F687-4F45-9708-019B960494DF}">
+              <a14:hiddenLine xmlns:a14="http://schemas.microsoft.com/office/drawing/2010/main" w="9525">
+                <a:solidFill>
+                  <a:schemeClr val="tx1"/>
+                </a:solidFill>
+                <a:miter lim="800000"/>
+                <a:headEnd/>
+                <a:tailEnd/>
+              </a14:hiddenLine>
+            </a:ext>
+            <a:ext uri="{AF507438-7753-43E0-B8FC-AC1667EBCBE1}">
+              <a14:hiddenEffects xmlns:a14="http://schemas.microsoft.com/office/drawing/2010/main">
+                <a:effectLst>
+                  <a:outerShdw dist="35921" dir="2700000" algn="ctr" rotWithShape="0">
+                    <a:schemeClr val="bg2"/>
+                  </a:outerShdw>
+                </a:effectLst>
+              </a14:hiddenEffects>
+            </a:ext>
+          </a:extLst>
+        </p:spPr>
+        <p:txBody>
+          <a:bodyPr vert="horz" wrap="none" lIns="91440" tIns="45720" rIns="91440" bIns="45720" numCol="1" anchor="ctr" anchorCtr="0" compatLnSpc="1">
+            <a:prstTxWarp prst="textNoShape">
+              <a:avLst/>
+            </a:prstTxWarp>
+            <a:spAutoFit/>
+          </a:bodyPr>
+          <a:lstStyle/>
+          <a:p>
+            <a:pPr marL="0" marR="0" lvl="0" indent="0" algn="l" defTabSz="914400" rtl="0" eaLnBrk="0" fontAlgn="base" latinLnBrk="0" hangingPunct="0">
+              <a:lnSpc>
+                <a:spcPct val="100000"/>
+              </a:lnSpc>
+              <a:spcBef>
+                <a:spcPct val="0"/>
+              </a:spcBef>
+              <a:spcAft>
+                <a:spcPct val="0"/>
+              </a:spcAft>
+              <a:buClrTx/>
+              <a:buSzTx/>
+              <a:buFontTx/>
+              <a:buNone/>
+              <a:tabLst/>
+            </a:pPr>
+            <a:r>
+              <a:rPr kumimoji="0" lang="it-IT" altLang="en-US" sz="1100" b="0" i="0" u="none" strike="noStrike" cap="none" normalizeH="0" baseline="0">
+                <a:ln>
+                  <a:noFill/>
+                </a:ln>
+                <a:solidFill>
+                  <a:schemeClr val="tx1"/>
+                </a:solidFill>
+                <a:effectLst/>
+                <a:latin typeface="Calibri" panose="020F0502020204030204" pitchFamily="34" charset="0"/>
+                <a:ea typeface="Times New Roman" panose="02020603050405020304" pitchFamily="18" charset="0"/>
+                <a:cs typeface="Times New Roman" panose="02020603050405020304" pitchFamily="18" charset="0"/>
+              </a:rPr>
+              <a:t> </a:t>
+            </a:r>
+            <a:endParaRPr kumimoji="0" lang="it-IT" altLang="en-US" sz="1800" b="0" i="0" u="none" strike="noStrike" cap="none" normalizeH="0" baseline="0">
+              <a:ln>
+                <a:noFill/>
+              </a:ln>
+              <a:solidFill>
+                <a:schemeClr val="tx1"/>
+              </a:solidFill>
+              <a:effectLst/>
+              <a:latin typeface="Arial" panose="020B0604020202020204" pitchFamily="34" charset="0"/>
+            </a:endParaRPr>
+          </a:p>
+        </p:txBody>
+      </p:sp>
+      <p:sp>
+        <p:nvSpPr>
+          <p:cNvPr id="11" name="Rectangle 10">
+            <a:extLst>
+              <a:ext uri="{FF2B5EF4-FFF2-40B4-BE49-F238E27FC236}">
+                <a16:creationId xmlns:a16="http://schemas.microsoft.com/office/drawing/2014/main" id="{E4D9815E-FC57-48D4-9710-C34FDAE236EF}"/>
+              </a:ext>
+            </a:extLst>
+          </p:cNvPr>
+          <p:cNvSpPr>
+            <a:spLocks noChangeArrowheads="1"/>
+          </p:cNvSpPr>
+          <p:nvPr/>
+        </p:nvSpPr>
+        <p:spPr bwMode="auto">
+          <a:xfrm>
+            <a:off x="0" y="6000750"/>
+            <a:ext cx="9144000" cy="0"/>
+          </a:xfrm>
+          <a:prstGeom prst="rect">
+            <a:avLst/>
+          </a:prstGeom>
+          <a:noFill/>
+          <a:ln>
+            <a:noFill/>
+          </a:ln>
+          <a:effectLst/>
+          <a:extLst>
+            <a:ext uri="{909E8E84-426E-40DD-AFC4-6F175D3DCCD1}">
+              <a14:hiddenFill xmlns:a14="http://schemas.microsoft.com/office/drawing/2010/main">
+                <a:solidFill>
+                  <a:schemeClr val="accent1"/>
+                </a:solidFill>
+              </a14:hiddenFill>
+            </a:ext>
+            <a:ext uri="{91240B29-F687-4F45-9708-019B960494DF}">
+              <a14:hiddenLine xmlns:a14="http://schemas.microsoft.com/office/drawing/2010/main" w="9525">
+                <a:solidFill>
+                  <a:schemeClr val="tx1"/>
+                </a:solidFill>
+                <a:miter lim="800000"/>
+                <a:headEnd/>
+                <a:tailEnd/>
+              </a14:hiddenLine>
+            </a:ext>
+            <a:ext uri="{AF507438-7753-43E0-B8FC-AC1667EBCBE1}">
+              <a14:hiddenEffects xmlns:a14="http://schemas.microsoft.com/office/drawing/2010/main">
+                <a:effectLst>
+                  <a:outerShdw dist="35921" dir="2700000" algn="ctr" rotWithShape="0">
+                    <a:schemeClr val="bg2"/>
+                  </a:outerShdw>
+                </a:effectLst>
+              </a14:hiddenEffects>
+            </a:ext>
+          </a:extLst>
+        </p:spPr>
+        <p:txBody>
+          <a:bodyPr vert="horz" wrap="none" lIns="91440" tIns="45720" rIns="91440" bIns="45720" numCol="1" anchor="ctr" anchorCtr="0" compatLnSpc="1">
+            <a:prstTxWarp prst="textNoShape">
+              <a:avLst/>
+            </a:prstTxWarp>
+            <a:spAutoFit/>
+          </a:bodyPr>
+          <a:lstStyle/>
+          <a:p>
+            <a:pPr marL="0" marR="0" lvl="0" indent="0" algn="l" defTabSz="914400" rtl="0" eaLnBrk="0" fontAlgn="base" latinLnBrk="0" hangingPunct="0">
+              <a:lnSpc>
+                <a:spcPct val="100000"/>
+              </a:lnSpc>
+              <a:spcBef>
+                <a:spcPct val="0"/>
+              </a:spcBef>
+              <a:spcAft>
+                <a:spcPct val="0"/>
+              </a:spcAft>
+              <a:buClrTx/>
+              <a:buSzTx/>
+              <a:buFontTx/>
+              <a:buNone/>
+              <a:tabLst/>
+            </a:pPr>
+            <a:r>
+              <a:rPr kumimoji="0" lang="it-IT" altLang="en-US" sz="1100" b="0" i="0" u="none" strike="noStrike" cap="none" normalizeH="0" baseline="0">
+                <a:ln>
+                  <a:noFill/>
+                </a:ln>
+                <a:solidFill>
+                  <a:schemeClr val="tx1"/>
+                </a:solidFill>
+                <a:effectLst/>
+                <a:latin typeface="Calibri" panose="020F0502020204030204" pitchFamily="34" charset="0"/>
+                <a:ea typeface="Times New Roman" panose="02020603050405020304" pitchFamily="18" charset="0"/>
+                <a:cs typeface="Times New Roman" panose="02020603050405020304" pitchFamily="18" charset="0"/>
+              </a:rPr>
+              <a:t> </a:t>
+            </a:r>
+            <a:endParaRPr kumimoji="0" lang="it-IT" altLang="en-US" sz="1800" b="0" i="0" u="none" strike="noStrike" cap="none" normalizeH="0" baseline="0">
+              <a:ln>
+                <a:noFill/>
+              </a:ln>
+              <a:solidFill>
+                <a:schemeClr val="tx1"/>
+              </a:solidFill>
+              <a:effectLst/>
+              <a:latin typeface="Arial" panose="020B0604020202020204" pitchFamily="34" charset="0"/>
+            </a:endParaRPr>
+          </a:p>
+        </p:txBody>
+      </p:sp>
+      <p:sp>
+        <p:nvSpPr>
+          <p:cNvPr id="12" name="Segnaposto contenuto 2">
+            <a:extLst>
+              <a:ext uri="{FF2B5EF4-FFF2-40B4-BE49-F238E27FC236}">
+                <a16:creationId xmlns:a16="http://schemas.microsoft.com/office/drawing/2014/main" id="{6B55346A-7B45-43F0-B6B4-9CFD350F7410}"/>
+              </a:ext>
+            </a:extLst>
+          </p:cNvPr>
+          <p:cNvSpPr txBox="1">
+            <a:spLocks/>
+          </p:cNvSpPr>
+          <p:nvPr/>
+        </p:nvSpPr>
+        <p:spPr>
+          <a:xfrm>
+            <a:off x="518864" y="1772816"/>
+            <a:ext cx="8229600" cy="4114800"/>
+          </a:xfrm>
+          <a:prstGeom prst="rect">
+            <a:avLst/>
+          </a:prstGeom>
+        </p:spPr>
+        <p:txBody>
+          <a:bodyPr vert="horz" lIns="91440" tIns="45720" rIns="91440" bIns="45720" rtlCol="0">
+            <a:normAutofit/>
+          </a:bodyPr>
+          <a:lstStyle>
+            <a:lvl1pPr marL="257175" indent="-257175" algn="l" defTabSz="342900" rtl="0" eaLnBrk="1" latinLnBrk="0" hangingPunct="1">
+              <a:spcBef>
+                <a:spcPct val="20000"/>
+              </a:spcBef>
+              <a:buFont typeface="Arial"/>
+              <a:buChar char="•"/>
+              <a:defRPr sz="2400" kern="1200">
+                <a:solidFill>
+                  <a:schemeClr val="tx1"/>
+                </a:solidFill>
+                <a:latin typeface="+mn-lt"/>
+                <a:ea typeface="+mn-ea"/>
+                <a:cs typeface="+mn-cs"/>
+              </a:defRPr>
+            </a:lvl1pPr>
+            <a:lvl2pPr marL="557213" indent="-214313" algn="l" defTabSz="342900" rtl="0" eaLnBrk="1" latinLnBrk="0" hangingPunct="1">
+              <a:spcBef>
+                <a:spcPct val="20000"/>
+              </a:spcBef>
+              <a:buFont typeface="Arial"/>
+              <a:buChar char="–"/>
+              <a:defRPr sz="2100" kern="1200">
+                <a:solidFill>
+                  <a:schemeClr val="tx1"/>
+                </a:solidFill>
+                <a:latin typeface="+mn-lt"/>
+                <a:ea typeface="+mn-ea"/>
+                <a:cs typeface="+mn-cs"/>
+              </a:defRPr>
+            </a:lvl2pPr>
+            <a:lvl3pPr marL="857250" indent="-171450" algn="l" defTabSz="342900" rtl="0" eaLnBrk="1" latinLnBrk="0" hangingPunct="1">
+              <a:spcBef>
+                <a:spcPct val="20000"/>
+              </a:spcBef>
+              <a:buFont typeface="Arial"/>
+              <a:buChar char="•"/>
+              <a:defRPr sz="1800" kern="1200">
+                <a:solidFill>
+                  <a:schemeClr val="tx1"/>
+                </a:solidFill>
+                <a:latin typeface="+mn-lt"/>
+                <a:ea typeface="+mn-ea"/>
+                <a:cs typeface="+mn-cs"/>
+              </a:defRPr>
+            </a:lvl3pPr>
+            <a:lvl4pPr marL="1200150" indent="-171450" algn="l" defTabSz="342900" rtl="0" eaLnBrk="1" latinLnBrk="0" hangingPunct="1">
+              <a:spcBef>
+                <a:spcPct val="20000"/>
+              </a:spcBef>
+              <a:buFont typeface="Arial"/>
+              <a:buChar char="–"/>
+              <a:defRPr sz="1500" kern="1200">
+                <a:solidFill>
+                  <a:schemeClr val="tx1"/>
+                </a:solidFill>
+                <a:latin typeface="+mn-lt"/>
+                <a:ea typeface="+mn-ea"/>
+                <a:cs typeface="+mn-cs"/>
+              </a:defRPr>
+            </a:lvl4pPr>
+            <a:lvl5pPr marL="1543050" indent="-171450" algn="l" defTabSz="342900" rtl="0" eaLnBrk="1" latinLnBrk="0" hangingPunct="1">
+              <a:spcBef>
+                <a:spcPct val="20000"/>
+              </a:spcBef>
+              <a:buFont typeface="Arial"/>
+              <a:buChar char="»"/>
+              <a:defRPr sz="1500" kern="1200">
+                <a:solidFill>
+                  <a:schemeClr val="tx1"/>
+                </a:solidFill>
+                <a:latin typeface="+mn-lt"/>
+                <a:ea typeface="+mn-ea"/>
+                <a:cs typeface="+mn-cs"/>
+              </a:defRPr>
+            </a:lvl5pPr>
+            <a:lvl6pPr marL="1885950" indent="-171450" algn="l" defTabSz="342900" rtl="0" eaLnBrk="1" latinLnBrk="0" hangingPunct="1">
+              <a:spcBef>
+                <a:spcPct val="20000"/>
+              </a:spcBef>
+              <a:buFont typeface="Arial"/>
+              <a:buChar char="•"/>
+              <a:defRPr sz="1500" kern="1200">
+                <a:solidFill>
+                  <a:schemeClr val="tx1"/>
+                </a:solidFill>
+                <a:latin typeface="+mn-lt"/>
+                <a:ea typeface="+mn-ea"/>
+                <a:cs typeface="+mn-cs"/>
+              </a:defRPr>
+            </a:lvl6pPr>
+            <a:lvl7pPr marL="2228850" indent="-171450" algn="l" defTabSz="342900" rtl="0" eaLnBrk="1" latinLnBrk="0" hangingPunct="1">
+              <a:spcBef>
+                <a:spcPct val="20000"/>
+              </a:spcBef>
+              <a:buFont typeface="Arial"/>
+              <a:buChar char="•"/>
+              <a:defRPr sz="1500" kern="1200">
+                <a:solidFill>
+                  <a:schemeClr val="tx1"/>
+                </a:solidFill>
+                <a:latin typeface="+mn-lt"/>
+                <a:ea typeface="+mn-ea"/>
+                <a:cs typeface="+mn-cs"/>
+              </a:defRPr>
+            </a:lvl7pPr>
+            <a:lvl8pPr marL="2571750" indent="-171450" algn="l" defTabSz="342900" rtl="0" eaLnBrk="1" latinLnBrk="0" hangingPunct="1">
+              <a:spcBef>
+                <a:spcPct val="20000"/>
+              </a:spcBef>
+              <a:buFont typeface="Arial"/>
+              <a:buChar char="•"/>
+              <a:defRPr sz="1500" kern="1200">
+                <a:solidFill>
+                  <a:schemeClr val="tx1"/>
+                </a:solidFill>
+                <a:latin typeface="+mn-lt"/>
+                <a:ea typeface="+mn-ea"/>
+                <a:cs typeface="+mn-cs"/>
+              </a:defRPr>
+            </a:lvl8pPr>
+            <a:lvl9pPr marL="2914650" indent="-171450" algn="l" defTabSz="342900" rtl="0" eaLnBrk="1" latinLnBrk="0" hangingPunct="1">
+              <a:spcBef>
+                <a:spcPct val="20000"/>
+              </a:spcBef>
+              <a:buFont typeface="Arial"/>
+              <a:buChar char="•"/>
+              <a:defRPr sz="1500" kern="1200">
+                <a:solidFill>
+                  <a:schemeClr val="tx1"/>
+                </a:solidFill>
+                <a:latin typeface="+mn-lt"/>
+                <a:ea typeface="+mn-ea"/>
+                <a:cs typeface="+mn-cs"/>
+              </a:defRPr>
+            </a:lvl9pPr>
+          </a:lstStyle>
+          <a:p>
+            <a:pPr marL="342900" lvl="1" indent="0" algn="just">
+              <a:buNone/>
+            </a:pPr>
+            <a:endParaRPr lang="it-IT" dirty="0">
+              <a:solidFill>
+                <a:srgbClr val="00B050"/>
+              </a:solidFill>
+            </a:endParaRPr>
+          </a:p>
+        </p:txBody>
+      </p:sp>
+      <p:sp>
+        <p:nvSpPr>
+          <p:cNvPr id="21" name="CasellaDiTesto 20">
+            <a:extLst>
+              <a:ext uri="{FF2B5EF4-FFF2-40B4-BE49-F238E27FC236}">
+                <a16:creationId xmlns:a16="http://schemas.microsoft.com/office/drawing/2014/main" id="{06404A80-AB25-46AA-AACA-C85B9C0735BB}"/>
+              </a:ext>
+            </a:extLst>
+          </p:cNvPr>
+          <p:cNvSpPr txBox="1"/>
+          <p:nvPr/>
+        </p:nvSpPr>
+        <p:spPr>
+          <a:xfrm>
+            <a:off x="35496" y="836712"/>
+            <a:ext cx="8807860" cy="369332"/>
+          </a:xfrm>
+          <a:prstGeom prst="rect">
+            <a:avLst/>
+          </a:prstGeom>
+          <a:noFill/>
+        </p:spPr>
+        <p:txBody>
+          <a:bodyPr wrap="none" rtlCol="0">
+            <a:spAutoFit/>
+          </a:bodyPr>
+          <a:lstStyle/>
+          <a:p>
+            <a:r>
+              <a:rPr lang="it-IT" b="1" dirty="0"/>
+              <a:t>K-</a:t>
+            </a:r>
+            <a:r>
+              <a:rPr lang="it-IT" b="1" dirty="0" err="1"/>
+              <a:t>means</a:t>
+            </a:r>
+            <a:r>
+              <a:rPr lang="it-IT" dirty="0"/>
+              <a:t>, </a:t>
+            </a:r>
+            <a:r>
+              <a:rPr lang="it-IT" b="1" dirty="0"/>
+              <a:t>4 cluster</a:t>
+            </a:r>
+            <a:r>
+              <a:rPr lang="it-IT" dirty="0"/>
+              <a:t>: </a:t>
+            </a:r>
+            <a:r>
+              <a:rPr lang="it-IT" dirty="0">
+                <a:solidFill>
+                  <a:srgbClr val="FF0000"/>
+                </a:solidFill>
+              </a:rPr>
+              <a:t>sarà possibile racchiudere ogni coorte di immatricolazione in un cluster?</a:t>
+            </a:r>
+            <a:endParaRPr lang="en-US" dirty="0">
+              <a:solidFill>
+                <a:srgbClr val="FF0000"/>
+              </a:solidFill>
+            </a:endParaRPr>
+          </a:p>
+        </p:txBody>
+      </p:sp>
+      <p:sp>
+        <p:nvSpPr>
+          <p:cNvPr id="22" name="CasellaDiTesto 21">
+            <a:extLst>
+              <a:ext uri="{FF2B5EF4-FFF2-40B4-BE49-F238E27FC236}">
+                <a16:creationId xmlns:a16="http://schemas.microsoft.com/office/drawing/2014/main" id="{668096B2-6438-4407-9090-1AC58395B6FF}"/>
+              </a:ext>
+            </a:extLst>
+          </p:cNvPr>
+          <p:cNvSpPr txBox="1"/>
+          <p:nvPr/>
+        </p:nvSpPr>
+        <p:spPr>
+          <a:xfrm>
+            <a:off x="1547664" y="1268760"/>
+            <a:ext cx="7793551" cy="5693866"/>
+          </a:xfrm>
+          <a:prstGeom prst="rect">
+            <a:avLst/>
+          </a:prstGeom>
+          <a:noFill/>
+        </p:spPr>
+        <p:txBody>
+          <a:bodyPr wrap="square" rtlCol="0">
+            <a:spAutoFit/>
+          </a:bodyPr>
+          <a:lstStyle/>
+          <a:p>
+            <a:r>
+              <a:rPr lang="en-US" sz="1300" dirty="0">
+                <a:solidFill>
+                  <a:srgbClr val="7030A0"/>
+                </a:solidFill>
+                <a:latin typeface="Courier New" panose="02070309020205020404" pitchFamily="49" charset="0"/>
+                <a:cs typeface="Courier New" panose="02070309020205020404" pitchFamily="49" charset="0"/>
+              </a:rPr>
+              <a:t>Number of iterations: 16</a:t>
+            </a:r>
+          </a:p>
+          <a:p>
+            <a:r>
+              <a:rPr lang="en-US" sz="1300" b="1" dirty="0">
+                <a:solidFill>
+                  <a:srgbClr val="7030A0"/>
+                </a:solidFill>
+                <a:latin typeface="Courier New" panose="02070309020205020404" pitchFamily="49" charset="0"/>
+                <a:cs typeface="Courier New" panose="02070309020205020404" pitchFamily="49" charset="0"/>
+              </a:rPr>
+              <a:t>Within cluster sum of squared errors: 13.790683723267037</a:t>
+            </a:r>
+          </a:p>
+          <a:p>
+            <a:endParaRPr lang="en-US" sz="1300" dirty="0">
+              <a:solidFill>
+                <a:srgbClr val="7030A0"/>
+              </a:solidFill>
+              <a:latin typeface="Courier New" panose="02070309020205020404" pitchFamily="49" charset="0"/>
+              <a:cs typeface="Courier New" panose="02070309020205020404" pitchFamily="49" charset="0"/>
+            </a:endParaRPr>
+          </a:p>
+          <a:p>
+            <a:r>
+              <a:rPr lang="en-US" sz="1300" dirty="0">
+                <a:solidFill>
+                  <a:srgbClr val="7030A0"/>
+                </a:solidFill>
+                <a:latin typeface="Courier New" panose="02070309020205020404" pitchFamily="49" charset="0"/>
+                <a:cs typeface="Courier New" panose="02070309020205020404" pitchFamily="49" charset="0"/>
+              </a:rPr>
+              <a:t>Initial starting points (random):</a:t>
+            </a:r>
+          </a:p>
+          <a:p>
+            <a:endParaRPr lang="en-US" sz="1300" dirty="0">
+              <a:solidFill>
+                <a:srgbClr val="7030A0"/>
+              </a:solidFill>
+              <a:latin typeface="Courier New" panose="02070309020205020404" pitchFamily="49" charset="0"/>
+              <a:cs typeface="Courier New" panose="02070309020205020404" pitchFamily="49" charset="0"/>
+            </a:endParaRPr>
+          </a:p>
+          <a:p>
+            <a:r>
+              <a:rPr lang="en-US" sz="1300" dirty="0">
+                <a:solidFill>
+                  <a:srgbClr val="7030A0"/>
+                </a:solidFill>
+                <a:latin typeface="Courier New" panose="02070309020205020404" pitchFamily="49" charset="0"/>
+                <a:cs typeface="Courier New" panose="02070309020205020404" pitchFamily="49" charset="0"/>
+              </a:rPr>
+              <a:t>Cluster 0: 72,98.333333,100,76.923077</a:t>
+            </a:r>
+          </a:p>
+          <a:p>
+            <a:r>
+              <a:rPr lang="en-US" sz="1300" dirty="0">
+                <a:solidFill>
+                  <a:srgbClr val="7030A0"/>
+                </a:solidFill>
+                <a:latin typeface="Courier New" panose="02070309020205020404" pitchFamily="49" charset="0"/>
+                <a:cs typeface="Courier New" panose="02070309020205020404" pitchFamily="49" charset="0"/>
+              </a:rPr>
+              <a:t>Cluster 1: 68,98.333333,100,46.153846</a:t>
+            </a:r>
+          </a:p>
+          <a:p>
+            <a:r>
+              <a:rPr lang="en-US" sz="1300" dirty="0">
+                <a:solidFill>
+                  <a:srgbClr val="7030A0"/>
+                </a:solidFill>
+                <a:latin typeface="Courier New" panose="02070309020205020404" pitchFamily="49" charset="0"/>
+                <a:cs typeface="Courier New" panose="02070309020205020404" pitchFamily="49" charset="0"/>
+              </a:rPr>
+              <a:t>Cluster 2: 52,51.666667,55.102041,46.153846</a:t>
+            </a:r>
+          </a:p>
+          <a:p>
+            <a:r>
+              <a:rPr lang="en-US" sz="1300" dirty="0">
+                <a:solidFill>
+                  <a:srgbClr val="7030A0"/>
+                </a:solidFill>
+                <a:latin typeface="Courier New" panose="02070309020205020404" pitchFamily="49" charset="0"/>
+                <a:cs typeface="Courier New" panose="02070309020205020404" pitchFamily="49" charset="0"/>
+              </a:rPr>
+              <a:t>Cluster 3: 64,98.333333,100,84.615385</a:t>
+            </a:r>
+          </a:p>
+          <a:p>
+            <a:endParaRPr lang="en-US" sz="1300" dirty="0">
+              <a:solidFill>
+                <a:srgbClr val="7030A0"/>
+              </a:solidFill>
+              <a:latin typeface="Courier New" panose="02070309020205020404" pitchFamily="49" charset="0"/>
+              <a:cs typeface="Courier New" panose="02070309020205020404" pitchFamily="49" charset="0"/>
+            </a:endParaRPr>
+          </a:p>
+          <a:p>
+            <a:endParaRPr lang="en-US" sz="1300" dirty="0">
+              <a:solidFill>
+                <a:srgbClr val="7030A0"/>
+              </a:solidFill>
+              <a:latin typeface="Courier New" panose="02070309020205020404" pitchFamily="49" charset="0"/>
+              <a:cs typeface="Courier New" panose="02070309020205020404" pitchFamily="49" charset="0"/>
+            </a:endParaRPr>
+          </a:p>
+          <a:p>
+            <a:r>
+              <a:rPr lang="en-US" sz="1300" dirty="0">
+                <a:solidFill>
+                  <a:srgbClr val="7030A0"/>
+                </a:solidFill>
+                <a:latin typeface="Courier New" panose="02070309020205020404" pitchFamily="49" charset="0"/>
+                <a:cs typeface="Courier New" panose="02070309020205020404" pitchFamily="49" charset="0"/>
+              </a:rPr>
+              <a:t>Final cluster centroids:</a:t>
+            </a:r>
+          </a:p>
+          <a:p>
+            <a:r>
+              <a:rPr lang="en-US" sz="1300" dirty="0">
+                <a:solidFill>
+                  <a:srgbClr val="7030A0"/>
+                </a:solidFill>
+                <a:latin typeface="Courier New" panose="02070309020205020404" pitchFamily="49" charset="0"/>
+                <a:cs typeface="Courier New" panose="02070309020205020404" pitchFamily="49" charset="0"/>
+              </a:rPr>
+              <a:t>                                Cluster#</a:t>
+            </a:r>
+          </a:p>
+          <a:p>
+            <a:r>
+              <a:rPr lang="en-US" sz="1300" dirty="0">
+                <a:solidFill>
+                  <a:srgbClr val="7030A0"/>
+                </a:solidFill>
+                <a:latin typeface="Courier New" panose="02070309020205020404" pitchFamily="49" charset="0"/>
+                <a:cs typeface="Courier New" panose="02070309020205020404" pitchFamily="49" charset="0"/>
+              </a:rPr>
+              <a:t>Attribute           Full Data          0          1          2          3</a:t>
+            </a:r>
+          </a:p>
+          <a:p>
+            <a:r>
+              <a:rPr lang="en-US" sz="1300" dirty="0">
+                <a:solidFill>
+                  <a:srgbClr val="7030A0"/>
+                </a:solidFill>
+                <a:latin typeface="Courier New" panose="02070309020205020404" pitchFamily="49" charset="0"/>
+                <a:cs typeface="Courier New" panose="02070309020205020404" pitchFamily="49" charset="0"/>
+              </a:rPr>
+              <a:t>                      (212.0)     (44.0)     (38.0)     (63.0)     (67.0)</a:t>
+            </a:r>
+          </a:p>
+          <a:p>
+            <a:r>
+              <a:rPr lang="en-US" sz="1300" dirty="0">
+                <a:solidFill>
+                  <a:srgbClr val="7030A0"/>
+                </a:solidFill>
+                <a:latin typeface="Courier New" panose="02070309020205020404" pitchFamily="49" charset="0"/>
+                <a:cs typeface="Courier New" panose="02070309020205020404" pitchFamily="49" charset="0"/>
+              </a:rPr>
+              <a:t>=========================================================================</a:t>
+            </a:r>
+          </a:p>
+          <a:p>
+            <a:r>
+              <a:rPr lang="en-US" sz="1300" dirty="0">
+                <a:solidFill>
+                  <a:srgbClr val="7030A0"/>
+                </a:solidFill>
+                <a:latin typeface="Courier New" panose="02070309020205020404" pitchFamily="49" charset="0"/>
+                <a:cs typeface="Courier New" panose="02070309020205020404" pitchFamily="49" charset="0"/>
+              </a:rPr>
+              <a:t>test                  57.5849    73.5455    57.5789    50.4127    53.8507</a:t>
+            </a:r>
+          </a:p>
+          <a:p>
+            <a:r>
+              <a:rPr lang="en-US" sz="1300" dirty="0">
+                <a:solidFill>
+                  <a:srgbClr val="7030A0"/>
+                </a:solidFill>
+                <a:latin typeface="Courier New" panose="02070309020205020404" pitchFamily="49" charset="0"/>
+                <a:cs typeface="Courier New" panose="02070309020205020404" pitchFamily="49" charset="0"/>
+              </a:rPr>
+              <a:t>                   +/-15.9495 +/-10.8509 +/-16.4146 +/-16.3753 +/-10.0261</a:t>
+            </a:r>
+          </a:p>
+          <a:p>
+            <a:endParaRPr lang="en-US" sz="1300" dirty="0">
+              <a:solidFill>
+                <a:srgbClr val="7030A0"/>
+              </a:solidFill>
+              <a:latin typeface="Courier New" panose="02070309020205020404" pitchFamily="49" charset="0"/>
+              <a:cs typeface="Courier New" panose="02070309020205020404" pitchFamily="49" charset="0"/>
+            </a:endParaRPr>
+          </a:p>
+          <a:p>
+            <a:r>
+              <a:rPr lang="en-US" sz="1300" dirty="0" err="1">
+                <a:solidFill>
+                  <a:srgbClr val="7030A0"/>
+                </a:solidFill>
+                <a:latin typeface="Courier New" panose="02070309020205020404" pitchFamily="49" charset="0"/>
+                <a:cs typeface="Courier New" panose="02070309020205020404" pitchFamily="49" charset="0"/>
+              </a:rPr>
+              <a:t>crediti_totali</a:t>
+            </a:r>
+            <a:r>
+              <a:rPr lang="en-US" sz="1300" dirty="0">
+                <a:solidFill>
+                  <a:srgbClr val="7030A0"/>
+                </a:solidFill>
+                <a:latin typeface="Courier New" panose="02070309020205020404" pitchFamily="49" charset="0"/>
+                <a:cs typeface="Courier New" panose="02070309020205020404" pitchFamily="49" charset="0"/>
+              </a:rPr>
+              <a:t>        58.5404    94.4318    45.1901     9.7619     88.408</a:t>
+            </a:r>
+          </a:p>
+          <a:p>
+            <a:r>
+              <a:rPr lang="en-US" sz="1300" dirty="0">
+                <a:solidFill>
+                  <a:srgbClr val="7030A0"/>
+                </a:solidFill>
+                <a:latin typeface="Courier New" panose="02070309020205020404" pitchFamily="49" charset="0"/>
+                <a:cs typeface="Courier New" panose="02070309020205020404" pitchFamily="49" charset="0"/>
+              </a:rPr>
+              <a:t>                   +/-37.2117  +/-7.0797 +/-10.9426  +/-8.9195 +/-10.6854</a:t>
+            </a:r>
+          </a:p>
+          <a:p>
+            <a:endParaRPr lang="en-US" sz="1300" dirty="0">
+              <a:solidFill>
+                <a:srgbClr val="7030A0"/>
+              </a:solidFill>
+              <a:latin typeface="Courier New" panose="02070309020205020404" pitchFamily="49" charset="0"/>
+              <a:cs typeface="Courier New" panose="02070309020205020404" pitchFamily="49" charset="0"/>
+            </a:endParaRPr>
+          </a:p>
+          <a:p>
+            <a:r>
+              <a:rPr lang="en-US" sz="1300" dirty="0" err="1">
+                <a:solidFill>
+                  <a:srgbClr val="7030A0"/>
+                </a:solidFill>
+                <a:latin typeface="Courier New" panose="02070309020205020404" pitchFamily="49" charset="0"/>
+                <a:cs typeface="Courier New" panose="02070309020205020404" pitchFamily="49" charset="0"/>
+              </a:rPr>
+              <a:t>crediti_con_voto</a:t>
+            </a:r>
+            <a:r>
+              <a:rPr lang="en-US" sz="1300" dirty="0">
+                <a:solidFill>
+                  <a:srgbClr val="7030A0"/>
+                </a:solidFill>
+                <a:latin typeface="Courier New" panose="02070309020205020404" pitchFamily="49" charset="0"/>
+                <a:cs typeface="Courier New" panose="02070309020205020404" pitchFamily="49" charset="0"/>
+              </a:rPr>
+              <a:t>      60.0982    97.5417    47.0999     6.4464    93.3293</a:t>
+            </a:r>
+          </a:p>
+          <a:p>
+            <a:r>
+              <a:rPr lang="en-US" sz="1300" dirty="0">
+                <a:solidFill>
+                  <a:srgbClr val="7030A0"/>
+                </a:solidFill>
+                <a:latin typeface="Courier New" panose="02070309020205020404" pitchFamily="49" charset="0"/>
+                <a:cs typeface="Courier New" panose="02070309020205020404" pitchFamily="49" charset="0"/>
+              </a:rPr>
+              <a:t>                   +/-40.1568  +/-5.5947 +/-13.4997  +/-7.9987  +/-8.4861</a:t>
+            </a:r>
+          </a:p>
+          <a:p>
+            <a:endParaRPr lang="en-US" sz="1300" dirty="0">
+              <a:solidFill>
+                <a:srgbClr val="7030A0"/>
+              </a:solidFill>
+              <a:latin typeface="Courier New" panose="02070309020205020404" pitchFamily="49" charset="0"/>
+              <a:cs typeface="Courier New" panose="02070309020205020404" pitchFamily="49" charset="0"/>
+            </a:endParaRPr>
+          </a:p>
+          <a:p>
+            <a:r>
+              <a:rPr lang="en-US" sz="1300" dirty="0" err="1">
+                <a:solidFill>
+                  <a:srgbClr val="7030A0"/>
+                </a:solidFill>
+                <a:latin typeface="Courier New" panose="02070309020205020404" pitchFamily="49" charset="0"/>
+                <a:cs typeface="Courier New" panose="02070309020205020404" pitchFamily="49" charset="0"/>
+              </a:rPr>
+              <a:t>voto_medio</a:t>
+            </a:r>
+            <a:r>
+              <a:rPr lang="en-US" sz="1300" dirty="0">
+                <a:solidFill>
+                  <a:srgbClr val="7030A0"/>
+                </a:solidFill>
+                <a:latin typeface="Courier New" panose="02070309020205020404" pitchFamily="49" charset="0"/>
+                <a:cs typeface="Courier New" panose="02070309020205020404" pitchFamily="49" charset="0"/>
+              </a:rPr>
+              <a:t>            46.4078    68.5315    47.9757    28.4493     47.876</a:t>
+            </a:r>
+          </a:p>
+          <a:p>
+            <a:r>
+              <a:rPr lang="en-US" sz="1300" dirty="0">
+                <a:solidFill>
+                  <a:srgbClr val="7030A0"/>
+                </a:solidFill>
+                <a:latin typeface="Courier New" panose="02070309020205020404" pitchFamily="49" charset="0"/>
+                <a:cs typeface="Courier New" panose="02070309020205020404" pitchFamily="49" charset="0"/>
+              </a:rPr>
+              <a:t>                   +/-22.3971  +/-11.942 +/-15.1155 +/-25.9809 +/-10.5285</a:t>
+            </a:r>
+          </a:p>
+          <a:p>
+            <a:endParaRPr lang="en-US" sz="1300" dirty="0">
+              <a:solidFill>
+                <a:srgbClr val="7030A0"/>
+              </a:solidFill>
+              <a:latin typeface="Courier New" panose="02070309020205020404" pitchFamily="49" charset="0"/>
+              <a:cs typeface="Courier New" panose="02070309020205020404" pitchFamily="49" charset="0"/>
+            </a:endParaRPr>
+          </a:p>
+        </p:txBody>
+      </p:sp>
+    </p:spTree>
+    <p:extLst>
+      <p:ext uri="{BB962C8B-B14F-4D97-AF65-F5344CB8AC3E}">
+        <p14:creationId xmlns:p14="http://schemas.microsoft.com/office/powerpoint/2010/main" val="3540920821"/>
+      </p:ext>
+    </p:extLst>
+  </p:cSld>
+  <p:clrMapOvr>
+    <a:masterClrMapping/>
+  </p:clrMapOvr>
+</p:sld>
+</file>
+
+<file path=ppt/slides/slide44.xml><?xml version="1.0" encoding="utf-8"?>
+<p:sld xmlns:a="http://schemas.openxmlformats.org/drawingml/2006/main" xmlns:r="http://schemas.openxmlformats.org/officeDocument/2006/relationships" xmlns:p="http://schemas.openxmlformats.org/presentationml/2006/main">
+  <p:cSld>
+    <p:spTree>
+      <p:nvGrpSpPr>
+        <p:cNvPr id="1" name=""/>
+        <p:cNvGrpSpPr/>
+        <p:nvPr/>
+      </p:nvGrpSpPr>
+      <p:grpSpPr>
+        <a:xfrm>
+          <a:off x="0" y="0"/>
+          <a:ext cx="0" cy="0"/>
+          <a:chOff x="0" y="0"/>
+          <a:chExt cx="0" cy="0"/>
+        </a:xfrm>
+      </p:grpSpPr>
+      <p:pic>
+        <p:nvPicPr>
+          <p:cNvPr id="2" name="Immagine 1">
+            <a:extLst>
+              <a:ext uri="{FF2B5EF4-FFF2-40B4-BE49-F238E27FC236}">
+                <a16:creationId xmlns:a16="http://schemas.microsoft.com/office/drawing/2014/main" id="{080D822E-4E68-4604-9664-53B8074A2FD8}"/>
+              </a:ext>
+            </a:extLst>
+          </p:cNvPr>
+          <p:cNvPicPr>
+            <a:picLocks noChangeAspect="1"/>
+          </p:cNvPicPr>
+          <p:nvPr/>
+        </p:nvPicPr>
+        <p:blipFill>
+          <a:blip r:embed="rId2"/>
+          <a:stretch>
+            <a:fillRect/>
+          </a:stretch>
+        </p:blipFill>
+        <p:spPr>
+          <a:xfrm>
+            <a:off x="4175629" y="1956326"/>
+            <a:ext cx="4932875" cy="3899071"/>
+          </a:xfrm>
+          <a:prstGeom prst="rect">
+            <a:avLst/>
+          </a:prstGeom>
+        </p:spPr>
+      </p:pic>
+      <p:sp>
+        <p:nvSpPr>
+          <p:cNvPr id="3" name="CasellaDiTesto 2">
+            <a:extLst>
+              <a:ext uri="{FF2B5EF4-FFF2-40B4-BE49-F238E27FC236}">
+                <a16:creationId xmlns:a16="http://schemas.microsoft.com/office/drawing/2014/main" id="{A2FB6AD7-1AAC-42BC-A30E-8F9404AAD329}"/>
+              </a:ext>
+            </a:extLst>
+          </p:cNvPr>
+          <p:cNvSpPr txBox="1"/>
+          <p:nvPr/>
+        </p:nvSpPr>
+        <p:spPr>
+          <a:xfrm>
+            <a:off x="107504" y="908720"/>
+            <a:ext cx="7632848" cy="5909310"/>
+          </a:xfrm>
+          <a:prstGeom prst="rect">
+            <a:avLst/>
+          </a:prstGeom>
+          <a:noFill/>
+        </p:spPr>
+        <p:txBody>
+          <a:bodyPr wrap="square" rtlCol="0">
+            <a:spAutoFit/>
+          </a:bodyPr>
+          <a:lstStyle/>
+          <a:p>
+            <a:endParaRPr lang="it-IT" sz="1400" dirty="0">
+              <a:solidFill>
+                <a:srgbClr val="7030A0"/>
+              </a:solidFill>
+              <a:latin typeface="Courier New" panose="02070309020205020404" pitchFamily="49" charset="0"/>
+              <a:cs typeface="Courier New" panose="02070309020205020404" pitchFamily="49" charset="0"/>
+            </a:endParaRPr>
+          </a:p>
+          <a:p>
+            <a:endParaRPr lang="en-US" sz="1400" dirty="0">
+              <a:solidFill>
+                <a:srgbClr val="7030A0"/>
+              </a:solidFill>
+              <a:latin typeface="Courier New" panose="02070309020205020404" pitchFamily="49" charset="0"/>
+              <a:cs typeface="Courier New" panose="02070309020205020404" pitchFamily="49" charset="0"/>
+            </a:endParaRPr>
+          </a:p>
+          <a:p>
+            <a:r>
+              <a:rPr lang="en-US" sz="1400" dirty="0">
+                <a:solidFill>
+                  <a:srgbClr val="7030A0"/>
+                </a:solidFill>
+                <a:latin typeface="Courier New" panose="02070309020205020404" pitchFamily="49" charset="0"/>
+                <a:cs typeface="Courier New" panose="02070309020205020404" pitchFamily="49" charset="0"/>
+              </a:rPr>
+              <a:t>=== Model and evaluation on training set ===</a:t>
+            </a:r>
+          </a:p>
+          <a:p>
+            <a:endParaRPr lang="en-US" sz="1400" dirty="0">
+              <a:solidFill>
+                <a:srgbClr val="7030A0"/>
+              </a:solidFill>
+              <a:latin typeface="Courier New" panose="02070309020205020404" pitchFamily="49" charset="0"/>
+              <a:cs typeface="Courier New" panose="02070309020205020404" pitchFamily="49" charset="0"/>
+            </a:endParaRPr>
+          </a:p>
+          <a:p>
+            <a:r>
+              <a:rPr lang="en-US" sz="1400" dirty="0">
+                <a:solidFill>
+                  <a:srgbClr val="7030A0"/>
+                </a:solidFill>
+                <a:latin typeface="Courier New" panose="02070309020205020404" pitchFamily="49" charset="0"/>
+                <a:cs typeface="Courier New" panose="02070309020205020404" pitchFamily="49" charset="0"/>
+              </a:rPr>
+              <a:t>Clustered Instances</a:t>
+            </a:r>
+          </a:p>
+          <a:p>
+            <a:endParaRPr lang="en-US" sz="1400" dirty="0">
+              <a:solidFill>
+                <a:srgbClr val="7030A0"/>
+              </a:solidFill>
+              <a:latin typeface="Courier New" panose="02070309020205020404" pitchFamily="49" charset="0"/>
+              <a:cs typeface="Courier New" panose="02070309020205020404" pitchFamily="49" charset="0"/>
+            </a:endParaRPr>
+          </a:p>
+          <a:p>
+            <a:r>
+              <a:rPr lang="en-US" sz="1400" dirty="0">
+                <a:solidFill>
+                  <a:srgbClr val="7030A0"/>
+                </a:solidFill>
+                <a:latin typeface="Courier New" panose="02070309020205020404" pitchFamily="49" charset="0"/>
+                <a:cs typeface="Courier New" panose="02070309020205020404" pitchFamily="49" charset="0"/>
+              </a:rPr>
+              <a:t>0       44 ( 21%)</a:t>
+            </a:r>
+          </a:p>
+          <a:p>
+            <a:r>
+              <a:rPr lang="en-US" sz="1400" dirty="0">
+                <a:solidFill>
+                  <a:srgbClr val="7030A0"/>
+                </a:solidFill>
+                <a:latin typeface="Courier New" panose="02070309020205020404" pitchFamily="49" charset="0"/>
+                <a:cs typeface="Courier New" panose="02070309020205020404" pitchFamily="49" charset="0"/>
+              </a:rPr>
+              <a:t>1       38 ( 18%)</a:t>
+            </a:r>
+          </a:p>
+          <a:p>
+            <a:r>
+              <a:rPr lang="en-US" sz="1400" dirty="0">
+                <a:solidFill>
+                  <a:srgbClr val="7030A0"/>
+                </a:solidFill>
+                <a:latin typeface="Courier New" panose="02070309020205020404" pitchFamily="49" charset="0"/>
+                <a:cs typeface="Courier New" panose="02070309020205020404" pitchFamily="49" charset="0"/>
+              </a:rPr>
+              <a:t>2       63 ( 30%)</a:t>
+            </a:r>
+          </a:p>
+          <a:p>
+            <a:r>
+              <a:rPr lang="en-US" sz="1400" dirty="0">
+                <a:solidFill>
+                  <a:srgbClr val="7030A0"/>
+                </a:solidFill>
+                <a:latin typeface="Courier New" panose="02070309020205020404" pitchFamily="49" charset="0"/>
+                <a:cs typeface="Courier New" panose="02070309020205020404" pitchFamily="49" charset="0"/>
+              </a:rPr>
+              <a:t>3       67 ( 32%)</a:t>
+            </a:r>
+          </a:p>
+          <a:p>
+            <a:endParaRPr lang="en-US" sz="1400" dirty="0">
+              <a:solidFill>
+                <a:srgbClr val="7030A0"/>
+              </a:solidFill>
+              <a:latin typeface="Courier New" panose="02070309020205020404" pitchFamily="49" charset="0"/>
+              <a:cs typeface="Courier New" panose="02070309020205020404" pitchFamily="49" charset="0"/>
+            </a:endParaRPr>
+          </a:p>
+          <a:p>
+            <a:endParaRPr lang="en-US" sz="1400" dirty="0">
+              <a:solidFill>
+                <a:srgbClr val="7030A0"/>
+              </a:solidFill>
+              <a:latin typeface="Courier New" panose="02070309020205020404" pitchFamily="49" charset="0"/>
+              <a:cs typeface="Courier New" panose="02070309020205020404" pitchFamily="49" charset="0"/>
+            </a:endParaRPr>
+          </a:p>
+          <a:p>
+            <a:r>
+              <a:rPr lang="en-US" sz="1400" dirty="0">
+                <a:solidFill>
+                  <a:srgbClr val="7030A0"/>
+                </a:solidFill>
+                <a:latin typeface="Courier New" panose="02070309020205020404" pitchFamily="49" charset="0"/>
+                <a:cs typeface="Courier New" panose="02070309020205020404" pitchFamily="49" charset="0"/>
+              </a:rPr>
+              <a:t>Class attribute: </a:t>
+            </a:r>
+            <a:r>
+              <a:rPr lang="en-US" sz="1400" dirty="0" err="1">
+                <a:solidFill>
+                  <a:srgbClr val="7030A0"/>
+                </a:solidFill>
+                <a:latin typeface="Courier New" panose="02070309020205020404" pitchFamily="49" charset="0"/>
+                <a:cs typeface="Courier New" panose="02070309020205020404" pitchFamily="49" charset="0"/>
+              </a:rPr>
+              <a:t>coorte</a:t>
+            </a:r>
+            <a:endParaRPr lang="en-US" sz="1400" dirty="0">
+              <a:solidFill>
+                <a:srgbClr val="7030A0"/>
+              </a:solidFill>
+              <a:latin typeface="Courier New" panose="02070309020205020404" pitchFamily="49" charset="0"/>
+              <a:cs typeface="Courier New" panose="02070309020205020404" pitchFamily="49" charset="0"/>
+            </a:endParaRPr>
+          </a:p>
+          <a:p>
+            <a:r>
+              <a:rPr lang="en-US" sz="1400" dirty="0">
+                <a:solidFill>
+                  <a:srgbClr val="7030A0"/>
+                </a:solidFill>
+                <a:latin typeface="Courier New" panose="02070309020205020404" pitchFamily="49" charset="0"/>
+                <a:cs typeface="Courier New" panose="02070309020205020404" pitchFamily="49" charset="0"/>
+              </a:rPr>
+              <a:t>Classes to Clusters:</a:t>
+            </a:r>
+          </a:p>
+          <a:p>
+            <a:endParaRPr lang="en-US" sz="1400" dirty="0">
+              <a:solidFill>
+                <a:srgbClr val="7030A0"/>
+              </a:solidFill>
+              <a:latin typeface="Courier New" panose="02070309020205020404" pitchFamily="49" charset="0"/>
+              <a:cs typeface="Courier New" panose="02070309020205020404" pitchFamily="49" charset="0"/>
+            </a:endParaRPr>
+          </a:p>
+          <a:p>
+            <a:r>
+              <a:rPr lang="en-US" sz="1400" dirty="0">
+                <a:solidFill>
+                  <a:srgbClr val="7030A0"/>
+                </a:solidFill>
+                <a:latin typeface="Courier New" panose="02070309020205020404" pitchFamily="49" charset="0"/>
+                <a:cs typeface="Courier New" panose="02070309020205020404" pitchFamily="49" charset="0"/>
+              </a:rPr>
+              <a:t>  0  1  2  3  &lt;-- assigned to cluster</a:t>
+            </a:r>
+          </a:p>
+          <a:p>
+            <a:r>
+              <a:rPr lang="en-US" sz="1400" dirty="0">
+                <a:solidFill>
+                  <a:srgbClr val="7030A0"/>
+                </a:solidFill>
+                <a:latin typeface="Courier New" panose="02070309020205020404" pitchFamily="49" charset="0"/>
+                <a:cs typeface="Courier New" panose="02070309020205020404" pitchFamily="49" charset="0"/>
+              </a:rPr>
+              <a:t> 11  4  9  6 | 2010</a:t>
+            </a:r>
+          </a:p>
+          <a:p>
+            <a:r>
+              <a:rPr lang="en-US" sz="1400" dirty="0">
+                <a:solidFill>
+                  <a:srgbClr val="7030A0"/>
+                </a:solidFill>
+                <a:latin typeface="Courier New" panose="02070309020205020404" pitchFamily="49" charset="0"/>
+                <a:cs typeface="Courier New" panose="02070309020205020404" pitchFamily="49" charset="0"/>
+              </a:rPr>
+              <a:t>  3  7 12 16 | 2011</a:t>
+            </a:r>
+          </a:p>
+          <a:p>
+            <a:r>
+              <a:rPr lang="en-US" sz="1400" dirty="0">
+                <a:solidFill>
+                  <a:srgbClr val="7030A0"/>
+                </a:solidFill>
+                <a:latin typeface="Courier New" panose="02070309020205020404" pitchFamily="49" charset="0"/>
+                <a:cs typeface="Courier New" panose="02070309020205020404" pitchFamily="49" charset="0"/>
+              </a:rPr>
+              <a:t> 14  4 15 26 | 2012</a:t>
+            </a:r>
+          </a:p>
+          <a:p>
+            <a:r>
+              <a:rPr lang="en-US" sz="1400" dirty="0">
+                <a:solidFill>
+                  <a:srgbClr val="7030A0"/>
+                </a:solidFill>
+                <a:latin typeface="Courier New" panose="02070309020205020404" pitchFamily="49" charset="0"/>
+                <a:cs typeface="Courier New" panose="02070309020205020404" pitchFamily="49" charset="0"/>
+              </a:rPr>
+              <a:t> 16 23 27 19 | 2013</a:t>
+            </a:r>
+          </a:p>
+          <a:p>
+            <a:endParaRPr lang="en-US" sz="1400" dirty="0">
+              <a:solidFill>
+                <a:srgbClr val="7030A0"/>
+              </a:solidFill>
+              <a:latin typeface="Courier New" panose="02070309020205020404" pitchFamily="49" charset="0"/>
+              <a:cs typeface="Courier New" panose="02070309020205020404" pitchFamily="49" charset="0"/>
+            </a:endParaRPr>
+          </a:p>
+          <a:p>
+            <a:r>
+              <a:rPr lang="en-US" sz="1400" dirty="0">
+                <a:solidFill>
+                  <a:srgbClr val="7030A0"/>
+                </a:solidFill>
+                <a:latin typeface="Courier New" panose="02070309020205020404" pitchFamily="49" charset="0"/>
+                <a:cs typeface="Courier New" panose="02070309020205020404" pitchFamily="49" charset="0"/>
+              </a:rPr>
+              <a:t>Cluster 0 &lt;-- 2010</a:t>
+            </a:r>
+          </a:p>
+          <a:p>
+            <a:r>
+              <a:rPr lang="en-US" sz="1400" dirty="0">
+                <a:solidFill>
+                  <a:srgbClr val="7030A0"/>
+                </a:solidFill>
+                <a:latin typeface="Courier New" panose="02070309020205020404" pitchFamily="49" charset="0"/>
+                <a:cs typeface="Courier New" panose="02070309020205020404" pitchFamily="49" charset="0"/>
+              </a:rPr>
+              <a:t>Cluster 1 &lt;-- 2013</a:t>
+            </a:r>
+          </a:p>
+          <a:p>
+            <a:r>
+              <a:rPr lang="en-US" sz="1400" dirty="0">
+                <a:solidFill>
+                  <a:srgbClr val="7030A0"/>
+                </a:solidFill>
+                <a:latin typeface="Courier New" panose="02070309020205020404" pitchFamily="49" charset="0"/>
+                <a:cs typeface="Courier New" panose="02070309020205020404" pitchFamily="49" charset="0"/>
+              </a:rPr>
+              <a:t>Cluster 2 &lt;-- 2011</a:t>
+            </a:r>
+          </a:p>
+          <a:p>
+            <a:r>
+              <a:rPr lang="en-US" sz="1400" dirty="0">
+                <a:solidFill>
+                  <a:srgbClr val="7030A0"/>
+                </a:solidFill>
+                <a:latin typeface="Courier New" panose="02070309020205020404" pitchFamily="49" charset="0"/>
+                <a:cs typeface="Courier New" panose="02070309020205020404" pitchFamily="49" charset="0"/>
+              </a:rPr>
+              <a:t>Cluster 3 &lt;-- 2012</a:t>
+            </a:r>
+          </a:p>
+          <a:p>
+            <a:endParaRPr lang="en-US" sz="1400" dirty="0">
+              <a:solidFill>
+                <a:srgbClr val="7030A0"/>
+              </a:solidFill>
+              <a:latin typeface="Courier New" panose="02070309020205020404" pitchFamily="49" charset="0"/>
+              <a:cs typeface="Courier New" panose="02070309020205020404" pitchFamily="49" charset="0"/>
+            </a:endParaRPr>
+          </a:p>
+          <a:p>
+            <a:r>
+              <a:rPr lang="en-US" sz="1400" b="1" dirty="0">
+                <a:solidFill>
+                  <a:srgbClr val="7030A0"/>
+                </a:solidFill>
+                <a:latin typeface="Courier New" panose="02070309020205020404" pitchFamily="49" charset="0"/>
+                <a:cs typeface="Courier New" panose="02070309020205020404" pitchFamily="49" charset="0"/>
+              </a:rPr>
+              <a:t>Incorrectly clustered instances :	140.0	 66.0377 %</a:t>
+            </a:r>
+          </a:p>
+        </p:txBody>
+      </p:sp>
+      <p:sp>
+        <p:nvSpPr>
+          <p:cNvPr id="4" name="Titolo 1">
+            <a:extLst>
+              <a:ext uri="{FF2B5EF4-FFF2-40B4-BE49-F238E27FC236}">
+                <a16:creationId xmlns:a16="http://schemas.microsoft.com/office/drawing/2014/main" id="{9835FFCD-7215-413B-8894-E3C0B40096DE}"/>
+              </a:ext>
+            </a:extLst>
+          </p:cNvPr>
+          <p:cNvSpPr txBox="1">
+            <a:spLocks/>
+          </p:cNvSpPr>
+          <p:nvPr/>
+        </p:nvSpPr>
+        <p:spPr>
+          <a:xfrm>
+            <a:off x="755576" y="152400"/>
+            <a:ext cx="8229600" cy="1143000"/>
+          </a:xfrm>
+          <a:prstGeom prst="rect">
+            <a:avLst/>
+          </a:prstGeom>
+        </p:spPr>
+        <p:txBody>
+          <a:bodyPr>
+            <a:noAutofit/>
+          </a:bodyPr>
+          <a:lstStyle>
+            <a:lvl1pPr algn="ctr" defTabSz="342900" rtl="0" eaLnBrk="1" latinLnBrk="0" hangingPunct="1">
+              <a:spcBef>
+                <a:spcPct val="0"/>
+              </a:spcBef>
+              <a:buNone/>
+              <a:defRPr sz="3300" kern="1200">
+                <a:solidFill>
+                  <a:schemeClr val="tx1"/>
+                </a:solidFill>
+                <a:latin typeface="+mj-lt"/>
+                <a:ea typeface="+mj-ea"/>
+                <a:cs typeface="+mj-cs"/>
+              </a:defRPr>
+            </a:lvl1pPr>
+          </a:lstStyle>
+          <a:p>
+            <a:pPr algn="r"/>
+            <a:r>
+              <a:rPr lang="it-IT" sz="2400" b="1" dirty="0">
+                <a:solidFill>
+                  <a:schemeClr val="bg1"/>
+                </a:solidFill>
+              </a:rPr>
+              <a:t>CLUSTER ANALYSIS</a:t>
+            </a:r>
+            <a:r>
+              <a:rPr lang="it-IT" sz="2400" dirty="0">
+                <a:solidFill>
+                  <a:schemeClr val="bg1"/>
+                </a:solidFill>
+              </a:rPr>
+              <a:t>: SUBSET GEN </a:t>
+            </a:r>
+            <a:endParaRPr lang="en-US" sz="2400" dirty="0">
+              <a:solidFill>
+                <a:schemeClr val="bg1"/>
+              </a:solidFill>
+            </a:endParaRPr>
+          </a:p>
+        </p:txBody>
+      </p:sp>
+      <p:sp>
+        <p:nvSpPr>
+          <p:cNvPr id="6" name="CasellaDiTesto 5">
+            <a:extLst>
+              <a:ext uri="{FF2B5EF4-FFF2-40B4-BE49-F238E27FC236}">
+                <a16:creationId xmlns:a16="http://schemas.microsoft.com/office/drawing/2014/main" id="{2A68C364-2686-425C-9BA3-CF65B9ABD59A}"/>
+              </a:ext>
+            </a:extLst>
+          </p:cNvPr>
+          <p:cNvSpPr txBox="1"/>
+          <p:nvPr/>
+        </p:nvSpPr>
+        <p:spPr>
+          <a:xfrm>
+            <a:off x="6012160" y="6372036"/>
+            <a:ext cx="2930033" cy="369332"/>
+          </a:xfrm>
+          <a:prstGeom prst="rect">
+            <a:avLst/>
+          </a:prstGeom>
+          <a:noFill/>
+        </p:spPr>
+        <p:txBody>
+          <a:bodyPr wrap="none" rtlCol="0">
+            <a:spAutoFit/>
+          </a:bodyPr>
+          <a:lstStyle/>
+          <a:p>
+            <a:r>
+              <a:rPr lang="it-IT" dirty="0">
+                <a:solidFill>
+                  <a:srgbClr val="FF0000"/>
+                </a:solidFill>
+              </a:rPr>
+              <a:t>La risposta è chiarissima: </a:t>
+            </a:r>
+            <a:r>
+              <a:rPr lang="it-IT" b="1" dirty="0">
+                <a:solidFill>
+                  <a:srgbClr val="FF0000"/>
+                </a:solidFill>
+              </a:rPr>
+              <a:t>NO</a:t>
+            </a:r>
+            <a:r>
+              <a:rPr lang="it-IT" dirty="0">
+                <a:solidFill>
+                  <a:srgbClr val="FF0000"/>
+                </a:solidFill>
+              </a:rPr>
+              <a:t>.</a:t>
+            </a:r>
+            <a:endParaRPr lang="en-US" dirty="0">
+              <a:solidFill>
+                <a:srgbClr val="FF0000"/>
+              </a:solidFill>
+            </a:endParaRPr>
+          </a:p>
+        </p:txBody>
+      </p:sp>
+      <p:sp>
+        <p:nvSpPr>
+          <p:cNvPr id="8" name="CasellaDiTesto 7">
+            <a:extLst>
+              <a:ext uri="{FF2B5EF4-FFF2-40B4-BE49-F238E27FC236}">
+                <a16:creationId xmlns:a16="http://schemas.microsoft.com/office/drawing/2014/main" id="{3E41BA0D-016D-4524-809B-180F0531C9A3}"/>
+              </a:ext>
+            </a:extLst>
+          </p:cNvPr>
+          <p:cNvSpPr txBox="1"/>
+          <p:nvPr/>
+        </p:nvSpPr>
+        <p:spPr>
+          <a:xfrm>
+            <a:off x="35496" y="836712"/>
+            <a:ext cx="8807860" cy="369332"/>
+          </a:xfrm>
+          <a:prstGeom prst="rect">
+            <a:avLst/>
+          </a:prstGeom>
+          <a:noFill/>
+        </p:spPr>
+        <p:txBody>
+          <a:bodyPr wrap="none" rtlCol="0">
+            <a:spAutoFit/>
+          </a:bodyPr>
+          <a:lstStyle/>
+          <a:p>
+            <a:r>
+              <a:rPr lang="it-IT" b="1" dirty="0"/>
+              <a:t>K-</a:t>
+            </a:r>
+            <a:r>
+              <a:rPr lang="it-IT" b="1" dirty="0" err="1"/>
+              <a:t>means</a:t>
+            </a:r>
+            <a:r>
+              <a:rPr lang="it-IT" dirty="0"/>
+              <a:t>, </a:t>
+            </a:r>
+            <a:r>
+              <a:rPr lang="it-IT" b="1" dirty="0"/>
+              <a:t>4 cluster</a:t>
+            </a:r>
+            <a:r>
+              <a:rPr lang="it-IT" dirty="0"/>
+              <a:t>: </a:t>
+            </a:r>
+            <a:r>
+              <a:rPr lang="it-IT" dirty="0">
+                <a:solidFill>
+                  <a:srgbClr val="FF0000"/>
+                </a:solidFill>
+              </a:rPr>
+              <a:t>sarà possibile racchiudere ogni coorte di immatricolazione in un cluster?</a:t>
+            </a:r>
+            <a:endParaRPr lang="en-US" dirty="0">
+              <a:solidFill>
+                <a:srgbClr val="FF0000"/>
+              </a:solidFill>
+            </a:endParaRPr>
+          </a:p>
+        </p:txBody>
+      </p:sp>
+    </p:spTree>
+    <p:extLst>
+      <p:ext uri="{BB962C8B-B14F-4D97-AF65-F5344CB8AC3E}">
+        <p14:creationId xmlns:p14="http://schemas.microsoft.com/office/powerpoint/2010/main" val="2253166824"/>
       </p:ext>
     </p:extLst>
   </p:cSld>

--- a/relazione.pptx
+++ b/relazione.pptx
@@ -46,9 +46,13 @@
     <p:sldId id="298" r:id="rId40"/>
     <p:sldId id="300" r:id="rId41"/>
     <p:sldId id="301" r:id="rId42"/>
-    <p:sldId id="302" r:id="rId43"/>
-    <p:sldId id="297" r:id="rId44"/>
-    <p:sldId id="299" r:id="rId45"/>
+    <p:sldId id="303" r:id="rId43"/>
+    <p:sldId id="302" r:id="rId44"/>
+    <p:sldId id="305" r:id="rId45"/>
+    <p:sldId id="304" r:id="rId46"/>
+    <p:sldId id="306" r:id="rId47"/>
+    <p:sldId id="297" r:id="rId48"/>
+    <p:sldId id="299" r:id="rId49"/>
   </p:sldIdLst>
   <p:sldSz cx="9144000" cy="6858000" type="screen4x3"/>
   <p:notesSz cx="6858000" cy="9144000"/>
@@ -350,7 +354,7 @@
             <a:fld id="{657198A3-6BD0-1345-BB48-4E51D4346A8E}" type="datetimeFigureOut">
               <a:rPr lang="it-IT" smtClean="0"/>
               <a:pPr/>
-              <a:t>16/01/2018</a:t>
+              <a:t>17/01/2018</a:t>
             </a:fld>
             <a:endParaRPr lang="it-IT" dirty="0"/>
           </a:p>
@@ -515,7 +519,7 @@
             <a:fld id="{657198A3-6BD0-1345-BB48-4E51D4346A8E}" type="datetimeFigureOut">
               <a:rPr lang="it-IT" smtClean="0"/>
               <a:pPr/>
-              <a:t>16/01/2018</a:t>
+              <a:t>17/01/2018</a:t>
             </a:fld>
             <a:endParaRPr lang="it-IT" dirty="0"/>
           </a:p>
@@ -690,7 +694,7 @@
             <a:fld id="{657198A3-6BD0-1345-BB48-4E51D4346A8E}" type="datetimeFigureOut">
               <a:rPr lang="it-IT" smtClean="0"/>
               <a:pPr/>
-              <a:t>16/01/2018</a:t>
+              <a:t>17/01/2018</a:t>
             </a:fld>
             <a:endParaRPr lang="it-IT" dirty="0"/>
           </a:p>
@@ -865,7 +869,7 @@
             <a:fld id="{657198A3-6BD0-1345-BB48-4E51D4346A8E}" type="datetimeFigureOut">
               <a:rPr lang="it-IT" smtClean="0"/>
               <a:pPr/>
-              <a:t>16/01/2018</a:t>
+              <a:t>17/01/2018</a:t>
             </a:fld>
             <a:endParaRPr lang="it-IT" dirty="0"/>
           </a:p>
@@ -1107,7 +1111,7 @@
             <a:fld id="{657198A3-6BD0-1345-BB48-4E51D4346A8E}" type="datetimeFigureOut">
               <a:rPr lang="it-IT" smtClean="0"/>
               <a:pPr/>
-              <a:t>16/01/2018</a:t>
+              <a:t>17/01/2018</a:t>
             </a:fld>
             <a:endParaRPr lang="it-IT" dirty="0"/>
           </a:p>
@@ -1389,7 +1393,7 @@
             <a:fld id="{657198A3-6BD0-1345-BB48-4E51D4346A8E}" type="datetimeFigureOut">
               <a:rPr lang="it-IT" smtClean="0"/>
               <a:pPr/>
-              <a:t>16/01/2018</a:t>
+              <a:t>17/01/2018</a:t>
             </a:fld>
             <a:endParaRPr lang="it-IT" dirty="0"/>
           </a:p>
@@ -1805,7 +1809,7 @@
             <a:fld id="{657198A3-6BD0-1345-BB48-4E51D4346A8E}" type="datetimeFigureOut">
               <a:rPr lang="it-IT" smtClean="0"/>
               <a:pPr/>
-              <a:t>16/01/2018</a:t>
+              <a:t>17/01/2018</a:t>
             </a:fld>
             <a:endParaRPr lang="it-IT" dirty="0"/>
           </a:p>
@@ -1919,7 +1923,7 @@
             <a:fld id="{657198A3-6BD0-1345-BB48-4E51D4346A8E}" type="datetimeFigureOut">
               <a:rPr lang="it-IT" smtClean="0"/>
               <a:pPr/>
-              <a:t>16/01/2018</a:t>
+              <a:t>17/01/2018</a:t>
             </a:fld>
             <a:endParaRPr lang="it-IT" dirty="0"/>
           </a:p>
@@ -2011,7 +2015,7 @@
             <a:fld id="{657198A3-6BD0-1345-BB48-4E51D4346A8E}" type="datetimeFigureOut">
               <a:rPr lang="it-IT" smtClean="0"/>
               <a:pPr/>
-              <a:t>16/01/2018</a:t>
+              <a:t>17/01/2018</a:t>
             </a:fld>
             <a:endParaRPr lang="it-IT" dirty="0"/>
           </a:p>
@@ -2283,7 +2287,7 @@
             <a:fld id="{657198A3-6BD0-1345-BB48-4E51D4346A8E}" type="datetimeFigureOut">
               <a:rPr lang="it-IT" smtClean="0"/>
               <a:pPr/>
-              <a:t>16/01/2018</a:t>
+              <a:t>17/01/2018</a:t>
             </a:fld>
             <a:endParaRPr lang="it-IT" dirty="0"/>
           </a:p>
@@ -2535,7 +2539,7 @@
             <a:fld id="{657198A3-6BD0-1345-BB48-4E51D4346A8E}" type="datetimeFigureOut">
               <a:rPr lang="it-IT" smtClean="0"/>
               <a:pPr/>
-              <a:t>16/01/2018</a:t>
+              <a:t>17/01/2018</a:t>
             </a:fld>
             <a:endParaRPr lang="it-IT" dirty="0"/>
           </a:p>
@@ -2743,7 +2747,7 @@
             <a:fld id="{657198A3-6BD0-1345-BB48-4E51D4346A8E}" type="datetimeFigureOut">
               <a:rPr lang="it-IT" smtClean="0"/>
               <a:pPr/>
-              <a:t>16/01/2018</a:t>
+              <a:t>17/01/2018</a:t>
             </a:fld>
             <a:endParaRPr lang="it-IT" dirty="0"/>
           </a:p>
@@ -17030,7 +17034,7 @@
         </p:spPr>
         <p:txBody>
           <a:bodyPr vert="horz" lIns="91440" tIns="45720" rIns="91440" bIns="45720" rtlCol="0">
-            <a:normAutofit fontScale="92500"/>
+            <a:normAutofit fontScale="77500" lnSpcReduction="20000"/>
           </a:bodyPr>
           <a:lstStyle>
             <a:lvl1pPr marL="257175" indent="-257175" algn="l" defTabSz="342900" rtl="0" eaLnBrk="1" latinLnBrk="0" hangingPunct="1">
@@ -17206,27 +17210,27 @@
             </a:r>
             <a:r>
               <a:rPr lang="it-IT" dirty="0"/>
-              <a:t>: se si scegliesse di considerarli nulli, appare ovvio che nel </a:t>
-            </a:r>
-            <a:r>
-              <a:rPr lang="it-IT" dirty="0" err="1"/>
-              <a:t>clustering</a:t>
-            </a:r>
-            <a:r>
-              <a:rPr lang="it-IT" dirty="0"/>
-              <a:t> essi verrebbero aggregati tutti insieme, di fatto </a:t>
+              <a:t>: un voto pari a zero può significare sia che l’esame non è stato superato, sia che non è stato nemmeno sostenuto. Nell’impossibilità di distinguere fra queste due situazioni, si è optato per </a:t>
+            </a:r>
+            <a:r>
+              <a:rPr lang="it-IT" i="1" u="sng" dirty="0"/>
+              <a:t>concentrarsi soltanto sui risultati degli esami superati con successo</a:t>
             </a:r>
             <a:r>
               <a:rPr lang="it-IT" i="1" dirty="0"/>
-              <a:t>sprecando un cluster.</a:t>
-            </a:r>
-            <a:endParaRPr lang="it-IT" dirty="0">
-              <a:solidFill>
-                <a:schemeClr val="bg1">
-                  <a:lumMod val="50000"/>
-                </a:schemeClr>
-              </a:solidFill>
-            </a:endParaRPr>
+              <a:t>.</a:t>
+            </a:r>
+          </a:p>
+          <a:p>
+            <a:pPr lvl="1" algn="just"/>
+            <a:r>
+              <a:rPr lang="it-IT" dirty="0">
+                <a:solidFill>
+                  <a:srgbClr val="FF0000"/>
+                </a:solidFill>
+              </a:rPr>
+              <a:t>Si è ben coscienti che questa decisione limita il tipo di informazione che sarà possibile estrapolare dai dati, ma si ritiene comunque preferibile ottenere poche informazioni corrette che rischiare di trarre conclusioni confuse.</a:t>
+            </a:r>
           </a:p>
           <a:p>
             <a:pPr algn="just"/>
@@ -18313,7 +18317,7 @@
         </p:spPr>
         <p:txBody>
           <a:bodyPr vert="horz" lIns="91440" tIns="45720" rIns="91440" bIns="45720" rtlCol="0">
-            <a:normAutofit lnSpcReduction="10000"/>
+            <a:normAutofit/>
           </a:bodyPr>
           <a:lstStyle>
             <a:lvl1pPr marL="257175" indent="-257175" algn="l" defTabSz="342900" rtl="0" eaLnBrk="1" latinLnBrk="0" hangingPunct="1">
@@ -18503,7 +18507,7 @@
                   <a:srgbClr val="FF0000"/>
                 </a:solidFill>
               </a:rPr>
-              <a:t>Dopo la normalizzazione, un attributo voto pari a zero significa che è stato                  conseguito il voto minimo sufficiente per quella materia, non che l’esame non è stato superato!</a:t>
+              <a:t>Un attributo voto pari a zero significa che è stato conseguito il voto minimo sufficiente per quella materia, non che l’esame non è stato superato!</a:t>
             </a:r>
           </a:p>
           <a:p>
@@ -18986,7 +18990,7 @@
         </p:nvSpPr>
         <p:spPr>
           <a:xfrm>
-            <a:off x="457200" y="836712"/>
+            <a:off x="457200" y="845840"/>
             <a:ext cx="8229600" cy="1143000"/>
           </a:xfrm>
         </p:spPr>
@@ -19768,13 +19772,13 @@
         </p:nvSpPr>
         <p:spPr>
           <a:xfrm>
-            <a:off x="457200" y="2060848"/>
+            <a:off x="457200" y="1988840"/>
             <a:ext cx="8229600" cy="4114800"/>
           </a:xfrm>
         </p:spPr>
         <p:txBody>
           <a:bodyPr>
-            <a:normAutofit lnSpcReduction="10000"/>
+            <a:normAutofit fontScale="92500" lnSpcReduction="10000"/>
           </a:bodyPr>
           <a:lstStyle/>
           <a:p>
@@ -19797,7 +19801,31 @@
             </a:r>
             <a:r>
               <a:rPr lang="it-IT" dirty="0"/>
-              <a:t> cambiandone di volta in volta i parametri e valutandone le prestazioni. I risultati che verranno presentati saranno quelli ritenuti migliori o interessanti.</a:t>
+              <a:t> cambiandone di volta in volta i parametri </a:t>
+            </a:r>
+            <a:r>
+              <a:rPr lang="it-IT" sz="1900" dirty="0"/>
+              <a:t>(ad esempio, il </a:t>
+            </a:r>
+            <a:r>
+              <a:rPr lang="it-IT" sz="1900" dirty="0" err="1"/>
+              <a:t>seed</a:t>
+            </a:r>
+            <a:r>
+              <a:rPr lang="it-IT" sz="1900" dirty="0"/>
+              <a:t> per generare casualmente la posizione dei </a:t>
+            </a:r>
+            <a:r>
+              <a:rPr lang="it-IT" sz="1900" dirty="0" err="1"/>
+              <a:t>centroidi</a:t>
+            </a:r>
+            <a:r>
+              <a:rPr lang="it-IT" sz="1900" dirty="0"/>
+              <a:t> iniziali) </a:t>
+            </a:r>
+            <a:r>
+              <a:rPr lang="it-IT" dirty="0"/>
+              <a:t>e valutandone le prestazioni. I risultati che verranno presentati saranno quelli ritenuti migliori o interessanti.</a:t>
             </a:r>
           </a:p>
           <a:p>
@@ -20948,7 +20976,7 @@
             </a:r>
             <a:r>
               <a:rPr lang="it-IT" sz="1800" dirty="0"/>
-              <a:t> di rimpiazzare i valori mancanti, di fatto ignorandoli come avevamo scelto.</a:t>
+              <a:t> di rimpiazzare i valori mancanti con la media/moda degli altri, di fatto ignorandoli come avevamo scelto.</a:t>
             </a:r>
           </a:p>
           <a:p>
@@ -22597,15 +22625,7 @@
             </a:r>
             <a:r>
               <a:rPr lang="it-IT" sz="2000" b="1" dirty="0"/>
-              <a:t>K-</a:t>
-            </a:r>
-            <a:r>
-              <a:rPr lang="it-IT" sz="2000" b="1" dirty="0" err="1"/>
-              <a:t>means</a:t>
-            </a:r>
-            <a:r>
-              <a:rPr lang="it-IT" sz="2000" b="1" dirty="0"/>
-              <a:t>, 3 cluster</a:t>
+              <a:t>K-MEANS, 3 cluster</a:t>
             </a:r>
             <a:endParaRPr lang="en-US" sz="2000" dirty="0">
               <a:solidFill>
@@ -22962,6 +22982,54 @@
               </a:rPr>
               <a:t>                   +/-22.3971 +/-15.0199 +/-13.4264 +/-26.3345</a:t>
             </a:r>
+          </a:p>
+        </p:txBody>
+      </p:sp>
+      <p:sp>
+        <p:nvSpPr>
+          <p:cNvPr id="5" name="CasellaDiTesto 4">
+            <a:extLst>
+              <a:ext uri="{FF2B5EF4-FFF2-40B4-BE49-F238E27FC236}">
+                <a16:creationId xmlns:a16="http://schemas.microsoft.com/office/drawing/2014/main" id="{41BAB8D5-FD07-4549-826E-FFEBF87D1079}"/>
+              </a:ext>
+            </a:extLst>
+          </p:cNvPr>
+          <p:cNvSpPr txBox="1"/>
+          <p:nvPr/>
+        </p:nvSpPr>
+        <p:spPr>
+          <a:xfrm>
+            <a:off x="334779" y="1484784"/>
+            <a:ext cx="1572925" cy="523220"/>
+          </a:xfrm>
+          <a:prstGeom prst="rect">
+            <a:avLst/>
+          </a:prstGeom>
+          <a:noFill/>
+        </p:spPr>
+        <p:txBody>
+          <a:bodyPr wrap="square" rtlCol="0">
+            <a:spAutoFit/>
+          </a:bodyPr>
+          <a:lstStyle/>
+          <a:p>
+            <a:r>
+              <a:rPr lang="it-IT" sz="1400" dirty="0">
+                <a:solidFill>
+                  <a:schemeClr val="bg1">
+                    <a:lumMod val="50000"/>
+                  </a:schemeClr>
+                </a:solidFill>
+              </a:rPr>
+              <a:t>N.B. : si è ignorato l’attributo coorte</a:t>
+            </a:r>
+            <a:endParaRPr lang="en-US" sz="1400" dirty="0">
+              <a:solidFill>
+                <a:schemeClr val="bg1">
+                  <a:lumMod val="50000"/>
+                </a:schemeClr>
+              </a:solidFill>
+            </a:endParaRPr>
           </a:p>
         </p:txBody>
       </p:sp>
@@ -23109,7 +23177,7 @@
         <p:spPr>
           <a:xfrm>
             <a:off x="251520" y="1052736"/>
-            <a:ext cx="1872208" cy="2308324"/>
+            <a:ext cx="1872208" cy="4770537"/>
           </a:xfrm>
           <a:prstGeom prst="rect">
             <a:avLst/>
@@ -23123,26 +23191,29 @@
           <a:lstStyle/>
           <a:p>
             <a:r>
-              <a:rPr lang="it-IT" dirty="0"/>
-              <a:t>L’intento sembra essere riuscito.</a:t>
-            </a:r>
-          </a:p>
-          <a:p>
-            <a:endParaRPr lang="it-IT" dirty="0"/>
-          </a:p>
-          <a:p>
-            <a:r>
-              <a:rPr lang="it-IT" dirty="0"/>
-              <a:t>Si cerca adesso di ottenere risultati migliori con un altro algoritmo di </a:t>
-            </a:r>
-            <a:r>
-              <a:rPr lang="it-IT" dirty="0" err="1"/>
-              <a:t>clustering</a:t>
-            </a:r>
-            <a:r>
-              <a:rPr lang="it-IT" dirty="0"/>
+              <a:rPr lang="it-IT" sz="1600" dirty="0"/>
+              <a:t>L’intento sembra essere riuscito. </a:t>
+            </a:r>
+          </a:p>
+          <a:p>
+            <a:endParaRPr lang="it-IT" sz="1600" dirty="0"/>
+          </a:p>
+          <a:p>
+            <a:r>
+              <a:rPr lang="it-IT" sz="1600" dirty="0"/>
+              <a:t>Non è ci si può ritenere sorpresi dal fatto che l’aspetto rispetto al quali la suddivisione risulta più netta sia il numero di crediti conseguiti, in quanto ci sono ben due attributi che esprimono praticamente la stessa cosa: </a:t>
+            </a:r>
+            <a:r>
+              <a:rPr lang="it-IT" sz="1600" i="1" dirty="0"/>
+              <a:t>i CFU senza voto sono soltanto 6 su 180</a:t>
+            </a:r>
+            <a:r>
+              <a:rPr lang="it-IT" sz="1600" dirty="0"/>
               <a:t>.</a:t>
             </a:r>
+          </a:p>
+          <a:p>
+            <a:endParaRPr lang="it-IT" sz="1600" dirty="0"/>
           </a:p>
         </p:txBody>
       </p:sp>
@@ -23160,36 +23231,6 @@
 </file>
 
 <file path=ppt/slides/slide42.xml><?xml version="1.0" encoding="utf-8"?>
-<p:sld xmlns:a="http://schemas.openxmlformats.org/drawingml/2006/main" xmlns:r="http://schemas.openxmlformats.org/officeDocument/2006/relationships" xmlns:p="http://schemas.openxmlformats.org/presentationml/2006/main">
-  <p:cSld>
-    <p:spTree>
-      <p:nvGrpSpPr>
-        <p:cNvPr id="1" name=""/>
-        <p:cNvGrpSpPr/>
-        <p:nvPr/>
-      </p:nvGrpSpPr>
-      <p:grpSpPr>
-        <a:xfrm>
-          <a:off x="0" y="0"/>
-          <a:ext cx="0" cy="0"/>
-          <a:chOff x="0" y="0"/>
-          <a:chExt cx="0" cy="0"/>
-        </a:xfrm>
-      </p:grpSpPr>
-    </p:spTree>
-    <p:extLst>
-      <p:ext uri="{BB962C8B-B14F-4D97-AF65-F5344CB8AC3E}">
-        <p14:creationId xmlns:p14="http://schemas.microsoft.com/office/powerpoint/2010/main" val="2987197199"/>
-      </p:ext>
-    </p:extLst>
-  </p:cSld>
-  <p:clrMapOvr>
-    <a:masterClrMapping/>
-  </p:clrMapOvr>
-</p:sld>
-</file>
-
-<file path=ppt/slides/slide43.xml><?xml version="1.0" encoding="utf-8"?>
 <p:sld xmlns:a="http://schemas.openxmlformats.org/drawingml/2006/main" xmlns:r="http://schemas.openxmlformats.org/officeDocument/2006/relationships" xmlns:p="http://schemas.openxmlformats.org/presentationml/2006/main">
   <p:cSld>
     <p:spTree>
@@ -24153,8 +24194,8 @@
         </p:nvSpPr>
         <p:spPr>
           <a:xfrm>
-            <a:off x="35496" y="836712"/>
-            <a:ext cx="8807860" cy="369332"/>
+            <a:off x="190763" y="908720"/>
+            <a:ext cx="8701717" cy="400110"/>
           </a:xfrm>
           <a:prstGeom prst="rect">
             <a:avLst/>
@@ -24162,44 +24203,20 @@
           <a:noFill/>
         </p:spPr>
         <p:txBody>
-          <a:bodyPr wrap="none" rtlCol="0">
+          <a:bodyPr wrap="square" rtlCol="0">
             <a:spAutoFit/>
           </a:bodyPr>
           <a:lstStyle/>
           <a:p>
             <a:r>
-              <a:rPr lang="it-IT" b="1" dirty="0"/>
-              <a:t>K-</a:t>
-            </a:r>
-            <a:r>
-              <a:rPr lang="it-IT" b="1" dirty="0" err="1"/>
-              <a:t>means</a:t>
-            </a:r>
-            <a:r>
-              <a:rPr lang="it-IT" dirty="0"/>
-              <a:t>, </a:t>
-            </a:r>
-            <a:r>
-              <a:rPr lang="it-IT" b="1" dirty="0"/>
-              <a:t>4 cluster</a:t>
-            </a:r>
-            <a:r>
-              <a:rPr lang="it-IT" dirty="0"/>
-              <a:t>: </a:t>
-            </a:r>
-            <a:r>
-              <a:rPr lang="it-IT" dirty="0">
-                <a:solidFill>
-                  <a:srgbClr val="FF0000"/>
-                </a:solidFill>
-              </a:rPr>
-              <a:t>sarà possibile racchiudere ogni coorte di immatricolazione in un cluster?</a:t>
-            </a:r>
-            <a:endParaRPr lang="en-US" dirty="0">
-              <a:solidFill>
-                <a:srgbClr val="FF0000"/>
-              </a:solidFill>
-            </a:endParaRPr>
+              <a:rPr lang="it-IT" sz="2000" dirty="0"/>
+              <a:t>Si ripete l’analisi di prima, ignorando l’attributo </a:t>
+            </a:r>
+            <a:r>
+              <a:rPr lang="it-IT" sz="2000" i="1" dirty="0" err="1"/>
+              <a:t>crediti_totali</a:t>
+            </a:r>
+            <a:endParaRPr lang="en-US" sz="2000" i="1" dirty="0"/>
           </a:p>
         </p:txBody>
       </p:sp>
@@ -24217,7 +24234,2602 @@
         </p:nvSpPr>
         <p:spPr>
           <a:xfrm>
-            <a:off x="1547664" y="1268760"/>
+            <a:off x="1963025" y="1340768"/>
+            <a:ext cx="7793551" cy="5293757"/>
+          </a:xfrm>
+          <a:prstGeom prst="rect">
+            <a:avLst/>
+          </a:prstGeom>
+          <a:noFill/>
+        </p:spPr>
+        <p:txBody>
+          <a:bodyPr wrap="square" rtlCol="0">
+            <a:spAutoFit/>
+          </a:bodyPr>
+          <a:lstStyle/>
+          <a:p>
+            <a:r>
+              <a:rPr lang="en-US" sz="1300" dirty="0" err="1">
+                <a:solidFill>
+                  <a:srgbClr val="7030A0"/>
+                </a:solidFill>
+                <a:latin typeface="Courier New" panose="02070309020205020404" pitchFamily="49" charset="0"/>
+                <a:cs typeface="Courier New" panose="02070309020205020404" pitchFamily="49" charset="0"/>
+              </a:rPr>
+              <a:t>kMeans</a:t>
+            </a:r>
+            <a:endParaRPr lang="en-US" sz="1300" dirty="0">
+              <a:solidFill>
+                <a:srgbClr val="7030A0"/>
+              </a:solidFill>
+              <a:latin typeface="Courier New" panose="02070309020205020404" pitchFamily="49" charset="0"/>
+              <a:cs typeface="Courier New" panose="02070309020205020404" pitchFamily="49" charset="0"/>
+            </a:endParaRPr>
+          </a:p>
+          <a:p>
+            <a:r>
+              <a:rPr lang="en-US" sz="1300" dirty="0">
+                <a:solidFill>
+                  <a:srgbClr val="7030A0"/>
+                </a:solidFill>
+                <a:latin typeface="Courier New" panose="02070309020205020404" pitchFamily="49" charset="0"/>
+                <a:cs typeface="Courier New" panose="02070309020205020404" pitchFamily="49" charset="0"/>
+              </a:rPr>
+              <a:t>======</a:t>
+            </a:r>
+          </a:p>
+          <a:p>
+            <a:endParaRPr lang="en-US" sz="1300" dirty="0">
+              <a:solidFill>
+                <a:srgbClr val="7030A0"/>
+              </a:solidFill>
+              <a:latin typeface="Courier New" panose="02070309020205020404" pitchFamily="49" charset="0"/>
+              <a:cs typeface="Courier New" panose="02070309020205020404" pitchFamily="49" charset="0"/>
+            </a:endParaRPr>
+          </a:p>
+          <a:p>
+            <a:r>
+              <a:rPr lang="en-US" sz="1300" dirty="0">
+                <a:solidFill>
+                  <a:srgbClr val="7030A0"/>
+                </a:solidFill>
+                <a:latin typeface="Courier New" panose="02070309020205020404" pitchFamily="49" charset="0"/>
+                <a:cs typeface="Courier New" panose="02070309020205020404" pitchFamily="49" charset="0"/>
+              </a:rPr>
+              <a:t>Number of iterations: 4</a:t>
+            </a:r>
+          </a:p>
+          <a:p>
+            <a:r>
+              <a:rPr lang="en-US" sz="1300" b="1" dirty="0">
+                <a:solidFill>
+                  <a:srgbClr val="7030A0"/>
+                </a:solidFill>
+                <a:latin typeface="Courier New" panose="02070309020205020404" pitchFamily="49" charset="0"/>
+                <a:cs typeface="Courier New" panose="02070309020205020404" pitchFamily="49" charset="0"/>
+              </a:rPr>
+              <a:t>Within cluster sum of squared errors: 12.427801609802732</a:t>
+            </a:r>
+          </a:p>
+          <a:p>
+            <a:endParaRPr lang="en-US" sz="1300" dirty="0">
+              <a:solidFill>
+                <a:srgbClr val="7030A0"/>
+              </a:solidFill>
+              <a:latin typeface="Courier New" panose="02070309020205020404" pitchFamily="49" charset="0"/>
+              <a:cs typeface="Courier New" panose="02070309020205020404" pitchFamily="49" charset="0"/>
+            </a:endParaRPr>
+          </a:p>
+          <a:p>
+            <a:r>
+              <a:rPr lang="en-US" sz="1300" dirty="0">
+                <a:solidFill>
+                  <a:srgbClr val="7030A0"/>
+                </a:solidFill>
+                <a:latin typeface="Courier New" panose="02070309020205020404" pitchFamily="49" charset="0"/>
+                <a:cs typeface="Courier New" panose="02070309020205020404" pitchFamily="49" charset="0"/>
+              </a:rPr>
+              <a:t>Initial starting points (random):</a:t>
+            </a:r>
+          </a:p>
+          <a:p>
+            <a:endParaRPr lang="en-US" sz="1300" dirty="0">
+              <a:solidFill>
+                <a:srgbClr val="7030A0"/>
+              </a:solidFill>
+              <a:latin typeface="Courier New" panose="02070309020205020404" pitchFamily="49" charset="0"/>
+              <a:cs typeface="Courier New" panose="02070309020205020404" pitchFamily="49" charset="0"/>
+            </a:endParaRPr>
+          </a:p>
+          <a:p>
+            <a:r>
+              <a:rPr lang="en-US" sz="1300" dirty="0">
+                <a:solidFill>
+                  <a:srgbClr val="7030A0"/>
+                </a:solidFill>
+                <a:latin typeface="Courier New" panose="02070309020205020404" pitchFamily="49" charset="0"/>
+                <a:cs typeface="Courier New" panose="02070309020205020404" pitchFamily="49" charset="0"/>
+              </a:rPr>
+              <a:t>Cluster 0: 72,46.938776,53.846154</a:t>
+            </a:r>
+          </a:p>
+          <a:p>
+            <a:r>
+              <a:rPr lang="en-US" sz="1300" dirty="0">
+                <a:solidFill>
+                  <a:srgbClr val="7030A0"/>
+                </a:solidFill>
+                <a:latin typeface="Courier New" panose="02070309020205020404" pitchFamily="49" charset="0"/>
+                <a:cs typeface="Courier New" panose="02070309020205020404" pitchFamily="49" charset="0"/>
+              </a:rPr>
+              <a:t>Cluster 1: 80,100,61.538462</a:t>
+            </a:r>
+          </a:p>
+          <a:p>
+            <a:r>
+              <a:rPr lang="en-US" sz="1300" dirty="0">
+                <a:solidFill>
+                  <a:srgbClr val="7030A0"/>
+                </a:solidFill>
+                <a:latin typeface="Courier New" panose="02070309020205020404" pitchFamily="49" charset="0"/>
+                <a:cs typeface="Courier New" panose="02070309020205020404" pitchFamily="49" charset="0"/>
+              </a:rPr>
+              <a:t>Cluster 2: 40,0,0</a:t>
+            </a:r>
+          </a:p>
+          <a:p>
+            <a:endParaRPr lang="en-US" sz="1300" dirty="0">
+              <a:solidFill>
+                <a:srgbClr val="7030A0"/>
+              </a:solidFill>
+              <a:latin typeface="Courier New" panose="02070309020205020404" pitchFamily="49" charset="0"/>
+              <a:cs typeface="Courier New" panose="02070309020205020404" pitchFamily="49" charset="0"/>
+            </a:endParaRPr>
+          </a:p>
+          <a:p>
+            <a:endParaRPr lang="en-US" sz="1300" dirty="0">
+              <a:solidFill>
+                <a:srgbClr val="7030A0"/>
+              </a:solidFill>
+              <a:latin typeface="Courier New" panose="02070309020205020404" pitchFamily="49" charset="0"/>
+              <a:cs typeface="Courier New" panose="02070309020205020404" pitchFamily="49" charset="0"/>
+            </a:endParaRPr>
+          </a:p>
+          <a:p>
+            <a:r>
+              <a:rPr lang="en-US" sz="1300" dirty="0">
+                <a:solidFill>
+                  <a:srgbClr val="7030A0"/>
+                </a:solidFill>
+                <a:latin typeface="Courier New" panose="02070309020205020404" pitchFamily="49" charset="0"/>
+                <a:cs typeface="Courier New" panose="02070309020205020404" pitchFamily="49" charset="0"/>
+              </a:rPr>
+              <a:t>Final cluster centroids:</a:t>
+            </a:r>
+          </a:p>
+          <a:p>
+            <a:r>
+              <a:rPr lang="en-US" sz="1300" dirty="0">
+                <a:solidFill>
+                  <a:srgbClr val="7030A0"/>
+                </a:solidFill>
+                <a:latin typeface="Courier New" panose="02070309020205020404" pitchFamily="49" charset="0"/>
+                <a:cs typeface="Courier New" panose="02070309020205020404" pitchFamily="49" charset="0"/>
+              </a:rPr>
+              <a:t>                                Cluster#</a:t>
+            </a:r>
+          </a:p>
+          <a:p>
+            <a:r>
+              <a:rPr lang="en-US" sz="1300" dirty="0">
+                <a:solidFill>
+                  <a:srgbClr val="7030A0"/>
+                </a:solidFill>
+                <a:latin typeface="Courier New" panose="02070309020205020404" pitchFamily="49" charset="0"/>
+                <a:cs typeface="Courier New" panose="02070309020205020404" pitchFamily="49" charset="0"/>
+              </a:rPr>
+              <a:t>Attribute           Full Data          0          1          2</a:t>
+            </a:r>
+          </a:p>
+          <a:p>
+            <a:r>
+              <a:rPr lang="en-US" sz="1300" dirty="0">
+                <a:solidFill>
+                  <a:srgbClr val="7030A0"/>
+                </a:solidFill>
+                <a:latin typeface="Courier New" panose="02070309020205020404" pitchFamily="49" charset="0"/>
+                <a:cs typeface="Courier New" panose="02070309020205020404" pitchFamily="49" charset="0"/>
+              </a:rPr>
+              <a:t>                      (212.0)     (59.0)    (116.0)     (37.0)</a:t>
+            </a:r>
+          </a:p>
+          <a:p>
+            <a:r>
+              <a:rPr lang="en-US" sz="1300" dirty="0">
+                <a:solidFill>
+                  <a:srgbClr val="7030A0"/>
+                </a:solidFill>
+                <a:latin typeface="Courier New" panose="02070309020205020404" pitchFamily="49" charset="0"/>
+                <a:cs typeface="Courier New" panose="02070309020205020404" pitchFamily="49" charset="0"/>
+              </a:rPr>
+              <a:t>==============================================================</a:t>
+            </a:r>
+          </a:p>
+          <a:p>
+            <a:r>
+              <a:rPr lang="en-US" sz="1300" dirty="0">
+                <a:solidFill>
+                  <a:srgbClr val="7030A0"/>
+                </a:solidFill>
+                <a:latin typeface="Courier New" panose="02070309020205020404" pitchFamily="49" charset="0"/>
+                <a:cs typeface="Courier New" panose="02070309020205020404" pitchFamily="49" charset="0"/>
+              </a:rPr>
+              <a:t>test                  57.5849     59.322    61.3793    42.9189</a:t>
+            </a:r>
+          </a:p>
+          <a:p>
+            <a:r>
+              <a:rPr lang="en-US" sz="1300" dirty="0">
+                <a:solidFill>
+                  <a:srgbClr val="7030A0"/>
+                </a:solidFill>
+                <a:latin typeface="Courier New" panose="02070309020205020404" pitchFamily="49" charset="0"/>
+                <a:cs typeface="Courier New" panose="02070309020205020404" pitchFamily="49" charset="0"/>
+              </a:rPr>
+              <a:t>                   +/-15.9495 +/-15.4233 +/-14.0172 +/-14.4114</a:t>
+            </a:r>
+          </a:p>
+          <a:p>
+            <a:endParaRPr lang="en-US" sz="1300" dirty="0">
+              <a:solidFill>
+                <a:srgbClr val="7030A0"/>
+              </a:solidFill>
+              <a:latin typeface="Courier New" panose="02070309020205020404" pitchFamily="49" charset="0"/>
+              <a:cs typeface="Courier New" panose="02070309020205020404" pitchFamily="49" charset="0"/>
+            </a:endParaRPr>
+          </a:p>
+          <a:p>
+            <a:r>
+              <a:rPr lang="en-US" sz="1300" dirty="0" err="1">
+                <a:solidFill>
+                  <a:srgbClr val="7030A0"/>
+                </a:solidFill>
+                <a:latin typeface="Courier New" panose="02070309020205020404" pitchFamily="49" charset="0"/>
+                <a:cs typeface="Courier New" panose="02070309020205020404" pitchFamily="49" charset="0"/>
+              </a:rPr>
+              <a:t>crediti_con_voto</a:t>
+            </a:r>
+            <a:r>
+              <a:rPr lang="en-US" sz="1300" dirty="0">
+                <a:solidFill>
+                  <a:srgbClr val="7030A0"/>
+                </a:solidFill>
+                <a:latin typeface="Courier New" panose="02070309020205020404" pitchFamily="49" charset="0"/>
+                <a:cs typeface="Courier New" panose="02070309020205020404" pitchFamily="49" charset="0"/>
+              </a:rPr>
+              <a:t>      60.0982    28.8481    93.8951     3.9713</a:t>
+            </a:r>
+          </a:p>
+          <a:p>
+            <a:r>
+              <a:rPr lang="en-US" sz="1300" dirty="0">
+                <a:solidFill>
+                  <a:srgbClr val="7030A0"/>
+                </a:solidFill>
+                <a:latin typeface="Courier New" panose="02070309020205020404" pitchFamily="49" charset="0"/>
+                <a:cs typeface="Courier New" panose="02070309020205020404" pitchFamily="49" charset="0"/>
+              </a:rPr>
+              <a:t>                   +/-40.1568 +/-19.4555  +/-9.2117  +/-7.1985</a:t>
+            </a:r>
+          </a:p>
+          <a:p>
+            <a:endParaRPr lang="en-US" sz="1300" dirty="0">
+              <a:solidFill>
+                <a:srgbClr val="7030A0"/>
+              </a:solidFill>
+              <a:latin typeface="Courier New" panose="02070309020205020404" pitchFamily="49" charset="0"/>
+              <a:cs typeface="Courier New" panose="02070309020205020404" pitchFamily="49" charset="0"/>
+            </a:endParaRPr>
+          </a:p>
+          <a:p>
+            <a:r>
+              <a:rPr lang="en-US" sz="1300" dirty="0" err="1">
+                <a:solidFill>
+                  <a:srgbClr val="7030A0"/>
+                </a:solidFill>
+                <a:latin typeface="Courier New" panose="02070309020205020404" pitchFamily="49" charset="0"/>
+                <a:cs typeface="Courier New" panose="02070309020205020404" pitchFamily="49" charset="0"/>
+              </a:rPr>
+              <a:t>voto_medio</a:t>
+            </a:r>
+            <a:r>
+              <a:rPr lang="en-US" sz="1300" dirty="0">
+                <a:solidFill>
+                  <a:srgbClr val="7030A0"/>
+                </a:solidFill>
+                <a:latin typeface="Courier New" panose="02070309020205020404" pitchFamily="49" charset="0"/>
+                <a:cs typeface="Courier New" panose="02070309020205020404" pitchFamily="49" charset="0"/>
+              </a:rPr>
+              <a:t>            46.4078    49.8044    56.1008    10.6029</a:t>
+            </a:r>
+          </a:p>
+          <a:p>
+            <a:r>
+              <a:rPr lang="en-US" sz="1300" dirty="0">
+                <a:solidFill>
+                  <a:srgbClr val="7030A0"/>
+                </a:solidFill>
+                <a:latin typeface="Courier New" panose="02070309020205020404" pitchFamily="49" charset="0"/>
+                <a:cs typeface="Courier New" panose="02070309020205020404" pitchFamily="49" charset="0"/>
+              </a:rPr>
+              <a:t>                   +/-22.3971 +/-15.6056 +/-15.0812 +/-13.4891</a:t>
+            </a:r>
+          </a:p>
+        </p:txBody>
+      </p:sp>
+      <p:sp>
+        <p:nvSpPr>
+          <p:cNvPr id="13" name="CasellaDiTesto 12">
+            <a:extLst>
+              <a:ext uri="{FF2B5EF4-FFF2-40B4-BE49-F238E27FC236}">
+                <a16:creationId xmlns:a16="http://schemas.microsoft.com/office/drawing/2014/main" id="{6C773C28-4AD3-48D2-A238-082301BCCFB6}"/>
+              </a:ext>
+            </a:extLst>
+          </p:cNvPr>
+          <p:cNvSpPr txBox="1"/>
+          <p:nvPr/>
+        </p:nvSpPr>
+        <p:spPr>
+          <a:xfrm>
+            <a:off x="190763" y="1772816"/>
+            <a:ext cx="1788949" cy="1077218"/>
+          </a:xfrm>
+          <a:prstGeom prst="rect">
+            <a:avLst/>
+          </a:prstGeom>
+          <a:noFill/>
+        </p:spPr>
+        <p:txBody>
+          <a:bodyPr wrap="square" rtlCol="0">
+            <a:spAutoFit/>
+          </a:bodyPr>
+          <a:lstStyle/>
+          <a:p>
+            <a:r>
+              <a:rPr lang="it-IT" sz="1600" dirty="0"/>
+              <a:t>I cluster così creati hanno una minore SSE: dovrebbero essere migliori.</a:t>
+            </a:r>
+            <a:endParaRPr lang="en-US" sz="1600" dirty="0"/>
+          </a:p>
+        </p:txBody>
+      </p:sp>
+    </p:spTree>
+    <p:extLst>
+      <p:ext uri="{BB962C8B-B14F-4D97-AF65-F5344CB8AC3E}">
+        <p14:creationId xmlns:p14="http://schemas.microsoft.com/office/powerpoint/2010/main" val="598392021"/>
+      </p:ext>
+    </p:extLst>
+  </p:cSld>
+  <p:clrMapOvr>
+    <a:masterClrMapping/>
+  </p:clrMapOvr>
+</p:sld>
+</file>
+
+<file path=ppt/slides/slide43.xml><?xml version="1.0" encoding="utf-8"?>
+<p:sld xmlns:a="http://schemas.openxmlformats.org/drawingml/2006/main" xmlns:r="http://schemas.openxmlformats.org/officeDocument/2006/relationships" xmlns:p="http://schemas.openxmlformats.org/presentationml/2006/main">
+  <p:cSld>
+    <p:spTree>
+      <p:nvGrpSpPr>
+        <p:cNvPr id="1" name=""/>
+        <p:cNvGrpSpPr/>
+        <p:nvPr/>
+      </p:nvGrpSpPr>
+      <p:grpSpPr>
+        <a:xfrm>
+          <a:off x="0" y="0"/>
+          <a:ext cx="0" cy="0"/>
+          <a:chOff x="0" y="0"/>
+          <a:chExt cx="0" cy="0"/>
+        </a:xfrm>
+      </p:grpSpPr>
+      <p:pic>
+        <p:nvPicPr>
+          <p:cNvPr id="2" name="Immagine 1">
+            <a:extLst>
+              <a:ext uri="{FF2B5EF4-FFF2-40B4-BE49-F238E27FC236}">
+                <a16:creationId xmlns:a16="http://schemas.microsoft.com/office/drawing/2014/main" id="{D4209131-7A47-4680-A74D-035E8E785ADA}"/>
+              </a:ext>
+            </a:extLst>
+          </p:cNvPr>
+          <p:cNvPicPr>
+            <a:picLocks noChangeAspect="1"/>
+          </p:cNvPicPr>
+          <p:nvPr/>
+        </p:nvPicPr>
+        <p:blipFill>
+          <a:blip r:embed="rId2"/>
+          <a:stretch>
+            <a:fillRect/>
+          </a:stretch>
+        </p:blipFill>
+        <p:spPr>
+          <a:xfrm>
+            <a:off x="2411760" y="1048488"/>
+            <a:ext cx="6566148" cy="5536364"/>
+          </a:xfrm>
+          <a:prstGeom prst="rect">
+            <a:avLst/>
+          </a:prstGeom>
+        </p:spPr>
+      </p:pic>
+      <p:sp>
+        <p:nvSpPr>
+          <p:cNvPr id="3" name="CasellaDiTesto 2">
+            <a:extLst>
+              <a:ext uri="{FF2B5EF4-FFF2-40B4-BE49-F238E27FC236}">
+                <a16:creationId xmlns:a16="http://schemas.microsoft.com/office/drawing/2014/main" id="{39214C3A-B6DD-4256-B431-05F611C3C755}"/>
+              </a:ext>
+            </a:extLst>
+          </p:cNvPr>
+          <p:cNvSpPr txBox="1"/>
+          <p:nvPr/>
+        </p:nvSpPr>
+        <p:spPr>
+          <a:xfrm>
+            <a:off x="251520" y="1052736"/>
+            <a:ext cx="2160240" cy="4524315"/>
+          </a:xfrm>
+          <a:prstGeom prst="rect">
+            <a:avLst/>
+          </a:prstGeom>
+          <a:noFill/>
+        </p:spPr>
+        <p:txBody>
+          <a:bodyPr wrap="square" rtlCol="0">
+            <a:spAutoFit/>
+          </a:bodyPr>
+          <a:lstStyle/>
+          <a:p>
+            <a:r>
+              <a:rPr lang="it-IT" sz="1600" dirty="0"/>
+              <a:t>Non considerando il numero totale di crediti nel calcolo delle similarità fra istanze, il cluster degli studenti meno performanti si riduce sensibilmente.</a:t>
+            </a:r>
+          </a:p>
+          <a:p>
+            <a:endParaRPr lang="it-IT" sz="1600" dirty="0"/>
+          </a:p>
+          <a:p>
+            <a:endParaRPr lang="en-US" sz="1600" dirty="0"/>
+          </a:p>
+          <a:p>
+            <a:r>
+              <a:rPr lang="en-US" sz="1400" dirty="0">
+                <a:solidFill>
+                  <a:srgbClr val="7030A0"/>
+                </a:solidFill>
+                <a:latin typeface="Courier New" panose="02070309020205020404" pitchFamily="49" charset="0"/>
+                <a:cs typeface="Courier New" panose="02070309020205020404" pitchFamily="49" charset="0"/>
+              </a:rPr>
+              <a:t>Clustered Instances</a:t>
+            </a:r>
+          </a:p>
+          <a:p>
+            <a:endParaRPr lang="en-US" sz="1400" dirty="0">
+              <a:solidFill>
+                <a:srgbClr val="7030A0"/>
+              </a:solidFill>
+              <a:latin typeface="Courier New" panose="02070309020205020404" pitchFamily="49" charset="0"/>
+              <a:cs typeface="Courier New" panose="02070309020205020404" pitchFamily="49" charset="0"/>
+            </a:endParaRPr>
+          </a:p>
+          <a:p>
+            <a:r>
+              <a:rPr lang="en-US" sz="1400" dirty="0">
+                <a:solidFill>
+                  <a:srgbClr val="7030A0"/>
+                </a:solidFill>
+                <a:latin typeface="Courier New" panose="02070309020205020404" pitchFamily="49" charset="0"/>
+                <a:cs typeface="Courier New" panose="02070309020205020404" pitchFamily="49" charset="0"/>
+              </a:rPr>
+              <a:t>0       59 ( 28%)</a:t>
+            </a:r>
+          </a:p>
+          <a:p>
+            <a:r>
+              <a:rPr lang="en-US" sz="1400" dirty="0">
+                <a:solidFill>
+                  <a:srgbClr val="7030A0"/>
+                </a:solidFill>
+                <a:latin typeface="Courier New" panose="02070309020205020404" pitchFamily="49" charset="0"/>
+                <a:cs typeface="Courier New" panose="02070309020205020404" pitchFamily="49" charset="0"/>
+              </a:rPr>
+              <a:t>1      116 ( 55%)</a:t>
+            </a:r>
+          </a:p>
+          <a:p>
+            <a:pPr marL="342900" indent="-342900">
+              <a:buAutoNum type="arabicPlain" startAt="2"/>
+            </a:pPr>
+            <a:r>
+              <a:rPr lang="en-US" sz="1400" dirty="0">
+                <a:solidFill>
+                  <a:srgbClr val="7030A0"/>
+                </a:solidFill>
+                <a:latin typeface="Courier New" panose="02070309020205020404" pitchFamily="49" charset="0"/>
+                <a:cs typeface="Courier New" panose="02070309020205020404" pitchFamily="49" charset="0"/>
+              </a:rPr>
+              <a:t>     37 ( 17%)</a:t>
+            </a:r>
+          </a:p>
+          <a:p>
+            <a:pPr marL="342900" indent="-342900">
+              <a:buAutoNum type="arabicPlain" startAt="2"/>
+            </a:pPr>
+            <a:endParaRPr lang="it-IT" sz="1400" dirty="0">
+              <a:solidFill>
+                <a:srgbClr val="7030A0"/>
+              </a:solidFill>
+              <a:latin typeface="Courier New" panose="02070309020205020404" pitchFamily="49" charset="0"/>
+              <a:cs typeface="Courier New" panose="02070309020205020404" pitchFamily="49" charset="0"/>
+            </a:endParaRPr>
+          </a:p>
+          <a:p>
+            <a:pPr marL="342900" indent="-342900">
+              <a:buAutoNum type="arabicPlain" startAt="2"/>
+            </a:pPr>
+            <a:endParaRPr lang="it-IT" sz="1400" dirty="0">
+              <a:solidFill>
+                <a:srgbClr val="7030A0"/>
+              </a:solidFill>
+              <a:latin typeface="Courier New" panose="02070309020205020404" pitchFamily="49" charset="0"/>
+              <a:cs typeface="Courier New" panose="02070309020205020404" pitchFamily="49" charset="0"/>
+            </a:endParaRPr>
+          </a:p>
+          <a:p>
+            <a:r>
+              <a:rPr lang="it-IT" sz="1600" dirty="0"/>
+              <a:t>Ha senso la divisione in tre cluster?</a:t>
+            </a:r>
+          </a:p>
+        </p:txBody>
+      </p:sp>
+      <p:sp>
+        <p:nvSpPr>
+          <p:cNvPr id="4" name="Titolo 1">
+            <a:extLst>
+              <a:ext uri="{FF2B5EF4-FFF2-40B4-BE49-F238E27FC236}">
+                <a16:creationId xmlns:a16="http://schemas.microsoft.com/office/drawing/2014/main" id="{D35507EC-FEF0-4B1D-9175-124D3764F163}"/>
+              </a:ext>
+            </a:extLst>
+          </p:cNvPr>
+          <p:cNvSpPr txBox="1">
+            <a:spLocks/>
+          </p:cNvSpPr>
+          <p:nvPr/>
+        </p:nvSpPr>
+        <p:spPr>
+          <a:xfrm>
+            <a:off x="755576" y="152400"/>
+            <a:ext cx="8229600" cy="1143000"/>
+          </a:xfrm>
+          <a:prstGeom prst="rect">
+            <a:avLst/>
+          </a:prstGeom>
+        </p:spPr>
+        <p:txBody>
+          <a:bodyPr>
+            <a:noAutofit/>
+          </a:bodyPr>
+          <a:lstStyle>
+            <a:lvl1pPr algn="ctr" defTabSz="342900" rtl="0" eaLnBrk="1" latinLnBrk="0" hangingPunct="1">
+              <a:spcBef>
+                <a:spcPct val="0"/>
+              </a:spcBef>
+              <a:buNone/>
+              <a:defRPr sz="3300" kern="1200">
+                <a:solidFill>
+                  <a:schemeClr val="tx1"/>
+                </a:solidFill>
+                <a:latin typeface="+mj-lt"/>
+                <a:ea typeface="+mj-ea"/>
+                <a:cs typeface="+mj-cs"/>
+              </a:defRPr>
+            </a:lvl1pPr>
+          </a:lstStyle>
+          <a:p>
+            <a:pPr algn="r"/>
+            <a:r>
+              <a:rPr lang="it-IT" sz="2400" b="1" dirty="0">
+                <a:solidFill>
+                  <a:schemeClr val="bg1"/>
+                </a:solidFill>
+              </a:rPr>
+              <a:t>CLUSTER ANALYSIS</a:t>
+            </a:r>
+            <a:r>
+              <a:rPr lang="it-IT" sz="2400" dirty="0">
+                <a:solidFill>
+                  <a:schemeClr val="bg1"/>
+                </a:solidFill>
+              </a:rPr>
+              <a:t>: SUBSET GEN </a:t>
+            </a:r>
+            <a:endParaRPr lang="en-US" sz="2400" dirty="0">
+              <a:solidFill>
+                <a:schemeClr val="bg1"/>
+              </a:solidFill>
+            </a:endParaRPr>
+          </a:p>
+        </p:txBody>
+      </p:sp>
+    </p:spTree>
+    <p:extLst>
+      <p:ext uri="{BB962C8B-B14F-4D97-AF65-F5344CB8AC3E}">
+        <p14:creationId xmlns:p14="http://schemas.microsoft.com/office/powerpoint/2010/main" val="2987197199"/>
+      </p:ext>
+    </p:extLst>
+  </p:cSld>
+  <p:clrMapOvr>
+    <a:masterClrMapping/>
+  </p:clrMapOvr>
+</p:sld>
+</file>
+
+<file path=ppt/slides/slide44.xml><?xml version="1.0" encoding="utf-8"?>
+<p:sld xmlns:a="http://schemas.openxmlformats.org/drawingml/2006/main" xmlns:r="http://schemas.openxmlformats.org/officeDocument/2006/relationships" xmlns:p="http://schemas.openxmlformats.org/presentationml/2006/main">
+  <p:cSld>
+    <p:spTree>
+      <p:nvGrpSpPr>
+        <p:cNvPr id="1" name=""/>
+        <p:cNvGrpSpPr/>
+        <p:nvPr/>
+      </p:nvGrpSpPr>
+      <p:grpSpPr>
+        <a:xfrm>
+          <a:off x="0" y="0"/>
+          <a:ext cx="0" cy="0"/>
+          <a:chOff x="0" y="0"/>
+          <a:chExt cx="0" cy="0"/>
+        </a:xfrm>
+      </p:grpSpPr>
+      <p:sp>
+        <p:nvSpPr>
+          <p:cNvPr id="2" name="Titolo 1">
+            <a:extLst>
+              <a:ext uri="{FF2B5EF4-FFF2-40B4-BE49-F238E27FC236}">
+                <a16:creationId xmlns:a16="http://schemas.microsoft.com/office/drawing/2014/main" id="{5326268A-07EA-4858-962B-C4BE46DC2C59}"/>
+              </a:ext>
+            </a:extLst>
+          </p:cNvPr>
+          <p:cNvSpPr txBox="1">
+            <a:spLocks/>
+          </p:cNvSpPr>
+          <p:nvPr/>
+        </p:nvSpPr>
+        <p:spPr>
+          <a:xfrm>
+            <a:off x="755576" y="152400"/>
+            <a:ext cx="8229600" cy="1143000"/>
+          </a:xfrm>
+          <a:prstGeom prst="rect">
+            <a:avLst/>
+          </a:prstGeom>
+        </p:spPr>
+        <p:txBody>
+          <a:bodyPr>
+            <a:noAutofit/>
+          </a:bodyPr>
+          <a:lstStyle>
+            <a:lvl1pPr algn="ctr" defTabSz="342900" rtl="0" eaLnBrk="1" latinLnBrk="0" hangingPunct="1">
+              <a:spcBef>
+                <a:spcPct val="0"/>
+              </a:spcBef>
+              <a:buNone/>
+              <a:defRPr sz="3300" kern="1200">
+                <a:solidFill>
+                  <a:schemeClr val="tx1"/>
+                </a:solidFill>
+                <a:latin typeface="+mj-lt"/>
+                <a:ea typeface="+mj-ea"/>
+                <a:cs typeface="+mj-cs"/>
+              </a:defRPr>
+            </a:lvl1pPr>
+          </a:lstStyle>
+          <a:p>
+            <a:pPr algn="r"/>
+            <a:r>
+              <a:rPr lang="it-IT" sz="2400" b="1" dirty="0">
+                <a:solidFill>
+                  <a:schemeClr val="bg1"/>
+                </a:solidFill>
+              </a:rPr>
+              <a:t>CLUSTER ANALYSIS</a:t>
+            </a:r>
+            <a:r>
+              <a:rPr lang="it-IT" sz="2400" dirty="0">
+                <a:solidFill>
+                  <a:schemeClr val="bg1"/>
+                </a:solidFill>
+              </a:rPr>
+              <a:t>: SUBSET GEN </a:t>
+            </a:r>
+            <a:endParaRPr lang="en-US" sz="2400" dirty="0">
+              <a:solidFill>
+                <a:schemeClr val="bg1"/>
+              </a:solidFill>
+            </a:endParaRPr>
+          </a:p>
+        </p:txBody>
+      </p:sp>
+      <p:sp>
+        <p:nvSpPr>
+          <p:cNvPr id="3" name="CasellaDiTesto 2">
+            <a:extLst>
+              <a:ext uri="{FF2B5EF4-FFF2-40B4-BE49-F238E27FC236}">
+                <a16:creationId xmlns:a16="http://schemas.microsoft.com/office/drawing/2014/main" id="{4B6591E6-BA33-4294-BAC8-9624E5AD0485}"/>
+              </a:ext>
+            </a:extLst>
+          </p:cNvPr>
+          <p:cNvSpPr txBox="1"/>
+          <p:nvPr/>
+        </p:nvSpPr>
+        <p:spPr>
+          <a:xfrm>
+            <a:off x="1963025" y="1340768"/>
+            <a:ext cx="7793551" cy="5293757"/>
+          </a:xfrm>
+          <a:prstGeom prst="rect">
+            <a:avLst/>
+          </a:prstGeom>
+          <a:noFill/>
+        </p:spPr>
+        <p:txBody>
+          <a:bodyPr wrap="square" rtlCol="0">
+            <a:spAutoFit/>
+          </a:bodyPr>
+          <a:lstStyle/>
+          <a:p>
+            <a:r>
+              <a:rPr lang="en-US" sz="1300" dirty="0" err="1">
+                <a:solidFill>
+                  <a:srgbClr val="7030A0"/>
+                </a:solidFill>
+                <a:latin typeface="Courier New" panose="02070309020205020404" pitchFamily="49" charset="0"/>
+                <a:cs typeface="Courier New" panose="02070309020205020404" pitchFamily="49" charset="0"/>
+              </a:rPr>
+              <a:t>kMeans</a:t>
+            </a:r>
+            <a:endParaRPr lang="en-US" sz="1300" dirty="0">
+              <a:solidFill>
+                <a:srgbClr val="7030A0"/>
+              </a:solidFill>
+              <a:latin typeface="Courier New" panose="02070309020205020404" pitchFamily="49" charset="0"/>
+              <a:cs typeface="Courier New" panose="02070309020205020404" pitchFamily="49" charset="0"/>
+            </a:endParaRPr>
+          </a:p>
+          <a:p>
+            <a:r>
+              <a:rPr lang="en-US" sz="1300" dirty="0">
+                <a:solidFill>
+                  <a:srgbClr val="7030A0"/>
+                </a:solidFill>
+                <a:latin typeface="Courier New" panose="02070309020205020404" pitchFamily="49" charset="0"/>
+                <a:cs typeface="Courier New" panose="02070309020205020404" pitchFamily="49" charset="0"/>
+              </a:rPr>
+              <a:t>======</a:t>
+            </a:r>
+          </a:p>
+          <a:p>
+            <a:endParaRPr lang="en-US" sz="1300" dirty="0">
+              <a:solidFill>
+                <a:srgbClr val="7030A0"/>
+              </a:solidFill>
+              <a:latin typeface="Courier New" panose="02070309020205020404" pitchFamily="49" charset="0"/>
+              <a:cs typeface="Courier New" panose="02070309020205020404" pitchFamily="49" charset="0"/>
+            </a:endParaRPr>
+          </a:p>
+          <a:p>
+            <a:r>
+              <a:rPr lang="en-US" sz="1300" dirty="0">
+                <a:solidFill>
+                  <a:srgbClr val="7030A0"/>
+                </a:solidFill>
+                <a:latin typeface="Courier New" panose="02070309020205020404" pitchFamily="49" charset="0"/>
+                <a:cs typeface="Courier New" panose="02070309020205020404" pitchFamily="49" charset="0"/>
+              </a:rPr>
+              <a:t>Number of iterations: 5</a:t>
+            </a:r>
+          </a:p>
+          <a:p>
+            <a:r>
+              <a:rPr lang="en-US" sz="1300" b="1" dirty="0">
+                <a:solidFill>
+                  <a:srgbClr val="7030A0"/>
+                </a:solidFill>
+                <a:latin typeface="Courier New" panose="02070309020205020404" pitchFamily="49" charset="0"/>
+                <a:cs typeface="Courier New" panose="02070309020205020404" pitchFamily="49" charset="0"/>
+              </a:rPr>
+              <a:t>Within cluster sum of squared errors: 17.367195628626366</a:t>
+            </a:r>
+          </a:p>
+          <a:p>
+            <a:endParaRPr lang="en-US" sz="1300" dirty="0">
+              <a:solidFill>
+                <a:srgbClr val="7030A0"/>
+              </a:solidFill>
+              <a:latin typeface="Courier New" panose="02070309020205020404" pitchFamily="49" charset="0"/>
+              <a:cs typeface="Courier New" panose="02070309020205020404" pitchFamily="49" charset="0"/>
+            </a:endParaRPr>
+          </a:p>
+          <a:p>
+            <a:r>
+              <a:rPr lang="en-US" sz="1300" dirty="0">
+                <a:solidFill>
+                  <a:srgbClr val="7030A0"/>
+                </a:solidFill>
+                <a:latin typeface="Courier New" panose="02070309020205020404" pitchFamily="49" charset="0"/>
+                <a:cs typeface="Courier New" panose="02070309020205020404" pitchFamily="49" charset="0"/>
+              </a:rPr>
+              <a:t>Initial starting points (random):</a:t>
+            </a:r>
+          </a:p>
+          <a:p>
+            <a:endParaRPr lang="en-US" sz="1300" dirty="0">
+              <a:solidFill>
+                <a:srgbClr val="7030A0"/>
+              </a:solidFill>
+              <a:latin typeface="Courier New" panose="02070309020205020404" pitchFamily="49" charset="0"/>
+              <a:cs typeface="Courier New" panose="02070309020205020404" pitchFamily="49" charset="0"/>
+            </a:endParaRPr>
+          </a:p>
+          <a:p>
+            <a:r>
+              <a:rPr lang="en-US" sz="1300" dirty="0">
+                <a:solidFill>
+                  <a:srgbClr val="7030A0"/>
+                </a:solidFill>
+                <a:latin typeface="Courier New" panose="02070309020205020404" pitchFamily="49" charset="0"/>
+                <a:cs typeface="Courier New" panose="02070309020205020404" pitchFamily="49" charset="0"/>
+              </a:rPr>
+              <a:t>Cluster 0: 68,100,46.153846</a:t>
+            </a:r>
+          </a:p>
+          <a:p>
+            <a:r>
+              <a:rPr lang="en-US" sz="1300" dirty="0">
+                <a:solidFill>
+                  <a:srgbClr val="7030A0"/>
+                </a:solidFill>
+                <a:latin typeface="Courier New" panose="02070309020205020404" pitchFamily="49" charset="0"/>
+                <a:cs typeface="Courier New" panose="02070309020205020404" pitchFamily="49" charset="0"/>
+              </a:rPr>
+              <a:t>Cluster 1: 68,79.591837,30.769231</a:t>
+            </a:r>
+          </a:p>
+          <a:p>
+            <a:endParaRPr lang="en-US" sz="1300" dirty="0">
+              <a:solidFill>
+                <a:srgbClr val="7030A0"/>
+              </a:solidFill>
+              <a:latin typeface="Courier New" panose="02070309020205020404" pitchFamily="49" charset="0"/>
+              <a:cs typeface="Courier New" panose="02070309020205020404" pitchFamily="49" charset="0"/>
+            </a:endParaRPr>
+          </a:p>
+          <a:p>
+            <a:endParaRPr lang="en-US" sz="1300" dirty="0">
+              <a:solidFill>
+                <a:srgbClr val="7030A0"/>
+              </a:solidFill>
+              <a:latin typeface="Courier New" panose="02070309020205020404" pitchFamily="49" charset="0"/>
+              <a:cs typeface="Courier New" panose="02070309020205020404" pitchFamily="49" charset="0"/>
+            </a:endParaRPr>
+          </a:p>
+          <a:p>
+            <a:r>
+              <a:rPr lang="en-US" sz="1300" dirty="0">
+                <a:solidFill>
+                  <a:srgbClr val="7030A0"/>
+                </a:solidFill>
+                <a:latin typeface="Courier New" panose="02070309020205020404" pitchFamily="49" charset="0"/>
+                <a:cs typeface="Courier New" panose="02070309020205020404" pitchFamily="49" charset="0"/>
+              </a:rPr>
+              <a:t>Final cluster centroids:</a:t>
+            </a:r>
+          </a:p>
+          <a:p>
+            <a:r>
+              <a:rPr lang="en-US" sz="1300" dirty="0">
+                <a:solidFill>
+                  <a:srgbClr val="7030A0"/>
+                </a:solidFill>
+                <a:latin typeface="Courier New" panose="02070309020205020404" pitchFamily="49" charset="0"/>
+                <a:cs typeface="Courier New" panose="02070309020205020404" pitchFamily="49" charset="0"/>
+              </a:rPr>
+              <a:t>                                Cluster#</a:t>
+            </a:r>
+          </a:p>
+          <a:p>
+            <a:r>
+              <a:rPr lang="en-US" sz="1300" dirty="0">
+                <a:solidFill>
+                  <a:srgbClr val="7030A0"/>
+                </a:solidFill>
+                <a:latin typeface="Courier New" panose="02070309020205020404" pitchFamily="49" charset="0"/>
+                <a:cs typeface="Courier New" panose="02070309020205020404" pitchFamily="49" charset="0"/>
+              </a:rPr>
+              <a:t>Attribute           Full Data          0          1</a:t>
+            </a:r>
+          </a:p>
+          <a:p>
+            <a:r>
+              <a:rPr lang="en-US" sz="1300" dirty="0">
+                <a:solidFill>
+                  <a:srgbClr val="7030A0"/>
+                </a:solidFill>
+                <a:latin typeface="Courier New" panose="02070309020205020404" pitchFamily="49" charset="0"/>
+                <a:cs typeface="Courier New" panose="02070309020205020404" pitchFamily="49" charset="0"/>
+              </a:rPr>
+              <a:t>                      (212.0)    (125.0)     (87.0)</a:t>
+            </a:r>
+          </a:p>
+          <a:p>
+            <a:r>
+              <a:rPr lang="en-US" sz="1300" dirty="0">
+                <a:solidFill>
+                  <a:srgbClr val="7030A0"/>
+                </a:solidFill>
+                <a:latin typeface="Courier New" panose="02070309020205020404" pitchFamily="49" charset="0"/>
+                <a:cs typeface="Courier New" panose="02070309020205020404" pitchFamily="49" charset="0"/>
+              </a:rPr>
+              <a:t>===================================================</a:t>
+            </a:r>
+          </a:p>
+          <a:p>
+            <a:r>
+              <a:rPr lang="en-US" sz="1300" dirty="0">
+                <a:solidFill>
+                  <a:srgbClr val="7030A0"/>
+                </a:solidFill>
+                <a:latin typeface="Courier New" panose="02070309020205020404" pitchFamily="49" charset="0"/>
+                <a:cs typeface="Courier New" panose="02070309020205020404" pitchFamily="49" charset="0"/>
+              </a:rPr>
+              <a:t>test                  57.5849     61.312    52.2299</a:t>
+            </a:r>
+          </a:p>
+          <a:p>
+            <a:r>
+              <a:rPr lang="en-US" sz="1300" dirty="0">
+                <a:solidFill>
+                  <a:srgbClr val="7030A0"/>
+                </a:solidFill>
+                <a:latin typeface="Courier New" panose="02070309020205020404" pitchFamily="49" charset="0"/>
+                <a:cs typeface="Courier New" panose="02070309020205020404" pitchFamily="49" charset="0"/>
+              </a:rPr>
+              <a:t>                   +/-15.9495 +/-13.9379 +/-17.1706</a:t>
+            </a:r>
+          </a:p>
+          <a:p>
+            <a:endParaRPr lang="en-US" sz="1300" dirty="0">
+              <a:solidFill>
+                <a:srgbClr val="7030A0"/>
+              </a:solidFill>
+              <a:latin typeface="Courier New" panose="02070309020205020404" pitchFamily="49" charset="0"/>
+              <a:cs typeface="Courier New" panose="02070309020205020404" pitchFamily="49" charset="0"/>
+            </a:endParaRPr>
+          </a:p>
+          <a:p>
+            <a:r>
+              <a:rPr lang="en-US" sz="1300" dirty="0" err="1">
+                <a:solidFill>
+                  <a:srgbClr val="7030A0"/>
+                </a:solidFill>
+                <a:latin typeface="Courier New" panose="02070309020205020404" pitchFamily="49" charset="0"/>
+                <a:cs typeface="Courier New" panose="02070309020205020404" pitchFamily="49" charset="0"/>
+              </a:rPr>
+              <a:t>crediti_con_voto</a:t>
+            </a:r>
+            <a:r>
+              <a:rPr lang="en-US" sz="1300" dirty="0">
+                <a:solidFill>
+                  <a:srgbClr val="7030A0"/>
+                </a:solidFill>
+                <a:latin typeface="Courier New" panose="02070309020205020404" pitchFamily="49" charset="0"/>
+                <a:cs typeface="Courier New" panose="02070309020205020404" pitchFamily="49" charset="0"/>
+              </a:rPr>
+              <a:t>      60.0982    91.2327    15.3648</a:t>
+            </a:r>
+          </a:p>
+          <a:p>
+            <a:r>
+              <a:rPr lang="en-US" sz="1300" dirty="0">
+                <a:solidFill>
+                  <a:srgbClr val="7030A0"/>
+                </a:solidFill>
+                <a:latin typeface="Courier New" panose="02070309020205020404" pitchFamily="49" charset="0"/>
+                <a:cs typeface="Courier New" panose="02070309020205020404" pitchFamily="49" charset="0"/>
+              </a:rPr>
+              <a:t>                   +/-40.1568 +/-13.0856 +/-16.6204</a:t>
+            </a:r>
+          </a:p>
+          <a:p>
+            <a:endParaRPr lang="en-US" sz="1300" dirty="0">
+              <a:solidFill>
+                <a:srgbClr val="7030A0"/>
+              </a:solidFill>
+              <a:latin typeface="Courier New" panose="02070309020205020404" pitchFamily="49" charset="0"/>
+              <a:cs typeface="Courier New" panose="02070309020205020404" pitchFamily="49" charset="0"/>
+            </a:endParaRPr>
+          </a:p>
+          <a:p>
+            <a:r>
+              <a:rPr lang="en-US" sz="1300" dirty="0" err="1">
+                <a:solidFill>
+                  <a:srgbClr val="7030A0"/>
+                </a:solidFill>
+                <a:latin typeface="Courier New" panose="02070309020205020404" pitchFamily="49" charset="0"/>
+                <a:cs typeface="Courier New" panose="02070309020205020404" pitchFamily="49" charset="0"/>
+              </a:rPr>
+              <a:t>voto_medio</a:t>
+            </a:r>
+            <a:r>
+              <a:rPr lang="en-US" sz="1300" dirty="0">
+                <a:solidFill>
+                  <a:srgbClr val="7030A0"/>
+                </a:solidFill>
+                <a:latin typeface="Courier New" panose="02070309020205020404" pitchFamily="49" charset="0"/>
+                <a:cs typeface="Courier New" panose="02070309020205020404" pitchFamily="49" charset="0"/>
+              </a:rPr>
+              <a:t>            46.4078    55.7538    32.9797</a:t>
+            </a:r>
+          </a:p>
+          <a:p>
+            <a:r>
+              <a:rPr lang="en-US" sz="1300" dirty="0">
+                <a:solidFill>
+                  <a:srgbClr val="7030A0"/>
+                </a:solidFill>
+                <a:latin typeface="Courier New" panose="02070309020205020404" pitchFamily="49" charset="0"/>
+                <a:cs typeface="Courier New" panose="02070309020205020404" pitchFamily="49" charset="0"/>
+              </a:rPr>
+              <a:t>                   +/-22.3971 +/-15.1551 +/-24.2943</a:t>
+            </a:r>
+          </a:p>
+        </p:txBody>
+      </p:sp>
+      <p:sp>
+        <p:nvSpPr>
+          <p:cNvPr id="4" name="CasellaDiTesto 3">
+            <a:extLst>
+              <a:ext uri="{FF2B5EF4-FFF2-40B4-BE49-F238E27FC236}">
+                <a16:creationId xmlns:a16="http://schemas.microsoft.com/office/drawing/2014/main" id="{56133E89-75C3-4991-8C88-F821FE270BA1}"/>
+              </a:ext>
+            </a:extLst>
+          </p:cNvPr>
+          <p:cNvSpPr txBox="1"/>
+          <p:nvPr/>
+        </p:nvSpPr>
+        <p:spPr>
+          <a:xfrm>
+            <a:off x="190763" y="908720"/>
+            <a:ext cx="8701717" cy="400110"/>
+          </a:xfrm>
+          <a:prstGeom prst="rect">
+            <a:avLst/>
+          </a:prstGeom>
+          <a:noFill/>
+        </p:spPr>
+        <p:txBody>
+          <a:bodyPr wrap="square" rtlCol="0">
+            <a:spAutoFit/>
+          </a:bodyPr>
+          <a:lstStyle/>
+          <a:p>
+            <a:r>
+              <a:rPr lang="it-IT" sz="2000" b="1" dirty="0"/>
+              <a:t>K-</a:t>
+            </a:r>
+            <a:r>
+              <a:rPr lang="it-IT" sz="2000" b="1" dirty="0" err="1"/>
+              <a:t>means</a:t>
+            </a:r>
+            <a:r>
+              <a:rPr lang="it-IT" sz="2000" b="1" dirty="0"/>
+              <a:t>, 2 cluster:</a:t>
+            </a:r>
+            <a:endParaRPr lang="en-US" sz="2000" dirty="0">
+              <a:solidFill>
+                <a:srgbClr val="FF0000"/>
+              </a:solidFill>
+            </a:endParaRPr>
+          </a:p>
+        </p:txBody>
+      </p:sp>
+      <p:sp>
+        <p:nvSpPr>
+          <p:cNvPr id="5" name="CasellaDiTesto 4">
+            <a:extLst>
+              <a:ext uri="{FF2B5EF4-FFF2-40B4-BE49-F238E27FC236}">
+                <a16:creationId xmlns:a16="http://schemas.microsoft.com/office/drawing/2014/main" id="{70674E8D-C078-4DE8-83D7-61845D9F535C}"/>
+              </a:ext>
+            </a:extLst>
+          </p:cNvPr>
+          <p:cNvSpPr txBox="1"/>
+          <p:nvPr/>
+        </p:nvSpPr>
+        <p:spPr>
+          <a:xfrm>
+            <a:off x="190763" y="1556792"/>
+            <a:ext cx="1772262" cy="1815882"/>
+          </a:xfrm>
+          <a:prstGeom prst="rect">
+            <a:avLst/>
+          </a:prstGeom>
+          <a:noFill/>
+        </p:spPr>
+        <p:txBody>
+          <a:bodyPr wrap="square" rtlCol="0">
+            <a:spAutoFit/>
+          </a:bodyPr>
+          <a:lstStyle/>
+          <a:p>
+            <a:r>
+              <a:rPr lang="it-IT" sz="1600" dirty="0"/>
+              <a:t>La SSE è aumentata, ma era prevedibile considerando che tutte le istanze sono ora divise fra due soli cluster.</a:t>
+            </a:r>
+            <a:endParaRPr lang="en-US" sz="1600" dirty="0"/>
+          </a:p>
+        </p:txBody>
+      </p:sp>
+    </p:spTree>
+    <p:extLst>
+      <p:ext uri="{BB962C8B-B14F-4D97-AF65-F5344CB8AC3E}">
+        <p14:creationId xmlns:p14="http://schemas.microsoft.com/office/powerpoint/2010/main" val="2239016178"/>
+      </p:ext>
+    </p:extLst>
+  </p:cSld>
+  <p:clrMapOvr>
+    <a:masterClrMapping/>
+  </p:clrMapOvr>
+</p:sld>
+</file>
+
+<file path=ppt/slides/slide45.xml><?xml version="1.0" encoding="utf-8"?>
+<p:sld xmlns:a="http://schemas.openxmlformats.org/drawingml/2006/main" xmlns:r="http://schemas.openxmlformats.org/officeDocument/2006/relationships" xmlns:p="http://schemas.openxmlformats.org/presentationml/2006/main">
+  <p:cSld>
+    <p:spTree>
+      <p:nvGrpSpPr>
+        <p:cNvPr id="1" name=""/>
+        <p:cNvGrpSpPr/>
+        <p:nvPr/>
+      </p:nvGrpSpPr>
+      <p:grpSpPr>
+        <a:xfrm>
+          <a:off x="0" y="0"/>
+          <a:ext cx="0" cy="0"/>
+          <a:chOff x="0" y="0"/>
+          <a:chExt cx="0" cy="0"/>
+        </a:xfrm>
+      </p:grpSpPr>
+      <p:pic>
+        <p:nvPicPr>
+          <p:cNvPr id="2" name="Immagine 1">
+            <a:extLst>
+              <a:ext uri="{FF2B5EF4-FFF2-40B4-BE49-F238E27FC236}">
+                <a16:creationId xmlns:a16="http://schemas.microsoft.com/office/drawing/2014/main" id="{3163D2D4-0BD4-4271-B77D-3DFA624BED5C}"/>
+              </a:ext>
+            </a:extLst>
+          </p:cNvPr>
+          <p:cNvPicPr>
+            <a:picLocks noChangeAspect="1"/>
+          </p:cNvPicPr>
+          <p:nvPr/>
+        </p:nvPicPr>
+        <p:blipFill>
+          <a:blip r:embed="rId2"/>
+          <a:stretch>
+            <a:fillRect/>
+          </a:stretch>
+        </p:blipFill>
+        <p:spPr>
+          <a:xfrm>
+            <a:off x="2838970" y="1052736"/>
+            <a:ext cx="6116735" cy="5610597"/>
+          </a:xfrm>
+          <a:prstGeom prst="rect">
+            <a:avLst/>
+          </a:prstGeom>
+        </p:spPr>
+      </p:pic>
+      <p:sp>
+        <p:nvSpPr>
+          <p:cNvPr id="3" name="Titolo 1">
+            <a:extLst>
+              <a:ext uri="{FF2B5EF4-FFF2-40B4-BE49-F238E27FC236}">
+                <a16:creationId xmlns:a16="http://schemas.microsoft.com/office/drawing/2014/main" id="{A7B2D814-CD09-44E4-BDDF-F8553BD109EA}"/>
+              </a:ext>
+            </a:extLst>
+          </p:cNvPr>
+          <p:cNvSpPr txBox="1">
+            <a:spLocks/>
+          </p:cNvSpPr>
+          <p:nvPr/>
+        </p:nvSpPr>
+        <p:spPr>
+          <a:xfrm>
+            <a:off x="755576" y="152400"/>
+            <a:ext cx="8229600" cy="1143000"/>
+          </a:xfrm>
+          <a:prstGeom prst="rect">
+            <a:avLst/>
+          </a:prstGeom>
+        </p:spPr>
+        <p:txBody>
+          <a:bodyPr>
+            <a:noAutofit/>
+          </a:bodyPr>
+          <a:lstStyle>
+            <a:lvl1pPr algn="ctr" defTabSz="342900" rtl="0" eaLnBrk="1" latinLnBrk="0" hangingPunct="1">
+              <a:spcBef>
+                <a:spcPct val="0"/>
+              </a:spcBef>
+              <a:buNone/>
+              <a:defRPr sz="3300" kern="1200">
+                <a:solidFill>
+                  <a:schemeClr val="tx1"/>
+                </a:solidFill>
+                <a:latin typeface="+mj-lt"/>
+                <a:ea typeface="+mj-ea"/>
+                <a:cs typeface="+mj-cs"/>
+              </a:defRPr>
+            </a:lvl1pPr>
+          </a:lstStyle>
+          <a:p>
+            <a:pPr algn="r"/>
+            <a:r>
+              <a:rPr lang="it-IT" sz="2400" b="1" dirty="0">
+                <a:solidFill>
+                  <a:schemeClr val="bg1"/>
+                </a:solidFill>
+              </a:rPr>
+              <a:t>CLUSTER ANALYSIS</a:t>
+            </a:r>
+            <a:r>
+              <a:rPr lang="it-IT" sz="2400" dirty="0">
+                <a:solidFill>
+                  <a:schemeClr val="bg1"/>
+                </a:solidFill>
+              </a:rPr>
+              <a:t>: SUBSET GEN </a:t>
+            </a:r>
+            <a:endParaRPr lang="en-US" sz="2400" dirty="0">
+              <a:solidFill>
+                <a:schemeClr val="bg1"/>
+              </a:solidFill>
+            </a:endParaRPr>
+          </a:p>
+        </p:txBody>
+      </p:sp>
+      <p:sp>
+        <p:nvSpPr>
+          <p:cNvPr id="4" name="CasellaDiTesto 3">
+            <a:extLst>
+              <a:ext uri="{FF2B5EF4-FFF2-40B4-BE49-F238E27FC236}">
+                <a16:creationId xmlns:a16="http://schemas.microsoft.com/office/drawing/2014/main" id="{02A14900-ACDB-489C-823A-AE3FDA918908}"/>
+              </a:ext>
+            </a:extLst>
+          </p:cNvPr>
+          <p:cNvSpPr txBox="1"/>
+          <p:nvPr/>
+        </p:nvSpPr>
+        <p:spPr>
+          <a:xfrm>
+            <a:off x="251520" y="1052736"/>
+            <a:ext cx="2160240" cy="3108543"/>
+          </a:xfrm>
+          <a:prstGeom prst="rect">
+            <a:avLst/>
+          </a:prstGeom>
+          <a:noFill/>
+        </p:spPr>
+        <p:txBody>
+          <a:bodyPr wrap="square" rtlCol="0">
+            <a:spAutoFit/>
+          </a:bodyPr>
+          <a:lstStyle/>
+          <a:p>
+            <a:r>
+              <a:rPr lang="it-IT" sz="1600" dirty="0"/>
+              <a:t>Visivamente, la ripartizione delle istanze sembra migliore. </a:t>
+            </a:r>
+          </a:p>
+          <a:p>
+            <a:endParaRPr lang="it-IT" sz="1600" dirty="0"/>
+          </a:p>
+          <a:p>
+            <a:endParaRPr lang="it-IT" sz="1600" dirty="0"/>
+          </a:p>
+          <a:p>
+            <a:endParaRPr lang="en-US" sz="1600" dirty="0"/>
+          </a:p>
+          <a:p>
+            <a:r>
+              <a:rPr lang="en-US" sz="1400" dirty="0">
+                <a:solidFill>
+                  <a:srgbClr val="7030A0"/>
+                </a:solidFill>
+                <a:latin typeface="Courier New" panose="02070309020205020404" pitchFamily="49" charset="0"/>
+                <a:cs typeface="Courier New" panose="02070309020205020404" pitchFamily="49" charset="0"/>
+              </a:rPr>
+              <a:t>Clustered Instances</a:t>
+            </a:r>
+          </a:p>
+          <a:p>
+            <a:endParaRPr lang="en-US" sz="1400" dirty="0">
+              <a:solidFill>
+                <a:srgbClr val="7030A0"/>
+              </a:solidFill>
+              <a:latin typeface="Courier New" panose="02070309020205020404" pitchFamily="49" charset="0"/>
+              <a:cs typeface="Courier New" panose="02070309020205020404" pitchFamily="49" charset="0"/>
+            </a:endParaRPr>
+          </a:p>
+          <a:p>
+            <a:r>
+              <a:rPr lang="en-US" sz="1400" dirty="0">
+                <a:solidFill>
+                  <a:srgbClr val="7030A0"/>
+                </a:solidFill>
+                <a:latin typeface="Courier New" panose="02070309020205020404" pitchFamily="49" charset="0"/>
+                <a:cs typeface="Courier New" panose="02070309020205020404" pitchFamily="49" charset="0"/>
+              </a:rPr>
+              <a:t>0      125 ( 59%)</a:t>
+            </a:r>
+          </a:p>
+          <a:p>
+            <a:r>
+              <a:rPr lang="en-US" sz="1400" dirty="0">
+                <a:solidFill>
+                  <a:srgbClr val="7030A0"/>
+                </a:solidFill>
+                <a:latin typeface="Courier New" panose="02070309020205020404" pitchFamily="49" charset="0"/>
+                <a:cs typeface="Courier New" panose="02070309020205020404" pitchFamily="49" charset="0"/>
+              </a:rPr>
+              <a:t>1       87 ( 41%)</a:t>
+            </a:r>
+            <a:endParaRPr lang="it-IT" sz="1400" dirty="0">
+              <a:solidFill>
+                <a:srgbClr val="7030A0"/>
+              </a:solidFill>
+              <a:latin typeface="Courier New" panose="02070309020205020404" pitchFamily="49" charset="0"/>
+              <a:cs typeface="Courier New" panose="02070309020205020404" pitchFamily="49" charset="0"/>
+            </a:endParaRPr>
+          </a:p>
+          <a:p>
+            <a:endParaRPr lang="it-IT" sz="1400" dirty="0">
+              <a:solidFill>
+                <a:srgbClr val="7030A0"/>
+              </a:solidFill>
+              <a:latin typeface="Courier New" panose="02070309020205020404" pitchFamily="49" charset="0"/>
+              <a:cs typeface="Courier New" panose="02070309020205020404" pitchFamily="49" charset="0"/>
+            </a:endParaRPr>
+          </a:p>
+        </p:txBody>
+      </p:sp>
+    </p:spTree>
+    <p:extLst>
+      <p:ext uri="{BB962C8B-B14F-4D97-AF65-F5344CB8AC3E}">
+        <p14:creationId xmlns:p14="http://schemas.microsoft.com/office/powerpoint/2010/main" val="669338267"/>
+      </p:ext>
+    </p:extLst>
+  </p:cSld>
+  <p:clrMapOvr>
+    <a:masterClrMapping/>
+  </p:clrMapOvr>
+</p:sld>
+</file>
+
+<file path=ppt/slides/slide46.xml><?xml version="1.0" encoding="utf-8"?>
+<p:sld xmlns:a="http://schemas.openxmlformats.org/drawingml/2006/main" xmlns:r="http://schemas.openxmlformats.org/officeDocument/2006/relationships" xmlns:p="http://schemas.openxmlformats.org/presentationml/2006/main">
+  <p:cSld>
+    <p:spTree>
+      <p:nvGrpSpPr>
+        <p:cNvPr id="1" name=""/>
+        <p:cNvGrpSpPr/>
+        <p:nvPr/>
+      </p:nvGrpSpPr>
+      <p:grpSpPr>
+        <a:xfrm>
+          <a:off x="0" y="0"/>
+          <a:ext cx="0" cy="0"/>
+          <a:chOff x="0" y="0"/>
+          <a:chExt cx="0" cy="0"/>
+        </a:xfrm>
+      </p:grpSpPr>
+      <p:sp>
+        <p:nvSpPr>
+          <p:cNvPr id="3" name="Titolo 1">
+            <a:extLst>
+              <a:ext uri="{FF2B5EF4-FFF2-40B4-BE49-F238E27FC236}">
+                <a16:creationId xmlns:a16="http://schemas.microsoft.com/office/drawing/2014/main" id="{A7B2D814-CD09-44E4-BDDF-F8553BD109EA}"/>
+              </a:ext>
+            </a:extLst>
+          </p:cNvPr>
+          <p:cNvSpPr txBox="1">
+            <a:spLocks/>
+          </p:cNvSpPr>
+          <p:nvPr/>
+        </p:nvSpPr>
+        <p:spPr>
+          <a:xfrm>
+            <a:off x="755576" y="152400"/>
+            <a:ext cx="8229600" cy="1143000"/>
+          </a:xfrm>
+          <a:prstGeom prst="rect">
+            <a:avLst/>
+          </a:prstGeom>
+        </p:spPr>
+        <p:txBody>
+          <a:bodyPr>
+            <a:noAutofit/>
+          </a:bodyPr>
+          <a:lstStyle>
+            <a:lvl1pPr algn="ctr" defTabSz="342900" rtl="0" eaLnBrk="1" latinLnBrk="0" hangingPunct="1">
+              <a:spcBef>
+                <a:spcPct val="0"/>
+              </a:spcBef>
+              <a:buNone/>
+              <a:defRPr sz="3300" kern="1200">
+                <a:solidFill>
+                  <a:schemeClr val="tx1"/>
+                </a:solidFill>
+                <a:latin typeface="+mj-lt"/>
+                <a:ea typeface="+mj-ea"/>
+                <a:cs typeface="+mj-cs"/>
+              </a:defRPr>
+            </a:lvl1pPr>
+          </a:lstStyle>
+          <a:p>
+            <a:pPr algn="r"/>
+            <a:r>
+              <a:rPr lang="it-IT" sz="2400" b="1" dirty="0">
+                <a:solidFill>
+                  <a:schemeClr val="bg1"/>
+                </a:solidFill>
+              </a:rPr>
+              <a:t>CLUSTER ANALYSIS</a:t>
+            </a:r>
+            <a:r>
+              <a:rPr lang="it-IT" sz="2400" dirty="0">
+                <a:solidFill>
+                  <a:schemeClr val="bg1"/>
+                </a:solidFill>
+              </a:rPr>
+              <a:t>: SUBSET GEN </a:t>
+            </a:r>
+            <a:endParaRPr lang="en-US" sz="2400" dirty="0">
+              <a:solidFill>
+                <a:schemeClr val="bg1"/>
+              </a:solidFill>
+            </a:endParaRPr>
+          </a:p>
+        </p:txBody>
+      </p:sp>
+      <p:sp>
+        <p:nvSpPr>
+          <p:cNvPr id="4" name="CasellaDiTesto 3">
+            <a:extLst>
+              <a:ext uri="{FF2B5EF4-FFF2-40B4-BE49-F238E27FC236}">
+                <a16:creationId xmlns:a16="http://schemas.microsoft.com/office/drawing/2014/main" id="{02A14900-ACDB-489C-823A-AE3FDA918908}"/>
+              </a:ext>
+            </a:extLst>
+          </p:cNvPr>
+          <p:cNvSpPr txBox="1"/>
+          <p:nvPr/>
+        </p:nvSpPr>
+        <p:spPr>
+          <a:xfrm>
+            <a:off x="198984" y="1131709"/>
+            <a:ext cx="2088232" cy="2585323"/>
+          </a:xfrm>
+          <a:prstGeom prst="rect">
+            <a:avLst/>
+          </a:prstGeom>
+          <a:noFill/>
+        </p:spPr>
+        <p:txBody>
+          <a:bodyPr wrap="square" rtlCol="0">
+            <a:spAutoFit/>
+          </a:bodyPr>
+          <a:lstStyle/>
+          <a:p>
+            <a:r>
+              <a:rPr lang="it-IT" dirty="0"/>
+              <a:t>Si noti come il numero di crediti conseguiti resti in ogni caso l’attributo polarizzante di questo subset.</a:t>
+            </a:r>
+          </a:p>
+          <a:p>
+            <a:endParaRPr lang="it-IT" dirty="0"/>
+          </a:p>
+          <a:p>
+            <a:r>
+              <a:rPr lang="it-IT" dirty="0"/>
+              <a:t>Lo sarà anche per l’intero dataset?</a:t>
+            </a:r>
+          </a:p>
+        </p:txBody>
+      </p:sp>
+      <p:pic>
+        <p:nvPicPr>
+          <p:cNvPr id="5" name="Immagine 4">
+            <a:extLst>
+              <a:ext uri="{FF2B5EF4-FFF2-40B4-BE49-F238E27FC236}">
+                <a16:creationId xmlns:a16="http://schemas.microsoft.com/office/drawing/2014/main" id="{061F8370-B4EA-4559-8045-3337D381B130}"/>
+              </a:ext>
+            </a:extLst>
+          </p:cNvPr>
+          <p:cNvPicPr>
+            <a:picLocks noChangeAspect="1"/>
+          </p:cNvPicPr>
+          <p:nvPr/>
+        </p:nvPicPr>
+        <p:blipFill>
+          <a:blip r:embed="rId2"/>
+          <a:stretch>
+            <a:fillRect/>
+          </a:stretch>
+        </p:blipFill>
+        <p:spPr>
+          <a:xfrm>
+            <a:off x="2411760" y="929573"/>
+            <a:ext cx="6573416" cy="5766155"/>
+          </a:xfrm>
+          <a:prstGeom prst="rect">
+            <a:avLst/>
+          </a:prstGeom>
+        </p:spPr>
+      </p:pic>
+    </p:spTree>
+    <p:extLst>
+      <p:ext uri="{BB962C8B-B14F-4D97-AF65-F5344CB8AC3E}">
+        <p14:creationId xmlns:p14="http://schemas.microsoft.com/office/powerpoint/2010/main" val="4209516887"/>
+      </p:ext>
+    </p:extLst>
+  </p:cSld>
+  <p:clrMapOvr>
+    <a:masterClrMapping/>
+  </p:clrMapOvr>
+</p:sld>
+</file>
+
+<file path=ppt/slides/slide47.xml><?xml version="1.0" encoding="utf-8"?>
+<p:sld xmlns:a="http://schemas.openxmlformats.org/drawingml/2006/main" xmlns:r="http://schemas.openxmlformats.org/officeDocument/2006/relationships" xmlns:p="http://schemas.openxmlformats.org/presentationml/2006/main">
+  <p:cSld>
+    <p:spTree>
+      <p:nvGrpSpPr>
+        <p:cNvPr id="1" name=""/>
+        <p:cNvGrpSpPr/>
+        <p:nvPr/>
+      </p:nvGrpSpPr>
+      <p:grpSpPr>
+        <a:xfrm>
+          <a:off x="0" y="0"/>
+          <a:ext cx="0" cy="0"/>
+          <a:chOff x="0" y="0"/>
+          <a:chExt cx="0" cy="0"/>
+        </a:xfrm>
+      </p:grpSpPr>
+      <p:sp>
+        <p:nvSpPr>
+          <p:cNvPr id="9" name="Segnaposto contenuto 2">
+            <a:extLst>
+              <a:ext uri="{FF2B5EF4-FFF2-40B4-BE49-F238E27FC236}">
+                <a16:creationId xmlns:a16="http://schemas.microsoft.com/office/drawing/2014/main" id="{89886170-B615-43F8-AA8E-D5565391C42A}"/>
+              </a:ext>
+            </a:extLst>
+          </p:cNvPr>
+          <p:cNvSpPr txBox="1">
+            <a:spLocks/>
+          </p:cNvSpPr>
+          <p:nvPr/>
+        </p:nvSpPr>
+        <p:spPr>
+          <a:xfrm>
+            <a:off x="457200" y="5029199"/>
+            <a:ext cx="8229600" cy="1074753"/>
+          </a:xfrm>
+          <a:prstGeom prst="rect">
+            <a:avLst/>
+          </a:prstGeom>
+        </p:spPr>
+        <p:txBody>
+          <a:bodyPr vert="horz" lIns="91440" tIns="45720" rIns="91440" bIns="45720" rtlCol="0">
+            <a:normAutofit/>
+          </a:bodyPr>
+          <a:lstStyle>
+            <a:lvl1pPr marL="257175" indent="-257175" algn="l" defTabSz="342900" rtl="0" eaLnBrk="1" latinLnBrk="0" hangingPunct="1">
+              <a:spcBef>
+                <a:spcPct val="20000"/>
+              </a:spcBef>
+              <a:buFont typeface="Arial"/>
+              <a:buChar char="•"/>
+              <a:defRPr sz="2400" kern="1200">
+                <a:solidFill>
+                  <a:schemeClr val="tx1"/>
+                </a:solidFill>
+                <a:latin typeface="+mn-lt"/>
+                <a:ea typeface="+mn-ea"/>
+                <a:cs typeface="+mn-cs"/>
+              </a:defRPr>
+            </a:lvl1pPr>
+            <a:lvl2pPr marL="557213" indent="-214313" algn="l" defTabSz="342900" rtl="0" eaLnBrk="1" latinLnBrk="0" hangingPunct="1">
+              <a:spcBef>
+                <a:spcPct val="20000"/>
+              </a:spcBef>
+              <a:buFont typeface="Arial"/>
+              <a:buChar char="–"/>
+              <a:defRPr sz="2100" kern="1200">
+                <a:solidFill>
+                  <a:schemeClr val="tx1"/>
+                </a:solidFill>
+                <a:latin typeface="+mn-lt"/>
+                <a:ea typeface="+mn-ea"/>
+                <a:cs typeface="+mn-cs"/>
+              </a:defRPr>
+            </a:lvl2pPr>
+            <a:lvl3pPr marL="857250" indent="-171450" algn="l" defTabSz="342900" rtl="0" eaLnBrk="1" latinLnBrk="0" hangingPunct="1">
+              <a:spcBef>
+                <a:spcPct val="20000"/>
+              </a:spcBef>
+              <a:buFont typeface="Arial"/>
+              <a:buChar char="•"/>
+              <a:defRPr sz="1800" kern="1200">
+                <a:solidFill>
+                  <a:schemeClr val="tx1"/>
+                </a:solidFill>
+                <a:latin typeface="+mn-lt"/>
+                <a:ea typeface="+mn-ea"/>
+                <a:cs typeface="+mn-cs"/>
+              </a:defRPr>
+            </a:lvl3pPr>
+            <a:lvl4pPr marL="1200150" indent="-171450" algn="l" defTabSz="342900" rtl="0" eaLnBrk="1" latinLnBrk="0" hangingPunct="1">
+              <a:spcBef>
+                <a:spcPct val="20000"/>
+              </a:spcBef>
+              <a:buFont typeface="Arial"/>
+              <a:buChar char="–"/>
+              <a:defRPr sz="1500" kern="1200">
+                <a:solidFill>
+                  <a:schemeClr val="tx1"/>
+                </a:solidFill>
+                <a:latin typeface="+mn-lt"/>
+                <a:ea typeface="+mn-ea"/>
+                <a:cs typeface="+mn-cs"/>
+              </a:defRPr>
+            </a:lvl4pPr>
+            <a:lvl5pPr marL="1543050" indent="-171450" algn="l" defTabSz="342900" rtl="0" eaLnBrk="1" latinLnBrk="0" hangingPunct="1">
+              <a:spcBef>
+                <a:spcPct val="20000"/>
+              </a:spcBef>
+              <a:buFont typeface="Arial"/>
+              <a:buChar char="»"/>
+              <a:defRPr sz="1500" kern="1200">
+                <a:solidFill>
+                  <a:schemeClr val="tx1"/>
+                </a:solidFill>
+                <a:latin typeface="+mn-lt"/>
+                <a:ea typeface="+mn-ea"/>
+                <a:cs typeface="+mn-cs"/>
+              </a:defRPr>
+            </a:lvl5pPr>
+            <a:lvl6pPr marL="1885950" indent="-171450" algn="l" defTabSz="342900" rtl="0" eaLnBrk="1" latinLnBrk="0" hangingPunct="1">
+              <a:spcBef>
+                <a:spcPct val="20000"/>
+              </a:spcBef>
+              <a:buFont typeface="Arial"/>
+              <a:buChar char="•"/>
+              <a:defRPr sz="1500" kern="1200">
+                <a:solidFill>
+                  <a:schemeClr val="tx1"/>
+                </a:solidFill>
+                <a:latin typeface="+mn-lt"/>
+                <a:ea typeface="+mn-ea"/>
+                <a:cs typeface="+mn-cs"/>
+              </a:defRPr>
+            </a:lvl6pPr>
+            <a:lvl7pPr marL="2228850" indent="-171450" algn="l" defTabSz="342900" rtl="0" eaLnBrk="1" latinLnBrk="0" hangingPunct="1">
+              <a:spcBef>
+                <a:spcPct val="20000"/>
+              </a:spcBef>
+              <a:buFont typeface="Arial"/>
+              <a:buChar char="•"/>
+              <a:defRPr sz="1500" kern="1200">
+                <a:solidFill>
+                  <a:schemeClr val="tx1"/>
+                </a:solidFill>
+                <a:latin typeface="+mn-lt"/>
+                <a:ea typeface="+mn-ea"/>
+                <a:cs typeface="+mn-cs"/>
+              </a:defRPr>
+            </a:lvl7pPr>
+            <a:lvl8pPr marL="2571750" indent="-171450" algn="l" defTabSz="342900" rtl="0" eaLnBrk="1" latinLnBrk="0" hangingPunct="1">
+              <a:spcBef>
+                <a:spcPct val="20000"/>
+              </a:spcBef>
+              <a:buFont typeface="Arial"/>
+              <a:buChar char="•"/>
+              <a:defRPr sz="1500" kern="1200">
+                <a:solidFill>
+                  <a:schemeClr val="tx1"/>
+                </a:solidFill>
+                <a:latin typeface="+mn-lt"/>
+                <a:ea typeface="+mn-ea"/>
+                <a:cs typeface="+mn-cs"/>
+              </a:defRPr>
+            </a:lvl8pPr>
+            <a:lvl9pPr marL="2914650" indent="-171450" algn="l" defTabSz="342900" rtl="0" eaLnBrk="1" latinLnBrk="0" hangingPunct="1">
+              <a:spcBef>
+                <a:spcPct val="20000"/>
+              </a:spcBef>
+              <a:buFont typeface="Arial"/>
+              <a:buChar char="•"/>
+              <a:defRPr sz="1500" kern="1200">
+                <a:solidFill>
+                  <a:schemeClr val="tx1"/>
+                </a:solidFill>
+                <a:latin typeface="+mn-lt"/>
+                <a:ea typeface="+mn-ea"/>
+                <a:cs typeface="+mn-cs"/>
+              </a:defRPr>
+            </a:lvl9pPr>
+          </a:lstStyle>
+          <a:p>
+            <a:pPr marL="0" indent="0" algn="just">
+              <a:buFont typeface="Arial"/>
+              <a:buNone/>
+            </a:pPr>
+            <a:endParaRPr lang="it-IT" dirty="0"/>
+          </a:p>
+          <a:p>
+            <a:pPr marL="0" indent="0" algn="just">
+              <a:buFont typeface="Arial"/>
+              <a:buNone/>
+            </a:pPr>
+            <a:endParaRPr lang="it-IT" dirty="0"/>
+          </a:p>
+          <a:p>
+            <a:endParaRPr lang="en-US" sz="2000" dirty="0"/>
+          </a:p>
+        </p:txBody>
+      </p:sp>
+      <p:sp>
+        <p:nvSpPr>
+          <p:cNvPr id="6" name="Titolo 1">
+            <a:extLst>
+              <a:ext uri="{FF2B5EF4-FFF2-40B4-BE49-F238E27FC236}">
+                <a16:creationId xmlns:a16="http://schemas.microsoft.com/office/drawing/2014/main" id="{32602169-0966-4893-B032-33CFCD986CA0}"/>
+              </a:ext>
+            </a:extLst>
+          </p:cNvPr>
+          <p:cNvSpPr txBox="1">
+            <a:spLocks/>
+          </p:cNvSpPr>
+          <p:nvPr/>
+        </p:nvSpPr>
+        <p:spPr>
+          <a:xfrm>
+            <a:off x="755576" y="152400"/>
+            <a:ext cx="8229600" cy="1143000"/>
+          </a:xfrm>
+          <a:prstGeom prst="rect">
+            <a:avLst/>
+          </a:prstGeom>
+        </p:spPr>
+        <p:txBody>
+          <a:bodyPr>
+            <a:noAutofit/>
+          </a:bodyPr>
+          <a:lstStyle>
+            <a:lvl1pPr algn="ctr" defTabSz="342900" rtl="0" eaLnBrk="1" latinLnBrk="0" hangingPunct="1">
+              <a:spcBef>
+                <a:spcPct val="0"/>
+              </a:spcBef>
+              <a:buNone/>
+              <a:defRPr sz="3300" kern="1200">
+                <a:solidFill>
+                  <a:schemeClr val="tx1"/>
+                </a:solidFill>
+                <a:latin typeface="+mj-lt"/>
+                <a:ea typeface="+mj-ea"/>
+                <a:cs typeface="+mj-cs"/>
+              </a:defRPr>
+            </a:lvl1pPr>
+          </a:lstStyle>
+          <a:p>
+            <a:pPr algn="r"/>
+            <a:r>
+              <a:rPr lang="it-IT" sz="2400" b="1" dirty="0">
+                <a:solidFill>
+                  <a:schemeClr val="bg1"/>
+                </a:solidFill>
+              </a:rPr>
+              <a:t>CLUSTER ANALYSIS</a:t>
+            </a:r>
+            <a:r>
+              <a:rPr lang="it-IT" sz="2400" dirty="0">
+                <a:solidFill>
+                  <a:schemeClr val="bg1"/>
+                </a:solidFill>
+              </a:rPr>
+              <a:t>: SUBSET GEN </a:t>
+            </a:r>
+            <a:endParaRPr lang="en-US" sz="2400" dirty="0">
+              <a:solidFill>
+                <a:schemeClr val="bg1"/>
+              </a:solidFill>
+            </a:endParaRPr>
+          </a:p>
+        </p:txBody>
+      </p:sp>
+      <p:sp>
+        <p:nvSpPr>
+          <p:cNvPr id="2" name="Rectangle 6">
+            <a:extLst>
+              <a:ext uri="{FF2B5EF4-FFF2-40B4-BE49-F238E27FC236}">
+                <a16:creationId xmlns:a16="http://schemas.microsoft.com/office/drawing/2014/main" id="{FC5724C9-24A0-4B40-9A3A-FE717EF7AA55}"/>
+              </a:ext>
+            </a:extLst>
+          </p:cNvPr>
+          <p:cNvSpPr>
+            <a:spLocks noChangeArrowheads="1"/>
+          </p:cNvSpPr>
+          <p:nvPr/>
+        </p:nvSpPr>
+        <p:spPr bwMode="auto">
+          <a:xfrm>
+            <a:off x="0" y="0"/>
+            <a:ext cx="9144000" cy="457200"/>
+          </a:xfrm>
+          <a:prstGeom prst="rect">
+            <a:avLst/>
+          </a:prstGeom>
+          <a:noFill/>
+          <a:ln>
+            <a:noFill/>
+          </a:ln>
+          <a:effectLst/>
+          <a:extLst>
+            <a:ext uri="{909E8E84-426E-40DD-AFC4-6F175D3DCCD1}">
+              <a14:hiddenFill xmlns:a14="http://schemas.microsoft.com/office/drawing/2010/main">
+                <a:solidFill>
+                  <a:schemeClr val="accent1"/>
+                </a:solidFill>
+              </a14:hiddenFill>
+            </a:ext>
+            <a:ext uri="{91240B29-F687-4F45-9708-019B960494DF}">
+              <a14:hiddenLine xmlns:a14="http://schemas.microsoft.com/office/drawing/2010/main" w="9525">
+                <a:solidFill>
+                  <a:schemeClr val="tx1"/>
+                </a:solidFill>
+                <a:miter lim="800000"/>
+                <a:headEnd/>
+                <a:tailEnd/>
+              </a14:hiddenLine>
+            </a:ext>
+            <a:ext uri="{AF507438-7753-43E0-B8FC-AC1667EBCBE1}">
+              <a14:hiddenEffects xmlns:a14="http://schemas.microsoft.com/office/drawing/2010/main">
+                <a:effectLst>
+                  <a:outerShdw dist="35921" dir="2700000" algn="ctr" rotWithShape="0">
+                    <a:schemeClr val="bg2"/>
+                  </a:outerShdw>
+                </a:effectLst>
+              </a14:hiddenEffects>
+            </a:ext>
+          </a:extLst>
+        </p:spPr>
+        <p:txBody>
+          <a:bodyPr vert="horz" wrap="none" lIns="91440" tIns="45720" rIns="91440" bIns="45720" numCol="1" anchor="ctr" anchorCtr="0" compatLnSpc="1">
+            <a:prstTxWarp prst="textNoShape">
+              <a:avLst/>
+            </a:prstTxWarp>
+            <a:spAutoFit/>
+          </a:bodyPr>
+          <a:lstStyle/>
+          <a:p>
+            <a:endParaRPr lang="en-US"/>
+          </a:p>
+        </p:txBody>
+      </p:sp>
+      <p:sp>
+        <p:nvSpPr>
+          <p:cNvPr id="3" name="Rectangle 7">
+            <a:extLst>
+              <a:ext uri="{FF2B5EF4-FFF2-40B4-BE49-F238E27FC236}">
+                <a16:creationId xmlns:a16="http://schemas.microsoft.com/office/drawing/2014/main" id="{C08042F5-96DB-4FE6-B699-C1DFAB71C0C5}"/>
+              </a:ext>
+            </a:extLst>
+          </p:cNvPr>
+          <p:cNvSpPr>
+            <a:spLocks noChangeArrowheads="1"/>
+          </p:cNvSpPr>
+          <p:nvPr/>
+        </p:nvSpPr>
+        <p:spPr bwMode="auto">
+          <a:xfrm>
+            <a:off x="0" y="1838325"/>
+            <a:ext cx="9144000" cy="0"/>
+          </a:xfrm>
+          <a:prstGeom prst="rect">
+            <a:avLst/>
+          </a:prstGeom>
+          <a:noFill/>
+          <a:ln>
+            <a:noFill/>
+          </a:ln>
+          <a:effectLst/>
+          <a:extLst>
+            <a:ext uri="{909E8E84-426E-40DD-AFC4-6F175D3DCCD1}">
+              <a14:hiddenFill xmlns:a14="http://schemas.microsoft.com/office/drawing/2010/main">
+                <a:solidFill>
+                  <a:schemeClr val="accent1"/>
+                </a:solidFill>
+              </a14:hiddenFill>
+            </a:ext>
+            <a:ext uri="{91240B29-F687-4F45-9708-019B960494DF}">
+              <a14:hiddenLine xmlns:a14="http://schemas.microsoft.com/office/drawing/2010/main" w="9525">
+                <a:solidFill>
+                  <a:schemeClr val="tx1"/>
+                </a:solidFill>
+                <a:miter lim="800000"/>
+                <a:headEnd/>
+                <a:tailEnd/>
+              </a14:hiddenLine>
+            </a:ext>
+            <a:ext uri="{AF507438-7753-43E0-B8FC-AC1667EBCBE1}">
+              <a14:hiddenEffects xmlns:a14="http://schemas.microsoft.com/office/drawing/2010/main">
+                <a:effectLst>
+                  <a:outerShdw dist="35921" dir="2700000" algn="ctr" rotWithShape="0">
+                    <a:schemeClr val="bg2"/>
+                  </a:outerShdw>
+                </a:effectLst>
+              </a14:hiddenEffects>
+            </a:ext>
+          </a:extLst>
+        </p:spPr>
+        <p:txBody>
+          <a:bodyPr vert="horz" wrap="none" lIns="91440" tIns="45720" rIns="91440" bIns="45720" numCol="1" anchor="ctr" anchorCtr="0" compatLnSpc="1">
+            <a:prstTxWarp prst="textNoShape">
+              <a:avLst/>
+            </a:prstTxWarp>
+            <a:spAutoFit/>
+          </a:bodyPr>
+          <a:lstStyle/>
+          <a:p>
+            <a:pPr marL="0" marR="0" lvl="0" indent="0" algn="l" defTabSz="914400" rtl="0" eaLnBrk="0" fontAlgn="base" latinLnBrk="0" hangingPunct="0">
+              <a:lnSpc>
+                <a:spcPct val="100000"/>
+              </a:lnSpc>
+              <a:spcBef>
+                <a:spcPct val="0"/>
+              </a:spcBef>
+              <a:spcAft>
+                <a:spcPct val="0"/>
+              </a:spcAft>
+              <a:buClrTx/>
+              <a:buSzTx/>
+              <a:buFontTx/>
+              <a:buNone/>
+              <a:tabLst/>
+            </a:pPr>
+            <a:r>
+              <a:rPr kumimoji="0" lang="it-IT" altLang="en-US" sz="1100" b="0" i="0" u="none" strike="noStrike" cap="none" normalizeH="0" baseline="0">
+                <a:ln>
+                  <a:noFill/>
+                </a:ln>
+                <a:solidFill>
+                  <a:schemeClr val="tx1"/>
+                </a:solidFill>
+                <a:effectLst/>
+                <a:latin typeface="Calibri" panose="020F0502020204030204" pitchFamily="34" charset="0"/>
+                <a:ea typeface="Times New Roman" panose="02020603050405020304" pitchFamily="18" charset="0"/>
+                <a:cs typeface="Times New Roman" panose="02020603050405020304" pitchFamily="18" charset="0"/>
+              </a:rPr>
+              <a:t> </a:t>
+            </a:r>
+            <a:endParaRPr kumimoji="0" lang="it-IT" altLang="en-US" sz="1800" b="0" i="0" u="none" strike="noStrike" cap="none" normalizeH="0" baseline="0">
+              <a:ln>
+                <a:noFill/>
+              </a:ln>
+              <a:solidFill>
+                <a:schemeClr val="tx1"/>
+              </a:solidFill>
+              <a:effectLst/>
+              <a:latin typeface="Arial" panose="020B0604020202020204" pitchFamily="34" charset="0"/>
+            </a:endParaRPr>
+          </a:p>
+        </p:txBody>
+      </p:sp>
+      <p:sp>
+        <p:nvSpPr>
+          <p:cNvPr id="4" name="Rectangle 8">
+            <a:extLst>
+              <a:ext uri="{FF2B5EF4-FFF2-40B4-BE49-F238E27FC236}">
+                <a16:creationId xmlns:a16="http://schemas.microsoft.com/office/drawing/2014/main" id="{E0CBE371-8058-4503-A250-42442AAE21EC}"/>
+              </a:ext>
+            </a:extLst>
+          </p:cNvPr>
+          <p:cNvSpPr>
+            <a:spLocks noChangeArrowheads="1"/>
+          </p:cNvSpPr>
+          <p:nvPr/>
+        </p:nvSpPr>
+        <p:spPr bwMode="auto">
+          <a:xfrm>
+            <a:off x="0" y="3219450"/>
+            <a:ext cx="9144000" cy="0"/>
+          </a:xfrm>
+          <a:prstGeom prst="rect">
+            <a:avLst/>
+          </a:prstGeom>
+          <a:noFill/>
+          <a:ln>
+            <a:noFill/>
+          </a:ln>
+          <a:effectLst/>
+          <a:extLst>
+            <a:ext uri="{909E8E84-426E-40DD-AFC4-6F175D3DCCD1}">
+              <a14:hiddenFill xmlns:a14="http://schemas.microsoft.com/office/drawing/2010/main">
+                <a:solidFill>
+                  <a:schemeClr val="accent1"/>
+                </a:solidFill>
+              </a14:hiddenFill>
+            </a:ext>
+            <a:ext uri="{91240B29-F687-4F45-9708-019B960494DF}">
+              <a14:hiddenLine xmlns:a14="http://schemas.microsoft.com/office/drawing/2010/main" w="9525">
+                <a:solidFill>
+                  <a:schemeClr val="tx1"/>
+                </a:solidFill>
+                <a:miter lim="800000"/>
+                <a:headEnd/>
+                <a:tailEnd/>
+              </a14:hiddenLine>
+            </a:ext>
+            <a:ext uri="{AF507438-7753-43E0-B8FC-AC1667EBCBE1}">
+              <a14:hiddenEffects xmlns:a14="http://schemas.microsoft.com/office/drawing/2010/main">
+                <a:effectLst>
+                  <a:outerShdw dist="35921" dir="2700000" algn="ctr" rotWithShape="0">
+                    <a:schemeClr val="bg2"/>
+                  </a:outerShdw>
+                </a:effectLst>
+              </a14:hiddenEffects>
+            </a:ext>
+          </a:extLst>
+        </p:spPr>
+        <p:txBody>
+          <a:bodyPr vert="horz" wrap="none" lIns="91440" tIns="45720" rIns="91440" bIns="45720" numCol="1" anchor="ctr" anchorCtr="0" compatLnSpc="1">
+            <a:prstTxWarp prst="textNoShape">
+              <a:avLst/>
+            </a:prstTxWarp>
+            <a:spAutoFit/>
+          </a:bodyPr>
+          <a:lstStyle/>
+          <a:p>
+            <a:pPr marL="0" marR="0" lvl="0" indent="0" algn="l" defTabSz="914400" rtl="0" eaLnBrk="0" fontAlgn="base" latinLnBrk="0" hangingPunct="0">
+              <a:lnSpc>
+                <a:spcPct val="100000"/>
+              </a:lnSpc>
+              <a:spcBef>
+                <a:spcPct val="0"/>
+              </a:spcBef>
+              <a:spcAft>
+                <a:spcPct val="0"/>
+              </a:spcAft>
+              <a:buClrTx/>
+              <a:buSzTx/>
+              <a:buFontTx/>
+              <a:buNone/>
+              <a:tabLst/>
+            </a:pPr>
+            <a:r>
+              <a:rPr kumimoji="0" lang="it-IT" altLang="en-US" sz="1100" b="0" i="0" u="none" strike="noStrike" cap="none" normalizeH="0" baseline="0">
+                <a:ln>
+                  <a:noFill/>
+                </a:ln>
+                <a:solidFill>
+                  <a:schemeClr val="tx1"/>
+                </a:solidFill>
+                <a:effectLst/>
+                <a:latin typeface="Calibri" panose="020F0502020204030204" pitchFamily="34" charset="0"/>
+                <a:ea typeface="Times New Roman" panose="02020603050405020304" pitchFamily="18" charset="0"/>
+                <a:cs typeface="Times New Roman" panose="02020603050405020304" pitchFamily="18" charset="0"/>
+              </a:rPr>
+              <a:t> </a:t>
+            </a:r>
+            <a:endParaRPr kumimoji="0" lang="it-IT" altLang="en-US" sz="1800" b="0" i="0" u="none" strike="noStrike" cap="none" normalizeH="0" baseline="0">
+              <a:ln>
+                <a:noFill/>
+              </a:ln>
+              <a:solidFill>
+                <a:schemeClr val="tx1"/>
+              </a:solidFill>
+              <a:effectLst/>
+              <a:latin typeface="Arial" panose="020B0604020202020204" pitchFamily="34" charset="0"/>
+            </a:endParaRPr>
+          </a:p>
+        </p:txBody>
+      </p:sp>
+      <p:sp>
+        <p:nvSpPr>
+          <p:cNvPr id="10" name="Rectangle 9">
+            <a:extLst>
+              <a:ext uri="{FF2B5EF4-FFF2-40B4-BE49-F238E27FC236}">
+                <a16:creationId xmlns:a16="http://schemas.microsoft.com/office/drawing/2014/main" id="{99468FB6-6461-4A91-9E0B-2B3FC25F715E}"/>
+              </a:ext>
+            </a:extLst>
+          </p:cNvPr>
+          <p:cNvSpPr>
+            <a:spLocks noChangeArrowheads="1"/>
+          </p:cNvSpPr>
+          <p:nvPr/>
+        </p:nvSpPr>
+        <p:spPr bwMode="auto">
+          <a:xfrm>
+            <a:off x="0" y="4600575"/>
+            <a:ext cx="9144000" cy="0"/>
+          </a:xfrm>
+          <a:prstGeom prst="rect">
+            <a:avLst/>
+          </a:prstGeom>
+          <a:noFill/>
+          <a:ln>
+            <a:noFill/>
+          </a:ln>
+          <a:effectLst/>
+          <a:extLst>
+            <a:ext uri="{909E8E84-426E-40DD-AFC4-6F175D3DCCD1}">
+              <a14:hiddenFill xmlns:a14="http://schemas.microsoft.com/office/drawing/2010/main">
+                <a:solidFill>
+                  <a:schemeClr val="accent1"/>
+                </a:solidFill>
+              </a14:hiddenFill>
+            </a:ext>
+            <a:ext uri="{91240B29-F687-4F45-9708-019B960494DF}">
+              <a14:hiddenLine xmlns:a14="http://schemas.microsoft.com/office/drawing/2010/main" w="9525">
+                <a:solidFill>
+                  <a:schemeClr val="tx1"/>
+                </a:solidFill>
+                <a:miter lim="800000"/>
+                <a:headEnd/>
+                <a:tailEnd/>
+              </a14:hiddenLine>
+            </a:ext>
+            <a:ext uri="{AF507438-7753-43E0-B8FC-AC1667EBCBE1}">
+              <a14:hiddenEffects xmlns:a14="http://schemas.microsoft.com/office/drawing/2010/main">
+                <a:effectLst>
+                  <a:outerShdw dist="35921" dir="2700000" algn="ctr" rotWithShape="0">
+                    <a:schemeClr val="bg2"/>
+                  </a:outerShdw>
+                </a:effectLst>
+              </a14:hiddenEffects>
+            </a:ext>
+          </a:extLst>
+        </p:spPr>
+        <p:txBody>
+          <a:bodyPr vert="horz" wrap="none" lIns="91440" tIns="45720" rIns="91440" bIns="45720" numCol="1" anchor="ctr" anchorCtr="0" compatLnSpc="1">
+            <a:prstTxWarp prst="textNoShape">
+              <a:avLst/>
+            </a:prstTxWarp>
+            <a:spAutoFit/>
+          </a:bodyPr>
+          <a:lstStyle/>
+          <a:p>
+            <a:pPr marL="0" marR="0" lvl="0" indent="0" algn="l" defTabSz="914400" rtl="0" eaLnBrk="0" fontAlgn="base" latinLnBrk="0" hangingPunct="0">
+              <a:lnSpc>
+                <a:spcPct val="100000"/>
+              </a:lnSpc>
+              <a:spcBef>
+                <a:spcPct val="0"/>
+              </a:spcBef>
+              <a:spcAft>
+                <a:spcPct val="0"/>
+              </a:spcAft>
+              <a:buClrTx/>
+              <a:buSzTx/>
+              <a:buFontTx/>
+              <a:buNone/>
+              <a:tabLst/>
+            </a:pPr>
+            <a:r>
+              <a:rPr kumimoji="0" lang="it-IT" altLang="en-US" sz="1100" b="0" i="0" u="none" strike="noStrike" cap="none" normalizeH="0" baseline="0">
+                <a:ln>
+                  <a:noFill/>
+                </a:ln>
+                <a:solidFill>
+                  <a:schemeClr val="tx1"/>
+                </a:solidFill>
+                <a:effectLst/>
+                <a:latin typeface="Calibri" panose="020F0502020204030204" pitchFamily="34" charset="0"/>
+                <a:ea typeface="Times New Roman" panose="02020603050405020304" pitchFamily="18" charset="0"/>
+                <a:cs typeface="Times New Roman" panose="02020603050405020304" pitchFamily="18" charset="0"/>
+              </a:rPr>
+              <a:t> </a:t>
+            </a:r>
+            <a:endParaRPr kumimoji="0" lang="it-IT" altLang="en-US" sz="1800" b="0" i="0" u="none" strike="noStrike" cap="none" normalizeH="0" baseline="0">
+              <a:ln>
+                <a:noFill/>
+              </a:ln>
+              <a:solidFill>
+                <a:schemeClr val="tx1"/>
+              </a:solidFill>
+              <a:effectLst/>
+              <a:latin typeface="Arial" panose="020B0604020202020204" pitchFamily="34" charset="0"/>
+            </a:endParaRPr>
+          </a:p>
+        </p:txBody>
+      </p:sp>
+      <p:sp>
+        <p:nvSpPr>
+          <p:cNvPr id="11" name="Rectangle 10">
+            <a:extLst>
+              <a:ext uri="{FF2B5EF4-FFF2-40B4-BE49-F238E27FC236}">
+                <a16:creationId xmlns:a16="http://schemas.microsoft.com/office/drawing/2014/main" id="{E4D9815E-FC57-48D4-9710-C34FDAE236EF}"/>
+              </a:ext>
+            </a:extLst>
+          </p:cNvPr>
+          <p:cNvSpPr>
+            <a:spLocks noChangeArrowheads="1"/>
+          </p:cNvSpPr>
+          <p:nvPr/>
+        </p:nvSpPr>
+        <p:spPr bwMode="auto">
+          <a:xfrm>
+            <a:off x="0" y="6000750"/>
+            <a:ext cx="9144000" cy="0"/>
+          </a:xfrm>
+          <a:prstGeom prst="rect">
+            <a:avLst/>
+          </a:prstGeom>
+          <a:noFill/>
+          <a:ln>
+            <a:noFill/>
+          </a:ln>
+          <a:effectLst/>
+          <a:extLst>
+            <a:ext uri="{909E8E84-426E-40DD-AFC4-6F175D3DCCD1}">
+              <a14:hiddenFill xmlns:a14="http://schemas.microsoft.com/office/drawing/2010/main">
+                <a:solidFill>
+                  <a:schemeClr val="accent1"/>
+                </a:solidFill>
+              </a14:hiddenFill>
+            </a:ext>
+            <a:ext uri="{91240B29-F687-4F45-9708-019B960494DF}">
+              <a14:hiddenLine xmlns:a14="http://schemas.microsoft.com/office/drawing/2010/main" w="9525">
+                <a:solidFill>
+                  <a:schemeClr val="tx1"/>
+                </a:solidFill>
+                <a:miter lim="800000"/>
+                <a:headEnd/>
+                <a:tailEnd/>
+              </a14:hiddenLine>
+            </a:ext>
+            <a:ext uri="{AF507438-7753-43E0-B8FC-AC1667EBCBE1}">
+              <a14:hiddenEffects xmlns:a14="http://schemas.microsoft.com/office/drawing/2010/main">
+                <a:effectLst>
+                  <a:outerShdw dist="35921" dir="2700000" algn="ctr" rotWithShape="0">
+                    <a:schemeClr val="bg2"/>
+                  </a:outerShdw>
+                </a:effectLst>
+              </a14:hiddenEffects>
+            </a:ext>
+          </a:extLst>
+        </p:spPr>
+        <p:txBody>
+          <a:bodyPr vert="horz" wrap="none" lIns="91440" tIns="45720" rIns="91440" bIns="45720" numCol="1" anchor="ctr" anchorCtr="0" compatLnSpc="1">
+            <a:prstTxWarp prst="textNoShape">
+              <a:avLst/>
+            </a:prstTxWarp>
+            <a:spAutoFit/>
+          </a:bodyPr>
+          <a:lstStyle/>
+          <a:p>
+            <a:pPr marL="0" marR="0" lvl="0" indent="0" algn="l" defTabSz="914400" rtl="0" eaLnBrk="0" fontAlgn="base" latinLnBrk="0" hangingPunct="0">
+              <a:lnSpc>
+                <a:spcPct val="100000"/>
+              </a:lnSpc>
+              <a:spcBef>
+                <a:spcPct val="0"/>
+              </a:spcBef>
+              <a:spcAft>
+                <a:spcPct val="0"/>
+              </a:spcAft>
+              <a:buClrTx/>
+              <a:buSzTx/>
+              <a:buFontTx/>
+              <a:buNone/>
+              <a:tabLst/>
+            </a:pPr>
+            <a:r>
+              <a:rPr kumimoji="0" lang="it-IT" altLang="en-US" sz="1100" b="0" i="0" u="none" strike="noStrike" cap="none" normalizeH="0" baseline="0">
+                <a:ln>
+                  <a:noFill/>
+                </a:ln>
+                <a:solidFill>
+                  <a:schemeClr val="tx1"/>
+                </a:solidFill>
+                <a:effectLst/>
+                <a:latin typeface="Calibri" panose="020F0502020204030204" pitchFamily="34" charset="0"/>
+                <a:ea typeface="Times New Roman" panose="02020603050405020304" pitchFamily="18" charset="0"/>
+                <a:cs typeface="Times New Roman" panose="02020603050405020304" pitchFamily="18" charset="0"/>
+              </a:rPr>
+              <a:t> </a:t>
+            </a:r>
+            <a:endParaRPr kumimoji="0" lang="it-IT" altLang="en-US" sz="1800" b="0" i="0" u="none" strike="noStrike" cap="none" normalizeH="0" baseline="0">
+              <a:ln>
+                <a:noFill/>
+              </a:ln>
+              <a:solidFill>
+                <a:schemeClr val="tx1"/>
+              </a:solidFill>
+              <a:effectLst/>
+              <a:latin typeface="Arial" panose="020B0604020202020204" pitchFamily="34" charset="0"/>
+            </a:endParaRPr>
+          </a:p>
+        </p:txBody>
+      </p:sp>
+      <p:sp>
+        <p:nvSpPr>
+          <p:cNvPr id="12" name="Segnaposto contenuto 2">
+            <a:extLst>
+              <a:ext uri="{FF2B5EF4-FFF2-40B4-BE49-F238E27FC236}">
+                <a16:creationId xmlns:a16="http://schemas.microsoft.com/office/drawing/2014/main" id="{6B55346A-7B45-43F0-B6B4-9CFD350F7410}"/>
+              </a:ext>
+            </a:extLst>
+          </p:cNvPr>
+          <p:cNvSpPr txBox="1">
+            <a:spLocks/>
+          </p:cNvSpPr>
+          <p:nvPr/>
+        </p:nvSpPr>
+        <p:spPr>
+          <a:xfrm>
+            <a:off x="518864" y="1772816"/>
+            <a:ext cx="8229600" cy="4114800"/>
+          </a:xfrm>
+          <a:prstGeom prst="rect">
+            <a:avLst/>
+          </a:prstGeom>
+        </p:spPr>
+        <p:txBody>
+          <a:bodyPr vert="horz" lIns="91440" tIns="45720" rIns="91440" bIns="45720" rtlCol="0">
+            <a:normAutofit/>
+          </a:bodyPr>
+          <a:lstStyle>
+            <a:lvl1pPr marL="257175" indent="-257175" algn="l" defTabSz="342900" rtl="0" eaLnBrk="1" latinLnBrk="0" hangingPunct="1">
+              <a:spcBef>
+                <a:spcPct val="20000"/>
+              </a:spcBef>
+              <a:buFont typeface="Arial"/>
+              <a:buChar char="•"/>
+              <a:defRPr sz="2400" kern="1200">
+                <a:solidFill>
+                  <a:schemeClr val="tx1"/>
+                </a:solidFill>
+                <a:latin typeface="+mn-lt"/>
+                <a:ea typeface="+mn-ea"/>
+                <a:cs typeface="+mn-cs"/>
+              </a:defRPr>
+            </a:lvl1pPr>
+            <a:lvl2pPr marL="557213" indent="-214313" algn="l" defTabSz="342900" rtl="0" eaLnBrk="1" latinLnBrk="0" hangingPunct="1">
+              <a:spcBef>
+                <a:spcPct val="20000"/>
+              </a:spcBef>
+              <a:buFont typeface="Arial"/>
+              <a:buChar char="–"/>
+              <a:defRPr sz="2100" kern="1200">
+                <a:solidFill>
+                  <a:schemeClr val="tx1"/>
+                </a:solidFill>
+                <a:latin typeface="+mn-lt"/>
+                <a:ea typeface="+mn-ea"/>
+                <a:cs typeface="+mn-cs"/>
+              </a:defRPr>
+            </a:lvl2pPr>
+            <a:lvl3pPr marL="857250" indent="-171450" algn="l" defTabSz="342900" rtl="0" eaLnBrk="1" latinLnBrk="0" hangingPunct="1">
+              <a:spcBef>
+                <a:spcPct val="20000"/>
+              </a:spcBef>
+              <a:buFont typeface="Arial"/>
+              <a:buChar char="•"/>
+              <a:defRPr sz="1800" kern="1200">
+                <a:solidFill>
+                  <a:schemeClr val="tx1"/>
+                </a:solidFill>
+                <a:latin typeface="+mn-lt"/>
+                <a:ea typeface="+mn-ea"/>
+                <a:cs typeface="+mn-cs"/>
+              </a:defRPr>
+            </a:lvl3pPr>
+            <a:lvl4pPr marL="1200150" indent="-171450" algn="l" defTabSz="342900" rtl="0" eaLnBrk="1" latinLnBrk="0" hangingPunct="1">
+              <a:spcBef>
+                <a:spcPct val="20000"/>
+              </a:spcBef>
+              <a:buFont typeface="Arial"/>
+              <a:buChar char="–"/>
+              <a:defRPr sz="1500" kern="1200">
+                <a:solidFill>
+                  <a:schemeClr val="tx1"/>
+                </a:solidFill>
+                <a:latin typeface="+mn-lt"/>
+                <a:ea typeface="+mn-ea"/>
+                <a:cs typeface="+mn-cs"/>
+              </a:defRPr>
+            </a:lvl4pPr>
+            <a:lvl5pPr marL="1543050" indent="-171450" algn="l" defTabSz="342900" rtl="0" eaLnBrk="1" latinLnBrk="0" hangingPunct="1">
+              <a:spcBef>
+                <a:spcPct val="20000"/>
+              </a:spcBef>
+              <a:buFont typeface="Arial"/>
+              <a:buChar char="»"/>
+              <a:defRPr sz="1500" kern="1200">
+                <a:solidFill>
+                  <a:schemeClr val="tx1"/>
+                </a:solidFill>
+                <a:latin typeface="+mn-lt"/>
+                <a:ea typeface="+mn-ea"/>
+                <a:cs typeface="+mn-cs"/>
+              </a:defRPr>
+            </a:lvl5pPr>
+            <a:lvl6pPr marL="1885950" indent="-171450" algn="l" defTabSz="342900" rtl="0" eaLnBrk="1" latinLnBrk="0" hangingPunct="1">
+              <a:spcBef>
+                <a:spcPct val="20000"/>
+              </a:spcBef>
+              <a:buFont typeface="Arial"/>
+              <a:buChar char="•"/>
+              <a:defRPr sz="1500" kern="1200">
+                <a:solidFill>
+                  <a:schemeClr val="tx1"/>
+                </a:solidFill>
+                <a:latin typeface="+mn-lt"/>
+                <a:ea typeface="+mn-ea"/>
+                <a:cs typeface="+mn-cs"/>
+              </a:defRPr>
+            </a:lvl6pPr>
+            <a:lvl7pPr marL="2228850" indent="-171450" algn="l" defTabSz="342900" rtl="0" eaLnBrk="1" latinLnBrk="0" hangingPunct="1">
+              <a:spcBef>
+                <a:spcPct val="20000"/>
+              </a:spcBef>
+              <a:buFont typeface="Arial"/>
+              <a:buChar char="•"/>
+              <a:defRPr sz="1500" kern="1200">
+                <a:solidFill>
+                  <a:schemeClr val="tx1"/>
+                </a:solidFill>
+                <a:latin typeface="+mn-lt"/>
+                <a:ea typeface="+mn-ea"/>
+                <a:cs typeface="+mn-cs"/>
+              </a:defRPr>
+            </a:lvl7pPr>
+            <a:lvl8pPr marL="2571750" indent="-171450" algn="l" defTabSz="342900" rtl="0" eaLnBrk="1" latinLnBrk="0" hangingPunct="1">
+              <a:spcBef>
+                <a:spcPct val="20000"/>
+              </a:spcBef>
+              <a:buFont typeface="Arial"/>
+              <a:buChar char="•"/>
+              <a:defRPr sz="1500" kern="1200">
+                <a:solidFill>
+                  <a:schemeClr val="tx1"/>
+                </a:solidFill>
+                <a:latin typeface="+mn-lt"/>
+                <a:ea typeface="+mn-ea"/>
+                <a:cs typeface="+mn-cs"/>
+              </a:defRPr>
+            </a:lvl8pPr>
+            <a:lvl9pPr marL="2914650" indent="-171450" algn="l" defTabSz="342900" rtl="0" eaLnBrk="1" latinLnBrk="0" hangingPunct="1">
+              <a:spcBef>
+                <a:spcPct val="20000"/>
+              </a:spcBef>
+              <a:buFont typeface="Arial"/>
+              <a:buChar char="•"/>
+              <a:defRPr sz="1500" kern="1200">
+                <a:solidFill>
+                  <a:schemeClr val="tx1"/>
+                </a:solidFill>
+                <a:latin typeface="+mn-lt"/>
+                <a:ea typeface="+mn-ea"/>
+                <a:cs typeface="+mn-cs"/>
+              </a:defRPr>
+            </a:lvl9pPr>
+          </a:lstStyle>
+          <a:p>
+            <a:pPr marL="342900" lvl="1" indent="0" algn="just">
+              <a:buNone/>
+            </a:pPr>
+            <a:endParaRPr lang="it-IT" dirty="0">
+              <a:solidFill>
+                <a:srgbClr val="00B050"/>
+              </a:solidFill>
+            </a:endParaRPr>
+          </a:p>
+        </p:txBody>
+      </p:sp>
+      <p:sp>
+        <p:nvSpPr>
+          <p:cNvPr id="21" name="CasellaDiTesto 20">
+            <a:extLst>
+              <a:ext uri="{FF2B5EF4-FFF2-40B4-BE49-F238E27FC236}">
+                <a16:creationId xmlns:a16="http://schemas.microsoft.com/office/drawing/2014/main" id="{06404A80-AB25-46AA-AACA-C85B9C0735BB}"/>
+              </a:ext>
+            </a:extLst>
+          </p:cNvPr>
+          <p:cNvSpPr txBox="1"/>
+          <p:nvPr/>
+        </p:nvSpPr>
+        <p:spPr>
+          <a:xfrm>
+            <a:off x="35496" y="836712"/>
+            <a:ext cx="9007594" cy="400110"/>
+          </a:xfrm>
+          <a:prstGeom prst="rect">
+            <a:avLst/>
+          </a:prstGeom>
+          <a:noFill/>
+        </p:spPr>
+        <p:txBody>
+          <a:bodyPr wrap="none" rtlCol="0">
+            <a:spAutoFit/>
+          </a:bodyPr>
+          <a:lstStyle/>
+          <a:p>
+            <a:r>
+              <a:rPr lang="it-IT" sz="2000" b="1" dirty="0"/>
+              <a:t>K-</a:t>
+            </a:r>
+            <a:r>
+              <a:rPr lang="it-IT" sz="2000" b="1" dirty="0" err="1"/>
+              <a:t>means</a:t>
+            </a:r>
+            <a:r>
+              <a:rPr lang="it-IT" sz="2000" dirty="0"/>
+              <a:t>, </a:t>
+            </a:r>
+            <a:r>
+              <a:rPr lang="it-IT" sz="2000" b="1" dirty="0"/>
+              <a:t>4 cluster</a:t>
+            </a:r>
+            <a:r>
+              <a:rPr lang="it-IT" dirty="0"/>
+              <a:t>: </a:t>
+            </a:r>
+            <a:r>
+              <a:rPr lang="it-IT" dirty="0">
+                <a:solidFill>
+                  <a:srgbClr val="FF0000"/>
+                </a:solidFill>
+              </a:rPr>
+              <a:t>sarà possibile racchiudere ogni coorte di immatricolazione in un cluster?</a:t>
+            </a:r>
+            <a:endParaRPr lang="en-US" dirty="0">
+              <a:solidFill>
+                <a:srgbClr val="FF0000"/>
+              </a:solidFill>
+            </a:endParaRPr>
+          </a:p>
+        </p:txBody>
+      </p:sp>
+      <p:sp>
+        <p:nvSpPr>
+          <p:cNvPr id="22" name="CasellaDiTesto 21">
+            <a:extLst>
+              <a:ext uri="{FF2B5EF4-FFF2-40B4-BE49-F238E27FC236}">
+                <a16:creationId xmlns:a16="http://schemas.microsoft.com/office/drawing/2014/main" id="{668096B2-6438-4407-9090-1AC58395B6FF}"/>
+              </a:ext>
+            </a:extLst>
+          </p:cNvPr>
+          <p:cNvSpPr txBox="1"/>
+          <p:nvPr/>
+        </p:nvSpPr>
+        <p:spPr>
+          <a:xfrm>
+            <a:off x="1547664" y="1335534"/>
             <a:ext cx="7793551" cy="5693866"/>
           </a:xfrm>
           <a:prstGeom prst="rect">
@@ -24587,7 +27199,7 @@
 </p:sld>
 </file>
 
-<file path=ppt/slides/slide44.xml><?xml version="1.0" encoding="utf-8"?>
+<file path=ppt/slides/slide48.xml><?xml version="1.0" encoding="utf-8"?>
 <p:sld xmlns:a="http://schemas.openxmlformats.org/drawingml/2006/main" xmlns:r="http://schemas.openxmlformats.org/officeDocument/2006/relationships" xmlns:p="http://schemas.openxmlformats.org/presentationml/2006/main">
   <p:cSld>
     <p:spTree>

--- a/relazione.pptx
+++ b/relazione.pptx
@@ -44,15 +44,18 @@
     <p:sldId id="295" r:id="rId38"/>
     <p:sldId id="296" r:id="rId39"/>
     <p:sldId id="298" r:id="rId40"/>
-    <p:sldId id="300" r:id="rId41"/>
-    <p:sldId id="301" r:id="rId42"/>
-    <p:sldId id="303" r:id="rId43"/>
-    <p:sldId id="302" r:id="rId44"/>
-    <p:sldId id="305" r:id="rId45"/>
-    <p:sldId id="304" r:id="rId46"/>
-    <p:sldId id="306" r:id="rId47"/>
-    <p:sldId id="297" r:id="rId48"/>
-    <p:sldId id="299" r:id="rId49"/>
+    <p:sldId id="307" r:id="rId41"/>
+    <p:sldId id="300" r:id="rId42"/>
+    <p:sldId id="301" r:id="rId43"/>
+    <p:sldId id="303" r:id="rId44"/>
+    <p:sldId id="302" r:id="rId45"/>
+    <p:sldId id="305" r:id="rId46"/>
+    <p:sldId id="304" r:id="rId47"/>
+    <p:sldId id="306" r:id="rId48"/>
+    <p:sldId id="297" r:id="rId49"/>
+    <p:sldId id="299" r:id="rId50"/>
+    <p:sldId id="308" r:id="rId51"/>
+    <p:sldId id="309" r:id="rId52"/>
   </p:sldIdLst>
   <p:sldSz cx="9144000" cy="6858000" type="screen4x3"/>
   <p:notesSz cx="6858000" cy="9144000"/>
@@ -20889,7 +20892,7 @@
         </p:nvSpPr>
         <p:spPr>
           <a:xfrm>
-            <a:off x="457200" y="980728"/>
+            <a:off x="457200" y="1052736"/>
             <a:ext cx="8229600" cy="5688632"/>
           </a:xfrm>
         </p:spPr>
@@ -20912,7 +20915,11 @@
             </a:r>
             <a:r>
               <a:rPr lang="it-IT" sz="2200" dirty="0"/>
-              <a:t> impiegati:</a:t>
+              <a:t> impiegati: </a:t>
+            </a:r>
+            <a:r>
+              <a:rPr lang="it-IT" sz="2200" b="1" dirty="0"/>
+              <a:t>K-MEANS</a:t>
             </a:r>
           </a:p>
           <a:p>
@@ -21894,14 +21901,6 @@
               </a:rPr>
               <a:t>CLUSTER ANALYSIS</a:t>
             </a:r>
-            <a:r>
-              <a:rPr lang="it-IT" sz="2400" dirty="0">
-                <a:solidFill>
-                  <a:schemeClr val="bg1"/>
-                </a:solidFill>
-              </a:rPr>
-              <a:t>: SUBSET GEN </a:t>
-            </a:r>
             <a:endParaRPr lang="en-US" sz="2400" dirty="0">
               <a:solidFill>
                 <a:schemeClr val="bg1"/>
@@ -22593,6 +22592,1162 @@
       </p:sp>
       <p:sp>
         <p:nvSpPr>
+          <p:cNvPr id="13" name="Segnaposto contenuto 2">
+            <a:extLst>
+              <a:ext uri="{FF2B5EF4-FFF2-40B4-BE49-F238E27FC236}">
+                <a16:creationId xmlns:a16="http://schemas.microsoft.com/office/drawing/2014/main" id="{980E4580-A772-4A19-8FBB-C5151CC05195}"/>
+              </a:ext>
+            </a:extLst>
+          </p:cNvPr>
+          <p:cNvSpPr>
+            <a:spLocks noGrp="1"/>
+          </p:cNvSpPr>
+          <p:nvPr>
+            <p:ph idx="1"/>
+          </p:nvPr>
+        </p:nvSpPr>
+        <p:spPr>
+          <a:xfrm>
+            <a:off x="457200" y="908720"/>
+            <a:ext cx="8229600" cy="5688632"/>
+          </a:xfrm>
+        </p:spPr>
+        <p:txBody>
+          <a:bodyPr>
+            <a:normAutofit/>
+          </a:bodyPr>
+          <a:lstStyle/>
+          <a:p>
+            <a:pPr marL="0" indent="0" algn="just">
+              <a:buNone/>
+            </a:pPr>
+            <a:r>
+              <a:rPr lang="it-IT" sz="2200" dirty="0"/>
+              <a:t>Impostazioni comuni ai vari algoritmi di </a:t>
+            </a:r>
+            <a:r>
+              <a:rPr lang="it-IT" sz="2200" dirty="0" err="1"/>
+              <a:t>clustering</a:t>
+            </a:r>
+            <a:r>
+              <a:rPr lang="it-IT" sz="2200" dirty="0"/>
+              <a:t> impiegati: </a:t>
+            </a:r>
+            <a:r>
+              <a:rPr lang="it-IT" sz="2200" b="1" dirty="0"/>
+              <a:t>DBSCAN</a:t>
+            </a:r>
+          </a:p>
+          <a:p>
+            <a:pPr marL="0" indent="0" algn="just">
+              <a:buNone/>
+            </a:pPr>
+            <a:endParaRPr lang="it-IT" sz="2200" b="1" dirty="0"/>
+          </a:p>
+          <a:p>
+            <a:pPr algn="just"/>
+            <a:endParaRPr lang="it-IT" sz="1800" dirty="0"/>
+          </a:p>
+          <a:p>
+            <a:pPr algn="just"/>
+            <a:endParaRPr lang="it-IT" sz="1800" dirty="0"/>
+          </a:p>
+          <a:p>
+            <a:pPr marL="0" indent="0" algn="just">
+              <a:buNone/>
+            </a:pPr>
+            <a:endParaRPr lang="it-IT" sz="1800" dirty="0"/>
+          </a:p>
+          <a:p>
+            <a:pPr marL="0" indent="0" algn="just">
+              <a:buNone/>
+            </a:pPr>
+            <a:endParaRPr lang="it-IT" sz="1800" dirty="0"/>
+          </a:p>
+          <a:p>
+            <a:pPr marL="0" indent="0" algn="just">
+              <a:buNone/>
+            </a:pPr>
+            <a:endParaRPr lang="it-IT" sz="1800" dirty="0"/>
+          </a:p>
+          <a:p>
+            <a:pPr algn="just"/>
+            <a:r>
+              <a:rPr lang="it-IT" sz="1800" dirty="0"/>
+              <a:t>Nella distanza euclidea è stato settato a </a:t>
+            </a:r>
+            <a:r>
+              <a:rPr lang="it-IT" sz="1800" i="1" dirty="0" err="1"/>
+              <a:t>true</a:t>
+            </a:r>
+            <a:r>
+              <a:rPr lang="it-IT" sz="1800" dirty="0"/>
+              <a:t> questo flag in quanto ogni attributo numerico ha già subito una normalizzazione. Inoltre, questo consente di poter impostare valori su una scala da 0 a 100 (in linea con quella degli attributi) per il parametro epsilon di DBSCAN:</a:t>
+            </a:r>
+          </a:p>
+          <a:p>
+            <a:pPr marL="0" indent="0" algn="just">
+              <a:buNone/>
+            </a:pPr>
+            <a:endParaRPr lang="it-IT" sz="1800" dirty="0"/>
+          </a:p>
+        </p:txBody>
+      </p:sp>
+      <p:pic>
+        <p:nvPicPr>
+          <p:cNvPr id="5" name="Immagine 4">
+            <a:extLst>
+              <a:ext uri="{FF2B5EF4-FFF2-40B4-BE49-F238E27FC236}">
+                <a16:creationId xmlns:a16="http://schemas.microsoft.com/office/drawing/2014/main" id="{8A5E1CC1-3426-4909-AE16-731320B8C526}"/>
+              </a:ext>
+            </a:extLst>
+          </p:cNvPr>
+          <p:cNvPicPr>
+            <a:picLocks noChangeAspect="1"/>
+          </p:cNvPicPr>
+          <p:nvPr/>
+        </p:nvPicPr>
+        <p:blipFill>
+          <a:blip r:embed="rId2"/>
+          <a:stretch>
+            <a:fillRect/>
+          </a:stretch>
+        </p:blipFill>
+        <p:spPr>
+          <a:xfrm>
+            <a:off x="1432729" y="2568565"/>
+            <a:ext cx="6401870" cy="482624"/>
+          </a:xfrm>
+          <a:prstGeom prst="rect">
+            <a:avLst/>
+          </a:prstGeom>
+        </p:spPr>
+      </p:pic>
+      <p:pic>
+        <p:nvPicPr>
+          <p:cNvPr id="7" name="Immagine 6">
+            <a:extLst>
+              <a:ext uri="{FF2B5EF4-FFF2-40B4-BE49-F238E27FC236}">
+                <a16:creationId xmlns:a16="http://schemas.microsoft.com/office/drawing/2014/main" id="{6327CE6B-7B82-4D42-9EE3-60F639D3A68E}"/>
+              </a:ext>
+            </a:extLst>
+          </p:cNvPr>
+          <p:cNvPicPr>
+            <a:picLocks noChangeAspect="1"/>
+          </p:cNvPicPr>
+          <p:nvPr/>
+        </p:nvPicPr>
+        <p:blipFill>
+          <a:blip r:embed="rId3"/>
+          <a:stretch>
+            <a:fillRect/>
+          </a:stretch>
+        </p:blipFill>
+        <p:spPr>
+          <a:xfrm>
+            <a:off x="1490307" y="1872473"/>
+            <a:ext cx="6286714" cy="577520"/>
+          </a:xfrm>
+          <a:prstGeom prst="rect">
+            <a:avLst/>
+          </a:prstGeom>
+        </p:spPr>
+      </p:pic>
+      <p:pic>
+        <p:nvPicPr>
+          <p:cNvPr id="8" name="Immagine 7">
+            <a:extLst>
+              <a:ext uri="{FF2B5EF4-FFF2-40B4-BE49-F238E27FC236}">
+                <a16:creationId xmlns:a16="http://schemas.microsoft.com/office/drawing/2014/main" id="{E960F73C-AF0C-413C-9822-563979ED7799}"/>
+              </a:ext>
+            </a:extLst>
+          </p:cNvPr>
+          <p:cNvPicPr>
+            <a:picLocks noChangeAspect="1"/>
+          </p:cNvPicPr>
+          <p:nvPr/>
+        </p:nvPicPr>
+        <p:blipFill>
+          <a:blip r:embed="rId4"/>
+          <a:stretch>
+            <a:fillRect/>
+          </a:stretch>
+        </p:blipFill>
+        <p:spPr>
+          <a:xfrm>
+            <a:off x="1404162" y="4725144"/>
+            <a:ext cx="6462140" cy="1197261"/>
+          </a:xfrm>
+          <a:prstGeom prst="rect">
+            <a:avLst/>
+          </a:prstGeom>
+        </p:spPr>
+      </p:pic>
+    </p:spTree>
+    <p:extLst>
+      <p:ext uri="{BB962C8B-B14F-4D97-AF65-F5344CB8AC3E}">
+        <p14:creationId xmlns:p14="http://schemas.microsoft.com/office/powerpoint/2010/main" val="2462833796"/>
+      </p:ext>
+    </p:extLst>
+  </p:cSld>
+  <p:clrMapOvr>
+    <a:masterClrMapping/>
+  </p:clrMapOvr>
+</p:sld>
+</file>
+
+<file path=ppt/slides/slide41.xml><?xml version="1.0" encoding="utf-8"?>
+<p:sld xmlns:a="http://schemas.openxmlformats.org/drawingml/2006/main" xmlns:r="http://schemas.openxmlformats.org/officeDocument/2006/relationships" xmlns:p="http://schemas.openxmlformats.org/presentationml/2006/main">
+  <p:cSld>
+    <p:spTree>
+      <p:nvGrpSpPr>
+        <p:cNvPr id="1" name=""/>
+        <p:cNvGrpSpPr/>
+        <p:nvPr/>
+      </p:nvGrpSpPr>
+      <p:grpSpPr>
+        <a:xfrm>
+          <a:off x="0" y="0"/>
+          <a:ext cx="0" cy="0"/>
+          <a:chOff x="0" y="0"/>
+          <a:chExt cx="0" cy="0"/>
+        </a:xfrm>
+      </p:grpSpPr>
+      <p:sp>
+        <p:nvSpPr>
+          <p:cNvPr id="9" name="Segnaposto contenuto 2">
+            <a:extLst>
+              <a:ext uri="{FF2B5EF4-FFF2-40B4-BE49-F238E27FC236}">
+                <a16:creationId xmlns:a16="http://schemas.microsoft.com/office/drawing/2014/main" id="{89886170-B615-43F8-AA8E-D5565391C42A}"/>
+              </a:ext>
+            </a:extLst>
+          </p:cNvPr>
+          <p:cNvSpPr txBox="1">
+            <a:spLocks/>
+          </p:cNvSpPr>
+          <p:nvPr/>
+        </p:nvSpPr>
+        <p:spPr>
+          <a:xfrm>
+            <a:off x="457200" y="5029199"/>
+            <a:ext cx="8229600" cy="1074753"/>
+          </a:xfrm>
+          <a:prstGeom prst="rect">
+            <a:avLst/>
+          </a:prstGeom>
+        </p:spPr>
+        <p:txBody>
+          <a:bodyPr vert="horz" lIns="91440" tIns="45720" rIns="91440" bIns="45720" rtlCol="0">
+            <a:normAutofit/>
+          </a:bodyPr>
+          <a:lstStyle>
+            <a:lvl1pPr marL="257175" indent="-257175" algn="l" defTabSz="342900" rtl="0" eaLnBrk="1" latinLnBrk="0" hangingPunct="1">
+              <a:spcBef>
+                <a:spcPct val="20000"/>
+              </a:spcBef>
+              <a:buFont typeface="Arial"/>
+              <a:buChar char="•"/>
+              <a:defRPr sz="2400" kern="1200">
+                <a:solidFill>
+                  <a:schemeClr val="tx1"/>
+                </a:solidFill>
+                <a:latin typeface="+mn-lt"/>
+                <a:ea typeface="+mn-ea"/>
+                <a:cs typeface="+mn-cs"/>
+              </a:defRPr>
+            </a:lvl1pPr>
+            <a:lvl2pPr marL="557213" indent="-214313" algn="l" defTabSz="342900" rtl="0" eaLnBrk="1" latinLnBrk="0" hangingPunct="1">
+              <a:spcBef>
+                <a:spcPct val="20000"/>
+              </a:spcBef>
+              <a:buFont typeface="Arial"/>
+              <a:buChar char="–"/>
+              <a:defRPr sz="2100" kern="1200">
+                <a:solidFill>
+                  <a:schemeClr val="tx1"/>
+                </a:solidFill>
+                <a:latin typeface="+mn-lt"/>
+                <a:ea typeface="+mn-ea"/>
+                <a:cs typeface="+mn-cs"/>
+              </a:defRPr>
+            </a:lvl2pPr>
+            <a:lvl3pPr marL="857250" indent="-171450" algn="l" defTabSz="342900" rtl="0" eaLnBrk="1" latinLnBrk="0" hangingPunct="1">
+              <a:spcBef>
+                <a:spcPct val="20000"/>
+              </a:spcBef>
+              <a:buFont typeface="Arial"/>
+              <a:buChar char="•"/>
+              <a:defRPr sz="1800" kern="1200">
+                <a:solidFill>
+                  <a:schemeClr val="tx1"/>
+                </a:solidFill>
+                <a:latin typeface="+mn-lt"/>
+                <a:ea typeface="+mn-ea"/>
+                <a:cs typeface="+mn-cs"/>
+              </a:defRPr>
+            </a:lvl3pPr>
+            <a:lvl4pPr marL="1200150" indent="-171450" algn="l" defTabSz="342900" rtl="0" eaLnBrk="1" latinLnBrk="0" hangingPunct="1">
+              <a:spcBef>
+                <a:spcPct val="20000"/>
+              </a:spcBef>
+              <a:buFont typeface="Arial"/>
+              <a:buChar char="–"/>
+              <a:defRPr sz="1500" kern="1200">
+                <a:solidFill>
+                  <a:schemeClr val="tx1"/>
+                </a:solidFill>
+                <a:latin typeface="+mn-lt"/>
+                <a:ea typeface="+mn-ea"/>
+                <a:cs typeface="+mn-cs"/>
+              </a:defRPr>
+            </a:lvl4pPr>
+            <a:lvl5pPr marL="1543050" indent="-171450" algn="l" defTabSz="342900" rtl="0" eaLnBrk="1" latinLnBrk="0" hangingPunct="1">
+              <a:spcBef>
+                <a:spcPct val="20000"/>
+              </a:spcBef>
+              <a:buFont typeface="Arial"/>
+              <a:buChar char="»"/>
+              <a:defRPr sz="1500" kern="1200">
+                <a:solidFill>
+                  <a:schemeClr val="tx1"/>
+                </a:solidFill>
+                <a:latin typeface="+mn-lt"/>
+                <a:ea typeface="+mn-ea"/>
+                <a:cs typeface="+mn-cs"/>
+              </a:defRPr>
+            </a:lvl5pPr>
+            <a:lvl6pPr marL="1885950" indent="-171450" algn="l" defTabSz="342900" rtl="0" eaLnBrk="1" latinLnBrk="0" hangingPunct="1">
+              <a:spcBef>
+                <a:spcPct val="20000"/>
+              </a:spcBef>
+              <a:buFont typeface="Arial"/>
+              <a:buChar char="•"/>
+              <a:defRPr sz="1500" kern="1200">
+                <a:solidFill>
+                  <a:schemeClr val="tx1"/>
+                </a:solidFill>
+                <a:latin typeface="+mn-lt"/>
+                <a:ea typeface="+mn-ea"/>
+                <a:cs typeface="+mn-cs"/>
+              </a:defRPr>
+            </a:lvl6pPr>
+            <a:lvl7pPr marL="2228850" indent="-171450" algn="l" defTabSz="342900" rtl="0" eaLnBrk="1" latinLnBrk="0" hangingPunct="1">
+              <a:spcBef>
+                <a:spcPct val="20000"/>
+              </a:spcBef>
+              <a:buFont typeface="Arial"/>
+              <a:buChar char="•"/>
+              <a:defRPr sz="1500" kern="1200">
+                <a:solidFill>
+                  <a:schemeClr val="tx1"/>
+                </a:solidFill>
+                <a:latin typeface="+mn-lt"/>
+                <a:ea typeface="+mn-ea"/>
+                <a:cs typeface="+mn-cs"/>
+              </a:defRPr>
+            </a:lvl7pPr>
+            <a:lvl8pPr marL="2571750" indent="-171450" algn="l" defTabSz="342900" rtl="0" eaLnBrk="1" latinLnBrk="0" hangingPunct="1">
+              <a:spcBef>
+                <a:spcPct val="20000"/>
+              </a:spcBef>
+              <a:buFont typeface="Arial"/>
+              <a:buChar char="•"/>
+              <a:defRPr sz="1500" kern="1200">
+                <a:solidFill>
+                  <a:schemeClr val="tx1"/>
+                </a:solidFill>
+                <a:latin typeface="+mn-lt"/>
+                <a:ea typeface="+mn-ea"/>
+                <a:cs typeface="+mn-cs"/>
+              </a:defRPr>
+            </a:lvl8pPr>
+            <a:lvl9pPr marL="2914650" indent="-171450" algn="l" defTabSz="342900" rtl="0" eaLnBrk="1" latinLnBrk="0" hangingPunct="1">
+              <a:spcBef>
+                <a:spcPct val="20000"/>
+              </a:spcBef>
+              <a:buFont typeface="Arial"/>
+              <a:buChar char="•"/>
+              <a:defRPr sz="1500" kern="1200">
+                <a:solidFill>
+                  <a:schemeClr val="tx1"/>
+                </a:solidFill>
+                <a:latin typeface="+mn-lt"/>
+                <a:ea typeface="+mn-ea"/>
+                <a:cs typeface="+mn-cs"/>
+              </a:defRPr>
+            </a:lvl9pPr>
+          </a:lstStyle>
+          <a:p>
+            <a:pPr marL="0" indent="0" algn="just">
+              <a:buFont typeface="Arial"/>
+              <a:buNone/>
+            </a:pPr>
+            <a:endParaRPr lang="it-IT" dirty="0"/>
+          </a:p>
+          <a:p>
+            <a:pPr marL="0" indent="0" algn="just">
+              <a:buFont typeface="Arial"/>
+              <a:buNone/>
+            </a:pPr>
+            <a:endParaRPr lang="it-IT" dirty="0"/>
+          </a:p>
+          <a:p>
+            <a:endParaRPr lang="en-US" sz="2000" dirty="0"/>
+          </a:p>
+        </p:txBody>
+      </p:sp>
+      <p:sp>
+        <p:nvSpPr>
+          <p:cNvPr id="6" name="Titolo 1">
+            <a:extLst>
+              <a:ext uri="{FF2B5EF4-FFF2-40B4-BE49-F238E27FC236}">
+                <a16:creationId xmlns:a16="http://schemas.microsoft.com/office/drawing/2014/main" id="{32602169-0966-4893-B032-33CFCD986CA0}"/>
+              </a:ext>
+            </a:extLst>
+          </p:cNvPr>
+          <p:cNvSpPr txBox="1">
+            <a:spLocks/>
+          </p:cNvSpPr>
+          <p:nvPr/>
+        </p:nvSpPr>
+        <p:spPr>
+          <a:xfrm>
+            <a:off x="755576" y="152400"/>
+            <a:ext cx="8229600" cy="1143000"/>
+          </a:xfrm>
+          <a:prstGeom prst="rect">
+            <a:avLst/>
+          </a:prstGeom>
+        </p:spPr>
+        <p:txBody>
+          <a:bodyPr>
+            <a:noAutofit/>
+          </a:bodyPr>
+          <a:lstStyle>
+            <a:lvl1pPr algn="ctr" defTabSz="342900" rtl="0" eaLnBrk="1" latinLnBrk="0" hangingPunct="1">
+              <a:spcBef>
+                <a:spcPct val="0"/>
+              </a:spcBef>
+              <a:buNone/>
+              <a:defRPr sz="3300" kern="1200">
+                <a:solidFill>
+                  <a:schemeClr val="tx1"/>
+                </a:solidFill>
+                <a:latin typeface="+mj-lt"/>
+                <a:ea typeface="+mj-ea"/>
+                <a:cs typeface="+mj-cs"/>
+              </a:defRPr>
+            </a:lvl1pPr>
+          </a:lstStyle>
+          <a:p>
+            <a:pPr algn="r"/>
+            <a:r>
+              <a:rPr lang="it-IT" sz="2400" b="1" dirty="0">
+                <a:solidFill>
+                  <a:schemeClr val="bg1"/>
+                </a:solidFill>
+              </a:rPr>
+              <a:t>CLUSTER ANALYSIS</a:t>
+            </a:r>
+            <a:r>
+              <a:rPr lang="it-IT" sz="2400" dirty="0">
+                <a:solidFill>
+                  <a:schemeClr val="bg1"/>
+                </a:solidFill>
+              </a:rPr>
+              <a:t>: SUBSET GEN </a:t>
+            </a:r>
+            <a:endParaRPr lang="en-US" sz="2400" dirty="0">
+              <a:solidFill>
+                <a:schemeClr val="bg1"/>
+              </a:solidFill>
+            </a:endParaRPr>
+          </a:p>
+        </p:txBody>
+      </p:sp>
+      <p:sp>
+        <p:nvSpPr>
+          <p:cNvPr id="2" name="Rectangle 6">
+            <a:extLst>
+              <a:ext uri="{FF2B5EF4-FFF2-40B4-BE49-F238E27FC236}">
+                <a16:creationId xmlns:a16="http://schemas.microsoft.com/office/drawing/2014/main" id="{FC5724C9-24A0-4B40-9A3A-FE717EF7AA55}"/>
+              </a:ext>
+            </a:extLst>
+          </p:cNvPr>
+          <p:cNvSpPr>
+            <a:spLocks noChangeArrowheads="1"/>
+          </p:cNvSpPr>
+          <p:nvPr/>
+        </p:nvSpPr>
+        <p:spPr bwMode="auto">
+          <a:xfrm>
+            <a:off x="0" y="0"/>
+            <a:ext cx="9144000" cy="457200"/>
+          </a:xfrm>
+          <a:prstGeom prst="rect">
+            <a:avLst/>
+          </a:prstGeom>
+          <a:noFill/>
+          <a:ln>
+            <a:noFill/>
+          </a:ln>
+          <a:effectLst/>
+          <a:extLst>
+            <a:ext uri="{909E8E84-426E-40DD-AFC4-6F175D3DCCD1}">
+              <a14:hiddenFill xmlns:a14="http://schemas.microsoft.com/office/drawing/2010/main">
+                <a:solidFill>
+                  <a:schemeClr val="accent1"/>
+                </a:solidFill>
+              </a14:hiddenFill>
+            </a:ext>
+            <a:ext uri="{91240B29-F687-4F45-9708-019B960494DF}">
+              <a14:hiddenLine xmlns:a14="http://schemas.microsoft.com/office/drawing/2010/main" w="9525">
+                <a:solidFill>
+                  <a:schemeClr val="tx1"/>
+                </a:solidFill>
+                <a:miter lim="800000"/>
+                <a:headEnd/>
+                <a:tailEnd/>
+              </a14:hiddenLine>
+            </a:ext>
+            <a:ext uri="{AF507438-7753-43E0-B8FC-AC1667EBCBE1}">
+              <a14:hiddenEffects xmlns:a14="http://schemas.microsoft.com/office/drawing/2010/main">
+                <a:effectLst>
+                  <a:outerShdw dist="35921" dir="2700000" algn="ctr" rotWithShape="0">
+                    <a:schemeClr val="bg2"/>
+                  </a:outerShdw>
+                </a:effectLst>
+              </a14:hiddenEffects>
+            </a:ext>
+          </a:extLst>
+        </p:spPr>
+        <p:txBody>
+          <a:bodyPr vert="horz" wrap="none" lIns="91440" tIns="45720" rIns="91440" bIns="45720" numCol="1" anchor="ctr" anchorCtr="0" compatLnSpc="1">
+            <a:prstTxWarp prst="textNoShape">
+              <a:avLst/>
+            </a:prstTxWarp>
+            <a:spAutoFit/>
+          </a:bodyPr>
+          <a:lstStyle/>
+          <a:p>
+            <a:endParaRPr lang="en-US"/>
+          </a:p>
+        </p:txBody>
+      </p:sp>
+      <p:sp>
+        <p:nvSpPr>
+          <p:cNvPr id="3" name="Rectangle 7">
+            <a:extLst>
+              <a:ext uri="{FF2B5EF4-FFF2-40B4-BE49-F238E27FC236}">
+                <a16:creationId xmlns:a16="http://schemas.microsoft.com/office/drawing/2014/main" id="{C08042F5-96DB-4FE6-B699-C1DFAB71C0C5}"/>
+              </a:ext>
+            </a:extLst>
+          </p:cNvPr>
+          <p:cNvSpPr>
+            <a:spLocks noChangeArrowheads="1"/>
+          </p:cNvSpPr>
+          <p:nvPr/>
+        </p:nvSpPr>
+        <p:spPr bwMode="auto">
+          <a:xfrm>
+            <a:off x="0" y="1838325"/>
+            <a:ext cx="9144000" cy="0"/>
+          </a:xfrm>
+          <a:prstGeom prst="rect">
+            <a:avLst/>
+          </a:prstGeom>
+          <a:noFill/>
+          <a:ln>
+            <a:noFill/>
+          </a:ln>
+          <a:effectLst/>
+          <a:extLst>
+            <a:ext uri="{909E8E84-426E-40DD-AFC4-6F175D3DCCD1}">
+              <a14:hiddenFill xmlns:a14="http://schemas.microsoft.com/office/drawing/2010/main">
+                <a:solidFill>
+                  <a:schemeClr val="accent1"/>
+                </a:solidFill>
+              </a14:hiddenFill>
+            </a:ext>
+            <a:ext uri="{91240B29-F687-4F45-9708-019B960494DF}">
+              <a14:hiddenLine xmlns:a14="http://schemas.microsoft.com/office/drawing/2010/main" w="9525">
+                <a:solidFill>
+                  <a:schemeClr val="tx1"/>
+                </a:solidFill>
+                <a:miter lim="800000"/>
+                <a:headEnd/>
+                <a:tailEnd/>
+              </a14:hiddenLine>
+            </a:ext>
+            <a:ext uri="{AF507438-7753-43E0-B8FC-AC1667EBCBE1}">
+              <a14:hiddenEffects xmlns:a14="http://schemas.microsoft.com/office/drawing/2010/main">
+                <a:effectLst>
+                  <a:outerShdw dist="35921" dir="2700000" algn="ctr" rotWithShape="0">
+                    <a:schemeClr val="bg2"/>
+                  </a:outerShdw>
+                </a:effectLst>
+              </a14:hiddenEffects>
+            </a:ext>
+          </a:extLst>
+        </p:spPr>
+        <p:txBody>
+          <a:bodyPr vert="horz" wrap="none" lIns="91440" tIns="45720" rIns="91440" bIns="45720" numCol="1" anchor="ctr" anchorCtr="0" compatLnSpc="1">
+            <a:prstTxWarp prst="textNoShape">
+              <a:avLst/>
+            </a:prstTxWarp>
+            <a:spAutoFit/>
+          </a:bodyPr>
+          <a:lstStyle/>
+          <a:p>
+            <a:pPr marL="0" marR="0" lvl="0" indent="0" algn="l" defTabSz="914400" rtl="0" eaLnBrk="0" fontAlgn="base" latinLnBrk="0" hangingPunct="0">
+              <a:lnSpc>
+                <a:spcPct val="100000"/>
+              </a:lnSpc>
+              <a:spcBef>
+                <a:spcPct val="0"/>
+              </a:spcBef>
+              <a:spcAft>
+                <a:spcPct val="0"/>
+              </a:spcAft>
+              <a:buClrTx/>
+              <a:buSzTx/>
+              <a:buFontTx/>
+              <a:buNone/>
+              <a:tabLst/>
+            </a:pPr>
+            <a:r>
+              <a:rPr kumimoji="0" lang="it-IT" altLang="en-US" sz="1100" b="0" i="0" u="none" strike="noStrike" cap="none" normalizeH="0" baseline="0">
+                <a:ln>
+                  <a:noFill/>
+                </a:ln>
+                <a:solidFill>
+                  <a:schemeClr val="tx1"/>
+                </a:solidFill>
+                <a:effectLst/>
+                <a:latin typeface="Calibri" panose="020F0502020204030204" pitchFamily="34" charset="0"/>
+                <a:ea typeface="Times New Roman" panose="02020603050405020304" pitchFamily="18" charset="0"/>
+                <a:cs typeface="Times New Roman" panose="02020603050405020304" pitchFamily="18" charset="0"/>
+              </a:rPr>
+              <a:t> </a:t>
+            </a:r>
+            <a:endParaRPr kumimoji="0" lang="it-IT" altLang="en-US" sz="1800" b="0" i="0" u="none" strike="noStrike" cap="none" normalizeH="0" baseline="0">
+              <a:ln>
+                <a:noFill/>
+              </a:ln>
+              <a:solidFill>
+                <a:schemeClr val="tx1"/>
+              </a:solidFill>
+              <a:effectLst/>
+              <a:latin typeface="Arial" panose="020B0604020202020204" pitchFamily="34" charset="0"/>
+            </a:endParaRPr>
+          </a:p>
+        </p:txBody>
+      </p:sp>
+      <p:sp>
+        <p:nvSpPr>
+          <p:cNvPr id="4" name="Rectangle 8">
+            <a:extLst>
+              <a:ext uri="{FF2B5EF4-FFF2-40B4-BE49-F238E27FC236}">
+                <a16:creationId xmlns:a16="http://schemas.microsoft.com/office/drawing/2014/main" id="{E0CBE371-8058-4503-A250-42442AAE21EC}"/>
+              </a:ext>
+            </a:extLst>
+          </p:cNvPr>
+          <p:cNvSpPr>
+            <a:spLocks noChangeArrowheads="1"/>
+          </p:cNvSpPr>
+          <p:nvPr/>
+        </p:nvSpPr>
+        <p:spPr bwMode="auto">
+          <a:xfrm>
+            <a:off x="0" y="3219450"/>
+            <a:ext cx="9144000" cy="0"/>
+          </a:xfrm>
+          <a:prstGeom prst="rect">
+            <a:avLst/>
+          </a:prstGeom>
+          <a:noFill/>
+          <a:ln>
+            <a:noFill/>
+          </a:ln>
+          <a:effectLst/>
+          <a:extLst>
+            <a:ext uri="{909E8E84-426E-40DD-AFC4-6F175D3DCCD1}">
+              <a14:hiddenFill xmlns:a14="http://schemas.microsoft.com/office/drawing/2010/main">
+                <a:solidFill>
+                  <a:schemeClr val="accent1"/>
+                </a:solidFill>
+              </a14:hiddenFill>
+            </a:ext>
+            <a:ext uri="{91240B29-F687-4F45-9708-019B960494DF}">
+              <a14:hiddenLine xmlns:a14="http://schemas.microsoft.com/office/drawing/2010/main" w="9525">
+                <a:solidFill>
+                  <a:schemeClr val="tx1"/>
+                </a:solidFill>
+                <a:miter lim="800000"/>
+                <a:headEnd/>
+                <a:tailEnd/>
+              </a14:hiddenLine>
+            </a:ext>
+            <a:ext uri="{AF507438-7753-43E0-B8FC-AC1667EBCBE1}">
+              <a14:hiddenEffects xmlns:a14="http://schemas.microsoft.com/office/drawing/2010/main">
+                <a:effectLst>
+                  <a:outerShdw dist="35921" dir="2700000" algn="ctr" rotWithShape="0">
+                    <a:schemeClr val="bg2"/>
+                  </a:outerShdw>
+                </a:effectLst>
+              </a14:hiddenEffects>
+            </a:ext>
+          </a:extLst>
+        </p:spPr>
+        <p:txBody>
+          <a:bodyPr vert="horz" wrap="none" lIns="91440" tIns="45720" rIns="91440" bIns="45720" numCol="1" anchor="ctr" anchorCtr="0" compatLnSpc="1">
+            <a:prstTxWarp prst="textNoShape">
+              <a:avLst/>
+            </a:prstTxWarp>
+            <a:spAutoFit/>
+          </a:bodyPr>
+          <a:lstStyle/>
+          <a:p>
+            <a:pPr marL="0" marR="0" lvl="0" indent="0" algn="l" defTabSz="914400" rtl="0" eaLnBrk="0" fontAlgn="base" latinLnBrk="0" hangingPunct="0">
+              <a:lnSpc>
+                <a:spcPct val="100000"/>
+              </a:lnSpc>
+              <a:spcBef>
+                <a:spcPct val="0"/>
+              </a:spcBef>
+              <a:spcAft>
+                <a:spcPct val="0"/>
+              </a:spcAft>
+              <a:buClrTx/>
+              <a:buSzTx/>
+              <a:buFontTx/>
+              <a:buNone/>
+              <a:tabLst/>
+            </a:pPr>
+            <a:r>
+              <a:rPr kumimoji="0" lang="it-IT" altLang="en-US" sz="1100" b="0" i="0" u="none" strike="noStrike" cap="none" normalizeH="0" baseline="0">
+                <a:ln>
+                  <a:noFill/>
+                </a:ln>
+                <a:solidFill>
+                  <a:schemeClr val="tx1"/>
+                </a:solidFill>
+                <a:effectLst/>
+                <a:latin typeface="Calibri" panose="020F0502020204030204" pitchFamily="34" charset="0"/>
+                <a:ea typeface="Times New Roman" panose="02020603050405020304" pitchFamily="18" charset="0"/>
+                <a:cs typeface="Times New Roman" panose="02020603050405020304" pitchFamily="18" charset="0"/>
+              </a:rPr>
+              <a:t> </a:t>
+            </a:r>
+            <a:endParaRPr kumimoji="0" lang="it-IT" altLang="en-US" sz="1800" b="0" i="0" u="none" strike="noStrike" cap="none" normalizeH="0" baseline="0">
+              <a:ln>
+                <a:noFill/>
+              </a:ln>
+              <a:solidFill>
+                <a:schemeClr val="tx1"/>
+              </a:solidFill>
+              <a:effectLst/>
+              <a:latin typeface="Arial" panose="020B0604020202020204" pitchFamily="34" charset="0"/>
+            </a:endParaRPr>
+          </a:p>
+        </p:txBody>
+      </p:sp>
+      <p:sp>
+        <p:nvSpPr>
+          <p:cNvPr id="10" name="Rectangle 9">
+            <a:extLst>
+              <a:ext uri="{FF2B5EF4-FFF2-40B4-BE49-F238E27FC236}">
+                <a16:creationId xmlns:a16="http://schemas.microsoft.com/office/drawing/2014/main" id="{99468FB6-6461-4A91-9E0B-2B3FC25F715E}"/>
+              </a:ext>
+            </a:extLst>
+          </p:cNvPr>
+          <p:cNvSpPr>
+            <a:spLocks noChangeArrowheads="1"/>
+          </p:cNvSpPr>
+          <p:nvPr/>
+        </p:nvSpPr>
+        <p:spPr bwMode="auto">
+          <a:xfrm>
+            <a:off x="0" y="4600575"/>
+            <a:ext cx="9144000" cy="0"/>
+          </a:xfrm>
+          <a:prstGeom prst="rect">
+            <a:avLst/>
+          </a:prstGeom>
+          <a:noFill/>
+          <a:ln>
+            <a:noFill/>
+          </a:ln>
+          <a:effectLst/>
+          <a:extLst>
+            <a:ext uri="{909E8E84-426E-40DD-AFC4-6F175D3DCCD1}">
+              <a14:hiddenFill xmlns:a14="http://schemas.microsoft.com/office/drawing/2010/main">
+                <a:solidFill>
+                  <a:schemeClr val="accent1"/>
+                </a:solidFill>
+              </a14:hiddenFill>
+            </a:ext>
+            <a:ext uri="{91240B29-F687-4F45-9708-019B960494DF}">
+              <a14:hiddenLine xmlns:a14="http://schemas.microsoft.com/office/drawing/2010/main" w="9525">
+                <a:solidFill>
+                  <a:schemeClr val="tx1"/>
+                </a:solidFill>
+                <a:miter lim="800000"/>
+                <a:headEnd/>
+                <a:tailEnd/>
+              </a14:hiddenLine>
+            </a:ext>
+            <a:ext uri="{AF507438-7753-43E0-B8FC-AC1667EBCBE1}">
+              <a14:hiddenEffects xmlns:a14="http://schemas.microsoft.com/office/drawing/2010/main">
+                <a:effectLst>
+                  <a:outerShdw dist="35921" dir="2700000" algn="ctr" rotWithShape="0">
+                    <a:schemeClr val="bg2"/>
+                  </a:outerShdw>
+                </a:effectLst>
+              </a14:hiddenEffects>
+            </a:ext>
+          </a:extLst>
+        </p:spPr>
+        <p:txBody>
+          <a:bodyPr vert="horz" wrap="none" lIns="91440" tIns="45720" rIns="91440" bIns="45720" numCol="1" anchor="ctr" anchorCtr="0" compatLnSpc="1">
+            <a:prstTxWarp prst="textNoShape">
+              <a:avLst/>
+            </a:prstTxWarp>
+            <a:spAutoFit/>
+          </a:bodyPr>
+          <a:lstStyle/>
+          <a:p>
+            <a:pPr marL="0" marR="0" lvl="0" indent="0" algn="l" defTabSz="914400" rtl="0" eaLnBrk="0" fontAlgn="base" latinLnBrk="0" hangingPunct="0">
+              <a:lnSpc>
+                <a:spcPct val="100000"/>
+              </a:lnSpc>
+              <a:spcBef>
+                <a:spcPct val="0"/>
+              </a:spcBef>
+              <a:spcAft>
+                <a:spcPct val="0"/>
+              </a:spcAft>
+              <a:buClrTx/>
+              <a:buSzTx/>
+              <a:buFontTx/>
+              <a:buNone/>
+              <a:tabLst/>
+            </a:pPr>
+            <a:r>
+              <a:rPr kumimoji="0" lang="it-IT" altLang="en-US" sz="1100" b="0" i="0" u="none" strike="noStrike" cap="none" normalizeH="0" baseline="0">
+                <a:ln>
+                  <a:noFill/>
+                </a:ln>
+                <a:solidFill>
+                  <a:schemeClr val="tx1"/>
+                </a:solidFill>
+                <a:effectLst/>
+                <a:latin typeface="Calibri" panose="020F0502020204030204" pitchFamily="34" charset="0"/>
+                <a:ea typeface="Times New Roman" panose="02020603050405020304" pitchFamily="18" charset="0"/>
+                <a:cs typeface="Times New Roman" panose="02020603050405020304" pitchFamily="18" charset="0"/>
+              </a:rPr>
+              <a:t> </a:t>
+            </a:r>
+            <a:endParaRPr kumimoji="0" lang="it-IT" altLang="en-US" sz="1800" b="0" i="0" u="none" strike="noStrike" cap="none" normalizeH="0" baseline="0">
+              <a:ln>
+                <a:noFill/>
+              </a:ln>
+              <a:solidFill>
+                <a:schemeClr val="tx1"/>
+              </a:solidFill>
+              <a:effectLst/>
+              <a:latin typeface="Arial" panose="020B0604020202020204" pitchFamily="34" charset="0"/>
+            </a:endParaRPr>
+          </a:p>
+        </p:txBody>
+      </p:sp>
+      <p:sp>
+        <p:nvSpPr>
+          <p:cNvPr id="11" name="Rectangle 10">
+            <a:extLst>
+              <a:ext uri="{FF2B5EF4-FFF2-40B4-BE49-F238E27FC236}">
+                <a16:creationId xmlns:a16="http://schemas.microsoft.com/office/drawing/2014/main" id="{E4D9815E-FC57-48D4-9710-C34FDAE236EF}"/>
+              </a:ext>
+            </a:extLst>
+          </p:cNvPr>
+          <p:cNvSpPr>
+            <a:spLocks noChangeArrowheads="1"/>
+          </p:cNvSpPr>
+          <p:nvPr/>
+        </p:nvSpPr>
+        <p:spPr bwMode="auto">
+          <a:xfrm>
+            <a:off x="0" y="6000750"/>
+            <a:ext cx="9144000" cy="0"/>
+          </a:xfrm>
+          <a:prstGeom prst="rect">
+            <a:avLst/>
+          </a:prstGeom>
+          <a:noFill/>
+          <a:ln>
+            <a:noFill/>
+          </a:ln>
+          <a:effectLst/>
+          <a:extLst>
+            <a:ext uri="{909E8E84-426E-40DD-AFC4-6F175D3DCCD1}">
+              <a14:hiddenFill xmlns:a14="http://schemas.microsoft.com/office/drawing/2010/main">
+                <a:solidFill>
+                  <a:schemeClr val="accent1"/>
+                </a:solidFill>
+              </a14:hiddenFill>
+            </a:ext>
+            <a:ext uri="{91240B29-F687-4F45-9708-019B960494DF}">
+              <a14:hiddenLine xmlns:a14="http://schemas.microsoft.com/office/drawing/2010/main" w="9525">
+                <a:solidFill>
+                  <a:schemeClr val="tx1"/>
+                </a:solidFill>
+                <a:miter lim="800000"/>
+                <a:headEnd/>
+                <a:tailEnd/>
+              </a14:hiddenLine>
+            </a:ext>
+            <a:ext uri="{AF507438-7753-43E0-B8FC-AC1667EBCBE1}">
+              <a14:hiddenEffects xmlns:a14="http://schemas.microsoft.com/office/drawing/2010/main">
+                <a:effectLst>
+                  <a:outerShdw dist="35921" dir="2700000" algn="ctr" rotWithShape="0">
+                    <a:schemeClr val="bg2"/>
+                  </a:outerShdw>
+                </a:effectLst>
+              </a14:hiddenEffects>
+            </a:ext>
+          </a:extLst>
+        </p:spPr>
+        <p:txBody>
+          <a:bodyPr vert="horz" wrap="none" lIns="91440" tIns="45720" rIns="91440" bIns="45720" numCol="1" anchor="ctr" anchorCtr="0" compatLnSpc="1">
+            <a:prstTxWarp prst="textNoShape">
+              <a:avLst/>
+            </a:prstTxWarp>
+            <a:spAutoFit/>
+          </a:bodyPr>
+          <a:lstStyle/>
+          <a:p>
+            <a:pPr marL="0" marR="0" lvl="0" indent="0" algn="l" defTabSz="914400" rtl="0" eaLnBrk="0" fontAlgn="base" latinLnBrk="0" hangingPunct="0">
+              <a:lnSpc>
+                <a:spcPct val="100000"/>
+              </a:lnSpc>
+              <a:spcBef>
+                <a:spcPct val="0"/>
+              </a:spcBef>
+              <a:spcAft>
+                <a:spcPct val="0"/>
+              </a:spcAft>
+              <a:buClrTx/>
+              <a:buSzTx/>
+              <a:buFontTx/>
+              <a:buNone/>
+              <a:tabLst/>
+            </a:pPr>
+            <a:r>
+              <a:rPr kumimoji="0" lang="it-IT" altLang="en-US" sz="1100" b="0" i="0" u="none" strike="noStrike" cap="none" normalizeH="0" baseline="0">
+                <a:ln>
+                  <a:noFill/>
+                </a:ln>
+                <a:solidFill>
+                  <a:schemeClr val="tx1"/>
+                </a:solidFill>
+                <a:effectLst/>
+                <a:latin typeface="Calibri" panose="020F0502020204030204" pitchFamily="34" charset="0"/>
+                <a:ea typeface="Times New Roman" panose="02020603050405020304" pitchFamily="18" charset="0"/>
+                <a:cs typeface="Times New Roman" panose="02020603050405020304" pitchFamily="18" charset="0"/>
+              </a:rPr>
+              <a:t> </a:t>
+            </a:r>
+            <a:endParaRPr kumimoji="0" lang="it-IT" altLang="en-US" sz="1800" b="0" i="0" u="none" strike="noStrike" cap="none" normalizeH="0" baseline="0">
+              <a:ln>
+                <a:noFill/>
+              </a:ln>
+              <a:solidFill>
+                <a:schemeClr val="tx1"/>
+              </a:solidFill>
+              <a:effectLst/>
+              <a:latin typeface="Arial" panose="020B0604020202020204" pitchFamily="34" charset="0"/>
+            </a:endParaRPr>
+          </a:p>
+        </p:txBody>
+      </p:sp>
+      <p:sp>
+        <p:nvSpPr>
+          <p:cNvPr id="12" name="Segnaposto contenuto 2">
+            <a:extLst>
+              <a:ext uri="{FF2B5EF4-FFF2-40B4-BE49-F238E27FC236}">
+                <a16:creationId xmlns:a16="http://schemas.microsoft.com/office/drawing/2014/main" id="{6B55346A-7B45-43F0-B6B4-9CFD350F7410}"/>
+              </a:ext>
+            </a:extLst>
+          </p:cNvPr>
+          <p:cNvSpPr txBox="1">
+            <a:spLocks/>
+          </p:cNvSpPr>
+          <p:nvPr/>
+        </p:nvSpPr>
+        <p:spPr>
+          <a:xfrm>
+            <a:off x="518864" y="1772816"/>
+            <a:ext cx="8229600" cy="4114800"/>
+          </a:xfrm>
+          <a:prstGeom prst="rect">
+            <a:avLst/>
+          </a:prstGeom>
+        </p:spPr>
+        <p:txBody>
+          <a:bodyPr vert="horz" lIns="91440" tIns="45720" rIns="91440" bIns="45720" rtlCol="0">
+            <a:normAutofit/>
+          </a:bodyPr>
+          <a:lstStyle>
+            <a:lvl1pPr marL="257175" indent="-257175" algn="l" defTabSz="342900" rtl="0" eaLnBrk="1" latinLnBrk="0" hangingPunct="1">
+              <a:spcBef>
+                <a:spcPct val="20000"/>
+              </a:spcBef>
+              <a:buFont typeface="Arial"/>
+              <a:buChar char="•"/>
+              <a:defRPr sz="2400" kern="1200">
+                <a:solidFill>
+                  <a:schemeClr val="tx1"/>
+                </a:solidFill>
+                <a:latin typeface="+mn-lt"/>
+                <a:ea typeface="+mn-ea"/>
+                <a:cs typeface="+mn-cs"/>
+              </a:defRPr>
+            </a:lvl1pPr>
+            <a:lvl2pPr marL="557213" indent="-214313" algn="l" defTabSz="342900" rtl="0" eaLnBrk="1" latinLnBrk="0" hangingPunct="1">
+              <a:spcBef>
+                <a:spcPct val="20000"/>
+              </a:spcBef>
+              <a:buFont typeface="Arial"/>
+              <a:buChar char="–"/>
+              <a:defRPr sz="2100" kern="1200">
+                <a:solidFill>
+                  <a:schemeClr val="tx1"/>
+                </a:solidFill>
+                <a:latin typeface="+mn-lt"/>
+                <a:ea typeface="+mn-ea"/>
+                <a:cs typeface="+mn-cs"/>
+              </a:defRPr>
+            </a:lvl2pPr>
+            <a:lvl3pPr marL="857250" indent="-171450" algn="l" defTabSz="342900" rtl="0" eaLnBrk="1" latinLnBrk="0" hangingPunct="1">
+              <a:spcBef>
+                <a:spcPct val="20000"/>
+              </a:spcBef>
+              <a:buFont typeface="Arial"/>
+              <a:buChar char="•"/>
+              <a:defRPr sz="1800" kern="1200">
+                <a:solidFill>
+                  <a:schemeClr val="tx1"/>
+                </a:solidFill>
+                <a:latin typeface="+mn-lt"/>
+                <a:ea typeface="+mn-ea"/>
+                <a:cs typeface="+mn-cs"/>
+              </a:defRPr>
+            </a:lvl3pPr>
+            <a:lvl4pPr marL="1200150" indent="-171450" algn="l" defTabSz="342900" rtl="0" eaLnBrk="1" latinLnBrk="0" hangingPunct="1">
+              <a:spcBef>
+                <a:spcPct val="20000"/>
+              </a:spcBef>
+              <a:buFont typeface="Arial"/>
+              <a:buChar char="–"/>
+              <a:defRPr sz="1500" kern="1200">
+                <a:solidFill>
+                  <a:schemeClr val="tx1"/>
+                </a:solidFill>
+                <a:latin typeface="+mn-lt"/>
+                <a:ea typeface="+mn-ea"/>
+                <a:cs typeface="+mn-cs"/>
+              </a:defRPr>
+            </a:lvl4pPr>
+            <a:lvl5pPr marL="1543050" indent="-171450" algn="l" defTabSz="342900" rtl="0" eaLnBrk="1" latinLnBrk="0" hangingPunct="1">
+              <a:spcBef>
+                <a:spcPct val="20000"/>
+              </a:spcBef>
+              <a:buFont typeface="Arial"/>
+              <a:buChar char="»"/>
+              <a:defRPr sz="1500" kern="1200">
+                <a:solidFill>
+                  <a:schemeClr val="tx1"/>
+                </a:solidFill>
+                <a:latin typeface="+mn-lt"/>
+                <a:ea typeface="+mn-ea"/>
+                <a:cs typeface="+mn-cs"/>
+              </a:defRPr>
+            </a:lvl5pPr>
+            <a:lvl6pPr marL="1885950" indent="-171450" algn="l" defTabSz="342900" rtl="0" eaLnBrk="1" latinLnBrk="0" hangingPunct="1">
+              <a:spcBef>
+                <a:spcPct val="20000"/>
+              </a:spcBef>
+              <a:buFont typeface="Arial"/>
+              <a:buChar char="•"/>
+              <a:defRPr sz="1500" kern="1200">
+                <a:solidFill>
+                  <a:schemeClr val="tx1"/>
+                </a:solidFill>
+                <a:latin typeface="+mn-lt"/>
+                <a:ea typeface="+mn-ea"/>
+                <a:cs typeface="+mn-cs"/>
+              </a:defRPr>
+            </a:lvl6pPr>
+            <a:lvl7pPr marL="2228850" indent="-171450" algn="l" defTabSz="342900" rtl="0" eaLnBrk="1" latinLnBrk="0" hangingPunct="1">
+              <a:spcBef>
+                <a:spcPct val="20000"/>
+              </a:spcBef>
+              <a:buFont typeface="Arial"/>
+              <a:buChar char="•"/>
+              <a:defRPr sz="1500" kern="1200">
+                <a:solidFill>
+                  <a:schemeClr val="tx1"/>
+                </a:solidFill>
+                <a:latin typeface="+mn-lt"/>
+                <a:ea typeface="+mn-ea"/>
+                <a:cs typeface="+mn-cs"/>
+              </a:defRPr>
+            </a:lvl7pPr>
+            <a:lvl8pPr marL="2571750" indent="-171450" algn="l" defTabSz="342900" rtl="0" eaLnBrk="1" latinLnBrk="0" hangingPunct="1">
+              <a:spcBef>
+                <a:spcPct val="20000"/>
+              </a:spcBef>
+              <a:buFont typeface="Arial"/>
+              <a:buChar char="•"/>
+              <a:defRPr sz="1500" kern="1200">
+                <a:solidFill>
+                  <a:schemeClr val="tx1"/>
+                </a:solidFill>
+                <a:latin typeface="+mn-lt"/>
+                <a:ea typeface="+mn-ea"/>
+                <a:cs typeface="+mn-cs"/>
+              </a:defRPr>
+            </a:lvl8pPr>
+            <a:lvl9pPr marL="2914650" indent="-171450" algn="l" defTabSz="342900" rtl="0" eaLnBrk="1" latinLnBrk="0" hangingPunct="1">
+              <a:spcBef>
+                <a:spcPct val="20000"/>
+              </a:spcBef>
+              <a:buFont typeface="Arial"/>
+              <a:buChar char="•"/>
+              <a:defRPr sz="1500" kern="1200">
+                <a:solidFill>
+                  <a:schemeClr val="tx1"/>
+                </a:solidFill>
+                <a:latin typeface="+mn-lt"/>
+                <a:ea typeface="+mn-ea"/>
+                <a:cs typeface="+mn-cs"/>
+              </a:defRPr>
+            </a:lvl9pPr>
+          </a:lstStyle>
+          <a:p>
+            <a:pPr marL="342900" lvl="1" indent="0" algn="just">
+              <a:buNone/>
+            </a:pPr>
+            <a:endParaRPr lang="it-IT" dirty="0">
+              <a:solidFill>
+                <a:srgbClr val="00B050"/>
+              </a:solidFill>
+            </a:endParaRPr>
+          </a:p>
+        </p:txBody>
+      </p:sp>
+      <p:sp>
+        <p:nvSpPr>
           <p:cNvPr id="21" name="CasellaDiTesto 20">
             <a:extLst>
               <a:ext uri="{FF2B5EF4-FFF2-40B4-BE49-F238E27FC236}">
@@ -23046,7 +24201,7 @@
 </p:sld>
 </file>
 
-<file path=ppt/slides/slide41.xml><?xml version="1.0" encoding="utf-8"?>
+<file path=ppt/slides/slide42.xml><?xml version="1.0" encoding="utf-8"?>
 <p:sld xmlns:a="http://schemas.openxmlformats.org/drawingml/2006/main" xmlns:r="http://schemas.openxmlformats.org/officeDocument/2006/relationships" xmlns:p="http://schemas.openxmlformats.org/presentationml/2006/main">
   <p:cSld>
     <p:spTree>
@@ -23230,7 +24385,7 @@
 </p:sld>
 </file>
 
-<file path=ppt/slides/slide42.xml><?xml version="1.0" encoding="utf-8"?>
+<file path=ppt/slides/slide43.xml><?xml version="1.0" encoding="utf-8"?>
 <p:sld xmlns:a="http://schemas.openxmlformats.org/drawingml/2006/main" xmlns:r="http://schemas.openxmlformats.org/officeDocument/2006/relationships" xmlns:p="http://schemas.openxmlformats.org/presentationml/2006/main">
   <p:cSld>
     <p:spTree>
@@ -24616,7 +25771,7 @@
 </p:sld>
 </file>
 
-<file path=ppt/slides/slide43.xml><?xml version="1.0" encoding="utf-8"?>
+<file path=ppt/slides/slide44.xml><?xml version="1.0" encoding="utf-8"?>
 <p:sld xmlns:a="http://schemas.openxmlformats.org/drawingml/2006/main" xmlns:r="http://schemas.openxmlformats.org/officeDocument/2006/relationships" xmlns:p="http://schemas.openxmlformats.org/presentationml/2006/main">
   <p:cSld>
     <p:spTree>
@@ -24876,7 +26031,7 @@
 </p:sld>
 </file>
 
-<file path=ppt/slides/slide44.xml><?xml version="1.0" encoding="utf-8"?>
+<file path=ppt/slides/slide45.xml><?xml version="1.0" encoding="utf-8"?>
 <p:sld xmlns:a="http://schemas.openxmlformats.org/drawingml/2006/main" xmlns:r="http://schemas.openxmlformats.org/officeDocument/2006/relationships" xmlns:p="http://schemas.openxmlformats.org/presentationml/2006/main">
   <p:cSld>
     <p:spTree>
@@ -25394,7 +26549,7 @@
 </p:sld>
 </file>
 
-<file path=ppt/slides/slide45.xml><?xml version="1.0" encoding="utf-8"?>
+<file path=ppt/slides/slide46.xml><?xml version="1.0" encoding="utf-8"?>
 <p:sld xmlns:a="http://schemas.openxmlformats.org/drawingml/2006/main" xmlns:r="http://schemas.openxmlformats.org/officeDocument/2006/relationships" xmlns:p="http://schemas.openxmlformats.org/presentationml/2006/main">
   <p:cSld>
     <p:spTree>
@@ -25628,7 +26783,7 @@
 </p:sld>
 </file>
 
-<file path=ppt/slides/slide46.xml><?xml version="1.0" encoding="utf-8"?>
+<file path=ppt/slides/slide47.xml><?xml version="1.0" encoding="utf-8"?>
 <p:sld xmlns:a="http://schemas.openxmlformats.org/drawingml/2006/main" xmlns:r="http://schemas.openxmlformats.org/officeDocument/2006/relationships" xmlns:p="http://schemas.openxmlformats.org/presentationml/2006/main">
   <p:cSld>
     <p:spTree>
@@ -25801,7 +26956,7 @@
 </p:sld>
 </file>
 
-<file path=ppt/slides/slide47.xml><?xml version="1.0" encoding="utf-8"?>
+<file path=ppt/slides/slide48.xml><?xml version="1.0" encoding="utf-8"?>
 <p:sld xmlns:a="http://schemas.openxmlformats.org/drawingml/2006/main" xmlns:r="http://schemas.openxmlformats.org/officeDocument/2006/relationships" xmlns:p="http://schemas.openxmlformats.org/presentationml/2006/main">
   <p:cSld>
     <p:spTree>
@@ -26765,7 +27920,7 @@
         </p:nvSpPr>
         <p:spPr>
           <a:xfrm>
-            <a:off x="35496" y="836712"/>
+            <a:off x="35496" y="940658"/>
             <a:ext cx="9007594" cy="400110"/>
           </a:xfrm>
           <a:prstGeom prst="rect">
@@ -27199,7 +28354,7 @@
 </p:sld>
 </file>
 
-<file path=ppt/slides/slide48.xml><?xml version="1.0" encoding="utf-8"?>
+<file path=ppt/slides/slide49.xml><?xml version="1.0" encoding="utf-8"?>
 <p:sld xmlns:a="http://schemas.openxmlformats.org/drawingml/2006/main" xmlns:r="http://schemas.openxmlformats.org/officeDocument/2006/relationships" xmlns:p="http://schemas.openxmlformats.org/presentationml/2006/main">
   <p:cSld>
     <p:spTree>
@@ -27988,6 +29143,761 @@
     <p:extLst>
       <p:ext uri="{BB962C8B-B14F-4D97-AF65-F5344CB8AC3E}">
         <p14:creationId xmlns:p14="http://schemas.microsoft.com/office/powerpoint/2010/main" val="529427341"/>
+      </p:ext>
+    </p:extLst>
+  </p:cSld>
+  <p:clrMapOvr>
+    <a:masterClrMapping/>
+  </p:clrMapOvr>
+</p:sld>
+</file>
+
+<file path=ppt/slides/slide50.xml><?xml version="1.0" encoding="utf-8"?>
+<p:sld xmlns:a="http://schemas.openxmlformats.org/drawingml/2006/main" xmlns:r="http://schemas.openxmlformats.org/officeDocument/2006/relationships" xmlns:p="http://schemas.openxmlformats.org/presentationml/2006/main">
+  <p:cSld>
+    <p:spTree>
+      <p:nvGrpSpPr>
+        <p:cNvPr id="1" name=""/>
+        <p:cNvGrpSpPr/>
+        <p:nvPr/>
+      </p:nvGrpSpPr>
+      <p:grpSpPr>
+        <a:xfrm>
+          <a:off x="0" y="0"/>
+          <a:ext cx="0" cy="0"/>
+          <a:chOff x="0" y="0"/>
+          <a:chExt cx="0" cy="0"/>
+        </a:xfrm>
+      </p:grpSpPr>
+      <p:sp>
+        <p:nvSpPr>
+          <p:cNvPr id="3" name="CasellaDiTesto 2">
+            <a:extLst>
+              <a:ext uri="{FF2B5EF4-FFF2-40B4-BE49-F238E27FC236}">
+                <a16:creationId xmlns:a16="http://schemas.microsoft.com/office/drawing/2014/main" id="{94DD6608-7364-48AF-945D-F609EF71CE78}"/>
+              </a:ext>
+            </a:extLst>
+          </p:cNvPr>
+          <p:cNvSpPr txBox="1"/>
+          <p:nvPr/>
+        </p:nvSpPr>
+        <p:spPr>
+          <a:xfrm>
+            <a:off x="177396" y="940658"/>
+            <a:ext cx="4178580" cy="400110"/>
+          </a:xfrm>
+          <a:prstGeom prst="rect">
+            <a:avLst/>
+          </a:prstGeom>
+          <a:noFill/>
+        </p:spPr>
+        <p:txBody>
+          <a:bodyPr wrap="none" rtlCol="0">
+            <a:spAutoFit/>
+          </a:bodyPr>
+          <a:lstStyle/>
+          <a:p>
+            <a:r>
+              <a:rPr lang="it-IT" sz="2000" b="1" dirty="0"/>
+              <a:t>DBSCAN</a:t>
+            </a:r>
+            <a:r>
+              <a:rPr lang="it-IT" sz="2000" dirty="0"/>
+              <a:t>, </a:t>
+            </a:r>
+            <a:r>
+              <a:rPr lang="it-IT" sz="2000" i="1" dirty="0"/>
+              <a:t>epsilon</a:t>
+            </a:r>
+            <a:r>
+              <a:rPr lang="it-IT" sz="2000" dirty="0"/>
+              <a:t> = 14.9, </a:t>
+            </a:r>
+            <a:r>
+              <a:rPr lang="it-IT" sz="2000" i="1" dirty="0" err="1"/>
+              <a:t>minPoints</a:t>
+            </a:r>
+            <a:r>
+              <a:rPr lang="it-IT" sz="2000" dirty="0"/>
+              <a:t> = 8</a:t>
+            </a:r>
+            <a:endParaRPr lang="en-US" dirty="0">
+              <a:solidFill>
+                <a:srgbClr val="FF0000"/>
+              </a:solidFill>
+            </a:endParaRPr>
+          </a:p>
+        </p:txBody>
+      </p:sp>
+      <p:sp>
+        <p:nvSpPr>
+          <p:cNvPr id="4" name="CasellaDiTesto 3">
+            <a:extLst>
+              <a:ext uri="{FF2B5EF4-FFF2-40B4-BE49-F238E27FC236}">
+                <a16:creationId xmlns:a16="http://schemas.microsoft.com/office/drawing/2014/main" id="{1F284633-DD10-4167-BC54-D591F9192112}"/>
+              </a:ext>
+            </a:extLst>
+          </p:cNvPr>
+          <p:cNvSpPr txBox="1"/>
+          <p:nvPr/>
+        </p:nvSpPr>
+        <p:spPr>
+          <a:xfrm>
+            <a:off x="1475656" y="1692672"/>
+            <a:ext cx="6408712" cy="4616648"/>
+          </a:xfrm>
+          <a:prstGeom prst="rect">
+            <a:avLst/>
+          </a:prstGeom>
+          <a:noFill/>
+        </p:spPr>
+        <p:txBody>
+          <a:bodyPr wrap="square" rtlCol="0">
+            <a:spAutoFit/>
+          </a:bodyPr>
+          <a:lstStyle/>
+          <a:p>
+            <a:r>
+              <a:rPr lang="en-US" sz="1400" dirty="0">
+                <a:solidFill>
+                  <a:srgbClr val="7030A0"/>
+                </a:solidFill>
+                <a:latin typeface="Courier New" panose="02070309020205020404" pitchFamily="49" charset="0"/>
+                <a:cs typeface="Courier New" panose="02070309020205020404" pitchFamily="49" charset="0"/>
+              </a:rPr>
+              <a:t>DBSCAN clustering results</a:t>
+            </a:r>
+          </a:p>
+          <a:p>
+            <a:r>
+              <a:rPr lang="en-US" sz="1400" dirty="0">
+                <a:solidFill>
+                  <a:srgbClr val="7030A0"/>
+                </a:solidFill>
+                <a:latin typeface="Courier New" panose="02070309020205020404" pitchFamily="49" charset="0"/>
+                <a:cs typeface="Courier New" panose="02070309020205020404" pitchFamily="49" charset="0"/>
+              </a:rPr>
+              <a:t>==========================================</a:t>
+            </a:r>
+          </a:p>
+          <a:p>
+            <a:endParaRPr lang="en-US" sz="1400" dirty="0">
+              <a:solidFill>
+                <a:srgbClr val="7030A0"/>
+              </a:solidFill>
+              <a:latin typeface="Courier New" panose="02070309020205020404" pitchFamily="49" charset="0"/>
+              <a:cs typeface="Courier New" panose="02070309020205020404" pitchFamily="49" charset="0"/>
+            </a:endParaRPr>
+          </a:p>
+          <a:p>
+            <a:r>
+              <a:rPr lang="en-US" sz="1400" dirty="0">
+                <a:solidFill>
+                  <a:srgbClr val="7030A0"/>
+                </a:solidFill>
+                <a:latin typeface="Courier New" panose="02070309020205020404" pitchFamily="49" charset="0"/>
+                <a:cs typeface="Courier New" panose="02070309020205020404" pitchFamily="49" charset="0"/>
+              </a:rPr>
+              <a:t>Clustered </a:t>
+            </a:r>
+            <a:r>
+              <a:rPr lang="en-US" sz="1400" dirty="0" err="1">
+                <a:solidFill>
+                  <a:srgbClr val="7030A0"/>
+                </a:solidFill>
+                <a:latin typeface="Courier New" panose="02070309020205020404" pitchFamily="49" charset="0"/>
+                <a:cs typeface="Courier New" panose="02070309020205020404" pitchFamily="49" charset="0"/>
+              </a:rPr>
+              <a:t>DataObjects</a:t>
+            </a:r>
+            <a:r>
+              <a:rPr lang="en-US" sz="1400" dirty="0">
+                <a:solidFill>
+                  <a:srgbClr val="7030A0"/>
+                </a:solidFill>
+                <a:latin typeface="Courier New" panose="02070309020205020404" pitchFamily="49" charset="0"/>
+                <a:cs typeface="Courier New" panose="02070309020205020404" pitchFamily="49" charset="0"/>
+              </a:rPr>
+              <a:t>: 212</a:t>
+            </a:r>
+          </a:p>
+          <a:p>
+            <a:r>
+              <a:rPr lang="en-US" sz="1400" dirty="0">
+                <a:solidFill>
+                  <a:srgbClr val="7030A0"/>
+                </a:solidFill>
+                <a:latin typeface="Courier New" panose="02070309020205020404" pitchFamily="49" charset="0"/>
+                <a:cs typeface="Courier New" panose="02070309020205020404" pitchFamily="49" charset="0"/>
+              </a:rPr>
+              <a:t>Number of attributes: 3</a:t>
+            </a:r>
+          </a:p>
+          <a:p>
+            <a:r>
+              <a:rPr lang="en-US" sz="1400" dirty="0">
+                <a:solidFill>
+                  <a:srgbClr val="7030A0"/>
+                </a:solidFill>
+                <a:latin typeface="Courier New" panose="02070309020205020404" pitchFamily="49" charset="0"/>
+                <a:cs typeface="Courier New" panose="02070309020205020404" pitchFamily="49" charset="0"/>
+              </a:rPr>
+              <a:t>Epsilon: 14.9; </a:t>
+            </a:r>
+            <a:r>
+              <a:rPr lang="en-US" sz="1400" dirty="0" err="1">
+                <a:solidFill>
+                  <a:srgbClr val="7030A0"/>
+                </a:solidFill>
+                <a:latin typeface="Courier New" panose="02070309020205020404" pitchFamily="49" charset="0"/>
+                <a:cs typeface="Courier New" panose="02070309020205020404" pitchFamily="49" charset="0"/>
+              </a:rPr>
+              <a:t>minPoints</a:t>
+            </a:r>
+            <a:r>
+              <a:rPr lang="en-US" sz="1400" dirty="0">
+                <a:solidFill>
+                  <a:srgbClr val="7030A0"/>
+                </a:solidFill>
+                <a:latin typeface="Courier New" panose="02070309020205020404" pitchFamily="49" charset="0"/>
+                <a:cs typeface="Courier New" panose="02070309020205020404" pitchFamily="49" charset="0"/>
+              </a:rPr>
+              <a:t>: 8</a:t>
+            </a:r>
+          </a:p>
+          <a:p>
+            <a:r>
+              <a:rPr lang="en-US" sz="1400" dirty="0">
+                <a:solidFill>
+                  <a:srgbClr val="7030A0"/>
+                </a:solidFill>
+                <a:latin typeface="Courier New" panose="02070309020205020404" pitchFamily="49" charset="0"/>
+                <a:cs typeface="Courier New" panose="02070309020205020404" pitchFamily="49" charset="0"/>
+              </a:rPr>
+              <a:t>Distance-type: </a:t>
+            </a:r>
+          </a:p>
+          <a:p>
+            <a:r>
+              <a:rPr lang="en-US" sz="1400" dirty="0">
+                <a:solidFill>
+                  <a:srgbClr val="7030A0"/>
+                </a:solidFill>
+                <a:latin typeface="Courier New" panose="02070309020205020404" pitchFamily="49" charset="0"/>
+                <a:cs typeface="Courier New" panose="02070309020205020404" pitchFamily="49" charset="0"/>
+              </a:rPr>
+              <a:t>Number of generated clusters: 3</a:t>
+            </a:r>
+          </a:p>
+          <a:p>
+            <a:r>
+              <a:rPr lang="en-US" sz="1400" dirty="0">
+                <a:solidFill>
+                  <a:srgbClr val="7030A0"/>
+                </a:solidFill>
+                <a:latin typeface="Courier New" panose="02070309020205020404" pitchFamily="49" charset="0"/>
+                <a:cs typeface="Courier New" panose="02070309020205020404" pitchFamily="49" charset="0"/>
+              </a:rPr>
+              <a:t>Elapsed time: .0</a:t>
+            </a:r>
+          </a:p>
+          <a:p>
+            <a:endParaRPr lang="en-US" sz="1400" dirty="0">
+              <a:solidFill>
+                <a:srgbClr val="7030A0"/>
+              </a:solidFill>
+              <a:latin typeface="Courier New" panose="02070309020205020404" pitchFamily="49" charset="0"/>
+              <a:cs typeface="Courier New" panose="02070309020205020404" pitchFamily="49" charset="0"/>
+            </a:endParaRPr>
+          </a:p>
+          <a:p>
+            <a:r>
+              <a:rPr lang="en-US" sz="1400" dirty="0">
+                <a:solidFill>
+                  <a:srgbClr val="7030A0"/>
+                </a:solidFill>
+                <a:latin typeface="Courier New" panose="02070309020205020404" pitchFamily="49" charset="0"/>
+                <a:cs typeface="Courier New" panose="02070309020205020404" pitchFamily="49" charset="0"/>
+              </a:rPr>
+              <a:t>(  0.) 52,100,46.153846             --&gt;  0</a:t>
+            </a:r>
+          </a:p>
+          <a:p>
+            <a:r>
+              <a:rPr lang="en-US" sz="1400" dirty="0">
+                <a:solidFill>
+                  <a:srgbClr val="7030A0"/>
+                </a:solidFill>
+                <a:latin typeface="Courier New" panose="02070309020205020404" pitchFamily="49" charset="0"/>
+                <a:cs typeface="Courier New" panose="02070309020205020404" pitchFamily="49" charset="0"/>
+              </a:rPr>
+              <a:t>(  1.) 88,100,69.230769             --&gt;  0</a:t>
+            </a:r>
+          </a:p>
+          <a:p>
+            <a:r>
+              <a:rPr lang="en-US" sz="1400" dirty="0">
+                <a:solidFill>
+                  <a:srgbClr val="7030A0"/>
+                </a:solidFill>
+                <a:latin typeface="Courier New" panose="02070309020205020404" pitchFamily="49" charset="0"/>
+                <a:cs typeface="Courier New" panose="02070309020205020404" pitchFamily="49" charset="0"/>
+              </a:rPr>
+              <a:t>(  2.) 64,100,84.615385             --&gt;  0</a:t>
+            </a:r>
+          </a:p>
+          <a:p>
+            <a:r>
+              <a:rPr lang="en-US" sz="1400" dirty="0">
+                <a:solidFill>
+                  <a:srgbClr val="7030A0"/>
+                </a:solidFill>
+                <a:latin typeface="Courier New" panose="02070309020205020404" pitchFamily="49" charset="0"/>
+                <a:cs typeface="Courier New" panose="02070309020205020404" pitchFamily="49" charset="0"/>
+              </a:rPr>
+              <a:t>(  3.) 76,100,61.538462             --&gt;  0</a:t>
+            </a:r>
+          </a:p>
+          <a:p>
+            <a:r>
+              <a:rPr lang="it-IT" sz="1400" dirty="0">
+                <a:solidFill>
+                  <a:srgbClr val="7030A0"/>
+                </a:solidFill>
+                <a:latin typeface="Courier New" panose="02070309020205020404" pitchFamily="49" charset="0"/>
+                <a:cs typeface="Courier New" panose="02070309020205020404" pitchFamily="49" charset="0"/>
+              </a:rPr>
+              <a:t>[...</a:t>
+            </a:r>
+            <a:r>
+              <a:rPr lang="en-US" sz="1400" dirty="0">
+                <a:solidFill>
+                  <a:srgbClr val="7030A0"/>
+                </a:solidFill>
+                <a:latin typeface="Courier New" panose="02070309020205020404" pitchFamily="49" charset="0"/>
+                <a:cs typeface="Courier New" panose="02070309020205020404" pitchFamily="49" charset="0"/>
+              </a:rPr>
+              <a:t>]</a:t>
+            </a:r>
+            <a:endParaRPr lang="it-IT" sz="1400" dirty="0">
+              <a:solidFill>
+                <a:srgbClr val="7030A0"/>
+              </a:solidFill>
+              <a:latin typeface="Courier New" panose="02070309020205020404" pitchFamily="49" charset="0"/>
+              <a:cs typeface="Courier New" panose="02070309020205020404" pitchFamily="49" charset="0"/>
+            </a:endParaRPr>
+          </a:p>
+          <a:p>
+            <a:r>
+              <a:rPr lang="en-US" sz="1400" dirty="0">
+                <a:solidFill>
+                  <a:srgbClr val="7030A0"/>
+                </a:solidFill>
+                <a:latin typeface="Courier New" panose="02070309020205020404" pitchFamily="49" charset="0"/>
+                <a:cs typeface="Courier New" panose="02070309020205020404" pitchFamily="49" charset="0"/>
+              </a:rPr>
+              <a:t>(209.) 56,71.428571,76.923077       --&gt;  NOISE</a:t>
+            </a:r>
+          </a:p>
+          <a:p>
+            <a:r>
+              <a:rPr lang="en-US" sz="1400" dirty="0">
+                <a:solidFill>
+                  <a:srgbClr val="7030A0"/>
+                </a:solidFill>
+                <a:latin typeface="Courier New" panose="02070309020205020404" pitchFamily="49" charset="0"/>
+                <a:cs typeface="Courier New" panose="02070309020205020404" pitchFamily="49" charset="0"/>
+              </a:rPr>
+              <a:t>(210.) 40,75.510204,46.153846       --&gt;  0</a:t>
+            </a:r>
+          </a:p>
+          <a:p>
+            <a:r>
+              <a:rPr lang="en-US" sz="1400" dirty="0">
+                <a:solidFill>
+                  <a:srgbClr val="7030A0"/>
+                </a:solidFill>
+                <a:latin typeface="Courier New" panose="02070309020205020404" pitchFamily="49" charset="0"/>
+                <a:cs typeface="Courier New" panose="02070309020205020404" pitchFamily="49" charset="0"/>
+              </a:rPr>
+              <a:t>(211.) 76,42.857143,53.846154       --&gt;  2</a:t>
+            </a:r>
+          </a:p>
+          <a:p>
+            <a:endParaRPr lang="en-US" sz="1400" dirty="0">
+              <a:solidFill>
+                <a:srgbClr val="7030A0"/>
+              </a:solidFill>
+              <a:latin typeface="Courier New" panose="02070309020205020404" pitchFamily="49" charset="0"/>
+              <a:cs typeface="Courier New" panose="02070309020205020404" pitchFamily="49" charset="0"/>
+            </a:endParaRPr>
+          </a:p>
+          <a:p>
+            <a:endParaRPr lang="en-US" sz="1400" dirty="0">
+              <a:solidFill>
+                <a:srgbClr val="7030A0"/>
+              </a:solidFill>
+              <a:latin typeface="Courier New" panose="02070309020205020404" pitchFamily="49" charset="0"/>
+              <a:cs typeface="Courier New" panose="02070309020205020404" pitchFamily="49" charset="0"/>
+            </a:endParaRPr>
+          </a:p>
+          <a:p>
+            <a:r>
+              <a:rPr lang="en-US" sz="1400" dirty="0">
+                <a:solidFill>
+                  <a:srgbClr val="7030A0"/>
+                </a:solidFill>
+                <a:latin typeface="Courier New" panose="02070309020205020404" pitchFamily="49" charset="0"/>
+                <a:cs typeface="Courier New" panose="02070309020205020404" pitchFamily="49" charset="0"/>
+              </a:rPr>
+              <a:t>Time taken to build model (full training data) : 0 seconds</a:t>
+            </a:r>
+          </a:p>
+        </p:txBody>
+      </p:sp>
+      <p:sp>
+        <p:nvSpPr>
+          <p:cNvPr id="5" name="Titolo 1">
+            <a:extLst>
+              <a:ext uri="{FF2B5EF4-FFF2-40B4-BE49-F238E27FC236}">
+                <a16:creationId xmlns:a16="http://schemas.microsoft.com/office/drawing/2014/main" id="{8123421C-DFC7-4630-BAFF-465CE92E0C68}"/>
+              </a:ext>
+            </a:extLst>
+          </p:cNvPr>
+          <p:cNvSpPr txBox="1">
+            <a:spLocks/>
+          </p:cNvSpPr>
+          <p:nvPr/>
+        </p:nvSpPr>
+        <p:spPr>
+          <a:xfrm>
+            <a:off x="755576" y="152400"/>
+            <a:ext cx="8229600" cy="1143000"/>
+          </a:xfrm>
+          <a:prstGeom prst="rect">
+            <a:avLst/>
+          </a:prstGeom>
+        </p:spPr>
+        <p:txBody>
+          <a:bodyPr>
+            <a:noAutofit/>
+          </a:bodyPr>
+          <a:lstStyle>
+            <a:lvl1pPr algn="ctr" defTabSz="342900" rtl="0" eaLnBrk="1" latinLnBrk="0" hangingPunct="1">
+              <a:spcBef>
+                <a:spcPct val="0"/>
+              </a:spcBef>
+              <a:buNone/>
+              <a:defRPr sz="3300" kern="1200">
+                <a:solidFill>
+                  <a:schemeClr val="tx1"/>
+                </a:solidFill>
+                <a:latin typeface="+mj-lt"/>
+                <a:ea typeface="+mj-ea"/>
+                <a:cs typeface="+mj-cs"/>
+              </a:defRPr>
+            </a:lvl1pPr>
+          </a:lstStyle>
+          <a:p>
+            <a:pPr algn="r"/>
+            <a:r>
+              <a:rPr lang="it-IT" sz="2400" b="1" dirty="0">
+                <a:solidFill>
+                  <a:schemeClr val="bg1"/>
+                </a:solidFill>
+              </a:rPr>
+              <a:t>CLUSTER ANALYSIS</a:t>
+            </a:r>
+            <a:r>
+              <a:rPr lang="it-IT" sz="2400" dirty="0">
+                <a:solidFill>
+                  <a:schemeClr val="bg1"/>
+                </a:solidFill>
+              </a:rPr>
+              <a:t>: SUBSET GEN </a:t>
+            </a:r>
+            <a:endParaRPr lang="en-US" sz="2400" dirty="0">
+              <a:solidFill>
+                <a:schemeClr val="bg1"/>
+              </a:solidFill>
+            </a:endParaRPr>
+          </a:p>
+        </p:txBody>
+      </p:sp>
+    </p:spTree>
+    <p:extLst>
+      <p:ext uri="{BB962C8B-B14F-4D97-AF65-F5344CB8AC3E}">
+        <p14:creationId xmlns:p14="http://schemas.microsoft.com/office/powerpoint/2010/main" val="732787336"/>
+      </p:ext>
+    </p:extLst>
+  </p:cSld>
+  <p:clrMapOvr>
+    <a:masterClrMapping/>
+  </p:clrMapOvr>
+</p:sld>
+</file>
+
+<file path=ppt/slides/slide51.xml><?xml version="1.0" encoding="utf-8"?>
+<p:sld xmlns:a="http://schemas.openxmlformats.org/drawingml/2006/main" xmlns:r="http://schemas.openxmlformats.org/officeDocument/2006/relationships" xmlns:p="http://schemas.openxmlformats.org/presentationml/2006/main">
+  <p:cSld>
+    <p:spTree>
+      <p:nvGrpSpPr>
+        <p:cNvPr id="1" name=""/>
+        <p:cNvGrpSpPr/>
+        <p:nvPr/>
+      </p:nvGrpSpPr>
+      <p:grpSpPr>
+        <a:xfrm>
+          <a:off x="0" y="0"/>
+          <a:ext cx="0" cy="0"/>
+          <a:chOff x="0" y="0"/>
+          <a:chExt cx="0" cy="0"/>
+        </a:xfrm>
+      </p:grpSpPr>
+      <p:pic>
+        <p:nvPicPr>
+          <p:cNvPr id="3" name="Immagine 2">
+            <a:extLst>
+              <a:ext uri="{FF2B5EF4-FFF2-40B4-BE49-F238E27FC236}">
+                <a16:creationId xmlns:a16="http://schemas.microsoft.com/office/drawing/2014/main" id="{9B44A795-CC1C-4A93-8420-8E0BEEC8C5FD}"/>
+              </a:ext>
+            </a:extLst>
+          </p:cNvPr>
+          <p:cNvPicPr>
+            <a:picLocks noChangeAspect="1"/>
+          </p:cNvPicPr>
+          <p:nvPr/>
+        </p:nvPicPr>
+        <p:blipFill>
+          <a:blip r:embed="rId2"/>
+          <a:stretch>
+            <a:fillRect/>
+          </a:stretch>
+        </p:blipFill>
+        <p:spPr>
+          <a:xfrm>
+            <a:off x="2612951" y="1412776"/>
+            <a:ext cx="6372225" cy="5295900"/>
+          </a:xfrm>
+          <a:prstGeom prst="rect">
+            <a:avLst/>
+          </a:prstGeom>
+        </p:spPr>
+      </p:pic>
+      <p:sp>
+        <p:nvSpPr>
+          <p:cNvPr id="4" name="Titolo 1">
+            <a:extLst>
+              <a:ext uri="{FF2B5EF4-FFF2-40B4-BE49-F238E27FC236}">
+                <a16:creationId xmlns:a16="http://schemas.microsoft.com/office/drawing/2014/main" id="{79BFF712-4669-40E1-AC79-0A7615C45E1B}"/>
+              </a:ext>
+            </a:extLst>
+          </p:cNvPr>
+          <p:cNvSpPr txBox="1">
+            <a:spLocks/>
+          </p:cNvSpPr>
+          <p:nvPr/>
+        </p:nvSpPr>
+        <p:spPr>
+          <a:xfrm>
+            <a:off x="755576" y="152400"/>
+            <a:ext cx="8229600" cy="1143000"/>
+          </a:xfrm>
+          <a:prstGeom prst="rect">
+            <a:avLst/>
+          </a:prstGeom>
+        </p:spPr>
+        <p:txBody>
+          <a:bodyPr>
+            <a:noAutofit/>
+          </a:bodyPr>
+          <a:lstStyle>
+            <a:lvl1pPr algn="ctr" defTabSz="342900" rtl="0" eaLnBrk="1" latinLnBrk="0" hangingPunct="1">
+              <a:spcBef>
+                <a:spcPct val="0"/>
+              </a:spcBef>
+              <a:buNone/>
+              <a:defRPr sz="3300" kern="1200">
+                <a:solidFill>
+                  <a:schemeClr val="tx1"/>
+                </a:solidFill>
+                <a:latin typeface="+mj-lt"/>
+                <a:ea typeface="+mj-ea"/>
+                <a:cs typeface="+mj-cs"/>
+              </a:defRPr>
+            </a:lvl1pPr>
+          </a:lstStyle>
+          <a:p>
+            <a:pPr algn="r"/>
+            <a:r>
+              <a:rPr lang="it-IT" sz="2400" b="1" dirty="0">
+                <a:solidFill>
+                  <a:schemeClr val="bg1"/>
+                </a:solidFill>
+              </a:rPr>
+              <a:t>CLUSTER ANALYSIS</a:t>
+            </a:r>
+            <a:r>
+              <a:rPr lang="it-IT" sz="2400" dirty="0">
+                <a:solidFill>
+                  <a:schemeClr val="bg1"/>
+                </a:solidFill>
+              </a:rPr>
+              <a:t>: SUBSET GEN </a:t>
+            </a:r>
+            <a:endParaRPr lang="en-US" sz="2400" dirty="0">
+              <a:solidFill>
+                <a:schemeClr val="bg1"/>
+              </a:solidFill>
+            </a:endParaRPr>
+          </a:p>
+        </p:txBody>
+      </p:sp>
+      <p:sp>
+        <p:nvSpPr>
+          <p:cNvPr id="5" name="CasellaDiTesto 4">
+            <a:extLst>
+              <a:ext uri="{FF2B5EF4-FFF2-40B4-BE49-F238E27FC236}">
+                <a16:creationId xmlns:a16="http://schemas.microsoft.com/office/drawing/2014/main" id="{72598055-FA93-469B-83E9-C44266CD32BC}"/>
+              </a:ext>
+            </a:extLst>
+          </p:cNvPr>
+          <p:cNvSpPr txBox="1"/>
+          <p:nvPr/>
+        </p:nvSpPr>
+        <p:spPr>
+          <a:xfrm>
+            <a:off x="251520" y="3140968"/>
+            <a:ext cx="6250429" cy="2862322"/>
+          </a:xfrm>
+          <a:prstGeom prst="rect">
+            <a:avLst/>
+          </a:prstGeom>
+          <a:noFill/>
+        </p:spPr>
+        <p:txBody>
+          <a:bodyPr wrap="none" rtlCol="0">
+            <a:spAutoFit/>
+          </a:bodyPr>
+          <a:lstStyle/>
+          <a:p>
+            <a:r>
+              <a:rPr lang="en-US" dirty="0">
+                <a:solidFill>
+                  <a:srgbClr val="7030A0"/>
+                </a:solidFill>
+                <a:latin typeface="Courier New" panose="02070309020205020404" pitchFamily="49" charset="0"/>
+                <a:cs typeface="Courier New" panose="02070309020205020404" pitchFamily="49" charset="0"/>
+              </a:rPr>
+              <a:t>=== Model and evaluation on training set ===</a:t>
+            </a:r>
+          </a:p>
+          <a:p>
+            <a:endParaRPr lang="en-US" dirty="0">
+              <a:solidFill>
+                <a:srgbClr val="7030A0"/>
+              </a:solidFill>
+              <a:latin typeface="Courier New" panose="02070309020205020404" pitchFamily="49" charset="0"/>
+              <a:cs typeface="Courier New" panose="02070309020205020404" pitchFamily="49" charset="0"/>
+            </a:endParaRPr>
+          </a:p>
+          <a:p>
+            <a:r>
+              <a:rPr lang="en-US" dirty="0">
+                <a:solidFill>
+                  <a:srgbClr val="7030A0"/>
+                </a:solidFill>
+                <a:latin typeface="Courier New" panose="02070309020205020404" pitchFamily="49" charset="0"/>
+                <a:cs typeface="Courier New" panose="02070309020205020404" pitchFamily="49" charset="0"/>
+              </a:rPr>
+              <a:t>Clustered Instances</a:t>
+            </a:r>
+          </a:p>
+          <a:p>
+            <a:endParaRPr lang="en-US" dirty="0">
+              <a:solidFill>
+                <a:srgbClr val="7030A0"/>
+              </a:solidFill>
+              <a:latin typeface="Courier New" panose="02070309020205020404" pitchFamily="49" charset="0"/>
+              <a:cs typeface="Courier New" panose="02070309020205020404" pitchFamily="49" charset="0"/>
+            </a:endParaRPr>
+          </a:p>
+          <a:p>
+            <a:r>
+              <a:rPr lang="en-US" dirty="0">
+                <a:solidFill>
+                  <a:srgbClr val="7030A0"/>
+                </a:solidFill>
+                <a:latin typeface="Courier New" panose="02070309020205020404" pitchFamily="49" charset="0"/>
+                <a:cs typeface="Courier New" panose="02070309020205020404" pitchFamily="49" charset="0"/>
+              </a:rPr>
+              <a:t>0      108 ( 61%)</a:t>
+            </a:r>
+          </a:p>
+          <a:p>
+            <a:r>
+              <a:rPr lang="en-US" dirty="0">
+                <a:solidFill>
+                  <a:srgbClr val="7030A0"/>
+                </a:solidFill>
+                <a:latin typeface="Courier New" panose="02070309020205020404" pitchFamily="49" charset="0"/>
+                <a:cs typeface="Courier New" panose="02070309020205020404" pitchFamily="49" charset="0"/>
+              </a:rPr>
+              <a:t>1       20 ( 11%)</a:t>
+            </a:r>
+          </a:p>
+          <a:p>
+            <a:r>
+              <a:rPr lang="en-US" dirty="0">
+                <a:solidFill>
+                  <a:srgbClr val="7030A0"/>
+                </a:solidFill>
+                <a:latin typeface="Courier New" panose="02070309020205020404" pitchFamily="49" charset="0"/>
+                <a:cs typeface="Courier New" panose="02070309020205020404" pitchFamily="49" charset="0"/>
+              </a:rPr>
+              <a:t>2       48 ( 27%)</a:t>
+            </a:r>
+          </a:p>
+          <a:p>
+            <a:endParaRPr lang="en-US" dirty="0">
+              <a:solidFill>
+                <a:srgbClr val="7030A0"/>
+              </a:solidFill>
+              <a:latin typeface="Courier New" panose="02070309020205020404" pitchFamily="49" charset="0"/>
+              <a:cs typeface="Courier New" panose="02070309020205020404" pitchFamily="49" charset="0"/>
+            </a:endParaRPr>
+          </a:p>
+          <a:p>
+            <a:r>
+              <a:rPr lang="en-US" dirty="0" err="1">
+                <a:solidFill>
+                  <a:srgbClr val="7030A0"/>
+                </a:solidFill>
+                <a:latin typeface="Courier New" panose="02070309020205020404" pitchFamily="49" charset="0"/>
+                <a:cs typeface="Courier New" panose="02070309020205020404" pitchFamily="49" charset="0"/>
+              </a:rPr>
+              <a:t>Unclustered</a:t>
+            </a:r>
+            <a:r>
+              <a:rPr lang="en-US" dirty="0">
+                <a:solidFill>
+                  <a:srgbClr val="7030A0"/>
+                </a:solidFill>
+                <a:latin typeface="Courier New" panose="02070309020205020404" pitchFamily="49" charset="0"/>
+                <a:cs typeface="Courier New" panose="02070309020205020404" pitchFamily="49" charset="0"/>
+              </a:rPr>
+              <a:t> instances : 36</a:t>
+            </a:r>
+          </a:p>
+          <a:p>
+            <a:endParaRPr lang="en-US" dirty="0"/>
+          </a:p>
+        </p:txBody>
+      </p:sp>
+    </p:spTree>
+    <p:extLst>
+      <p:ext uri="{BB962C8B-B14F-4D97-AF65-F5344CB8AC3E}">
+        <p14:creationId xmlns:p14="http://schemas.microsoft.com/office/powerpoint/2010/main" val="3267863494"/>
       </p:ext>
     </p:extLst>
   </p:cSld>

--- a/relazione.pptx
+++ b/relazione.pptx
@@ -56,6 +56,7 @@
     <p:sldId id="299" r:id="rId50"/>
     <p:sldId id="308" r:id="rId51"/>
     <p:sldId id="309" r:id="rId52"/>
+    <p:sldId id="310" r:id="rId53"/>
   </p:sldIdLst>
   <p:sldSz cx="9144000" cy="6858000" type="screen4x3"/>
   <p:notesSz cx="6858000" cy="9144000"/>
@@ -26588,8 +26589,8 @@
         </p:blipFill>
         <p:spPr>
           <a:xfrm>
-            <a:off x="2838970" y="1052736"/>
-            <a:ext cx="6116735" cy="5610597"/>
+            <a:off x="2699792" y="925074"/>
+            <a:ext cx="6255913" cy="5738259"/>
           </a:xfrm>
           <a:prstGeom prst="rect">
             <a:avLst/>
@@ -29676,8 +29677,8 @@
         </p:blipFill>
         <p:spPr>
           <a:xfrm>
-            <a:off x="2612951" y="1412776"/>
-            <a:ext cx="6372225" cy="5295900"/>
+            <a:off x="3197881" y="1295400"/>
+            <a:ext cx="5787295" cy="4953786"/>
           </a:xfrm>
           <a:prstGeom prst="rect">
             <a:avLst/>
@@ -29767,8 +29768,265 @@
         </p:nvSpPr>
         <p:spPr>
           <a:xfrm>
-            <a:off x="251520" y="3140968"/>
-            <a:ext cx="6250429" cy="2862322"/>
+            <a:off x="170768" y="908720"/>
+            <a:ext cx="3027114" cy="5447645"/>
+          </a:xfrm>
+          <a:prstGeom prst="rect">
+            <a:avLst/>
+          </a:prstGeom>
+          <a:noFill/>
+        </p:spPr>
+        <p:txBody>
+          <a:bodyPr wrap="square" rtlCol="0">
+            <a:spAutoFit/>
+          </a:bodyPr>
+          <a:lstStyle/>
+          <a:p>
+            <a:r>
+              <a:rPr lang="it-IT" sz="1600" dirty="0"/>
+              <a:t>Il raggruppamento con DBSCAN risulta abbastanza netto: il cluster 1 include gli studenti che non hanno ottenuto alcun risultato, il 2 quelli che ne hanno ottenuti di bassi mentre il cluster 0 racchiude i migliori.</a:t>
+            </a:r>
+          </a:p>
+          <a:p>
+            <a:endParaRPr lang="it-IT" sz="1600" dirty="0"/>
+          </a:p>
+          <a:p>
+            <a:r>
+              <a:rPr lang="it-IT" sz="1600" dirty="0"/>
+              <a:t>Si noti come DBSCAN considera rumore le istanze che sono state proficue in un tipo di risultato, ma scarse in un altro</a:t>
+            </a:r>
+            <a:r>
+              <a:rPr lang="it-IT" sz="1400" dirty="0"/>
+              <a:t> (I.E. voto medio alto ma pochi crediti ottenuti).</a:t>
+            </a:r>
+            <a:endParaRPr lang="it-IT" sz="1600" dirty="0"/>
+          </a:p>
+          <a:p>
+            <a:endParaRPr lang="en-US" sz="1400" dirty="0">
+              <a:solidFill>
+                <a:srgbClr val="7030A0"/>
+              </a:solidFill>
+              <a:latin typeface="Courier New" panose="02070309020205020404" pitchFamily="49" charset="0"/>
+              <a:cs typeface="Courier New" panose="02070309020205020404" pitchFamily="49" charset="0"/>
+            </a:endParaRPr>
+          </a:p>
+          <a:p>
+            <a:endParaRPr lang="en-US" sz="1400" dirty="0">
+              <a:solidFill>
+                <a:srgbClr val="7030A0"/>
+              </a:solidFill>
+              <a:latin typeface="Courier New" panose="02070309020205020404" pitchFamily="49" charset="0"/>
+              <a:cs typeface="Courier New" panose="02070309020205020404" pitchFamily="49" charset="0"/>
+            </a:endParaRPr>
+          </a:p>
+          <a:p>
+            <a:r>
+              <a:rPr lang="en-US" sz="1400" dirty="0">
+                <a:solidFill>
+                  <a:srgbClr val="7030A0"/>
+                </a:solidFill>
+                <a:latin typeface="Courier New" panose="02070309020205020404" pitchFamily="49" charset="0"/>
+                <a:cs typeface="Courier New" panose="02070309020205020404" pitchFamily="49" charset="0"/>
+              </a:rPr>
+              <a:t>Clustered Instances</a:t>
+            </a:r>
+          </a:p>
+          <a:p>
+            <a:endParaRPr lang="en-US" sz="1400" dirty="0">
+              <a:solidFill>
+                <a:srgbClr val="7030A0"/>
+              </a:solidFill>
+              <a:latin typeface="Courier New" panose="02070309020205020404" pitchFamily="49" charset="0"/>
+              <a:cs typeface="Courier New" panose="02070309020205020404" pitchFamily="49" charset="0"/>
+            </a:endParaRPr>
+          </a:p>
+          <a:p>
+            <a:r>
+              <a:rPr lang="en-US" sz="1400" dirty="0">
+                <a:solidFill>
+                  <a:srgbClr val="7030A0"/>
+                </a:solidFill>
+                <a:latin typeface="Courier New" panose="02070309020205020404" pitchFamily="49" charset="0"/>
+                <a:cs typeface="Courier New" panose="02070309020205020404" pitchFamily="49" charset="0"/>
+              </a:rPr>
+              <a:t>0      108 ( 61%)</a:t>
+            </a:r>
+          </a:p>
+          <a:p>
+            <a:r>
+              <a:rPr lang="en-US" sz="1400" dirty="0">
+                <a:solidFill>
+                  <a:srgbClr val="7030A0"/>
+                </a:solidFill>
+                <a:latin typeface="Courier New" panose="02070309020205020404" pitchFamily="49" charset="0"/>
+                <a:cs typeface="Courier New" panose="02070309020205020404" pitchFamily="49" charset="0"/>
+              </a:rPr>
+              <a:t>1       20 ( 11%)</a:t>
+            </a:r>
+          </a:p>
+          <a:p>
+            <a:r>
+              <a:rPr lang="en-US" sz="1400" dirty="0">
+                <a:solidFill>
+                  <a:srgbClr val="7030A0"/>
+                </a:solidFill>
+                <a:latin typeface="Courier New" panose="02070309020205020404" pitchFamily="49" charset="0"/>
+                <a:cs typeface="Courier New" panose="02070309020205020404" pitchFamily="49" charset="0"/>
+              </a:rPr>
+              <a:t>2       48 ( 27%)</a:t>
+            </a:r>
+          </a:p>
+          <a:p>
+            <a:endParaRPr lang="en-US" sz="1400" dirty="0">
+              <a:solidFill>
+                <a:srgbClr val="7030A0"/>
+              </a:solidFill>
+              <a:latin typeface="Courier New" panose="02070309020205020404" pitchFamily="49" charset="0"/>
+              <a:cs typeface="Courier New" panose="02070309020205020404" pitchFamily="49" charset="0"/>
+            </a:endParaRPr>
+          </a:p>
+          <a:p>
+            <a:r>
+              <a:rPr lang="en-US" sz="1400" dirty="0" err="1">
+                <a:solidFill>
+                  <a:srgbClr val="7030A0"/>
+                </a:solidFill>
+                <a:latin typeface="Courier New" panose="02070309020205020404" pitchFamily="49" charset="0"/>
+                <a:cs typeface="Courier New" panose="02070309020205020404" pitchFamily="49" charset="0"/>
+              </a:rPr>
+              <a:t>Unclustered</a:t>
+            </a:r>
+            <a:r>
+              <a:rPr lang="en-US" sz="1400" dirty="0">
+                <a:solidFill>
+                  <a:srgbClr val="7030A0"/>
+                </a:solidFill>
+                <a:latin typeface="Courier New" panose="02070309020205020404" pitchFamily="49" charset="0"/>
+                <a:cs typeface="Courier New" panose="02070309020205020404" pitchFamily="49" charset="0"/>
+              </a:rPr>
+              <a:t> instances : 36</a:t>
+            </a:r>
+          </a:p>
+          <a:p>
+            <a:endParaRPr lang="en-US" sz="1400" dirty="0"/>
+          </a:p>
+        </p:txBody>
+      </p:sp>
+    </p:spTree>
+    <p:extLst>
+      <p:ext uri="{BB962C8B-B14F-4D97-AF65-F5344CB8AC3E}">
+        <p14:creationId xmlns:p14="http://schemas.microsoft.com/office/powerpoint/2010/main" val="3267863494"/>
+      </p:ext>
+    </p:extLst>
+  </p:cSld>
+  <p:clrMapOvr>
+    <a:masterClrMapping/>
+  </p:clrMapOvr>
+</p:sld>
+</file>
+
+<file path=ppt/slides/slide52.xml><?xml version="1.0" encoding="utf-8"?>
+<p:sld xmlns:a="http://schemas.openxmlformats.org/drawingml/2006/main" xmlns:r="http://schemas.openxmlformats.org/officeDocument/2006/relationships" xmlns:p="http://schemas.openxmlformats.org/presentationml/2006/main">
+  <p:cSld>
+    <p:spTree>
+      <p:nvGrpSpPr>
+        <p:cNvPr id="1" name=""/>
+        <p:cNvGrpSpPr/>
+        <p:nvPr/>
+      </p:nvGrpSpPr>
+      <p:grpSpPr>
+        <a:xfrm>
+          <a:off x="0" y="0"/>
+          <a:ext cx="0" cy="0"/>
+          <a:chOff x="0" y="0"/>
+          <a:chExt cx="0" cy="0"/>
+        </a:xfrm>
+      </p:grpSpPr>
+      <p:sp>
+        <p:nvSpPr>
+          <p:cNvPr id="2" name="Titolo 1">
+            <a:extLst>
+              <a:ext uri="{FF2B5EF4-FFF2-40B4-BE49-F238E27FC236}">
+                <a16:creationId xmlns:a16="http://schemas.microsoft.com/office/drawing/2014/main" id="{A490F4C1-B771-44D1-87E7-7B1A928721C0}"/>
+              </a:ext>
+            </a:extLst>
+          </p:cNvPr>
+          <p:cNvSpPr txBox="1">
+            <a:spLocks/>
+          </p:cNvSpPr>
+          <p:nvPr/>
+        </p:nvSpPr>
+        <p:spPr>
+          <a:xfrm>
+            <a:off x="755576" y="152400"/>
+            <a:ext cx="8229600" cy="1143000"/>
+          </a:xfrm>
+          <a:prstGeom prst="rect">
+            <a:avLst/>
+          </a:prstGeom>
+        </p:spPr>
+        <p:txBody>
+          <a:bodyPr>
+            <a:noAutofit/>
+          </a:bodyPr>
+          <a:lstStyle>
+            <a:lvl1pPr algn="ctr" defTabSz="342900" rtl="0" eaLnBrk="1" latinLnBrk="0" hangingPunct="1">
+              <a:spcBef>
+                <a:spcPct val="0"/>
+              </a:spcBef>
+              <a:buNone/>
+              <a:defRPr sz="3300" kern="1200">
+                <a:solidFill>
+                  <a:schemeClr val="tx1"/>
+                </a:solidFill>
+                <a:latin typeface="+mj-lt"/>
+                <a:ea typeface="+mj-ea"/>
+                <a:cs typeface="+mj-cs"/>
+              </a:defRPr>
+            </a:lvl1pPr>
+          </a:lstStyle>
+          <a:p>
+            <a:pPr algn="r"/>
+            <a:r>
+              <a:rPr lang="it-IT" sz="2400" b="1" dirty="0">
+                <a:solidFill>
+                  <a:schemeClr val="bg1"/>
+                </a:solidFill>
+              </a:rPr>
+              <a:t>CLUSTER ANALYSIS</a:t>
+            </a:r>
+            <a:r>
+              <a:rPr lang="it-IT" sz="2400" dirty="0">
+                <a:solidFill>
+                  <a:schemeClr val="bg1"/>
+                </a:solidFill>
+              </a:rPr>
+              <a:t>: SUBSET GEN </a:t>
+            </a:r>
+            <a:endParaRPr lang="en-US" sz="2400" dirty="0">
+              <a:solidFill>
+                <a:schemeClr val="bg1"/>
+              </a:solidFill>
+            </a:endParaRPr>
+          </a:p>
+        </p:txBody>
+      </p:sp>
+      <p:sp>
+        <p:nvSpPr>
+          <p:cNvPr id="5" name="CasellaDiTesto 4">
+            <a:extLst>
+              <a:ext uri="{FF2B5EF4-FFF2-40B4-BE49-F238E27FC236}">
+                <a16:creationId xmlns:a16="http://schemas.microsoft.com/office/drawing/2014/main" id="{951B41F6-93D5-48F6-8CDE-BC7CE47E6E3E}"/>
+              </a:ext>
+            </a:extLst>
+          </p:cNvPr>
+          <p:cNvSpPr txBox="1"/>
+          <p:nvPr/>
+        </p:nvSpPr>
+        <p:spPr>
+          <a:xfrm>
+            <a:off x="177396" y="940658"/>
+            <a:ext cx="8586902" cy="707886"/>
           </a:xfrm>
           <a:prstGeom prst="rect">
             <a:avLst/>
@@ -29782,18 +30040,110 @@
           <a:lstStyle/>
           <a:p>
             <a:r>
-              <a:rPr lang="en-US" dirty="0">
+              <a:rPr lang="it-IT" sz="2000" b="1" dirty="0"/>
+              <a:t>CLUSTERING GERARCHICO:</a:t>
+            </a:r>
+            <a:r>
+              <a:rPr lang="it-IT" sz="2000" dirty="0"/>
+              <a:t> 2 cluster, </a:t>
+            </a:r>
+            <a:r>
+              <a:rPr lang="it-IT" sz="1600" dirty="0"/>
+              <a:t>distanza definita col metodo </a:t>
+            </a:r>
+            <a:r>
+              <a:rPr lang="it-IT" sz="2000" dirty="0"/>
+              <a:t>COMPLETE LINKAGE</a:t>
+            </a:r>
+          </a:p>
+          <a:p>
+            <a:r>
+              <a:rPr lang="it-IT" sz="2000">
+                <a:solidFill>
+                  <a:srgbClr val="FF0000"/>
+                </a:solidFill>
+              </a:rPr>
+              <a:t>…</a:t>
+            </a:r>
+            <a:endParaRPr lang="en-US" dirty="0">
+              <a:solidFill>
+                <a:srgbClr val="FF0000"/>
+              </a:solidFill>
+            </a:endParaRPr>
+          </a:p>
+        </p:txBody>
+      </p:sp>
+      <p:pic>
+        <p:nvPicPr>
+          <p:cNvPr id="6" name="Immagine 5">
+            <a:extLst>
+              <a:ext uri="{FF2B5EF4-FFF2-40B4-BE49-F238E27FC236}">
+                <a16:creationId xmlns:a16="http://schemas.microsoft.com/office/drawing/2014/main" id="{2AECC886-D79F-4427-ACBA-01D78B26E783}"/>
+              </a:ext>
+            </a:extLst>
+          </p:cNvPr>
+          <p:cNvPicPr>
+            <a:picLocks noChangeAspect="1"/>
+          </p:cNvPicPr>
+          <p:nvPr/>
+        </p:nvPicPr>
+        <p:blipFill>
+          <a:blip r:embed="rId2"/>
+          <a:stretch>
+            <a:fillRect/>
+          </a:stretch>
+        </p:blipFill>
+        <p:spPr>
+          <a:xfrm>
+            <a:off x="4382696" y="2708920"/>
+            <a:ext cx="4653800" cy="4032448"/>
+          </a:xfrm>
+          <a:prstGeom prst="rect">
+            <a:avLst/>
+          </a:prstGeom>
+        </p:spPr>
+      </p:pic>
+      <p:sp>
+        <p:nvSpPr>
+          <p:cNvPr id="7" name="CasellaDiTesto 6">
+            <a:extLst>
+              <a:ext uri="{FF2B5EF4-FFF2-40B4-BE49-F238E27FC236}">
+                <a16:creationId xmlns:a16="http://schemas.microsoft.com/office/drawing/2014/main" id="{F96353AB-D6C1-4AB1-800F-2A6FB1A96608}"/>
+              </a:ext>
+            </a:extLst>
+          </p:cNvPr>
+          <p:cNvSpPr txBox="1"/>
+          <p:nvPr/>
+        </p:nvSpPr>
+        <p:spPr>
+          <a:xfrm>
+            <a:off x="251520" y="2255961"/>
+            <a:ext cx="6336704" cy="3693319"/>
+          </a:xfrm>
+          <a:prstGeom prst="rect">
+            <a:avLst/>
+          </a:prstGeom>
+          <a:noFill/>
+        </p:spPr>
+        <p:txBody>
+          <a:bodyPr wrap="square" rtlCol="0">
+            <a:spAutoFit/>
+          </a:bodyPr>
+          <a:lstStyle/>
+          <a:p>
+            <a:r>
+              <a:rPr lang="en-US" sz="1300" dirty="0">
                 <a:solidFill>
                   <a:srgbClr val="7030A0"/>
                 </a:solidFill>
                 <a:latin typeface="Courier New" panose="02070309020205020404" pitchFamily="49" charset="0"/>
                 <a:cs typeface="Courier New" panose="02070309020205020404" pitchFamily="49" charset="0"/>
               </a:rPr>
-              <a:t>=== Model and evaluation on training set ===</a:t>
-            </a:r>
-          </a:p>
-          <a:p>
-            <a:endParaRPr lang="en-US" dirty="0">
+              <a:t>=== Clustering model (full training set) ===</a:t>
+            </a:r>
+          </a:p>
+          <a:p>
+            <a:endParaRPr lang="en-US" sz="1300" dirty="0">
               <a:solidFill>
                 <a:srgbClr val="7030A0"/>
               </a:solidFill>
@@ -29803,18 +30153,30 @@
           </a:p>
           <a:p>
             <a:r>
-              <a:rPr lang="en-US" dirty="0">
+              <a:rPr lang="en-US" sz="1300" dirty="0">
                 <a:solidFill>
                   <a:srgbClr val="7030A0"/>
                 </a:solidFill>
                 <a:latin typeface="Courier New" panose="02070309020205020404" pitchFamily="49" charset="0"/>
                 <a:cs typeface="Courier New" panose="02070309020205020404" pitchFamily="49" charset="0"/>
               </a:rPr>
-              <a:t>Clustered Instances</a:t>
-            </a:r>
-          </a:p>
-          <a:p>
-            <a:endParaRPr lang="en-US" dirty="0">
+              <a:t>Cluster 0</a:t>
+            </a:r>
+          </a:p>
+          <a:p>
+            <a:r>
+              <a:rPr lang="en-US" sz="1300" dirty="0">
+                <a:solidFill>
+                  <a:srgbClr val="7030A0"/>
+                </a:solidFill>
+                <a:latin typeface="Courier New" panose="02070309020205020404" pitchFamily="49" charset="0"/>
+                <a:cs typeface="Courier New" panose="02070309020205020404" pitchFamily="49" charset="0"/>
+              </a:rPr>
+              <a:t>[...]</a:t>
+            </a:r>
+          </a:p>
+          <a:p>
+            <a:endParaRPr lang="en-US" sz="1300" dirty="0">
               <a:solidFill>
                 <a:srgbClr val="7030A0"/>
               </a:solidFill>
@@ -29824,42 +30186,30 @@
           </a:p>
           <a:p>
             <a:r>
-              <a:rPr lang="en-US" dirty="0">
+              <a:rPr lang="en-US" sz="1300" dirty="0">
                 <a:solidFill>
                   <a:srgbClr val="7030A0"/>
                 </a:solidFill>
                 <a:latin typeface="Courier New" panose="02070309020205020404" pitchFamily="49" charset="0"/>
                 <a:cs typeface="Courier New" panose="02070309020205020404" pitchFamily="49" charset="0"/>
               </a:rPr>
-              <a:t>0      108 ( 61%)</a:t>
-            </a:r>
-          </a:p>
-          <a:p>
-            <a:r>
-              <a:rPr lang="en-US" dirty="0">
+              <a:t>Cluster 1</a:t>
+            </a:r>
+          </a:p>
+          <a:p>
+            <a:r>
+              <a:rPr lang="en-US" sz="1300" dirty="0">
                 <a:solidFill>
                   <a:srgbClr val="7030A0"/>
                 </a:solidFill>
                 <a:latin typeface="Courier New" panose="02070309020205020404" pitchFamily="49" charset="0"/>
                 <a:cs typeface="Courier New" panose="02070309020205020404" pitchFamily="49" charset="0"/>
               </a:rPr>
-              <a:t>1       20 ( 11%)</a:t>
-            </a:r>
-          </a:p>
-          <a:p>
-            <a:r>
-              <a:rPr lang="en-US" dirty="0">
-                <a:solidFill>
-                  <a:srgbClr val="7030A0"/>
-                </a:solidFill>
-                <a:latin typeface="Courier New" panose="02070309020205020404" pitchFamily="49" charset="0"/>
-                <a:cs typeface="Courier New" panose="02070309020205020404" pitchFamily="49" charset="0"/>
-              </a:rPr>
-              <a:t>2       48 ( 27%)</a:t>
-            </a:r>
-          </a:p>
-          <a:p>
-            <a:endParaRPr lang="en-US" dirty="0">
+              <a:t>[...]</a:t>
+            </a:r>
+          </a:p>
+          <a:p>
+            <a:endParaRPr lang="en-US" sz="1300" dirty="0">
               <a:solidFill>
                 <a:srgbClr val="7030A0"/>
               </a:solidFill>
@@ -29868,36 +30218,116 @@
             </a:endParaRPr>
           </a:p>
           <a:p>
-            <a:r>
-              <a:rPr lang="en-US" dirty="0" err="1">
+            <a:endParaRPr lang="en-US" sz="1300" dirty="0">
+              <a:solidFill>
+                <a:srgbClr val="7030A0"/>
+              </a:solidFill>
+              <a:latin typeface="Courier New" panose="02070309020205020404" pitchFamily="49" charset="0"/>
+              <a:cs typeface="Courier New" panose="02070309020205020404" pitchFamily="49" charset="0"/>
+            </a:endParaRPr>
+          </a:p>
+          <a:p>
+            <a:r>
+              <a:rPr lang="en-US" sz="1300" dirty="0">
                 <a:solidFill>
                   <a:srgbClr val="7030A0"/>
                 </a:solidFill>
                 <a:latin typeface="Courier New" panose="02070309020205020404" pitchFamily="49" charset="0"/>
                 <a:cs typeface="Courier New" panose="02070309020205020404" pitchFamily="49" charset="0"/>
               </a:rPr>
-              <a:t>Unclustered</a:t>
-            </a:r>
-            <a:r>
-              <a:rPr lang="en-US" dirty="0">
+              <a:t>Time taken to build model (full training data) : 0.04 seconds</a:t>
+            </a:r>
+          </a:p>
+          <a:p>
+            <a:endParaRPr lang="en-US" sz="1300" dirty="0">
+              <a:solidFill>
+                <a:srgbClr val="7030A0"/>
+              </a:solidFill>
+              <a:latin typeface="Courier New" panose="02070309020205020404" pitchFamily="49" charset="0"/>
+              <a:cs typeface="Courier New" panose="02070309020205020404" pitchFamily="49" charset="0"/>
+            </a:endParaRPr>
+          </a:p>
+          <a:p>
+            <a:r>
+              <a:rPr lang="en-US" sz="1300" dirty="0">
                 <a:solidFill>
                   <a:srgbClr val="7030A0"/>
                 </a:solidFill>
                 <a:latin typeface="Courier New" panose="02070309020205020404" pitchFamily="49" charset="0"/>
                 <a:cs typeface="Courier New" panose="02070309020205020404" pitchFamily="49" charset="0"/>
               </a:rPr>
-              <a:t> instances : 36</a:t>
-            </a:r>
-          </a:p>
-          <a:p>
-            <a:endParaRPr lang="en-US" dirty="0"/>
+              <a:t>=== Model and evaluation on training set ===</a:t>
+            </a:r>
+          </a:p>
+          <a:p>
+            <a:endParaRPr lang="en-US" sz="1300" dirty="0">
+              <a:solidFill>
+                <a:srgbClr val="7030A0"/>
+              </a:solidFill>
+              <a:latin typeface="Courier New" panose="02070309020205020404" pitchFamily="49" charset="0"/>
+              <a:cs typeface="Courier New" panose="02070309020205020404" pitchFamily="49" charset="0"/>
+            </a:endParaRPr>
+          </a:p>
+          <a:p>
+            <a:r>
+              <a:rPr lang="en-US" sz="1300" dirty="0">
+                <a:solidFill>
+                  <a:srgbClr val="7030A0"/>
+                </a:solidFill>
+                <a:latin typeface="Courier New" panose="02070309020205020404" pitchFamily="49" charset="0"/>
+                <a:cs typeface="Courier New" panose="02070309020205020404" pitchFamily="49" charset="0"/>
+              </a:rPr>
+              <a:t>Clustered Instances</a:t>
+            </a:r>
+          </a:p>
+          <a:p>
+            <a:endParaRPr lang="en-US" sz="1300" dirty="0">
+              <a:solidFill>
+                <a:srgbClr val="7030A0"/>
+              </a:solidFill>
+              <a:latin typeface="Courier New" panose="02070309020205020404" pitchFamily="49" charset="0"/>
+              <a:cs typeface="Courier New" panose="02070309020205020404" pitchFamily="49" charset="0"/>
+            </a:endParaRPr>
+          </a:p>
+          <a:p>
+            <a:r>
+              <a:rPr lang="en-US" sz="1300" dirty="0">
+                <a:solidFill>
+                  <a:srgbClr val="7030A0"/>
+                </a:solidFill>
+                <a:latin typeface="Courier New" panose="02070309020205020404" pitchFamily="49" charset="0"/>
+                <a:cs typeface="Courier New" panose="02070309020205020404" pitchFamily="49" charset="0"/>
+              </a:rPr>
+              <a:t>0      121 ( 57%)</a:t>
+            </a:r>
+          </a:p>
+          <a:p>
+            <a:r>
+              <a:rPr lang="en-US" sz="1300" dirty="0">
+                <a:solidFill>
+                  <a:srgbClr val="7030A0"/>
+                </a:solidFill>
+                <a:latin typeface="Courier New" panose="02070309020205020404" pitchFamily="49" charset="0"/>
+                <a:cs typeface="Courier New" panose="02070309020205020404" pitchFamily="49" charset="0"/>
+              </a:rPr>
+              <a:t>1       91 ( 43%)</a:t>
+            </a:r>
+          </a:p>
+          <a:p>
+            <a:endParaRPr lang="en-US" sz="1300" dirty="0">
+              <a:solidFill>
+                <a:srgbClr val="7030A0"/>
+              </a:solidFill>
+              <a:latin typeface="Courier New" panose="02070309020205020404" pitchFamily="49" charset="0"/>
+              <a:cs typeface="Courier New" panose="02070309020205020404" pitchFamily="49" charset="0"/>
+            </a:endParaRPr>
           </a:p>
         </p:txBody>
       </p:sp>
     </p:spTree>
     <p:extLst>
       <p:ext uri="{BB962C8B-B14F-4D97-AF65-F5344CB8AC3E}">
-        <p14:creationId xmlns:p14="http://schemas.microsoft.com/office/powerpoint/2010/main" val="3267863494"/>
+        <p14:creationId xmlns:p14="http://schemas.microsoft.com/office/powerpoint/2010/main" val="3392579643"/>
       </p:ext>
     </p:extLst>
   </p:cSld>

--- a/relazione.pptx
+++ b/relazione.pptx
@@ -57,6 +57,7 @@
     <p:sldId id="308" r:id="rId51"/>
     <p:sldId id="309" r:id="rId52"/>
     <p:sldId id="310" r:id="rId53"/>
+    <p:sldId id="311" r:id="rId54"/>
   </p:sldIdLst>
   <p:sldSz cx="9144000" cy="6858000" type="screen4x3"/>
   <p:notesSz cx="6858000" cy="9144000"/>
@@ -157,7 +158,7 @@
   </p:defaultTextStyle>
   <p:extLst>
     <p:ext uri="{EFAFB233-063F-42B5-8137-9DF3F51BA10A}">
-      <p15:sldGuideLst xmlns:p15="http://schemas.microsoft.com/office/powerpoint/2012/main">
+      <p15:sldGuideLst xmlns:p15="http://schemas.microsoft.com/office/powerpoint/2012/main" xmlns="">
         <p15:guide id="1" orient="horz" pos="2160" userDrawn="1">
           <p15:clr>
             <a:srgbClr val="A4A3A4"/>
@@ -3347,7 +3348,7 @@
           <p:cNvPr id="3" name="Titolo 1">
             <a:extLst>
               <a:ext uri="{FF2B5EF4-FFF2-40B4-BE49-F238E27FC236}">
-                <a16:creationId xmlns:a16="http://schemas.microsoft.com/office/drawing/2014/main" id="{9E74EE39-EA32-4246-BC63-84D8E46682AC}"/>
+                <a16:creationId xmlns:a16="http://schemas.microsoft.com/office/drawing/2014/main" xmlns="" id="{9E74EE39-EA32-4246-BC63-84D8E46682AC}"/>
               </a:ext>
             </a:extLst>
           </p:cNvPr>
@@ -3478,7 +3479,7 @@
           <p:cNvPr id="7" name="CasellaDiTesto 6">
             <a:extLst>
               <a:ext uri="{FF2B5EF4-FFF2-40B4-BE49-F238E27FC236}">
-                <a16:creationId xmlns:a16="http://schemas.microsoft.com/office/drawing/2014/main" id="{B948AE74-754E-4EF7-AC16-36C5BC20D8A2}"/>
+                <a16:creationId xmlns:a16="http://schemas.microsoft.com/office/drawing/2014/main" xmlns="" id="{B948AE74-754E-4EF7-AC16-36C5BC20D8A2}"/>
               </a:ext>
             </a:extLst>
           </p:cNvPr>
@@ -3638,7 +3639,7 @@
           <p:cNvPr id="8" name="Titolo 1">
             <a:extLst>
               <a:ext uri="{FF2B5EF4-FFF2-40B4-BE49-F238E27FC236}">
-                <a16:creationId xmlns:a16="http://schemas.microsoft.com/office/drawing/2014/main" id="{93988BB5-A413-49BA-BC9C-68388EF5A744}"/>
+                <a16:creationId xmlns:a16="http://schemas.microsoft.com/office/drawing/2014/main" xmlns="" id="{93988BB5-A413-49BA-BC9C-68388EF5A744}"/>
               </a:ext>
             </a:extLst>
           </p:cNvPr>
@@ -3706,7 +3707,7 @@
           <p:cNvPr id="9" name="Segnaposto contenuto 2">
             <a:extLst>
               <a:ext uri="{FF2B5EF4-FFF2-40B4-BE49-F238E27FC236}">
-                <a16:creationId xmlns:a16="http://schemas.microsoft.com/office/drawing/2014/main" id="{C2E44FE5-CCA1-4E8F-905A-F2F5CDF25092}"/>
+                <a16:creationId xmlns:a16="http://schemas.microsoft.com/office/drawing/2014/main" xmlns="" id="{C2E44FE5-CCA1-4E8F-905A-F2F5CDF25092}"/>
               </a:ext>
             </a:extLst>
           </p:cNvPr>
@@ -3888,7 +3889,7 @@
           <p:cNvPr id="10" name="Segnaposto contenuto 2">
             <a:extLst>
               <a:ext uri="{FF2B5EF4-FFF2-40B4-BE49-F238E27FC236}">
-                <a16:creationId xmlns:a16="http://schemas.microsoft.com/office/drawing/2014/main" id="{89886170-B615-43F8-AA8E-D5565391C42A}"/>
+                <a16:creationId xmlns:a16="http://schemas.microsoft.com/office/drawing/2014/main" xmlns="" id="{89886170-B615-43F8-AA8E-D5565391C42A}"/>
               </a:ext>
             </a:extLst>
           </p:cNvPr>
@@ -4071,7 +4072,7 @@
           <p:cNvPr id="11" name="Segnaposto contenuto 2">
             <a:extLst>
               <a:ext uri="{FF2B5EF4-FFF2-40B4-BE49-F238E27FC236}">
-                <a16:creationId xmlns:a16="http://schemas.microsoft.com/office/drawing/2014/main" id="{7D6E6495-424C-4525-948E-C30098166953}"/>
+                <a16:creationId xmlns:a16="http://schemas.microsoft.com/office/drawing/2014/main" xmlns="" id="{7D6E6495-424C-4525-948E-C30098166953}"/>
               </a:ext>
             </a:extLst>
           </p:cNvPr>
@@ -4375,7 +4376,7 @@
           <p:cNvPr id="4" name="Titolo 1">
             <a:extLst>
               <a:ext uri="{FF2B5EF4-FFF2-40B4-BE49-F238E27FC236}">
-                <a16:creationId xmlns:a16="http://schemas.microsoft.com/office/drawing/2014/main" id="{9E74EE39-EA32-4246-BC63-84D8E46682AC}"/>
+                <a16:creationId xmlns:a16="http://schemas.microsoft.com/office/drawing/2014/main" xmlns="" id="{9E74EE39-EA32-4246-BC63-84D8E46682AC}"/>
               </a:ext>
             </a:extLst>
           </p:cNvPr>
@@ -4468,7 +4469,7 @@
           <p:cNvPr id="2" name="Titolo 1">
             <a:extLst>
               <a:ext uri="{FF2B5EF4-FFF2-40B4-BE49-F238E27FC236}">
-                <a16:creationId xmlns:a16="http://schemas.microsoft.com/office/drawing/2014/main" id="{9E74EE39-EA32-4246-BC63-84D8E46682AC}"/>
+                <a16:creationId xmlns:a16="http://schemas.microsoft.com/office/drawing/2014/main" xmlns="" id="{9E74EE39-EA32-4246-BC63-84D8E46682AC}"/>
               </a:ext>
             </a:extLst>
           </p:cNvPr>
@@ -4653,7 +4654,7 @@
           <p:cNvPr id="5" name="Titolo 1">
             <a:extLst>
               <a:ext uri="{FF2B5EF4-FFF2-40B4-BE49-F238E27FC236}">
-                <a16:creationId xmlns:a16="http://schemas.microsoft.com/office/drawing/2014/main" id="{93988BB5-A413-49BA-BC9C-68388EF5A744}"/>
+                <a16:creationId xmlns:a16="http://schemas.microsoft.com/office/drawing/2014/main" xmlns="" id="{93988BB5-A413-49BA-BC9C-68388EF5A744}"/>
               </a:ext>
             </a:extLst>
           </p:cNvPr>
@@ -4737,7 +4738,7 @@
           <p:cNvPr id="8" name="Segnaposto contenuto 2">
             <a:extLst>
               <a:ext uri="{FF2B5EF4-FFF2-40B4-BE49-F238E27FC236}">
-                <a16:creationId xmlns:a16="http://schemas.microsoft.com/office/drawing/2014/main" id="{C2E44FE5-CCA1-4E8F-905A-F2F5CDF25092}"/>
+                <a16:creationId xmlns:a16="http://schemas.microsoft.com/office/drawing/2014/main" xmlns="" id="{C2E44FE5-CCA1-4E8F-905A-F2F5CDF25092}"/>
               </a:ext>
             </a:extLst>
           </p:cNvPr>
@@ -4883,7 +4884,7 @@
           <p:cNvPr id="9" name="Segnaposto contenuto 2">
             <a:extLst>
               <a:ext uri="{FF2B5EF4-FFF2-40B4-BE49-F238E27FC236}">
-                <a16:creationId xmlns:a16="http://schemas.microsoft.com/office/drawing/2014/main" id="{89886170-B615-43F8-AA8E-D5565391C42A}"/>
+                <a16:creationId xmlns:a16="http://schemas.microsoft.com/office/drawing/2014/main" xmlns="" id="{89886170-B615-43F8-AA8E-D5565391C42A}"/>
               </a:ext>
             </a:extLst>
           </p:cNvPr>
@@ -5064,7 +5065,7 @@
     </p:spTree>
     <p:extLst>
       <p:ext uri="{BB962C8B-B14F-4D97-AF65-F5344CB8AC3E}">
-        <p14:creationId xmlns:p14="http://schemas.microsoft.com/office/powerpoint/2010/main" val="2567167341"/>
+        <p14:creationId xmlns:p14="http://schemas.microsoft.com/office/powerpoint/2010/main" xmlns="" val="2567167341"/>
       </p:ext>
     </p:extLst>
   </p:cSld>
@@ -5096,7 +5097,7 @@
           <p:cNvPr id="2" name="Titolo 1">
             <a:extLst>
               <a:ext uri="{FF2B5EF4-FFF2-40B4-BE49-F238E27FC236}">
-                <a16:creationId xmlns:a16="http://schemas.microsoft.com/office/drawing/2014/main" id="{93988BB5-A413-49BA-BC9C-68388EF5A744}"/>
+                <a16:creationId xmlns:a16="http://schemas.microsoft.com/office/drawing/2014/main" xmlns="" id="{93988BB5-A413-49BA-BC9C-68388EF5A744}"/>
               </a:ext>
             </a:extLst>
           </p:cNvPr>
@@ -5180,7 +5181,7 @@
           <p:cNvPr id="4" name="Segnaposto contenuto 2">
             <a:extLst>
               <a:ext uri="{FF2B5EF4-FFF2-40B4-BE49-F238E27FC236}">
-                <a16:creationId xmlns:a16="http://schemas.microsoft.com/office/drawing/2014/main" id="{C2E44FE5-CCA1-4E8F-905A-F2F5CDF25092}"/>
+                <a16:creationId xmlns:a16="http://schemas.microsoft.com/office/drawing/2014/main" xmlns="" id="{C2E44FE5-CCA1-4E8F-905A-F2F5CDF25092}"/>
               </a:ext>
             </a:extLst>
           </p:cNvPr>
@@ -5376,7 +5377,7 @@
           <p:cNvPr id="5" name="CasellaDiTesto 4">
             <a:extLst>
               <a:ext uri="{FF2B5EF4-FFF2-40B4-BE49-F238E27FC236}">
-                <a16:creationId xmlns:a16="http://schemas.microsoft.com/office/drawing/2014/main" id="{4D7DE968-07D5-4816-AE85-8F06E200182B}"/>
+                <a16:creationId xmlns:a16="http://schemas.microsoft.com/office/drawing/2014/main" xmlns="" id="{4D7DE968-07D5-4816-AE85-8F06E200182B}"/>
               </a:ext>
             </a:extLst>
           </p:cNvPr>
@@ -6058,7 +6059,7 @@
           <p:cNvPr id="6" name="Segnaposto contenuto 2">
             <a:extLst>
               <a:ext uri="{FF2B5EF4-FFF2-40B4-BE49-F238E27FC236}">
-                <a16:creationId xmlns:a16="http://schemas.microsoft.com/office/drawing/2014/main" id="{C2E44FE5-CCA1-4E8F-905A-F2F5CDF25092}"/>
+                <a16:creationId xmlns:a16="http://schemas.microsoft.com/office/drawing/2014/main" xmlns="" id="{C2E44FE5-CCA1-4E8F-905A-F2F5CDF25092}"/>
               </a:ext>
             </a:extLst>
           </p:cNvPr>
@@ -6366,7 +6367,7 @@
           <p:cNvPr id="3" name="Titolo 1">
             <a:extLst>
               <a:ext uri="{FF2B5EF4-FFF2-40B4-BE49-F238E27FC236}">
-                <a16:creationId xmlns:a16="http://schemas.microsoft.com/office/drawing/2014/main" id="{9E74EE39-EA32-4246-BC63-84D8E46682AC}"/>
+                <a16:creationId xmlns:a16="http://schemas.microsoft.com/office/drawing/2014/main" xmlns="" id="{9E74EE39-EA32-4246-BC63-84D8E46682AC}"/>
               </a:ext>
             </a:extLst>
           </p:cNvPr>
@@ -6459,7 +6460,7 @@
           <p:cNvPr id="2" name="Titolo 1">
             <a:extLst>
               <a:ext uri="{FF2B5EF4-FFF2-40B4-BE49-F238E27FC236}">
-                <a16:creationId xmlns:a16="http://schemas.microsoft.com/office/drawing/2014/main" id="{9E74EE39-EA32-4246-BC63-84D8E46682AC}"/>
+                <a16:creationId xmlns:a16="http://schemas.microsoft.com/office/drawing/2014/main" xmlns="" id="{9E74EE39-EA32-4246-BC63-84D8E46682AC}"/>
               </a:ext>
             </a:extLst>
           </p:cNvPr>
@@ -6656,7 +6657,7 @@
           <p:cNvPr id="4" name="Titolo 1">
             <a:extLst>
               <a:ext uri="{FF2B5EF4-FFF2-40B4-BE49-F238E27FC236}">
-                <a16:creationId xmlns:a16="http://schemas.microsoft.com/office/drawing/2014/main" id="{9E74EE39-EA32-4246-BC63-84D8E46682AC}"/>
+                <a16:creationId xmlns:a16="http://schemas.microsoft.com/office/drawing/2014/main" xmlns="" id="{9E74EE39-EA32-4246-BC63-84D8E46682AC}"/>
               </a:ext>
             </a:extLst>
           </p:cNvPr>
@@ -6724,7 +6725,7 @@
           <p:cNvPr id="2" name="CasellaDiTesto 1">
             <a:extLst>
               <a:ext uri="{FF2B5EF4-FFF2-40B4-BE49-F238E27FC236}">
-                <a16:creationId xmlns:a16="http://schemas.microsoft.com/office/drawing/2014/main" id="{C6A91D90-B7CB-4D25-8EF0-BC7014B8AA3B}"/>
+                <a16:creationId xmlns:a16="http://schemas.microsoft.com/office/drawing/2014/main" xmlns="" id="{C6A91D90-B7CB-4D25-8EF0-BC7014B8AA3B}"/>
               </a:ext>
             </a:extLst>
           </p:cNvPr>
@@ -6839,7 +6840,7 @@
           <p:cNvPr id="8" name="Segnaposto contenuto 2">
             <a:extLst>
               <a:ext uri="{FF2B5EF4-FFF2-40B4-BE49-F238E27FC236}">
-                <a16:creationId xmlns:a16="http://schemas.microsoft.com/office/drawing/2014/main" id="{C2E44FE5-CCA1-4E8F-905A-F2F5CDF25092}"/>
+                <a16:creationId xmlns:a16="http://schemas.microsoft.com/office/drawing/2014/main" xmlns="" id="{C2E44FE5-CCA1-4E8F-905A-F2F5CDF25092}"/>
               </a:ext>
             </a:extLst>
           </p:cNvPr>
@@ -6897,7 +6898,7 @@
           <p:cNvPr id="9" name="Segnaposto contenuto 2">
             <a:extLst>
               <a:ext uri="{FF2B5EF4-FFF2-40B4-BE49-F238E27FC236}">
-                <a16:creationId xmlns:a16="http://schemas.microsoft.com/office/drawing/2014/main" id="{89886170-B615-43F8-AA8E-D5565391C42A}"/>
+                <a16:creationId xmlns:a16="http://schemas.microsoft.com/office/drawing/2014/main" xmlns="" id="{89886170-B615-43F8-AA8E-D5565391C42A}"/>
               </a:ext>
             </a:extLst>
           </p:cNvPr>
@@ -7080,7 +7081,7 @@
           <p:cNvPr id="7" name="Titolo 1">
             <a:extLst>
               <a:ext uri="{FF2B5EF4-FFF2-40B4-BE49-F238E27FC236}">
-                <a16:creationId xmlns:a16="http://schemas.microsoft.com/office/drawing/2014/main" id="{588E765D-4A18-43EC-9070-BBB19613F406}"/>
+                <a16:creationId xmlns:a16="http://schemas.microsoft.com/office/drawing/2014/main" xmlns="" id="{588E765D-4A18-43EC-9070-BBB19613F406}"/>
               </a:ext>
             </a:extLst>
           </p:cNvPr>
@@ -7116,7 +7117,7 @@
           <p:cNvPr id="6" name="Titolo 1">
             <a:extLst>
               <a:ext uri="{FF2B5EF4-FFF2-40B4-BE49-F238E27FC236}">
-                <a16:creationId xmlns:a16="http://schemas.microsoft.com/office/drawing/2014/main" id="{32602169-0966-4893-B032-33CFCD986CA0}"/>
+                <a16:creationId xmlns:a16="http://schemas.microsoft.com/office/drawing/2014/main" xmlns="" id="{32602169-0966-4893-B032-33CFCD986CA0}"/>
               </a:ext>
             </a:extLst>
           </p:cNvPr>
@@ -7184,7 +7185,7 @@
           <p:cNvPr id="1029" name="Immagine 1">
             <a:extLst>
               <a:ext uri="{FF2B5EF4-FFF2-40B4-BE49-F238E27FC236}">
-                <a16:creationId xmlns:a16="http://schemas.microsoft.com/office/drawing/2014/main" id="{FF70ADEF-A2E9-4C5E-8EBB-4FBF208344FE}"/>
+                <a16:creationId xmlns:a16="http://schemas.microsoft.com/office/drawing/2014/main" xmlns="" id="{FF70ADEF-A2E9-4C5E-8EBB-4FBF208344FE}"/>
               </a:ext>
             </a:extLst>
           </p:cNvPr>
@@ -7197,7 +7198,7 @@
           <a:blip r:embed="rId2">
             <a:extLst>
               <a:ext uri="{28A0092B-C50C-407E-A947-70E740481C1C}">
-                <a14:useLocalDpi xmlns:a14="http://schemas.microsoft.com/office/drawing/2010/main" val="0"/>
+                <a14:useLocalDpi xmlns:a14="http://schemas.microsoft.com/office/drawing/2010/main" xmlns="" val="0"/>
               </a:ext>
             </a:extLst>
           </a:blip>
@@ -7217,7 +7218,7 @@
           <a:noFill/>
           <a:extLst>
             <a:ext uri="{909E8E84-426E-40DD-AFC4-6F175D3DCCD1}">
-              <a14:hiddenFill xmlns:a14="http://schemas.microsoft.com/office/drawing/2010/main">
+              <a14:hiddenFill xmlns:a14="http://schemas.microsoft.com/office/drawing/2010/main" xmlns="">
                 <a:solidFill>
                   <a:srgbClr val="FFFFFF"/>
                 </a:solidFill>
@@ -7231,7 +7232,7 @@
           <p:cNvPr id="1028" name="Immagine 2">
             <a:extLst>
               <a:ext uri="{FF2B5EF4-FFF2-40B4-BE49-F238E27FC236}">
-                <a16:creationId xmlns:a16="http://schemas.microsoft.com/office/drawing/2014/main" id="{ABB1ACCA-6BB7-4698-9D8F-83EBBEEBB439}"/>
+                <a16:creationId xmlns:a16="http://schemas.microsoft.com/office/drawing/2014/main" xmlns="" id="{ABB1ACCA-6BB7-4698-9D8F-83EBBEEBB439}"/>
               </a:ext>
             </a:extLst>
           </p:cNvPr>
@@ -7244,7 +7245,7 @@
           <a:blip r:embed="rId3">
             <a:extLst>
               <a:ext uri="{28A0092B-C50C-407E-A947-70E740481C1C}">
-                <a14:useLocalDpi xmlns:a14="http://schemas.microsoft.com/office/drawing/2010/main" val="0"/>
+                <a14:useLocalDpi xmlns:a14="http://schemas.microsoft.com/office/drawing/2010/main" xmlns="" val="0"/>
               </a:ext>
             </a:extLst>
           </a:blip>
@@ -7264,7 +7265,7 @@
           <a:noFill/>
           <a:extLst>
             <a:ext uri="{909E8E84-426E-40DD-AFC4-6F175D3DCCD1}">
-              <a14:hiddenFill xmlns:a14="http://schemas.microsoft.com/office/drawing/2010/main">
+              <a14:hiddenFill xmlns:a14="http://schemas.microsoft.com/office/drawing/2010/main" xmlns="">
                 <a:solidFill>
                   <a:srgbClr val="FFFFFF"/>
                 </a:solidFill>
@@ -7278,7 +7279,7 @@
           <p:cNvPr id="1027" name="Immagine 3">
             <a:extLst>
               <a:ext uri="{FF2B5EF4-FFF2-40B4-BE49-F238E27FC236}">
-                <a16:creationId xmlns:a16="http://schemas.microsoft.com/office/drawing/2014/main" id="{F26E6F2B-58E7-47FC-929F-0A5F434D487F}"/>
+                <a16:creationId xmlns:a16="http://schemas.microsoft.com/office/drawing/2014/main" xmlns="" id="{F26E6F2B-58E7-47FC-929F-0A5F434D487F}"/>
               </a:ext>
             </a:extLst>
           </p:cNvPr>
@@ -7291,7 +7292,7 @@
           <a:blip r:embed="rId4">
             <a:extLst>
               <a:ext uri="{28A0092B-C50C-407E-A947-70E740481C1C}">
-                <a14:useLocalDpi xmlns:a14="http://schemas.microsoft.com/office/drawing/2010/main" val="0"/>
+                <a14:useLocalDpi xmlns:a14="http://schemas.microsoft.com/office/drawing/2010/main" xmlns="" val="0"/>
               </a:ext>
             </a:extLst>
           </a:blip>
@@ -7311,7 +7312,7 @@
           <a:noFill/>
           <a:extLst>
             <a:ext uri="{909E8E84-426E-40DD-AFC4-6F175D3DCCD1}">
-              <a14:hiddenFill xmlns:a14="http://schemas.microsoft.com/office/drawing/2010/main">
+              <a14:hiddenFill xmlns:a14="http://schemas.microsoft.com/office/drawing/2010/main" xmlns="">
                 <a:solidFill>
                   <a:srgbClr val="FFFFFF"/>
                 </a:solidFill>
@@ -7325,7 +7326,7 @@
           <p:cNvPr id="1026" name="Immagine 4">
             <a:extLst>
               <a:ext uri="{FF2B5EF4-FFF2-40B4-BE49-F238E27FC236}">
-                <a16:creationId xmlns:a16="http://schemas.microsoft.com/office/drawing/2014/main" id="{B209195C-077D-4451-AEBF-025EFF64395E}"/>
+                <a16:creationId xmlns:a16="http://schemas.microsoft.com/office/drawing/2014/main" xmlns="" id="{B209195C-077D-4451-AEBF-025EFF64395E}"/>
               </a:ext>
             </a:extLst>
           </p:cNvPr>
@@ -7338,7 +7339,7 @@
           <a:blip r:embed="rId5">
             <a:extLst>
               <a:ext uri="{28A0092B-C50C-407E-A947-70E740481C1C}">
-                <a14:useLocalDpi xmlns:a14="http://schemas.microsoft.com/office/drawing/2010/main" val="0"/>
+                <a14:useLocalDpi xmlns:a14="http://schemas.microsoft.com/office/drawing/2010/main" xmlns="" val="0"/>
               </a:ext>
             </a:extLst>
           </a:blip>
@@ -7358,7 +7359,7 @@
           <a:noFill/>
           <a:extLst>
             <a:ext uri="{909E8E84-426E-40DD-AFC4-6F175D3DCCD1}">
-              <a14:hiddenFill xmlns:a14="http://schemas.microsoft.com/office/drawing/2010/main">
+              <a14:hiddenFill xmlns:a14="http://schemas.microsoft.com/office/drawing/2010/main" xmlns="">
                 <a:solidFill>
                   <a:srgbClr val="FFFFFF"/>
                 </a:solidFill>
@@ -7372,7 +7373,7 @@
           <p:cNvPr id="1025" name="Immagine 5">
             <a:extLst>
               <a:ext uri="{FF2B5EF4-FFF2-40B4-BE49-F238E27FC236}">
-                <a16:creationId xmlns:a16="http://schemas.microsoft.com/office/drawing/2014/main" id="{0BE8FA7A-9877-4E8C-AD1E-B6DB161AD2FC}"/>
+                <a16:creationId xmlns:a16="http://schemas.microsoft.com/office/drawing/2014/main" xmlns="" id="{0BE8FA7A-9877-4E8C-AD1E-B6DB161AD2FC}"/>
               </a:ext>
             </a:extLst>
           </p:cNvPr>
@@ -7385,7 +7386,7 @@
           <a:blip r:embed="rId6">
             <a:extLst>
               <a:ext uri="{28A0092B-C50C-407E-A947-70E740481C1C}">
-                <a14:useLocalDpi xmlns:a14="http://schemas.microsoft.com/office/drawing/2010/main" val="0"/>
+                <a14:useLocalDpi xmlns:a14="http://schemas.microsoft.com/office/drawing/2010/main" xmlns="" val="0"/>
               </a:ext>
             </a:extLst>
           </a:blip>
@@ -7405,7 +7406,7 @@
           <a:noFill/>
           <a:extLst>
             <a:ext uri="{909E8E84-426E-40DD-AFC4-6F175D3DCCD1}">
-              <a14:hiddenFill xmlns:a14="http://schemas.microsoft.com/office/drawing/2010/main">
+              <a14:hiddenFill xmlns:a14="http://schemas.microsoft.com/office/drawing/2010/main" xmlns="">
                 <a:solidFill>
                   <a:srgbClr val="FFFFFF"/>
                 </a:solidFill>
@@ -7419,7 +7420,7 @@
           <p:cNvPr id="2" name="Rectangle 6">
             <a:extLst>
               <a:ext uri="{FF2B5EF4-FFF2-40B4-BE49-F238E27FC236}">
-                <a16:creationId xmlns:a16="http://schemas.microsoft.com/office/drawing/2014/main" id="{FC5724C9-24A0-4B40-9A3A-FE717EF7AA55}"/>
+                <a16:creationId xmlns:a16="http://schemas.microsoft.com/office/drawing/2014/main" xmlns="" id="{FC5724C9-24A0-4B40-9A3A-FE717EF7AA55}"/>
               </a:ext>
             </a:extLst>
           </p:cNvPr>
@@ -7443,14 +7444,14 @@
           <a:effectLst/>
           <a:extLst>
             <a:ext uri="{909E8E84-426E-40DD-AFC4-6F175D3DCCD1}">
-              <a14:hiddenFill xmlns:a14="http://schemas.microsoft.com/office/drawing/2010/main">
+              <a14:hiddenFill xmlns:a14="http://schemas.microsoft.com/office/drawing/2010/main" xmlns="">
                 <a:solidFill>
                   <a:schemeClr val="accent1"/>
                 </a:solidFill>
               </a14:hiddenFill>
             </a:ext>
             <a:ext uri="{91240B29-F687-4F45-9708-019B960494DF}">
-              <a14:hiddenLine xmlns:a14="http://schemas.microsoft.com/office/drawing/2010/main" w="9525">
+              <a14:hiddenLine xmlns:a14="http://schemas.microsoft.com/office/drawing/2010/main" xmlns="" w="9525">
                 <a:solidFill>
                   <a:schemeClr val="tx1"/>
                 </a:solidFill>
@@ -7460,7 +7461,7 @@
               </a14:hiddenLine>
             </a:ext>
             <a:ext uri="{AF507438-7753-43E0-B8FC-AC1667EBCBE1}">
-              <a14:hiddenEffects xmlns:a14="http://schemas.microsoft.com/office/drawing/2010/main">
+              <a14:hiddenEffects xmlns:a14="http://schemas.microsoft.com/office/drawing/2010/main" xmlns="">
                 <a:effectLst>
                   <a:outerShdw dist="35921" dir="2700000" algn="ctr" rotWithShape="0">
                     <a:schemeClr val="bg2"/>
@@ -7488,7 +7489,7 @@
           <p:cNvPr id="3" name="Rectangle 7">
             <a:extLst>
               <a:ext uri="{FF2B5EF4-FFF2-40B4-BE49-F238E27FC236}">
-                <a16:creationId xmlns:a16="http://schemas.microsoft.com/office/drawing/2014/main" id="{C08042F5-96DB-4FE6-B699-C1DFAB71C0C5}"/>
+                <a16:creationId xmlns:a16="http://schemas.microsoft.com/office/drawing/2014/main" xmlns="" id="{C08042F5-96DB-4FE6-B699-C1DFAB71C0C5}"/>
               </a:ext>
             </a:extLst>
           </p:cNvPr>
@@ -7512,14 +7513,14 @@
           <a:effectLst/>
           <a:extLst>
             <a:ext uri="{909E8E84-426E-40DD-AFC4-6F175D3DCCD1}">
-              <a14:hiddenFill xmlns:a14="http://schemas.microsoft.com/office/drawing/2010/main">
+              <a14:hiddenFill xmlns:a14="http://schemas.microsoft.com/office/drawing/2010/main" xmlns="">
                 <a:solidFill>
                   <a:schemeClr val="accent1"/>
                 </a:solidFill>
               </a14:hiddenFill>
             </a:ext>
             <a:ext uri="{91240B29-F687-4F45-9708-019B960494DF}">
-              <a14:hiddenLine xmlns:a14="http://schemas.microsoft.com/office/drawing/2010/main" w="9525">
+              <a14:hiddenLine xmlns:a14="http://schemas.microsoft.com/office/drawing/2010/main" xmlns="" w="9525">
                 <a:solidFill>
                   <a:schemeClr val="tx1"/>
                 </a:solidFill>
@@ -7529,7 +7530,7 @@
               </a14:hiddenLine>
             </a:ext>
             <a:ext uri="{AF507438-7753-43E0-B8FC-AC1667EBCBE1}">
-              <a14:hiddenEffects xmlns:a14="http://schemas.microsoft.com/office/drawing/2010/main">
+              <a14:hiddenEffects xmlns:a14="http://schemas.microsoft.com/office/drawing/2010/main" xmlns="">
                 <a:effectLst>
                   <a:outerShdw dist="35921" dir="2700000" algn="ctr" rotWithShape="0">
                     <a:schemeClr val="bg2"/>
@@ -7597,7 +7598,7 @@
           <p:cNvPr id="4" name="Rectangle 8">
             <a:extLst>
               <a:ext uri="{FF2B5EF4-FFF2-40B4-BE49-F238E27FC236}">
-                <a16:creationId xmlns:a16="http://schemas.microsoft.com/office/drawing/2014/main" id="{E0CBE371-8058-4503-A250-42442AAE21EC}"/>
+                <a16:creationId xmlns:a16="http://schemas.microsoft.com/office/drawing/2014/main" xmlns="" id="{E0CBE371-8058-4503-A250-42442AAE21EC}"/>
               </a:ext>
             </a:extLst>
           </p:cNvPr>
@@ -7621,14 +7622,14 @@
           <a:effectLst/>
           <a:extLst>
             <a:ext uri="{909E8E84-426E-40DD-AFC4-6F175D3DCCD1}">
-              <a14:hiddenFill xmlns:a14="http://schemas.microsoft.com/office/drawing/2010/main">
+              <a14:hiddenFill xmlns:a14="http://schemas.microsoft.com/office/drawing/2010/main" xmlns="">
                 <a:solidFill>
                   <a:schemeClr val="accent1"/>
                 </a:solidFill>
               </a14:hiddenFill>
             </a:ext>
             <a:ext uri="{91240B29-F687-4F45-9708-019B960494DF}">
-              <a14:hiddenLine xmlns:a14="http://schemas.microsoft.com/office/drawing/2010/main" w="9525">
+              <a14:hiddenLine xmlns:a14="http://schemas.microsoft.com/office/drawing/2010/main" xmlns="" w="9525">
                 <a:solidFill>
                   <a:schemeClr val="tx1"/>
                 </a:solidFill>
@@ -7638,7 +7639,7 @@
               </a14:hiddenLine>
             </a:ext>
             <a:ext uri="{AF507438-7753-43E0-B8FC-AC1667EBCBE1}">
-              <a14:hiddenEffects xmlns:a14="http://schemas.microsoft.com/office/drawing/2010/main">
+              <a14:hiddenEffects xmlns:a14="http://schemas.microsoft.com/office/drawing/2010/main" xmlns="">
                 <a:effectLst>
                   <a:outerShdw dist="35921" dir="2700000" algn="ctr" rotWithShape="0">
                     <a:schemeClr val="bg2"/>
@@ -7706,7 +7707,7 @@
           <p:cNvPr id="10" name="Rectangle 9">
             <a:extLst>
               <a:ext uri="{FF2B5EF4-FFF2-40B4-BE49-F238E27FC236}">
-                <a16:creationId xmlns:a16="http://schemas.microsoft.com/office/drawing/2014/main" id="{99468FB6-6461-4A91-9E0B-2B3FC25F715E}"/>
+                <a16:creationId xmlns:a16="http://schemas.microsoft.com/office/drawing/2014/main" xmlns="" id="{99468FB6-6461-4A91-9E0B-2B3FC25F715E}"/>
               </a:ext>
             </a:extLst>
           </p:cNvPr>
@@ -7730,14 +7731,14 @@
           <a:effectLst/>
           <a:extLst>
             <a:ext uri="{909E8E84-426E-40DD-AFC4-6F175D3DCCD1}">
-              <a14:hiddenFill xmlns:a14="http://schemas.microsoft.com/office/drawing/2010/main">
+              <a14:hiddenFill xmlns:a14="http://schemas.microsoft.com/office/drawing/2010/main" xmlns="">
                 <a:solidFill>
                   <a:schemeClr val="accent1"/>
                 </a:solidFill>
               </a14:hiddenFill>
             </a:ext>
             <a:ext uri="{91240B29-F687-4F45-9708-019B960494DF}">
-              <a14:hiddenLine xmlns:a14="http://schemas.microsoft.com/office/drawing/2010/main" w="9525">
+              <a14:hiddenLine xmlns:a14="http://schemas.microsoft.com/office/drawing/2010/main" xmlns="" w="9525">
                 <a:solidFill>
                   <a:schemeClr val="tx1"/>
                 </a:solidFill>
@@ -7747,7 +7748,7 @@
               </a14:hiddenLine>
             </a:ext>
             <a:ext uri="{AF507438-7753-43E0-B8FC-AC1667EBCBE1}">
-              <a14:hiddenEffects xmlns:a14="http://schemas.microsoft.com/office/drawing/2010/main">
+              <a14:hiddenEffects xmlns:a14="http://schemas.microsoft.com/office/drawing/2010/main" xmlns="">
                 <a:effectLst>
                   <a:outerShdw dist="35921" dir="2700000" algn="ctr" rotWithShape="0">
                     <a:schemeClr val="bg2"/>
@@ -7815,7 +7816,7 @@
           <p:cNvPr id="11" name="Rectangle 10">
             <a:extLst>
               <a:ext uri="{FF2B5EF4-FFF2-40B4-BE49-F238E27FC236}">
-                <a16:creationId xmlns:a16="http://schemas.microsoft.com/office/drawing/2014/main" id="{E4D9815E-FC57-48D4-9710-C34FDAE236EF}"/>
+                <a16:creationId xmlns:a16="http://schemas.microsoft.com/office/drawing/2014/main" xmlns="" id="{E4D9815E-FC57-48D4-9710-C34FDAE236EF}"/>
               </a:ext>
             </a:extLst>
           </p:cNvPr>
@@ -7839,14 +7840,14 @@
           <a:effectLst/>
           <a:extLst>
             <a:ext uri="{909E8E84-426E-40DD-AFC4-6F175D3DCCD1}">
-              <a14:hiddenFill xmlns:a14="http://schemas.microsoft.com/office/drawing/2010/main">
+              <a14:hiddenFill xmlns:a14="http://schemas.microsoft.com/office/drawing/2010/main" xmlns="">
                 <a:solidFill>
                   <a:schemeClr val="accent1"/>
                 </a:solidFill>
               </a14:hiddenFill>
             </a:ext>
             <a:ext uri="{91240B29-F687-4F45-9708-019B960494DF}">
-              <a14:hiddenLine xmlns:a14="http://schemas.microsoft.com/office/drawing/2010/main" w="9525">
+              <a14:hiddenLine xmlns:a14="http://schemas.microsoft.com/office/drawing/2010/main" xmlns="" w="9525">
                 <a:solidFill>
                   <a:schemeClr val="tx1"/>
                 </a:solidFill>
@@ -7856,7 +7857,7 @@
               </a14:hiddenLine>
             </a:ext>
             <a:ext uri="{AF507438-7753-43E0-B8FC-AC1667EBCBE1}">
-              <a14:hiddenEffects xmlns:a14="http://schemas.microsoft.com/office/drawing/2010/main">
+              <a14:hiddenEffects xmlns:a14="http://schemas.microsoft.com/office/drawing/2010/main" xmlns="">
                 <a:effectLst>
                   <a:outerShdw dist="35921" dir="2700000" algn="ctr" rotWithShape="0">
                     <a:schemeClr val="bg2"/>
@@ -7922,7 +7923,7 @@
     </p:spTree>
     <p:extLst>
       <p:ext uri="{BB962C8B-B14F-4D97-AF65-F5344CB8AC3E}">
-        <p14:creationId xmlns:p14="http://schemas.microsoft.com/office/powerpoint/2010/main" val="3496225061"/>
+        <p14:creationId xmlns:p14="http://schemas.microsoft.com/office/powerpoint/2010/main" xmlns="" val="3496225061"/>
       </p:ext>
     </p:extLst>
   </p:cSld>
@@ -7954,7 +7955,7 @@
           <p:cNvPr id="2" name="Titolo 1">
             <a:extLst>
               <a:ext uri="{FF2B5EF4-FFF2-40B4-BE49-F238E27FC236}">
-                <a16:creationId xmlns:a16="http://schemas.microsoft.com/office/drawing/2014/main" id="{27DE7282-AE7E-472D-8672-9E1189329188}"/>
+                <a16:creationId xmlns:a16="http://schemas.microsoft.com/office/drawing/2014/main" xmlns="" id="{27DE7282-AE7E-472D-8672-9E1189329188}"/>
               </a:ext>
             </a:extLst>
           </p:cNvPr>
@@ -7996,7 +7997,7 @@
           <p:cNvPr id="3" name="Segnaposto contenuto 2">
             <a:extLst>
               <a:ext uri="{FF2B5EF4-FFF2-40B4-BE49-F238E27FC236}">
-                <a16:creationId xmlns:a16="http://schemas.microsoft.com/office/drawing/2014/main" id="{CFAC3122-428C-490C-856C-A6D8B422D33B}"/>
+                <a16:creationId xmlns:a16="http://schemas.microsoft.com/office/drawing/2014/main" xmlns="" id="{CFAC3122-428C-490C-856C-A6D8B422D33B}"/>
               </a:ext>
             </a:extLst>
           </p:cNvPr>
@@ -8207,6 +8208,13 @@
               </a:rPr>
               <a:t>immatricolati coorte 2013 - produttività fino ad aprile 2017</a:t>
             </a:r>
+            <a:r>
+              <a:rPr lang="it-IT" dirty="0">
+                <a:latin typeface="Courier New" panose="02070309020205020404" pitchFamily="49" charset="0"/>
+                <a:cs typeface="Courier New" panose="02070309020205020404" pitchFamily="49" charset="0"/>
+              </a:rPr>
+              <a:t/>
+            </a:r>
             <a:br>
               <a:rPr lang="it-IT" dirty="0">
                 <a:latin typeface="Courier New" panose="02070309020205020404" pitchFamily="49" charset="0"/>
@@ -8229,7 +8237,7 @@
     </p:spTree>
     <p:extLst>
       <p:ext uri="{BB962C8B-B14F-4D97-AF65-F5344CB8AC3E}">
-        <p14:creationId xmlns:p14="http://schemas.microsoft.com/office/powerpoint/2010/main" val="4194171762"/>
+        <p14:creationId xmlns:p14="http://schemas.microsoft.com/office/powerpoint/2010/main" xmlns="" val="4194171762"/>
       </p:ext>
     </p:extLst>
   </p:cSld>
@@ -8261,7 +8269,7 @@
           <p:cNvPr id="8" name="Segnaposto contenuto 2">
             <a:extLst>
               <a:ext uri="{FF2B5EF4-FFF2-40B4-BE49-F238E27FC236}">
-                <a16:creationId xmlns:a16="http://schemas.microsoft.com/office/drawing/2014/main" id="{C2E44FE5-CCA1-4E8F-905A-F2F5CDF25092}"/>
+                <a16:creationId xmlns:a16="http://schemas.microsoft.com/office/drawing/2014/main" xmlns="" id="{C2E44FE5-CCA1-4E8F-905A-F2F5CDF25092}"/>
               </a:ext>
             </a:extLst>
           </p:cNvPr>
@@ -8337,7 +8345,7 @@
           <p:cNvPr id="9" name="Segnaposto contenuto 2">
             <a:extLst>
               <a:ext uri="{FF2B5EF4-FFF2-40B4-BE49-F238E27FC236}">
-                <a16:creationId xmlns:a16="http://schemas.microsoft.com/office/drawing/2014/main" id="{89886170-B615-43F8-AA8E-D5565391C42A}"/>
+                <a16:creationId xmlns:a16="http://schemas.microsoft.com/office/drawing/2014/main" xmlns="" id="{89886170-B615-43F8-AA8E-D5565391C42A}"/>
               </a:ext>
             </a:extLst>
           </p:cNvPr>
@@ -8520,7 +8528,7 @@
           <p:cNvPr id="7" name="Titolo 1">
             <a:extLst>
               <a:ext uri="{FF2B5EF4-FFF2-40B4-BE49-F238E27FC236}">
-                <a16:creationId xmlns:a16="http://schemas.microsoft.com/office/drawing/2014/main" id="{588E765D-4A18-43EC-9070-BBB19613F406}"/>
+                <a16:creationId xmlns:a16="http://schemas.microsoft.com/office/drawing/2014/main" xmlns="" id="{588E765D-4A18-43EC-9070-BBB19613F406}"/>
               </a:ext>
             </a:extLst>
           </p:cNvPr>
@@ -8556,7 +8564,7 @@
           <p:cNvPr id="6" name="Titolo 1">
             <a:extLst>
               <a:ext uri="{FF2B5EF4-FFF2-40B4-BE49-F238E27FC236}">
-                <a16:creationId xmlns:a16="http://schemas.microsoft.com/office/drawing/2014/main" id="{32602169-0966-4893-B032-33CFCD986CA0}"/>
+                <a16:creationId xmlns:a16="http://schemas.microsoft.com/office/drawing/2014/main" xmlns="" id="{32602169-0966-4893-B032-33CFCD986CA0}"/>
               </a:ext>
             </a:extLst>
           </p:cNvPr>
@@ -8624,7 +8632,7 @@
           <p:cNvPr id="2" name="Rectangle 6">
             <a:extLst>
               <a:ext uri="{FF2B5EF4-FFF2-40B4-BE49-F238E27FC236}">
-                <a16:creationId xmlns:a16="http://schemas.microsoft.com/office/drawing/2014/main" id="{FC5724C9-24A0-4B40-9A3A-FE717EF7AA55}"/>
+                <a16:creationId xmlns:a16="http://schemas.microsoft.com/office/drawing/2014/main" xmlns="" id="{FC5724C9-24A0-4B40-9A3A-FE717EF7AA55}"/>
               </a:ext>
             </a:extLst>
           </p:cNvPr>
@@ -8648,14 +8656,14 @@
           <a:effectLst/>
           <a:extLst>
             <a:ext uri="{909E8E84-426E-40DD-AFC4-6F175D3DCCD1}">
-              <a14:hiddenFill xmlns:a14="http://schemas.microsoft.com/office/drawing/2010/main">
+              <a14:hiddenFill xmlns:a14="http://schemas.microsoft.com/office/drawing/2010/main" xmlns="">
                 <a:solidFill>
                   <a:schemeClr val="accent1"/>
                 </a:solidFill>
               </a14:hiddenFill>
             </a:ext>
             <a:ext uri="{91240B29-F687-4F45-9708-019B960494DF}">
-              <a14:hiddenLine xmlns:a14="http://schemas.microsoft.com/office/drawing/2010/main" w="9525">
+              <a14:hiddenLine xmlns:a14="http://schemas.microsoft.com/office/drawing/2010/main" xmlns="" w="9525">
                 <a:solidFill>
                   <a:schemeClr val="tx1"/>
                 </a:solidFill>
@@ -8665,7 +8673,7 @@
               </a14:hiddenLine>
             </a:ext>
             <a:ext uri="{AF507438-7753-43E0-B8FC-AC1667EBCBE1}">
-              <a14:hiddenEffects xmlns:a14="http://schemas.microsoft.com/office/drawing/2010/main">
+              <a14:hiddenEffects xmlns:a14="http://schemas.microsoft.com/office/drawing/2010/main" xmlns="">
                 <a:effectLst>
                   <a:outerShdw dist="35921" dir="2700000" algn="ctr" rotWithShape="0">
                     <a:schemeClr val="bg2"/>
@@ -8693,7 +8701,7 @@
           <p:cNvPr id="3" name="Rectangle 7">
             <a:extLst>
               <a:ext uri="{FF2B5EF4-FFF2-40B4-BE49-F238E27FC236}">
-                <a16:creationId xmlns:a16="http://schemas.microsoft.com/office/drawing/2014/main" id="{C08042F5-96DB-4FE6-B699-C1DFAB71C0C5}"/>
+                <a16:creationId xmlns:a16="http://schemas.microsoft.com/office/drawing/2014/main" xmlns="" id="{C08042F5-96DB-4FE6-B699-C1DFAB71C0C5}"/>
               </a:ext>
             </a:extLst>
           </p:cNvPr>
@@ -8717,14 +8725,14 @@
           <a:effectLst/>
           <a:extLst>
             <a:ext uri="{909E8E84-426E-40DD-AFC4-6F175D3DCCD1}">
-              <a14:hiddenFill xmlns:a14="http://schemas.microsoft.com/office/drawing/2010/main">
+              <a14:hiddenFill xmlns:a14="http://schemas.microsoft.com/office/drawing/2010/main" xmlns="">
                 <a:solidFill>
                   <a:schemeClr val="accent1"/>
                 </a:solidFill>
               </a14:hiddenFill>
             </a:ext>
             <a:ext uri="{91240B29-F687-4F45-9708-019B960494DF}">
-              <a14:hiddenLine xmlns:a14="http://schemas.microsoft.com/office/drawing/2010/main" w="9525">
+              <a14:hiddenLine xmlns:a14="http://schemas.microsoft.com/office/drawing/2010/main" xmlns="" w="9525">
                 <a:solidFill>
                   <a:schemeClr val="tx1"/>
                 </a:solidFill>
@@ -8734,7 +8742,7 @@
               </a14:hiddenLine>
             </a:ext>
             <a:ext uri="{AF507438-7753-43E0-B8FC-AC1667EBCBE1}">
-              <a14:hiddenEffects xmlns:a14="http://schemas.microsoft.com/office/drawing/2010/main">
+              <a14:hiddenEffects xmlns:a14="http://schemas.microsoft.com/office/drawing/2010/main" xmlns="">
                 <a:effectLst>
                   <a:outerShdw dist="35921" dir="2700000" algn="ctr" rotWithShape="0">
                     <a:schemeClr val="bg2"/>
@@ -8802,7 +8810,7 @@
           <p:cNvPr id="4" name="Rectangle 8">
             <a:extLst>
               <a:ext uri="{FF2B5EF4-FFF2-40B4-BE49-F238E27FC236}">
-                <a16:creationId xmlns:a16="http://schemas.microsoft.com/office/drawing/2014/main" id="{E0CBE371-8058-4503-A250-42442AAE21EC}"/>
+                <a16:creationId xmlns:a16="http://schemas.microsoft.com/office/drawing/2014/main" xmlns="" id="{E0CBE371-8058-4503-A250-42442AAE21EC}"/>
               </a:ext>
             </a:extLst>
           </p:cNvPr>
@@ -8826,14 +8834,14 @@
           <a:effectLst/>
           <a:extLst>
             <a:ext uri="{909E8E84-426E-40DD-AFC4-6F175D3DCCD1}">
-              <a14:hiddenFill xmlns:a14="http://schemas.microsoft.com/office/drawing/2010/main">
+              <a14:hiddenFill xmlns:a14="http://schemas.microsoft.com/office/drawing/2010/main" xmlns="">
                 <a:solidFill>
                   <a:schemeClr val="accent1"/>
                 </a:solidFill>
               </a14:hiddenFill>
             </a:ext>
             <a:ext uri="{91240B29-F687-4F45-9708-019B960494DF}">
-              <a14:hiddenLine xmlns:a14="http://schemas.microsoft.com/office/drawing/2010/main" w="9525">
+              <a14:hiddenLine xmlns:a14="http://schemas.microsoft.com/office/drawing/2010/main" xmlns="" w="9525">
                 <a:solidFill>
                   <a:schemeClr val="tx1"/>
                 </a:solidFill>
@@ -8843,7 +8851,7 @@
               </a14:hiddenLine>
             </a:ext>
             <a:ext uri="{AF507438-7753-43E0-B8FC-AC1667EBCBE1}">
-              <a14:hiddenEffects xmlns:a14="http://schemas.microsoft.com/office/drawing/2010/main">
+              <a14:hiddenEffects xmlns:a14="http://schemas.microsoft.com/office/drawing/2010/main" xmlns="">
                 <a:effectLst>
                   <a:outerShdw dist="35921" dir="2700000" algn="ctr" rotWithShape="0">
                     <a:schemeClr val="bg2"/>
@@ -8911,7 +8919,7 @@
           <p:cNvPr id="10" name="Rectangle 9">
             <a:extLst>
               <a:ext uri="{FF2B5EF4-FFF2-40B4-BE49-F238E27FC236}">
-                <a16:creationId xmlns:a16="http://schemas.microsoft.com/office/drawing/2014/main" id="{99468FB6-6461-4A91-9E0B-2B3FC25F715E}"/>
+                <a16:creationId xmlns:a16="http://schemas.microsoft.com/office/drawing/2014/main" xmlns="" id="{99468FB6-6461-4A91-9E0B-2B3FC25F715E}"/>
               </a:ext>
             </a:extLst>
           </p:cNvPr>
@@ -8935,14 +8943,14 @@
           <a:effectLst/>
           <a:extLst>
             <a:ext uri="{909E8E84-426E-40DD-AFC4-6F175D3DCCD1}">
-              <a14:hiddenFill xmlns:a14="http://schemas.microsoft.com/office/drawing/2010/main">
+              <a14:hiddenFill xmlns:a14="http://schemas.microsoft.com/office/drawing/2010/main" xmlns="">
                 <a:solidFill>
                   <a:schemeClr val="accent1"/>
                 </a:solidFill>
               </a14:hiddenFill>
             </a:ext>
             <a:ext uri="{91240B29-F687-4F45-9708-019B960494DF}">
-              <a14:hiddenLine xmlns:a14="http://schemas.microsoft.com/office/drawing/2010/main" w="9525">
+              <a14:hiddenLine xmlns:a14="http://schemas.microsoft.com/office/drawing/2010/main" xmlns="" w="9525">
                 <a:solidFill>
                   <a:schemeClr val="tx1"/>
                 </a:solidFill>
@@ -8952,7 +8960,7 @@
               </a14:hiddenLine>
             </a:ext>
             <a:ext uri="{AF507438-7753-43E0-B8FC-AC1667EBCBE1}">
-              <a14:hiddenEffects xmlns:a14="http://schemas.microsoft.com/office/drawing/2010/main">
+              <a14:hiddenEffects xmlns:a14="http://schemas.microsoft.com/office/drawing/2010/main" xmlns="">
                 <a:effectLst>
                   <a:outerShdw dist="35921" dir="2700000" algn="ctr" rotWithShape="0">
                     <a:schemeClr val="bg2"/>
@@ -9020,7 +9028,7 @@
           <p:cNvPr id="11" name="Rectangle 10">
             <a:extLst>
               <a:ext uri="{FF2B5EF4-FFF2-40B4-BE49-F238E27FC236}">
-                <a16:creationId xmlns:a16="http://schemas.microsoft.com/office/drawing/2014/main" id="{E4D9815E-FC57-48D4-9710-C34FDAE236EF}"/>
+                <a16:creationId xmlns:a16="http://schemas.microsoft.com/office/drawing/2014/main" xmlns="" id="{E4D9815E-FC57-48D4-9710-C34FDAE236EF}"/>
               </a:ext>
             </a:extLst>
           </p:cNvPr>
@@ -9044,14 +9052,14 @@
           <a:effectLst/>
           <a:extLst>
             <a:ext uri="{909E8E84-426E-40DD-AFC4-6F175D3DCCD1}">
-              <a14:hiddenFill xmlns:a14="http://schemas.microsoft.com/office/drawing/2010/main">
+              <a14:hiddenFill xmlns:a14="http://schemas.microsoft.com/office/drawing/2010/main" xmlns="">
                 <a:solidFill>
                   <a:schemeClr val="accent1"/>
                 </a:solidFill>
               </a14:hiddenFill>
             </a:ext>
             <a:ext uri="{91240B29-F687-4F45-9708-019B960494DF}">
-              <a14:hiddenLine xmlns:a14="http://schemas.microsoft.com/office/drawing/2010/main" w="9525">
+              <a14:hiddenLine xmlns:a14="http://schemas.microsoft.com/office/drawing/2010/main" xmlns="" w="9525">
                 <a:solidFill>
                   <a:schemeClr val="tx1"/>
                 </a:solidFill>
@@ -9061,7 +9069,7 @@
               </a14:hiddenLine>
             </a:ext>
             <a:ext uri="{AF507438-7753-43E0-B8FC-AC1667EBCBE1}">
-              <a14:hiddenEffects xmlns:a14="http://schemas.microsoft.com/office/drawing/2010/main">
+              <a14:hiddenEffects xmlns:a14="http://schemas.microsoft.com/office/drawing/2010/main" xmlns="">
                 <a:effectLst>
                   <a:outerShdw dist="35921" dir="2700000" algn="ctr" rotWithShape="0">
                     <a:schemeClr val="bg2"/>
@@ -9127,7 +9135,7 @@
     </p:spTree>
     <p:extLst>
       <p:ext uri="{BB962C8B-B14F-4D97-AF65-F5344CB8AC3E}">
-        <p14:creationId xmlns:p14="http://schemas.microsoft.com/office/powerpoint/2010/main" val="661209224"/>
+        <p14:creationId xmlns:p14="http://schemas.microsoft.com/office/powerpoint/2010/main" xmlns="" val="661209224"/>
       </p:ext>
     </p:extLst>
   </p:cSld>
@@ -9159,7 +9167,7 @@
           <p:cNvPr id="2" name="Titolo 1">
             <a:extLst>
               <a:ext uri="{FF2B5EF4-FFF2-40B4-BE49-F238E27FC236}">
-                <a16:creationId xmlns:a16="http://schemas.microsoft.com/office/drawing/2014/main" id="{C344F19F-376F-4BFE-8DCC-729DB34448C6}"/>
+                <a16:creationId xmlns:a16="http://schemas.microsoft.com/office/drawing/2014/main" xmlns="" id="{C344F19F-376F-4BFE-8DCC-729DB34448C6}"/>
               </a:ext>
             </a:extLst>
           </p:cNvPr>
@@ -9227,7 +9235,7 @@
           <p:cNvPr id="4" name="Immagine 3">
             <a:extLst>
               <a:ext uri="{FF2B5EF4-FFF2-40B4-BE49-F238E27FC236}">
-                <a16:creationId xmlns:a16="http://schemas.microsoft.com/office/drawing/2014/main" id="{F4900E39-D326-4961-A676-A7CB1548AA48}"/>
+                <a16:creationId xmlns:a16="http://schemas.microsoft.com/office/drawing/2014/main" xmlns="" id="{F4900E39-D326-4961-A676-A7CB1548AA48}"/>
               </a:ext>
             </a:extLst>
           </p:cNvPr>
@@ -9256,7 +9264,7 @@
           <p:cNvPr id="5" name="CasellaDiTesto 4">
             <a:extLst>
               <a:ext uri="{FF2B5EF4-FFF2-40B4-BE49-F238E27FC236}">
-                <a16:creationId xmlns:a16="http://schemas.microsoft.com/office/drawing/2014/main" id="{7874969C-F4FA-477B-8991-D590C8411ED4}"/>
+                <a16:creationId xmlns:a16="http://schemas.microsoft.com/office/drawing/2014/main" xmlns="" id="{7874969C-F4FA-477B-8991-D590C8411ED4}"/>
               </a:ext>
             </a:extLst>
           </p:cNvPr>
@@ -9332,7 +9340,7 @@
     </p:spTree>
     <p:extLst>
       <p:ext uri="{BB962C8B-B14F-4D97-AF65-F5344CB8AC3E}">
-        <p14:creationId xmlns:p14="http://schemas.microsoft.com/office/powerpoint/2010/main" val="900000085"/>
+        <p14:creationId xmlns:p14="http://schemas.microsoft.com/office/powerpoint/2010/main" xmlns="" val="900000085"/>
       </p:ext>
     </p:extLst>
   </p:cSld>
@@ -9364,7 +9372,7 @@
           <p:cNvPr id="2" name="Titolo 1">
             <a:extLst>
               <a:ext uri="{FF2B5EF4-FFF2-40B4-BE49-F238E27FC236}">
-                <a16:creationId xmlns:a16="http://schemas.microsoft.com/office/drawing/2014/main" id="{C344F19F-376F-4BFE-8DCC-729DB34448C6}"/>
+                <a16:creationId xmlns:a16="http://schemas.microsoft.com/office/drawing/2014/main" xmlns="" id="{C344F19F-376F-4BFE-8DCC-729DB34448C6}"/>
               </a:ext>
             </a:extLst>
           </p:cNvPr>
@@ -9432,7 +9440,7 @@
           <p:cNvPr id="5" name="CasellaDiTesto 4">
             <a:extLst>
               <a:ext uri="{FF2B5EF4-FFF2-40B4-BE49-F238E27FC236}">
-                <a16:creationId xmlns:a16="http://schemas.microsoft.com/office/drawing/2014/main" id="{7874969C-F4FA-477B-8991-D590C8411ED4}"/>
+                <a16:creationId xmlns:a16="http://schemas.microsoft.com/office/drawing/2014/main" xmlns="" id="{7874969C-F4FA-477B-8991-D590C8411ED4}"/>
               </a:ext>
             </a:extLst>
           </p:cNvPr>
@@ -9532,7 +9540,7 @@
           <p:cNvPr id="6" name="Immagine 5">
             <a:extLst>
               <a:ext uri="{FF2B5EF4-FFF2-40B4-BE49-F238E27FC236}">
-                <a16:creationId xmlns:a16="http://schemas.microsoft.com/office/drawing/2014/main" id="{9458EE13-47D6-4D9A-8717-496F591F06B8}"/>
+                <a16:creationId xmlns:a16="http://schemas.microsoft.com/office/drawing/2014/main" xmlns="" id="{9458EE13-47D6-4D9A-8717-496F591F06B8}"/>
               </a:ext>
             </a:extLst>
           </p:cNvPr>
@@ -9559,7 +9567,7 @@
     </p:spTree>
     <p:extLst>
       <p:ext uri="{BB962C8B-B14F-4D97-AF65-F5344CB8AC3E}">
-        <p14:creationId xmlns:p14="http://schemas.microsoft.com/office/powerpoint/2010/main" val="3744216129"/>
+        <p14:creationId xmlns:p14="http://schemas.microsoft.com/office/powerpoint/2010/main" xmlns="" val="3744216129"/>
       </p:ext>
     </p:extLst>
   </p:cSld>
@@ -9591,7 +9599,7 @@
           <p:cNvPr id="2" name="Titolo 1">
             <a:extLst>
               <a:ext uri="{FF2B5EF4-FFF2-40B4-BE49-F238E27FC236}">
-                <a16:creationId xmlns:a16="http://schemas.microsoft.com/office/drawing/2014/main" id="{C344F19F-376F-4BFE-8DCC-729DB34448C6}"/>
+                <a16:creationId xmlns:a16="http://schemas.microsoft.com/office/drawing/2014/main" xmlns="" id="{C344F19F-376F-4BFE-8DCC-729DB34448C6}"/>
               </a:ext>
             </a:extLst>
           </p:cNvPr>
@@ -9659,7 +9667,7 @@
           <p:cNvPr id="5" name="CasellaDiTesto 4">
             <a:extLst>
               <a:ext uri="{FF2B5EF4-FFF2-40B4-BE49-F238E27FC236}">
-                <a16:creationId xmlns:a16="http://schemas.microsoft.com/office/drawing/2014/main" id="{7874969C-F4FA-477B-8991-D590C8411ED4}"/>
+                <a16:creationId xmlns:a16="http://schemas.microsoft.com/office/drawing/2014/main" xmlns="" id="{7874969C-F4FA-477B-8991-D590C8411ED4}"/>
               </a:ext>
             </a:extLst>
           </p:cNvPr>
@@ -9733,7 +9741,7 @@
           <p:cNvPr id="7" name="Immagine 6">
             <a:extLst>
               <a:ext uri="{FF2B5EF4-FFF2-40B4-BE49-F238E27FC236}">
-                <a16:creationId xmlns:a16="http://schemas.microsoft.com/office/drawing/2014/main" id="{620D3825-6CEE-4DC3-80C0-2B4DE9BAFB11}"/>
+                <a16:creationId xmlns:a16="http://schemas.microsoft.com/office/drawing/2014/main" xmlns="" id="{620D3825-6CEE-4DC3-80C0-2B4DE9BAFB11}"/>
               </a:ext>
             </a:extLst>
           </p:cNvPr>
@@ -9760,7 +9768,7 @@
     </p:spTree>
     <p:extLst>
       <p:ext uri="{BB962C8B-B14F-4D97-AF65-F5344CB8AC3E}">
-        <p14:creationId xmlns:p14="http://schemas.microsoft.com/office/powerpoint/2010/main" val="610790509"/>
+        <p14:creationId xmlns:p14="http://schemas.microsoft.com/office/powerpoint/2010/main" xmlns="" val="610790509"/>
       </p:ext>
     </p:extLst>
   </p:cSld>
@@ -9792,7 +9800,7 @@
           <p:cNvPr id="3" name="Titolo 1">
             <a:extLst>
               <a:ext uri="{FF2B5EF4-FFF2-40B4-BE49-F238E27FC236}">
-                <a16:creationId xmlns:a16="http://schemas.microsoft.com/office/drawing/2014/main" id="{9E74EE39-EA32-4246-BC63-84D8E46682AC}"/>
+                <a16:creationId xmlns:a16="http://schemas.microsoft.com/office/drawing/2014/main" xmlns="" id="{9E74EE39-EA32-4246-BC63-84D8E46682AC}"/>
               </a:ext>
             </a:extLst>
           </p:cNvPr>
@@ -9860,7 +9868,7 @@
           <p:cNvPr id="4" name="Immagine 3">
             <a:extLst>
               <a:ext uri="{FF2B5EF4-FFF2-40B4-BE49-F238E27FC236}">
-                <a16:creationId xmlns:a16="http://schemas.microsoft.com/office/drawing/2014/main" id="{DDAB6CB2-835E-4883-A81D-1C56D77A1786}"/>
+                <a16:creationId xmlns:a16="http://schemas.microsoft.com/office/drawing/2014/main" xmlns="" id="{DDAB6CB2-835E-4883-A81D-1C56D77A1786}"/>
               </a:ext>
             </a:extLst>
           </p:cNvPr>
@@ -9887,7 +9895,7 @@
     </p:spTree>
     <p:extLst>
       <p:ext uri="{BB962C8B-B14F-4D97-AF65-F5344CB8AC3E}">
-        <p14:creationId xmlns:p14="http://schemas.microsoft.com/office/powerpoint/2010/main" val="2780798289"/>
+        <p14:creationId xmlns:p14="http://schemas.microsoft.com/office/powerpoint/2010/main" xmlns="" val="2780798289"/>
       </p:ext>
     </p:extLst>
   </p:cSld>
@@ -9919,7 +9927,7 @@
           <p:cNvPr id="5" name="Titolo 1">
             <a:extLst>
               <a:ext uri="{FF2B5EF4-FFF2-40B4-BE49-F238E27FC236}">
-                <a16:creationId xmlns:a16="http://schemas.microsoft.com/office/drawing/2014/main" id="{C10C2703-479C-4CF4-AAB8-5A2255C45AF9}"/>
+                <a16:creationId xmlns:a16="http://schemas.microsoft.com/office/drawing/2014/main" xmlns="" id="{C10C2703-479C-4CF4-AAB8-5A2255C45AF9}"/>
               </a:ext>
             </a:extLst>
           </p:cNvPr>
@@ -9987,7 +9995,7 @@
           <p:cNvPr id="6" name="Immagine 5">
             <a:extLst>
               <a:ext uri="{FF2B5EF4-FFF2-40B4-BE49-F238E27FC236}">
-                <a16:creationId xmlns:a16="http://schemas.microsoft.com/office/drawing/2014/main" id="{7B230C2C-FFE4-446A-9950-E9347D7D05AB}"/>
+                <a16:creationId xmlns:a16="http://schemas.microsoft.com/office/drawing/2014/main" xmlns="" id="{7B230C2C-FFE4-446A-9950-E9347D7D05AB}"/>
               </a:ext>
             </a:extLst>
           </p:cNvPr>
@@ -10016,7 +10024,7 @@
           <p:cNvPr id="8" name="CasellaDiTesto 7">
             <a:extLst>
               <a:ext uri="{FF2B5EF4-FFF2-40B4-BE49-F238E27FC236}">
-                <a16:creationId xmlns:a16="http://schemas.microsoft.com/office/drawing/2014/main" id="{8834E3B8-21D8-45DE-8FE9-9B887BB61C46}"/>
+                <a16:creationId xmlns:a16="http://schemas.microsoft.com/office/drawing/2014/main" xmlns="" id="{8834E3B8-21D8-45DE-8FE9-9B887BB61C46}"/>
               </a:ext>
             </a:extLst>
           </p:cNvPr>
@@ -10050,7 +10058,7 @@
     </p:spTree>
     <p:extLst>
       <p:ext uri="{BB962C8B-B14F-4D97-AF65-F5344CB8AC3E}">
-        <p14:creationId xmlns:p14="http://schemas.microsoft.com/office/powerpoint/2010/main" val="3418713670"/>
+        <p14:creationId xmlns:p14="http://schemas.microsoft.com/office/powerpoint/2010/main" xmlns="" val="3418713670"/>
       </p:ext>
     </p:extLst>
   </p:cSld>
@@ -10082,7 +10090,7 @@
           <p:cNvPr id="5" name="Titolo 1">
             <a:extLst>
               <a:ext uri="{FF2B5EF4-FFF2-40B4-BE49-F238E27FC236}">
-                <a16:creationId xmlns:a16="http://schemas.microsoft.com/office/drawing/2014/main" id="{C10C2703-479C-4CF4-AAB8-5A2255C45AF9}"/>
+                <a16:creationId xmlns:a16="http://schemas.microsoft.com/office/drawing/2014/main" xmlns="" id="{C10C2703-479C-4CF4-AAB8-5A2255C45AF9}"/>
               </a:ext>
             </a:extLst>
           </p:cNvPr>
@@ -10150,7 +10158,7 @@
           <p:cNvPr id="8" name="CasellaDiTesto 7">
             <a:extLst>
               <a:ext uri="{FF2B5EF4-FFF2-40B4-BE49-F238E27FC236}">
-                <a16:creationId xmlns:a16="http://schemas.microsoft.com/office/drawing/2014/main" id="{8834E3B8-21D8-45DE-8FE9-9B887BB61C46}"/>
+                <a16:creationId xmlns:a16="http://schemas.microsoft.com/office/drawing/2014/main" xmlns="" id="{8834E3B8-21D8-45DE-8FE9-9B887BB61C46}"/>
               </a:ext>
             </a:extLst>
           </p:cNvPr>
@@ -10231,7 +10239,7 @@
           <p:cNvPr id="3" name="Immagine 2">
             <a:extLst>
               <a:ext uri="{FF2B5EF4-FFF2-40B4-BE49-F238E27FC236}">
-                <a16:creationId xmlns:a16="http://schemas.microsoft.com/office/drawing/2014/main" id="{46AE51FB-8A1D-4822-A152-48C2F3ACE934}"/>
+                <a16:creationId xmlns:a16="http://schemas.microsoft.com/office/drawing/2014/main" xmlns="" id="{46AE51FB-8A1D-4822-A152-48C2F3ACE934}"/>
               </a:ext>
             </a:extLst>
           </p:cNvPr>
@@ -10260,7 +10268,7 @@
           <p:cNvPr id="4" name="Immagine 3">
             <a:extLst>
               <a:ext uri="{FF2B5EF4-FFF2-40B4-BE49-F238E27FC236}">
-                <a16:creationId xmlns:a16="http://schemas.microsoft.com/office/drawing/2014/main" id="{385FEB4C-BBD5-48F4-848A-17A28F5B1A67}"/>
+                <a16:creationId xmlns:a16="http://schemas.microsoft.com/office/drawing/2014/main" xmlns="" id="{385FEB4C-BBD5-48F4-848A-17A28F5B1A67}"/>
               </a:ext>
             </a:extLst>
           </p:cNvPr>
@@ -10290,7 +10298,7 @@
           <p:cNvPr id="7" name="CasellaDiTesto 6">
             <a:extLst>
               <a:ext uri="{FF2B5EF4-FFF2-40B4-BE49-F238E27FC236}">
-                <a16:creationId xmlns:a16="http://schemas.microsoft.com/office/drawing/2014/main" id="{326F753B-F4BC-49D8-A98B-ADE5E730E776}"/>
+                <a16:creationId xmlns:a16="http://schemas.microsoft.com/office/drawing/2014/main" xmlns="" id="{326F753B-F4BC-49D8-A98B-ADE5E730E776}"/>
               </a:ext>
             </a:extLst>
           </p:cNvPr>
@@ -10369,7 +10377,7 @@
     </p:spTree>
     <p:extLst>
       <p:ext uri="{BB962C8B-B14F-4D97-AF65-F5344CB8AC3E}">
-        <p14:creationId xmlns:p14="http://schemas.microsoft.com/office/powerpoint/2010/main" val="230562184"/>
+        <p14:creationId xmlns:p14="http://schemas.microsoft.com/office/powerpoint/2010/main" xmlns="" val="230562184"/>
       </p:ext>
     </p:extLst>
   </p:cSld>
@@ -10401,7 +10409,7 @@
           <p:cNvPr id="3" name="Titolo 1">
             <a:extLst>
               <a:ext uri="{FF2B5EF4-FFF2-40B4-BE49-F238E27FC236}">
-                <a16:creationId xmlns:a16="http://schemas.microsoft.com/office/drawing/2014/main" id="{9E74EE39-EA32-4246-BC63-84D8E46682AC}"/>
+                <a16:creationId xmlns:a16="http://schemas.microsoft.com/office/drawing/2014/main" xmlns="" id="{9E74EE39-EA32-4246-BC63-84D8E46682AC}"/>
               </a:ext>
             </a:extLst>
           </p:cNvPr>
@@ -10469,7 +10477,7 @@
           <p:cNvPr id="5" name="Immagine 4">
             <a:extLst>
               <a:ext uri="{FF2B5EF4-FFF2-40B4-BE49-F238E27FC236}">
-                <a16:creationId xmlns:a16="http://schemas.microsoft.com/office/drawing/2014/main" id="{B4B3C881-0701-4521-8412-982149D31A0D}"/>
+                <a16:creationId xmlns:a16="http://schemas.microsoft.com/office/drawing/2014/main" xmlns="" id="{B4B3C881-0701-4521-8412-982149D31A0D}"/>
               </a:ext>
             </a:extLst>
           </p:cNvPr>
@@ -10498,7 +10506,7 @@
           <p:cNvPr id="6" name="CasellaDiTesto 5">
             <a:extLst>
               <a:ext uri="{FF2B5EF4-FFF2-40B4-BE49-F238E27FC236}">
-                <a16:creationId xmlns:a16="http://schemas.microsoft.com/office/drawing/2014/main" id="{08DE6B2F-C638-43AA-B074-2F2BE8803629}"/>
+                <a16:creationId xmlns:a16="http://schemas.microsoft.com/office/drawing/2014/main" xmlns="" id="{08DE6B2F-C638-43AA-B074-2F2BE8803629}"/>
               </a:ext>
             </a:extLst>
           </p:cNvPr>
@@ -10549,7 +10557,7 @@
     </p:spTree>
     <p:extLst>
       <p:ext uri="{BB962C8B-B14F-4D97-AF65-F5344CB8AC3E}">
-        <p14:creationId xmlns:p14="http://schemas.microsoft.com/office/powerpoint/2010/main" val="1638393315"/>
+        <p14:creationId xmlns:p14="http://schemas.microsoft.com/office/powerpoint/2010/main" xmlns="" val="1638393315"/>
       </p:ext>
     </p:extLst>
   </p:cSld>
@@ -10581,7 +10589,7 @@
           <p:cNvPr id="3" name="Titolo 1">
             <a:extLst>
               <a:ext uri="{FF2B5EF4-FFF2-40B4-BE49-F238E27FC236}">
-                <a16:creationId xmlns:a16="http://schemas.microsoft.com/office/drawing/2014/main" id="{9E74EE39-EA32-4246-BC63-84D8E46682AC}"/>
+                <a16:creationId xmlns:a16="http://schemas.microsoft.com/office/drawing/2014/main" xmlns="" id="{9E74EE39-EA32-4246-BC63-84D8E46682AC}"/>
               </a:ext>
             </a:extLst>
           </p:cNvPr>
@@ -10656,7 +10664,7 @@
           <a:blip r:embed="rId2">
             <a:extLst>
               <a:ext uri="{28A0092B-C50C-407E-A947-70E740481C1C}">
-                <a14:useLocalDpi xmlns:a14="http://schemas.microsoft.com/office/drawing/2010/main" val="0"/>
+                <a14:useLocalDpi xmlns:a14="http://schemas.microsoft.com/office/drawing/2010/main" xmlns="" val="0"/>
               </a:ext>
             </a:extLst>
           </a:blip>
@@ -10678,7 +10686,7 @@
           <p:cNvPr id="7" name="CasellaDiTesto 6">
             <a:extLst>
               <a:ext uri="{FF2B5EF4-FFF2-40B4-BE49-F238E27FC236}">
-                <a16:creationId xmlns:a16="http://schemas.microsoft.com/office/drawing/2014/main" id="{8834E3B8-21D8-45DE-8FE9-9B887BB61C46}"/>
+                <a16:creationId xmlns:a16="http://schemas.microsoft.com/office/drawing/2014/main" xmlns="" id="{8834E3B8-21D8-45DE-8FE9-9B887BB61C46}"/>
               </a:ext>
             </a:extLst>
           </p:cNvPr>
@@ -10727,7 +10735,7 @@
     </p:spTree>
     <p:extLst>
       <p:ext uri="{BB962C8B-B14F-4D97-AF65-F5344CB8AC3E}">
-        <p14:creationId xmlns:p14="http://schemas.microsoft.com/office/powerpoint/2010/main" val="82586595"/>
+        <p14:creationId xmlns:p14="http://schemas.microsoft.com/office/powerpoint/2010/main" xmlns="" val="82586595"/>
       </p:ext>
     </p:extLst>
   </p:cSld>
@@ -10759,7 +10767,7 @@
           <p:cNvPr id="3" name="Titolo 1">
             <a:extLst>
               <a:ext uri="{FF2B5EF4-FFF2-40B4-BE49-F238E27FC236}">
-                <a16:creationId xmlns:a16="http://schemas.microsoft.com/office/drawing/2014/main" id="{9E74EE39-EA32-4246-BC63-84D8E46682AC}"/>
+                <a16:creationId xmlns:a16="http://schemas.microsoft.com/office/drawing/2014/main" xmlns="" id="{9E74EE39-EA32-4246-BC63-84D8E46682AC}"/>
               </a:ext>
             </a:extLst>
           </p:cNvPr>
@@ -10834,7 +10842,7 @@
           <a:blip r:embed="rId2">
             <a:extLst>
               <a:ext uri="{28A0092B-C50C-407E-A947-70E740481C1C}">
-                <a14:useLocalDpi xmlns:a14="http://schemas.microsoft.com/office/drawing/2010/main" val="0"/>
+                <a14:useLocalDpi xmlns:a14="http://schemas.microsoft.com/office/drawing/2010/main" xmlns="" val="0"/>
               </a:ext>
             </a:extLst>
           </a:blip>
@@ -10930,7 +10938,7 @@
     </p:spTree>
     <p:extLst>
       <p:ext uri="{BB962C8B-B14F-4D97-AF65-F5344CB8AC3E}">
-        <p14:creationId xmlns:p14="http://schemas.microsoft.com/office/powerpoint/2010/main" val="2219589939"/>
+        <p14:creationId xmlns:p14="http://schemas.microsoft.com/office/powerpoint/2010/main" xmlns="" val="2219589939"/>
       </p:ext>
     </p:extLst>
   </p:cSld>
@@ -10962,7 +10970,7 @@
           <p:cNvPr id="4" name="Segnaposto contenuto 3">
             <a:extLst>
               <a:ext uri="{FF2B5EF4-FFF2-40B4-BE49-F238E27FC236}">
-                <a16:creationId xmlns:a16="http://schemas.microsoft.com/office/drawing/2014/main" id="{03B2811F-5DE8-42D1-8BA0-DFADE2068770}"/>
+                <a16:creationId xmlns:a16="http://schemas.microsoft.com/office/drawing/2014/main" xmlns="" id="{03B2811F-5DE8-42D1-8BA0-DFADE2068770}"/>
               </a:ext>
             </a:extLst>
           </p:cNvPr>
@@ -10972,7 +10980,7 @@
           <p:nvPr>
             <p:extLst>
               <p:ext uri="{D42A27DB-BD31-4B8C-83A1-F6EECF244321}">
-                <p14:modId xmlns:p14="http://schemas.microsoft.com/office/powerpoint/2010/main" val="2417831910"/>
+                <p14:modId xmlns:p14="http://schemas.microsoft.com/office/powerpoint/2010/main" xmlns="" val="2417831910"/>
               </p:ext>
             </p:extLst>
           </p:nvPr>
@@ -10991,70 +10999,70 @@
                 <a:gridCol w="623214">
                   <a:extLst>
                     <a:ext uri="{9D8B030D-6E8A-4147-A177-3AD203B41FA5}">
-                      <a16:colId xmlns:a16="http://schemas.microsoft.com/office/drawing/2014/main" val="807059028"/>
+                      <a16:colId xmlns:a16="http://schemas.microsoft.com/office/drawing/2014/main" xmlns="" val="807059028"/>
                     </a:ext>
                   </a:extLst>
                 </a:gridCol>
                 <a:gridCol w="537674">
                   <a:extLst>
                     <a:ext uri="{9D8B030D-6E8A-4147-A177-3AD203B41FA5}">
-                      <a16:colId xmlns:a16="http://schemas.microsoft.com/office/drawing/2014/main" val="3957048853"/>
+                      <a16:colId xmlns:a16="http://schemas.microsoft.com/office/drawing/2014/main" xmlns="" val="3957048853"/>
                     </a:ext>
                   </a:extLst>
                 </a:gridCol>
                 <a:gridCol w="782072">
                   <a:extLst>
                     <a:ext uri="{9D8B030D-6E8A-4147-A177-3AD203B41FA5}">
-                      <a16:colId xmlns:a16="http://schemas.microsoft.com/office/drawing/2014/main" val="3530217452"/>
+                      <a16:colId xmlns:a16="http://schemas.microsoft.com/office/drawing/2014/main" xmlns="" val="3530217452"/>
                     </a:ext>
                   </a:extLst>
                 </a:gridCol>
                 <a:gridCol w="1050908">
                   <a:extLst>
                     <a:ext uri="{9D8B030D-6E8A-4147-A177-3AD203B41FA5}">
-                      <a16:colId xmlns:a16="http://schemas.microsoft.com/office/drawing/2014/main" val="2216707341"/>
+                      <a16:colId xmlns:a16="http://schemas.microsoft.com/office/drawing/2014/main" xmlns="" val="2216707341"/>
                     </a:ext>
                   </a:extLst>
                 </a:gridCol>
                 <a:gridCol w="818731">
                   <a:extLst>
                     <a:ext uri="{9D8B030D-6E8A-4147-A177-3AD203B41FA5}">
-                      <a16:colId xmlns:a16="http://schemas.microsoft.com/office/drawing/2014/main" val="958190292"/>
+                      <a16:colId xmlns:a16="http://schemas.microsoft.com/office/drawing/2014/main" xmlns="" val="958190292"/>
                     </a:ext>
                   </a:extLst>
                 </a:gridCol>
                 <a:gridCol w="366596">
                   <a:extLst>
                     <a:ext uri="{9D8B030D-6E8A-4147-A177-3AD203B41FA5}">
-                      <a16:colId xmlns:a16="http://schemas.microsoft.com/office/drawing/2014/main" val="424608249"/>
+                      <a16:colId xmlns:a16="http://schemas.microsoft.com/office/drawing/2014/main" xmlns="" val="424608249"/>
                     </a:ext>
                   </a:extLst>
                 </a:gridCol>
                 <a:gridCol w="724028">
                   <a:extLst>
                     <a:ext uri="{9D8B030D-6E8A-4147-A177-3AD203B41FA5}">
-                      <a16:colId xmlns:a16="http://schemas.microsoft.com/office/drawing/2014/main" val="1424326084"/>
+                      <a16:colId xmlns:a16="http://schemas.microsoft.com/office/drawing/2014/main" xmlns="" val="1424326084"/>
                     </a:ext>
                   </a:extLst>
                 </a:gridCol>
                 <a:gridCol w="366596">
                   <a:extLst>
                     <a:ext uri="{9D8B030D-6E8A-4147-A177-3AD203B41FA5}">
-                      <a16:colId xmlns:a16="http://schemas.microsoft.com/office/drawing/2014/main" val="3392580486"/>
+                      <a16:colId xmlns:a16="http://schemas.microsoft.com/office/drawing/2014/main" xmlns="" val="3392580486"/>
                     </a:ext>
                   </a:extLst>
                 </a:gridCol>
                 <a:gridCol w="724028">
                   <a:extLst>
                     <a:ext uri="{9D8B030D-6E8A-4147-A177-3AD203B41FA5}">
-                      <a16:colId xmlns:a16="http://schemas.microsoft.com/office/drawing/2014/main" val="1129838862"/>
+                      <a16:colId xmlns:a16="http://schemas.microsoft.com/office/drawing/2014/main" xmlns="" val="1129838862"/>
                     </a:ext>
                   </a:extLst>
                 </a:gridCol>
                 <a:gridCol w="378816">
                   <a:extLst>
                     <a:ext uri="{9D8B030D-6E8A-4147-A177-3AD203B41FA5}">
-                      <a16:colId xmlns:a16="http://schemas.microsoft.com/office/drawing/2014/main" val="1356684913"/>
+                      <a16:colId xmlns:a16="http://schemas.microsoft.com/office/drawing/2014/main" xmlns="" val="1356684913"/>
                     </a:ext>
                   </a:extLst>
                 </a:gridCol>
@@ -11296,7 +11304,7 @@
                 </a:tc>
                 <a:extLst>
                   <a:ext uri="{0D108BD9-81ED-4DB2-BD59-A6C34878D82A}">
-                    <a16:rowId xmlns:a16="http://schemas.microsoft.com/office/drawing/2014/main" val="237637119"/>
+                    <a16:rowId xmlns:a16="http://schemas.microsoft.com/office/drawing/2014/main" xmlns="" val="237637119"/>
                   </a:ext>
                 </a:extLst>
               </a:tr>
@@ -11537,7 +11545,7 @@
                 </a:tc>
                 <a:extLst>
                   <a:ext uri="{0D108BD9-81ED-4DB2-BD59-A6C34878D82A}">
-                    <a16:rowId xmlns:a16="http://schemas.microsoft.com/office/drawing/2014/main" val="178595908"/>
+                    <a16:rowId xmlns:a16="http://schemas.microsoft.com/office/drawing/2014/main" xmlns="" val="178595908"/>
                   </a:ext>
                 </a:extLst>
               </a:tr>
@@ -11778,7 +11786,7 @@
                 </a:tc>
                 <a:extLst>
                   <a:ext uri="{0D108BD9-81ED-4DB2-BD59-A6C34878D82A}">
-                    <a16:rowId xmlns:a16="http://schemas.microsoft.com/office/drawing/2014/main" val="3483033991"/>
+                    <a16:rowId xmlns:a16="http://schemas.microsoft.com/office/drawing/2014/main" xmlns="" val="3483033991"/>
                   </a:ext>
                 </a:extLst>
               </a:tr>
@@ -12019,7 +12027,7 @@
                 </a:tc>
                 <a:extLst>
                   <a:ext uri="{0D108BD9-81ED-4DB2-BD59-A6C34878D82A}">
-                    <a16:rowId xmlns:a16="http://schemas.microsoft.com/office/drawing/2014/main" val="3226898549"/>
+                    <a16:rowId xmlns:a16="http://schemas.microsoft.com/office/drawing/2014/main" xmlns="" val="3226898549"/>
                   </a:ext>
                 </a:extLst>
               </a:tr>
@@ -12260,7 +12268,7 @@
                 </a:tc>
                 <a:extLst>
                   <a:ext uri="{0D108BD9-81ED-4DB2-BD59-A6C34878D82A}">
-                    <a16:rowId xmlns:a16="http://schemas.microsoft.com/office/drawing/2014/main" val="4100195534"/>
+                    <a16:rowId xmlns:a16="http://schemas.microsoft.com/office/drawing/2014/main" xmlns="" val="4100195534"/>
                   </a:ext>
                 </a:extLst>
               </a:tr>
@@ -12501,7 +12509,7 @@
                 </a:tc>
                 <a:extLst>
                   <a:ext uri="{0D108BD9-81ED-4DB2-BD59-A6C34878D82A}">
-                    <a16:rowId xmlns:a16="http://schemas.microsoft.com/office/drawing/2014/main" val="873627976"/>
+                    <a16:rowId xmlns:a16="http://schemas.microsoft.com/office/drawing/2014/main" xmlns="" val="873627976"/>
                   </a:ext>
                 </a:extLst>
               </a:tr>
@@ -12514,7 +12522,7 @@
           <p:cNvPr id="5" name="CasellaDiTesto 4">
             <a:extLst>
               <a:ext uri="{FF2B5EF4-FFF2-40B4-BE49-F238E27FC236}">
-                <a16:creationId xmlns:a16="http://schemas.microsoft.com/office/drawing/2014/main" id="{4839FC3D-5F35-4ED1-80D7-54F621353955}"/>
+                <a16:creationId xmlns:a16="http://schemas.microsoft.com/office/drawing/2014/main" xmlns="" id="{4839FC3D-5F35-4ED1-80D7-54F621353955}"/>
               </a:ext>
             </a:extLst>
           </p:cNvPr>
@@ -12554,7 +12562,7 @@
           <p:cNvPr id="6" name="CasellaDiTesto 5">
             <a:extLst>
               <a:ext uri="{FF2B5EF4-FFF2-40B4-BE49-F238E27FC236}">
-                <a16:creationId xmlns:a16="http://schemas.microsoft.com/office/drawing/2014/main" id="{358BE0C9-56D0-4996-A83C-BA5CB4041A73}"/>
+                <a16:creationId xmlns:a16="http://schemas.microsoft.com/office/drawing/2014/main" xmlns="" id="{358BE0C9-56D0-4996-A83C-BA5CB4041A73}"/>
               </a:ext>
             </a:extLst>
           </p:cNvPr>
@@ -12594,7 +12602,7 @@
           <p:cNvPr id="7" name="Parentesi graffa aperta 6">
             <a:extLst>
               <a:ext uri="{FF2B5EF4-FFF2-40B4-BE49-F238E27FC236}">
-                <a16:creationId xmlns:a16="http://schemas.microsoft.com/office/drawing/2014/main" id="{3812CE3F-F149-44E9-8AF6-22A08F7F5DA5}"/>
+                <a16:creationId xmlns:a16="http://schemas.microsoft.com/office/drawing/2014/main" xmlns="" id="{3812CE3F-F149-44E9-8AF6-22A08F7F5DA5}"/>
               </a:ext>
             </a:extLst>
           </p:cNvPr>
@@ -12642,7 +12650,7 @@
           <p:cNvPr id="8" name="Parentesi graffa aperta 7">
             <a:extLst>
               <a:ext uri="{FF2B5EF4-FFF2-40B4-BE49-F238E27FC236}">
-                <a16:creationId xmlns:a16="http://schemas.microsoft.com/office/drawing/2014/main" id="{490FED5E-FA7D-48B9-B708-A87236365557}"/>
+                <a16:creationId xmlns:a16="http://schemas.microsoft.com/office/drawing/2014/main" xmlns="" id="{490FED5E-FA7D-48B9-B708-A87236365557}"/>
               </a:ext>
             </a:extLst>
           </p:cNvPr>
@@ -12689,7 +12697,7 @@
           <p:cNvPr id="9" name="Parentesi graffa aperta 8">
             <a:extLst>
               <a:ext uri="{FF2B5EF4-FFF2-40B4-BE49-F238E27FC236}">
-                <a16:creationId xmlns:a16="http://schemas.microsoft.com/office/drawing/2014/main" id="{8AD44BE2-ACD6-4E6D-AC66-F9D3093A6EFF}"/>
+                <a16:creationId xmlns:a16="http://schemas.microsoft.com/office/drawing/2014/main" xmlns="" id="{8AD44BE2-ACD6-4E6D-AC66-F9D3093A6EFF}"/>
               </a:ext>
             </a:extLst>
           </p:cNvPr>
@@ -12736,7 +12744,7 @@
           <p:cNvPr id="11" name="Titolo 1">
             <a:extLst>
               <a:ext uri="{FF2B5EF4-FFF2-40B4-BE49-F238E27FC236}">
-                <a16:creationId xmlns:a16="http://schemas.microsoft.com/office/drawing/2014/main" id="{E4B142F6-989A-44B5-AF67-3A1BB4088781}"/>
+                <a16:creationId xmlns:a16="http://schemas.microsoft.com/office/drawing/2014/main" xmlns="" id="{E4B142F6-989A-44B5-AF67-3A1BB4088781}"/>
               </a:ext>
             </a:extLst>
           </p:cNvPr>
@@ -12794,7 +12802,7 @@
     </p:spTree>
     <p:extLst>
       <p:ext uri="{BB962C8B-B14F-4D97-AF65-F5344CB8AC3E}">
-        <p14:creationId xmlns:p14="http://schemas.microsoft.com/office/powerpoint/2010/main" val="352598867"/>
+        <p14:creationId xmlns:p14="http://schemas.microsoft.com/office/powerpoint/2010/main" xmlns="" val="352598867"/>
       </p:ext>
     </p:extLst>
   </p:cSld>
@@ -12826,7 +12834,7 @@
           <p:cNvPr id="8" name="Segnaposto contenuto 2">
             <a:extLst>
               <a:ext uri="{FF2B5EF4-FFF2-40B4-BE49-F238E27FC236}">
-                <a16:creationId xmlns:a16="http://schemas.microsoft.com/office/drawing/2014/main" id="{C2E44FE5-CCA1-4E8F-905A-F2F5CDF25092}"/>
+                <a16:creationId xmlns:a16="http://schemas.microsoft.com/office/drawing/2014/main" xmlns="" id="{C2E44FE5-CCA1-4E8F-905A-F2F5CDF25092}"/>
               </a:ext>
             </a:extLst>
           </p:cNvPr>
@@ -12960,7 +12968,7 @@
           <p:cNvPr id="9" name="Segnaposto contenuto 2">
             <a:extLst>
               <a:ext uri="{FF2B5EF4-FFF2-40B4-BE49-F238E27FC236}">
-                <a16:creationId xmlns:a16="http://schemas.microsoft.com/office/drawing/2014/main" id="{89886170-B615-43F8-AA8E-D5565391C42A}"/>
+                <a16:creationId xmlns:a16="http://schemas.microsoft.com/office/drawing/2014/main" xmlns="" id="{89886170-B615-43F8-AA8E-D5565391C42A}"/>
               </a:ext>
             </a:extLst>
           </p:cNvPr>
@@ -13143,7 +13151,7 @@
           <p:cNvPr id="7" name="Titolo 1">
             <a:extLst>
               <a:ext uri="{FF2B5EF4-FFF2-40B4-BE49-F238E27FC236}">
-                <a16:creationId xmlns:a16="http://schemas.microsoft.com/office/drawing/2014/main" id="{588E765D-4A18-43EC-9070-BBB19613F406}"/>
+                <a16:creationId xmlns:a16="http://schemas.microsoft.com/office/drawing/2014/main" xmlns="" id="{588E765D-4A18-43EC-9070-BBB19613F406}"/>
               </a:ext>
             </a:extLst>
           </p:cNvPr>
@@ -13179,7 +13187,7 @@
           <p:cNvPr id="6" name="Titolo 1">
             <a:extLst>
               <a:ext uri="{FF2B5EF4-FFF2-40B4-BE49-F238E27FC236}">
-                <a16:creationId xmlns:a16="http://schemas.microsoft.com/office/drawing/2014/main" id="{32602169-0966-4893-B032-33CFCD986CA0}"/>
+                <a16:creationId xmlns:a16="http://schemas.microsoft.com/office/drawing/2014/main" xmlns="" id="{32602169-0966-4893-B032-33CFCD986CA0}"/>
               </a:ext>
             </a:extLst>
           </p:cNvPr>
@@ -13247,7 +13255,7 @@
           <p:cNvPr id="2" name="Rectangle 6">
             <a:extLst>
               <a:ext uri="{FF2B5EF4-FFF2-40B4-BE49-F238E27FC236}">
-                <a16:creationId xmlns:a16="http://schemas.microsoft.com/office/drawing/2014/main" id="{FC5724C9-24A0-4B40-9A3A-FE717EF7AA55}"/>
+                <a16:creationId xmlns:a16="http://schemas.microsoft.com/office/drawing/2014/main" xmlns="" id="{FC5724C9-24A0-4B40-9A3A-FE717EF7AA55}"/>
               </a:ext>
             </a:extLst>
           </p:cNvPr>
@@ -13271,14 +13279,14 @@
           <a:effectLst/>
           <a:extLst>
             <a:ext uri="{909E8E84-426E-40DD-AFC4-6F175D3DCCD1}">
-              <a14:hiddenFill xmlns:a14="http://schemas.microsoft.com/office/drawing/2010/main">
+              <a14:hiddenFill xmlns:a14="http://schemas.microsoft.com/office/drawing/2010/main" xmlns="">
                 <a:solidFill>
                   <a:schemeClr val="accent1"/>
                 </a:solidFill>
               </a14:hiddenFill>
             </a:ext>
             <a:ext uri="{91240B29-F687-4F45-9708-019B960494DF}">
-              <a14:hiddenLine xmlns:a14="http://schemas.microsoft.com/office/drawing/2010/main" w="9525">
+              <a14:hiddenLine xmlns:a14="http://schemas.microsoft.com/office/drawing/2010/main" xmlns="" w="9525">
                 <a:solidFill>
                   <a:schemeClr val="tx1"/>
                 </a:solidFill>
@@ -13288,7 +13296,7 @@
               </a14:hiddenLine>
             </a:ext>
             <a:ext uri="{AF507438-7753-43E0-B8FC-AC1667EBCBE1}">
-              <a14:hiddenEffects xmlns:a14="http://schemas.microsoft.com/office/drawing/2010/main">
+              <a14:hiddenEffects xmlns:a14="http://schemas.microsoft.com/office/drawing/2010/main" xmlns="">
                 <a:effectLst>
                   <a:outerShdw dist="35921" dir="2700000" algn="ctr" rotWithShape="0">
                     <a:schemeClr val="bg2"/>
@@ -13316,7 +13324,7 @@
           <p:cNvPr id="3" name="Rectangle 7">
             <a:extLst>
               <a:ext uri="{FF2B5EF4-FFF2-40B4-BE49-F238E27FC236}">
-                <a16:creationId xmlns:a16="http://schemas.microsoft.com/office/drawing/2014/main" id="{C08042F5-96DB-4FE6-B699-C1DFAB71C0C5}"/>
+                <a16:creationId xmlns:a16="http://schemas.microsoft.com/office/drawing/2014/main" xmlns="" id="{C08042F5-96DB-4FE6-B699-C1DFAB71C0C5}"/>
               </a:ext>
             </a:extLst>
           </p:cNvPr>
@@ -13340,14 +13348,14 @@
           <a:effectLst/>
           <a:extLst>
             <a:ext uri="{909E8E84-426E-40DD-AFC4-6F175D3DCCD1}">
-              <a14:hiddenFill xmlns:a14="http://schemas.microsoft.com/office/drawing/2010/main">
+              <a14:hiddenFill xmlns:a14="http://schemas.microsoft.com/office/drawing/2010/main" xmlns="">
                 <a:solidFill>
                   <a:schemeClr val="accent1"/>
                 </a:solidFill>
               </a14:hiddenFill>
             </a:ext>
             <a:ext uri="{91240B29-F687-4F45-9708-019B960494DF}">
-              <a14:hiddenLine xmlns:a14="http://schemas.microsoft.com/office/drawing/2010/main" w="9525">
+              <a14:hiddenLine xmlns:a14="http://schemas.microsoft.com/office/drawing/2010/main" xmlns="" w="9525">
                 <a:solidFill>
                   <a:schemeClr val="tx1"/>
                 </a:solidFill>
@@ -13357,7 +13365,7 @@
               </a14:hiddenLine>
             </a:ext>
             <a:ext uri="{AF507438-7753-43E0-B8FC-AC1667EBCBE1}">
-              <a14:hiddenEffects xmlns:a14="http://schemas.microsoft.com/office/drawing/2010/main">
+              <a14:hiddenEffects xmlns:a14="http://schemas.microsoft.com/office/drawing/2010/main" xmlns="">
                 <a:effectLst>
                   <a:outerShdw dist="35921" dir="2700000" algn="ctr" rotWithShape="0">
                     <a:schemeClr val="bg2"/>
@@ -13425,7 +13433,7 @@
           <p:cNvPr id="4" name="Rectangle 8">
             <a:extLst>
               <a:ext uri="{FF2B5EF4-FFF2-40B4-BE49-F238E27FC236}">
-                <a16:creationId xmlns:a16="http://schemas.microsoft.com/office/drawing/2014/main" id="{E0CBE371-8058-4503-A250-42442AAE21EC}"/>
+                <a16:creationId xmlns:a16="http://schemas.microsoft.com/office/drawing/2014/main" xmlns="" id="{E0CBE371-8058-4503-A250-42442AAE21EC}"/>
               </a:ext>
             </a:extLst>
           </p:cNvPr>
@@ -13449,14 +13457,14 @@
           <a:effectLst/>
           <a:extLst>
             <a:ext uri="{909E8E84-426E-40DD-AFC4-6F175D3DCCD1}">
-              <a14:hiddenFill xmlns:a14="http://schemas.microsoft.com/office/drawing/2010/main">
+              <a14:hiddenFill xmlns:a14="http://schemas.microsoft.com/office/drawing/2010/main" xmlns="">
                 <a:solidFill>
                   <a:schemeClr val="accent1"/>
                 </a:solidFill>
               </a14:hiddenFill>
             </a:ext>
             <a:ext uri="{91240B29-F687-4F45-9708-019B960494DF}">
-              <a14:hiddenLine xmlns:a14="http://schemas.microsoft.com/office/drawing/2010/main" w="9525">
+              <a14:hiddenLine xmlns:a14="http://schemas.microsoft.com/office/drawing/2010/main" xmlns="" w="9525">
                 <a:solidFill>
                   <a:schemeClr val="tx1"/>
                 </a:solidFill>
@@ -13466,7 +13474,7 @@
               </a14:hiddenLine>
             </a:ext>
             <a:ext uri="{AF507438-7753-43E0-B8FC-AC1667EBCBE1}">
-              <a14:hiddenEffects xmlns:a14="http://schemas.microsoft.com/office/drawing/2010/main">
+              <a14:hiddenEffects xmlns:a14="http://schemas.microsoft.com/office/drawing/2010/main" xmlns="">
                 <a:effectLst>
                   <a:outerShdw dist="35921" dir="2700000" algn="ctr" rotWithShape="0">
                     <a:schemeClr val="bg2"/>
@@ -13534,7 +13542,7 @@
           <p:cNvPr id="10" name="Rectangle 9">
             <a:extLst>
               <a:ext uri="{FF2B5EF4-FFF2-40B4-BE49-F238E27FC236}">
-                <a16:creationId xmlns:a16="http://schemas.microsoft.com/office/drawing/2014/main" id="{99468FB6-6461-4A91-9E0B-2B3FC25F715E}"/>
+                <a16:creationId xmlns:a16="http://schemas.microsoft.com/office/drawing/2014/main" xmlns="" id="{99468FB6-6461-4A91-9E0B-2B3FC25F715E}"/>
               </a:ext>
             </a:extLst>
           </p:cNvPr>
@@ -13558,14 +13566,14 @@
           <a:effectLst/>
           <a:extLst>
             <a:ext uri="{909E8E84-426E-40DD-AFC4-6F175D3DCCD1}">
-              <a14:hiddenFill xmlns:a14="http://schemas.microsoft.com/office/drawing/2010/main">
+              <a14:hiddenFill xmlns:a14="http://schemas.microsoft.com/office/drawing/2010/main" xmlns="">
                 <a:solidFill>
                   <a:schemeClr val="accent1"/>
                 </a:solidFill>
               </a14:hiddenFill>
             </a:ext>
             <a:ext uri="{91240B29-F687-4F45-9708-019B960494DF}">
-              <a14:hiddenLine xmlns:a14="http://schemas.microsoft.com/office/drawing/2010/main" w="9525">
+              <a14:hiddenLine xmlns:a14="http://schemas.microsoft.com/office/drawing/2010/main" xmlns="" w="9525">
                 <a:solidFill>
                   <a:schemeClr val="tx1"/>
                 </a:solidFill>
@@ -13575,7 +13583,7 @@
               </a14:hiddenLine>
             </a:ext>
             <a:ext uri="{AF507438-7753-43E0-B8FC-AC1667EBCBE1}">
-              <a14:hiddenEffects xmlns:a14="http://schemas.microsoft.com/office/drawing/2010/main">
+              <a14:hiddenEffects xmlns:a14="http://schemas.microsoft.com/office/drawing/2010/main" xmlns="">
                 <a:effectLst>
                   <a:outerShdw dist="35921" dir="2700000" algn="ctr" rotWithShape="0">
                     <a:schemeClr val="bg2"/>
@@ -13643,7 +13651,7 @@
           <p:cNvPr id="11" name="Rectangle 10">
             <a:extLst>
               <a:ext uri="{FF2B5EF4-FFF2-40B4-BE49-F238E27FC236}">
-                <a16:creationId xmlns:a16="http://schemas.microsoft.com/office/drawing/2014/main" id="{E4D9815E-FC57-48D4-9710-C34FDAE236EF}"/>
+                <a16:creationId xmlns:a16="http://schemas.microsoft.com/office/drawing/2014/main" xmlns="" id="{E4D9815E-FC57-48D4-9710-C34FDAE236EF}"/>
               </a:ext>
             </a:extLst>
           </p:cNvPr>
@@ -13667,14 +13675,14 @@
           <a:effectLst/>
           <a:extLst>
             <a:ext uri="{909E8E84-426E-40DD-AFC4-6F175D3DCCD1}">
-              <a14:hiddenFill xmlns:a14="http://schemas.microsoft.com/office/drawing/2010/main">
+              <a14:hiddenFill xmlns:a14="http://schemas.microsoft.com/office/drawing/2010/main" xmlns="">
                 <a:solidFill>
                   <a:schemeClr val="accent1"/>
                 </a:solidFill>
               </a14:hiddenFill>
             </a:ext>
             <a:ext uri="{91240B29-F687-4F45-9708-019B960494DF}">
-              <a14:hiddenLine xmlns:a14="http://schemas.microsoft.com/office/drawing/2010/main" w="9525">
+              <a14:hiddenLine xmlns:a14="http://schemas.microsoft.com/office/drawing/2010/main" xmlns="" w="9525">
                 <a:solidFill>
                   <a:schemeClr val="tx1"/>
                 </a:solidFill>
@@ -13684,7 +13692,7 @@
               </a14:hiddenLine>
             </a:ext>
             <a:ext uri="{AF507438-7753-43E0-B8FC-AC1667EBCBE1}">
-              <a14:hiddenEffects xmlns:a14="http://schemas.microsoft.com/office/drawing/2010/main">
+              <a14:hiddenEffects xmlns:a14="http://schemas.microsoft.com/office/drawing/2010/main" xmlns="">
                 <a:effectLst>
                   <a:outerShdw dist="35921" dir="2700000" algn="ctr" rotWithShape="0">
                     <a:schemeClr val="bg2"/>
@@ -13750,7 +13758,7 @@
     </p:spTree>
     <p:extLst>
       <p:ext uri="{BB962C8B-B14F-4D97-AF65-F5344CB8AC3E}">
-        <p14:creationId xmlns:p14="http://schemas.microsoft.com/office/powerpoint/2010/main" val="1056726952"/>
+        <p14:creationId xmlns:p14="http://schemas.microsoft.com/office/powerpoint/2010/main" xmlns="" val="1056726952"/>
       </p:ext>
     </p:extLst>
   </p:cSld>
@@ -13782,7 +13790,7 @@
           <p:cNvPr id="9" name="Segnaposto contenuto 2">
             <a:extLst>
               <a:ext uri="{FF2B5EF4-FFF2-40B4-BE49-F238E27FC236}">
-                <a16:creationId xmlns:a16="http://schemas.microsoft.com/office/drawing/2014/main" id="{89886170-B615-43F8-AA8E-D5565391C42A}"/>
+                <a16:creationId xmlns:a16="http://schemas.microsoft.com/office/drawing/2014/main" xmlns="" id="{89886170-B615-43F8-AA8E-D5565391C42A}"/>
               </a:ext>
             </a:extLst>
           </p:cNvPr>
@@ -13965,7 +13973,7 @@
           <p:cNvPr id="7" name="Titolo 1">
             <a:extLst>
               <a:ext uri="{FF2B5EF4-FFF2-40B4-BE49-F238E27FC236}">
-                <a16:creationId xmlns:a16="http://schemas.microsoft.com/office/drawing/2014/main" id="{588E765D-4A18-43EC-9070-BBB19613F406}"/>
+                <a16:creationId xmlns:a16="http://schemas.microsoft.com/office/drawing/2014/main" xmlns="" id="{588E765D-4A18-43EC-9070-BBB19613F406}"/>
               </a:ext>
             </a:extLst>
           </p:cNvPr>
@@ -14001,7 +14009,7 @@
           <p:cNvPr id="6" name="Titolo 1">
             <a:extLst>
               <a:ext uri="{FF2B5EF4-FFF2-40B4-BE49-F238E27FC236}">
-                <a16:creationId xmlns:a16="http://schemas.microsoft.com/office/drawing/2014/main" id="{32602169-0966-4893-B032-33CFCD986CA0}"/>
+                <a16:creationId xmlns:a16="http://schemas.microsoft.com/office/drawing/2014/main" xmlns="" id="{32602169-0966-4893-B032-33CFCD986CA0}"/>
               </a:ext>
             </a:extLst>
           </p:cNvPr>
@@ -14062,7 +14070,7 @@
           <p:cNvPr id="2" name="Rectangle 6">
             <a:extLst>
               <a:ext uri="{FF2B5EF4-FFF2-40B4-BE49-F238E27FC236}">
-                <a16:creationId xmlns:a16="http://schemas.microsoft.com/office/drawing/2014/main" id="{FC5724C9-24A0-4B40-9A3A-FE717EF7AA55}"/>
+                <a16:creationId xmlns:a16="http://schemas.microsoft.com/office/drawing/2014/main" xmlns="" id="{FC5724C9-24A0-4B40-9A3A-FE717EF7AA55}"/>
               </a:ext>
             </a:extLst>
           </p:cNvPr>
@@ -14086,14 +14094,14 @@
           <a:effectLst/>
           <a:extLst>
             <a:ext uri="{909E8E84-426E-40DD-AFC4-6F175D3DCCD1}">
-              <a14:hiddenFill xmlns:a14="http://schemas.microsoft.com/office/drawing/2010/main">
+              <a14:hiddenFill xmlns:a14="http://schemas.microsoft.com/office/drawing/2010/main" xmlns="">
                 <a:solidFill>
                   <a:schemeClr val="accent1"/>
                 </a:solidFill>
               </a14:hiddenFill>
             </a:ext>
             <a:ext uri="{91240B29-F687-4F45-9708-019B960494DF}">
-              <a14:hiddenLine xmlns:a14="http://schemas.microsoft.com/office/drawing/2010/main" w="9525">
+              <a14:hiddenLine xmlns:a14="http://schemas.microsoft.com/office/drawing/2010/main" xmlns="" w="9525">
                 <a:solidFill>
                   <a:schemeClr val="tx1"/>
                 </a:solidFill>
@@ -14103,7 +14111,7 @@
               </a14:hiddenLine>
             </a:ext>
             <a:ext uri="{AF507438-7753-43E0-B8FC-AC1667EBCBE1}">
-              <a14:hiddenEffects xmlns:a14="http://schemas.microsoft.com/office/drawing/2010/main">
+              <a14:hiddenEffects xmlns:a14="http://schemas.microsoft.com/office/drawing/2010/main" xmlns="">
                 <a:effectLst>
                   <a:outerShdw dist="35921" dir="2700000" algn="ctr" rotWithShape="0">
                     <a:schemeClr val="bg2"/>
@@ -14131,7 +14139,7 @@
           <p:cNvPr id="3" name="Rectangle 7">
             <a:extLst>
               <a:ext uri="{FF2B5EF4-FFF2-40B4-BE49-F238E27FC236}">
-                <a16:creationId xmlns:a16="http://schemas.microsoft.com/office/drawing/2014/main" id="{C08042F5-96DB-4FE6-B699-C1DFAB71C0C5}"/>
+                <a16:creationId xmlns:a16="http://schemas.microsoft.com/office/drawing/2014/main" xmlns="" id="{C08042F5-96DB-4FE6-B699-C1DFAB71C0C5}"/>
               </a:ext>
             </a:extLst>
           </p:cNvPr>
@@ -14155,14 +14163,14 @@
           <a:effectLst/>
           <a:extLst>
             <a:ext uri="{909E8E84-426E-40DD-AFC4-6F175D3DCCD1}">
-              <a14:hiddenFill xmlns:a14="http://schemas.microsoft.com/office/drawing/2010/main">
+              <a14:hiddenFill xmlns:a14="http://schemas.microsoft.com/office/drawing/2010/main" xmlns="">
                 <a:solidFill>
                   <a:schemeClr val="accent1"/>
                 </a:solidFill>
               </a14:hiddenFill>
             </a:ext>
             <a:ext uri="{91240B29-F687-4F45-9708-019B960494DF}">
-              <a14:hiddenLine xmlns:a14="http://schemas.microsoft.com/office/drawing/2010/main" w="9525">
+              <a14:hiddenLine xmlns:a14="http://schemas.microsoft.com/office/drawing/2010/main" xmlns="" w="9525">
                 <a:solidFill>
                   <a:schemeClr val="tx1"/>
                 </a:solidFill>
@@ -14172,7 +14180,7 @@
               </a14:hiddenLine>
             </a:ext>
             <a:ext uri="{AF507438-7753-43E0-B8FC-AC1667EBCBE1}">
-              <a14:hiddenEffects xmlns:a14="http://schemas.microsoft.com/office/drawing/2010/main">
+              <a14:hiddenEffects xmlns:a14="http://schemas.microsoft.com/office/drawing/2010/main" xmlns="">
                 <a:effectLst>
                   <a:outerShdw dist="35921" dir="2700000" algn="ctr" rotWithShape="0">
                     <a:schemeClr val="bg2"/>
@@ -14240,7 +14248,7 @@
           <p:cNvPr id="4" name="Rectangle 8">
             <a:extLst>
               <a:ext uri="{FF2B5EF4-FFF2-40B4-BE49-F238E27FC236}">
-                <a16:creationId xmlns:a16="http://schemas.microsoft.com/office/drawing/2014/main" id="{E0CBE371-8058-4503-A250-42442AAE21EC}"/>
+                <a16:creationId xmlns:a16="http://schemas.microsoft.com/office/drawing/2014/main" xmlns="" id="{E0CBE371-8058-4503-A250-42442AAE21EC}"/>
               </a:ext>
             </a:extLst>
           </p:cNvPr>
@@ -14264,14 +14272,14 @@
           <a:effectLst/>
           <a:extLst>
             <a:ext uri="{909E8E84-426E-40DD-AFC4-6F175D3DCCD1}">
-              <a14:hiddenFill xmlns:a14="http://schemas.microsoft.com/office/drawing/2010/main">
+              <a14:hiddenFill xmlns:a14="http://schemas.microsoft.com/office/drawing/2010/main" xmlns="">
                 <a:solidFill>
                   <a:schemeClr val="accent1"/>
                 </a:solidFill>
               </a14:hiddenFill>
             </a:ext>
             <a:ext uri="{91240B29-F687-4F45-9708-019B960494DF}">
-              <a14:hiddenLine xmlns:a14="http://schemas.microsoft.com/office/drawing/2010/main" w="9525">
+              <a14:hiddenLine xmlns:a14="http://schemas.microsoft.com/office/drawing/2010/main" xmlns="" w="9525">
                 <a:solidFill>
                   <a:schemeClr val="tx1"/>
                 </a:solidFill>
@@ -14281,7 +14289,7 @@
               </a14:hiddenLine>
             </a:ext>
             <a:ext uri="{AF507438-7753-43E0-B8FC-AC1667EBCBE1}">
-              <a14:hiddenEffects xmlns:a14="http://schemas.microsoft.com/office/drawing/2010/main">
+              <a14:hiddenEffects xmlns:a14="http://schemas.microsoft.com/office/drawing/2010/main" xmlns="">
                 <a:effectLst>
                   <a:outerShdw dist="35921" dir="2700000" algn="ctr" rotWithShape="0">
                     <a:schemeClr val="bg2"/>
@@ -14349,7 +14357,7 @@
           <p:cNvPr id="10" name="Rectangle 9">
             <a:extLst>
               <a:ext uri="{FF2B5EF4-FFF2-40B4-BE49-F238E27FC236}">
-                <a16:creationId xmlns:a16="http://schemas.microsoft.com/office/drawing/2014/main" id="{99468FB6-6461-4A91-9E0B-2B3FC25F715E}"/>
+                <a16:creationId xmlns:a16="http://schemas.microsoft.com/office/drawing/2014/main" xmlns="" id="{99468FB6-6461-4A91-9E0B-2B3FC25F715E}"/>
               </a:ext>
             </a:extLst>
           </p:cNvPr>
@@ -14373,14 +14381,14 @@
           <a:effectLst/>
           <a:extLst>
             <a:ext uri="{909E8E84-426E-40DD-AFC4-6F175D3DCCD1}">
-              <a14:hiddenFill xmlns:a14="http://schemas.microsoft.com/office/drawing/2010/main">
+              <a14:hiddenFill xmlns:a14="http://schemas.microsoft.com/office/drawing/2010/main" xmlns="">
                 <a:solidFill>
                   <a:schemeClr val="accent1"/>
                 </a:solidFill>
               </a14:hiddenFill>
             </a:ext>
             <a:ext uri="{91240B29-F687-4F45-9708-019B960494DF}">
-              <a14:hiddenLine xmlns:a14="http://schemas.microsoft.com/office/drawing/2010/main" w="9525">
+              <a14:hiddenLine xmlns:a14="http://schemas.microsoft.com/office/drawing/2010/main" xmlns="" w="9525">
                 <a:solidFill>
                   <a:schemeClr val="tx1"/>
                 </a:solidFill>
@@ -14390,7 +14398,7 @@
               </a14:hiddenLine>
             </a:ext>
             <a:ext uri="{AF507438-7753-43E0-B8FC-AC1667EBCBE1}">
-              <a14:hiddenEffects xmlns:a14="http://schemas.microsoft.com/office/drawing/2010/main">
+              <a14:hiddenEffects xmlns:a14="http://schemas.microsoft.com/office/drawing/2010/main" xmlns="">
                 <a:effectLst>
                   <a:outerShdw dist="35921" dir="2700000" algn="ctr" rotWithShape="0">
                     <a:schemeClr val="bg2"/>
@@ -14458,7 +14466,7 @@
           <p:cNvPr id="11" name="Rectangle 10">
             <a:extLst>
               <a:ext uri="{FF2B5EF4-FFF2-40B4-BE49-F238E27FC236}">
-                <a16:creationId xmlns:a16="http://schemas.microsoft.com/office/drawing/2014/main" id="{E4D9815E-FC57-48D4-9710-C34FDAE236EF}"/>
+                <a16:creationId xmlns:a16="http://schemas.microsoft.com/office/drawing/2014/main" xmlns="" id="{E4D9815E-FC57-48D4-9710-C34FDAE236EF}"/>
               </a:ext>
             </a:extLst>
           </p:cNvPr>
@@ -14482,14 +14490,14 @@
           <a:effectLst/>
           <a:extLst>
             <a:ext uri="{909E8E84-426E-40DD-AFC4-6F175D3DCCD1}">
-              <a14:hiddenFill xmlns:a14="http://schemas.microsoft.com/office/drawing/2010/main">
+              <a14:hiddenFill xmlns:a14="http://schemas.microsoft.com/office/drawing/2010/main" xmlns="">
                 <a:solidFill>
                   <a:schemeClr val="accent1"/>
                 </a:solidFill>
               </a14:hiddenFill>
             </a:ext>
             <a:ext uri="{91240B29-F687-4F45-9708-019B960494DF}">
-              <a14:hiddenLine xmlns:a14="http://schemas.microsoft.com/office/drawing/2010/main" w="9525">
+              <a14:hiddenLine xmlns:a14="http://schemas.microsoft.com/office/drawing/2010/main" xmlns="" w="9525">
                 <a:solidFill>
                   <a:schemeClr val="tx1"/>
                 </a:solidFill>
@@ -14499,7 +14507,7 @@
               </a14:hiddenLine>
             </a:ext>
             <a:ext uri="{AF507438-7753-43E0-B8FC-AC1667EBCBE1}">
-              <a14:hiddenEffects xmlns:a14="http://schemas.microsoft.com/office/drawing/2010/main">
+              <a14:hiddenEffects xmlns:a14="http://schemas.microsoft.com/office/drawing/2010/main" xmlns="">
                 <a:effectLst>
                   <a:outerShdw dist="35921" dir="2700000" algn="ctr" rotWithShape="0">
                     <a:schemeClr val="bg2"/>
@@ -14567,7 +14575,7 @@
           <p:cNvPr id="12" name="Segnaposto contenuto 2">
             <a:extLst>
               <a:ext uri="{FF2B5EF4-FFF2-40B4-BE49-F238E27FC236}">
-                <a16:creationId xmlns:a16="http://schemas.microsoft.com/office/drawing/2014/main" id="{6B55346A-7B45-43F0-B6B4-9CFD350F7410}"/>
+                <a16:creationId xmlns:a16="http://schemas.microsoft.com/office/drawing/2014/main" xmlns="" id="{6B55346A-7B45-43F0-B6B4-9CFD350F7410}"/>
               </a:ext>
             </a:extLst>
           </p:cNvPr>
@@ -14743,7 +14751,7 @@
           <p:cNvPr id="13" name="Segnaposto contenuto 2">
             <a:extLst>
               <a:ext uri="{FF2B5EF4-FFF2-40B4-BE49-F238E27FC236}">
-                <a16:creationId xmlns:a16="http://schemas.microsoft.com/office/drawing/2014/main" id="{980E4580-A772-4A19-8FBB-C5151CC05195}"/>
+                <a16:creationId xmlns:a16="http://schemas.microsoft.com/office/drawing/2014/main" xmlns="" id="{980E4580-A772-4A19-8FBB-C5151CC05195}"/>
               </a:ext>
             </a:extLst>
           </p:cNvPr>
@@ -14880,7 +14888,7 @@
     </p:spTree>
     <p:extLst>
       <p:ext uri="{BB962C8B-B14F-4D97-AF65-F5344CB8AC3E}">
-        <p14:creationId xmlns:p14="http://schemas.microsoft.com/office/powerpoint/2010/main" val="2423480952"/>
+        <p14:creationId xmlns:p14="http://schemas.microsoft.com/office/powerpoint/2010/main" xmlns="" val="2423480952"/>
       </p:ext>
     </p:extLst>
   </p:cSld>
@@ -14912,7 +14920,7 @@
           <p:cNvPr id="8" name="Segnaposto contenuto 2">
             <a:extLst>
               <a:ext uri="{FF2B5EF4-FFF2-40B4-BE49-F238E27FC236}">
-                <a16:creationId xmlns:a16="http://schemas.microsoft.com/office/drawing/2014/main" id="{C2E44FE5-CCA1-4E8F-905A-F2F5CDF25092}"/>
+                <a16:creationId xmlns:a16="http://schemas.microsoft.com/office/drawing/2014/main" xmlns="" id="{C2E44FE5-CCA1-4E8F-905A-F2F5CDF25092}"/>
               </a:ext>
             </a:extLst>
           </p:cNvPr>
@@ -14959,7 +14967,7 @@
           <p:cNvPr id="9" name="Segnaposto contenuto 2">
             <a:extLst>
               <a:ext uri="{FF2B5EF4-FFF2-40B4-BE49-F238E27FC236}">
-                <a16:creationId xmlns:a16="http://schemas.microsoft.com/office/drawing/2014/main" id="{89886170-B615-43F8-AA8E-D5565391C42A}"/>
+                <a16:creationId xmlns:a16="http://schemas.microsoft.com/office/drawing/2014/main" xmlns="" id="{89886170-B615-43F8-AA8E-D5565391C42A}"/>
               </a:ext>
             </a:extLst>
           </p:cNvPr>
@@ -15142,7 +15150,7 @@
           <p:cNvPr id="7" name="Titolo 1">
             <a:extLst>
               <a:ext uri="{FF2B5EF4-FFF2-40B4-BE49-F238E27FC236}">
-                <a16:creationId xmlns:a16="http://schemas.microsoft.com/office/drawing/2014/main" id="{588E765D-4A18-43EC-9070-BBB19613F406}"/>
+                <a16:creationId xmlns:a16="http://schemas.microsoft.com/office/drawing/2014/main" xmlns="" id="{588E765D-4A18-43EC-9070-BBB19613F406}"/>
               </a:ext>
             </a:extLst>
           </p:cNvPr>
@@ -15188,7 +15196,7 @@
           <p:cNvPr id="2" name="Rectangle 6">
             <a:extLst>
               <a:ext uri="{FF2B5EF4-FFF2-40B4-BE49-F238E27FC236}">
-                <a16:creationId xmlns:a16="http://schemas.microsoft.com/office/drawing/2014/main" id="{FC5724C9-24A0-4B40-9A3A-FE717EF7AA55}"/>
+                <a16:creationId xmlns:a16="http://schemas.microsoft.com/office/drawing/2014/main" xmlns="" id="{FC5724C9-24A0-4B40-9A3A-FE717EF7AA55}"/>
               </a:ext>
             </a:extLst>
           </p:cNvPr>
@@ -15212,14 +15220,14 @@
           <a:effectLst/>
           <a:extLst>
             <a:ext uri="{909E8E84-426E-40DD-AFC4-6F175D3DCCD1}">
-              <a14:hiddenFill xmlns:a14="http://schemas.microsoft.com/office/drawing/2010/main">
+              <a14:hiddenFill xmlns:a14="http://schemas.microsoft.com/office/drawing/2010/main" xmlns="">
                 <a:solidFill>
                   <a:schemeClr val="accent1"/>
                 </a:solidFill>
               </a14:hiddenFill>
             </a:ext>
             <a:ext uri="{91240B29-F687-4F45-9708-019B960494DF}">
-              <a14:hiddenLine xmlns:a14="http://schemas.microsoft.com/office/drawing/2010/main" w="9525">
+              <a14:hiddenLine xmlns:a14="http://schemas.microsoft.com/office/drawing/2010/main" xmlns="" w="9525">
                 <a:solidFill>
                   <a:schemeClr val="tx1"/>
                 </a:solidFill>
@@ -15229,7 +15237,7 @@
               </a14:hiddenLine>
             </a:ext>
             <a:ext uri="{AF507438-7753-43E0-B8FC-AC1667EBCBE1}">
-              <a14:hiddenEffects xmlns:a14="http://schemas.microsoft.com/office/drawing/2010/main">
+              <a14:hiddenEffects xmlns:a14="http://schemas.microsoft.com/office/drawing/2010/main" xmlns="">
                 <a:effectLst>
                   <a:outerShdw dist="35921" dir="2700000" algn="ctr" rotWithShape="0">
                     <a:schemeClr val="bg2"/>
@@ -15257,7 +15265,7 @@
           <p:cNvPr id="3" name="Rectangle 7">
             <a:extLst>
               <a:ext uri="{FF2B5EF4-FFF2-40B4-BE49-F238E27FC236}">
-                <a16:creationId xmlns:a16="http://schemas.microsoft.com/office/drawing/2014/main" id="{C08042F5-96DB-4FE6-B699-C1DFAB71C0C5}"/>
+                <a16:creationId xmlns:a16="http://schemas.microsoft.com/office/drawing/2014/main" xmlns="" id="{C08042F5-96DB-4FE6-B699-C1DFAB71C0C5}"/>
               </a:ext>
             </a:extLst>
           </p:cNvPr>
@@ -15281,14 +15289,14 @@
           <a:effectLst/>
           <a:extLst>
             <a:ext uri="{909E8E84-426E-40DD-AFC4-6F175D3DCCD1}">
-              <a14:hiddenFill xmlns:a14="http://schemas.microsoft.com/office/drawing/2010/main">
+              <a14:hiddenFill xmlns:a14="http://schemas.microsoft.com/office/drawing/2010/main" xmlns="">
                 <a:solidFill>
                   <a:schemeClr val="accent1"/>
                 </a:solidFill>
               </a14:hiddenFill>
             </a:ext>
             <a:ext uri="{91240B29-F687-4F45-9708-019B960494DF}">
-              <a14:hiddenLine xmlns:a14="http://schemas.microsoft.com/office/drawing/2010/main" w="9525">
+              <a14:hiddenLine xmlns:a14="http://schemas.microsoft.com/office/drawing/2010/main" xmlns="" w="9525">
                 <a:solidFill>
                   <a:schemeClr val="tx1"/>
                 </a:solidFill>
@@ -15298,7 +15306,7 @@
               </a14:hiddenLine>
             </a:ext>
             <a:ext uri="{AF507438-7753-43E0-B8FC-AC1667EBCBE1}">
-              <a14:hiddenEffects xmlns:a14="http://schemas.microsoft.com/office/drawing/2010/main">
+              <a14:hiddenEffects xmlns:a14="http://schemas.microsoft.com/office/drawing/2010/main" xmlns="">
                 <a:effectLst>
                   <a:outerShdw dist="35921" dir="2700000" algn="ctr" rotWithShape="0">
                     <a:schemeClr val="bg2"/>
@@ -15366,7 +15374,7 @@
           <p:cNvPr id="4" name="Rectangle 8">
             <a:extLst>
               <a:ext uri="{FF2B5EF4-FFF2-40B4-BE49-F238E27FC236}">
-                <a16:creationId xmlns:a16="http://schemas.microsoft.com/office/drawing/2014/main" id="{E0CBE371-8058-4503-A250-42442AAE21EC}"/>
+                <a16:creationId xmlns:a16="http://schemas.microsoft.com/office/drawing/2014/main" xmlns="" id="{E0CBE371-8058-4503-A250-42442AAE21EC}"/>
               </a:ext>
             </a:extLst>
           </p:cNvPr>
@@ -15390,14 +15398,14 @@
           <a:effectLst/>
           <a:extLst>
             <a:ext uri="{909E8E84-426E-40DD-AFC4-6F175D3DCCD1}">
-              <a14:hiddenFill xmlns:a14="http://schemas.microsoft.com/office/drawing/2010/main">
+              <a14:hiddenFill xmlns:a14="http://schemas.microsoft.com/office/drawing/2010/main" xmlns="">
                 <a:solidFill>
                   <a:schemeClr val="accent1"/>
                 </a:solidFill>
               </a14:hiddenFill>
             </a:ext>
             <a:ext uri="{91240B29-F687-4F45-9708-019B960494DF}">
-              <a14:hiddenLine xmlns:a14="http://schemas.microsoft.com/office/drawing/2010/main" w="9525">
+              <a14:hiddenLine xmlns:a14="http://schemas.microsoft.com/office/drawing/2010/main" xmlns="" w="9525">
                 <a:solidFill>
                   <a:schemeClr val="tx1"/>
                 </a:solidFill>
@@ -15407,7 +15415,7 @@
               </a14:hiddenLine>
             </a:ext>
             <a:ext uri="{AF507438-7753-43E0-B8FC-AC1667EBCBE1}">
-              <a14:hiddenEffects xmlns:a14="http://schemas.microsoft.com/office/drawing/2010/main">
+              <a14:hiddenEffects xmlns:a14="http://schemas.microsoft.com/office/drawing/2010/main" xmlns="">
                 <a:effectLst>
                   <a:outerShdw dist="35921" dir="2700000" algn="ctr" rotWithShape="0">
                     <a:schemeClr val="bg2"/>
@@ -15475,7 +15483,7 @@
           <p:cNvPr id="10" name="Rectangle 9">
             <a:extLst>
               <a:ext uri="{FF2B5EF4-FFF2-40B4-BE49-F238E27FC236}">
-                <a16:creationId xmlns:a16="http://schemas.microsoft.com/office/drawing/2014/main" id="{99468FB6-6461-4A91-9E0B-2B3FC25F715E}"/>
+                <a16:creationId xmlns:a16="http://schemas.microsoft.com/office/drawing/2014/main" xmlns="" id="{99468FB6-6461-4A91-9E0B-2B3FC25F715E}"/>
               </a:ext>
             </a:extLst>
           </p:cNvPr>
@@ -15499,14 +15507,14 @@
           <a:effectLst/>
           <a:extLst>
             <a:ext uri="{909E8E84-426E-40DD-AFC4-6F175D3DCCD1}">
-              <a14:hiddenFill xmlns:a14="http://schemas.microsoft.com/office/drawing/2010/main">
+              <a14:hiddenFill xmlns:a14="http://schemas.microsoft.com/office/drawing/2010/main" xmlns="">
                 <a:solidFill>
                   <a:schemeClr val="accent1"/>
                 </a:solidFill>
               </a14:hiddenFill>
             </a:ext>
             <a:ext uri="{91240B29-F687-4F45-9708-019B960494DF}">
-              <a14:hiddenLine xmlns:a14="http://schemas.microsoft.com/office/drawing/2010/main" w="9525">
+              <a14:hiddenLine xmlns:a14="http://schemas.microsoft.com/office/drawing/2010/main" xmlns="" w="9525">
                 <a:solidFill>
                   <a:schemeClr val="tx1"/>
                 </a:solidFill>
@@ -15516,7 +15524,7 @@
               </a14:hiddenLine>
             </a:ext>
             <a:ext uri="{AF507438-7753-43E0-B8FC-AC1667EBCBE1}">
-              <a14:hiddenEffects xmlns:a14="http://schemas.microsoft.com/office/drawing/2010/main">
+              <a14:hiddenEffects xmlns:a14="http://schemas.microsoft.com/office/drawing/2010/main" xmlns="">
                 <a:effectLst>
                   <a:outerShdw dist="35921" dir="2700000" algn="ctr" rotWithShape="0">
                     <a:schemeClr val="bg2"/>
@@ -15584,7 +15592,7 @@
           <p:cNvPr id="11" name="Rectangle 10">
             <a:extLst>
               <a:ext uri="{FF2B5EF4-FFF2-40B4-BE49-F238E27FC236}">
-                <a16:creationId xmlns:a16="http://schemas.microsoft.com/office/drawing/2014/main" id="{E4D9815E-FC57-48D4-9710-C34FDAE236EF}"/>
+                <a16:creationId xmlns:a16="http://schemas.microsoft.com/office/drawing/2014/main" xmlns="" id="{E4D9815E-FC57-48D4-9710-C34FDAE236EF}"/>
               </a:ext>
             </a:extLst>
           </p:cNvPr>
@@ -15608,14 +15616,14 @@
           <a:effectLst/>
           <a:extLst>
             <a:ext uri="{909E8E84-426E-40DD-AFC4-6F175D3DCCD1}">
-              <a14:hiddenFill xmlns:a14="http://schemas.microsoft.com/office/drawing/2010/main">
+              <a14:hiddenFill xmlns:a14="http://schemas.microsoft.com/office/drawing/2010/main" xmlns="">
                 <a:solidFill>
                   <a:schemeClr val="accent1"/>
                 </a:solidFill>
               </a14:hiddenFill>
             </a:ext>
             <a:ext uri="{91240B29-F687-4F45-9708-019B960494DF}">
-              <a14:hiddenLine xmlns:a14="http://schemas.microsoft.com/office/drawing/2010/main" w="9525">
+              <a14:hiddenLine xmlns:a14="http://schemas.microsoft.com/office/drawing/2010/main" xmlns="" w="9525">
                 <a:solidFill>
                   <a:schemeClr val="tx1"/>
                 </a:solidFill>
@@ -15625,7 +15633,7 @@
               </a14:hiddenLine>
             </a:ext>
             <a:ext uri="{AF507438-7753-43E0-B8FC-AC1667EBCBE1}">
-              <a14:hiddenEffects xmlns:a14="http://schemas.microsoft.com/office/drawing/2010/main">
+              <a14:hiddenEffects xmlns:a14="http://schemas.microsoft.com/office/drawing/2010/main" xmlns="">
                 <a:effectLst>
                   <a:outerShdw dist="35921" dir="2700000" algn="ctr" rotWithShape="0">
                     <a:schemeClr val="bg2"/>
@@ -15693,7 +15701,7 @@
           <p:cNvPr id="12" name="Segnaposto contenuto 2">
             <a:extLst>
               <a:ext uri="{FF2B5EF4-FFF2-40B4-BE49-F238E27FC236}">
-                <a16:creationId xmlns:a16="http://schemas.microsoft.com/office/drawing/2014/main" id="{6B55346A-7B45-43F0-B6B4-9CFD350F7410}"/>
+                <a16:creationId xmlns:a16="http://schemas.microsoft.com/office/drawing/2014/main" xmlns="" id="{6B55346A-7B45-43F0-B6B4-9CFD350F7410}"/>
               </a:ext>
             </a:extLst>
           </p:cNvPr>
@@ -15976,7 +15984,7 @@
           <p:cNvPr id="13" name="Titolo 1">
             <a:extLst>
               <a:ext uri="{FF2B5EF4-FFF2-40B4-BE49-F238E27FC236}">
-                <a16:creationId xmlns:a16="http://schemas.microsoft.com/office/drawing/2014/main" id="{99A45114-C156-4F6A-AC08-8D30CDF758E4}"/>
+                <a16:creationId xmlns:a16="http://schemas.microsoft.com/office/drawing/2014/main" xmlns="" id="{99A45114-C156-4F6A-AC08-8D30CDF758E4}"/>
               </a:ext>
             </a:extLst>
           </p:cNvPr>
@@ -16042,7 +16050,7 @@
     </p:spTree>
     <p:extLst>
       <p:ext uri="{BB962C8B-B14F-4D97-AF65-F5344CB8AC3E}">
-        <p14:creationId xmlns:p14="http://schemas.microsoft.com/office/powerpoint/2010/main" val="1180049712"/>
+        <p14:creationId xmlns:p14="http://schemas.microsoft.com/office/powerpoint/2010/main" xmlns="" val="1180049712"/>
       </p:ext>
     </p:extLst>
   </p:cSld>
@@ -16074,7 +16082,7 @@
           <p:cNvPr id="4" name="Immagine 3">
             <a:extLst>
               <a:ext uri="{FF2B5EF4-FFF2-40B4-BE49-F238E27FC236}">
-                <a16:creationId xmlns:a16="http://schemas.microsoft.com/office/drawing/2014/main" id="{3DA46C43-4ACE-4E2E-8825-FE76A70AAF83}"/>
+                <a16:creationId xmlns:a16="http://schemas.microsoft.com/office/drawing/2014/main" xmlns="" id="{3DA46C43-4ACE-4E2E-8825-FE76A70AAF83}"/>
               </a:ext>
             </a:extLst>
           </p:cNvPr>
@@ -16103,7 +16111,7 @@
           <p:cNvPr id="5" name="CasellaDiTesto 4">
             <a:extLst>
               <a:ext uri="{FF2B5EF4-FFF2-40B4-BE49-F238E27FC236}">
-                <a16:creationId xmlns:a16="http://schemas.microsoft.com/office/drawing/2014/main" id="{BECF5BEE-81C1-430F-85B8-7A4B47CC2646}"/>
+                <a16:creationId xmlns:a16="http://schemas.microsoft.com/office/drawing/2014/main" xmlns="" id="{BECF5BEE-81C1-430F-85B8-7A4B47CC2646}"/>
               </a:ext>
             </a:extLst>
           </p:cNvPr>
@@ -16139,7 +16147,7 @@
           <p:cNvPr id="7" name="Titolo 1">
             <a:extLst>
               <a:ext uri="{FF2B5EF4-FFF2-40B4-BE49-F238E27FC236}">
-                <a16:creationId xmlns:a16="http://schemas.microsoft.com/office/drawing/2014/main" id="{48F6C17E-28BF-4CE9-B9B7-A318B8C3A351}"/>
+                <a16:creationId xmlns:a16="http://schemas.microsoft.com/office/drawing/2014/main" xmlns="" id="{48F6C17E-28BF-4CE9-B9B7-A318B8C3A351}"/>
               </a:ext>
             </a:extLst>
           </p:cNvPr>
@@ -16205,7 +16213,7 @@
     </p:spTree>
     <p:extLst>
       <p:ext uri="{BB962C8B-B14F-4D97-AF65-F5344CB8AC3E}">
-        <p14:creationId xmlns:p14="http://schemas.microsoft.com/office/powerpoint/2010/main" val="1415498825"/>
+        <p14:creationId xmlns:p14="http://schemas.microsoft.com/office/powerpoint/2010/main" xmlns="" val="1415498825"/>
       </p:ext>
     </p:extLst>
   </p:cSld>
@@ -16237,7 +16245,7 @@
           <p:cNvPr id="8" name="Segnaposto contenuto 2">
             <a:extLst>
               <a:ext uri="{FF2B5EF4-FFF2-40B4-BE49-F238E27FC236}">
-                <a16:creationId xmlns:a16="http://schemas.microsoft.com/office/drawing/2014/main" id="{C2E44FE5-CCA1-4E8F-905A-F2F5CDF25092}"/>
+                <a16:creationId xmlns:a16="http://schemas.microsoft.com/office/drawing/2014/main" xmlns="" id="{C2E44FE5-CCA1-4E8F-905A-F2F5CDF25092}"/>
               </a:ext>
             </a:extLst>
           </p:cNvPr>
@@ -16284,7 +16292,7 @@
           <p:cNvPr id="9" name="Segnaposto contenuto 2">
             <a:extLst>
               <a:ext uri="{FF2B5EF4-FFF2-40B4-BE49-F238E27FC236}">
-                <a16:creationId xmlns:a16="http://schemas.microsoft.com/office/drawing/2014/main" id="{89886170-B615-43F8-AA8E-D5565391C42A}"/>
+                <a16:creationId xmlns:a16="http://schemas.microsoft.com/office/drawing/2014/main" xmlns="" id="{89886170-B615-43F8-AA8E-D5565391C42A}"/>
               </a:ext>
             </a:extLst>
           </p:cNvPr>
@@ -16467,7 +16475,7 @@
           <p:cNvPr id="7" name="Titolo 1">
             <a:extLst>
               <a:ext uri="{FF2B5EF4-FFF2-40B4-BE49-F238E27FC236}">
-                <a16:creationId xmlns:a16="http://schemas.microsoft.com/office/drawing/2014/main" id="{588E765D-4A18-43EC-9070-BBB19613F406}"/>
+                <a16:creationId xmlns:a16="http://schemas.microsoft.com/office/drawing/2014/main" xmlns="" id="{588E765D-4A18-43EC-9070-BBB19613F406}"/>
               </a:ext>
             </a:extLst>
           </p:cNvPr>
@@ -16513,7 +16521,7 @@
           <p:cNvPr id="2" name="Rectangle 6">
             <a:extLst>
               <a:ext uri="{FF2B5EF4-FFF2-40B4-BE49-F238E27FC236}">
-                <a16:creationId xmlns:a16="http://schemas.microsoft.com/office/drawing/2014/main" id="{FC5724C9-24A0-4B40-9A3A-FE717EF7AA55}"/>
+                <a16:creationId xmlns:a16="http://schemas.microsoft.com/office/drawing/2014/main" xmlns="" id="{FC5724C9-24A0-4B40-9A3A-FE717EF7AA55}"/>
               </a:ext>
             </a:extLst>
           </p:cNvPr>
@@ -16537,14 +16545,14 @@
           <a:effectLst/>
           <a:extLst>
             <a:ext uri="{909E8E84-426E-40DD-AFC4-6F175D3DCCD1}">
-              <a14:hiddenFill xmlns:a14="http://schemas.microsoft.com/office/drawing/2010/main">
+              <a14:hiddenFill xmlns:a14="http://schemas.microsoft.com/office/drawing/2010/main" xmlns="">
                 <a:solidFill>
                   <a:schemeClr val="accent1"/>
                 </a:solidFill>
               </a14:hiddenFill>
             </a:ext>
             <a:ext uri="{91240B29-F687-4F45-9708-019B960494DF}">
-              <a14:hiddenLine xmlns:a14="http://schemas.microsoft.com/office/drawing/2010/main" w="9525">
+              <a14:hiddenLine xmlns:a14="http://schemas.microsoft.com/office/drawing/2010/main" xmlns="" w="9525">
                 <a:solidFill>
                   <a:schemeClr val="tx1"/>
                 </a:solidFill>
@@ -16554,7 +16562,7 @@
               </a14:hiddenLine>
             </a:ext>
             <a:ext uri="{AF507438-7753-43E0-B8FC-AC1667EBCBE1}">
-              <a14:hiddenEffects xmlns:a14="http://schemas.microsoft.com/office/drawing/2010/main">
+              <a14:hiddenEffects xmlns:a14="http://schemas.microsoft.com/office/drawing/2010/main" xmlns="">
                 <a:effectLst>
                   <a:outerShdw dist="35921" dir="2700000" algn="ctr" rotWithShape="0">
                     <a:schemeClr val="bg2"/>
@@ -16582,7 +16590,7 @@
           <p:cNvPr id="3" name="Rectangle 7">
             <a:extLst>
               <a:ext uri="{FF2B5EF4-FFF2-40B4-BE49-F238E27FC236}">
-                <a16:creationId xmlns:a16="http://schemas.microsoft.com/office/drawing/2014/main" id="{C08042F5-96DB-4FE6-B699-C1DFAB71C0C5}"/>
+                <a16:creationId xmlns:a16="http://schemas.microsoft.com/office/drawing/2014/main" xmlns="" id="{C08042F5-96DB-4FE6-B699-C1DFAB71C0C5}"/>
               </a:ext>
             </a:extLst>
           </p:cNvPr>
@@ -16606,14 +16614,14 @@
           <a:effectLst/>
           <a:extLst>
             <a:ext uri="{909E8E84-426E-40DD-AFC4-6F175D3DCCD1}">
-              <a14:hiddenFill xmlns:a14="http://schemas.microsoft.com/office/drawing/2010/main">
+              <a14:hiddenFill xmlns:a14="http://schemas.microsoft.com/office/drawing/2010/main" xmlns="">
                 <a:solidFill>
                   <a:schemeClr val="accent1"/>
                 </a:solidFill>
               </a14:hiddenFill>
             </a:ext>
             <a:ext uri="{91240B29-F687-4F45-9708-019B960494DF}">
-              <a14:hiddenLine xmlns:a14="http://schemas.microsoft.com/office/drawing/2010/main" w="9525">
+              <a14:hiddenLine xmlns:a14="http://schemas.microsoft.com/office/drawing/2010/main" xmlns="" w="9525">
                 <a:solidFill>
                   <a:schemeClr val="tx1"/>
                 </a:solidFill>
@@ -16623,7 +16631,7 @@
               </a14:hiddenLine>
             </a:ext>
             <a:ext uri="{AF507438-7753-43E0-B8FC-AC1667EBCBE1}">
-              <a14:hiddenEffects xmlns:a14="http://schemas.microsoft.com/office/drawing/2010/main">
+              <a14:hiddenEffects xmlns:a14="http://schemas.microsoft.com/office/drawing/2010/main" xmlns="">
                 <a:effectLst>
                   <a:outerShdw dist="35921" dir="2700000" algn="ctr" rotWithShape="0">
                     <a:schemeClr val="bg2"/>
@@ -16691,7 +16699,7 @@
           <p:cNvPr id="4" name="Rectangle 8">
             <a:extLst>
               <a:ext uri="{FF2B5EF4-FFF2-40B4-BE49-F238E27FC236}">
-                <a16:creationId xmlns:a16="http://schemas.microsoft.com/office/drawing/2014/main" id="{E0CBE371-8058-4503-A250-42442AAE21EC}"/>
+                <a16:creationId xmlns:a16="http://schemas.microsoft.com/office/drawing/2014/main" xmlns="" id="{E0CBE371-8058-4503-A250-42442AAE21EC}"/>
               </a:ext>
             </a:extLst>
           </p:cNvPr>
@@ -16715,14 +16723,14 @@
           <a:effectLst/>
           <a:extLst>
             <a:ext uri="{909E8E84-426E-40DD-AFC4-6F175D3DCCD1}">
-              <a14:hiddenFill xmlns:a14="http://schemas.microsoft.com/office/drawing/2010/main">
+              <a14:hiddenFill xmlns:a14="http://schemas.microsoft.com/office/drawing/2010/main" xmlns="">
                 <a:solidFill>
                   <a:schemeClr val="accent1"/>
                 </a:solidFill>
               </a14:hiddenFill>
             </a:ext>
             <a:ext uri="{91240B29-F687-4F45-9708-019B960494DF}">
-              <a14:hiddenLine xmlns:a14="http://schemas.microsoft.com/office/drawing/2010/main" w="9525">
+              <a14:hiddenLine xmlns:a14="http://schemas.microsoft.com/office/drawing/2010/main" xmlns="" w="9525">
                 <a:solidFill>
                   <a:schemeClr val="tx1"/>
                 </a:solidFill>
@@ -16732,7 +16740,7 @@
               </a14:hiddenLine>
             </a:ext>
             <a:ext uri="{AF507438-7753-43E0-B8FC-AC1667EBCBE1}">
-              <a14:hiddenEffects xmlns:a14="http://schemas.microsoft.com/office/drawing/2010/main">
+              <a14:hiddenEffects xmlns:a14="http://schemas.microsoft.com/office/drawing/2010/main" xmlns="">
                 <a:effectLst>
                   <a:outerShdw dist="35921" dir="2700000" algn="ctr" rotWithShape="0">
                     <a:schemeClr val="bg2"/>
@@ -16800,7 +16808,7 @@
           <p:cNvPr id="10" name="Rectangle 9">
             <a:extLst>
               <a:ext uri="{FF2B5EF4-FFF2-40B4-BE49-F238E27FC236}">
-                <a16:creationId xmlns:a16="http://schemas.microsoft.com/office/drawing/2014/main" id="{99468FB6-6461-4A91-9E0B-2B3FC25F715E}"/>
+                <a16:creationId xmlns:a16="http://schemas.microsoft.com/office/drawing/2014/main" xmlns="" id="{99468FB6-6461-4A91-9E0B-2B3FC25F715E}"/>
               </a:ext>
             </a:extLst>
           </p:cNvPr>
@@ -16824,14 +16832,14 @@
           <a:effectLst/>
           <a:extLst>
             <a:ext uri="{909E8E84-426E-40DD-AFC4-6F175D3DCCD1}">
-              <a14:hiddenFill xmlns:a14="http://schemas.microsoft.com/office/drawing/2010/main">
+              <a14:hiddenFill xmlns:a14="http://schemas.microsoft.com/office/drawing/2010/main" xmlns="">
                 <a:solidFill>
                   <a:schemeClr val="accent1"/>
                 </a:solidFill>
               </a14:hiddenFill>
             </a:ext>
             <a:ext uri="{91240B29-F687-4F45-9708-019B960494DF}">
-              <a14:hiddenLine xmlns:a14="http://schemas.microsoft.com/office/drawing/2010/main" w="9525">
+              <a14:hiddenLine xmlns:a14="http://schemas.microsoft.com/office/drawing/2010/main" xmlns="" w="9525">
                 <a:solidFill>
                   <a:schemeClr val="tx1"/>
                 </a:solidFill>
@@ -16841,7 +16849,7 @@
               </a14:hiddenLine>
             </a:ext>
             <a:ext uri="{AF507438-7753-43E0-B8FC-AC1667EBCBE1}">
-              <a14:hiddenEffects xmlns:a14="http://schemas.microsoft.com/office/drawing/2010/main">
+              <a14:hiddenEffects xmlns:a14="http://schemas.microsoft.com/office/drawing/2010/main" xmlns="">
                 <a:effectLst>
                   <a:outerShdw dist="35921" dir="2700000" algn="ctr" rotWithShape="0">
                     <a:schemeClr val="bg2"/>
@@ -16909,7 +16917,7 @@
           <p:cNvPr id="11" name="Rectangle 10">
             <a:extLst>
               <a:ext uri="{FF2B5EF4-FFF2-40B4-BE49-F238E27FC236}">
-                <a16:creationId xmlns:a16="http://schemas.microsoft.com/office/drawing/2014/main" id="{E4D9815E-FC57-48D4-9710-C34FDAE236EF}"/>
+                <a16:creationId xmlns:a16="http://schemas.microsoft.com/office/drawing/2014/main" xmlns="" id="{E4D9815E-FC57-48D4-9710-C34FDAE236EF}"/>
               </a:ext>
             </a:extLst>
           </p:cNvPr>
@@ -16933,14 +16941,14 @@
           <a:effectLst/>
           <a:extLst>
             <a:ext uri="{909E8E84-426E-40DD-AFC4-6F175D3DCCD1}">
-              <a14:hiddenFill xmlns:a14="http://schemas.microsoft.com/office/drawing/2010/main">
+              <a14:hiddenFill xmlns:a14="http://schemas.microsoft.com/office/drawing/2010/main" xmlns="">
                 <a:solidFill>
                   <a:schemeClr val="accent1"/>
                 </a:solidFill>
               </a14:hiddenFill>
             </a:ext>
             <a:ext uri="{91240B29-F687-4F45-9708-019B960494DF}">
-              <a14:hiddenLine xmlns:a14="http://schemas.microsoft.com/office/drawing/2010/main" w="9525">
+              <a14:hiddenLine xmlns:a14="http://schemas.microsoft.com/office/drawing/2010/main" xmlns="" w="9525">
                 <a:solidFill>
                   <a:schemeClr val="tx1"/>
                 </a:solidFill>
@@ -16950,7 +16958,7 @@
               </a14:hiddenLine>
             </a:ext>
             <a:ext uri="{AF507438-7753-43E0-B8FC-AC1667EBCBE1}">
-              <a14:hiddenEffects xmlns:a14="http://schemas.microsoft.com/office/drawing/2010/main">
+              <a14:hiddenEffects xmlns:a14="http://schemas.microsoft.com/office/drawing/2010/main" xmlns="">
                 <a:effectLst>
                   <a:outerShdw dist="35921" dir="2700000" algn="ctr" rotWithShape="0">
                     <a:schemeClr val="bg2"/>
@@ -17018,7 +17026,7 @@
           <p:cNvPr id="12" name="Segnaposto contenuto 2">
             <a:extLst>
               <a:ext uri="{FF2B5EF4-FFF2-40B4-BE49-F238E27FC236}">
-                <a16:creationId xmlns:a16="http://schemas.microsoft.com/office/drawing/2014/main" id="{6B55346A-7B45-43F0-B6B4-9CFD350F7410}"/>
+                <a16:creationId xmlns:a16="http://schemas.microsoft.com/office/drawing/2014/main" xmlns="" id="{6B55346A-7B45-43F0-B6B4-9CFD350F7410}"/>
               </a:ext>
             </a:extLst>
           </p:cNvPr>
@@ -17258,7 +17266,7 @@
           <p:cNvPr id="14" name="Titolo 1">
             <a:extLst>
               <a:ext uri="{FF2B5EF4-FFF2-40B4-BE49-F238E27FC236}">
-                <a16:creationId xmlns:a16="http://schemas.microsoft.com/office/drawing/2014/main" id="{74AF2697-5DC0-4CD9-9CF8-8527412089F9}"/>
+                <a16:creationId xmlns:a16="http://schemas.microsoft.com/office/drawing/2014/main" xmlns="" id="{74AF2697-5DC0-4CD9-9CF8-8527412089F9}"/>
               </a:ext>
             </a:extLst>
           </p:cNvPr>
@@ -17324,7 +17332,7 @@
     </p:spTree>
     <p:extLst>
       <p:ext uri="{BB962C8B-B14F-4D97-AF65-F5344CB8AC3E}">
-        <p14:creationId xmlns:p14="http://schemas.microsoft.com/office/powerpoint/2010/main" val="2174579880"/>
+        <p14:creationId xmlns:p14="http://schemas.microsoft.com/office/powerpoint/2010/main" xmlns="" val="2174579880"/>
       </p:ext>
     </p:extLst>
   </p:cSld>
@@ -17356,7 +17364,7 @@
           <p:cNvPr id="4" name="Immagine 3">
             <a:extLst>
               <a:ext uri="{FF2B5EF4-FFF2-40B4-BE49-F238E27FC236}">
-                <a16:creationId xmlns:a16="http://schemas.microsoft.com/office/drawing/2014/main" id="{433DA16F-D536-4619-9DCD-EF2DA640EAA3}"/>
+                <a16:creationId xmlns:a16="http://schemas.microsoft.com/office/drawing/2014/main" xmlns="" id="{433DA16F-D536-4619-9DCD-EF2DA640EAA3}"/>
               </a:ext>
             </a:extLst>
           </p:cNvPr>
@@ -17386,7 +17394,7 @@
           <p:cNvPr id="5" name="CasellaDiTesto 4">
             <a:extLst>
               <a:ext uri="{FF2B5EF4-FFF2-40B4-BE49-F238E27FC236}">
-                <a16:creationId xmlns:a16="http://schemas.microsoft.com/office/drawing/2014/main" id="{441C4DC8-3C4D-4FEC-8306-5805693390D0}"/>
+                <a16:creationId xmlns:a16="http://schemas.microsoft.com/office/drawing/2014/main" xmlns="" id="{441C4DC8-3C4D-4FEC-8306-5805693390D0}"/>
               </a:ext>
             </a:extLst>
           </p:cNvPr>
@@ -17422,7 +17430,7 @@
           <p:cNvPr id="7" name="Titolo 1">
             <a:extLst>
               <a:ext uri="{FF2B5EF4-FFF2-40B4-BE49-F238E27FC236}">
-                <a16:creationId xmlns:a16="http://schemas.microsoft.com/office/drawing/2014/main" id="{A4058E24-A699-4E88-B85B-E8AA30C62C9F}"/>
+                <a16:creationId xmlns:a16="http://schemas.microsoft.com/office/drawing/2014/main" xmlns="" id="{A4058E24-A699-4E88-B85B-E8AA30C62C9F}"/>
               </a:ext>
             </a:extLst>
           </p:cNvPr>
@@ -17488,7 +17496,7 @@
     </p:spTree>
     <p:extLst>
       <p:ext uri="{BB962C8B-B14F-4D97-AF65-F5344CB8AC3E}">
-        <p14:creationId xmlns:p14="http://schemas.microsoft.com/office/powerpoint/2010/main" val="2790463972"/>
+        <p14:creationId xmlns:p14="http://schemas.microsoft.com/office/powerpoint/2010/main" xmlns="" val="2790463972"/>
       </p:ext>
     </p:extLst>
   </p:cSld>
@@ -17520,7 +17528,7 @@
           <p:cNvPr id="8" name="Segnaposto contenuto 2">
             <a:extLst>
               <a:ext uri="{FF2B5EF4-FFF2-40B4-BE49-F238E27FC236}">
-                <a16:creationId xmlns:a16="http://schemas.microsoft.com/office/drawing/2014/main" id="{C2E44FE5-CCA1-4E8F-905A-F2F5CDF25092}"/>
+                <a16:creationId xmlns:a16="http://schemas.microsoft.com/office/drawing/2014/main" xmlns="" id="{C2E44FE5-CCA1-4E8F-905A-F2F5CDF25092}"/>
               </a:ext>
             </a:extLst>
           </p:cNvPr>
@@ -17567,7 +17575,7 @@
           <p:cNvPr id="9" name="Segnaposto contenuto 2">
             <a:extLst>
               <a:ext uri="{FF2B5EF4-FFF2-40B4-BE49-F238E27FC236}">
-                <a16:creationId xmlns:a16="http://schemas.microsoft.com/office/drawing/2014/main" id="{89886170-B615-43F8-AA8E-D5565391C42A}"/>
+                <a16:creationId xmlns:a16="http://schemas.microsoft.com/office/drawing/2014/main" xmlns="" id="{89886170-B615-43F8-AA8E-D5565391C42A}"/>
               </a:ext>
             </a:extLst>
           </p:cNvPr>
@@ -17750,7 +17758,7 @@
           <p:cNvPr id="7" name="Titolo 1">
             <a:extLst>
               <a:ext uri="{FF2B5EF4-FFF2-40B4-BE49-F238E27FC236}">
-                <a16:creationId xmlns:a16="http://schemas.microsoft.com/office/drawing/2014/main" id="{588E765D-4A18-43EC-9070-BBB19613F406}"/>
+                <a16:creationId xmlns:a16="http://schemas.microsoft.com/office/drawing/2014/main" xmlns="" id="{588E765D-4A18-43EC-9070-BBB19613F406}"/>
               </a:ext>
             </a:extLst>
           </p:cNvPr>
@@ -17796,7 +17804,7 @@
           <p:cNvPr id="2" name="Rectangle 6">
             <a:extLst>
               <a:ext uri="{FF2B5EF4-FFF2-40B4-BE49-F238E27FC236}">
-                <a16:creationId xmlns:a16="http://schemas.microsoft.com/office/drawing/2014/main" id="{FC5724C9-24A0-4B40-9A3A-FE717EF7AA55}"/>
+                <a16:creationId xmlns:a16="http://schemas.microsoft.com/office/drawing/2014/main" xmlns="" id="{FC5724C9-24A0-4B40-9A3A-FE717EF7AA55}"/>
               </a:ext>
             </a:extLst>
           </p:cNvPr>
@@ -17820,14 +17828,14 @@
           <a:effectLst/>
           <a:extLst>
             <a:ext uri="{909E8E84-426E-40DD-AFC4-6F175D3DCCD1}">
-              <a14:hiddenFill xmlns:a14="http://schemas.microsoft.com/office/drawing/2010/main">
+              <a14:hiddenFill xmlns:a14="http://schemas.microsoft.com/office/drawing/2010/main" xmlns="">
                 <a:solidFill>
                   <a:schemeClr val="accent1"/>
                 </a:solidFill>
               </a14:hiddenFill>
             </a:ext>
             <a:ext uri="{91240B29-F687-4F45-9708-019B960494DF}">
-              <a14:hiddenLine xmlns:a14="http://schemas.microsoft.com/office/drawing/2010/main" w="9525">
+              <a14:hiddenLine xmlns:a14="http://schemas.microsoft.com/office/drawing/2010/main" xmlns="" w="9525">
                 <a:solidFill>
                   <a:schemeClr val="tx1"/>
                 </a:solidFill>
@@ -17837,7 +17845,7 @@
               </a14:hiddenLine>
             </a:ext>
             <a:ext uri="{AF507438-7753-43E0-B8FC-AC1667EBCBE1}">
-              <a14:hiddenEffects xmlns:a14="http://schemas.microsoft.com/office/drawing/2010/main">
+              <a14:hiddenEffects xmlns:a14="http://schemas.microsoft.com/office/drawing/2010/main" xmlns="">
                 <a:effectLst>
                   <a:outerShdw dist="35921" dir="2700000" algn="ctr" rotWithShape="0">
                     <a:schemeClr val="bg2"/>
@@ -17865,7 +17873,7 @@
           <p:cNvPr id="3" name="Rectangle 7">
             <a:extLst>
               <a:ext uri="{FF2B5EF4-FFF2-40B4-BE49-F238E27FC236}">
-                <a16:creationId xmlns:a16="http://schemas.microsoft.com/office/drawing/2014/main" id="{C08042F5-96DB-4FE6-B699-C1DFAB71C0C5}"/>
+                <a16:creationId xmlns:a16="http://schemas.microsoft.com/office/drawing/2014/main" xmlns="" id="{C08042F5-96DB-4FE6-B699-C1DFAB71C0C5}"/>
               </a:ext>
             </a:extLst>
           </p:cNvPr>
@@ -17889,14 +17897,14 @@
           <a:effectLst/>
           <a:extLst>
             <a:ext uri="{909E8E84-426E-40DD-AFC4-6F175D3DCCD1}">
-              <a14:hiddenFill xmlns:a14="http://schemas.microsoft.com/office/drawing/2010/main">
+              <a14:hiddenFill xmlns:a14="http://schemas.microsoft.com/office/drawing/2010/main" xmlns="">
                 <a:solidFill>
                   <a:schemeClr val="accent1"/>
                 </a:solidFill>
               </a14:hiddenFill>
             </a:ext>
             <a:ext uri="{91240B29-F687-4F45-9708-019B960494DF}">
-              <a14:hiddenLine xmlns:a14="http://schemas.microsoft.com/office/drawing/2010/main" w="9525">
+              <a14:hiddenLine xmlns:a14="http://schemas.microsoft.com/office/drawing/2010/main" xmlns="" w="9525">
                 <a:solidFill>
                   <a:schemeClr val="tx1"/>
                 </a:solidFill>
@@ -17906,7 +17914,7 @@
               </a14:hiddenLine>
             </a:ext>
             <a:ext uri="{AF507438-7753-43E0-B8FC-AC1667EBCBE1}">
-              <a14:hiddenEffects xmlns:a14="http://schemas.microsoft.com/office/drawing/2010/main">
+              <a14:hiddenEffects xmlns:a14="http://schemas.microsoft.com/office/drawing/2010/main" xmlns="">
                 <a:effectLst>
                   <a:outerShdw dist="35921" dir="2700000" algn="ctr" rotWithShape="0">
                     <a:schemeClr val="bg2"/>
@@ -17974,7 +17982,7 @@
           <p:cNvPr id="4" name="Rectangle 8">
             <a:extLst>
               <a:ext uri="{FF2B5EF4-FFF2-40B4-BE49-F238E27FC236}">
-                <a16:creationId xmlns:a16="http://schemas.microsoft.com/office/drawing/2014/main" id="{E0CBE371-8058-4503-A250-42442AAE21EC}"/>
+                <a16:creationId xmlns:a16="http://schemas.microsoft.com/office/drawing/2014/main" xmlns="" id="{E0CBE371-8058-4503-A250-42442AAE21EC}"/>
               </a:ext>
             </a:extLst>
           </p:cNvPr>
@@ -17998,14 +18006,14 @@
           <a:effectLst/>
           <a:extLst>
             <a:ext uri="{909E8E84-426E-40DD-AFC4-6F175D3DCCD1}">
-              <a14:hiddenFill xmlns:a14="http://schemas.microsoft.com/office/drawing/2010/main">
+              <a14:hiddenFill xmlns:a14="http://schemas.microsoft.com/office/drawing/2010/main" xmlns="">
                 <a:solidFill>
                   <a:schemeClr val="accent1"/>
                 </a:solidFill>
               </a14:hiddenFill>
             </a:ext>
             <a:ext uri="{91240B29-F687-4F45-9708-019B960494DF}">
-              <a14:hiddenLine xmlns:a14="http://schemas.microsoft.com/office/drawing/2010/main" w="9525">
+              <a14:hiddenLine xmlns:a14="http://schemas.microsoft.com/office/drawing/2010/main" xmlns="" w="9525">
                 <a:solidFill>
                   <a:schemeClr val="tx1"/>
                 </a:solidFill>
@@ -18015,7 +18023,7 @@
               </a14:hiddenLine>
             </a:ext>
             <a:ext uri="{AF507438-7753-43E0-B8FC-AC1667EBCBE1}">
-              <a14:hiddenEffects xmlns:a14="http://schemas.microsoft.com/office/drawing/2010/main">
+              <a14:hiddenEffects xmlns:a14="http://schemas.microsoft.com/office/drawing/2010/main" xmlns="">
                 <a:effectLst>
                   <a:outerShdw dist="35921" dir="2700000" algn="ctr" rotWithShape="0">
                     <a:schemeClr val="bg2"/>
@@ -18083,7 +18091,7 @@
           <p:cNvPr id="10" name="Rectangle 9">
             <a:extLst>
               <a:ext uri="{FF2B5EF4-FFF2-40B4-BE49-F238E27FC236}">
-                <a16:creationId xmlns:a16="http://schemas.microsoft.com/office/drawing/2014/main" id="{99468FB6-6461-4A91-9E0B-2B3FC25F715E}"/>
+                <a16:creationId xmlns:a16="http://schemas.microsoft.com/office/drawing/2014/main" xmlns="" id="{99468FB6-6461-4A91-9E0B-2B3FC25F715E}"/>
               </a:ext>
             </a:extLst>
           </p:cNvPr>
@@ -18107,14 +18115,14 @@
           <a:effectLst/>
           <a:extLst>
             <a:ext uri="{909E8E84-426E-40DD-AFC4-6F175D3DCCD1}">
-              <a14:hiddenFill xmlns:a14="http://schemas.microsoft.com/office/drawing/2010/main">
+              <a14:hiddenFill xmlns:a14="http://schemas.microsoft.com/office/drawing/2010/main" xmlns="">
                 <a:solidFill>
                   <a:schemeClr val="accent1"/>
                 </a:solidFill>
               </a14:hiddenFill>
             </a:ext>
             <a:ext uri="{91240B29-F687-4F45-9708-019B960494DF}">
-              <a14:hiddenLine xmlns:a14="http://schemas.microsoft.com/office/drawing/2010/main" w="9525">
+              <a14:hiddenLine xmlns:a14="http://schemas.microsoft.com/office/drawing/2010/main" xmlns="" w="9525">
                 <a:solidFill>
                   <a:schemeClr val="tx1"/>
                 </a:solidFill>
@@ -18124,7 +18132,7 @@
               </a14:hiddenLine>
             </a:ext>
             <a:ext uri="{AF507438-7753-43E0-B8FC-AC1667EBCBE1}">
-              <a14:hiddenEffects xmlns:a14="http://schemas.microsoft.com/office/drawing/2010/main">
+              <a14:hiddenEffects xmlns:a14="http://schemas.microsoft.com/office/drawing/2010/main" xmlns="">
                 <a:effectLst>
                   <a:outerShdw dist="35921" dir="2700000" algn="ctr" rotWithShape="0">
                     <a:schemeClr val="bg2"/>
@@ -18192,7 +18200,7 @@
           <p:cNvPr id="11" name="Rectangle 10">
             <a:extLst>
               <a:ext uri="{FF2B5EF4-FFF2-40B4-BE49-F238E27FC236}">
-                <a16:creationId xmlns:a16="http://schemas.microsoft.com/office/drawing/2014/main" id="{E4D9815E-FC57-48D4-9710-C34FDAE236EF}"/>
+                <a16:creationId xmlns:a16="http://schemas.microsoft.com/office/drawing/2014/main" xmlns="" id="{E4D9815E-FC57-48D4-9710-C34FDAE236EF}"/>
               </a:ext>
             </a:extLst>
           </p:cNvPr>
@@ -18216,14 +18224,14 @@
           <a:effectLst/>
           <a:extLst>
             <a:ext uri="{909E8E84-426E-40DD-AFC4-6F175D3DCCD1}">
-              <a14:hiddenFill xmlns:a14="http://schemas.microsoft.com/office/drawing/2010/main">
+              <a14:hiddenFill xmlns:a14="http://schemas.microsoft.com/office/drawing/2010/main" xmlns="">
                 <a:solidFill>
                   <a:schemeClr val="accent1"/>
                 </a:solidFill>
               </a14:hiddenFill>
             </a:ext>
             <a:ext uri="{91240B29-F687-4F45-9708-019B960494DF}">
-              <a14:hiddenLine xmlns:a14="http://schemas.microsoft.com/office/drawing/2010/main" w="9525">
+              <a14:hiddenLine xmlns:a14="http://schemas.microsoft.com/office/drawing/2010/main" xmlns="" w="9525">
                 <a:solidFill>
                   <a:schemeClr val="tx1"/>
                 </a:solidFill>
@@ -18233,7 +18241,7 @@
               </a14:hiddenLine>
             </a:ext>
             <a:ext uri="{AF507438-7753-43E0-B8FC-AC1667EBCBE1}">
-              <a14:hiddenEffects xmlns:a14="http://schemas.microsoft.com/office/drawing/2010/main">
+              <a14:hiddenEffects xmlns:a14="http://schemas.microsoft.com/office/drawing/2010/main" xmlns="">
                 <a:effectLst>
                   <a:outerShdw dist="35921" dir="2700000" algn="ctr" rotWithShape="0">
                     <a:schemeClr val="bg2"/>
@@ -18301,7 +18309,7 @@
           <p:cNvPr id="12" name="Segnaposto contenuto 2">
             <a:extLst>
               <a:ext uri="{FF2B5EF4-FFF2-40B4-BE49-F238E27FC236}">
-                <a16:creationId xmlns:a16="http://schemas.microsoft.com/office/drawing/2014/main" id="{6B55346A-7B45-43F0-B6B4-9CFD350F7410}"/>
+                <a16:creationId xmlns:a16="http://schemas.microsoft.com/office/drawing/2014/main" xmlns="" id="{6B55346A-7B45-43F0-B6B4-9CFD350F7410}"/>
               </a:ext>
             </a:extLst>
           </p:cNvPr>
@@ -18572,7 +18580,7 @@
           <p:cNvPr id="14" name="Titolo 1">
             <a:extLst>
               <a:ext uri="{FF2B5EF4-FFF2-40B4-BE49-F238E27FC236}">
-                <a16:creationId xmlns:a16="http://schemas.microsoft.com/office/drawing/2014/main" id="{42DB3707-21C9-48D1-B7B2-B54324933659}"/>
+                <a16:creationId xmlns:a16="http://schemas.microsoft.com/office/drawing/2014/main" xmlns="" id="{42DB3707-21C9-48D1-B7B2-B54324933659}"/>
               </a:ext>
             </a:extLst>
           </p:cNvPr>
@@ -18638,7 +18646,7 @@
     </p:spTree>
     <p:extLst>
       <p:ext uri="{BB962C8B-B14F-4D97-AF65-F5344CB8AC3E}">
-        <p14:creationId xmlns:p14="http://schemas.microsoft.com/office/powerpoint/2010/main" val="594740622"/>
+        <p14:creationId xmlns:p14="http://schemas.microsoft.com/office/powerpoint/2010/main" xmlns="" val="594740622"/>
       </p:ext>
     </p:extLst>
   </p:cSld>
@@ -18670,7 +18678,7 @@
           <p:cNvPr id="4" name="Immagine 3">
             <a:extLst>
               <a:ext uri="{FF2B5EF4-FFF2-40B4-BE49-F238E27FC236}">
-                <a16:creationId xmlns:a16="http://schemas.microsoft.com/office/drawing/2014/main" id="{36645B02-7D19-47DF-AF35-6848CA195F3F}"/>
+                <a16:creationId xmlns:a16="http://schemas.microsoft.com/office/drawing/2014/main" xmlns="" id="{36645B02-7D19-47DF-AF35-6848CA195F3F}"/>
               </a:ext>
             </a:extLst>
           </p:cNvPr>
@@ -18700,7 +18708,7 @@
           <p:cNvPr id="6" name="Titolo 1">
             <a:extLst>
               <a:ext uri="{FF2B5EF4-FFF2-40B4-BE49-F238E27FC236}">
-                <a16:creationId xmlns:a16="http://schemas.microsoft.com/office/drawing/2014/main" id="{8B558D66-B033-44AA-8FAE-F1A060AFC119}"/>
+                <a16:creationId xmlns:a16="http://schemas.microsoft.com/office/drawing/2014/main" xmlns="" id="{8B558D66-B033-44AA-8FAE-F1A060AFC119}"/>
               </a:ext>
             </a:extLst>
           </p:cNvPr>
@@ -18766,7 +18774,7 @@
     </p:spTree>
     <p:extLst>
       <p:ext uri="{BB962C8B-B14F-4D97-AF65-F5344CB8AC3E}">
-        <p14:creationId xmlns:p14="http://schemas.microsoft.com/office/powerpoint/2010/main" val="1302608364"/>
+        <p14:creationId xmlns:p14="http://schemas.microsoft.com/office/powerpoint/2010/main" xmlns="" val="1302608364"/>
       </p:ext>
     </p:extLst>
   </p:cSld>
@@ -18798,7 +18806,7 @@
           <p:cNvPr id="9" name="Segnaposto contenuto 2">
             <a:extLst>
               <a:ext uri="{FF2B5EF4-FFF2-40B4-BE49-F238E27FC236}">
-                <a16:creationId xmlns:a16="http://schemas.microsoft.com/office/drawing/2014/main" id="{89886170-B615-43F8-AA8E-D5565391C42A}"/>
+                <a16:creationId xmlns:a16="http://schemas.microsoft.com/office/drawing/2014/main" xmlns="" id="{89886170-B615-43F8-AA8E-D5565391C42A}"/>
               </a:ext>
             </a:extLst>
           </p:cNvPr>
@@ -18981,7 +18989,7 @@
           <p:cNvPr id="7" name="Titolo 1">
             <a:extLst>
               <a:ext uri="{FF2B5EF4-FFF2-40B4-BE49-F238E27FC236}">
-                <a16:creationId xmlns:a16="http://schemas.microsoft.com/office/drawing/2014/main" id="{588E765D-4A18-43EC-9070-BBB19613F406}"/>
+                <a16:creationId xmlns:a16="http://schemas.microsoft.com/office/drawing/2014/main" xmlns="" id="{588E765D-4A18-43EC-9070-BBB19613F406}"/>
               </a:ext>
             </a:extLst>
           </p:cNvPr>
@@ -19021,7 +19029,7 @@
           <p:cNvPr id="6" name="Titolo 1">
             <a:extLst>
               <a:ext uri="{FF2B5EF4-FFF2-40B4-BE49-F238E27FC236}">
-                <a16:creationId xmlns:a16="http://schemas.microsoft.com/office/drawing/2014/main" id="{32602169-0966-4893-B032-33CFCD986CA0}"/>
+                <a16:creationId xmlns:a16="http://schemas.microsoft.com/office/drawing/2014/main" xmlns="" id="{32602169-0966-4893-B032-33CFCD986CA0}"/>
               </a:ext>
             </a:extLst>
           </p:cNvPr>
@@ -19082,7 +19090,7 @@
           <p:cNvPr id="2" name="Rectangle 6">
             <a:extLst>
               <a:ext uri="{FF2B5EF4-FFF2-40B4-BE49-F238E27FC236}">
-                <a16:creationId xmlns:a16="http://schemas.microsoft.com/office/drawing/2014/main" id="{FC5724C9-24A0-4B40-9A3A-FE717EF7AA55}"/>
+                <a16:creationId xmlns:a16="http://schemas.microsoft.com/office/drawing/2014/main" xmlns="" id="{FC5724C9-24A0-4B40-9A3A-FE717EF7AA55}"/>
               </a:ext>
             </a:extLst>
           </p:cNvPr>
@@ -19106,14 +19114,14 @@
           <a:effectLst/>
           <a:extLst>
             <a:ext uri="{909E8E84-426E-40DD-AFC4-6F175D3DCCD1}">
-              <a14:hiddenFill xmlns:a14="http://schemas.microsoft.com/office/drawing/2010/main">
+              <a14:hiddenFill xmlns:a14="http://schemas.microsoft.com/office/drawing/2010/main" xmlns="">
                 <a:solidFill>
                   <a:schemeClr val="accent1"/>
                 </a:solidFill>
               </a14:hiddenFill>
             </a:ext>
             <a:ext uri="{91240B29-F687-4F45-9708-019B960494DF}">
-              <a14:hiddenLine xmlns:a14="http://schemas.microsoft.com/office/drawing/2010/main" w="9525">
+              <a14:hiddenLine xmlns:a14="http://schemas.microsoft.com/office/drawing/2010/main" xmlns="" w="9525">
                 <a:solidFill>
                   <a:schemeClr val="tx1"/>
                 </a:solidFill>
@@ -19123,7 +19131,7 @@
               </a14:hiddenLine>
             </a:ext>
             <a:ext uri="{AF507438-7753-43E0-B8FC-AC1667EBCBE1}">
-              <a14:hiddenEffects xmlns:a14="http://schemas.microsoft.com/office/drawing/2010/main">
+              <a14:hiddenEffects xmlns:a14="http://schemas.microsoft.com/office/drawing/2010/main" xmlns="">
                 <a:effectLst>
                   <a:outerShdw dist="35921" dir="2700000" algn="ctr" rotWithShape="0">
                     <a:schemeClr val="bg2"/>
@@ -19151,7 +19159,7 @@
           <p:cNvPr id="3" name="Rectangle 7">
             <a:extLst>
               <a:ext uri="{FF2B5EF4-FFF2-40B4-BE49-F238E27FC236}">
-                <a16:creationId xmlns:a16="http://schemas.microsoft.com/office/drawing/2014/main" id="{C08042F5-96DB-4FE6-B699-C1DFAB71C0C5}"/>
+                <a16:creationId xmlns:a16="http://schemas.microsoft.com/office/drawing/2014/main" xmlns="" id="{C08042F5-96DB-4FE6-B699-C1DFAB71C0C5}"/>
               </a:ext>
             </a:extLst>
           </p:cNvPr>
@@ -19175,14 +19183,14 @@
           <a:effectLst/>
           <a:extLst>
             <a:ext uri="{909E8E84-426E-40DD-AFC4-6F175D3DCCD1}">
-              <a14:hiddenFill xmlns:a14="http://schemas.microsoft.com/office/drawing/2010/main">
+              <a14:hiddenFill xmlns:a14="http://schemas.microsoft.com/office/drawing/2010/main" xmlns="">
                 <a:solidFill>
                   <a:schemeClr val="accent1"/>
                 </a:solidFill>
               </a14:hiddenFill>
             </a:ext>
             <a:ext uri="{91240B29-F687-4F45-9708-019B960494DF}">
-              <a14:hiddenLine xmlns:a14="http://schemas.microsoft.com/office/drawing/2010/main" w="9525">
+              <a14:hiddenLine xmlns:a14="http://schemas.microsoft.com/office/drawing/2010/main" xmlns="" w="9525">
                 <a:solidFill>
                   <a:schemeClr val="tx1"/>
                 </a:solidFill>
@@ -19192,7 +19200,7 @@
               </a14:hiddenLine>
             </a:ext>
             <a:ext uri="{AF507438-7753-43E0-B8FC-AC1667EBCBE1}">
-              <a14:hiddenEffects xmlns:a14="http://schemas.microsoft.com/office/drawing/2010/main">
+              <a14:hiddenEffects xmlns:a14="http://schemas.microsoft.com/office/drawing/2010/main" xmlns="">
                 <a:effectLst>
                   <a:outerShdw dist="35921" dir="2700000" algn="ctr" rotWithShape="0">
                     <a:schemeClr val="bg2"/>
@@ -19260,7 +19268,7 @@
           <p:cNvPr id="4" name="Rectangle 8">
             <a:extLst>
               <a:ext uri="{FF2B5EF4-FFF2-40B4-BE49-F238E27FC236}">
-                <a16:creationId xmlns:a16="http://schemas.microsoft.com/office/drawing/2014/main" id="{E0CBE371-8058-4503-A250-42442AAE21EC}"/>
+                <a16:creationId xmlns:a16="http://schemas.microsoft.com/office/drawing/2014/main" xmlns="" id="{E0CBE371-8058-4503-A250-42442AAE21EC}"/>
               </a:ext>
             </a:extLst>
           </p:cNvPr>
@@ -19284,14 +19292,14 @@
           <a:effectLst/>
           <a:extLst>
             <a:ext uri="{909E8E84-426E-40DD-AFC4-6F175D3DCCD1}">
-              <a14:hiddenFill xmlns:a14="http://schemas.microsoft.com/office/drawing/2010/main">
+              <a14:hiddenFill xmlns:a14="http://schemas.microsoft.com/office/drawing/2010/main" xmlns="">
                 <a:solidFill>
                   <a:schemeClr val="accent1"/>
                 </a:solidFill>
               </a14:hiddenFill>
             </a:ext>
             <a:ext uri="{91240B29-F687-4F45-9708-019B960494DF}">
-              <a14:hiddenLine xmlns:a14="http://schemas.microsoft.com/office/drawing/2010/main" w="9525">
+              <a14:hiddenLine xmlns:a14="http://schemas.microsoft.com/office/drawing/2010/main" xmlns="" w="9525">
                 <a:solidFill>
                   <a:schemeClr val="tx1"/>
                 </a:solidFill>
@@ -19301,7 +19309,7 @@
               </a14:hiddenLine>
             </a:ext>
             <a:ext uri="{AF507438-7753-43E0-B8FC-AC1667EBCBE1}">
-              <a14:hiddenEffects xmlns:a14="http://schemas.microsoft.com/office/drawing/2010/main">
+              <a14:hiddenEffects xmlns:a14="http://schemas.microsoft.com/office/drawing/2010/main" xmlns="">
                 <a:effectLst>
                   <a:outerShdw dist="35921" dir="2700000" algn="ctr" rotWithShape="0">
                     <a:schemeClr val="bg2"/>
@@ -19369,7 +19377,7 @@
           <p:cNvPr id="10" name="Rectangle 9">
             <a:extLst>
               <a:ext uri="{FF2B5EF4-FFF2-40B4-BE49-F238E27FC236}">
-                <a16:creationId xmlns:a16="http://schemas.microsoft.com/office/drawing/2014/main" id="{99468FB6-6461-4A91-9E0B-2B3FC25F715E}"/>
+                <a16:creationId xmlns:a16="http://schemas.microsoft.com/office/drawing/2014/main" xmlns="" id="{99468FB6-6461-4A91-9E0B-2B3FC25F715E}"/>
               </a:ext>
             </a:extLst>
           </p:cNvPr>
@@ -19393,14 +19401,14 @@
           <a:effectLst/>
           <a:extLst>
             <a:ext uri="{909E8E84-426E-40DD-AFC4-6F175D3DCCD1}">
-              <a14:hiddenFill xmlns:a14="http://schemas.microsoft.com/office/drawing/2010/main">
+              <a14:hiddenFill xmlns:a14="http://schemas.microsoft.com/office/drawing/2010/main" xmlns="">
                 <a:solidFill>
                   <a:schemeClr val="accent1"/>
                 </a:solidFill>
               </a14:hiddenFill>
             </a:ext>
             <a:ext uri="{91240B29-F687-4F45-9708-019B960494DF}">
-              <a14:hiddenLine xmlns:a14="http://schemas.microsoft.com/office/drawing/2010/main" w="9525">
+              <a14:hiddenLine xmlns:a14="http://schemas.microsoft.com/office/drawing/2010/main" xmlns="" w="9525">
                 <a:solidFill>
                   <a:schemeClr val="tx1"/>
                 </a:solidFill>
@@ -19410,7 +19418,7 @@
               </a14:hiddenLine>
             </a:ext>
             <a:ext uri="{AF507438-7753-43E0-B8FC-AC1667EBCBE1}">
-              <a14:hiddenEffects xmlns:a14="http://schemas.microsoft.com/office/drawing/2010/main">
+              <a14:hiddenEffects xmlns:a14="http://schemas.microsoft.com/office/drawing/2010/main" xmlns="">
                 <a:effectLst>
                   <a:outerShdw dist="35921" dir="2700000" algn="ctr" rotWithShape="0">
                     <a:schemeClr val="bg2"/>
@@ -19478,7 +19486,7 @@
           <p:cNvPr id="11" name="Rectangle 10">
             <a:extLst>
               <a:ext uri="{FF2B5EF4-FFF2-40B4-BE49-F238E27FC236}">
-                <a16:creationId xmlns:a16="http://schemas.microsoft.com/office/drawing/2014/main" id="{E4D9815E-FC57-48D4-9710-C34FDAE236EF}"/>
+                <a16:creationId xmlns:a16="http://schemas.microsoft.com/office/drawing/2014/main" xmlns="" id="{E4D9815E-FC57-48D4-9710-C34FDAE236EF}"/>
               </a:ext>
             </a:extLst>
           </p:cNvPr>
@@ -19502,14 +19510,14 @@
           <a:effectLst/>
           <a:extLst>
             <a:ext uri="{909E8E84-426E-40DD-AFC4-6F175D3DCCD1}">
-              <a14:hiddenFill xmlns:a14="http://schemas.microsoft.com/office/drawing/2010/main">
+              <a14:hiddenFill xmlns:a14="http://schemas.microsoft.com/office/drawing/2010/main" xmlns="">
                 <a:solidFill>
                   <a:schemeClr val="accent1"/>
                 </a:solidFill>
               </a14:hiddenFill>
             </a:ext>
             <a:ext uri="{91240B29-F687-4F45-9708-019B960494DF}">
-              <a14:hiddenLine xmlns:a14="http://schemas.microsoft.com/office/drawing/2010/main" w="9525">
+              <a14:hiddenLine xmlns:a14="http://schemas.microsoft.com/office/drawing/2010/main" xmlns="" w="9525">
                 <a:solidFill>
                   <a:schemeClr val="tx1"/>
                 </a:solidFill>
@@ -19519,7 +19527,7 @@
               </a14:hiddenLine>
             </a:ext>
             <a:ext uri="{AF507438-7753-43E0-B8FC-AC1667EBCBE1}">
-              <a14:hiddenEffects xmlns:a14="http://schemas.microsoft.com/office/drawing/2010/main">
+              <a14:hiddenEffects xmlns:a14="http://schemas.microsoft.com/office/drawing/2010/main" xmlns="">
                 <a:effectLst>
                   <a:outerShdw dist="35921" dir="2700000" algn="ctr" rotWithShape="0">
                     <a:schemeClr val="bg2"/>
@@ -19587,7 +19595,7 @@
           <p:cNvPr id="12" name="Segnaposto contenuto 2">
             <a:extLst>
               <a:ext uri="{FF2B5EF4-FFF2-40B4-BE49-F238E27FC236}">
-                <a16:creationId xmlns:a16="http://schemas.microsoft.com/office/drawing/2014/main" id="{6B55346A-7B45-43F0-B6B4-9CFD350F7410}"/>
+                <a16:creationId xmlns:a16="http://schemas.microsoft.com/office/drawing/2014/main" xmlns="" id="{6B55346A-7B45-43F0-B6B4-9CFD350F7410}"/>
               </a:ext>
             </a:extLst>
           </p:cNvPr>
@@ -19763,7 +19771,7 @@
           <p:cNvPr id="13" name="Segnaposto contenuto 2">
             <a:extLst>
               <a:ext uri="{FF2B5EF4-FFF2-40B4-BE49-F238E27FC236}">
-                <a16:creationId xmlns:a16="http://schemas.microsoft.com/office/drawing/2014/main" id="{980E4580-A772-4A19-8FBB-C5151CC05195}"/>
+                <a16:creationId xmlns:a16="http://schemas.microsoft.com/office/drawing/2014/main" xmlns="" id="{980E4580-A772-4A19-8FBB-C5151CC05195}"/>
               </a:ext>
             </a:extLst>
           </p:cNvPr>
@@ -19923,7 +19931,7 @@
     </p:spTree>
     <p:extLst>
       <p:ext uri="{BB962C8B-B14F-4D97-AF65-F5344CB8AC3E}">
-        <p14:creationId xmlns:p14="http://schemas.microsoft.com/office/powerpoint/2010/main" val="121729049"/>
+        <p14:creationId xmlns:p14="http://schemas.microsoft.com/office/powerpoint/2010/main" xmlns="" val="121729049"/>
       </p:ext>
     </p:extLst>
   </p:cSld>
@@ -19955,7 +19963,7 @@
           <p:cNvPr id="9" name="Segnaposto contenuto 2">
             <a:extLst>
               <a:ext uri="{FF2B5EF4-FFF2-40B4-BE49-F238E27FC236}">
-                <a16:creationId xmlns:a16="http://schemas.microsoft.com/office/drawing/2014/main" id="{89886170-B615-43F8-AA8E-D5565391C42A}"/>
+                <a16:creationId xmlns:a16="http://schemas.microsoft.com/office/drawing/2014/main" xmlns="" id="{89886170-B615-43F8-AA8E-D5565391C42A}"/>
               </a:ext>
             </a:extLst>
           </p:cNvPr>
@@ -20138,7 +20146,7 @@
           <p:cNvPr id="6" name="Titolo 1">
             <a:extLst>
               <a:ext uri="{FF2B5EF4-FFF2-40B4-BE49-F238E27FC236}">
-                <a16:creationId xmlns:a16="http://schemas.microsoft.com/office/drawing/2014/main" id="{32602169-0966-4893-B032-33CFCD986CA0}"/>
+                <a16:creationId xmlns:a16="http://schemas.microsoft.com/office/drawing/2014/main" xmlns="" id="{32602169-0966-4893-B032-33CFCD986CA0}"/>
               </a:ext>
             </a:extLst>
           </p:cNvPr>
@@ -20199,7 +20207,7 @@
           <p:cNvPr id="2" name="Rectangle 6">
             <a:extLst>
               <a:ext uri="{FF2B5EF4-FFF2-40B4-BE49-F238E27FC236}">
-                <a16:creationId xmlns:a16="http://schemas.microsoft.com/office/drawing/2014/main" id="{FC5724C9-24A0-4B40-9A3A-FE717EF7AA55}"/>
+                <a16:creationId xmlns:a16="http://schemas.microsoft.com/office/drawing/2014/main" xmlns="" id="{FC5724C9-24A0-4B40-9A3A-FE717EF7AA55}"/>
               </a:ext>
             </a:extLst>
           </p:cNvPr>
@@ -20223,14 +20231,14 @@
           <a:effectLst/>
           <a:extLst>
             <a:ext uri="{909E8E84-426E-40DD-AFC4-6F175D3DCCD1}">
-              <a14:hiddenFill xmlns:a14="http://schemas.microsoft.com/office/drawing/2010/main">
+              <a14:hiddenFill xmlns:a14="http://schemas.microsoft.com/office/drawing/2010/main" xmlns="">
                 <a:solidFill>
                   <a:schemeClr val="accent1"/>
                 </a:solidFill>
               </a14:hiddenFill>
             </a:ext>
             <a:ext uri="{91240B29-F687-4F45-9708-019B960494DF}">
-              <a14:hiddenLine xmlns:a14="http://schemas.microsoft.com/office/drawing/2010/main" w="9525">
+              <a14:hiddenLine xmlns:a14="http://schemas.microsoft.com/office/drawing/2010/main" xmlns="" w="9525">
                 <a:solidFill>
                   <a:schemeClr val="tx1"/>
                 </a:solidFill>
@@ -20240,7 +20248,7 @@
               </a14:hiddenLine>
             </a:ext>
             <a:ext uri="{AF507438-7753-43E0-B8FC-AC1667EBCBE1}">
-              <a14:hiddenEffects xmlns:a14="http://schemas.microsoft.com/office/drawing/2010/main">
+              <a14:hiddenEffects xmlns:a14="http://schemas.microsoft.com/office/drawing/2010/main" xmlns="">
                 <a:effectLst>
                   <a:outerShdw dist="35921" dir="2700000" algn="ctr" rotWithShape="0">
                     <a:schemeClr val="bg2"/>
@@ -20268,7 +20276,7 @@
           <p:cNvPr id="3" name="Rectangle 7">
             <a:extLst>
               <a:ext uri="{FF2B5EF4-FFF2-40B4-BE49-F238E27FC236}">
-                <a16:creationId xmlns:a16="http://schemas.microsoft.com/office/drawing/2014/main" id="{C08042F5-96DB-4FE6-B699-C1DFAB71C0C5}"/>
+                <a16:creationId xmlns:a16="http://schemas.microsoft.com/office/drawing/2014/main" xmlns="" id="{C08042F5-96DB-4FE6-B699-C1DFAB71C0C5}"/>
               </a:ext>
             </a:extLst>
           </p:cNvPr>
@@ -20292,14 +20300,14 @@
           <a:effectLst/>
           <a:extLst>
             <a:ext uri="{909E8E84-426E-40DD-AFC4-6F175D3DCCD1}">
-              <a14:hiddenFill xmlns:a14="http://schemas.microsoft.com/office/drawing/2010/main">
+              <a14:hiddenFill xmlns:a14="http://schemas.microsoft.com/office/drawing/2010/main" xmlns="">
                 <a:solidFill>
                   <a:schemeClr val="accent1"/>
                 </a:solidFill>
               </a14:hiddenFill>
             </a:ext>
             <a:ext uri="{91240B29-F687-4F45-9708-019B960494DF}">
-              <a14:hiddenLine xmlns:a14="http://schemas.microsoft.com/office/drawing/2010/main" w="9525">
+              <a14:hiddenLine xmlns:a14="http://schemas.microsoft.com/office/drawing/2010/main" xmlns="" w="9525">
                 <a:solidFill>
                   <a:schemeClr val="tx1"/>
                 </a:solidFill>
@@ -20309,7 +20317,7 @@
               </a14:hiddenLine>
             </a:ext>
             <a:ext uri="{AF507438-7753-43E0-B8FC-AC1667EBCBE1}">
-              <a14:hiddenEffects xmlns:a14="http://schemas.microsoft.com/office/drawing/2010/main">
+              <a14:hiddenEffects xmlns:a14="http://schemas.microsoft.com/office/drawing/2010/main" xmlns="">
                 <a:effectLst>
                   <a:outerShdw dist="35921" dir="2700000" algn="ctr" rotWithShape="0">
                     <a:schemeClr val="bg2"/>
@@ -20377,7 +20385,7 @@
           <p:cNvPr id="4" name="Rectangle 8">
             <a:extLst>
               <a:ext uri="{FF2B5EF4-FFF2-40B4-BE49-F238E27FC236}">
-                <a16:creationId xmlns:a16="http://schemas.microsoft.com/office/drawing/2014/main" id="{E0CBE371-8058-4503-A250-42442AAE21EC}"/>
+                <a16:creationId xmlns:a16="http://schemas.microsoft.com/office/drawing/2014/main" xmlns="" id="{E0CBE371-8058-4503-A250-42442AAE21EC}"/>
               </a:ext>
             </a:extLst>
           </p:cNvPr>
@@ -20401,14 +20409,14 @@
           <a:effectLst/>
           <a:extLst>
             <a:ext uri="{909E8E84-426E-40DD-AFC4-6F175D3DCCD1}">
-              <a14:hiddenFill xmlns:a14="http://schemas.microsoft.com/office/drawing/2010/main">
+              <a14:hiddenFill xmlns:a14="http://schemas.microsoft.com/office/drawing/2010/main" xmlns="">
                 <a:solidFill>
                   <a:schemeClr val="accent1"/>
                 </a:solidFill>
               </a14:hiddenFill>
             </a:ext>
             <a:ext uri="{91240B29-F687-4F45-9708-019B960494DF}">
-              <a14:hiddenLine xmlns:a14="http://schemas.microsoft.com/office/drawing/2010/main" w="9525">
+              <a14:hiddenLine xmlns:a14="http://schemas.microsoft.com/office/drawing/2010/main" xmlns="" w="9525">
                 <a:solidFill>
                   <a:schemeClr val="tx1"/>
                 </a:solidFill>
@@ -20418,7 +20426,7 @@
               </a14:hiddenLine>
             </a:ext>
             <a:ext uri="{AF507438-7753-43E0-B8FC-AC1667EBCBE1}">
-              <a14:hiddenEffects xmlns:a14="http://schemas.microsoft.com/office/drawing/2010/main">
+              <a14:hiddenEffects xmlns:a14="http://schemas.microsoft.com/office/drawing/2010/main" xmlns="">
                 <a:effectLst>
                   <a:outerShdw dist="35921" dir="2700000" algn="ctr" rotWithShape="0">
                     <a:schemeClr val="bg2"/>
@@ -20486,7 +20494,7 @@
           <p:cNvPr id="10" name="Rectangle 9">
             <a:extLst>
               <a:ext uri="{FF2B5EF4-FFF2-40B4-BE49-F238E27FC236}">
-                <a16:creationId xmlns:a16="http://schemas.microsoft.com/office/drawing/2014/main" id="{99468FB6-6461-4A91-9E0B-2B3FC25F715E}"/>
+                <a16:creationId xmlns:a16="http://schemas.microsoft.com/office/drawing/2014/main" xmlns="" id="{99468FB6-6461-4A91-9E0B-2B3FC25F715E}"/>
               </a:ext>
             </a:extLst>
           </p:cNvPr>
@@ -20510,14 +20518,14 @@
           <a:effectLst/>
           <a:extLst>
             <a:ext uri="{909E8E84-426E-40DD-AFC4-6F175D3DCCD1}">
-              <a14:hiddenFill xmlns:a14="http://schemas.microsoft.com/office/drawing/2010/main">
+              <a14:hiddenFill xmlns:a14="http://schemas.microsoft.com/office/drawing/2010/main" xmlns="">
                 <a:solidFill>
                   <a:schemeClr val="accent1"/>
                 </a:solidFill>
               </a14:hiddenFill>
             </a:ext>
             <a:ext uri="{91240B29-F687-4F45-9708-019B960494DF}">
-              <a14:hiddenLine xmlns:a14="http://schemas.microsoft.com/office/drawing/2010/main" w="9525">
+              <a14:hiddenLine xmlns:a14="http://schemas.microsoft.com/office/drawing/2010/main" xmlns="" w="9525">
                 <a:solidFill>
                   <a:schemeClr val="tx1"/>
                 </a:solidFill>
@@ -20527,7 +20535,7 @@
               </a14:hiddenLine>
             </a:ext>
             <a:ext uri="{AF507438-7753-43E0-B8FC-AC1667EBCBE1}">
-              <a14:hiddenEffects xmlns:a14="http://schemas.microsoft.com/office/drawing/2010/main">
+              <a14:hiddenEffects xmlns:a14="http://schemas.microsoft.com/office/drawing/2010/main" xmlns="">
                 <a:effectLst>
                   <a:outerShdw dist="35921" dir="2700000" algn="ctr" rotWithShape="0">
                     <a:schemeClr val="bg2"/>
@@ -20595,7 +20603,7 @@
           <p:cNvPr id="11" name="Rectangle 10">
             <a:extLst>
               <a:ext uri="{FF2B5EF4-FFF2-40B4-BE49-F238E27FC236}">
-                <a16:creationId xmlns:a16="http://schemas.microsoft.com/office/drawing/2014/main" id="{E4D9815E-FC57-48D4-9710-C34FDAE236EF}"/>
+                <a16:creationId xmlns:a16="http://schemas.microsoft.com/office/drawing/2014/main" xmlns="" id="{E4D9815E-FC57-48D4-9710-C34FDAE236EF}"/>
               </a:ext>
             </a:extLst>
           </p:cNvPr>
@@ -20619,14 +20627,14 @@
           <a:effectLst/>
           <a:extLst>
             <a:ext uri="{909E8E84-426E-40DD-AFC4-6F175D3DCCD1}">
-              <a14:hiddenFill xmlns:a14="http://schemas.microsoft.com/office/drawing/2010/main">
+              <a14:hiddenFill xmlns:a14="http://schemas.microsoft.com/office/drawing/2010/main" xmlns="">
                 <a:solidFill>
                   <a:schemeClr val="accent1"/>
                 </a:solidFill>
               </a14:hiddenFill>
             </a:ext>
             <a:ext uri="{91240B29-F687-4F45-9708-019B960494DF}">
-              <a14:hiddenLine xmlns:a14="http://schemas.microsoft.com/office/drawing/2010/main" w="9525">
+              <a14:hiddenLine xmlns:a14="http://schemas.microsoft.com/office/drawing/2010/main" xmlns="" w="9525">
                 <a:solidFill>
                   <a:schemeClr val="tx1"/>
                 </a:solidFill>
@@ -20636,7 +20644,7 @@
               </a14:hiddenLine>
             </a:ext>
             <a:ext uri="{AF507438-7753-43E0-B8FC-AC1667EBCBE1}">
-              <a14:hiddenEffects xmlns:a14="http://schemas.microsoft.com/office/drawing/2010/main">
+              <a14:hiddenEffects xmlns:a14="http://schemas.microsoft.com/office/drawing/2010/main" xmlns="">
                 <a:effectLst>
                   <a:outerShdw dist="35921" dir="2700000" algn="ctr" rotWithShape="0">
                     <a:schemeClr val="bg2"/>
@@ -20704,7 +20712,7 @@
           <p:cNvPr id="12" name="Segnaposto contenuto 2">
             <a:extLst>
               <a:ext uri="{FF2B5EF4-FFF2-40B4-BE49-F238E27FC236}">
-                <a16:creationId xmlns:a16="http://schemas.microsoft.com/office/drawing/2014/main" id="{6B55346A-7B45-43F0-B6B4-9CFD350F7410}"/>
+                <a16:creationId xmlns:a16="http://schemas.microsoft.com/office/drawing/2014/main" xmlns="" id="{6B55346A-7B45-43F0-B6B4-9CFD350F7410}"/>
               </a:ext>
             </a:extLst>
           </p:cNvPr>
@@ -20880,7 +20888,7 @@
           <p:cNvPr id="13" name="Segnaposto contenuto 2">
             <a:extLst>
               <a:ext uri="{FF2B5EF4-FFF2-40B4-BE49-F238E27FC236}">
-                <a16:creationId xmlns:a16="http://schemas.microsoft.com/office/drawing/2014/main" id="{980E4580-A772-4A19-8FBB-C5151CC05195}"/>
+                <a16:creationId xmlns:a16="http://schemas.microsoft.com/office/drawing/2014/main" xmlns="" id="{980E4580-A772-4A19-8FBB-C5151CC05195}"/>
               </a:ext>
             </a:extLst>
           </p:cNvPr>
@@ -20998,7 +21006,7 @@
           <p:cNvPr id="14" name="Immagine 13">
             <a:extLst>
               <a:ext uri="{FF2B5EF4-FFF2-40B4-BE49-F238E27FC236}">
-                <a16:creationId xmlns:a16="http://schemas.microsoft.com/office/drawing/2014/main" id="{308C74C4-E63C-43CF-8511-DF9D91A0B6EA}"/>
+                <a16:creationId xmlns:a16="http://schemas.microsoft.com/office/drawing/2014/main" xmlns="" id="{308C74C4-E63C-43CF-8511-DF9D91A0B6EA}"/>
               </a:ext>
             </a:extLst>
           </p:cNvPr>
@@ -21028,7 +21036,7 @@
           <p:cNvPr id="15" name="Immagine 14">
             <a:extLst>
               <a:ext uri="{FF2B5EF4-FFF2-40B4-BE49-F238E27FC236}">
-                <a16:creationId xmlns:a16="http://schemas.microsoft.com/office/drawing/2014/main" id="{B7799BFB-29F3-4C01-8932-E76C3707570B}"/>
+                <a16:creationId xmlns:a16="http://schemas.microsoft.com/office/drawing/2014/main" xmlns="" id="{B7799BFB-29F3-4C01-8932-E76C3707570B}"/>
               </a:ext>
             </a:extLst>
           </p:cNvPr>
@@ -21056,7 +21064,7 @@
     </p:spTree>
     <p:extLst>
       <p:ext uri="{BB962C8B-B14F-4D97-AF65-F5344CB8AC3E}">
-        <p14:creationId xmlns:p14="http://schemas.microsoft.com/office/powerpoint/2010/main" val="3066013563"/>
+        <p14:creationId xmlns:p14="http://schemas.microsoft.com/office/powerpoint/2010/main" xmlns="" val="3066013563"/>
       </p:ext>
     </p:extLst>
   </p:cSld>
@@ -21088,7 +21096,7 @@
           <p:cNvPr id="2" name="Titolo 1">
             <a:extLst>
               <a:ext uri="{FF2B5EF4-FFF2-40B4-BE49-F238E27FC236}">
-                <a16:creationId xmlns:a16="http://schemas.microsoft.com/office/drawing/2014/main" id="{B9DB8311-28AC-4322-BAB4-1A023048D71F}"/>
+                <a16:creationId xmlns:a16="http://schemas.microsoft.com/office/drawing/2014/main" xmlns="" id="{B9DB8311-28AC-4322-BAB4-1A023048D71F}"/>
               </a:ext>
             </a:extLst>
           </p:cNvPr>
@@ -21135,7 +21143,7 @@
           <p:cNvPr id="3" name="Segnaposto contenuto 2">
             <a:extLst>
               <a:ext uri="{FF2B5EF4-FFF2-40B4-BE49-F238E27FC236}">
-                <a16:creationId xmlns:a16="http://schemas.microsoft.com/office/drawing/2014/main" id="{CC238F9E-7369-42B5-8E90-F7EFC93ED268}"/>
+                <a16:creationId xmlns:a16="http://schemas.microsoft.com/office/drawing/2014/main" xmlns="" id="{CC238F9E-7369-42B5-8E90-F7EFC93ED268}"/>
               </a:ext>
             </a:extLst>
           </p:cNvPr>
@@ -21199,7 +21207,7 @@
           <p:cNvPr id="4" name="CasellaDiTesto 3">
             <a:extLst>
               <a:ext uri="{FF2B5EF4-FFF2-40B4-BE49-F238E27FC236}">
-                <a16:creationId xmlns:a16="http://schemas.microsoft.com/office/drawing/2014/main" id="{4D7DE968-07D5-4816-AE85-8F06E200182B}"/>
+                <a16:creationId xmlns:a16="http://schemas.microsoft.com/office/drawing/2014/main" xmlns="" id="{4D7DE968-07D5-4816-AE85-8F06E200182B}"/>
               </a:ext>
             </a:extLst>
           </p:cNvPr>
@@ -21639,7 +21647,7 @@
     </p:spTree>
     <p:extLst>
       <p:ext uri="{BB962C8B-B14F-4D97-AF65-F5344CB8AC3E}">
-        <p14:creationId xmlns:p14="http://schemas.microsoft.com/office/powerpoint/2010/main" val="2530630329"/>
+        <p14:creationId xmlns:p14="http://schemas.microsoft.com/office/powerpoint/2010/main" xmlns="" val="2530630329"/>
       </p:ext>
     </p:extLst>
   </p:cSld>
@@ -21671,7 +21679,7 @@
           <p:cNvPr id="9" name="Segnaposto contenuto 2">
             <a:extLst>
               <a:ext uri="{FF2B5EF4-FFF2-40B4-BE49-F238E27FC236}">
-                <a16:creationId xmlns:a16="http://schemas.microsoft.com/office/drawing/2014/main" id="{89886170-B615-43F8-AA8E-D5565391C42A}"/>
+                <a16:creationId xmlns:a16="http://schemas.microsoft.com/office/drawing/2014/main" xmlns="" id="{89886170-B615-43F8-AA8E-D5565391C42A}"/>
               </a:ext>
             </a:extLst>
           </p:cNvPr>
@@ -21854,7 +21862,7 @@
           <p:cNvPr id="6" name="Titolo 1">
             <a:extLst>
               <a:ext uri="{FF2B5EF4-FFF2-40B4-BE49-F238E27FC236}">
-                <a16:creationId xmlns:a16="http://schemas.microsoft.com/office/drawing/2014/main" id="{32602169-0966-4893-B032-33CFCD986CA0}"/>
+                <a16:creationId xmlns:a16="http://schemas.microsoft.com/office/drawing/2014/main" xmlns="" id="{32602169-0966-4893-B032-33CFCD986CA0}"/>
               </a:ext>
             </a:extLst>
           </p:cNvPr>
@@ -21915,7 +21923,7 @@
           <p:cNvPr id="2" name="Rectangle 6">
             <a:extLst>
               <a:ext uri="{FF2B5EF4-FFF2-40B4-BE49-F238E27FC236}">
-                <a16:creationId xmlns:a16="http://schemas.microsoft.com/office/drawing/2014/main" id="{FC5724C9-24A0-4B40-9A3A-FE717EF7AA55}"/>
+                <a16:creationId xmlns:a16="http://schemas.microsoft.com/office/drawing/2014/main" xmlns="" id="{FC5724C9-24A0-4B40-9A3A-FE717EF7AA55}"/>
               </a:ext>
             </a:extLst>
           </p:cNvPr>
@@ -21939,14 +21947,14 @@
           <a:effectLst/>
           <a:extLst>
             <a:ext uri="{909E8E84-426E-40DD-AFC4-6F175D3DCCD1}">
-              <a14:hiddenFill xmlns:a14="http://schemas.microsoft.com/office/drawing/2010/main">
+              <a14:hiddenFill xmlns:a14="http://schemas.microsoft.com/office/drawing/2010/main" xmlns="">
                 <a:solidFill>
                   <a:schemeClr val="accent1"/>
                 </a:solidFill>
               </a14:hiddenFill>
             </a:ext>
             <a:ext uri="{91240B29-F687-4F45-9708-019B960494DF}">
-              <a14:hiddenLine xmlns:a14="http://schemas.microsoft.com/office/drawing/2010/main" w="9525">
+              <a14:hiddenLine xmlns:a14="http://schemas.microsoft.com/office/drawing/2010/main" xmlns="" w="9525">
                 <a:solidFill>
                   <a:schemeClr val="tx1"/>
                 </a:solidFill>
@@ -21956,7 +21964,7 @@
               </a14:hiddenLine>
             </a:ext>
             <a:ext uri="{AF507438-7753-43E0-B8FC-AC1667EBCBE1}">
-              <a14:hiddenEffects xmlns:a14="http://schemas.microsoft.com/office/drawing/2010/main">
+              <a14:hiddenEffects xmlns:a14="http://schemas.microsoft.com/office/drawing/2010/main" xmlns="">
                 <a:effectLst>
                   <a:outerShdw dist="35921" dir="2700000" algn="ctr" rotWithShape="0">
                     <a:schemeClr val="bg2"/>
@@ -21984,7 +21992,7 @@
           <p:cNvPr id="3" name="Rectangle 7">
             <a:extLst>
               <a:ext uri="{FF2B5EF4-FFF2-40B4-BE49-F238E27FC236}">
-                <a16:creationId xmlns:a16="http://schemas.microsoft.com/office/drawing/2014/main" id="{C08042F5-96DB-4FE6-B699-C1DFAB71C0C5}"/>
+                <a16:creationId xmlns:a16="http://schemas.microsoft.com/office/drawing/2014/main" xmlns="" id="{C08042F5-96DB-4FE6-B699-C1DFAB71C0C5}"/>
               </a:ext>
             </a:extLst>
           </p:cNvPr>
@@ -22008,14 +22016,14 @@
           <a:effectLst/>
           <a:extLst>
             <a:ext uri="{909E8E84-426E-40DD-AFC4-6F175D3DCCD1}">
-              <a14:hiddenFill xmlns:a14="http://schemas.microsoft.com/office/drawing/2010/main">
+              <a14:hiddenFill xmlns:a14="http://schemas.microsoft.com/office/drawing/2010/main" xmlns="">
                 <a:solidFill>
                   <a:schemeClr val="accent1"/>
                 </a:solidFill>
               </a14:hiddenFill>
             </a:ext>
             <a:ext uri="{91240B29-F687-4F45-9708-019B960494DF}">
-              <a14:hiddenLine xmlns:a14="http://schemas.microsoft.com/office/drawing/2010/main" w="9525">
+              <a14:hiddenLine xmlns:a14="http://schemas.microsoft.com/office/drawing/2010/main" xmlns="" w="9525">
                 <a:solidFill>
                   <a:schemeClr val="tx1"/>
                 </a:solidFill>
@@ -22025,7 +22033,7 @@
               </a14:hiddenLine>
             </a:ext>
             <a:ext uri="{AF507438-7753-43E0-B8FC-AC1667EBCBE1}">
-              <a14:hiddenEffects xmlns:a14="http://schemas.microsoft.com/office/drawing/2010/main">
+              <a14:hiddenEffects xmlns:a14="http://schemas.microsoft.com/office/drawing/2010/main" xmlns="">
                 <a:effectLst>
                   <a:outerShdw dist="35921" dir="2700000" algn="ctr" rotWithShape="0">
                     <a:schemeClr val="bg2"/>
@@ -22093,7 +22101,7 @@
           <p:cNvPr id="4" name="Rectangle 8">
             <a:extLst>
               <a:ext uri="{FF2B5EF4-FFF2-40B4-BE49-F238E27FC236}">
-                <a16:creationId xmlns:a16="http://schemas.microsoft.com/office/drawing/2014/main" id="{E0CBE371-8058-4503-A250-42442AAE21EC}"/>
+                <a16:creationId xmlns:a16="http://schemas.microsoft.com/office/drawing/2014/main" xmlns="" id="{E0CBE371-8058-4503-A250-42442AAE21EC}"/>
               </a:ext>
             </a:extLst>
           </p:cNvPr>
@@ -22117,14 +22125,14 @@
           <a:effectLst/>
           <a:extLst>
             <a:ext uri="{909E8E84-426E-40DD-AFC4-6F175D3DCCD1}">
-              <a14:hiddenFill xmlns:a14="http://schemas.microsoft.com/office/drawing/2010/main">
+              <a14:hiddenFill xmlns:a14="http://schemas.microsoft.com/office/drawing/2010/main" xmlns="">
                 <a:solidFill>
                   <a:schemeClr val="accent1"/>
                 </a:solidFill>
               </a14:hiddenFill>
             </a:ext>
             <a:ext uri="{91240B29-F687-4F45-9708-019B960494DF}">
-              <a14:hiddenLine xmlns:a14="http://schemas.microsoft.com/office/drawing/2010/main" w="9525">
+              <a14:hiddenLine xmlns:a14="http://schemas.microsoft.com/office/drawing/2010/main" xmlns="" w="9525">
                 <a:solidFill>
                   <a:schemeClr val="tx1"/>
                 </a:solidFill>
@@ -22134,7 +22142,7 @@
               </a14:hiddenLine>
             </a:ext>
             <a:ext uri="{AF507438-7753-43E0-B8FC-AC1667EBCBE1}">
-              <a14:hiddenEffects xmlns:a14="http://schemas.microsoft.com/office/drawing/2010/main">
+              <a14:hiddenEffects xmlns:a14="http://schemas.microsoft.com/office/drawing/2010/main" xmlns="">
                 <a:effectLst>
                   <a:outerShdw dist="35921" dir="2700000" algn="ctr" rotWithShape="0">
                     <a:schemeClr val="bg2"/>
@@ -22202,7 +22210,7 @@
           <p:cNvPr id="10" name="Rectangle 9">
             <a:extLst>
               <a:ext uri="{FF2B5EF4-FFF2-40B4-BE49-F238E27FC236}">
-                <a16:creationId xmlns:a16="http://schemas.microsoft.com/office/drawing/2014/main" id="{99468FB6-6461-4A91-9E0B-2B3FC25F715E}"/>
+                <a16:creationId xmlns:a16="http://schemas.microsoft.com/office/drawing/2014/main" xmlns="" id="{99468FB6-6461-4A91-9E0B-2B3FC25F715E}"/>
               </a:ext>
             </a:extLst>
           </p:cNvPr>
@@ -22226,14 +22234,14 @@
           <a:effectLst/>
           <a:extLst>
             <a:ext uri="{909E8E84-426E-40DD-AFC4-6F175D3DCCD1}">
-              <a14:hiddenFill xmlns:a14="http://schemas.microsoft.com/office/drawing/2010/main">
+              <a14:hiddenFill xmlns:a14="http://schemas.microsoft.com/office/drawing/2010/main" xmlns="">
                 <a:solidFill>
                   <a:schemeClr val="accent1"/>
                 </a:solidFill>
               </a14:hiddenFill>
             </a:ext>
             <a:ext uri="{91240B29-F687-4F45-9708-019B960494DF}">
-              <a14:hiddenLine xmlns:a14="http://schemas.microsoft.com/office/drawing/2010/main" w="9525">
+              <a14:hiddenLine xmlns:a14="http://schemas.microsoft.com/office/drawing/2010/main" xmlns="" w="9525">
                 <a:solidFill>
                   <a:schemeClr val="tx1"/>
                 </a:solidFill>
@@ -22243,7 +22251,7 @@
               </a14:hiddenLine>
             </a:ext>
             <a:ext uri="{AF507438-7753-43E0-B8FC-AC1667EBCBE1}">
-              <a14:hiddenEffects xmlns:a14="http://schemas.microsoft.com/office/drawing/2010/main">
+              <a14:hiddenEffects xmlns:a14="http://schemas.microsoft.com/office/drawing/2010/main" xmlns="">
                 <a:effectLst>
                   <a:outerShdw dist="35921" dir="2700000" algn="ctr" rotWithShape="0">
                     <a:schemeClr val="bg2"/>
@@ -22311,7 +22319,7 @@
           <p:cNvPr id="11" name="Rectangle 10">
             <a:extLst>
               <a:ext uri="{FF2B5EF4-FFF2-40B4-BE49-F238E27FC236}">
-                <a16:creationId xmlns:a16="http://schemas.microsoft.com/office/drawing/2014/main" id="{E4D9815E-FC57-48D4-9710-C34FDAE236EF}"/>
+                <a16:creationId xmlns:a16="http://schemas.microsoft.com/office/drawing/2014/main" xmlns="" id="{E4D9815E-FC57-48D4-9710-C34FDAE236EF}"/>
               </a:ext>
             </a:extLst>
           </p:cNvPr>
@@ -22335,14 +22343,14 @@
           <a:effectLst/>
           <a:extLst>
             <a:ext uri="{909E8E84-426E-40DD-AFC4-6F175D3DCCD1}">
-              <a14:hiddenFill xmlns:a14="http://schemas.microsoft.com/office/drawing/2010/main">
+              <a14:hiddenFill xmlns:a14="http://schemas.microsoft.com/office/drawing/2010/main" xmlns="">
                 <a:solidFill>
                   <a:schemeClr val="accent1"/>
                 </a:solidFill>
               </a14:hiddenFill>
             </a:ext>
             <a:ext uri="{91240B29-F687-4F45-9708-019B960494DF}">
-              <a14:hiddenLine xmlns:a14="http://schemas.microsoft.com/office/drawing/2010/main" w="9525">
+              <a14:hiddenLine xmlns:a14="http://schemas.microsoft.com/office/drawing/2010/main" xmlns="" w="9525">
                 <a:solidFill>
                   <a:schemeClr val="tx1"/>
                 </a:solidFill>
@@ -22352,7 +22360,7 @@
               </a14:hiddenLine>
             </a:ext>
             <a:ext uri="{AF507438-7753-43E0-B8FC-AC1667EBCBE1}">
-              <a14:hiddenEffects xmlns:a14="http://schemas.microsoft.com/office/drawing/2010/main">
+              <a14:hiddenEffects xmlns:a14="http://schemas.microsoft.com/office/drawing/2010/main" xmlns="">
                 <a:effectLst>
                   <a:outerShdw dist="35921" dir="2700000" algn="ctr" rotWithShape="0">
                     <a:schemeClr val="bg2"/>
@@ -22420,7 +22428,7 @@
           <p:cNvPr id="12" name="Segnaposto contenuto 2">
             <a:extLst>
               <a:ext uri="{FF2B5EF4-FFF2-40B4-BE49-F238E27FC236}">
-                <a16:creationId xmlns:a16="http://schemas.microsoft.com/office/drawing/2014/main" id="{6B55346A-7B45-43F0-B6B4-9CFD350F7410}"/>
+                <a16:creationId xmlns:a16="http://schemas.microsoft.com/office/drawing/2014/main" xmlns="" id="{6B55346A-7B45-43F0-B6B4-9CFD350F7410}"/>
               </a:ext>
             </a:extLst>
           </p:cNvPr>
@@ -22596,7 +22604,7 @@
           <p:cNvPr id="13" name="Segnaposto contenuto 2">
             <a:extLst>
               <a:ext uri="{FF2B5EF4-FFF2-40B4-BE49-F238E27FC236}">
-                <a16:creationId xmlns:a16="http://schemas.microsoft.com/office/drawing/2014/main" id="{980E4580-A772-4A19-8FBB-C5151CC05195}"/>
+                <a16:creationId xmlns:a16="http://schemas.microsoft.com/office/drawing/2014/main" xmlns="" id="{980E4580-A772-4A19-8FBB-C5151CC05195}"/>
               </a:ext>
             </a:extLst>
           </p:cNvPr>
@@ -22699,7 +22707,7 @@
           <p:cNvPr id="5" name="Immagine 4">
             <a:extLst>
               <a:ext uri="{FF2B5EF4-FFF2-40B4-BE49-F238E27FC236}">
-                <a16:creationId xmlns:a16="http://schemas.microsoft.com/office/drawing/2014/main" id="{8A5E1CC1-3426-4909-AE16-731320B8C526}"/>
+                <a16:creationId xmlns:a16="http://schemas.microsoft.com/office/drawing/2014/main" xmlns="" id="{8A5E1CC1-3426-4909-AE16-731320B8C526}"/>
               </a:ext>
             </a:extLst>
           </p:cNvPr>
@@ -22729,7 +22737,7 @@
           <p:cNvPr id="7" name="Immagine 6">
             <a:extLst>
               <a:ext uri="{FF2B5EF4-FFF2-40B4-BE49-F238E27FC236}">
-                <a16:creationId xmlns:a16="http://schemas.microsoft.com/office/drawing/2014/main" id="{6327CE6B-7B82-4D42-9EE3-60F639D3A68E}"/>
+                <a16:creationId xmlns:a16="http://schemas.microsoft.com/office/drawing/2014/main" xmlns="" id="{6327CE6B-7B82-4D42-9EE3-60F639D3A68E}"/>
               </a:ext>
             </a:extLst>
           </p:cNvPr>
@@ -22759,7 +22767,7 @@
           <p:cNvPr id="8" name="Immagine 7">
             <a:extLst>
               <a:ext uri="{FF2B5EF4-FFF2-40B4-BE49-F238E27FC236}">
-                <a16:creationId xmlns:a16="http://schemas.microsoft.com/office/drawing/2014/main" id="{E960F73C-AF0C-413C-9822-563979ED7799}"/>
+                <a16:creationId xmlns:a16="http://schemas.microsoft.com/office/drawing/2014/main" xmlns="" id="{E960F73C-AF0C-413C-9822-563979ED7799}"/>
               </a:ext>
             </a:extLst>
           </p:cNvPr>
@@ -22787,7 +22795,7 @@
     </p:spTree>
     <p:extLst>
       <p:ext uri="{BB962C8B-B14F-4D97-AF65-F5344CB8AC3E}">
-        <p14:creationId xmlns:p14="http://schemas.microsoft.com/office/powerpoint/2010/main" val="2462833796"/>
+        <p14:creationId xmlns:p14="http://schemas.microsoft.com/office/powerpoint/2010/main" xmlns="" val="2462833796"/>
       </p:ext>
     </p:extLst>
   </p:cSld>
@@ -22819,7 +22827,7 @@
           <p:cNvPr id="9" name="Segnaposto contenuto 2">
             <a:extLst>
               <a:ext uri="{FF2B5EF4-FFF2-40B4-BE49-F238E27FC236}">
-                <a16:creationId xmlns:a16="http://schemas.microsoft.com/office/drawing/2014/main" id="{89886170-B615-43F8-AA8E-D5565391C42A}"/>
+                <a16:creationId xmlns:a16="http://schemas.microsoft.com/office/drawing/2014/main" xmlns="" id="{89886170-B615-43F8-AA8E-D5565391C42A}"/>
               </a:ext>
             </a:extLst>
           </p:cNvPr>
@@ -23002,7 +23010,7 @@
           <p:cNvPr id="6" name="Titolo 1">
             <a:extLst>
               <a:ext uri="{FF2B5EF4-FFF2-40B4-BE49-F238E27FC236}">
-                <a16:creationId xmlns:a16="http://schemas.microsoft.com/office/drawing/2014/main" id="{32602169-0966-4893-B032-33CFCD986CA0}"/>
+                <a16:creationId xmlns:a16="http://schemas.microsoft.com/office/drawing/2014/main" xmlns="" id="{32602169-0966-4893-B032-33CFCD986CA0}"/>
               </a:ext>
             </a:extLst>
           </p:cNvPr>
@@ -23071,7 +23079,7 @@
           <p:cNvPr id="2" name="Rectangle 6">
             <a:extLst>
               <a:ext uri="{FF2B5EF4-FFF2-40B4-BE49-F238E27FC236}">
-                <a16:creationId xmlns:a16="http://schemas.microsoft.com/office/drawing/2014/main" id="{FC5724C9-24A0-4B40-9A3A-FE717EF7AA55}"/>
+                <a16:creationId xmlns:a16="http://schemas.microsoft.com/office/drawing/2014/main" xmlns="" id="{FC5724C9-24A0-4B40-9A3A-FE717EF7AA55}"/>
               </a:ext>
             </a:extLst>
           </p:cNvPr>
@@ -23095,14 +23103,14 @@
           <a:effectLst/>
           <a:extLst>
             <a:ext uri="{909E8E84-426E-40DD-AFC4-6F175D3DCCD1}">
-              <a14:hiddenFill xmlns:a14="http://schemas.microsoft.com/office/drawing/2010/main">
+              <a14:hiddenFill xmlns:a14="http://schemas.microsoft.com/office/drawing/2010/main" xmlns="">
                 <a:solidFill>
                   <a:schemeClr val="accent1"/>
                 </a:solidFill>
               </a14:hiddenFill>
             </a:ext>
             <a:ext uri="{91240B29-F687-4F45-9708-019B960494DF}">
-              <a14:hiddenLine xmlns:a14="http://schemas.microsoft.com/office/drawing/2010/main" w="9525">
+              <a14:hiddenLine xmlns:a14="http://schemas.microsoft.com/office/drawing/2010/main" xmlns="" w="9525">
                 <a:solidFill>
                   <a:schemeClr val="tx1"/>
                 </a:solidFill>
@@ -23112,7 +23120,7 @@
               </a14:hiddenLine>
             </a:ext>
             <a:ext uri="{AF507438-7753-43E0-B8FC-AC1667EBCBE1}">
-              <a14:hiddenEffects xmlns:a14="http://schemas.microsoft.com/office/drawing/2010/main">
+              <a14:hiddenEffects xmlns:a14="http://schemas.microsoft.com/office/drawing/2010/main" xmlns="">
                 <a:effectLst>
                   <a:outerShdw dist="35921" dir="2700000" algn="ctr" rotWithShape="0">
                     <a:schemeClr val="bg2"/>
@@ -23140,7 +23148,7 @@
           <p:cNvPr id="3" name="Rectangle 7">
             <a:extLst>
               <a:ext uri="{FF2B5EF4-FFF2-40B4-BE49-F238E27FC236}">
-                <a16:creationId xmlns:a16="http://schemas.microsoft.com/office/drawing/2014/main" id="{C08042F5-96DB-4FE6-B699-C1DFAB71C0C5}"/>
+                <a16:creationId xmlns:a16="http://schemas.microsoft.com/office/drawing/2014/main" xmlns="" id="{C08042F5-96DB-4FE6-B699-C1DFAB71C0C5}"/>
               </a:ext>
             </a:extLst>
           </p:cNvPr>
@@ -23164,14 +23172,14 @@
           <a:effectLst/>
           <a:extLst>
             <a:ext uri="{909E8E84-426E-40DD-AFC4-6F175D3DCCD1}">
-              <a14:hiddenFill xmlns:a14="http://schemas.microsoft.com/office/drawing/2010/main">
+              <a14:hiddenFill xmlns:a14="http://schemas.microsoft.com/office/drawing/2010/main" xmlns="">
                 <a:solidFill>
                   <a:schemeClr val="accent1"/>
                 </a:solidFill>
               </a14:hiddenFill>
             </a:ext>
             <a:ext uri="{91240B29-F687-4F45-9708-019B960494DF}">
-              <a14:hiddenLine xmlns:a14="http://schemas.microsoft.com/office/drawing/2010/main" w="9525">
+              <a14:hiddenLine xmlns:a14="http://schemas.microsoft.com/office/drawing/2010/main" xmlns="" w="9525">
                 <a:solidFill>
                   <a:schemeClr val="tx1"/>
                 </a:solidFill>
@@ -23181,7 +23189,7 @@
               </a14:hiddenLine>
             </a:ext>
             <a:ext uri="{AF507438-7753-43E0-B8FC-AC1667EBCBE1}">
-              <a14:hiddenEffects xmlns:a14="http://schemas.microsoft.com/office/drawing/2010/main">
+              <a14:hiddenEffects xmlns:a14="http://schemas.microsoft.com/office/drawing/2010/main" xmlns="">
                 <a:effectLst>
                   <a:outerShdw dist="35921" dir="2700000" algn="ctr" rotWithShape="0">
                     <a:schemeClr val="bg2"/>
@@ -23249,7 +23257,7 @@
           <p:cNvPr id="4" name="Rectangle 8">
             <a:extLst>
               <a:ext uri="{FF2B5EF4-FFF2-40B4-BE49-F238E27FC236}">
-                <a16:creationId xmlns:a16="http://schemas.microsoft.com/office/drawing/2014/main" id="{E0CBE371-8058-4503-A250-42442AAE21EC}"/>
+                <a16:creationId xmlns:a16="http://schemas.microsoft.com/office/drawing/2014/main" xmlns="" id="{E0CBE371-8058-4503-A250-42442AAE21EC}"/>
               </a:ext>
             </a:extLst>
           </p:cNvPr>
@@ -23273,14 +23281,14 @@
           <a:effectLst/>
           <a:extLst>
             <a:ext uri="{909E8E84-426E-40DD-AFC4-6F175D3DCCD1}">
-              <a14:hiddenFill xmlns:a14="http://schemas.microsoft.com/office/drawing/2010/main">
+              <a14:hiddenFill xmlns:a14="http://schemas.microsoft.com/office/drawing/2010/main" xmlns="">
                 <a:solidFill>
                   <a:schemeClr val="accent1"/>
                 </a:solidFill>
               </a14:hiddenFill>
             </a:ext>
             <a:ext uri="{91240B29-F687-4F45-9708-019B960494DF}">
-              <a14:hiddenLine xmlns:a14="http://schemas.microsoft.com/office/drawing/2010/main" w="9525">
+              <a14:hiddenLine xmlns:a14="http://schemas.microsoft.com/office/drawing/2010/main" xmlns="" w="9525">
                 <a:solidFill>
                   <a:schemeClr val="tx1"/>
                 </a:solidFill>
@@ -23290,7 +23298,7 @@
               </a14:hiddenLine>
             </a:ext>
             <a:ext uri="{AF507438-7753-43E0-B8FC-AC1667EBCBE1}">
-              <a14:hiddenEffects xmlns:a14="http://schemas.microsoft.com/office/drawing/2010/main">
+              <a14:hiddenEffects xmlns:a14="http://schemas.microsoft.com/office/drawing/2010/main" xmlns="">
                 <a:effectLst>
                   <a:outerShdw dist="35921" dir="2700000" algn="ctr" rotWithShape="0">
                     <a:schemeClr val="bg2"/>
@@ -23358,7 +23366,7 @@
           <p:cNvPr id="10" name="Rectangle 9">
             <a:extLst>
               <a:ext uri="{FF2B5EF4-FFF2-40B4-BE49-F238E27FC236}">
-                <a16:creationId xmlns:a16="http://schemas.microsoft.com/office/drawing/2014/main" id="{99468FB6-6461-4A91-9E0B-2B3FC25F715E}"/>
+                <a16:creationId xmlns:a16="http://schemas.microsoft.com/office/drawing/2014/main" xmlns="" id="{99468FB6-6461-4A91-9E0B-2B3FC25F715E}"/>
               </a:ext>
             </a:extLst>
           </p:cNvPr>
@@ -23382,14 +23390,14 @@
           <a:effectLst/>
           <a:extLst>
             <a:ext uri="{909E8E84-426E-40DD-AFC4-6F175D3DCCD1}">
-              <a14:hiddenFill xmlns:a14="http://schemas.microsoft.com/office/drawing/2010/main">
+              <a14:hiddenFill xmlns:a14="http://schemas.microsoft.com/office/drawing/2010/main" xmlns="">
                 <a:solidFill>
                   <a:schemeClr val="accent1"/>
                 </a:solidFill>
               </a14:hiddenFill>
             </a:ext>
             <a:ext uri="{91240B29-F687-4F45-9708-019B960494DF}">
-              <a14:hiddenLine xmlns:a14="http://schemas.microsoft.com/office/drawing/2010/main" w="9525">
+              <a14:hiddenLine xmlns:a14="http://schemas.microsoft.com/office/drawing/2010/main" xmlns="" w="9525">
                 <a:solidFill>
                   <a:schemeClr val="tx1"/>
                 </a:solidFill>
@@ -23399,7 +23407,7 @@
               </a14:hiddenLine>
             </a:ext>
             <a:ext uri="{AF507438-7753-43E0-B8FC-AC1667EBCBE1}">
-              <a14:hiddenEffects xmlns:a14="http://schemas.microsoft.com/office/drawing/2010/main">
+              <a14:hiddenEffects xmlns:a14="http://schemas.microsoft.com/office/drawing/2010/main" xmlns="">
                 <a:effectLst>
                   <a:outerShdw dist="35921" dir="2700000" algn="ctr" rotWithShape="0">
                     <a:schemeClr val="bg2"/>
@@ -23467,7 +23475,7 @@
           <p:cNvPr id="11" name="Rectangle 10">
             <a:extLst>
               <a:ext uri="{FF2B5EF4-FFF2-40B4-BE49-F238E27FC236}">
-                <a16:creationId xmlns:a16="http://schemas.microsoft.com/office/drawing/2014/main" id="{E4D9815E-FC57-48D4-9710-C34FDAE236EF}"/>
+                <a16:creationId xmlns:a16="http://schemas.microsoft.com/office/drawing/2014/main" xmlns="" id="{E4D9815E-FC57-48D4-9710-C34FDAE236EF}"/>
               </a:ext>
             </a:extLst>
           </p:cNvPr>
@@ -23491,14 +23499,14 @@
           <a:effectLst/>
           <a:extLst>
             <a:ext uri="{909E8E84-426E-40DD-AFC4-6F175D3DCCD1}">
-              <a14:hiddenFill xmlns:a14="http://schemas.microsoft.com/office/drawing/2010/main">
+              <a14:hiddenFill xmlns:a14="http://schemas.microsoft.com/office/drawing/2010/main" xmlns="">
                 <a:solidFill>
                   <a:schemeClr val="accent1"/>
                 </a:solidFill>
               </a14:hiddenFill>
             </a:ext>
             <a:ext uri="{91240B29-F687-4F45-9708-019B960494DF}">
-              <a14:hiddenLine xmlns:a14="http://schemas.microsoft.com/office/drawing/2010/main" w="9525">
+              <a14:hiddenLine xmlns:a14="http://schemas.microsoft.com/office/drawing/2010/main" xmlns="" w="9525">
                 <a:solidFill>
                   <a:schemeClr val="tx1"/>
                 </a:solidFill>
@@ -23508,7 +23516,7 @@
               </a14:hiddenLine>
             </a:ext>
             <a:ext uri="{AF507438-7753-43E0-B8FC-AC1667EBCBE1}">
-              <a14:hiddenEffects xmlns:a14="http://schemas.microsoft.com/office/drawing/2010/main">
+              <a14:hiddenEffects xmlns:a14="http://schemas.microsoft.com/office/drawing/2010/main" xmlns="">
                 <a:effectLst>
                   <a:outerShdw dist="35921" dir="2700000" algn="ctr" rotWithShape="0">
                     <a:schemeClr val="bg2"/>
@@ -23576,7 +23584,7 @@
           <p:cNvPr id="12" name="Segnaposto contenuto 2">
             <a:extLst>
               <a:ext uri="{FF2B5EF4-FFF2-40B4-BE49-F238E27FC236}">
-                <a16:creationId xmlns:a16="http://schemas.microsoft.com/office/drawing/2014/main" id="{6B55346A-7B45-43F0-B6B4-9CFD350F7410}"/>
+                <a16:creationId xmlns:a16="http://schemas.microsoft.com/office/drawing/2014/main" xmlns="" id="{6B55346A-7B45-43F0-B6B4-9CFD350F7410}"/>
               </a:ext>
             </a:extLst>
           </p:cNvPr>
@@ -23752,7 +23760,7 @@
           <p:cNvPr id="21" name="CasellaDiTesto 20">
             <a:extLst>
               <a:ext uri="{FF2B5EF4-FFF2-40B4-BE49-F238E27FC236}">
-                <a16:creationId xmlns:a16="http://schemas.microsoft.com/office/drawing/2014/main" id="{06404A80-AB25-46AA-AACA-C85B9C0735BB}"/>
+                <a16:creationId xmlns:a16="http://schemas.microsoft.com/office/drawing/2014/main" xmlns="" id="{06404A80-AB25-46AA-AACA-C85B9C0735BB}"/>
               </a:ext>
             </a:extLst>
           </p:cNvPr>
@@ -23796,7 +23804,7 @@
           <p:cNvPr id="22" name="CasellaDiTesto 21">
             <a:extLst>
               <a:ext uri="{FF2B5EF4-FFF2-40B4-BE49-F238E27FC236}">
-                <a16:creationId xmlns:a16="http://schemas.microsoft.com/office/drawing/2014/main" id="{668096B2-6438-4407-9090-1AC58395B6FF}"/>
+                <a16:creationId xmlns:a16="http://schemas.microsoft.com/office/drawing/2014/main" xmlns="" id="{668096B2-6438-4407-9090-1AC58395B6FF}"/>
               </a:ext>
             </a:extLst>
           </p:cNvPr>
@@ -24146,7 +24154,7 @@
           <p:cNvPr id="5" name="CasellaDiTesto 4">
             <a:extLst>
               <a:ext uri="{FF2B5EF4-FFF2-40B4-BE49-F238E27FC236}">
-                <a16:creationId xmlns:a16="http://schemas.microsoft.com/office/drawing/2014/main" id="{41BAB8D5-FD07-4549-826E-FFEBF87D1079}"/>
+                <a16:creationId xmlns:a16="http://schemas.microsoft.com/office/drawing/2014/main" xmlns="" id="{41BAB8D5-FD07-4549-826E-FFEBF87D1079}"/>
               </a:ext>
             </a:extLst>
           </p:cNvPr>
@@ -24192,7 +24200,7 @@
     </p:spTree>
     <p:extLst>
       <p:ext uri="{BB962C8B-B14F-4D97-AF65-F5344CB8AC3E}">
-        <p14:creationId xmlns:p14="http://schemas.microsoft.com/office/powerpoint/2010/main" val="3922649244"/>
+        <p14:creationId xmlns:p14="http://schemas.microsoft.com/office/powerpoint/2010/main" xmlns="" val="3922649244"/>
       </p:ext>
     </p:extLst>
   </p:cSld>
@@ -24224,7 +24232,7 @@
           <p:cNvPr id="4" name="Titolo 1">
             <a:extLst>
               <a:ext uri="{FF2B5EF4-FFF2-40B4-BE49-F238E27FC236}">
-                <a16:creationId xmlns:a16="http://schemas.microsoft.com/office/drawing/2014/main" id="{9835FFCD-7215-413B-8894-E3C0B40096DE}"/>
+                <a16:creationId xmlns:a16="http://schemas.microsoft.com/office/drawing/2014/main" xmlns="" id="{9835FFCD-7215-413B-8894-E3C0B40096DE}"/>
               </a:ext>
             </a:extLst>
           </p:cNvPr>
@@ -24293,7 +24301,7 @@
           <p:cNvPr id="9" name="Immagine 8">
             <a:extLst>
               <a:ext uri="{FF2B5EF4-FFF2-40B4-BE49-F238E27FC236}">
-                <a16:creationId xmlns:a16="http://schemas.microsoft.com/office/drawing/2014/main" id="{40EB505B-7149-49A2-B454-29193F7D3F6A}"/>
+                <a16:creationId xmlns:a16="http://schemas.microsoft.com/office/drawing/2014/main" xmlns="" id="{40EB505B-7149-49A2-B454-29193F7D3F6A}"/>
               </a:ext>
             </a:extLst>
           </p:cNvPr>
@@ -24323,7 +24331,7 @@
           <p:cNvPr id="11" name="CasellaDiTesto 10">
             <a:extLst>
               <a:ext uri="{FF2B5EF4-FFF2-40B4-BE49-F238E27FC236}">
-                <a16:creationId xmlns:a16="http://schemas.microsoft.com/office/drawing/2014/main" id="{819D419F-5164-4F34-A366-4900F9CF529F}"/>
+                <a16:creationId xmlns:a16="http://schemas.microsoft.com/office/drawing/2014/main" xmlns="" id="{819D419F-5164-4F34-A366-4900F9CF529F}"/>
               </a:ext>
             </a:extLst>
           </p:cNvPr>
@@ -24376,7 +24384,7 @@
     </p:spTree>
     <p:extLst>
       <p:ext uri="{BB962C8B-B14F-4D97-AF65-F5344CB8AC3E}">
-        <p14:creationId xmlns:p14="http://schemas.microsoft.com/office/powerpoint/2010/main" val="1777676950"/>
+        <p14:creationId xmlns:p14="http://schemas.microsoft.com/office/powerpoint/2010/main" xmlns="" val="1777676950"/>
       </p:ext>
     </p:extLst>
   </p:cSld>
@@ -24408,7 +24416,7 @@
           <p:cNvPr id="9" name="Segnaposto contenuto 2">
             <a:extLst>
               <a:ext uri="{FF2B5EF4-FFF2-40B4-BE49-F238E27FC236}">
-                <a16:creationId xmlns:a16="http://schemas.microsoft.com/office/drawing/2014/main" id="{89886170-B615-43F8-AA8E-D5565391C42A}"/>
+                <a16:creationId xmlns:a16="http://schemas.microsoft.com/office/drawing/2014/main" xmlns="" id="{89886170-B615-43F8-AA8E-D5565391C42A}"/>
               </a:ext>
             </a:extLst>
           </p:cNvPr>
@@ -24591,7 +24599,7 @@
           <p:cNvPr id="6" name="Titolo 1">
             <a:extLst>
               <a:ext uri="{FF2B5EF4-FFF2-40B4-BE49-F238E27FC236}">
-                <a16:creationId xmlns:a16="http://schemas.microsoft.com/office/drawing/2014/main" id="{32602169-0966-4893-B032-33CFCD986CA0}"/>
+                <a16:creationId xmlns:a16="http://schemas.microsoft.com/office/drawing/2014/main" xmlns="" id="{32602169-0966-4893-B032-33CFCD986CA0}"/>
               </a:ext>
             </a:extLst>
           </p:cNvPr>
@@ -24660,7 +24668,7 @@
           <p:cNvPr id="2" name="Rectangle 6">
             <a:extLst>
               <a:ext uri="{FF2B5EF4-FFF2-40B4-BE49-F238E27FC236}">
-                <a16:creationId xmlns:a16="http://schemas.microsoft.com/office/drawing/2014/main" id="{FC5724C9-24A0-4B40-9A3A-FE717EF7AA55}"/>
+                <a16:creationId xmlns:a16="http://schemas.microsoft.com/office/drawing/2014/main" xmlns="" id="{FC5724C9-24A0-4B40-9A3A-FE717EF7AA55}"/>
               </a:ext>
             </a:extLst>
           </p:cNvPr>
@@ -24684,14 +24692,14 @@
           <a:effectLst/>
           <a:extLst>
             <a:ext uri="{909E8E84-426E-40DD-AFC4-6F175D3DCCD1}">
-              <a14:hiddenFill xmlns:a14="http://schemas.microsoft.com/office/drawing/2010/main">
+              <a14:hiddenFill xmlns:a14="http://schemas.microsoft.com/office/drawing/2010/main" xmlns="">
                 <a:solidFill>
                   <a:schemeClr val="accent1"/>
                 </a:solidFill>
               </a14:hiddenFill>
             </a:ext>
             <a:ext uri="{91240B29-F687-4F45-9708-019B960494DF}">
-              <a14:hiddenLine xmlns:a14="http://schemas.microsoft.com/office/drawing/2010/main" w="9525">
+              <a14:hiddenLine xmlns:a14="http://schemas.microsoft.com/office/drawing/2010/main" xmlns="" w="9525">
                 <a:solidFill>
                   <a:schemeClr val="tx1"/>
                 </a:solidFill>
@@ -24701,7 +24709,7 @@
               </a14:hiddenLine>
             </a:ext>
             <a:ext uri="{AF507438-7753-43E0-B8FC-AC1667EBCBE1}">
-              <a14:hiddenEffects xmlns:a14="http://schemas.microsoft.com/office/drawing/2010/main">
+              <a14:hiddenEffects xmlns:a14="http://schemas.microsoft.com/office/drawing/2010/main" xmlns="">
                 <a:effectLst>
                   <a:outerShdw dist="35921" dir="2700000" algn="ctr" rotWithShape="0">
                     <a:schemeClr val="bg2"/>
@@ -24729,7 +24737,7 @@
           <p:cNvPr id="3" name="Rectangle 7">
             <a:extLst>
               <a:ext uri="{FF2B5EF4-FFF2-40B4-BE49-F238E27FC236}">
-                <a16:creationId xmlns:a16="http://schemas.microsoft.com/office/drawing/2014/main" id="{C08042F5-96DB-4FE6-B699-C1DFAB71C0C5}"/>
+                <a16:creationId xmlns:a16="http://schemas.microsoft.com/office/drawing/2014/main" xmlns="" id="{C08042F5-96DB-4FE6-B699-C1DFAB71C0C5}"/>
               </a:ext>
             </a:extLst>
           </p:cNvPr>
@@ -24753,14 +24761,14 @@
           <a:effectLst/>
           <a:extLst>
             <a:ext uri="{909E8E84-426E-40DD-AFC4-6F175D3DCCD1}">
-              <a14:hiddenFill xmlns:a14="http://schemas.microsoft.com/office/drawing/2010/main">
+              <a14:hiddenFill xmlns:a14="http://schemas.microsoft.com/office/drawing/2010/main" xmlns="">
                 <a:solidFill>
                   <a:schemeClr val="accent1"/>
                 </a:solidFill>
               </a14:hiddenFill>
             </a:ext>
             <a:ext uri="{91240B29-F687-4F45-9708-019B960494DF}">
-              <a14:hiddenLine xmlns:a14="http://schemas.microsoft.com/office/drawing/2010/main" w="9525">
+              <a14:hiddenLine xmlns:a14="http://schemas.microsoft.com/office/drawing/2010/main" xmlns="" w="9525">
                 <a:solidFill>
                   <a:schemeClr val="tx1"/>
                 </a:solidFill>
@@ -24770,7 +24778,7 @@
               </a14:hiddenLine>
             </a:ext>
             <a:ext uri="{AF507438-7753-43E0-B8FC-AC1667EBCBE1}">
-              <a14:hiddenEffects xmlns:a14="http://schemas.microsoft.com/office/drawing/2010/main">
+              <a14:hiddenEffects xmlns:a14="http://schemas.microsoft.com/office/drawing/2010/main" xmlns="">
                 <a:effectLst>
                   <a:outerShdw dist="35921" dir="2700000" algn="ctr" rotWithShape="0">
                     <a:schemeClr val="bg2"/>
@@ -24838,7 +24846,7 @@
           <p:cNvPr id="4" name="Rectangle 8">
             <a:extLst>
               <a:ext uri="{FF2B5EF4-FFF2-40B4-BE49-F238E27FC236}">
-                <a16:creationId xmlns:a16="http://schemas.microsoft.com/office/drawing/2014/main" id="{E0CBE371-8058-4503-A250-42442AAE21EC}"/>
+                <a16:creationId xmlns:a16="http://schemas.microsoft.com/office/drawing/2014/main" xmlns="" id="{E0CBE371-8058-4503-A250-42442AAE21EC}"/>
               </a:ext>
             </a:extLst>
           </p:cNvPr>
@@ -24862,14 +24870,14 @@
           <a:effectLst/>
           <a:extLst>
             <a:ext uri="{909E8E84-426E-40DD-AFC4-6F175D3DCCD1}">
-              <a14:hiddenFill xmlns:a14="http://schemas.microsoft.com/office/drawing/2010/main">
+              <a14:hiddenFill xmlns:a14="http://schemas.microsoft.com/office/drawing/2010/main" xmlns="">
                 <a:solidFill>
                   <a:schemeClr val="accent1"/>
                 </a:solidFill>
               </a14:hiddenFill>
             </a:ext>
             <a:ext uri="{91240B29-F687-4F45-9708-019B960494DF}">
-              <a14:hiddenLine xmlns:a14="http://schemas.microsoft.com/office/drawing/2010/main" w="9525">
+              <a14:hiddenLine xmlns:a14="http://schemas.microsoft.com/office/drawing/2010/main" xmlns="" w="9525">
                 <a:solidFill>
                   <a:schemeClr val="tx1"/>
                 </a:solidFill>
@@ -24879,7 +24887,7 @@
               </a14:hiddenLine>
             </a:ext>
             <a:ext uri="{AF507438-7753-43E0-B8FC-AC1667EBCBE1}">
-              <a14:hiddenEffects xmlns:a14="http://schemas.microsoft.com/office/drawing/2010/main">
+              <a14:hiddenEffects xmlns:a14="http://schemas.microsoft.com/office/drawing/2010/main" xmlns="">
                 <a:effectLst>
                   <a:outerShdw dist="35921" dir="2700000" algn="ctr" rotWithShape="0">
                     <a:schemeClr val="bg2"/>
@@ -24947,7 +24955,7 @@
           <p:cNvPr id="10" name="Rectangle 9">
             <a:extLst>
               <a:ext uri="{FF2B5EF4-FFF2-40B4-BE49-F238E27FC236}">
-                <a16:creationId xmlns:a16="http://schemas.microsoft.com/office/drawing/2014/main" id="{99468FB6-6461-4A91-9E0B-2B3FC25F715E}"/>
+                <a16:creationId xmlns:a16="http://schemas.microsoft.com/office/drawing/2014/main" xmlns="" id="{99468FB6-6461-4A91-9E0B-2B3FC25F715E}"/>
               </a:ext>
             </a:extLst>
           </p:cNvPr>
@@ -24971,14 +24979,14 @@
           <a:effectLst/>
           <a:extLst>
             <a:ext uri="{909E8E84-426E-40DD-AFC4-6F175D3DCCD1}">
-              <a14:hiddenFill xmlns:a14="http://schemas.microsoft.com/office/drawing/2010/main">
+              <a14:hiddenFill xmlns:a14="http://schemas.microsoft.com/office/drawing/2010/main" xmlns="">
                 <a:solidFill>
                   <a:schemeClr val="accent1"/>
                 </a:solidFill>
               </a14:hiddenFill>
             </a:ext>
             <a:ext uri="{91240B29-F687-4F45-9708-019B960494DF}">
-              <a14:hiddenLine xmlns:a14="http://schemas.microsoft.com/office/drawing/2010/main" w="9525">
+              <a14:hiddenLine xmlns:a14="http://schemas.microsoft.com/office/drawing/2010/main" xmlns="" w="9525">
                 <a:solidFill>
                   <a:schemeClr val="tx1"/>
                 </a:solidFill>
@@ -24988,7 +24996,7 @@
               </a14:hiddenLine>
             </a:ext>
             <a:ext uri="{AF507438-7753-43E0-B8FC-AC1667EBCBE1}">
-              <a14:hiddenEffects xmlns:a14="http://schemas.microsoft.com/office/drawing/2010/main">
+              <a14:hiddenEffects xmlns:a14="http://schemas.microsoft.com/office/drawing/2010/main" xmlns="">
                 <a:effectLst>
                   <a:outerShdw dist="35921" dir="2700000" algn="ctr" rotWithShape="0">
                     <a:schemeClr val="bg2"/>
@@ -25056,7 +25064,7 @@
           <p:cNvPr id="11" name="Rectangle 10">
             <a:extLst>
               <a:ext uri="{FF2B5EF4-FFF2-40B4-BE49-F238E27FC236}">
-                <a16:creationId xmlns:a16="http://schemas.microsoft.com/office/drawing/2014/main" id="{E4D9815E-FC57-48D4-9710-C34FDAE236EF}"/>
+                <a16:creationId xmlns:a16="http://schemas.microsoft.com/office/drawing/2014/main" xmlns="" id="{E4D9815E-FC57-48D4-9710-C34FDAE236EF}"/>
               </a:ext>
             </a:extLst>
           </p:cNvPr>
@@ -25080,14 +25088,14 @@
           <a:effectLst/>
           <a:extLst>
             <a:ext uri="{909E8E84-426E-40DD-AFC4-6F175D3DCCD1}">
-              <a14:hiddenFill xmlns:a14="http://schemas.microsoft.com/office/drawing/2010/main">
+              <a14:hiddenFill xmlns:a14="http://schemas.microsoft.com/office/drawing/2010/main" xmlns="">
                 <a:solidFill>
                   <a:schemeClr val="accent1"/>
                 </a:solidFill>
               </a14:hiddenFill>
             </a:ext>
             <a:ext uri="{91240B29-F687-4F45-9708-019B960494DF}">
-              <a14:hiddenLine xmlns:a14="http://schemas.microsoft.com/office/drawing/2010/main" w="9525">
+              <a14:hiddenLine xmlns:a14="http://schemas.microsoft.com/office/drawing/2010/main" xmlns="" w="9525">
                 <a:solidFill>
                   <a:schemeClr val="tx1"/>
                 </a:solidFill>
@@ -25097,7 +25105,7 @@
               </a14:hiddenLine>
             </a:ext>
             <a:ext uri="{AF507438-7753-43E0-B8FC-AC1667EBCBE1}">
-              <a14:hiddenEffects xmlns:a14="http://schemas.microsoft.com/office/drawing/2010/main">
+              <a14:hiddenEffects xmlns:a14="http://schemas.microsoft.com/office/drawing/2010/main" xmlns="">
                 <a:effectLst>
                   <a:outerShdw dist="35921" dir="2700000" algn="ctr" rotWithShape="0">
                     <a:schemeClr val="bg2"/>
@@ -25165,7 +25173,7 @@
           <p:cNvPr id="12" name="Segnaposto contenuto 2">
             <a:extLst>
               <a:ext uri="{FF2B5EF4-FFF2-40B4-BE49-F238E27FC236}">
-                <a16:creationId xmlns:a16="http://schemas.microsoft.com/office/drawing/2014/main" id="{6B55346A-7B45-43F0-B6B4-9CFD350F7410}"/>
+                <a16:creationId xmlns:a16="http://schemas.microsoft.com/office/drawing/2014/main" xmlns="" id="{6B55346A-7B45-43F0-B6B4-9CFD350F7410}"/>
               </a:ext>
             </a:extLst>
           </p:cNvPr>
@@ -25341,7 +25349,7 @@
           <p:cNvPr id="21" name="CasellaDiTesto 20">
             <a:extLst>
               <a:ext uri="{FF2B5EF4-FFF2-40B4-BE49-F238E27FC236}">
-                <a16:creationId xmlns:a16="http://schemas.microsoft.com/office/drawing/2014/main" id="{06404A80-AB25-46AA-AACA-C85B9C0735BB}"/>
+                <a16:creationId xmlns:a16="http://schemas.microsoft.com/office/drawing/2014/main" xmlns="" id="{06404A80-AB25-46AA-AACA-C85B9C0735BB}"/>
               </a:ext>
             </a:extLst>
           </p:cNvPr>
@@ -25381,7 +25389,7 @@
           <p:cNvPr id="22" name="CasellaDiTesto 21">
             <a:extLst>
               <a:ext uri="{FF2B5EF4-FFF2-40B4-BE49-F238E27FC236}">
-                <a16:creationId xmlns:a16="http://schemas.microsoft.com/office/drawing/2014/main" id="{668096B2-6438-4407-9090-1AC58395B6FF}"/>
+                <a16:creationId xmlns:a16="http://schemas.microsoft.com/office/drawing/2014/main" xmlns="" id="{668096B2-6438-4407-9090-1AC58395B6FF}"/>
               </a:ext>
             </a:extLst>
           </p:cNvPr>
@@ -25728,7 +25736,7 @@
           <p:cNvPr id="13" name="CasellaDiTesto 12">
             <a:extLst>
               <a:ext uri="{FF2B5EF4-FFF2-40B4-BE49-F238E27FC236}">
-                <a16:creationId xmlns:a16="http://schemas.microsoft.com/office/drawing/2014/main" id="{6C773C28-4AD3-48D2-A238-082301BCCFB6}"/>
+                <a16:creationId xmlns:a16="http://schemas.microsoft.com/office/drawing/2014/main" xmlns="" id="{6C773C28-4AD3-48D2-A238-082301BCCFB6}"/>
               </a:ext>
             </a:extLst>
           </p:cNvPr>
@@ -25762,7 +25770,7 @@
     </p:spTree>
     <p:extLst>
       <p:ext uri="{BB962C8B-B14F-4D97-AF65-F5344CB8AC3E}">
-        <p14:creationId xmlns:p14="http://schemas.microsoft.com/office/powerpoint/2010/main" val="598392021"/>
+        <p14:creationId xmlns:p14="http://schemas.microsoft.com/office/powerpoint/2010/main" xmlns="" val="598392021"/>
       </p:ext>
     </p:extLst>
   </p:cSld>
@@ -25794,7 +25802,7 @@
           <p:cNvPr id="2" name="Immagine 1">
             <a:extLst>
               <a:ext uri="{FF2B5EF4-FFF2-40B4-BE49-F238E27FC236}">
-                <a16:creationId xmlns:a16="http://schemas.microsoft.com/office/drawing/2014/main" id="{D4209131-7A47-4680-A74D-035E8E785ADA}"/>
+                <a16:creationId xmlns:a16="http://schemas.microsoft.com/office/drawing/2014/main" xmlns="" id="{D4209131-7A47-4680-A74D-035E8E785ADA}"/>
               </a:ext>
             </a:extLst>
           </p:cNvPr>
@@ -25824,7 +25832,7 @@
           <p:cNvPr id="3" name="CasellaDiTesto 2">
             <a:extLst>
               <a:ext uri="{FF2B5EF4-FFF2-40B4-BE49-F238E27FC236}">
-                <a16:creationId xmlns:a16="http://schemas.microsoft.com/office/drawing/2014/main" id="{39214C3A-B6DD-4256-B431-05F611C3C755}"/>
+                <a16:creationId xmlns:a16="http://schemas.microsoft.com/office/drawing/2014/main" xmlns="" id="{39214C3A-B6DD-4256-B431-05F611C3C755}"/>
               </a:ext>
             </a:extLst>
           </p:cNvPr>
@@ -25955,7 +25963,7 @@
           <p:cNvPr id="4" name="Titolo 1">
             <a:extLst>
               <a:ext uri="{FF2B5EF4-FFF2-40B4-BE49-F238E27FC236}">
-                <a16:creationId xmlns:a16="http://schemas.microsoft.com/office/drawing/2014/main" id="{D35507EC-FEF0-4B1D-9175-124D3764F163}"/>
+                <a16:creationId xmlns:a16="http://schemas.microsoft.com/office/drawing/2014/main" xmlns="" id="{D35507EC-FEF0-4B1D-9175-124D3764F163}"/>
               </a:ext>
             </a:extLst>
           </p:cNvPr>
@@ -26022,7 +26030,7 @@
     </p:spTree>
     <p:extLst>
       <p:ext uri="{BB962C8B-B14F-4D97-AF65-F5344CB8AC3E}">
-        <p14:creationId xmlns:p14="http://schemas.microsoft.com/office/powerpoint/2010/main" val="2987197199"/>
+        <p14:creationId xmlns:p14="http://schemas.microsoft.com/office/powerpoint/2010/main" xmlns="" val="2987197199"/>
       </p:ext>
     </p:extLst>
   </p:cSld>
@@ -26054,7 +26062,7 @@
           <p:cNvPr id="2" name="Titolo 1">
             <a:extLst>
               <a:ext uri="{FF2B5EF4-FFF2-40B4-BE49-F238E27FC236}">
-                <a16:creationId xmlns:a16="http://schemas.microsoft.com/office/drawing/2014/main" id="{5326268A-07EA-4858-962B-C4BE46DC2C59}"/>
+                <a16:creationId xmlns:a16="http://schemas.microsoft.com/office/drawing/2014/main" xmlns="" id="{5326268A-07EA-4858-962B-C4BE46DC2C59}"/>
               </a:ext>
             </a:extLst>
           </p:cNvPr>
@@ -26123,7 +26131,7 @@
           <p:cNvPr id="3" name="CasellaDiTesto 2">
             <a:extLst>
               <a:ext uri="{FF2B5EF4-FFF2-40B4-BE49-F238E27FC236}">
-                <a16:creationId xmlns:a16="http://schemas.microsoft.com/office/drawing/2014/main" id="{4B6591E6-BA33-4294-BAC8-9624E5AD0485}"/>
+                <a16:creationId xmlns:a16="http://schemas.microsoft.com/office/drawing/2014/main" xmlns="" id="{4B6591E6-BA33-4294-BAC8-9624E5AD0485}"/>
               </a:ext>
             </a:extLst>
           </p:cNvPr>
@@ -26458,7 +26466,7 @@
           <p:cNvPr id="4" name="CasellaDiTesto 3">
             <a:extLst>
               <a:ext uri="{FF2B5EF4-FFF2-40B4-BE49-F238E27FC236}">
-                <a16:creationId xmlns:a16="http://schemas.microsoft.com/office/drawing/2014/main" id="{56133E89-75C3-4991-8C88-F821FE270BA1}"/>
+                <a16:creationId xmlns:a16="http://schemas.microsoft.com/office/drawing/2014/main" xmlns="" id="{56133E89-75C3-4991-8C88-F821FE270BA1}"/>
               </a:ext>
             </a:extLst>
           </p:cNvPr>
@@ -26506,7 +26514,7 @@
           <p:cNvPr id="5" name="CasellaDiTesto 4">
             <a:extLst>
               <a:ext uri="{FF2B5EF4-FFF2-40B4-BE49-F238E27FC236}">
-                <a16:creationId xmlns:a16="http://schemas.microsoft.com/office/drawing/2014/main" id="{70674E8D-C078-4DE8-83D7-61845D9F535C}"/>
+                <a16:creationId xmlns:a16="http://schemas.microsoft.com/office/drawing/2014/main" xmlns="" id="{70674E8D-C078-4DE8-83D7-61845D9F535C}"/>
               </a:ext>
             </a:extLst>
           </p:cNvPr>
@@ -26540,7 +26548,7 @@
     </p:spTree>
     <p:extLst>
       <p:ext uri="{BB962C8B-B14F-4D97-AF65-F5344CB8AC3E}">
-        <p14:creationId xmlns:p14="http://schemas.microsoft.com/office/powerpoint/2010/main" val="2239016178"/>
+        <p14:creationId xmlns:p14="http://schemas.microsoft.com/office/powerpoint/2010/main" xmlns="" val="2239016178"/>
       </p:ext>
     </p:extLst>
   </p:cSld>
@@ -26572,7 +26580,7 @@
           <p:cNvPr id="2" name="Immagine 1">
             <a:extLst>
               <a:ext uri="{FF2B5EF4-FFF2-40B4-BE49-F238E27FC236}">
-                <a16:creationId xmlns:a16="http://schemas.microsoft.com/office/drawing/2014/main" id="{3163D2D4-0BD4-4271-B77D-3DFA624BED5C}"/>
+                <a16:creationId xmlns:a16="http://schemas.microsoft.com/office/drawing/2014/main" xmlns="" id="{3163D2D4-0BD4-4271-B77D-3DFA624BED5C}"/>
               </a:ext>
             </a:extLst>
           </p:cNvPr>
@@ -26602,7 +26610,7 @@
           <p:cNvPr id="3" name="Titolo 1">
             <a:extLst>
               <a:ext uri="{FF2B5EF4-FFF2-40B4-BE49-F238E27FC236}">
-                <a16:creationId xmlns:a16="http://schemas.microsoft.com/office/drawing/2014/main" id="{A7B2D814-CD09-44E4-BDDF-F8553BD109EA}"/>
+                <a16:creationId xmlns:a16="http://schemas.microsoft.com/office/drawing/2014/main" xmlns="" id="{A7B2D814-CD09-44E4-BDDF-F8553BD109EA}"/>
               </a:ext>
             </a:extLst>
           </p:cNvPr>
@@ -26671,7 +26679,7 @@
           <p:cNvPr id="4" name="CasellaDiTesto 3">
             <a:extLst>
               <a:ext uri="{FF2B5EF4-FFF2-40B4-BE49-F238E27FC236}">
-                <a16:creationId xmlns:a16="http://schemas.microsoft.com/office/drawing/2014/main" id="{02A14900-ACDB-489C-823A-AE3FDA918908}"/>
+                <a16:creationId xmlns:a16="http://schemas.microsoft.com/office/drawing/2014/main" xmlns="" id="{02A14900-ACDB-489C-823A-AE3FDA918908}"/>
               </a:ext>
             </a:extLst>
           </p:cNvPr>
@@ -26774,7 +26782,7 @@
     </p:spTree>
     <p:extLst>
       <p:ext uri="{BB962C8B-B14F-4D97-AF65-F5344CB8AC3E}">
-        <p14:creationId xmlns:p14="http://schemas.microsoft.com/office/powerpoint/2010/main" val="669338267"/>
+        <p14:creationId xmlns:p14="http://schemas.microsoft.com/office/powerpoint/2010/main" xmlns="" val="669338267"/>
       </p:ext>
     </p:extLst>
   </p:cSld>
@@ -26806,7 +26814,7 @@
           <p:cNvPr id="3" name="Titolo 1">
             <a:extLst>
               <a:ext uri="{FF2B5EF4-FFF2-40B4-BE49-F238E27FC236}">
-                <a16:creationId xmlns:a16="http://schemas.microsoft.com/office/drawing/2014/main" id="{A7B2D814-CD09-44E4-BDDF-F8553BD109EA}"/>
+                <a16:creationId xmlns:a16="http://schemas.microsoft.com/office/drawing/2014/main" xmlns="" id="{A7B2D814-CD09-44E4-BDDF-F8553BD109EA}"/>
               </a:ext>
             </a:extLst>
           </p:cNvPr>
@@ -26875,7 +26883,7 @@
           <p:cNvPr id="4" name="CasellaDiTesto 3">
             <a:extLst>
               <a:ext uri="{FF2B5EF4-FFF2-40B4-BE49-F238E27FC236}">
-                <a16:creationId xmlns:a16="http://schemas.microsoft.com/office/drawing/2014/main" id="{02A14900-ACDB-489C-823A-AE3FDA918908}"/>
+                <a16:creationId xmlns:a16="http://schemas.microsoft.com/office/drawing/2014/main" xmlns="" id="{02A14900-ACDB-489C-823A-AE3FDA918908}"/>
               </a:ext>
             </a:extLst>
           </p:cNvPr>
@@ -26919,7 +26927,7 @@
           <p:cNvPr id="5" name="Immagine 4">
             <a:extLst>
               <a:ext uri="{FF2B5EF4-FFF2-40B4-BE49-F238E27FC236}">
-                <a16:creationId xmlns:a16="http://schemas.microsoft.com/office/drawing/2014/main" id="{061F8370-B4EA-4559-8045-3337D381B130}"/>
+                <a16:creationId xmlns:a16="http://schemas.microsoft.com/office/drawing/2014/main" xmlns="" id="{061F8370-B4EA-4559-8045-3337D381B130}"/>
               </a:ext>
             </a:extLst>
           </p:cNvPr>
@@ -26947,7 +26955,7 @@
     </p:spTree>
     <p:extLst>
       <p:ext uri="{BB962C8B-B14F-4D97-AF65-F5344CB8AC3E}">
-        <p14:creationId xmlns:p14="http://schemas.microsoft.com/office/powerpoint/2010/main" val="4209516887"/>
+        <p14:creationId xmlns:p14="http://schemas.microsoft.com/office/powerpoint/2010/main" xmlns="" val="4209516887"/>
       </p:ext>
     </p:extLst>
   </p:cSld>
@@ -26979,7 +26987,7 @@
           <p:cNvPr id="9" name="Segnaposto contenuto 2">
             <a:extLst>
               <a:ext uri="{FF2B5EF4-FFF2-40B4-BE49-F238E27FC236}">
-                <a16:creationId xmlns:a16="http://schemas.microsoft.com/office/drawing/2014/main" id="{89886170-B615-43F8-AA8E-D5565391C42A}"/>
+                <a16:creationId xmlns:a16="http://schemas.microsoft.com/office/drawing/2014/main" xmlns="" id="{89886170-B615-43F8-AA8E-D5565391C42A}"/>
               </a:ext>
             </a:extLst>
           </p:cNvPr>
@@ -27162,7 +27170,7 @@
           <p:cNvPr id="6" name="Titolo 1">
             <a:extLst>
               <a:ext uri="{FF2B5EF4-FFF2-40B4-BE49-F238E27FC236}">
-                <a16:creationId xmlns:a16="http://schemas.microsoft.com/office/drawing/2014/main" id="{32602169-0966-4893-B032-33CFCD986CA0}"/>
+                <a16:creationId xmlns:a16="http://schemas.microsoft.com/office/drawing/2014/main" xmlns="" id="{32602169-0966-4893-B032-33CFCD986CA0}"/>
               </a:ext>
             </a:extLst>
           </p:cNvPr>
@@ -27231,7 +27239,7 @@
           <p:cNvPr id="2" name="Rectangle 6">
             <a:extLst>
               <a:ext uri="{FF2B5EF4-FFF2-40B4-BE49-F238E27FC236}">
-                <a16:creationId xmlns:a16="http://schemas.microsoft.com/office/drawing/2014/main" id="{FC5724C9-24A0-4B40-9A3A-FE717EF7AA55}"/>
+                <a16:creationId xmlns:a16="http://schemas.microsoft.com/office/drawing/2014/main" xmlns="" id="{FC5724C9-24A0-4B40-9A3A-FE717EF7AA55}"/>
               </a:ext>
             </a:extLst>
           </p:cNvPr>
@@ -27255,14 +27263,14 @@
           <a:effectLst/>
           <a:extLst>
             <a:ext uri="{909E8E84-426E-40DD-AFC4-6F175D3DCCD1}">
-              <a14:hiddenFill xmlns:a14="http://schemas.microsoft.com/office/drawing/2010/main">
+              <a14:hiddenFill xmlns:a14="http://schemas.microsoft.com/office/drawing/2010/main" xmlns="">
                 <a:solidFill>
                   <a:schemeClr val="accent1"/>
                 </a:solidFill>
               </a14:hiddenFill>
             </a:ext>
             <a:ext uri="{91240B29-F687-4F45-9708-019B960494DF}">
-              <a14:hiddenLine xmlns:a14="http://schemas.microsoft.com/office/drawing/2010/main" w="9525">
+              <a14:hiddenLine xmlns:a14="http://schemas.microsoft.com/office/drawing/2010/main" xmlns="" w="9525">
                 <a:solidFill>
                   <a:schemeClr val="tx1"/>
                 </a:solidFill>
@@ -27272,7 +27280,7 @@
               </a14:hiddenLine>
             </a:ext>
             <a:ext uri="{AF507438-7753-43E0-B8FC-AC1667EBCBE1}">
-              <a14:hiddenEffects xmlns:a14="http://schemas.microsoft.com/office/drawing/2010/main">
+              <a14:hiddenEffects xmlns:a14="http://schemas.microsoft.com/office/drawing/2010/main" xmlns="">
                 <a:effectLst>
                   <a:outerShdw dist="35921" dir="2700000" algn="ctr" rotWithShape="0">
                     <a:schemeClr val="bg2"/>
@@ -27300,7 +27308,7 @@
           <p:cNvPr id="3" name="Rectangle 7">
             <a:extLst>
               <a:ext uri="{FF2B5EF4-FFF2-40B4-BE49-F238E27FC236}">
-                <a16:creationId xmlns:a16="http://schemas.microsoft.com/office/drawing/2014/main" id="{C08042F5-96DB-4FE6-B699-C1DFAB71C0C5}"/>
+                <a16:creationId xmlns:a16="http://schemas.microsoft.com/office/drawing/2014/main" xmlns="" id="{C08042F5-96DB-4FE6-B699-C1DFAB71C0C5}"/>
               </a:ext>
             </a:extLst>
           </p:cNvPr>
@@ -27324,14 +27332,14 @@
           <a:effectLst/>
           <a:extLst>
             <a:ext uri="{909E8E84-426E-40DD-AFC4-6F175D3DCCD1}">
-              <a14:hiddenFill xmlns:a14="http://schemas.microsoft.com/office/drawing/2010/main">
+              <a14:hiddenFill xmlns:a14="http://schemas.microsoft.com/office/drawing/2010/main" xmlns="">
                 <a:solidFill>
                   <a:schemeClr val="accent1"/>
                 </a:solidFill>
               </a14:hiddenFill>
             </a:ext>
             <a:ext uri="{91240B29-F687-4F45-9708-019B960494DF}">
-              <a14:hiddenLine xmlns:a14="http://schemas.microsoft.com/office/drawing/2010/main" w="9525">
+              <a14:hiddenLine xmlns:a14="http://schemas.microsoft.com/office/drawing/2010/main" xmlns="" w="9525">
                 <a:solidFill>
                   <a:schemeClr val="tx1"/>
                 </a:solidFill>
@@ -27341,7 +27349,7 @@
               </a14:hiddenLine>
             </a:ext>
             <a:ext uri="{AF507438-7753-43E0-B8FC-AC1667EBCBE1}">
-              <a14:hiddenEffects xmlns:a14="http://schemas.microsoft.com/office/drawing/2010/main">
+              <a14:hiddenEffects xmlns:a14="http://schemas.microsoft.com/office/drawing/2010/main" xmlns="">
                 <a:effectLst>
                   <a:outerShdw dist="35921" dir="2700000" algn="ctr" rotWithShape="0">
                     <a:schemeClr val="bg2"/>
@@ -27409,7 +27417,7 @@
           <p:cNvPr id="4" name="Rectangle 8">
             <a:extLst>
               <a:ext uri="{FF2B5EF4-FFF2-40B4-BE49-F238E27FC236}">
-                <a16:creationId xmlns:a16="http://schemas.microsoft.com/office/drawing/2014/main" id="{E0CBE371-8058-4503-A250-42442AAE21EC}"/>
+                <a16:creationId xmlns:a16="http://schemas.microsoft.com/office/drawing/2014/main" xmlns="" id="{E0CBE371-8058-4503-A250-42442AAE21EC}"/>
               </a:ext>
             </a:extLst>
           </p:cNvPr>
@@ -27433,14 +27441,14 @@
           <a:effectLst/>
           <a:extLst>
             <a:ext uri="{909E8E84-426E-40DD-AFC4-6F175D3DCCD1}">
-              <a14:hiddenFill xmlns:a14="http://schemas.microsoft.com/office/drawing/2010/main">
+              <a14:hiddenFill xmlns:a14="http://schemas.microsoft.com/office/drawing/2010/main" xmlns="">
                 <a:solidFill>
                   <a:schemeClr val="accent1"/>
                 </a:solidFill>
               </a14:hiddenFill>
             </a:ext>
             <a:ext uri="{91240B29-F687-4F45-9708-019B960494DF}">
-              <a14:hiddenLine xmlns:a14="http://schemas.microsoft.com/office/drawing/2010/main" w="9525">
+              <a14:hiddenLine xmlns:a14="http://schemas.microsoft.com/office/drawing/2010/main" xmlns="" w="9525">
                 <a:solidFill>
                   <a:schemeClr val="tx1"/>
                 </a:solidFill>
@@ -27450,7 +27458,7 @@
               </a14:hiddenLine>
             </a:ext>
             <a:ext uri="{AF507438-7753-43E0-B8FC-AC1667EBCBE1}">
-              <a14:hiddenEffects xmlns:a14="http://schemas.microsoft.com/office/drawing/2010/main">
+              <a14:hiddenEffects xmlns:a14="http://schemas.microsoft.com/office/drawing/2010/main" xmlns="">
                 <a:effectLst>
                   <a:outerShdw dist="35921" dir="2700000" algn="ctr" rotWithShape="0">
                     <a:schemeClr val="bg2"/>
@@ -27518,7 +27526,7 @@
           <p:cNvPr id="10" name="Rectangle 9">
             <a:extLst>
               <a:ext uri="{FF2B5EF4-FFF2-40B4-BE49-F238E27FC236}">
-                <a16:creationId xmlns:a16="http://schemas.microsoft.com/office/drawing/2014/main" id="{99468FB6-6461-4A91-9E0B-2B3FC25F715E}"/>
+                <a16:creationId xmlns:a16="http://schemas.microsoft.com/office/drawing/2014/main" xmlns="" id="{99468FB6-6461-4A91-9E0B-2B3FC25F715E}"/>
               </a:ext>
             </a:extLst>
           </p:cNvPr>
@@ -27542,14 +27550,14 @@
           <a:effectLst/>
           <a:extLst>
             <a:ext uri="{909E8E84-426E-40DD-AFC4-6F175D3DCCD1}">
-              <a14:hiddenFill xmlns:a14="http://schemas.microsoft.com/office/drawing/2010/main">
+              <a14:hiddenFill xmlns:a14="http://schemas.microsoft.com/office/drawing/2010/main" xmlns="">
                 <a:solidFill>
                   <a:schemeClr val="accent1"/>
                 </a:solidFill>
               </a14:hiddenFill>
             </a:ext>
             <a:ext uri="{91240B29-F687-4F45-9708-019B960494DF}">
-              <a14:hiddenLine xmlns:a14="http://schemas.microsoft.com/office/drawing/2010/main" w="9525">
+              <a14:hiddenLine xmlns:a14="http://schemas.microsoft.com/office/drawing/2010/main" xmlns="" w="9525">
                 <a:solidFill>
                   <a:schemeClr val="tx1"/>
                 </a:solidFill>
@@ -27559,7 +27567,7 @@
               </a14:hiddenLine>
             </a:ext>
             <a:ext uri="{AF507438-7753-43E0-B8FC-AC1667EBCBE1}">
-              <a14:hiddenEffects xmlns:a14="http://schemas.microsoft.com/office/drawing/2010/main">
+              <a14:hiddenEffects xmlns:a14="http://schemas.microsoft.com/office/drawing/2010/main" xmlns="">
                 <a:effectLst>
                   <a:outerShdw dist="35921" dir="2700000" algn="ctr" rotWithShape="0">
                     <a:schemeClr val="bg2"/>
@@ -27627,7 +27635,7 @@
           <p:cNvPr id="11" name="Rectangle 10">
             <a:extLst>
               <a:ext uri="{FF2B5EF4-FFF2-40B4-BE49-F238E27FC236}">
-                <a16:creationId xmlns:a16="http://schemas.microsoft.com/office/drawing/2014/main" id="{E4D9815E-FC57-48D4-9710-C34FDAE236EF}"/>
+                <a16:creationId xmlns:a16="http://schemas.microsoft.com/office/drawing/2014/main" xmlns="" id="{E4D9815E-FC57-48D4-9710-C34FDAE236EF}"/>
               </a:ext>
             </a:extLst>
           </p:cNvPr>
@@ -27651,14 +27659,14 @@
           <a:effectLst/>
           <a:extLst>
             <a:ext uri="{909E8E84-426E-40DD-AFC4-6F175D3DCCD1}">
-              <a14:hiddenFill xmlns:a14="http://schemas.microsoft.com/office/drawing/2010/main">
+              <a14:hiddenFill xmlns:a14="http://schemas.microsoft.com/office/drawing/2010/main" xmlns="">
                 <a:solidFill>
                   <a:schemeClr val="accent1"/>
                 </a:solidFill>
               </a14:hiddenFill>
             </a:ext>
             <a:ext uri="{91240B29-F687-4F45-9708-019B960494DF}">
-              <a14:hiddenLine xmlns:a14="http://schemas.microsoft.com/office/drawing/2010/main" w="9525">
+              <a14:hiddenLine xmlns:a14="http://schemas.microsoft.com/office/drawing/2010/main" xmlns="" w="9525">
                 <a:solidFill>
                   <a:schemeClr val="tx1"/>
                 </a:solidFill>
@@ -27668,7 +27676,7 @@
               </a14:hiddenLine>
             </a:ext>
             <a:ext uri="{AF507438-7753-43E0-B8FC-AC1667EBCBE1}">
-              <a14:hiddenEffects xmlns:a14="http://schemas.microsoft.com/office/drawing/2010/main">
+              <a14:hiddenEffects xmlns:a14="http://schemas.microsoft.com/office/drawing/2010/main" xmlns="">
                 <a:effectLst>
                   <a:outerShdw dist="35921" dir="2700000" algn="ctr" rotWithShape="0">
                     <a:schemeClr val="bg2"/>
@@ -27736,7 +27744,7 @@
           <p:cNvPr id="12" name="Segnaposto contenuto 2">
             <a:extLst>
               <a:ext uri="{FF2B5EF4-FFF2-40B4-BE49-F238E27FC236}">
-                <a16:creationId xmlns:a16="http://schemas.microsoft.com/office/drawing/2014/main" id="{6B55346A-7B45-43F0-B6B4-9CFD350F7410}"/>
+                <a16:creationId xmlns:a16="http://schemas.microsoft.com/office/drawing/2014/main" xmlns="" id="{6B55346A-7B45-43F0-B6B4-9CFD350F7410}"/>
               </a:ext>
             </a:extLst>
           </p:cNvPr>
@@ -27912,7 +27920,7 @@
           <p:cNvPr id="21" name="CasellaDiTesto 20">
             <a:extLst>
               <a:ext uri="{FF2B5EF4-FFF2-40B4-BE49-F238E27FC236}">
-                <a16:creationId xmlns:a16="http://schemas.microsoft.com/office/drawing/2014/main" id="{06404A80-AB25-46AA-AACA-C85B9C0735BB}"/>
+                <a16:creationId xmlns:a16="http://schemas.microsoft.com/office/drawing/2014/main" xmlns="" id="{06404A80-AB25-46AA-AACA-C85B9C0735BB}"/>
               </a:ext>
             </a:extLst>
           </p:cNvPr>
@@ -27976,7 +27984,7 @@
           <p:cNvPr id="22" name="CasellaDiTesto 21">
             <a:extLst>
               <a:ext uri="{FF2B5EF4-FFF2-40B4-BE49-F238E27FC236}">
-                <a16:creationId xmlns:a16="http://schemas.microsoft.com/office/drawing/2014/main" id="{668096B2-6438-4407-9090-1AC58395B6FF}"/>
+                <a16:creationId xmlns:a16="http://schemas.microsoft.com/office/drawing/2014/main" xmlns="" id="{668096B2-6438-4407-9090-1AC58395B6FF}"/>
               </a:ext>
             </a:extLst>
           </p:cNvPr>
@@ -28345,7 +28353,7 @@
     </p:spTree>
     <p:extLst>
       <p:ext uri="{BB962C8B-B14F-4D97-AF65-F5344CB8AC3E}">
-        <p14:creationId xmlns:p14="http://schemas.microsoft.com/office/powerpoint/2010/main" val="3540920821"/>
+        <p14:creationId xmlns:p14="http://schemas.microsoft.com/office/powerpoint/2010/main" xmlns="" val="3540920821"/>
       </p:ext>
     </p:extLst>
   </p:cSld>
@@ -28377,7 +28385,7 @@
           <p:cNvPr id="2" name="Immagine 1">
             <a:extLst>
               <a:ext uri="{FF2B5EF4-FFF2-40B4-BE49-F238E27FC236}">
-                <a16:creationId xmlns:a16="http://schemas.microsoft.com/office/drawing/2014/main" id="{080D822E-4E68-4604-9664-53B8074A2FD8}"/>
+                <a16:creationId xmlns:a16="http://schemas.microsoft.com/office/drawing/2014/main" xmlns="" id="{080D822E-4E68-4604-9664-53B8074A2FD8}"/>
               </a:ext>
             </a:extLst>
           </p:cNvPr>
@@ -28407,7 +28415,7 @@
           <p:cNvPr id="3" name="CasellaDiTesto 2">
             <a:extLst>
               <a:ext uri="{FF2B5EF4-FFF2-40B4-BE49-F238E27FC236}">
-                <a16:creationId xmlns:a16="http://schemas.microsoft.com/office/drawing/2014/main" id="{A2FB6AD7-1AAC-42BC-A30E-8F9404AAD329}"/>
+                <a16:creationId xmlns:a16="http://schemas.microsoft.com/office/drawing/2014/main" xmlns="" id="{A2FB6AD7-1AAC-42BC-A30E-8F9404AAD329}"/>
               </a:ext>
             </a:extLst>
           </p:cNvPr>
@@ -28750,7 +28758,7 @@
           <p:cNvPr id="4" name="Titolo 1">
             <a:extLst>
               <a:ext uri="{FF2B5EF4-FFF2-40B4-BE49-F238E27FC236}">
-                <a16:creationId xmlns:a16="http://schemas.microsoft.com/office/drawing/2014/main" id="{9835FFCD-7215-413B-8894-E3C0B40096DE}"/>
+                <a16:creationId xmlns:a16="http://schemas.microsoft.com/office/drawing/2014/main" xmlns="" id="{9835FFCD-7215-413B-8894-E3C0B40096DE}"/>
               </a:ext>
             </a:extLst>
           </p:cNvPr>
@@ -28819,7 +28827,7 @@
           <p:cNvPr id="6" name="CasellaDiTesto 5">
             <a:extLst>
               <a:ext uri="{FF2B5EF4-FFF2-40B4-BE49-F238E27FC236}">
-                <a16:creationId xmlns:a16="http://schemas.microsoft.com/office/drawing/2014/main" id="{2A68C364-2686-425C-9BA3-CF65B9ABD59A}"/>
+                <a16:creationId xmlns:a16="http://schemas.microsoft.com/office/drawing/2014/main" xmlns="" id="{2A68C364-2686-425C-9BA3-CF65B9ABD59A}"/>
               </a:ext>
             </a:extLst>
           </p:cNvPr>
@@ -28879,7 +28887,7 @@
           <p:cNvPr id="8" name="CasellaDiTesto 7">
             <a:extLst>
               <a:ext uri="{FF2B5EF4-FFF2-40B4-BE49-F238E27FC236}">
-                <a16:creationId xmlns:a16="http://schemas.microsoft.com/office/drawing/2014/main" id="{3E41BA0D-016D-4524-809B-180F0531C9A3}"/>
+                <a16:creationId xmlns:a16="http://schemas.microsoft.com/office/drawing/2014/main" xmlns="" id="{3E41BA0D-016D-4524-809B-180F0531C9A3}"/>
               </a:ext>
             </a:extLst>
           </p:cNvPr>
@@ -28941,7 +28949,7 @@
     </p:spTree>
     <p:extLst>
       <p:ext uri="{BB962C8B-B14F-4D97-AF65-F5344CB8AC3E}">
-        <p14:creationId xmlns:p14="http://schemas.microsoft.com/office/powerpoint/2010/main" val="2253166824"/>
+        <p14:creationId xmlns:p14="http://schemas.microsoft.com/office/powerpoint/2010/main" xmlns="" val="2253166824"/>
       </p:ext>
     </p:extLst>
   </p:cSld>
@@ -28973,7 +28981,7 @@
           <p:cNvPr id="2" name="Titolo 1">
             <a:extLst>
               <a:ext uri="{FF2B5EF4-FFF2-40B4-BE49-F238E27FC236}">
-                <a16:creationId xmlns:a16="http://schemas.microsoft.com/office/drawing/2014/main" id="{A2D4967C-09DD-4EA6-AC32-17512312F7E2}"/>
+                <a16:creationId xmlns:a16="http://schemas.microsoft.com/office/drawing/2014/main" xmlns="" id="{A2D4967C-09DD-4EA6-AC32-17512312F7E2}"/>
               </a:ext>
             </a:extLst>
           </p:cNvPr>
@@ -29020,7 +29028,7 @@
           <p:cNvPr id="3" name="Segnaposto contenuto 2">
             <a:extLst>
               <a:ext uri="{FF2B5EF4-FFF2-40B4-BE49-F238E27FC236}">
-                <a16:creationId xmlns:a16="http://schemas.microsoft.com/office/drawing/2014/main" id="{23407BAC-789A-4215-9D0F-526E6C25FC7F}"/>
+                <a16:creationId xmlns:a16="http://schemas.microsoft.com/office/drawing/2014/main" xmlns="" id="{23407BAC-789A-4215-9D0F-526E6C25FC7F}"/>
               </a:ext>
             </a:extLst>
           </p:cNvPr>
@@ -29143,7 +29151,7 @@
     </p:spTree>
     <p:extLst>
       <p:ext uri="{BB962C8B-B14F-4D97-AF65-F5344CB8AC3E}">
-        <p14:creationId xmlns:p14="http://schemas.microsoft.com/office/powerpoint/2010/main" val="529427341"/>
+        <p14:creationId xmlns:p14="http://schemas.microsoft.com/office/powerpoint/2010/main" xmlns="" val="529427341"/>
       </p:ext>
     </p:extLst>
   </p:cSld>
@@ -29175,7 +29183,7 @@
           <p:cNvPr id="3" name="CasellaDiTesto 2">
             <a:extLst>
               <a:ext uri="{FF2B5EF4-FFF2-40B4-BE49-F238E27FC236}">
-                <a16:creationId xmlns:a16="http://schemas.microsoft.com/office/drawing/2014/main" id="{94DD6608-7364-48AF-945D-F609EF71CE78}"/>
+                <a16:creationId xmlns:a16="http://schemas.microsoft.com/office/drawing/2014/main" xmlns="" id="{94DD6608-7364-48AF-945D-F609EF71CE78}"/>
               </a:ext>
             </a:extLst>
           </p:cNvPr>
@@ -29235,7 +29243,7 @@
           <p:cNvPr id="4" name="CasellaDiTesto 3">
             <a:extLst>
               <a:ext uri="{FF2B5EF4-FFF2-40B4-BE49-F238E27FC236}">
-                <a16:creationId xmlns:a16="http://schemas.microsoft.com/office/drawing/2014/main" id="{1F284633-DD10-4167-BC54-D591F9192112}"/>
+                <a16:creationId xmlns:a16="http://schemas.microsoft.com/office/drawing/2014/main" xmlns="" id="{1F284633-DD10-4167-BC54-D591F9192112}"/>
               </a:ext>
             </a:extLst>
           </p:cNvPr>
@@ -29561,7 +29569,7 @@
           <p:cNvPr id="5" name="Titolo 1">
             <a:extLst>
               <a:ext uri="{FF2B5EF4-FFF2-40B4-BE49-F238E27FC236}">
-                <a16:creationId xmlns:a16="http://schemas.microsoft.com/office/drawing/2014/main" id="{8123421C-DFC7-4630-BAFF-465CE92E0C68}"/>
+                <a16:creationId xmlns:a16="http://schemas.microsoft.com/office/drawing/2014/main" xmlns="" id="{8123421C-DFC7-4630-BAFF-465CE92E0C68}"/>
               </a:ext>
             </a:extLst>
           </p:cNvPr>
@@ -29628,7 +29636,7 @@
     </p:spTree>
     <p:extLst>
       <p:ext uri="{BB962C8B-B14F-4D97-AF65-F5344CB8AC3E}">
-        <p14:creationId xmlns:p14="http://schemas.microsoft.com/office/powerpoint/2010/main" val="732787336"/>
+        <p14:creationId xmlns:p14="http://schemas.microsoft.com/office/powerpoint/2010/main" xmlns="" val="732787336"/>
       </p:ext>
     </p:extLst>
   </p:cSld>
@@ -29660,7 +29668,7 @@
           <p:cNvPr id="3" name="Immagine 2">
             <a:extLst>
               <a:ext uri="{FF2B5EF4-FFF2-40B4-BE49-F238E27FC236}">
-                <a16:creationId xmlns:a16="http://schemas.microsoft.com/office/drawing/2014/main" id="{9B44A795-CC1C-4A93-8420-8E0BEEC8C5FD}"/>
+                <a16:creationId xmlns:a16="http://schemas.microsoft.com/office/drawing/2014/main" xmlns="" id="{9B44A795-CC1C-4A93-8420-8E0BEEC8C5FD}"/>
               </a:ext>
             </a:extLst>
           </p:cNvPr>
@@ -29690,7 +29698,7 @@
           <p:cNvPr id="4" name="Titolo 1">
             <a:extLst>
               <a:ext uri="{FF2B5EF4-FFF2-40B4-BE49-F238E27FC236}">
-                <a16:creationId xmlns:a16="http://schemas.microsoft.com/office/drawing/2014/main" id="{79BFF712-4669-40E1-AC79-0A7615C45E1B}"/>
+                <a16:creationId xmlns:a16="http://schemas.microsoft.com/office/drawing/2014/main" xmlns="" id="{79BFF712-4669-40E1-AC79-0A7615C45E1B}"/>
               </a:ext>
             </a:extLst>
           </p:cNvPr>
@@ -29759,7 +29767,7 @@
           <p:cNvPr id="5" name="CasellaDiTesto 4">
             <a:extLst>
               <a:ext uri="{FF2B5EF4-FFF2-40B4-BE49-F238E27FC236}">
-                <a16:creationId xmlns:a16="http://schemas.microsoft.com/office/drawing/2014/main" id="{72598055-FA93-469B-83E9-C44266CD32BC}"/>
+                <a16:creationId xmlns:a16="http://schemas.microsoft.com/office/drawing/2014/main" xmlns="" id="{72598055-FA93-469B-83E9-C44266CD32BC}"/>
               </a:ext>
             </a:extLst>
           </p:cNvPr>
@@ -29915,7 +29923,7 @@
     </p:spTree>
     <p:extLst>
       <p:ext uri="{BB962C8B-B14F-4D97-AF65-F5344CB8AC3E}">
-        <p14:creationId xmlns:p14="http://schemas.microsoft.com/office/powerpoint/2010/main" val="3267863494"/>
+        <p14:creationId xmlns:p14="http://schemas.microsoft.com/office/powerpoint/2010/main" xmlns="" val="3267863494"/>
       </p:ext>
     </p:extLst>
   </p:cSld>
@@ -29947,7 +29955,7 @@
           <p:cNvPr id="2" name="Titolo 1">
             <a:extLst>
               <a:ext uri="{FF2B5EF4-FFF2-40B4-BE49-F238E27FC236}">
-                <a16:creationId xmlns:a16="http://schemas.microsoft.com/office/drawing/2014/main" id="{A490F4C1-B771-44D1-87E7-7B1A928721C0}"/>
+                <a16:creationId xmlns:a16="http://schemas.microsoft.com/office/drawing/2014/main" xmlns="" id="{A490F4C1-B771-44D1-87E7-7B1A928721C0}"/>
               </a:ext>
             </a:extLst>
           </p:cNvPr>
@@ -30016,7 +30024,7 @@
           <p:cNvPr id="5" name="CasellaDiTesto 4">
             <a:extLst>
               <a:ext uri="{FF2B5EF4-FFF2-40B4-BE49-F238E27FC236}">
-                <a16:creationId xmlns:a16="http://schemas.microsoft.com/office/drawing/2014/main" id="{951B41F6-93D5-48F6-8CDE-BC7CE47E6E3E}"/>
+                <a16:creationId xmlns:a16="http://schemas.microsoft.com/office/drawing/2014/main" xmlns="" id="{951B41F6-93D5-48F6-8CDE-BC7CE47E6E3E}"/>
               </a:ext>
             </a:extLst>
           </p:cNvPr>
@@ -30025,8 +30033,8 @@
         </p:nvSpPr>
         <p:spPr>
           <a:xfrm>
-            <a:off x="177396" y="940658"/>
-            <a:ext cx="8586902" cy="707886"/>
+            <a:off x="312337" y="1028626"/>
+            <a:ext cx="6188489" cy="400110"/>
           </a:xfrm>
           <a:prstGeom prst="rect">
             <a:avLst/>
@@ -30045,40 +30053,319 @@
             </a:r>
             <a:r>
               <a:rPr lang="it-IT" sz="2000" dirty="0"/>
-              <a:t> 2 cluster, </a:t>
-            </a:r>
-            <a:r>
-              <a:rPr lang="it-IT" sz="1600" dirty="0"/>
-              <a:t>distanza definita col metodo </a:t>
-            </a:r>
-            <a:r>
-              <a:rPr lang="it-IT" sz="2000" dirty="0"/>
-              <a:t>COMPLETE LINKAGE</a:t>
-            </a:r>
-          </a:p>
-          <a:p>
-            <a:r>
-              <a:rPr lang="it-IT" sz="2000">
-                <a:solidFill>
-                  <a:srgbClr val="FF0000"/>
-                </a:solidFill>
-              </a:rPr>
-              <a:t>…</a:t>
-            </a:r>
-            <a:endParaRPr lang="en-US" dirty="0">
-              <a:solidFill>
-                <a:srgbClr val="FF0000"/>
-              </a:solidFill>
-            </a:endParaRPr>
+              <a:t> 2 </a:t>
+            </a:r>
+            <a:r>
+              <a:rPr lang="it-IT" sz="2000" dirty="0" smtClean="0"/>
+              <a:t>cluster, COMPLETE LINKAGE</a:t>
+            </a:r>
+            <a:endParaRPr lang="it-IT" sz="2000" dirty="0"/>
           </a:p>
         </p:txBody>
       </p:sp>
+      <p:sp>
+        <p:nvSpPr>
+          <p:cNvPr id="7" name="CasellaDiTesto 6">
+            <a:extLst>
+              <a:ext uri="{FF2B5EF4-FFF2-40B4-BE49-F238E27FC236}">
+                <a16:creationId xmlns:a16="http://schemas.microsoft.com/office/drawing/2014/main" xmlns="" id="{F96353AB-D6C1-4AB1-800F-2A6FB1A96608}"/>
+              </a:ext>
+            </a:extLst>
+          </p:cNvPr>
+          <p:cNvSpPr txBox="1"/>
+          <p:nvPr/>
+        </p:nvSpPr>
+        <p:spPr>
+          <a:xfrm>
+            <a:off x="1521444" y="2457949"/>
+            <a:ext cx="6336704" cy="4185761"/>
+          </a:xfrm>
+          <a:prstGeom prst="rect">
+            <a:avLst/>
+          </a:prstGeom>
+          <a:noFill/>
+        </p:spPr>
+        <p:txBody>
+          <a:bodyPr wrap="square" rtlCol="0">
+            <a:spAutoFit/>
+          </a:bodyPr>
+          <a:lstStyle/>
+          <a:p>
+            <a:r>
+              <a:rPr lang="en-US" sz="1400" dirty="0">
+                <a:solidFill>
+                  <a:srgbClr val="7030A0"/>
+                </a:solidFill>
+                <a:latin typeface="Courier New" panose="02070309020205020404" pitchFamily="49" charset="0"/>
+                <a:cs typeface="Courier New" panose="02070309020205020404" pitchFamily="49" charset="0"/>
+              </a:rPr>
+              <a:t>=== Clustering model (full training set) ===</a:t>
+            </a:r>
+          </a:p>
+          <a:p>
+            <a:endParaRPr lang="en-US" sz="1400" dirty="0">
+              <a:solidFill>
+                <a:srgbClr val="7030A0"/>
+              </a:solidFill>
+              <a:latin typeface="Courier New" panose="02070309020205020404" pitchFamily="49" charset="0"/>
+              <a:cs typeface="Courier New" panose="02070309020205020404" pitchFamily="49" charset="0"/>
+            </a:endParaRPr>
+          </a:p>
+          <a:p>
+            <a:r>
+              <a:rPr lang="en-US" sz="1400" dirty="0">
+                <a:solidFill>
+                  <a:srgbClr val="7030A0"/>
+                </a:solidFill>
+                <a:latin typeface="Courier New" panose="02070309020205020404" pitchFamily="49" charset="0"/>
+                <a:cs typeface="Courier New" panose="02070309020205020404" pitchFamily="49" charset="0"/>
+              </a:rPr>
+              <a:t>Cluster 0</a:t>
+            </a:r>
+          </a:p>
+          <a:p>
+            <a:r>
+              <a:rPr lang="en-US" sz="1400" dirty="0">
+                <a:solidFill>
+                  <a:srgbClr val="7030A0"/>
+                </a:solidFill>
+                <a:latin typeface="Courier New" panose="02070309020205020404" pitchFamily="49" charset="0"/>
+                <a:cs typeface="Courier New" panose="02070309020205020404" pitchFamily="49" charset="0"/>
+              </a:rPr>
+              <a:t>[...]</a:t>
+            </a:r>
+          </a:p>
+          <a:p>
+            <a:endParaRPr lang="en-US" sz="1400" dirty="0">
+              <a:solidFill>
+                <a:srgbClr val="7030A0"/>
+              </a:solidFill>
+              <a:latin typeface="Courier New" panose="02070309020205020404" pitchFamily="49" charset="0"/>
+              <a:cs typeface="Courier New" panose="02070309020205020404" pitchFamily="49" charset="0"/>
+            </a:endParaRPr>
+          </a:p>
+          <a:p>
+            <a:r>
+              <a:rPr lang="en-US" sz="1400" dirty="0">
+                <a:solidFill>
+                  <a:srgbClr val="7030A0"/>
+                </a:solidFill>
+                <a:latin typeface="Courier New" panose="02070309020205020404" pitchFamily="49" charset="0"/>
+                <a:cs typeface="Courier New" panose="02070309020205020404" pitchFamily="49" charset="0"/>
+              </a:rPr>
+              <a:t>Cluster 1</a:t>
+            </a:r>
+          </a:p>
+          <a:p>
+            <a:r>
+              <a:rPr lang="en-US" sz="1400" dirty="0">
+                <a:solidFill>
+                  <a:srgbClr val="7030A0"/>
+                </a:solidFill>
+                <a:latin typeface="Courier New" panose="02070309020205020404" pitchFamily="49" charset="0"/>
+                <a:cs typeface="Courier New" panose="02070309020205020404" pitchFamily="49" charset="0"/>
+              </a:rPr>
+              <a:t>[...]</a:t>
+            </a:r>
+          </a:p>
+          <a:p>
+            <a:endParaRPr lang="en-US" sz="1400" dirty="0">
+              <a:solidFill>
+                <a:srgbClr val="7030A0"/>
+              </a:solidFill>
+              <a:latin typeface="Courier New" panose="02070309020205020404" pitchFamily="49" charset="0"/>
+              <a:cs typeface="Courier New" panose="02070309020205020404" pitchFamily="49" charset="0"/>
+            </a:endParaRPr>
+          </a:p>
+          <a:p>
+            <a:endParaRPr lang="en-US" sz="1400" dirty="0">
+              <a:solidFill>
+                <a:srgbClr val="7030A0"/>
+              </a:solidFill>
+              <a:latin typeface="Courier New" panose="02070309020205020404" pitchFamily="49" charset="0"/>
+              <a:cs typeface="Courier New" panose="02070309020205020404" pitchFamily="49" charset="0"/>
+            </a:endParaRPr>
+          </a:p>
+          <a:p>
+            <a:r>
+              <a:rPr lang="en-US" sz="1400" dirty="0">
+                <a:solidFill>
+                  <a:srgbClr val="7030A0"/>
+                </a:solidFill>
+                <a:latin typeface="Courier New" panose="02070309020205020404" pitchFamily="49" charset="0"/>
+                <a:cs typeface="Courier New" panose="02070309020205020404" pitchFamily="49" charset="0"/>
+              </a:rPr>
+              <a:t>Time taken to build model (full training data) : 0.04 seconds</a:t>
+            </a:r>
+          </a:p>
+          <a:p>
+            <a:endParaRPr lang="en-US" sz="1400" dirty="0">
+              <a:solidFill>
+                <a:srgbClr val="7030A0"/>
+              </a:solidFill>
+              <a:latin typeface="Courier New" panose="02070309020205020404" pitchFamily="49" charset="0"/>
+              <a:cs typeface="Courier New" panose="02070309020205020404" pitchFamily="49" charset="0"/>
+            </a:endParaRPr>
+          </a:p>
+          <a:p>
+            <a:r>
+              <a:rPr lang="en-US" sz="1400" dirty="0">
+                <a:solidFill>
+                  <a:srgbClr val="7030A0"/>
+                </a:solidFill>
+                <a:latin typeface="Courier New" panose="02070309020205020404" pitchFamily="49" charset="0"/>
+                <a:cs typeface="Courier New" panose="02070309020205020404" pitchFamily="49" charset="0"/>
+              </a:rPr>
+              <a:t>=== Model and evaluation on training set ===</a:t>
+            </a:r>
+          </a:p>
+          <a:p>
+            <a:endParaRPr lang="en-US" sz="1400" dirty="0">
+              <a:solidFill>
+                <a:srgbClr val="7030A0"/>
+              </a:solidFill>
+              <a:latin typeface="Courier New" panose="02070309020205020404" pitchFamily="49" charset="0"/>
+              <a:cs typeface="Courier New" panose="02070309020205020404" pitchFamily="49" charset="0"/>
+            </a:endParaRPr>
+          </a:p>
+          <a:p>
+            <a:r>
+              <a:rPr lang="en-US" sz="1400" dirty="0">
+                <a:solidFill>
+                  <a:srgbClr val="7030A0"/>
+                </a:solidFill>
+                <a:latin typeface="Courier New" panose="02070309020205020404" pitchFamily="49" charset="0"/>
+                <a:cs typeface="Courier New" panose="02070309020205020404" pitchFamily="49" charset="0"/>
+              </a:rPr>
+              <a:t>Clustered Instances</a:t>
+            </a:r>
+          </a:p>
+          <a:p>
+            <a:endParaRPr lang="en-US" sz="1400" dirty="0">
+              <a:solidFill>
+                <a:srgbClr val="7030A0"/>
+              </a:solidFill>
+              <a:latin typeface="Courier New" panose="02070309020205020404" pitchFamily="49" charset="0"/>
+              <a:cs typeface="Courier New" panose="02070309020205020404" pitchFamily="49" charset="0"/>
+            </a:endParaRPr>
+          </a:p>
+          <a:p>
+            <a:r>
+              <a:rPr lang="en-US" sz="1400" dirty="0">
+                <a:solidFill>
+                  <a:srgbClr val="7030A0"/>
+                </a:solidFill>
+                <a:latin typeface="Courier New" panose="02070309020205020404" pitchFamily="49" charset="0"/>
+                <a:cs typeface="Courier New" panose="02070309020205020404" pitchFamily="49" charset="0"/>
+              </a:rPr>
+              <a:t>0      121 ( 57%)</a:t>
+            </a:r>
+          </a:p>
+          <a:p>
+            <a:r>
+              <a:rPr lang="en-US" sz="1400" dirty="0">
+                <a:solidFill>
+                  <a:srgbClr val="7030A0"/>
+                </a:solidFill>
+                <a:latin typeface="Courier New" panose="02070309020205020404" pitchFamily="49" charset="0"/>
+                <a:cs typeface="Courier New" panose="02070309020205020404" pitchFamily="49" charset="0"/>
+              </a:rPr>
+              <a:t>1       91 ( 43%)</a:t>
+            </a:r>
+          </a:p>
+          <a:p>
+            <a:endParaRPr lang="en-US" sz="1400" dirty="0">
+              <a:solidFill>
+                <a:srgbClr val="7030A0"/>
+              </a:solidFill>
+              <a:latin typeface="Courier New" panose="02070309020205020404" pitchFamily="49" charset="0"/>
+              <a:cs typeface="Courier New" panose="02070309020205020404" pitchFamily="49" charset="0"/>
+            </a:endParaRPr>
+          </a:p>
+        </p:txBody>
+      </p:sp>
+      <p:sp>
+        <p:nvSpPr>
+          <p:cNvPr id="8" name="CasellaDiTesto 7"/>
+          <p:cNvSpPr txBox="1"/>
+          <p:nvPr/>
+        </p:nvSpPr>
+        <p:spPr>
+          <a:xfrm>
+            <a:off x="500034" y="1428736"/>
+            <a:ext cx="8143932" cy="830997"/>
+          </a:xfrm>
+          <a:prstGeom prst="rect">
+            <a:avLst/>
+          </a:prstGeom>
+          <a:noFill/>
+        </p:spPr>
+        <p:txBody>
+          <a:bodyPr wrap="square" rtlCol="0">
+            <a:spAutoFit/>
+          </a:bodyPr>
+          <a:lstStyle/>
+          <a:p>
+            <a:r>
+              <a:rPr lang="it-IT" sz="1600" dirty="0" smtClean="0"/>
+              <a:t>Per definire la distanza fra cluster è stato scelto il metodo COMPLETE LINKAGE perché ha una buona robustezza nei confronti di istanze </a:t>
+            </a:r>
+            <a:r>
+              <a:rPr lang="it-IT" sz="1600" dirty="0" err="1" smtClean="0"/>
+              <a:t>outliers</a:t>
+            </a:r>
+            <a:r>
+              <a:rPr lang="it-IT" sz="1600" dirty="0" smtClean="0"/>
+              <a:t> e il suo </a:t>
+            </a:r>
+            <a:r>
+              <a:rPr lang="it-IT" sz="1600" dirty="0" err="1" smtClean="0"/>
+              <a:t>drawback</a:t>
+            </a:r>
+            <a:r>
+              <a:rPr lang="it-IT" sz="1600" dirty="0" smtClean="0"/>
+              <a:t> – la tendenza a dividere cluster grandi – non ci impatta visto che ci interessa considerare pochi cluster.</a:t>
+            </a:r>
+            <a:endParaRPr lang="it-IT" sz="1600" dirty="0"/>
+          </a:p>
+        </p:txBody>
+      </p:sp>
+    </p:spTree>
+    <p:extLst>
+      <p:ext uri="{BB962C8B-B14F-4D97-AF65-F5344CB8AC3E}">
+        <p14:creationId xmlns:p14="http://schemas.microsoft.com/office/powerpoint/2010/main" xmlns="" val="3392579643"/>
+      </p:ext>
+    </p:extLst>
+  </p:cSld>
+  <p:clrMapOvr>
+    <a:masterClrMapping/>
+  </p:clrMapOvr>
+</p:sld>
+</file>
+
+<file path=ppt/slides/slide53.xml><?xml version="1.0" encoding="utf-8"?>
+<p:sld xmlns:a="http://schemas.openxmlformats.org/drawingml/2006/main" xmlns:r="http://schemas.openxmlformats.org/officeDocument/2006/relationships" xmlns:p="http://schemas.openxmlformats.org/presentationml/2006/main">
+  <p:cSld>
+    <p:spTree>
+      <p:nvGrpSpPr>
+        <p:cNvPr id="1" name=""/>
+        <p:cNvGrpSpPr/>
+        <p:nvPr/>
+      </p:nvGrpSpPr>
+      <p:grpSpPr>
+        <a:xfrm>
+          <a:off x="0" y="0"/>
+          <a:ext cx="0" cy="0"/>
+          <a:chOff x="0" y="0"/>
+          <a:chExt cx="0" cy="0"/>
+        </a:xfrm>
+      </p:grpSpPr>
       <p:pic>
         <p:nvPicPr>
-          <p:cNvPr id="6" name="Immagine 5">
+          <p:cNvPr id="2" name="Immagine 1">
             <a:extLst>
               <a:ext uri="{FF2B5EF4-FFF2-40B4-BE49-F238E27FC236}">
-                <a16:creationId xmlns:a16="http://schemas.microsoft.com/office/drawing/2014/main" id="{2AECC886-D79F-4427-ACBA-01D78B26E783}"/>
+                <a16:creationId xmlns:a16="http://schemas.microsoft.com/office/drawing/2014/main" xmlns="" id="{2AECC886-D79F-4427-ACBA-01D78B26E783}"/>
               </a:ext>
             </a:extLst>
           </p:cNvPr>
@@ -30095,8 +30382,8 @@
         </p:blipFill>
         <p:spPr>
           <a:xfrm>
-            <a:off x="4382696" y="2708920"/>
-            <a:ext cx="4653800" cy="4032448"/>
+            <a:off x="1928794" y="2214554"/>
+            <a:ext cx="5224370" cy="4526838"/>
           </a:xfrm>
           <a:prstGeom prst="rect">
             <a:avLst/>
@@ -30105,20 +30392,83 @@
       </p:pic>
       <p:sp>
         <p:nvSpPr>
-          <p:cNvPr id="7" name="CasellaDiTesto 6">
+          <p:cNvPr id="3" name="Titolo 1">
             <a:extLst>
               <a:ext uri="{FF2B5EF4-FFF2-40B4-BE49-F238E27FC236}">
-                <a16:creationId xmlns:a16="http://schemas.microsoft.com/office/drawing/2014/main" id="{F96353AB-D6C1-4AB1-800F-2A6FB1A96608}"/>
+                <a16:creationId xmlns:a16="http://schemas.microsoft.com/office/drawing/2014/main" xmlns="" id="{A490F4C1-B771-44D1-87E7-7B1A928721C0}"/>
               </a:ext>
             </a:extLst>
           </p:cNvPr>
+          <p:cNvSpPr txBox="1">
+            <a:spLocks/>
+          </p:cNvSpPr>
+          <p:nvPr/>
+        </p:nvSpPr>
+        <p:spPr>
+          <a:xfrm>
+            <a:off x="755576" y="152400"/>
+            <a:ext cx="8229600" cy="1143000"/>
+          </a:xfrm>
+          <a:prstGeom prst="rect">
+            <a:avLst/>
+          </a:prstGeom>
+        </p:spPr>
+        <p:txBody>
+          <a:bodyPr>
+            <a:noAutofit/>
+          </a:bodyPr>
+          <a:lstStyle>
+            <a:lvl1pPr algn="ctr" defTabSz="342900" rtl="0" eaLnBrk="1" latinLnBrk="0" hangingPunct="1">
+              <a:spcBef>
+                <a:spcPct val="0"/>
+              </a:spcBef>
+              <a:buNone/>
+              <a:defRPr sz="3300" kern="1200">
+                <a:solidFill>
+                  <a:schemeClr val="tx1"/>
+                </a:solidFill>
+                <a:latin typeface="+mj-lt"/>
+                <a:ea typeface="+mj-ea"/>
+                <a:cs typeface="+mj-cs"/>
+              </a:defRPr>
+            </a:lvl1pPr>
+          </a:lstStyle>
+          <a:p>
+            <a:pPr algn="r"/>
+            <a:r>
+              <a:rPr lang="it-IT" sz="2400" b="1" dirty="0">
+                <a:solidFill>
+                  <a:schemeClr val="bg1"/>
+                </a:solidFill>
+              </a:rPr>
+              <a:t>CLUSTER ANALYSIS</a:t>
+            </a:r>
+            <a:r>
+              <a:rPr lang="it-IT" sz="2400" dirty="0">
+                <a:solidFill>
+                  <a:schemeClr val="bg1"/>
+                </a:solidFill>
+              </a:rPr>
+              <a:t>: SUBSET GEN </a:t>
+            </a:r>
+            <a:endParaRPr lang="en-US" sz="2400" dirty="0">
+              <a:solidFill>
+                <a:schemeClr val="bg1"/>
+              </a:solidFill>
+            </a:endParaRPr>
+          </a:p>
+        </p:txBody>
+      </p:sp>
+      <p:sp>
+        <p:nvSpPr>
+          <p:cNvPr id="4" name="CasellaDiTesto 3"/>
           <p:cNvSpPr txBox="1"/>
           <p:nvPr/>
         </p:nvSpPr>
         <p:spPr>
           <a:xfrm>
-            <a:off x="251520" y="2255961"/>
-            <a:ext cx="6336704" cy="3693319"/>
+            <a:off x="285720" y="1071546"/>
+            <a:ext cx="8699456" cy="1477328"/>
           </a:xfrm>
           <a:prstGeom prst="rect">
             <a:avLst/>
@@ -30132,204 +30482,49 @@
           <a:lstStyle/>
           <a:p>
             <a:r>
-              <a:rPr lang="en-US" sz="1300" dirty="0">
-                <a:solidFill>
-                  <a:srgbClr val="7030A0"/>
-                </a:solidFill>
-                <a:latin typeface="Courier New" panose="02070309020205020404" pitchFamily="49" charset="0"/>
-                <a:cs typeface="Courier New" panose="02070309020205020404" pitchFamily="49" charset="0"/>
-              </a:rPr>
-              <a:t>=== Clustering model (full training set) ===</a:t>
-            </a:r>
-          </a:p>
-          <a:p>
-            <a:endParaRPr lang="en-US" sz="1300" dirty="0">
+              <a:rPr lang="it-IT" dirty="0" smtClean="0"/>
+              <a:t>L’algoritmo è stato lanciato con l’intento di creare due cluster ma, come si può vedere dal </a:t>
+            </a:r>
+            <a:r>
+              <a:rPr lang="it-IT" dirty="0" err="1" smtClean="0"/>
+              <a:t>dendrogramma</a:t>
+            </a:r>
+            <a:r>
+              <a:rPr lang="it-IT" dirty="0" smtClean="0"/>
+              <a:t>, si potrebbero considerare altre suddivisioni.</a:t>
+            </a:r>
+          </a:p>
+          <a:p>
+            <a:endParaRPr lang="it-IT" dirty="0" smtClean="0"/>
+          </a:p>
+          <a:p>
+            <a:r>
+              <a:rPr lang="it-IT" i="1" dirty="0" smtClean="0"/>
+              <a:t>Sarebbe opportuno? Cosa dovrebbero rappresentare? </a:t>
+            </a:r>
+          </a:p>
+          <a:p>
+            <a:r>
+              <a:rPr lang="it-IT" i="1" dirty="0" smtClean="0">
+                <a:solidFill>
+                  <a:schemeClr val="bg1">
+                    <a:lumMod val="50000"/>
+                  </a:schemeClr>
+                </a:solidFill>
+              </a:rPr>
+              <a:t>No e niente, quindi si è lasciato perdere.</a:t>
+            </a:r>
+            <a:endParaRPr lang="it-IT" i="1" dirty="0">
               <a:solidFill>
-                <a:srgbClr val="7030A0"/>
+                <a:schemeClr val="bg1">
+                  <a:lumMod val="50000"/>
+                </a:schemeClr>
               </a:solidFill>
-              <a:latin typeface="Courier New" panose="02070309020205020404" pitchFamily="49" charset="0"/>
-              <a:cs typeface="Courier New" panose="02070309020205020404" pitchFamily="49" charset="0"/>
-            </a:endParaRPr>
-          </a:p>
-          <a:p>
-            <a:r>
-              <a:rPr lang="en-US" sz="1300" dirty="0">
-                <a:solidFill>
-                  <a:srgbClr val="7030A0"/>
-                </a:solidFill>
-                <a:latin typeface="Courier New" panose="02070309020205020404" pitchFamily="49" charset="0"/>
-                <a:cs typeface="Courier New" panose="02070309020205020404" pitchFamily="49" charset="0"/>
-              </a:rPr>
-              <a:t>Cluster 0</a:t>
-            </a:r>
-          </a:p>
-          <a:p>
-            <a:r>
-              <a:rPr lang="en-US" sz="1300" dirty="0">
-                <a:solidFill>
-                  <a:srgbClr val="7030A0"/>
-                </a:solidFill>
-                <a:latin typeface="Courier New" panose="02070309020205020404" pitchFamily="49" charset="0"/>
-                <a:cs typeface="Courier New" panose="02070309020205020404" pitchFamily="49" charset="0"/>
-              </a:rPr>
-              <a:t>[...]</a:t>
-            </a:r>
-          </a:p>
-          <a:p>
-            <a:endParaRPr lang="en-US" sz="1300" dirty="0">
-              <a:solidFill>
-                <a:srgbClr val="7030A0"/>
-              </a:solidFill>
-              <a:latin typeface="Courier New" panose="02070309020205020404" pitchFamily="49" charset="0"/>
-              <a:cs typeface="Courier New" panose="02070309020205020404" pitchFamily="49" charset="0"/>
-            </a:endParaRPr>
-          </a:p>
-          <a:p>
-            <a:r>
-              <a:rPr lang="en-US" sz="1300" dirty="0">
-                <a:solidFill>
-                  <a:srgbClr val="7030A0"/>
-                </a:solidFill>
-                <a:latin typeface="Courier New" panose="02070309020205020404" pitchFamily="49" charset="0"/>
-                <a:cs typeface="Courier New" panose="02070309020205020404" pitchFamily="49" charset="0"/>
-              </a:rPr>
-              <a:t>Cluster 1</a:t>
-            </a:r>
-          </a:p>
-          <a:p>
-            <a:r>
-              <a:rPr lang="en-US" sz="1300" dirty="0">
-                <a:solidFill>
-                  <a:srgbClr val="7030A0"/>
-                </a:solidFill>
-                <a:latin typeface="Courier New" panose="02070309020205020404" pitchFamily="49" charset="0"/>
-                <a:cs typeface="Courier New" panose="02070309020205020404" pitchFamily="49" charset="0"/>
-              </a:rPr>
-              <a:t>[...]</a:t>
-            </a:r>
-          </a:p>
-          <a:p>
-            <a:endParaRPr lang="en-US" sz="1300" dirty="0">
-              <a:solidFill>
-                <a:srgbClr val="7030A0"/>
-              </a:solidFill>
-              <a:latin typeface="Courier New" panose="02070309020205020404" pitchFamily="49" charset="0"/>
-              <a:cs typeface="Courier New" panose="02070309020205020404" pitchFamily="49" charset="0"/>
-            </a:endParaRPr>
-          </a:p>
-          <a:p>
-            <a:endParaRPr lang="en-US" sz="1300" dirty="0">
-              <a:solidFill>
-                <a:srgbClr val="7030A0"/>
-              </a:solidFill>
-              <a:latin typeface="Courier New" panose="02070309020205020404" pitchFamily="49" charset="0"/>
-              <a:cs typeface="Courier New" panose="02070309020205020404" pitchFamily="49" charset="0"/>
-            </a:endParaRPr>
-          </a:p>
-          <a:p>
-            <a:r>
-              <a:rPr lang="en-US" sz="1300" dirty="0">
-                <a:solidFill>
-                  <a:srgbClr val="7030A0"/>
-                </a:solidFill>
-                <a:latin typeface="Courier New" panose="02070309020205020404" pitchFamily="49" charset="0"/>
-                <a:cs typeface="Courier New" panose="02070309020205020404" pitchFamily="49" charset="0"/>
-              </a:rPr>
-              <a:t>Time taken to build model (full training data) : 0.04 seconds</a:t>
-            </a:r>
-          </a:p>
-          <a:p>
-            <a:endParaRPr lang="en-US" sz="1300" dirty="0">
-              <a:solidFill>
-                <a:srgbClr val="7030A0"/>
-              </a:solidFill>
-              <a:latin typeface="Courier New" panose="02070309020205020404" pitchFamily="49" charset="0"/>
-              <a:cs typeface="Courier New" panose="02070309020205020404" pitchFamily="49" charset="0"/>
-            </a:endParaRPr>
-          </a:p>
-          <a:p>
-            <a:r>
-              <a:rPr lang="en-US" sz="1300" dirty="0">
-                <a:solidFill>
-                  <a:srgbClr val="7030A0"/>
-                </a:solidFill>
-                <a:latin typeface="Courier New" panose="02070309020205020404" pitchFamily="49" charset="0"/>
-                <a:cs typeface="Courier New" panose="02070309020205020404" pitchFamily="49" charset="0"/>
-              </a:rPr>
-              <a:t>=== Model and evaluation on training set ===</a:t>
-            </a:r>
-          </a:p>
-          <a:p>
-            <a:endParaRPr lang="en-US" sz="1300" dirty="0">
-              <a:solidFill>
-                <a:srgbClr val="7030A0"/>
-              </a:solidFill>
-              <a:latin typeface="Courier New" panose="02070309020205020404" pitchFamily="49" charset="0"/>
-              <a:cs typeface="Courier New" panose="02070309020205020404" pitchFamily="49" charset="0"/>
-            </a:endParaRPr>
-          </a:p>
-          <a:p>
-            <a:r>
-              <a:rPr lang="en-US" sz="1300" dirty="0">
-                <a:solidFill>
-                  <a:srgbClr val="7030A0"/>
-                </a:solidFill>
-                <a:latin typeface="Courier New" panose="02070309020205020404" pitchFamily="49" charset="0"/>
-                <a:cs typeface="Courier New" panose="02070309020205020404" pitchFamily="49" charset="0"/>
-              </a:rPr>
-              <a:t>Clustered Instances</a:t>
-            </a:r>
-          </a:p>
-          <a:p>
-            <a:endParaRPr lang="en-US" sz="1300" dirty="0">
-              <a:solidFill>
-                <a:srgbClr val="7030A0"/>
-              </a:solidFill>
-              <a:latin typeface="Courier New" panose="02070309020205020404" pitchFamily="49" charset="0"/>
-              <a:cs typeface="Courier New" panose="02070309020205020404" pitchFamily="49" charset="0"/>
-            </a:endParaRPr>
-          </a:p>
-          <a:p>
-            <a:r>
-              <a:rPr lang="en-US" sz="1300" dirty="0">
-                <a:solidFill>
-                  <a:srgbClr val="7030A0"/>
-                </a:solidFill>
-                <a:latin typeface="Courier New" panose="02070309020205020404" pitchFamily="49" charset="0"/>
-                <a:cs typeface="Courier New" panose="02070309020205020404" pitchFamily="49" charset="0"/>
-              </a:rPr>
-              <a:t>0      121 ( 57%)</a:t>
-            </a:r>
-          </a:p>
-          <a:p>
-            <a:r>
-              <a:rPr lang="en-US" sz="1300" dirty="0">
-                <a:solidFill>
-                  <a:srgbClr val="7030A0"/>
-                </a:solidFill>
-                <a:latin typeface="Courier New" panose="02070309020205020404" pitchFamily="49" charset="0"/>
-                <a:cs typeface="Courier New" panose="02070309020205020404" pitchFamily="49" charset="0"/>
-              </a:rPr>
-              <a:t>1       91 ( 43%)</a:t>
-            </a:r>
-          </a:p>
-          <a:p>
-            <a:endParaRPr lang="en-US" sz="1300" dirty="0">
-              <a:solidFill>
-                <a:srgbClr val="7030A0"/>
-              </a:solidFill>
-              <a:latin typeface="Courier New" panose="02070309020205020404" pitchFamily="49" charset="0"/>
-              <a:cs typeface="Courier New" panose="02070309020205020404" pitchFamily="49" charset="0"/>
             </a:endParaRPr>
           </a:p>
         </p:txBody>
       </p:sp>
     </p:spTree>
-    <p:extLst>
-      <p:ext uri="{BB962C8B-B14F-4D97-AF65-F5344CB8AC3E}">
-        <p14:creationId xmlns:p14="http://schemas.microsoft.com/office/powerpoint/2010/main" val="3392579643"/>
-      </p:ext>
-    </p:extLst>
   </p:cSld>
   <p:clrMapOvr>
     <a:masterClrMapping/>
@@ -30359,7 +30554,7 @@
           <p:cNvPr id="4" name="CasellaDiTesto 3">
             <a:extLst>
               <a:ext uri="{FF2B5EF4-FFF2-40B4-BE49-F238E27FC236}">
-                <a16:creationId xmlns:a16="http://schemas.microsoft.com/office/drawing/2014/main" id="{B948AE74-754E-4EF7-AC16-36C5BC20D8A2}"/>
+                <a16:creationId xmlns:a16="http://schemas.microsoft.com/office/drawing/2014/main" xmlns="" id="{B948AE74-754E-4EF7-AC16-36C5BC20D8A2}"/>
               </a:ext>
             </a:extLst>
           </p:cNvPr>
@@ -30808,7 +31003,7 @@
           <p:cNvPr id="5" name="Titolo 1">
             <a:extLst>
               <a:ext uri="{FF2B5EF4-FFF2-40B4-BE49-F238E27FC236}">
-                <a16:creationId xmlns:a16="http://schemas.microsoft.com/office/drawing/2014/main" id="{93988BB5-A413-49BA-BC9C-68388EF5A744}"/>
+                <a16:creationId xmlns:a16="http://schemas.microsoft.com/office/drawing/2014/main" xmlns="" id="{93988BB5-A413-49BA-BC9C-68388EF5A744}"/>
               </a:ext>
             </a:extLst>
           </p:cNvPr>
@@ -30876,7 +31071,7 @@
           <p:cNvPr id="8" name="Segnaposto contenuto 2">
             <a:extLst>
               <a:ext uri="{FF2B5EF4-FFF2-40B4-BE49-F238E27FC236}">
-                <a16:creationId xmlns:a16="http://schemas.microsoft.com/office/drawing/2014/main" id="{C2E44FE5-CCA1-4E8F-905A-F2F5CDF25092}"/>
+                <a16:creationId xmlns:a16="http://schemas.microsoft.com/office/drawing/2014/main" xmlns="" id="{C2E44FE5-CCA1-4E8F-905A-F2F5CDF25092}"/>
               </a:ext>
             </a:extLst>
           </p:cNvPr>
@@ -30939,7 +31134,7 @@
           <p:cNvPr id="9" name="Segnaposto contenuto 2">
             <a:extLst>
               <a:ext uri="{FF2B5EF4-FFF2-40B4-BE49-F238E27FC236}">
-                <a16:creationId xmlns:a16="http://schemas.microsoft.com/office/drawing/2014/main" id="{89886170-B615-43F8-AA8E-D5565391C42A}"/>
+                <a16:creationId xmlns:a16="http://schemas.microsoft.com/office/drawing/2014/main" xmlns="" id="{89886170-B615-43F8-AA8E-D5565391C42A}"/>
               </a:ext>
             </a:extLst>
           </p:cNvPr>
@@ -31122,7 +31317,7 @@
           <p:cNvPr id="10" name="Segnaposto contenuto 2">
             <a:extLst>
               <a:ext uri="{FF2B5EF4-FFF2-40B4-BE49-F238E27FC236}">
-                <a16:creationId xmlns:a16="http://schemas.microsoft.com/office/drawing/2014/main" id="{7D6E6495-424C-4525-948E-C30098166953}"/>
+                <a16:creationId xmlns:a16="http://schemas.microsoft.com/office/drawing/2014/main" xmlns="" id="{7D6E6495-424C-4525-948E-C30098166953}"/>
               </a:ext>
             </a:extLst>
           </p:cNvPr>
@@ -31303,7 +31498,7 @@
     </p:spTree>
     <p:extLst>
       <p:ext uri="{BB962C8B-B14F-4D97-AF65-F5344CB8AC3E}">
-        <p14:creationId xmlns:p14="http://schemas.microsoft.com/office/powerpoint/2010/main" val="2567167341"/>
+        <p14:creationId xmlns:p14="http://schemas.microsoft.com/office/powerpoint/2010/main" xmlns="" val="2567167341"/>
       </p:ext>
     </p:extLst>
   </p:cSld>
@@ -31335,7 +31530,7 @@
           <p:cNvPr id="4" name="Titolo 1">
             <a:extLst>
               <a:ext uri="{FF2B5EF4-FFF2-40B4-BE49-F238E27FC236}">
-                <a16:creationId xmlns:a16="http://schemas.microsoft.com/office/drawing/2014/main" id="{9E74EE39-EA32-4246-BC63-84D8E46682AC}"/>
+                <a16:creationId xmlns:a16="http://schemas.microsoft.com/office/drawing/2014/main" xmlns="" id="{9E74EE39-EA32-4246-BC63-84D8E46682AC}"/>
               </a:ext>
             </a:extLst>
           </p:cNvPr>
@@ -31403,7 +31598,7 @@
           <p:cNvPr id="6" name="Immagine 5">
             <a:extLst>
               <a:ext uri="{FF2B5EF4-FFF2-40B4-BE49-F238E27FC236}">
-                <a16:creationId xmlns:a16="http://schemas.microsoft.com/office/drawing/2014/main" id="{66350360-19E7-45DE-B04C-AFFD8C1853A5}"/>
+                <a16:creationId xmlns:a16="http://schemas.microsoft.com/office/drawing/2014/main" xmlns="" id="{66350360-19E7-45DE-B04C-AFFD8C1853A5}"/>
               </a:ext>
             </a:extLst>
           </p:cNvPr>
@@ -31430,7 +31625,7 @@
     </p:spTree>
     <p:extLst>
       <p:ext uri="{BB962C8B-B14F-4D97-AF65-F5344CB8AC3E}">
-        <p14:creationId xmlns:p14="http://schemas.microsoft.com/office/powerpoint/2010/main" val="665708985"/>
+        <p14:creationId xmlns:p14="http://schemas.microsoft.com/office/powerpoint/2010/main" xmlns="" val="665708985"/>
       </p:ext>
     </p:extLst>
   </p:cSld>
@@ -31462,7 +31657,7 @@
           <p:cNvPr id="5" name="Titolo 1">
             <a:extLst>
               <a:ext uri="{FF2B5EF4-FFF2-40B4-BE49-F238E27FC236}">
-                <a16:creationId xmlns:a16="http://schemas.microsoft.com/office/drawing/2014/main" id="{93988BB5-A413-49BA-BC9C-68388EF5A744}"/>
+                <a16:creationId xmlns:a16="http://schemas.microsoft.com/office/drawing/2014/main" xmlns="" id="{93988BB5-A413-49BA-BC9C-68388EF5A744}"/>
               </a:ext>
             </a:extLst>
           </p:cNvPr>
@@ -31530,7 +31725,7 @@
           <p:cNvPr id="8" name="Segnaposto contenuto 2">
             <a:extLst>
               <a:ext uri="{FF2B5EF4-FFF2-40B4-BE49-F238E27FC236}">
-                <a16:creationId xmlns:a16="http://schemas.microsoft.com/office/drawing/2014/main" id="{C2E44FE5-CCA1-4E8F-905A-F2F5CDF25092}"/>
+                <a16:creationId xmlns:a16="http://schemas.microsoft.com/office/drawing/2014/main" xmlns="" id="{C2E44FE5-CCA1-4E8F-905A-F2F5CDF25092}"/>
               </a:ext>
             </a:extLst>
           </p:cNvPr>
@@ -31684,7 +31879,7 @@
           <p:cNvPr id="9" name="Segnaposto contenuto 2">
             <a:extLst>
               <a:ext uri="{FF2B5EF4-FFF2-40B4-BE49-F238E27FC236}">
-                <a16:creationId xmlns:a16="http://schemas.microsoft.com/office/drawing/2014/main" id="{89886170-B615-43F8-AA8E-D5565391C42A}"/>
+                <a16:creationId xmlns:a16="http://schemas.microsoft.com/office/drawing/2014/main" xmlns="" id="{89886170-B615-43F8-AA8E-D5565391C42A}"/>
               </a:ext>
             </a:extLst>
           </p:cNvPr>
@@ -31867,7 +32062,7 @@
           <p:cNvPr id="7" name="Titolo 1">
             <a:extLst>
               <a:ext uri="{FF2B5EF4-FFF2-40B4-BE49-F238E27FC236}">
-                <a16:creationId xmlns:a16="http://schemas.microsoft.com/office/drawing/2014/main" id="{588E765D-4A18-43EC-9070-BBB19613F406}"/>
+                <a16:creationId xmlns:a16="http://schemas.microsoft.com/office/drawing/2014/main" xmlns="" id="{588E765D-4A18-43EC-9070-BBB19613F406}"/>
               </a:ext>
             </a:extLst>
           </p:cNvPr>
@@ -31901,7 +32096,7 @@
     </p:spTree>
     <p:extLst>
       <p:ext uri="{BB962C8B-B14F-4D97-AF65-F5344CB8AC3E}">
-        <p14:creationId xmlns:p14="http://schemas.microsoft.com/office/powerpoint/2010/main" val="1292023402"/>
+        <p14:creationId xmlns:p14="http://schemas.microsoft.com/office/powerpoint/2010/main" xmlns="" val="1292023402"/>
       </p:ext>
     </p:extLst>
   </p:cSld>
@@ -31959,7 +32154,7 @@
           <p:cNvPr id="3" name="Titolo 1">
             <a:extLst>
               <a:ext uri="{FF2B5EF4-FFF2-40B4-BE49-F238E27FC236}">
-                <a16:creationId xmlns:a16="http://schemas.microsoft.com/office/drawing/2014/main" id="{9E74EE39-EA32-4246-BC63-84D8E46682AC}"/>
+                <a16:creationId xmlns:a16="http://schemas.microsoft.com/office/drawing/2014/main" xmlns="" id="{9E74EE39-EA32-4246-BC63-84D8E46682AC}"/>
               </a:ext>
             </a:extLst>
           </p:cNvPr>

--- a/relazione.pptx
+++ b/relazione.pptx
@@ -158,7 +158,7 @@
   </p:defaultTextStyle>
   <p:extLst>
     <p:ext uri="{EFAFB233-063F-42B5-8137-9DF3F51BA10A}">
-      <p15:sldGuideLst xmlns:p15="http://schemas.microsoft.com/office/powerpoint/2012/main" xmlns="">
+      <p15:sldGuideLst xmlns="" xmlns:p15="http://schemas.microsoft.com/office/powerpoint/2012/main">
         <p15:guide id="1" orient="horz" pos="2160" userDrawn="1">
           <p15:clr>
             <a:srgbClr val="A4A3A4"/>
@@ -3348,7 +3348,7 @@
           <p:cNvPr id="3" name="Titolo 1">
             <a:extLst>
               <a:ext uri="{FF2B5EF4-FFF2-40B4-BE49-F238E27FC236}">
-                <a16:creationId xmlns:a16="http://schemas.microsoft.com/office/drawing/2014/main" xmlns="" id="{9E74EE39-EA32-4246-BC63-84D8E46682AC}"/>
+                <a16:creationId xmlns="" xmlns:a16="http://schemas.microsoft.com/office/drawing/2014/main" id="{9E74EE39-EA32-4246-BC63-84D8E46682AC}"/>
               </a:ext>
             </a:extLst>
           </p:cNvPr>
@@ -3479,7 +3479,7 @@
           <p:cNvPr id="7" name="CasellaDiTesto 6">
             <a:extLst>
               <a:ext uri="{FF2B5EF4-FFF2-40B4-BE49-F238E27FC236}">
-                <a16:creationId xmlns:a16="http://schemas.microsoft.com/office/drawing/2014/main" xmlns="" id="{B948AE74-754E-4EF7-AC16-36C5BC20D8A2}"/>
+                <a16:creationId xmlns="" xmlns:a16="http://schemas.microsoft.com/office/drawing/2014/main" id="{B948AE74-754E-4EF7-AC16-36C5BC20D8A2}"/>
               </a:ext>
             </a:extLst>
           </p:cNvPr>
@@ -3639,7 +3639,7 @@
           <p:cNvPr id="8" name="Titolo 1">
             <a:extLst>
               <a:ext uri="{FF2B5EF4-FFF2-40B4-BE49-F238E27FC236}">
-                <a16:creationId xmlns:a16="http://schemas.microsoft.com/office/drawing/2014/main" xmlns="" id="{93988BB5-A413-49BA-BC9C-68388EF5A744}"/>
+                <a16:creationId xmlns="" xmlns:a16="http://schemas.microsoft.com/office/drawing/2014/main" id="{93988BB5-A413-49BA-BC9C-68388EF5A744}"/>
               </a:ext>
             </a:extLst>
           </p:cNvPr>
@@ -3707,7 +3707,7 @@
           <p:cNvPr id="9" name="Segnaposto contenuto 2">
             <a:extLst>
               <a:ext uri="{FF2B5EF4-FFF2-40B4-BE49-F238E27FC236}">
-                <a16:creationId xmlns:a16="http://schemas.microsoft.com/office/drawing/2014/main" xmlns="" id="{C2E44FE5-CCA1-4E8F-905A-F2F5CDF25092}"/>
+                <a16:creationId xmlns="" xmlns:a16="http://schemas.microsoft.com/office/drawing/2014/main" id="{C2E44FE5-CCA1-4E8F-905A-F2F5CDF25092}"/>
               </a:ext>
             </a:extLst>
           </p:cNvPr>
@@ -3889,7 +3889,7 @@
           <p:cNvPr id="10" name="Segnaposto contenuto 2">
             <a:extLst>
               <a:ext uri="{FF2B5EF4-FFF2-40B4-BE49-F238E27FC236}">
-                <a16:creationId xmlns:a16="http://schemas.microsoft.com/office/drawing/2014/main" xmlns="" id="{89886170-B615-43F8-AA8E-D5565391C42A}"/>
+                <a16:creationId xmlns="" xmlns:a16="http://schemas.microsoft.com/office/drawing/2014/main" id="{89886170-B615-43F8-AA8E-D5565391C42A}"/>
               </a:ext>
             </a:extLst>
           </p:cNvPr>
@@ -4072,7 +4072,7 @@
           <p:cNvPr id="11" name="Segnaposto contenuto 2">
             <a:extLst>
               <a:ext uri="{FF2B5EF4-FFF2-40B4-BE49-F238E27FC236}">
-                <a16:creationId xmlns:a16="http://schemas.microsoft.com/office/drawing/2014/main" xmlns="" id="{7D6E6495-424C-4525-948E-C30098166953}"/>
+                <a16:creationId xmlns="" xmlns:a16="http://schemas.microsoft.com/office/drawing/2014/main" id="{7D6E6495-424C-4525-948E-C30098166953}"/>
               </a:ext>
             </a:extLst>
           </p:cNvPr>
@@ -4376,7 +4376,7 @@
           <p:cNvPr id="4" name="Titolo 1">
             <a:extLst>
               <a:ext uri="{FF2B5EF4-FFF2-40B4-BE49-F238E27FC236}">
-                <a16:creationId xmlns:a16="http://schemas.microsoft.com/office/drawing/2014/main" xmlns="" id="{9E74EE39-EA32-4246-BC63-84D8E46682AC}"/>
+                <a16:creationId xmlns="" xmlns:a16="http://schemas.microsoft.com/office/drawing/2014/main" id="{9E74EE39-EA32-4246-BC63-84D8E46682AC}"/>
               </a:ext>
             </a:extLst>
           </p:cNvPr>
@@ -4469,7 +4469,7 @@
           <p:cNvPr id="2" name="Titolo 1">
             <a:extLst>
               <a:ext uri="{FF2B5EF4-FFF2-40B4-BE49-F238E27FC236}">
-                <a16:creationId xmlns:a16="http://schemas.microsoft.com/office/drawing/2014/main" xmlns="" id="{9E74EE39-EA32-4246-BC63-84D8E46682AC}"/>
+                <a16:creationId xmlns="" xmlns:a16="http://schemas.microsoft.com/office/drawing/2014/main" id="{9E74EE39-EA32-4246-BC63-84D8E46682AC}"/>
               </a:ext>
             </a:extLst>
           </p:cNvPr>
@@ -4654,7 +4654,7 @@
           <p:cNvPr id="5" name="Titolo 1">
             <a:extLst>
               <a:ext uri="{FF2B5EF4-FFF2-40B4-BE49-F238E27FC236}">
-                <a16:creationId xmlns:a16="http://schemas.microsoft.com/office/drawing/2014/main" xmlns="" id="{93988BB5-A413-49BA-BC9C-68388EF5A744}"/>
+                <a16:creationId xmlns="" xmlns:a16="http://schemas.microsoft.com/office/drawing/2014/main" id="{93988BB5-A413-49BA-BC9C-68388EF5A744}"/>
               </a:ext>
             </a:extLst>
           </p:cNvPr>
@@ -4738,7 +4738,7 @@
           <p:cNvPr id="8" name="Segnaposto contenuto 2">
             <a:extLst>
               <a:ext uri="{FF2B5EF4-FFF2-40B4-BE49-F238E27FC236}">
-                <a16:creationId xmlns:a16="http://schemas.microsoft.com/office/drawing/2014/main" xmlns="" id="{C2E44FE5-CCA1-4E8F-905A-F2F5CDF25092}"/>
+                <a16:creationId xmlns="" xmlns:a16="http://schemas.microsoft.com/office/drawing/2014/main" id="{C2E44FE5-CCA1-4E8F-905A-F2F5CDF25092}"/>
               </a:ext>
             </a:extLst>
           </p:cNvPr>
@@ -4884,7 +4884,7 @@
           <p:cNvPr id="9" name="Segnaposto contenuto 2">
             <a:extLst>
               <a:ext uri="{FF2B5EF4-FFF2-40B4-BE49-F238E27FC236}">
-                <a16:creationId xmlns:a16="http://schemas.microsoft.com/office/drawing/2014/main" xmlns="" id="{89886170-B615-43F8-AA8E-D5565391C42A}"/>
+                <a16:creationId xmlns="" xmlns:a16="http://schemas.microsoft.com/office/drawing/2014/main" id="{89886170-B615-43F8-AA8E-D5565391C42A}"/>
               </a:ext>
             </a:extLst>
           </p:cNvPr>
@@ -5065,7 +5065,7 @@
     </p:spTree>
     <p:extLst>
       <p:ext uri="{BB962C8B-B14F-4D97-AF65-F5344CB8AC3E}">
-        <p14:creationId xmlns:p14="http://schemas.microsoft.com/office/powerpoint/2010/main" xmlns="" val="2567167341"/>
+        <p14:creationId xmlns="" xmlns:p14="http://schemas.microsoft.com/office/powerpoint/2010/main" val="2567167341"/>
       </p:ext>
     </p:extLst>
   </p:cSld>
@@ -5097,7 +5097,7 @@
           <p:cNvPr id="2" name="Titolo 1">
             <a:extLst>
               <a:ext uri="{FF2B5EF4-FFF2-40B4-BE49-F238E27FC236}">
-                <a16:creationId xmlns:a16="http://schemas.microsoft.com/office/drawing/2014/main" xmlns="" id="{93988BB5-A413-49BA-BC9C-68388EF5A744}"/>
+                <a16:creationId xmlns="" xmlns:a16="http://schemas.microsoft.com/office/drawing/2014/main" id="{93988BB5-A413-49BA-BC9C-68388EF5A744}"/>
               </a:ext>
             </a:extLst>
           </p:cNvPr>
@@ -5181,7 +5181,7 @@
           <p:cNvPr id="4" name="Segnaposto contenuto 2">
             <a:extLst>
               <a:ext uri="{FF2B5EF4-FFF2-40B4-BE49-F238E27FC236}">
-                <a16:creationId xmlns:a16="http://schemas.microsoft.com/office/drawing/2014/main" xmlns="" id="{C2E44FE5-CCA1-4E8F-905A-F2F5CDF25092}"/>
+                <a16:creationId xmlns="" xmlns:a16="http://schemas.microsoft.com/office/drawing/2014/main" id="{C2E44FE5-CCA1-4E8F-905A-F2F5CDF25092}"/>
               </a:ext>
             </a:extLst>
           </p:cNvPr>
@@ -5377,7 +5377,7 @@
           <p:cNvPr id="5" name="CasellaDiTesto 4">
             <a:extLst>
               <a:ext uri="{FF2B5EF4-FFF2-40B4-BE49-F238E27FC236}">
-                <a16:creationId xmlns:a16="http://schemas.microsoft.com/office/drawing/2014/main" xmlns="" id="{4D7DE968-07D5-4816-AE85-8F06E200182B}"/>
+                <a16:creationId xmlns="" xmlns:a16="http://schemas.microsoft.com/office/drawing/2014/main" id="{4D7DE968-07D5-4816-AE85-8F06E200182B}"/>
               </a:ext>
             </a:extLst>
           </p:cNvPr>
@@ -6059,7 +6059,7 @@
           <p:cNvPr id="6" name="Segnaposto contenuto 2">
             <a:extLst>
               <a:ext uri="{FF2B5EF4-FFF2-40B4-BE49-F238E27FC236}">
-                <a16:creationId xmlns:a16="http://schemas.microsoft.com/office/drawing/2014/main" xmlns="" id="{C2E44FE5-CCA1-4E8F-905A-F2F5CDF25092}"/>
+                <a16:creationId xmlns="" xmlns:a16="http://schemas.microsoft.com/office/drawing/2014/main" id="{C2E44FE5-CCA1-4E8F-905A-F2F5CDF25092}"/>
               </a:ext>
             </a:extLst>
           </p:cNvPr>
@@ -6367,7 +6367,7 @@
           <p:cNvPr id="3" name="Titolo 1">
             <a:extLst>
               <a:ext uri="{FF2B5EF4-FFF2-40B4-BE49-F238E27FC236}">
-                <a16:creationId xmlns:a16="http://schemas.microsoft.com/office/drawing/2014/main" xmlns="" id="{9E74EE39-EA32-4246-BC63-84D8E46682AC}"/>
+                <a16:creationId xmlns="" xmlns:a16="http://schemas.microsoft.com/office/drawing/2014/main" id="{9E74EE39-EA32-4246-BC63-84D8E46682AC}"/>
               </a:ext>
             </a:extLst>
           </p:cNvPr>
@@ -6460,7 +6460,7 @@
           <p:cNvPr id="2" name="Titolo 1">
             <a:extLst>
               <a:ext uri="{FF2B5EF4-FFF2-40B4-BE49-F238E27FC236}">
-                <a16:creationId xmlns:a16="http://schemas.microsoft.com/office/drawing/2014/main" xmlns="" id="{9E74EE39-EA32-4246-BC63-84D8E46682AC}"/>
+                <a16:creationId xmlns="" xmlns:a16="http://schemas.microsoft.com/office/drawing/2014/main" id="{9E74EE39-EA32-4246-BC63-84D8E46682AC}"/>
               </a:ext>
             </a:extLst>
           </p:cNvPr>
@@ -6657,7 +6657,7 @@
           <p:cNvPr id="4" name="Titolo 1">
             <a:extLst>
               <a:ext uri="{FF2B5EF4-FFF2-40B4-BE49-F238E27FC236}">
-                <a16:creationId xmlns:a16="http://schemas.microsoft.com/office/drawing/2014/main" xmlns="" id="{9E74EE39-EA32-4246-BC63-84D8E46682AC}"/>
+                <a16:creationId xmlns="" xmlns:a16="http://schemas.microsoft.com/office/drawing/2014/main" id="{9E74EE39-EA32-4246-BC63-84D8E46682AC}"/>
               </a:ext>
             </a:extLst>
           </p:cNvPr>
@@ -6725,7 +6725,7 @@
           <p:cNvPr id="2" name="CasellaDiTesto 1">
             <a:extLst>
               <a:ext uri="{FF2B5EF4-FFF2-40B4-BE49-F238E27FC236}">
-                <a16:creationId xmlns:a16="http://schemas.microsoft.com/office/drawing/2014/main" xmlns="" id="{C6A91D90-B7CB-4D25-8EF0-BC7014B8AA3B}"/>
+                <a16:creationId xmlns="" xmlns:a16="http://schemas.microsoft.com/office/drawing/2014/main" id="{C6A91D90-B7CB-4D25-8EF0-BC7014B8AA3B}"/>
               </a:ext>
             </a:extLst>
           </p:cNvPr>
@@ -6840,7 +6840,7 @@
           <p:cNvPr id="8" name="Segnaposto contenuto 2">
             <a:extLst>
               <a:ext uri="{FF2B5EF4-FFF2-40B4-BE49-F238E27FC236}">
-                <a16:creationId xmlns:a16="http://schemas.microsoft.com/office/drawing/2014/main" xmlns="" id="{C2E44FE5-CCA1-4E8F-905A-F2F5CDF25092}"/>
+                <a16:creationId xmlns="" xmlns:a16="http://schemas.microsoft.com/office/drawing/2014/main" id="{C2E44FE5-CCA1-4E8F-905A-F2F5CDF25092}"/>
               </a:ext>
             </a:extLst>
           </p:cNvPr>
@@ -6898,7 +6898,7 @@
           <p:cNvPr id="9" name="Segnaposto contenuto 2">
             <a:extLst>
               <a:ext uri="{FF2B5EF4-FFF2-40B4-BE49-F238E27FC236}">
-                <a16:creationId xmlns:a16="http://schemas.microsoft.com/office/drawing/2014/main" xmlns="" id="{89886170-B615-43F8-AA8E-D5565391C42A}"/>
+                <a16:creationId xmlns="" xmlns:a16="http://schemas.microsoft.com/office/drawing/2014/main" id="{89886170-B615-43F8-AA8E-D5565391C42A}"/>
               </a:ext>
             </a:extLst>
           </p:cNvPr>
@@ -7081,7 +7081,7 @@
           <p:cNvPr id="7" name="Titolo 1">
             <a:extLst>
               <a:ext uri="{FF2B5EF4-FFF2-40B4-BE49-F238E27FC236}">
-                <a16:creationId xmlns:a16="http://schemas.microsoft.com/office/drawing/2014/main" xmlns="" id="{588E765D-4A18-43EC-9070-BBB19613F406}"/>
+                <a16:creationId xmlns="" xmlns:a16="http://schemas.microsoft.com/office/drawing/2014/main" id="{588E765D-4A18-43EC-9070-BBB19613F406}"/>
               </a:ext>
             </a:extLst>
           </p:cNvPr>
@@ -7117,7 +7117,7 @@
           <p:cNvPr id="6" name="Titolo 1">
             <a:extLst>
               <a:ext uri="{FF2B5EF4-FFF2-40B4-BE49-F238E27FC236}">
-                <a16:creationId xmlns:a16="http://schemas.microsoft.com/office/drawing/2014/main" xmlns="" id="{32602169-0966-4893-B032-33CFCD986CA0}"/>
+                <a16:creationId xmlns="" xmlns:a16="http://schemas.microsoft.com/office/drawing/2014/main" id="{32602169-0966-4893-B032-33CFCD986CA0}"/>
               </a:ext>
             </a:extLst>
           </p:cNvPr>
@@ -7185,7 +7185,7 @@
           <p:cNvPr id="1029" name="Immagine 1">
             <a:extLst>
               <a:ext uri="{FF2B5EF4-FFF2-40B4-BE49-F238E27FC236}">
-                <a16:creationId xmlns:a16="http://schemas.microsoft.com/office/drawing/2014/main" xmlns="" id="{FF70ADEF-A2E9-4C5E-8EBB-4FBF208344FE}"/>
+                <a16:creationId xmlns="" xmlns:a16="http://schemas.microsoft.com/office/drawing/2014/main" id="{FF70ADEF-A2E9-4C5E-8EBB-4FBF208344FE}"/>
               </a:ext>
             </a:extLst>
           </p:cNvPr>
@@ -7198,7 +7198,7 @@
           <a:blip r:embed="rId2">
             <a:extLst>
               <a:ext uri="{28A0092B-C50C-407E-A947-70E740481C1C}">
-                <a14:useLocalDpi xmlns:a14="http://schemas.microsoft.com/office/drawing/2010/main" xmlns="" val="0"/>
+                <a14:useLocalDpi xmlns="" xmlns:a14="http://schemas.microsoft.com/office/drawing/2010/main" val="0"/>
               </a:ext>
             </a:extLst>
           </a:blip>
@@ -7218,7 +7218,7 @@
           <a:noFill/>
           <a:extLst>
             <a:ext uri="{909E8E84-426E-40DD-AFC4-6F175D3DCCD1}">
-              <a14:hiddenFill xmlns:a14="http://schemas.microsoft.com/office/drawing/2010/main" xmlns="">
+              <a14:hiddenFill xmlns="" xmlns:a14="http://schemas.microsoft.com/office/drawing/2010/main">
                 <a:solidFill>
                   <a:srgbClr val="FFFFFF"/>
                 </a:solidFill>
@@ -7232,7 +7232,7 @@
           <p:cNvPr id="1028" name="Immagine 2">
             <a:extLst>
               <a:ext uri="{FF2B5EF4-FFF2-40B4-BE49-F238E27FC236}">
-                <a16:creationId xmlns:a16="http://schemas.microsoft.com/office/drawing/2014/main" xmlns="" id="{ABB1ACCA-6BB7-4698-9D8F-83EBBEEBB439}"/>
+                <a16:creationId xmlns="" xmlns:a16="http://schemas.microsoft.com/office/drawing/2014/main" id="{ABB1ACCA-6BB7-4698-9D8F-83EBBEEBB439}"/>
               </a:ext>
             </a:extLst>
           </p:cNvPr>
@@ -7245,7 +7245,7 @@
           <a:blip r:embed="rId3">
             <a:extLst>
               <a:ext uri="{28A0092B-C50C-407E-A947-70E740481C1C}">
-                <a14:useLocalDpi xmlns:a14="http://schemas.microsoft.com/office/drawing/2010/main" xmlns="" val="0"/>
+                <a14:useLocalDpi xmlns="" xmlns:a14="http://schemas.microsoft.com/office/drawing/2010/main" val="0"/>
               </a:ext>
             </a:extLst>
           </a:blip>
@@ -7265,7 +7265,7 @@
           <a:noFill/>
           <a:extLst>
             <a:ext uri="{909E8E84-426E-40DD-AFC4-6F175D3DCCD1}">
-              <a14:hiddenFill xmlns:a14="http://schemas.microsoft.com/office/drawing/2010/main" xmlns="">
+              <a14:hiddenFill xmlns="" xmlns:a14="http://schemas.microsoft.com/office/drawing/2010/main">
                 <a:solidFill>
                   <a:srgbClr val="FFFFFF"/>
                 </a:solidFill>
@@ -7279,7 +7279,7 @@
           <p:cNvPr id="1027" name="Immagine 3">
             <a:extLst>
               <a:ext uri="{FF2B5EF4-FFF2-40B4-BE49-F238E27FC236}">
-                <a16:creationId xmlns:a16="http://schemas.microsoft.com/office/drawing/2014/main" xmlns="" id="{F26E6F2B-58E7-47FC-929F-0A5F434D487F}"/>
+                <a16:creationId xmlns="" xmlns:a16="http://schemas.microsoft.com/office/drawing/2014/main" id="{F26E6F2B-58E7-47FC-929F-0A5F434D487F}"/>
               </a:ext>
             </a:extLst>
           </p:cNvPr>
@@ -7292,7 +7292,7 @@
           <a:blip r:embed="rId4">
             <a:extLst>
               <a:ext uri="{28A0092B-C50C-407E-A947-70E740481C1C}">
-                <a14:useLocalDpi xmlns:a14="http://schemas.microsoft.com/office/drawing/2010/main" xmlns="" val="0"/>
+                <a14:useLocalDpi xmlns="" xmlns:a14="http://schemas.microsoft.com/office/drawing/2010/main" val="0"/>
               </a:ext>
             </a:extLst>
           </a:blip>
@@ -7312,7 +7312,7 @@
           <a:noFill/>
           <a:extLst>
             <a:ext uri="{909E8E84-426E-40DD-AFC4-6F175D3DCCD1}">
-              <a14:hiddenFill xmlns:a14="http://schemas.microsoft.com/office/drawing/2010/main" xmlns="">
+              <a14:hiddenFill xmlns="" xmlns:a14="http://schemas.microsoft.com/office/drawing/2010/main">
                 <a:solidFill>
                   <a:srgbClr val="FFFFFF"/>
                 </a:solidFill>
@@ -7326,7 +7326,7 @@
           <p:cNvPr id="1026" name="Immagine 4">
             <a:extLst>
               <a:ext uri="{FF2B5EF4-FFF2-40B4-BE49-F238E27FC236}">
-                <a16:creationId xmlns:a16="http://schemas.microsoft.com/office/drawing/2014/main" xmlns="" id="{B209195C-077D-4451-AEBF-025EFF64395E}"/>
+                <a16:creationId xmlns="" xmlns:a16="http://schemas.microsoft.com/office/drawing/2014/main" id="{B209195C-077D-4451-AEBF-025EFF64395E}"/>
               </a:ext>
             </a:extLst>
           </p:cNvPr>
@@ -7339,7 +7339,7 @@
           <a:blip r:embed="rId5">
             <a:extLst>
               <a:ext uri="{28A0092B-C50C-407E-A947-70E740481C1C}">
-                <a14:useLocalDpi xmlns:a14="http://schemas.microsoft.com/office/drawing/2010/main" xmlns="" val="0"/>
+                <a14:useLocalDpi xmlns="" xmlns:a14="http://schemas.microsoft.com/office/drawing/2010/main" val="0"/>
               </a:ext>
             </a:extLst>
           </a:blip>
@@ -7359,7 +7359,7 @@
           <a:noFill/>
           <a:extLst>
             <a:ext uri="{909E8E84-426E-40DD-AFC4-6F175D3DCCD1}">
-              <a14:hiddenFill xmlns:a14="http://schemas.microsoft.com/office/drawing/2010/main" xmlns="">
+              <a14:hiddenFill xmlns="" xmlns:a14="http://schemas.microsoft.com/office/drawing/2010/main">
                 <a:solidFill>
                   <a:srgbClr val="FFFFFF"/>
                 </a:solidFill>
@@ -7373,7 +7373,7 @@
           <p:cNvPr id="1025" name="Immagine 5">
             <a:extLst>
               <a:ext uri="{FF2B5EF4-FFF2-40B4-BE49-F238E27FC236}">
-                <a16:creationId xmlns:a16="http://schemas.microsoft.com/office/drawing/2014/main" xmlns="" id="{0BE8FA7A-9877-4E8C-AD1E-B6DB161AD2FC}"/>
+                <a16:creationId xmlns="" xmlns:a16="http://schemas.microsoft.com/office/drawing/2014/main" id="{0BE8FA7A-9877-4E8C-AD1E-B6DB161AD2FC}"/>
               </a:ext>
             </a:extLst>
           </p:cNvPr>
@@ -7386,7 +7386,7 @@
           <a:blip r:embed="rId6">
             <a:extLst>
               <a:ext uri="{28A0092B-C50C-407E-A947-70E740481C1C}">
-                <a14:useLocalDpi xmlns:a14="http://schemas.microsoft.com/office/drawing/2010/main" xmlns="" val="0"/>
+                <a14:useLocalDpi xmlns="" xmlns:a14="http://schemas.microsoft.com/office/drawing/2010/main" val="0"/>
               </a:ext>
             </a:extLst>
           </a:blip>
@@ -7406,7 +7406,7 @@
           <a:noFill/>
           <a:extLst>
             <a:ext uri="{909E8E84-426E-40DD-AFC4-6F175D3DCCD1}">
-              <a14:hiddenFill xmlns:a14="http://schemas.microsoft.com/office/drawing/2010/main" xmlns="">
+              <a14:hiddenFill xmlns="" xmlns:a14="http://schemas.microsoft.com/office/drawing/2010/main">
                 <a:solidFill>
                   <a:srgbClr val="FFFFFF"/>
                 </a:solidFill>
@@ -7420,7 +7420,7 @@
           <p:cNvPr id="2" name="Rectangle 6">
             <a:extLst>
               <a:ext uri="{FF2B5EF4-FFF2-40B4-BE49-F238E27FC236}">
-                <a16:creationId xmlns:a16="http://schemas.microsoft.com/office/drawing/2014/main" xmlns="" id="{FC5724C9-24A0-4B40-9A3A-FE717EF7AA55}"/>
+                <a16:creationId xmlns="" xmlns:a16="http://schemas.microsoft.com/office/drawing/2014/main" id="{FC5724C9-24A0-4B40-9A3A-FE717EF7AA55}"/>
               </a:ext>
             </a:extLst>
           </p:cNvPr>
@@ -7444,14 +7444,14 @@
           <a:effectLst/>
           <a:extLst>
             <a:ext uri="{909E8E84-426E-40DD-AFC4-6F175D3DCCD1}">
-              <a14:hiddenFill xmlns:a14="http://schemas.microsoft.com/office/drawing/2010/main" xmlns="">
+              <a14:hiddenFill xmlns="" xmlns:a14="http://schemas.microsoft.com/office/drawing/2010/main">
                 <a:solidFill>
                   <a:schemeClr val="accent1"/>
                 </a:solidFill>
               </a14:hiddenFill>
             </a:ext>
             <a:ext uri="{91240B29-F687-4F45-9708-019B960494DF}">
-              <a14:hiddenLine xmlns:a14="http://schemas.microsoft.com/office/drawing/2010/main" xmlns="" w="9525">
+              <a14:hiddenLine xmlns="" xmlns:a14="http://schemas.microsoft.com/office/drawing/2010/main" w="9525">
                 <a:solidFill>
                   <a:schemeClr val="tx1"/>
                 </a:solidFill>
@@ -7461,7 +7461,7 @@
               </a14:hiddenLine>
             </a:ext>
             <a:ext uri="{AF507438-7753-43E0-B8FC-AC1667EBCBE1}">
-              <a14:hiddenEffects xmlns:a14="http://schemas.microsoft.com/office/drawing/2010/main" xmlns="">
+              <a14:hiddenEffects xmlns="" xmlns:a14="http://schemas.microsoft.com/office/drawing/2010/main">
                 <a:effectLst>
                   <a:outerShdw dist="35921" dir="2700000" algn="ctr" rotWithShape="0">
                     <a:schemeClr val="bg2"/>
@@ -7489,7 +7489,7 @@
           <p:cNvPr id="3" name="Rectangle 7">
             <a:extLst>
               <a:ext uri="{FF2B5EF4-FFF2-40B4-BE49-F238E27FC236}">
-                <a16:creationId xmlns:a16="http://schemas.microsoft.com/office/drawing/2014/main" xmlns="" id="{C08042F5-96DB-4FE6-B699-C1DFAB71C0C5}"/>
+                <a16:creationId xmlns="" xmlns:a16="http://schemas.microsoft.com/office/drawing/2014/main" id="{C08042F5-96DB-4FE6-B699-C1DFAB71C0C5}"/>
               </a:ext>
             </a:extLst>
           </p:cNvPr>
@@ -7513,14 +7513,14 @@
           <a:effectLst/>
           <a:extLst>
             <a:ext uri="{909E8E84-426E-40DD-AFC4-6F175D3DCCD1}">
-              <a14:hiddenFill xmlns:a14="http://schemas.microsoft.com/office/drawing/2010/main" xmlns="">
+              <a14:hiddenFill xmlns="" xmlns:a14="http://schemas.microsoft.com/office/drawing/2010/main">
                 <a:solidFill>
                   <a:schemeClr val="accent1"/>
                 </a:solidFill>
               </a14:hiddenFill>
             </a:ext>
             <a:ext uri="{91240B29-F687-4F45-9708-019B960494DF}">
-              <a14:hiddenLine xmlns:a14="http://schemas.microsoft.com/office/drawing/2010/main" xmlns="" w="9525">
+              <a14:hiddenLine xmlns="" xmlns:a14="http://schemas.microsoft.com/office/drawing/2010/main" w="9525">
                 <a:solidFill>
                   <a:schemeClr val="tx1"/>
                 </a:solidFill>
@@ -7530,7 +7530,7 @@
               </a14:hiddenLine>
             </a:ext>
             <a:ext uri="{AF507438-7753-43E0-B8FC-AC1667EBCBE1}">
-              <a14:hiddenEffects xmlns:a14="http://schemas.microsoft.com/office/drawing/2010/main" xmlns="">
+              <a14:hiddenEffects xmlns="" xmlns:a14="http://schemas.microsoft.com/office/drawing/2010/main">
                 <a:effectLst>
                   <a:outerShdw dist="35921" dir="2700000" algn="ctr" rotWithShape="0">
                     <a:schemeClr val="bg2"/>
@@ -7598,7 +7598,7 @@
           <p:cNvPr id="4" name="Rectangle 8">
             <a:extLst>
               <a:ext uri="{FF2B5EF4-FFF2-40B4-BE49-F238E27FC236}">
-                <a16:creationId xmlns:a16="http://schemas.microsoft.com/office/drawing/2014/main" xmlns="" id="{E0CBE371-8058-4503-A250-42442AAE21EC}"/>
+                <a16:creationId xmlns="" xmlns:a16="http://schemas.microsoft.com/office/drawing/2014/main" id="{E0CBE371-8058-4503-A250-42442AAE21EC}"/>
               </a:ext>
             </a:extLst>
           </p:cNvPr>
@@ -7622,14 +7622,14 @@
           <a:effectLst/>
           <a:extLst>
             <a:ext uri="{909E8E84-426E-40DD-AFC4-6F175D3DCCD1}">
-              <a14:hiddenFill xmlns:a14="http://schemas.microsoft.com/office/drawing/2010/main" xmlns="">
+              <a14:hiddenFill xmlns="" xmlns:a14="http://schemas.microsoft.com/office/drawing/2010/main">
                 <a:solidFill>
                   <a:schemeClr val="accent1"/>
                 </a:solidFill>
               </a14:hiddenFill>
             </a:ext>
             <a:ext uri="{91240B29-F687-4F45-9708-019B960494DF}">
-              <a14:hiddenLine xmlns:a14="http://schemas.microsoft.com/office/drawing/2010/main" xmlns="" w="9525">
+              <a14:hiddenLine xmlns="" xmlns:a14="http://schemas.microsoft.com/office/drawing/2010/main" w="9525">
                 <a:solidFill>
                   <a:schemeClr val="tx1"/>
                 </a:solidFill>
@@ -7639,7 +7639,7 @@
               </a14:hiddenLine>
             </a:ext>
             <a:ext uri="{AF507438-7753-43E0-B8FC-AC1667EBCBE1}">
-              <a14:hiddenEffects xmlns:a14="http://schemas.microsoft.com/office/drawing/2010/main" xmlns="">
+              <a14:hiddenEffects xmlns="" xmlns:a14="http://schemas.microsoft.com/office/drawing/2010/main">
                 <a:effectLst>
                   <a:outerShdw dist="35921" dir="2700000" algn="ctr" rotWithShape="0">
                     <a:schemeClr val="bg2"/>
@@ -7707,7 +7707,7 @@
           <p:cNvPr id="10" name="Rectangle 9">
             <a:extLst>
               <a:ext uri="{FF2B5EF4-FFF2-40B4-BE49-F238E27FC236}">
-                <a16:creationId xmlns:a16="http://schemas.microsoft.com/office/drawing/2014/main" xmlns="" id="{99468FB6-6461-4A91-9E0B-2B3FC25F715E}"/>
+                <a16:creationId xmlns="" xmlns:a16="http://schemas.microsoft.com/office/drawing/2014/main" id="{99468FB6-6461-4A91-9E0B-2B3FC25F715E}"/>
               </a:ext>
             </a:extLst>
           </p:cNvPr>
@@ -7731,14 +7731,14 @@
           <a:effectLst/>
           <a:extLst>
             <a:ext uri="{909E8E84-426E-40DD-AFC4-6F175D3DCCD1}">
-              <a14:hiddenFill xmlns:a14="http://schemas.microsoft.com/office/drawing/2010/main" xmlns="">
+              <a14:hiddenFill xmlns="" xmlns:a14="http://schemas.microsoft.com/office/drawing/2010/main">
                 <a:solidFill>
                   <a:schemeClr val="accent1"/>
                 </a:solidFill>
               </a14:hiddenFill>
             </a:ext>
             <a:ext uri="{91240B29-F687-4F45-9708-019B960494DF}">
-              <a14:hiddenLine xmlns:a14="http://schemas.microsoft.com/office/drawing/2010/main" xmlns="" w="9525">
+              <a14:hiddenLine xmlns="" xmlns:a14="http://schemas.microsoft.com/office/drawing/2010/main" w="9525">
                 <a:solidFill>
                   <a:schemeClr val="tx1"/>
                 </a:solidFill>
@@ -7748,7 +7748,7 @@
               </a14:hiddenLine>
             </a:ext>
             <a:ext uri="{AF507438-7753-43E0-B8FC-AC1667EBCBE1}">
-              <a14:hiddenEffects xmlns:a14="http://schemas.microsoft.com/office/drawing/2010/main" xmlns="">
+              <a14:hiddenEffects xmlns="" xmlns:a14="http://schemas.microsoft.com/office/drawing/2010/main">
                 <a:effectLst>
                   <a:outerShdw dist="35921" dir="2700000" algn="ctr" rotWithShape="0">
                     <a:schemeClr val="bg2"/>
@@ -7816,7 +7816,7 @@
           <p:cNvPr id="11" name="Rectangle 10">
             <a:extLst>
               <a:ext uri="{FF2B5EF4-FFF2-40B4-BE49-F238E27FC236}">
-                <a16:creationId xmlns:a16="http://schemas.microsoft.com/office/drawing/2014/main" xmlns="" id="{E4D9815E-FC57-48D4-9710-C34FDAE236EF}"/>
+                <a16:creationId xmlns="" xmlns:a16="http://schemas.microsoft.com/office/drawing/2014/main" id="{E4D9815E-FC57-48D4-9710-C34FDAE236EF}"/>
               </a:ext>
             </a:extLst>
           </p:cNvPr>
@@ -7840,14 +7840,14 @@
           <a:effectLst/>
           <a:extLst>
             <a:ext uri="{909E8E84-426E-40DD-AFC4-6F175D3DCCD1}">
-              <a14:hiddenFill xmlns:a14="http://schemas.microsoft.com/office/drawing/2010/main" xmlns="">
+              <a14:hiddenFill xmlns="" xmlns:a14="http://schemas.microsoft.com/office/drawing/2010/main">
                 <a:solidFill>
                   <a:schemeClr val="accent1"/>
                 </a:solidFill>
               </a14:hiddenFill>
             </a:ext>
             <a:ext uri="{91240B29-F687-4F45-9708-019B960494DF}">
-              <a14:hiddenLine xmlns:a14="http://schemas.microsoft.com/office/drawing/2010/main" xmlns="" w="9525">
+              <a14:hiddenLine xmlns="" xmlns:a14="http://schemas.microsoft.com/office/drawing/2010/main" w="9525">
                 <a:solidFill>
                   <a:schemeClr val="tx1"/>
                 </a:solidFill>
@@ -7857,7 +7857,7 @@
               </a14:hiddenLine>
             </a:ext>
             <a:ext uri="{AF507438-7753-43E0-B8FC-AC1667EBCBE1}">
-              <a14:hiddenEffects xmlns:a14="http://schemas.microsoft.com/office/drawing/2010/main" xmlns="">
+              <a14:hiddenEffects xmlns="" xmlns:a14="http://schemas.microsoft.com/office/drawing/2010/main">
                 <a:effectLst>
                   <a:outerShdw dist="35921" dir="2700000" algn="ctr" rotWithShape="0">
                     <a:schemeClr val="bg2"/>
@@ -7923,7 +7923,7 @@
     </p:spTree>
     <p:extLst>
       <p:ext uri="{BB962C8B-B14F-4D97-AF65-F5344CB8AC3E}">
-        <p14:creationId xmlns:p14="http://schemas.microsoft.com/office/powerpoint/2010/main" xmlns="" val="3496225061"/>
+        <p14:creationId xmlns="" xmlns:p14="http://schemas.microsoft.com/office/powerpoint/2010/main" val="3496225061"/>
       </p:ext>
     </p:extLst>
   </p:cSld>
@@ -7955,7 +7955,7 @@
           <p:cNvPr id="2" name="Titolo 1">
             <a:extLst>
               <a:ext uri="{FF2B5EF4-FFF2-40B4-BE49-F238E27FC236}">
-                <a16:creationId xmlns:a16="http://schemas.microsoft.com/office/drawing/2014/main" xmlns="" id="{27DE7282-AE7E-472D-8672-9E1189329188}"/>
+                <a16:creationId xmlns="" xmlns:a16="http://schemas.microsoft.com/office/drawing/2014/main" id="{27DE7282-AE7E-472D-8672-9E1189329188}"/>
               </a:ext>
             </a:extLst>
           </p:cNvPr>
@@ -7997,7 +7997,7 @@
           <p:cNvPr id="3" name="Segnaposto contenuto 2">
             <a:extLst>
               <a:ext uri="{FF2B5EF4-FFF2-40B4-BE49-F238E27FC236}">
-                <a16:creationId xmlns:a16="http://schemas.microsoft.com/office/drawing/2014/main" xmlns="" id="{CFAC3122-428C-490C-856C-A6D8B422D33B}"/>
+                <a16:creationId xmlns="" xmlns:a16="http://schemas.microsoft.com/office/drawing/2014/main" id="{CFAC3122-428C-490C-856C-A6D8B422D33B}"/>
               </a:ext>
             </a:extLst>
           </p:cNvPr>
@@ -8237,7 +8237,7 @@
     </p:spTree>
     <p:extLst>
       <p:ext uri="{BB962C8B-B14F-4D97-AF65-F5344CB8AC3E}">
-        <p14:creationId xmlns:p14="http://schemas.microsoft.com/office/powerpoint/2010/main" xmlns="" val="4194171762"/>
+        <p14:creationId xmlns="" xmlns:p14="http://schemas.microsoft.com/office/powerpoint/2010/main" val="4194171762"/>
       </p:ext>
     </p:extLst>
   </p:cSld>
@@ -8269,7 +8269,7 @@
           <p:cNvPr id="8" name="Segnaposto contenuto 2">
             <a:extLst>
               <a:ext uri="{FF2B5EF4-FFF2-40B4-BE49-F238E27FC236}">
-                <a16:creationId xmlns:a16="http://schemas.microsoft.com/office/drawing/2014/main" xmlns="" id="{C2E44FE5-CCA1-4E8F-905A-F2F5CDF25092}"/>
+                <a16:creationId xmlns="" xmlns:a16="http://schemas.microsoft.com/office/drawing/2014/main" id="{C2E44FE5-CCA1-4E8F-905A-F2F5CDF25092}"/>
               </a:ext>
             </a:extLst>
           </p:cNvPr>
@@ -8345,7 +8345,7 @@
           <p:cNvPr id="9" name="Segnaposto contenuto 2">
             <a:extLst>
               <a:ext uri="{FF2B5EF4-FFF2-40B4-BE49-F238E27FC236}">
-                <a16:creationId xmlns:a16="http://schemas.microsoft.com/office/drawing/2014/main" xmlns="" id="{89886170-B615-43F8-AA8E-D5565391C42A}"/>
+                <a16:creationId xmlns="" xmlns:a16="http://schemas.microsoft.com/office/drawing/2014/main" id="{89886170-B615-43F8-AA8E-D5565391C42A}"/>
               </a:ext>
             </a:extLst>
           </p:cNvPr>
@@ -8528,7 +8528,7 @@
           <p:cNvPr id="7" name="Titolo 1">
             <a:extLst>
               <a:ext uri="{FF2B5EF4-FFF2-40B4-BE49-F238E27FC236}">
-                <a16:creationId xmlns:a16="http://schemas.microsoft.com/office/drawing/2014/main" xmlns="" id="{588E765D-4A18-43EC-9070-BBB19613F406}"/>
+                <a16:creationId xmlns="" xmlns:a16="http://schemas.microsoft.com/office/drawing/2014/main" id="{588E765D-4A18-43EC-9070-BBB19613F406}"/>
               </a:ext>
             </a:extLst>
           </p:cNvPr>
@@ -8564,7 +8564,7 @@
           <p:cNvPr id="6" name="Titolo 1">
             <a:extLst>
               <a:ext uri="{FF2B5EF4-FFF2-40B4-BE49-F238E27FC236}">
-                <a16:creationId xmlns:a16="http://schemas.microsoft.com/office/drawing/2014/main" xmlns="" id="{32602169-0966-4893-B032-33CFCD986CA0}"/>
+                <a16:creationId xmlns="" xmlns:a16="http://schemas.microsoft.com/office/drawing/2014/main" id="{32602169-0966-4893-B032-33CFCD986CA0}"/>
               </a:ext>
             </a:extLst>
           </p:cNvPr>
@@ -8632,7 +8632,7 @@
           <p:cNvPr id="2" name="Rectangle 6">
             <a:extLst>
               <a:ext uri="{FF2B5EF4-FFF2-40B4-BE49-F238E27FC236}">
-                <a16:creationId xmlns:a16="http://schemas.microsoft.com/office/drawing/2014/main" xmlns="" id="{FC5724C9-24A0-4B40-9A3A-FE717EF7AA55}"/>
+                <a16:creationId xmlns="" xmlns:a16="http://schemas.microsoft.com/office/drawing/2014/main" id="{FC5724C9-24A0-4B40-9A3A-FE717EF7AA55}"/>
               </a:ext>
             </a:extLst>
           </p:cNvPr>
@@ -8656,14 +8656,14 @@
           <a:effectLst/>
           <a:extLst>
             <a:ext uri="{909E8E84-426E-40DD-AFC4-6F175D3DCCD1}">
-              <a14:hiddenFill xmlns:a14="http://schemas.microsoft.com/office/drawing/2010/main" xmlns="">
+              <a14:hiddenFill xmlns="" xmlns:a14="http://schemas.microsoft.com/office/drawing/2010/main">
                 <a:solidFill>
                   <a:schemeClr val="accent1"/>
                 </a:solidFill>
               </a14:hiddenFill>
             </a:ext>
             <a:ext uri="{91240B29-F687-4F45-9708-019B960494DF}">
-              <a14:hiddenLine xmlns:a14="http://schemas.microsoft.com/office/drawing/2010/main" xmlns="" w="9525">
+              <a14:hiddenLine xmlns="" xmlns:a14="http://schemas.microsoft.com/office/drawing/2010/main" w="9525">
                 <a:solidFill>
                   <a:schemeClr val="tx1"/>
                 </a:solidFill>
@@ -8673,7 +8673,7 @@
               </a14:hiddenLine>
             </a:ext>
             <a:ext uri="{AF507438-7753-43E0-B8FC-AC1667EBCBE1}">
-              <a14:hiddenEffects xmlns:a14="http://schemas.microsoft.com/office/drawing/2010/main" xmlns="">
+              <a14:hiddenEffects xmlns="" xmlns:a14="http://schemas.microsoft.com/office/drawing/2010/main">
                 <a:effectLst>
                   <a:outerShdw dist="35921" dir="2700000" algn="ctr" rotWithShape="0">
                     <a:schemeClr val="bg2"/>
@@ -8701,7 +8701,7 @@
           <p:cNvPr id="3" name="Rectangle 7">
             <a:extLst>
               <a:ext uri="{FF2B5EF4-FFF2-40B4-BE49-F238E27FC236}">
-                <a16:creationId xmlns:a16="http://schemas.microsoft.com/office/drawing/2014/main" xmlns="" id="{C08042F5-96DB-4FE6-B699-C1DFAB71C0C5}"/>
+                <a16:creationId xmlns="" xmlns:a16="http://schemas.microsoft.com/office/drawing/2014/main" id="{C08042F5-96DB-4FE6-B699-C1DFAB71C0C5}"/>
               </a:ext>
             </a:extLst>
           </p:cNvPr>
@@ -8725,14 +8725,14 @@
           <a:effectLst/>
           <a:extLst>
             <a:ext uri="{909E8E84-426E-40DD-AFC4-6F175D3DCCD1}">
-              <a14:hiddenFill xmlns:a14="http://schemas.microsoft.com/office/drawing/2010/main" xmlns="">
+              <a14:hiddenFill xmlns="" xmlns:a14="http://schemas.microsoft.com/office/drawing/2010/main">
                 <a:solidFill>
                   <a:schemeClr val="accent1"/>
                 </a:solidFill>
               </a14:hiddenFill>
             </a:ext>
             <a:ext uri="{91240B29-F687-4F45-9708-019B960494DF}">
-              <a14:hiddenLine xmlns:a14="http://schemas.microsoft.com/office/drawing/2010/main" xmlns="" w="9525">
+              <a14:hiddenLine xmlns="" xmlns:a14="http://schemas.microsoft.com/office/drawing/2010/main" w="9525">
                 <a:solidFill>
                   <a:schemeClr val="tx1"/>
                 </a:solidFill>
@@ -8742,7 +8742,7 @@
               </a14:hiddenLine>
             </a:ext>
             <a:ext uri="{AF507438-7753-43E0-B8FC-AC1667EBCBE1}">
-              <a14:hiddenEffects xmlns:a14="http://schemas.microsoft.com/office/drawing/2010/main" xmlns="">
+              <a14:hiddenEffects xmlns="" xmlns:a14="http://schemas.microsoft.com/office/drawing/2010/main">
                 <a:effectLst>
                   <a:outerShdw dist="35921" dir="2700000" algn="ctr" rotWithShape="0">
                     <a:schemeClr val="bg2"/>
@@ -8810,7 +8810,7 @@
           <p:cNvPr id="4" name="Rectangle 8">
             <a:extLst>
               <a:ext uri="{FF2B5EF4-FFF2-40B4-BE49-F238E27FC236}">
-                <a16:creationId xmlns:a16="http://schemas.microsoft.com/office/drawing/2014/main" xmlns="" id="{E0CBE371-8058-4503-A250-42442AAE21EC}"/>
+                <a16:creationId xmlns="" xmlns:a16="http://schemas.microsoft.com/office/drawing/2014/main" id="{E0CBE371-8058-4503-A250-42442AAE21EC}"/>
               </a:ext>
             </a:extLst>
           </p:cNvPr>
@@ -8834,14 +8834,14 @@
           <a:effectLst/>
           <a:extLst>
             <a:ext uri="{909E8E84-426E-40DD-AFC4-6F175D3DCCD1}">
-              <a14:hiddenFill xmlns:a14="http://schemas.microsoft.com/office/drawing/2010/main" xmlns="">
+              <a14:hiddenFill xmlns="" xmlns:a14="http://schemas.microsoft.com/office/drawing/2010/main">
                 <a:solidFill>
                   <a:schemeClr val="accent1"/>
                 </a:solidFill>
               </a14:hiddenFill>
             </a:ext>
             <a:ext uri="{91240B29-F687-4F45-9708-019B960494DF}">
-              <a14:hiddenLine xmlns:a14="http://schemas.microsoft.com/office/drawing/2010/main" xmlns="" w="9525">
+              <a14:hiddenLine xmlns="" xmlns:a14="http://schemas.microsoft.com/office/drawing/2010/main" w="9525">
                 <a:solidFill>
                   <a:schemeClr val="tx1"/>
                 </a:solidFill>
@@ -8851,7 +8851,7 @@
               </a14:hiddenLine>
             </a:ext>
             <a:ext uri="{AF507438-7753-43E0-B8FC-AC1667EBCBE1}">
-              <a14:hiddenEffects xmlns:a14="http://schemas.microsoft.com/office/drawing/2010/main" xmlns="">
+              <a14:hiddenEffects xmlns="" xmlns:a14="http://schemas.microsoft.com/office/drawing/2010/main">
                 <a:effectLst>
                   <a:outerShdw dist="35921" dir="2700000" algn="ctr" rotWithShape="0">
                     <a:schemeClr val="bg2"/>
@@ -8919,7 +8919,7 @@
           <p:cNvPr id="10" name="Rectangle 9">
             <a:extLst>
               <a:ext uri="{FF2B5EF4-FFF2-40B4-BE49-F238E27FC236}">
-                <a16:creationId xmlns:a16="http://schemas.microsoft.com/office/drawing/2014/main" xmlns="" id="{99468FB6-6461-4A91-9E0B-2B3FC25F715E}"/>
+                <a16:creationId xmlns="" xmlns:a16="http://schemas.microsoft.com/office/drawing/2014/main" id="{99468FB6-6461-4A91-9E0B-2B3FC25F715E}"/>
               </a:ext>
             </a:extLst>
           </p:cNvPr>
@@ -8943,14 +8943,14 @@
           <a:effectLst/>
           <a:extLst>
             <a:ext uri="{909E8E84-426E-40DD-AFC4-6F175D3DCCD1}">
-              <a14:hiddenFill xmlns:a14="http://schemas.microsoft.com/office/drawing/2010/main" xmlns="">
+              <a14:hiddenFill xmlns="" xmlns:a14="http://schemas.microsoft.com/office/drawing/2010/main">
                 <a:solidFill>
                   <a:schemeClr val="accent1"/>
                 </a:solidFill>
               </a14:hiddenFill>
             </a:ext>
             <a:ext uri="{91240B29-F687-4F45-9708-019B960494DF}">
-              <a14:hiddenLine xmlns:a14="http://schemas.microsoft.com/office/drawing/2010/main" xmlns="" w="9525">
+              <a14:hiddenLine xmlns="" xmlns:a14="http://schemas.microsoft.com/office/drawing/2010/main" w="9525">
                 <a:solidFill>
                   <a:schemeClr val="tx1"/>
                 </a:solidFill>
@@ -8960,7 +8960,7 @@
               </a14:hiddenLine>
             </a:ext>
             <a:ext uri="{AF507438-7753-43E0-B8FC-AC1667EBCBE1}">
-              <a14:hiddenEffects xmlns:a14="http://schemas.microsoft.com/office/drawing/2010/main" xmlns="">
+              <a14:hiddenEffects xmlns="" xmlns:a14="http://schemas.microsoft.com/office/drawing/2010/main">
                 <a:effectLst>
                   <a:outerShdw dist="35921" dir="2700000" algn="ctr" rotWithShape="0">
                     <a:schemeClr val="bg2"/>
@@ -9028,7 +9028,7 @@
           <p:cNvPr id="11" name="Rectangle 10">
             <a:extLst>
               <a:ext uri="{FF2B5EF4-FFF2-40B4-BE49-F238E27FC236}">
-                <a16:creationId xmlns:a16="http://schemas.microsoft.com/office/drawing/2014/main" xmlns="" id="{E4D9815E-FC57-48D4-9710-C34FDAE236EF}"/>
+                <a16:creationId xmlns="" xmlns:a16="http://schemas.microsoft.com/office/drawing/2014/main" id="{E4D9815E-FC57-48D4-9710-C34FDAE236EF}"/>
               </a:ext>
             </a:extLst>
           </p:cNvPr>
@@ -9052,14 +9052,14 @@
           <a:effectLst/>
           <a:extLst>
             <a:ext uri="{909E8E84-426E-40DD-AFC4-6F175D3DCCD1}">
-              <a14:hiddenFill xmlns:a14="http://schemas.microsoft.com/office/drawing/2010/main" xmlns="">
+              <a14:hiddenFill xmlns="" xmlns:a14="http://schemas.microsoft.com/office/drawing/2010/main">
                 <a:solidFill>
                   <a:schemeClr val="accent1"/>
                 </a:solidFill>
               </a14:hiddenFill>
             </a:ext>
             <a:ext uri="{91240B29-F687-4F45-9708-019B960494DF}">
-              <a14:hiddenLine xmlns:a14="http://schemas.microsoft.com/office/drawing/2010/main" xmlns="" w="9525">
+              <a14:hiddenLine xmlns="" xmlns:a14="http://schemas.microsoft.com/office/drawing/2010/main" w="9525">
                 <a:solidFill>
                   <a:schemeClr val="tx1"/>
                 </a:solidFill>
@@ -9069,7 +9069,7 @@
               </a14:hiddenLine>
             </a:ext>
             <a:ext uri="{AF507438-7753-43E0-B8FC-AC1667EBCBE1}">
-              <a14:hiddenEffects xmlns:a14="http://schemas.microsoft.com/office/drawing/2010/main" xmlns="">
+              <a14:hiddenEffects xmlns="" xmlns:a14="http://schemas.microsoft.com/office/drawing/2010/main">
                 <a:effectLst>
                   <a:outerShdw dist="35921" dir="2700000" algn="ctr" rotWithShape="0">
                     <a:schemeClr val="bg2"/>
@@ -9135,7 +9135,7 @@
     </p:spTree>
     <p:extLst>
       <p:ext uri="{BB962C8B-B14F-4D97-AF65-F5344CB8AC3E}">
-        <p14:creationId xmlns:p14="http://schemas.microsoft.com/office/powerpoint/2010/main" xmlns="" val="661209224"/>
+        <p14:creationId xmlns="" xmlns:p14="http://schemas.microsoft.com/office/powerpoint/2010/main" val="661209224"/>
       </p:ext>
     </p:extLst>
   </p:cSld>
@@ -9167,7 +9167,7 @@
           <p:cNvPr id="2" name="Titolo 1">
             <a:extLst>
               <a:ext uri="{FF2B5EF4-FFF2-40B4-BE49-F238E27FC236}">
-                <a16:creationId xmlns:a16="http://schemas.microsoft.com/office/drawing/2014/main" xmlns="" id="{C344F19F-376F-4BFE-8DCC-729DB34448C6}"/>
+                <a16:creationId xmlns="" xmlns:a16="http://schemas.microsoft.com/office/drawing/2014/main" id="{C344F19F-376F-4BFE-8DCC-729DB34448C6}"/>
               </a:ext>
             </a:extLst>
           </p:cNvPr>
@@ -9235,7 +9235,7 @@
           <p:cNvPr id="4" name="Immagine 3">
             <a:extLst>
               <a:ext uri="{FF2B5EF4-FFF2-40B4-BE49-F238E27FC236}">
-                <a16:creationId xmlns:a16="http://schemas.microsoft.com/office/drawing/2014/main" xmlns="" id="{F4900E39-D326-4961-A676-A7CB1548AA48}"/>
+                <a16:creationId xmlns="" xmlns:a16="http://schemas.microsoft.com/office/drawing/2014/main" id="{F4900E39-D326-4961-A676-A7CB1548AA48}"/>
               </a:ext>
             </a:extLst>
           </p:cNvPr>
@@ -9264,7 +9264,7 @@
           <p:cNvPr id="5" name="CasellaDiTesto 4">
             <a:extLst>
               <a:ext uri="{FF2B5EF4-FFF2-40B4-BE49-F238E27FC236}">
-                <a16:creationId xmlns:a16="http://schemas.microsoft.com/office/drawing/2014/main" xmlns="" id="{7874969C-F4FA-477B-8991-D590C8411ED4}"/>
+                <a16:creationId xmlns="" xmlns:a16="http://schemas.microsoft.com/office/drawing/2014/main" id="{7874969C-F4FA-477B-8991-D590C8411ED4}"/>
               </a:ext>
             </a:extLst>
           </p:cNvPr>
@@ -9340,7 +9340,7 @@
     </p:spTree>
     <p:extLst>
       <p:ext uri="{BB962C8B-B14F-4D97-AF65-F5344CB8AC3E}">
-        <p14:creationId xmlns:p14="http://schemas.microsoft.com/office/powerpoint/2010/main" xmlns="" val="900000085"/>
+        <p14:creationId xmlns="" xmlns:p14="http://schemas.microsoft.com/office/powerpoint/2010/main" val="900000085"/>
       </p:ext>
     </p:extLst>
   </p:cSld>
@@ -9372,7 +9372,7 @@
           <p:cNvPr id="2" name="Titolo 1">
             <a:extLst>
               <a:ext uri="{FF2B5EF4-FFF2-40B4-BE49-F238E27FC236}">
-                <a16:creationId xmlns:a16="http://schemas.microsoft.com/office/drawing/2014/main" xmlns="" id="{C344F19F-376F-4BFE-8DCC-729DB34448C6}"/>
+                <a16:creationId xmlns="" xmlns:a16="http://schemas.microsoft.com/office/drawing/2014/main" id="{C344F19F-376F-4BFE-8DCC-729DB34448C6}"/>
               </a:ext>
             </a:extLst>
           </p:cNvPr>
@@ -9440,7 +9440,7 @@
           <p:cNvPr id="5" name="CasellaDiTesto 4">
             <a:extLst>
               <a:ext uri="{FF2B5EF4-FFF2-40B4-BE49-F238E27FC236}">
-                <a16:creationId xmlns:a16="http://schemas.microsoft.com/office/drawing/2014/main" xmlns="" id="{7874969C-F4FA-477B-8991-D590C8411ED4}"/>
+                <a16:creationId xmlns="" xmlns:a16="http://schemas.microsoft.com/office/drawing/2014/main" id="{7874969C-F4FA-477B-8991-D590C8411ED4}"/>
               </a:ext>
             </a:extLst>
           </p:cNvPr>
@@ -9540,7 +9540,7 @@
           <p:cNvPr id="6" name="Immagine 5">
             <a:extLst>
               <a:ext uri="{FF2B5EF4-FFF2-40B4-BE49-F238E27FC236}">
-                <a16:creationId xmlns:a16="http://schemas.microsoft.com/office/drawing/2014/main" xmlns="" id="{9458EE13-47D6-4D9A-8717-496F591F06B8}"/>
+                <a16:creationId xmlns="" xmlns:a16="http://schemas.microsoft.com/office/drawing/2014/main" id="{9458EE13-47D6-4D9A-8717-496F591F06B8}"/>
               </a:ext>
             </a:extLst>
           </p:cNvPr>
@@ -9567,7 +9567,7 @@
     </p:spTree>
     <p:extLst>
       <p:ext uri="{BB962C8B-B14F-4D97-AF65-F5344CB8AC3E}">
-        <p14:creationId xmlns:p14="http://schemas.microsoft.com/office/powerpoint/2010/main" xmlns="" val="3744216129"/>
+        <p14:creationId xmlns="" xmlns:p14="http://schemas.microsoft.com/office/powerpoint/2010/main" val="3744216129"/>
       </p:ext>
     </p:extLst>
   </p:cSld>
@@ -9599,7 +9599,7 @@
           <p:cNvPr id="2" name="Titolo 1">
             <a:extLst>
               <a:ext uri="{FF2B5EF4-FFF2-40B4-BE49-F238E27FC236}">
-                <a16:creationId xmlns:a16="http://schemas.microsoft.com/office/drawing/2014/main" xmlns="" id="{C344F19F-376F-4BFE-8DCC-729DB34448C6}"/>
+                <a16:creationId xmlns="" xmlns:a16="http://schemas.microsoft.com/office/drawing/2014/main" id="{C344F19F-376F-4BFE-8DCC-729DB34448C6}"/>
               </a:ext>
             </a:extLst>
           </p:cNvPr>
@@ -9667,7 +9667,7 @@
           <p:cNvPr id="5" name="CasellaDiTesto 4">
             <a:extLst>
               <a:ext uri="{FF2B5EF4-FFF2-40B4-BE49-F238E27FC236}">
-                <a16:creationId xmlns:a16="http://schemas.microsoft.com/office/drawing/2014/main" xmlns="" id="{7874969C-F4FA-477B-8991-D590C8411ED4}"/>
+                <a16:creationId xmlns="" xmlns:a16="http://schemas.microsoft.com/office/drawing/2014/main" id="{7874969C-F4FA-477B-8991-D590C8411ED4}"/>
               </a:ext>
             </a:extLst>
           </p:cNvPr>
@@ -9741,7 +9741,7 @@
           <p:cNvPr id="7" name="Immagine 6">
             <a:extLst>
               <a:ext uri="{FF2B5EF4-FFF2-40B4-BE49-F238E27FC236}">
-                <a16:creationId xmlns:a16="http://schemas.microsoft.com/office/drawing/2014/main" xmlns="" id="{620D3825-6CEE-4DC3-80C0-2B4DE9BAFB11}"/>
+                <a16:creationId xmlns="" xmlns:a16="http://schemas.microsoft.com/office/drawing/2014/main" id="{620D3825-6CEE-4DC3-80C0-2B4DE9BAFB11}"/>
               </a:ext>
             </a:extLst>
           </p:cNvPr>
@@ -9768,7 +9768,7 @@
     </p:spTree>
     <p:extLst>
       <p:ext uri="{BB962C8B-B14F-4D97-AF65-F5344CB8AC3E}">
-        <p14:creationId xmlns:p14="http://schemas.microsoft.com/office/powerpoint/2010/main" xmlns="" val="610790509"/>
+        <p14:creationId xmlns="" xmlns:p14="http://schemas.microsoft.com/office/powerpoint/2010/main" val="610790509"/>
       </p:ext>
     </p:extLst>
   </p:cSld>
@@ -9800,7 +9800,7 @@
           <p:cNvPr id="3" name="Titolo 1">
             <a:extLst>
               <a:ext uri="{FF2B5EF4-FFF2-40B4-BE49-F238E27FC236}">
-                <a16:creationId xmlns:a16="http://schemas.microsoft.com/office/drawing/2014/main" xmlns="" id="{9E74EE39-EA32-4246-BC63-84D8E46682AC}"/>
+                <a16:creationId xmlns="" xmlns:a16="http://schemas.microsoft.com/office/drawing/2014/main" id="{9E74EE39-EA32-4246-BC63-84D8E46682AC}"/>
               </a:ext>
             </a:extLst>
           </p:cNvPr>
@@ -9868,7 +9868,7 @@
           <p:cNvPr id="4" name="Immagine 3">
             <a:extLst>
               <a:ext uri="{FF2B5EF4-FFF2-40B4-BE49-F238E27FC236}">
-                <a16:creationId xmlns:a16="http://schemas.microsoft.com/office/drawing/2014/main" xmlns="" id="{DDAB6CB2-835E-4883-A81D-1C56D77A1786}"/>
+                <a16:creationId xmlns="" xmlns:a16="http://schemas.microsoft.com/office/drawing/2014/main" id="{DDAB6CB2-835E-4883-A81D-1C56D77A1786}"/>
               </a:ext>
             </a:extLst>
           </p:cNvPr>
@@ -9895,7 +9895,7 @@
     </p:spTree>
     <p:extLst>
       <p:ext uri="{BB962C8B-B14F-4D97-AF65-F5344CB8AC3E}">
-        <p14:creationId xmlns:p14="http://schemas.microsoft.com/office/powerpoint/2010/main" xmlns="" val="2780798289"/>
+        <p14:creationId xmlns="" xmlns:p14="http://schemas.microsoft.com/office/powerpoint/2010/main" val="2780798289"/>
       </p:ext>
     </p:extLst>
   </p:cSld>
@@ -9927,7 +9927,7 @@
           <p:cNvPr id="5" name="Titolo 1">
             <a:extLst>
               <a:ext uri="{FF2B5EF4-FFF2-40B4-BE49-F238E27FC236}">
-                <a16:creationId xmlns:a16="http://schemas.microsoft.com/office/drawing/2014/main" xmlns="" id="{C10C2703-479C-4CF4-AAB8-5A2255C45AF9}"/>
+                <a16:creationId xmlns="" xmlns:a16="http://schemas.microsoft.com/office/drawing/2014/main" id="{C10C2703-479C-4CF4-AAB8-5A2255C45AF9}"/>
               </a:ext>
             </a:extLst>
           </p:cNvPr>
@@ -9995,7 +9995,7 @@
           <p:cNvPr id="6" name="Immagine 5">
             <a:extLst>
               <a:ext uri="{FF2B5EF4-FFF2-40B4-BE49-F238E27FC236}">
-                <a16:creationId xmlns:a16="http://schemas.microsoft.com/office/drawing/2014/main" xmlns="" id="{7B230C2C-FFE4-446A-9950-E9347D7D05AB}"/>
+                <a16:creationId xmlns="" xmlns:a16="http://schemas.microsoft.com/office/drawing/2014/main" id="{7B230C2C-FFE4-446A-9950-E9347D7D05AB}"/>
               </a:ext>
             </a:extLst>
           </p:cNvPr>
@@ -10024,7 +10024,7 @@
           <p:cNvPr id="8" name="CasellaDiTesto 7">
             <a:extLst>
               <a:ext uri="{FF2B5EF4-FFF2-40B4-BE49-F238E27FC236}">
-                <a16:creationId xmlns:a16="http://schemas.microsoft.com/office/drawing/2014/main" xmlns="" id="{8834E3B8-21D8-45DE-8FE9-9B887BB61C46}"/>
+                <a16:creationId xmlns="" xmlns:a16="http://schemas.microsoft.com/office/drawing/2014/main" id="{8834E3B8-21D8-45DE-8FE9-9B887BB61C46}"/>
               </a:ext>
             </a:extLst>
           </p:cNvPr>
@@ -10058,7 +10058,7 @@
     </p:spTree>
     <p:extLst>
       <p:ext uri="{BB962C8B-B14F-4D97-AF65-F5344CB8AC3E}">
-        <p14:creationId xmlns:p14="http://schemas.microsoft.com/office/powerpoint/2010/main" xmlns="" val="3418713670"/>
+        <p14:creationId xmlns="" xmlns:p14="http://schemas.microsoft.com/office/powerpoint/2010/main" val="3418713670"/>
       </p:ext>
     </p:extLst>
   </p:cSld>
@@ -10090,7 +10090,7 @@
           <p:cNvPr id="5" name="Titolo 1">
             <a:extLst>
               <a:ext uri="{FF2B5EF4-FFF2-40B4-BE49-F238E27FC236}">
-                <a16:creationId xmlns:a16="http://schemas.microsoft.com/office/drawing/2014/main" xmlns="" id="{C10C2703-479C-4CF4-AAB8-5A2255C45AF9}"/>
+                <a16:creationId xmlns="" xmlns:a16="http://schemas.microsoft.com/office/drawing/2014/main" id="{C10C2703-479C-4CF4-AAB8-5A2255C45AF9}"/>
               </a:ext>
             </a:extLst>
           </p:cNvPr>
@@ -10158,7 +10158,7 @@
           <p:cNvPr id="8" name="CasellaDiTesto 7">
             <a:extLst>
               <a:ext uri="{FF2B5EF4-FFF2-40B4-BE49-F238E27FC236}">
-                <a16:creationId xmlns:a16="http://schemas.microsoft.com/office/drawing/2014/main" xmlns="" id="{8834E3B8-21D8-45DE-8FE9-9B887BB61C46}"/>
+                <a16:creationId xmlns="" xmlns:a16="http://schemas.microsoft.com/office/drawing/2014/main" id="{8834E3B8-21D8-45DE-8FE9-9B887BB61C46}"/>
               </a:ext>
             </a:extLst>
           </p:cNvPr>
@@ -10239,7 +10239,7 @@
           <p:cNvPr id="3" name="Immagine 2">
             <a:extLst>
               <a:ext uri="{FF2B5EF4-FFF2-40B4-BE49-F238E27FC236}">
-                <a16:creationId xmlns:a16="http://schemas.microsoft.com/office/drawing/2014/main" xmlns="" id="{46AE51FB-8A1D-4822-A152-48C2F3ACE934}"/>
+                <a16:creationId xmlns="" xmlns:a16="http://schemas.microsoft.com/office/drawing/2014/main" id="{46AE51FB-8A1D-4822-A152-48C2F3ACE934}"/>
               </a:ext>
             </a:extLst>
           </p:cNvPr>
@@ -10268,7 +10268,7 @@
           <p:cNvPr id="4" name="Immagine 3">
             <a:extLst>
               <a:ext uri="{FF2B5EF4-FFF2-40B4-BE49-F238E27FC236}">
-                <a16:creationId xmlns:a16="http://schemas.microsoft.com/office/drawing/2014/main" xmlns="" id="{385FEB4C-BBD5-48F4-848A-17A28F5B1A67}"/>
+                <a16:creationId xmlns="" xmlns:a16="http://schemas.microsoft.com/office/drawing/2014/main" id="{385FEB4C-BBD5-48F4-848A-17A28F5B1A67}"/>
               </a:ext>
             </a:extLst>
           </p:cNvPr>
@@ -10298,7 +10298,7 @@
           <p:cNvPr id="7" name="CasellaDiTesto 6">
             <a:extLst>
               <a:ext uri="{FF2B5EF4-FFF2-40B4-BE49-F238E27FC236}">
-                <a16:creationId xmlns:a16="http://schemas.microsoft.com/office/drawing/2014/main" xmlns="" id="{326F753B-F4BC-49D8-A98B-ADE5E730E776}"/>
+                <a16:creationId xmlns="" xmlns:a16="http://schemas.microsoft.com/office/drawing/2014/main" id="{326F753B-F4BC-49D8-A98B-ADE5E730E776}"/>
               </a:ext>
             </a:extLst>
           </p:cNvPr>
@@ -10377,7 +10377,7 @@
     </p:spTree>
     <p:extLst>
       <p:ext uri="{BB962C8B-B14F-4D97-AF65-F5344CB8AC3E}">
-        <p14:creationId xmlns:p14="http://schemas.microsoft.com/office/powerpoint/2010/main" xmlns="" val="230562184"/>
+        <p14:creationId xmlns="" xmlns:p14="http://schemas.microsoft.com/office/powerpoint/2010/main" val="230562184"/>
       </p:ext>
     </p:extLst>
   </p:cSld>
@@ -10409,7 +10409,7 @@
           <p:cNvPr id="3" name="Titolo 1">
             <a:extLst>
               <a:ext uri="{FF2B5EF4-FFF2-40B4-BE49-F238E27FC236}">
-                <a16:creationId xmlns:a16="http://schemas.microsoft.com/office/drawing/2014/main" xmlns="" id="{9E74EE39-EA32-4246-BC63-84D8E46682AC}"/>
+                <a16:creationId xmlns="" xmlns:a16="http://schemas.microsoft.com/office/drawing/2014/main" id="{9E74EE39-EA32-4246-BC63-84D8E46682AC}"/>
               </a:ext>
             </a:extLst>
           </p:cNvPr>
@@ -10477,7 +10477,7 @@
           <p:cNvPr id="5" name="Immagine 4">
             <a:extLst>
               <a:ext uri="{FF2B5EF4-FFF2-40B4-BE49-F238E27FC236}">
-                <a16:creationId xmlns:a16="http://schemas.microsoft.com/office/drawing/2014/main" xmlns="" id="{B4B3C881-0701-4521-8412-982149D31A0D}"/>
+                <a16:creationId xmlns="" xmlns:a16="http://schemas.microsoft.com/office/drawing/2014/main" id="{B4B3C881-0701-4521-8412-982149D31A0D}"/>
               </a:ext>
             </a:extLst>
           </p:cNvPr>
@@ -10506,7 +10506,7 @@
           <p:cNvPr id="6" name="CasellaDiTesto 5">
             <a:extLst>
               <a:ext uri="{FF2B5EF4-FFF2-40B4-BE49-F238E27FC236}">
-                <a16:creationId xmlns:a16="http://schemas.microsoft.com/office/drawing/2014/main" xmlns="" id="{08DE6B2F-C638-43AA-B074-2F2BE8803629}"/>
+                <a16:creationId xmlns="" xmlns:a16="http://schemas.microsoft.com/office/drawing/2014/main" id="{08DE6B2F-C638-43AA-B074-2F2BE8803629}"/>
               </a:ext>
             </a:extLst>
           </p:cNvPr>
@@ -10557,7 +10557,7 @@
     </p:spTree>
     <p:extLst>
       <p:ext uri="{BB962C8B-B14F-4D97-AF65-F5344CB8AC3E}">
-        <p14:creationId xmlns:p14="http://schemas.microsoft.com/office/powerpoint/2010/main" xmlns="" val="1638393315"/>
+        <p14:creationId xmlns="" xmlns:p14="http://schemas.microsoft.com/office/powerpoint/2010/main" val="1638393315"/>
       </p:ext>
     </p:extLst>
   </p:cSld>
@@ -10589,7 +10589,7 @@
           <p:cNvPr id="3" name="Titolo 1">
             <a:extLst>
               <a:ext uri="{FF2B5EF4-FFF2-40B4-BE49-F238E27FC236}">
-                <a16:creationId xmlns:a16="http://schemas.microsoft.com/office/drawing/2014/main" xmlns="" id="{9E74EE39-EA32-4246-BC63-84D8E46682AC}"/>
+                <a16:creationId xmlns="" xmlns:a16="http://schemas.microsoft.com/office/drawing/2014/main" id="{9E74EE39-EA32-4246-BC63-84D8E46682AC}"/>
               </a:ext>
             </a:extLst>
           </p:cNvPr>
@@ -10664,7 +10664,7 @@
           <a:blip r:embed="rId2">
             <a:extLst>
               <a:ext uri="{28A0092B-C50C-407E-A947-70E740481C1C}">
-                <a14:useLocalDpi xmlns:a14="http://schemas.microsoft.com/office/drawing/2010/main" xmlns="" val="0"/>
+                <a14:useLocalDpi xmlns="" xmlns:a14="http://schemas.microsoft.com/office/drawing/2010/main" val="0"/>
               </a:ext>
             </a:extLst>
           </a:blip>
@@ -10686,7 +10686,7 @@
           <p:cNvPr id="7" name="CasellaDiTesto 6">
             <a:extLst>
               <a:ext uri="{FF2B5EF4-FFF2-40B4-BE49-F238E27FC236}">
-                <a16:creationId xmlns:a16="http://schemas.microsoft.com/office/drawing/2014/main" xmlns="" id="{8834E3B8-21D8-45DE-8FE9-9B887BB61C46}"/>
+                <a16:creationId xmlns="" xmlns:a16="http://schemas.microsoft.com/office/drawing/2014/main" id="{8834E3B8-21D8-45DE-8FE9-9B887BB61C46}"/>
               </a:ext>
             </a:extLst>
           </p:cNvPr>
@@ -10735,7 +10735,7 @@
     </p:spTree>
     <p:extLst>
       <p:ext uri="{BB962C8B-B14F-4D97-AF65-F5344CB8AC3E}">
-        <p14:creationId xmlns:p14="http://schemas.microsoft.com/office/powerpoint/2010/main" xmlns="" val="82586595"/>
+        <p14:creationId xmlns="" xmlns:p14="http://schemas.microsoft.com/office/powerpoint/2010/main" val="82586595"/>
       </p:ext>
     </p:extLst>
   </p:cSld>
@@ -10767,7 +10767,7 @@
           <p:cNvPr id="3" name="Titolo 1">
             <a:extLst>
               <a:ext uri="{FF2B5EF4-FFF2-40B4-BE49-F238E27FC236}">
-                <a16:creationId xmlns:a16="http://schemas.microsoft.com/office/drawing/2014/main" xmlns="" id="{9E74EE39-EA32-4246-BC63-84D8E46682AC}"/>
+                <a16:creationId xmlns="" xmlns:a16="http://schemas.microsoft.com/office/drawing/2014/main" id="{9E74EE39-EA32-4246-BC63-84D8E46682AC}"/>
               </a:ext>
             </a:extLst>
           </p:cNvPr>
@@ -10842,7 +10842,7 @@
           <a:blip r:embed="rId2">
             <a:extLst>
               <a:ext uri="{28A0092B-C50C-407E-A947-70E740481C1C}">
-                <a14:useLocalDpi xmlns:a14="http://schemas.microsoft.com/office/drawing/2010/main" xmlns="" val="0"/>
+                <a14:useLocalDpi xmlns="" xmlns:a14="http://schemas.microsoft.com/office/drawing/2010/main" val="0"/>
               </a:ext>
             </a:extLst>
           </a:blip>
@@ -10938,7 +10938,7 @@
     </p:spTree>
     <p:extLst>
       <p:ext uri="{BB962C8B-B14F-4D97-AF65-F5344CB8AC3E}">
-        <p14:creationId xmlns:p14="http://schemas.microsoft.com/office/powerpoint/2010/main" xmlns="" val="2219589939"/>
+        <p14:creationId xmlns="" xmlns:p14="http://schemas.microsoft.com/office/powerpoint/2010/main" val="2219589939"/>
       </p:ext>
     </p:extLst>
   </p:cSld>
@@ -10970,7 +10970,7 @@
           <p:cNvPr id="4" name="Segnaposto contenuto 3">
             <a:extLst>
               <a:ext uri="{FF2B5EF4-FFF2-40B4-BE49-F238E27FC236}">
-                <a16:creationId xmlns:a16="http://schemas.microsoft.com/office/drawing/2014/main" xmlns="" id="{03B2811F-5DE8-42D1-8BA0-DFADE2068770}"/>
+                <a16:creationId xmlns="" xmlns:a16="http://schemas.microsoft.com/office/drawing/2014/main" id="{03B2811F-5DE8-42D1-8BA0-DFADE2068770}"/>
               </a:ext>
             </a:extLst>
           </p:cNvPr>
@@ -10980,7 +10980,7 @@
           <p:nvPr>
             <p:extLst>
               <p:ext uri="{D42A27DB-BD31-4B8C-83A1-F6EECF244321}">
-                <p14:modId xmlns:p14="http://schemas.microsoft.com/office/powerpoint/2010/main" xmlns="" val="2417831910"/>
+                <p14:modId xmlns="" xmlns:p14="http://schemas.microsoft.com/office/powerpoint/2010/main" val="2417831910"/>
               </p:ext>
             </p:extLst>
           </p:nvPr>
@@ -10999,70 +10999,70 @@
                 <a:gridCol w="623214">
                   <a:extLst>
                     <a:ext uri="{9D8B030D-6E8A-4147-A177-3AD203B41FA5}">
-                      <a16:colId xmlns:a16="http://schemas.microsoft.com/office/drawing/2014/main" xmlns="" val="807059028"/>
+                      <a16:colId xmlns="" xmlns:a16="http://schemas.microsoft.com/office/drawing/2014/main" val="807059028"/>
                     </a:ext>
                   </a:extLst>
                 </a:gridCol>
                 <a:gridCol w="537674">
                   <a:extLst>
                     <a:ext uri="{9D8B030D-6E8A-4147-A177-3AD203B41FA5}">
-                      <a16:colId xmlns:a16="http://schemas.microsoft.com/office/drawing/2014/main" xmlns="" val="3957048853"/>
+                      <a16:colId xmlns="" xmlns:a16="http://schemas.microsoft.com/office/drawing/2014/main" val="3957048853"/>
                     </a:ext>
                   </a:extLst>
                 </a:gridCol>
                 <a:gridCol w="782072">
                   <a:extLst>
                     <a:ext uri="{9D8B030D-6E8A-4147-A177-3AD203B41FA5}">
-                      <a16:colId xmlns:a16="http://schemas.microsoft.com/office/drawing/2014/main" xmlns="" val="3530217452"/>
+                      <a16:colId xmlns="" xmlns:a16="http://schemas.microsoft.com/office/drawing/2014/main" val="3530217452"/>
                     </a:ext>
                   </a:extLst>
                 </a:gridCol>
                 <a:gridCol w="1050908">
                   <a:extLst>
                     <a:ext uri="{9D8B030D-6E8A-4147-A177-3AD203B41FA5}">
-                      <a16:colId xmlns:a16="http://schemas.microsoft.com/office/drawing/2014/main" xmlns="" val="2216707341"/>
+                      <a16:colId xmlns="" xmlns:a16="http://schemas.microsoft.com/office/drawing/2014/main" val="2216707341"/>
                     </a:ext>
                   </a:extLst>
                 </a:gridCol>
                 <a:gridCol w="818731">
                   <a:extLst>
                     <a:ext uri="{9D8B030D-6E8A-4147-A177-3AD203B41FA5}">
-                      <a16:colId xmlns:a16="http://schemas.microsoft.com/office/drawing/2014/main" xmlns="" val="958190292"/>
+                      <a16:colId xmlns="" xmlns:a16="http://schemas.microsoft.com/office/drawing/2014/main" val="958190292"/>
                     </a:ext>
                   </a:extLst>
                 </a:gridCol>
                 <a:gridCol w="366596">
                   <a:extLst>
                     <a:ext uri="{9D8B030D-6E8A-4147-A177-3AD203B41FA5}">
-                      <a16:colId xmlns:a16="http://schemas.microsoft.com/office/drawing/2014/main" xmlns="" val="424608249"/>
+                      <a16:colId xmlns="" xmlns:a16="http://schemas.microsoft.com/office/drawing/2014/main" val="424608249"/>
                     </a:ext>
                   </a:extLst>
                 </a:gridCol>
                 <a:gridCol w="724028">
                   <a:extLst>
                     <a:ext uri="{9D8B030D-6E8A-4147-A177-3AD203B41FA5}">
-                      <a16:colId xmlns:a16="http://schemas.microsoft.com/office/drawing/2014/main" xmlns="" val="1424326084"/>
+                      <a16:colId xmlns="" xmlns:a16="http://schemas.microsoft.com/office/drawing/2014/main" val="1424326084"/>
                     </a:ext>
                   </a:extLst>
                 </a:gridCol>
                 <a:gridCol w="366596">
                   <a:extLst>
                     <a:ext uri="{9D8B030D-6E8A-4147-A177-3AD203B41FA5}">
-                      <a16:colId xmlns:a16="http://schemas.microsoft.com/office/drawing/2014/main" xmlns="" val="3392580486"/>
+                      <a16:colId xmlns="" xmlns:a16="http://schemas.microsoft.com/office/drawing/2014/main" val="3392580486"/>
                     </a:ext>
                   </a:extLst>
                 </a:gridCol>
                 <a:gridCol w="724028">
                   <a:extLst>
                     <a:ext uri="{9D8B030D-6E8A-4147-A177-3AD203B41FA5}">
-                      <a16:colId xmlns:a16="http://schemas.microsoft.com/office/drawing/2014/main" xmlns="" val="1129838862"/>
+                      <a16:colId xmlns="" xmlns:a16="http://schemas.microsoft.com/office/drawing/2014/main" val="1129838862"/>
                     </a:ext>
                   </a:extLst>
                 </a:gridCol>
                 <a:gridCol w="378816">
                   <a:extLst>
                     <a:ext uri="{9D8B030D-6E8A-4147-A177-3AD203B41FA5}">
-                      <a16:colId xmlns:a16="http://schemas.microsoft.com/office/drawing/2014/main" xmlns="" val="1356684913"/>
+                      <a16:colId xmlns="" xmlns:a16="http://schemas.microsoft.com/office/drawing/2014/main" val="1356684913"/>
                     </a:ext>
                   </a:extLst>
                 </a:gridCol>
@@ -11304,7 +11304,7 @@
                 </a:tc>
                 <a:extLst>
                   <a:ext uri="{0D108BD9-81ED-4DB2-BD59-A6C34878D82A}">
-                    <a16:rowId xmlns:a16="http://schemas.microsoft.com/office/drawing/2014/main" xmlns="" val="237637119"/>
+                    <a16:rowId xmlns="" xmlns:a16="http://schemas.microsoft.com/office/drawing/2014/main" val="237637119"/>
                   </a:ext>
                 </a:extLst>
               </a:tr>
@@ -11545,7 +11545,7 @@
                 </a:tc>
                 <a:extLst>
                   <a:ext uri="{0D108BD9-81ED-4DB2-BD59-A6C34878D82A}">
-                    <a16:rowId xmlns:a16="http://schemas.microsoft.com/office/drawing/2014/main" xmlns="" val="178595908"/>
+                    <a16:rowId xmlns="" xmlns:a16="http://schemas.microsoft.com/office/drawing/2014/main" val="178595908"/>
                   </a:ext>
                 </a:extLst>
               </a:tr>
@@ -11786,7 +11786,7 @@
                 </a:tc>
                 <a:extLst>
                   <a:ext uri="{0D108BD9-81ED-4DB2-BD59-A6C34878D82A}">
-                    <a16:rowId xmlns:a16="http://schemas.microsoft.com/office/drawing/2014/main" xmlns="" val="3483033991"/>
+                    <a16:rowId xmlns="" xmlns:a16="http://schemas.microsoft.com/office/drawing/2014/main" val="3483033991"/>
                   </a:ext>
                 </a:extLst>
               </a:tr>
@@ -12027,7 +12027,7 @@
                 </a:tc>
                 <a:extLst>
                   <a:ext uri="{0D108BD9-81ED-4DB2-BD59-A6C34878D82A}">
-                    <a16:rowId xmlns:a16="http://schemas.microsoft.com/office/drawing/2014/main" xmlns="" val="3226898549"/>
+                    <a16:rowId xmlns="" xmlns:a16="http://schemas.microsoft.com/office/drawing/2014/main" val="3226898549"/>
                   </a:ext>
                 </a:extLst>
               </a:tr>
@@ -12268,7 +12268,7 @@
                 </a:tc>
                 <a:extLst>
                   <a:ext uri="{0D108BD9-81ED-4DB2-BD59-A6C34878D82A}">
-                    <a16:rowId xmlns:a16="http://schemas.microsoft.com/office/drawing/2014/main" xmlns="" val="4100195534"/>
+                    <a16:rowId xmlns="" xmlns:a16="http://schemas.microsoft.com/office/drawing/2014/main" val="4100195534"/>
                   </a:ext>
                 </a:extLst>
               </a:tr>
@@ -12509,7 +12509,7 @@
                 </a:tc>
                 <a:extLst>
                   <a:ext uri="{0D108BD9-81ED-4DB2-BD59-A6C34878D82A}">
-                    <a16:rowId xmlns:a16="http://schemas.microsoft.com/office/drawing/2014/main" xmlns="" val="873627976"/>
+                    <a16:rowId xmlns="" xmlns:a16="http://schemas.microsoft.com/office/drawing/2014/main" val="873627976"/>
                   </a:ext>
                 </a:extLst>
               </a:tr>
@@ -12522,7 +12522,7 @@
           <p:cNvPr id="5" name="CasellaDiTesto 4">
             <a:extLst>
               <a:ext uri="{FF2B5EF4-FFF2-40B4-BE49-F238E27FC236}">
-                <a16:creationId xmlns:a16="http://schemas.microsoft.com/office/drawing/2014/main" xmlns="" id="{4839FC3D-5F35-4ED1-80D7-54F621353955}"/>
+                <a16:creationId xmlns="" xmlns:a16="http://schemas.microsoft.com/office/drawing/2014/main" id="{4839FC3D-5F35-4ED1-80D7-54F621353955}"/>
               </a:ext>
             </a:extLst>
           </p:cNvPr>
@@ -12562,7 +12562,7 @@
           <p:cNvPr id="6" name="CasellaDiTesto 5">
             <a:extLst>
               <a:ext uri="{FF2B5EF4-FFF2-40B4-BE49-F238E27FC236}">
-                <a16:creationId xmlns:a16="http://schemas.microsoft.com/office/drawing/2014/main" xmlns="" id="{358BE0C9-56D0-4996-A83C-BA5CB4041A73}"/>
+                <a16:creationId xmlns="" xmlns:a16="http://schemas.microsoft.com/office/drawing/2014/main" id="{358BE0C9-56D0-4996-A83C-BA5CB4041A73}"/>
               </a:ext>
             </a:extLst>
           </p:cNvPr>
@@ -12602,7 +12602,7 @@
           <p:cNvPr id="7" name="Parentesi graffa aperta 6">
             <a:extLst>
               <a:ext uri="{FF2B5EF4-FFF2-40B4-BE49-F238E27FC236}">
-                <a16:creationId xmlns:a16="http://schemas.microsoft.com/office/drawing/2014/main" xmlns="" id="{3812CE3F-F149-44E9-8AF6-22A08F7F5DA5}"/>
+                <a16:creationId xmlns="" xmlns:a16="http://schemas.microsoft.com/office/drawing/2014/main" id="{3812CE3F-F149-44E9-8AF6-22A08F7F5DA5}"/>
               </a:ext>
             </a:extLst>
           </p:cNvPr>
@@ -12650,7 +12650,7 @@
           <p:cNvPr id="8" name="Parentesi graffa aperta 7">
             <a:extLst>
               <a:ext uri="{FF2B5EF4-FFF2-40B4-BE49-F238E27FC236}">
-                <a16:creationId xmlns:a16="http://schemas.microsoft.com/office/drawing/2014/main" xmlns="" id="{490FED5E-FA7D-48B9-B708-A87236365557}"/>
+                <a16:creationId xmlns="" xmlns:a16="http://schemas.microsoft.com/office/drawing/2014/main" id="{490FED5E-FA7D-48B9-B708-A87236365557}"/>
               </a:ext>
             </a:extLst>
           </p:cNvPr>
@@ -12697,7 +12697,7 @@
           <p:cNvPr id="9" name="Parentesi graffa aperta 8">
             <a:extLst>
               <a:ext uri="{FF2B5EF4-FFF2-40B4-BE49-F238E27FC236}">
-                <a16:creationId xmlns:a16="http://schemas.microsoft.com/office/drawing/2014/main" xmlns="" id="{8AD44BE2-ACD6-4E6D-AC66-F9D3093A6EFF}"/>
+                <a16:creationId xmlns="" xmlns:a16="http://schemas.microsoft.com/office/drawing/2014/main" id="{8AD44BE2-ACD6-4E6D-AC66-F9D3093A6EFF}"/>
               </a:ext>
             </a:extLst>
           </p:cNvPr>
@@ -12744,7 +12744,7 @@
           <p:cNvPr id="11" name="Titolo 1">
             <a:extLst>
               <a:ext uri="{FF2B5EF4-FFF2-40B4-BE49-F238E27FC236}">
-                <a16:creationId xmlns:a16="http://schemas.microsoft.com/office/drawing/2014/main" xmlns="" id="{E4B142F6-989A-44B5-AF67-3A1BB4088781}"/>
+                <a16:creationId xmlns="" xmlns:a16="http://schemas.microsoft.com/office/drawing/2014/main" id="{E4B142F6-989A-44B5-AF67-3A1BB4088781}"/>
               </a:ext>
             </a:extLst>
           </p:cNvPr>
@@ -12802,7 +12802,7 @@
     </p:spTree>
     <p:extLst>
       <p:ext uri="{BB962C8B-B14F-4D97-AF65-F5344CB8AC3E}">
-        <p14:creationId xmlns:p14="http://schemas.microsoft.com/office/powerpoint/2010/main" xmlns="" val="352598867"/>
+        <p14:creationId xmlns="" xmlns:p14="http://schemas.microsoft.com/office/powerpoint/2010/main" val="352598867"/>
       </p:ext>
     </p:extLst>
   </p:cSld>
@@ -12834,7 +12834,7 @@
           <p:cNvPr id="8" name="Segnaposto contenuto 2">
             <a:extLst>
               <a:ext uri="{FF2B5EF4-FFF2-40B4-BE49-F238E27FC236}">
-                <a16:creationId xmlns:a16="http://schemas.microsoft.com/office/drawing/2014/main" xmlns="" id="{C2E44FE5-CCA1-4E8F-905A-F2F5CDF25092}"/>
+                <a16:creationId xmlns="" xmlns:a16="http://schemas.microsoft.com/office/drawing/2014/main" id="{C2E44FE5-CCA1-4E8F-905A-F2F5CDF25092}"/>
               </a:ext>
             </a:extLst>
           </p:cNvPr>
@@ -12968,7 +12968,7 @@
           <p:cNvPr id="9" name="Segnaposto contenuto 2">
             <a:extLst>
               <a:ext uri="{FF2B5EF4-FFF2-40B4-BE49-F238E27FC236}">
-                <a16:creationId xmlns:a16="http://schemas.microsoft.com/office/drawing/2014/main" xmlns="" id="{89886170-B615-43F8-AA8E-D5565391C42A}"/>
+                <a16:creationId xmlns="" xmlns:a16="http://schemas.microsoft.com/office/drawing/2014/main" id="{89886170-B615-43F8-AA8E-D5565391C42A}"/>
               </a:ext>
             </a:extLst>
           </p:cNvPr>
@@ -13151,7 +13151,7 @@
           <p:cNvPr id="7" name="Titolo 1">
             <a:extLst>
               <a:ext uri="{FF2B5EF4-FFF2-40B4-BE49-F238E27FC236}">
-                <a16:creationId xmlns:a16="http://schemas.microsoft.com/office/drawing/2014/main" xmlns="" id="{588E765D-4A18-43EC-9070-BBB19613F406}"/>
+                <a16:creationId xmlns="" xmlns:a16="http://schemas.microsoft.com/office/drawing/2014/main" id="{588E765D-4A18-43EC-9070-BBB19613F406}"/>
               </a:ext>
             </a:extLst>
           </p:cNvPr>
@@ -13187,7 +13187,7 @@
           <p:cNvPr id="6" name="Titolo 1">
             <a:extLst>
               <a:ext uri="{FF2B5EF4-FFF2-40B4-BE49-F238E27FC236}">
-                <a16:creationId xmlns:a16="http://schemas.microsoft.com/office/drawing/2014/main" xmlns="" id="{32602169-0966-4893-B032-33CFCD986CA0}"/>
+                <a16:creationId xmlns="" xmlns:a16="http://schemas.microsoft.com/office/drawing/2014/main" id="{32602169-0966-4893-B032-33CFCD986CA0}"/>
               </a:ext>
             </a:extLst>
           </p:cNvPr>
@@ -13255,7 +13255,7 @@
           <p:cNvPr id="2" name="Rectangle 6">
             <a:extLst>
               <a:ext uri="{FF2B5EF4-FFF2-40B4-BE49-F238E27FC236}">
-                <a16:creationId xmlns:a16="http://schemas.microsoft.com/office/drawing/2014/main" xmlns="" id="{FC5724C9-24A0-4B40-9A3A-FE717EF7AA55}"/>
+                <a16:creationId xmlns="" xmlns:a16="http://schemas.microsoft.com/office/drawing/2014/main" id="{FC5724C9-24A0-4B40-9A3A-FE717EF7AA55}"/>
               </a:ext>
             </a:extLst>
           </p:cNvPr>
@@ -13279,14 +13279,14 @@
           <a:effectLst/>
           <a:extLst>
             <a:ext uri="{909E8E84-426E-40DD-AFC4-6F175D3DCCD1}">
-              <a14:hiddenFill xmlns:a14="http://schemas.microsoft.com/office/drawing/2010/main" xmlns="">
+              <a14:hiddenFill xmlns="" xmlns:a14="http://schemas.microsoft.com/office/drawing/2010/main">
                 <a:solidFill>
                   <a:schemeClr val="accent1"/>
                 </a:solidFill>
               </a14:hiddenFill>
             </a:ext>
             <a:ext uri="{91240B29-F687-4F45-9708-019B960494DF}">
-              <a14:hiddenLine xmlns:a14="http://schemas.microsoft.com/office/drawing/2010/main" xmlns="" w="9525">
+              <a14:hiddenLine xmlns="" xmlns:a14="http://schemas.microsoft.com/office/drawing/2010/main" w="9525">
                 <a:solidFill>
                   <a:schemeClr val="tx1"/>
                 </a:solidFill>
@@ -13296,7 +13296,7 @@
               </a14:hiddenLine>
             </a:ext>
             <a:ext uri="{AF507438-7753-43E0-B8FC-AC1667EBCBE1}">
-              <a14:hiddenEffects xmlns:a14="http://schemas.microsoft.com/office/drawing/2010/main" xmlns="">
+              <a14:hiddenEffects xmlns="" xmlns:a14="http://schemas.microsoft.com/office/drawing/2010/main">
                 <a:effectLst>
                   <a:outerShdw dist="35921" dir="2700000" algn="ctr" rotWithShape="0">
                     <a:schemeClr val="bg2"/>
@@ -13324,7 +13324,7 @@
           <p:cNvPr id="3" name="Rectangle 7">
             <a:extLst>
               <a:ext uri="{FF2B5EF4-FFF2-40B4-BE49-F238E27FC236}">
-                <a16:creationId xmlns:a16="http://schemas.microsoft.com/office/drawing/2014/main" xmlns="" id="{C08042F5-96DB-4FE6-B699-C1DFAB71C0C5}"/>
+                <a16:creationId xmlns="" xmlns:a16="http://schemas.microsoft.com/office/drawing/2014/main" id="{C08042F5-96DB-4FE6-B699-C1DFAB71C0C5}"/>
               </a:ext>
             </a:extLst>
           </p:cNvPr>
@@ -13348,14 +13348,14 @@
           <a:effectLst/>
           <a:extLst>
             <a:ext uri="{909E8E84-426E-40DD-AFC4-6F175D3DCCD1}">
-              <a14:hiddenFill xmlns:a14="http://schemas.microsoft.com/office/drawing/2010/main" xmlns="">
+              <a14:hiddenFill xmlns="" xmlns:a14="http://schemas.microsoft.com/office/drawing/2010/main">
                 <a:solidFill>
                   <a:schemeClr val="accent1"/>
                 </a:solidFill>
               </a14:hiddenFill>
             </a:ext>
             <a:ext uri="{91240B29-F687-4F45-9708-019B960494DF}">
-              <a14:hiddenLine xmlns:a14="http://schemas.microsoft.com/office/drawing/2010/main" xmlns="" w="9525">
+              <a14:hiddenLine xmlns="" xmlns:a14="http://schemas.microsoft.com/office/drawing/2010/main" w="9525">
                 <a:solidFill>
                   <a:schemeClr val="tx1"/>
                 </a:solidFill>
@@ -13365,7 +13365,7 @@
               </a14:hiddenLine>
             </a:ext>
             <a:ext uri="{AF507438-7753-43E0-B8FC-AC1667EBCBE1}">
-              <a14:hiddenEffects xmlns:a14="http://schemas.microsoft.com/office/drawing/2010/main" xmlns="">
+              <a14:hiddenEffects xmlns="" xmlns:a14="http://schemas.microsoft.com/office/drawing/2010/main">
                 <a:effectLst>
                   <a:outerShdw dist="35921" dir="2700000" algn="ctr" rotWithShape="0">
                     <a:schemeClr val="bg2"/>
@@ -13433,7 +13433,7 @@
           <p:cNvPr id="4" name="Rectangle 8">
             <a:extLst>
               <a:ext uri="{FF2B5EF4-FFF2-40B4-BE49-F238E27FC236}">
-                <a16:creationId xmlns:a16="http://schemas.microsoft.com/office/drawing/2014/main" xmlns="" id="{E0CBE371-8058-4503-A250-42442AAE21EC}"/>
+                <a16:creationId xmlns="" xmlns:a16="http://schemas.microsoft.com/office/drawing/2014/main" id="{E0CBE371-8058-4503-A250-42442AAE21EC}"/>
               </a:ext>
             </a:extLst>
           </p:cNvPr>
@@ -13457,14 +13457,14 @@
           <a:effectLst/>
           <a:extLst>
             <a:ext uri="{909E8E84-426E-40DD-AFC4-6F175D3DCCD1}">
-              <a14:hiddenFill xmlns:a14="http://schemas.microsoft.com/office/drawing/2010/main" xmlns="">
+              <a14:hiddenFill xmlns="" xmlns:a14="http://schemas.microsoft.com/office/drawing/2010/main">
                 <a:solidFill>
                   <a:schemeClr val="accent1"/>
                 </a:solidFill>
               </a14:hiddenFill>
             </a:ext>
             <a:ext uri="{91240B29-F687-4F45-9708-019B960494DF}">
-              <a14:hiddenLine xmlns:a14="http://schemas.microsoft.com/office/drawing/2010/main" xmlns="" w="9525">
+              <a14:hiddenLine xmlns="" xmlns:a14="http://schemas.microsoft.com/office/drawing/2010/main" w="9525">
                 <a:solidFill>
                   <a:schemeClr val="tx1"/>
                 </a:solidFill>
@@ -13474,7 +13474,7 @@
               </a14:hiddenLine>
             </a:ext>
             <a:ext uri="{AF507438-7753-43E0-B8FC-AC1667EBCBE1}">
-              <a14:hiddenEffects xmlns:a14="http://schemas.microsoft.com/office/drawing/2010/main" xmlns="">
+              <a14:hiddenEffects xmlns="" xmlns:a14="http://schemas.microsoft.com/office/drawing/2010/main">
                 <a:effectLst>
                   <a:outerShdw dist="35921" dir="2700000" algn="ctr" rotWithShape="0">
                     <a:schemeClr val="bg2"/>
@@ -13542,7 +13542,7 @@
           <p:cNvPr id="10" name="Rectangle 9">
             <a:extLst>
               <a:ext uri="{FF2B5EF4-FFF2-40B4-BE49-F238E27FC236}">
-                <a16:creationId xmlns:a16="http://schemas.microsoft.com/office/drawing/2014/main" xmlns="" id="{99468FB6-6461-4A91-9E0B-2B3FC25F715E}"/>
+                <a16:creationId xmlns="" xmlns:a16="http://schemas.microsoft.com/office/drawing/2014/main" id="{99468FB6-6461-4A91-9E0B-2B3FC25F715E}"/>
               </a:ext>
             </a:extLst>
           </p:cNvPr>
@@ -13566,14 +13566,14 @@
           <a:effectLst/>
           <a:extLst>
             <a:ext uri="{909E8E84-426E-40DD-AFC4-6F175D3DCCD1}">
-              <a14:hiddenFill xmlns:a14="http://schemas.microsoft.com/office/drawing/2010/main" xmlns="">
+              <a14:hiddenFill xmlns="" xmlns:a14="http://schemas.microsoft.com/office/drawing/2010/main">
                 <a:solidFill>
                   <a:schemeClr val="accent1"/>
                 </a:solidFill>
               </a14:hiddenFill>
             </a:ext>
             <a:ext uri="{91240B29-F687-4F45-9708-019B960494DF}">
-              <a14:hiddenLine xmlns:a14="http://schemas.microsoft.com/office/drawing/2010/main" xmlns="" w="9525">
+              <a14:hiddenLine xmlns="" xmlns:a14="http://schemas.microsoft.com/office/drawing/2010/main" w="9525">
                 <a:solidFill>
                   <a:schemeClr val="tx1"/>
                 </a:solidFill>
@@ -13583,7 +13583,7 @@
               </a14:hiddenLine>
             </a:ext>
             <a:ext uri="{AF507438-7753-43E0-B8FC-AC1667EBCBE1}">
-              <a14:hiddenEffects xmlns:a14="http://schemas.microsoft.com/office/drawing/2010/main" xmlns="">
+              <a14:hiddenEffects xmlns="" xmlns:a14="http://schemas.microsoft.com/office/drawing/2010/main">
                 <a:effectLst>
                   <a:outerShdw dist="35921" dir="2700000" algn="ctr" rotWithShape="0">
                     <a:schemeClr val="bg2"/>
@@ -13651,7 +13651,7 @@
           <p:cNvPr id="11" name="Rectangle 10">
             <a:extLst>
               <a:ext uri="{FF2B5EF4-FFF2-40B4-BE49-F238E27FC236}">
-                <a16:creationId xmlns:a16="http://schemas.microsoft.com/office/drawing/2014/main" xmlns="" id="{E4D9815E-FC57-48D4-9710-C34FDAE236EF}"/>
+                <a16:creationId xmlns="" xmlns:a16="http://schemas.microsoft.com/office/drawing/2014/main" id="{E4D9815E-FC57-48D4-9710-C34FDAE236EF}"/>
               </a:ext>
             </a:extLst>
           </p:cNvPr>
@@ -13675,14 +13675,14 @@
           <a:effectLst/>
           <a:extLst>
             <a:ext uri="{909E8E84-426E-40DD-AFC4-6F175D3DCCD1}">
-              <a14:hiddenFill xmlns:a14="http://schemas.microsoft.com/office/drawing/2010/main" xmlns="">
+              <a14:hiddenFill xmlns="" xmlns:a14="http://schemas.microsoft.com/office/drawing/2010/main">
                 <a:solidFill>
                   <a:schemeClr val="accent1"/>
                 </a:solidFill>
               </a14:hiddenFill>
             </a:ext>
             <a:ext uri="{91240B29-F687-4F45-9708-019B960494DF}">
-              <a14:hiddenLine xmlns:a14="http://schemas.microsoft.com/office/drawing/2010/main" xmlns="" w="9525">
+              <a14:hiddenLine xmlns="" xmlns:a14="http://schemas.microsoft.com/office/drawing/2010/main" w="9525">
                 <a:solidFill>
                   <a:schemeClr val="tx1"/>
                 </a:solidFill>
@@ -13692,7 +13692,7 @@
               </a14:hiddenLine>
             </a:ext>
             <a:ext uri="{AF507438-7753-43E0-B8FC-AC1667EBCBE1}">
-              <a14:hiddenEffects xmlns:a14="http://schemas.microsoft.com/office/drawing/2010/main" xmlns="">
+              <a14:hiddenEffects xmlns="" xmlns:a14="http://schemas.microsoft.com/office/drawing/2010/main">
                 <a:effectLst>
                   <a:outerShdw dist="35921" dir="2700000" algn="ctr" rotWithShape="0">
                     <a:schemeClr val="bg2"/>
@@ -13758,7 +13758,7 @@
     </p:spTree>
     <p:extLst>
       <p:ext uri="{BB962C8B-B14F-4D97-AF65-F5344CB8AC3E}">
-        <p14:creationId xmlns:p14="http://schemas.microsoft.com/office/powerpoint/2010/main" xmlns="" val="1056726952"/>
+        <p14:creationId xmlns="" xmlns:p14="http://schemas.microsoft.com/office/powerpoint/2010/main" val="1056726952"/>
       </p:ext>
     </p:extLst>
   </p:cSld>
@@ -13790,7 +13790,7 @@
           <p:cNvPr id="9" name="Segnaposto contenuto 2">
             <a:extLst>
               <a:ext uri="{FF2B5EF4-FFF2-40B4-BE49-F238E27FC236}">
-                <a16:creationId xmlns:a16="http://schemas.microsoft.com/office/drawing/2014/main" xmlns="" id="{89886170-B615-43F8-AA8E-D5565391C42A}"/>
+                <a16:creationId xmlns="" xmlns:a16="http://schemas.microsoft.com/office/drawing/2014/main" id="{89886170-B615-43F8-AA8E-D5565391C42A}"/>
               </a:ext>
             </a:extLst>
           </p:cNvPr>
@@ -13973,7 +13973,7 @@
           <p:cNvPr id="7" name="Titolo 1">
             <a:extLst>
               <a:ext uri="{FF2B5EF4-FFF2-40B4-BE49-F238E27FC236}">
-                <a16:creationId xmlns:a16="http://schemas.microsoft.com/office/drawing/2014/main" xmlns="" id="{588E765D-4A18-43EC-9070-BBB19613F406}"/>
+                <a16:creationId xmlns="" xmlns:a16="http://schemas.microsoft.com/office/drawing/2014/main" id="{588E765D-4A18-43EC-9070-BBB19613F406}"/>
               </a:ext>
             </a:extLst>
           </p:cNvPr>
@@ -14009,7 +14009,7 @@
           <p:cNvPr id="6" name="Titolo 1">
             <a:extLst>
               <a:ext uri="{FF2B5EF4-FFF2-40B4-BE49-F238E27FC236}">
-                <a16:creationId xmlns:a16="http://schemas.microsoft.com/office/drawing/2014/main" xmlns="" id="{32602169-0966-4893-B032-33CFCD986CA0}"/>
+                <a16:creationId xmlns="" xmlns:a16="http://schemas.microsoft.com/office/drawing/2014/main" id="{32602169-0966-4893-B032-33CFCD986CA0}"/>
               </a:ext>
             </a:extLst>
           </p:cNvPr>
@@ -14070,7 +14070,7 @@
           <p:cNvPr id="2" name="Rectangle 6">
             <a:extLst>
               <a:ext uri="{FF2B5EF4-FFF2-40B4-BE49-F238E27FC236}">
-                <a16:creationId xmlns:a16="http://schemas.microsoft.com/office/drawing/2014/main" xmlns="" id="{FC5724C9-24A0-4B40-9A3A-FE717EF7AA55}"/>
+                <a16:creationId xmlns="" xmlns:a16="http://schemas.microsoft.com/office/drawing/2014/main" id="{FC5724C9-24A0-4B40-9A3A-FE717EF7AA55}"/>
               </a:ext>
             </a:extLst>
           </p:cNvPr>
@@ -14094,14 +14094,14 @@
           <a:effectLst/>
           <a:extLst>
             <a:ext uri="{909E8E84-426E-40DD-AFC4-6F175D3DCCD1}">
-              <a14:hiddenFill xmlns:a14="http://schemas.microsoft.com/office/drawing/2010/main" xmlns="">
+              <a14:hiddenFill xmlns="" xmlns:a14="http://schemas.microsoft.com/office/drawing/2010/main">
                 <a:solidFill>
                   <a:schemeClr val="accent1"/>
                 </a:solidFill>
               </a14:hiddenFill>
             </a:ext>
             <a:ext uri="{91240B29-F687-4F45-9708-019B960494DF}">
-              <a14:hiddenLine xmlns:a14="http://schemas.microsoft.com/office/drawing/2010/main" xmlns="" w="9525">
+              <a14:hiddenLine xmlns="" xmlns:a14="http://schemas.microsoft.com/office/drawing/2010/main" w="9525">
                 <a:solidFill>
                   <a:schemeClr val="tx1"/>
                 </a:solidFill>
@@ -14111,7 +14111,7 @@
               </a14:hiddenLine>
             </a:ext>
             <a:ext uri="{AF507438-7753-43E0-B8FC-AC1667EBCBE1}">
-              <a14:hiddenEffects xmlns:a14="http://schemas.microsoft.com/office/drawing/2010/main" xmlns="">
+              <a14:hiddenEffects xmlns="" xmlns:a14="http://schemas.microsoft.com/office/drawing/2010/main">
                 <a:effectLst>
                   <a:outerShdw dist="35921" dir="2700000" algn="ctr" rotWithShape="0">
                     <a:schemeClr val="bg2"/>
@@ -14139,7 +14139,7 @@
           <p:cNvPr id="3" name="Rectangle 7">
             <a:extLst>
               <a:ext uri="{FF2B5EF4-FFF2-40B4-BE49-F238E27FC236}">
-                <a16:creationId xmlns:a16="http://schemas.microsoft.com/office/drawing/2014/main" xmlns="" id="{C08042F5-96DB-4FE6-B699-C1DFAB71C0C5}"/>
+                <a16:creationId xmlns="" xmlns:a16="http://schemas.microsoft.com/office/drawing/2014/main" id="{C08042F5-96DB-4FE6-B699-C1DFAB71C0C5}"/>
               </a:ext>
             </a:extLst>
           </p:cNvPr>
@@ -14163,14 +14163,14 @@
           <a:effectLst/>
           <a:extLst>
             <a:ext uri="{909E8E84-426E-40DD-AFC4-6F175D3DCCD1}">
-              <a14:hiddenFill xmlns:a14="http://schemas.microsoft.com/office/drawing/2010/main" xmlns="">
+              <a14:hiddenFill xmlns="" xmlns:a14="http://schemas.microsoft.com/office/drawing/2010/main">
                 <a:solidFill>
                   <a:schemeClr val="accent1"/>
                 </a:solidFill>
               </a14:hiddenFill>
             </a:ext>
             <a:ext uri="{91240B29-F687-4F45-9708-019B960494DF}">
-              <a14:hiddenLine xmlns:a14="http://schemas.microsoft.com/office/drawing/2010/main" xmlns="" w="9525">
+              <a14:hiddenLine xmlns="" xmlns:a14="http://schemas.microsoft.com/office/drawing/2010/main" w="9525">
                 <a:solidFill>
                   <a:schemeClr val="tx1"/>
                 </a:solidFill>
@@ -14180,7 +14180,7 @@
               </a14:hiddenLine>
             </a:ext>
             <a:ext uri="{AF507438-7753-43E0-B8FC-AC1667EBCBE1}">
-              <a14:hiddenEffects xmlns:a14="http://schemas.microsoft.com/office/drawing/2010/main" xmlns="">
+              <a14:hiddenEffects xmlns="" xmlns:a14="http://schemas.microsoft.com/office/drawing/2010/main">
                 <a:effectLst>
                   <a:outerShdw dist="35921" dir="2700000" algn="ctr" rotWithShape="0">
                     <a:schemeClr val="bg2"/>
@@ -14248,7 +14248,7 @@
           <p:cNvPr id="4" name="Rectangle 8">
             <a:extLst>
               <a:ext uri="{FF2B5EF4-FFF2-40B4-BE49-F238E27FC236}">
-                <a16:creationId xmlns:a16="http://schemas.microsoft.com/office/drawing/2014/main" xmlns="" id="{E0CBE371-8058-4503-A250-42442AAE21EC}"/>
+                <a16:creationId xmlns="" xmlns:a16="http://schemas.microsoft.com/office/drawing/2014/main" id="{E0CBE371-8058-4503-A250-42442AAE21EC}"/>
               </a:ext>
             </a:extLst>
           </p:cNvPr>
@@ -14272,14 +14272,14 @@
           <a:effectLst/>
           <a:extLst>
             <a:ext uri="{909E8E84-426E-40DD-AFC4-6F175D3DCCD1}">
-              <a14:hiddenFill xmlns:a14="http://schemas.microsoft.com/office/drawing/2010/main" xmlns="">
+              <a14:hiddenFill xmlns="" xmlns:a14="http://schemas.microsoft.com/office/drawing/2010/main">
                 <a:solidFill>
                   <a:schemeClr val="accent1"/>
                 </a:solidFill>
               </a14:hiddenFill>
             </a:ext>
             <a:ext uri="{91240B29-F687-4F45-9708-019B960494DF}">
-              <a14:hiddenLine xmlns:a14="http://schemas.microsoft.com/office/drawing/2010/main" xmlns="" w="9525">
+              <a14:hiddenLine xmlns="" xmlns:a14="http://schemas.microsoft.com/office/drawing/2010/main" w="9525">
                 <a:solidFill>
                   <a:schemeClr val="tx1"/>
                 </a:solidFill>
@@ -14289,7 +14289,7 @@
               </a14:hiddenLine>
             </a:ext>
             <a:ext uri="{AF507438-7753-43E0-B8FC-AC1667EBCBE1}">
-              <a14:hiddenEffects xmlns:a14="http://schemas.microsoft.com/office/drawing/2010/main" xmlns="">
+              <a14:hiddenEffects xmlns="" xmlns:a14="http://schemas.microsoft.com/office/drawing/2010/main">
                 <a:effectLst>
                   <a:outerShdw dist="35921" dir="2700000" algn="ctr" rotWithShape="0">
                     <a:schemeClr val="bg2"/>
@@ -14357,7 +14357,7 @@
           <p:cNvPr id="10" name="Rectangle 9">
             <a:extLst>
               <a:ext uri="{FF2B5EF4-FFF2-40B4-BE49-F238E27FC236}">
-                <a16:creationId xmlns:a16="http://schemas.microsoft.com/office/drawing/2014/main" xmlns="" id="{99468FB6-6461-4A91-9E0B-2B3FC25F715E}"/>
+                <a16:creationId xmlns="" xmlns:a16="http://schemas.microsoft.com/office/drawing/2014/main" id="{99468FB6-6461-4A91-9E0B-2B3FC25F715E}"/>
               </a:ext>
             </a:extLst>
           </p:cNvPr>
@@ -14381,14 +14381,14 @@
           <a:effectLst/>
           <a:extLst>
             <a:ext uri="{909E8E84-426E-40DD-AFC4-6F175D3DCCD1}">
-              <a14:hiddenFill xmlns:a14="http://schemas.microsoft.com/office/drawing/2010/main" xmlns="">
+              <a14:hiddenFill xmlns="" xmlns:a14="http://schemas.microsoft.com/office/drawing/2010/main">
                 <a:solidFill>
                   <a:schemeClr val="accent1"/>
                 </a:solidFill>
               </a14:hiddenFill>
             </a:ext>
             <a:ext uri="{91240B29-F687-4F45-9708-019B960494DF}">
-              <a14:hiddenLine xmlns:a14="http://schemas.microsoft.com/office/drawing/2010/main" xmlns="" w="9525">
+              <a14:hiddenLine xmlns="" xmlns:a14="http://schemas.microsoft.com/office/drawing/2010/main" w="9525">
                 <a:solidFill>
                   <a:schemeClr val="tx1"/>
                 </a:solidFill>
@@ -14398,7 +14398,7 @@
               </a14:hiddenLine>
             </a:ext>
             <a:ext uri="{AF507438-7753-43E0-B8FC-AC1667EBCBE1}">
-              <a14:hiddenEffects xmlns:a14="http://schemas.microsoft.com/office/drawing/2010/main" xmlns="">
+              <a14:hiddenEffects xmlns="" xmlns:a14="http://schemas.microsoft.com/office/drawing/2010/main">
                 <a:effectLst>
                   <a:outerShdw dist="35921" dir="2700000" algn="ctr" rotWithShape="0">
                     <a:schemeClr val="bg2"/>
@@ -14466,7 +14466,7 @@
           <p:cNvPr id="11" name="Rectangle 10">
             <a:extLst>
               <a:ext uri="{FF2B5EF4-FFF2-40B4-BE49-F238E27FC236}">
-                <a16:creationId xmlns:a16="http://schemas.microsoft.com/office/drawing/2014/main" xmlns="" id="{E4D9815E-FC57-48D4-9710-C34FDAE236EF}"/>
+                <a16:creationId xmlns="" xmlns:a16="http://schemas.microsoft.com/office/drawing/2014/main" id="{E4D9815E-FC57-48D4-9710-C34FDAE236EF}"/>
               </a:ext>
             </a:extLst>
           </p:cNvPr>
@@ -14490,14 +14490,14 @@
           <a:effectLst/>
           <a:extLst>
             <a:ext uri="{909E8E84-426E-40DD-AFC4-6F175D3DCCD1}">
-              <a14:hiddenFill xmlns:a14="http://schemas.microsoft.com/office/drawing/2010/main" xmlns="">
+              <a14:hiddenFill xmlns="" xmlns:a14="http://schemas.microsoft.com/office/drawing/2010/main">
                 <a:solidFill>
                   <a:schemeClr val="accent1"/>
                 </a:solidFill>
               </a14:hiddenFill>
             </a:ext>
             <a:ext uri="{91240B29-F687-4F45-9708-019B960494DF}">
-              <a14:hiddenLine xmlns:a14="http://schemas.microsoft.com/office/drawing/2010/main" xmlns="" w="9525">
+              <a14:hiddenLine xmlns="" xmlns:a14="http://schemas.microsoft.com/office/drawing/2010/main" w="9525">
                 <a:solidFill>
                   <a:schemeClr val="tx1"/>
                 </a:solidFill>
@@ -14507,7 +14507,7 @@
               </a14:hiddenLine>
             </a:ext>
             <a:ext uri="{AF507438-7753-43E0-B8FC-AC1667EBCBE1}">
-              <a14:hiddenEffects xmlns:a14="http://schemas.microsoft.com/office/drawing/2010/main" xmlns="">
+              <a14:hiddenEffects xmlns="" xmlns:a14="http://schemas.microsoft.com/office/drawing/2010/main">
                 <a:effectLst>
                   <a:outerShdw dist="35921" dir="2700000" algn="ctr" rotWithShape="0">
                     <a:schemeClr val="bg2"/>
@@ -14575,7 +14575,7 @@
           <p:cNvPr id="12" name="Segnaposto contenuto 2">
             <a:extLst>
               <a:ext uri="{FF2B5EF4-FFF2-40B4-BE49-F238E27FC236}">
-                <a16:creationId xmlns:a16="http://schemas.microsoft.com/office/drawing/2014/main" xmlns="" id="{6B55346A-7B45-43F0-B6B4-9CFD350F7410}"/>
+                <a16:creationId xmlns="" xmlns:a16="http://schemas.microsoft.com/office/drawing/2014/main" id="{6B55346A-7B45-43F0-B6B4-9CFD350F7410}"/>
               </a:ext>
             </a:extLst>
           </p:cNvPr>
@@ -14751,7 +14751,7 @@
           <p:cNvPr id="13" name="Segnaposto contenuto 2">
             <a:extLst>
               <a:ext uri="{FF2B5EF4-FFF2-40B4-BE49-F238E27FC236}">
-                <a16:creationId xmlns:a16="http://schemas.microsoft.com/office/drawing/2014/main" xmlns="" id="{980E4580-A772-4A19-8FBB-C5151CC05195}"/>
+                <a16:creationId xmlns="" xmlns:a16="http://schemas.microsoft.com/office/drawing/2014/main" id="{980E4580-A772-4A19-8FBB-C5151CC05195}"/>
               </a:ext>
             </a:extLst>
           </p:cNvPr>
@@ -14888,7 +14888,7 @@
     </p:spTree>
     <p:extLst>
       <p:ext uri="{BB962C8B-B14F-4D97-AF65-F5344CB8AC3E}">
-        <p14:creationId xmlns:p14="http://schemas.microsoft.com/office/powerpoint/2010/main" xmlns="" val="2423480952"/>
+        <p14:creationId xmlns="" xmlns:p14="http://schemas.microsoft.com/office/powerpoint/2010/main" val="2423480952"/>
       </p:ext>
     </p:extLst>
   </p:cSld>
@@ -14920,7 +14920,7 @@
           <p:cNvPr id="8" name="Segnaposto contenuto 2">
             <a:extLst>
               <a:ext uri="{FF2B5EF4-FFF2-40B4-BE49-F238E27FC236}">
-                <a16:creationId xmlns:a16="http://schemas.microsoft.com/office/drawing/2014/main" xmlns="" id="{C2E44FE5-CCA1-4E8F-905A-F2F5CDF25092}"/>
+                <a16:creationId xmlns="" xmlns:a16="http://schemas.microsoft.com/office/drawing/2014/main" id="{C2E44FE5-CCA1-4E8F-905A-F2F5CDF25092}"/>
               </a:ext>
             </a:extLst>
           </p:cNvPr>
@@ -14967,7 +14967,7 @@
           <p:cNvPr id="9" name="Segnaposto contenuto 2">
             <a:extLst>
               <a:ext uri="{FF2B5EF4-FFF2-40B4-BE49-F238E27FC236}">
-                <a16:creationId xmlns:a16="http://schemas.microsoft.com/office/drawing/2014/main" xmlns="" id="{89886170-B615-43F8-AA8E-D5565391C42A}"/>
+                <a16:creationId xmlns="" xmlns:a16="http://schemas.microsoft.com/office/drawing/2014/main" id="{89886170-B615-43F8-AA8E-D5565391C42A}"/>
               </a:ext>
             </a:extLst>
           </p:cNvPr>
@@ -15150,7 +15150,7 @@
           <p:cNvPr id="7" name="Titolo 1">
             <a:extLst>
               <a:ext uri="{FF2B5EF4-FFF2-40B4-BE49-F238E27FC236}">
-                <a16:creationId xmlns:a16="http://schemas.microsoft.com/office/drawing/2014/main" xmlns="" id="{588E765D-4A18-43EC-9070-BBB19613F406}"/>
+                <a16:creationId xmlns="" xmlns:a16="http://schemas.microsoft.com/office/drawing/2014/main" id="{588E765D-4A18-43EC-9070-BBB19613F406}"/>
               </a:ext>
             </a:extLst>
           </p:cNvPr>
@@ -15196,7 +15196,7 @@
           <p:cNvPr id="2" name="Rectangle 6">
             <a:extLst>
               <a:ext uri="{FF2B5EF4-FFF2-40B4-BE49-F238E27FC236}">
-                <a16:creationId xmlns:a16="http://schemas.microsoft.com/office/drawing/2014/main" xmlns="" id="{FC5724C9-24A0-4B40-9A3A-FE717EF7AA55}"/>
+                <a16:creationId xmlns="" xmlns:a16="http://schemas.microsoft.com/office/drawing/2014/main" id="{FC5724C9-24A0-4B40-9A3A-FE717EF7AA55}"/>
               </a:ext>
             </a:extLst>
           </p:cNvPr>
@@ -15220,14 +15220,14 @@
           <a:effectLst/>
           <a:extLst>
             <a:ext uri="{909E8E84-426E-40DD-AFC4-6F175D3DCCD1}">
-              <a14:hiddenFill xmlns:a14="http://schemas.microsoft.com/office/drawing/2010/main" xmlns="">
+              <a14:hiddenFill xmlns="" xmlns:a14="http://schemas.microsoft.com/office/drawing/2010/main">
                 <a:solidFill>
                   <a:schemeClr val="accent1"/>
                 </a:solidFill>
               </a14:hiddenFill>
             </a:ext>
             <a:ext uri="{91240B29-F687-4F45-9708-019B960494DF}">
-              <a14:hiddenLine xmlns:a14="http://schemas.microsoft.com/office/drawing/2010/main" xmlns="" w="9525">
+              <a14:hiddenLine xmlns="" xmlns:a14="http://schemas.microsoft.com/office/drawing/2010/main" w="9525">
                 <a:solidFill>
                   <a:schemeClr val="tx1"/>
                 </a:solidFill>
@@ -15237,7 +15237,7 @@
               </a14:hiddenLine>
             </a:ext>
             <a:ext uri="{AF507438-7753-43E0-B8FC-AC1667EBCBE1}">
-              <a14:hiddenEffects xmlns:a14="http://schemas.microsoft.com/office/drawing/2010/main" xmlns="">
+              <a14:hiddenEffects xmlns="" xmlns:a14="http://schemas.microsoft.com/office/drawing/2010/main">
                 <a:effectLst>
                   <a:outerShdw dist="35921" dir="2700000" algn="ctr" rotWithShape="0">
                     <a:schemeClr val="bg2"/>
@@ -15265,7 +15265,7 @@
           <p:cNvPr id="3" name="Rectangle 7">
             <a:extLst>
               <a:ext uri="{FF2B5EF4-FFF2-40B4-BE49-F238E27FC236}">
-                <a16:creationId xmlns:a16="http://schemas.microsoft.com/office/drawing/2014/main" xmlns="" id="{C08042F5-96DB-4FE6-B699-C1DFAB71C0C5}"/>
+                <a16:creationId xmlns="" xmlns:a16="http://schemas.microsoft.com/office/drawing/2014/main" id="{C08042F5-96DB-4FE6-B699-C1DFAB71C0C5}"/>
               </a:ext>
             </a:extLst>
           </p:cNvPr>
@@ -15289,14 +15289,14 @@
           <a:effectLst/>
           <a:extLst>
             <a:ext uri="{909E8E84-426E-40DD-AFC4-6F175D3DCCD1}">
-              <a14:hiddenFill xmlns:a14="http://schemas.microsoft.com/office/drawing/2010/main" xmlns="">
+              <a14:hiddenFill xmlns="" xmlns:a14="http://schemas.microsoft.com/office/drawing/2010/main">
                 <a:solidFill>
                   <a:schemeClr val="accent1"/>
                 </a:solidFill>
               </a14:hiddenFill>
             </a:ext>
             <a:ext uri="{91240B29-F687-4F45-9708-019B960494DF}">
-              <a14:hiddenLine xmlns:a14="http://schemas.microsoft.com/office/drawing/2010/main" xmlns="" w="9525">
+              <a14:hiddenLine xmlns="" xmlns:a14="http://schemas.microsoft.com/office/drawing/2010/main" w="9525">
                 <a:solidFill>
                   <a:schemeClr val="tx1"/>
                 </a:solidFill>
@@ -15306,7 +15306,7 @@
               </a14:hiddenLine>
             </a:ext>
             <a:ext uri="{AF507438-7753-43E0-B8FC-AC1667EBCBE1}">
-              <a14:hiddenEffects xmlns:a14="http://schemas.microsoft.com/office/drawing/2010/main" xmlns="">
+              <a14:hiddenEffects xmlns="" xmlns:a14="http://schemas.microsoft.com/office/drawing/2010/main">
                 <a:effectLst>
                   <a:outerShdw dist="35921" dir="2700000" algn="ctr" rotWithShape="0">
                     <a:schemeClr val="bg2"/>
@@ -15374,7 +15374,7 @@
           <p:cNvPr id="4" name="Rectangle 8">
             <a:extLst>
               <a:ext uri="{FF2B5EF4-FFF2-40B4-BE49-F238E27FC236}">
-                <a16:creationId xmlns:a16="http://schemas.microsoft.com/office/drawing/2014/main" xmlns="" id="{E0CBE371-8058-4503-A250-42442AAE21EC}"/>
+                <a16:creationId xmlns="" xmlns:a16="http://schemas.microsoft.com/office/drawing/2014/main" id="{E0CBE371-8058-4503-A250-42442AAE21EC}"/>
               </a:ext>
             </a:extLst>
           </p:cNvPr>
@@ -15398,14 +15398,14 @@
           <a:effectLst/>
           <a:extLst>
             <a:ext uri="{909E8E84-426E-40DD-AFC4-6F175D3DCCD1}">
-              <a14:hiddenFill xmlns:a14="http://schemas.microsoft.com/office/drawing/2010/main" xmlns="">
+              <a14:hiddenFill xmlns="" xmlns:a14="http://schemas.microsoft.com/office/drawing/2010/main">
                 <a:solidFill>
                   <a:schemeClr val="accent1"/>
                 </a:solidFill>
               </a14:hiddenFill>
             </a:ext>
             <a:ext uri="{91240B29-F687-4F45-9708-019B960494DF}">
-              <a14:hiddenLine xmlns:a14="http://schemas.microsoft.com/office/drawing/2010/main" xmlns="" w="9525">
+              <a14:hiddenLine xmlns="" xmlns:a14="http://schemas.microsoft.com/office/drawing/2010/main" w="9525">
                 <a:solidFill>
                   <a:schemeClr val="tx1"/>
                 </a:solidFill>
@@ -15415,7 +15415,7 @@
               </a14:hiddenLine>
             </a:ext>
             <a:ext uri="{AF507438-7753-43E0-B8FC-AC1667EBCBE1}">
-              <a14:hiddenEffects xmlns:a14="http://schemas.microsoft.com/office/drawing/2010/main" xmlns="">
+              <a14:hiddenEffects xmlns="" xmlns:a14="http://schemas.microsoft.com/office/drawing/2010/main">
                 <a:effectLst>
                   <a:outerShdw dist="35921" dir="2700000" algn="ctr" rotWithShape="0">
                     <a:schemeClr val="bg2"/>
@@ -15483,7 +15483,7 @@
           <p:cNvPr id="10" name="Rectangle 9">
             <a:extLst>
               <a:ext uri="{FF2B5EF4-FFF2-40B4-BE49-F238E27FC236}">
-                <a16:creationId xmlns:a16="http://schemas.microsoft.com/office/drawing/2014/main" xmlns="" id="{99468FB6-6461-4A91-9E0B-2B3FC25F715E}"/>
+                <a16:creationId xmlns="" xmlns:a16="http://schemas.microsoft.com/office/drawing/2014/main" id="{99468FB6-6461-4A91-9E0B-2B3FC25F715E}"/>
               </a:ext>
             </a:extLst>
           </p:cNvPr>
@@ -15507,14 +15507,14 @@
           <a:effectLst/>
           <a:extLst>
             <a:ext uri="{909E8E84-426E-40DD-AFC4-6F175D3DCCD1}">
-              <a14:hiddenFill xmlns:a14="http://schemas.microsoft.com/office/drawing/2010/main" xmlns="">
+              <a14:hiddenFill xmlns="" xmlns:a14="http://schemas.microsoft.com/office/drawing/2010/main">
                 <a:solidFill>
                   <a:schemeClr val="accent1"/>
                 </a:solidFill>
               </a14:hiddenFill>
             </a:ext>
             <a:ext uri="{91240B29-F687-4F45-9708-019B960494DF}">
-              <a14:hiddenLine xmlns:a14="http://schemas.microsoft.com/office/drawing/2010/main" xmlns="" w="9525">
+              <a14:hiddenLine xmlns="" xmlns:a14="http://schemas.microsoft.com/office/drawing/2010/main" w="9525">
                 <a:solidFill>
                   <a:schemeClr val="tx1"/>
                 </a:solidFill>
@@ -15524,7 +15524,7 @@
               </a14:hiddenLine>
             </a:ext>
             <a:ext uri="{AF507438-7753-43E0-B8FC-AC1667EBCBE1}">
-              <a14:hiddenEffects xmlns:a14="http://schemas.microsoft.com/office/drawing/2010/main" xmlns="">
+              <a14:hiddenEffects xmlns="" xmlns:a14="http://schemas.microsoft.com/of